--- a/Java/Java #1/EN/Java #1.pptx
+++ b/Java/Java #1/EN/Java #1.pptx
@@ -8,6 +8,7 @@
     <p:sldId id="256" r:id="rId3"/>
     <p:sldId id="257" r:id="rId4"/>
     <p:sldId id="258" r:id="rId5"/>
+    <p:sldId id="259" r:id="rId6"/>
   </p:sldIdLst>
   <p:sldSz cx="9144000" cy="6858000"/>
   <p:notesSz cx="7772400" cy="10058400"/>
@@ -65,7 +66,7 @@
         <p:txBody>
           <a:bodyPr/>
           <a:p>
-            <a:fld id="{37E1216E-9EC6-4711-BF17-459DAD53E85A}" type="slidenum">
+            <a:fld id="{350DCF45-1567-4539-95BB-9CBF3AB360B7}" type="slidenum">
               <a:t>&lt;#&gt;</a:t>
             </a:fld>
           </a:p>
@@ -274,7 +275,7 @@
         <p:txBody>
           <a:bodyPr/>
           <a:p>
-            <a:fld id="{B0A1E6CB-0011-4705-B482-6922F6CD9614}" type="slidenum">
+            <a:fld id="{9C1378FF-160F-4178-AF09-EC14DD6EE9C8}" type="slidenum">
               <a:t>&lt;#&gt;</a:t>
             </a:fld>
           </a:p>
@@ -569,7 +570,7 @@
         <p:txBody>
           <a:bodyPr/>
           <a:p>
-            <a:fld id="{BDBDE0B0-28F7-492F-A703-80B5A899F3CC}" type="slidenum">
+            <a:fld id="{77B3783A-67A8-42C4-9452-9B76C26FD82D}" type="slidenum">
               <a:t>&lt;#&gt;</a:t>
             </a:fld>
           </a:p>
@@ -950,7 +951,7 @@
         <p:txBody>
           <a:bodyPr/>
           <a:p>
-            <a:fld id="{B2A0224A-2697-4843-9C97-B875391FC6E9}" type="slidenum">
+            <a:fld id="{9A26D427-EBDC-47A7-804E-BDF2194FEF4B}" type="slidenum">
               <a:t>&lt;#&gt;</a:t>
             </a:fld>
           </a:p>
@@ -1113,7 +1114,7 @@
         <p:txBody>
           <a:bodyPr/>
           <a:p>
-            <a:fld id="{55D23194-E0F9-4118-96E6-FF6DE8795591}" type="slidenum">
+            <a:fld id="{D6E566F1-88B0-4D9C-9449-D5346B9BFA9C}" type="slidenum">
               <a:t>&lt;#&gt;</a:t>
             </a:fld>
           </a:p>
@@ -1279,7 +1280,7 @@
         <p:txBody>
           <a:bodyPr/>
           <a:p>
-            <a:fld id="{524BF4A5-4874-44F8-952F-C61382306FFA}" type="slidenum">
+            <a:fld id="{421CAEE9-527A-4FE9-9158-49DFA7D83D62}" type="slidenum">
               <a:t>&lt;#&gt;</a:t>
             </a:fld>
           </a:p>
@@ -1488,7 +1489,7 @@
         <p:txBody>
           <a:bodyPr/>
           <a:p>
-            <a:fld id="{BFFE0F3F-28A2-47D6-846A-C3F735A0A565}" type="slidenum">
+            <a:fld id="{87C3C0E7-55A6-4899-91D7-346A645FD50C}" type="slidenum">
               <a:t>&lt;#&gt;</a:t>
             </a:fld>
           </a:p>
@@ -1611,7 +1612,7 @@
         <p:txBody>
           <a:bodyPr/>
           <a:p>
-            <a:fld id="{2CAF6641-6004-4090-A3A0-051CFC0B5621}" type="slidenum">
+            <a:fld id="{8D2C35E2-8419-4072-81EF-6D0D12CCDA23}" type="slidenum">
               <a:t>&lt;#&gt;</a:t>
             </a:fld>
           </a:p>
@@ -1732,7 +1733,7 @@
         <p:txBody>
           <a:bodyPr/>
           <a:p>
-            <a:fld id="{019FF111-F97F-4B12-8A85-3A48D9B86D97}" type="slidenum">
+            <a:fld id="{057E1E6D-CD33-47C5-A4E2-84515170F34D}" type="slidenum">
               <a:t>&lt;#&gt;</a:t>
             </a:fld>
           </a:p>
@@ -1984,7 +1985,7 @@
         <p:txBody>
           <a:bodyPr/>
           <a:p>
-            <a:fld id="{0C917CCC-907F-4813-AD71-8EE9B7A33371}" type="slidenum">
+            <a:fld id="{3E709536-8562-4255-A70F-47FBCBBF3F25}" type="slidenum">
               <a:t>&lt;#&gt;</a:t>
             </a:fld>
           </a:p>
@@ -2236,7 +2237,7 @@
         <p:txBody>
           <a:bodyPr/>
           <a:p>
-            <a:fld id="{CC687DD0-B283-4EA9-8F4A-378EE3FA1B13}" type="slidenum">
+            <a:fld id="{1B05EAF1-E6FA-42CB-AC59-264DF9EBBA06}" type="slidenum">
               <a:t>&lt;#&gt;</a:t>
             </a:fld>
           </a:p>
@@ -2488,7 +2489,7 @@
         <p:txBody>
           <a:bodyPr/>
           <a:p>
-            <a:fld id="{99CAAD45-F7D1-4C79-A0DC-34E79CC521F3}" type="slidenum">
+            <a:fld id="{49B0A824-E744-45EF-9887-E9F5A9249FBC}" type="slidenum">
               <a:t>&lt;#&gt;</a:t>
             </a:fld>
           </a:p>
@@ -2557,7 +2558,7 @@
         <p:spPr>
           <a:xfrm>
             <a:off x="3124080" y="6356520"/>
-            <a:ext cx="2893320" cy="362880"/>
+            <a:ext cx="2892240" cy="361800"/>
           </a:xfrm>
           <a:prstGeom prst="rect">
             <a:avLst/>
@@ -2629,7 +2630,7 @@
         <p:spPr>
           <a:xfrm>
             <a:off x="6553080" y="6356520"/>
-            <a:ext cx="2131560" cy="362880"/>
+            <a:ext cx="2130480" cy="361800"/>
           </a:xfrm>
           <a:prstGeom prst="rect">
             <a:avLst/>
@@ -2670,7 +2671,7 @@
                 <a:tab algn="l" pos="0"/>
               </a:tabLst>
             </a:pPr>
-            <a:fld id="{773CD991-7A75-448A-A962-823C0E51B942}" type="slidenum">
+            <a:fld id="{1F56CA5B-385D-4104-A41F-B8242ABB3B16}" type="slidenum">
               <a:rPr b="0" lang="en-US" sz="1200" spc="-1" strike="noStrike">
                 <a:solidFill>
                   <a:srgbClr val="8b8b8b"/>
@@ -2701,7 +2702,7 @@
         <p:spPr>
           <a:xfrm>
             <a:off x="457200" y="6356520"/>
-            <a:ext cx="2131560" cy="362880"/>
+            <a:ext cx="2130480" cy="361800"/>
           </a:xfrm>
           <a:prstGeom prst="rect">
             <a:avLst/>
@@ -3068,7 +3069,7 @@
         <p:spPr>
           <a:xfrm>
             <a:off x="0" y="0"/>
-            <a:ext cx="12186720" cy="6855840"/>
+            <a:ext cx="12185640" cy="6854760"/>
           </a:xfrm>
           <a:prstGeom prst="rect">
             <a:avLst/>
@@ -3128,7 +3129,7 @@
         <p:spPr>
           <a:xfrm>
             <a:off x="0" y="0"/>
-            <a:ext cx="16200" cy="6855840"/>
+            <a:ext cx="15120" cy="6854760"/>
           </a:xfrm>
           <a:prstGeom prst="rect">
             <a:avLst/>
@@ -3188,7 +3189,7 @@
         <p:spPr>
           <a:xfrm>
             <a:off x="914400" y="0"/>
-            <a:ext cx="16200" cy="6855840"/>
+            <a:ext cx="15120" cy="6854760"/>
           </a:xfrm>
           <a:prstGeom prst="rect">
             <a:avLst/>
@@ -3248,7 +3249,7 @@
         <p:spPr>
           <a:xfrm>
             <a:off x="1828800" y="0"/>
-            <a:ext cx="16200" cy="6855840"/>
+            <a:ext cx="15120" cy="6854760"/>
           </a:xfrm>
           <a:prstGeom prst="rect">
             <a:avLst/>
@@ -3308,7 +3309,7 @@
         <p:spPr>
           <a:xfrm>
             <a:off x="2743200" y="0"/>
-            <a:ext cx="16200" cy="6855840"/>
+            <a:ext cx="15120" cy="6854760"/>
           </a:xfrm>
           <a:prstGeom prst="rect">
             <a:avLst/>
@@ -3368,7 +3369,7 @@
         <p:spPr>
           <a:xfrm>
             <a:off x="3657600" y="0"/>
-            <a:ext cx="16200" cy="6855840"/>
+            <a:ext cx="15120" cy="6854760"/>
           </a:xfrm>
           <a:prstGeom prst="rect">
             <a:avLst/>
@@ -3428,7 +3429,7 @@
         <p:spPr>
           <a:xfrm>
             <a:off x="4572000" y="0"/>
-            <a:ext cx="16200" cy="6855840"/>
+            <a:ext cx="15120" cy="6854760"/>
           </a:xfrm>
           <a:prstGeom prst="rect">
             <a:avLst/>
@@ -3488,7 +3489,7 @@
         <p:spPr>
           <a:xfrm>
             <a:off x="5486400" y="0"/>
-            <a:ext cx="16200" cy="6855840"/>
+            <a:ext cx="15120" cy="6854760"/>
           </a:xfrm>
           <a:prstGeom prst="rect">
             <a:avLst/>
@@ -3548,7 +3549,7 @@
         <p:spPr>
           <a:xfrm>
             <a:off x="6400800" y="0"/>
-            <a:ext cx="16200" cy="6855840"/>
+            <a:ext cx="15120" cy="6854760"/>
           </a:xfrm>
           <a:prstGeom prst="rect">
             <a:avLst/>
@@ -3608,7 +3609,7 @@
         <p:spPr>
           <a:xfrm>
             <a:off x="7315200" y="0"/>
-            <a:ext cx="16200" cy="6855840"/>
+            <a:ext cx="15120" cy="6854760"/>
           </a:xfrm>
           <a:prstGeom prst="rect">
             <a:avLst/>
@@ -3668,7 +3669,7 @@
         <p:spPr>
           <a:xfrm>
             <a:off x="8229600" y="0"/>
-            <a:ext cx="16200" cy="6855840"/>
+            <a:ext cx="15120" cy="6854760"/>
           </a:xfrm>
           <a:prstGeom prst="rect">
             <a:avLst/>
@@ -3728,7 +3729,7 @@
         <p:spPr>
           <a:xfrm>
             <a:off x="9144000" y="0"/>
-            <a:ext cx="16200" cy="6855840"/>
+            <a:ext cx="15120" cy="6854760"/>
           </a:xfrm>
           <a:prstGeom prst="rect">
             <a:avLst/>
@@ -3788,7 +3789,7 @@
         <p:spPr>
           <a:xfrm>
             <a:off x="10058400" y="0"/>
-            <a:ext cx="16200" cy="6855840"/>
+            <a:ext cx="15120" cy="6854760"/>
           </a:xfrm>
           <a:prstGeom prst="rect">
             <a:avLst/>
@@ -3848,7 +3849,7 @@
         <p:spPr>
           <a:xfrm>
             <a:off x="10972800" y="0"/>
-            <a:ext cx="16200" cy="6855840"/>
+            <a:ext cx="15120" cy="6854760"/>
           </a:xfrm>
           <a:prstGeom prst="rect">
             <a:avLst/>
@@ -3908,7 +3909,7 @@
         <p:spPr>
           <a:xfrm>
             <a:off x="11887200" y="0"/>
-            <a:ext cx="16200" cy="6855840"/>
+            <a:ext cx="15120" cy="6854760"/>
           </a:xfrm>
           <a:prstGeom prst="rect">
             <a:avLst/>
@@ -3968,7 +3969,7 @@
         <p:spPr>
           <a:xfrm>
             <a:off x="0" y="0"/>
-            <a:ext cx="317880" cy="6855840"/>
+            <a:ext cx="316800" cy="6854760"/>
           </a:xfrm>
           <a:prstGeom prst="rect">
             <a:avLst/>
@@ -4028,7 +4029,7 @@
         <p:spPr>
           <a:xfrm>
             <a:off x="9875520" y="365760"/>
-            <a:ext cx="2009520" cy="500760"/>
+            <a:ext cx="2008440" cy="499680"/>
           </a:xfrm>
           <a:prstGeom prst="roundRect">
             <a:avLst>
@@ -4102,7 +4103,7 @@
         <p:spPr>
           <a:xfrm>
             <a:off x="3817800" y="1005840"/>
-            <a:ext cx="3335040" cy="820800"/>
+            <a:ext cx="3334320" cy="820800"/>
           </a:xfrm>
           <a:prstGeom prst="rect">
             <a:avLst/>
@@ -4223,7 +4224,7 @@
         <p:spPr>
           <a:xfrm>
             <a:off x="987480" y="3182040"/>
-            <a:ext cx="3289680" cy="2741040"/>
+            <a:ext cx="3288600" cy="2739960"/>
           </a:xfrm>
           <a:prstGeom prst="roundRect">
             <a:avLst>
@@ -4285,7 +4286,7 @@
         <p:spPr>
           <a:xfrm>
             <a:off x="914400" y="3108960"/>
-            <a:ext cx="3289680" cy="2741040"/>
+            <a:ext cx="3288600" cy="2739960"/>
           </a:xfrm>
           <a:prstGeom prst="roundRect">
             <a:avLst>
@@ -4435,7 +4436,7 @@
         <p:spPr>
           <a:xfrm>
             <a:off x="4507920" y="3182040"/>
-            <a:ext cx="3289680" cy="2741040"/>
+            <a:ext cx="3288600" cy="2739960"/>
           </a:xfrm>
           <a:prstGeom prst="roundRect">
             <a:avLst>
@@ -4497,7 +4498,7 @@
         <p:spPr>
           <a:xfrm>
             <a:off x="4434840" y="3108960"/>
-            <a:ext cx="3289680" cy="2741040"/>
+            <a:ext cx="3288600" cy="2739960"/>
           </a:xfrm>
           <a:prstGeom prst="roundRect">
             <a:avLst>
@@ -4682,6 +4683,62 @@
               <a:latin typeface="Arial"/>
             </a:endParaRPr>
           </a:p>
+          <a:p>
+            <a:pPr>
+              <a:lnSpc>
+                <a:spcPct val="100000"/>
+              </a:lnSpc>
+            </a:pPr>
+            <a:r>
+              <a:rPr b="0" lang="en-US" sz="1800" spc="-1" strike="noStrike">
+                <a:solidFill>
+                  <a:schemeClr val="lt1"/>
+                </a:solidFill>
+                <a:latin typeface="Calibri"/>
+                <a:ea typeface="DejaVu Sans"/>
+              </a:rPr>
+              <a:t>                    ↓</a:t>
+            </a:r>
+            <a:endParaRPr b="0" lang="en-US" sz="1800" spc="-1" strike="noStrike">
+              <a:solidFill>
+                <a:srgbClr val="ffffff"/>
+              </a:solidFill>
+              <a:latin typeface="Arial"/>
+            </a:endParaRPr>
+          </a:p>
+          <a:p>
+            <a:pPr>
+              <a:lnSpc>
+                <a:spcPct val="100000"/>
+              </a:lnSpc>
+            </a:pPr>
+            <a:r>
+              <a:rPr b="0" lang="en-US" sz="1800" spc="-1" strike="noStrike">
+                <a:solidFill>
+                  <a:schemeClr val="lt1"/>
+                </a:solidFill>
+                <a:latin typeface="Calibri"/>
+                <a:ea typeface="DejaVu Sans"/>
+              </a:rPr>
+              <a:t>               </a:t>
+            </a:r>
+            <a:r>
+              <a:rPr b="0" lang="en-US" sz="1800" spc="-1" strike="noStrike">
+                <a:solidFill>
+                  <a:schemeClr val="lt1"/>
+                </a:solidFill>
+                <a:latin typeface="Calibri"/>
+                <a:ea typeface="DejaVu Sans"/>
+              </a:rPr>
+              <a:t>Java History</a:t>
+            </a:r>
+            <a:endParaRPr b="0" lang="en-US" sz="1800" spc="-1" strike="noStrike">
+              <a:solidFill>
+                <a:srgbClr val="ffffff"/>
+              </a:solidFill>
+              <a:latin typeface="Arial"/>
+            </a:endParaRPr>
+          </a:p>
         </p:txBody>
       </p:sp>
       <p:sp>
@@ -4693,7 +4750,7 @@
         <p:spPr>
           <a:xfrm>
             <a:off x="8028360" y="3182040"/>
-            <a:ext cx="3289680" cy="2741040"/>
+            <a:ext cx="3288600" cy="2739960"/>
           </a:xfrm>
           <a:prstGeom prst="roundRect">
             <a:avLst>
@@ -4755,7 +4812,7 @@
         <p:spPr>
           <a:xfrm>
             <a:off x="7955280" y="3108960"/>
-            <a:ext cx="3289680" cy="2741040"/>
+            <a:ext cx="3288600" cy="2739960"/>
           </a:xfrm>
           <a:prstGeom prst="roundRect">
             <a:avLst>
@@ -4913,7 +4970,7 @@
         <p:spPr>
           <a:xfrm>
             <a:off x="0" y="0"/>
-            <a:ext cx="12186720" cy="6855840"/>
+            <a:ext cx="12185640" cy="6854760"/>
           </a:xfrm>
           <a:prstGeom prst="rect">
             <a:avLst/>
@@ -4973,7 +5030,7 @@
         <p:spPr>
           <a:xfrm>
             <a:off x="0" y="0"/>
-            <a:ext cx="16200" cy="6855840"/>
+            <a:ext cx="15120" cy="6854760"/>
           </a:xfrm>
           <a:prstGeom prst="rect">
             <a:avLst/>
@@ -5033,7 +5090,7 @@
         <p:spPr>
           <a:xfrm>
             <a:off x="914400" y="0"/>
-            <a:ext cx="16200" cy="6855840"/>
+            <a:ext cx="15120" cy="6854760"/>
           </a:xfrm>
           <a:prstGeom prst="rect">
             <a:avLst/>
@@ -5093,7 +5150,7 @@
         <p:spPr>
           <a:xfrm>
             <a:off x="1828800" y="0"/>
-            <a:ext cx="16200" cy="6855840"/>
+            <a:ext cx="15120" cy="6854760"/>
           </a:xfrm>
           <a:prstGeom prst="rect">
             <a:avLst/>
@@ -5153,7 +5210,7 @@
         <p:spPr>
           <a:xfrm>
             <a:off x="2743200" y="0"/>
-            <a:ext cx="16200" cy="6855840"/>
+            <a:ext cx="15120" cy="6854760"/>
           </a:xfrm>
           <a:prstGeom prst="rect">
             <a:avLst/>
@@ -5213,7 +5270,7 @@
         <p:spPr>
           <a:xfrm>
             <a:off x="3657600" y="0"/>
-            <a:ext cx="16200" cy="6855840"/>
+            <a:ext cx="15120" cy="6854760"/>
           </a:xfrm>
           <a:prstGeom prst="rect">
             <a:avLst/>
@@ -5273,7 +5330,7 @@
         <p:spPr>
           <a:xfrm>
             <a:off x="4572000" y="0"/>
-            <a:ext cx="16200" cy="6855840"/>
+            <a:ext cx="15120" cy="6854760"/>
           </a:xfrm>
           <a:prstGeom prst="rect">
             <a:avLst/>
@@ -5333,7 +5390,7 @@
         <p:spPr>
           <a:xfrm>
             <a:off x="5486400" y="0"/>
-            <a:ext cx="16200" cy="6855840"/>
+            <a:ext cx="15120" cy="6854760"/>
           </a:xfrm>
           <a:prstGeom prst="rect">
             <a:avLst/>
@@ -5393,7 +5450,7 @@
         <p:spPr>
           <a:xfrm>
             <a:off x="6400800" y="0"/>
-            <a:ext cx="16200" cy="6855840"/>
+            <a:ext cx="15120" cy="6854760"/>
           </a:xfrm>
           <a:prstGeom prst="rect">
             <a:avLst/>
@@ -5453,7 +5510,7 @@
         <p:spPr>
           <a:xfrm>
             <a:off x="7315200" y="0"/>
-            <a:ext cx="16200" cy="6855840"/>
+            <a:ext cx="15120" cy="6854760"/>
           </a:xfrm>
           <a:prstGeom prst="rect">
             <a:avLst/>
@@ -5513,7 +5570,7 @@
         <p:spPr>
           <a:xfrm>
             <a:off x="8229600" y="0"/>
-            <a:ext cx="16200" cy="6855840"/>
+            <a:ext cx="15120" cy="6854760"/>
           </a:xfrm>
           <a:prstGeom prst="rect">
             <a:avLst/>
@@ -5573,7 +5630,7 @@
         <p:spPr>
           <a:xfrm>
             <a:off x="9144000" y="0"/>
-            <a:ext cx="16200" cy="6855840"/>
+            <a:ext cx="15120" cy="6854760"/>
           </a:xfrm>
           <a:prstGeom prst="rect">
             <a:avLst/>
@@ -5633,7 +5690,7 @@
         <p:spPr>
           <a:xfrm>
             <a:off x="10058400" y="0"/>
-            <a:ext cx="16200" cy="6855840"/>
+            <a:ext cx="15120" cy="6854760"/>
           </a:xfrm>
           <a:prstGeom prst="rect">
             <a:avLst/>
@@ -5693,7 +5750,7 @@
         <p:spPr>
           <a:xfrm>
             <a:off x="10972800" y="0"/>
-            <a:ext cx="16200" cy="6855840"/>
+            <a:ext cx="15120" cy="6854760"/>
           </a:xfrm>
           <a:prstGeom prst="rect">
             <a:avLst/>
@@ -5753,7 +5810,7 @@
         <p:spPr>
           <a:xfrm>
             <a:off x="11887200" y="0"/>
-            <a:ext cx="16200" cy="6855840"/>
+            <a:ext cx="15120" cy="6854760"/>
           </a:xfrm>
           <a:prstGeom prst="rect">
             <a:avLst/>
@@ -5813,7 +5870,7 @@
         <p:spPr>
           <a:xfrm>
             <a:off x="0" y="0"/>
-            <a:ext cx="317880" cy="6855840"/>
+            <a:ext cx="316800" cy="6854760"/>
           </a:xfrm>
           <a:prstGeom prst="rect">
             <a:avLst/>
@@ -5873,7 +5930,7 @@
         <p:spPr>
           <a:xfrm>
             <a:off x="9875520" y="365760"/>
-            <a:ext cx="2009520" cy="500760"/>
+            <a:ext cx="2008440" cy="499680"/>
           </a:xfrm>
           <a:prstGeom prst="roundRect">
             <a:avLst>
@@ -6001,7 +6058,7 @@
         <p:spPr>
           <a:xfrm>
             <a:off x="2825640" y="2057400"/>
-            <a:ext cx="5910480" cy="957960"/>
+            <a:ext cx="5909760" cy="957960"/>
           </a:xfrm>
           <a:prstGeom prst="rect">
             <a:avLst/>
@@ -6091,7 +6148,7 @@
         <p:spPr>
           <a:xfrm>
             <a:off x="987480" y="3182040"/>
-            <a:ext cx="3289680" cy="2741040"/>
+            <a:ext cx="3288600" cy="2739960"/>
           </a:xfrm>
           <a:prstGeom prst="roundRect">
             <a:avLst>
@@ -6153,7 +6210,7 @@
         <p:spPr>
           <a:xfrm>
             <a:off x="914400" y="3108960"/>
-            <a:ext cx="3289680" cy="2741040"/>
+            <a:ext cx="3288600" cy="2739960"/>
           </a:xfrm>
           <a:prstGeom prst="roundRect">
             <a:avLst>
@@ -6382,7 +6439,7 @@
         <p:spPr>
           <a:xfrm>
             <a:off x="4507920" y="3182040"/>
-            <a:ext cx="3289680" cy="2741040"/>
+            <a:ext cx="3288600" cy="2739960"/>
           </a:xfrm>
           <a:prstGeom prst="roundRect">
             <a:avLst>
@@ -6444,7 +6501,7 @@
         <p:spPr>
           <a:xfrm>
             <a:off x="4434840" y="3108960"/>
-            <a:ext cx="3289680" cy="2741040"/>
+            <a:ext cx="3288600" cy="2739960"/>
           </a:xfrm>
           <a:prstGeom prst="roundRect">
             <a:avLst>
@@ -6524,6 +6581,16 @@
                 <a:latin typeface="Calibri"/>
                 <a:ea typeface="DejaVu Sans"/>
               </a:rPr>
+              <a:t>      </a:t>
+            </a:r>
+            <a:r>
+              <a:rPr b="0" lang="en-US" sz="1500" spc="-1" strike="noStrike">
+                <a:solidFill>
+                  <a:schemeClr val="lt1"/>
+                </a:solidFill>
+                <a:latin typeface="Calibri"/>
+                <a:ea typeface="DejaVu Sans"/>
+              </a:rPr>
               <a:t>Java Source Code (.java)</a:t>
             </a:r>
             <a:endParaRPr b="0" lang="en-US" sz="1500" spc="-1" strike="noStrike">
@@ -6810,7 +6877,7 @@
         <p:spPr>
           <a:xfrm>
             <a:off x="8028360" y="3182040"/>
-            <a:ext cx="3289680" cy="2741040"/>
+            <a:ext cx="3288600" cy="2739960"/>
           </a:xfrm>
           <a:prstGeom prst="roundRect">
             <a:avLst>
@@ -6872,7 +6939,7 @@
         <p:spPr>
           <a:xfrm>
             <a:off x="7955280" y="3108960"/>
-            <a:ext cx="3289680" cy="2741040"/>
+            <a:ext cx="3288600" cy="2739960"/>
           </a:xfrm>
           <a:prstGeom prst="roundRect">
             <a:avLst>
@@ -7165,7 +7232,7 @@
         <p:spPr>
           <a:xfrm>
             <a:off x="0" y="0"/>
-            <a:ext cx="12186720" cy="6855840"/>
+            <a:ext cx="12185640" cy="6854760"/>
           </a:xfrm>
           <a:prstGeom prst="rect">
             <a:avLst/>
@@ -7225,7 +7292,7 @@
         <p:spPr>
           <a:xfrm>
             <a:off x="0" y="0"/>
-            <a:ext cx="16200" cy="6855840"/>
+            <a:ext cx="15120" cy="6854760"/>
           </a:xfrm>
           <a:prstGeom prst="rect">
             <a:avLst/>
@@ -7285,7 +7352,7 @@
         <p:spPr>
           <a:xfrm>
             <a:off x="914400" y="0"/>
-            <a:ext cx="16200" cy="6855840"/>
+            <a:ext cx="15120" cy="6854760"/>
           </a:xfrm>
           <a:prstGeom prst="rect">
             <a:avLst/>
@@ -7345,7 +7412,7 @@
         <p:spPr>
           <a:xfrm>
             <a:off x="1828800" y="0"/>
-            <a:ext cx="16200" cy="6855840"/>
+            <a:ext cx="15120" cy="6854760"/>
           </a:xfrm>
           <a:prstGeom prst="rect">
             <a:avLst/>
@@ -7405,7 +7472,7 @@
         <p:spPr>
           <a:xfrm>
             <a:off x="2743200" y="0"/>
-            <a:ext cx="16200" cy="6855840"/>
+            <a:ext cx="15120" cy="6854760"/>
           </a:xfrm>
           <a:prstGeom prst="rect">
             <a:avLst/>
@@ -7465,7 +7532,7 @@
         <p:spPr>
           <a:xfrm>
             <a:off x="3657600" y="0"/>
-            <a:ext cx="16200" cy="6855840"/>
+            <a:ext cx="15120" cy="6854760"/>
           </a:xfrm>
           <a:prstGeom prst="rect">
             <a:avLst/>
@@ -7525,7 +7592,7 @@
         <p:spPr>
           <a:xfrm>
             <a:off x="4572000" y="0"/>
-            <a:ext cx="16200" cy="6855840"/>
+            <a:ext cx="15120" cy="6854760"/>
           </a:xfrm>
           <a:prstGeom prst="rect">
             <a:avLst/>
@@ -7585,7 +7652,7 @@
         <p:spPr>
           <a:xfrm>
             <a:off x="5486400" y="0"/>
-            <a:ext cx="16200" cy="6855840"/>
+            <a:ext cx="15120" cy="6854760"/>
           </a:xfrm>
           <a:prstGeom prst="rect">
             <a:avLst/>
@@ -7645,7 +7712,7 @@
         <p:spPr>
           <a:xfrm>
             <a:off x="6400800" y="0"/>
-            <a:ext cx="16200" cy="6855840"/>
+            <a:ext cx="15120" cy="6854760"/>
           </a:xfrm>
           <a:prstGeom prst="rect">
             <a:avLst/>
@@ -7705,7 +7772,7 @@
         <p:spPr>
           <a:xfrm>
             <a:off x="7315200" y="0"/>
-            <a:ext cx="16200" cy="6855840"/>
+            <a:ext cx="15120" cy="6854760"/>
           </a:xfrm>
           <a:prstGeom prst="rect">
             <a:avLst/>
@@ -7765,7 +7832,7 @@
         <p:spPr>
           <a:xfrm>
             <a:off x="8229600" y="0"/>
-            <a:ext cx="16200" cy="6855840"/>
+            <a:ext cx="15120" cy="6854760"/>
           </a:xfrm>
           <a:prstGeom prst="rect">
             <a:avLst/>
@@ -7825,7 +7892,7 @@
         <p:spPr>
           <a:xfrm>
             <a:off x="9144000" y="0"/>
-            <a:ext cx="16200" cy="6855840"/>
+            <a:ext cx="15120" cy="6854760"/>
           </a:xfrm>
           <a:prstGeom prst="rect">
             <a:avLst/>
@@ -7885,7 +7952,7 @@
         <p:spPr>
           <a:xfrm>
             <a:off x="10058400" y="0"/>
-            <a:ext cx="16200" cy="6855840"/>
+            <a:ext cx="15120" cy="6854760"/>
           </a:xfrm>
           <a:prstGeom prst="rect">
             <a:avLst/>
@@ -7945,7 +8012,7 @@
         <p:spPr>
           <a:xfrm>
             <a:off x="10972800" y="0"/>
-            <a:ext cx="16200" cy="6855840"/>
+            <a:ext cx="15120" cy="6854760"/>
           </a:xfrm>
           <a:prstGeom prst="rect">
             <a:avLst/>
@@ -8005,7 +8072,7 @@
         <p:spPr>
           <a:xfrm>
             <a:off x="11887200" y="0"/>
-            <a:ext cx="16200" cy="6855840"/>
+            <a:ext cx="15120" cy="6854760"/>
           </a:xfrm>
           <a:prstGeom prst="rect">
             <a:avLst/>
@@ -8065,7 +8132,7 @@
         <p:spPr>
           <a:xfrm>
             <a:off x="0" y="0"/>
-            <a:ext cx="317880" cy="6855840"/>
+            <a:ext cx="316800" cy="6854760"/>
           </a:xfrm>
           <a:prstGeom prst="rect">
             <a:avLst/>
@@ -8125,7 +8192,7 @@
         <p:spPr>
           <a:xfrm>
             <a:off x="9875520" y="365760"/>
-            <a:ext cx="2009520" cy="500760"/>
+            <a:ext cx="2008440" cy="499680"/>
           </a:xfrm>
           <a:prstGeom prst="roundRect">
             <a:avLst>
@@ -8320,7 +8387,7 @@
         <p:spPr>
           <a:xfrm>
             <a:off x="987480" y="3182040"/>
-            <a:ext cx="3289680" cy="2741040"/>
+            <a:ext cx="3288600" cy="2739960"/>
           </a:xfrm>
           <a:prstGeom prst="roundRect">
             <a:avLst>
@@ -8382,7 +8449,7 @@
         <p:spPr>
           <a:xfrm>
             <a:off x="914400" y="3108960"/>
-            <a:ext cx="3289680" cy="2741040"/>
+            <a:ext cx="3288600" cy="2739960"/>
           </a:xfrm>
           <a:prstGeom prst="roundRect">
             <a:avLst>
@@ -8545,7 +8612,7 @@
         <p:spPr>
           <a:xfrm>
             <a:off x="4507920" y="3182040"/>
-            <a:ext cx="3289680" cy="2741040"/>
+            <a:ext cx="3288600" cy="2739960"/>
           </a:xfrm>
           <a:prstGeom prst="roundRect">
             <a:avLst>
@@ -8607,7 +8674,7 @@
         <p:spPr>
           <a:xfrm>
             <a:off x="4434840" y="3108960"/>
-            <a:ext cx="3289680" cy="2741040"/>
+            <a:ext cx="3288600" cy="2739960"/>
           </a:xfrm>
           <a:prstGeom prst="roundRect">
             <a:avLst>
@@ -8878,7 +8945,7 @@
         <p:spPr>
           <a:xfrm>
             <a:off x="8028360" y="3182040"/>
-            <a:ext cx="3289680" cy="2741040"/>
+            <a:ext cx="3288600" cy="2739960"/>
           </a:xfrm>
           <a:prstGeom prst="roundRect">
             <a:avLst>
@@ -8940,7 +9007,7 @@
         <p:spPr>
           <a:xfrm>
             <a:off x="7955280" y="3108960"/>
-            <a:ext cx="3289680" cy="2741040"/>
+            <a:ext cx="3288600" cy="2739960"/>
           </a:xfrm>
           <a:prstGeom prst="roundRect">
             <a:avLst>
@@ -9182,6 +9249,2461 @@
       <p:sp>
         <p:nvSpPr>
           <p:cNvPr id="118" name="TextBox 9"/>
+          <p:cNvSpPr/>
+          <p:nvPr/>
+        </p:nvSpPr>
+        <p:spPr>
+          <a:xfrm>
+            <a:off x="4600080" y="6446520"/>
+            <a:ext cx="3051000" cy="363960"/>
+          </a:xfrm>
+          <a:prstGeom prst="rect">
+            <a:avLst/>
+          </a:prstGeom>
+          <a:noFill/>
+          <a:ln w="0">
+            <a:noFill/>
+          </a:ln>
+        </p:spPr>
+        <p:style>
+          <a:lnRef idx="0"/>
+          <a:fillRef idx="0"/>
+          <a:effectRef idx="0"/>
+          <a:fontRef idx="minor"/>
+        </p:style>
+        <p:txBody>
+          <a:bodyPr wrap="none" lIns="90000" rIns="90000" tIns="45000" bIns="45000" anchor="t">
+            <a:spAutoFit/>
+          </a:bodyPr>
+          <a:p>
+            <a:pPr>
+              <a:lnSpc>
+                <a:spcPct val="100000"/>
+              </a:lnSpc>
+            </a:pPr>
+            <a:r>
+              <a:rPr b="0" lang="en-US" sz="1800" spc="-1" strike="noStrike">
+                <a:solidFill>
+                  <a:srgbClr val="000000"/>
+                </a:solidFill>
+                <a:latin typeface="Calibri"/>
+                <a:ea typeface="DejaVu Sans"/>
+              </a:rPr>
+              <a:t>Java • Ultra Premium Template</a:t>
+            </a:r>
+            <a:endParaRPr b="0" lang="en-US" sz="1800" spc="-1" strike="noStrike">
+              <a:solidFill>
+                <a:srgbClr val="000000"/>
+              </a:solidFill>
+              <a:latin typeface="Arial"/>
+            </a:endParaRPr>
+          </a:p>
+        </p:txBody>
+      </p:sp>
+    </p:spTree>
+  </p:cSld>
+  <mc:AlternateContent>
+    <mc:Choice Requires="p14">
+      <p:transition spd="slow" p14:dur="2000"/>
+    </mc:Choice>
+    <mc:Fallback>
+      <p:transition spd="slow"/>
+    </mc:Fallback>
+  </mc:AlternateContent>
+</p:sld>
+</file>
+
+<file path=ppt/slides/slide4.xml><?xml version="1.0" encoding="utf-8"?>
+<p:sld xmlns:a="http://schemas.openxmlformats.org/drawingml/2006/main" xmlns:p="http://schemas.openxmlformats.org/presentationml/2006/main" xmlns:r="http://schemas.openxmlformats.org/officeDocument/2006/relationships" xmlns:p14="http://schemas.microsoft.com/office/powerpoint/2010/main" xmlns:p15="http://schemas.microsoft.com/office/powerpoint/2012/main" xmlns:mc="http://schemas.openxmlformats.org/markup-compatibility/2006">
+  <p:cSld>
+    <p:spTree>
+      <p:nvGrpSpPr>
+        <p:cNvPr id="1" name=""/>
+        <p:cNvGrpSpPr/>
+        <p:nvPr/>
+      </p:nvGrpSpPr>
+      <p:grpSpPr>
+        <a:xfrm>
+          <a:off x="0" y="0"/>
+          <a:ext cx="0" cy="0"/>
+          <a:chOff x="0" y="0"/>
+          <a:chExt cx="0" cy="0"/>
+        </a:xfrm>
+      </p:grpSpPr>
+      <p:sp>
+        <p:nvSpPr>
+          <p:cNvPr id="119" name="Rectangle 49"/>
+          <p:cNvSpPr/>
+          <p:nvPr/>
+        </p:nvSpPr>
+        <p:spPr>
+          <a:xfrm>
+            <a:off x="0" y="0"/>
+            <a:ext cx="12185640" cy="6854760"/>
+          </a:xfrm>
+          <a:prstGeom prst="rect">
+            <a:avLst/>
+          </a:prstGeom>
+          <a:solidFill>
+            <a:srgbClr val="0b0b0d"/>
+          </a:solidFill>
+          <a:ln>
+            <a:noFill/>
+          </a:ln>
+          <a:effectLst>
+            <a:outerShdw blurRad="39960" dir="5400000" dist="23040" rotWithShape="0">
+              <a:srgbClr val="000000">
+                <a:alpha val="35000"/>
+              </a:srgbClr>
+            </a:outerShdw>
+          </a:effectLst>
+        </p:spPr>
+        <p:style>
+          <a:lnRef idx="1">
+            <a:schemeClr val="accent1"/>
+          </a:lnRef>
+          <a:fillRef idx="3">
+            <a:schemeClr val="accent1"/>
+          </a:fillRef>
+          <a:effectRef idx="2">
+            <a:schemeClr val="accent1"/>
+          </a:effectRef>
+          <a:fontRef idx="minor"/>
+        </p:style>
+        <p:txBody>
+          <a:bodyPr lIns="90000" rIns="90000" tIns="45000" bIns="45000" anchor="ctr">
+            <a:noAutofit/>
+          </a:bodyPr>
+          <a:p>
+            <a:pPr>
+              <a:lnSpc>
+                <a:spcPct val="100000"/>
+              </a:lnSpc>
+            </a:pPr>
+            <a:endParaRPr b="0" lang="en-US" sz="1800" spc="-1" strike="noStrike">
+              <a:solidFill>
+                <a:schemeClr val="lt1"/>
+              </a:solidFill>
+              <a:latin typeface="Calibri"/>
+              <a:ea typeface="DejaVu Sans"/>
+            </a:endParaRPr>
+          </a:p>
+        </p:txBody>
+      </p:sp>
+      <p:sp>
+        <p:nvSpPr>
+          <p:cNvPr id="120" name="Rectangle 50"/>
+          <p:cNvSpPr/>
+          <p:nvPr/>
+        </p:nvSpPr>
+        <p:spPr>
+          <a:xfrm>
+            <a:off x="0" y="0"/>
+            <a:ext cx="15120" cy="6854760"/>
+          </a:xfrm>
+          <a:prstGeom prst="rect">
+            <a:avLst/>
+          </a:prstGeom>
+          <a:solidFill>
+            <a:srgbClr val="121216"/>
+          </a:solidFill>
+          <a:ln>
+            <a:noFill/>
+          </a:ln>
+          <a:effectLst>
+            <a:outerShdw blurRad="39960" dir="5400000" dist="23040" rotWithShape="0">
+              <a:srgbClr val="000000">
+                <a:alpha val="35000"/>
+              </a:srgbClr>
+            </a:outerShdw>
+          </a:effectLst>
+        </p:spPr>
+        <p:style>
+          <a:lnRef idx="1">
+            <a:schemeClr val="accent1"/>
+          </a:lnRef>
+          <a:fillRef idx="3">
+            <a:schemeClr val="accent1"/>
+          </a:fillRef>
+          <a:effectRef idx="2">
+            <a:schemeClr val="accent1"/>
+          </a:effectRef>
+          <a:fontRef idx="minor"/>
+        </p:style>
+        <p:txBody>
+          <a:bodyPr lIns="90000" rIns="90000" tIns="45000" bIns="45000" anchor="ctr">
+            <a:noAutofit/>
+          </a:bodyPr>
+          <a:p>
+            <a:pPr>
+              <a:lnSpc>
+                <a:spcPct val="100000"/>
+              </a:lnSpc>
+            </a:pPr>
+            <a:endParaRPr b="0" lang="en-US" sz="1800" spc="-1" strike="noStrike">
+              <a:solidFill>
+                <a:schemeClr val="lt1"/>
+              </a:solidFill>
+              <a:latin typeface="Calibri"/>
+              <a:ea typeface="DejaVu Sans"/>
+            </a:endParaRPr>
+          </a:p>
+        </p:txBody>
+      </p:sp>
+      <p:sp>
+        <p:nvSpPr>
+          <p:cNvPr id="121" name="Rectangle 51"/>
+          <p:cNvSpPr/>
+          <p:nvPr/>
+        </p:nvSpPr>
+        <p:spPr>
+          <a:xfrm>
+            <a:off x="914400" y="0"/>
+            <a:ext cx="15120" cy="6854760"/>
+          </a:xfrm>
+          <a:prstGeom prst="rect">
+            <a:avLst/>
+          </a:prstGeom>
+          <a:solidFill>
+            <a:srgbClr val="121216"/>
+          </a:solidFill>
+          <a:ln>
+            <a:noFill/>
+          </a:ln>
+          <a:effectLst>
+            <a:outerShdw blurRad="39960" dir="5400000" dist="23040" rotWithShape="0">
+              <a:srgbClr val="000000">
+                <a:alpha val="35000"/>
+              </a:srgbClr>
+            </a:outerShdw>
+          </a:effectLst>
+        </p:spPr>
+        <p:style>
+          <a:lnRef idx="1">
+            <a:schemeClr val="accent1"/>
+          </a:lnRef>
+          <a:fillRef idx="3">
+            <a:schemeClr val="accent1"/>
+          </a:fillRef>
+          <a:effectRef idx="2">
+            <a:schemeClr val="accent1"/>
+          </a:effectRef>
+          <a:fontRef idx="minor"/>
+        </p:style>
+        <p:txBody>
+          <a:bodyPr lIns="90000" rIns="90000" tIns="45000" bIns="45000" anchor="ctr">
+            <a:noAutofit/>
+          </a:bodyPr>
+          <a:p>
+            <a:pPr>
+              <a:lnSpc>
+                <a:spcPct val="100000"/>
+              </a:lnSpc>
+            </a:pPr>
+            <a:endParaRPr b="0" lang="en-US" sz="1800" spc="-1" strike="noStrike">
+              <a:solidFill>
+                <a:schemeClr val="lt1"/>
+              </a:solidFill>
+              <a:latin typeface="Calibri"/>
+              <a:ea typeface="DejaVu Sans"/>
+            </a:endParaRPr>
+          </a:p>
+        </p:txBody>
+      </p:sp>
+      <p:sp>
+        <p:nvSpPr>
+          <p:cNvPr id="122" name="Rectangle 52"/>
+          <p:cNvSpPr/>
+          <p:nvPr/>
+        </p:nvSpPr>
+        <p:spPr>
+          <a:xfrm>
+            <a:off x="1828800" y="0"/>
+            <a:ext cx="15120" cy="6854760"/>
+          </a:xfrm>
+          <a:prstGeom prst="rect">
+            <a:avLst/>
+          </a:prstGeom>
+          <a:solidFill>
+            <a:srgbClr val="121216"/>
+          </a:solidFill>
+          <a:ln>
+            <a:noFill/>
+          </a:ln>
+          <a:effectLst>
+            <a:outerShdw blurRad="39960" dir="5400000" dist="23040" rotWithShape="0">
+              <a:srgbClr val="000000">
+                <a:alpha val="35000"/>
+              </a:srgbClr>
+            </a:outerShdw>
+          </a:effectLst>
+        </p:spPr>
+        <p:style>
+          <a:lnRef idx="1">
+            <a:schemeClr val="accent1"/>
+          </a:lnRef>
+          <a:fillRef idx="3">
+            <a:schemeClr val="accent1"/>
+          </a:fillRef>
+          <a:effectRef idx="2">
+            <a:schemeClr val="accent1"/>
+          </a:effectRef>
+          <a:fontRef idx="minor"/>
+        </p:style>
+        <p:txBody>
+          <a:bodyPr lIns="90000" rIns="90000" tIns="45000" bIns="45000" anchor="ctr">
+            <a:noAutofit/>
+          </a:bodyPr>
+          <a:p>
+            <a:pPr>
+              <a:lnSpc>
+                <a:spcPct val="100000"/>
+              </a:lnSpc>
+            </a:pPr>
+            <a:endParaRPr b="0" lang="en-US" sz="1800" spc="-1" strike="noStrike">
+              <a:solidFill>
+                <a:schemeClr val="lt1"/>
+              </a:solidFill>
+              <a:latin typeface="Calibri"/>
+              <a:ea typeface="DejaVu Sans"/>
+            </a:endParaRPr>
+          </a:p>
+        </p:txBody>
+      </p:sp>
+      <p:sp>
+        <p:nvSpPr>
+          <p:cNvPr id="123" name="Rectangle 53"/>
+          <p:cNvSpPr/>
+          <p:nvPr/>
+        </p:nvSpPr>
+        <p:spPr>
+          <a:xfrm>
+            <a:off x="2743200" y="0"/>
+            <a:ext cx="15120" cy="6854760"/>
+          </a:xfrm>
+          <a:prstGeom prst="rect">
+            <a:avLst/>
+          </a:prstGeom>
+          <a:solidFill>
+            <a:srgbClr val="121216"/>
+          </a:solidFill>
+          <a:ln>
+            <a:noFill/>
+          </a:ln>
+          <a:effectLst>
+            <a:outerShdw blurRad="39960" dir="5400000" dist="23040" rotWithShape="0">
+              <a:srgbClr val="000000">
+                <a:alpha val="35000"/>
+              </a:srgbClr>
+            </a:outerShdw>
+          </a:effectLst>
+        </p:spPr>
+        <p:style>
+          <a:lnRef idx="1">
+            <a:schemeClr val="accent1"/>
+          </a:lnRef>
+          <a:fillRef idx="3">
+            <a:schemeClr val="accent1"/>
+          </a:fillRef>
+          <a:effectRef idx="2">
+            <a:schemeClr val="accent1"/>
+          </a:effectRef>
+          <a:fontRef idx="minor"/>
+        </p:style>
+        <p:txBody>
+          <a:bodyPr lIns="90000" rIns="90000" tIns="45000" bIns="45000" anchor="ctr">
+            <a:noAutofit/>
+          </a:bodyPr>
+          <a:p>
+            <a:pPr>
+              <a:lnSpc>
+                <a:spcPct val="100000"/>
+              </a:lnSpc>
+            </a:pPr>
+            <a:endParaRPr b="0" lang="en-US" sz="1800" spc="-1" strike="noStrike">
+              <a:solidFill>
+                <a:schemeClr val="lt1"/>
+              </a:solidFill>
+              <a:latin typeface="Calibri"/>
+              <a:ea typeface="DejaVu Sans"/>
+            </a:endParaRPr>
+          </a:p>
+        </p:txBody>
+      </p:sp>
+      <p:sp>
+        <p:nvSpPr>
+          <p:cNvPr id="124" name="Rectangle 54"/>
+          <p:cNvSpPr/>
+          <p:nvPr/>
+        </p:nvSpPr>
+        <p:spPr>
+          <a:xfrm>
+            <a:off x="3657600" y="0"/>
+            <a:ext cx="15120" cy="6854760"/>
+          </a:xfrm>
+          <a:prstGeom prst="rect">
+            <a:avLst/>
+          </a:prstGeom>
+          <a:solidFill>
+            <a:srgbClr val="121216"/>
+          </a:solidFill>
+          <a:ln>
+            <a:noFill/>
+          </a:ln>
+          <a:effectLst>
+            <a:outerShdw blurRad="39960" dir="5400000" dist="23040" rotWithShape="0">
+              <a:srgbClr val="000000">
+                <a:alpha val="35000"/>
+              </a:srgbClr>
+            </a:outerShdw>
+          </a:effectLst>
+        </p:spPr>
+        <p:style>
+          <a:lnRef idx="1">
+            <a:schemeClr val="accent1"/>
+          </a:lnRef>
+          <a:fillRef idx="3">
+            <a:schemeClr val="accent1"/>
+          </a:fillRef>
+          <a:effectRef idx="2">
+            <a:schemeClr val="accent1"/>
+          </a:effectRef>
+          <a:fontRef idx="minor"/>
+        </p:style>
+        <p:txBody>
+          <a:bodyPr lIns="90000" rIns="90000" tIns="45000" bIns="45000" anchor="ctr">
+            <a:noAutofit/>
+          </a:bodyPr>
+          <a:p>
+            <a:pPr>
+              <a:lnSpc>
+                <a:spcPct val="100000"/>
+              </a:lnSpc>
+            </a:pPr>
+            <a:endParaRPr b="0" lang="en-US" sz="1800" spc="-1" strike="noStrike">
+              <a:solidFill>
+                <a:schemeClr val="lt1"/>
+              </a:solidFill>
+              <a:latin typeface="Calibri"/>
+              <a:ea typeface="DejaVu Sans"/>
+            </a:endParaRPr>
+          </a:p>
+        </p:txBody>
+      </p:sp>
+      <p:sp>
+        <p:nvSpPr>
+          <p:cNvPr id="125" name="Rectangle 55"/>
+          <p:cNvSpPr/>
+          <p:nvPr/>
+        </p:nvSpPr>
+        <p:spPr>
+          <a:xfrm>
+            <a:off x="4572000" y="0"/>
+            <a:ext cx="15120" cy="6854760"/>
+          </a:xfrm>
+          <a:prstGeom prst="rect">
+            <a:avLst/>
+          </a:prstGeom>
+          <a:solidFill>
+            <a:srgbClr val="121216"/>
+          </a:solidFill>
+          <a:ln>
+            <a:noFill/>
+          </a:ln>
+          <a:effectLst>
+            <a:outerShdw blurRad="39960" dir="5400000" dist="23040" rotWithShape="0">
+              <a:srgbClr val="000000">
+                <a:alpha val="35000"/>
+              </a:srgbClr>
+            </a:outerShdw>
+          </a:effectLst>
+        </p:spPr>
+        <p:style>
+          <a:lnRef idx="1">
+            <a:schemeClr val="accent1"/>
+          </a:lnRef>
+          <a:fillRef idx="3">
+            <a:schemeClr val="accent1"/>
+          </a:fillRef>
+          <a:effectRef idx="2">
+            <a:schemeClr val="accent1"/>
+          </a:effectRef>
+          <a:fontRef idx="minor"/>
+        </p:style>
+        <p:txBody>
+          <a:bodyPr lIns="90000" rIns="90000" tIns="45000" bIns="45000" anchor="ctr">
+            <a:noAutofit/>
+          </a:bodyPr>
+          <a:p>
+            <a:pPr>
+              <a:lnSpc>
+                <a:spcPct val="100000"/>
+              </a:lnSpc>
+            </a:pPr>
+            <a:endParaRPr b="0" lang="en-US" sz="1800" spc="-1" strike="noStrike">
+              <a:solidFill>
+                <a:schemeClr val="lt1"/>
+              </a:solidFill>
+              <a:latin typeface="Calibri"/>
+              <a:ea typeface="DejaVu Sans"/>
+            </a:endParaRPr>
+          </a:p>
+        </p:txBody>
+      </p:sp>
+      <p:sp>
+        <p:nvSpPr>
+          <p:cNvPr id="126" name="Rectangle 56"/>
+          <p:cNvSpPr/>
+          <p:nvPr/>
+        </p:nvSpPr>
+        <p:spPr>
+          <a:xfrm>
+            <a:off x="5486400" y="0"/>
+            <a:ext cx="15120" cy="6854760"/>
+          </a:xfrm>
+          <a:prstGeom prst="rect">
+            <a:avLst/>
+          </a:prstGeom>
+          <a:solidFill>
+            <a:srgbClr val="121216"/>
+          </a:solidFill>
+          <a:ln>
+            <a:noFill/>
+          </a:ln>
+          <a:effectLst>
+            <a:outerShdw blurRad="39960" dir="5400000" dist="23040" rotWithShape="0">
+              <a:srgbClr val="000000">
+                <a:alpha val="35000"/>
+              </a:srgbClr>
+            </a:outerShdw>
+          </a:effectLst>
+        </p:spPr>
+        <p:style>
+          <a:lnRef idx="1">
+            <a:schemeClr val="accent1"/>
+          </a:lnRef>
+          <a:fillRef idx="3">
+            <a:schemeClr val="accent1"/>
+          </a:fillRef>
+          <a:effectRef idx="2">
+            <a:schemeClr val="accent1"/>
+          </a:effectRef>
+          <a:fontRef idx="minor"/>
+        </p:style>
+        <p:txBody>
+          <a:bodyPr lIns="90000" rIns="90000" tIns="45000" bIns="45000" anchor="ctr">
+            <a:noAutofit/>
+          </a:bodyPr>
+          <a:p>
+            <a:pPr>
+              <a:lnSpc>
+                <a:spcPct val="100000"/>
+              </a:lnSpc>
+            </a:pPr>
+            <a:endParaRPr b="0" lang="en-US" sz="1800" spc="-1" strike="noStrike">
+              <a:solidFill>
+                <a:schemeClr val="lt1"/>
+              </a:solidFill>
+              <a:latin typeface="Calibri"/>
+              <a:ea typeface="DejaVu Sans"/>
+            </a:endParaRPr>
+          </a:p>
+        </p:txBody>
+      </p:sp>
+      <p:sp>
+        <p:nvSpPr>
+          <p:cNvPr id="127" name="Rectangle 57"/>
+          <p:cNvSpPr/>
+          <p:nvPr/>
+        </p:nvSpPr>
+        <p:spPr>
+          <a:xfrm>
+            <a:off x="6400800" y="0"/>
+            <a:ext cx="15120" cy="6854760"/>
+          </a:xfrm>
+          <a:prstGeom prst="rect">
+            <a:avLst/>
+          </a:prstGeom>
+          <a:solidFill>
+            <a:srgbClr val="121216"/>
+          </a:solidFill>
+          <a:ln>
+            <a:noFill/>
+          </a:ln>
+          <a:effectLst>
+            <a:outerShdw blurRad="39960" dir="5400000" dist="23040" rotWithShape="0">
+              <a:srgbClr val="000000">
+                <a:alpha val="35000"/>
+              </a:srgbClr>
+            </a:outerShdw>
+          </a:effectLst>
+        </p:spPr>
+        <p:style>
+          <a:lnRef idx="1">
+            <a:schemeClr val="accent1"/>
+          </a:lnRef>
+          <a:fillRef idx="3">
+            <a:schemeClr val="accent1"/>
+          </a:fillRef>
+          <a:effectRef idx="2">
+            <a:schemeClr val="accent1"/>
+          </a:effectRef>
+          <a:fontRef idx="minor"/>
+        </p:style>
+        <p:txBody>
+          <a:bodyPr lIns="90000" rIns="90000" tIns="45000" bIns="45000" anchor="ctr">
+            <a:noAutofit/>
+          </a:bodyPr>
+          <a:p>
+            <a:pPr>
+              <a:lnSpc>
+                <a:spcPct val="100000"/>
+              </a:lnSpc>
+            </a:pPr>
+            <a:endParaRPr b="0" lang="en-US" sz="1800" spc="-1" strike="noStrike">
+              <a:solidFill>
+                <a:schemeClr val="lt1"/>
+              </a:solidFill>
+              <a:latin typeface="Calibri"/>
+              <a:ea typeface="DejaVu Sans"/>
+            </a:endParaRPr>
+          </a:p>
+        </p:txBody>
+      </p:sp>
+      <p:sp>
+        <p:nvSpPr>
+          <p:cNvPr id="128" name="Rectangle 58"/>
+          <p:cNvSpPr/>
+          <p:nvPr/>
+        </p:nvSpPr>
+        <p:spPr>
+          <a:xfrm>
+            <a:off x="7315200" y="0"/>
+            <a:ext cx="15120" cy="6854760"/>
+          </a:xfrm>
+          <a:prstGeom prst="rect">
+            <a:avLst/>
+          </a:prstGeom>
+          <a:solidFill>
+            <a:srgbClr val="121216"/>
+          </a:solidFill>
+          <a:ln>
+            <a:noFill/>
+          </a:ln>
+          <a:effectLst>
+            <a:outerShdw blurRad="39960" dir="5400000" dist="23040" rotWithShape="0">
+              <a:srgbClr val="000000">
+                <a:alpha val="35000"/>
+              </a:srgbClr>
+            </a:outerShdw>
+          </a:effectLst>
+        </p:spPr>
+        <p:style>
+          <a:lnRef idx="1">
+            <a:schemeClr val="accent1"/>
+          </a:lnRef>
+          <a:fillRef idx="3">
+            <a:schemeClr val="accent1"/>
+          </a:fillRef>
+          <a:effectRef idx="2">
+            <a:schemeClr val="accent1"/>
+          </a:effectRef>
+          <a:fontRef idx="minor"/>
+        </p:style>
+        <p:txBody>
+          <a:bodyPr lIns="90000" rIns="90000" tIns="45000" bIns="45000" anchor="ctr">
+            <a:noAutofit/>
+          </a:bodyPr>
+          <a:p>
+            <a:pPr>
+              <a:lnSpc>
+                <a:spcPct val="100000"/>
+              </a:lnSpc>
+            </a:pPr>
+            <a:endParaRPr b="0" lang="en-US" sz="1800" spc="-1" strike="noStrike">
+              <a:solidFill>
+                <a:schemeClr val="lt1"/>
+              </a:solidFill>
+              <a:latin typeface="Calibri"/>
+              <a:ea typeface="DejaVu Sans"/>
+            </a:endParaRPr>
+          </a:p>
+        </p:txBody>
+      </p:sp>
+      <p:sp>
+        <p:nvSpPr>
+          <p:cNvPr id="129" name="Rectangle 59"/>
+          <p:cNvSpPr/>
+          <p:nvPr/>
+        </p:nvSpPr>
+        <p:spPr>
+          <a:xfrm>
+            <a:off x="8229600" y="0"/>
+            <a:ext cx="15120" cy="6854760"/>
+          </a:xfrm>
+          <a:prstGeom prst="rect">
+            <a:avLst/>
+          </a:prstGeom>
+          <a:solidFill>
+            <a:srgbClr val="121216"/>
+          </a:solidFill>
+          <a:ln>
+            <a:noFill/>
+          </a:ln>
+          <a:effectLst>
+            <a:outerShdw blurRad="39960" dir="5400000" dist="23040" rotWithShape="0">
+              <a:srgbClr val="000000">
+                <a:alpha val="35000"/>
+              </a:srgbClr>
+            </a:outerShdw>
+          </a:effectLst>
+        </p:spPr>
+        <p:style>
+          <a:lnRef idx="1">
+            <a:schemeClr val="accent1"/>
+          </a:lnRef>
+          <a:fillRef idx="3">
+            <a:schemeClr val="accent1"/>
+          </a:fillRef>
+          <a:effectRef idx="2">
+            <a:schemeClr val="accent1"/>
+          </a:effectRef>
+          <a:fontRef idx="minor"/>
+        </p:style>
+        <p:txBody>
+          <a:bodyPr lIns="90000" rIns="90000" tIns="45000" bIns="45000" anchor="ctr">
+            <a:noAutofit/>
+          </a:bodyPr>
+          <a:p>
+            <a:pPr>
+              <a:lnSpc>
+                <a:spcPct val="100000"/>
+              </a:lnSpc>
+            </a:pPr>
+            <a:endParaRPr b="0" lang="en-US" sz="1800" spc="-1" strike="noStrike">
+              <a:solidFill>
+                <a:schemeClr val="lt1"/>
+              </a:solidFill>
+              <a:latin typeface="Calibri"/>
+              <a:ea typeface="DejaVu Sans"/>
+            </a:endParaRPr>
+          </a:p>
+        </p:txBody>
+      </p:sp>
+      <p:sp>
+        <p:nvSpPr>
+          <p:cNvPr id="130" name="Rectangle 60"/>
+          <p:cNvSpPr/>
+          <p:nvPr/>
+        </p:nvSpPr>
+        <p:spPr>
+          <a:xfrm>
+            <a:off x="9144000" y="0"/>
+            <a:ext cx="15120" cy="6854760"/>
+          </a:xfrm>
+          <a:prstGeom prst="rect">
+            <a:avLst/>
+          </a:prstGeom>
+          <a:solidFill>
+            <a:srgbClr val="121216"/>
+          </a:solidFill>
+          <a:ln>
+            <a:noFill/>
+          </a:ln>
+          <a:effectLst>
+            <a:outerShdw blurRad="39960" dir="5400000" dist="23040" rotWithShape="0">
+              <a:srgbClr val="000000">
+                <a:alpha val="35000"/>
+              </a:srgbClr>
+            </a:outerShdw>
+          </a:effectLst>
+        </p:spPr>
+        <p:style>
+          <a:lnRef idx="1">
+            <a:schemeClr val="accent1"/>
+          </a:lnRef>
+          <a:fillRef idx="3">
+            <a:schemeClr val="accent1"/>
+          </a:fillRef>
+          <a:effectRef idx="2">
+            <a:schemeClr val="accent1"/>
+          </a:effectRef>
+          <a:fontRef idx="minor"/>
+        </p:style>
+        <p:txBody>
+          <a:bodyPr lIns="90000" rIns="90000" tIns="45000" bIns="45000" anchor="ctr">
+            <a:noAutofit/>
+          </a:bodyPr>
+          <a:p>
+            <a:pPr>
+              <a:lnSpc>
+                <a:spcPct val="100000"/>
+              </a:lnSpc>
+            </a:pPr>
+            <a:endParaRPr b="0" lang="en-US" sz="1800" spc="-1" strike="noStrike">
+              <a:solidFill>
+                <a:schemeClr val="lt1"/>
+              </a:solidFill>
+              <a:latin typeface="Calibri"/>
+              <a:ea typeface="DejaVu Sans"/>
+            </a:endParaRPr>
+          </a:p>
+        </p:txBody>
+      </p:sp>
+      <p:sp>
+        <p:nvSpPr>
+          <p:cNvPr id="131" name="Rectangle 61"/>
+          <p:cNvSpPr/>
+          <p:nvPr/>
+        </p:nvSpPr>
+        <p:spPr>
+          <a:xfrm>
+            <a:off x="10058400" y="0"/>
+            <a:ext cx="15120" cy="6854760"/>
+          </a:xfrm>
+          <a:prstGeom prst="rect">
+            <a:avLst/>
+          </a:prstGeom>
+          <a:solidFill>
+            <a:srgbClr val="121216"/>
+          </a:solidFill>
+          <a:ln>
+            <a:noFill/>
+          </a:ln>
+          <a:effectLst>
+            <a:outerShdw blurRad="39960" dir="5400000" dist="23040" rotWithShape="0">
+              <a:srgbClr val="000000">
+                <a:alpha val="35000"/>
+              </a:srgbClr>
+            </a:outerShdw>
+          </a:effectLst>
+        </p:spPr>
+        <p:style>
+          <a:lnRef idx="1">
+            <a:schemeClr val="accent1"/>
+          </a:lnRef>
+          <a:fillRef idx="3">
+            <a:schemeClr val="accent1"/>
+          </a:fillRef>
+          <a:effectRef idx="2">
+            <a:schemeClr val="accent1"/>
+          </a:effectRef>
+          <a:fontRef idx="minor"/>
+        </p:style>
+        <p:txBody>
+          <a:bodyPr lIns="90000" rIns="90000" tIns="45000" bIns="45000" anchor="ctr">
+            <a:noAutofit/>
+          </a:bodyPr>
+          <a:p>
+            <a:pPr>
+              <a:lnSpc>
+                <a:spcPct val="100000"/>
+              </a:lnSpc>
+            </a:pPr>
+            <a:endParaRPr b="0" lang="en-US" sz="1800" spc="-1" strike="noStrike">
+              <a:solidFill>
+                <a:schemeClr val="lt1"/>
+              </a:solidFill>
+              <a:latin typeface="Calibri"/>
+              <a:ea typeface="DejaVu Sans"/>
+            </a:endParaRPr>
+          </a:p>
+        </p:txBody>
+      </p:sp>
+      <p:sp>
+        <p:nvSpPr>
+          <p:cNvPr id="132" name="Rectangle 62"/>
+          <p:cNvSpPr/>
+          <p:nvPr/>
+        </p:nvSpPr>
+        <p:spPr>
+          <a:xfrm>
+            <a:off x="10972800" y="0"/>
+            <a:ext cx="15120" cy="6854760"/>
+          </a:xfrm>
+          <a:prstGeom prst="rect">
+            <a:avLst/>
+          </a:prstGeom>
+          <a:solidFill>
+            <a:srgbClr val="121216"/>
+          </a:solidFill>
+          <a:ln>
+            <a:noFill/>
+          </a:ln>
+          <a:effectLst>
+            <a:outerShdw blurRad="39960" dir="5400000" dist="23040" rotWithShape="0">
+              <a:srgbClr val="000000">
+                <a:alpha val="35000"/>
+              </a:srgbClr>
+            </a:outerShdw>
+          </a:effectLst>
+        </p:spPr>
+        <p:style>
+          <a:lnRef idx="1">
+            <a:schemeClr val="accent1"/>
+          </a:lnRef>
+          <a:fillRef idx="3">
+            <a:schemeClr val="accent1"/>
+          </a:fillRef>
+          <a:effectRef idx="2">
+            <a:schemeClr val="accent1"/>
+          </a:effectRef>
+          <a:fontRef idx="minor"/>
+        </p:style>
+        <p:txBody>
+          <a:bodyPr lIns="90000" rIns="90000" tIns="45000" bIns="45000" anchor="ctr">
+            <a:noAutofit/>
+          </a:bodyPr>
+          <a:p>
+            <a:pPr>
+              <a:lnSpc>
+                <a:spcPct val="100000"/>
+              </a:lnSpc>
+            </a:pPr>
+            <a:endParaRPr b="0" lang="en-US" sz="1800" spc="-1" strike="noStrike">
+              <a:solidFill>
+                <a:schemeClr val="lt1"/>
+              </a:solidFill>
+              <a:latin typeface="Calibri"/>
+              <a:ea typeface="DejaVu Sans"/>
+            </a:endParaRPr>
+          </a:p>
+        </p:txBody>
+      </p:sp>
+      <p:sp>
+        <p:nvSpPr>
+          <p:cNvPr id="133" name="Rectangle 63"/>
+          <p:cNvSpPr/>
+          <p:nvPr/>
+        </p:nvSpPr>
+        <p:spPr>
+          <a:xfrm>
+            <a:off x="11887200" y="0"/>
+            <a:ext cx="15120" cy="6854760"/>
+          </a:xfrm>
+          <a:prstGeom prst="rect">
+            <a:avLst/>
+          </a:prstGeom>
+          <a:solidFill>
+            <a:srgbClr val="121216"/>
+          </a:solidFill>
+          <a:ln>
+            <a:noFill/>
+          </a:ln>
+          <a:effectLst>
+            <a:outerShdw blurRad="39960" dir="5400000" dist="23040" rotWithShape="0">
+              <a:srgbClr val="000000">
+                <a:alpha val="35000"/>
+              </a:srgbClr>
+            </a:outerShdw>
+          </a:effectLst>
+        </p:spPr>
+        <p:style>
+          <a:lnRef idx="1">
+            <a:schemeClr val="accent1"/>
+          </a:lnRef>
+          <a:fillRef idx="3">
+            <a:schemeClr val="accent1"/>
+          </a:fillRef>
+          <a:effectRef idx="2">
+            <a:schemeClr val="accent1"/>
+          </a:effectRef>
+          <a:fontRef idx="minor"/>
+        </p:style>
+        <p:txBody>
+          <a:bodyPr lIns="90000" rIns="90000" tIns="45000" bIns="45000" anchor="ctr">
+            <a:noAutofit/>
+          </a:bodyPr>
+          <a:p>
+            <a:pPr>
+              <a:lnSpc>
+                <a:spcPct val="100000"/>
+              </a:lnSpc>
+            </a:pPr>
+            <a:endParaRPr b="0" lang="en-US" sz="1800" spc="-1" strike="noStrike">
+              <a:solidFill>
+                <a:schemeClr val="lt1"/>
+              </a:solidFill>
+              <a:latin typeface="Calibri"/>
+              <a:ea typeface="DejaVu Sans"/>
+            </a:endParaRPr>
+          </a:p>
+        </p:txBody>
+      </p:sp>
+      <p:sp>
+        <p:nvSpPr>
+          <p:cNvPr id="134" name="Rectangle 64"/>
+          <p:cNvSpPr/>
+          <p:nvPr/>
+        </p:nvSpPr>
+        <p:spPr>
+          <a:xfrm>
+            <a:off x="0" y="0"/>
+            <a:ext cx="316800" cy="6854760"/>
+          </a:xfrm>
+          <a:prstGeom prst="rect">
+            <a:avLst/>
+          </a:prstGeom>
+          <a:solidFill>
+            <a:srgbClr val="ff8c00"/>
+          </a:solidFill>
+          <a:ln>
+            <a:noFill/>
+          </a:ln>
+          <a:effectLst>
+            <a:outerShdw blurRad="39960" dir="5400000" dist="23040" rotWithShape="0">
+              <a:srgbClr val="000000">
+                <a:alpha val="35000"/>
+              </a:srgbClr>
+            </a:outerShdw>
+          </a:effectLst>
+        </p:spPr>
+        <p:style>
+          <a:lnRef idx="1">
+            <a:schemeClr val="accent1"/>
+          </a:lnRef>
+          <a:fillRef idx="3">
+            <a:schemeClr val="accent1"/>
+          </a:fillRef>
+          <a:effectRef idx="2">
+            <a:schemeClr val="accent1"/>
+          </a:effectRef>
+          <a:fontRef idx="minor"/>
+        </p:style>
+        <p:txBody>
+          <a:bodyPr lIns="90000" rIns="90000" tIns="45000" bIns="45000" anchor="ctr">
+            <a:noAutofit/>
+          </a:bodyPr>
+          <a:p>
+            <a:pPr>
+              <a:lnSpc>
+                <a:spcPct val="100000"/>
+              </a:lnSpc>
+            </a:pPr>
+            <a:endParaRPr b="0" lang="en-US" sz="1800" spc="-1" strike="noStrike">
+              <a:solidFill>
+                <a:schemeClr val="lt1"/>
+              </a:solidFill>
+              <a:latin typeface="Calibri"/>
+              <a:ea typeface="DejaVu Sans"/>
+            </a:endParaRPr>
+          </a:p>
+        </p:txBody>
+      </p:sp>
+      <p:sp>
+        <p:nvSpPr>
+          <p:cNvPr id="135" name="Rounded Rectangle 29"/>
+          <p:cNvSpPr/>
+          <p:nvPr/>
+        </p:nvSpPr>
+        <p:spPr>
+          <a:xfrm>
+            <a:off x="9875520" y="365760"/>
+            <a:ext cx="2008440" cy="499680"/>
+          </a:xfrm>
+          <a:prstGeom prst="roundRect">
+            <a:avLst>
+              <a:gd name="adj" fmla="val 16667"/>
+            </a:avLst>
+          </a:prstGeom>
+          <a:solidFill>
+            <a:srgbClr val="1e1e24"/>
+          </a:solidFill>
+          <a:ln>
+            <a:solidFill>
+              <a:srgbClr val="ff8c00"/>
+            </a:solidFill>
+            <a:round/>
+          </a:ln>
+          <a:effectLst>
+            <a:outerShdw blurRad="39960" dir="5400000" dist="23040" rotWithShape="0">
+              <a:srgbClr val="000000">
+                <a:alpha val="35000"/>
+              </a:srgbClr>
+            </a:outerShdw>
+          </a:effectLst>
+        </p:spPr>
+        <p:style>
+          <a:lnRef idx="1">
+            <a:schemeClr val="accent1"/>
+          </a:lnRef>
+          <a:fillRef idx="3">
+            <a:schemeClr val="accent1"/>
+          </a:fillRef>
+          <a:effectRef idx="2">
+            <a:schemeClr val="accent1"/>
+          </a:effectRef>
+          <a:fontRef idx="minor"/>
+        </p:style>
+        <p:txBody>
+          <a:bodyPr lIns="90000" rIns="90000" tIns="45000" bIns="45000" anchor="ctr">
+            <a:noAutofit/>
+          </a:bodyPr>
+          <a:p>
+            <a:pPr algn="ctr">
+              <a:lnSpc>
+                <a:spcPct val="100000"/>
+              </a:lnSpc>
+            </a:pPr>
+            <a:r>
+              <a:rPr b="1" lang="en-US" sz="1400" spc="-1" strike="noStrike">
+                <a:solidFill>
+                  <a:srgbClr val="ffb45a"/>
+                </a:solidFill>
+                <a:latin typeface="Calibri"/>
+                <a:ea typeface="DejaVu Sans"/>
+              </a:rPr>
+              <a:t>JAVA CORE</a:t>
+            </a:r>
+            <a:endParaRPr b="0" lang="en-US" sz="1400" spc="-1" strike="noStrike">
+              <a:solidFill>
+                <a:srgbClr val="ffffff"/>
+              </a:solidFill>
+              <a:latin typeface="Arial"/>
+            </a:endParaRPr>
+          </a:p>
+        </p:txBody>
+      </p:sp>
+      <p:sp>
+        <p:nvSpPr>
+          <p:cNvPr id="136" name="TextBox 10"/>
+          <p:cNvSpPr/>
+          <p:nvPr/>
+        </p:nvSpPr>
+        <p:spPr>
+          <a:xfrm>
+            <a:off x="3885120" y="1005840"/>
+            <a:ext cx="3200760" cy="820800"/>
+          </a:xfrm>
+          <a:prstGeom prst="rect">
+            <a:avLst/>
+          </a:prstGeom>
+          <a:noFill/>
+          <a:ln w="0">
+            <a:noFill/>
+          </a:ln>
+        </p:spPr>
+        <p:style>
+          <a:lnRef idx="0"/>
+          <a:fillRef idx="0"/>
+          <a:effectRef idx="0"/>
+          <a:fontRef idx="minor"/>
+        </p:style>
+        <p:txBody>
+          <a:bodyPr wrap="none" lIns="90000" rIns="90000" tIns="45000" bIns="45000" anchor="t">
+            <a:spAutoFit/>
+          </a:bodyPr>
+          <a:p>
+            <a:pPr>
+              <a:lnSpc>
+                <a:spcPct val="100000"/>
+              </a:lnSpc>
+            </a:pPr>
+            <a:r>
+              <a:rPr b="1" lang="en-US" sz="4800" spc="-1" strike="noStrike">
+                <a:solidFill>
+                  <a:srgbClr val="f5f5f5"/>
+                </a:solidFill>
+                <a:latin typeface="Calibri"/>
+                <a:ea typeface="DejaVu Sans"/>
+              </a:rPr>
+              <a:t>Java History</a:t>
+            </a:r>
+            <a:endParaRPr b="0" lang="en-US" sz="4800" spc="-1" strike="noStrike">
+              <a:solidFill>
+                <a:srgbClr val="000000"/>
+              </a:solidFill>
+              <a:latin typeface="Arial"/>
+            </a:endParaRPr>
+          </a:p>
+        </p:txBody>
+      </p:sp>
+      <p:sp>
+        <p:nvSpPr>
+          <p:cNvPr id="137" name="TextBox 11"/>
+          <p:cNvSpPr/>
+          <p:nvPr/>
+        </p:nvSpPr>
+        <p:spPr>
+          <a:xfrm>
+            <a:off x="1299960" y="2057400"/>
+            <a:ext cx="8962560" cy="379080"/>
+          </a:xfrm>
+          <a:prstGeom prst="rect">
+            <a:avLst/>
+          </a:prstGeom>
+          <a:noFill/>
+          <a:ln w="0">
+            <a:noFill/>
+          </a:ln>
+        </p:spPr>
+        <p:style>
+          <a:lnRef idx="0"/>
+          <a:fillRef idx="0"/>
+          <a:effectRef idx="0"/>
+          <a:fontRef idx="minor"/>
+        </p:style>
+        <p:txBody>
+          <a:bodyPr wrap="none" lIns="90000" rIns="90000" tIns="45000" bIns="45000" anchor="t">
+            <a:spAutoFit/>
+          </a:bodyPr>
+          <a:p>
+            <a:pPr>
+              <a:lnSpc>
+                <a:spcPct val="100000"/>
+              </a:lnSpc>
+            </a:pPr>
+            <a:r>
+              <a:rPr b="0" lang="en-US" sz="1900" spc="-1" strike="noStrike">
+                <a:solidFill>
+                  <a:srgbClr val="aaaaaa"/>
+                </a:solidFill>
+                <a:latin typeface="Calibri"/>
+                <a:ea typeface="DejaVu Sans"/>
+              </a:rPr>
+              <a:t>How Java was born and why it became one of the most powerful programming languages.</a:t>
+            </a:r>
+            <a:endParaRPr b="0" lang="en-US" sz="1900" spc="-1" strike="noStrike">
+              <a:solidFill>
+                <a:srgbClr val="000000"/>
+              </a:solidFill>
+              <a:latin typeface="Arial"/>
+            </a:endParaRPr>
+          </a:p>
+        </p:txBody>
+      </p:sp>
+      <p:sp>
+        <p:nvSpPr>
+          <p:cNvPr id="138" name="Rounded Rectangle 30"/>
+          <p:cNvSpPr/>
+          <p:nvPr/>
+        </p:nvSpPr>
+        <p:spPr>
+          <a:xfrm>
+            <a:off x="987480" y="3182040"/>
+            <a:ext cx="3288600" cy="2739960"/>
+          </a:xfrm>
+          <a:prstGeom prst="roundRect">
+            <a:avLst>
+              <a:gd name="adj" fmla="val 16667"/>
+            </a:avLst>
+          </a:prstGeom>
+          <a:solidFill>
+            <a:srgbClr val="08080a"/>
+          </a:solidFill>
+          <a:ln>
+            <a:noFill/>
+          </a:ln>
+          <a:effectLst>
+            <a:outerShdw blurRad="39960" dir="5400000" dist="23040" rotWithShape="0">
+              <a:srgbClr val="000000">
+                <a:alpha val="35000"/>
+              </a:srgbClr>
+            </a:outerShdw>
+          </a:effectLst>
+        </p:spPr>
+        <p:style>
+          <a:lnRef idx="1">
+            <a:schemeClr val="accent1"/>
+          </a:lnRef>
+          <a:fillRef idx="3">
+            <a:schemeClr val="accent1"/>
+          </a:fillRef>
+          <a:effectRef idx="2">
+            <a:schemeClr val="accent1"/>
+          </a:effectRef>
+          <a:fontRef idx="minor"/>
+        </p:style>
+        <p:txBody>
+          <a:bodyPr lIns="90000" rIns="90000" tIns="45000" bIns="45000" anchor="ctr">
+            <a:noAutofit/>
+          </a:bodyPr>
+          <a:p>
+            <a:pPr>
+              <a:lnSpc>
+                <a:spcPct val="100000"/>
+              </a:lnSpc>
+            </a:pPr>
+            <a:endParaRPr b="0" lang="en-US" sz="1800" spc="-1" strike="noStrike">
+              <a:solidFill>
+                <a:schemeClr val="lt1"/>
+              </a:solidFill>
+              <a:latin typeface="Calibri"/>
+              <a:ea typeface="DejaVu Sans"/>
+            </a:endParaRPr>
+          </a:p>
+        </p:txBody>
+      </p:sp>
+      <p:sp>
+        <p:nvSpPr>
+          <p:cNvPr id="139" name="Rounded Rectangle 31"/>
+          <p:cNvSpPr/>
+          <p:nvPr/>
+        </p:nvSpPr>
+        <p:spPr>
+          <a:xfrm>
+            <a:off x="914400" y="3108960"/>
+            <a:ext cx="3288600" cy="2739960"/>
+          </a:xfrm>
+          <a:prstGeom prst="roundRect">
+            <a:avLst>
+              <a:gd name="adj" fmla="val 16667"/>
+            </a:avLst>
+          </a:prstGeom>
+          <a:solidFill>
+            <a:srgbClr val="16161c"/>
+          </a:solidFill>
+          <a:ln>
+            <a:solidFill>
+              <a:srgbClr val="464655"/>
+            </a:solidFill>
+            <a:round/>
+          </a:ln>
+          <a:effectLst>
+            <a:outerShdw blurRad="39960" dir="5400000" dist="23040" rotWithShape="0">
+              <a:srgbClr val="000000">
+                <a:alpha val="35000"/>
+              </a:srgbClr>
+            </a:outerShdw>
+          </a:effectLst>
+        </p:spPr>
+        <p:style>
+          <a:lnRef idx="1">
+            <a:schemeClr val="accent1"/>
+          </a:lnRef>
+          <a:fillRef idx="3">
+            <a:schemeClr val="accent1"/>
+          </a:fillRef>
+          <a:effectRef idx="2">
+            <a:schemeClr val="accent1"/>
+          </a:effectRef>
+          <a:fontRef idx="minor"/>
+        </p:style>
+        <p:txBody>
+          <a:bodyPr lIns="90000" rIns="90000" tIns="45000" bIns="45000" anchor="ctr">
+            <a:noAutofit/>
+          </a:bodyPr>
+          <a:p>
+            <a:pPr>
+              <a:lnSpc>
+                <a:spcPct val="100000"/>
+              </a:lnSpc>
+            </a:pPr>
+            <a:r>
+              <a:rPr b="1" lang="en-US" sz="1200" spc="-1" strike="noStrike">
+                <a:solidFill>
+                  <a:schemeClr val="lt1"/>
+                </a:solidFill>
+                <a:latin typeface="Calibri"/>
+                <a:ea typeface="DejaVu Sans"/>
+              </a:rPr>
+              <a:t>The Beginning (1991)</a:t>
+            </a:r>
+            <a:endParaRPr b="0" lang="en-US" sz="1200" spc="-1" strike="noStrike">
+              <a:solidFill>
+                <a:srgbClr val="ffffff"/>
+              </a:solidFill>
+              <a:latin typeface="Arial"/>
+            </a:endParaRPr>
+          </a:p>
+          <a:p>
+            <a:pPr>
+              <a:lnSpc>
+                <a:spcPct val="100000"/>
+              </a:lnSpc>
+            </a:pPr>
+            <a:r>
+              <a:rPr b="0" lang="en-US" sz="1200" spc="-1" strike="noStrike">
+                <a:solidFill>
+                  <a:schemeClr val="lt1"/>
+                </a:solidFill>
+                <a:latin typeface="Calibri"/>
+                <a:ea typeface="DejaVu Sans"/>
+              </a:rPr>
+              <a:t>Java was created at Sun Microsystems</a:t>
+            </a:r>
+            <a:endParaRPr b="0" lang="en-US" sz="1200" spc="-1" strike="noStrike">
+              <a:solidFill>
+                <a:srgbClr val="ffffff"/>
+              </a:solidFill>
+              <a:latin typeface="Arial"/>
+            </a:endParaRPr>
+          </a:p>
+          <a:p>
+            <a:pPr>
+              <a:lnSpc>
+                <a:spcPct val="100000"/>
+              </a:lnSpc>
+            </a:pPr>
+            <a:r>
+              <a:rPr b="0" lang="en-US" sz="1200" spc="-1" strike="noStrike">
+                <a:solidFill>
+                  <a:schemeClr val="lt1"/>
+                </a:solidFill>
+                <a:latin typeface="Calibri"/>
+                <a:ea typeface="DejaVu Sans"/>
+              </a:rPr>
+              <a:t>Developed by James Gosling and his team</a:t>
+            </a:r>
+            <a:endParaRPr b="0" lang="en-US" sz="1200" spc="-1" strike="noStrike">
+              <a:solidFill>
+                <a:srgbClr val="ffffff"/>
+              </a:solidFill>
+              <a:latin typeface="Arial"/>
+            </a:endParaRPr>
+          </a:p>
+          <a:p>
+            <a:pPr>
+              <a:lnSpc>
+                <a:spcPct val="100000"/>
+              </a:lnSpc>
+            </a:pPr>
+            <a:r>
+              <a:rPr b="0" lang="en-US" sz="1200" spc="-1" strike="noStrike">
+                <a:solidFill>
+                  <a:schemeClr val="lt1"/>
+                </a:solidFill>
+                <a:latin typeface="Calibri"/>
+                <a:ea typeface="DejaVu Sans"/>
+              </a:rPr>
+              <a:t>Originally called Oak</a:t>
+            </a:r>
+            <a:endParaRPr b="0" lang="en-US" sz="1200" spc="-1" strike="noStrike">
+              <a:solidFill>
+                <a:srgbClr val="ffffff"/>
+              </a:solidFill>
+              <a:latin typeface="Arial"/>
+            </a:endParaRPr>
+          </a:p>
+          <a:p>
+            <a:pPr>
+              <a:lnSpc>
+                <a:spcPct val="100000"/>
+              </a:lnSpc>
+            </a:pPr>
+            <a:endParaRPr b="0" lang="en-US" sz="1200" spc="-1" strike="noStrike">
+              <a:solidFill>
+                <a:srgbClr val="ffffff"/>
+              </a:solidFill>
+              <a:latin typeface="Arial"/>
+            </a:endParaRPr>
+          </a:p>
+          <a:p>
+            <a:pPr>
+              <a:lnSpc>
+                <a:spcPct val="100000"/>
+              </a:lnSpc>
+            </a:pPr>
+            <a:r>
+              <a:rPr b="1" lang="en-US" sz="1200" spc="-1" strike="noStrike">
+                <a:solidFill>
+                  <a:schemeClr val="lt1"/>
+                </a:solidFill>
+                <a:latin typeface="Calibri"/>
+                <a:ea typeface="DejaVu Sans"/>
+              </a:rPr>
+              <a:t>Initial goal:</a:t>
+            </a:r>
+            <a:endParaRPr b="0" lang="en-US" sz="1200" spc="-1" strike="noStrike">
+              <a:solidFill>
+                <a:srgbClr val="ffffff"/>
+              </a:solidFill>
+              <a:latin typeface="Arial"/>
+            </a:endParaRPr>
+          </a:p>
+          <a:p>
+            <a:pPr>
+              <a:lnSpc>
+                <a:spcPct val="100000"/>
+              </a:lnSpc>
+            </a:pPr>
+            <a:r>
+              <a:rPr b="0" lang="en-US" sz="1200" spc="-1" strike="noStrike">
+                <a:solidFill>
+                  <a:schemeClr val="lt1"/>
+                </a:solidFill>
+                <a:latin typeface="Calibri"/>
+                <a:ea typeface="DejaVu Sans"/>
+              </a:rPr>
+              <a:t>Software for consumer electronics</a:t>
+            </a:r>
+            <a:endParaRPr b="0" lang="en-US" sz="1200" spc="-1" strike="noStrike">
+              <a:solidFill>
+                <a:srgbClr val="ffffff"/>
+              </a:solidFill>
+              <a:latin typeface="Arial"/>
+            </a:endParaRPr>
+          </a:p>
+          <a:p>
+            <a:pPr>
+              <a:lnSpc>
+                <a:spcPct val="100000"/>
+              </a:lnSpc>
+            </a:pPr>
+            <a:r>
+              <a:rPr b="0" lang="en-US" sz="1200" spc="-1" strike="noStrike">
+                <a:solidFill>
+                  <a:schemeClr val="lt1"/>
+                </a:solidFill>
+                <a:latin typeface="Calibri"/>
+                <a:ea typeface="DejaVu Sans"/>
+              </a:rPr>
+              <a:t>TVs, set-top boxes, embedded systems</a:t>
+            </a:r>
+            <a:endParaRPr b="0" lang="en-US" sz="1200" spc="-1" strike="noStrike">
+              <a:solidFill>
+                <a:srgbClr val="ffffff"/>
+              </a:solidFill>
+              <a:latin typeface="Arial"/>
+            </a:endParaRPr>
+          </a:p>
+          <a:p>
+            <a:pPr>
+              <a:lnSpc>
+                <a:spcPct val="100000"/>
+              </a:lnSpc>
+            </a:pPr>
+            <a:endParaRPr b="0" lang="en-US" sz="1200" spc="-1" strike="noStrike">
+              <a:solidFill>
+                <a:srgbClr val="ffffff"/>
+              </a:solidFill>
+              <a:latin typeface="Arial"/>
+            </a:endParaRPr>
+          </a:p>
+          <a:p>
+            <a:pPr>
+              <a:lnSpc>
+                <a:spcPct val="100000"/>
+              </a:lnSpc>
+            </a:pPr>
+            <a:r>
+              <a:rPr b="1" lang="en-US" sz="1200" spc="-1" strike="noStrike">
+                <a:solidFill>
+                  <a:schemeClr val="lt1"/>
+                </a:solidFill>
+                <a:latin typeface="Calibri"/>
+                <a:ea typeface="DejaVu Sans"/>
+              </a:rPr>
+              <a:t>Key problem:</a:t>
+            </a:r>
+            <a:endParaRPr b="0" lang="en-US" sz="1200" spc="-1" strike="noStrike">
+              <a:solidFill>
+                <a:srgbClr val="ffffff"/>
+              </a:solidFill>
+              <a:latin typeface="Arial"/>
+            </a:endParaRPr>
+          </a:p>
+          <a:p>
+            <a:pPr>
+              <a:lnSpc>
+                <a:spcPct val="100000"/>
+              </a:lnSpc>
+            </a:pPr>
+            <a:r>
+              <a:rPr b="0" lang="en-US" sz="1200" spc="-1" strike="noStrike">
+                <a:solidFill>
+                  <a:schemeClr val="lt1"/>
+                </a:solidFill>
+                <a:latin typeface="Calibri"/>
+                <a:ea typeface="DejaVu Sans"/>
+              </a:rPr>
+              <a:t>Different hardware, different software ❌</a:t>
+            </a:r>
+            <a:endParaRPr b="0" lang="en-US" sz="1200" spc="-1" strike="noStrike">
+              <a:solidFill>
+                <a:srgbClr val="ffffff"/>
+              </a:solidFill>
+              <a:latin typeface="Arial"/>
+            </a:endParaRPr>
+          </a:p>
+          <a:p>
+            <a:pPr>
+              <a:lnSpc>
+                <a:spcPct val="100000"/>
+              </a:lnSpc>
+            </a:pPr>
+            <a:endParaRPr b="0" lang="en-US" sz="1200" spc="-1" strike="noStrike">
+              <a:solidFill>
+                <a:srgbClr val="ffffff"/>
+              </a:solidFill>
+              <a:latin typeface="Arial"/>
+            </a:endParaRPr>
+          </a:p>
+          <a:p>
+            <a:pPr>
+              <a:lnSpc>
+                <a:spcPct val="100000"/>
+              </a:lnSpc>
+            </a:pPr>
+            <a:r>
+              <a:rPr b="0" lang="en-US" sz="1200" spc="-1" strike="noStrike">
+                <a:solidFill>
+                  <a:schemeClr val="lt1"/>
+                </a:solidFill>
+                <a:latin typeface="Calibri"/>
+                <a:ea typeface="DejaVu Sans"/>
+              </a:rPr>
+              <a:t>“</a:t>
+            </a:r>
+            <a:r>
+              <a:rPr b="0" lang="en-US" sz="1200" spc="-1" strike="noStrike">
+                <a:solidFill>
+                  <a:schemeClr val="lt1"/>
+                </a:solidFill>
+                <a:latin typeface="Calibri"/>
+                <a:ea typeface="DejaVu Sans"/>
+              </a:rPr>
+              <a:t>We needed one language that could run everywhere.”</a:t>
+            </a:r>
+            <a:endParaRPr b="0" lang="en-US" sz="1200" spc="-1" strike="noStrike">
+              <a:solidFill>
+                <a:srgbClr val="ffffff"/>
+              </a:solidFill>
+              <a:latin typeface="Arial"/>
+            </a:endParaRPr>
+          </a:p>
+        </p:txBody>
+      </p:sp>
+      <p:sp>
+        <p:nvSpPr>
+          <p:cNvPr id="140" name="Rounded Rectangle 32"/>
+          <p:cNvSpPr/>
+          <p:nvPr/>
+        </p:nvSpPr>
+        <p:spPr>
+          <a:xfrm>
+            <a:off x="4507920" y="3182040"/>
+            <a:ext cx="3288600" cy="2739960"/>
+          </a:xfrm>
+          <a:prstGeom prst="roundRect">
+            <a:avLst>
+              <a:gd name="adj" fmla="val 16667"/>
+            </a:avLst>
+          </a:prstGeom>
+          <a:solidFill>
+            <a:srgbClr val="08080a"/>
+          </a:solidFill>
+          <a:ln>
+            <a:noFill/>
+          </a:ln>
+          <a:effectLst>
+            <a:outerShdw blurRad="39960" dir="5400000" dist="23040" rotWithShape="0">
+              <a:srgbClr val="000000">
+                <a:alpha val="35000"/>
+              </a:srgbClr>
+            </a:outerShdw>
+          </a:effectLst>
+        </p:spPr>
+        <p:style>
+          <a:lnRef idx="1">
+            <a:schemeClr val="accent1"/>
+          </a:lnRef>
+          <a:fillRef idx="3">
+            <a:schemeClr val="accent1"/>
+          </a:fillRef>
+          <a:effectRef idx="2">
+            <a:schemeClr val="accent1"/>
+          </a:effectRef>
+          <a:fontRef idx="minor"/>
+        </p:style>
+        <p:txBody>
+          <a:bodyPr lIns="90000" rIns="90000" tIns="45000" bIns="45000" anchor="ctr">
+            <a:noAutofit/>
+          </a:bodyPr>
+          <a:p>
+            <a:pPr>
+              <a:lnSpc>
+                <a:spcPct val="100000"/>
+              </a:lnSpc>
+            </a:pPr>
+            <a:endParaRPr b="0" lang="en-US" sz="1800" spc="-1" strike="noStrike">
+              <a:solidFill>
+                <a:schemeClr val="lt1"/>
+              </a:solidFill>
+              <a:latin typeface="Calibri"/>
+              <a:ea typeface="DejaVu Sans"/>
+            </a:endParaRPr>
+          </a:p>
+        </p:txBody>
+      </p:sp>
+      <p:sp>
+        <p:nvSpPr>
+          <p:cNvPr id="141" name="Rounded Rectangle 33"/>
+          <p:cNvSpPr/>
+          <p:nvPr/>
+        </p:nvSpPr>
+        <p:spPr>
+          <a:xfrm>
+            <a:off x="4434840" y="3108960"/>
+            <a:ext cx="3288600" cy="2739960"/>
+          </a:xfrm>
+          <a:prstGeom prst="roundRect">
+            <a:avLst>
+              <a:gd name="adj" fmla="val 16667"/>
+            </a:avLst>
+          </a:prstGeom>
+          <a:solidFill>
+            <a:srgbClr val="16161c"/>
+          </a:solidFill>
+          <a:ln>
+            <a:solidFill>
+              <a:srgbClr val="464655"/>
+            </a:solidFill>
+            <a:round/>
+          </a:ln>
+          <a:effectLst>
+            <a:outerShdw blurRad="39960" dir="5400000" dist="23040" rotWithShape="0">
+              <a:srgbClr val="000000">
+                <a:alpha val="35000"/>
+              </a:srgbClr>
+            </a:outerShdw>
+          </a:effectLst>
+        </p:spPr>
+        <p:style>
+          <a:lnRef idx="1">
+            <a:schemeClr val="accent1"/>
+          </a:lnRef>
+          <a:fillRef idx="3">
+            <a:schemeClr val="accent1"/>
+          </a:fillRef>
+          <a:effectRef idx="2">
+            <a:schemeClr val="accent1"/>
+          </a:effectRef>
+          <a:fontRef idx="minor"/>
+        </p:style>
+        <p:txBody>
+          <a:bodyPr lIns="90000" rIns="90000" tIns="45000" bIns="45000" anchor="ctr">
+            <a:noAutofit/>
+          </a:bodyPr>
+          <a:p>
+            <a:pPr>
+              <a:lnSpc>
+                <a:spcPct val="100000"/>
+              </a:lnSpc>
+            </a:pPr>
+            <a:r>
+              <a:rPr b="0" lang="en-US" sz="1200" spc="-1" strike="noStrike">
+                <a:solidFill>
+                  <a:schemeClr val="lt1"/>
+                </a:solidFill>
+                <a:latin typeface="Calibri"/>
+                <a:ea typeface="DejaVu Sans"/>
+              </a:rPr>
+              <a:t>Write Once, Run Anywhere</a:t>
+            </a:r>
+            <a:endParaRPr b="0" lang="en-US" sz="1200" spc="-1" strike="noStrike">
+              <a:solidFill>
+                <a:srgbClr val="ffffff"/>
+              </a:solidFill>
+              <a:latin typeface="Arial"/>
+            </a:endParaRPr>
+          </a:p>
+          <a:p>
+            <a:pPr>
+              <a:lnSpc>
+                <a:spcPct val="100000"/>
+              </a:lnSpc>
+            </a:pPr>
+            <a:endParaRPr b="0" lang="en-US" sz="1200" spc="-1" strike="noStrike">
+              <a:solidFill>
+                <a:srgbClr val="ffffff"/>
+              </a:solidFill>
+              <a:latin typeface="Arial"/>
+            </a:endParaRPr>
+          </a:p>
+          <a:p>
+            <a:pPr>
+              <a:lnSpc>
+                <a:spcPct val="100000"/>
+              </a:lnSpc>
+            </a:pPr>
+            <a:r>
+              <a:rPr b="0" lang="en-US" sz="1200" spc="-1" strike="noStrike">
+                <a:solidFill>
+                  <a:schemeClr val="lt1"/>
+                </a:solidFill>
+                <a:latin typeface="Calibri"/>
+                <a:ea typeface="DejaVu Sans"/>
+              </a:rPr>
+              <a:t>↓</a:t>
+            </a:r>
+            <a:endParaRPr b="0" lang="en-US" sz="1200" spc="-1" strike="noStrike">
+              <a:solidFill>
+                <a:srgbClr val="ffffff"/>
+              </a:solidFill>
+              <a:latin typeface="Arial"/>
+            </a:endParaRPr>
+          </a:p>
+          <a:p>
+            <a:pPr>
+              <a:lnSpc>
+                <a:spcPct val="100000"/>
+              </a:lnSpc>
+            </a:pPr>
+            <a:endParaRPr b="0" lang="en-US" sz="1200" spc="-1" strike="noStrike">
+              <a:solidFill>
+                <a:srgbClr val="ffffff"/>
+              </a:solidFill>
+              <a:latin typeface="Arial"/>
+            </a:endParaRPr>
+          </a:p>
+          <a:p>
+            <a:pPr marL="216000" indent="-216000">
+              <a:lnSpc>
+                <a:spcPct val="100000"/>
+              </a:lnSpc>
+              <a:buClr>
+                <a:srgbClr val="ffffff"/>
+              </a:buClr>
+              <a:buFont typeface="Wingdings" charset="2"/>
+              <a:buChar char=""/>
+            </a:pPr>
+            <a:r>
+              <a:rPr b="0" lang="en-US" sz="1200" spc="-1" strike="noStrike">
+                <a:solidFill>
+                  <a:schemeClr val="lt1"/>
+                </a:solidFill>
+                <a:latin typeface="Calibri"/>
+                <a:ea typeface="DejaVu Sans"/>
+              </a:rPr>
+              <a:t>Java source code</a:t>
+            </a:r>
+            <a:endParaRPr b="0" lang="en-US" sz="1200" spc="-1" strike="noStrike">
+              <a:solidFill>
+                <a:srgbClr val="ffffff"/>
+              </a:solidFill>
+              <a:latin typeface="Arial"/>
+            </a:endParaRPr>
+          </a:p>
+          <a:p>
+            <a:pPr>
+              <a:lnSpc>
+                <a:spcPct val="100000"/>
+              </a:lnSpc>
+            </a:pPr>
+            <a:endParaRPr b="0" lang="en-US" sz="1200" spc="-1" strike="noStrike">
+              <a:solidFill>
+                <a:srgbClr val="ffffff"/>
+              </a:solidFill>
+              <a:latin typeface="Arial"/>
+            </a:endParaRPr>
+          </a:p>
+          <a:p>
+            <a:pPr marL="216000" indent="-216000">
+              <a:lnSpc>
+                <a:spcPct val="100000"/>
+              </a:lnSpc>
+              <a:buClr>
+                <a:srgbClr val="ffffff"/>
+              </a:buClr>
+              <a:buFont typeface="Wingdings" charset="2"/>
+              <a:buChar char=""/>
+            </a:pPr>
+            <a:r>
+              <a:rPr b="0" lang="en-US" sz="1200" spc="-1" strike="noStrike">
+                <a:solidFill>
+                  <a:schemeClr val="lt1"/>
+                </a:solidFill>
+                <a:latin typeface="Calibri"/>
+                <a:ea typeface="DejaVu Sans"/>
+              </a:rPr>
+              <a:t>Compiled to Bytecode</a:t>
+            </a:r>
+            <a:endParaRPr b="0" lang="en-US" sz="1200" spc="-1" strike="noStrike">
+              <a:solidFill>
+                <a:srgbClr val="ffffff"/>
+              </a:solidFill>
+              <a:latin typeface="Arial"/>
+            </a:endParaRPr>
+          </a:p>
+          <a:p>
+            <a:pPr>
+              <a:lnSpc>
+                <a:spcPct val="100000"/>
+              </a:lnSpc>
+            </a:pPr>
+            <a:endParaRPr b="0" lang="en-US" sz="1200" spc="-1" strike="noStrike">
+              <a:solidFill>
+                <a:srgbClr val="ffffff"/>
+              </a:solidFill>
+              <a:latin typeface="Arial"/>
+            </a:endParaRPr>
+          </a:p>
+          <a:p>
+            <a:pPr marL="216000" indent="-216000">
+              <a:lnSpc>
+                <a:spcPct val="100000"/>
+              </a:lnSpc>
+              <a:buClr>
+                <a:srgbClr val="ffffff"/>
+              </a:buClr>
+              <a:buFont typeface="Wingdings" charset="2"/>
+              <a:buChar char=""/>
+            </a:pPr>
+            <a:r>
+              <a:rPr b="0" lang="en-US" sz="1200" spc="-1" strike="noStrike">
+                <a:solidFill>
+                  <a:schemeClr val="lt1"/>
+                </a:solidFill>
+                <a:latin typeface="Calibri"/>
+                <a:ea typeface="DejaVu Sans"/>
+              </a:rPr>
+              <a:t>Runs on JVM</a:t>
+            </a:r>
+            <a:endParaRPr b="0" lang="en-US" sz="1200" spc="-1" strike="noStrike">
+              <a:solidFill>
+                <a:srgbClr val="ffffff"/>
+              </a:solidFill>
+              <a:latin typeface="Arial"/>
+            </a:endParaRPr>
+          </a:p>
+          <a:p>
+            <a:pPr>
+              <a:lnSpc>
+                <a:spcPct val="100000"/>
+              </a:lnSpc>
+            </a:pPr>
+            <a:endParaRPr b="0" lang="en-US" sz="1200" spc="-1" strike="noStrike">
+              <a:solidFill>
+                <a:srgbClr val="ffffff"/>
+              </a:solidFill>
+              <a:latin typeface="Arial"/>
+            </a:endParaRPr>
+          </a:p>
+          <a:p>
+            <a:pPr marL="216000" indent="-216000">
+              <a:lnSpc>
+                <a:spcPct val="100000"/>
+              </a:lnSpc>
+              <a:buClr>
+                <a:srgbClr val="ffffff"/>
+              </a:buClr>
+              <a:buFont typeface="Wingdings" charset="2"/>
+              <a:buChar char=""/>
+            </a:pPr>
+            <a:r>
+              <a:rPr b="0" lang="en-US" sz="1200" spc="-1" strike="noStrike">
+                <a:solidFill>
+                  <a:schemeClr val="lt1"/>
+                </a:solidFill>
+                <a:latin typeface="Calibri"/>
+                <a:ea typeface="DejaVu Sans"/>
+              </a:rPr>
+              <a:t>Works on every OS</a:t>
+            </a:r>
+            <a:endParaRPr b="0" lang="en-US" sz="1200" spc="-1" strike="noStrike">
+              <a:solidFill>
+                <a:srgbClr val="ffffff"/>
+              </a:solidFill>
+              <a:latin typeface="Arial"/>
+            </a:endParaRPr>
+          </a:p>
+          <a:p>
+            <a:pPr>
+              <a:lnSpc>
+                <a:spcPct val="100000"/>
+              </a:lnSpc>
+            </a:pPr>
+            <a:r>
+              <a:rPr b="0" lang="en-US" sz="1200" spc="-1" strike="noStrike">
+                <a:solidFill>
+                  <a:schemeClr val="lt1"/>
+                </a:solidFill>
+                <a:latin typeface="Calibri"/>
+                <a:ea typeface="DejaVu Sans"/>
+              </a:rPr>
+              <a:t>Released in 1995</a:t>
+            </a:r>
+            <a:endParaRPr b="0" lang="en-US" sz="1200" spc="-1" strike="noStrike">
+              <a:solidFill>
+                <a:srgbClr val="ffffff"/>
+              </a:solidFill>
+              <a:latin typeface="Arial"/>
+            </a:endParaRPr>
+          </a:p>
+          <a:p>
+            <a:pPr>
+              <a:lnSpc>
+                <a:spcPct val="100000"/>
+              </a:lnSpc>
+            </a:pPr>
+            <a:r>
+              <a:rPr b="0" lang="en-US" sz="1200" spc="-1" strike="noStrike">
+                <a:solidFill>
+                  <a:schemeClr val="lt1"/>
+                </a:solidFill>
+                <a:latin typeface="Calibri"/>
+                <a:ea typeface="DejaVu Sans"/>
+              </a:rPr>
+              <a:t>Built for the Internet era</a:t>
+            </a:r>
+            <a:endParaRPr b="0" lang="en-US" sz="1200" spc="-1" strike="noStrike">
+              <a:solidFill>
+                <a:srgbClr val="ffffff"/>
+              </a:solidFill>
+              <a:latin typeface="Arial"/>
+            </a:endParaRPr>
+          </a:p>
+        </p:txBody>
+      </p:sp>
+      <p:sp>
+        <p:nvSpPr>
+          <p:cNvPr id="142" name="Rounded Rectangle 34"/>
+          <p:cNvSpPr/>
+          <p:nvPr/>
+        </p:nvSpPr>
+        <p:spPr>
+          <a:xfrm>
+            <a:off x="8028360" y="3182040"/>
+            <a:ext cx="3288600" cy="2739960"/>
+          </a:xfrm>
+          <a:prstGeom prst="roundRect">
+            <a:avLst>
+              <a:gd name="adj" fmla="val 16667"/>
+            </a:avLst>
+          </a:prstGeom>
+          <a:solidFill>
+            <a:srgbClr val="08080a"/>
+          </a:solidFill>
+          <a:ln>
+            <a:noFill/>
+          </a:ln>
+          <a:effectLst>
+            <a:outerShdw blurRad="39960" dir="5400000" dist="23040" rotWithShape="0">
+              <a:srgbClr val="000000">
+                <a:alpha val="35000"/>
+              </a:srgbClr>
+            </a:outerShdw>
+          </a:effectLst>
+        </p:spPr>
+        <p:style>
+          <a:lnRef idx="1">
+            <a:schemeClr val="accent1"/>
+          </a:lnRef>
+          <a:fillRef idx="3">
+            <a:schemeClr val="accent1"/>
+          </a:fillRef>
+          <a:effectRef idx="2">
+            <a:schemeClr val="accent1"/>
+          </a:effectRef>
+          <a:fontRef idx="minor"/>
+        </p:style>
+        <p:txBody>
+          <a:bodyPr lIns="90000" rIns="90000" tIns="45000" bIns="45000" anchor="ctr">
+            <a:noAutofit/>
+          </a:bodyPr>
+          <a:p>
+            <a:pPr>
+              <a:lnSpc>
+                <a:spcPct val="100000"/>
+              </a:lnSpc>
+            </a:pPr>
+            <a:endParaRPr b="0" lang="en-US" sz="1800" spc="-1" strike="noStrike">
+              <a:solidFill>
+                <a:schemeClr val="lt1"/>
+              </a:solidFill>
+              <a:latin typeface="Calibri"/>
+              <a:ea typeface="DejaVu Sans"/>
+            </a:endParaRPr>
+          </a:p>
+        </p:txBody>
+      </p:sp>
+      <p:sp>
+        <p:nvSpPr>
+          <p:cNvPr id="143" name="Rounded Rectangle 35"/>
+          <p:cNvSpPr/>
+          <p:nvPr/>
+        </p:nvSpPr>
+        <p:spPr>
+          <a:xfrm>
+            <a:off x="7955280" y="3108960"/>
+            <a:ext cx="3288600" cy="2739960"/>
+          </a:xfrm>
+          <a:prstGeom prst="roundRect">
+            <a:avLst>
+              <a:gd name="adj" fmla="val 16667"/>
+            </a:avLst>
+          </a:prstGeom>
+          <a:solidFill>
+            <a:srgbClr val="16161c"/>
+          </a:solidFill>
+          <a:ln>
+            <a:solidFill>
+              <a:srgbClr val="464655"/>
+            </a:solidFill>
+            <a:round/>
+          </a:ln>
+          <a:effectLst>
+            <a:outerShdw blurRad="39960" dir="5400000" dist="23040" rotWithShape="0">
+              <a:srgbClr val="000000">
+                <a:alpha val="35000"/>
+              </a:srgbClr>
+            </a:outerShdw>
+          </a:effectLst>
+        </p:spPr>
+        <p:style>
+          <a:lnRef idx="1">
+            <a:schemeClr val="accent1"/>
+          </a:lnRef>
+          <a:fillRef idx="3">
+            <a:schemeClr val="accent1"/>
+          </a:fillRef>
+          <a:effectRef idx="2">
+            <a:schemeClr val="accent1"/>
+          </a:effectRef>
+          <a:fontRef idx="minor"/>
+        </p:style>
+        <p:txBody>
+          <a:bodyPr lIns="90000" rIns="90000" tIns="45000" bIns="45000" anchor="ctr">
+            <a:noAutofit/>
+          </a:bodyPr>
+          <a:p>
+            <a:pPr algn="ctr">
+              <a:lnSpc>
+                <a:spcPct val="100000"/>
+              </a:lnSpc>
+            </a:pPr>
+            <a:endParaRPr b="0" lang="en-US" sz="1100" spc="-1" strike="noStrike">
+              <a:solidFill>
+                <a:srgbClr val="ffffff"/>
+              </a:solidFill>
+              <a:latin typeface="Arial"/>
+            </a:endParaRPr>
+          </a:p>
+          <a:p>
+            <a:pPr algn="ctr">
+              <a:lnSpc>
+                <a:spcPct val="100000"/>
+              </a:lnSpc>
+            </a:pPr>
+            <a:r>
+              <a:rPr b="0" lang="en-US" sz="1100" spc="-1" strike="noStrike">
+                <a:solidFill>
+                  <a:srgbClr val="78ffc8"/>
+                </a:solidFill>
+                <a:latin typeface="Consolas"/>
+                <a:ea typeface="DejaVu Sans"/>
+              </a:rPr>
+              <a:t>public class Main {</a:t>
+            </a:r>
+            <a:endParaRPr b="0" lang="en-US" sz="1100" spc="-1" strike="noStrike">
+              <a:solidFill>
+                <a:srgbClr val="ffffff"/>
+              </a:solidFill>
+              <a:latin typeface="Arial"/>
+            </a:endParaRPr>
+          </a:p>
+          <a:p>
+            <a:pPr algn="ctr">
+              <a:lnSpc>
+                <a:spcPct val="100000"/>
+              </a:lnSpc>
+            </a:pPr>
+            <a:r>
+              <a:rPr b="0" lang="en-US" sz="1100" spc="-1" strike="noStrike">
+                <a:solidFill>
+                  <a:srgbClr val="78ffc8"/>
+                </a:solidFill>
+                <a:latin typeface="Consolas"/>
+                <a:ea typeface="DejaVu Sans"/>
+              </a:rPr>
+              <a:t>    </a:t>
+            </a:r>
+            <a:r>
+              <a:rPr b="0" lang="en-US" sz="1100" spc="-1" strike="noStrike">
+                <a:solidFill>
+                  <a:srgbClr val="78ffc8"/>
+                </a:solidFill>
+                <a:latin typeface="Consolas"/>
+                <a:ea typeface="DejaVu Sans"/>
+              </a:rPr>
+              <a:t>public static void main(String[] args) {</a:t>
+            </a:r>
+            <a:endParaRPr b="0" lang="en-US" sz="1100" spc="-1" strike="noStrike">
+              <a:solidFill>
+                <a:srgbClr val="ffffff"/>
+              </a:solidFill>
+              <a:latin typeface="Arial"/>
+            </a:endParaRPr>
+          </a:p>
+          <a:p>
+            <a:pPr algn="ctr">
+              <a:lnSpc>
+                <a:spcPct val="100000"/>
+              </a:lnSpc>
+            </a:pPr>
+            <a:endParaRPr b="0" lang="en-US" sz="1100" spc="-1" strike="noStrike">
+              <a:solidFill>
+                <a:srgbClr val="ffffff"/>
+              </a:solidFill>
+              <a:latin typeface="Arial"/>
+            </a:endParaRPr>
+          </a:p>
+          <a:p>
+            <a:pPr algn="ctr">
+              <a:lnSpc>
+                <a:spcPct val="100000"/>
+              </a:lnSpc>
+            </a:pPr>
+            <a:r>
+              <a:rPr b="0" lang="en-US" sz="1100" spc="-1" strike="noStrike">
+                <a:solidFill>
+                  <a:srgbClr val="78ffc8"/>
+                </a:solidFill>
+                <a:latin typeface="Consolas"/>
+                <a:ea typeface="DejaVu Sans"/>
+              </a:rPr>
+              <a:t>        </a:t>
+            </a:r>
+            <a:r>
+              <a:rPr b="0" lang="en-US" sz="1100" spc="-1" strike="noStrike">
+                <a:solidFill>
+                  <a:srgbClr val="78ffc8"/>
+                </a:solidFill>
+                <a:latin typeface="Consolas"/>
+                <a:ea typeface="DejaVu Sans"/>
+              </a:rPr>
+              <a:t>System.out.println("Java History Begins!");</a:t>
+            </a:r>
+            <a:endParaRPr b="0" lang="en-US" sz="1100" spc="-1" strike="noStrike">
+              <a:solidFill>
+                <a:srgbClr val="ffffff"/>
+              </a:solidFill>
+              <a:latin typeface="Arial"/>
+            </a:endParaRPr>
+          </a:p>
+          <a:p>
+            <a:pPr algn="ctr">
+              <a:lnSpc>
+                <a:spcPct val="100000"/>
+              </a:lnSpc>
+            </a:pPr>
+            <a:endParaRPr b="0" lang="en-US" sz="1100" spc="-1" strike="noStrike">
+              <a:solidFill>
+                <a:srgbClr val="ffffff"/>
+              </a:solidFill>
+              <a:latin typeface="Arial"/>
+            </a:endParaRPr>
+          </a:p>
+          <a:p>
+            <a:pPr algn="ctr">
+              <a:lnSpc>
+                <a:spcPct val="100000"/>
+              </a:lnSpc>
+            </a:pPr>
+            <a:r>
+              <a:rPr b="0" lang="en-US" sz="1100" spc="-1" strike="noStrike">
+                <a:solidFill>
+                  <a:srgbClr val="78ffc8"/>
+                </a:solidFill>
+                <a:latin typeface="Consolas"/>
+                <a:ea typeface="DejaVu Sans"/>
+              </a:rPr>
+              <a:t>        </a:t>
+            </a:r>
+            <a:r>
+              <a:rPr b="0" lang="en-US" sz="1100" spc="-1" strike="noStrike">
+                <a:solidFill>
+                  <a:srgbClr val="78ffc8"/>
+                </a:solidFill>
+                <a:latin typeface="Consolas"/>
+                <a:ea typeface="DejaVu Sans"/>
+              </a:rPr>
+              <a:t>int year = 1995;</a:t>
+            </a:r>
+            <a:endParaRPr b="0" lang="en-US" sz="1100" spc="-1" strike="noStrike">
+              <a:solidFill>
+                <a:srgbClr val="ffffff"/>
+              </a:solidFill>
+              <a:latin typeface="Arial"/>
+            </a:endParaRPr>
+          </a:p>
+          <a:p>
+            <a:pPr algn="ctr">
+              <a:lnSpc>
+                <a:spcPct val="100000"/>
+              </a:lnSpc>
+            </a:pPr>
+            <a:endParaRPr b="0" lang="en-US" sz="1100" spc="-1" strike="noStrike">
+              <a:solidFill>
+                <a:srgbClr val="ffffff"/>
+              </a:solidFill>
+              <a:latin typeface="Arial"/>
+            </a:endParaRPr>
+          </a:p>
+          <a:p>
+            <a:pPr algn="ctr">
+              <a:lnSpc>
+                <a:spcPct val="100000"/>
+              </a:lnSpc>
+            </a:pPr>
+            <a:r>
+              <a:rPr b="0" lang="en-US" sz="1100" spc="-1" strike="noStrike">
+                <a:solidFill>
+                  <a:srgbClr val="78ffc8"/>
+                </a:solidFill>
+                <a:latin typeface="Consolas"/>
+                <a:ea typeface="DejaVu Sans"/>
+              </a:rPr>
+              <a:t>        </a:t>
+            </a:r>
+            <a:r>
+              <a:rPr b="0" lang="en-US" sz="1100" spc="-1" strike="noStrike">
+                <a:solidFill>
+                  <a:srgbClr val="78ffc8"/>
+                </a:solidFill>
+                <a:latin typeface="Consolas"/>
+                <a:ea typeface="DejaVu Sans"/>
+              </a:rPr>
+              <a:t>if (year &gt;= 1995) {</a:t>
+            </a:r>
+            <a:endParaRPr b="0" lang="en-US" sz="1100" spc="-1" strike="noStrike">
+              <a:solidFill>
+                <a:srgbClr val="ffffff"/>
+              </a:solidFill>
+              <a:latin typeface="Arial"/>
+            </a:endParaRPr>
+          </a:p>
+          <a:p>
+            <a:pPr algn="ctr">
+              <a:lnSpc>
+                <a:spcPct val="100000"/>
+              </a:lnSpc>
+            </a:pPr>
+            <a:r>
+              <a:rPr b="0" lang="en-US" sz="1100" spc="-1" strike="noStrike">
+                <a:solidFill>
+                  <a:srgbClr val="78ffc8"/>
+                </a:solidFill>
+                <a:latin typeface="Consolas"/>
+                <a:ea typeface="DejaVu Sans"/>
+              </a:rPr>
+              <a:t>            </a:t>
+            </a:r>
+            <a:r>
+              <a:rPr b="0" lang="en-US" sz="1100" spc="-1" strike="noStrike">
+                <a:solidFill>
+                  <a:srgbClr val="78ffc8"/>
+                </a:solidFill>
+                <a:latin typeface="Consolas"/>
+                <a:ea typeface="DejaVu Sans"/>
+              </a:rPr>
+              <a:t>System.out.println("Java is born");</a:t>
+            </a:r>
+            <a:endParaRPr b="0" lang="en-US" sz="1100" spc="-1" strike="noStrike">
+              <a:solidFill>
+                <a:srgbClr val="ffffff"/>
+              </a:solidFill>
+              <a:latin typeface="Arial"/>
+            </a:endParaRPr>
+          </a:p>
+          <a:p>
+            <a:pPr algn="ctr">
+              <a:lnSpc>
+                <a:spcPct val="100000"/>
+              </a:lnSpc>
+            </a:pPr>
+            <a:r>
+              <a:rPr b="0" lang="en-US" sz="1100" spc="-1" strike="noStrike">
+                <a:solidFill>
+                  <a:srgbClr val="78ffc8"/>
+                </a:solidFill>
+                <a:latin typeface="Consolas"/>
+                <a:ea typeface="DejaVu Sans"/>
+              </a:rPr>
+              <a:t>        </a:t>
+            </a:r>
+            <a:r>
+              <a:rPr b="0" lang="en-US" sz="1100" spc="-1" strike="noStrike">
+                <a:solidFill>
+                  <a:srgbClr val="78ffc8"/>
+                </a:solidFill>
+                <a:latin typeface="Consolas"/>
+                <a:ea typeface="DejaVu Sans"/>
+              </a:rPr>
+              <a:t>}</a:t>
+            </a:r>
+            <a:endParaRPr b="0" lang="en-US" sz="1100" spc="-1" strike="noStrike">
+              <a:solidFill>
+                <a:srgbClr val="ffffff"/>
+              </a:solidFill>
+              <a:latin typeface="Arial"/>
+            </a:endParaRPr>
+          </a:p>
+          <a:p>
+            <a:pPr algn="ctr">
+              <a:lnSpc>
+                <a:spcPct val="100000"/>
+              </a:lnSpc>
+            </a:pPr>
+            <a:r>
+              <a:rPr b="0" lang="en-US" sz="1100" spc="-1" strike="noStrike">
+                <a:solidFill>
+                  <a:srgbClr val="78ffc8"/>
+                </a:solidFill>
+                <a:latin typeface="Consolas"/>
+                <a:ea typeface="DejaVu Sans"/>
+              </a:rPr>
+              <a:t>    </a:t>
+            </a:r>
+            <a:r>
+              <a:rPr b="0" lang="en-US" sz="1100" spc="-1" strike="noStrike">
+                <a:solidFill>
+                  <a:srgbClr val="78ffc8"/>
+                </a:solidFill>
+                <a:latin typeface="Consolas"/>
+                <a:ea typeface="DejaVu Sans"/>
+              </a:rPr>
+              <a:t>}</a:t>
+            </a:r>
+            <a:endParaRPr b="0" lang="en-US" sz="1100" spc="-1" strike="noStrike">
+              <a:solidFill>
+                <a:srgbClr val="ffffff"/>
+              </a:solidFill>
+              <a:latin typeface="Arial"/>
+            </a:endParaRPr>
+          </a:p>
+          <a:p>
+            <a:pPr algn="ctr">
+              <a:lnSpc>
+                <a:spcPct val="100000"/>
+              </a:lnSpc>
+            </a:pPr>
+            <a:r>
+              <a:rPr b="0" lang="en-US" sz="1100" spc="-1" strike="noStrike">
+                <a:solidFill>
+                  <a:srgbClr val="78ffc8"/>
+                </a:solidFill>
+                <a:latin typeface="Consolas"/>
+                <a:ea typeface="DejaVu Sans"/>
+              </a:rPr>
+              <a:t>}</a:t>
+            </a:r>
+            <a:endParaRPr b="0" lang="en-US" sz="1100" spc="-1" strike="noStrike">
+              <a:solidFill>
+                <a:srgbClr val="ffffff"/>
+              </a:solidFill>
+              <a:latin typeface="Arial"/>
+            </a:endParaRPr>
+          </a:p>
+          <a:p>
+            <a:pPr algn="ctr">
+              <a:lnSpc>
+                <a:spcPct val="100000"/>
+              </a:lnSpc>
+            </a:pPr>
+            <a:endParaRPr b="0" lang="en-US" sz="1100" spc="-1" strike="noStrike">
+              <a:solidFill>
+                <a:srgbClr val="ffffff"/>
+              </a:solidFill>
+              <a:latin typeface="Arial"/>
+            </a:endParaRPr>
+          </a:p>
+        </p:txBody>
+      </p:sp>
+      <p:sp>
+        <p:nvSpPr>
+          <p:cNvPr id="144" name="TextBox 12"/>
           <p:cNvSpPr/>
           <p:nvPr/>
         </p:nvSpPr>

--- a/Java/Java #1/EN/Java #1.pptx
+++ b/Java/Java #1/EN/Java #1.pptx
@@ -9,6 +9,8 @@
     <p:sldId id="257" r:id="rId4"/>
     <p:sldId id="258" r:id="rId5"/>
     <p:sldId id="259" r:id="rId6"/>
+    <p:sldId id="260" r:id="rId7"/>
+    <p:sldId id="261" r:id="rId8"/>
   </p:sldIdLst>
   <p:sldSz cx="9144000" cy="6858000"/>
   <p:notesSz cx="7772400" cy="10058400"/>
@@ -66,7 +68,7 @@
         <p:txBody>
           <a:bodyPr/>
           <a:p>
-            <a:fld id="{350DCF45-1567-4539-95BB-9CBF3AB360B7}" type="slidenum">
+            <a:fld id="{8D501AC8-F0C7-426A-BC82-1B7CEE342976}" type="slidenum">
               <a:t>&lt;#&gt;</a:t>
             </a:fld>
           </a:p>
@@ -275,7 +277,7 @@
         <p:txBody>
           <a:bodyPr/>
           <a:p>
-            <a:fld id="{9C1378FF-160F-4178-AF09-EC14DD6EE9C8}" type="slidenum">
+            <a:fld id="{EADE71A5-9267-4546-ADC3-2B24ADA1FA08}" type="slidenum">
               <a:t>&lt;#&gt;</a:t>
             </a:fld>
           </a:p>
@@ -570,7 +572,7 @@
         <p:txBody>
           <a:bodyPr/>
           <a:p>
-            <a:fld id="{77B3783A-67A8-42C4-9452-9B76C26FD82D}" type="slidenum">
+            <a:fld id="{B465A077-8F2A-415E-8E88-7FEED32ECB72}" type="slidenum">
               <a:t>&lt;#&gt;</a:t>
             </a:fld>
           </a:p>
@@ -951,7 +953,7 @@
         <p:txBody>
           <a:bodyPr/>
           <a:p>
-            <a:fld id="{9A26D427-EBDC-47A7-804E-BDF2194FEF4B}" type="slidenum">
+            <a:fld id="{36D55C9E-3394-4E7F-B87E-BD94E5A1C968}" type="slidenum">
               <a:t>&lt;#&gt;</a:t>
             </a:fld>
           </a:p>
@@ -1114,7 +1116,7 @@
         <p:txBody>
           <a:bodyPr/>
           <a:p>
-            <a:fld id="{D6E566F1-88B0-4D9C-9449-D5346B9BFA9C}" type="slidenum">
+            <a:fld id="{2B5C8884-4517-4D7C-BC37-EC4BD763006A}" type="slidenum">
               <a:t>&lt;#&gt;</a:t>
             </a:fld>
           </a:p>
@@ -1280,7 +1282,7 @@
         <p:txBody>
           <a:bodyPr/>
           <a:p>
-            <a:fld id="{421CAEE9-527A-4FE9-9158-49DFA7D83D62}" type="slidenum">
+            <a:fld id="{97893C4F-7527-438B-A89D-BE88FF108E37}" type="slidenum">
               <a:t>&lt;#&gt;</a:t>
             </a:fld>
           </a:p>
@@ -1489,7 +1491,7 @@
         <p:txBody>
           <a:bodyPr/>
           <a:p>
-            <a:fld id="{87C3C0E7-55A6-4899-91D7-346A645FD50C}" type="slidenum">
+            <a:fld id="{6C82584C-CCE5-4BD5-9B8A-2E94320F5302}" type="slidenum">
               <a:t>&lt;#&gt;</a:t>
             </a:fld>
           </a:p>
@@ -1612,7 +1614,7 @@
         <p:txBody>
           <a:bodyPr/>
           <a:p>
-            <a:fld id="{8D2C35E2-8419-4072-81EF-6D0D12CCDA23}" type="slidenum">
+            <a:fld id="{0980779F-209D-426A-86EC-E1B17B496354}" type="slidenum">
               <a:t>&lt;#&gt;</a:t>
             </a:fld>
           </a:p>
@@ -1733,7 +1735,7 @@
         <p:txBody>
           <a:bodyPr/>
           <a:p>
-            <a:fld id="{057E1E6D-CD33-47C5-A4E2-84515170F34D}" type="slidenum">
+            <a:fld id="{6D4E52D8-3E31-42F6-A457-C2B6E1169AA7}" type="slidenum">
               <a:t>&lt;#&gt;</a:t>
             </a:fld>
           </a:p>
@@ -1985,7 +1987,7 @@
         <p:txBody>
           <a:bodyPr/>
           <a:p>
-            <a:fld id="{3E709536-8562-4255-A70F-47FBCBBF3F25}" type="slidenum">
+            <a:fld id="{DCF8296D-6F64-4691-8F49-FB2DA47012C5}" type="slidenum">
               <a:t>&lt;#&gt;</a:t>
             </a:fld>
           </a:p>
@@ -2237,7 +2239,7 @@
         <p:txBody>
           <a:bodyPr/>
           <a:p>
-            <a:fld id="{1B05EAF1-E6FA-42CB-AC59-264DF9EBBA06}" type="slidenum">
+            <a:fld id="{4EE77366-B237-46CE-A3F0-B18B59F02A31}" type="slidenum">
               <a:t>&lt;#&gt;</a:t>
             </a:fld>
           </a:p>
@@ -2489,7 +2491,7 @@
         <p:txBody>
           <a:bodyPr/>
           <a:p>
-            <a:fld id="{49B0A824-E744-45EF-9887-E9F5A9249FBC}" type="slidenum">
+            <a:fld id="{87306A68-C337-4762-9BC9-227976A2C554}" type="slidenum">
               <a:t>&lt;#&gt;</a:t>
             </a:fld>
           </a:p>
@@ -2558,7 +2560,7 @@
         <p:spPr>
           <a:xfrm>
             <a:off x="3124080" y="6356520"/>
-            <a:ext cx="2892240" cy="361800"/>
+            <a:ext cx="2891880" cy="361440"/>
           </a:xfrm>
           <a:prstGeom prst="rect">
             <a:avLst/>
@@ -2630,7 +2632,7 @@
         <p:spPr>
           <a:xfrm>
             <a:off x="6553080" y="6356520"/>
-            <a:ext cx="2130480" cy="361800"/>
+            <a:ext cx="2130120" cy="361440"/>
           </a:xfrm>
           <a:prstGeom prst="rect">
             <a:avLst/>
@@ -2671,7 +2673,7 @@
                 <a:tab algn="l" pos="0"/>
               </a:tabLst>
             </a:pPr>
-            <a:fld id="{1F56CA5B-385D-4104-A41F-B8242ABB3B16}" type="slidenum">
+            <a:fld id="{EEA52EAA-71F7-4D1A-8927-F09FBCE2D41D}" type="slidenum">
               <a:rPr b="0" lang="en-US" sz="1200" spc="-1" strike="noStrike">
                 <a:solidFill>
                   <a:srgbClr val="8b8b8b"/>
@@ -2702,7 +2704,7 @@
         <p:spPr>
           <a:xfrm>
             <a:off x="457200" y="6356520"/>
-            <a:ext cx="2130480" cy="361800"/>
+            <a:ext cx="2130120" cy="361440"/>
           </a:xfrm>
           <a:prstGeom prst="rect">
             <a:avLst/>
@@ -3069,7 +3071,7 @@
         <p:spPr>
           <a:xfrm>
             <a:off x="0" y="0"/>
-            <a:ext cx="12185640" cy="6854760"/>
+            <a:ext cx="12185280" cy="6854400"/>
           </a:xfrm>
           <a:prstGeom prst="rect">
             <a:avLst/>
@@ -3129,7 +3131,7 @@
         <p:spPr>
           <a:xfrm>
             <a:off x="0" y="0"/>
-            <a:ext cx="15120" cy="6854760"/>
+            <a:ext cx="14760" cy="6854400"/>
           </a:xfrm>
           <a:prstGeom prst="rect">
             <a:avLst/>
@@ -3189,7 +3191,7 @@
         <p:spPr>
           <a:xfrm>
             <a:off x="914400" y="0"/>
-            <a:ext cx="15120" cy="6854760"/>
+            <a:ext cx="14760" cy="6854400"/>
           </a:xfrm>
           <a:prstGeom prst="rect">
             <a:avLst/>
@@ -3249,7 +3251,7 @@
         <p:spPr>
           <a:xfrm>
             <a:off x="1828800" y="0"/>
-            <a:ext cx="15120" cy="6854760"/>
+            <a:ext cx="14760" cy="6854400"/>
           </a:xfrm>
           <a:prstGeom prst="rect">
             <a:avLst/>
@@ -3309,7 +3311,7 @@
         <p:spPr>
           <a:xfrm>
             <a:off x="2743200" y="0"/>
-            <a:ext cx="15120" cy="6854760"/>
+            <a:ext cx="14760" cy="6854400"/>
           </a:xfrm>
           <a:prstGeom prst="rect">
             <a:avLst/>
@@ -3369,7 +3371,7 @@
         <p:spPr>
           <a:xfrm>
             <a:off x="3657600" y="0"/>
-            <a:ext cx="15120" cy="6854760"/>
+            <a:ext cx="14760" cy="6854400"/>
           </a:xfrm>
           <a:prstGeom prst="rect">
             <a:avLst/>
@@ -3429,7 +3431,7 @@
         <p:spPr>
           <a:xfrm>
             <a:off x="4572000" y="0"/>
-            <a:ext cx="15120" cy="6854760"/>
+            <a:ext cx="14760" cy="6854400"/>
           </a:xfrm>
           <a:prstGeom prst="rect">
             <a:avLst/>
@@ -3489,7 +3491,7 @@
         <p:spPr>
           <a:xfrm>
             <a:off x="5486400" y="0"/>
-            <a:ext cx="15120" cy="6854760"/>
+            <a:ext cx="14760" cy="6854400"/>
           </a:xfrm>
           <a:prstGeom prst="rect">
             <a:avLst/>
@@ -3549,7 +3551,7 @@
         <p:spPr>
           <a:xfrm>
             <a:off x="6400800" y="0"/>
-            <a:ext cx="15120" cy="6854760"/>
+            <a:ext cx="14760" cy="6854400"/>
           </a:xfrm>
           <a:prstGeom prst="rect">
             <a:avLst/>
@@ -3609,7 +3611,7 @@
         <p:spPr>
           <a:xfrm>
             <a:off x="7315200" y="0"/>
-            <a:ext cx="15120" cy="6854760"/>
+            <a:ext cx="14760" cy="6854400"/>
           </a:xfrm>
           <a:prstGeom prst="rect">
             <a:avLst/>
@@ -3669,7 +3671,7 @@
         <p:spPr>
           <a:xfrm>
             <a:off x="8229600" y="0"/>
-            <a:ext cx="15120" cy="6854760"/>
+            <a:ext cx="14760" cy="6854400"/>
           </a:xfrm>
           <a:prstGeom prst="rect">
             <a:avLst/>
@@ -3729,7 +3731,7 @@
         <p:spPr>
           <a:xfrm>
             <a:off x="9144000" y="0"/>
-            <a:ext cx="15120" cy="6854760"/>
+            <a:ext cx="14760" cy="6854400"/>
           </a:xfrm>
           <a:prstGeom prst="rect">
             <a:avLst/>
@@ -3789,7 +3791,7 @@
         <p:spPr>
           <a:xfrm>
             <a:off x="10058400" y="0"/>
-            <a:ext cx="15120" cy="6854760"/>
+            <a:ext cx="14760" cy="6854400"/>
           </a:xfrm>
           <a:prstGeom prst="rect">
             <a:avLst/>
@@ -3849,7 +3851,7 @@
         <p:spPr>
           <a:xfrm>
             <a:off x="10972800" y="0"/>
-            <a:ext cx="15120" cy="6854760"/>
+            <a:ext cx="14760" cy="6854400"/>
           </a:xfrm>
           <a:prstGeom prst="rect">
             <a:avLst/>
@@ -3909,7 +3911,7 @@
         <p:spPr>
           <a:xfrm>
             <a:off x="11887200" y="0"/>
-            <a:ext cx="15120" cy="6854760"/>
+            <a:ext cx="14760" cy="6854400"/>
           </a:xfrm>
           <a:prstGeom prst="rect">
             <a:avLst/>
@@ -3969,7 +3971,7 @@
         <p:spPr>
           <a:xfrm>
             <a:off x="0" y="0"/>
-            <a:ext cx="316800" cy="6854760"/>
+            <a:ext cx="316440" cy="6854400"/>
           </a:xfrm>
           <a:prstGeom prst="rect">
             <a:avLst/>
@@ -4029,7 +4031,7 @@
         <p:spPr>
           <a:xfrm>
             <a:off x="9875520" y="365760"/>
-            <a:ext cx="2008440" cy="499680"/>
+            <a:ext cx="2008080" cy="499320"/>
           </a:xfrm>
           <a:prstGeom prst="roundRect">
             <a:avLst>
@@ -4224,7 +4226,7 @@
         <p:spPr>
           <a:xfrm>
             <a:off x="987480" y="3182040"/>
-            <a:ext cx="3288600" cy="2739960"/>
+            <a:ext cx="3288240" cy="2739600"/>
           </a:xfrm>
           <a:prstGeom prst="roundRect">
             <a:avLst>
@@ -4286,7 +4288,7 @@
         <p:spPr>
           <a:xfrm>
             <a:off x="914400" y="3108960"/>
-            <a:ext cx="3288600" cy="2739960"/>
+            <a:ext cx="3288240" cy="2739600"/>
           </a:xfrm>
           <a:prstGeom prst="roundRect">
             <a:avLst>
@@ -4436,7 +4438,7 @@
         <p:spPr>
           <a:xfrm>
             <a:off x="4507920" y="3182040"/>
-            <a:ext cx="3288600" cy="2739960"/>
+            <a:ext cx="3288240" cy="2739600"/>
           </a:xfrm>
           <a:prstGeom prst="roundRect">
             <a:avLst>
@@ -4498,7 +4500,7 @@
         <p:spPr>
           <a:xfrm>
             <a:off x="4434840" y="3108960"/>
-            <a:ext cx="3288600" cy="2739960"/>
+            <a:ext cx="3288240" cy="2739600"/>
           </a:xfrm>
           <a:prstGeom prst="roundRect">
             <a:avLst>
@@ -4750,7 +4752,7 @@
         <p:spPr>
           <a:xfrm>
             <a:off x="8028360" y="3182040"/>
-            <a:ext cx="3288600" cy="2739960"/>
+            <a:ext cx="3288240" cy="2739600"/>
           </a:xfrm>
           <a:prstGeom prst="roundRect">
             <a:avLst>
@@ -4812,7 +4814,7 @@
         <p:spPr>
           <a:xfrm>
             <a:off x="7955280" y="3108960"/>
-            <a:ext cx="3288600" cy="2739960"/>
+            <a:ext cx="3288240" cy="2739600"/>
           </a:xfrm>
           <a:prstGeom prst="roundRect">
             <a:avLst>
@@ -4970,7 +4972,7 @@
         <p:spPr>
           <a:xfrm>
             <a:off x="0" y="0"/>
-            <a:ext cx="12185640" cy="6854760"/>
+            <a:ext cx="12185280" cy="6854400"/>
           </a:xfrm>
           <a:prstGeom prst="rect">
             <a:avLst/>
@@ -5030,7 +5032,7 @@
         <p:spPr>
           <a:xfrm>
             <a:off x="0" y="0"/>
-            <a:ext cx="15120" cy="6854760"/>
+            <a:ext cx="14760" cy="6854400"/>
           </a:xfrm>
           <a:prstGeom prst="rect">
             <a:avLst/>
@@ -5090,7 +5092,7 @@
         <p:spPr>
           <a:xfrm>
             <a:off x="914400" y="0"/>
-            <a:ext cx="15120" cy="6854760"/>
+            <a:ext cx="14760" cy="6854400"/>
           </a:xfrm>
           <a:prstGeom prst="rect">
             <a:avLst/>
@@ -5150,7 +5152,7 @@
         <p:spPr>
           <a:xfrm>
             <a:off x="1828800" y="0"/>
-            <a:ext cx="15120" cy="6854760"/>
+            <a:ext cx="14760" cy="6854400"/>
           </a:xfrm>
           <a:prstGeom prst="rect">
             <a:avLst/>
@@ -5210,7 +5212,7 @@
         <p:spPr>
           <a:xfrm>
             <a:off x="2743200" y="0"/>
-            <a:ext cx="15120" cy="6854760"/>
+            <a:ext cx="14760" cy="6854400"/>
           </a:xfrm>
           <a:prstGeom prst="rect">
             <a:avLst/>
@@ -5270,7 +5272,7 @@
         <p:spPr>
           <a:xfrm>
             <a:off x="3657600" y="0"/>
-            <a:ext cx="15120" cy="6854760"/>
+            <a:ext cx="14760" cy="6854400"/>
           </a:xfrm>
           <a:prstGeom prst="rect">
             <a:avLst/>
@@ -5330,7 +5332,7 @@
         <p:spPr>
           <a:xfrm>
             <a:off x="4572000" y="0"/>
-            <a:ext cx="15120" cy="6854760"/>
+            <a:ext cx="14760" cy="6854400"/>
           </a:xfrm>
           <a:prstGeom prst="rect">
             <a:avLst/>
@@ -5390,7 +5392,7 @@
         <p:spPr>
           <a:xfrm>
             <a:off x="5486400" y="0"/>
-            <a:ext cx="15120" cy="6854760"/>
+            <a:ext cx="14760" cy="6854400"/>
           </a:xfrm>
           <a:prstGeom prst="rect">
             <a:avLst/>
@@ -5450,7 +5452,7 @@
         <p:spPr>
           <a:xfrm>
             <a:off x="6400800" y="0"/>
-            <a:ext cx="15120" cy="6854760"/>
+            <a:ext cx="14760" cy="6854400"/>
           </a:xfrm>
           <a:prstGeom prst="rect">
             <a:avLst/>
@@ -5510,7 +5512,7 @@
         <p:spPr>
           <a:xfrm>
             <a:off x="7315200" y="0"/>
-            <a:ext cx="15120" cy="6854760"/>
+            <a:ext cx="14760" cy="6854400"/>
           </a:xfrm>
           <a:prstGeom prst="rect">
             <a:avLst/>
@@ -5570,7 +5572,7 @@
         <p:spPr>
           <a:xfrm>
             <a:off x="8229600" y="0"/>
-            <a:ext cx="15120" cy="6854760"/>
+            <a:ext cx="14760" cy="6854400"/>
           </a:xfrm>
           <a:prstGeom prst="rect">
             <a:avLst/>
@@ -5630,7 +5632,7 @@
         <p:spPr>
           <a:xfrm>
             <a:off x="9144000" y="0"/>
-            <a:ext cx="15120" cy="6854760"/>
+            <a:ext cx="14760" cy="6854400"/>
           </a:xfrm>
           <a:prstGeom prst="rect">
             <a:avLst/>
@@ -5690,7 +5692,7 @@
         <p:spPr>
           <a:xfrm>
             <a:off x="10058400" y="0"/>
-            <a:ext cx="15120" cy="6854760"/>
+            <a:ext cx="14760" cy="6854400"/>
           </a:xfrm>
           <a:prstGeom prst="rect">
             <a:avLst/>
@@ -5750,7 +5752,7 @@
         <p:spPr>
           <a:xfrm>
             <a:off x="10972800" y="0"/>
-            <a:ext cx="15120" cy="6854760"/>
+            <a:ext cx="14760" cy="6854400"/>
           </a:xfrm>
           <a:prstGeom prst="rect">
             <a:avLst/>
@@ -5810,7 +5812,7 @@
         <p:spPr>
           <a:xfrm>
             <a:off x="11887200" y="0"/>
-            <a:ext cx="15120" cy="6854760"/>
+            <a:ext cx="14760" cy="6854400"/>
           </a:xfrm>
           <a:prstGeom prst="rect">
             <a:avLst/>
@@ -5870,7 +5872,7 @@
         <p:spPr>
           <a:xfrm>
             <a:off x="0" y="0"/>
-            <a:ext cx="316800" cy="6854760"/>
+            <a:ext cx="316440" cy="6854400"/>
           </a:xfrm>
           <a:prstGeom prst="rect">
             <a:avLst/>
@@ -5930,7 +5932,7 @@
         <p:spPr>
           <a:xfrm>
             <a:off x="9875520" y="365760"/>
-            <a:ext cx="2008440" cy="499680"/>
+            <a:ext cx="2008080" cy="499320"/>
           </a:xfrm>
           <a:prstGeom prst="roundRect">
             <a:avLst>
@@ -6148,7 +6150,7 @@
         <p:spPr>
           <a:xfrm>
             <a:off x="987480" y="3182040"/>
-            <a:ext cx="3288600" cy="2739960"/>
+            <a:ext cx="3288240" cy="2739600"/>
           </a:xfrm>
           <a:prstGeom prst="roundRect">
             <a:avLst>
@@ -6210,7 +6212,7 @@
         <p:spPr>
           <a:xfrm>
             <a:off x="914400" y="3108960"/>
-            <a:ext cx="3288600" cy="2739960"/>
+            <a:ext cx="3288240" cy="2739600"/>
           </a:xfrm>
           <a:prstGeom prst="roundRect">
             <a:avLst>
@@ -6439,7 +6441,7 @@
         <p:spPr>
           <a:xfrm>
             <a:off x="4507920" y="3182040"/>
-            <a:ext cx="3288600" cy="2739960"/>
+            <a:ext cx="3288240" cy="2739600"/>
           </a:xfrm>
           <a:prstGeom prst="roundRect">
             <a:avLst>
@@ -6501,7 +6503,7 @@
         <p:spPr>
           <a:xfrm>
             <a:off x="4434840" y="3108960"/>
-            <a:ext cx="3288600" cy="2739960"/>
+            <a:ext cx="3288240" cy="2739600"/>
           </a:xfrm>
           <a:prstGeom prst="roundRect">
             <a:avLst>
@@ -6877,7 +6879,7 @@
         <p:spPr>
           <a:xfrm>
             <a:off x="8028360" y="3182040"/>
-            <a:ext cx="3288600" cy="2739960"/>
+            <a:ext cx="3288240" cy="2739600"/>
           </a:xfrm>
           <a:prstGeom prst="roundRect">
             <a:avLst>
@@ -6939,7 +6941,7 @@
         <p:spPr>
           <a:xfrm>
             <a:off x="7955280" y="3108960"/>
-            <a:ext cx="3288600" cy="2739960"/>
+            <a:ext cx="3288240" cy="2739600"/>
           </a:xfrm>
           <a:prstGeom prst="roundRect">
             <a:avLst>
@@ -7232,7 +7234,7 @@
         <p:spPr>
           <a:xfrm>
             <a:off x="0" y="0"/>
-            <a:ext cx="12185640" cy="6854760"/>
+            <a:ext cx="12185280" cy="6854400"/>
           </a:xfrm>
           <a:prstGeom prst="rect">
             <a:avLst/>
@@ -7292,7 +7294,7 @@
         <p:spPr>
           <a:xfrm>
             <a:off x="0" y="0"/>
-            <a:ext cx="15120" cy="6854760"/>
+            <a:ext cx="14760" cy="6854400"/>
           </a:xfrm>
           <a:prstGeom prst="rect">
             <a:avLst/>
@@ -7352,7 +7354,7 @@
         <p:spPr>
           <a:xfrm>
             <a:off x="914400" y="0"/>
-            <a:ext cx="15120" cy="6854760"/>
+            <a:ext cx="14760" cy="6854400"/>
           </a:xfrm>
           <a:prstGeom prst="rect">
             <a:avLst/>
@@ -7412,7 +7414,7 @@
         <p:spPr>
           <a:xfrm>
             <a:off x="1828800" y="0"/>
-            <a:ext cx="15120" cy="6854760"/>
+            <a:ext cx="14760" cy="6854400"/>
           </a:xfrm>
           <a:prstGeom prst="rect">
             <a:avLst/>
@@ -7472,7 +7474,7 @@
         <p:spPr>
           <a:xfrm>
             <a:off x="2743200" y="0"/>
-            <a:ext cx="15120" cy="6854760"/>
+            <a:ext cx="14760" cy="6854400"/>
           </a:xfrm>
           <a:prstGeom prst="rect">
             <a:avLst/>
@@ -7532,7 +7534,7 @@
         <p:spPr>
           <a:xfrm>
             <a:off x="3657600" y="0"/>
-            <a:ext cx="15120" cy="6854760"/>
+            <a:ext cx="14760" cy="6854400"/>
           </a:xfrm>
           <a:prstGeom prst="rect">
             <a:avLst/>
@@ -7592,7 +7594,7 @@
         <p:spPr>
           <a:xfrm>
             <a:off x="4572000" y="0"/>
-            <a:ext cx="15120" cy="6854760"/>
+            <a:ext cx="14760" cy="6854400"/>
           </a:xfrm>
           <a:prstGeom prst="rect">
             <a:avLst/>
@@ -7652,7 +7654,7 @@
         <p:spPr>
           <a:xfrm>
             <a:off x="5486400" y="0"/>
-            <a:ext cx="15120" cy="6854760"/>
+            <a:ext cx="14760" cy="6854400"/>
           </a:xfrm>
           <a:prstGeom prst="rect">
             <a:avLst/>
@@ -7712,7 +7714,7 @@
         <p:spPr>
           <a:xfrm>
             <a:off x="6400800" y="0"/>
-            <a:ext cx="15120" cy="6854760"/>
+            <a:ext cx="14760" cy="6854400"/>
           </a:xfrm>
           <a:prstGeom prst="rect">
             <a:avLst/>
@@ -7772,7 +7774,7 @@
         <p:spPr>
           <a:xfrm>
             <a:off x="7315200" y="0"/>
-            <a:ext cx="15120" cy="6854760"/>
+            <a:ext cx="14760" cy="6854400"/>
           </a:xfrm>
           <a:prstGeom prst="rect">
             <a:avLst/>
@@ -7832,7 +7834,7 @@
         <p:spPr>
           <a:xfrm>
             <a:off x="8229600" y="0"/>
-            <a:ext cx="15120" cy="6854760"/>
+            <a:ext cx="14760" cy="6854400"/>
           </a:xfrm>
           <a:prstGeom prst="rect">
             <a:avLst/>
@@ -7892,7 +7894,7 @@
         <p:spPr>
           <a:xfrm>
             <a:off x="9144000" y="0"/>
-            <a:ext cx="15120" cy="6854760"/>
+            <a:ext cx="14760" cy="6854400"/>
           </a:xfrm>
           <a:prstGeom prst="rect">
             <a:avLst/>
@@ -7952,7 +7954,7 @@
         <p:spPr>
           <a:xfrm>
             <a:off x="10058400" y="0"/>
-            <a:ext cx="15120" cy="6854760"/>
+            <a:ext cx="14760" cy="6854400"/>
           </a:xfrm>
           <a:prstGeom prst="rect">
             <a:avLst/>
@@ -8012,7 +8014,7 @@
         <p:spPr>
           <a:xfrm>
             <a:off x="10972800" y="0"/>
-            <a:ext cx="15120" cy="6854760"/>
+            <a:ext cx="14760" cy="6854400"/>
           </a:xfrm>
           <a:prstGeom prst="rect">
             <a:avLst/>
@@ -8072,7 +8074,7 @@
         <p:spPr>
           <a:xfrm>
             <a:off x="11887200" y="0"/>
-            <a:ext cx="15120" cy="6854760"/>
+            <a:ext cx="14760" cy="6854400"/>
           </a:xfrm>
           <a:prstGeom prst="rect">
             <a:avLst/>
@@ -8132,7 +8134,7 @@
         <p:spPr>
           <a:xfrm>
             <a:off x="0" y="0"/>
-            <a:ext cx="316800" cy="6854760"/>
+            <a:ext cx="316440" cy="6854400"/>
           </a:xfrm>
           <a:prstGeom prst="rect">
             <a:avLst/>
@@ -8192,7 +8194,7 @@
         <p:spPr>
           <a:xfrm>
             <a:off x="9875520" y="365760"/>
-            <a:ext cx="2008440" cy="499680"/>
+            <a:ext cx="2008080" cy="499320"/>
           </a:xfrm>
           <a:prstGeom prst="roundRect">
             <a:avLst>
@@ -8387,7 +8389,7 @@
         <p:spPr>
           <a:xfrm>
             <a:off x="987480" y="3182040"/>
-            <a:ext cx="3288600" cy="2739960"/>
+            <a:ext cx="3288240" cy="2739600"/>
           </a:xfrm>
           <a:prstGeom prst="roundRect">
             <a:avLst>
@@ -8449,7 +8451,7 @@
         <p:spPr>
           <a:xfrm>
             <a:off x="914400" y="3108960"/>
-            <a:ext cx="3288600" cy="2739960"/>
+            <a:ext cx="3288240" cy="2739600"/>
           </a:xfrm>
           <a:prstGeom prst="roundRect">
             <a:avLst>
@@ -8612,7 +8614,7 @@
         <p:spPr>
           <a:xfrm>
             <a:off x="4507920" y="3182040"/>
-            <a:ext cx="3288600" cy="2739960"/>
+            <a:ext cx="3288240" cy="2739600"/>
           </a:xfrm>
           <a:prstGeom prst="roundRect">
             <a:avLst>
@@ -8674,7 +8676,7 @@
         <p:spPr>
           <a:xfrm>
             <a:off x="4434840" y="3108960"/>
-            <a:ext cx="3288600" cy="2739960"/>
+            <a:ext cx="3288240" cy="2739600"/>
           </a:xfrm>
           <a:prstGeom prst="roundRect">
             <a:avLst>
@@ -8945,7 +8947,7 @@
         <p:spPr>
           <a:xfrm>
             <a:off x="8028360" y="3182040"/>
-            <a:ext cx="3288600" cy="2739960"/>
+            <a:ext cx="3288240" cy="2739600"/>
           </a:xfrm>
           <a:prstGeom prst="roundRect">
             <a:avLst>
@@ -9007,7 +9009,7 @@
         <p:spPr>
           <a:xfrm>
             <a:off x="7955280" y="3108960"/>
-            <a:ext cx="3288600" cy="2739960"/>
+            <a:ext cx="3288240" cy="2739600"/>
           </a:xfrm>
           <a:prstGeom prst="roundRect">
             <a:avLst>
@@ -9339,7 +9341,7 @@
         <p:spPr>
           <a:xfrm>
             <a:off x="0" y="0"/>
-            <a:ext cx="12185640" cy="6854760"/>
+            <a:ext cx="12185280" cy="6854400"/>
           </a:xfrm>
           <a:prstGeom prst="rect">
             <a:avLst/>
@@ -9399,7 +9401,7 @@
         <p:spPr>
           <a:xfrm>
             <a:off x="0" y="0"/>
-            <a:ext cx="15120" cy="6854760"/>
+            <a:ext cx="14760" cy="6854400"/>
           </a:xfrm>
           <a:prstGeom prst="rect">
             <a:avLst/>
@@ -9459,7 +9461,7 @@
         <p:spPr>
           <a:xfrm>
             <a:off x="914400" y="0"/>
-            <a:ext cx="15120" cy="6854760"/>
+            <a:ext cx="14760" cy="6854400"/>
           </a:xfrm>
           <a:prstGeom prst="rect">
             <a:avLst/>
@@ -9519,7 +9521,7 @@
         <p:spPr>
           <a:xfrm>
             <a:off x="1828800" y="0"/>
-            <a:ext cx="15120" cy="6854760"/>
+            <a:ext cx="14760" cy="6854400"/>
           </a:xfrm>
           <a:prstGeom prst="rect">
             <a:avLst/>
@@ -9579,7 +9581,7 @@
         <p:spPr>
           <a:xfrm>
             <a:off x="2743200" y="0"/>
-            <a:ext cx="15120" cy="6854760"/>
+            <a:ext cx="14760" cy="6854400"/>
           </a:xfrm>
           <a:prstGeom prst="rect">
             <a:avLst/>
@@ -9639,7 +9641,7 @@
         <p:spPr>
           <a:xfrm>
             <a:off x="3657600" y="0"/>
-            <a:ext cx="15120" cy="6854760"/>
+            <a:ext cx="14760" cy="6854400"/>
           </a:xfrm>
           <a:prstGeom prst="rect">
             <a:avLst/>
@@ -9699,7 +9701,7 @@
         <p:spPr>
           <a:xfrm>
             <a:off x="4572000" y="0"/>
-            <a:ext cx="15120" cy="6854760"/>
+            <a:ext cx="14760" cy="6854400"/>
           </a:xfrm>
           <a:prstGeom prst="rect">
             <a:avLst/>
@@ -9759,7 +9761,7 @@
         <p:spPr>
           <a:xfrm>
             <a:off x="5486400" y="0"/>
-            <a:ext cx="15120" cy="6854760"/>
+            <a:ext cx="14760" cy="6854400"/>
           </a:xfrm>
           <a:prstGeom prst="rect">
             <a:avLst/>
@@ -9819,7 +9821,7 @@
         <p:spPr>
           <a:xfrm>
             <a:off x="6400800" y="0"/>
-            <a:ext cx="15120" cy="6854760"/>
+            <a:ext cx="14760" cy="6854400"/>
           </a:xfrm>
           <a:prstGeom prst="rect">
             <a:avLst/>
@@ -9879,7 +9881,7 @@
         <p:spPr>
           <a:xfrm>
             <a:off x="7315200" y="0"/>
-            <a:ext cx="15120" cy="6854760"/>
+            <a:ext cx="14760" cy="6854400"/>
           </a:xfrm>
           <a:prstGeom prst="rect">
             <a:avLst/>
@@ -9939,7 +9941,7 @@
         <p:spPr>
           <a:xfrm>
             <a:off x="8229600" y="0"/>
-            <a:ext cx="15120" cy="6854760"/>
+            <a:ext cx="14760" cy="6854400"/>
           </a:xfrm>
           <a:prstGeom prst="rect">
             <a:avLst/>
@@ -9999,7 +10001,7 @@
         <p:spPr>
           <a:xfrm>
             <a:off x="9144000" y="0"/>
-            <a:ext cx="15120" cy="6854760"/>
+            <a:ext cx="14760" cy="6854400"/>
           </a:xfrm>
           <a:prstGeom prst="rect">
             <a:avLst/>
@@ -10059,7 +10061,7 @@
         <p:spPr>
           <a:xfrm>
             <a:off x="10058400" y="0"/>
-            <a:ext cx="15120" cy="6854760"/>
+            <a:ext cx="14760" cy="6854400"/>
           </a:xfrm>
           <a:prstGeom prst="rect">
             <a:avLst/>
@@ -10119,7 +10121,7 @@
         <p:spPr>
           <a:xfrm>
             <a:off x="10972800" y="0"/>
-            <a:ext cx="15120" cy="6854760"/>
+            <a:ext cx="14760" cy="6854400"/>
           </a:xfrm>
           <a:prstGeom prst="rect">
             <a:avLst/>
@@ -10179,7 +10181,7 @@
         <p:spPr>
           <a:xfrm>
             <a:off x="11887200" y="0"/>
-            <a:ext cx="15120" cy="6854760"/>
+            <a:ext cx="14760" cy="6854400"/>
           </a:xfrm>
           <a:prstGeom prst="rect">
             <a:avLst/>
@@ -10239,7 +10241,7 @@
         <p:spPr>
           <a:xfrm>
             <a:off x="0" y="0"/>
-            <a:ext cx="316800" cy="6854760"/>
+            <a:ext cx="316440" cy="6854400"/>
           </a:xfrm>
           <a:prstGeom prst="rect">
             <a:avLst/>
@@ -10299,7 +10301,7 @@
         <p:spPr>
           <a:xfrm>
             <a:off x="9875520" y="365760"/>
-            <a:ext cx="2008440" cy="499680"/>
+            <a:ext cx="2008080" cy="499320"/>
           </a:xfrm>
           <a:prstGeom prst="roundRect">
             <a:avLst>
@@ -10373,7 +10375,7 @@
         <p:spPr>
           <a:xfrm>
             <a:off x="3885120" y="1005840"/>
-            <a:ext cx="3200760" cy="820800"/>
+            <a:ext cx="3200400" cy="820800"/>
           </a:xfrm>
           <a:prstGeom prst="rect">
             <a:avLst/>
@@ -10481,7 +10483,7 @@
         <p:spPr>
           <a:xfrm>
             <a:off x="987480" y="3182040"/>
-            <a:ext cx="3288600" cy="2739960"/>
+            <a:ext cx="3288240" cy="2739600"/>
           </a:xfrm>
           <a:prstGeom prst="roundRect">
             <a:avLst>
@@ -10543,7 +10545,7 @@
         <p:spPr>
           <a:xfrm>
             <a:off x="914400" y="3108960"/>
-            <a:ext cx="3288600" cy="2739960"/>
+            <a:ext cx="3288240" cy="2739600"/>
           </a:xfrm>
           <a:prstGeom prst="roundRect">
             <a:avLst>
@@ -10597,7 +10599,7 @@
                 <a:latin typeface="Calibri"/>
                 <a:ea typeface="DejaVu Sans"/>
               </a:rPr>
-              <a:t>The Beginning (1991)</a:t>
+              <a:t>The Beginning (1990)</a:t>
             </a:r>
             <a:endParaRPr b="0" lang="en-US" sz="1200" spc="-1" strike="noStrike">
               <a:solidFill>
@@ -10873,7 +10875,7 @@
         <p:spPr>
           <a:xfrm>
             <a:off x="4507920" y="3182040"/>
-            <a:ext cx="3288600" cy="2739960"/>
+            <a:ext cx="3288240" cy="2739600"/>
           </a:xfrm>
           <a:prstGeom prst="roundRect">
             <a:avLst>
@@ -10935,7 +10937,7 @@
         <p:spPr>
           <a:xfrm>
             <a:off x="4434840" y="3108960"/>
-            <a:ext cx="3288600" cy="2739960"/>
+            <a:ext cx="3288240" cy="2739600"/>
           </a:xfrm>
           <a:prstGeom prst="roundRect">
             <a:avLst>
@@ -11255,7 +11257,7 @@
         <p:spPr>
           <a:xfrm>
             <a:off x="8028360" y="3182040"/>
-            <a:ext cx="3288600" cy="2739960"/>
+            <a:ext cx="3288240" cy="2739600"/>
           </a:xfrm>
           <a:prstGeom prst="roundRect">
             <a:avLst>
@@ -11317,7 +11319,7 @@
         <p:spPr>
           <a:xfrm>
             <a:off x="7955280" y="3108960"/>
-            <a:ext cx="3288600" cy="2739960"/>
+            <a:ext cx="3288240" cy="2739600"/>
           </a:xfrm>
           <a:prstGeom prst="roundRect">
             <a:avLst>
@@ -11749,6 +11751,4564 @@
             <a:endParaRPr b="0" lang="en-US" sz="1800" spc="-1" strike="noStrike">
               <a:solidFill>
                 <a:srgbClr val="000000"/>
+              </a:solidFill>
+              <a:latin typeface="Arial"/>
+            </a:endParaRPr>
+          </a:p>
+        </p:txBody>
+      </p:sp>
+    </p:spTree>
+  </p:cSld>
+  <mc:AlternateContent>
+    <mc:Choice Requires="p14">
+      <p:transition spd="slow" p14:dur="2000"/>
+    </mc:Choice>
+    <mc:Fallback>
+      <p:transition spd="slow"/>
+    </mc:Fallback>
+  </mc:AlternateContent>
+</p:sld>
+</file>
+
+<file path=ppt/slides/slide5.xml><?xml version="1.0" encoding="utf-8"?>
+<p:sld xmlns:a="http://schemas.openxmlformats.org/drawingml/2006/main" xmlns:p="http://schemas.openxmlformats.org/presentationml/2006/main" xmlns:r="http://schemas.openxmlformats.org/officeDocument/2006/relationships" xmlns:p14="http://schemas.microsoft.com/office/powerpoint/2010/main" xmlns:p15="http://schemas.microsoft.com/office/powerpoint/2012/main" xmlns:mc="http://schemas.openxmlformats.org/markup-compatibility/2006">
+  <p:cSld>
+    <p:spTree>
+      <p:nvGrpSpPr>
+        <p:cNvPr id="1" name=""/>
+        <p:cNvGrpSpPr/>
+        <p:nvPr/>
+      </p:nvGrpSpPr>
+      <p:grpSpPr>
+        <a:xfrm>
+          <a:off x="0" y="0"/>
+          <a:ext cx="0" cy="0"/>
+          <a:chOff x="0" y="0"/>
+          <a:chExt cx="0" cy="0"/>
+        </a:xfrm>
+      </p:grpSpPr>
+      <p:sp>
+        <p:nvSpPr>
+          <p:cNvPr id="145" name="Rectangle 65"/>
+          <p:cNvSpPr/>
+          <p:nvPr/>
+        </p:nvSpPr>
+        <p:spPr>
+          <a:xfrm>
+            <a:off x="0" y="0"/>
+            <a:ext cx="12185280" cy="6854400"/>
+          </a:xfrm>
+          <a:prstGeom prst="rect">
+            <a:avLst/>
+          </a:prstGeom>
+          <a:solidFill>
+            <a:srgbClr val="0b0b0d"/>
+          </a:solidFill>
+          <a:ln>
+            <a:noFill/>
+          </a:ln>
+          <a:effectLst>
+            <a:outerShdw blurRad="39960" dir="5400000" dist="23040" rotWithShape="0">
+              <a:srgbClr val="000000">
+                <a:alpha val="35000"/>
+              </a:srgbClr>
+            </a:outerShdw>
+          </a:effectLst>
+        </p:spPr>
+        <p:style>
+          <a:lnRef idx="1">
+            <a:schemeClr val="accent1"/>
+          </a:lnRef>
+          <a:fillRef idx="3">
+            <a:schemeClr val="accent1"/>
+          </a:fillRef>
+          <a:effectRef idx="2">
+            <a:schemeClr val="accent1"/>
+          </a:effectRef>
+          <a:fontRef idx="minor"/>
+        </p:style>
+        <p:txBody>
+          <a:bodyPr lIns="90000" rIns="90000" tIns="45000" bIns="45000" anchor="ctr">
+            <a:noAutofit/>
+          </a:bodyPr>
+          <a:p>
+            <a:endParaRPr b="0" lang="en-US" sz="1800" spc="-1" strike="noStrike">
+              <a:solidFill>
+                <a:schemeClr val="lt1"/>
+              </a:solidFill>
+              <a:latin typeface="Calibri"/>
+              <a:ea typeface="DejaVu Sans"/>
+            </a:endParaRPr>
+          </a:p>
+        </p:txBody>
+      </p:sp>
+      <p:sp>
+        <p:nvSpPr>
+          <p:cNvPr id="146" name="Rectangle 66"/>
+          <p:cNvSpPr/>
+          <p:nvPr/>
+        </p:nvSpPr>
+        <p:spPr>
+          <a:xfrm>
+            <a:off x="0" y="0"/>
+            <a:ext cx="14760" cy="6854400"/>
+          </a:xfrm>
+          <a:prstGeom prst="rect">
+            <a:avLst/>
+          </a:prstGeom>
+          <a:solidFill>
+            <a:srgbClr val="121216"/>
+          </a:solidFill>
+          <a:ln>
+            <a:noFill/>
+          </a:ln>
+          <a:effectLst>
+            <a:outerShdw blurRad="39960" dir="5400000" dist="23040" rotWithShape="0">
+              <a:srgbClr val="000000">
+                <a:alpha val="35000"/>
+              </a:srgbClr>
+            </a:outerShdw>
+          </a:effectLst>
+        </p:spPr>
+        <p:style>
+          <a:lnRef idx="1">
+            <a:schemeClr val="accent1"/>
+          </a:lnRef>
+          <a:fillRef idx="3">
+            <a:schemeClr val="accent1"/>
+          </a:fillRef>
+          <a:effectRef idx="2">
+            <a:schemeClr val="accent1"/>
+          </a:effectRef>
+          <a:fontRef idx="minor"/>
+        </p:style>
+        <p:txBody>
+          <a:bodyPr lIns="90000" rIns="90000" tIns="45000" bIns="45000" anchor="ctr">
+            <a:noAutofit/>
+          </a:bodyPr>
+          <a:p>
+            <a:endParaRPr b="0" lang="en-US" sz="1800" spc="-1" strike="noStrike">
+              <a:solidFill>
+                <a:schemeClr val="lt1"/>
+              </a:solidFill>
+              <a:latin typeface="Calibri"/>
+              <a:ea typeface="DejaVu Sans"/>
+            </a:endParaRPr>
+          </a:p>
+        </p:txBody>
+      </p:sp>
+      <p:sp>
+        <p:nvSpPr>
+          <p:cNvPr id="147" name="Rectangle 67"/>
+          <p:cNvSpPr/>
+          <p:nvPr/>
+        </p:nvSpPr>
+        <p:spPr>
+          <a:xfrm>
+            <a:off x="914400" y="0"/>
+            <a:ext cx="14760" cy="6854400"/>
+          </a:xfrm>
+          <a:prstGeom prst="rect">
+            <a:avLst/>
+          </a:prstGeom>
+          <a:solidFill>
+            <a:srgbClr val="121216"/>
+          </a:solidFill>
+          <a:ln>
+            <a:noFill/>
+          </a:ln>
+          <a:effectLst>
+            <a:outerShdw blurRad="39960" dir="5400000" dist="23040" rotWithShape="0">
+              <a:srgbClr val="000000">
+                <a:alpha val="35000"/>
+              </a:srgbClr>
+            </a:outerShdw>
+          </a:effectLst>
+        </p:spPr>
+        <p:style>
+          <a:lnRef idx="1">
+            <a:schemeClr val="accent1"/>
+          </a:lnRef>
+          <a:fillRef idx="3">
+            <a:schemeClr val="accent1"/>
+          </a:fillRef>
+          <a:effectRef idx="2">
+            <a:schemeClr val="accent1"/>
+          </a:effectRef>
+          <a:fontRef idx="minor"/>
+        </p:style>
+        <p:txBody>
+          <a:bodyPr lIns="90000" rIns="90000" tIns="45000" bIns="45000" anchor="ctr">
+            <a:noAutofit/>
+          </a:bodyPr>
+          <a:p>
+            <a:endParaRPr b="0" lang="en-US" sz="1800" spc="-1" strike="noStrike">
+              <a:solidFill>
+                <a:schemeClr val="lt1"/>
+              </a:solidFill>
+              <a:latin typeface="Calibri"/>
+              <a:ea typeface="DejaVu Sans"/>
+            </a:endParaRPr>
+          </a:p>
+        </p:txBody>
+      </p:sp>
+      <p:sp>
+        <p:nvSpPr>
+          <p:cNvPr id="148" name="Rectangle 68"/>
+          <p:cNvSpPr/>
+          <p:nvPr/>
+        </p:nvSpPr>
+        <p:spPr>
+          <a:xfrm>
+            <a:off x="1828800" y="0"/>
+            <a:ext cx="14760" cy="6854400"/>
+          </a:xfrm>
+          <a:prstGeom prst="rect">
+            <a:avLst/>
+          </a:prstGeom>
+          <a:solidFill>
+            <a:srgbClr val="121216"/>
+          </a:solidFill>
+          <a:ln>
+            <a:noFill/>
+          </a:ln>
+          <a:effectLst>
+            <a:outerShdw blurRad="39960" dir="5400000" dist="23040" rotWithShape="0">
+              <a:srgbClr val="000000">
+                <a:alpha val="35000"/>
+              </a:srgbClr>
+            </a:outerShdw>
+          </a:effectLst>
+        </p:spPr>
+        <p:style>
+          <a:lnRef idx="1">
+            <a:schemeClr val="accent1"/>
+          </a:lnRef>
+          <a:fillRef idx="3">
+            <a:schemeClr val="accent1"/>
+          </a:fillRef>
+          <a:effectRef idx="2">
+            <a:schemeClr val="accent1"/>
+          </a:effectRef>
+          <a:fontRef idx="minor"/>
+        </p:style>
+        <p:txBody>
+          <a:bodyPr lIns="90000" rIns="90000" tIns="45000" bIns="45000" anchor="ctr">
+            <a:noAutofit/>
+          </a:bodyPr>
+          <a:p>
+            <a:endParaRPr b="0" lang="en-US" sz="1800" spc="-1" strike="noStrike">
+              <a:solidFill>
+                <a:schemeClr val="lt1"/>
+              </a:solidFill>
+              <a:latin typeface="Calibri"/>
+              <a:ea typeface="DejaVu Sans"/>
+            </a:endParaRPr>
+          </a:p>
+        </p:txBody>
+      </p:sp>
+      <p:sp>
+        <p:nvSpPr>
+          <p:cNvPr id="149" name="Rectangle 69"/>
+          <p:cNvSpPr/>
+          <p:nvPr/>
+        </p:nvSpPr>
+        <p:spPr>
+          <a:xfrm>
+            <a:off x="2743200" y="0"/>
+            <a:ext cx="14760" cy="6854400"/>
+          </a:xfrm>
+          <a:prstGeom prst="rect">
+            <a:avLst/>
+          </a:prstGeom>
+          <a:solidFill>
+            <a:srgbClr val="121216"/>
+          </a:solidFill>
+          <a:ln>
+            <a:noFill/>
+          </a:ln>
+          <a:effectLst>
+            <a:outerShdw blurRad="39960" dir="5400000" dist="23040" rotWithShape="0">
+              <a:srgbClr val="000000">
+                <a:alpha val="35000"/>
+              </a:srgbClr>
+            </a:outerShdw>
+          </a:effectLst>
+        </p:spPr>
+        <p:style>
+          <a:lnRef idx="1">
+            <a:schemeClr val="accent1"/>
+          </a:lnRef>
+          <a:fillRef idx="3">
+            <a:schemeClr val="accent1"/>
+          </a:fillRef>
+          <a:effectRef idx="2">
+            <a:schemeClr val="accent1"/>
+          </a:effectRef>
+          <a:fontRef idx="minor"/>
+        </p:style>
+        <p:txBody>
+          <a:bodyPr lIns="90000" rIns="90000" tIns="45000" bIns="45000" anchor="ctr">
+            <a:noAutofit/>
+          </a:bodyPr>
+          <a:p>
+            <a:endParaRPr b="0" lang="en-US" sz="1800" spc="-1" strike="noStrike">
+              <a:solidFill>
+                <a:schemeClr val="lt1"/>
+              </a:solidFill>
+              <a:latin typeface="Calibri"/>
+              <a:ea typeface="DejaVu Sans"/>
+            </a:endParaRPr>
+          </a:p>
+        </p:txBody>
+      </p:sp>
+      <p:sp>
+        <p:nvSpPr>
+          <p:cNvPr id="150" name="Rectangle 70"/>
+          <p:cNvSpPr/>
+          <p:nvPr/>
+        </p:nvSpPr>
+        <p:spPr>
+          <a:xfrm>
+            <a:off x="3657600" y="0"/>
+            <a:ext cx="14760" cy="6854400"/>
+          </a:xfrm>
+          <a:prstGeom prst="rect">
+            <a:avLst/>
+          </a:prstGeom>
+          <a:solidFill>
+            <a:srgbClr val="121216"/>
+          </a:solidFill>
+          <a:ln>
+            <a:noFill/>
+          </a:ln>
+          <a:effectLst>
+            <a:outerShdw blurRad="39960" dir="5400000" dist="23040" rotWithShape="0">
+              <a:srgbClr val="000000">
+                <a:alpha val="35000"/>
+              </a:srgbClr>
+            </a:outerShdw>
+          </a:effectLst>
+        </p:spPr>
+        <p:style>
+          <a:lnRef idx="1">
+            <a:schemeClr val="accent1"/>
+          </a:lnRef>
+          <a:fillRef idx="3">
+            <a:schemeClr val="accent1"/>
+          </a:fillRef>
+          <a:effectRef idx="2">
+            <a:schemeClr val="accent1"/>
+          </a:effectRef>
+          <a:fontRef idx="minor"/>
+        </p:style>
+        <p:txBody>
+          <a:bodyPr lIns="90000" rIns="90000" tIns="45000" bIns="45000" anchor="ctr">
+            <a:noAutofit/>
+          </a:bodyPr>
+          <a:p>
+            <a:endParaRPr b="0" lang="en-US" sz="1800" spc="-1" strike="noStrike">
+              <a:solidFill>
+                <a:schemeClr val="lt1"/>
+              </a:solidFill>
+              <a:latin typeface="Calibri"/>
+              <a:ea typeface="DejaVu Sans"/>
+            </a:endParaRPr>
+          </a:p>
+        </p:txBody>
+      </p:sp>
+      <p:sp>
+        <p:nvSpPr>
+          <p:cNvPr id="151" name="Rectangle 71"/>
+          <p:cNvSpPr/>
+          <p:nvPr/>
+        </p:nvSpPr>
+        <p:spPr>
+          <a:xfrm>
+            <a:off x="4572000" y="0"/>
+            <a:ext cx="14760" cy="6854400"/>
+          </a:xfrm>
+          <a:prstGeom prst="rect">
+            <a:avLst/>
+          </a:prstGeom>
+          <a:solidFill>
+            <a:srgbClr val="121216"/>
+          </a:solidFill>
+          <a:ln>
+            <a:noFill/>
+          </a:ln>
+          <a:effectLst>
+            <a:outerShdw blurRad="39960" dir="5400000" dist="23040" rotWithShape="0">
+              <a:srgbClr val="000000">
+                <a:alpha val="35000"/>
+              </a:srgbClr>
+            </a:outerShdw>
+          </a:effectLst>
+        </p:spPr>
+        <p:style>
+          <a:lnRef idx="1">
+            <a:schemeClr val="accent1"/>
+          </a:lnRef>
+          <a:fillRef idx="3">
+            <a:schemeClr val="accent1"/>
+          </a:fillRef>
+          <a:effectRef idx="2">
+            <a:schemeClr val="accent1"/>
+          </a:effectRef>
+          <a:fontRef idx="minor"/>
+        </p:style>
+        <p:txBody>
+          <a:bodyPr lIns="90000" rIns="90000" tIns="45000" bIns="45000" anchor="ctr">
+            <a:noAutofit/>
+          </a:bodyPr>
+          <a:p>
+            <a:endParaRPr b="0" lang="en-US" sz="1800" spc="-1" strike="noStrike">
+              <a:solidFill>
+                <a:schemeClr val="lt1"/>
+              </a:solidFill>
+              <a:latin typeface="Calibri"/>
+              <a:ea typeface="DejaVu Sans"/>
+            </a:endParaRPr>
+          </a:p>
+        </p:txBody>
+      </p:sp>
+      <p:sp>
+        <p:nvSpPr>
+          <p:cNvPr id="152" name="Rectangle 72"/>
+          <p:cNvSpPr/>
+          <p:nvPr/>
+        </p:nvSpPr>
+        <p:spPr>
+          <a:xfrm>
+            <a:off x="5486400" y="0"/>
+            <a:ext cx="14760" cy="6854400"/>
+          </a:xfrm>
+          <a:prstGeom prst="rect">
+            <a:avLst/>
+          </a:prstGeom>
+          <a:solidFill>
+            <a:srgbClr val="121216"/>
+          </a:solidFill>
+          <a:ln>
+            <a:noFill/>
+          </a:ln>
+          <a:effectLst>
+            <a:outerShdw blurRad="39960" dir="5400000" dist="23040" rotWithShape="0">
+              <a:srgbClr val="000000">
+                <a:alpha val="35000"/>
+              </a:srgbClr>
+            </a:outerShdw>
+          </a:effectLst>
+        </p:spPr>
+        <p:style>
+          <a:lnRef idx="1">
+            <a:schemeClr val="accent1"/>
+          </a:lnRef>
+          <a:fillRef idx="3">
+            <a:schemeClr val="accent1"/>
+          </a:fillRef>
+          <a:effectRef idx="2">
+            <a:schemeClr val="accent1"/>
+          </a:effectRef>
+          <a:fontRef idx="minor"/>
+        </p:style>
+        <p:txBody>
+          <a:bodyPr lIns="90000" rIns="90000" tIns="45000" bIns="45000" anchor="ctr">
+            <a:noAutofit/>
+          </a:bodyPr>
+          <a:p>
+            <a:endParaRPr b="0" lang="en-US" sz="1800" spc="-1" strike="noStrike">
+              <a:solidFill>
+                <a:schemeClr val="lt1"/>
+              </a:solidFill>
+              <a:latin typeface="Calibri"/>
+              <a:ea typeface="DejaVu Sans"/>
+            </a:endParaRPr>
+          </a:p>
+        </p:txBody>
+      </p:sp>
+      <p:sp>
+        <p:nvSpPr>
+          <p:cNvPr id="153" name="Rectangle 73"/>
+          <p:cNvSpPr/>
+          <p:nvPr/>
+        </p:nvSpPr>
+        <p:spPr>
+          <a:xfrm>
+            <a:off x="6400800" y="0"/>
+            <a:ext cx="14760" cy="6854400"/>
+          </a:xfrm>
+          <a:prstGeom prst="rect">
+            <a:avLst/>
+          </a:prstGeom>
+          <a:solidFill>
+            <a:srgbClr val="121216"/>
+          </a:solidFill>
+          <a:ln>
+            <a:noFill/>
+          </a:ln>
+          <a:effectLst>
+            <a:outerShdw blurRad="39960" dir="5400000" dist="23040" rotWithShape="0">
+              <a:srgbClr val="000000">
+                <a:alpha val="35000"/>
+              </a:srgbClr>
+            </a:outerShdw>
+          </a:effectLst>
+        </p:spPr>
+        <p:style>
+          <a:lnRef idx="1">
+            <a:schemeClr val="accent1"/>
+          </a:lnRef>
+          <a:fillRef idx="3">
+            <a:schemeClr val="accent1"/>
+          </a:fillRef>
+          <a:effectRef idx="2">
+            <a:schemeClr val="accent1"/>
+          </a:effectRef>
+          <a:fontRef idx="minor"/>
+        </p:style>
+        <p:txBody>
+          <a:bodyPr lIns="90000" rIns="90000" tIns="45000" bIns="45000" anchor="ctr">
+            <a:noAutofit/>
+          </a:bodyPr>
+          <a:p>
+            <a:endParaRPr b="0" lang="en-US" sz="1800" spc="-1" strike="noStrike">
+              <a:solidFill>
+                <a:schemeClr val="lt1"/>
+              </a:solidFill>
+              <a:latin typeface="Calibri"/>
+              <a:ea typeface="DejaVu Sans"/>
+            </a:endParaRPr>
+          </a:p>
+        </p:txBody>
+      </p:sp>
+      <p:sp>
+        <p:nvSpPr>
+          <p:cNvPr id="154" name="Rectangle 74"/>
+          <p:cNvSpPr/>
+          <p:nvPr/>
+        </p:nvSpPr>
+        <p:spPr>
+          <a:xfrm>
+            <a:off x="7315200" y="0"/>
+            <a:ext cx="14760" cy="6854400"/>
+          </a:xfrm>
+          <a:prstGeom prst="rect">
+            <a:avLst/>
+          </a:prstGeom>
+          <a:solidFill>
+            <a:srgbClr val="121216"/>
+          </a:solidFill>
+          <a:ln>
+            <a:noFill/>
+          </a:ln>
+          <a:effectLst>
+            <a:outerShdw blurRad="39960" dir="5400000" dist="23040" rotWithShape="0">
+              <a:srgbClr val="000000">
+                <a:alpha val="35000"/>
+              </a:srgbClr>
+            </a:outerShdw>
+          </a:effectLst>
+        </p:spPr>
+        <p:style>
+          <a:lnRef idx="1">
+            <a:schemeClr val="accent1"/>
+          </a:lnRef>
+          <a:fillRef idx="3">
+            <a:schemeClr val="accent1"/>
+          </a:fillRef>
+          <a:effectRef idx="2">
+            <a:schemeClr val="accent1"/>
+          </a:effectRef>
+          <a:fontRef idx="minor"/>
+        </p:style>
+        <p:txBody>
+          <a:bodyPr lIns="90000" rIns="90000" tIns="45000" bIns="45000" anchor="ctr">
+            <a:noAutofit/>
+          </a:bodyPr>
+          <a:p>
+            <a:endParaRPr b="0" lang="en-US" sz="1800" spc="-1" strike="noStrike">
+              <a:solidFill>
+                <a:schemeClr val="lt1"/>
+              </a:solidFill>
+              <a:latin typeface="Calibri"/>
+              <a:ea typeface="DejaVu Sans"/>
+            </a:endParaRPr>
+          </a:p>
+        </p:txBody>
+      </p:sp>
+      <p:sp>
+        <p:nvSpPr>
+          <p:cNvPr id="155" name="Rectangle 75"/>
+          <p:cNvSpPr/>
+          <p:nvPr/>
+        </p:nvSpPr>
+        <p:spPr>
+          <a:xfrm>
+            <a:off x="8229600" y="0"/>
+            <a:ext cx="14760" cy="6854400"/>
+          </a:xfrm>
+          <a:prstGeom prst="rect">
+            <a:avLst/>
+          </a:prstGeom>
+          <a:solidFill>
+            <a:srgbClr val="121216"/>
+          </a:solidFill>
+          <a:ln>
+            <a:noFill/>
+          </a:ln>
+          <a:effectLst>
+            <a:outerShdw blurRad="39960" dir="5400000" dist="23040" rotWithShape="0">
+              <a:srgbClr val="000000">
+                <a:alpha val="35000"/>
+              </a:srgbClr>
+            </a:outerShdw>
+          </a:effectLst>
+        </p:spPr>
+        <p:style>
+          <a:lnRef idx="1">
+            <a:schemeClr val="accent1"/>
+          </a:lnRef>
+          <a:fillRef idx="3">
+            <a:schemeClr val="accent1"/>
+          </a:fillRef>
+          <a:effectRef idx="2">
+            <a:schemeClr val="accent1"/>
+          </a:effectRef>
+          <a:fontRef idx="minor"/>
+        </p:style>
+        <p:txBody>
+          <a:bodyPr lIns="90000" rIns="90000" tIns="45000" bIns="45000" anchor="ctr">
+            <a:noAutofit/>
+          </a:bodyPr>
+          <a:p>
+            <a:endParaRPr b="0" lang="en-US" sz="1800" spc="-1" strike="noStrike">
+              <a:solidFill>
+                <a:schemeClr val="lt1"/>
+              </a:solidFill>
+              <a:latin typeface="Calibri"/>
+              <a:ea typeface="DejaVu Sans"/>
+            </a:endParaRPr>
+          </a:p>
+        </p:txBody>
+      </p:sp>
+      <p:sp>
+        <p:nvSpPr>
+          <p:cNvPr id="156" name="Rectangle 76"/>
+          <p:cNvSpPr/>
+          <p:nvPr/>
+        </p:nvSpPr>
+        <p:spPr>
+          <a:xfrm>
+            <a:off x="9144000" y="0"/>
+            <a:ext cx="14760" cy="6854400"/>
+          </a:xfrm>
+          <a:prstGeom prst="rect">
+            <a:avLst/>
+          </a:prstGeom>
+          <a:solidFill>
+            <a:srgbClr val="121216"/>
+          </a:solidFill>
+          <a:ln>
+            <a:noFill/>
+          </a:ln>
+          <a:effectLst>
+            <a:outerShdw blurRad="39960" dir="5400000" dist="23040" rotWithShape="0">
+              <a:srgbClr val="000000">
+                <a:alpha val="35000"/>
+              </a:srgbClr>
+            </a:outerShdw>
+          </a:effectLst>
+        </p:spPr>
+        <p:style>
+          <a:lnRef idx="1">
+            <a:schemeClr val="accent1"/>
+          </a:lnRef>
+          <a:fillRef idx="3">
+            <a:schemeClr val="accent1"/>
+          </a:fillRef>
+          <a:effectRef idx="2">
+            <a:schemeClr val="accent1"/>
+          </a:effectRef>
+          <a:fontRef idx="minor"/>
+        </p:style>
+        <p:txBody>
+          <a:bodyPr lIns="90000" rIns="90000" tIns="45000" bIns="45000" anchor="ctr">
+            <a:noAutofit/>
+          </a:bodyPr>
+          <a:p>
+            <a:endParaRPr b="0" lang="en-US" sz="1800" spc="-1" strike="noStrike">
+              <a:solidFill>
+                <a:schemeClr val="lt1"/>
+              </a:solidFill>
+              <a:latin typeface="Calibri"/>
+              <a:ea typeface="DejaVu Sans"/>
+            </a:endParaRPr>
+          </a:p>
+        </p:txBody>
+      </p:sp>
+      <p:sp>
+        <p:nvSpPr>
+          <p:cNvPr id="157" name="Rectangle 77"/>
+          <p:cNvSpPr/>
+          <p:nvPr/>
+        </p:nvSpPr>
+        <p:spPr>
+          <a:xfrm>
+            <a:off x="10058400" y="0"/>
+            <a:ext cx="14760" cy="6854400"/>
+          </a:xfrm>
+          <a:prstGeom prst="rect">
+            <a:avLst/>
+          </a:prstGeom>
+          <a:solidFill>
+            <a:srgbClr val="121216"/>
+          </a:solidFill>
+          <a:ln>
+            <a:noFill/>
+          </a:ln>
+          <a:effectLst>
+            <a:outerShdw blurRad="39960" dir="5400000" dist="23040" rotWithShape="0">
+              <a:srgbClr val="000000">
+                <a:alpha val="35000"/>
+              </a:srgbClr>
+            </a:outerShdw>
+          </a:effectLst>
+        </p:spPr>
+        <p:style>
+          <a:lnRef idx="1">
+            <a:schemeClr val="accent1"/>
+          </a:lnRef>
+          <a:fillRef idx="3">
+            <a:schemeClr val="accent1"/>
+          </a:fillRef>
+          <a:effectRef idx="2">
+            <a:schemeClr val="accent1"/>
+          </a:effectRef>
+          <a:fontRef idx="minor"/>
+        </p:style>
+        <p:txBody>
+          <a:bodyPr lIns="90000" rIns="90000" tIns="45000" bIns="45000" anchor="ctr">
+            <a:noAutofit/>
+          </a:bodyPr>
+          <a:p>
+            <a:endParaRPr b="0" lang="en-US" sz="1800" spc="-1" strike="noStrike">
+              <a:solidFill>
+                <a:schemeClr val="lt1"/>
+              </a:solidFill>
+              <a:latin typeface="Calibri"/>
+              <a:ea typeface="DejaVu Sans"/>
+            </a:endParaRPr>
+          </a:p>
+        </p:txBody>
+      </p:sp>
+      <p:sp>
+        <p:nvSpPr>
+          <p:cNvPr id="158" name="Rectangle 78"/>
+          <p:cNvSpPr/>
+          <p:nvPr/>
+        </p:nvSpPr>
+        <p:spPr>
+          <a:xfrm>
+            <a:off x="10972800" y="0"/>
+            <a:ext cx="14760" cy="6854400"/>
+          </a:xfrm>
+          <a:prstGeom prst="rect">
+            <a:avLst/>
+          </a:prstGeom>
+          <a:solidFill>
+            <a:srgbClr val="121216"/>
+          </a:solidFill>
+          <a:ln>
+            <a:noFill/>
+          </a:ln>
+          <a:effectLst>
+            <a:outerShdw blurRad="39960" dir="5400000" dist="23040" rotWithShape="0">
+              <a:srgbClr val="000000">
+                <a:alpha val="35000"/>
+              </a:srgbClr>
+            </a:outerShdw>
+          </a:effectLst>
+        </p:spPr>
+        <p:style>
+          <a:lnRef idx="1">
+            <a:schemeClr val="accent1"/>
+          </a:lnRef>
+          <a:fillRef idx="3">
+            <a:schemeClr val="accent1"/>
+          </a:fillRef>
+          <a:effectRef idx="2">
+            <a:schemeClr val="accent1"/>
+          </a:effectRef>
+          <a:fontRef idx="minor"/>
+        </p:style>
+        <p:txBody>
+          <a:bodyPr lIns="90000" rIns="90000" tIns="45000" bIns="45000" anchor="ctr">
+            <a:noAutofit/>
+          </a:bodyPr>
+          <a:p>
+            <a:endParaRPr b="0" lang="en-US" sz="1800" spc="-1" strike="noStrike">
+              <a:solidFill>
+                <a:schemeClr val="lt1"/>
+              </a:solidFill>
+              <a:latin typeface="Calibri"/>
+              <a:ea typeface="DejaVu Sans"/>
+            </a:endParaRPr>
+          </a:p>
+        </p:txBody>
+      </p:sp>
+      <p:sp>
+        <p:nvSpPr>
+          <p:cNvPr id="159" name="Rectangle 79"/>
+          <p:cNvSpPr/>
+          <p:nvPr/>
+        </p:nvSpPr>
+        <p:spPr>
+          <a:xfrm>
+            <a:off x="11887200" y="0"/>
+            <a:ext cx="14760" cy="6854400"/>
+          </a:xfrm>
+          <a:prstGeom prst="rect">
+            <a:avLst/>
+          </a:prstGeom>
+          <a:solidFill>
+            <a:srgbClr val="121216"/>
+          </a:solidFill>
+          <a:ln>
+            <a:noFill/>
+          </a:ln>
+          <a:effectLst>
+            <a:outerShdw blurRad="39960" dir="5400000" dist="23040" rotWithShape="0">
+              <a:srgbClr val="000000">
+                <a:alpha val="35000"/>
+              </a:srgbClr>
+            </a:outerShdw>
+          </a:effectLst>
+        </p:spPr>
+        <p:style>
+          <a:lnRef idx="1">
+            <a:schemeClr val="accent1"/>
+          </a:lnRef>
+          <a:fillRef idx="3">
+            <a:schemeClr val="accent1"/>
+          </a:fillRef>
+          <a:effectRef idx="2">
+            <a:schemeClr val="accent1"/>
+          </a:effectRef>
+          <a:fontRef idx="minor"/>
+        </p:style>
+        <p:txBody>
+          <a:bodyPr lIns="90000" rIns="90000" tIns="45000" bIns="45000" anchor="ctr">
+            <a:noAutofit/>
+          </a:bodyPr>
+          <a:p>
+            <a:endParaRPr b="0" lang="en-US" sz="1800" spc="-1" strike="noStrike">
+              <a:solidFill>
+                <a:schemeClr val="lt1"/>
+              </a:solidFill>
+              <a:latin typeface="Calibri"/>
+              <a:ea typeface="DejaVu Sans"/>
+            </a:endParaRPr>
+          </a:p>
+        </p:txBody>
+      </p:sp>
+      <p:sp>
+        <p:nvSpPr>
+          <p:cNvPr id="160" name="Rectangle 80"/>
+          <p:cNvSpPr/>
+          <p:nvPr/>
+        </p:nvSpPr>
+        <p:spPr>
+          <a:xfrm>
+            <a:off x="0" y="0"/>
+            <a:ext cx="316440" cy="6854400"/>
+          </a:xfrm>
+          <a:prstGeom prst="rect">
+            <a:avLst/>
+          </a:prstGeom>
+          <a:solidFill>
+            <a:srgbClr val="ff8c00"/>
+          </a:solidFill>
+          <a:ln>
+            <a:noFill/>
+          </a:ln>
+          <a:effectLst>
+            <a:outerShdw blurRad="39960" dir="5400000" dist="23040" rotWithShape="0">
+              <a:srgbClr val="000000">
+                <a:alpha val="35000"/>
+              </a:srgbClr>
+            </a:outerShdw>
+          </a:effectLst>
+        </p:spPr>
+        <p:style>
+          <a:lnRef idx="1">
+            <a:schemeClr val="accent1"/>
+          </a:lnRef>
+          <a:fillRef idx="3">
+            <a:schemeClr val="accent1"/>
+          </a:fillRef>
+          <a:effectRef idx="2">
+            <a:schemeClr val="accent1"/>
+          </a:effectRef>
+          <a:fontRef idx="minor"/>
+        </p:style>
+        <p:txBody>
+          <a:bodyPr lIns="90000" rIns="90000" tIns="45000" bIns="45000" anchor="ctr">
+            <a:noAutofit/>
+          </a:bodyPr>
+          <a:p>
+            <a:endParaRPr b="0" lang="en-US" sz="1800" spc="-1" strike="noStrike">
+              <a:solidFill>
+                <a:schemeClr val="lt1"/>
+              </a:solidFill>
+              <a:latin typeface="Calibri"/>
+              <a:ea typeface="DejaVu Sans"/>
+            </a:endParaRPr>
+          </a:p>
+        </p:txBody>
+      </p:sp>
+      <p:sp>
+        <p:nvSpPr>
+          <p:cNvPr id="161" name="Rounded Rectangle 36"/>
+          <p:cNvSpPr/>
+          <p:nvPr/>
+        </p:nvSpPr>
+        <p:spPr>
+          <a:xfrm>
+            <a:off x="9875520" y="365760"/>
+            <a:ext cx="2008080" cy="499320"/>
+          </a:xfrm>
+          <a:prstGeom prst="roundRect">
+            <a:avLst>
+              <a:gd name="adj" fmla="val 16667"/>
+            </a:avLst>
+          </a:prstGeom>
+          <a:solidFill>
+            <a:srgbClr val="1e1e24"/>
+          </a:solidFill>
+          <a:ln>
+            <a:solidFill>
+              <a:srgbClr val="ff8c00"/>
+            </a:solidFill>
+            <a:round/>
+          </a:ln>
+          <a:effectLst>
+            <a:outerShdw blurRad="39960" dir="5400000" dist="23040" rotWithShape="0">
+              <a:srgbClr val="000000">
+                <a:alpha val="35000"/>
+              </a:srgbClr>
+            </a:outerShdw>
+          </a:effectLst>
+        </p:spPr>
+        <p:style>
+          <a:lnRef idx="1">
+            <a:schemeClr val="accent1"/>
+          </a:lnRef>
+          <a:fillRef idx="3">
+            <a:schemeClr val="accent1"/>
+          </a:fillRef>
+          <a:effectRef idx="2">
+            <a:schemeClr val="accent1"/>
+          </a:effectRef>
+          <a:fontRef idx="minor"/>
+        </p:style>
+        <p:txBody>
+          <a:bodyPr lIns="90000" rIns="90000" tIns="45000" bIns="45000" anchor="ctr">
+            <a:noAutofit/>
+          </a:bodyPr>
+          <a:p>
+            <a:pPr algn="ctr">
+              <a:lnSpc>
+                <a:spcPct val="100000"/>
+              </a:lnSpc>
+            </a:pPr>
+            <a:r>
+              <a:rPr b="1" lang="en-US" sz="1400" spc="-1" strike="noStrike">
+                <a:solidFill>
+                  <a:srgbClr val="ffb45a"/>
+                </a:solidFill>
+                <a:latin typeface="Calibri"/>
+                <a:ea typeface="DejaVu Sans"/>
+              </a:rPr>
+              <a:t>JAVA CORE</a:t>
+            </a:r>
+            <a:endParaRPr b="0" lang="en-US" sz="1400" spc="-1" strike="noStrike">
+              <a:solidFill>
+                <a:srgbClr val="ffffff"/>
+              </a:solidFill>
+              <a:latin typeface="Arial"/>
+            </a:endParaRPr>
+          </a:p>
+        </p:txBody>
+      </p:sp>
+      <p:sp>
+        <p:nvSpPr>
+          <p:cNvPr id="162" name="TextBox 13"/>
+          <p:cNvSpPr/>
+          <p:nvPr/>
+        </p:nvSpPr>
+        <p:spPr>
+          <a:xfrm>
+            <a:off x="2074320" y="1005840"/>
+            <a:ext cx="6822720" cy="820800"/>
+          </a:xfrm>
+          <a:prstGeom prst="rect">
+            <a:avLst/>
+          </a:prstGeom>
+          <a:noFill/>
+          <a:ln w="0">
+            <a:noFill/>
+          </a:ln>
+        </p:spPr>
+        <p:style>
+          <a:lnRef idx="0"/>
+          <a:fillRef idx="0"/>
+          <a:effectRef idx="0"/>
+          <a:fontRef idx="minor"/>
+        </p:style>
+        <p:txBody>
+          <a:bodyPr wrap="none" lIns="90000" rIns="90000" tIns="45000" bIns="45000" anchor="t">
+            <a:spAutoFit/>
+          </a:bodyPr>
+          <a:p>
+            <a:pPr>
+              <a:lnSpc>
+                <a:spcPct val="100000"/>
+              </a:lnSpc>
+            </a:pPr>
+            <a:r>
+              <a:rPr b="1" lang="en-US" sz="4800" spc="-1" strike="noStrike">
+                <a:solidFill>
+                  <a:srgbClr val="f5f5f5"/>
+                </a:solidFill>
+                <a:latin typeface="Calibri"/>
+                <a:ea typeface="DejaVu Sans"/>
+              </a:rPr>
+              <a:t>   </a:t>
+            </a:r>
+            <a:r>
+              <a:rPr b="1" lang="en-US" sz="4800" spc="-1" strike="noStrike">
+                <a:solidFill>
+                  <a:srgbClr val="f5f5f5"/>
+                </a:solidFill>
+                <a:latin typeface="Calibri"/>
+                <a:ea typeface="DejaVu Sans"/>
+              </a:rPr>
+              <a:t>The Problem Before Java</a:t>
+            </a:r>
+            <a:endParaRPr b="0" lang="en-US" sz="4800" spc="-1" strike="noStrike">
+              <a:solidFill>
+                <a:srgbClr val="000000"/>
+              </a:solidFill>
+              <a:latin typeface="Arial"/>
+            </a:endParaRPr>
+          </a:p>
+        </p:txBody>
+      </p:sp>
+      <p:sp>
+        <p:nvSpPr>
+          <p:cNvPr id="163" name="TextBox 14"/>
+          <p:cNvSpPr/>
+          <p:nvPr/>
+        </p:nvSpPr>
+        <p:spPr>
+          <a:xfrm>
+            <a:off x="3061800" y="2057400"/>
+            <a:ext cx="5438880" cy="379080"/>
+          </a:xfrm>
+          <a:prstGeom prst="rect">
+            <a:avLst/>
+          </a:prstGeom>
+          <a:noFill/>
+          <a:ln w="0">
+            <a:noFill/>
+          </a:ln>
+        </p:spPr>
+        <p:style>
+          <a:lnRef idx="0"/>
+          <a:fillRef idx="0"/>
+          <a:effectRef idx="0"/>
+          <a:fontRef idx="minor"/>
+        </p:style>
+        <p:txBody>
+          <a:bodyPr wrap="none" lIns="90000" rIns="90000" tIns="45000" bIns="45000" anchor="t">
+            <a:spAutoFit/>
+          </a:bodyPr>
+          <a:p>
+            <a:pPr>
+              <a:lnSpc>
+                <a:spcPct val="100000"/>
+              </a:lnSpc>
+            </a:pPr>
+            <a:r>
+              <a:rPr b="0" lang="en-US" sz="1900" spc="-1" strike="noStrike">
+                <a:solidFill>
+                  <a:srgbClr val="aaaaaa"/>
+                </a:solidFill>
+                <a:latin typeface="Calibri"/>
+                <a:ea typeface="DejaVu Sans"/>
+              </a:rPr>
+              <a:t>Why the world needed a new programming language.</a:t>
+            </a:r>
+            <a:endParaRPr b="0" lang="en-US" sz="1900" spc="-1" strike="noStrike">
+              <a:solidFill>
+                <a:srgbClr val="000000"/>
+              </a:solidFill>
+              <a:latin typeface="Arial"/>
+            </a:endParaRPr>
+          </a:p>
+        </p:txBody>
+      </p:sp>
+      <p:sp>
+        <p:nvSpPr>
+          <p:cNvPr id="164" name="Rounded Rectangle 37"/>
+          <p:cNvSpPr/>
+          <p:nvPr/>
+        </p:nvSpPr>
+        <p:spPr>
+          <a:xfrm>
+            <a:off x="987480" y="3182040"/>
+            <a:ext cx="3288240" cy="2739600"/>
+          </a:xfrm>
+          <a:prstGeom prst="roundRect">
+            <a:avLst>
+              <a:gd name="adj" fmla="val 16667"/>
+            </a:avLst>
+          </a:prstGeom>
+          <a:solidFill>
+            <a:srgbClr val="08080a"/>
+          </a:solidFill>
+          <a:ln>
+            <a:noFill/>
+          </a:ln>
+          <a:effectLst>
+            <a:outerShdw blurRad="39960" dir="5400000" dist="23040" rotWithShape="0">
+              <a:srgbClr val="000000">
+                <a:alpha val="35000"/>
+              </a:srgbClr>
+            </a:outerShdw>
+          </a:effectLst>
+        </p:spPr>
+        <p:style>
+          <a:lnRef idx="1">
+            <a:schemeClr val="accent1"/>
+          </a:lnRef>
+          <a:fillRef idx="3">
+            <a:schemeClr val="accent1"/>
+          </a:fillRef>
+          <a:effectRef idx="2">
+            <a:schemeClr val="accent1"/>
+          </a:effectRef>
+          <a:fontRef idx="minor"/>
+        </p:style>
+        <p:txBody>
+          <a:bodyPr lIns="90000" rIns="90000" tIns="45000" bIns="45000" anchor="ctr">
+            <a:noAutofit/>
+          </a:bodyPr>
+          <a:p>
+            <a:endParaRPr b="0" lang="en-US" sz="1800" spc="-1" strike="noStrike">
+              <a:solidFill>
+                <a:schemeClr val="lt1"/>
+              </a:solidFill>
+              <a:latin typeface="Calibri"/>
+              <a:ea typeface="DejaVu Sans"/>
+            </a:endParaRPr>
+          </a:p>
+        </p:txBody>
+      </p:sp>
+      <p:sp>
+        <p:nvSpPr>
+          <p:cNvPr id="165" name="Rounded Rectangle 38"/>
+          <p:cNvSpPr/>
+          <p:nvPr/>
+        </p:nvSpPr>
+        <p:spPr>
+          <a:xfrm>
+            <a:off x="618120" y="2971800"/>
+            <a:ext cx="3657600" cy="2876760"/>
+          </a:xfrm>
+          <a:prstGeom prst="roundRect">
+            <a:avLst>
+              <a:gd name="adj" fmla="val 16667"/>
+            </a:avLst>
+          </a:prstGeom>
+          <a:solidFill>
+            <a:srgbClr val="16161c"/>
+          </a:solidFill>
+          <a:ln>
+            <a:solidFill>
+              <a:srgbClr val="464655"/>
+            </a:solidFill>
+            <a:round/>
+          </a:ln>
+          <a:effectLst>
+            <a:outerShdw blurRad="39960" dir="5400000" dist="23040" rotWithShape="0">
+              <a:srgbClr val="000000">
+                <a:alpha val="35000"/>
+              </a:srgbClr>
+            </a:outerShdw>
+          </a:effectLst>
+        </p:spPr>
+        <p:style>
+          <a:lnRef idx="1">
+            <a:schemeClr val="accent1"/>
+          </a:lnRef>
+          <a:fillRef idx="3">
+            <a:schemeClr val="accent1"/>
+          </a:fillRef>
+          <a:effectRef idx="2">
+            <a:schemeClr val="accent1"/>
+          </a:effectRef>
+          <a:fontRef idx="minor"/>
+        </p:style>
+        <p:txBody>
+          <a:bodyPr lIns="90000" rIns="90000" tIns="45000" bIns="45000" anchor="ctr">
+            <a:noAutofit/>
+          </a:bodyPr>
+          <a:p>
+            <a:pPr>
+              <a:lnSpc>
+                <a:spcPct val="100000"/>
+              </a:lnSpc>
+            </a:pPr>
+            <a:r>
+              <a:rPr b="1" lang="en-US" sz="1400" spc="-1" strike="noStrike">
+                <a:solidFill>
+                  <a:schemeClr val="lt1"/>
+                </a:solidFill>
+                <a:latin typeface="Calibri"/>
+                <a:ea typeface="DejaVu Sans"/>
+              </a:rPr>
+              <a:t>Software Chaos (Early 1990s)</a:t>
+            </a:r>
+            <a:endParaRPr b="0" lang="en-US" sz="1400" spc="-1" strike="noStrike">
+              <a:solidFill>
+                <a:srgbClr val="ffffff"/>
+              </a:solidFill>
+              <a:latin typeface="Arial"/>
+            </a:endParaRPr>
+          </a:p>
+          <a:p>
+            <a:pPr>
+              <a:lnSpc>
+                <a:spcPct val="100000"/>
+              </a:lnSpc>
+            </a:pPr>
+            <a:r>
+              <a:rPr b="0" lang="en-US" sz="1400" spc="-1" strike="noStrike">
+                <a:solidFill>
+                  <a:schemeClr val="lt1"/>
+                </a:solidFill>
+                <a:latin typeface="Calibri"/>
+                <a:ea typeface="DejaVu Sans"/>
+              </a:rPr>
+              <a:t>The situation:</a:t>
+            </a:r>
+            <a:endParaRPr b="0" lang="en-US" sz="1400" spc="-1" strike="noStrike">
+              <a:solidFill>
+                <a:srgbClr val="ffffff"/>
+              </a:solidFill>
+              <a:latin typeface="Arial"/>
+            </a:endParaRPr>
+          </a:p>
+          <a:p>
+            <a:pPr marL="216000" indent="-216000">
+              <a:lnSpc>
+                <a:spcPct val="100000"/>
+              </a:lnSpc>
+              <a:buClr>
+                <a:srgbClr val="ffffff"/>
+              </a:buClr>
+              <a:buFont typeface="Wingdings" charset="2"/>
+              <a:buChar char=""/>
+            </a:pPr>
+            <a:r>
+              <a:rPr b="0" lang="en-US" sz="1400" spc="-1" strike="noStrike">
+                <a:solidFill>
+                  <a:schemeClr val="lt1"/>
+                </a:solidFill>
+                <a:latin typeface="Calibri"/>
+                <a:ea typeface="DejaVu Sans"/>
+              </a:rPr>
+              <a:t>Different computers</a:t>
+            </a:r>
+            <a:endParaRPr b="0" lang="en-US" sz="1400" spc="-1" strike="noStrike">
+              <a:solidFill>
+                <a:srgbClr val="ffffff"/>
+              </a:solidFill>
+              <a:latin typeface="Arial"/>
+            </a:endParaRPr>
+          </a:p>
+          <a:p>
+            <a:pPr marL="216000" indent="-216000">
+              <a:lnSpc>
+                <a:spcPct val="100000"/>
+              </a:lnSpc>
+              <a:buClr>
+                <a:srgbClr val="ffffff"/>
+              </a:buClr>
+              <a:buFont typeface="Wingdings" charset="2"/>
+              <a:buChar char=""/>
+            </a:pPr>
+            <a:r>
+              <a:rPr b="0" lang="en-US" sz="1400" spc="-1" strike="noStrike">
+                <a:solidFill>
+                  <a:schemeClr val="lt1"/>
+                </a:solidFill>
+                <a:latin typeface="Calibri"/>
+                <a:ea typeface="DejaVu Sans"/>
+              </a:rPr>
+              <a:t>Different processors</a:t>
+            </a:r>
+            <a:endParaRPr b="0" lang="en-US" sz="1400" spc="-1" strike="noStrike">
+              <a:solidFill>
+                <a:srgbClr val="ffffff"/>
+              </a:solidFill>
+              <a:latin typeface="Arial"/>
+            </a:endParaRPr>
+          </a:p>
+          <a:p>
+            <a:pPr marL="216000" indent="-216000">
+              <a:lnSpc>
+                <a:spcPct val="100000"/>
+              </a:lnSpc>
+              <a:buClr>
+                <a:srgbClr val="ffffff"/>
+              </a:buClr>
+              <a:buFont typeface="Wingdings" charset="2"/>
+              <a:buChar char=""/>
+            </a:pPr>
+            <a:r>
+              <a:rPr b="0" lang="en-US" sz="1400" spc="-1" strike="noStrike">
+                <a:solidFill>
+                  <a:schemeClr val="lt1"/>
+                </a:solidFill>
+                <a:latin typeface="Calibri"/>
+                <a:ea typeface="DejaVu Sans"/>
+              </a:rPr>
+              <a:t>Different operating systems</a:t>
+            </a:r>
+            <a:endParaRPr b="0" lang="en-US" sz="1400" spc="-1" strike="noStrike">
+              <a:solidFill>
+                <a:srgbClr val="ffffff"/>
+              </a:solidFill>
+              <a:latin typeface="Arial"/>
+            </a:endParaRPr>
+          </a:p>
+          <a:p>
+            <a:pPr>
+              <a:lnSpc>
+                <a:spcPct val="100000"/>
+              </a:lnSpc>
+            </a:pPr>
+            <a:r>
+              <a:rPr b="1" lang="en-US" sz="1400" spc="-1" strike="noStrike">
+                <a:solidFill>
+                  <a:schemeClr val="lt1"/>
+                </a:solidFill>
+                <a:latin typeface="Calibri"/>
+                <a:ea typeface="DejaVu Sans"/>
+              </a:rPr>
+              <a:t>Result:</a:t>
+            </a:r>
+            <a:endParaRPr b="0" lang="en-US" sz="1400" spc="-1" strike="noStrike">
+              <a:solidFill>
+                <a:srgbClr val="ffffff"/>
+              </a:solidFill>
+              <a:latin typeface="Arial"/>
+            </a:endParaRPr>
+          </a:p>
+          <a:p>
+            <a:pPr marL="216000" indent="-216000">
+              <a:lnSpc>
+                <a:spcPct val="100000"/>
+              </a:lnSpc>
+              <a:buClr>
+                <a:srgbClr val="ffffff"/>
+              </a:buClr>
+              <a:buFont typeface="Wingdings" charset="2"/>
+              <a:buChar char=""/>
+            </a:pPr>
+            <a:r>
+              <a:rPr b="0" lang="en-US" sz="1400" spc="-1" strike="noStrike">
+                <a:solidFill>
+                  <a:schemeClr val="lt1"/>
+                </a:solidFill>
+                <a:latin typeface="Calibri"/>
+                <a:ea typeface="DejaVu Sans"/>
+              </a:rPr>
+              <a:t>Programs worked on one machine</a:t>
+            </a:r>
+            <a:endParaRPr b="0" lang="en-US" sz="1400" spc="-1" strike="noStrike">
+              <a:solidFill>
+                <a:srgbClr val="ffffff"/>
+              </a:solidFill>
+              <a:latin typeface="Arial"/>
+            </a:endParaRPr>
+          </a:p>
+          <a:p>
+            <a:pPr marL="216000" indent="-216000">
+              <a:lnSpc>
+                <a:spcPct val="100000"/>
+              </a:lnSpc>
+              <a:buClr>
+                <a:srgbClr val="ffffff"/>
+              </a:buClr>
+              <a:buFont typeface="Wingdings" charset="2"/>
+              <a:buChar char=""/>
+            </a:pPr>
+            <a:r>
+              <a:rPr b="0" lang="en-US" sz="1400" spc="-1" strike="noStrike">
+                <a:solidFill>
+                  <a:schemeClr val="lt1"/>
+                </a:solidFill>
+                <a:latin typeface="Calibri"/>
+                <a:ea typeface="DejaVu Sans"/>
+              </a:rPr>
+              <a:t>Failed on another ❌</a:t>
+            </a:r>
+            <a:endParaRPr b="0" lang="en-US" sz="1400" spc="-1" strike="noStrike">
+              <a:solidFill>
+                <a:srgbClr val="ffffff"/>
+              </a:solidFill>
+              <a:latin typeface="Arial"/>
+            </a:endParaRPr>
+          </a:p>
+          <a:p>
+            <a:pPr>
+              <a:lnSpc>
+                <a:spcPct val="100000"/>
+              </a:lnSpc>
+            </a:pPr>
+            <a:r>
+              <a:rPr b="1" lang="en-US" sz="1400" spc="-1" strike="noStrike">
+                <a:solidFill>
+                  <a:schemeClr val="lt1"/>
+                </a:solidFill>
+                <a:latin typeface="Calibri"/>
+                <a:ea typeface="DejaVu Sans"/>
+              </a:rPr>
+              <a:t>Big issue:</a:t>
+            </a:r>
+            <a:endParaRPr b="0" lang="en-US" sz="1400" spc="-1" strike="noStrike">
+              <a:solidFill>
+                <a:srgbClr val="ffffff"/>
+              </a:solidFill>
+              <a:latin typeface="Arial"/>
+            </a:endParaRPr>
+          </a:p>
+          <a:p>
+            <a:pPr>
+              <a:lnSpc>
+                <a:spcPct val="100000"/>
+              </a:lnSpc>
+            </a:pPr>
+            <a:r>
+              <a:rPr b="0" lang="en-US" sz="1400" spc="-1" strike="noStrike">
+                <a:solidFill>
+                  <a:schemeClr val="lt1"/>
+                </a:solidFill>
+                <a:latin typeface="Calibri"/>
+                <a:ea typeface="DejaVu Sans"/>
+              </a:rPr>
+              <a:t>Developers had to rewrite the same software again and again.</a:t>
+            </a:r>
+            <a:endParaRPr b="0" lang="en-US" sz="1400" spc="-1" strike="noStrike">
+              <a:solidFill>
+                <a:srgbClr val="ffffff"/>
+              </a:solidFill>
+              <a:latin typeface="Arial"/>
+            </a:endParaRPr>
+          </a:p>
+          <a:p>
+            <a:pPr>
+              <a:lnSpc>
+                <a:spcPct val="100000"/>
+              </a:lnSpc>
+            </a:pPr>
+            <a:endParaRPr b="0" lang="en-US" sz="1400" spc="-1" strike="noStrike">
+              <a:solidFill>
+                <a:srgbClr val="ffffff"/>
+              </a:solidFill>
+              <a:latin typeface="Arial"/>
+            </a:endParaRPr>
+          </a:p>
+          <a:p>
+            <a:pPr>
+              <a:lnSpc>
+                <a:spcPct val="100000"/>
+              </a:lnSpc>
+            </a:pPr>
+            <a:r>
+              <a:rPr b="0" lang="en-US" sz="1400" spc="-1" strike="noStrike">
+                <a:solidFill>
+                  <a:schemeClr val="lt1"/>
+                </a:solidFill>
+                <a:latin typeface="Calibri"/>
+                <a:ea typeface="DejaVu Sans"/>
+              </a:rPr>
+              <a:t>“</a:t>
+            </a:r>
+            <a:r>
+              <a:rPr b="0" lang="en-US" sz="1400" spc="-1" strike="noStrike">
+                <a:solidFill>
+                  <a:schemeClr val="lt1"/>
+                </a:solidFill>
+                <a:latin typeface="Calibri"/>
+                <a:ea typeface="DejaVu Sans"/>
+              </a:rPr>
+              <a:t>Write once” did NOT exist yet.</a:t>
+            </a:r>
+            <a:endParaRPr b="0" lang="en-US" sz="1400" spc="-1" strike="noStrike">
+              <a:solidFill>
+                <a:srgbClr val="ffffff"/>
+              </a:solidFill>
+              <a:latin typeface="Arial"/>
+            </a:endParaRPr>
+          </a:p>
+        </p:txBody>
+      </p:sp>
+      <p:sp>
+        <p:nvSpPr>
+          <p:cNvPr id="166" name="Rounded Rectangle 39"/>
+          <p:cNvSpPr/>
+          <p:nvPr/>
+        </p:nvSpPr>
+        <p:spPr>
+          <a:xfrm>
+            <a:off x="4507920" y="3182040"/>
+            <a:ext cx="3288240" cy="2739600"/>
+          </a:xfrm>
+          <a:prstGeom prst="roundRect">
+            <a:avLst>
+              <a:gd name="adj" fmla="val 16667"/>
+            </a:avLst>
+          </a:prstGeom>
+          <a:solidFill>
+            <a:srgbClr val="08080a"/>
+          </a:solidFill>
+          <a:ln>
+            <a:noFill/>
+          </a:ln>
+          <a:effectLst>
+            <a:outerShdw blurRad="39960" dir="5400000" dist="23040" rotWithShape="0">
+              <a:srgbClr val="000000">
+                <a:alpha val="35000"/>
+              </a:srgbClr>
+            </a:outerShdw>
+          </a:effectLst>
+        </p:spPr>
+        <p:style>
+          <a:lnRef idx="1">
+            <a:schemeClr val="accent1"/>
+          </a:lnRef>
+          <a:fillRef idx="3">
+            <a:schemeClr val="accent1"/>
+          </a:fillRef>
+          <a:effectRef idx="2">
+            <a:schemeClr val="accent1"/>
+          </a:effectRef>
+          <a:fontRef idx="minor"/>
+        </p:style>
+        <p:txBody>
+          <a:bodyPr lIns="90000" rIns="90000" tIns="45000" bIns="45000" anchor="ctr">
+            <a:noAutofit/>
+          </a:bodyPr>
+          <a:p>
+            <a:endParaRPr b="0" lang="en-US" sz="1800" spc="-1" strike="noStrike">
+              <a:solidFill>
+                <a:schemeClr val="lt1"/>
+              </a:solidFill>
+              <a:latin typeface="Calibri"/>
+              <a:ea typeface="DejaVu Sans"/>
+            </a:endParaRPr>
+          </a:p>
+        </p:txBody>
+      </p:sp>
+      <p:sp>
+        <p:nvSpPr>
+          <p:cNvPr id="167" name="Rounded Rectangle 40"/>
+          <p:cNvSpPr/>
+          <p:nvPr/>
+        </p:nvSpPr>
+        <p:spPr>
+          <a:xfrm>
+            <a:off x="4434840" y="3108960"/>
+            <a:ext cx="3288240" cy="2739600"/>
+          </a:xfrm>
+          <a:prstGeom prst="roundRect">
+            <a:avLst>
+              <a:gd name="adj" fmla="val 16667"/>
+            </a:avLst>
+          </a:prstGeom>
+          <a:solidFill>
+            <a:srgbClr val="16161c"/>
+          </a:solidFill>
+          <a:ln>
+            <a:solidFill>
+              <a:srgbClr val="464655"/>
+            </a:solidFill>
+            <a:round/>
+          </a:ln>
+          <a:effectLst>
+            <a:outerShdw blurRad="39960" dir="5400000" dist="23040" rotWithShape="0">
+              <a:srgbClr val="000000">
+                <a:alpha val="35000"/>
+              </a:srgbClr>
+            </a:outerShdw>
+          </a:effectLst>
+        </p:spPr>
+        <p:style>
+          <a:lnRef idx="1">
+            <a:schemeClr val="accent1"/>
+          </a:lnRef>
+          <a:fillRef idx="3">
+            <a:schemeClr val="accent1"/>
+          </a:fillRef>
+          <a:effectRef idx="2">
+            <a:schemeClr val="accent1"/>
+          </a:effectRef>
+          <a:fontRef idx="minor"/>
+        </p:style>
+        <p:txBody>
+          <a:bodyPr lIns="90000" rIns="90000" tIns="45000" bIns="45000" anchor="ctr">
+            <a:noAutofit/>
+          </a:bodyPr>
+          <a:p>
+            <a:pPr>
+              <a:lnSpc>
+                <a:spcPct val="100000"/>
+              </a:lnSpc>
+            </a:pPr>
+            <a:r>
+              <a:rPr b="1" lang="en-US" sz="1500" spc="-1" strike="noStrike">
+                <a:solidFill>
+                  <a:schemeClr val="lt1"/>
+                </a:solidFill>
+                <a:latin typeface="Calibri"/>
+                <a:ea typeface="DejaVu Sans"/>
+              </a:rPr>
+              <a:t>Why Existing Languages Failed</a:t>
+            </a:r>
+            <a:endParaRPr b="0" lang="en-US" sz="1500" spc="-1" strike="noStrike">
+              <a:solidFill>
+                <a:srgbClr val="ffffff"/>
+              </a:solidFill>
+              <a:latin typeface="Arial"/>
+            </a:endParaRPr>
+          </a:p>
+          <a:p>
+            <a:pPr>
+              <a:lnSpc>
+                <a:spcPct val="100000"/>
+              </a:lnSpc>
+            </a:pPr>
+            <a:endParaRPr b="0" lang="en-US" sz="1500" spc="-1" strike="noStrike">
+              <a:solidFill>
+                <a:srgbClr val="ffffff"/>
+              </a:solidFill>
+              <a:latin typeface="Arial"/>
+            </a:endParaRPr>
+          </a:p>
+          <a:p>
+            <a:pPr marL="216000" indent="-216000">
+              <a:lnSpc>
+                <a:spcPct val="100000"/>
+              </a:lnSpc>
+              <a:buClr>
+                <a:srgbClr val="ffffff"/>
+              </a:buClr>
+              <a:buFont typeface="Wingdings" charset="2"/>
+              <a:buChar char=""/>
+            </a:pPr>
+            <a:r>
+              <a:rPr b="0" lang="en-US" sz="1500" spc="-1" strike="noStrike">
+                <a:solidFill>
+                  <a:schemeClr val="lt1"/>
+                </a:solidFill>
+                <a:latin typeface="Calibri"/>
+                <a:ea typeface="DejaVu Sans"/>
+              </a:rPr>
+              <a:t>C / C++ → Hardware dependent</a:t>
+            </a:r>
+            <a:endParaRPr b="0" lang="en-US" sz="1500" spc="-1" strike="noStrike">
+              <a:solidFill>
+                <a:srgbClr val="ffffff"/>
+              </a:solidFill>
+              <a:latin typeface="Arial"/>
+            </a:endParaRPr>
+          </a:p>
+          <a:p>
+            <a:pPr marL="216000" indent="-216000">
+              <a:lnSpc>
+                <a:spcPct val="100000"/>
+              </a:lnSpc>
+              <a:buClr>
+                <a:srgbClr val="ffffff"/>
+              </a:buClr>
+              <a:buFont typeface="Wingdings" charset="2"/>
+              <a:buChar char=""/>
+            </a:pPr>
+            <a:r>
+              <a:rPr b="0" lang="en-US" sz="1500" spc="-1" strike="noStrike">
+                <a:solidFill>
+                  <a:schemeClr val="lt1"/>
+                </a:solidFill>
+                <a:latin typeface="Calibri"/>
+                <a:ea typeface="DejaVu Sans"/>
+              </a:rPr>
+              <a:t>Platform-specific binaries</a:t>
+            </a:r>
+            <a:endParaRPr b="0" lang="en-US" sz="1500" spc="-1" strike="noStrike">
+              <a:solidFill>
+                <a:srgbClr val="ffffff"/>
+              </a:solidFill>
+              <a:latin typeface="Arial"/>
+            </a:endParaRPr>
+          </a:p>
+          <a:p>
+            <a:pPr marL="216000" indent="-216000">
+              <a:lnSpc>
+                <a:spcPct val="100000"/>
+              </a:lnSpc>
+              <a:buClr>
+                <a:srgbClr val="ffffff"/>
+              </a:buClr>
+              <a:buFont typeface="Wingdings" charset="2"/>
+              <a:buChar char=""/>
+            </a:pPr>
+            <a:r>
+              <a:rPr b="0" lang="en-US" sz="1500" spc="-1" strike="noStrike">
+                <a:solidFill>
+                  <a:schemeClr val="lt1"/>
+                </a:solidFill>
+                <a:latin typeface="Calibri"/>
+                <a:ea typeface="DejaVu Sans"/>
+              </a:rPr>
+              <a:t>Memory management issues</a:t>
+            </a:r>
+            <a:endParaRPr b="0" lang="en-US" sz="1500" spc="-1" strike="noStrike">
+              <a:solidFill>
+                <a:srgbClr val="ffffff"/>
+              </a:solidFill>
+              <a:latin typeface="Arial"/>
+            </a:endParaRPr>
+          </a:p>
+          <a:p>
+            <a:pPr marL="216000" indent="-216000">
+              <a:lnSpc>
+                <a:spcPct val="100000"/>
+              </a:lnSpc>
+              <a:buClr>
+                <a:srgbClr val="ffffff"/>
+              </a:buClr>
+              <a:buFont typeface="Wingdings" charset="2"/>
+              <a:buChar char=""/>
+            </a:pPr>
+            <a:r>
+              <a:rPr b="0" lang="en-US" sz="1500" spc="-1" strike="noStrike">
+                <a:solidFill>
+                  <a:schemeClr val="lt1"/>
+                </a:solidFill>
+                <a:latin typeface="Calibri"/>
+                <a:ea typeface="DejaVu Sans"/>
+              </a:rPr>
+              <a:t>Security problems</a:t>
+            </a:r>
+            <a:endParaRPr b="0" lang="en-US" sz="1500" spc="-1" strike="noStrike">
+              <a:solidFill>
+                <a:srgbClr val="ffffff"/>
+              </a:solidFill>
+              <a:latin typeface="Arial"/>
+            </a:endParaRPr>
+          </a:p>
+          <a:p>
+            <a:pPr marL="216000" indent="-216000">
+              <a:lnSpc>
+                <a:spcPct val="100000"/>
+              </a:lnSpc>
+              <a:buClr>
+                <a:srgbClr val="ffffff"/>
+              </a:buClr>
+              <a:buFont typeface="Wingdings" charset="2"/>
+              <a:buChar char=""/>
+            </a:pPr>
+            <a:endParaRPr b="0" lang="en-US" sz="1500" spc="-1" strike="noStrike">
+              <a:solidFill>
+                <a:srgbClr val="ffffff"/>
+              </a:solidFill>
+              <a:latin typeface="Arial"/>
+            </a:endParaRPr>
+          </a:p>
+          <a:p>
+            <a:pPr>
+              <a:lnSpc>
+                <a:spcPct val="100000"/>
+              </a:lnSpc>
+            </a:pPr>
+            <a:r>
+              <a:rPr b="1" lang="en-US" sz="1500" spc="-1" strike="noStrike">
+                <a:solidFill>
+                  <a:schemeClr val="lt1"/>
+                </a:solidFill>
+                <a:latin typeface="Calibri"/>
+                <a:ea typeface="DejaVu Sans"/>
+              </a:rPr>
+              <a:t>Main pain:</a:t>
+            </a:r>
+            <a:endParaRPr b="0" lang="en-US" sz="1500" spc="-1" strike="noStrike">
+              <a:solidFill>
+                <a:srgbClr val="ffffff"/>
+              </a:solidFill>
+              <a:latin typeface="Arial"/>
+            </a:endParaRPr>
+          </a:p>
+          <a:p>
+            <a:pPr>
+              <a:lnSpc>
+                <a:spcPct val="100000"/>
+              </a:lnSpc>
+            </a:pPr>
+            <a:r>
+              <a:rPr b="0" lang="en-US" sz="1500" spc="-1" strike="noStrike">
+                <a:solidFill>
+                  <a:schemeClr val="lt1"/>
+                </a:solidFill>
+                <a:latin typeface="Calibri"/>
+                <a:ea typeface="DejaVu Sans"/>
+              </a:rPr>
+              <a:t>One system = one build</a:t>
+            </a:r>
+            <a:endParaRPr b="0" lang="en-US" sz="1500" spc="-1" strike="noStrike">
+              <a:solidFill>
+                <a:srgbClr val="ffffff"/>
+              </a:solidFill>
+              <a:latin typeface="Arial"/>
+            </a:endParaRPr>
+          </a:p>
+          <a:p>
+            <a:pPr>
+              <a:lnSpc>
+                <a:spcPct val="100000"/>
+              </a:lnSpc>
+            </a:pPr>
+            <a:endParaRPr b="0" lang="en-US" sz="1500" spc="-1" strike="noStrike">
+              <a:solidFill>
+                <a:srgbClr val="ffffff"/>
+              </a:solidFill>
+              <a:latin typeface="Arial"/>
+            </a:endParaRPr>
+          </a:p>
+          <a:p>
+            <a:pPr>
+              <a:lnSpc>
+                <a:spcPct val="100000"/>
+              </a:lnSpc>
+            </a:pPr>
+            <a:r>
+              <a:rPr b="1" i="1" lang="en-US" sz="1500" spc="-1" strike="noStrike">
+                <a:solidFill>
+                  <a:schemeClr val="lt1"/>
+                </a:solidFill>
+                <a:latin typeface="Calibri"/>
+                <a:ea typeface="DejaVu Sans"/>
+              </a:rPr>
+              <a:t>No universal solution.</a:t>
+            </a:r>
+            <a:endParaRPr b="0" lang="en-US" sz="1500" spc="-1" strike="noStrike">
+              <a:solidFill>
+                <a:srgbClr val="ffffff"/>
+              </a:solidFill>
+              <a:latin typeface="Arial"/>
+            </a:endParaRPr>
+          </a:p>
+        </p:txBody>
+      </p:sp>
+      <p:sp>
+        <p:nvSpPr>
+          <p:cNvPr id="168" name="Rounded Rectangle 41"/>
+          <p:cNvSpPr/>
+          <p:nvPr/>
+        </p:nvSpPr>
+        <p:spPr>
+          <a:xfrm>
+            <a:off x="8028360" y="3182040"/>
+            <a:ext cx="3288240" cy="2739600"/>
+          </a:xfrm>
+          <a:prstGeom prst="roundRect">
+            <a:avLst>
+              <a:gd name="adj" fmla="val 16667"/>
+            </a:avLst>
+          </a:prstGeom>
+          <a:solidFill>
+            <a:srgbClr val="08080a"/>
+          </a:solidFill>
+          <a:ln>
+            <a:noFill/>
+          </a:ln>
+          <a:effectLst>
+            <a:outerShdw blurRad="39960" dir="5400000" dist="23040" rotWithShape="0">
+              <a:srgbClr val="000000">
+                <a:alpha val="35000"/>
+              </a:srgbClr>
+            </a:outerShdw>
+          </a:effectLst>
+        </p:spPr>
+        <p:style>
+          <a:lnRef idx="1">
+            <a:schemeClr val="accent1"/>
+          </a:lnRef>
+          <a:fillRef idx="3">
+            <a:schemeClr val="accent1"/>
+          </a:fillRef>
+          <a:effectRef idx="2">
+            <a:schemeClr val="accent1"/>
+          </a:effectRef>
+          <a:fontRef idx="minor"/>
+        </p:style>
+        <p:txBody>
+          <a:bodyPr lIns="90000" rIns="90000" tIns="45000" bIns="45000" anchor="ctr">
+            <a:noAutofit/>
+          </a:bodyPr>
+          <a:p>
+            <a:endParaRPr b="0" lang="en-US" sz="1800" spc="-1" strike="noStrike">
+              <a:solidFill>
+                <a:schemeClr val="lt1"/>
+              </a:solidFill>
+              <a:latin typeface="Calibri"/>
+              <a:ea typeface="DejaVu Sans"/>
+            </a:endParaRPr>
+          </a:p>
+        </p:txBody>
+      </p:sp>
+      <p:sp>
+        <p:nvSpPr>
+          <p:cNvPr id="169" name="Rounded Rectangle 42"/>
+          <p:cNvSpPr/>
+          <p:nvPr/>
+        </p:nvSpPr>
+        <p:spPr>
+          <a:xfrm>
+            <a:off x="7955280" y="3108960"/>
+            <a:ext cx="3288240" cy="2739600"/>
+          </a:xfrm>
+          <a:prstGeom prst="roundRect">
+            <a:avLst>
+              <a:gd name="adj" fmla="val 16667"/>
+            </a:avLst>
+          </a:prstGeom>
+          <a:solidFill>
+            <a:srgbClr val="16161c"/>
+          </a:solidFill>
+          <a:ln>
+            <a:solidFill>
+              <a:srgbClr val="464655"/>
+            </a:solidFill>
+            <a:round/>
+          </a:ln>
+          <a:effectLst>
+            <a:outerShdw blurRad="39960" dir="5400000" dist="23040" rotWithShape="0">
+              <a:srgbClr val="000000">
+                <a:alpha val="35000"/>
+              </a:srgbClr>
+            </a:outerShdw>
+          </a:effectLst>
+        </p:spPr>
+        <p:style>
+          <a:lnRef idx="1">
+            <a:schemeClr val="accent1"/>
+          </a:lnRef>
+          <a:fillRef idx="3">
+            <a:schemeClr val="accent1"/>
+          </a:fillRef>
+          <a:effectRef idx="2">
+            <a:schemeClr val="accent1"/>
+          </a:effectRef>
+          <a:fontRef idx="minor"/>
+        </p:style>
+        <p:txBody>
+          <a:bodyPr lIns="90000" rIns="90000" tIns="45000" bIns="45000" anchor="ctr">
+            <a:noAutofit/>
+          </a:bodyPr>
+          <a:p>
+            <a:pPr algn="ctr">
+              <a:lnSpc>
+                <a:spcPct val="100000"/>
+              </a:lnSpc>
+            </a:pPr>
+            <a:endParaRPr b="0" lang="en-US" sz="1400" spc="-1" strike="noStrike">
+              <a:solidFill>
+                <a:srgbClr val="ffffff"/>
+              </a:solidFill>
+              <a:latin typeface="Arial"/>
+            </a:endParaRPr>
+          </a:p>
+          <a:p>
+            <a:pPr algn="ctr">
+              <a:lnSpc>
+                <a:spcPct val="100000"/>
+              </a:lnSpc>
+            </a:pPr>
+            <a:r>
+              <a:rPr b="0" lang="en-US" sz="1400" spc="-1" strike="noStrike">
+                <a:solidFill>
+                  <a:srgbClr val="78ffc8"/>
+                </a:solidFill>
+                <a:latin typeface="Consolas"/>
+                <a:ea typeface="DejaVu Sans"/>
+              </a:rPr>
+              <a:t>// Before Java philosophy</a:t>
+            </a:r>
+            <a:endParaRPr b="0" lang="en-US" sz="1400" spc="-1" strike="noStrike">
+              <a:solidFill>
+                <a:srgbClr val="ffffff"/>
+              </a:solidFill>
+              <a:latin typeface="Arial"/>
+            </a:endParaRPr>
+          </a:p>
+          <a:p>
+            <a:pPr algn="ctr">
+              <a:lnSpc>
+                <a:spcPct val="100000"/>
+              </a:lnSpc>
+            </a:pPr>
+            <a:r>
+              <a:rPr b="0" lang="en-US" sz="1400" spc="-1" strike="noStrike">
+                <a:solidFill>
+                  <a:srgbClr val="78ffc8"/>
+                </a:solidFill>
+                <a:latin typeface="Consolas"/>
+                <a:ea typeface="DejaVu Sans"/>
+              </a:rPr>
+              <a:t>// Code depended on hardware</a:t>
+            </a:r>
+            <a:endParaRPr b="0" lang="en-US" sz="1400" spc="-1" strike="noStrike">
+              <a:solidFill>
+                <a:srgbClr val="ffffff"/>
+              </a:solidFill>
+              <a:latin typeface="Arial"/>
+            </a:endParaRPr>
+          </a:p>
+          <a:p>
+            <a:pPr algn="ctr">
+              <a:lnSpc>
+                <a:spcPct val="100000"/>
+              </a:lnSpc>
+            </a:pPr>
+            <a:endParaRPr b="0" lang="en-US" sz="1400" spc="-1" strike="noStrike">
+              <a:solidFill>
+                <a:srgbClr val="ffffff"/>
+              </a:solidFill>
+              <a:latin typeface="Arial"/>
+            </a:endParaRPr>
+          </a:p>
+          <a:p>
+            <a:pPr algn="ctr">
+              <a:lnSpc>
+                <a:spcPct val="100000"/>
+              </a:lnSpc>
+            </a:pPr>
+            <a:endParaRPr b="0" lang="en-US" sz="1400" spc="-1" strike="noStrike">
+              <a:solidFill>
+                <a:srgbClr val="ffffff"/>
+              </a:solidFill>
+              <a:latin typeface="Arial"/>
+            </a:endParaRPr>
+          </a:p>
+          <a:p>
+            <a:pPr algn="ctr">
+              <a:lnSpc>
+                <a:spcPct val="100000"/>
+              </a:lnSpc>
+            </a:pPr>
+            <a:r>
+              <a:rPr b="0" lang="en-US" sz="1400" spc="-1" strike="noStrike">
+                <a:solidFill>
+                  <a:srgbClr val="78ffc8"/>
+                </a:solidFill>
+                <a:latin typeface="Consolas"/>
+                <a:ea typeface="DejaVu Sans"/>
+              </a:rPr>
+              <a:t>int device = 1991;</a:t>
+            </a:r>
+            <a:endParaRPr b="0" lang="en-US" sz="1400" spc="-1" strike="noStrike">
+              <a:solidFill>
+                <a:srgbClr val="ffffff"/>
+              </a:solidFill>
+              <a:latin typeface="Arial"/>
+            </a:endParaRPr>
+          </a:p>
+          <a:p>
+            <a:pPr algn="ctr">
+              <a:lnSpc>
+                <a:spcPct val="100000"/>
+              </a:lnSpc>
+            </a:pPr>
+            <a:endParaRPr b="0" lang="en-US" sz="1400" spc="-1" strike="noStrike">
+              <a:solidFill>
+                <a:srgbClr val="ffffff"/>
+              </a:solidFill>
+              <a:latin typeface="Arial"/>
+            </a:endParaRPr>
+          </a:p>
+          <a:p>
+            <a:pPr algn="ctr">
+              <a:lnSpc>
+                <a:spcPct val="100000"/>
+              </a:lnSpc>
+            </a:pPr>
+            <a:r>
+              <a:rPr b="0" lang="en-US" sz="1400" spc="-1" strike="noStrike">
+                <a:solidFill>
+                  <a:srgbClr val="78ffc8"/>
+                </a:solidFill>
+                <a:latin typeface="Consolas"/>
+                <a:ea typeface="DejaVu Sans"/>
+              </a:rPr>
+              <a:t>if (device != 1995) {</a:t>
+            </a:r>
+            <a:endParaRPr b="0" lang="en-US" sz="1400" spc="-1" strike="noStrike">
+              <a:solidFill>
+                <a:srgbClr val="ffffff"/>
+              </a:solidFill>
+              <a:latin typeface="Arial"/>
+            </a:endParaRPr>
+          </a:p>
+          <a:p>
+            <a:pPr algn="ctr">
+              <a:lnSpc>
+                <a:spcPct val="100000"/>
+              </a:lnSpc>
+            </a:pPr>
+            <a:r>
+              <a:rPr b="0" lang="en-US" sz="1400" spc="-1" strike="noStrike">
+                <a:solidFill>
+                  <a:srgbClr val="78ffc8"/>
+                </a:solidFill>
+                <a:latin typeface="Consolas"/>
+                <a:ea typeface="DejaVu Sans"/>
+              </a:rPr>
+              <a:t>    </a:t>
+            </a:r>
+            <a:r>
+              <a:rPr b="0" lang="en-US" sz="1400" spc="-1" strike="noStrike">
+                <a:solidFill>
+                  <a:srgbClr val="78ffc8"/>
+                </a:solidFill>
+                <a:latin typeface="Consolas"/>
+                <a:ea typeface="DejaVu Sans"/>
+              </a:rPr>
+              <a:t>System.out.println("Rewrite the software!");</a:t>
+            </a:r>
+            <a:endParaRPr b="0" lang="en-US" sz="1400" spc="-1" strike="noStrike">
+              <a:solidFill>
+                <a:srgbClr val="ffffff"/>
+              </a:solidFill>
+              <a:latin typeface="Arial"/>
+            </a:endParaRPr>
+          </a:p>
+          <a:p>
+            <a:pPr algn="ctr">
+              <a:lnSpc>
+                <a:spcPct val="100000"/>
+              </a:lnSpc>
+            </a:pPr>
+            <a:r>
+              <a:rPr b="0" lang="en-US" sz="1400" spc="-1" strike="noStrike">
+                <a:solidFill>
+                  <a:srgbClr val="78ffc8"/>
+                </a:solidFill>
+                <a:latin typeface="Consolas"/>
+                <a:ea typeface="DejaVu Sans"/>
+              </a:rPr>
+              <a:t>}</a:t>
+            </a:r>
+            <a:endParaRPr b="0" lang="en-US" sz="1400" spc="-1" strike="noStrike">
+              <a:solidFill>
+                <a:srgbClr val="ffffff"/>
+              </a:solidFill>
+              <a:latin typeface="Arial"/>
+            </a:endParaRPr>
+          </a:p>
+          <a:p>
+            <a:pPr algn="ctr">
+              <a:lnSpc>
+                <a:spcPct val="100000"/>
+              </a:lnSpc>
+            </a:pPr>
+            <a:r>
+              <a:rPr b="0" lang="en-US" sz="1100" spc="-1" strike="noStrike">
+                <a:solidFill>
+                  <a:srgbClr val="78ffc8"/>
+                </a:solidFill>
+                <a:latin typeface="Consolas"/>
+                <a:ea typeface="DejaVu Sans"/>
+              </a:rPr>
+              <a:t> </a:t>
+            </a:r>
+            <a:endParaRPr b="0" lang="en-US" sz="1100" spc="-1" strike="noStrike">
+              <a:solidFill>
+                <a:srgbClr val="ffffff"/>
+              </a:solidFill>
+              <a:latin typeface="Arial"/>
+            </a:endParaRPr>
+          </a:p>
+          <a:p>
+            <a:pPr algn="ctr">
+              <a:lnSpc>
+                <a:spcPct val="100000"/>
+              </a:lnSpc>
+            </a:pPr>
+            <a:endParaRPr b="0" lang="en-US" sz="1800" spc="-1" strike="noStrike">
+              <a:solidFill>
+                <a:srgbClr val="ffffff"/>
+              </a:solidFill>
+              <a:latin typeface="Arial"/>
+            </a:endParaRPr>
+          </a:p>
+        </p:txBody>
+      </p:sp>
+      <p:sp>
+        <p:nvSpPr>
+          <p:cNvPr id="170" name="TextBox 15"/>
+          <p:cNvSpPr/>
+          <p:nvPr/>
+        </p:nvSpPr>
+        <p:spPr>
+          <a:xfrm>
+            <a:off x="4600080" y="6446520"/>
+            <a:ext cx="3051000" cy="363960"/>
+          </a:xfrm>
+          <a:prstGeom prst="rect">
+            <a:avLst/>
+          </a:prstGeom>
+          <a:noFill/>
+          <a:ln w="0">
+            <a:noFill/>
+          </a:ln>
+        </p:spPr>
+        <p:style>
+          <a:lnRef idx="0"/>
+          <a:fillRef idx="0"/>
+          <a:effectRef idx="0"/>
+          <a:fontRef idx="minor"/>
+        </p:style>
+        <p:txBody>
+          <a:bodyPr wrap="none" lIns="90000" rIns="90000" tIns="45000" bIns="45000" anchor="t">
+            <a:spAutoFit/>
+          </a:bodyPr>
+          <a:p>
+            <a:pPr>
+              <a:lnSpc>
+                <a:spcPct val="100000"/>
+              </a:lnSpc>
+            </a:pPr>
+            <a:r>
+              <a:rPr b="0" lang="en-US" sz="1800" spc="-1" strike="noStrike">
+                <a:solidFill>
+                  <a:srgbClr val="000000"/>
+                </a:solidFill>
+                <a:latin typeface="Calibri"/>
+                <a:ea typeface="DejaVu Sans"/>
+              </a:rPr>
+              <a:t>Java • Ultra Premium Template</a:t>
+            </a:r>
+            <a:endParaRPr b="0" lang="en-US" sz="1800" spc="-1" strike="noStrike">
+              <a:solidFill>
+                <a:srgbClr val="000000"/>
+              </a:solidFill>
+              <a:latin typeface="Arial"/>
+            </a:endParaRPr>
+          </a:p>
+        </p:txBody>
+      </p:sp>
+    </p:spTree>
+  </p:cSld>
+  <mc:AlternateContent>
+    <mc:Choice Requires="p14">
+      <p:transition spd="slow" p14:dur="2000"/>
+    </mc:Choice>
+    <mc:Fallback>
+      <p:transition spd="slow"/>
+    </mc:Fallback>
+  </mc:AlternateContent>
+</p:sld>
+</file>
+
+<file path=ppt/slides/slide6.xml><?xml version="1.0" encoding="utf-8"?>
+<p:sld xmlns:a="http://schemas.openxmlformats.org/drawingml/2006/main" xmlns:p="http://schemas.openxmlformats.org/presentationml/2006/main" xmlns:r="http://schemas.openxmlformats.org/officeDocument/2006/relationships" xmlns:p14="http://schemas.microsoft.com/office/powerpoint/2010/main" xmlns:p15="http://schemas.microsoft.com/office/powerpoint/2012/main" xmlns:mc="http://schemas.openxmlformats.org/markup-compatibility/2006">
+  <p:cSld>
+    <p:spTree>
+      <p:nvGrpSpPr>
+        <p:cNvPr id="1" name=""/>
+        <p:cNvGrpSpPr/>
+        <p:nvPr/>
+      </p:nvGrpSpPr>
+      <p:grpSpPr>
+        <a:xfrm>
+          <a:off x="0" y="0"/>
+          <a:ext cx="0" cy="0"/>
+          <a:chOff x="0" y="0"/>
+          <a:chExt cx="0" cy="0"/>
+        </a:xfrm>
+      </p:grpSpPr>
+      <p:sp>
+        <p:nvSpPr>
+          <p:cNvPr id="171" name="Rectangle 81"/>
+          <p:cNvSpPr/>
+          <p:nvPr/>
+        </p:nvSpPr>
+        <p:spPr>
+          <a:xfrm>
+            <a:off x="0" y="0"/>
+            <a:ext cx="12185280" cy="6854400"/>
+          </a:xfrm>
+          <a:prstGeom prst="rect">
+            <a:avLst/>
+          </a:prstGeom>
+          <a:solidFill>
+            <a:srgbClr val="0b0b0d"/>
+          </a:solidFill>
+          <a:ln>
+            <a:noFill/>
+          </a:ln>
+          <a:effectLst>
+            <a:outerShdw blurRad="39960" dir="5400000" dist="23040" rotWithShape="0">
+              <a:srgbClr val="000000">
+                <a:alpha val="35000"/>
+              </a:srgbClr>
+            </a:outerShdw>
+          </a:effectLst>
+        </p:spPr>
+        <p:style>
+          <a:lnRef idx="1">
+            <a:schemeClr val="accent1"/>
+          </a:lnRef>
+          <a:fillRef idx="3">
+            <a:schemeClr val="accent1"/>
+          </a:fillRef>
+          <a:effectRef idx="2">
+            <a:schemeClr val="accent1"/>
+          </a:effectRef>
+          <a:fontRef idx="minor"/>
+        </p:style>
+        <p:txBody>
+          <a:bodyPr lIns="90000" rIns="90000" tIns="45000" bIns="45000" anchor="ctr">
+            <a:noAutofit/>
+          </a:bodyPr>
+          <a:p>
+            <a:endParaRPr b="0" lang="en-US" sz="1800" spc="-1" strike="noStrike">
+              <a:solidFill>
+                <a:schemeClr val="lt1"/>
+              </a:solidFill>
+              <a:latin typeface="Calibri"/>
+              <a:ea typeface="DejaVu Sans"/>
+            </a:endParaRPr>
+          </a:p>
+        </p:txBody>
+      </p:sp>
+      <p:sp>
+        <p:nvSpPr>
+          <p:cNvPr id="172" name="Rectangle 82"/>
+          <p:cNvSpPr/>
+          <p:nvPr/>
+        </p:nvSpPr>
+        <p:spPr>
+          <a:xfrm>
+            <a:off x="0" y="0"/>
+            <a:ext cx="14760" cy="6854400"/>
+          </a:xfrm>
+          <a:prstGeom prst="rect">
+            <a:avLst/>
+          </a:prstGeom>
+          <a:solidFill>
+            <a:srgbClr val="121216"/>
+          </a:solidFill>
+          <a:ln>
+            <a:noFill/>
+          </a:ln>
+          <a:effectLst>
+            <a:outerShdw blurRad="39960" dir="5400000" dist="23040" rotWithShape="0">
+              <a:srgbClr val="000000">
+                <a:alpha val="35000"/>
+              </a:srgbClr>
+            </a:outerShdw>
+          </a:effectLst>
+        </p:spPr>
+        <p:style>
+          <a:lnRef idx="1">
+            <a:schemeClr val="accent1"/>
+          </a:lnRef>
+          <a:fillRef idx="3">
+            <a:schemeClr val="accent1"/>
+          </a:fillRef>
+          <a:effectRef idx="2">
+            <a:schemeClr val="accent1"/>
+          </a:effectRef>
+          <a:fontRef idx="minor"/>
+        </p:style>
+        <p:txBody>
+          <a:bodyPr lIns="90000" rIns="90000" tIns="45000" bIns="45000" anchor="ctr">
+            <a:noAutofit/>
+          </a:bodyPr>
+          <a:p>
+            <a:endParaRPr b="0" lang="en-US" sz="1800" spc="-1" strike="noStrike">
+              <a:solidFill>
+                <a:schemeClr val="lt1"/>
+              </a:solidFill>
+              <a:latin typeface="Calibri"/>
+              <a:ea typeface="DejaVu Sans"/>
+            </a:endParaRPr>
+          </a:p>
+        </p:txBody>
+      </p:sp>
+      <p:sp>
+        <p:nvSpPr>
+          <p:cNvPr id="173" name="Rectangle 83"/>
+          <p:cNvSpPr/>
+          <p:nvPr/>
+        </p:nvSpPr>
+        <p:spPr>
+          <a:xfrm>
+            <a:off x="914400" y="0"/>
+            <a:ext cx="14760" cy="6854400"/>
+          </a:xfrm>
+          <a:prstGeom prst="rect">
+            <a:avLst/>
+          </a:prstGeom>
+          <a:solidFill>
+            <a:srgbClr val="121216"/>
+          </a:solidFill>
+          <a:ln>
+            <a:noFill/>
+          </a:ln>
+          <a:effectLst>
+            <a:outerShdw blurRad="39960" dir="5400000" dist="23040" rotWithShape="0">
+              <a:srgbClr val="000000">
+                <a:alpha val="35000"/>
+              </a:srgbClr>
+            </a:outerShdw>
+          </a:effectLst>
+        </p:spPr>
+        <p:style>
+          <a:lnRef idx="1">
+            <a:schemeClr val="accent1"/>
+          </a:lnRef>
+          <a:fillRef idx="3">
+            <a:schemeClr val="accent1"/>
+          </a:fillRef>
+          <a:effectRef idx="2">
+            <a:schemeClr val="accent1"/>
+          </a:effectRef>
+          <a:fontRef idx="minor"/>
+        </p:style>
+        <p:txBody>
+          <a:bodyPr lIns="90000" rIns="90000" tIns="45000" bIns="45000" anchor="ctr">
+            <a:noAutofit/>
+          </a:bodyPr>
+          <a:p>
+            <a:endParaRPr b="0" lang="en-US" sz="1800" spc="-1" strike="noStrike">
+              <a:solidFill>
+                <a:schemeClr val="lt1"/>
+              </a:solidFill>
+              <a:latin typeface="Calibri"/>
+              <a:ea typeface="DejaVu Sans"/>
+            </a:endParaRPr>
+          </a:p>
+        </p:txBody>
+      </p:sp>
+      <p:sp>
+        <p:nvSpPr>
+          <p:cNvPr id="174" name="Rectangle 84"/>
+          <p:cNvSpPr/>
+          <p:nvPr/>
+        </p:nvSpPr>
+        <p:spPr>
+          <a:xfrm>
+            <a:off x="1828800" y="0"/>
+            <a:ext cx="14760" cy="6854400"/>
+          </a:xfrm>
+          <a:prstGeom prst="rect">
+            <a:avLst/>
+          </a:prstGeom>
+          <a:solidFill>
+            <a:srgbClr val="121216"/>
+          </a:solidFill>
+          <a:ln>
+            <a:noFill/>
+          </a:ln>
+          <a:effectLst>
+            <a:outerShdw blurRad="39960" dir="5400000" dist="23040" rotWithShape="0">
+              <a:srgbClr val="000000">
+                <a:alpha val="35000"/>
+              </a:srgbClr>
+            </a:outerShdw>
+          </a:effectLst>
+        </p:spPr>
+        <p:style>
+          <a:lnRef idx="1">
+            <a:schemeClr val="accent1"/>
+          </a:lnRef>
+          <a:fillRef idx="3">
+            <a:schemeClr val="accent1"/>
+          </a:fillRef>
+          <a:effectRef idx="2">
+            <a:schemeClr val="accent1"/>
+          </a:effectRef>
+          <a:fontRef idx="minor"/>
+        </p:style>
+        <p:txBody>
+          <a:bodyPr lIns="90000" rIns="90000" tIns="45000" bIns="45000" anchor="ctr">
+            <a:noAutofit/>
+          </a:bodyPr>
+          <a:p>
+            <a:endParaRPr b="0" lang="en-US" sz="1800" spc="-1" strike="noStrike">
+              <a:solidFill>
+                <a:schemeClr val="lt1"/>
+              </a:solidFill>
+              <a:latin typeface="Calibri"/>
+              <a:ea typeface="DejaVu Sans"/>
+            </a:endParaRPr>
+          </a:p>
+        </p:txBody>
+      </p:sp>
+      <p:sp>
+        <p:nvSpPr>
+          <p:cNvPr id="175" name="Rectangle 85"/>
+          <p:cNvSpPr/>
+          <p:nvPr/>
+        </p:nvSpPr>
+        <p:spPr>
+          <a:xfrm>
+            <a:off x="2743200" y="0"/>
+            <a:ext cx="14760" cy="6854400"/>
+          </a:xfrm>
+          <a:prstGeom prst="rect">
+            <a:avLst/>
+          </a:prstGeom>
+          <a:solidFill>
+            <a:srgbClr val="121216"/>
+          </a:solidFill>
+          <a:ln>
+            <a:noFill/>
+          </a:ln>
+          <a:effectLst>
+            <a:outerShdw blurRad="39960" dir="5400000" dist="23040" rotWithShape="0">
+              <a:srgbClr val="000000">
+                <a:alpha val="35000"/>
+              </a:srgbClr>
+            </a:outerShdw>
+          </a:effectLst>
+        </p:spPr>
+        <p:style>
+          <a:lnRef idx="1">
+            <a:schemeClr val="accent1"/>
+          </a:lnRef>
+          <a:fillRef idx="3">
+            <a:schemeClr val="accent1"/>
+          </a:fillRef>
+          <a:effectRef idx="2">
+            <a:schemeClr val="accent1"/>
+          </a:effectRef>
+          <a:fontRef idx="minor"/>
+        </p:style>
+        <p:txBody>
+          <a:bodyPr lIns="90000" rIns="90000" tIns="45000" bIns="45000" anchor="ctr">
+            <a:noAutofit/>
+          </a:bodyPr>
+          <a:p>
+            <a:endParaRPr b="0" lang="en-US" sz="1800" spc="-1" strike="noStrike">
+              <a:solidFill>
+                <a:schemeClr val="lt1"/>
+              </a:solidFill>
+              <a:latin typeface="Calibri"/>
+              <a:ea typeface="DejaVu Sans"/>
+            </a:endParaRPr>
+          </a:p>
+        </p:txBody>
+      </p:sp>
+      <p:sp>
+        <p:nvSpPr>
+          <p:cNvPr id="176" name="Rectangle 86"/>
+          <p:cNvSpPr/>
+          <p:nvPr/>
+        </p:nvSpPr>
+        <p:spPr>
+          <a:xfrm>
+            <a:off x="3657600" y="0"/>
+            <a:ext cx="14760" cy="6854400"/>
+          </a:xfrm>
+          <a:prstGeom prst="rect">
+            <a:avLst/>
+          </a:prstGeom>
+          <a:solidFill>
+            <a:srgbClr val="121216"/>
+          </a:solidFill>
+          <a:ln>
+            <a:noFill/>
+          </a:ln>
+          <a:effectLst>
+            <a:outerShdw blurRad="39960" dir="5400000" dist="23040" rotWithShape="0">
+              <a:srgbClr val="000000">
+                <a:alpha val="35000"/>
+              </a:srgbClr>
+            </a:outerShdw>
+          </a:effectLst>
+        </p:spPr>
+        <p:style>
+          <a:lnRef idx="1">
+            <a:schemeClr val="accent1"/>
+          </a:lnRef>
+          <a:fillRef idx="3">
+            <a:schemeClr val="accent1"/>
+          </a:fillRef>
+          <a:effectRef idx="2">
+            <a:schemeClr val="accent1"/>
+          </a:effectRef>
+          <a:fontRef idx="minor"/>
+        </p:style>
+        <p:txBody>
+          <a:bodyPr lIns="90000" rIns="90000" tIns="45000" bIns="45000" anchor="ctr">
+            <a:noAutofit/>
+          </a:bodyPr>
+          <a:p>
+            <a:endParaRPr b="0" lang="en-US" sz="1800" spc="-1" strike="noStrike">
+              <a:solidFill>
+                <a:schemeClr val="lt1"/>
+              </a:solidFill>
+              <a:latin typeface="Calibri"/>
+              <a:ea typeface="DejaVu Sans"/>
+            </a:endParaRPr>
+          </a:p>
+        </p:txBody>
+      </p:sp>
+      <p:sp>
+        <p:nvSpPr>
+          <p:cNvPr id="177" name="Rectangle 87"/>
+          <p:cNvSpPr/>
+          <p:nvPr/>
+        </p:nvSpPr>
+        <p:spPr>
+          <a:xfrm>
+            <a:off x="4572000" y="0"/>
+            <a:ext cx="14760" cy="6854400"/>
+          </a:xfrm>
+          <a:prstGeom prst="rect">
+            <a:avLst/>
+          </a:prstGeom>
+          <a:solidFill>
+            <a:srgbClr val="121216"/>
+          </a:solidFill>
+          <a:ln>
+            <a:noFill/>
+          </a:ln>
+          <a:effectLst>
+            <a:outerShdw blurRad="39960" dir="5400000" dist="23040" rotWithShape="0">
+              <a:srgbClr val="000000">
+                <a:alpha val="35000"/>
+              </a:srgbClr>
+            </a:outerShdw>
+          </a:effectLst>
+        </p:spPr>
+        <p:style>
+          <a:lnRef idx="1">
+            <a:schemeClr val="accent1"/>
+          </a:lnRef>
+          <a:fillRef idx="3">
+            <a:schemeClr val="accent1"/>
+          </a:fillRef>
+          <a:effectRef idx="2">
+            <a:schemeClr val="accent1"/>
+          </a:effectRef>
+          <a:fontRef idx="minor"/>
+        </p:style>
+        <p:txBody>
+          <a:bodyPr lIns="90000" rIns="90000" tIns="45000" bIns="45000" anchor="ctr">
+            <a:noAutofit/>
+          </a:bodyPr>
+          <a:p>
+            <a:endParaRPr b="0" lang="en-US" sz="1800" spc="-1" strike="noStrike">
+              <a:solidFill>
+                <a:schemeClr val="lt1"/>
+              </a:solidFill>
+              <a:latin typeface="Calibri"/>
+              <a:ea typeface="DejaVu Sans"/>
+            </a:endParaRPr>
+          </a:p>
+        </p:txBody>
+      </p:sp>
+      <p:sp>
+        <p:nvSpPr>
+          <p:cNvPr id="178" name="Rectangle 88"/>
+          <p:cNvSpPr/>
+          <p:nvPr/>
+        </p:nvSpPr>
+        <p:spPr>
+          <a:xfrm>
+            <a:off x="5486400" y="0"/>
+            <a:ext cx="14760" cy="6854400"/>
+          </a:xfrm>
+          <a:prstGeom prst="rect">
+            <a:avLst/>
+          </a:prstGeom>
+          <a:solidFill>
+            <a:srgbClr val="121216"/>
+          </a:solidFill>
+          <a:ln>
+            <a:noFill/>
+          </a:ln>
+          <a:effectLst>
+            <a:outerShdw blurRad="39960" dir="5400000" dist="23040" rotWithShape="0">
+              <a:srgbClr val="000000">
+                <a:alpha val="35000"/>
+              </a:srgbClr>
+            </a:outerShdw>
+          </a:effectLst>
+        </p:spPr>
+        <p:style>
+          <a:lnRef idx="1">
+            <a:schemeClr val="accent1"/>
+          </a:lnRef>
+          <a:fillRef idx="3">
+            <a:schemeClr val="accent1"/>
+          </a:fillRef>
+          <a:effectRef idx="2">
+            <a:schemeClr val="accent1"/>
+          </a:effectRef>
+          <a:fontRef idx="minor"/>
+        </p:style>
+        <p:txBody>
+          <a:bodyPr lIns="90000" rIns="90000" tIns="45000" bIns="45000" anchor="ctr">
+            <a:noAutofit/>
+          </a:bodyPr>
+          <a:p>
+            <a:endParaRPr b="0" lang="en-US" sz="1800" spc="-1" strike="noStrike">
+              <a:solidFill>
+                <a:schemeClr val="lt1"/>
+              </a:solidFill>
+              <a:latin typeface="Calibri"/>
+              <a:ea typeface="DejaVu Sans"/>
+            </a:endParaRPr>
+          </a:p>
+        </p:txBody>
+      </p:sp>
+      <p:sp>
+        <p:nvSpPr>
+          <p:cNvPr id="179" name="Rectangle 89"/>
+          <p:cNvSpPr/>
+          <p:nvPr/>
+        </p:nvSpPr>
+        <p:spPr>
+          <a:xfrm>
+            <a:off x="6400800" y="0"/>
+            <a:ext cx="14760" cy="6854400"/>
+          </a:xfrm>
+          <a:prstGeom prst="rect">
+            <a:avLst/>
+          </a:prstGeom>
+          <a:solidFill>
+            <a:srgbClr val="121216"/>
+          </a:solidFill>
+          <a:ln>
+            <a:noFill/>
+          </a:ln>
+          <a:effectLst>
+            <a:outerShdw blurRad="39960" dir="5400000" dist="23040" rotWithShape="0">
+              <a:srgbClr val="000000">
+                <a:alpha val="35000"/>
+              </a:srgbClr>
+            </a:outerShdw>
+          </a:effectLst>
+        </p:spPr>
+        <p:style>
+          <a:lnRef idx="1">
+            <a:schemeClr val="accent1"/>
+          </a:lnRef>
+          <a:fillRef idx="3">
+            <a:schemeClr val="accent1"/>
+          </a:fillRef>
+          <a:effectRef idx="2">
+            <a:schemeClr val="accent1"/>
+          </a:effectRef>
+          <a:fontRef idx="minor"/>
+        </p:style>
+        <p:txBody>
+          <a:bodyPr lIns="90000" rIns="90000" tIns="45000" bIns="45000" anchor="ctr">
+            <a:noAutofit/>
+          </a:bodyPr>
+          <a:p>
+            <a:endParaRPr b="0" lang="en-US" sz="1800" spc="-1" strike="noStrike">
+              <a:solidFill>
+                <a:schemeClr val="lt1"/>
+              </a:solidFill>
+              <a:latin typeface="Calibri"/>
+              <a:ea typeface="DejaVu Sans"/>
+            </a:endParaRPr>
+          </a:p>
+        </p:txBody>
+      </p:sp>
+      <p:sp>
+        <p:nvSpPr>
+          <p:cNvPr id="180" name="Rectangle 90"/>
+          <p:cNvSpPr/>
+          <p:nvPr/>
+        </p:nvSpPr>
+        <p:spPr>
+          <a:xfrm>
+            <a:off x="7315200" y="0"/>
+            <a:ext cx="14760" cy="6854400"/>
+          </a:xfrm>
+          <a:prstGeom prst="rect">
+            <a:avLst/>
+          </a:prstGeom>
+          <a:solidFill>
+            <a:srgbClr val="121216"/>
+          </a:solidFill>
+          <a:ln>
+            <a:noFill/>
+          </a:ln>
+          <a:effectLst>
+            <a:outerShdw blurRad="39960" dir="5400000" dist="23040" rotWithShape="0">
+              <a:srgbClr val="000000">
+                <a:alpha val="35000"/>
+              </a:srgbClr>
+            </a:outerShdw>
+          </a:effectLst>
+        </p:spPr>
+        <p:style>
+          <a:lnRef idx="1">
+            <a:schemeClr val="accent1"/>
+          </a:lnRef>
+          <a:fillRef idx="3">
+            <a:schemeClr val="accent1"/>
+          </a:fillRef>
+          <a:effectRef idx="2">
+            <a:schemeClr val="accent1"/>
+          </a:effectRef>
+          <a:fontRef idx="minor"/>
+        </p:style>
+        <p:txBody>
+          <a:bodyPr lIns="90000" rIns="90000" tIns="45000" bIns="45000" anchor="ctr">
+            <a:noAutofit/>
+          </a:bodyPr>
+          <a:p>
+            <a:endParaRPr b="0" lang="en-US" sz="1800" spc="-1" strike="noStrike">
+              <a:solidFill>
+                <a:schemeClr val="lt1"/>
+              </a:solidFill>
+              <a:latin typeface="Calibri"/>
+              <a:ea typeface="DejaVu Sans"/>
+            </a:endParaRPr>
+          </a:p>
+        </p:txBody>
+      </p:sp>
+      <p:sp>
+        <p:nvSpPr>
+          <p:cNvPr id="181" name="Rectangle 91"/>
+          <p:cNvSpPr/>
+          <p:nvPr/>
+        </p:nvSpPr>
+        <p:spPr>
+          <a:xfrm>
+            <a:off x="8229600" y="0"/>
+            <a:ext cx="14760" cy="6854400"/>
+          </a:xfrm>
+          <a:prstGeom prst="rect">
+            <a:avLst/>
+          </a:prstGeom>
+          <a:solidFill>
+            <a:srgbClr val="121216"/>
+          </a:solidFill>
+          <a:ln>
+            <a:noFill/>
+          </a:ln>
+          <a:effectLst>
+            <a:outerShdw blurRad="39960" dir="5400000" dist="23040" rotWithShape="0">
+              <a:srgbClr val="000000">
+                <a:alpha val="35000"/>
+              </a:srgbClr>
+            </a:outerShdw>
+          </a:effectLst>
+        </p:spPr>
+        <p:style>
+          <a:lnRef idx="1">
+            <a:schemeClr val="accent1"/>
+          </a:lnRef>
+          <a:fillRef idx="3">
+            <a:schemeClr val="accent1"/>
+          </a:fillRef>
+          <a:effectRef idx="2">
+            <a:schemeClr val="accent1"/>
+          </a:effectRef>
+          <a:fontRef idx="minor"/>
+        </p:style>
+        <p:txBody>
+          <a:bodyPr lIns="90000" rIns="90000" tIns="45000" bIns="45000" anchor="ctr">
+            <a:noAutofit/>
+          </a:bodyPr>
+          <a:p>
+            <a:endParaRPr b="0" lang="en-US" sz="1800" spc="-1" strike="noStrike">
+              <a:solidFill>
+                <a:schemeClr val="lt1"/>
+              </a:solidFill>
+              <a:latin typeface="Calibri"/>
+              <a:ea typeface="DejaVu Sans"/>
+            </a:endParaRPr>
+          </a:p>
+        </p:txBody>
+      </p:sp>
+      <p:sp>
+        <p:nvSpPr>
+          <p:cNvPr id="182" name="Rectangle 92"/>
+          <p:cNvSpPr/>
+          <p:nvPr/>
+        </p:nvSpPr>
+        <p:spPr>
+          <a:xfrm>
+            <a:off x="9144000" y="0"/>
+            <a:ext cx="14760" cy="6854400"/>
+          </a:xfrm>
+          <a:prstGeom prst="rect">
+            <a:avLst/>
+          </a:prstGeom>
+          <a:solidFill>
+            <a:srgbClr val="121216"/>
+          </a:solidFill>
+          <a:ln>
+            <a:noFill/>
+          </a:ln>
+          <a:effectLst>
+            <a:outerShdw blurRad="39960" dir="5400000" dist="23040" rotWithShape="0">
+              <a:srgbClr val="000000">
+                <a:alpha val="35000"/>
+              </a:srgbClr>
+            </a:outerShdw>
+          </a:effectLst>
+        </p:spPr>
+        <p:style>
+          <a:lnRef idx="1">
+            <a:schemeClr val="accent1"/>
+          </a:lnRef>
+          <a:fillRef idx="3">
+            <a:schemeClr val="accent1"/>
+          </a:fillRef>
+          <a:effectRef idx="2">
+            <a:schemeClr val="accent1"/>
+          </a:effectRef>
+          <a:fontRef idx="minor"/>
+        </p:style>
+        <p:txBody>
+          <a:bodyPr lIns="90000" rIns="90000" tIns="45000" bIns="45000" anchor="ctr">
+            <a:noAutofit/>
+          </a:bodyPr>
+          <a:p>
+            <a:endParaRPr b="0" lang="en-US" sz="1800" spc="-1" strike="noStrike">
+              <a:solidFill>
+                <a:schemeClr val="lt1"/>
+              </a:solidFill>
+              <a:latin typeface="Calibri"/>
+              <a:ea typeface="DejaVu Sans"/>
+            </a:endParaRPr>
+          </a:p>
+        </p:txBody>
+      </p:sp>
+      <p:sp>
+        <p:nvSpPr>
+          <p:cNvPr id="183" name="Rectangle 93"/>
+          <p:cNvSpPr/>
+          <p:nvPr/>
+        </p:nvSpPr>
+        <p:spPr>
+          <a:xfrm>
+            <a:off x="10058400" y="0"/>
+            <a:ext cx="14760" cy="6854400"/>
+          </a:xfrm>
+          <a:prstGeom prst="rect">
+            <a:avLst/>
+          </a:prstGeom>
+          <a:solidFill>
+            <a:srgbClr val="121216"/>
+          </a:solidFill>
+          <a:ln>
+            <a:noFill/>
+          </a:ln>
+          <a:effectLst>
+            <a:outerShdw blurRad="39960" dir="5400000" dist="23040" rotWithShape="0">
+              <a:srgbClr val="000000">
+                <a:alpha val="35000"/>
+              </a:srgbClr>
+            </a:outerShdw>
+          </a:effectLst>
+        </p:spPr>
+        <p:style>
+          <a:lnRef idx="1">
+            <a:schemeClr val="accent1"/>
+          </a:lnRef>
+          <a:fillRef idx="3">
+            <a:schemeClr val="accent1"/>
+          </a:fillRef>
+          <a:effectRef idx="2">
+            <a:schemeClr val="accent1"/>
+          </a:effectRef>
+          <a:fontRef idx="minor"/>
+        </p:style>
+        <p:txBody>
+          <a:bodyPr lIns="90000" rIns="90000" tIns="45000" bIns="45000" anchor="ctr">
+            <a:noAutofit/>
+          </a:bodyPr>
+          <a:p>
+            <a:endParaRPr b="0" lang="en-US" sz="1800" spc="-1" strike="noStrike">
+              <a:solidFill>
+                <a:schemeClr val="lt1"/>
+              </a:solidFill>
+              <a:latin typeface="Calibri"/>
+              <a:ea typeface="DejaVu Sans"/>
+            </a:endParaRPr>
+          </a:p>
+        </p:txBody>
+      </p:sp>
+      <p:sp>
+        <p:nvSpPr>
+          <p:cNvPr id="184" name="Rectangle 94"/>
+          <p:cNvSpPr/>
+          <p:nvPr/>
+        </p:nvSpPr>
+        <p:spPr>
+          <a:xfrm>
+            <a:off x="10972800" y="0"/>
+            <a:ext cx="14760" cy="6854400"/>
+          </a:xfrm>
+          <a:prstGeom prst="rect">
+            <a:avLst/>
+          </a:prstGeom>
+          <a:solidFill>
+            <a:srgbClr val="121216"/>
+          </a:solidFill>
+          <a:ln>
+            <a:noFill/>
+          </a:ln>
+          <a:effectLst>
+            <a:outerShdw blurRad="39960" dir="5400000" dist="23040" rotWithShape="0">
+              <a:srgbClr val="000000">
+                <a:alpha val="35000"/>
+              </a:srgbClr>
+            </a:outerShdw>
+          </a:effectLst>
+        </p:spPr>
+        <p:style>
+          <a:lnRef idx="1">
+            <a:schemeClr val="accent1"/>
+          </a:lnRef>
+          <a:fillRef idx="3">
+            <a:schemeClr val="accent1"/>
+          </a:fillRef>
+          <a:effectRef idx="2">
+            <a:schemeClr val="accent1"/>
+          </a:effectRef>
+          <a:fontRef idx="minor"/>
+        </p:style>
+        <p:txBody>
+          <a:bodyPr lIns="90000" rIns="90000" tIns="45000" bIns="45000" anchor="ctr">
+            <a:noAutofit/>
+          </a:bodyPr>
+          <a:p>
+            <a:endParaRPr b="0" lang="en-US" sz="1800" spc="-1" strike="noStrike">
+              <a:solidFill>
+                <a:schemeClr val="lt1"/>
+              </a:solidFill>
+              <a:latin typeface="Calibri"/>
+              <a:ea typeface="DejaVu Sans"/>
+            </a:endParaRPr>
+          </a:p>
+        </p:txBody>
+      </p:sp>
+      <p:sp>
+        <p:nvSpPr>
+          <p:cNvPr id="185" name="Rectangle 95"/>
+          <p:cNvSpPr/>
+          <p:nvPr/>
+        </p:nvSpPr>
+        <p:spPr>
+          <a:xfrm>
+            <a:off x="11887200" y="0"/>
+            <a:ext cx="14760" cy="6854400"/>
+          </a:xfrm>
+          <a:prstGeom prst="rect">
+            <a:avLst/>
+          </a:prstGeom>
+          <a:solidFill>
+            <a:srgbClr val="121216"/>
+          </a:solidFill>
+          <a:ln>
+            <a:noFill/>
+          </a:ln>
+          <a:effectLst>
+            <a:outerShdw blurRad="39960" dir="5400000" dist="23040" rotWithShape="0">
+              <a:srgbClr val="000000">
+                <a:alpha val="35000"/>
+              </a:srgbClr>
+            </a:outerShdw>
+          </a:effectLst>
+        </p:spPr>
+        <p:style>
+          <a:lnRef idx="1">
+            <a:schemeClr val="accent1"/>
+          </a:lnRef>
+          <a:fillRef idx="3">
+            <a:schemeClr val="accent1"/>
+          </a:fillRef>
+          <a:effectRef idx="2">
+            <a:schemeClr val="accent1"/>
+          </a:effectRef>
+          <a:fontRef idx="minor"/>
+        </p:style>
+        <p:txBody>
+          <a:bodyPr lIns="90000" rIns="90000" tIns="45000" bIns="45000" anchor="ctr">
+            <a:noAutofit/>
+          </a:bodyPr>
+          <a:p>
+            <a:endParaRPr b="0" lang="en-US" sz="1800" spc="-1" strike="noStrike">
+              <a:solidFill>
+                <a:schemeClr val="lt1"/>
+              </a:solidFill>
+              <a:latin typeface="Calibri"/>
+              <a:ea typeface="DejaVu Sans"/>
+            </a:endParaRPr>
+          </a:p>
+        </p:txBody>
+      </p:sp>
+      <p:sp>
+        <p:nvSpPr>
+          <p:cNvPr id="186" name="Rectangle 96"/>
+          <p:cNvSpPr/>
+          <p:nvPr/>
+        </p:nvSpPr>
+        <p:spPr>
+          <a:xfrm>
+            <a:off x="0" y="0"/>
+            <a:ext cx="316440" cy="6854400"/>
+          </a:xfrm>
+          <a:prstGeom prst="rect">
+            <a:avLst/>
+          </a:prstGeom>
+          <a:solidFill>
+            <a:srgbClr val="ff8c00"/>
+          </a:solidFill>
+          <a:ln>
+            <a:noFill/>
+          </a:ln>
+          <a:effectLst>
+            <a:outerShdw blurRad="39960" dir="5400000" dist="23040" rotWithShape="0">
+              <a:srgbClr val="000000">
+                <a:alpha val="35000"/>
+              </a:srgbClr>
+            </a:outerShdw>
+          </a:effectLst>
+        </p:spPr>
+        <p:style>
+          <a:lnRef idx="1">
+            <a:schemeClr val="accent1"/>
+          </a:lnRef>
+          <a:fillRef idx="3">
+            <a:schemeClr val="accent1"/>
+          </a:fillRef>
+          <a:effectRef idx="2">
+            <a:schemeClr val="accent1"/>
+          </a:effectRef>
+          <a:fontRef idx="minor"/>
+        </p:style>
+        <p:txBody>
+          <a:bodyPr lIns="90000" rIns="90000" tIns="45000" bIns="45000" anchor="ctr">
+            <a:noAutofit/>
+          </a:bodyPr>
+          <a:p>
+            <a:endParaRPr b="0" lang="en-US" sz="1800" spc="-1" strike="noStrike">
+              <a:solidFill>
+                <a:schemeClr val="lt1"/>
+              </a:solidFill>
+              <a:latin typeface="Calibri"/>
+              <a:ea typeface="DejaVu Sans"/>
+            </a:endParaRPr>
+          </a:p>
+        </p:txBody>
+      </p:sp>
+      <p:sp>
+        <p:nvSpPr>
+          <p:cNvPr id="187" name="Rounded Rectangle 43"/>
+          <p:cNvSpPr/>
+          <p:nvPr/>
+        </p:nvSpPr>
+        <p:spPr>
+          <a:xfrm>
+            <a:off x="9875520" y="365760"/>
+            <a:ext cx="2008080" cy="499320"/>
+          </a:xfrm>
+          <a:prstGeom prst="roundRect">
+            <a:avLst>
+              <a:gd name="adj" fmla="val 16667"/>
+            </a:avLst>
+          </a:prstGeom>
+          <a:solidFill>
+            <a:srgbClr val="1e1e24"/>
+          </a:solidFill>
+          <a:ln>
+            <a:solidFill>
+              <a:srgbClr val="ff8c00"/>
+            </a:solidFill>
+            <a:round/>
+          </a:ln>
+          <a:effectLst>
+            <a:outerShdw blurRad="39960" dir="5400000" dist="23040" rotWithShape="0">
+              <a:srgbClr val="000000">
+                <a:alpha val="35000"/>
+              </a:srgbClr>
+            </a:outerShdw>
+          </a:effectLst>
+        </p:spPr>
+        <p:style>
+          <a:lnRef idx="1">
+            <a:schemeClr val="accent1"/>
+          </a:lnRef>
+          <a:fillRef idx="3">
+            <a:schemeClr val="accent1"/>
+          </a:fillRef>
+          <a:effectRef idx="2">
+            <a:schemeClr val="accent1"/>
+          </a:effectRef>
+          <a:fontRef idx="minor"/>
+        </p:style>
+        <p:txBody>
+          <a:bodyPr lIns="90000" rIns="90000" tIns="45000" bIns="45000" anchor="ctr">
+            <a:noAutofit/>
+          </a:bodyPr>
+          <a:p>
+            <a:pPr algn="ctr">
+              <a:lnSpc>
+                <a:spcPct val="100000"/>
+              </a:lnSpc>
+            </a:pPr>
+            <a:r>
+              <a:rPr b="1" lang="en-US" sz="1400" spc="-1" strike="noStrike">
+                <a:solidFill>
+                  <a:srgbClr val="ffb45a"/>
+                </a:solidFill>
+                <a:latin typeface="Calibri"/>
+                <a:ea typeface="DejaVu Sans"/>
+              </a:rPr>
+              <a:t>JAVA CORE</a:t>
+            </a:r>
+            <a:endParaRPr b="0" lang="en-US" sz="1400" spc="-1" strike="noStrike">
+              <a:solidFill>
+                <a:srgbClr val="ffffff"/>
+              </a:solidFill>
+              <a:latin typeface="Arial"/>
+            </a:endParaRPr>
+          </a:p>
+        </p:txBody>
+      </p:sp>
+      <p:sp>
+        <p:nvSpPr>
+          <p:cNvPr id="188" name="TextBox 16"/>
+          <p:cNvSpPr/>
+          <p:nvPr/>
+        </p:nvSpPr>
+        <p:spPr>
+          <a:xfrm>
+            <a:off x="1117800" y="1005840"/>
+            <a:ext cx="8742960" cy="820800"/>
+          </a:xfrm>
+          <a:prstGeom prst="rect">
+            <a:avLst/>
+          </a:prstGeom>
+          <a:noFill/>
+          <a:ln w="0">
+            <a:noFill/>
+          </a:ln>
+        </p:spPr>
+        <p:style>
+          <a:lnRef idx="0"/>
+          <a:fillRef idx="0"/>
+          <a:effectRef idx="0"/>
+          <a:fontRef idx="minor"/>
+        </p:style>
+        <p:txBody>
+          <a:bodyPr wrap="none" lIns="90000" rIns="90000" tIns="45000" bIns="45000" anchor="t">
+            <a:spAutoFit/>
+          </a:bodyPr>
+          <a:p>
+            <a:pPr>
+              <a:lnSpc>
+                <a:spcPct val="100000"/>
+              </a:lnSpc>
+            </a:pPr>
+            <a:r>
+              <a:rPr b="1" lang="en-US" sz="4800" spc="-1" strike="noStrike">
+                <a:solidFill>
+                  <a:srgbClr val="f5f5f5"/>
+                </a:solidFill>
+                <a:latin typeface="Calibri"/>
+                <a:ea typeface="DejaVu Sans"/>
+              </a:rPr>
+              <a:t>       </a:t>
+            </a:r>
+            <a:r>
+              <a:rPr b="1" lang="en-US" sz="4800" spc="-1" strike="noStrike">
+                <a:solidFill>
+                  <a:srgbClr val="f5f5f5"/>
+                </a:solidFill>
+                <a:latin typeface="Calibri"/>
+                <a:ea typeface="DejaVu Sans"/>
+              </a:rPr>
+              <a:t>Java History – The Oak Project</a:t>
+            </a:r>
+            <a:endParaRPr b="0" lang="en-US" sz="4800" spc="-1" strike="noStrike">
+              <a:solidFill>
+                <a:srgbClr val="000000"/>
+              </a:solidFill>
+              <a:latin typeface="Arial"/>
+            </a:endParaRPr>
+          </a:p>
+        </p:txBody>
+      </p:sp>
+      <p:sp>
+        <p:nvSpPr>
+          <p:cNvPr id="189" name="TextBox 17"/>
+          <p:cNvSpPr/>
+          <p:nvPr/>
+        </p:nvSpPr>
+        <p:spPr>
+          <a:xfrm>
+            <a:off x="4195440" y="2057400"/>
+            <a:ext cx="3171240" cy="364680"/>
+          </a:xfrm>
+          <a:prstGeom prst="rect">
+            <a:avLst/>
+          </a:prstGeom>
+          <a:noFill/>
+          <a:ln w="0">
+            <a:noFill/>
+          </a:ln>
+        </p:spPr>
+        <p:style>
+          <a:lnRef idx="0"/>
+          <a:fillRef idx="0"/>
+          <a:effectRef idx="0"/>
+          <a:fontRef idx="minor"/>
+        </p:style>
+        <p:txBody>
+          <a:bodyPr wrap="none" lIns="90000" rIns="90000" tIns="45000" bIns="45000" anchor="t">
+            <a:spAutoFit/>
+          </a:bodyPr>
+          <a:p>
+            <a:pPr>
+              <a:lnSpc>
+                <a:spcPct val="100000"/>
+              </a:lnSpc>
+            </a:pPr>
+            <a:r>
+              <a:rPr b="0" lang="en-US" sz="1800" spc="-1" strike="noStrike">
+                <a:solidFill>
+                  <a:srgbClr val="aaaaaa"/>
+                </a:solidFill>
+                <a:latin typeface="Calibri"/>
+                <a:ea typeface="DejaVu Sans"/>
+              </a:rPr>
+              <a:t>The idea that later became Java.</a:t>
+            </a:r>
+            <a:endParaRPr b="0" lang="en-US" sz="1800" spc="-1" strike="noStrike">
+              <a:solidFill>
+                <a:srgbClr val="000000"/>
+              </a:solidFill>
+              <a:latin typeface="Arial"/>
+            </a:endParaRPr>
+          </a:p>
+        </p:txBody>
+      </p:sp>
+      <p:sp>
+        <p:nvSpPr>
+          <p:cNvPr id="190" name="Rounded Rectangle 44"/>
+          <p:cNvSpPr/>
+          <p:nvPr/>
+        </p:nvSpPr>
+        <p:spPr>
+          <a:xfrm>
+            <a:off x="987480" y="3182040"/>
+            <a:ext cx="3288240" cy="2739600"/>
+          </a:xfrm>
+          <a:prstGeom prst="roundRect">
+            <a:avLst>
+              <a:gd name="adj" fmla="val 16667"/>
+            </a:avLst>
+          </a:prstGeom>
+          <a:solidFill>
+            <a:srgbClr val="08080a"/>
+          </a:solidFill>
+          <a:ln>
+            <a:noFill/>
+          </a:ln>
+          <a:effectLst>
+            <a:outerShdw blurRad="39960" dir="5400000" dist="23040" rotWithShape="0">
+              <a:srgbClr val="000000">
+                <a:alpha val="35000"/>
+              </a:srgbClr>
+            </a:outerShdw>
+          </a:effectLst>
+        </p:spPr>
+        <p:style>
+          <a:lnRef idx="1">
+            <a:schemeClr val="accent1"/>
+          </a:lnRef>
+          <a:fillRef idx="3">
+            <a:schemeClr val="accent1"/>
+          </a:fillRef>
+          <a:effectRef idx="2">
+            <a:schemeClr val="accent1"/>
+          </a:effectRef>
+          <a:fontRef idx="minor"/>
+        </p:style>
+        <p:txBody>
+          <a:bodyPr lIns="90000" rIns="90000" tIns="45000" bIns="45000" anchor="ctr">
+            <a:noAutofit/>
+          </a:bodyPr>
+          <a:p>
+            <a:endParaRPr b="0" lang="en-US" sz="1800" spc="-1" strike="noStrike">
+              <a:solidFill>
+                <a:schemeClr val="lt1"/>
+              </a:solidFill>
+              <a:latin typeface="Calibri"/>
+              <a:ea typeface="DejaVu Sans"/>
+            </a:endParaRPr>
+          </a:p>
+        </p:txBody>
+      </p:sp>
+      <p:sp>
+        <p:nvSpPr>
+          <p:cNvPr id="191" name="Rounded Rectangle 45"/>
+          <p:cNvSpPr/>
+          <p:nvPr/>
+        </p:nvSpPr>
+        <p:spPr>
+          <a:xfrm>
+            <a:off x="914400" y="3108960"/>
+            <a:ext cx="3288240" cy="2739600"/>
+          </a:xfrm>
+          <a:prstGeom prst="roundRect">
+            <a:avLst>
+              <a:gd name="adj" fmla="val 16667"/>
+            </a:avLst>
+          </a:prstGeom>
+          <a:solidFill>
+            <a:srgbClr val="16161c"/>
+          </a:solidFill>
+          <a:ln>
+            <a:solidFill>
+              <a:srgbClr val="464655"/>
+            </a:solidFill>
+            <a:round/>
+          </a:ln>
+          <a:effectLst>
+            <a:outerShdw blurRad="39960" dir="5400000" dist="23040" rotWithShape="0">
+              <a:srgbClr val="000000">
+                <a:alpha val="35000"/>
+              </a:srgbClr>
+            </a:outerShdw>
+          </a:effectLst>
+        </p:spPr>
+        <p:style>
+          <a:lnRef idx="1">
+            <a:schemeClr val="accent1"/>
+          </a:lnRef>
+          <a:fillRef idx="3">
+            <a:schemeClr val="accent1"/>
+          </a:fillRef>
+          <a:effectRef idx="2">
+            <a:schemeClr val="accent1"/>
+          </a:effectRef>
+          <a:fontRef idx="minor"/>
+        </p:style>
+        <p:txBody>
+          <a:bodyPr lIns="90000" rIns="90000" tIns="45000" bIns="45000" anchor="ctr">
+            <a:noAutofit/>
+          </a:bodyPr>
+          <a:p>
+            <a:pPr>
+              <a:lnSpc>
+                <a:spcPct val="100000"/>
+              </a:lnSpc>
+            </a:pPr>
+            <a:r>
+              <a:rPr b="1" lang="en-US" sz="1600" spc="-1" strike="noStrike">
+                <a:solidFill>
+                  <a:schemeClr val="lt1"/>
+                </a:solidFill>
+                <a:latin typeface="Calibri"/>
+                <a:ea typeface="DejaVu Sans"/>
+              </a:rPr>
+              <a:t>Project Oak (1991)</a:t>
+            </a:r>
+            <a:endParaRPr b="0" lang="en-US" sz="1600" spc="-1" strike="noStrike">
+              <a:solidFill>
+                <a:srgbClr val="ffffff"/>
+              </a:solidFill>
+              <a:latin typeface="Arial"/>
+            </a:endParaRPr>
+          </a:p>
+          <a:p>
+            <a:pPr>
+              <a:lnSpc>
+                <a:spcPct val="100000"/>
+              </a:lnSpc>
+            </a:pPr>
+            <a:r>
+              <a:rPr b="1" lang="en-US" sz="1600" spc="-1" strike="noStrike">
+                <a:solidFill>
+                  <a:schemeClr val="lt1"/>
+                </a:solidFill>
+                <a:latin typeface="Calibri"/>
+                <a:ea typeface="DejaVu Sans"/>
+              </a:rPr>
+              <a:t>Sun Microsystems internal project</a:t>
+            </a:r>
+            <a:endParaRPr b="0" lang="en-US" sz="1600" spc="-1" strike="noStrike">
+              <a:solidFill>
+                <a:srgbClr val="ffffff"/>
+              </a:solidFill>
+              <a:latin typeface="Arial"/>
+            </a:endParaRPr>
+          </a:p>
+          <a:p>
+            <a:pPr marL="216000" indent="-216000">
+              <a:lnSpc>
+                <a:spcPct val="100000"/>
+              </a:lnSpc>
+              <a:buClr>
+                <a:srgbClr val="ffffff"/>
+              </a:buClr>
+              <a:buFont typeface="Wingdings" charset="2"/>
+              <a:buChar char=""/>
+            </a:pPr>
+            <a:r>
+              <a:rPr b="0" lang="en-US" sz="1600" spc="-1" strike="noStrike">
+                <a:solidFill>
+                  <a:schemeClr val="lt1"/>
+                </a:solidFill>
+                <a:latin typeface="Calibri"/>
+                <a:ea typeface="DejaVu Sans"/>
+              </a:rPr>
+              <a:t>Led by James Gosling</a:t>
+            </a:r>
+            <a:endParaRPr b="0" lang="en-US" sz="1600" spc="-1" strike="noStrike">
+              <a:solidFill>
+                <a:srgbClr val="ffffff"/>
+              </a:solidFill>
+              <a:latin typeface="Arial"/>
+            </a:endParaRPr>
+          </a:p>
+          <a:p>
+            <a:pPr marL="216000" indent="-216000">
+              <a:lnSpc>
+                <a:spcPct val="100000"/>
+              </a:lnSpc>
+              <a:buClr>
+                <a:srgbClr val="ffffff"/>
+              </a:buClr>
+              <a:buFont typeface="Wingdings" charset="2"/>
+              <a:buChar char=""/>
+            </a:pPr>
+            <a:r>
+              <a:rPr b="0" lang="en-US" sz="1600" spc="-1" strike="noStrike">
+                <a:solidFill>
+                  <a:schemeClr val="lt1"/>
+                </a:solidFill>
+                <a:latin typeface="Calibri"/>
+                <a:ea typeface="DejaVu Sans"/>
+              </a:rPr>
+              <a:t>Small, focused team</a:t>
+            </a:r>
+            <a:endParaRPr b="0" lang="en-US" sz="1600" spc="-1" strike="noStrike">
+              <a:solidFill>
+                <a:srgbClr val="ffffff"/>
+              </a:solidFill>
+              <a:latin typeface="Arial"/>
+            </a:endParaRPr>
+          </a:p>
+          <a:p>
+            <a:pPr marL="216000" indent="-216000">
+              <a:lnSpc>
+                <a:spcPct val="100000"/>
+              </a:lnSpc>
+              <a:buClr>
+                <a:srgbClr val="ffffff"/>
+              </a:buClr>
+              <a:buFont typeface="Wingdings" charset="2"/>
+              <a:buChar char=""/>
+            </a:pPr>
+            <a:r>
+              <a:rPr b="0" lang="en-US" sz="1600" spc="-1" strike="noStrike">
+                <a:solidFill>
+                  <a:schemeClr val="lt1"/>
+                </a:solidFill>
+                <a:latin typeface="Calibri"/>
+                <a:ea typeface="DejaVu Sans"/>
+              </a:rPr>
+              <a:t>Original name: Oak</a:t>
+            </a:r>
+            <a:endParaRPr b="0" lang="en-US" sz="1600" spc="-1" strike="noStrike">
+              <a:solidFill>
+                <a:srgbClr val="ffffff"/>
+              </a:solidFill>
+              <a:latin typeface="Arial"/>
+            </a:endParaRPr>
+          </a:p>
+          <a:p>
+            <a:pPr>
+              <a:lnSpc>
+                <a:spcPct val="100000"/>
+              </a:lnSpc>
+            </a:pPr>
+            <a:endParaRPr b="0" lang="en-US" sz="1600" spc="-1" strike="noStrike">
+              <a:solidFill>
+                <a:srgbClr val="ffffff"/>
+              </a:solidFill>
+              <a:latin typeface="Arial"/>
+            </a:endParaRPr>
+          </a:p>
+          <a:p>
+            <a:pPr>
+              <a:lnSpc>
+                <a:spcPct val="100000"/>
+              </a:lnSpc>
+            </a:pPr>
+            <a:r>
+              <a:rPr b="0" lang="en-US" sz="1600" spc="-1" strike="noStrike">
+                <a:solidFill>
+                  <a:schemeClr val="lt1"/>
+                </a:solidFill>
+                <a:latin typeface="Calibri"/>
+                <a:ea typeface="DejaVu Sans"/>
+              </a:rPr>
+              <a:t>Purpose:</a:t>
+            </a:r>
+            <a:endParaRPr b="0" lang="en-US" sz="1600" spc="-1" strike="noStrike">
+              <a:solidFill>
+                <a:srgbClr val="ffffff"/>
+              </a:solidFill>
+              <a:latin typeface="Arial"/>
+            </a:endParaRPr>
+          </a:p>
+          <a:p>
+            <a:pPr>
+              <a:lnSpc>
+                <a:spcPct val="100000"/>
+              </a:lnSpc>
+            </a:pPr>
+            <a:r>
+              <a:rPr b="0" lang="en-US" sz="1600" spc="-1" strike="noStrike">
+                <a:solidFill>
+                  <a:schemeClr val="lt1"/>
+                </a:solidFill>
+                <a:latin typeface="Calibri"/>
+                <a:ea typeface="DejaVu Sans"/>
+              </a:rPr>
+              <a:t>Software for smart devices</a:t>
+            </a:r>
+            <a:endParaRPr b="0" lang="en-US" sz="1600" spc="-1" strike="noStrike">
+              <a:solidFill>
+                <a:srgbClr val="ffffff"/>
+              </a:solidFill>
+              <a:latin typeface="Arial"/>
+            </a:endParaRPr>
+          </a:p>
+          <a:p>
+            <a:pPr>
+              <a:lnSpc>
+                <a:spcPct val="100000"/>
+              </a:lnSpc>
+            </a:pPr>
+            <a:r>
+              <a:rPr b="0" lang="en-US" sz="1600" spc="-1" strike="noStrike">
+                <a:solidFill>
+                  <a:schemeClr val="lt1"/>
+                </a:solidFill>
+                <a:latin typeface="Calibri"/>
+                <a:ea typeface="DejaVu Sans"/>
+              </a:rPr>
+              <a:t>(TVs, set-top boxes, embedded systems)</a:t>
+            </a:r>
+            <a:endParaRPr b="0" lang="en-US" sz="1600" spc="-1" strike="noStrike">
+              <a:solidFill>
+                <a:srgbClr val="ffffff"/>
+              </a:solidFill>
+              <a:latin typeface="Arial"/>
+            </a:endParaRPr>
+          </a:p>
+        </p:txBody>
+      </p:sp>
+      <p:sp>
+        <p:nvSpPr>
+          <p:cNvPr id="192" name="Rounded Rectangle 46"/>
+          <p:cNvSpPr/>
+          <p:nvPr/>
+        </p:nvSpPr>
+        <p:spPr>
+          <a:xfrm>
+            <a:off x="4507920" y="3182040"/>
+            <a:ext cx="3288240" cy="2739600"/>
+          </a:xfrm>
+          <a:prstGeom prst="roundRect">
+            <a:avLst>
+              <a:gd name="adj" fmla="val 16667"/>
+            </a:avLst>
+          </a:prstGeom>
+          <a:solidFill>
+            <a:srgbClr val="08080a"/>
+          </a:solidFill>
+          <a:ln>
+            <a:noFill/>
+          </a:ln>
+          <a:effectLst>
+            <a:outerShdw blurRad="39960" dir="5400000" dist="23040" rotWithShape="0">
+              <a:srgbClr val="000000">
+                <a:alpha val="35000"/>
+              </a:srgbClr>
+            </a:outerShdw>
+          </a:effectLst>
+        </p:spPr>
+        <p:style>
+          <a:lnRef idx="1">
+            <a:schemeClr val="accent1"/>
+          </a:lnRef>
+          <a:fillRef idx="3">
+            <a:schemeClr val="accent1"/>
+          </a:fillRef>
+          <a:effectRef idx="2">
+            <a:schemeClr val="accent1"/>
+          </a:effectRef>
+          <a:fontRef idx="minor"/>
+        </p:style>
+        <p:txBody>
+          <a:bodyPr lIns="90000" rIns="90000" tIns="45000" bIns="45000" anchor="ctr">
+            <a:noAutofit/>
+          </a:bodyPr>
+          <a:p>
+            <a:endParaRPr b="0" lang="en-US" sz="1800" spc="-1" strike="noStrike">
+              <a:solidFill>
+                <a:schemeClr val="lt1"/>
+              </a:solidFill>
+              <a:latin typeface="Calibri"/>
+              <a:ea typeface="DejaVu Sans"/>
+            </a:endParaRPr>
+          </a:p>
+        </p:txBody>
+      </p:sp>
+      <p:sp>
+        <p:nvSpPr>
+          <p:cNvPr id="193" name="Rounded Rectangle 48"/>
+          <p:cNvSpPr/>
+          <p:nvPr/>
+        </p:nvSpPr>
+        <p:spPr>
+          <a:xfrm>
+            <a:off x="8028360" y="3182040"/>
+            <a:ext cx="3288240" cy="2739600"/>
+          </a:xfrm>
+          <a:prstGeom prst="roundRect">
+            <a:avLst>
+              <a:gd name="adj" fmla="val 16667"/>
+            </a:avLst>
+          </a:prstGeom>
+          <a:solidFill>
+            <a:srgbClr val="08080a"/>
+          </a:solidFill>
+          <a:ln>
+            <a:noFill/>
+          </a:ln>
+          <a:effectLst>
+            <a:outerShdw blurRad="39960" dir="5400000" dist="23040" rotWithShape="0">
+              <a:srgbClr val="000000">
+                <a:alpha val="35000"/>
+              </a:srgbClr>
+            </a:outerShdw>
+          </a:effectLst>
+        </p:spPr>
+        <p:style>
+          <a:lnRef idx="1">
+            <a:schemeClr val="accent1"/>
+          </a:lnRef>
+          <a:fillRef idx="3">
+            <a:schemeClr val="accent1"/>
+          </a:fillRef>
+          <a:effectRef idx="2">
+            <a:schemeClr val="accent1"/>
+          </a:effectRef>
+          <a:fontRef idx="minor"/>
+        </p:style>
+        <p:txBody>
+          <a:bodyPr lIns="90000" rIns="90000" tIns="45000" bIns="45000" anchor="ctr">
+            <a:noAutofit/>
+          </a:bodyPr>
+          <a:p>
+            <a:endParaRPr b="0" lang="en-US" sz="1800" spc="-1" strike="noStrike">
+              <a:solidFill>
+                <a:schemeClr val="lt1"/>
+              </a:solidFill>
+              <a:latin typeface="Calibri"/>
+              <a:ea typeface="DejaVu Sans"/>
+            </a:endParaRPr>
+          </a:p>
+        </p:txBody>
+      </p:sp>
+      <p:sp>
+        <p:nvSpPr>
+          <p:cNvPr id="194" name="Rounded Rectangle 49"/>
+          <p:cNvSpPr/>
+          <p:nvPr/>
+        </p:nvSpPr>
+        <p:spPr>
+          <a:xfrm>
+            <a:off x="7955280" y="3108960"/>
+            <a:ext cx="3288240" cy="2739600"/>
+          </a:xfrm>
+          <a:prstGeom prst="roundRect">
+            <a:avLst>
+              <a:gd name="adj" fmla="val 16667"/>
+            </a:avLst>
+          </a:prstGeom>
+          <a:solidFill>
+            <a:srgbClr val="16161c"/>
+          </a:solidFill>
+          <a:ln>
+            <a:solidFill>
+              <a:srgbClr val="464655"/>
+            </a:solidFill>
+            <a:round/>
+          </a:ln>
+          <a:effectLst>
+            <a:outerShdw blurRad="39960" dir="5400000" dist="23040" rotWithShape="0">
+              <a:srgbClr val="000000">
+                <a:alpha val="35000"/>
+              </a:srgbClr>
+            </a:outerShdw>
+          </a:effectLst>
+        </p:spPr>
+        <p:style>
+          <a:lnRef idx="1">
+            <a:schemeClr val="accent1"/>
+          </a:lnRef>
+          <a:fillRef idx="3">
+            <a:schemeClr val="accent1"/>
+          </a:fillRef>
+          <a:effectRef idx="2">
+            <a:schemeClr val="accent1"/>
+          </a:effectRef>
+          <a:fontRef idx="minor"/>
+        </p:style>
+        <p:txBody>
+          <a:bodyPr lIns="90000" rIns="90000" tIns="45000" bIns="45000" anchor="ctr">
+            <a:noAutofit/>
+          </a:bodyPr>
+          <a:p>
+            <a:pPr algn="ctr">
+              <a:lnSpc>
+                <a:spcPct val="100000"/>
+              </a:lnSpc>
+            </a:pPr>
+            <a:endParaRPr b="0" lang="en-US" sz="1100" spc="-1" strike="noStrike">
+              <a:solidFill>
+                <a:srgbClr val="ffffff"/>
+              </a:solidFill>
+              <a:latin typeface="Arial"/>
+            </a:endParaRPr>
+          </a:p>
+          <a:p>
+            <a:pPr algn="ctr">
+              <a:lnSpc>
+                <a:spcPct val="100000"/>
+              </a:lnSpc>
+            </a:pPr>
+            <a:endParaRPr b="0" lang="en-US" sz="1100" spc="-1" strike="noStrike">
+              <a:solidFill>
+                <a:srgbClr val="ffffff"/>
+              </a:solidFill>
+              <a:latin typeface="Arial"/>
+            </a:endParaRPr>
+          </a:p>
+          <a:p>
+            <a:pPr algn="ctr">
+              <a:lnSpc>
+                <a:spcPct val="100000"/>
+              </a:lnSpc>
+            </a:pPr>
+            <a:endParaRPr b="0" lang="en-US" sz="1100" spc="-1" strike="noStrike">
+              <a:solidFill>
+                <a:srgbClr val="ffffff"/>
+              </a:solidFill>
+              <a:latin typeface="Arial"/>
+            </a:endParaRPr>
+          </a:p>
+          <a:p>
+            <a:pPr algn="ctr">
+              <a:lnSpc>
+                <a:spcPct val="100000"/>
+              </a:lnSpc>
+            </a:pPr>
+            <a:r>
+              <a:rPr b="0" lang="en-US" sz="1100" spc="-1" strike="noStrike">
+                <a:solidFill>
+                  <a:srgbClr val="78ffc8"/>
+                </a:solidFill>
+                <a:latin typeface="Consolas"/>
+                <a:ea typeface="DejaVu Sans"/>
+              </a:rPr>
+              <a:t>ppublic class OakIdea {</a:t>
+            </a:r>
+            <a:endParaRPr b="0" lang="en-US" sz="1100" spc="-1" strike="noStrike">
+              <a:solidFill>
+                <a:srgbClr val="ffffff"/>
+              </a:solidFill>
+              <a:latin typeface="Arial"/>
+            </a:endParaRPr>
+          </a:p>
+          <a:p>
+            <a:pPr algn="ctr">
+              <a:lnSpc>
+                <a:spcPct val="100000"/>
+              </a:lnSpc>
+            </a:pPr>
+            <a:endParaRPr b="0" lang="en-US" sz="1100" spc="-1" strike="noStrike">
+              <a:solidFill>
+                <a:srgbClr val="ffffff"/>
+              </a:solidFill>
+              <a:latin typeface="Arial"/>
+            </a:endParaRPr>
+          </a:p>
+          <a:p>
+            <a:pPr algn="ctr">
+              <a:lnSpc>
+                <a:spcPct val="100000"/>
+              </a:lnSpc>
+            </a:pPr>
+            <a:r>
+              <a:rPr b="0" lang="en-US" sz="1100" spc="-1" strike="noStrike">
+                <a:solidFill>
+                  <a:srgbClr val="78ffc8"/>
+                </a:solidFill>
+                <a:latin typeface="Consolas"/>
+                <a:ea typeface="DejaVu Sans"/>
+              </a:rPr>
+              <a:t>    </a:t>
+            </a:r>
+            <a:r>
+              <a:rPr b="0" lang="en-US" sz="1100" spc="-1" strike="noStrike">
+                <a:solidFill>
+                  <a:srgbClr val="78ffc8"/>
+                </a:solidFill>
+                <a:latin typeface="Consolas"/>
+                <a:ea typeface="DejaVu Sans"/>
+              </a:rPr>
+              <a:t>public static void main(String[] args) {</a:t>
+            </a:r>
+            <a:endParaRPr b="0" lang="en-US" sz="1100" spc="-1" strike="noStrike">
+              <a:solidFill>
+                <a:srgbClr val="ffffff"/>
+              </a:solidFill>
+              <a:latin typeface="Arial"/>
+            </a:endParaRPr>
+          </a:p>
+          <a:p>
+            <a:pPr algn="ctr">
+              <a:lnSpc>
+                <a:spcPct val="100000"/>
+              </a:lnSpc>
+            </a:pPr>
+            <a:endParaRPr b="0" lang="en-US" sz="1100" spc="-1" strike="noStrike">
+              <a:solidFill>
+                <a:srgbClr val="ffffff"/>
+              </a:solidFill>
+              <a:latin typeface="Arial"/>
+            </a:endParaRPr>
+          </a:p>
+          <a:p>
+            <a:pPr algn="ctr">
+              <a:lnSpc>
+                <a:spcPct val="100000"/>
+              </a:lnSpc>
+            </a:pPr>
+            <a:r>
+              <a:rPr b="0" lang="en-US" sz="1100" spc="-1" strike="noStrike">
+                <a:solidFill>
+                  <a:srgbClr val="78ffc8"/>
+                </a:solidFill>
+                <a:latin typeface="Consolas"/>
+                <a:ea typeface="DejaVu Sans"/>
+              </a:rPr>
+              <a:t>        </a:t>
+            </a:r>
+            <a:r>
+              <a:rPr b="0" lang="en-US" sz="1100" spc="-1" strike="noStrike">
+                <a:solidFill>
+                  <a:srgbClr val="78ffc8"/>
+                </a:solidFill>
+                <a:latin typeface="Consolas"/>
+                <a:ea typeface="DejaVu Sans"/>
+              </a:rPr>
+              <a:t>boolean runEverywhere = true;</a:t>
+            </a:r>
+            <a:endParaRPr b="0" lang="en-US" sz="1100" spc="-1" strike="noStrike">
+              <a:solidFill>
+                <a:srgbClr val="ffffff"/>
+              </a:solidFill>
+              <a:latin typeface="Arial"/>
+            </a:endParaRPr>
+          </a:p>
+          <a:p>
+            <a:pPr algn="ctr">
+              <a:lnSpc>
+                <a:spcPct val="100000"/>
+              </a:lnSpc>
+            </a:pPr>
+            <a:endParaRPr b="0" lang="en-US" sz="1100" spc="-1" strike="noStrike">
+              <a:solidFill>
+                <a:srgbClr val="ffffff"/>
+              </a:solidFill>
+              <a:latin typeface="Arial"/>
+            </a:endParaRPr>
+          </a:p>
+          <a:p>
+            <a:pPr algn="ctr">
+              <a:lnSpc>
+                <a:spcPct val="100000"/>
+              </a:lnSpc>
+            </a:pPr>
+            <a:r>
+              <a:rPr b="0" lang="en-US" sz="1100" spc="-1" strike="noStrike">
+                <a:solidFill>
+                  <a:srgbClr val="78ffc8"/>
+                </a:solidFill>
+                <a:latin typeface="Consolas"/>
+                <a:ea typeface="DejaVu Sans"/>
+              </a:rPr>
+              <a:t>        </a:t>
+            </a:r>
+            <a:r>
+              <a:rPr b="0" lang="en-US" sz="1100" spc="-1" strike="noStrike">
+                <a:solidFill>
+                  <a:srgbClr val="78ffc8"/>
+                </a:solidFill>
+                <a:latin typeface="Consolas"/>
+                <a:ea typeface="DejaVu Sans"/>
+              </a:rPr>
+              <a:t>if (runEverywhere) {</a:t>
+            </a:r>
+            <a:endParaRPr b="0" lang="en-US" sz="1100" spc="-1" strike="noStrike">
+              <a:solidFill>
+                <a:srgbClr val="ffffff"/>
+              </a:solidFill>
+              <a:latin typeface="Arial"/>
+            </a:endParaRPr>
+          </a:p>
+          <a:p>
+            <a:pPr algn="ctr">
+              <a:lnSpc>
+                <a:spcPct val="100000"/>
+              </a:lnSpc>
+            </a:pPr>
+            <a:r>
+              <a:rPr b="0" lang="en-US" sz="1100" spc="-1" strike="noStrike">
+                <a:solidFill>
+                  <a:srgbClr val="78ffc8"/>
+                </a:solidFill>
+                <a:latin typeface="Consolas"/>
+                <a:ea typeface="DejaVu Sans"/>
+              </a:rPr>
+              <a:t>            </a:t>
+            </a:r>
+            <a:r>
+              <a:rPr b="0" lang="en-US" sz="1100" spc="-1" strike="noStrike">
+                <a:solidFill>
+                  <a:srgbClr val="78ffc8"/>
+                </a:solidFill>
+                <a:latin typeface="Consolas"/>
+                <a:ea typeface="DejaVu Sans"/>
+              </a:rPr>
+              <a:t>System.out.println("This idea will change software");</a:t>
+            </a:r>
+            <a:endParaRPr b="0" lang="en-US" sz="1100" spc="-1" strike="noStrike">
+              <a:solidFill>
+                <a:srgbClr val="ffffff"/>
+              </a:solidFill>
+              <a:latin typeface="Arial"/>
+            </a:endParaRPr>
+          </a:p>
+          <a:p>
+            <a:pPr algn="ctr">
+              <a:lnSpc>
+                <a:spcPct val="100000"/>
+              </a:lnSpc>
+            </a:pPr>
+            <a:r>
+              <a:rPr b="0" lang="en-US" sz="1100" spc="-1" strike="noStrike">
+                <a:solidFill>
+                  <a:srgbClr val="78ffc8"/>
+                </a:solidFill>
+                <a:latin typeface="Consolas"/>
+                <a:ea typeface="DejaVu Sans"/>
+              </a:rPr>
+              <a:t>        </a:t>
+            </a:r>
+            <a:r>
+              <a:rPr b="0" lang="en-US" sz="1100" spc="-1" strike="noStrike">
+                <a:solidFill>
+                  <a:srgbClr val="78ffc8"/>
+                </a:solidFill>
+                <a:latin typeface="Consolas"/>
+                <a:ea typeface="DejaVu Sans"/>
+              </a:rPr>
+              <a:t>}</a:t>
+            </a:r>
+            <a:endParaRPr b="0" lang="en-US" sz="1100" spc="-1" strike="noStrike">
+              <a:solidFill>
+                <a:srgbClr val="ffffff"/>
+              </a:solidFill>
+              <a:latin typeface="Arial"/>
+            </a:endParaRPr>
+          </a:p>
+          <a:p>
+            <a:pPr algn="ctr">
+              <a:lnSpc>
+                <a:spcPct val="100000"/>
+              </a:lnSpc>
+            </a:pPr>
+            <a:r>
+              <a:rPr b="0" lang="en-US" sz="1100" spc="-1" strike="noStrike">
+                <a:solidFill>
+                  <a:srgbClr val="78ffc8"/>
+                </a:solidFill>
+                <a:latin typeface="Consolas"/>
+                <a:ea typeface="DejaVu Sans"/>
+              </a:rPr>
+              <a:t>    </a:t>
+            </a:r>
+            <a:r>
+              <a:rPr b="0" lang="en-US" sz="1100" spc="-1" strike="noStrike">
+                <a:solidFill>
+                  <a:srgbClr val="78ffc8"/>
+                </a:solidFill>
+                <a:latin typeface="Consolas"/>
+                <a:ea typeface="DejaVu Sans"/>
+              </a:rPr>
+              <a:t>}</a:t>
+            </a:r>
+            <a:endParaRPr b="0" lang="en-US" sz="1100" spc="-1" strike="noStrike">
+              <a:solidFill>
+                <a:srgbClr val="ffffff"/>
+              </a:solidFill>
+              <a:latin typeface="Arial"/>
+            </a:endParaRPr>
+          </a:p>
+          <a:p>
+            <a:pPr algn="ctr">
+              <a:lnSpc>
+                <a:spcPct val="100000"/>
+              </a:lnSpc>
+            </a:pPr>
+            <a:r>
+              <a:rPr b="0" lang="en-US" sz="1100" spc="-1" strike="noStrike">
+                <a:solidFill>
+                  <a:srgbClr val="78ffc8"/>
+                </a:solidFill>
+                <a:latin typeface="Consolas"/>
+                <a:ea typeface="DejaVu Sans"/>
+              </a:rPr>
+              <a:t>}</a:t>
+            </a:r>
+            <a:endParaRPr b="0" lang="en-US" sz="1100" spc="-1" strike="noStrike">
+              <a:solidFill>
+                <a:srgbClr val="ffffff"/>
+              </a:solidFill>
+              <a:latin typeface="Arial"/>
+            </a:endParaRPr>
+          </a:p>
+          <a:p>
+            <a:pPr algn="ctr">
+              <a:lnSpc>
+                <a:spcPct val="100000"/>
+              </a:lnSpc>
+            </a:pPr>
+            <a:endParaRPr b="0" lang="en-US" sz="1100" spc="-1" strike="noStrike">
+              <a:solidFill>
+                <a:srgbClr val="ffffff"/>
+              </a:solidFill>
+              <a:latin typeface="Arial"/>
+            </a:endParaRPr>
+          </a:p>
+          <a:p>
+            <a:pPr algn="ctr">
+              <a:lnSpc>
+                <a:spcPct val="100000"/>
+              </a:lnSpc>
+            </a:pPr>
+            <a:endParaRPr b="0" lang="en-US" sz="1100" spc="-1" strike="noStrike">
+              <a:solidFill>
+                <a:srgbClr val="ffffff"/>
+              </a:solidFill>
+              <a:latin typeface="Arial"/>
+            </a:endParaRPr>
+          </a:p>
+        </p:txBody>
+      </p:sp>
+      <p:sp>
+        <p:nvSpPr>
+          <p:cNvPr id="195" name="TextBox 20"/>
+          <p:cNvSpPr/>
+          <p:nvPr/>
+        </p:nvSpPr>
+        <p:spPr>
+          <a:xfrm>
+            <a:off x="4600080" y="6446520"/>
+            <a:ext cx="3051000" cy="363960"/>
+          </a:xfrm>
+          <a:prstGeom prst="rect">
+            <a:avLst/>
+          </a:prstGeom>
+          <a:noFill/>
+          <a:ln w="0">
+            <a:noFill/>
+          </a:ln>
+        </p:spPr>
+        <p:style>
+          <a:lnRef idx="0"/>
+          <a:fillRef idx="0"/>
+          <a:effectRef idx="0"/>
+          <a:fontRef idx="minor"/>
+        </p:style>
+        <p:txBody>
+          <a:bodyPr wrap="none" lIns="90000" rIns="90000" tIns="45000" bIns="45000" anchor="t">
+            <a:spAutoFit/>
+          </a:bodyPr>
+          <a:p>
+            <a:pPr>
+              <a:lnSpc>
+                <a:spcPct val="100000"/>
+              </a:lnSpc>
+            </a:pPr>
+            <a:r>
+              <a:rPr b="0" lang="en-US" sz="1800" spc="-1" strike="noStrike">
+                <a:solidFill>
+                  <a:srgbClr val="000000"/>
+                </a:solidFill>
+                <a:latin typeface="Calibri"/>
+                <a:ea typeface="DejaVu Sans"/>
+              </a:rPr>
+              <a:t>Java • Ultra Premium Template</a:t>
+            </a:r>
+            <a:endParaRPr b="0" lang="en-US" sz="1800" spc="-1" strike="noStrike">
+              <a:solidFill>
+                <a:srgbClr val="000000"/>
+              </a:solidFill>
+              <a:latin typeface="Arial"/>
+            </a:endParaRPr>
+          </a:p>
+        </p:txBody>
+      </p:sp>
+      <p:sp>
+        <p:nvSpPr>
+          <p:cNvPr id="196" name="Rounded Rectangle 1"/>
+          <p:cNvSpPr/>
+          <p:nvPr/>
+        </p:nvSpPr>
+        <p:spPr>
+          <a:xfrm>
+            <a:off x="4484160" y="3132000"/>
+            <a:ext cx="3288240" cy="2739600"/>
+          </a:xfrm>
+          <a:prstGeom prst="roundRect">
+            <a:avLst>
+              <a:gd name="adj" fmla="val 16667"/>
+            </a:avLst>
+          </a:prstGeom>
+          <a:solidFill>
+            <a:srgbClr val="16161c"/>
+          </a:solidFill>
+          <a:ln>
+            <a:solidFill>
+              <a:srgbClr val="464655"/>
+            </a:solidFill>
+            <a:round/>
+          </a:ln>
+          <a:effectLst>
+            <a:outerShdw blurRad="39960" dir="5400000" dist="23040" rotWithShape="0">
+              <a:srgbClr val="000000">
+                <a:alpha val="35000"/>
+              </a:srgbClr>
+            </a:outerShdw>
+          </a:effectLst>
+        </p:spPr>
+        <p:style>
+          <a:lnRef idx="1">
+            <a:schemeClr val="accent1"/>
+          </a:lnRef>
+          <a:fillRef idx="3">
+            <a:schemeClr val="accent1"/>
+          </a:fillRef>
+          <a:effectRef idx="2">
+            <a:schemeClr val="accent1"/>
+          </a:effectRef>
+          <a:fontRef idx="minor"/>
+        </p:style>
+        <p:txBody>
+          <a:bodyPr lIns="90000" rIns="90000" tIns="45000" bIns="45000" anchor="ctr">
+            <a:noAutofit/>
+          </a:bodyPr>
+          <a:p>
+            <a:pPr>
+              <a:lnSpc>
+                <a:spcPct val="100000"/>
+              </a:lnSpc>
+            </a:pPr>
+            <a:r>
+              <a:rPr b="1" lang="en-US" sz="1500" spc="-1" strike="noStrike">
+                <a:solidFill>
+                  <a:schemeClr val="lt1"/>
+                </a:solidFill>
+                <a:latin typeface="Calibri"/>
+                <a:ea typeface="DejaVu Sans"/>
+              </a:rPr>
+              <a:t>The Core Idea Behind Oak</a:t>
+            </a:r>
+            <a:endParaRPr b="0" lang="en-US" sz="1500" spc="-1" strike="noStrike">
+              <a:solidFill>
+                <a:srgbClr val="ffffff"/>
+              </a:solidFill>
+              <a:latin typeface="Arial"/>
+            </a:endParaRPr>
+          </a:p>
+          <a:p>
+            <a:pPr>
+              <a:lnSpc>
+                <a:spcPct val="100000"/>
+              </a:lnSpc>
+            </a:pPr>
+            <a:endParaRPr b="0" lang="en-US" sz="1500" spc="-1" strike="noStrike">
+              <a:solidFill>
+                <a:srgbClr val="ffffff"/>
+              </a:solidFill>
+              <a:latin typeface="Arial"/>
+            </a:endParaRPr>
+          </a:p>
+          <a:p>
+            <a:pPr marL="216000" indent="-216000">
+              <a:lnSpc>
+                <a:spcPct val="100000"/>
+              </a:lnSpc>
+              <a:buClr>
+                <a:srgbClr val="ffffff"/>
+              </a:buClr>
+              <a:buFont typeface="Wingdings" charset="2"/>
+              <a:buChar char=""/>
+            </a:pPr>
+            <a:r>
+              <a:rPr b="0" lang="en-US" sz="1500" spc="-1" strike="noStrike">
+                <a:solidFill>
+                  <a:schemeClr val="lt1"/>
+                </a:solidFill>
+                <a:latin typeface="Calibri"/>
+                <a:ea typeface="DejaVu Sans"/>
+              </a:rPr>
+              <a:t>Simple syntax</a:t>
+            </a:r>
+            <a:endParaRPr b="0" lang="en-US" sz="1500" spc="-1" strike="noStrike">
+              <a:solidFill>
+                <a:srgbClr val="ffffff"/>
+              </a:solidFill>
+              <a:latin typeface="Arial"/>
+            </a:endParaRPr>
+          </a:p>
+          <a:p>
+            <a:pPr marL="216000" indent="-216000">
+              <a:lnSpc>
+                <a:spcPct val="100000"/>
+              </a:lnSpc>
+              <a:buClr>
+                <a:srgbClr val="ffffff"/>
+              </a:buClr>
+              <a:buFont typeface="Wingdings" charset="2"/>
+              <a:buChar char=""/>
+            </a:pPr>
+            <a:r>
+              <a:rPr b="0" lang="en-US" sz="1500" spc="-1" strike="noStrike">
+                <a:solidFill>
+                  <a:schemeClr val="lt1"/>
+                </a:solidFill>
+                <a:latin typeface="Calibri"/>
+                <a:ea typeface="DejaVu Sans"/>
+              </a:rPr>
+              <a:t>Strong security</a:t>
+            </a:r>
+            <a:endParaRPr b="0" lang="en-US" sz="1500" spc="-1" strike="noStrike">
+              <a:solidFill>
+                <a:srgbClr val="ffffff"/>
+              </a:solidFill>
+              <a:latin typeface="Arial"/>
+            </a:endParaRPr>
+          </a:p>
+          <a:p>
+            <a:pPr marL="216000" indent="-216000">
+              <a:lnSpc>
+                <a:spcPct val="100000"/>
+              </a:lnSpc>
+              <a:buClr>
+                <a:srgbClr val="ffffff"/>
+              </a:buClr>
+              <a:buFont typeface="Wingdings" charset="2"/>
+              <a:buChar char=""/>
+            </a:pPr>
+            <a:r>
+              <a:rPr b="0" lang="en-US" sz="1500" spc="-1" strike="noStrike">
+                <a:solidFill>
+                  <a:schemeClr val="lt1"/>
+                </a:solidFill>
+                <a:latin typeface="Calibri"/>
+                <a:ea typeface="DejaVu Sans"/>
+              </a:rPr>
+              <a:t>No direct hardware dependency</a:t>
+            </a:r>
+            <a:endParaRPr b="0" lang="en-US" sz="1500" spc="-1" strike="noStrike">
+              <a:solidFill>
+                <a:srgbClr val="ffffff"/>
+              </a:solidFill>
+              <a:latin typeface="Arial"/>
+            </a:endParaRPr>
+          </a:p>
+          <a:p>
+            <a:pPr marL="216000" indent="-216000">
+              <a:lnSpc>
+                <a:spcPct val="100000"/>
+              </a:lnSpc>
+              <a:buClr>
+                <a:srgbClr val="ffffff"/>
+              </a:buClr>
+              <a:buFont typeface="Wingdings" charset="2"/>
+              <a:buChar char=""/>
+            </a:pPr>
+            <a:r>
+              <a:rPr b="0" lang="en-US" sz="1500" spc="-1" strike="noStrike">
+                <a:solidFill>
+                  <a:schemeClr val="lt1"/>
+                </a:solidFill>
+                <a:latin typeface="Calibri"/>
+                <a:ea typeface="DejaVu Sans"/>
+              </a:rPr>
+              <a:t>Automatic memory management</a:t>
+            </a:r>
+            <a:endParaRPr b="0" lang="en-US" sz="1500" spc="-1" strike="noStrike">
+              <a:solidFill>
+                <a:srgbClr val="ffffff"/>
+              </a:solidFill>
+              <a:latin typeface="Arial"/>
+            </a:endParaRPr>
+          </a:p>
+          <a:p>
+            <a:pPr>
+              <a:lnSpc>
+                <a:spcPct val="100000"/>
+              </a:lnSpc>
+            </a:pPr>
+            <a:endParaRPr b="0" lang="en-US" sz="1500" spc="-1" strike="noStrike">
+              <a:solidFill>
+                <a:srgbClr val="ffffff"/>
+              </a:solidFill>
+              <a:latin typeface="Arial"/>
+            </a:endParaRPr>
+          </a:p>
+          <a:p>
+            <a:pPr>
+              <a:lnSpc>
+                <a:spcPct val="100000"/>
+              </a:lnSpc>
+            </a:pPr>
+            <a:r>
+              <a:rPr b="1" lang="en-US" sz="1500" spc="-1" strike="noStrike">
+                <a:solidFill>
+                  <a:schemeClr val="lt1"/>
+                </a:solidFill>
+                <a:latin typeface="Calibri"/>
+                <a:ea typeface="DejaVu Sans"/>
+              </a:rPr>
+              <a:t>Revolutionary thought:</a:t>
+            </a:r>
+            <a:endParaRPr b="0" lang="en-US" sz="1500" spc="-1" strike="noStrike">
+              <a:solidFill>
+                <a:srgbClr val="ffffff"/>
+              </a:solidFill>
+              <a:latin typeface="Arial"/>
+            </a:endParaRPr>
+          </a:p>
+          <a:p>
+            <a:pPr>
+              <a:lnSpc>
+                <a:spcPct val="100000"/>
+              </a:lnSpc>
+            </a:pPr>
+            <a:r>
+              <a:rPr b="0" lang="en-US" sz="1500" spc="-1" strike="noStrike">
+                <a:solidFill>
+                  <a:schemeClr val="lt1"/>
+                </a:solidFill>
+                <a:latin typeface="Calibri"/>
+                <a:ea typeface="DejaVu Sans"/>
+              </a:rPr>
+              <a:t>One language for many devices.</a:t>
+            </a:r>
+            <a:endParaRPr b="0" lang="en-US" sz="1500" spc="-1" strike="noStrike">
+              <a:solidFill>
+                <a:srgbClr val="ffffff"/>
+              </a:solidFill>
+              <a:latin typeface="Arial"/>
+            </a:endParaRPr>
+          </a:p>
+          <a:p>
+            <a:pPr>
+              <a:lnSpc>
+                <a:spcPct val="100000"/>
+              </a:lnSpc>
+            </a:pPr>
+            <a:endParaRPr b="0" lang="en-US" sz="1500" spc="-1" strike="noStrike">
+              <a:solidFill>
+                <a:srgbClr val="ffffff"/>
+              </a:solidFill>
+              <a:latin typeface="Arial"/>
+            </a:endParaRPr>
+          </a:p>
+          <a:p>
+            <a:pPr>
+              <a:lnSpc>
+                <a:spcPct val="100000"/>
+              </a:lnSpc>
+            </a:pPr>
+            <a:r>
+              <a:rPr b="1" lang="en-US" sz="1500" spc="-1" strike="noStrike">
+                <a:solidFill>
+                  <a:schemeClr val="lt1"/>
+                </a:solidFill>
+                <a:latin typeface="Calibri"/>
+                <a:ea typeface="DejaVu Sans"/>
+              </a:rPr>
+              <a:t>“</a:t>
+            </a:r>
+            <a:r>
+              <a:rPr b="1" lang="en-US" sz="1500" spc="-1" strike="noStrike">
+                <a:solidFill>
+                  <a:schemeClr val="lt1"/>
+                </a:solidFill>
+                <a:latin typeface="Calibri"/>
+                <a:ea typeface="DejaVu Sans"/>
+              </a:rPr>
+              <a:t>The same code should run everywhere.”</a:t>
+            </a:r>
+            <a:endParaRPr b="0" lang="en-US" sz="1500" spc="-1" strike="noStrike">
+              <a:solidFill>
+                <a:srgbClr val="ffffff"/>
               </a:solidFill>
               <a:latin typeface="Arial"/>
             </a:endParaRPr>

--- a/Java/Java #1/EN/Java #1.pptx
+++ b/Java/Java #1/EN/Java #1.pptx
@@ -11,6 +11,8 @@
     <p:sldId id="259" r:id="rId6"/>
     <p:sldId id="260" r:id="rId7"/>
     <p:sldId id="261" r:id="rId8"/>
+    <p:sldId id="262" r:id="rId9"/>
+    <p:sldId id="263" r:id="rId10"/>
   </p:sldIdLst>
   <p:sldSz cx="9144000" cy="6858000"/>
   <p:notesSz cx="7772400" cy="10058400"/>
@@ -68,7 +70,7 @@
         <p:txBody>
           <a:bodyPr/>
           <a:p>
-            <a:fld id="{8D501AC8-F0C7-426A-BC82-1B7CEE342976}" type="slidenum">
+            <a:fld id="{593FA9D7-1864-4BAE-9864-D3B8EAC73348}" type="slidenum">
               <a:t>&lt;#&gt;</a:t>
             </a:fld>
           </a:p>
@@ -277,7 +279,7 @@
         <p:txBody>
           <a:bodyPr/>
           <a:p>
-            <a:fld id="{EADE71A5-9267-4546-ADC3-2B24ADA1FA08}" type="slidenum">
+            <a:fld id="{B15C5DD7-C094-40EE-859F-6D730D30812C}" type="slidenum">
               <a:t>&lt;#&gt;</a:t>
             </a:fld>
           </a:p>
@@ -572,7 +574,7 @@
         <p:txBody>
           <a:bodyPr/>
           <a:p>
-            <a:fld id="{B465A077-8F2A-415E-8E88-7FEED32ECB72}" type="slidenum">
+            <a:fld id="{49C05B60-306E-4C92-B2F8-4EFA9208F3E8}" type="slidenum">
               <a:t>&lt;#&gt;</a:t>
             </a:fld>
           </a:p>
@@ -953,7 +955,7 @@
         <p:txBody>
           <a:bodyPr/>
           <a:p>
-            <a:fld id="{36D55C9E-3394-4E7F-B87E-BD94E5A1C968}" type="slidenum">
+            <a:fld id="{70317F52-5667-4313-9F1D-9EF3E47A40A4}" type="slidenum">
               <a:t>&lt;#&gt;</a:t>
             </a:fld>
           </a:p>
@@ -1116,7 +1118,7 @@
         <p:txBody>
           <a:bodyPr/>
           <a:p>
-            <a:fld id="{2B5C8884-4517-4D7C-BC37-EC4BD763006A}" type="slidenum">
+            <a:fld id="{A1B281EA-AEF5-4182-9785-7399523C59E0}" type="slidenum">
               <a:t>&lt;#&gt;</a:t>
             </a:fld>
           </a:p>
@@ -1282,7 +1284,7 @@
         <p:txBody>
           <a:bodyPr/>
           <a:p>
-            <a:fld id="{97893C4F-7527-438B-A89D-BE88FF108E37}" type="slidenum">
+            <a:fld id="{B487BA46-E105-4913-A229-B29C3F9029D8}" type="slidenum">
               <a:t>&lt;#&gt;</a:t>
             </a:fld>
           </a:p>
@@ -1491,7 +1493,7 @@
         <p:txBody>
           <a:bodyPr/>
           <a:p>
-            <a:fld id="{6C82584C-CCE5-4BD5-9B8A-2E94320F5302}" type="slidenum">
+            <a:fld id="{F29C81AF-4B1E-4C89-83BE-980F47A1AEAF}" type="slidenum">
               <a:t>&lt;#&gt;</a:t>
             </a:fld>
           </a:p>
@@ -1614,7 +1616,7 @@
         <p:txBody>
           <a:bodyPr/>
           <a:p>
-            <a:fld id="{0980779F-209D-426A-86EC-E1B17B496354}" type="slidenum">
+            <a:fld id="{8A9BD45B-9E96-4BE3-A261-D4BAD35FAE34}" type="slidenum">
               <a:t>&lt;#&gt;</a:t>
             </a:fld>
           </a:p>
@@ -1735,7 +1737,7 @@
         <p:txBody>
           <a:bodyPr/>
           <a:p>
-            <a:fld id="{6D4E52D8-3E31-42F6-A457-C2B6E1169AA7}" type="slidenum">
+            <a:fld id="{51BDE474-0FDE-481C-BE71-E6DFE2853CF1}" type="slidenum">
               <a:t>&lt;#&gt;</a:t>
             </a:fld>
           </a:p>
@@ -1987,7 +1989,7 @@
         <p:txBody>
           <a:bodyPr/>
           <a:p>
-            <a:fld id="{DCF8296D-6F64-4691-8F49-FB2DA47012C5}" type="slidenum">
+            <a:fld id="{541E2BA7-52BD-48EA-9930-37D3EEC5ECA5}" type="slidenum">
               <a:t>&lt;#&gt;</a:t>
             </a:fld>
           </a:p>
@@ -2239,7 +2241,7 @@
         <p:txBody>
           <a:bodyPr/>
           <a:p>
-            <a:fld id="{4EE77366-B237-46CE-A3F0-B18B59F02A31}" type="slidenum">
+            <a:fld id="{DE9874E9-4023-48B2-928A-42297EF4266F}" type="slidenum">
               <a:t>&lt;#&gt;</a:t>
             </a:fld>
           </a:p>
@@ -2491,7 +2493,7 @@
         <p:txBody>
           <a:bodyPr/>
           <a:p>
-            <a:fld id="{87306A68-C337-4762-9BC9-227976A2C554}" type="slidenum">
+            <a:fld id="{A6F11171-B2D1-4DD8-9258-C98ABBF1FF09}" type="slidenum">
               <a:t>&lt;#&gt;</a:t>
             </a:fld>
           </a:p>
@@ -2560,7 +2562,7 @@
         <p:spPr>
           <a:xfrm>
             <a:off x="3124080" y="6356520"/>
-            <a:ext cx="2891880" cy="361440"/>
+            <a:ext cx="2891520" cy="361080"/>
           </a:xfrm>
           <a:prstGeom prst="rect">
             <a:avLst/>
@@ -2632,7 +2634,7 @@
         <p:spPr>
           <a:xfrm>
             <a:off x="6553080" y="6356520"/>
-            <a:ext cx="2130120" cy="361440"/>
+            <a:ext cx="2129760" cy="361080"/>
           </a:xfrm>
           <a:prstGeom prst="rect">
             <a:avLst/>
@@ -2673,7 +2675,7 @@
                 <a:tab algn="l" pos="0"/>
               </a:tabLst>
             </a:pPr>
-            <a:fld id="{EEA52EAA-71F7-4D1A-8927-F09FBCE2D41D}" type="slidenum">
+            <a:fld id="{63648213-F1EF-4B08-804F-75749B7A9E12}" type="slidenum">
               <a:rPr b="0" lang="en-US" sz="1200" spc="-1" strike="noStrike">
                 <a:solidFill>
                   <a:srgbClr val="8b8b8b"/>
@@ -2704,7 +2706,7 @@
         <p:spPr>
           <a:xfrm>
             <a:off x="457200" y="6356520"/>
-            <a:ext cx="2130120" cy="361440"/>
+            <a:ext cx="2129760" cy="361080"/>
           </a:xfrm>
           <a:prstGeom prst="rect">
             <a:avLst/>
@@ -3071,7 +3073,7 @@
         <p:spPr>
           <a:xfrm>
             <a:off x="0" y="0"/>
-            <a:ext cx="12185280" cy="6854400"/>
+            <a:ext cx="12184920" cy="6854040"/>
           </a:xfrm>
           <a:prstGeom prst="rect">
             <a:avLst/>
@@ -3131,7 +3133,7 @@
         <p:spPr>
           <a:xfrm>
             <a:off x="0" y="0"/>
-            <a:ext cx="14760" cy="6854400"/>
+            <a:ext cx="14400" cy="6854040"/>
           </a:xfrm>
           <a:prstGeom prst="rect">
             <a:avLst/>
@@ -3191,7 +3193,7 @@
         <p:spPr>
           <a:xfrm>
             <a:off x="914400" y="0"/>
-            <a:ext cx="14760" cy="6854400"/>
+            <a:ext cx="14400" cy="6854040"/>
           </a:xfrm>
           <a:prstGeom prst="rect">
             <a:avLst/>
@@ -3251,7 +3253,7 @@
         <p:spPr>
           <a:xfrm>
             <a:off x="1828800" y="0"/>
-            <a:ext cx="14760" cy="6854400"/>
+            <a:ext cx="14400" cy="6854040"/>
           </a:xfrm>
           <a:prstGeom prst="rect">
             <a:avLst/>
@@ -3311,7 +3313,7 @@
         <p:spPr>
           <a:xfrm>
             <a:off x="2743200" y="0"/>
-            <a:ext cx="14760" cy="6854400"/>
+            <a:ext cx="14400" cy="6854040"/>
           </a:xfrm>
           <a:prstGeom prst="rect">
             <a:avLst/>
@@ -3371,7 +3373,7 @@
         <p:spPr>
           <a:xfrm>
             <a:off x="3657600" y="0"/>
-            <a:ext cx="14760" cy="6854400"/>
+            <a:ext cx="14400" cy="6854040"/>
           </a:xfrm>
           <a:prstGeom prst="rect">
             <a:avLst/>
@@ -3431,7 +3433,7 @@
         <p:spPr>
           <a:xfrm>
             <a:off x="4572000" y="0"/>
-            <a:ext cx="14760" cy="6854400"/>
+            <a:ext cx="14400" cy="6854040"/>
           </a:xfrm>
           <a:prstGeom prst="rect">
             <a:avLst/>
@@ -3491,7 +3493,7 @@
         <p:spPr>
           <a:xfrm>
             <a:off x="5486400" y="0"/>
-            <a:ext cx="14760" cy="6854400"/>
+            <a:ext cx="14400" cy="6854040"/>
           </a:xfrm>
           <a:prstGeom prst="rect">
             <a:avLst/>
@@ -3551,7 +3553,7 @@
         <p:spPr>
           <a:xfrm>
             <a:off x="6400800" y="0"/>
-            <a:ext cx="14760" cy="6854400"/>
+            <a:ext cx="14400" cy="6854040"/>
           </a:xfrm>
           <a:prstGeom prst="rect">
             <a:avLst/>
@@ -3611,7 +3613,7 @@
         <p:spPr>
           <a:xfrm>
             <a:off x="7315200" y="0"/>
-            <a:ext cx="14760" cy="6854400"/>
+            <a:ext cx="14400" cy="6854040"/>
           </a:xfrm>
           <a:prstGeom prst="rect">
             <a:avLst/>
@@ -3671,7 +3673,7 @@
         <p:spPr>
           <a:xfrm>
             <a:off x="8229600" y="0"/>
-            <a:ext cx="14760" cy="6854400"/>
+            <a:ext cx="14400" cy="6854040"/>
           </a:xfrm>
           <a:prstGeom prst="rect">
             <a:avLst/>
@@ -3731,7 +3733,7 @@
         <p:spPr>
           <a:xfrm>
             <a:off x="9144000" y="0"/>
-            <a:ext cx="14760" cy="6854400"/>
+            <a:ext cx="14400" cy="6854040"/>
           </a:xfrm>
           <a:prstGeom prst="rect">
             <a:avLst/>
@@ -3791,7 +3793,7 @@
         <p:spPr>
           <a:xfrm>
             <a:off x="10058400" y="0"/>
-            <a:ext cx="14760" cy="6854400"/>
+            <a:ext cx="14400" cy="6854040"/>
           </a:xfrm>
           <a:prstGeom prst="rect">
             <a:avLst/>
@@ -3851,7 +3853,7 @@
         <p:spPr>
           <a:xfrm>
             <a:off x="10972800" y="0"/>
-            <a:ext cx="14760" cy="6854400"/>
+            <a:ext cx="14400" cy="6854040"/>
           </a:xfrm>
           <a:prstGeom prst="rect">
             <a:avLst/>
@@ -3911,7 +3913,7 @@
         <p:spPr>
           <a:xfrm>
             <a:off x="11887200" y="0"/>
-            <a:ext cx="14760" cy="6854400"/>
+            <a:ext cx="14400" cy="6854040"/>
           </a:xfrm>
           <a:prstGeom prst="rect">
             <a:avLst/>
@@ -3971,7 +3973,7 @@
         <p:spPr>
           <a:xfrm>
             <a:off x="0" y="0"/>
-            <a:ext cx="316440" cy="6854400"/>
+            <a:ext cx="316080" cy="6854040"/>
           </a:xfrm>
           <a:prstGeom prst="rect">
             <a:avLst/>
@@ -4031,7 +4033,7 @@
         <p:spPr>
           <a:xfrm>
             <a:off x="9875520" y="365760"/>
-            <a:ext cx="2008080" cy="499320"/>
+            <a:ext cx="2007720" cy="498960"/>
           </a:xfrm>
           <a:prstGeom prst="roundRect">
             <a:avLst>
@@ -4226,7 +4228,7 @@
         <p:spPr>
           <a:xfrm>
             <a:off x="987480" y="3182040"/>
-            <a:ext cx="3288240" cy="2739600"/>
+            <a:ext cx="3287880" cy="2739240"/>
           </a:xfrm>
           <a:prstGeom prst="roundRect">
             <a:avLst>
@@ -4288,7 +4290,7 @@
         <p:spPr>
           <a:xfrm>
             <a:off x="914400" y="3108960"/>
-            <a:ext cx="3288240" cy="2739600"/>
+            <a:ext cx="3287880" cy="2739240"/>
           </a:xfrm>
           <a:prstGeom prst="roundRect">
             <a:avLst>
@@ -4438,7 +4440,7 @@
         <p:spPr>
           <a:xfrm>
             <a:off x="4507920" y="3182040"/>
-            <a:ext cx="3288240" cy="2739600"/>
+            <a:ext cx="3287880" cy="2739240"/>
           </a:xfrm>
           <a:prstGeom prst="roundRect">
             <a:avLst>
@@ -4500,7 +4502,7 @@
         <p:spPr>
           <a:xfrm>
             <a:off x="4434840" y="3108960"/>
-            <a:ext cx="3288240" cy="2739600"/>
+            <a:ext cx="3287880" cy="2739240"/>
           </a:xfrm>
           <a:prstGeom prst="roundRect">
             <a:avLst>
@@ -4752,7 +4754,7 @@
         <p:spPr>
           <a:xfrm>
             <a:off x="8028360" y="3182040"/>
-            <a:ext cx="3288240" cy="2739600"/>
+            <a:ext cx="3287880" cy="2739240"/>
           </a:xfrm>
           <a:prstGeom prst="roundRect">
             <a:avLst>
@@ -4814,7 +4816,7 @@
         <p:spPr>
           <a:xfrm>
             <a:off x="7955280" y="3108960"/>
-            <a:ext cx="3288240" cy="2739600"/>
+            <a:ext cx="3287880" cy="2739240"/>
           </a:xfrm>
           <a:prstGeom prst="roundRect">
             <a:avLst>
@@ -4972,7 +4974,7 @@
         <p:spPr>
           <a:xfrm>
             <a:off x="0" y="0"/>
-            <a:ext cx="12185280" cy="6854400"/>
+            <a:ext cx="12184920" cy="6854040"/>
           </a:xfrm>
           <a:prstGeom prst="rect">
             <a:avLst/>
@@ -5032,7 +5034,7 @@
         <p:spPr>
           <a:xfrm>
             <a:off x="0" y="0"/>
-            <a:ext cx="14760" cy="6854400"/>
+            <a:ext cx="14400" cy="6854040"/>
           </a:xfrm>
           <a:prstGeom prst="rect">
             <a:avLst/>
@@ -5092,7 +5094,7 @@
         <p:spPr>
           <a:xfrm>
             <a:off x="914400" y="0"/>
-            <a:ext cx="14760" cy="6854400"/>
+            <a:ext cx="14400" cy="6854040"/>
           </a:xfrm>
           <a:prstGeom prst="rect">
             <a:avLst/>
@@ -5152,7 +5154,7 @@
         <p:spPr>
           <a:xfrm>
             <a:off x="1828800" y="0"/>
-            <a:ext cx="14760" cy="6854400"/>
+            <a:ext cx="14400" cy="6854040"/>
           </a:xfrm>
           <a:prstGeom prst="rect">
             <a:avLst/>
@@ -5212,7 +5214,7 @@
         <p:spPr>
           <a:xfrm>
             <a:off x="2743200" y="0"/>
-            <a:ext cx="14760" cy="6854400"/>
+            <a:ext cx="14400" cy="6854040"/>
           </a:xfrm>
           <a:prstGeom prst="rect">
             <a:avLst/>
@@ -5272,7 +5274,7 @@
         <p:spPr>
           <a:xfrm>
             <a:off x="3657600" y="0"/>
-            <a:ext cx="14760" cy="6854400"/>
+            <a:ext cx="14400" cy="6854040"/>
           </a:xfrm>
           <a:prstGeom prst="rect">
             <a:avLst/>
@@ -5332,7 +5334,7 @@
         <p:spPr>
           <a:xfrm>
             <a:off x="4572000" y="0"/>
-            <a:ext cx="14760" cy="6854400"/>
+            <a:ext cx="14400" cy="6854040"/>
           </a:xfrm>
           <a:prstGeom prst="rect">
             <a:avLst/>
@@ -5392,7 +5394,7 @@
         <p:spPr>
           <a:xfrm>
             <a:off x="5486400" y="0"/>
-            <a:ext cx="14760" cy="6854400"/>
+            <a:ext cx="14400" cy="6854040"/>
           </a:xfrm>
           <a:prstGeom prst="rect">
             <a:avLst/>
@@ -5452,7 +5454,7 @@
         <p:spPr>
           <a:xfrm>
             <a:off x="6400800" y="0"/>
-            <a:ext cx="14760" cy="6854400"/>
+            <a:ext cx="14400" cy="6854040"/>
           </a:xfrm>
           <a:prstGeom prst="rect">
             <a:avLst/>
@@ -5512,7 +5514,7 @@
         <p:spPr>
           <a:xfrm>
             <a:off x="7315200" y="0"/>
-            <a:ext cx="14760" cy="6854400"/>
+            <a:ext cx="14400" cy="6854040"/>
           </a:xfrm>
           <a:prstGeom prst="rect">
             <a:avLst/>
@@ -5572,7 +5574,7 @@
         <p:spPr>
           <a:xfrm>
             <a:off x="8229600" y="0"/>
-            <a:ext cx="14760" cy="6854400"/>
+            <a:ext cx="14400" cy="6854040"/>
           </a:xfrm>
           <a:prstGeom prst="rect">
             <a:avLst/>
@@ -5632,7 +5634,7 @@
         <p:spPr>
           <a:xfrm>
             <a:off x="9144000" y="0"/>
-            <a:ext cx="14760" cy="6854400"/>
+            <a:ext cx="14400" cy="6854040"/>
           </a:xfrm>
           <a:prstGeom prst="rect">
             <a:avLst/>
@@ -5692,7 +5694,7 @@
         <p:spPr>
           <a:xfrm>
             <a:off x="10058400" y="0"/>
-            <a:ext cx="14760" cy="6854400"/>
+            <a:ext cx="14400" cy="6854040"/>
           </a:xfrm>
           <a:prstGeom prst="rect">
             <a:avLst/>
@@ -5752,7 +5754,7 @@
         <p:spPr>
           <a:xfrm>
             <a:off x="10972800" y="0"/>
-            <a:ext cx="14760" cy="6854400"/>
+            <a:ext cx="14400" cy="6854040"/>
           </a:xfrm>
           <a:prstGeom prst="rect">
             <a:avLst/>
@@ -5812,7 +5814,7 @@
         <p:spPr>
           <a:xfrm>
             <a:off x="11887200" y="0"/>
-            <a:ext cx="14760" cy="6854400"/>
+            <a:ext cx="14400" cy="6854040"/>
           </a:xfrm>
           <a:prstGeom prst="rect">
             <a:avLst/>
@@ -5872,7 +5874,7 @@
         <p:spPr>
           <a:xfrm>
             <a:off x="0" y="0"/>
-            <a:ext cx="316440" cy="6854400"/>
+            <a:ext cx="316080" cy="6854040"/>
           </a:xfrm>
           <a:prstGeom prst="rect">
             <a:avLst/>
@@ -5932,7 +5934,7 @@
         <p:spPr>
           <a:xfrm>
             <a:off x="9875520" y="365760"/>
-            <a:ext cx="2008080" cy="499320"/>
+            <a:ext cx="2007720" cy="498960"/>
           </a:xfrm>
           <a:prstGeom prst="roundRect">
             <a:avLst>
@@ -6150,7 +6152,7 @@
         <p:spPr>
           <a:xfrm>
             <a:off x="987480" y="3182040"/>
-            <a:ext cx="3288240" cy="2739600"/>
+            <a:ext cx="3287880" cy="2739240"/>
           </a:xfrm>
           <a:prstGeom prst="roundRect">
             <a:avLst>
@@ -6212,7 +6214,7 @@
         <p:spPr>
           <a:xfrm>
             <a:off x="914400" y="3108960"/>
-            <a:ext cx="3288240" cy="2739600"/>
+            <a:ext cx="3287880" cy="2739240"/>
           </a:xfrm>
           <a:prstGeom prst="roundRect">
             <a:avLst>
@@ -6441,7 +6443,7 @@
         <p:spPr>
           <a:xfrm>
             <a:off x="4507920" y="3182040"/>
-            <a:ext cx="3288240" cy="2739600"/>
+            <a:ext cx="3287880" cy="2739240"/>
           </a:xfrm>
           <a:prstGeom prst="roundRect">
             <a:avLst>
@@ -6503,7 +6505,7 @@
         <p:spPr>
           <a:xfrm>
             <a:off x="4434840" y="3108960"/>
-            <a:ext cx="3288240" cy="2739600"/>
+            <a:ext cx="3287880" cy="2739240"/>
           </a:xfrm>
           <a:prstGeom prst="roundRect">
             <a:avLst>
@@ -6879,7 +6881,7 @@
         <p:spPr>
           <a:xfrm>
             <a:off x="8028360" y="3182040"/>
-            <a:ext cx="3288240" cy="2739600"/>
+            <a:ext cx="3287880" cy="2739240"/>
           </a:xfrm>
           <a:prstGeom prst="roundRect">
             <a:avLst>
@@ -6941,7 +6943,7 @@
         <p:spPr>
           <a:xfrm>
             <a:off x="7955280" y="3108960"/>
-            <a:ext cx="3288240" cy="2739600"/>
+            <a:ext cx="3287880" cy="2739240"/>
           </a:xfrm>
           <a:prstGeom prst="roundRect">
             <a:avLst>
@@ -7234,7 +7236,7 @@
         <p:spPr>
           <a:xfrm>
             <a:off x="0" y="0"/>
-            <a:ext cx="12185280" cy="6854400"/>
+            <a:ext cx="12184920" cy="6854040"/>
           </a:xfrm>
           <a:prstGeom prst="rect">
             <a:avLst/>
@@ -7294,7 +7296,7 @@
         <p:spPr>
           <a:xfrm>
             <a:off x="0" y="0"/>
-            <a:ext cx="14760" cy="6854400"/>
+            <a:ext cx="14400" cy="6854040"/>
           </a:xfrm>
           <a:prstGeom prst="rect">
             <a:avLst/>
@@ -7354,7 +7356,7 @@
         <p:spPr>
           <a:xfrm>
             <a:off x="914400" y="0"/>
-            <a:ext cx="14760" cy="6854400"/>
+            <a:ext cx="14400" cy="6854040"/>
           </a:xfrm>
           <a:prstGeom prst="rect">
             <a:avLst/>
@@ -7414,7 +7416,7 @@
         <p:spPr>
           <a:xfrm>
             <a:off x="1828800" y="0"/>
-            <a:ext cx="14760" cy="6854400"/>
+            <a:ext cx="14400" cy="6854040"/>
           </a:xfrm>
           <a:prstGeom prst="rect">
             <a:avLst/>
@@ -7474,7 +7476,7 @@
         <p:spPr>
           <a:xfrm>
             <a:off x="2743200" y="0"/>
-            <a:ext cx="14760" cy="6854400"/>
+            <a:ext cx="14400" cy="6854040"/>
           </a:xfrm>
           <a:prstGeom prst="rect">
             <a:avLst/>
@@ -7534,7 +7536,7 @@
         <p:spPr>
           <a:xfrm>
             <a:off x="3657600" y="0"/>
-            <a:ext cx="14760" cy="6854400"/>
+            <a:ext cx="14400" cy="6854040"/>
           </a:xfrm>
           <a:prstGeom prst="rect">
             <a:avLst/>
@@ -7594,7 +7596,7 @@
         <p:spPr>
           <a:xfrm>
             <a:off x="4572000" y="0"/>
-            <a:ext cx="14760" cy="6854400"/>
+            <a:ext cx="14400" cy="6854040"/>
           </a:xfrm>
           <a:prstGeom prst="rect">
             <a:avLst/>
@@ -7654,7 +7656,7 @@
         <p:spPr>
           <a:xfrm>
             <a:off x="5486400" y="0"/>
-            <a:ext cx="14760" cy="6854400"/>
+            <a:ext cx="14400" cy="6854040"/>
           </a:xfrm>
           <a:prstGeom prst="rect">
             <a:avLst/>
@@ -7714,7 +7716,7 @@
         <p:spPr>
           <a:xfrm>
             <a:off x="6400800" y="0"/>
-            <a:ext cx="14760" cy="6854400"/>
+            <a:ext cx="14400" cy="6854040"/>
           </a:xfrm>
           <a:prstGeom prst="rect">
             <a:avLst/>
@@ -7774,7 +7776,7 @@
         <p:spPr>
           <a:xfrm>
             <a:off x="7315200" y="0"/>
-            <a:ext cx="14760" cy="6854400"/>
+            <a:ext cx="14400" cy="6854040"/>
           </a:xfrm>
           <a:prstGeom prst="rect">
             <a:avLst/>
@@ -7834,7 +7836,7 @@
         <p:spPr>
           <a:xfrm>
             <a:off x="8229600" y="0"/>
-            <a:ext cx="14760" cy="6854400"/>
+            <a:ext cx="14400" cy="6854040"/>
           </a:xfrm>
           <a:prstGeom prst="rect">
             <a:avLst/>
@@ -7894,7 +7896,7 @@
         <p:spPr>
           <a:xfrm>
             <a:off x="9144000" y="0"/>
-            <a:ext cx="14760" cy="6854400"/>
+            <a:ext cx="14400" cy="6854040"/>
           </a:xfrm>
           <a:prstGeom prst="rect">
             <a:avLst/>
@@ -7954,7 +7956,7 @@
         <p:spPr>
           <a:xfrm>
             <a:off x="10058400" y="0"/>
-            <a:ext cx="14760" cy="6854400"/>
+            <a:ext cx="14400" cy="6854040"/>
           </a:xfrm>
           <a:prstGeom prst="rect">
             <a:avLst/>
@@ -8014,7 +8016,7 @@
         <p:spPr>
           <a:xfrm>
             <a:off x="10972800" y="0"/>
-            <a:ext cx="14760" cy="6854400"/>
+            <a:ext cx="14400" cy="6854040"/>
           </a:xfrm>
           <a:prstGeom prst="rect">
             <a:avLst/>
@@ -8074,7 +8076,7 @@
         <p:spPr>
           <a:xfrm>
             <a:off x="11887200" y="0"/>
-            <a:ext cx="14760" cy="6854400"/>
+            <a:ext cx="14400" cy="6854040"/>
           </a:xfrm>
           <a:prstGeom prst="rect">
             <a:avLst/>
@@ -8134,7 +8136,7 @@
         <p:spPr>
           <a:xfrm>
             <a:off x="0" y="0"/>
-            <a:ext cx="316440" cy="6854400"/>
+            <a:ext cx="316080" cy="6854040"/>
           </a:xfrm>
           <a:prstGeom prst="rect">
             <a:avLst/>
@@ -8194,7 +8196,7 @@
         <p:spPr>
           <a:xfrm>
             <a:off x="9875520" y="365760"/>
-            <a:ext cx="2008080" cy="499320"/>
+            <a:ext cx="2007720" cy="498960"/>
           </a:xfrm>
           <a:prstGeom prst="roundRect">
             <a:avLst>
@@ -8389,7 +8391,7 @@
         <p:spPr>
           <a:xfrm>
             <a:off x="987480" y="3182040"/>
-            <a:ext cx="3288240" cy="2739600"/>
+            <a:ext cx="3287880" cy="2739240"/>
           </a:xfrm>
           <a:prstGeom prst="roundRect">
             <a:avLst>
@@ -8451,7 +8453,7 @@
         <p:spPr>
           <a:xfrm>
             <a:off x="914400" y="3108960"/>
-            <a:ext cx="3288240" cy="2739600"/>
+            <a:ext cx="3287880" cy="2739240"/>
           </a:xfrm>
           <a:prstGeom prst="roundRect">
             <a:avLst>
@@ -8614,7 +8616,7 @@
         <p:spPr>
           <a:xfrm>
             <a:off x="4507920" y="3182040"/>
-            <a:ext cx="3288240" cy="2739600"/>
+            <a:ext cx="3287880" cy="2739240"/>
           </a:xfrm>
           <a:prstGeom prst="roundRect">
             <a:avLst>
@@ -8676,7 +8678,7 @@
         <p:spPr>
           <a:xfrm>
             <a:off x="4434840" y="3108960"/>
-            <a:ext cx="3288240" cy="2739600"/>
+            <a:ext cx="3287880" cy="2739240"/>
           </a:xfrm>
           <a:prstGeom prst="roundRect">
             <a:avLst>
@@ -8947,7 +8949,7 @@
         <p:spPr>
           <a:xfrm>
             <a:off x="8028360" y="3182040"/>
-            <a:ext cx="3288240" cy="2739600"/>
+            <a:ext cx="3287880" cy="2739240"/>
           </a:xfrm>
           <a:prstGeom prst="roundRect">
             <a:avLst>
@@ -9009,7 +9011,7 @@
         <p:spPr>
           <a:xfrm>
             <a:off x="7955280" y="3108960"/>
-            <a:ext cx="3288240" cy="2739600"/>
+            <a:ext cx="3287880" cy="2739240"/>
           </a:xfrm>
           <a:prstGeom prst="roundRect">
             <a:avLst>
@@ -9341,7 +9343,7 @@
         <p:spPr>
           <a:xfrm>
             <a:off x="0" y="0"/>
-            <a:ext cx="12185280" cy="6854400"/>
+            <a:ext cx="12184920" cy="6854040"/>
           </a:xfrm>
           <a:prstGeom prst="rect">
             <a:avLst/>
@@ -9401,7 +9403,7 @@
         <p:spPr>
           <a:xfrm>
             <a:off x="0" y="0"/>
-            <a:ext cx="14760" cy="6854400"/>
+            <a:ext cx="14400" cy="6854040"/>
           </a:xfrm>
           <a:prstGeom prst="rect">
             <a:avLst/>
@@ -9461,7 +9463,7 @@
         <p:spPr>
           <a:xfrm>
             <a:off x="914400" y="0"/>
-            <a:ext cx="14760" cy="6854400"/>
+            <a:ext cx="14400" cy="6854040"/>
           </a:xfrm>
           <a:prstGeom prst="rect">
             <a:avLst/>
@@ -9521,7 +9523,7 @@
         <p:spPr>
           <a:xfrm>
             <a:off x="1828800" y="0"/>
-            <a:ext cx="14760" cy="6854400"/>
+            <a:ext cx="14400" cy="6854040"/>
           </a:xfrm>
           <a:prstGeom prst="rect">
             <a:avLst/>
@@ -9581,7 +9583,7 @@
         <p:spPr>
           <a:xfrm>
             <a:off x="2743200" y="0"/>
-            <a:ext cx="14760" cy="6854400"/>
+            <a:ext cx="14400" cy="6854040"/>
           </a:xfrm>
           <a:prstGeom prst="rect">
             <a:avLst/>
@@ -9641,7 +9643,7 @@
         <p:spPr>
           <a:xfrm>
             <a:off x="3657600" y="0"/>
-            <a:ext cx="14760" cy="6854400"/>
+            <a:ext cx="14400" cy="6854040"/>
           </a:xfrm>
           <a:prstGeom prst="rect">
             <a:avLst/>
@@ -9701,7 +9703,7 @@
         <p:spPr>
           <a:xfrm>
             <a:off x="4572000" y="0"/>
-            <a:ext cx="14760" cy="6854400"/>
+            <a:ext cx="14400" cy="6854040"/>
           </a:xfrm>
           <a:prstGeom prst="rect">
             <a:avLst/>
@@ -9761,7 +9763,7 @@
         <p:spPr>
           <a:xfrm>
             <a:off x="5486400" y="0"/>
-            <a:ext cx="14760" cy="6854400"/>
+            <a:ext cx="14400" cy="6854040"/>
           </a:xfrm>
           <a:prstGeom prst="rect">
             <a:avLst/>
@@ -9821,7 +9823,7 @@
         <p:spPr>
           <a:xfrm>
             <a:off x="6400800" y="0"/>
-            <a:ext cx="14760" cy="6854400"/>
+            <a:ext cx="14400" cy="6854040"/>
           </a:xfrm>
           <a:prstGeom prst="rect">
             <a:avLst/>
@@ -9881,7 +9883,7 @@
         <p:spPr>
           <a:xfrm>
             <a:off x="7315200" y="0"/>
-            <a:ext cx="14760" cy="6854400"/>
+            <a:ext cx="14400" cy="6854040"/>
           </a:xfrm>
           <a:prstGeom prst="rect">
             <a:avLst/>
@@ -9941,7 +9943,7 @@
         <p:spPr>
           <a:xfrm>
             <a:off x="8229600" y="0"/>
-            <a:ext cx="14760" cy="6854400"/>
+            <a:ext cx="14400" cy="6854040"/>
           </a:xfrm>
           <a:prstGeom prst="rect">
             <a:avLst/>
@@ -10001,7 +10003,7 @@
         <p:spPr>
           <a:xfrm>
             <a:off x="9144000" y="0"/>
-            <a:ext cx="14760" cy="6854400"/>
+            <a:ext cx="14400" cy="6854040"/>
           </a:xfrm>
           <a:prstGeom prst="rect">
             <a:avLst/>
@@ -10061,7 +10063,7 @@
         <p:spPr>
           <a:xfrm>
             <a:off x="10058400" y="0"/>
-            <a:ext cx="14760" cy="6854400"/>
+            <a:ext cx="14400" cy="6854040"/>
           </a:xfrm>
           <a:prstGeom prst="rect">
             <a:avLst/>
@@ -10121,7 +10123,7 @@
         <p:spPr>
           <a:xfrm>
             <a:off x="10972800" y="0"/>
-            <a:ext cx="14760" cy="6854400"/>
+            <a:ext cx="14400" cy="6854040"/>
           </a:xfrm>
           <a:prstGeom prst="rect">
             <a:avLst/>
@@ -10181,7 +10183,7 @@
         <p:spPr>
           <a:xfrm>
             <a:off x="11887200" y="0"/>
-            <a:ext cx="14760" cy="6854400"/>
+            <a:ext cx="14400" cy="6854040"/>
           </a:xfrm>
           <a:prstGeom prst="rect">
             <a:avLst/>
@@ -10241,7 +10243,7 @@
         <p:spPr>
           <a:xfrm>
             <a:off x="0" y="0"/>
-            <a:ext cx="316440" cy="6854400"/>
+            <a:ext cx="316080" cy="6854040"/>
           </a:xfrm>
           <a:prstGeom prst="rect">
             <a:avLst/>
@@ -10301,7 +10303,7 @@
         <p:spPr>
           <a:xfrm>
             <a:off x="9875520" y="365760"/>
-            <a:ext cx="2008080" cy="499320"/>
+            <a:ext cx="2007720" cy="498960"/>
           </a:xfrm>
           <a:prstGeom prst="roundRect">
             <a:avLst>
@@ -10375,7 +10377,7 @@
         <p:spPr>
           <a:xfrm>
             <a:off x="3885120" y="1005840"/>
-            <a:ext cx="3200400" cy="820800"/>
+            <a:ext cx="3200040" cy="820800"/>
           </a:xfrm>
           <a:prstGeom prst="rect">
             <a:avLst/>
@@ -10483,7 +10485,7 @@
         <p:spPr>
           <a:xfrm>
             <a:off x="987480" y="3182040"/>
-            <a:ext cx="3288240" cy="2739600"/>
+            <a:ext cx="3287880" cy="2739240"/>
           </a:xfrm>
           <a:prstGeom prst="roundRect">
             <a:avLst>
@@ -10545,7 +10547,7 @@
         <p:spPr>
           <a:xfrm>
             <a:off x="914400" y="3108960"/>
-            <a:ext cx="3288240" cy="2739600"/>
+            <a:ext cx="3287880" cy="2739240"/>
           </a:xfrm>
           <a:prstGeom prst="roundRect">
             <a:avLst>
@@ -10875,7 +10877,7 @@
         <p:spPr>
           <a:xfrm>
             <a:off x="4507920" y="3182040"/>
-            <a:ext cx="3288240" cy="2739600"/>
+            <a:ext cx="3287880" cy="2739240"/>
           </a:xfrm>
           <a:prstGeom prst="roundRect">
             <a:avLst>
@@ -10937,7 +10939,7 @@
         <p:spPr>
           <a:xfrm>
             <a:off x="4434840" y="3108960"/>
-            <a:ext cx="3288240" cy="2739600"/>
+            <a:ext cx="3287880" cy="2739240"/>
           </a:xfrm>
           <a:prstGeom prst="roundRect">
             <a:avLst>
@@ -11257,7 +11259,7 @@
         <p:spPr>
           <a:xfrm>
             <a:off x="8028360" y="3182040"/>
-            <a:ext cx="3288240" cy="2739600"/>
+            <a:ext cx="3287880" cy="2739240"/>
           </a:xfrm>
           <a:prstGeom prst="roundRect">
             <a:avLst>
@@ -11319,7 +11321,7 @@
         <p:spPr>
           <a:xfrm>
             <a:off x="7955280" y="3108960"/>
-            <a:ext cx="3288240" cy="2739600"/>
+            <a:ext cx="3287880" cy="2739240"/>
           </a:xfrm>
           <a:prstGeom prst="roundRect">
             <a:avLst>
@@ -11796,7 +11798,7 @@
         <p:spPr>
           <a:xfrm>
             <a:off x="0" y="0"/>
-            <a:ext cx="12185280" cy="6854400"/>
+            <a:ext cx="12184920" cy="6854040"/>
           </a:xfrm>
           <a:prstGeom prst="rect">
             <a:avLst/>
@@ -11832,6 +11834,11 @@
             <a:noAutofit/>
           </a:bodyPr>
           <a:p>
+            <a:pPr>
+              <a:lnSpc>
+                <a:spcPct val="100000"/>
+              </a:lnSpc>
+            </a:pPr>
             <a:endParaRPr b="0" lang="en-US" sz="1800" spc="-1" strike="noStrike">
               <a:solidFill>
                 <a:schemeClr val="lt1"/>
@@ -11851,7 +11858,7 @@
         <p:spPr>
           <a:xfrm>
             <a:off x="0" y="0"/>
-            <a:ext cx="14760" cy="6854400"/>
+            <a:ext cx="14400" cy="6854040"/>
           </a:xfrm>
           <a:prstGeom prst="rect">
             <a:avLst/>
@@ -11887,6 +11894,11 @@
             <a:noAutofit/>
           </a:bodyPr>
           <a:p>
+            <a:pPr>
+              <a:lnSpc>
+                <a:spcPct val="100000"/>
+              </a:lnSpc>
+            </a:pPr>
             <a:endParaRPr b="0" lang="en-US" sz="1800" spc="-1" strike="noStrike">
               <a:solidFill>
                 <a:schemeClr val="lt1"/>
@@ -11906,7 +11918,7 @@
         <p:spPr>
           <a:xfrm>
             <a:off x="914400" y="0"/>
-            <a:ext cx="14760" cy="6854400"/>
+            <a:ext cx="14400" cy="6854040"/>
           </a:xfrm>
           <a:prstGeom prst="rect">
             <a:avLst/>
@@ -11942,6 +11954,11 @@
             <a:noAutofit/>
           </a:bodyPr>
           <a:p>
+            <a:pPr>
+              <a:lnSpc>
+                <a:spcPct val="100000"/>
+              </a:lnSpc>
+            </a:pPr>
             <a:endParaRPr b="0" lang="en-US" sz="1800" spc="-1" strike="noStrike">
               <a:solidFill>
                 <a:schemeClr val="lt1"/>
@@ -11961,7 +11978,7 @@
         <p:spPr>
           <a:xfrm>
             <a:off x="1828800" y="0"/>
-            <a:ext cx="14760" cy="6854400"/>
+            <a:ext cx="14400" cy="6854040"/>
           </a:xfrm>
           <a:prstGeom prst="rect">
             <a:avLst/>
@@ -11997,6 +12014,11 @@
             <a:noAutofit/>
           </a:bodyPr>
           <a:p>
+            <a:pPr>
+              <a:lnSpc>
+                <a:spcPct val="100000"/>
+              </a:lnSpc>
+            </a:pPr>
             <a:endParaRPr b="0" lang="en-US" sz="1800" spc="-1" strike="noStrike">
               <a:solidFill>
                 <a:schemeClr val="lt1"/>
@@ -12016,7 +12038,7 @@
         <p:spPr>
           <a:xfrm>
             <a:off x="2743200" y="0"/>
-            <a:ext cx="14760" cy="6854400"/>
+            <a:ext cx="14400" cy="6854040"/>
           </a:xfrm>
           <a:prstGeom prst="rect">
             <a:avLst/>
@@ -12052,6 +12074,11 @@
             <a:noAutofit/>
           </a:bodyPr>
           <a:p>
+            <a:pPr>
+              <a:lnSpc>
+                <a:spcPct val="100000"/>
+              </a:lnSpc>
+            </a:pPr>
             <a:endParaRPr b="0" lang="en-US" sz="1800" spc="-1" strike="noStrike">
               <a:solidFill>
                 <a:schemeClr val="lt1"/>
@@ -12071,7 +12098,7 @@
         <p:spPr>
           <a:xfrm>
             <a:off x="3657600" y="0"/>
-            <a:ext cx="14760" cy="6854400"/>
+            <a:ext cx="14400" cy="6854040"/>
           </a:xfrm>
           <a:prstGeom prst="rect">
             <a:avLst/>
@@ -12107,6 +12134,11 @@
             <a:noAutofit/>
           </a:bodyPr>
           <a:p>
+            <a:pPr>
+              <a:lnSpc>
+                <a:spcPct val="100000"/>
+              </a:lnSpc>
+            </a:pPr>
             <a:endParaRPr b="0" lang="en-US" sz="1800" spc="-1" strike="noStrike">
               <a:solidFill>
                 <a:schemeClr val="lt1"/>
@@ -12126,7 +12158,7 @@
         <p:spPr>
           <a:xfrm>
             <a:off x="4572000" y="0"/>
-            <a:ext cx="14760" cy="6854400"/>
+            <a:ext cx="14400" cy="6854040"/>
           </a:xfrm>
           <a:prstGeom prst="rect">
             <a:avLst/>
@@ -12162,6 +12194,11 @@
             <a:noAutofit/>
           </a:bodyPr>
           <a:p>
+            <a:pPr>
+              <a:lnSpc>
+                <a:spcPct val="100000"/>
+              </a:lnSpc>
+            </a:pPr>
             <a:endParaRPr b="0" lang="en-US" sz="1800" spc="-1" strike="noStrike">
               <a:solidFill>
                 <a:schemeClr val="lt1"/>
@@ -12181,7 +12218,7 @@
         <p:spPr>
           <a:xfrm>
             <a:off x="5486400" y="0"/>
-            <a:ext cx="14760" cy="6854400"/>
+            <a:ext cx="14400" cy="6854040"/>
           </a:xfrm>
           <a:prstGeom prst="rect">
             <a:avLst/>
@@ -12217,6 +12254,11 @@
             <a:noAutofit/>
           </a:bodyPr>
           <a:p>
+            <a:pPr>
+              <a:lnSpc>
+                <a:spcPct val="100000"/>
+              </a:lnSpc>
+            </a:pPr>
             <a:endParaRPr b="0" lang="en-US" sz="1800" spc="-1" strike="noStrike">
               <a:solidFill>
                 <a:schemeClr val="lt1"/>
@@ -12236,7 +12278,7 @@
         <p:spPr>
           <a:xfrm>
             <a:off x="6400800" y="0"/>
-            <a:ext cx="14760" cy="6854400"/>
+            <a:ext cx="14400" cy="6854040"/>
           </a:xfrm>
           <a:prstGeom prst="rect">
             <a:avLst/>
@@ -12272,6 +12314,11 @@
             <a:noAutofit/>
           </a:bodyPr>
           <a:p>
+            <a:pPr>
+              <a:lnSpc>
+                <a:spcPct val="100000"/>
+              </a:lnSpc>
+            </a:pPr>
             <a:endParaRPr b="0" lang="en-US" sz="1800" spc="-1" strike="noStrike">
               <a:solidFill>
                 <a:schemeClr val="lt1"/>
@@ -12291,7 +12338,7 @@
         <p:spPr>
           <a:xfrm>
             <a:off x="7315200" y="0"/>
-            <a:ext cx="14760" cy="6854400"/>
+            <a:ext cx="14400" cy="6854040"/>
           </a:xfrm>
           <a:prstGeom prst="rect">
             <a:avLst/>
@@ -12327,6 +12374,11 @@
             <a:noAutofit/>
           </a:bodyPr>
           <a:p>
+            <a:pPr>
+              <a:lnSpc>
+                <a:spcPct val="100000"/>
+              </a:lnSpc>
+            </a:pPr>
             <a:endParaRPr b="0" lang="en-US" sz="1800" spc="-1" strike="noStrike">
               <a:solidFill>
                 <a:schemeClr val="lt1"/>
@@ -12346,7 +12398,7 @@
         <p:spPr>
           <a:xfrm>
             <a:off x="8229600" y="0"/>
-            <a:ext cx="14760" cy="6854400"/>
+            <a:ext cx="14400" cy="6854040"/>
           </a:xfrm>
           <a:prstGeom prst="rect">
             <a:avLst/>
@@ -12382,6 +12434,11 @@
             <a:noAutofit/>
           </a:bodyPr>
           <a:p>
+            <a:pPr>
+              <a:lnSpc>
+                <a:spcPct val="100000"/>
+              </a:lnSpc>
+            </a:pPr>
             <a:endParaRPr b="0" lang="en-US" sz="1800" spc="-1" strike="noStrike">
               <a:solidFill>
                 <a:schemeClr val="lt1"/>
@@ -12401,7 +12458,7 @@
         <p:spPr>
           <a:xfrm>
             <a:off x="9144000" y="0"/>
-            <a:ext cx="14760" cy="6854400"/>
+            <a:ext cx="14400" cy="6854040"/>
           </a:xfrm>
           <a:prstGeom prst="rect">
             <a:avLst/>
@@ -12437,6 +12494,11 @@
             <a:noAutofit/>
           </a:bodyPr>
           <a:p>
+            <a:pPr>
+              <a:lnSpc>
+                <a:spcPct val="100000"/>
+              </a:lnSpc>
+            </a:pPr>
             <a:endParaRPr b="0" lang="en-US" sz="1800" spc="-1" strike="noStrike">
               <a:solidFill>
                 <a:schemeClr val="lt1"/>
@@ -12456,7 +12518,7 @@
         <p:spPr>
           <a:xfrm>
             <a:off x="10058400" y="0"/>
-            <a:ext cx="14760" cy="6854400"/>
+            <a:ext cx="14400" cy="6854040"/>
           </a:xfrm>
           <a:prstGeom prst="rect">
             <a:avLst/>
@@ -12492,6 +12554,11 @@
             <a:noAutofit/>
           </a:bodyPr>
           <a:p>
+            <a:pPr>
+              <a:lnSpc>
+                <a:spcPct val="100000"/>
+              </a:lnSpc>
+            </a:pPr>
             <a:endParaRPr b="0" lang="en-US" sz="1800" spc="-1" strike="noStrike">
               <a:solidFill>
                 <a:schemeClr val="lt1"/>
@@ -12511,7 +12578,7 @@
         <p:spPr>
           <a:xfrm>
             <a:off x="10972800" y="0"/>
-            <a:ext cx="14760" cy="6854400"/>
+            <a:ext cx="14400" cy="6854040"/>
           </a:xfrm>
           <a:prstGeom prst="rect">
             <a:avLst/>
@@ -12547,6 +12614,11 @@
             <a:noAutofit/>
           </a:bodyPr>
           <a:p>
+            <a:pPr>
+              <a:lnSpc>
+                <a:spcPct val="100000"/>
+              </a:lnSpc>
+            </a:pPr>
             <a:endParaRPr b="0" lang="en-US" sz="1800" spc="-1" strike="noStrike">
               <a:solidFill>
                 <a:schemeClr val="lt1"/>
@@ -12566,7 +12638,7 @@
         <p:spPr>
           <a:xfrm>
             <a:off x="11887200" y="0"/>
-            <a:ext cx="14760" cy="6854400"/>
+            <a:ext cx="14400" cy="6854040"/>
           </a:xfrm>
           <a:prstGeom prst="rect">
             <a:avLst/>
@@ -12602,6 +12674,11 @@
             <a:noAutofit/>
           </a:bodyPr>
           <a:p>
+            <a:pPr>
+              <a:lnSpc>
+                <a:spcPct val="100000"/>
+              </a:lnSpc>
+            </a:pPr>
             <a:endParaRPr b="0" lang="en-US" sz="1800" spc="-1" strike="noStrike">
               <a:solidFill>
                 <a:schemeClr val="lt1"/>
@@ -12621,7 +12698,7 @@
         <p:spPr>
           <a:xfrm>
             <a:off x="0" y="0"/>
-            <a:ext cx="316440" cy="6854400"/>
+            <a:ext cx="316080" cy="6854040"/>
           </a:xfrm>
           <a:prstGeom prst="rect">
             <a:avLst/>
@@ -12657,6 +12734,11 @@
             <a:noAutofit/>
           </a:bodyPr>
           <a:p>
+            <a:pPr>
+              <a:lnSpc>
+                <a:spcPct val="100000"/>
+              </a:lnSpc>
+            </a:pPr>
             <a:endParaRPr b="0" lang="en-US" sz="1800" spc="-1" strike="noStrike">
               <a:solidFill>
                 <a:schemeClr val="lt1"/>
@@ -12676,7 +12758,7 @@
         <p:spPr>
           <a:xfrm>
             <a:off x="9875520" y="365760"/>
-            <a:ext cx="2008080" cy="499320"/>
+            <a:ext cx="2007720" cy="498960"/>
           </a:xfrm>
           <a:prstGeom prst="roundRect">
             <a:avLst>
@@ -12814,7 +12896,7 @@
         <p:spPr>
           <a:xfrm>
             <a:off x="3061800" y="2057400"/>
-            <a:ext cx="5438880" cy="379080"/>
+            <a:ext cx="5438520" cy="379080"/>
           </a:xfrm>
           <a:prstGeom prst="rect">
             <a:avLst/>
@@ -12868,7 +12950,7 @@
         <p:spPr>
           <a:xfrm>
             <a:off x="987480" y="3182040"/>
-            <a:ext cx="3288240" cy="2739600"/>
+            <a:ext cx="3287880" cy="2739240"/>
           </a:xfrm>
           <a:prstGeom prst="roundRect">
             <a:avLst>
@@ -12906,6 +12988,11 @@
             <a:noAutofit/>
           </a:bodyPr>
           <a:p>
+            <a:pPr>
+              <a:lnSpc>
+                <a:spcPct val="100000"/>
+              </a:lnSpc>
+            </a:pPr>
             <a:endParaRPr b="0" lang="en-US" sz="1800" spc="-1" strike="noStrike">
               <a:solidFill>
                 <a:schemeClr val="lt1"/>
@@ -12925,7 +13012,7 @@
         <p:spPr>
           <a:xfrm>
             <a:off x="618120" y="2971800"/>
-            <a:ext cx="3657600" cy="2876760"/>
+            <a:ext cx="3657240" cy="2876400"/>
           </a:xfrm>
           <a:prstGeom prst="roundRect">
             <a:avLst>
@@ -13277,7 +13364,7 @@
         <p:spPr>
           <a:xfrm>
             <a:off x="4507920" y="3182040"/>
-            <a:ext cx="3288240" cy="2739600"/>
+            <a:ext cx="3287880" cy="2739240"/>
           </a:xfrm>
           <a:prstGeom prst="roundRect">
             <a:avLst>
@@ -13315,6 +13402,11 @@
             <a:noAutofit/>
           </a:bodyPr>
           <a:p>
+            <a:pPr>
+              <a:lnSpc>
+                <a:spcPct val="100000"/>
+              </a:lnSpc>
+            </a:pPr>
             <a:endParaRPr b="0" lang="en-US" sz="1800" spc="-1" strike="noStrike">
               <a:solidFill>
                 <a:schemeClr val="lt1"/>
@@ -13334,7 +13426,7 @@
         <p:spPr>
           <a:xfrm>
             <a:off x="4434840" y="3108960"/>
-            <a:ext cx="3288240" cy="2739600"/>
+            <a:ext cx="3287880" cy="2739240"/>
           </a:xfrm>
           <a:prstGeom prst="roundRect">
             <a:avLst>
@@ -13523,15 +13615,10 @@
             </a:endParaRPr>
           </a:p>
           <a:p>
-            <a:pPr marL="216000" indent="-216000">
-              <a:lnSpc>
-                <a:spcPct val="100000"/>
-              </a:lnSpc>
-              <a:buClr>
-                <a:srgbClr val="ffffff"/>
-              </a:buClr>
-              <a:buFont typeface="Wingdings" charset="2"/>
-              <a:buChar char=""/>
+            <a:pPr>
+              <a:lnSpc>
+                <a:spcPct val="100000"/>
+              </a:lnSpc>
             </a:pPr>
             <a:endParaRPr b="0" lang="en-US" sz="1500" spc="-1" strike="noStrike">
               <a:solidFill>
@@ -13633,7 +13720,7 @@
         <p:spPr>
           <a:xfrm>
             <a:off x="8028360" y="3182040"/>
-            <a:ext cx="3288240" cy="2739600"/>
+            <a:ext cx="3287880" cy="2739240"/>
           </a:xfrm>
           <a:prstGeom prst="roundRect">
             <a:avLst>
@@ -13671,6 +13758,11 @@
             <a:noAutofit/>
           </a:bodyPr>
           <a:p>
+            <a:pPr>
+              <a:lnSpc>
+                <a:spcPct val="100000"/>
+              </a:lnSpc>
+            </a:pPr>
             <a:endParaRPr b="0" lang="en-US" sz="1800" spc="-1" strike="noStrike">
               <a:solidFill>
                 <a:schemeClr val="lt1"/>
@@ -13690,7 +13782,7 @@
         <p:spPr>
           <a:xfrm>
             <a:off x="7955280" y="3108960"/>
-            <a:ext cx="3288240" cy="2739600"/>
+            <a:ext cx="3287880" cy="2739240"/>
           </a:xfrm>
           <a:prstGeom prst="roundRect">
             <a:avLst>
@@ -14061,7 +14153,7 @@
         <p:spPr>
           <a:xfrm>
             <a:off x="0" y="0"/>
-            <a:ext cx="12185280" cy="6854400"/>
+            <a:ext cx="12184920" cy="6854040"/>
           </a:xfrm>
           <a:prstGeom prst="rect">
             <a:avLst/>
@@ -14097,6 +14189,11 @@
             <a:noAutofit/>
           </a:bodyPr>
           <a:p>
+            <a:pPr>
+              <a:lnSpc>
+                <a:spcPct val="100000"/>
+              </a:lnSpc>
+            </a:pPr>
             <a:endParaRPr b="0" lang="en-US" sz="1800" spc="-1" strike="noStrike">
               <a:solidFill>
                 <a:schemeClr val="lt1"/>
@@ -14116,7 +14213,7 @@
         <p:spPr>
           <a:xfrm>
             <a:off x="0" y="0"/>
-            <a:ext cx="14760" cy="6854400"/>
+            <a:ext cx="14400" cy="6854040"/>
           </a:xfrm>
           <a:prstGeom prst="rect">
             <a:avLst/>
@@ -14152,6 +14249,11 @@
             <a:noAutofit/>
           </a:bodyPr>
           <a:p>
+            <a:pPr>
+              <a:lnSpc>
+                <a:spcPct val="100000"/>
+              </a:lnSpc>
+            </a:pPr>
             <a:endParaRPr b="0" lang="en-US" sz="1800" spc="-1" strike="noStrike">
               <a:solidFill>
                 <a:schemeClr val="lt1"/>
@@ -14171,7 +14273,7 @@
         <p:spPr>
           <a:xfrm>
             <a:off x="914400" y="0"/>
-            <a:ext cx="14760" cy="6854400"/>
+            <a:ext cx="14400" cy="6854040"/>
           </a:xfrm>
           <a:prstGeom prst="rect">
             <a:avLst/>
@@ -14207,6 +14309,11 @@
             <a:noAutofit/>
           </a:bodyPr>
           <a:p>
+            <a:pPr>
+              <a:lnSpc>
+                <a:spcPct val="100000"/>
+              </a:lnSpc>
+            </a:pPr>
             <a:endParaRPr b="0" lang="en-US" sz="1800" spc="-1" strike="noStrike">
               <a:solidFill>
                 <a:schemeClr val="lt1"/>
@@ -14226,7 +14333,7 @@
         <p:spPr>
           <a:xfrm>
             <a:off x="1828800" y="0"/>
-            <a:ext cx="14760" cy="6854400"/>
+            <a:ext cx="14400" cy="6854040"/>
           </a:xfrm>
           <a:prstGeom prst="rect">
             <a:avLst/>
@@ -14262,6 +14369,11 @@
             <a:noAutofit/>
           </a:bodyPr>
           <a:p>
+            <a:pPr>
+              <a:lnSpc>
+                <a:spcPct val="100000"/>
+              </a:lnSpc>
+            </a:pPr>
             <a:endParaRPr b="0" lang="en-US" sz="1800" spc="-1" strike="noStrike">
               <a:solidFill>
                 <a:schemeClr val="lt1"/>
@@ -14281,7 +14393,7 @@
         <p:spPr>
           <a:xfrm>
             <a:off x="2743200" y="0"/>
-            <a:ext cx="14760" cy="6854400"/>
+            <a:ext cx="14400" cy="6854040"/>
           </a:xfrm>
           <a:prstGeom prst="rect">
             <a:avLst/>
@@ -14317,6 +14429,11 @@
             <a:noAutofit/>
           </a:bodyPr>
           <a:p>
+            <a:pPr>
+              <a:lnSpc>
+                <a:spcPct val="100000"/>
+              </a:lnSpc>
+            </a:pPr>
             <a:endParaRPr b="0" lang="en-US" sz="1800" spc="-1" strike="noStrike">
               <a:solidFill>
                 <a:schemeClr val="lt1"/>
@@ -14336,7 +14453,7 @@
         <p:spPr>
           <a:xfrm>
             <a:off x="3657600" y="0"/>
-            <a:ext cx="14760" cy="6854400"/>
+            <a:ext cx="14400" cy="6854040"/>
           </a:xfrm>
           <a:prstGeom prst="rect">
             <a:avLst/>
@@ -14372,6 +14489,11 @@
             <a:noAutofit/>
           </a:bodyPr>
           <a:p>
+            <a:pPr>
+              <a:lnSpc>
+                <a:spcPct val="100000"/>
+              </a:lnSpc>
+            </a:pPr>
             <a:endParaRPr b="0" lang="en-US" sz="1800" spc="-1" strike="noStrike">
               <a:solidFill>
                 <a:schemeClr val="lt1"/>
@@ -14391,7 +14513,7 @@
         <p:spPr>
           <a:xfrm>
             <a:off x="4572000" y="0"/>
-            <a:ext cx="14760" cy="6854400"/>
+            <a:ext cx="14400" cy="6854040"/>
           </a:xfrm>
           <a:prstGeom prst="rect">
             <a:avLst/>
@@ -14427,6 +14549,11 @@
             <a:noAutofit/>
           </a:bodyPr>
           <a:p>
+            <a:pPr>
+              <a:lnSpc>
+                <a:spcPct val="100000"/>
+              </a:lnSpc>
+            </a:pPr>
             <a:endParaRPr b="0" lang="en-US" sz="1800" spc="-1" strike="noStrike">
               <a:solidFill>
                 <a:schemeClr val="lt1"/>
@@ -14446,7 +14573,7 @@
         <p:spPr>
           <a:xfrm>
             <a:off x="5486400" y="0"/>
-            <a:ext cx="14760" cy="6854400"/>
+            <a:ext cx="14400" cy="6854040"/>
           </a:xfrm>
           <a:prstGeom prst="rect">
             <a:avLst/>
@@ -14482,6 +14609,11 @@
             <a:noAutofit/>
           </a:bodyPr>
           <a:p>
+            <a:pPr>
+              <a:lnSpc>
+                <a:spcPct val="100000"/>
+              </a:lnSpc>
+            </a:pPr>
             <a:endParaRPr b="0" lang="en-US" sz="1800" spc="-1" strike="noStrike">
               <a:solidFill>
                 <a:schemeClr val="lt1"/>
@@ -14501,7 +14633,7 @@
         <p:spPr>
           <a:xfrm>
             <a:off x="6400800" y="0"/>
-            <a:ext cx="14760" cy="6854400"/>
+            <a:ext cx="14400" cy="6854040"/>
           </a:xfrm>
           <a:prstGeom prst="rect">
             <a:avLst/>
@@ -14537,6 +14669,11 @@
             <a:noAutofit/>
           </a:bodyPr>
           <a:p>
+            <a:pPr>
+              <a:lnSpc>
+                <a:spcPct val="100000"/>
+              </a:lnSpc>
+            </a:pPr>
             <a:endParaRPr b="0" lang="en-US" sz="1800" spc="-1" strike="noStrike">
               <a:solidFill>
                 <a:schemeClr val="lt1"/>
@@ -14556,7 +14693,7 @@
         <p:spPr>
           <a:xfrm>
             <a:off x="7315200" y="0"/>
-            <a:ext cx="14760" cy="6854400"/>
+            <a:ext cx="14400" cy="6854040"/>
           </a:xfrm>
           <a:prstGeom prst="rect">
             <a:avLst/>
@@ -14592,6 +14729,11 @@
             <a:noAutofit/>
           </a:bodyPr>
           <a:p>
+            <a:pPr>
+              <a:lnSpc>
+                <a:spcPct val="100000"/>
+              </a:lnSpc>
+            </a:pPr>
             <a:endParaRPr b="0" lang="en-US" sz="1800" spc="-1" strike="noStrike">
               <a:solidFill>
                 <a:schemeClr val="lt1"/>
@@ -14611,7 +14753,7 @@
         <p:spPr>
           <a:xfrm>
             <a:off x="8229600" y="0"/>
-            <a:ext cx="14760" cy="6854400"/>
+            <a:ext cx="14400" cy="6854040"/>
           </a:xfrm>
           <a:prstGeom prst="rect">
             <a:avLst/>
@@ -14647,6 +14789,11 @@
             <a:noAutofit/>
           </a:bodyPr>
           <a:p>
+            <a:pPr>
+              <a:lnSpc>
+                <a:spcPct val="100000"/>
+              </a:lnSpc>
+            </a:pPr>
             <a:endParaRPr b="0" lang="en-US" sz="1800" spc="-1" strike="noStrike">
               <a:solidFill>
                 <a:schemeClr val="lt1"/>
@@ -14666,7 +14813,7 @@
         <p:spPr>
           <a:xfrm>
             <a:off x="9144000" y="0"/>
-            <a:ext cx="14760" cy="6854400"/>
+            <a:ext cx="14400" cy="6854040"/>
           </a:xfrm>
           <a:prstGeom prst="rect">
             <a:avLst/>
@@ -14702,6 +14849,11 @@
             <a:noAutofit/>
           </a:bodyPr>
           <a:p>
+            <a:pPr>
+              <a:lnSpc>
+                <a:spcPct val="100000"/>
+              </a:lnSpc>
+            </a:pPr>
             <a:endParaRPr b="0" lang="en-US" sz="1800" spc="-1" strike="noStrike">
               <a:solidFill>
                 <a:schemeClr val="lt1"/>
@@ -14721,7 +14873,7 @@
         <p:spPr>
           <a:xfrm>
             <a:off x="10058400" y="0"/>
-            <a:ext cx="14760" cy="6854400"/>
+            <a:ext cx="14400" cy="6854040"/>
           </a:xfrm>
           <a:prstGeom prst="rect">
             <a:avLst/>
@@ -14757,6 +14909,11 @@
             <a:noAutofit/>
           </a:bodyPr>
           <a:p>
+            <a:pPr>
+              <a:lnSpc>
+                <a:spcPct val="100000"/>
+              </a:lnSpc>
+            </a:pPr>
             <a:endParaRPr b="0" lang="en-US" sz="1800" spc="-1" strike="noStrike">
               <a:solidFill>
                 <a:schemeClr val="lt1"/>
@@ -14776,7 +14933,7 @@
         <p:spPr>
           <a:xfrm>
             <a:off x="10972800" y="0"/>
-            <a:ext cx="14760" cy="6854400"/>
+            <a:ext cx="14400" cy="6854040"/>
           </a:xfrm>
           <a:prstGeom prst="rect">
             <a:avLst/>
@@ -14812,6 +14969,11 @@
             <a:noAutofit/>
           </a:bodyPr>
           <a:p>
+            <a:pPr>
+              <a:lnSpc>
+                <a:spcPct val="100000"/>
+              </a:lnSpc>
+            </a:pPr>
             <a:endParaRPr b="0" lang="en-US" sz="1800" spc="-1" strike="noStrike">
               <a:solidFill>
                 <a:schemeClr val="lt1"/>
@@ -14831,7 +14993,7 @@
         <p:spPr>
           <a:xfrm>
             <a:off x="11887200" y="0"/>
-            <a:ext cx="14760" cy="6854400"/>
+            <a:ext cx="14400" cy="6854040"/>
           </a:xfrm>
           <a:prstGeom prst="rect">
             <a:avLst/>
@@ -14867,6 +15029,11 @@
             <a:noAutofit/>
           </a:bodyPr>
           <a:p>
+            <a:pPr>
+              <a:lnSpc>
+                <a:spcPct val="100000"/>
+              </a:lnSpc>
+            </a:pPr>
             <a:endParaRPr b="0" lang="en-US" sz="1800" spc="-1" strike="noStrike">
               <a:solidFill>
                 <a:schemeClr val="lt1"/>
@@ -14886,7 +15053,7 @@
         <p:spPr>
           <a:xfrm>
             <a:off x="0" y="0"/>
-            <a:ext cx="316440" cy="6854400"/>
+            <a:ext cx="316080" cy="6854040"/>
           </a:xfrm>
           <a:prstGeom prst="rect">
             <a:avLst/>
@@ -14922,6 +15089,11 @@
             <a:noAutofit/>
           </a:bodyPr>
           <a:p>
+            <a:pPr>
+              <a:lnSpc>
+                <a:spcPct val="100000"/>
+              </a:lnSpc>
+            </a:pPr>
             <a:endParaRPr b="0" lang="en-US" sz="1800" spc="-1" strike="noStrike">
               <a:solidFill>
                 <a:schemeClr val="lt1"/>
@@ -14941,7 +15113,7 @@
         <p:spPr>
           <a:xfrm>
             <a:off x="9875520" y="365760"/>
-            <a:ext cx="2008080" cy="499320"/>
+            <a:ext cx="2007720" cy="498960"/>
           </a:xfrm>
           <a:prstGeom prst="roundRect">
             <a:avLst>
@@ -15079,7 +15251,7 @@
         <p:spPr>
           <a:xfrm>
             <a:off x="4195440" y="2057400"/>
-            <a:ext cx="3171240" cy="364680"/>
+            <a:ext cx="3170880" cy="363960"/>
           </a:xfrm>
           <a:prstGeom prst="rect">
             <a:avLst/>
@@ -15133,7 +15305,7 @@
         <p:spPr>
           <a:xfrm>
             <a:off x="987480" y="3182040"/>
-            <a:ext cx="3288240" cy="2739600"/>
+            <a:ext cx="3287880" cy="2739240"/>
           </a:xfrm>
           <a:prstGeom prst="roundRect">
             <a:avLst>
@@ -15171,6 +15343,11 @@
             <a:noAutofit/>
           </a:bodyPr>
           <a:p>
+            <a:pPr>
+              <a:lnSpc>
+                <a:spcPct val="100000"/>
+              </a:lnSpc>
+            </a:pPr>
             <a:endParaRPr b="0" lang="en-US" sz="1800" spc="-1" strike="noStrike">
               <a:solidFill>
                 <a:schemeClr val="lt1"/>
@@ -15190,7 +15367,7 @@
         <p:spPr>
           <a:xfrm>
             <a:off x="914400" y="3108960"/>
-            <a:ext cx="3288240" cy="2739600"/>
+            <a:ext cx="3287880" cy="2739240"/>
           </a:xfrm>
           <a:prstGeom prst="roundRect">
             <a:avLst>
@@ -15453,7 +15630,7 @@
         <p:spPr>
           <a:xfrm>
             <a:off x="4507920" y="3182040"/>
-            <a:ext cx="3288240" cy="2739600"/>
+            <a:ext cx="3287880" cy="2739240"/>
           </a:xfrm>
           <a:prstGeom prst="roundRect">
             <a:avLst>
@@ -15491,6 +15668,11 @@
             <a:noAutofit/>
           </a:bodyPr>
           <a:p>
+            <a:pPr>
+              <a:lnSpc>
+                <a:spcPct val="100000"/>
+              </a:lnSpc>
+            </a:pPr>
             <a:endParaRPr b="0" lang="en-US" sz="1800" spc="-1" strike="noStrike">
               <a:solidFill>
                 <a:schemeClr val="lt1"/>
@@ -15510,7 +15692,7 @@
         <p:spPr>
           <a:xfrm>
             <a:off x="8028360" y="3182040"/>
-            <a:ext cx="3288240" cy="2739600"/>
+            <a:ext cx="3287880" cy="2739240"/>
           </a:xfrm>
           <a:prstGeom prst="roundRect">
             <a:avLst>
@@ -15548,6 +15730,11 @@
             <a:noAutofit/>
           </a:bodyPr>
           <a:p>
+            <a:pPr>
+              <a:lnSpc>
+                <a:spcPct val="100000"/>
+              </a:lnSpc>
+            </a:pPr>
             <a:endParaRPr b="0" lang="en-US" sz="1800" spc="-1" strike="noStrike">
               <a:solidFill>
                 <a:schemeClr val="lt1"/>
@@ -15567,7 +15754,7 @@
         <p:spPr>
           <a:xfrm>
             <a:off x="7955280" y="3108960"/>
-            <a:ext cx="3288240" cy="2739600"/>
+            <a:ext cx="3287880" cy="2739240"/>
           </a:xfrm>
           <a:prstGeom prst="roundRect">
             <a:avLst>
@@ -15660,7 +15847,7 @@
                 <a:latin typeface="Consolas"/>
                 <a:ea typeface="DejaVu Sans"/>
               </a:rPr>
-              <a:t>ppublic class OakIdea {</a:t>
+              <a:t>public class OakIdea {</a:t>
             </a:r>
             <a:endParaRPr b="0" lang="en-US" sz="1100" spc="-1" strike="noStrike">
               <a:solidFill>
@@ -16020,7 +16207,7 @@
         <p:spPr>
           <a:xfrm>
             <a:off x="4484160" y="3132000"/>
-            <a:ext cx="3288240" cy="2739600"/>
+            <a:ext cx="3287880" cy="2739240"/>
           </a:xfrm>
           <a:prstGeom prst="roundRect">
             <a:avLst>
@@ -16307,6 +16494,5144 @@
               <a:t>The same code should run everywhere.”</a:t>
             </a:r>
             <a:endParaRPr b="0" lang="en-US" sz="1500" spc="-1" strike="noStrike">
+              <a:solidFill>
+                <a:srgbClr val="ffffff"/>
+              </a:solidFill>
+              <a:latin typeface="Arial"/>
+            </a:endParaRPr>
+          </a:p>
+        </p:txBody>
+      </p:sp>
+    </p:spTree>
+  </p:cSld>
+  <mc:AlternateContent>
+    <mc:Choice Requires="p14">
+      <p:transition spd="slow" p14:dur="2000"/>
+    </mc:Choice>
+    <mc:Fallback>
+      <p:transition spd="slow"/>
+    </mc:Fallback>
+  </mc:AlternateContent>
+</p:sld>
+</file>
+
+<file path=ppt/slides/slide7.xml><?xml version="1.0" encoding="utf-8"?>
+<p:sld xmlns:a="http://schemas.openxmlformats.org/drawingml/2006/main" xmlns:p="http://schemas.openxmlformats.org/presentationml/2006/main" xmlns:r="http://schemas.openxmlformats.org/officeDocument/2006/relationships" xmlns:p14="http://schemas.microsoft.com/office/powerpoint/2010/main" xmlns:p15="http://schemas.microsoft.com/office/powerpoint/2012/main" xmlns:mc="http://schemas.openxmlformats.org/markup-compatibility/2006">
+  <p:cSld>
+    <p:spTree>
+      <p:nvGrpSpPr>
+        <p:cNvPr id="1" name=""/>
+        <p:cNvGrpSpPr/>
+        <p:nvPr/>
+      </p:nvGrpSpPr>
+      <p:grpSpPr>
+        <a:xfrm>
+          <a:off x="0" y="0"/>
+          <a:ext cx="0" cy="0"/>
+          <a:chOff x="0" y="0"/>
+          <a:chExt cx="0" cy="0"/>
+        </a:xfrm>
+      </p:grpSpPr>
+      <p:sp>
+        <p:nvSpPr>
+          <p:cNvPr id="197" name="Rectangle 97"/>
+          <p:cNvSpPr/>
+          <p:nvPr/>
+        </p:nvSpPr>
+        <p:spPr>
+          <a:xfrm>
+            <a:off x="0" y="0"/>
+            <a:ext cx="12184920" cy="6854040"/>
+          </a:xfrm>
+          <a:prstGeom prst="rect">
+            <a:avLst/>
+          </a:prstGeom>
+          <a:solidFill>
+            <a:srgbClr val="0b0b0d"/>
+          </a:solidFill>
+          <a:ln>
+            <a:noFill/>
+          </a:ln>
+          <a:effectLst>
+            <a:outerShdw blurRad="39960" dir="5400000" dist="23040" rotWithShape="0">
+              <a:srgbClr val="000000">
+                <a:alpha val="35000"/>
+              </a:srgbClr>
+            </a:outerShdw>
+          </a:effectLst>
+        </p:spPr>
+        <p:style>
+          <a:lnRef idx="1">
+            <a:schemeClr val="accent1"/>
+          </a:lnRef>
+          <a:fillRef idx="3">
+            <a:schemeClr val="accent1"/>
+          </a:fillRef>
+          <a:effectRef idx="2">
+            <a:schemeClr val="accent1"/>
+          </a:effectRef>
+          <a:fontRef idx="minor"/>
+        </p:style>
+        <p:txBody>
+          <a:bodyPr lIns="90000" rIns="90000" tIns="45000" bIns="45000" anchor="ctr">
+            <a:noAutofit/>
+          </a:bodyPr>
+          <a:p>
+            <a:endParaRPr b="0" lang="en-US" sz="1800" spc="-1" strike="noStrike">
+              <a:solidFill>
+                <a:schemeClr val="lt1"/>
+              </a:solidFill>
+              <a:latin typeface="Calibri"/>
+              <a:ea typeface="DejaVu Sans"/>
+            </a:endParaRPr>
+          </a:p>
+        </p:txBody>
+      </p:sp>
+      <p:sp>
+        <p:nvSpPr>
+          <p:cNvPr id="198" name="Rectangle 98"/>
+          <p:cNvSpPr/>
+          <p:nvPr/>
+        </p:nvSpPr>
+        <p:spPr>
+          <a:xfrm>
+            <a:off x="0" y="0"/>
+            <a:ext cx="14400" cy="6854040"/>
+          </a:xfrm>
+          <a:prstGeom prst="rect">
+            <a:avLst/>
+          </a:prstGeom>
+          <a:solidFill>
+            <a:srgbClr val="121216"/>
+          </a:solidFill>
+          <a:ln>
+            <a:noFill/>
+          </a:ln>
+          <a:effectLst>
+            <a:outerShdw blurRad="39960" dir="5400000" dist="23040" rotWithShape="0">
+              <a:srgbClr val="000000">
+                <a:alpha val="35000"/>
+              </a:srgbClr>
+            </a:outerShdw>
+          </a:effectLst>
+        </p:spPr>
+        <p:style>
+          <a:lnRef idx="1">
+            <a:schemeClr val="accent1"/>
+          </a:lnRef>
+          <a:fillRef idx="3">
+            <a:schemeClr val="accent1"/>
+          </a:fillRef>
+          <a:effectRef idx="2">
+            <a:schemeClr val="accent1"/>
+          </a:effectRef>
+          <a:fontRef idx="minor"/>
+        </p:style>
+        <p:txBody>
+          <a:bodyPr lIns="90000" rIns="90000" tIns="45000" bIns="45000" anchor="ctr">
+            <a:noAutofit/>
+          </a:bodyPr>
+          <a:p>
+            <a:endParaRPr b="0" lang="en-US" sz="1800" spc="-1" strike="noStrike">
+              <a:solidFill>
+                <a:schemeClr val="lt1"/>
+              </a:solidFill>
+              <a:latin typeface="Calibri"/>
+              <a:ea typeface="DejaVu Sans"/>
+            </a:endParaRPr>
+          </a:p>
+        </p:txBody>
+      </p:sp>
+      <p:sp>
+        <p:nvSpPr>
+          <p:cNvPr id="199" name="Rectangle 99"/>
+          <p:cNvSpPr/>
+          <p:nvPr/>
+        </p:nvSpPr>
+        <p:spPr>
+          <a:xfrm>
+            <a:off x="914400" y="0"/>
+            <a:ext cx="14400" cy="6854040"/>
+          </a:xfrm>
+          <a:prstGeom prst="rect">
+            <a:avLst/>
+          </a:prstGeom>
+          <a:solidFill>
+            <a:srgbClr val="121216"/>
+          </a:solidFill>
+          <a:ln>
+            <a:noFill/>
+          </a:ln>
+          <a:effectLst>
+            <a:outerShdw blurRad="39960" dir="5400000" dist="23040" rotWithShape="0">
+              <a:srgbClr val="000000">
+                <a:alpha val="35000"/>
+              </a:srgbClr>
+            </a:outerShdw>
+          </a:effectLst>
+        </p:spPr>
+        <p:style>
+          <a:lnRef idx="1">
+            <a:schemeClr val="accent1"/>
+          </a:lnRef>
+          <a:fillRef idx="3">
+            <a:schemeClr val="accent1"/>
+          </a:fillRef>
+          <a:effectRef idx="2">
+            <a:schemeClr val="accent1"/>
+          </a:effectRef>
+          <a:fontRef idx="minor"/>
+        </p:style>
+        <p:txBody>
+          <a:bodyPr lIns="90000" rIns="90000" tIns="45000" bIns="45000" anchor="ctr">
+            <a:noAutofit/>
+          </a:bodyPr>
+          <a:p>
+            <a:endParaRPr b="0" lang="en-US" sz="1800" spc="-1" strike="noStrike">
+              <a:solidFill>
+                <a:schemeClr val="lt1"/>
+              </a:solidFill>
+              <a:latin typeface="Calibri"/>
+              <a:ea typeface="DejaVu Sans"/>
+            </a:endParaRPr>
+          </a:p>
+        </p:txBody>
+      </p:sp>
+      <p:sp>
+        <p:nvSpPr>
+          <p:cNvPr id="200" name="Rectangle 100"/>
+          <p:cNvSpPr/>
+          <p:nvPr/>
+        </p:nvSpPr>
+        <p:spPr>
+          <a:xfrm>
+            <a:off x="1828800" y="0"/>
+            <a:ext cx="14400" cy="6854040"/>
+          </a:xfrm>
+          <a:prstGeom prst="rect">
+            <a:avLst/>
+          </a:prstGeom>
+          <a:solidFill>
+            <a:srgbClr val="121216"/>
+          </a:solidFill>
+          <a:ln>
+            <a:noFill/>
+          </a:ln>
+          <a:effectLst>
+            <a:outerShdw blurRad="39960" dir="5400000" dist="23040" rotWithShape="0">
+              <a:srgbClr val="000000">
+                <a:alpha val="35000"/>
+              </a:srgbClr>
+            </a:outerShdw>
+          </a:effectLst>
+        </p:spPr>
+        <p:style>
+          <a:lnRef idx="1">
+            <a:schemeClr val="accent1"/>
+          </a:lnRef>
+          <a:fillRef idx="3">
+            <a:schemeClr val="accent1"/>
+          </a:fillRef>
+          <a:effectRef idx="2">
+            <a:schemeClr val="accent1"/>
+          </a:effectRef>
+          <a:fontRef idx="minor"/>
+        </p:style>
+        <p:txBody>
+          <a:bodyPr lIns="90000" rIns="90000" tIns="45000" bIns="45000" anchor="ctr">
+            <a:noAutofit/>
+          </a:bodyPr>
+          <a:p>
+            <a:endParaRPr b="0" lang="en-US" sz="1800" spc="-1" strike="noStrike">
+              <a:solidFill>
+                <a:schemeClr val="lt1"/>
+              </a:solidFill>
+              <a:latin typeface="Calibri"/>
+              <a:ea typeface="DejaVu Sans"/>
+            </a:endParaRPr>
+          </a:p>
+        </p:txBody>
+      </p:sp>
+      <p:sp>
+        <p:nvSpPr>
+          <p:cNvPr id="201" name="Rectangle 101"/>
+          <p:cNvSpPr/>
+          <p:nvPr/>
+        </p:nvSpPr>
+        <p:spPr>
+          <a:xfrm>
+            <a:off x="2743200" y="0"/>
+            <a:ext cx="14400" cy="6854040"/>
+          </a:xfrm>
+          <a:prstGeom prst="rect">
+            <a:avLst/>
+          </a:prstGeom>
+          <a:solidFill>
+            <a:srgbClr val="121216"/>
+          </a:solidFill>
+          <a:ln>
+            <a:noFill/>
+          </a:ln>
+          <a:effectLst>
+            <a:outerShdw blurRad="39960" dir="5400000" dist="23040" rotWithShape="0">
+              <a:srgbClr val="000000">
+                <a:alpha val="35000"/>
+              </a:srgbClr>
+            </a:outerShdw>
+          </a:effectLst>
+        </p:spPr>
+        <p:style>
+          <a:lnRef idx="1">
+            <a:schemeClr val="accent1"/>
+          </a:lnRef>
+          <a:fillRef idx="3">
+            <a:schemeClr val="accent1"/>
+          </a:fillRef>
+          <a:effectRef idx="2">
+            <a:schemeClr val="accent1"/>
+          </a:effectRef>
+          <a:fontRef idx="minor"/>
+        </p:style>
+        <p:txBody>
+          <a:bodyPr lIns="90000" rIns="90000" tIns="45000" bIns="45000" anchor="ctr">
+            <a:noAutofit/>
+          </a:bodyPr>
+          <a:p>
+            <a:endParaRPr b="0" lang="en-US" sz="1800" spc="-1" strike="noStrike">
+              <a:solidFill>
+                <a:schemeClr val="lt1"/>
+              </a:solidFill>
+              <a:latin typeface="Calibri"/>
+              <a:ea typeface="DejaVu Sans"/>
+            </a:endParaRPr>
+          </a:p>
+        </p:txBody>
+      </p:sp>
+      <p:sp>
+        <p:nvSpPr>
+          <p:cNvPr id="202" name="Rectangle 102"/>
+          <p:cNvSpPr/>
+          <p:nvPr/>
+        </p:nvSpPr>
+        <p:spPr>
+          <a:xfrm>
+            <a:off x="3657600" y="0"/>
+            <a:ext cx="14400" cy="6854040"/>
+          </a:xfrm>
+          <a:prstGeom prst="rect">
+            <a:avLst/>
+          </a:prstGeom>
+          <a:solidFill>
+            <a:srgbClr val="121216"/>
+          </a:solidFill>
+          <a:ln>
+            <a:noFill/>
+          </a:ln>
+          <a:effectLst>
+            <a:outerShdw blurRad="39960" dir="5400000" dist="23040" rotWithShape="0">
+              <a:srgbClr val="000000">
+                <a:alpha val="35000"/>
+              </a:srgbClr>
+            </a:outerShdw>
+          </a:effectLst>
+        </p:spPr>
+        <p:style>
+          <a:lnRef idx="1">
+            <a:schemeClr val="accent1"/>
+          </a:lnRef>
+          <a:fillRef idx="3">
+            <a:schemeClr val="accent1"/>
+          </a:fillRef>
+          <a:effectRef idx="2">
+            <a:schemeClr val="accent1"/>
+          </a:effectRef>
+          <a:fontRef idx="minor"/>
+        </p:style>
+        <p:txBody>
+          <a:bodyPr lIns="90000" rIns="90000" tIns="45000" bIns="45000" anchor="ctr">
+            <a:noAutofit/>
+          </a:bodyPr>
+          <a:p>
+            <a:endParaRPr b="0" lang="en-US" sz="1800" spc="-1" strike="noStrike">
+              <a:solidFill>
+                <a:schemeClr val="lt1"/>
+              </a:solidFill>
+              <a:latin typeface="Calibri"/>
+              <a:ea typeface="DejaVu Sans"/>
+            </a:endParaRPr>
+          </a:p>
+        </p:txBody>
+      </p:sp>
+      <p:sp>
+        <p:nvSpPr>
+          <p:cNvPr id="203" name="Rectangle 103"/>
+          <p:cNvSpPr/>
+          <p:nvPr/>
+        </p:nvSpPr>
+        <p:spPr>
+          <a:xfrm>
+            <a:off x="4572000" y="0"/>
+            <a:ext cx="14400" cy="6854040"/>
+          </a:xfrm>
+          <a:prstGeom prst="rect">
+            <a:avLst/>
+          </a:prstGeom>
+          <a:solidFill>
+            <a:srgbClr val="121216"/>
+          </a:solidFill>
+          <a:ln>
+            <a:noFill/>
+          </a:ln>
+          <a:effectLst>
+            <a:outerShdw blurRad="39960" dir="5400000" dist="23040" rotWithShape="0">
+              <a:srgbClr val="000000">
+                <a:alpha val="35000"/>
+              </a:srgbClr>
+            </a:outerShdw>
+          </a:effectLst>
+        </p:spPr>
+        <p:style>
+          <a:lnRef idx="1">
+            <a:schemeClr val="accent1"/>
+          </a:lnRef>
+          <a:fillRef idx="3">
+            <a:schemeClr val="accent1"/>
+          </a:fillRef>
+          <a:effectRef idx="2">
+            <a:schemeClr val="accent1"/>
+          </a:effectRef>
+          <a:fontRef idx="minor"/>
+        </p:style>
+        <p:txBody>
+          <a:bodyPr lIns="90000" rIns="90000" tIns="45000" bIns="45000" anchor="ctr">
+            <a:noAutofit/>
+          </a:bodyPr>
+          <a:p>
+            <a:endParaRPr b="0" lang="en-US" sz="1800" spc="-1" strike="noStrike">
+              <a:solidFill>
+                <a:schemeClr val="lt1"/>
+              </a:solidFill>
+              <a:latin typeface="Calibri"/>
+              <a:ea typeface="DejaVu Sans"/>
+            </a:endParaRPr>
+          </a:p>
+        </p:txBody>
+      </p:sp>
+      <p:sp>
+        <p:nvSpPr>
+          <p:cNvPr id="204" name="Rectangle 104"/>
+          <p:cNvSpPr/>
+          <p:nvPr/>
+        </p:nvSpPr>
+        <p:spPr>
+          <a:xfrm>
+            <a:off x="5486400" y="0"/>
+            <a:ext cx="14400" cy="6854040"/>
+          </a:xfrm>
+          <a:prstGeom prst="rect">
+            <a:avLst/>
+          </a:prstGeom>
+          <a:solidFill>
+            <a:srgbClr val="121216"/>
+          </a:solidFill>
+          <a:ln>
+            <a:noFill/>
+          </a:ln>
+          <a:effectLst>
+            <a:outerShdw blurRad="39960" dir="5400000" dist="23040" rotWithShape="0">
+              <a:srgbClr val="000000">
+                <a:alpha val="35000"/>
+              </a:srgbClr>
+            </a:outerShdw>
+          </a:effectLst>
+        </p:spPr>
+        <p:style>
+          <a:lnRef idx="1">
+            <a:schemeClr val="accent1"/>
+          </a:lnRef>
+          <a:fillRef idx="3">
+            <a:schemeClr val="accent1"/>
+          </a:fillRef>
+          <a:effectRef idx="2">
+            <a:schemeClr val="accent1"/>
+          </a:effectRef>
+          <a:fontRef idx="minor"/>
+        </p:style>
+        <p:txBody>
+          <a:bodyPr lIns="90000" rIns="90000" tIns="45000" bIns="45000" anchor="ctr">
+            <a:noAutofit/>
+          </a:bodyPr>
+          <a:p>
+            <a:endParaRPr b="0" lang="en-US" sz="1800" spc="-1" strike="noStrike">
+              <a:solidFill>
+                <a:schemeClr val="lt1"/>
+              </a:solidFill>
+              <a:latin typeface="Calibri"/>
+              <a:ea typeface="DejaVu Sans"/>
+            </a:endParaRPr>
+          </a:p>
+        </p:txBody>
+      </p:sp>
+      <p:sp>
+        <p:nvSpPr>
+          <p:cNvPr id="205" name="Rectangle 105"/>
+          <p:cNvSpPr/>
+          <p:nvPr/>
+        </p:nvSpPr>
+        <p:spPr>
+          <a:xfrm>
+            <a:off x="6400800" y="0"/>
+            <a:ext cx="14400" cy="6854040"/>
+          </a:xfrm>
+          <a:prstGeom prst="rect">
+            <a:avLst/>
+          </a:prstGeom>
+          <a:solidFill>
+            <a:srgbClr val="121216"/>
+          </a:solidFill>
+          <a:ln>
+            <a:noFill/>
+          </a:ln>
+          <a:effectLst>
+            <a:outerShdw blurRad="39960" dir="5400000" dist="23040" rotWithShape="0">
+              <a:srgbClr val="000000">
+                <a:alpha val="35000"/>
+              </a:srgbClr>
+            </a:outerShdw>
+          </a:effectLst>
+        </p:spPr>
+        <p:style>
+          <a:lnRef idx="1">
+            <a:schemeClr val="accent1"/>
+          </a:lnRef>
+          <a:fillRef idx="3">
+            <a:schemeClr val="accent1"/>
+          </a:fillRef>
+          <a:effectRef idx="2">
+            <a:schemeClr val="accent1"/>
+          </a:effectRef>
+          <a:fontRef idx="minor"/>
+        </p:style>
+        <p:txBody>
+          <a:bodyPr lIns="90000" rIns="90000" tIns="45000" bIns="45000" anchor="ctr">
+            <a:noAutofit/>
+          </a:bodyPr>
+          <a:p>
+            <a:endParaRPr b="0" lang="en-US" sz="1800" spc="-1" strike="noStrike">
+              <a:solidFill>
+                <a:schemeClr val="lt1"/>
+              </a:solidFill>
+              <a:latin typeface="Calibri"/>
+              <a:ea typeface="DejaVu Sans"/>
+            </a:endParaRPr>
+          </a:p>
+        </p:txBody>
+      </p:sp>
+      <p:sp>
+        <p:nvSpPr>
+          <p:cNvPr id="206" name="Rectangle 106"/>
+          <p:cNvSpPr/>
+          <p:nvPr/>
+        </p:nvSpPr>
+        <p:spPr>
+          <a:xfrm>
+            <a:off x="7315200" y="0"/>
+            <a:ext cx="14400" cy="6854040"/>
+          </a:xfrm>
+          <a:prstGeom prst="rect">
+            <a:avLst/>
+          </a:prstGeom>
+          <a:solidFill>
+            <a:srgbClr val="121216"/>
+          </a:solidFill>
+          <a:ln>
+            <a:noFill/>
+          </a:ln>
+          <a:effectLst>
+            <a:outerShdw blurRad="39960" dir="5400000" dist="23040" rotWithShape="0">
+              <a:srgbClr val="000000">
+                <a:alpha val="35000"/>
+              </a:srgbClr>
+            </a:outerShdw>
+          </a:effectLst>
+        </p:spPr>
+        <p:style>
+          <a:lnRef idx="1">
+            <a:schemeClr val="accent1"/>
+          </a:lnRef>
+          <a:fillRef idx="3">
+            <a:schemeClr val="accent1"/>
+          </a:fillRef>
+          <a:effectRef idx="2">
+            <a:schemeClr val="accent1"/>
+          </a:effectRef>
+          <a:fontRef idx="minor"/>
+        </p:style>
+        <p:txBody>
+          <a:bodyPr lIns="90000" rIns="90000" tIns="45000" bIns="45000" anchor="ctr">
+            <a:noAutofit/>
+          </a:bodyPr>
+          <a:p>
+            <a:endParaRPr b="0" lang="en-US" sz="1800" spc="-1" strike="noStrike">
+              <a:solidFill>
+                <a:schemeClr val="lt1"/>
+              </a:solidFill>
+              <a:latin typeface="Calibri"/>
+              <a:ea typeface="DejaVu Sans"/>
+            </a:endParaRPr>
+          </a:p>
+        </p:txBody>
+      </p:sp>
+      <p:sp>
+        <p:nvSpPr>
+          <p:cNvPr id="207" name="Rectangle 107"/>
+          <p:cNvSpPr/>
+          <p:nvPr/>
+        </p:nvSpPr>
+        <p:spPr>
+          <a:xfrm>
+            <a:off x="8229600" y="0"/>
+            <a:ext cx="14400" cy="6854040"/>
+          </a:xfrm>
+          <a:prstGeom prst="rect">
+            <a:avLst/>
+          </a:prstGeom>
+          <a:solidFill>
+            <a:srgbClr val="121216"/>
+          </a:solidFill>
+          <a:ln>
+            <a:noFill/>
+          </a:ln>
+          <a:effectLst>
+            <a:outerShdw blurRad="39960" dir="5400000" dist="23040" rotWithShape="0">
+              <a:srgbClr val="000000">
+                <a:alpha val="35000"/>
+              </a:srgbClr>
+            </a:outerShdw>
+          </a:effectLst>
+        </p:spPr>
+        <p:style>
+          <a:lnRef idx="1">
+            <a:schemeClr val="accent1"/>
+          </a:lnRef>
+          <a:fillRef idx="3">
+            <a:schemeClr val="accent1"/>
+          </a:fillRef>
+          <a:effectRef idx="2">
+            <a:schemeClr val="accent1"/>
+          </a:effectRef>
+          <a:fontRef idx="minor"/>
+        </p:style>
+        <p:txBody>
+          <a:bodyPr lIns="90000" rIns="90000" tIns="45000" bIns="45000" anchor="ctr">
+            <a:noAutofit/>
+          </a:bodyPr>
+          <a:p>
+            <a:endParaRPr b="0" lang="en-US" sz="1800" spc="-1" strike="noStrike">
+              <a:solidFill>
+                <a:schemeClr val="lt1"/>
+              </a:solidFill>
+              <a:latin typeface="Calibri"/>
+              <a:ea typeface="DejaVu Sans"/>
+            </a:endParaRPr>
+          </a:p>
+        </p:txBody>
+      </p:sp>
+      <p:sp>
+        <p:nvSpPr>
+          <p:cNvPr id="208" name="Rectangle 108"/>
+          <p:cNvSpPr/>
+          <p:nvPr/>
+        </p:nvSpPr>
+        <p:spPr>
+          <a:xfrm>
+            <a:off x="9144000" y="0"/>
+            <a:ext cx="14400" cy="6854040"/>
+          </a:xfrm>
+          <a:prstGeom prst="rect">
+            <a:avLst/>
+          </a:prstGeom>
+          <a:solidFill>
+            <a:srgbClr val="121216"/>
+          </a:solidFill>
+          <a:ln>
+            <a:noFill/>
+          </a:ln>
+          <a:effectLst>
+            <a:outerShdw blurRad="39960" dir="5400000" dist="23040" rotWithShape="0">
+              <a:srgbClr val="000000">
+                <a:alpha val="35000"/>
+              </a:srgbClr>
+            </a:outerShdw>
+          </a:effectLst>
+        </p:spPr>
+        <p:style>
+          <a:lnRef idx="1">
+            <a:schemeClr val="accent1"/>
+          </a:lnRef>
+          <a:fillRef idx="3">
+            <a:schemeClr val="accent1"/>
+          </a:fillRef>
+          <a:effectRef idx="2">
+            <a:schemeClr val="accent1"/>
+          </a:effectRef>
+          <a:fontRef idx="minor"/>
+        </p:style>
+        <p:txBody>
+          <a:bodyPr lIns="90000" rIns="90000" tIns="45000" bIns="45000" anchor="ctr">
+            <a:noAutofit/>
+          </a:bodyPr>
+          <a:p>
+            <a:endParaRPr b="0" lang="en-US" sz="1800" spc="-1" strike="noStrike">
+              <a:solidFill>
+                <a:schemeClr val="lt1"/>
+              </a:solidFill>
+              <a:latin typeface="Calibri"/>
+              <a:ea typeface="DejaVu Sans"/>
+            </a:endParaRPr>
+          </a:p>
+        </p:txBody>
+      </p:sp>
+      <p:sp>
+        <p:nvSpPr>
+          <p:cNvPr id="209" name="Rectangle 109"/>
+          <p:cNvSpPr/>
+          <p:nvPr/>
+        </p:nvSpPr>
+        <p:spPr>
+          <a:xfrm>
+            <a:off x="10058400" y="0"/>
+            <a:ext cx="14400" cy="6854040"/>
+          </a:xfrm>
+          <a:prstGeom prst="rect">
+            <a:avLst/>
+          </a:prstGeom>
+          <a:solidFill>
+            <a:srgbClr val="121216"/>
+          </a:solidFill>
+          <a:ln>
+            <a:noFill/>
+          </a:ln>
+          <a:effectLst>
+            <a:outerShdw blurRad="39960" dir="5400000" dist="23040" rotWithShape="0">
+              <a:srgbClr val="000000">
+                <a:alpha val="35000"/>
+              </a:srgbClr>
+            </a:outerShdw>
+          </a:effectLst>
+        </p:spPr>
+        <p:style>
+          <a:lnRef idx="1">
+            <a:schemeClr val="accent1"/>
+          </a:lnRef>
+          <a:fillRef idx="3">
+            <a:schemeClr val="accent1"/>
+          </a:fillRef>
+          <a:effectRef idx="2">
+            <a:schemeClr val="accent1"/>
+          </a:effectRef>
+          <a:fontRef idx="minor"/>
+        </p:style>
+        <p:txBody>
+          <a:bodyPr lIns="90000" rIns="90000" tIns="45000" bIns="45000" anchor="ctr">
+            <a:noAutofit/>
+          </a:bodyPr>
+          <a:p>
+            <a:endParaRPr b="0" lang="en-US" sz="1800" spc="-1" strike="noStrike">
+              <a:solidFill>
+                <a:schemeClr val="lt1"/>
+              </a:solidFill>
+              <a:latin typeface="Calibri"/>
+              <a:ea typeface="DejaVu Sans"/>
+            </a:endParaRPr>
+          </a:p>
+        </p:txBody>
+      </p:sp>
+      <p:sp>
+        <p:nvSpPr>
+          <p:cNvPr id="210" name="Rectangle 110"/>
+          <p:cNvSpPr/>
+          <p:nvPr/>
+        </p:nvSpPr>
+        <p:spPr>
+          <a:xfrm>
+            <a:off x="10972800" y="0"/>
+            <a:ext cx="14400" cy="6854040"/>
+          </a:xfrm>
+          <a:prstGeom prst="rect">
+            <a:avLst/>
+          </a:prstGeom>
+          <a:solidFill>
+            <a:srgbClr val="121216"/>
+          </a:solidFill>
+          <a:ln>
+            <a:noFill/>
+          </a:ln>
+          <a:effectLst>
+            <a:outerShdw blurRad="39960" dir="5400000" dist="23040" rotWithShape="0">
+              <a:srgbClr val="000000">
+                <a:alpha val="35000"/>
+              </a:srgbClr>
+            </a:outerShdw>
+          </a:effectLst>
+        </p:spPr>
+        <p:style>
+          <a:lnRef idx="1">
+            <a:schemeClr val="accent1"/>
+          </a:lnRef>
+          <a:fillRef idx="3">
+            <a:schemeClr val="accent1"/>
+          </a:fillRef>
+          <a:effectRef idx="2">
+            <a:schemeClr val="accent1"/>
+          </a:effectRef>
+          <a:fontRef idx="minor"/>
+        </p:style>
+        <p:txBody>
+          <a:bodyPr lIns="90000" rIns="90000" tIns="45000" bIns="45000" anchor="ctr">
+            <a:noAutofit/>
+          </a:bodyPr>
+          <a:p>
+            <a:endParaRPr b="0" lang="en-US" sz="1800" spc="-1" strike="noStrike">
+              <a:solidFill>
+                <a:schemeClr val="lt1"/>
+              </a:solidFill>
+              <a:latin typeface="Calibri"/>
+              <a:ea typeface="DejaVu Sans"/>
+            </a:endParaRPr>
+          </a:p>
+        </p:txBody>
+      </p:sp>
+      <p:sp>
+        <p:nvSpPr>
+          <p:cNvPr id="211" name="Rectangle 111"/>
+          <p:cNvSpPr/>
+          <p:nvPr/>
+        </p:nvSpPr>
+        <p:spPr>
+          <a:xfrm>
+            <a:off x="11887200" y="0"/>
+            <a:ext cx="14400" cy="6854040"/>
+          </a:xfrm>
+          <a:prstGeom prst="rect">
+            <a:avLst/>
+          </a:prstGeom>
+          <a:solidFill>
+            <a:srgbClr val="121216"/>
+          </a:solidFill>
+          <a:ln>
+            <a:noFill/>
+          </a:ln>
+          <a:effectLst>
+            <a:outerShdw blurRad="39960" dir="5400000" dist="23040" rotWithShape="0">
+              <a:srgbClr val="000000">
+                <a:alpha val="35000"/>
+              </a:srgbClr>
+            </a:outerShdw>
+          </a:effectLst>
+        </p:spPr>
+        <p:style>
+          <a:lnRef idx="1">
+            <a:schemeClr val="accent1"/>
+          </a:lnRef>
+          <a:fillRef idx="3">
+            <a:schemeClr val="accent1"/>
+          </a:fillRef>
+          <a:effectRef idx="2">
+            <a:schemeClr val="accent1"/>
+          </a:effectRef>
+          <a:fontRef idx="minor"/>
+        </p:style>
+        <p:txBody>
+          <a:bodyPr lIns="90000" rIns="90000" tIns="45000" bIns="45000" anchor="ctr">
+            <a:noAutofit/>
+          </a:bodyPr>
+          <a:p>
+            <a:endParaRPr b="0" lang="en-US" sz="1800" spc="-1" strike="noStrike">
+              <a:solidFill>
+                <a:schemeClr val="lt1"/>
+              </a:solidFill>
+              <a:latin typeface="Calibri"/>
+              <a:ea typeface="DejaVu Sans"/>
+            </a:endParaRPr>
+          </a:p>
+        </p:txBody>
+      </p:sp>
+      <p:sp>
+        <p:nvSpPr>
+          <p:cNvPr id="212" name="Rectangle 112"/>
+          <p:cNvSpPr/>
+          <p:nvPr/>
+        </p:nvSpPr>
+        <p:spPr>
+          <a:xfrm>
+            <a:off x="0" y="0"/>
+            <a:ext cx="316080" cy="6854040"/>
+          </a:xfrm>
+          <a:prstGeom prst="rect">
+            <a:avLst/>
+          </a:prstGeom>
+          <a:solidFill>
+            <a:srgbClr val="ff8c00"/>
+          </a:solidFill>
+          <a:ln>
+            <a:noFill/>
+          </a:ln>
+          <a:effectLst>
+            <a:outerShdw blurRad="39960" dir="5400000" dist="23040" rotWithShape="0">
+              <a:srgbClr val="000000">
+                <a:alpha val="35000"/>
+              </a:srgbClr>
+            </a:outerShdw>
+          </a:effectLst>
+        </p:spPr>
+        <p:style>
+          <a:lnRef idx="1">
+            <a:schemeClr val="accent1"/>
+          </a:lnRef>
+          <a:fillRef idx="3">
+            <a:schemeClr val="accent1"/>
+          </a:fillRef>
+          <a:effectRef idx="2">
+            <a:schemeClr val="accent1"/>
+          </a:effectRef>
+          <a:fontRef idx="minor"/>
+        </p:style>
+        <p:txBody>
+          <a:bodyPr lIns="90000" rIns="90000" tIns="45000" bIns="45000" anchor="ctr">
+            <a:noAutofit/>
+          </a:bodyPr>
+          <a:p>
+            <a:endParaRPr b="0" lang="en-US" sz="1800" spc="-1" strike="noStrike">
+              <a:solidFill>
+                <a:schemeClr val="lt1"/>
+              </a:solidFill>
+              <a:latin typeface="Calibri"/>
+              <a:ea typeface="DejaVu Sans"/>
+            </a:endParaRPr>
+          </a:p>
+        </p:txBody>
+      </p:sp>
+      <p:sp>
+        <p:nvSpPr>
+          <p:cNvPr id="213" name="Rounded Rectangle 47"/>
+          <p:cNvSpPr/>
+          <p:nvPr/>
+        </p:nvSpPr>
+        <p:spPr>
+          <a:xfrm>
+            <a:off x="9875520" y="365760"/>
+            <a:ext cx="2007720" cy="498960"/>
+          </a:xfrm>
+          <a:prstGeom prst="roundRect">
+            <a:avLst>
+              <a:gd name="adj" fmla="val 16667"/>
+            </a:avLst>
+          </a:prstGeom>
+          <a:solidFill>
+            <a:srgbClr val="1e1e24"/>
+          </a:solidFill>
+          <a:ln>
+            <a:solidFill>
+              <a:srgbClr val="ff8c00"/>
+            </a:solidFill>
+            <a:round/>
+          </a:ln>
+          <a:effectLst>
+            <a:outerShdw blurRad="39960" dir="5400000" dist="23040" rotWithShape="0">
+              <a:srgbClr val="000000">
+                <a:alpha val="35000"/>
+              </a:srgbClr>
+            </a:outerShdw>
+          </a:effectLst>
+        </p:spPr>
+        <p:style>
+          <a:lnRef idx="1">
+            <a:schemeClr val="accent1"/>
+          </a:lnRef>
+          <a:fillRef idx="3">
+            <a:schemeClr val="accent1"/>
+          </a:fillRef>
+          <a:effectRef idx="2">
+            <a:schemeClr val="accent1"/>
+          </a:effectRef>
+          <a:fontRef idx="minor"/>
+        </p:style>
+        <p:txBody>
+          <a:bodyPr lIns="90000" rIns="90000" tIns="45000" bIns="45000" anchor="ctr">
+            <a:noAutofit/>
+          </a:bodyPr>
+          <a:p>
+            <a:pPr algn="ctr">
+              <a:lnSpc>
+                <a:spcPct val="100000"/>
+              </a:lnSpc>
+            </a:pPr>
+            <a:r>
+              <a:rPr b="1" lang="en-US" sz="1400" spc="-1" strike="noStrike">
+                <a:solidFill>
+                  <a:srgbClr val="ffb45a"/>
+                </a:solidFill>
+                <a:latin typeface="Calibri"/>
+                <a:ea typeface="DejaVu Sans"/>
+              </a:rPr>
+              <a:t>JAVA CORE</a:t>
+            </a:r>
+            <a:endParaRPr b="0" lang="en-US" sz="1400" spc="-1" strike="noStrike">
+              <a:solidFill>
+                <a:srgbClr val="ffffff"/>
+              </a:solidFill>
+              <a:latin typeface="Arial"/>
+            </a:endParaRPr>
+          </a:p>
+        </p:txBody>
+      </p:sp>
+      <p:sp>
+        <p:nvSpPr>
+          <p:cNvPr id="214" name="TextBox 21"/>
+          <p:cNvSpPr/>
+          <p:nvPr/>
+        </p:nvSpPr>
+        <p:spPr>
+          <a:xfrm>
+            <a:off x="1203840" y="1005840"/>
+            <a:ext cx="8575200" cy="730440"/>
+          </a:xfrm>
+          <a:prstGeom prst="rect">
+            <a:avLst/>
+          </a:prstGeom>
+          <a:noFill/>
+          <a:ln w="0">
+            <a:noFill/>
+          </a:ln>
+        </p:spPr>
+        <p:style>
+          <a:lnRef idx="0"/>
+          <a:fillRef idx="0"/>
+          <a:effectRef idx="0"/>
+          <a:fontRef idx="minor"/>
+        </p:style>
+        <p:txBody>
+          <a:bodyPr wrap="none" lIns="90000" rIns="90000" tIns="45000" bIns="45000" anchor="t">
+            <a:spAutoFit/>
+          </a:bodyPr>
+          <a:p>
+            <a:pPr>
+              <a:lnSpc>
+                <a:spcPct val="100000"/>
+              </a:lnSpc>
+            </a:pPr>
+            <a:r>
+              <a:rPr b="1" lang="en-US" sz="4200" spc="-1" strike="noStrike">
+                <a:solidFill>
+                  <a:srgbClr val="f5f5f5"/>
+                </a:solidFill>
+                <a:latin typeface="Calibri"/>
+                <a:ea typeface="DejaVu Sans"/>
+              </a:rPr>
+              <a:t>            </a:t>
+            </a:r>
+            <a:r>
+              <a:rPr b="1" lang="en-US" sz="4200" spc="-1" strike="noStrike">
+                <a:solidFill>
+                  <a:srgbClr val="f5f5f5"/>
+                </a:solidFill>
+                <a:latin typeface="Calibri"/>
+                <a:ea typeface="DejaVu Sans"/>
+              </a:rPr>
+              <a:t>Java History – From Oak to Java</a:t>
+            </a:r>
+            <a:endParaRPr b="0" lang="en-US" sz="4200" spc="-1" strike="noStrike">
+              <a:solidFill>
+                <a:srgbClr val="000000"/>
+              </a:solidFill>
+              <a:latin typeface="Arial"/>
+            </a:endParaRPr>
+          </a:p>
+        </p:txBody>
+      </p:sp>
+      <p:sp>
+        <p:nvSpPr>
+          <p:cNvPr id="215" name="TextBox 22"/>
+          <p:cNvSpPr/>
+          <p:nvPr/>
+        </p:nvSpPr>
+        <p:spPr>
+          <a:xfrm>
+            <a:off x="3381480" y="2057400"/>
+            <a:ext cx="4798800" cy="363960"/>
+          </a:xfrm>
+          <a:prstGeom prst="rect">
+            <a:avLst/>
+          </a:prstGeom>
+          <a:noFill/>
+          <a:ln w="0">
+            <a:noFill/>
+          </a:ln>
+        </p:spPr>
+        <p:style>
+          <a:lnRef idx="0"/>
+          <a:fillRef idx="0"/>
+          <a:effectRef idx="0"/>
+          <a:fontRef idx="minor"/>
+        </p:style>
+        <p:txBody>
+          <a:bodyPr wrap="none" lIns="90000" rIns="90000" tIns="45000" bIns="45000" anchor="t">
+            <a:spAutoFit/>
+          </a:bodyPr>
+          <a:p>
+            <a:pPr>
+              <a:lnSpc>
+                <a:spcPct val="100000"/>
+              </a:lnSpc>
+            </a:pPr>
+            <a:r>
+              <a:rPr b="0" lang="en-US" sz="1800" spc="-1" strike="noStrike">
+                <a:solidFill>
+                  <a:srgbClr val="aaaaaa"/>
+                </a:solidFill>
+                <a:latin typeface="Calibri"/>
+                <a:ea typeface="DejaVu Sans"/>
+              </a:rPr>
+              <a:t>How Oak became Java and found its real purpose.</a:t>
+            </a:r>
+            <a:endParaRPr b="0" lang="en-US" sz="1800" spc="-1" strike="noStrike">
+              <a:solidFill>
+                <a:srgbClr val="000000"/>
+              </a:solidFill>
+              <a:latin typeface="Arial"/>
+            </a:endParaRPr>
+          </a:p>
+        </p:txBody>
+      </p:sp>
+      <p:sp>
+        <p:nvSpPr>
+          <p:cNvPr id="216" name="Rounded Rectangle 50"/>
+          <p:cNvSpPr/>
+          <p:nvPr/>
+        </p:nvSpPr>
+        <p:spPr>
+          <a:xfrm>
+            <a:off x="987480" y="3182040"/>
+            <a:ext cx="3287880" cy="2739240"/>
+          </a:xfrm>
+          <a:prstGeom prst="roundRect">
+            <a:avLst>
+              <a:gd name="adj" fmla="val 16667"/>
+            </a:avLst>
+          </a:prstGeom>
+          <a:solidFill>
+            <a:srgbClr val="08080a"/>
+          </a:solidFill>
+          <a:ln>
+            <a:noFill/>
+          </a:ln>
+          <a:effectLst>
+            <a:outerShdw blurRad="39960" dir="5400000" dist="23040" rotWithShape="0">
+              <a:srgbClr val="000000">
+                <a:alpha val="35000"/>
+              </a:srgbClr>
+            </a:outerShdw>
+          </a:effectLst>
+        </p:spPr>
+        <p:style>
+          <a:lnRef idx="1">
+            <a:schemeClr val="accent1"/>
+          </a:lnRef>
+          <a:fillRef idx="3">
+            <a:schemeClr val="accent1"/>
+          </a:fillRef>
+          <a:effectRef idx="2">
+            <a:schemeClr val="accent1"/>
+          </a:effectRef>
+          <a:fontRef idx="minor"/>
+        </p:style>
+        <p:txBody>
+          <a:bodyPr lIns="90000" rIns="90000" tIns="45000" bIns="45000" anchor="ctr">
+            <a:noAutofit/>
+          </a:bodyPr>
+          <a:p>
+            <a:endParaRPr b="0" lang="en-US" sz="1800" spc="-1" strike="noStrike">
+              <a:solidFill>
+                <a:schemeClr val="lt1"/>
+              </a:solidFill>
+              <a:latin typeface="Calibri"/>
+              <a:ea typeface="DejaVu Sans"/>
+            </a:endParaRPr>
+          </a:p>
+        </p:txBody>
+      </p:sp>
+      <p:sp>
+        <p:nvSpPr>
+          <p:cNvPr id="217" name="Rounded Rectangle 51"/>
+          <p:cNvSpPr/>
+          <p:nvPr/>
+        </p:nvSpPr>
+        <p:spPr>
+          <a:xfrm>
+            <a:off x="914400" y="3108960"/>
+            <a:ext cx="3287880" cy="2739240"/>
+          </a:xfrm>
+          <a:prstGeom prst="roundRect">
+            <a:avLst>
+              <a:gd name="adj" fmla="val 16667"/>
+            </a:avLst>
+          </a:prstGeom>
+          <a:solidFill>
+            <a:srgbClr val="16161c"/>
+          </a:solidFill>
+          <a:ln>
+            <a:solidFill>
+              <a:srgbClr val="464655"/>
+            </a:solidFill>
+            <a:round/>
+          </a:ln>
+          <a:effectLst>
+            <a:outerShdw blurRad="39960" dir="5400000" dist="23040" rotWithShape="0">
+              <a:srgbClr val="000000">
+                <a:alpha val="35000"/>
+              </a:srgbClr>
+            </a:outerShdw>
+          </a:effectLst>
+        </p:spPr>
+        <p:style>
+          <a:lnRef idx="1">
+            <a:schemeClr val="accent1"/>
+          </a:lnRef>
+          <a:fillRef idx="3">
+            <a:schemeClr val="accent1"/>
+          </a:fillRef>
+          <a:effectRef idx="2">
+            <a:schemeClr val="accent1"/>
+          </a:effectRef>
+          <a:fontRef idx="minor"/>
+        </p:style>
+        <p:txBody>
+          <a:bodyPr lIns="90000" rIns="90000" tIns="45000" bIns="45000" anchor="ctr">
+            <a:noAutofit/>
+          </a:bodyPr>
+          <a:p>
+            <a:pPr>
+              <a:lnSpc>
+                <a:spcPct val="100000"/>
+              </a:lnSpc>
+            </a:pPr>
+            <a:r>
+              <a:rPr b="1" lang="en-US" sz="1300" spc="-1" strike="noStrike">
+                <a:solidFill>
+                  <a:schemeClr val="lt1"/>
+                </a:solidFill>
+                <a:latin typeface="Calibri"/>
+                <a:ea typeface="DejaVu Sans"/>
+              </a:rPr>
+              <a:t>The Turning Point (1994)</a:t>
+            </a:r>
+            <a:endParaRPr b="0" lang="en-US" sz="1300" spc="-1" strike="noStrike">
+              <a:solidFill>
+                <a:srgbClr val="ffffff"/>
+              </a:solidFill>
+              <a:latin typeface="Arial"/>
+            </a:endParaRPr>
+          </a:p>
+          <a:p>
+            <a:pPr>
+              <a:lnSpc>
+                <a:spcPct val="100000"/>
+              </a:lnSpc>
+            </a:pPr>
+            <a:r>
+              <a:rPr b="0" lang="en-US" sz="1300" spc="-1" strike="noStrike">
+                <a:solidFill>
+                  <a:schemeClr val="lt1"/>
+                </a:solidFill>
+                <a:latin typeface="Calibri"/>
+                <a:ea typeface="DejaVu Sans"/>
+              </a:rPr>
+              <a:t>What went wrong?</a:t>
+            </a:r>
+            <a:endParaRPr b="0" lang="en-US" sz="1300" spc="-1" strike="noStrike">
+              <a:solidFill>
+                <a:srgbClr val="ffffff"/>
+              </a:solidFill>
+              <a:latin typeface="Arial"/>
+            </a:endParaRPr>
+          </a:p>
+          <a:p>
+            <a:pPr>
+              <a:lnSpc>
+                <a:spcPct val="100000"/>
+              </a:lnSpc>
+            </a:pPr>
+            <a:r>
+              <a:rPr b="1" lang="en-US" sz="1300" spc="-1" strike="noStrike">
+                <a:solidFill>
+                  <a:schemeClr val="lt1"/>
+                </a:solidFill>
+                <a:latin typeface="Calibri"/>
+                <a:ea typeface="DejaVu Sans"/>
+              </a:rPr>
+              <a:t>• </a:t>
+            </a:r>
+            <a:r>
+              <a:rPr b="1" lang="en-US" sz="1300" spc="-1" strike="noStrike">
+                <a:solidFill>
+                  <a:schemeClr val="lt1"/>
+                </a:solidFill>
+                <a:latin typeface="Calibri"/>
+                <a:ea typeface="DejaVu Sans"/>
+              </a:rPr>
+              <a:t>Smart TV market failed</a:t>
+            </a:r>
+            <a:endParaRPr b="0" lang="en-US" sz="1300" spc="-1" strike="noStrike">
+              <a:solidFill>
+                <a:srgbClr val="ffffff"/>
+              </a:solidFill>
+              <a:latin typeface="Arial"/>
+            </a:endParaRPr>
+          </a:p>
+          <a:p>
+            <a:pPr>
+              <a:lnSpc>
+                <a:spcPct val="100000"/>
+              </a:lnSpc>
+            </a:pPr>
+            <a:r>
+              <a:rPr b="1" lang="en-US" sz="1300" spc="-1" strike="noStrike">
+                <a:solidFill>
+                  <a:schemeClr val="lt1"/>
+                </a:solidFill>
+                <a:latin typeface="Calibri"/>
+                <a:ea typeface="DejaVu Sans"/>
+              </a:rPr>
+              <a:t>• </a:t>
+            </a:r>
+            <a:r>
+              <a:rPr b="1" lang="en-US" sz="1300" spc="-1" strike="noStrike">
+                <a:solidFill>
+                  <a:schemeClr val="lt1"/>
+                </a:solidFill>
+                <a:latin typeface="Calibri"/>
+                <a:ea typeface="DejaVu Sans"/>
+              </a:rPr>
+              <a:t>Oak had no commercial future</a:t>
+            </a:r>
+            <a:endParaRPr b="0" lang="en-US" sz="1300" spc="-1" strike="noStrike">
+              <a:solidFill>
+                <a:srgbClr val="ffffff"/>
+              </a:solidFill>
+              <a:latin typeface="Arial"/>
+            </a:endParaRPr>
+          </a:p>
+          <a:p>
+            <a:pPr>
+              <a:lnSpc>
+                <a:spcPct val="100000"/>
+              </a:lnSpc>
+            </a:pPr>
+            <a:r>
+              <a:rPr b="1" lang="en-US" sz="1300" spc="-1" strike="noStrike">
+                <a:solidFill>
+                  <a:schemeClr val="lt1"/>
+                </a:solidFill>
+                <a:latin typeface="Calibri"/>
+                <a:ea typeface="DejaVu Sans"/>
+              </a:rPr>
+              <a:t>• </a:t>
+            </a:r>
+            <a:r>
+              <a:rPr b="1" lang="en-US" sz="1300" spc="-1" strike="noStrike">
+                <a:solidFill>
+                  <a:schemeClr val="lt1"/>
+                </a:solidFill>
+                <a:latin typeface="Calibri"/>
+                <a:ea typeface="DejaVu Sans"/>
+              </a:rPr>
+              <a:t>Project almost canceled ❌</a:t>
+            </a:r>
+            <a:endParaRPr b="0" lang="en-US" sz="1300" spc="-1" strike="noStrike">
+              <a:solidFill>
+                <a:srgbClr val="ffffff"/>
+              </a:solidFill>
+              <a:latin typeface="Arial"/>
+            </a:endParaRPr>
+          </a:p>
+          <a:p>
+            <a:pPr>
+              <a:lnSpc>
+                <a:spcPct val="100000"/>
+              </a:lnSpc>
+            </a:pPr>
+            <a:r>
+              <a:rPr b="0" lang="en-US" sz="1300" spc="-1" strike="noStrike">
+                <a:solidFill>
+                  <a:schemeClr val="lt1"/>
+                </a:solidFill>
+                <a:latin typeface="Calibri"/>
+                <a:ea typeface="DejaVu Sans"/>
+              </a:rPr>
+              <a:t>But something changed…</a:t>
+            </a:r>
+            <a:endParaRPr b="0" lang="en-US" sz="1300" spc="-1" strike="noStrike">
+              <a:solidFill>
+                <a:srgbClr val="ffffff"/>
+              </a:solidFill>
+              <a:latin typeface="Arial"/>
+            </a:endParaRPr>
+          </a:p>
+          <a:p>
+            <a:pPr>
+              <a:lnSpc>
+                <a:spcPct val="100000"/>
+              </a:lnSpc>
+            </a:pPr>
+            <a:r>
+              <a:rPr b="1" lang="en-US" sz="1300" spc="-1" strike="noStrike">
+                <a:solidFill>
+                  <a:schemeClr val="lt1"/>
+                </a:solidFill>
+                <a:latin typeface="Calibri"/>
+                <a:ea typeface="DejaVu Sans"/>
+              </a:rPr>
+              <a:t>• </a:t>
+            </a:r>
+            <a:r>
+              <a:rPr b="1" lang="en-US" sz="1300" spc="-1" strike="noStrike">
+                <a:solidFill>
+                  <a:schemeClr val="lt1"/>
+                </a:solidFill>
+                <a:latin typeface="Calibri"/>
+                <a:ea typeface="DejaVu Sans"/>
+              </a:rPr>
+              <a:t>Internet started to grow</a:t>
+            </a:r>
+            <a:endParaRPr b="0" lang="en-US" sz="1300" spc="-1" strike="noStrike">
+              <a:solidFill>
+                <a:srgbClr val="ffffff"/>
+              </a:solidFill>
+              <a:latin typeface="Arial"/>
+            </a:endParaRPr>
+          </a:p>
+          <a:p>
+            <a:pPr>
+              <a:lnSpc>
+                <a:spcPct val="100000"/>
+              </a:lnSpc>
+            </a:pPr>
+            <a:r>
+              <a:rPr b="1" lang="en-US" sz="1300" spc="-1" strike="noStrike">
+                <a:solidFill>
+                  <a:schemeClr val="lt1"/>
+                </a:solidFill>
+                <a:latin typeface="Calibri"/>
+                <a:ea typeface="DejaVu Sans"/>
+              </a:rPr>
+              <a:t>• </a:t>
+            </a:r>
+            <a:r>
+              <a:rPr b="1" lang="en-US" sz="1300" spc="-1" strike="noStrike">
+                <a:solidFill>
+                  <a:schemeClr val="lt1"/>
+                </a:solidFill>
+                <a:latin typeface="Calibri"/>
+                <a:ea typeface="DejaVu Sans"/>
+              </a:rPr>
+              <a:t>Web browsers became popular</a:t>
+            </a:r>
+            <a:endParaRPr b="0" lang="en-US" sz="1300" spc="-1" strike="noStrike">
+              <a:solidFill>
+                <a:srgbClr val="ffffff"/>
+              </a:solidFill>
+              <a:latin typeface="Arial"/>
+            </a:endParaRPr>
+          </a:p>
+          <a:p>
+            <a:pPr>
+              <a:lnSpc>
+                <a:spcPct val="100000"/>
+              </a:lnSpc>
+            </a:pPr>
+            <a:r>
+              <a:rPr b="1" lang="en-US" sz="1300" spc="-1" strike="noStrike">
+                <a:solidFill>
+                  <a:schemeClr val="lt1"/>
+                </a:solidFill>
+                <a:latin typeface="Calibri"/>
+                <a:ea typeface="DejaVu Sans"/>
+              </a:rPr>
+              <a:t>• </a:t>
+            </a:r>
+            <a:r>
+              <a:rPr b="1" lang="en-US" sz="1300" spc="-1" strike="noStrike">
+                <a:solidFill>
+                  <a:schemeClr val="lt1"/>
+                </a:solidFill>
+                <a:latin typeface="Calibri"/>
+                <a:ea typeface="DejaVu Sans"/>
+              </a:rPr>
+              <a:t>Need for portable, secure code</a:t>
+            </a:r>
+            <a:endParaRPr b="0" lang="en-US" sz="1300" spc="-1" strike="noStrike">
+              <a:solidFill>
+                <a:srgbClr val="ffffff"/>
+              </a:solidFill>
+              <a:latin typeface="Arial"/>
+            </a:endParaRPr>
+          </a:p>
+          <a:p>
+            <a:pPr>
+              <a:lnSpc>
+                <a:spcPct val="100000"/>
+              </a:lnSpc>
+            </a:pPr>
+            <a:endParaRPr b="0" lang="en-US" sz="1300" spc="-1" strike="noStrike">
+              <a:solidFill>
+                <a:srgbClr val="ffffff"/>
+              </a:solidFill>
+              <a:latin typeface="Arial"/>
+            </a:endParaRPr>
+          </a:p>
+          <a:p>
+            <a:pPr>
+              <a:lnSpc>
+                <a:spcPct val="100000"/>
+              </a:lnSpc>
+            </a:pPr>
+            <a:r>
+              <a:rPr b="1" lang="en-US" sz="1300" spc="-1" strike="noStrike">
+                <a:solidFill>
+                  <a:schemeClr val="lt1"/>
+                </a:solidFill>
+                <a:latin typeface="Calibri"/>
+                <a:ea typeface="DejaVu Sans"/>
+              </a:rPr>
+              <a:t>Key realization:</a:t>
+            </a:r>
+            <a:endParaRPr b="0" lang="en-US" sz="1300" spc="-1" strike="noStrike">
+              <a:solidFill>
+                <a:srgbClr val="ffffff"/>
+              </a:solidFill>
+              <a:latin typeface="Arial"/>
+            </a:endParaRPr>
+          </a:p>
+          <a:p>
+            <a:pPr>
+              <a:lnSpc>
+                <a:spcPct val="100000"/>
+              </a:lnSpc>
+            </a:pPr>
+            <a:r>
+              <a:rPr b="1" lang="en-US" sz="1300" spc="-1" strike="noStrike">
+                <a:solidFill>
+                  <a:schemeClr val="lt1"/>
+                </a:solidFill>
+                <a:latin typeface="Calibri"/>
+                <a:ea typeface="DejaVu Sans"/>
+              </a:rPr>
+              <a:t>“</a:t>
+            </a:r>
+            <a:r>
+              <a:rPr b="1" lang="en-US" sz="1300" spc="-1" strike="noStrike">
+                <a:solidFill>
+                  <a:schemeClr val="lt1"/>
+                </a:solidFill>
+                <a:latin typeface="Calibri"/>
+                <a:ea typeface="DejaVu Sans"/>
+              </a:rPr>
+              <a:t>The future is not TVs — it’s the Web.”</a:t>
+            </a:r>
+            <a:endParaRPr b="0" lang="en-US" sz="1300" spc="-1" strike="noStrike">
+              <a:solidFill>
+                <a:srgbClr val="ffffff"/>
+              </a:solidFill>
+              <a:latin typeface="Arial"/>
+            </a:endParaRPr>
+          </a:p>
+        </p:txBody>
+      </p:sp>
+      <p:sp>
+        <p:nvSpPr>
+          <p:cNvPr id="218" name="Rounded Rectangle 52"/>
+          <p:cNvSpPr/>
+          <p:nvPr/>
+        </p:nvSpPr>
+        <p:spPr>
+          <a:xfrm>
+            <a:off x="4507920" y="3182040"/>
+            <a:ext cx="3287880" cy="2739240"/>
+          </a:xfrm>
+          <a:prstGeom prst="roundRect">
+            <a:avLst>
+              <a:gd name="adj" fmla="val 16667"/>
+            </a:avLst>
+          </a:prstGeom>
+          <a:solidFill>
+            <a:srgbClr val="08080a"/>
+          </a:solidFill>
+          <a:ln>
+            <a:noFill/>
+          </a:ln>
+          <a:effectLst>
+            <a:outerShdw blurRad="39960" dir="5400000" dist="23040" rotWithShape="0">
+              <a:srgbClr val="000000">
+                <a:alpha val="35000"/>
+              </a:srgbClr>
+            </a:outerShdw>
+          </a:effectLst>
+        </p:spPr>
+        <p:style>
+          <a:lnRef idx="1">
+            <a:schemeClr val="accent1"/>
+          </a:lnRef>
+          <a:fillRef idx="3">
+            <a:schemeClr val="accent1"/>
+          </a:fillRef>
+          <a:effectRef idx="2">
+            <a:schemeClr val="accent1"/>
+          </a:effectRef>
+          <a:fontRef idx="minor"/>
+        </p:style>
+        <p:txBody>
+          <a:bodyPr lIns="90000" rIns="90000" tIns="45000" bIns="45000" anchor="ctr">
+            <a:noAutofit/>
+          </a:bodyPr>
+          <a:p>
+            <a:endParaRPr b="0" lang="en-US" sz="1800" spc="-1" strike="noStrike">
+              <a:solidFill>
+                <a:schemeClr val="lt1"/>
+              </a:solidFill>
+              <a:latin typeface="Calibri"/>
+              <a:ea typeface="DejaVu Sans"/>
+            </a:endParaRPr>
+          </a:p>
+        </p:txBody>
+      </p:sp>
+      <p:sp>
+        <p:nvSpPr>
+          <p:cNvPr id="219" name="Rounded Rectangle 53"/>
+          <p:cNvSpPr/>
+          <p:nvPr/>
+        </p:nvSpPr>
+        <p:spPr>
+          <a:xfrm>
+            <a:off x="8028360" y="3182040"/>
+            <a:ext cx="3287880" cy="2739240"/>
+          </a:xfrm>
+          <a:prstGeom prst="roundRect">
+            <a:avLst>
+              <a:gd name="adj" fmla="val 16667"/>
+            </a:avLst>
+          </a:prstGeom>
+          <a:solidFill>
+            <a:srgbClr val="08080a"/>
+          </a:solidFill>
+          <a:ln>
+            <a:noFill/>
+          </a:ln>
+          <a:effectLst>
+            <a:outerShdw blurRad="39960" dir="5400000" dist="23040" rotWithShape="0">
+              <a:srgbClr val="000000">
+                <a:alpha val="35000"/>
+              </a:srgbClr>
+            </a:outerShdw>
+          </a:effectLst>
+        </p:spPr>
+        <p:style>
+          <a:lnRef idx="1">
+            <a:schemeClr val="accent1"/>
+          </a:lnRef>
+          <a:fillRef idx="3">
+            <a:schemeClr val="accent1"/>
+          </a:fillRef>
+          <a:effectRef idx="2">
+            <a:schemeClr val="accent1"/>
+          </a:effectRef>
+          <a:fontRef idx="minor"/>
+        </p:style>
+        <p:txBody>
+          <a:bodyPr lIns="90000" rIns="90000" tIns="45000" bIns="45000" anchor="ctr">
+            <a:noAutofit/>
+          </a:bodyPr>
+          <a:p>
+            <a:endParaRPr b="0" lang="en-US" sz="1800" spc="-1" strike="noStrike">
+              <a:solidFill>
+                <a:schemeClr val="lt1"/>
+              </a:solidFill>
+              <a:latin typeface="Calibri"/>
+              <a:ea typeface="DejaVu Sans"/>
+            </a:endParaRPr>
+          </a:p>
+        </p:txBody>
+      </p:sp>
+      <p:sp>
+        <p:nvSpPr>
+          <p:cNvPr id="220" name="Rounded Rectangle 54"/>
+          <p:cNvSpPr/>
+          <p:nvPr/>
+        </p:nvSpPr>
+        <p:spPr>
+          <a:xfrm>
+            <a:off x="7955280" y="3108960"/>
+            <a:ext cx="3287880" cy="2739240"/>
+          </a:xfrm>
+          <a:prstGeom prst="roundRect">
+            <a:avLst>
+              <a:gd name="adj" fmla="val 16667"/>
+            </a:avLst>
+          </a:prstGeom>
+          <a:solidFill>
+            <a:srgbClr val="16161c"/>
+          </a:solidFill>
+          <a:ln>
+            <a:solidFill>
+              <a:srgbClr val="464655"/>
+            </a:solidFill>
+            <a:round/>
+          </a:ln>
+          <a:effectLst>
+            <a:outerShdw blurRad="39960" dir="5400000" dist="23040" rotWithShape="0">
+              <a:srgbClr val="000000">
+                <a:alpha val="35000"/>
+              </a:srgbClr>
+            </a:outerShdw>
+          </a:effectLst>
+        </p:spPr>
+        <p:style>
+          <a:lnRef idx="1">
+            <a:schemeClr val="accent1"/>
+          </a:lnRef>
+          <a:fillRef idx="3">
+            <a:schemeClr val="accent1"/>
+          </a:fillRef>
+          <a:effectRef idx="2">
+            <a:schemeClr val="accent1"/>
+          </a:effectRef>
+          <a:fontRef idx="minor"/>
+        </p:style>
+        <p:txBody>
+          <a:bodyPr lIns="90000" rIns="90000" tIns="45000" bIns="45000" anchor="ctr">
+            <a:noAutofit/>
+          </a:bodyPr>
+          <a:p>
+            <a:pPr algn="ctr">
+              <a:lnSpc>
+                <a:spcPct val="100000"/>
+              </a:lnSpc>
+            </a:pPr>
+            <a:endParaRPr b="0" lang="en-US" sz="1800" spc="-1" strike="noStrike">
+              <a:solidFill>
+                <a:srgbClr val="ffffff"/>
+              </a:solidFill>
+              <a:latin typeface="Arial"/>
+            </a:endParaRPr>
+          </a:p>
+          <a:p>
+            <a:pPr algn="ctr">
+              <a:lnSpc>
+                <a:spcPct val="100000"/>
+              </a:lnSpc>
+            </a:pPr>
+            <a:endParaRPr b="0" lang="en-US" sz="1100" spc="-1" strike="noStrike">
+              <a:solidFill>
+                <a:srgbClr val="ffffff"/>
+              </a:solidFill>
+              <a:latin typeface="Arial"/>
+            </a:endParaRPr>
+          </a:p>
+          <a:p>
+            <a:pPr algn="ctr">
+              <a:lnSpc>
+                <a:spcPct val="100000"/>
+              </a:lnSpc>
+            </a:pPr>
+            <a:endParaRPr b="0" lang="en-US" sz="1100" spc="-1" strike="noStrike">
+              <a:solidFill>
+                <a:srgbClr val="ffffff"/>
+              </a:solidFill>
+              <a:latin typeface="Arial"/>
+            </a:endParaRPr>
+          </a:p>
+          <a:p>
+            <a:pPr algn="ctr">
+              <a:lnSpc>
+                <a:spcPct val="100000"/>
+              </a:lnSpc>
+            </a:pPr>
+            <a:r>
+              <a:rPr b="0" lang="en-US" sz="1100" spc="-1" strike="noStrike">
+                <a:solidFill>
+                  <a:srgbClr val="78ffc8"/>
+                </a:solidFill>
+                <a:latin typeface="Consolas"/>
+                <a:ea typeface="DejaVu Sans"/>
+              </a:rPr>
+              <a:t>public class WebFuture {</a:t>
+            </a:r>
+            <a:endParaRPr b="0" lang="en-US" sz="1100" spc="-1" strike="noStrike">
+              <a:solidFill>
+                <a:srgbClr val="ffffff"/>
+              </a:solidFill>
+              <a:latin typeface="Arial"/>
+            </a:endParaRPr>
+          </a:p>
+          <a:p>
+            <a:pPr algn="ctr">
+              <a:lnSpc>
+                <a:spcPct val="100000"/>
+              </a:lnSpc>
+            </a:pPr>
+            <a:r>
+              <a:rPr b="0" lang="en-US" sz="1100" spc="-1" strike="noStrike">
+                <a:solidFill>
+                  <a:srgbClr val="78ffc8"/>
+                </a:solidFill>
+                <a:latin typeface="Consolas"/>
+                <a:ea typeface="DejaVu Sans"/>
+              </a:rPr>
+              <a:t>    </a:t>
+            </a:r>
+            <a:r>
+              <a:rPr b="0" lang="en-US" sz="1100" spc="-1" strike="noStrike">
+                <a:solidFill>
+                  <a:srgbClr val="78ffc8"/>
+                </a:solidFill>
+                <a:latin typeface="Consolas"/>
+                <a:ea typeface="DejaVu Sans"/>
+              </a:rPr>
+              <a:t>public static void main(String[] args) {</a:t>
+            </a:r>
+            <a:endParaRPr b="0" lang="en-US" sz="1100" spc="-1" strike="noStrike">
+              <a:solidFill>
+                <a:srgbClr val="ffffff"/>
+              </a:solidFill>
+              <a:latin typeface="Arial"/>
+            </a:endParaRPr>
+          </a:p>
+          <a:p>
+            <a:pPr algn="ctr">
+              <a:lnSpc>
+                <a:spcPct val="100000"/>
+              </a:lnSpc>
+            </a:pPr>
+            <a:endParaRPr b="0" lang="en-US" sz="1100" spc="-1" strike="noStrike">
+              <a:solidFill>
+                <a:srgbClr val="ffffff"/>
+              </a:solidFill>
+              <a:latin typeface="Arial"/>
+            </a:endParaRPr>
+          </a:p>
+          <a:p>
+            <a:pPr algn="ctr">
+              <a:lnSpc>
+                <a:spcPct val="100000"/>
+              </a:lnSpc>
+            </a:pPr>
+            <a:r>
+              <a:rPr b="0" lang="en-US" sz="1100" spc="-1" strike="noStrike">
+                <a:solidFill>
+                  <a:srgbClr val="78ffc8"/>
+                </a:solidFill>
+                <a:latin typeface="Consolas"/>
+                <a:ea typeface="DejaVu Sans"/>
+              </a:rPr>
+              <a:t>        </a:t>
+            </a:r>
+            <a:r>
+              <a:rPr b="0" lang="en-US" sz="1100" spc="-1" strike="noStrike">
+                <a:solidFill>
+                  <a:srgbClr val="78ffc8"/>
+                </a:solidFill>
+                <a:latin typeface="Consolas"/>
+                <a:ea typeface="DejaVu Sans"/>
+              </a:rPr>
+              <a:t>boolean internetEra = true;</a:t>
+            </a:r>
+            <a:endParaRPr b="0" lang="en-US" sz="1100" spc="-1" strike="noStrike">
+              <a:solidFill>
+                <a:srgbClr val="ffffff"/>
+              </a:solidFill>
+              <a:latin typeface="Arial"/>
+            </a:endParaRPr>
+          </a:p>
+          <a:p>
+            <a:pPr algn="ctr">
+              <a:lnSpc>
+                <a:spcPct val="100000"/>
+              </a:lnSpc>
+            </a:pPr>
+            <a:endParaRPr b="0" lang="en-US" sz="1100" spc="-1" strike="noStrike">
+              <a:solidFill>
+                <a:srgbClr val="ffffff"/>
+              </a:solidFill>
+              <a:latin typeface="Arial"/>
+            </a:endParaRPr>
+          </a:p>
+          <a:p>
+            <a:pPr algn="ctr">
+              <a:lnSpc>
+                <a:spcPct val="100000"/>
+              </a:lnSpc>
+            </a:pPr>
+            <a:r>
+              <a:rPr b="0" lang="en-US" sz="1100" spc="-1" strike="noStrike">
+                <a:solidFill>
+                  <a:srgbClr val="78ffc8"/>
+                </a:solidFill>
+                <a:latin typeface="Consolas"/>
+                <a:ea typeface="DejaVu Sans"/>
+              </a:rPr>
+              <a:t>        </a:t>
+            </a:r>
+            <a:r>
+              <a:rPr b="0" lang="en-US" sz="1100" spc="-1" strike="noStrike">
+                <a:solidFill>
+                  <a:srgbClr val="78ffc8"/>
+                </a:solidFill>
+                <a:latin typeface="Consolas"/>
+                <a:ea typeface="DejaVu Sans"/>
+              </a:rPr>
+              <a:t>if (internetEra) {</a:t>
+            </a:r>
+            <a:endParaRPr b="0" lang="en-US" sz="1100" spc="-1" strike="noStrike">
+              <a:solidFill>
+                <a:srgbClr val="ffffff"/>
+              </a:solidFill>
+              <a:latin typeface="Arial"/>
+            </a:endParaRPr>
+          </a:p>
+          <a:p>
+            <a:pPr algn="ctr">
+              <a:lnSpc>
+                <a:spcPct val="100000"/>
+              </a:lnSpc>
+            </a:pPr>
+            <a:r>
+              <a:rPr b="0" lang="en-US" sz="1100" spc="-1" strike="noStrike">
+                <a:solidFill>
+                  <a:srgbClr val="78ffc8"/>
+                </a:solidFill>
+                <a:latin typeface="Consolas"/>
+                <a:ea typeface="DejaVu Sans"/>
+              </a:rPr>
+              <a:t>            </a:t>
+            </a:r>
+            <a:r>
+              <a:rPr b="0" lang="en-US" sz="1100" spc="-1" strike="noStrike">
+                <a:solidFill>
+                  <a:srgbClr val="78ffc8"/>
+                </a:solidFill>
+                <a:latin typeface="Consolas"/>
+                <a:ea typeface="DejaVu Sans"/>
+              </a:rPr>
+              <a:t>System.out.println(</a:t>
+            </a:r>
+            <a:endParaRPr b="0" lang="en-US" sz="1100" spc="-1" strike="noStrike">
+              <a:solidFill>
+                <a:srgbClr val="ffffff"/>
+              </a:solidFill>
+              <a:latin typeface="Arial"/>
+            </a:endParaRPr>
+          </a:p>
+          <a:p>
+            <a:pPr algn="ctr">
+              <a:lnSpc>
+                <a:spcPct val="100000"/>
+              </a:lnSpc>
+            </a:pPr>
+            <a:r>
+              <a:rPr b="0" lang="en-US" sz="1100" spc="-1" strike="noStrike">
+                <a:solidFill>
+                  <a:srgbClr val="78ffc8"/>
+                </a:solidFill>
+                <a:latin typeface="Consolas"/>
+                <a:ea typeface="DejaVu Sans"/>
+              </a:rPr>
+              <a:t>              </a:t>
+            </a:r>
+            <a:r>
+              <a:rPr b="0" lang="en-US" sz="1100" spc="-1" strike="noStrike">
+                <a:solidFill>
+                  <a:srgbClr val="78ffc8"/>
+                </a:solidFill>
+                <a:latin typeface="Consolas"/>
+                <a:ea typeface="DejaVu Sans"/>
+              </a:rPr>
+              <a:t>"Java is ready for the Web!"</a:t>
+            </a:r>
+            <a:endParaRPr b="0" lang="en-US" sz="1100" spc="-1" strike="noStrike">
+              <a:solidFill>
+                <a:srgbClr val="ffffff"/>
+              </a:solidFill>
+              <a:latin typeface="Arial"/>
+            </a:endParaRPr>
+          </a:p>
+          <a:p>
+            <a:pPr algn="ctr">
+              <a:lnSpc>
+                <a:spcPct val="100000"/>
+              </a:lnSpc>
+            </a:pPr>
+            <a:r>
+              <a:rPr b="0" lang="en-US" sz="1100" spc="-1" strike="noStrike">
+                <a:solidFill>
+                  <a:srgbClr val="78ffc8"/>
+                </a:solidFill>
+                <a:latin typeface="Consolas"/>
+                <a:ea typeface="DejaVu Sans"/>
+              </a:rPr>
+              <a:t>            </a:t>
+            </a:r>
+            <a:r>
+              <a:rPr b="0" lang="en-US" sz="1100" spc="-1" strike="noStrike">
+                <a:solidFill>
+                  <a:srgbClr val="78ffc8"/>
+                </a:solidFill>
+                <a:latin typeface="Consolas"/>
+                <a:ea typeface="DejaVu Sans"/>
+              </a:rPr>
+              <a:t>);</a:t>
+            </a:r>
+            <a:endParaRPr b="0" lang="en-US" sz="1100" spc="-1" strike="noStrike">
+              <a:solidFill>
+                <a:srgbClr val="ffffff"/>
+              </a:solidFill>
+              <a:latin typeface="Arial"/>
+            </a:endParaRPr>
+          </a:p>
+          <a:p>
+            <a:pPr algn="ctr">
+              <a:lnSpc>
+                <a:spcPct val="100000"/>
+              </a:lnSpc>
+            </a:pPr>
+            <a:r>
+              <a:rPr b="0" lang="en-US" sz="1100" spc="-1" strike="noStrike">
+                <a:solidFill>
+                  <a:srgbClr val="78ffc8"/>
+                </a:solidFill>
+                <a:latin typeface="Consolas"/>
+                <a:ea typeface="DejaVu Sans"/>
+              </a:rPr>
+              <a:t>        </a:t>
+            </a:r>
+            <a:r>
+              <a:rPr b="0" lang="en-US" sz="1100" spc="-1" strike="noStrike">
+                <a:solidFill>
+                  <a:srgbClr val="78ffc8"/>
+                </a:solidFill>
+                <a:latin typeface="Consolas"/>
+                <a:ea typeface="DejaVu Sans"/>
+              </a:rPr>
+              <a:t>}</a:t>
+            </a:r>
+            <a:endParaRPr b="0" lang="en-US" sz="1100" spc="-1" strike="noStrike">
+              <a:solidFill>
+                <a:srgbClr val="ffffff"/>
+              </a:solidFill>
+              <a:latin typeface="Arial"/>
+            </a:endParaRPr>
+          </a:p>
+          <a:p>
+            <a:pPr algn="ctr">
+              <a:lnSpc>
+                <a:spcPct val="100000"/>
+              </a:lnSpc>
+            </a:pPr>
+            <a:r>
+              <a:rPr b="0" lang="en-US" sz="1100" spc="-1" strike="noStrike">
+                <a:solidFill>
+                  <a:srgbClr val="78ffc8"/>
+                </a:solidFill>
+                <a:latin typeface="Consolas"/>
+                <a:ea typeface="DejaVu Sans"/>
+              </a:rPr>
+              <a:t>    </a:t>
+            </a:r>
+            <a:r>
+              <a:rPr b="0" lang="en-US" sz="1100" spc="-1" strike="noStrike">
+                <a:solidFill>
+                  <a:srgbClr val="78ffc8"/>
+                </a:solidFill>
+                <a:latin typeface="Consolas"/>
+                <a:ea typeface="DejaVu Sans"/>
+              </a:rPr>
+              <a:t>}</a:t>
+            </a:r>
+            <a:endParaRPr b="0" lang="en-US" sz="1100" spc="-1" strike="noStrike">
+              <a:solidFill>
+                <a:srgbClr val="ffffff"/>
+              </a:solidFill>
+              <a:latin typeface="Arial"/>
+            </a:endParaRPr>
+          </a:p>
+          <a:p>
+            <a:pPr algn="ctr">
+              <a:lnSpc>
+                <a:spcPct val="100000"/>
+              </a:lnSpc>
+            </a:pPr>
+            <a:r>
+              <a:rPr b="0" lang="en-US" sz="1100" spc="-1" strike="noStrike">
+                <a:solidFill>
+                  <a:srgbClr val="78ffc8"/>
+                </a:solidFill>
+                <a:latin typeface="Consolas"/>
+                <a:ea typeface="DejaVu Sans"/>
+              </a:rPr>
+              <a:t>}</a:t>
+            </a:r>
+            <a:endParaRPr b="0" lang="en-US" sz="1100" spc="-1" strike="noStrike">
+              <a:solidFill>
+                <a:srgbClr val="ffffff"/>
+              </a:solidFill>
+              <a:latin typeface="Arial"/>
+            </a:endParaRPr>
+          </a:p>
+          <a:p>
+            <a:pPr algn="ctr">
+              <a:lnSpc>
+                <a:spcPct val="100000"/>
+              </a:lnSpc>
+            </a:pPr>
+            <a:endParaRPr b="0" lang="en-US" sz="1100" spc="-1" strike="noStrike">
+              <a:solidFill>
+                <a:srgbClr val="ffffff"/>
+              </a:solidFill>
+              <a:latin typeface="Arial"/>
+            </a:endParaRPr>
+          </a:p>
+          <a:p>
+            <a:pPr algn="ctr">
+              <a:lnSpc>
+                <a:spcPct val="100000"/>
+              </a:lnSpc>
+            </a:pPr>
+            <a:endParaRPr b="0" lang="en-US" sz="1100" spc="-1" strike="noStrike">
+              <a:solidFill>
+                <a:srgbClr val="ffffff"/>
+              </a:solidFill>
+              <a:latin typeface="Arial"/>
+            </a:endParaRPr>
+          </a:p>
+          <a:p>
+            <a:pPr algn="ctr">
+              <a:lnSpc>
+                <a:spcPct val="100000"/>
+              </a:lnSpc>
+            </a:pPr>
+            <a:endParaRPr b="0" lang="en-US" sz="1800" spc="-1" strike="noStrike">
+              <a:solidFill>
+                <a:srgbClr val="ffffff"/>
+              </a:solidFill>
+              <a:latin typeface="Arial"/>
+            </a:endParaRPr>
+          </a:p>
+        </p:txBody>
+      </p:sp>
+      <p:sp>
+        <p:nvSpPr>
+          <p:cNvPr id="221" name="TextBox 23"/>
+          <p:cNvSpPr/>
+          <p:nvPr/>
+        </p:nvSpPr>
+        <p:spPr>
+          <a:xfrm>
+            <a:off x="4600080" y="6446520"/>
+            <a:ext cx="3051000" cy="363960"/>
+          </a:xfrm>
+          <a:prstGeom prst="rect">
+            <a:avLst/>
+          </a:prstGeom>
+          <a:noFill/>
+          <a:ln w="0">
+            <a:noFill/>
+          </a:ln>
+        </p:spPr>
+        <p:style>
+          <a:lnRef idx="0"/>
+          <a:fillRef idx="0"/>
+          <a:effectRef idx="0"/>
+          <a:fontRef idx="minor"/>
+        </p:style>
+        <p:txBody>
+          <a:bodyPr wrap="none" lIns="90000" rIns="90000" tIns="45000" bIns="45000" anchor="t">
+            <a:spAutoFit/>
+          </a:bodyPr>
+          <a:p>
+            <a:pPr>
+              <a:lnSpc>
+                <a:spcPct val="100000"/>
+              </a:lnSpc>
+            </a:pPr>
+            <a:r>
+              <a:rPr b="0" lang="en-US" sz="1800" spc="-1" strike="noStrike">
+                <a:solidFill>
+                  <a:srgbClr val="000000"/>
+                </a:solidFill>
+                <a:latin typeface="Calibri"/>
+                <a:ea typeface="DejaVu Sans"/>
+              </a:rPr>
+              <a:t>Java • Ultra Premium Template</a:t>
+            </a:r>
+            <a:endParaRPr b="0" lang="en-US" sz="1800" spc="-1" strike="noStrike">
+              <a:solidFill>
+                <a:srgbClr val="000000"/>
+              </a:solidFill>
+              <a:latin typeface="Arial"/>
+            </a:endParaRPr>
+          </a:p>
+        </p:txBody>
+      </p:sp>
+      <p:sp>
+        <p:nvSpPr>
+          <p:cNvPr id="222" name="Rounded Rectangle 55"/>
+          <p:cNvSpPr/>
+          <p:nvPr/>
+        </p:nvSpPr>
+        <p:spPr>
+          <a:xfrm>
+            <a:off x="4484160" y="3132000"/>
+            <a:ext cx="3287880" cy="2739240"/>
+          </a:xfrm>
+          <a:prstGeom prst="roundRect">
+            <a:avLst>
+              <a:gd name="adj" fmla="val 16667"/>
+            </a:avLst>
+          </a:prstGeom>
+          <a:solidFill>
+            <a:srgbClr val="16161c"/>
+          </a:solidFill>
+          <a:ln>
+            <a:solidFill>
+              <a:srgbClr val="464655"/>
+            </a:solidFill>
+            <a:round/>
+          </a:ln>
+          <a:effectLst>
+            <a:outerShdw blurRad="39960" dir="5400000" dist="23040" rotWithShape="0">
+              <a:srgbClr val="000000">
+                <a:alpha val="35000"/>
+              </a:srgbClr>
+            </a:outerShdw>
+          </a:effectLst>
+        </p:spPr>
+        <p:style>
+          <a:lnRef idx="1">
+            <a:schemeClr val="accent1"/>
+          </a:lnRef>
+          <a:fillRef idx="3">
+            <a:schemeClr val="accent1"/>
+          </a:fillRef>
+          <a:effectRef idx="2">
+            <a:schemeClr val="accent1"/>
+          </a:effectRef>
+          <a:fontRef idx="minor"/>
+        </p:style>
+        <p:txBody>
+          <a:bodyPr lIns="90000" rIns="90000" tIns="45000" bIns="45000" anchor="ctr">
+            <a:noAutofit/>
+          </a:bodyPr>
+          <a:p>
+            <a:pPr>
+              <a:lnSpc>
+                <a:spcPct val="100000"/>
+              </a:lnSpc>
+            </a:pPr>
+            <a:r>
+              <a:rPr b="1" lang="en-US" sz="1400" spc="-1" strike="noStrike">
+                <a:solidFill>
+                  <a:schemeClr val="lt1"/>
+                </a:solidFill>
+                <a:latin typeface="Calibri"/>
+                <a:ea typeface="DejaVu Sans"/>
+              </a:rPr>
+              <a:t>The Web Opportunity</a:t>
+            </a:r>
+            <a:endParaRPr b="0" lang="en-US" sz="1400" spc="-1" strike="noStrike">
+              <a:solidFill>
+                <a:srgbClr val="ffffff"/>
+              </a:solidFill>
+              <a:latin typeface="Arial"/>
+            </a:endParaRPr>
+          </a:p>
+          <a:p>
+            <a:pPr>
+              <a:lnSpc>
+                <a:spcPct val="100000"/>
+              </a:lnSpc>
+            </a:pPr>
+            <a:r>
+              <a:rPr b="0" lang="en-US" sz="1400" spc="-1" strike="noStrike">
+                <a:solidFill>
+                  <a:schemeClr val="lt1"/>
+                </a:solidFill>
+                <a:latin typeface="Calibri"/>
+                <a:ea typeface="DejaVu Sans"/>
+              </a:rPr>
+              <a:t>Why Oak was perfect for the Internet?</a:t>
+            </a:r>
+            <a:endParaRPr b="0" lang="en-US" sz="1400" spc="-1" strike="noStrike">
+              <a:solidFill>
+                <a:srgbClr val="ffffff"/>
+              </a:solidFill>
+              <a:latin typeface="Arial"/>
+            </a:endParaRPr>
+          </a:p>
+          <a:p>
+            <a:pPr>
+              <a:lnSpc>
+                <a:spcPct val="100000"/>
+              </a:lnSpc>
+            </a:pPr>
+            <a:r>
+              <a:rPr b="1" lang="en-US" sz="1400" spc="-1" strike="noStrike">
+                <a:solidFill>
+                  <a:schemeClr val="lt1"/>
+                </a:solidFill>
+                <a:latin typeface="Calibri"/>
+                <a:ea typeface="DejaVu Sans"/>
+              </a:rPr>
+              <a:t>• </a:t>
+            </a:r>
+            <a:r>
+              <a:rPr b="1" lang="en-US" sz="1400" spc="-1" strike="noStrike">
+                <a:solidFill>
+                  <a:schemeClr val="lt1"/>
+                </a:solidFill>
+                <a:latin typeface="Calibri"/>
+                <a:ea typeface="DejaVu Sans"/>
+              </a:rPr>
+              <a:t>Platform-independent</a:t>
+            </a:r>
+            <a:endParaRPr b="0" lang="en-US" sz="1400" spc="-1" strike="noStrike">
+              <a:solidFill>
+                <a:srgbClr val="ffffff"/>
+              </a:solidFill>
+              <a:latin typeface="Arial"/>
+            </a:endParaRPr>
+          </a:p>
+          <a:p>
+            <a:pPr>
+              <a:lnSpc>
+                <a:spcPct val="100000"/>
+              </a:lnSpc>
+            </a:pPr>
+            <a:r>
+              <a:rPr b="1" lang="en-US" sz="1400" spc="-1" strike="noStrike">
+                <a:solidFill>
+                  <a:schemeClr val="lt1"/>
+                </a:solidFill>
+                <a:latin typeface="Calibri"/>
+                <a:ea typeface="DejaVu Sans"/>
+              </a:rPr>
+              <a:t>• </a:t>
+            </a:r>
+            <a:r>
+              <a:rPr b="1" lang="en-US" sz="1400" spc="-1" strike="noStrike">
+                <a:solidFill>
+                  <a:schemeClr val="lt1"/>
+                </a:solidFill>
+                <a:latin typeface="Calibri"/>
+                <a:ea typeface="DejaVu Sans"/>
+              </a:rPr>
+              <a:t>Secure by design</a:t>
+            </a:r>
+            <a:endParaRPr b="0" lang="en-US" sz="1400" spc="-1" strike="noStrike">
+              <a:solidFill>
+                <a:srgbClr val="ffffff"/>
+              </a:solidFill>
+              <a:latin typeface="Arial"/>
+            </a:endParaRPr>
+          </a:p>
+          <a:p>
+            <a:pPr>
+              <a:lnSpc>
+                <a:spcPct val="100000"/>
+              </a:lnSpc>
+            </a:pPr>
+            <a:r>
+              <a:rPr b="1" lang="en-US" sz="1400" spc="-1" strike="noStrike">
+                <a:solidFill>
+                  <a:schemeClr val="lt1"/>
+                </a:solidFill>
+                <a:latin typeface="Calibri"/>
+                <a:ea typeface="DejaVu Sans"/>
+              </a:rPr>
+              <a:t>• </a:t>
+            </a:r>
+            <a:r>
+              <a:rPr b="1" lang="en-US" sz="1400" spc="-1" strike="noStrike">
+                <a:solidFill>
+                  <a:schemeClr val="lt1"/>
+                </a:solidFill>
+                <a:latin typeface="Calibri"/>
+                <a:ea typeface="DejaVu Sans"/>
+              </a:rPr>
+              <a:t>Small &amp; efficient</a:t>
+            </a:r>
+            <a:endParaRPr b="0" lang="en-US" sz="1400" spc="-1" strike="noStrike">
+              <a:solidFill>
+                <a:srgbClr val="ffffff"/>
+              </a:solidFill>
+              <a:latin typeface="Arial"/>
+            </a:endParaRPr>
+          </a:p>
+          <a:p>
+            <a:pPr>
+              <a:lnSpc>
+                <a:spcPct val="100000"/>
+              </a:lnSpc>
+            </a:pPr>
+            <a:r>
+              <a:rPr b="1" lang="en-US" sz="1400" spc="-1" strike="noStrike">
+                <a:solidFill>
+                  <a:schemeClr val="lt1"/>
+                </a:solidFill>
+                <a:latin typeface="Calibri"/>
+                <a:ea typeface="DejaVu Sans"/>
+              </a:rPr>
+              <a:t>• </a:t>
+            </a:r>
+            <a:r>
+              <a:rPr b="1" lang="en-US" sz="1400" spc="-1" strike="noStrike">
+                <a:solidFill>
+                  <a:schemeClr val="lt1"/>
+                </a:solidFill>
+                <a:latin typeface="Calibri"/>
+                <a:ea typeface="DejaVu Sans"/>
+              </a:rPr>
+              <a:t>No direct hardware dependency</a:t>
+            </a:r>
+            <a:endParaRPr b="0" lang="en-US" sz="1400" spc="-1" strike="noStrike">
+              <a:solidFill>
+                <a:srgbClr val="ffffff"/>
+              </a:solidFill>
+              <a:latin typeface="Arial"/>
+            </a:endParaRPr>
+          </a:p>
+          <a:p>
+            <a:pPr>
+              <a:lnSpc>
+                <a:spcPct val="100000"/>
+              </a:lnSpc>
+            </a:pPr>
+            <a:endParaRPr b="0" lang="en-US" sz="1400" spc="-1" strike="noStrike">
+              <a:solidFill>
+                <a:srgbClr val="ffffff"/>
+              </a:solidFill>
+              <a:latin typeface="Arial"/>
+            </a:endParaRPr>
+          </a:p>
+          <a:p>
+            <a:pPr>
+              <a:lnSpc>
+                <a:spcPct val="100000"/>
+              </a:lnSpc>
+            </a:pPr>
+            <a:r>
+              <a:rPr b="0" lang="en-US" sz="1400" spc="-1" strike="noStrike">
+                <a:solidFill>
+                  <a:schemeClr val="lt1"/>
+                </a:solidFill>
+                <a:latin typeface="Calibri"/>
+                <a:ea typeface="DejaVu Sans"/>
+              </a:rPr>
+              <a:t>New direction:</a:t>
+            </a:r>
+            <a:endParaRPr b="0" lang="en-US" sz="1400" spc="-1" strike="noStrike">
+              <a:solidFill>
+                <a:srgbClr val="ffffff"/>
+              </a:solidFill>
+              <a:latin typeface="Arial"/>
+            </a:endParaRPr>
+          </a:p>
+          <a:p>
+            <a:pPr>
+              <a:lnSpc>
+                <a:spcPct val="100000"/>
+              </a:lnSpc>
+            </a:pPr>
+            <a:r>
+              <a:rPr b="1" lang="en-US" sz="1400" spc="-1" strike="noStrike">
+                <a:solidFill>
+                  <a:schemeClr val="lt1"/>
+                </a:solidFill>
+                <a:latin typeface="Calibri"/>
+                <a:ea typeface="DejaVu Sans"/>
+              </a:rPr>
+              <a:t>• </a:t>
+            </a:r>
+            <a:r>
+              <a:rPr b="1" lang="en-US" sz="1400" spc="-1" strike="noStrike">
+                <a:solidFill>
+                  <a:schemeClr val="lt1"/>
+                </a:solidFill>
+                <a:latin typeface="Calibri"/>
+                <a:ea typeface="DejaVu Sans"/>
+              </a:rPr>
+              <a:t>From devices → browsers</a:t>
+            </a:r>
+            <a:endParaRPr b="0" lang="en-US" sz="1400" spc="-1" strike="noStrike">
+              <a:solidFill>
+                <a:srgbClr val="ffffff"/>
+              </a:solidFill>
+              <a:latin typeface="Arial"/>
+            </a:endParaRPr>
+          </a:p>
+          <a:p>
+            <a:pPr>
+              <a:lnSpc>
+                <a:spcPct val="100000"/>
+              </a:lnSpc>
+            </a:pPr>
+            <a:r>
+              <a:rPr b="1" lang="en-US" sz="1400" spc="-1" strike="noStrike">
+                <a:solidFill>
+                  <a:schemeClr val="lt1"/>
+                </a:solidFill>
+                <a:latin typeface="Calibri"/>
+                <a:ea typeface="DejaVu Sans"/>
+              </a:rPr>
+              <a:t>• </a:t>
+            </a:r>
+            <a:r>
+              <a:rPr b="1" lang="en-US" sz="1400" spc="-1" strike="noStrike">
+                <a:solidFill>
+                  <a:schemeClr val="lt1"/>
+                </a:solidFill>
+                <a:latin typeface="Calibri"/>
+                <a:ea typeface="DejaVu Sans"/>
+              </a:rPr>
+              <a:t>From Oak → Java ☕</a:t>
+            </a:r>
+            <a:endParaRPr b="0" lang="en-US" sz="1400" spc="-1" strike="noStrike">
+              <a:solidFill>
+                <a:srgbClr val="ffffff"/>
+              </a:solidFill>
+              <a:latin typeface="Arial"/>
+            </a:endParaRPr>
+          </a:p>
+          <a:p>
+            <a:pPr>
+              <a:lnSpc>
+                <a:spcPct val="100000"/>
+              </a:lnSpc>
+            </a:pPr>
+            <a:r>
+              <a:rPr b="1" lang="en-US" sz="1400" spc="-1" strike="noStrike">
+                <a:solidFill>
+                  <a:schemeClr val="lt1"/>
+                </a:solidFill>
+                <a:latin typeface="Calibri"/>
+                <a:ea typeface="DejaVu Sans"/>
+              </a:rPr>
+              <a:t>1995:</a:t>
+            </a:r>
+            <a:endParaRPr b="0" lang="en-US" sz="1400" spc="-1" strike="noStrike">
+              <a:solidFill>
+                <a:srgbClr val="ffffff"/>
+              </a:solidFill>
+              <a:latin typeface="Arial"/>
+            </a:endParaRPr>
+          </a:p>
+          <a:p>
+            <a:pPr>
+              <a:lnSpc>
+                <a:spcPct val="100000"/>
+              </a:lnSpc>
+            </a:pPr>
+            <a:r>
+              <a:rPr b="0" lang="en-US" sz="1400" spc="-1" strike="noStrike">
+                <a:solidFill>
+                  <a:schemeClr val="lt1"/>
+                </a:solidFill>
+                <a:latin typeface="Calibri"/>
+                <a:ea typeface="DejaVu Sans"/>
+              </a:rPr>
+              <a:t>Java officially introduced to the world.</a:t>
+            </a:r>
+            <a:endParaRPr b="0" lang="en-US" sz="1400" spc="-1" strike="noStrike">
+              <a:solidFill>
+                <a:srgbClr val="ffffff"/>
+              </a:solidFill>
+              <a:latin typeface="Arial"/>
+            </a:endParaRPr>
+          </a:p>
+        </p:txBody>
+      </p:sp>
+    </p:spTree>
+  </p:cSld>
+  <mc:AlternateContent>
+    <mc:Choice Requires="p14">
+      <p:transition spd="slow" p14:dur="2000"/>
+    </mc:Choice>
+    <mc:Fallback>
+      <p:transition spd="slow"/>
+    </mc:Fallback>
+  </mc:AlternateContent>
+</p:sld>
+</file>
+
+<file path=ppt/slides/slide8.xml><?xml version="1.0" encoding="utf-8"?>
+<p:sld xmlns:a="http://schemas.openxmlformats.org/drawingml/2006/main" xmlns:p="http://schemas.openxmlformats.org/presentationml/2006/main" xmlns:r="http://schemas.openxmlformats.org/officeDocument/2006/relationships" xmlns:p14="http://schemas.microsoft.com/office/powerpoint/2010/main" xmlns:p15="http://schemas.microsoft.com/office/powerpoint/2012/main" xmlns:mc="http://schemas.openxmlformats.org/markup-compatibility/2006">
+  <p:cSld>
+    <p:spTree>
+      <p:nvGrpSpPr>
+        <p:cNvPr id="1" name=""/>
+        <p:cNvGrpSpPr/>
+        <p:nvPr/>
+      </p:nvGrpSpPr>
+      <p:grpSpPr>
+        <a:xfrm>
+          <a:off x="0" y="0"/>
+          <a:ext cx="0" cy="0"/>
+          <a:chOff x="0" y="0"/>
+          <a:chExt cx="0" cy="0"/>
+        </a:xfrm>
+      </p:grpSpPr>
+      <p:sp>
+        <p:nvSpPr>
+          <p:cNvPr id="223" name="Rectangle 113"/>
+          <p:cNvSpPr/>
+          <p:nvPr/>
+        </p:nvSpPr>
+        <p:spPr>
+          <a:xfrm>
+            <a:off x="0" y="0"/>
+            <a:ext cx="12184920" cy="6854040"/>
+          </a:xfrm>
+          <a:prstGeom prst="rect">
+            <a:avLst/>
+          </a:prstGeom>
+          <a:solidFill>
+            <a:srgbClr val="0b0b0d"/>
+          </a:solidFill>
+          <a:ln>
+            <a:noFill/>
+          </a:ln>
+          <a:effectLst>
+            <a:outerShdw blurRad="39960" dir="5400000" dist="23040" rotWithShape="0">
+              <a:srgbClr val="000000">
+                <a:alpha val="35000"/>
+              </a:srgbClr>
+            </a:outerShdw>
+          </a:effectLst>
+        </p:spPr>
+        <p:style>
+          <a:lnRef idx="1">
+            <a:schemeClr val="accent1"/>
+          </a:lnRef>
+          <a:fillRef idx="3">
+            <a:schemeClr val="accent1"/>
+          </a:fillRef>
+          <a:effectRef idx="2">
+            <a:schemeClr val="accent1"/>
+          </a:effectRef>
+          <a:fontRef idx="minor"/>
+        </p:style>
+        <p:txBody>
+          <a:bodyPr lIns="90000" rIns="90000" tIns="45000" bIns="45000" anchor="ctr">
+            <a:noAutofit/>
+          </a:bodyPr>
+          <a:p>
+            <a:endParaRPr b="0" lang="en-US" sz="1800" spc="-1" strike="noStrike">
+              <a:solidFill>
+                <a:schemeClr val="lt1"/>
+              </a:solidFill>
+              <a:latin typeface="Calibri"/>
+              <a:ea typeface="DejaVu Sans"/>
+            </a:endParaRPr>
+          </a:p>
+        </p:txBody>
+      </p:sp>
+      <p:sp>
+        <p:nvSpPr>
+          <p:cNvPr id="224" name="Rectangle 114"/>
+          <p:cNvSpPr/>
+          <p:nvPr/>
+        </p:nvSpPr>
+        <p:spPr>
+          <a:xfrm>
+            <a:off x="0" y="0"/>
+            <a:ext cx="14400" cy="6854040"/>
+          </a:xfrm>
+          <a:prstGeom prst="rect">
+            <a:avLst/>
+          </a:prstGeom>
+          <a:solidFill>
+            <a:srgbClr val="121216"/>
+          </a:solidFill>
+          <a:ln>
+            <a:noFill/>
+          </a:ln>
+          <a:effectLst>
+            <a:outerShdw blurRad="39960" dir="5400000" dist="23040" rotWithShape="0">
+              <a:srgbClr val="000000">
+                <a:alpha val="35000"/>
+              </a:srgbClr>
+            </a:outerShdw>
+          </a:effectLst>
+        </p:spPr>
+        <p:style>
+          <a:lnRef idx="1">
+            <a:schemeClr val="accent1"/>
+          </a:lnRef>
+          <a:fillRef idx="3">
+            <a:schemeClr val="accent1"/>
+          </a:fillRef>
+          <a:effectRef idx="2">
+            <a:schemeClr val="accent1"/>
+          </a:effectRef>
+          <a:fontRef idx="minor"/>
+        </p:style>
+        <p:txBody>
+          <a:bodyPr lIns="90000" rIns="90000" tIns="45000" bIns="45000" anchor="ctr">
+            <a:noAutofit/>
+          </a:bodyPr>
+          <a:p>
+            <a:endParaRPr b="0" lang="en-US" sz="1800" spc="-1" strike="noStrike">
+              <a:solidFill>
+                <a:schemeClr val="lt1"/>
+              </a:solidFill>
+              <a:latin typeface="Calibri"/>
+              <a:ea typeface="DejaVu Sans"/>
+            </a:endParaRPr>
+          </a:p>
+        </p:txBody>
+      </p:sp>
+      <p:sp>
+        <p:nvSpPr>
+          <p:cNvPr id="225" name="Rectangle 115"/>
+          <p:cNvSpPr/>
+          <p:nvPr/>
+        </p:nvSpPr>
+        <p:spPr>
+          <a:xfrm>
+            <a:off x="914400" y="0"/>
+            <a:ext cx="14400" cy="6854040"/>
+          </a:xfrm>
+          <a:prstGeom prst="rect">
+            <a:avLst/>
+          </a:prstGeom>
+          <a:solidFill>
+            <a:srgbClr val="121216"/>
+          </a:solidFill>
+          <a:ln>
+            <a:noFill/>
+          </a:ln>
+          <a:effectLst>
+            <a:outerShdw blurRad="39960" dir="5400000" dist="23040" rotWithShape="0">
+              <a:srgbClr val="000000">
+                <a:alpha val="35000"/>
+              </a:srgbClr>
+            </a:outerShdw>
+          </a:effectLst>
+        </p:spPr>
+        <p:style>
+          <a:lnRef idx="1">
+            <a:schemeClr val="accent1"/>
+          </a:lnRef>
+          <a:fillRef idx="3">
+            <a:schemeClr val="accent1"/>
+          </a:fillRef>
+          <a:effectRef idx="2">
+            <a:schemeClr val="accent1"/>
+          </a:effectRef>
+          <a:fontRef idx="minor"/>
+        </p:style>
+        <p:txBody>
+          <a:bodyPr lIns="90000" rIns="90000" tIns="45000" bIns="45000" anchor="ctr">
+            <a:noAutofit/>
+          </a:bodyPr>
+          <a:p>
+            <a:endParaRPr b="0" lang="en-US" sz="1800" spc="-1" strike="noStrike">
+              <a:solidFill>
+                <a:schemeClr val="lt1"/>
+              </a:solidFill>
+              <a:latin typeface="Calibri"/>
+              <a:ea typeface="DejaVu Sans"/>
+            </a:endParaRPr>
+          </a:p>
+        </p:txBody>
+      </p:sp>
+      <p:sp>
+        <p:nvSpPr>
+          <p:cNvPr id="226" name="Rectangle 116"/>
+          <p:cNvSpPr/>
+          <p:nvPr/>
+        </p:nvSpPr>
+        <p:spPr>
+          <a:xfrm>
+            <a:off x="1828800" y="0"/>
+            <a:ext cx="14400" cy="6854040"/>
+          </a:xfrm>
+          <a:prstGeom prst="rect">
+            <a:avLst/>
+          </a:prstGeom>
+          <a:solidFill>
+            <a:srgbClr val="121216"/>
+          </a:solidFill>
+          <a:ln>
+            <a:noFill/>
+          </a:ln>
+          <a:effectLst>
+            <a:outerShdw blurRad="39960" dir="5400000" dist="23040" rotWithShape="0">
+              <a:srgbClr val="000000">
+                <a:alpha val="35000"/>
+              </a:srgbClr>
+            </a:outerShdw>
+          </a:effectLst>
+        </p:spPr>
+        <p:style>
+          <a:lnRef idx="1">
+            <a:schemeClr val="accent1"/>
+          </a:lnRef>
+          <a:fillRef idx="3">
+            <a:schemeClr val="accent1"/>
+          </a:fillRef>
+          <a:effectRef idx="2">
+            <a:schemeClr val="accent1"/>
+          </a:effectRef>
+          <a:fontRef idx="minor"/>
+        </p:style>
+        <p:txBody>
+          <a:bodyPr lIns="90000" rIns="90000" tIns="45000" bIns="45000" anchor="ctr">
+            <a:noAutofit/>
+          </a:bodyPr>
+          <a:p>
+            <a:endParaRPr b="0" lang="en-US" sz="1800" spc="-1" strike="noStrike">
+              <a:solidFill>
+                <a:schemeClr val="lt1"/>
+              </a:solidFill>
+              <a:latin typeface="Calibri"/>
+              <a:ea typeface="DejaVu Sans"/>
+            </a:endParaRPr>
+          </a:p>
+        </p:txBody>
+      </p:sp>
+      <p:sp>
+        <p:nvSpPr>
+          <p:cNvPr id="227" name="Rectangle 117"/>
+          <p:cNvSpPr/>
+          <p:nvPr/>
+        </p:nvSpPr>
+        <p:spPr>
+          <a:xfrm>
+            <a:off x="2743200" y="0"/>
+            <a:ext cx="14400" cy="6854040"/>
+          </a:xfrm>
+          <a:prstGeom prst="rect">
+            <a:avLst/>
+          </a:prstGeom>
+          <a:solidFill>
+            <a:srgbClr val="121216"/>
+          </a:solidFill>
+          <a:ln>
+            <a:noFill/>
+          </a:ln>
+          <a:effectLst>
+            <a:outerShdw blurRad="39960" dir="5400000" dist="23040" rotWithShape="0">
+              <a:srgbClr val="000000">
+                <a:alpha val="35000"/>
+              </a:srgbClr>
+            </a:outerShdw>
+          </a:effectLst>
+        </p:spPr>
+        <p:style>
+          <a:lnRef idx="1">
+            <a:schemeClr val="accent1"/>
+          </a:lnRef>
+          <a:fillRef idx="3">
+            <a:schemeClr val="accent1"/>
+          </a:fillRef>
+          <a:effectRef idx="2">
+            <a:schemeClr val="accent1"/>
+          </a:effectRef>
+          <a:fontRef idx="minor"/>
+        </p:style>
+        <p:txBody>
+          <a:bodyPr lIns="90000" rIns="90000" tIns="45000" bIns="45000" anchor="ctr">
+            <a:noAutofit/>
+          </a:bodyPr>
+          <a:p>
+            <a:endParaRPr b="0" lang="en-US" sz="1800" spc="-1" strike="noStrike">
+              <a:solidFill>
+                <a:schemeClr val="lt1"/>
+              </a:solidFill>
+              <a:latin typeface="Calibri"/>
+              <a:ea typeface="DejaVu Sans"/>
+            </a:endParaRPr>
+          </a:p>
+        </p:txBody>
+      </p:sp>
+      <p:sp>
+        <p:nvSpPr>
+          <p:cNvPr id="228" name="Rectangle 118"/>
+          <p:cNvSpPr/>
+          <p:nvPr/>
+        </p:nvSpPr>
+        <p:spPr>
+          <a:xfrm>
+            <a:off x="3657600" y="0"/>
+            <a:ext cx="14400" cy="6854040"/>
+          </a:xfrm>
+          <a:prstGeom prst="rect">
+            <a:avLst/>
+          </a:prstGeom>
+          <a:solidFill>
+            <a:srgbClr val="121216"/>
+          </a:solidFill>
+          <a:ln>
+            <a:noFill/>
+          </a:ln>
+          <a:effectLst>
+            <a:outerShdw blurRad="39960" dir="5400000" dist="23040" rotWithShape="0">
+              <a:srgbClr val="000000">
+                <a:alpha val="35000"/>
+              </a:srgbClr>
+            </a:outerShdw>
+          </a:effectLst>
+        </p:spPr>
+        <p:style>
+          <a:lnRef idx="1">
+            <a:schemeClr val="accent1"/>
+          </a:lnRef>
+          <a:fillRef idx="3">
+            <a:schemeClr val="accent1"/>
+          </a:fillRef>
+          <a:effectRef idx="2">
+            <a:schemeClr val="accent1"/>
+          </a:effectRef>
+          <a:fontRef idx="minor"/>
+        </p:style>
+        <p:txBody>
+          <a:bodyPr lIns="90000" rIns="90000" tIns="45000" bIns="45000" anchor="ctr">
+            <a:noAutofit/>
+          </a:bodyPr>
+          <a:p>
+            <a:endParaRPr b="0" lang="en-US" sz="1800" spc="-1" strike="noStrike">
+              <a:solidFill>
+                <a:schemeClr val="lt1"/>
+              </a:solidFill>
+              <a:latin typeface="Calibri"/>
+              <a:ea typeface="DejaVu Sans"/>
+            </a:endParaRPr>
+          </a:p>
+        </p:txBody>
+      </p:sp>
+      <p:sp>
+        <p:nvSpPr>
+          <p:cNvPr id="229" name="Rectangle 119"/>
+          <p:cNvSpPr/>
+          <p:nvPr/>
+        </p:nvSpPr>
+        <p:spPr>
+          <a:xfrm>
+            <a:off x="4572000" y="0"/>
+            <a:ext cx="14400" cy="6854040"/>
+          </a:xfrm>
+          <a:prstGeom prst="rect">
+            <a:avLst/>
+          </a:prstGeom>
+          <a:solidFill>
+            <a:srgbClr val="121216"/>
+          </a:solidFill>
+          <a:ln>
+            <a:noFill/>
+          </a:ln>
+          <a:effectLst>
+            <a:outerShdw blurRad="39960" dir="5400000" dist="23040" rotWithShape="0">
+              <a:srgbClr val="000000">
+                <a:alpha val="35000"/>
+              </a:srgbClr>
+            </a:outerShdw>
+          </a:effectLst>
+        </p:spPr>
+        <p:style>
+          <a:lnRef idx="1">
+            <a:schemeClr val="accent1"/>
+          </a:lnRef>
+          <a:fillRef idx="3">
+            <a:schemeClr val="accent1"/>
+          </a:fillRef>
+          <a:effectRef idx="2">
+            <a:schemeClr val="accent1"/>
+          </a:effectRef>
+          <a:fontRef idx="minor"/>
+        </p:style>
+        <p:txBody>
+          <a:bodyPr lIns="90000" rIns="90000" tIns="45000" bIns="45000" anchor="ctr">
+            <a:noAutofit/>
+          </a:bodyPr>
+          <a:p>
+            <a:endParaRPr b="0" lang="en-US" sz="1800" spc="-1" strike="noStrike">
+              <a:solidFill>
+                <a:schemeClr val="lt1"/>
+              </a:solidFill>
+              <a:latin typeface="Calibri"/>
+              <a:ea typeface="DejaVu Sans"/>
+            </a:endParaRPr>
+          </a:p>
+        </p:txBody>
+      </p:sp>
+      <p:sp>
+        <p:nvSpPr>
+          <p:cNvPr id="230" name="Rectangle 120"/>
+          <p:cNvSpPr/>
+          <p:nvPr/>
+        </p:nvSpPr>
+        <p:spPr>
+          <a:xfrm>
+            <a:off x="5486400" y="0"/>
+            <a:ext cx="14400" cy="6854040"/>
+          </a:xfrm>
+          <a:prstGeom prst="rect">
+            <a:avLst/>
+          </a:prstGeom>
+          <a:solidFill>
+            <a:srgbClr val="121216"/>
+          </a:solidFill>
+          <a:ln>
+            <a:noFill/>
+          </a:ln>
+          <a:effectLst>
+            <a:outerShdw blurRad="39960" dir="5400000" dist="23040" rotWithShape="0">
+              <a:srgbClr val="000000">
+                <a:alpha val="35000"/>
+              </a:srgbClr>
+            </a:outerShdw>
+          </a:effectLst>
+        </p:spPr>
+        <p:style>
+          <a:lnRef idx="1">
+            <a:schemeClr val="accent1"/>
+          </a:lnRef>
+          <a:fillRef idx="3">
+            <a:schemeClr val="accent1"/>
+          </a:fillRef>
+          <a:effectRef idx="2">
+            <a:schemeClr val="accent1"/>
+          </a:effectRef>
+          <a:fontRef idx="minor"/>
+        </p:style>
+        <p:txBody>
+          <a:bodyPr lIns="90000" rIns="90000" tIns="45000" bIns="45000" anchor="ctr">
+            <a:noAutofit/>
+          </a:bodyPr>
+          <a:p>
+            <a:endParaRPr b="0" lang="en-US" sz="1800" spc="-1" strike="noStrike">
+              <a:solidFill>
+                <a:schemeClr val="lt1"/>
+              </a:solidFill>
+              <a:latin typeface="Calibri"/>
+              <a:ea typeface="DejaVu Sans"/>
+            </a:endParaRPr>
+          </a:p>
+        </p:txBody>
+      </p:sp>
+      <p:sp>
+        <p:nvSpPr>
+          <p:cNvPr id="231" name="Rectangle 121"/>
+          <p:cNvSpPr/>
+          <p:nvPr/>
+        </p:nvSpPr>
+        <p:spPr>
+          <a:xfrm>
+            <a:off x="6400800" y="0"/>
+            <a:ext cx="14400" cy="6854040"/>
+          </a:xfrm>
+          <a:prstGeom prst="rect">
+            <a:avLst/>
+          </a:prstGeom>
+          <a:solidFill>
+            <a:srgbClr val="121216"/>
+          </a:solidFill>
+          <a:ln>
+            <a:noFill/>
+          </a:ln>
+          <a:effectLst>
+            <a:outerShdw blurRad="39960" dir="5400000" dist="23040" rotWithShape="0">
+              <a:srgbClr val="000000">
+                <a:alpha val="35000"/>
+              </a:srgbClr>
+            </a:outerShdw>
+          </a:effectLst>
+        </p:spPr>
+        <p:style>
+          <a:lnRef idx="1">
+            <a:schemeClr val="accent1"/>
+          </a:lnRef>
+          <a:fillRef idx="3">
+            <a:schemeClr val="accent1"/>
+          </a:fillRef>
+          <a:effectRef idx="2">
+            <a:schemeClr val="accent1"/>
+          </a:effectRef>
+          <a:fontRef idx="minor"/>
+        </p:style>
+        <p:txBody>
+          <a:bodyPr lIns="90000" rIns="90000" tIns="45000" bIns="45000" anchor="ctr">
+            <a:noAutofit/>
+          </a:bodyPr>
+          <a:p>
+            <a:endParaRPr b="0" lang="en-US" sz="1800" spc="-1" strike="noStrike">
+              <a:solidFill>
+                <a:schemeClr val="lt1"/>
+              </a:solidFill>
+              <a:latin typeface="Calibri"/>
+              <a:ea typeface="DejaVu Sans"/>
+            </a:endParaRPr>
+          </a:p>
+        </p:txBody>
+      </p:sp>
+      <p:sp>
+        <p:nvSpPr>
+          <p:cNvPr id="232" name="Rectangle 122"/>
+          <p:cNvSpPr/>
+          <p:nvPr/>
+        </p:nvSpPr>
+        <p:spPr>
+          <a:xfrm>
+            <a:off x="7315200" y="0"/>
+            <a:ext cx="14400" cy="6854040"/>
+          </a:xfrm>
+          <a:prstGeom prst="rect">
+            <a:avLst/>
+          </a:prstGeom>
+          <a:solidFill>
+            <a:srgbClr val="121216"/>
+          </a:solidFill>
+          <a:ln>
+            <a:noFill/>
+          </a:ln>
+          <a:effectLst>
+            <a:outerShdw blurRad="39960" dir="5400000" dist="23040" rotWithShape="0">
+              <a:srgbClr val="000000">
+                <a:alpha val="35000"/>
+              </a:srgbClr>
+            </a:outerShdw>
+          </a:effectLst>
+        </p:spPr>
+        <p:style>
+          <a:lnRef idx="1">
+            <a:schemeClr val="accent1"/>
+          </a:lnRef>
+          <a:fillRef idx="3">
+            <a:schemeClr val="accent1"/>
+          </a:fillRef>
+          <a:effectRef idx="2">
+            <a:schemeClr val="accent1"/>
+          </a:effectRef>
+          <a:fontRef idx="minor"/>
+        </p:style>
+        <p:txBody>
+          <a:bodyPr lIns="90000" rIns="90000" tIns="45000" bIns="45000" anchor="ctr">
+            <a:noAutofit/>
+          </a:bodyPr>
+          <a:p>
+            <a:endParaRPr b="0" lang="en-US" sz="1800" spc="-1" strike="noStrike">
+              <a:solidFill>
+                <a:schemeClr val="lt1"/>
+              </a:solidFill>
+              <a:latin typeface="Calibri"/>
+              <a:ea typeface="DejaVu Sans"/>
+            </a:endParaRPr>
+          </a:p>
+        </p:txBody>
+      </p:sp>
+      <p:sp>
+        <p:nvSpPr>
+          <p:cNvPr id="233" name="Rectangle 123"/>
+          <p:cNvSpPr/>
+          <p:nvPr/>
+        </p:nvSpPr>
+        <p:spPr>
+          <a:xfrm>
+            <a:off x="8229600" y="0"/>
+            <a:ext cx="14400" cy="6854040"/>
+          </a:xfrm>
+          <a:prstGeom prst="rect">
+            <a:avLst/>
+          </a:prstGeom>
+          <a:solidFill>
+            <a:srgbClr val="121216"/>
+          </a:solidFill>
+          <a:ln>
+            <a:noFill/>
+          </a:ln>
+          <a:effectLst>
+            <a:outerShdw blurRad="39960" dir="5400000" dist="23040" rotWithShape="0">
+              <a:srgbClr val="000000">
+                <a:alpha val="35000"/>
+              </a:srgbClr>
+            </a:outerShdw>
+          </a:effectLst>
+        </p:spPr>
+        <p:style>
+          <a:lnRef idx="1">
+            <a:schemeClr val="accent1"/>
+          </a:lnRef>
+          <a:fillRef idx="3">
+            <a:schemeClr val="accent1"/>
+          </a:fillRef>
+          <a:effectRef idx="2">
+            <a:schemeClr val="accent1"/>
+          </a:effectRef>
+          <a:fontRef idx="minor"/>
+        </p:style>
+        <p:txBody>
+          <a:bodyPr lIns="90000" rIns="90000" tIns="45000" bIns="45000" anchor="ctr">
+            <a:noAutofit/>
+          </a:bodyPr>
+          <a:p>
+            <a:endParaRPr b="0" lang="en-US" sz="1800" spc="-1" strike="noStrike">
+              <a:solidFill>
+                <a:schemeClr val="lt1"/>
+              </a:solidFill>
+              <a:latin typeface="Calibri"/>
+              <a:ea typeface="DejaVu Sans"/>
+            </a:endParaRPr>
+          </a:p>
+        </p:txBody>
+      </p:sp>
+      <p:sp>
+        <p:nvSpPr>
+          <p:cNvPr id="234" name="Rectangle 124"/>
+          <p:cNvSpPr/>
+          <p:nvPr/>
+        </p:nvSpPr>
+        <p:spPr>
+          <a:xfrm>
+            <a:off x="9144000" y="0"/>
+            <a:ext cx="14400" cy="6854040"/>
+          </a:xfrm>
+          <a:prstGeom prst="rect">
+            <a:avLst/>
+          </a:prstGeom>
+          <a:solidFill>
+            <a:srgbClr val="121216"/>
+          </a:solidFill>
+          <a:ln>
+            <a:noFill/>
+          </a:ln>
+          <a:effectLst>
+            <a:outerShdw blurRad="39960" dir="5400000" dist="23040" rotWithShape="0">
+              <a:srgbClr val="000000">
+                <a:alpha val="35000"/>
+              </a:srgbClr>
+            </a:outerShdw>
+          </a:effectLst>
+        </p:spPr>
+        <p:style>
+          <a:lnRef idx="1">
+            <a:schemeClr val="accent1"/>
+          </a:lnRef>
+          <a:fillRef idx="3">
+            <a:schemeClr val="accent1"/>
+          </a:fillRef>
+          <a:effectRef idx="2">
+            <a:schemeClr val="accent1"/>
+          </a:effectRef>
+          <a:fontRef idx="minor"/>
+        </p:style>
+        <p:txBody>
+          <a:bodyPr lIns="90000" rIns="90000" tIns="45000" bIns="45000" anchor="ctr">
+            <a:noAutofit/>
+          </a:bodyPr>
+          <a:p>
+            <a:endParaRPr b="0" lang="en-US" sz="1800" spc="-1" strike="noStrike">
+              <a:solidFill>
+                <a:schemeClr val="lt1"/>
+              </a:solidFill>
+              <a:latin typeface="Calibri"/>
+              <a:ea typeface="DejaVu Sans"/>
+            </a:endParaRPr>
+          </a:p>
+        </p:txBody>
+      </p:sp>
+      <p:sp>
+        <p:nvSpPr>
+          <p:cNvPr id="235" name="Rectangle 125"/>
+          <p:cNvSpPr/>
+          <p:nvPr/>
+        </p:nvSpPr>
+        <p:spPr>
+          <a:xfrm>
+            <a:off x="10058400" y="0"/>
+            <a:ext cx="14400" cy="6854040"/>
+          </a:xfrm>
+          <a:prstGeom prst="rect">
+            <a:avLst/>
+          </a:prstGeom>
+          <a:solidFill>
+            <a:srgbClr val="121216"/>
+          </a:solidFill>
+          <a:ln>
+            <a:noFill/>
+          </a:ln>
+          <a:effectLst>
+            <a:outerShdw blurRad="39960" dir="5400000" dist="23040" rotWithShape="0">
+              <a:srgbClr val="000000">
+                <a:alpha val="35000"/>
+              </a:srgbClr>
+            </a:outerShdw>
+          </a:effectLst>
+        </p:spPr>
+        <p:style>
+          <a:lnRef idx="1">
+            <a:schemeClr val="accent1"/>
+          </a:lnRef>
+          <a:fillRef idx="3">
+            <a:schemeClr val="accent1"/>
+          </a:fillRef>
+          <a:effectRef idx="2">
+            <a:schemeClr val="accent1"/>
+          </a:effectRef>
+          <a:fontRef idx="minor"/>
+        </p:style>
+        <p:txBody>
+          <a:bodyPr lIns="90000" rIns="90000" tIns="45000" bIns="45000" anchor="ctr">
+            <a:noAutofit/>
+          </a:bodyPr>
+          <a:p>
+            <a:endParaRPr b="0" lang="en-US" sz="1800" spc="-1" strike="noStrike">
+              <a:solidFill>
+                <a:schemeClr val="lt1"/>
+              </a:solidFill>
+              <a:latin typeface="Calibri"/>
+              <a:ea typeface="DejaVu Sans"/>
+            </a:endParaRPr>
+          </a:p>
+        </p:txBody>
+      </p:sp>
+      <p:sp>
+        <p:nvSpPr>
+          <p:cNvPr id="236" name="Rectangle 126"/>
+          <p:cNvSpPr/>
+          <p:nvPr/>
+        </p:nvSpPr>
+        <p:spPr>
+          <a:xfrm>
+            <a:off x="10972800" y="0"/>
+            <a:ext cx="14400" cy="6854040"/>
+          </a:xfrm>
+          <a:prstGeom prst="rect">
+            <a:avLst/>
+          </a:prstGeom>
+          <a:solidFill>
+            <a:srgbClr val="121216"/>
+          </a:solidFill>
+          <a:ln>
+            <a:noFill/>
+          </a:ln>
+          <a:effectLst>
+            <a:outerShdw blurRad="39960" dir="5400000" dist="23040" rotWithShape="0">
+              <a:srgbClr val="000000">
+                <a:alpha val="35000"/>
+              </a:srgbClr>
+            </a:outerShdw>
+          </a:effectLst>
+        </p:spPr>
+        <p:style>
+          <a:lnRef idx="1">
+            <a:schemeClr val="accent1"/>
+          </a:lnRef>
+          <a:fillRef idx="3">
+            <a:schemeClr val="accent1"/>
+          </a:fillRef>
+          <a:effectRef idx="2">
+            <a:schemeClr val="accent1"/>
+          </a:effectRef>
+          <a:fontRef idx="minor"/>
+        </p:style>
+        <p:txBody>
+          <a:bodyPr lIns="90000" rIns="90000" tIns="45000" bIns="45000" anchor="ctr">
+            <a:noAutofit/>
+          </a:bodyPr>
+          <a:p>
+            <a:endParaRPr b="0" lang="en-US" sz="1800" spc="-1" strike="noStrike">
+              <a:solidFill>
+                <a:schemeClr val="lt1"/>
+              </a:solidFill>
+              <a:latin typeface="Calibri"/>
+              <a:ea typeface="DejaVu Sans"/>
+            </a:endParaRPr>
+          </a:p>
+        </p:txBody>
+      </p:sp>
+      <p:sp>
+        <p:nvSpPr>
+          <p:cNvPr id="237" name="Rectangle 127"/>
+          <p:cNvSpPr/>
+          <p:nvPr/>
+        </p:nvSpPr>
+        <p:spPr>
+          <a:xfrm>
+            <a:off x="11887200" y="0"/>
+            <a:ext cx="14400" cy="6854040"/>
+          </a:xfrm>
+          <a:prstGeom prst="rect">
+            <a:avLst/>
+          </a:prstGeom>
+          <a:solidFill>
+            <a:srgbClr val="121216"/>
+          </a:solidFill>
+          <a:ln>
+            <a:noFill/>
+          </a:ln>
+          <a:effectLst>
+            <a:outerShdw blurRad="39960" dir="5400000" dist="23040" rotWithShape="0">
+              <a:srgbClr val="000000">
+                <a:alpha val="35000"/>
+              </a:srgbClr>
+            </a:outerShdw>
+          </a:effectLst>
+        </p:spPr>
+        <p:style>
+          <a:lnRef idx="1">
+            <a:schemeClr val="accent1"/>
+          </a:lnRef>
+          <a:fillRef idx="3">
+            <a:schemeClr val="accent1"/>
+          </a:fillRef>
+          <a:effectRef idx="2">
+            <a:schemeClr val="accent1"/>
+          </a:effectRef>
+          <a:fontRef idx="minor"/>
+        </p:style>
+        <p:txBody>
+          <a:bodyPr lIns="90000" rIns="90000" tIns="45000" bIns="45000" anchor="ctr">
+            <a:noAutofit/>
+          </a:bodyPr>
+          <a:p>
+            <a:endParaRPr b="0" lang="en-US" sz="1800" spc="-1" strike="noStrike">
+              <a:solidFill>
+                <a:schemeClr val="lt1"/>
+              </a:solidFill>
+              <a:latin typeface="Calibri"/>
+              <a:ea typeface="DejaVu Sans"/>
+            </a:endParaRPr>
+          </a:p>
+        </p:txBody>
+      </p:sp>
+      <p:sp>
+        <p:nvSpPr>
+          <p:cNvPr id="238" name="Rectangle 128"/>
+          <p:cNvSpPr/>
+          <p:nvPr/>
+        </p:nvSpPr>
+        <p:spPr>
+          <a:xfrm>
+            <a:off x="0" y="0"/>
+            <a:ext cx="316080" cy="6854040"/>
+          </a:xfrm>
+          <a:prstGeom prst="rect">
+            <a:avLst/>
+          </a:prstGeom>
+          <a:solidFill>
+            <a:srgbClr val="ff8c00"/>
+          </a:solidFill>
+          <a:ln>
+            <a:noFill/>
+          </a:ln>
+          <a:effectLst>
+            <a:outerShdw blurRad="39960" dir="5400000" dist="23040" rotWithShape="0">
+              <a:srgbClr val="000000">
+                <a:alpha val="35000"/>
+              </a:srgbClr>
+            </a:outerShdw>
+          </a:effectLst>
+        </p:spPr>
+        <p:style>
+          <a:lnRef idx="1">
+            <a:schemeClr val="accent1"/>
+          </a:lnRef>
+          <a:fillRef idx="3">
+            <a:schemeClr val="accent1"/>
+          </a:fillRef>
+          <a:effectRef idx="2">
+            <a:schemeClr val="accent1"/>
+          </a:effectRef>
+          <a:fontRef idx="minor"/>
+        </p:style>
+        <p:txBody>
+          <a:bodyPr lIns="90000" rIns="90000" tIns="45000" bIns="45000" anchor="ctr">
+            <a:noAutofit/>
+          </a:bodyPr>
+          <a:p>
+            <a:endParaRPr b="0" lang="en-US" sz="1800" spc="-1" strike="noStrike">
+              <a:solidFill>
+                <a:schemeClr val="lt1"/>
+              </a:solidFill>
+              <a:latin typeface="Calibri"/>
+              <a:ea typeface="DejaVu Sans"/>
+            </a:endParaRPr>
+          </a:p>
+        </p:txBody>
+      </p:sp>
+      <p:sp>
+        <p:nvSpPr>
+          <p:cNvPr id="239" name="Rounded Rectangle 56"/>
+          <p:cNvSpPr/>
+          <p:nvPr/>
+        </p:nvSpPr>
+        <p:spPr>
+          <a:xfrm>
+            <a:off x="9875520" y="365760"/>
+            <a:ext cx="2007720" cy="498960"/>
+          </a:xfrm>
+          <a:prstGeom prst="roundRect">
+            <a:avLst>
+              <a:gd name="adj" fmla="val 16667"/>
+            </a:avLst>
+          </a:prstGeom>
+          <a:solidFill>
+            <a:srgbClr val="1e1e24"/>
+          </a:solidFill>
+          <a:ln>
+            <a:solidFill>
+              <a:srgbClr val="ff8c00"/>
+            </a:solidFill>
+            <a:round/>
+          </a:ln>
+          <a:effectLst>
+            <a:outerShdw blurRad="39960" dir="5400000" dist="23040" rotWithShape="0">
+              <a:srgbClr val="000000">
+                <a:alpha val="35000"/>
+              </a:srgbClr>
+            </a:outerShdw>
+          </a:effectLst>
+        </p:spPr>
+        <p:style>
+          <a:lnRef idx="1">
+            <a:schemeClr val="accent1"/>
+          </a:lnRef>
+          <a:fillRef idx="3">
+            <a:schemeClr val="accent1"/>
+          </a:fillRef>
+          <a:effectRef idx="2">
+            <a:schemeClr val="accent1"/>
+          </a:effectRef>
+          <a:fontRef idx="minor"/>
+        </p:style>
+        <p:txBody>
+          <a:bodyPr lIns="90000" rIns="90000" tIns="45000" bIns="45000" anchor="ctr">
+            <a:noAutofit/>
+          </a:bodyPr>
+          <a:p>
+            <a:pPr algn="ctr">
+              <a:lnSpc>
+                <a:spcPct val="100000"/>
+              </a:lnSpc>
+            </a:pPr>
+            <a:r>
+              <a:rPr b="1" lang="en-US" sz="1400" spc="-1" strike="noStrike">
+                <a:solidFill>
+                  <a:srgbClr val="ffb45a"/>
+                </a:solidFill>
+                <a:latin typeface="Calibri"/>
+                <a:ea typeface="DejaVu Sans"/>
+              </a:rPr>
+              <a:t>JAVA CORE</a:t>
+            </a:r>
+            <a:endParaRPr b="0" lang="en-US" sz="1400" spc="-1" strike="noStrike">
+              <a:solidFill>
+                <a:srgbClr val="ffffff"/>
+              </a:solidFill>
+              <a:latin typeface="Arial"/>
+            </a:endParaRPr>
+          </a:p>
+        </p:txBody>
+      </p:sp>
+      <p:sp>
+        <p:nvSpPr>
+          <p:cNvPr id="240" name="TextBox 24"/>
+          <p:cNvSpPr/>
+          <p:nvPr/>
+        </p:nvSpPr>
+        <p:spPr>
+          <a:xfrm>
+            <a:off x="-382680" y="1005840"/>
+            <a:ext cx="11750040" cy="730440"/>
+          </a:xfrm>
+          <a:prstGeom prst="rect">
+            <a:avLst/>
+          </a:prstGeom>
+          <a:noFill/>
+          <a:ln w="0">
+            <a:noFill/>
+          </a:ln>
+        </p:spPr>
+        <p:style>
+          <a:lnRef idx="0"/>
+          <a:fillRef idx="0"/>
+          <a:effectRef idx="0"/>
+          <a:fontRef idx="minor"/>
+        </p:style>
+        <p:txBody>
+          <a:bodyPr wrap="none" lIns="90000" rIns="90000" tIns="45000" bIns="45000" anchor="t">
+            <a:spAutoFit/>
+          </a:bodyPr>
+          <a:p>
+            <a:pPr>
+              <a:lnSpc>
+                <a:spcPct val="100000"/>
+              </a:lnSpc>
+            </a:pPr>
+            <a:r>
+              <a:rPr b="1" lang="en-US" sz="4200" spc="-1" strike="noStrike">
+                <a:solidFill>
+                  <a:srgbClr val="f5f5f5"/>
+                </a:solidFill>
+                <a:latin typeface="Calibri"/>
+                <a:ea typeface="DejaVu Sans"/>
+              </a:rPr>
+              <a:t>             </a:t>
+            </a:r>
+            <a:r>
+              <a:rPr b="1" lang="en-US" sz="4200" spc="-1" strike="noStrike">
+                <a:solidFill>
+                  <a:srgbClr val="f5f5f5"/>
+                </a:solidFill>
+                <a:latin typeface="Calibri"/>
+                <a:ea typeface="DejaVu Sans"/>
+              </a:rPr>
+              <a:t>Java Philosophy – Write Once, Run Anywhere</a:t>
+            </a:r>
+            <a:endParaRPr b="0" lang="en-US" sz="4200" spc="-1" strike="noStrike">
+              <a:solidFill>
+                <a:srgbClr val="000000"/>
+              </a:solidFill>
+              <a:latin typeface="Arial"/>
+            </a:endParaRPr>
+          </a:p>
+        </p:txBody>
+      </p:sp>
+      <p:sp>
+        <p:nvSpPr>
+          <p:cNvPr id="241" name="TextBox 25"/>
+          <p:cNvSpPr/>
+          <p:nvPr/>
+        </p:nvSpPr>
+        <p:spPr>
+          <a:xfrm>
+            <a:off x="3207960" y="2057400"/>
+            <a:ext cx="5146200" cy="363960"/>
+          </a:xfrm>
+          <a:prstGeom prst="rect">
+            <a:avLst/>
+          </a:prstGeom>
+          <a:noFill/>
+          <a:ln w="0">
+            <a:noFill/>
+          </a:ln>
+        </p:spPr>
+        <p:style>
+          <a:lnRef idx="0"/>
+          <a:fillRef idx="0"/>
+          <a:effectRef idx="0"/>
+          <a:fontRef idx="minor"/>
+        </p:style>
+        <p:txBody>
+          <a:bodyPr wrap="none" lIns="90000" rIns="90000" tIns="45000" bIns="45000" anchor="t">
+            <a:spAutoFit/>
+          </a:bodyPr>
+          <a:p>
+            <a:pPr>
+              <a:lnSpc>
+                <a:spcPct val="100000"/>
+              </a:lnSpc>
+            </a:pPr>
+            <a:r>
+              <a:rPr b="0" lang="en-US" sz="1800" spc="-1" strike="noStrike">
+                <a:solidFill>
+                  <a:srgbClr val="aaaaaa"/>
+                </a:solidFill>
+                <a:latin typeface="Calibri"/>
+                <a:ea typeface="DejaVu Sans"/>
+              </a:rPr>
+              <a:t>The idea that changed software development forever.</a:t>
+            </a:r>
+            <a:endParaRPr b="0" lang="en-US" sz="1800" spc="-1" strike="noStrike">
+              <a:solidFill>
+                <a:srgbClr val="000000"/>
+              </a:solidFill>
+              <a:latin typeface="Arial"/>
+            </a:endParaRPr>
+          </a:p>
+        </p:txBody>
+      </p:sp>
+      <p:sp>
+        <p:nvSpPr>
+          <p:cNvPr id="242" name="Rounded Rectangle 57"/>
+          <p:cNvSpPr/>
+          <p:nvPr/>
+        </p:nvSpPr>
+        <p:spPr>
+          <a:xfrm>
+            <a:off x="987480" y="3182040"/>
+            <a:ext cx="3287880" cy="2739240"/>
+          </a:xfrm>
+          <a:prstGeom prst="roundRect">
+            <a:avLst>
+              <a:gd name="adj" fmla="val 16667"/>
+            </a:avLst>
+          </a:prstGeom>
+          <a:solidFill>
+            <a:srgbClr val="08080a"/>
+          </a:solidFill>
+          <a:ln>
+            <a:noFill/>
+          </a:ln>
+          <a:effectLst>
+            <a:outerShdw blurRad="39960" dir="5400000" dist="23040" rotWithShape="0">
+              <a:srgbClr val="000000">
+                <a:alpha val="35000"/>
+              </a:srgbClr>
+            </a:outerShdw>
+          </a:effectLst>
+        </p:spPr>
+        <p:style>
+          <a:lnRef idx="1">
+            <a:schemeClr val="accent1"/>
+          </a:lnRef>
+          <a:fillRef idx="3">
+            <a:schemeClr val="accent1"/>
+          </a:fillRef>
+          <a:effectRef idx="2">
+            <a:schemeClr val="accent1"/>
+          </a:effectRef>
+          <a:fontRef idx="minor"/>
+        </p:style>
+        <p:txBody>
+          <a:bodyPr lIns="90000" rIns="90000" tIns="45000" bIns="45000" anchor="ctr">
+            <a:noAutofit/>
+          </a:bodyPr>
+          <a:p>
+            <a:endParaRPr b="0" lang="en-US" sz="1800" spc="-1" strike="noStrike">
+              <a:solidFill>
+                <a:schemeClr val="lt1"/>
+              </a:solidFill>
+              <a:latin typeface="Calibri"/>
+              <a:ea typeface="DejaVu Sans"/>
+            </a:endParaRPr>
+          </a:p>
+        </p:txBody>
+      </p:sp>
+      <p:sp>
+        <p:nvSpPr>
+          <p:cNvPr id="243" name="Rounded Rectangle 58"/>
+          <p:cNvSpPr/>
+          <p:nvPr/>
+        </p:nvSpPr>
+        <p:spPr>
+          <a:xfrm>
+            <a:off x="914400" y="3108960"/>
+            <a:ext cx="3287880" cy="2739240"/>
+          </a:xfrm>
+          <a:prstGeom prst="roundRect">
+            <a:avLst>
+              <a:gd name="adj" fmla="val 16667"/>
+            </a:avLst>
+          </a:prstGeom>
+          <a:solidFill>
+            <a:srgbClr val="16161c"/>
+          </a:solidFill>
+          <a:ln>
+            <a:solidFill>
+              <a:srgbClr val="464655"/>
+            </a:solidFill>
+            <a:round/>
+          </a:ln>
+          <a:effectLst>
+            <a:outerShdw blurRad="39960" dir="5400000" dist="23040" rotWithShape="0">
+              <a:srgbClr val="000000">
+                <a:alpha val="35000"/>
+              </a:srgbClr>
+            </a:outerShdw>
+          </a:effectLst>
+        </p:spPr>
+        <p:style>
+          <a:lnRef idx="1">
+            <a:schemeClr val="accent1"/>
+          </a:lnRef>
+          <a:fillRef idx="3">
+            <a:schemeClr val="accent1"/>
+          </a:fillRef>
+          <a:effectRef idx="2">
+            <a:schemeClr val="accent1"/>
+          </a:effectRef>
+          <a:fontRef idx="minor"/>
+        </p:style>
+        <p:txBody>
+          <a:bodyPr lIns="90000" rIns="90000" tIns="45000" bIns="45000" anchor="ctr">
+            <a:noAutofit/>
+          </a:bodyPr>
+          <a:p>
+            <a:pPr>
+              <a:lnSpc>
+                <a:spcPct val="100000"/>
+              </a:lnSpc>
+            </a:pPr>
+            <a:r>
+              <a:rPr b="1" lang="en-US" sz="1400" spc="-1" strike="noStrike">
+                <a:solidFill>
+                  <a:schemeClr val="lt1"/>
+                </a:solidFill>
+                <a:latin typeface="Calibri"/>
+                <a:ea typeface="DejaVu Sans"/>
+              </a:rPr>
+              <a:t>The Big Promise</a:t>
+            </a:r>
+            <a:endParaRPr b="0" lang="en-US" sz="1400" spc="-1" strike="noStrike">
+              <a:solidFill>
+                <a:srgbClr val="ffffff"/>
+              </a:solidFill>
+              <a:latin typeface="Arial"/>
+            </a:endParaRPr>
+          </a:p>
+          <a:p>
+            <a:pPr>
+              <a:lnSpc>
+                <a:spcPct val="100000"/>
+              </a:lnSpc>
+            </a:pPr>
+            <a:r>
+              <a:rPr b="0" lang="en-US" sz="1400" spc="-1" strike="noStrike">
+                <a:solidFill>
+                  <a:schemeClr val="lt1"/>
+                </a:solidFill>
+                <a:latin typeface="Calibri"/>
+                <a:ea typeface="DejaVu Sans"/>
+              </a:rPr>
+              <a:t>Before Java:</a:t>
+            </a:r>
+            <a:endParaRPr b="0" lang="en-US" sz="1400" spc="-1" strike="noStrike">
+              <a:solidFill>
+                <a:srgbClr val="ffffff"/>
+              </a:solidFill>
+              <a:latin typeface="Arial"/>
+            </a:endParaRPr>
+          </a:p>
+          <a:p>
+            <a:pPr>
+              <a:lnSpc>
+                <a:spcPct val="100000"/>
+              </a:lnSpc>
+            </a:pPr>
+            <a:r>
+              <a:rPr b="1" lang="en-US" sz="1400" spc="-1" strike="noStrike">
+                <a:solidFill>
+                  <a:schemeClr val="lt1"/>
+                </a:solidFill>
+                <a:latin typeface="Calibri"/>
+                <a:ea typeface="DejaVu Sans"/>
+              </a:rPr>
+              <a:t>• </a:t>
+            </a:r>
+            <a:r>
+              <a:rPr b="1" lang="en-US" sz="1400" spc="-1" strike="noStrike">
+                <a:solidFill>
+                  <a:schemeClr val="lt1"/>
+                </a:solidFill>
+                <a:latin typeface="Calibri"/>
+                <a:ea typeface="DejaVu Sans"/>
+              </a:rPr>
+              <a:t>One OS = one build</a:t>
+            </a:r>
+            <a:endParaRPr b="0" lang="en-US" sz="1400" spc="-1" strike="noStrike">
+              <a:solidFill>
+                <a:srgbClr val="ffffff"/>
+              </a:solidFill>
+              <a:latin typeface="Arial"/>
+            </a:endParaRPr>
+          </a:p>
+          <a:p>
+            <a:pPr>
+              <a:lnSpc>
+                <a:spcPct val="100000"/>
+              </a:lnSpc>
+            </a:pPr>
+            <a:r>
+              <a:rPr b="1" lang="en-US" sz="1400" spc="-1" strike="noStrike">
+                <a:solidFill>
+                  <a:schemeClr val="lt1"/>
+                </a:solidFill>
+                <a:latin typeface="Calibri"/>
+                <a:ea typeface="DejaVu Sans"/>
+              </a:rPr>
+              <a:t>• </a:t>
+            </a:r>
+            <a:r>
+              <a:rPr b="1" lang="en-US" sz="1400" spc="-1" strike="noStrike">
+                <a:solidFill>
+                  <a:schemeClr val="lt1"/>
+                </a:solidFill>
+                <a:latin typeface="Calibri"/>
+                <a:ea typeface="DejaVu Sans"/>
+              </a:rPr>
+              <a:t>Recompile for every system</a:t>
+            </a:r>
+            <a:endParaRPr b="0" lang="en-US" sz="1400" spc="-1" strike="noStrike">
+              <a:solidFill>
+                <a:srgbClr val="ffffff"/>
+              </a:solidFill>
+              <a:latin typeface="Arial"/>
+            </a:endParaRPr>
+          </a:p>
+          <a:p>
+            <a:pPr>
+              <a:lnSpc>
+                <a:spcPct val="100000"/>
+              </a:lnSpc>
+            </a:pPr>
+            <a:r>
+              <a:rPr b="1" lang="en-US" sz="1400" spc="-1" strike="noStrike">
+                <a:solidFill>
+                  <a:schemeClr val="lt1"/>
+                </a:solidFill>
+                <a:latin typeface="Calibri"/>
+                <a:ea typeface="DejaVu Sans"/>
+              </a:rPr>
+              <a:t>• </a:t>
+            </a:r>
+            <a:r>
+              <a:rPr b="1" lang="en-US" sz="1400" spc="-1" strike="noStrike">
+                <a:solidFill>
+                  <a:schemeClr val="lt1"/>
+                </a:solidFill>
+                <a:latin typeface="Calibri"/>
+                <a:ea typeface="DejaVu Sans"/>
+              </a:rPr>
+              <a:t>High maintenance cost</a:t>
+            </a:r>
+            <a:endParaRPr b="0" lang="en-US" sz="1400" spc="-1" strike="noStrike">
+              <a:solidFill>
+                <a:srgbClr val="ffffff"/>
+              </a:solidFill>
+              <a:latin typeface="Arial"/>
+            </a:endParaRPr>
+          </a:p>
+          <a:p>
+            <a:pPr>
+              <a:lnSpc>
+                <a:spcPct val="100000"/>
+              </a:lnSpc>
+            </a:pPr>
+            <a:r>
+              <a:rPr b="0" lang="en-US" sz="1400" spc="-1" strike="noStrike">
+                <a:solidFill>
+                  <a:schemeClr val="lt1"/>
+                </a:solidFill>
+                <a:latin typeface="Calibri"/>
+                <a:ea typeface="DejaVu Sans"/>
+              </a:rPr>
+              <a:t>With Java:</a:t>
+            </a:r>
+            <a:endParaRPr b="0" lang="en-US" sz="1400" spc="-1" strike="noStrike">
+              <a:solidFill>
+                <a:srgbClr val="ffffff"/>
+              </a:solidFill>
+              <a:latin typeface="Arial"/>
+            </a:endParaRPr>
+          </a:p>
+          <a:p>
+            <a:pPr>
+              <a:lnSpc>
+                <a:spcPct val="100000"/>
+              </a:lnSpc>
+            </a:pPr>
+            <a:r>
+              <a:rPr b="1" lang="en-US" sz="1400" spc="-1" strike="noStrike">
+                <a:solidFill>
+                  <a:schemeClr val="lt1"/>
+                </a:solidFill>
+                <a:latin typeface="Calibri"/>
+                <a:ea typeface="DejaVu Sans"/>
+              </a:rPr>
+              <a:t>• </a:t>
+            </a:r>
+            <a:r>
+              <a:rPr b="1" lang="en-US" sz="1400" spc="-1" strike="noStrike">
+                <a:solidFill>
+                  <a:schemeClr val="lt1"/>
+                </a:solidFill>
+                <a:latin typeface="Calibri"/>
+                <a:ea typeface="DejaVu Sans"/>
+              </a:rPr>
+              <a:t>One source code</a:t>
+            </a:r>
+            <a:endParaRPr b="0" lang="en-US" sz="1400" spc="-1" strike="noStrike">
+              <a:solidFill>
+                <a:srgbClr val="ffffff"/>
+              </a:solidFill>
+              <a:latin typeface="Arial"/>
+            </a:endParaRPr>
+          </a:p>
+          <a:p>
+            <a:pPr>
+              <a:lnSpc>
+                <a:spcPct val="100000"/>
+              </a:lnSpc>
+            </a:pPr>
+            <a:r>
+              <a:rPr b="1" lang="en-US" sz="1400" spc="-1" strike="noStrike">
+                <a:solidFill>
+                  <a:schemeClr val="lt1"/>
+                </a:solidFill>
+                <a:latin typeface="Calibri"/>
+                <a:ea typeface="DejaVu Sans"/>
+              </a:rPr>
+              <a:t>• </a:t>
+            </a:r>
+            <a:r>
+              <a:rPr b="1" lang="en-US" sz="1400" spc="-1" strike="noStrike">
+                <a:solidFill>
+                  <a:schemeClr val="lt1"/>
+                </a:solidFill>
+                <a:latin typeface="Calibri"/>
+                <a:ea typeface="DejaVu Sans"/>
+              </a:rPr>
+              <a:t>One compiled bytecode</a:t>
+            </a:r>
+            <a:endParaRPr b="0" lang="en-US" sz="1400" spc="-1" strike="noStrike">
+              <a:solidFill>
+                <a:srgbClr val="ffffff"/>
+              </a:solidFill>
+              <a:latin typeface="Arial"/>
+            </a:endParaRPr>
+          </a:p>
+          <a:p>
+            <a:pPr>
+              <a:lnSpc>
+                <a:spcPct val="100000"/>
+              </a:lnSpc>
+            </a:pPr>
+            <a:r>
+              <a:rPr b="1" lang="en-US" sz="1400" spc="-1" strike="noStrike">
+                <a:solidFill>
+                  <a:schemeClr val="lt1"/>
+                </a:solidFill>
+                <a:latin typeface="Calibri"/>
+                <a:ea typeface="DejaVu Sans"/>
+              </a:rPr>
+              <a:t>• </a:t>
+            </a:r>
+            <a:r>
+              <a:rPr b="1" lang="en-US" sz="1400" spc="-1" strike="noStrike">
+                <a:solidFill>
+                  <a:schemeClr val="lt1"/>
+                </a:solidFill>
+                <a:latin typeface="Calibri"/>
+                <a:ea typeface="DejaVu Sans"/>
+              </a:rPr>
+              <a:t>Runs everywhere 🌍</a:t>
+            </a:r>
+            <a:endParaRPr b="0" lang="en-US" sz="1400" spc="-1" strike="noStrike">
+              <a:solidFill>
+                <a:srgbClr val="ffffff"/>
+              </a:solidFill>
+              <a:latin typeface="Arial"/>
+            </a:endParaRPr>
+          </a:p>
+          <a:p>
+            <a:pPr>
+              <a:lnSpc>
+                <a:spcPct val="100000"/>
+              </a:lnSpc>
+            </a:pPr>
+            <a:endParaRPr b="0" lang="en-US" sz="1400" spc="-1" strike="noStrike">
+              <a:solidFill>
+                <a:srgbClr val="ffffff"/>
+              </a:solidFill>
+              <a:latin typeface="Arial"/>
+            </a:endParaRPr>
+          </a:p>
+          <a:p>
+            <a:pPr>
+              <a:lnSpc>
+                <a:spcPct val="100000"/>
+              </a:lnSpc>
+            </a:pPr>
+            <a:r>
+              <a:rPr b="1" lang="en-US" sz="1400" spc="-1" strike="noStrike">
+                <a:solidFill>
+                  <a:schemeClr val="lt1"/>
+                </a:solidFill>
+                <a:latin typeface="Calibri"/>
+                <a:ea typeface="DejaVu Sans"/>
+              </a:rPr>
+              <a:t>Famous slogan:</a:t>
+            </a:r>
+            <a:endParaRPr b="0" lang="en-US" sz="1400" spc="-1" strike="noStrike">
+              <a:solidFill>
+                <a:srgbClr val="ffffff"/>
+              </a:solidFill>
+              <a:latin typeface="Arial"/>
+            </a:endParaRPr>
+          </a:p>
+          <a:p>
+            <a:pPr>
+              <a:lnSpc>
+                <a:spcPct val="100000"/>
+              </a:lnSpc>
+            </a:pPr>
+            <a:r>
+              <a:rPr b="1" lang="en-US" sz="1400" spc="-1" strike="noStrike">
+                <a:solidFill>
+                  <a:schemeClr val="lt1"/>
+                </a:solidFill>
+                <a:latin typeface="Calibri"/>
+                <a:ea typeface="DejaVu Sans"/>
+              </a:rPr>
+              <a:t>Write Once, Run Anywhere</a:t>
+            </a:r>
+            <a:endParaRPr b="0" lang="en-US" sz="1400" spc="-1" strike="noStrike">
+              <a:solidFill>
+                <a:srgbClr val="ffffff"/>
+              </a:solidFill>
+              <a:latin typeface="Arial"/>
+            </a:endParaRPr>
+          </a:p>
+        </p:txBody>
+      </p:sp>
+      <p:sp>
+        <p:nvSpPr>
+          <p:cNvPr id="244" name="Rounded Rectangle 59"/>
+          <p:cNvSpPr/>
+          <p:nvPr/>
+        </p:nvSpPr>
+        <p:spPr>
+          <a:xfrm>
+            <a:off x="4507920" y="3182040"/>
+            <a:ext cx="3287880" cy="2739240"/>
+          </a:xfrm>
+          <a:prstGeom prst="roundRect">
+            <a:avLst>
+              <a:gd name="adj" fmla="val 16667"/>
+            </a:avLst>
+          </a:prstGeom>
+          <a:solidFill>
+            <a:srgbClr val="08080a"/>
+          </a:solidFill>
+          <a:ln>
+            <a:noFill/>
+          </a:ln>
+          <a:effectLst>
+            <a:outerShdw blurRad="39960" dir="5400000" dist="23040" rotWithShape="0">
+              <a:srgbClr val="000000">
+                <a:alpha val="35000"/>
+              </a:srgbClr>
+            </a:outerShdw>
+          </a:effectLst>
+        </p:spPr>
+        <p:style>
+          <a:lnRef idx="1">
+            <a:schemeClr val="accent1"/>
+          </a:lnRef>
+          <a:fillRef idx="3">
+            <a:schemeClr val="accent1"/>
+          </a:fillRef>
+          <a:effectRef idx="2">
+            <a:schemeClr val="accent1"/>
+          </a:effectRef>
+          <a:fontRef idx="minor"/>
+        </p:style>
+        <p:txBody>
+          <a:bodyPr lIns="90000" rIns="90000" tIns="45000" bIns="45000" anchor="ctr">
+            <a:noAutofit/>
+          </a:bodyPr>
+          <a:p>
+            <a:endParaRPr b="0" lang="en-US" sz="1800" spc="-1" strike="noStrike">
+              <a:solidFill>
+                <a:schemeClr val="lt1"/>
+              </a:solidFill>
+              <a:latin typeface="Calibri"/>
+              <a:ea typeface="DejaVu Sans"/>
+            </a:endParaRPr>
+          </a:p>
+        </p:txBody>
+      </p:sp>
+      <p:sp>
+        <p:nvSpPr>
+          <p:cNvPr id="245" name="Rounded Rectangle 60"/>
+          <p:cNvSpPr/>
+          <p:nvPr/>
+        </p:nvSpPr>
+        <p:spPr>
+          <a:xfrm>
+            <a:off x="8028360" y="3182040"/>
+            <a:ext cx="3287880" cy="2739240"/>
+          </a:xfrm>
+          <a:prstGeom prst="roundRect">
+            <a:avLst>
+              <a:gd name="adj" fmla="val 16667"/>
+            </a:avLst>
+          </a:prstGeom>
+          <a:solidFill>
+            <a:srgbClr val="08080a"/>
+          </a:solidFill>
+          <a:ln>
+            <a:noFill/>
+          </a:ln>
+          <a:effectLst>
+            <a:outerShdw blurRad="39960" dir="5400000" dist="23040" rotWithShape="0">
+              <a:srgbClr val="000000">
+                <a:alpha val="35000"/>
+              </a:srgbClr>
+            </a:outerShdw>
+          </a:effectLst>
+        </p:spPr>
+        <p:style>
+          <a:lnRef idx="1">
+            <a:schemeClr val="accent1"/>
+          </a:lnRef>
+          <a:fillRef idx="3">
+            <a:schemeClr val="accent1"/>
+          </a:fillRef>
+          <a:effectRef idx="2">
+            <a:schemeClr val="accent1"/>
+          </a:effectRef>
+          <a:fontRef idx="minor"/>
+        </p:style>
+        <p:txBody>
+          <a:bodyPr lIns="90000" rIns="90000" tIns="45000" bIns="45000" anchor="ctr">
+            <a:noAutofit/>
+          </a:bodyPr>
+          <a:p>
+            <a:endParaRPr b="0" lang="en-US" sz="1800" spc="-1" strike="noStrike">
+              <a:solidFill>
+                <a:schemeClr val="lt1"/>
+              </a:solidFill>
+              <a:latin typeface="Calibri"/>
+              <a:ea typeface="DejaVu Sans"/>
+            </a:endParaRPr>
+          </a:p>
+        </p:txBody>
+      </p:sp>
+      <p:sp>
+        <p:nvSpPr>
+          <p:cNvPr id="246" name="Rounded Rectangle 61"/>
+          <p:cNvSpPr/>
+          <p:nvPr/>
+        </p:nvSpPr>
+        <p:spPr>
+          <a:xfrm>
+            <a:off x="7955280" y="3108960"/>
+            <a:ext cx="3287880" cy="2739240"/>
+          </a:xfrm>
+          <a:prstGeom prst="roundRect">
+            <a:avLst>
+              <a:gd name="adj" fmla="val 16667"/>
+            </a:avLst>
+          </a:prstGeom>
+          <a:solidFill>
+            <a:srgbClr val="16161c"/>
+          </a:solidFill>
+          <a:ln>
+            <a:solidFill>
+              <a:srgbClr val="464655"/>
+            </a:solidFill>
+            <a:round/>
+          </a:ln>
+          <a:effectLst>
+            <a:outerShdw blurRad="39960" dir="5400000" dist="23040" rotWithShape="0">
+              <a:srgbClr val="000000">
+                <a:alpha val="35000"/>
+              </a:srgbClr>
+            </a:outerShdw>
+          </a:effectLst>
+        </p:spPr>
+        <p:style>
+          <a:lnRef idx="1">
+            <a:schemeClr val="accent1"/>
+          </a:lnRef>
+          <a:fillRef idx="3">
+            <a:schemeClr val="accent1"/>
+          </a:fillRef>
+          <a:effectRef idx="2">
+            <a:schemeClr val="accent1"/>
+          </a:effectRef>
+          <a:fontRef idx="minor"/>
+        </p:style>
+        <p:txBody>
+          <a:bodyPr lIns="90000" rIns="90000" tIns="45000" bIns="45000" anchor="ctr">
+            <a:noAutofit/>
+          </a:bodyPr>
+          <a:p>
+            <a:pPr algn="ctr">
+              <a:lnSpc>
+                <a:spcPct val="100000"/>
+              </a:lnSpc>
+            </a:pPr>
+            <a:endParaRPr b="0" lang="en-US" sz="1800" spc="-1" strike="noStrike">
+              <a:solidFill>
+                <a:srgbClr val="ffffff"/>
+              </a:solidFill>
+              <a:latin typeface="Arial"/>
+            </a:endParaRPr>
+          </a:p>
+          <a:p>
+            <a:pPr algn="ctr">
+              <a:lnSpc>
+                <a:spcPct val="100000"/>
+              </a:lnSpc>
+            </a:pPr>
+            <a:endParaRPr b="0" lang="en-US" sz="1100" spc="-1" strike="noStrike">
+              <a:solidFill>
+                <a:srgbClr val="ffffff"/>
+              </a:solidFill>
+              <a:latin typeface="Arial"/>
+            </a:endParaRPr>
+          </a:p>
+          <a:p>
+            <a:pPr algn="ctr">
+              <a:lnSpc>
+                <a:spcPct val="100000"/>
+              </a:lnSpc>
+            </a:pPr>
+            <a:endParaRPr b="0" lang="en-US" sz="1100" spc="-1" strike="noStrike">
+              <a:solidFill>
+                <a:srgbClr val="ffffff"/>
+              </a:solidFill>
+              <a:latin typeface="Arial"/>
+            </a:endParaRPr>
+          </a:p>
+          <a:p>
+            <a:pPr algn="ctr">
+              <a:lnSpc>
+                <a:spcPct val="100000"/>
+              </a:lnSpc>
+            </a:pPr>
+            <a:r>
+              <a:rPr b="0" lang="en-US" sz="1100" spc="-1" strike="noStrike">
+                <a:solidFill>
+                  <a:srgbClr val="78ffc8"/>
+                </a:solidFill>
+                <a:latin typeface="Consolas"/>
+                <a:ea typeface="DejaVu Sans"/>
+              </a:rPr>
+              <a:t>public class Anywhere {</a:t>
+            </a:r>
+            <a:endParaRPr b="0" lang="en-US" sz="1100" spc="-1" strike="noStrike">
+              <a:solidFill>
+                <a:srgbClr val="ffffff"/>
+              </a:solidFill>
+              <a:latin typeface="Arial"/>
+            </a:endParaRPr>
+          </a:p>
+          <a:p>
+            <a:pPr algn="ctr">
+              <a:lnSpc>
+                <a:spcPct val="100000"/>
+              </a:lnSpc>
+            </a:pPr>
+            <a:endParaRPr b="0" lang="en-US" sz="1100" spc="-1" strike="noStrike">
+              <a:solidFill>
+                <a:srgbClr val="ffffff"/>
+              </a:solidFill>
+              <a:latin typeface="Arial"/>
+            </a:endParaRPr>
+          </a:p>
+          <a:p>
+            <a:pPr algn="ctr">
+              <a:lnSpc>
+                <a:spcPct val="100000"/>
+              </a:lnSpc>
+            </a:pPr>
+            <a:r>
+              <a:rPr b="0" lang="en-US" sz="1100" spc="-1" strike="noStrike">
+                <a:solidFill>
+                  <a:srgbClr val="78ffc8"/>
+                </a:solidFill>
+                <a:latin typeface="Consolas"/>
+                <a:ea typeface="DejaVu Sans"/>
+              </a:rPr>
+              <a:t>    </a:t>
+            </a:r>
+            <a:r>
+              <a:rPr b="0" lang="en-US" sz="1100" spc="-1" strike="noStrike">
+                <a:solidFill>
+                  <a:srgbClr val="78ffc8"/>
+                </a:solidFill>
+                <a:latin typeface="Consolas"/>
+                <a:ea typeface="DejaVu Sans"/>
+              </a:rPr>
+              <a:t>public static void main(String[] args) {</a:t>
+            </a:r>
+            <a:endParaRPr b="0" lang="en-US" sz="1100" spc="-1" strike="noStrike">
+              <a:solidFill>
+                <a:srgbClr val="ffffff"/>
+              </a:solidFill>
+              <a:latin typeface="Arial"/>
+            </a:endParaRPr>
+          </a:p>
+          <a:p>
+            <a:pPr algn="ctr">
+              <a:lnSpc>
+                <a:spcPct val="100000"/>
+              </a:lnSpc>
+            </a:pPr>
+            <a:endParaRPr b="0" lang="en-US" sz="1100" spc="-1" strike="noStrike">
+              <a:solidFill>
+                <a:srgbClr val="ffffff"/>
+              </a:solidFill>
+              <a:latin typeface="Arial"/>
+            </a:endParaRPr>
+          </a:p>
+          <a:p>
+            <a:pPr algn="ctr">
+              <a:lnSpc>
+                <a:spcPct val="100000"/>
+              </a:lnSpc>
+            </a:pPr>
+            <a:r>
+              <a:rPr b="0" lang="en-US" sz="1100" spc="-1" strike="noStrike">
+                <a:solidFill>
+                  <a:srgbClr val="78ffc8"/>
+                </a:solidFill>
+                <a:latin typeface="Consolas"/>
+                <a:ea typeface="DejaVu Sans"/>
+              </a:rPr>
+              <a:t>        </a:t>
+            </a:r>
+            <a:r>
+              <a:rPr b="0" lang="en-US" sz="1100" spc="-1" strike="noStrike">
+                <a:solidFill>
+                  <a:srgbClr val="78ffc8"/>
+                </a:solidFill>
+                <a:latin typeface="Consolas"/>
+                <a:ea typeface="DejaVu Sans"/>
+              </a:rPr>
+              <a:t>String os = System.getProperty("os.name");</a:t>
+            </a:r>
+            <a:endParaRPr b="0" lang="en-US" sz="1100" spc="-1" strike="noStrike">
+              <a:solidFill>
+                <a:srgbClr val="ffffff"/>
+              </a:solidFill>
+              <a:latin typeface="Arial"/>
+            </a:endParaRPr>
+          </a:p>
+          <a:p>
+            <a:pPr algn="ctr">
+              <a:lnSpc>
+                <a:spcPct val="100000"/>
+              </a:lnSpc>
+            </a:pPr>
+            <a:endParaRPr b="0" lang="en-US" sz="1100" spc="-1" strike="noStrike">
+              <a:solidFill>
+                <a:srgbClr val="ffffff"/>
+              </a:solidFill>
+              <a:latin typeface="Arial"/>
+            </a:endParaRPr>
+          </a:p>
+          <a:p>
+            <a:pPr algn="ctr">
+              <a:lnSpc>
+                <a:spcPct val="100000"/>
+              </a:lnSpc>
+            </a:pPr>
+            <a:r>
+              <a:rPr b="0" lang="en-US" sz="1100" spc="-1" strike="noStrike">
+                <a:solidFill>
+                  <a:srgbClr val="78ffc8"/>
+                </a:solidFill>
+                <a:latin typeface="Consolas"/>
+                <a:ea typeface="DejaVu Sans"/>
+              </a:rPr>
+              <a:t>        </a:t>
+            </a:r>
+            <a:r>
+              <a:rPr b="0" lang="en-US" sz="1100" spc="-1" strike="noStrike">
+                <a:solidFill>
+                  <a:srgbClr val="78ffc8"/>
+                </a:solidFill>
+                <a:latin typeface="Consolas"/>
+                <a:ea typeface="DejaVu Sans"/>
+              </a:rPr>
+              <a:t>System.out.println(</a:t>
+            </a:r>
+            <a:endParaRPr b="0" lang="en-US" sz="1100" spc="-1" strike="noStrike">
+              <a:solidFill>
+                <a:srgbClr val="ffffff"/>
+              </a:solidFill>
+              <a:latin typeface="Arial"/>
+            </a:endParaRPr>
+          </a:p>
+          <a:p>
+            <a:pPr algn="ctr">
+              <a:lnSpc>
+                <a:spcPct val="100000"/>
+              </a:lnSpc>
+            </a:pPr>
+            <a:r>
+              <a:rPr b="0" lang="en-US" sz="1100" spc="-1" strike="noStrike">
+                <a:solidFill>
+                  <a:srgbClr val="78ffc8"/>
+                </a:solidFill>
+                <a:latin typeface="Consolas"/>
+                <a:ea typeface="DejaVu Sans"/>
+              </a:rPr>
+              <a:t>          </a:t>
+            </a:r>
+            <a:r>
+              <a:rPr b="0" lang="en-US" sz="1100" spc="-1" strike="noStrike">
+                <a:solidFill>
+                  <a:srgbClr val="78ffc8"/>
+                </a:solidFill>
+                <a:latin typeface="Consolas"/>
+                <a:ea typeface="DejaVu Sans"/>
+              </a:rPr>
+              <a:t>"Running on: " + os</a:t>
+            </a:r>
+            <a:endParaRPr b="0" lang="en-US" sz="1100" spc="-1" strike="noStrike">
+              <a:solidFill>
+                <a:srgbClr val="ffffff"/>
+              </a:solidFill>
+              <a:latin typeface="Arial"/>
+            </a:endParaRPr>
+          </a:p>
+          <a:p>
+            <a:pPr algn="ctr">
+              <a:lnSpc>
+                <a:spcPct val="100000"/>
+              </a:lnSpc>
+            </a:pPr>
+            <a:r>
+              <a:rPr b="0" lang="en-US" sz="1100" spc="-1" strike="noStrike">
+                <a:solidFill>
+                  <a:srgbClr val="78ffc8"/>
+                </a:solidFill>
+                <a:latin typeface="Consolas"/>
+                <a:ea typeface="DejaVu Sans"/>
+              </a:rPr>
+              <a:t>        </a:t>
+            </a:r>
+            <a:r>
+              <a:rPr b="0" lang="en-US" sz="1100" spc="-1" strike="noStrike">
+                <a:solidFill>
+                  <a:srgbClr val="78ffc8"/>
+                </a:solidFill>
+                <a:latin typeface="Consolas"/>
+                <a:ea typeface="DejaVu Sans"/>
+              </a:rPr>
+              <a:t>);</a:t>
+            </a:r>
+            <a:endParaRPr b="0" lang="en-US" sz="1100" spc="-1" strike="noStrike">
+              <a:solidFill>
+                <a:srgbClr val="ffffff"/>
+              </a:solidFill>
+              <a:latin typeface="Arial"/>
+            </a:endParaRPr>
+          </a:p>
+          <a:p>
+            <a:pPr algn="ctr">
+              <a:lnSpc>
+                <a:spcPct val="100000"/>
+              </a:lnSpc>
+            </a:pPr>
+            <a:r>
+              <a:rPr b="0" lang="en-US" sz="1100" spc="-1" strike="noStrike">
+                <a:solidFill>
+                  <a:srgbClr val="78ffc8"/>
+                </a:solidFill>
+                <a:latin typeface="Consolas"/>
+                <a:ea typeface="DejaVu Sans"/>
+              </a:rPr>
+              <a:t>        </a:t>
+            </a:r>
+            <a:r>
+              <a:rPr b="0" lang="en-US" sz="1100" spc="-1" strike="noStrike">
+                <a:solidFill>
+                  <a:srgbClr val="78ffc8"/>
+                </a:solidFill>
+                <a:latin typeface="Consolas"/>
+                <a:ea typeface="DejaVu Sans"/>
+              </a:rPr>
+              <a:t>System.out.println(</a:t>
+            </a:r>
+            <a:endParaRPr b="0" lang="en-US" sz="1100" spc="-1" strike="noStrike">
+              <a:solidFill>
+                <a:srgbClr val="ffffff"/>
+              </a:solidFill>
+              <a:latin typeface="Arial"/>
+            </a:endParaRPr>
+          </a:p>
+          <a:p>
+            <a:pPr algn="ctr">
+              <a:lnSpc>
+                <a:spcPct val="100000"/>
+              </a:lnSpc>
+            </a:pPr>
+            <a:r>
+              <a:rPr b="0" lang="en-US" sz="1100" spc="-1" strike="noStrike">
+                <a:solidFill>
+                  <a:srgbClr val="78ffc8"/>
+                </a:solidFill>
+                <a:latin typeface="Consolas"/>
+                <a:ea typeface="DejaVu Sans"/>
+              </a:rPr>
+              <a:t>          </a:t>
+            </a:r>
+            <a:r>
+              <a:rPr b="0" lang="en-US" sz="1100" spc="-1" strike="noStrike">
+                <a:solidFill>
+                  <a:srgbClr val="78ffc8"/>
+                </a:solidFill>
+                <a:latin typeface="Consolas"/>
+                <a:ea typeface="DejaVu Sans"/>
+              </a:rPr>
+              <a:t>"Same code. Same result."</a:t>
+            </a:r>
+            <a:endParaRPr b="0" lang="en-US" sz="1100" spc="-1" strike="noStrike">
+              <a:solidFill>
+                <a:srgbClr val="ffffff"/>
+              </a:solidFill>
+              <a:latin typeface="Arial"/>
+            </a:endParaRPr>
+          </a:p>
+          <a:p>
+            <a:pPr algn="ctr">
+              <a:lnSpc>
+                <a:spcPct val="100000"/>
+              </a:lnSpc>
+            </a:pPr>
+            <a:r>
+              <a:rPr b="0" lang="en-US" sz="1100" spc="-1" strike="noStrike">
+                <a:solidFill>
+                  <a:srgbClr val="78ffc8"/>
+                </a:solidFill>
+                <a:latin typeface="Consolas"/>
+                <a:ea typeface="DejaVu Sans"/>
+              </a:rPr>
+              <a:t>        </a:t>
+            </a:r>
+            <a:r>
+              <a:rPr b="0" lang="en-US" sz="1100" spc="-1" strike="noStrike">
+                <a:solidFill>
+                  <a:srgbClr val="78ffc8"/>
+                </a:solidFill>
+                <a:latin typeface="Consolas"/>
+                <a:ea typeface="DejaVu Sans"/>
+              </a:rPr>
+              <a:t>);</a:t>
+            </a:r>
+            <a:endParaRPr b="0" lang="en-US" sz="1100" spc="-1" strike="noStrike">
+              <a:solidFill>
+                <a:srgbClr val="ffffff"/>
+              </a:solidFill>
+              <a:latin typeface="Arial"/>
+            </a:endParaRPr>
+          </a:p>
+          <a:p>
+            <a:pPr algn="ctr">
+              <a:lnSpc>
+                <a:spcPct val="100000"/>
+              </a:lnSpc>
+            </a:pPr>
+            <a:r>
+              <a:rPr b="0" lang="en-US" sz="1100" spc="-1" strike="noStrike">
+                <a:solidFill>
+                  <a:srgbClr val="78ffc8"/>
+                </a:solidFill>
+                <a:latin typeface="Consolas"/>
+                <a:ea typeface="DejaVu Sans"/>
+              </a:rPr>
+              <a:t>    </a:t>
+            </a:r>
+            <a:r>
+              <a:rPr b="0" lang="en-US" sz="1100" spc="-1" strike="noStrike">
+                <a:solidFill>
+                  <a:srgbClr val="78ffc8"/>
+                </a:solidFill>
+                <a:latin typeface="Consolas"/>
+                <a:ea typeface="DejaVu Sans"/>
+              </a:rPr>
+              <a:t>}</a:t>
+            </a:r>
+            <a:endParaRPr b="0" lang="en-US" sz="1100" spc="-1" strike="noStrike">
+              <a:solidFill>
+                <a:srgbClr val="ffffff"/>
+              </a:solidFill>
+              <a:latin typeface="Arial"/>
+            </a:endParaRPr>
+          </a:p>
+          <a:p>
+            <a:pPr algn="ctr">
+              <a:lnSpc>
+                <a:spcPct val="100000"/>
+              </a:lnSpc>
+            </a:pPr>
+            <a:r>
+              <a:rPr b="0" lang="en-US" sz="1100" spc="-1" strike="noStrike">
+                <a:solidFill>
+                  <a:srgbClr val="78ffc8"/>
+                </a:solidFill>
+                <a:latin typeface="Consolas"/>
+                <a:ea typeface="DejaVu Sans"/>
+              </a:rPr>
+              <a:t>}</a:t>
+            </a:r>
+            <a:endParaRPr b="0" lang="en-US" sz="1100" spc="-1" strike="noStrike">
+              <a:solidFill>
+                <a:srgbClr val="ffffff"/>
+              </a:solidFill>
+              <a:latin typeface="Arial"/>
+            </a:endParaRPr>
+          </a:p>
+          <a:p>
+            <a:pPr algn="ctr">
+              <a:lnSpc>
+                <a:spcPct val="100000"/>
+              </a:lnSpc>
+            </a:pPr>
+            <a:endParaRPr b="0" lang="en-US" sz="1100" spc="-1" strike="noStrike">
+              <a:solidFill>
+                <a:srgbClr val="ffffff"/>
+              </a:solidFill>
+              <a:latin typeface="Arial"/>
+            </a:endParaRPr>
+          </a:p>
+          <a:p>
+            <a:pPr algn="ctr">
+              <a:lnSpc>
+                <a:spcPct val="100000"/>
+              </a:lnSpc>
+            </a:pPr>
+            <a:endParaRPr b="0" lang="en-US" sz="1100" spc="-1" strike="noStrike">
+              <a:solidFill>
+                <a:srgbClr val="ffffff"/>
+              </a:solidFill>
+              <a:latin typeface="Arial"/>
+            </a:endParaRPr>
+          </a:p>
+          <a:p>
+            <a:pPr algn="ctr">
+              <a:lnSpc>
+                <a:spcPct val="100000"/>
+              </a:lnSpc>
+            </a:pPr>
+            <a:endParaRPr b="0" lang="en-US" sz="1800" spc="-1" strike="noStrike">
+              <a:solidFill>
+                <a:srgbClr val="ffffff"/>
+              </a:solidFill>
+              <a:latin typeface="Arial"/>
+            </a:endParaRPr>
+          </a:p>
+        </p:txBody>
+      </p:sp>
+      <p:sp>
+        <p:nvSpPr>
+          <p:cNvPr id="247" name="TextBox 27"/>
+          <p:cNvSpPr/>
+          <p:nvPr/>
+        </p:nvSpPr>
+        <p:spPr>
+          <a:xfrm>
+            <a:off x="4600080" y="6446520"/>
+            <a:ext cx="3051000" cy="363960"/>
+          </a:xfrm>
+          <a:prstGeom prst="rect">
+            <a:avLst/>
+          </a:prstGeom>
+          <a:noFill/>
+          <a:ln w="0">
+            <a:noFill/>
+          </a:ln>
+        </p:spPr>
+        <p:style>
+          <a:lnRef idx="0"/>
+          <a:fillRef idx="0"/>
+          <a:effectRef idx="0"/>
+          <a:fontRef idx="minor"/>
+        </p:style>
+        <p:txBody>
+          <a:bodyPr wrap="none" lIns="90000" rIns="90000" tIns="45000" bIns="45000" anchor="t">
+            <a:spAutoFit/>
+          </a:bodyPr>
+          <a:p>
+            <a:pPr>
+              <a:lnSpc>
+                <a:spcPct val="100000"/>
+              </a:lnSpc>
+            </a:pPr>
+            <a:r>
+              <a:rPr b="0" lang="en-US" sz="1800" spc="-1" strike="noStrike">
+                <a:solidFill>
+                  <a:srgbClr val="000000"/>
+                </a:solidFill>
+                <a:latin typeface="Calibri"/>
+                <a:ea typeface="DejaVu Sans"/>
+              </a:rPr>
+              <a:t>Java • Ultra Premium Template</a:t>
+            </a:r>
+            <a:endParaRPr b="0" lang="en-US" sz="1800" spc="-1" strike="noStrike">
+              <a:solidFill>
+                <a:srgbClr val="000000"/>
+              </a:solidFill>
+              <a:latin typeface="Arial"/>
+            </a:endParaRPr>
+          </a:p>
+        </p:txBody>
+      </p:sp>
+      <p:sp>
+        <p:nvSpPr>
+          <p:cNvPr id="248" name="Rounded Rectangle 62"/>
+          <p:cNvSpPr/>
+          <p:nvPr/>
+        </p:nvSpPr>
+        <p:spPr>
+          <a:xfrm>
+            <a:off x="4484160" y="3132000"/>
+            <a:ext cx="3287880" cy="2739240"/>
+          </a:xfrm>
+          <a:prstGeom prst="roundRect">
+            <a:avLst>
+              <a:gd name="adj" fmla="val 16667"/>
+            </a:avLst>
+          </a:prstGeom>
+          <a:solidFill>
+            <a:srgbClr val="16161c"/>
+          </a:solidFill>
+          <a:ln>
+            <a:solidFill>
+              <a:srgbClr val="464655"/>
+            </a:solidFill>
+            <a:round/>
+          </a:ln>
+          <a:effectLst>
+            <a:outerShdw blurRad="39960" dir="5400000" dist="23040" rotWithShape="0">
+              <a:srgbClr val="000000">
+                <a:alpha val="35000"/>
+              </a:srgbClr>
+            </a:outerShdw>
+          </a:effectLst>
+        </p:spPr>
+        <p:style>
+          <a:lnRef idx="1">
+            <a:schemeClr val="accent1"/>
+          </a:lnRef>
+          <a:fillRef idx="3">
+            <a:schemeClr val="accent1"/>
+          </a:fillRef>
+          <a:effectRef idx="2">
+            <a:schemeClr val="accent1"/>
+          </a:effectRef>
+          <a:fontRef idx="minor"/>
+        </p:style>
+        <p:txBody>
+          <a:bodyPr lIns="90000" rIns="90000" tIns="45000" bIns="45000" anchor="ctr">
+            <a:noAutofit/>
+          </a:bodyPr>
+          <a:p>
+            <a:pPr>
+              <a:lnSpc>
+                <a:spcPct val="100000"/>
+              </a:lnSpc>
+            </a:pPr>
+            <a:r>
+              <a:rPr b="1" lang="en-US" sz="1400" spc="-1" strike="noStrike">
+                <a:solidFill>
+                  <a:schemeClr val="lt1"/>
+                </a:solidFill>
+                <a:latin typeface="Calibri"/>
+                <a:ea typeface="DejaVu Sans"/>
+              </a:rPr>
+              <a:t>How It Works (Simple View)</a:t>
+            </a:r>
+            <a:endParaRPr b="0" lang="en-US" sz="1400" spc="-1" strike="noStrike">
+              <a:solidFill>
+                <a:srgbClr val="ffffff"/>
+              </a:solidFill>
+              <a:latin typeface="Arial"/>
+            </a:endParaRPr>
+          </a:p>
+          <a:p>
+            <a:pPr>
+              <a:lnSpc>
+                <a:spcPct val="100000"/>
+              </a:lnSpc>
+            </a:pPr>
+            <a:endParaRPr b="0" lang="en-US" sz="1400" spc="-1" strike="noStrike">
+              <a:solidFill>
+                <a:srgbClr val="ffffff"/>
+              </a:solidFill>
+              <a:latin typeface="Arial"/>
+            </a:endParaRPr>
+          </a:p>
+          <a:p>
+            <a:pPr>
+              <a:lnSpc>
+                <a:spcPct val="100000"/>
+              </a:lnSpc>
+            </a:pPr>
+            <a:r>
+              <a:rPr b="1" lang="en-US" sz="1400" spc="-1" strike="noStrike">
+                <a:solidFill>
+                  <a:schemeClr val="lt1"/>
+                </a:solidFill>
+                <a:latin typeface="Calibri"/>
+                <a:ea typeface="DejaVu Sans"/>
+              </a:rPr>
+              <a:t>Java execution model:</a:t>
+            </a:r>
+            <a:endParaRPr b="0" lang="en-US" sz="1400" spc="-1" strike="noStrike">
+              <a:solidFill>
+                <a:srgbClr val="ffffff"/>
+              </a:solidFill>
+              <a:latin typeface="Arial"/>
+            </a:endParaRPr>
+          </a:p>
+          <a:p>
+            <a:pPr>
+              <a:lnSpc>
+                <a:spcPct val="100000"/>
+              </a:lnSpc>
+            </a:pPr>
+            <a:r>
+              <a:rPr b="1" lang="en-US" sz="1400" spc="-1" strike="noStrike">
+                <a:solidFill>
+                  <a:schemeClr val="lt1"/>
+                </a:solidFill>
+                <a:latin typeface="Calibri"/>
+                <a:ea typeface="DejaVu Sans"/>
+              </a:rPr>
+              <a:t>• </a:t>
+            </a:r>
+            <a:r>
+              <a:rPr b="1" lang="en-US" sz="1400" spc="-1" strike="noStrike">
+                <a:solidFill>
+                  <a:schemeClr val="lt1"/>
+                </a:solidFill>
+                <a:latin typeface="Calibri"/>
+                <a:ea typeface="DejaVu Sans"/>
+              </a:rPr>
+              <a:t>Java Source Code (.java)</a:t>
+            </a:r>
+            <a:endParaRPr b="0" lang="en-US" sz="1400" spc="-1" strike="noStrike">
+              <a:solidFill>
+                <a:srgbClr val="ffffff"/>
+              </a:solidFill>
+              <a:latin typeface="Arial"/>
+            </a:endParaRPr>
+          </a:p>
+          <a:p>
+            <a:pPr>
+              <a:lnSpc>
+                <a:spcPct val="100000"/>
+              </a:lnSpc>
+            </a:pPr>
+            <a:r>
+              <a:rPr b="1" lang="en-US" sz="1400" spc="-1" strike="noStrike">
+                <a:solidFill>
+                  <a:schemeClr val="lt1"/>
+                </a:solidFill>
+                <a:latin typeface="Calibri"/>
+                <a:ea typeface="DejaVu Sans"/>
+              </a:rPr>
+              <a:t>↓</a:t>
+            </a:r>
+            <a:endParaRPr b="0" lang="en-US" sz="1400" spc="-1" strike="noStrike">
+              <a:solidFill>
+                <a:srgbClr val="ffffff"/>
+              </a:solidFill>
+              <a:latin typeface="Arial"/>
+            </a:endParaRPr>
+          </a:p>
+          <a:p>
+            <a:pPr>
+              <a:lnSpc>
+                <a:spcPct val="100000"/>
+              </a:lnSpc>
+            </a:pPr>
+            <a:r>
+              <a:rPr b="1" lang="en-US" sz="1400" spc="-1" strike="noStrike">
+                <a:solidFill>
+                  <a:schemeClr val="lt1"/>
+                </a:solidFill>
+                <a:latin typeface="Calibri"/>
+                <a:ea typeface="DejaVu Sans"/>
+              </a:rPr>
+              <a:t>• </a:t>
+            </a:r>
+            <a:r>
+              <a:rPr b="1" lang="en-US" sz="1400" spc="-1" strike="noStrike">
+                <a:solidFill>
+                  <a:schemeClr val="lt1"/>
+                </a:solidFill>
+                <a:latin typeface="Calibri"/>
+                <a:ea typeface="DejaVu Sans"/>
+              </a:rPr>
+              <a:t>Java Compiler</a:t>
+            </a:r>
+            <a:endParaRPr b="0" lang="en-US" sz="1400" spc="-1" strike="noStrike">
+              <a:solidFill>
+                <a:srgbClr val="ffffff"/>
+              </a:solidFill>
+              <a:latin typeface="Arial"/>
+            </a:endParaRPr>
+          </a:p>
+          <a:p>
+            <a:pPr>
+              <a:lnSpc>
+                <a:spcPct val="100000"/>
+              </a:lnSpc>
+            </a:pPr>
+            <a:r>
+              <a:rPr b="1" lang="en-US" sz="1400" spc="-1" strike="noStrike">
+                <a:solidFill>
+                  <a:schemeClr val="lt1"/>
+                </a:solidFill>
+                <a:latin typeface="Calibri"/>
+                <a:ea typeface="DejaVu Sans"/>
+              </a:rPr>
+              <a:t>↓</a:t>
+            </a:r>
+            <a:endParaRPr b="0" lang="en-US" sz="1400" spc="-1" strike="noStrike">
+              <a:solidFill>
+                <a:srgbClr val="ffffff"/>
+              </a:solidFill>
+              <a:latin typeface="Arial"/>
+            </a:endParaRPr>
+          </a:p>
+          <a:p>
+            <a:pPr>
+              <a:lnSpc>
+                <a:spcPct val="100000"/>
+              </a:lnSpc>
+            </a:pPr>
+            <a:r>
+              <a:rPr b="1" lang="en-US" sz="1400" spc="-1" strike="noStrike">
+                <a:solidFill>
+                  <a:schemeClr val="lt1"/>
+                </a:solidFill>
+                <a:latin typeface="Calibri"/>
+                <a:ea typeface="DejaVu Sans"/>
+              </a:rPr>
+              <a:t>• </a:t>
+            </a:r>
+            <a:r>
+              <a:rPr b="1" lang="en-US" sz="1400" spc="-1" strike="noStrike">
+                <a:solidFill>
+                  <a:schemeClr val="lt1"/>
+                </a:solidFill>
+                <a:latin typeface="Calibri"/>
+                <a:ea typeface="DejaVu Sans"/>
+              </a:rPr>
+              <a:t>Bytecode (.class)</a:t>
+            </a:r>
+            <a:endParaRPr b="0" lang="en-US" sz="1400" spc="-1" strike="noStrike">
+              <a:solidFill>
+                <a:srgbClr val="ffffff"/>
+              </a:solidFill>
+              <a:latin typeface="Arial"/>
+            </a:endParaRPr>
+          </a:p>
+          <a:p>
+            <a:pPr>
+              <a:lnSpc>
+                <a:spcPct val="100000"/>
+              </a:lnSpc>
+            </a:pPr>
+            <a:r>
+              <a:rPr b="1" lang="en-US" sz="1400" spc="-1" strike="noStrike">
+                <a:solidFill>
+                  <a:schemeClr val="lt1"/>
+                </a:solidFill>
+                <a:latin typeface="Calibri"/>
+                <a:ea typeface="DejaVu Sans"/>
+              </a:rPr>
+              <a:t>↓</a:t>
+            </a:r>
+            <a:endParaRPr b="0" lang="en-US" sz="1400" spc="-1" strike="noStrike">
+              <a:solidFill>
+                <a:srgbClr val="ffffff"/>
+              </a:solidFill>
+              <a:latin typeface="Arial"/>
+            </a:endParaRPr>
+          </a:p>
+          <a:p>
+            <a:pPr>
+              <a:lnSpc>
+                <a:spcPct val="100000"/>
+              </a:lnSpc>
+            </a:pPr>
+            <a:r>
+              <a:rPr b="1" lang="en-US" sz="1400" spc="-1" strike="noStrike">
+                <a:solidFill>
+                  <a:schemeClr val="lt1"/>
+                </a:solidFill>
+                <a:latin typeface="Calibri"/>
+                <a:ea typeface="DejaVu Sans"/>
+              </a:rPr>
+              <a:t>• </a:t>
+            </a:r>
+            <a:r>
+              <a:rPr b="1" lang="en-US" sz="1400" spc="-1" strike="noStrike">
+                <a:solidFill>
+                  <a:schemeClr val="lt1"/>
+                </a:solidFill>
+                <a:latin typeface="Calibri"/>
+                <a:ea typeface="DejaVu Sans"/>
+              </a:rPr>
+              <a:t>JVM (per OS)</a:t>
+            </a:r>
+            <a:endParaRPr b="0" lang="en-US" sz="1400" spc="-1" strike="noStrike">
+              <a:solidFill>
+                <a:srgbClr val="ffffff"/>
+              </a:solidFill>
+              <a:latin typeface="Arial"/>
+            </a:endParaRPr>
+          </a:p>
+          <a:p>
+            <a:pPr>
+              <a:lnSpc>
+                <a:spcPct val="100000"/>
+              </a:lnSpc>
+            </a:pPr>
+            <a:r>
+              <a:rPr b="1" lang="en-US" sz="1400" spc="-1" strike="noStrike">
+                <a:solidFill>
+                  <a:schemeClr val="lt1"/>
+                </a:solidFill>
+                <a:latin typeface="Calibri"/>
+                <a:ea typeface="DejaVu Sans"/>
+              </a:rPr>
+              <a:t>↓</a:t>
+            </a:r>
+            <a:endParaRPr b="0" lang="en-US" sz="1400" spc="-1" strike="noStrike">
+              <a:solidFill>
+                <a:srgbClr val="ffffff"/>
+              </a:solidFill>
+              <a:latin typeface="Arial"/>
+            </a:endParaRPr>
+          </a:p>
+          <a:p>
+            <a:pPr>
+              <a:lnSpc>
+                <a:spcPct val="100000"/>
+              </a:lnSpc>
+            </a:pPr>
+            <a:r>
+              <a:rPr b="1" lang="en-US" sz="1400" spc="-1" strike="noStrike">
+                <a:solidFill>
+                  <a:schemeClr val="lt1"/>
+                </a:solidFill>
+                <a:latin typeface="Calibri"/>
+                <a:ea typeface="DejaVu Sans"/>
+              </a:rPr>
+              <a:t>• </a:t>
+            </a:r>
+            <a:r>
+              <a:rPr b="1" lang="en-US" sz="1400" spc="-1" strike="noStrike">
+                <a:solidFill>
+                  <a:schemeClr val="lt1"/>
+                </a:solidFill>
+                <a:latin typeface="Calibri"/>
+                <a:ea typeface="DejaVu Sans"/>
+              </a:rPr>
+              <a:t>Runs on any platform</a:t>
+            </a:r>
+            <a:endParaRPr b="0" lang="en-US" sz="1400" spc="-1" strike="noStrike">
               <a:solidFill>
                 <a:srgbClr val="ffffff"/>
               </a:solidFill>

--- a/Java/Java #1/EN/Java #1.pptx
+++ b/Java/Java #1/EN/Java #1.pptx
@@ -13,8 +13,10 @@
     <p:sldId id="261" r:id="rId8"/>
     <p:sldId id="262" r:id="rId9"/>
     <p:sldId id="263" r:id="rId10"/>
+    <p:sldId id="264" r:id="rId11"/>
+    <p:sldId id="265" r:id="rId12"/>
   </p:sldIdLst>
-  <p:sldSz cx="9144000" cy="6858000"/>
+  <p:sldSz cx="10080625" cy="7559675"/>
   <p:notesSz cx="7772400" cy="10058400"/>
 </p:presentation>
 </file>
@@ -70,7 +72,7 @@
         <p:txBody>
           <a:bodyPr/>
           <a:p>
-            <a:fld id="{593FA9D7-1864-4BAE-9864-D3B8EAC73348}" type="slidenum">
+            <a:fld id="{468119BF-CB4D-49A7-9C34-7FE7511DBFEC}" type="slidenum">
               <a:t>&lt;#&gt;</a:t>
             </a:fld>
           </a:p>
@@ -131,8 +133,8 @@
         </p:nvSpPr>
         <p:spPr>
           <a:xfrm>
-            <a:off x="457200" y="273600"/>
-            <a:ext cx="8229240" cy="1144800"/>
+            <a:off x="502920" y="299880"/>
+            <a:ext cx="9071640" cy="1262160"/>
           </a:xfrm>
           <a:prstGeom prst="rect">
             <a:avLst/>
@@ -150,7 +152,7 @@
             <a:pPr indent="0" algn="ctr">
               <a:buNone/>
             </a:pPr>
-            <a:endParaRPr b="0" lang="en-US" sz="4400" spc="-1" strike="noStrike">
+            <a:endParaRPr b="0" lang="en-US" sz="4830" spc="-1" strike="noStrike">
               <a:solidFill>
                 <a:srgbClr val="000000"/>
               </a:solidFill>
@@ -171,8 +173,8 @@
         </p:nvSpPr>
         <p:spPr>
           <a:xfrm>
-            <a:off x="457200" y="1604520"/>
-            <a:ext cx="8229240" cy="1896840"/>
+            <a:off x="502920" y="1766520"/>
+            <a:ext cx="9071640" cy="2090880"/>
           </a:xfrm>
           <a:prstGeom prst="rect">
             <a:avLst/>
@@ -189,11 +191,11 @@
           <a:p>
             <a:pPr indent="0">
               <a:spcBef>
-                <a:spcPts val="1417"/>
+                <a:spcPts val="1536"/>
               </a:spcBef>
               <a:buNone/>
             </a:pPr>
-            <a:endParaRPr b="0" lang="en-US" sz="3200" spc="-1" strike="noStrike">
+            <a:endParaRPr b="0" lang="en-US" sz="3509" spc="-1" strike="noStrike">
               <a:solidFill>
                 <a:srgbClr val="000000"/>
               </a:solidFill>
@@ -214,8 +216,8 @@
         </p:nvSpPr>
         <p:spPr>
           <a:xfrm>
-            <a:off x="457200" y="3682080"/>
-            <a:ext cx="8229240" cy="1896840"/>
+            <a:off x="502920" y="4056480"/>
+            <a:ext cx="9071640" cy="2090880"/>
           </a:xfrm>
           <a:prstGeom prst="rect">
             <a:avLst/>
@@ -232,11 +234,11 @@
           <a:p>
             <a:pPr indent="0">
               <a:spcBef>
-                <a:spcPts val="1417"/>
+                <a:spcPts val="1536"/>
               </a:spcBef>
               <a:buNone/>
             </a:pPr>
-            <a:endParaRPr b="0" lang="en-US" sz="3200" spc="-1" strike="noStrike">
+            <a:endParaRPr b="0" lang="en-US" sz="3509" spc="-1" strike="noStrike">
               <a:solidFill>
                 <a:srgbClr val="000000"/>
               </a:solidFill>
@@ -279,7 +281,7 @@
         <p:txBody>
           <a:bodyPr/>
           <a:p>
-            <a:fld id="{B15C5DD7-C094-40EE-859F-6D730D30812C}" type="slidenum">
+            <a:fld id="{AB45980D-A264-4974-B01D-3AE910178CD6}" type="slidenum">
               <a:t>&lt;#&gt;</a:t>
             </a:fld>
           </a:p>
@@ -340,8 +342,8 @@
         </p:nvSpPr>
         <p:spPr>
           <a:xfrm>
-            <a:off x="457200" y="273600"/>
-            <a:ext cx="8229240" cy="1144800"/>
+            <a:off x="502920" y="299880"/>
+            <a:ext cx="9071640" cy="1262160"/>
           </a:xfrm>
           <a:prstGeom prst="rect">
             <a:avLst/>
@@ -359,7 +361,7 @@
             <a:pPr indent="0" algn="ctr">
               <a:buNone/>
             </a:pPr>
-            <a:endParaRPr b="0" lang="en-US" sz="4400" spc="-1" strike="noStrike">
+            <a:endParaRPr b="0" lang="en-US" sz="4830" spc="-1" strike="noStrike">
               <a:solidFill>
                 <a:srgbClr val="000000"/>
               </a:solidFill>
@@ -380,8 +382,8 @@
         </p:nvSpPr>
         <p:spPr>
           <a:xfrm>
-            <a:off x="457200" y="1604520"/>
-            <a:ext cx="4015800" cy="1896840"/>
+            <a:off x="502920" y="1766520"/>
+            <a:ext cx="4426920" cy="2090880"/>
           </a:xfrm>
           <a:prstGeom prst="rect">
             <a:avLst/>
@@ -398,11 +400,11 @@
           <a:p>
             <a:pPr indent="0">
               <a:spcBef>
-                <a:spcPts val="1417"/>
+                <a:spcPts val="1536"/>
               </a:spcBef>
               <a:buNone/>
             </a:pPr>
-            <a:endParaRPr b="0" lang="en-US" sz="3200" spc="-1" strike="noStrike">
+            <a:endParaRPr b="0" lang="en-US" sz="3509" spc="-1" strike="noStrike">
               <a:solidFill>
                 <a:srgbClr val="000000"/>
               </a:solidFill>
@@ -423,8 +425,8 @@
         </p:nvSpPr>
         <p:spPr>
           <a:xfrm>
-            <a:off x="4674240" y="1604520"/>
-            <a:ext cx="4015800" cy="1896840"/>
+            <a:off x="5151600" y="1766520"/>
+            <a:ext cx="4426920" cy="2090880"/>
           </a:xfrm>
           <a:prstGeom prst="rect">
             <a:avLst/>
@@ -441,11 +443,11 @@
           <a:p>
             <a:pPr indent="0">
               <a:spcBef>
-                <a:spcPts val="1417"/>
+                <a:spcPts val="1536"/>
               </a:spcBef>
               <a:buNone/>
             </a:pPr>
-            <a:endParaRPr b="0" lang="en-US" sz="3200" spc="-1" strike="noStrike">
+            <a:endParaRPr b="0" lang="en-US" sz="3509" spc="-1" strike="noStrike">
               <a:solidFill>
                 <a:srgbClr val="000000"/>
               </a:solidFill>
@@ -466,8 +468,8 @@
         </p:nvSpPr>
         <p:spPr>
           <a:xfrm>
-            <a:off x="457200" y="3682080"/>
-            <a:ext cx="4015800" cy="1896840"/>
+            <a:off x="502920" y="4056480"/>
+            <a:ext cx="4426920" cy="2090880"/>
           </a:xfrm>
           <a:prstGeom prst="rect">
             <a:avLst/>
@@ -484,11 +486,11 @@
           <a:p>
             <a:pPr indent="0">
               <a:spcBef>
-                <a:spcPts val="1417"/>
+                <a:spcPts val="1536"/>
               </a:spcBef>
               <a:buNone/>
             </a:pPr>
-            <a:endParaRPr b="0" lang="en-US" sz="3200" spc="-1" strike="noStrike">
+            <a:endParaRPr b="0" lang="en-US" sz="3509" spc="-1" strike="noStrike">
               <a:solidFill>
                 <a:srgbClr val="000000"/>
               </a:solidFill>
@@ -509,8 +511,8 @@
         </p:nvSpPr>
         <p:spPr>
           <a:xfrm>
-            <a:off x="4674240" y="3682080"/>
-            <a:ext cx="4015800" cy="1896840"/>
+            <a:off x="5151600" y="4056480"/>
+            <a:ext cx="4426920" cy="2090880"/>
           </a:xfrm>
           <a:prstGeom prst="rect">
             <a:avLst/>
@@ -527,11 +529,11 @@
           <a:p>
             <a:pPr indent="0">
               <a:spcBef>
-                <a:spcPts val="1417"/>
+                <a:spcPts val="1536"/>
               </a:spcBef>
               <a:buNone/>
             </a:pPr>
-            <a:endParaRPr b="0" lang="en-US" sz="3200" spc="-1" strike="noStrike">
+            <a:endParaRPr b="0" lang="en-US" sz="3509" spc="-1" strike="noStrike">
               <a:solidFill>
                 <a:srgbClr val="000000"/>
               </a:solidFill>
@@ -574,7 +576,7 @@
         <p:txBody>
           <a:bodyPr/>
           <a:p>
-            <a:fld id="{49C05B60-306E-4C92-B2F8-4EFA9208F3E8}" type="slidenum">
+            <a:fld id="{F6D6905B-61C3-44A4-AA81-8817AD313CB6}" type="slidenum">
               <a:t>&lt;#&gt;</a:t>
             </a:fld>
           </a:p>
@@ -635,8 +637,8 @@
         </p:nvSpPr>
         <p:spPr>
           <a:xfrm>
-            <a:off x="457200" y="273600"/>
-            <a:ext cx="8229240" cy="1144800"/>
+            <a:off x="502920" y="299880"/>
+            <a:ext cx="9071640" cy="1262160"/>
           </a:xfrm>
           <a:prstGeom prst="rect">
             <a:avLst/>
@@ -654,7 +656,7 @@
             <a:pPr indent="0" algn="ctr">
               <a:buNone/>
             </a:pPr>
-            <a:endParaRPr b="0" lang="en-US" sz="4400" spc="-1" strike="noStrike">
+            <a:endParaRPr b="0" lang="en-US" sz="4830" spc="-1" strike="noStrike">
               <a:solidFill>
                 <a:srgbClr val="000000"/>
               </a:solidFill>
@@ -675,8 +677,8 @@
         </p:nvSpPr>
         <p:spPr>
           <a:xfrm>
-            <a:off x="457200" y="1604520"/>
-            <a:ext cx="2649600" cy="1896840"/>
+            <a:off x="502920" y="1766520"/>
+            <a:ext cx="2920680" cy="2090880"/>
           </a:xfrm>
           <a:prstGeom prst="rect">
             <a:avLst/>
@@ -693,11 +695,11 @@
           <a:p>
             <a:pPr indent="0">
               <a:spcBef>
-                <a:spcPts val="1417"/>
+                <a:spcPts val="1536"/>
               </a:spcBef>
               <a:buNone/>
             </a:pPr>
-            <a:endParaRPr b="0" lang="en-US" sz="3200" spc="-1" strike="noStrike">
+            <a:endParaRPr b="0" lang="en-US" sz="3509" spc="-1" strike="noStrike">
               <a:solidFill>
                 <a:srgbClr val="000000"/>
               </a:solidFill>
@@ -718,8 +720,8 @@
         </p:nvSpPr>
         <p:spPr>
           <a:xfrm>
-            <a:off x="3239640" y="1604520"/>
-            <a:ext cx="2649600" cy="1896840"/>
+            <a:off x="3570120" y="1766520"/>
+            <a:ext cx="2920680" cy="2090880"/>
           </a:xfrm>
           <a:prstGeom prst="rect">
             <a:avLst/>
@@ -736,11 +738,11 @@
           <a:p>
             <a:pPr indent="0">
               <a:spcBef>
-                <a:spcPts val="1417"/>
+                <a:spcPts val="1536"/>
               </a:spcBef>
               <a:buNone/>
             </a:pPr>
-            <a:endParaRPr b="0" lang="en-US" sz="3200" spc="-1" strike="noStrike">
+            <a:endParaRPr b="0" lang="en-US" sz="3509" spc="-1" strike="noStrike">
               <a:solidFill>
                 <a:srgbClr val="000000"/>
               </a:solidFill>
@@ -761,8 +763,8 @@
         </p:nvSpPr>
         <p:spPr>
           <a:xfrm>
-            <a:off x="6022080" y="1604520"/>
-            <a:ext cx="2649600" cy="1896840"/>
+            <a:off x="6636960" y="1766520"/>
+            <a:ext cx="2920680" cy="2090880"/>
           </a:xfrm>
           <a:prstGeom prst="rect">
             <a:avLst/>
@@ -779,11 +781,11 @@
           <a:p>
             <a:pPr indent="0">
               <a:spcBef>
-                <a:spcPts val="1417"/>
+                <a:spcPts val="1536"/>
               </a:spcBef>
               <a:buNone/>
             </a:pPr>
-            <a:endParaRPr b="0" lang="en-US" sz="3200" spc="-1" strike="noStrike">
+            <a:endParaRPr b="0" lang="en-US" sz="3509" spc="-1" strike="noStrike">
               <a:solidFill>
                 <a:srgbClr val="000000"/>
               </a:solidFill>
@@ -804,8 +806,8 @@
         </p:nvSpPr>
         <p:spPr>
           <a:xfrm>
-            <a:off x="457200" y="3682080"/>
-            <a:ext cx="2649600" cy="1896840"/>
+            <a:off x="502920" y="4056480"/>
+            <a:ext cx="2920680" cy="2090880"/>
           </a:xfrm>
           <a:prstGeom prst="rect">
             <a:avLst/>
@@ -822,11 +824,11 @@
           <a:p>
             <a:pPr indent="0">
               <a:spcBef>
-                <a:spcPts val="1417"/>
+                <a:spcPts val="1536"/>
               </a:spcBef>
               <a:buNone/>
             </a:pPr>
-            <a:endParaRPr b="0" lang="en-US" sz="3200" spc="-1" strike="noStrike">
+            <a:endParaRPr b="0" lang="en-US" sz="3509" spc="-1" strike="noStrike">
               <a:solidFill>
                 <a:srgbClr val="000000"/>
               </a:solidFill>
@@ -847,8 +849,8 @@
         </p:nvSpPr>
         <p:spPr>
           <a:xfrm>
-            <a:off x="3239640" y="3682080"/>
-            <a:ext cx="2649600" cy="1896840"/>
+            <a:off x="3570120" y="4056480"/>
+            <a:ext cx="2920680" cy="2090880"/>
           </a:xfrm>
           <a:prstGeom prst="rect">
             <a:avLst/>
@@ -865,11 +867,11 @@
           <a:p>
             <a:pPr indent="0">
               <a:spcBef>
-                <a:spcPts val="1417"/>
+                <a:spcPts val="1536"/>
               </a:spcBef>
               <a:buNone/>
             </a:pPr>
-            <a:endParaRPr b="0" lang="en-US" sz="3200" spc="-1" strike="noStrike">
+            <a:endParaRPr b="0" lang="en-US" sz="3509" spc="-1" strike="noStrike">
               <a:solidFill>
                 <a:srgbClr val="000000"/>
               </a:solidFill>
@@ -890,8 +892,8 @@
         </p:nvSpPr>
         <p:spPr>
           <a:xfrm>
-            <a:off x="6022080" y="3682080"/>
-            <a:ext cx="2649600" cy="1896840"/>
+            <a:off x="6636960" y="4056480"/>
+            <a:ext cx="2920680" cy="2090880"/>
           </a:xfrm>
           <a:prstGeom prst="rect">
             <a:avLst/>
@@ -908,11 +910,11 @@
           <a:p>
             <a:pPr indent="0">
               <a:spcBef>
-                <a:spcPts val="1417"/>
+                <a:spcPts val="1536"/>
               </a:spcBef>
               <a:buNone/>
             </a:pPr>
-            <a:endParaRPr b="0" lang="en-US" sz="3200" spc="-1" strike="noStrike">
+            <a:endParaRPr b="0" lang="en-US" sz="3509" spc="-1" strike="noStrike">
               <a:solidFill>
                 <a:srgbClr val="000000"/>
               </a:solidFill>
@@ -955,7 +957,7 @@
         <p:txBody>
           <a:bodyPr/>
           <a:p>
-            <a:fld id="{70317F52-5667-4313-9F1D-9EF3E47A40A4}" type="slidenum">
+            <a:fld id="{8517220B-35E2-4479-98EB-0CBA4777908C}" type="slidenum">
               <a:t>&lt;#&gt;</a:t>
             </a:fld>
           </a:p>
@@ -1016,8 +1018,8 @@
         </p:nvSpPr>
         <p:spPr>
           <a:xfrm>
-            <a:off x="457200" y="273600"/>
-            <a:ext cx="8229240" cy="1144800"/>
+            <a:off x="502920" y="299880"/>
+            <a:ext cx="9071640" cy="1262160"/>
           </a:xfrm>
           <a:prstGeom prst="rect">
             <a:avLst/>
@@ -1035,7 +1037,7 @@
             <a:pPr indent="0" algn="ctr">
               <a:buNone/>
             </a:pPr>
-            <a:endParaRPr b="0" lang="en-US" sz="4400" spc="-1" strike="noStrike">
+            <a:endParaRPr b="0" lang="en-US" sz="4830" spc="-1" strike="noStrike">
               <a:solidFill>
                 <a:srgbClr val="000000"/>
               </a:solidFill>
@@ -1056,8 +1058,8 @@
         </p:nvSpPr>
         <p:spPr>
           <a:xfrm>
-            <a:off x="457200" y="1604520"/>
-            <a:ext cx="8229240" cy="3977280"/>
+            <a:off x="502920" y="1766520"/>
+            <a:ext cx="9071640" cy="4384080"/>
           </a:xfrm>
           <a:prstGeom prst="rect">
             <a:avLst/>
@@ -1118,7 +1120,7 @@
         <p:txBody>
           <a:bodyPr/>
           <a:p>
-            <a:fld id="{A1B281EA-AEF5-4182-9785-7399523C59E0}" type="slidenum">
+            <a:fld id="{43ED1DA1-7D34-4CE6-A277-1243761C2D63}" type="slidenum">
               <a:t>&lt;#&gt;</a:t>
             </a:fld>
           </a:p>
@@ -1179,8 +1181,8 @@
         </p:nvSpPr>
         <p:spPr>
           <a:xfrm>
-            <a:off x="457200" y="273600"/>
-            <a:ext cx="8229240" cy="1144800"/>
+            <a:off x="502920" y="299880"/>
+            <a:ext cx="9071640" cy="1262160"/>
           </a:xfrm>
           <a:prstGeom prst="rect">
             <a:avLst/>
@@ -1198,7 +1200,7 @@
             <a:pPr indent="0" algn="ctr">
               <a:buNone/>
             </a:pPr>
-            <a:endParaRPr b="0" lang="en-US" sz="4400" spc="-1" strike="noStrike">
+            <a:endParaRPr b="0" lang="en-US" sz="4830" spc="-1" strike="noStrike">
               <a:solidFill>
                 <a:srgbClr val="000000"/>
               </a:solidFill>
@@ -1219,8 +1221,8 @@
         </p:nvSpPr>
         <p:spPr>
           <a:xfrm>
-            <a:off x="457200" y="1604520"/>
-            <a:ext cx="8229240" cy="3977280"/>
+            <a:off x="502920" y="1766520"/>
+            <a:ext cx="9071640" cy="4384080"/>
           </a:xfrm>
           <a:prstGeom prst="rect">
             <a:avLst/>
@@ -1237,11 +1239,11 @@
           <a:p>
             <a:pPr indent="0">
               <a:spcBef>
-                <a:spcPts val="1417"/>
+                <a:spcPts val="1536"/>
               </a:spcBef>
               <a:buNone/>
             </a:pPr>
-            <a:endParaRPr b="0" lang="en-US" sz="3200" spc="-1" strike="noStrike">
+            <a:endParaRPr b="0" lang="en-US" sz="3509" spc="-1" strike="noStrike">
               <a:solidFill>
                 <a:srgbClr val="000000"/>
               </a:solidFill>
@@ -1284,7 +1286,7 @@
         <p:txBody>
           <a:bodyPr/>
           <a:p>
-            <a:fld id="{B487BA46-E105-4913-A229-B29C3F9029D8}" type="slidenum">
+            <a:fld id="{48648247-55ED-423B-BFAF-C0F9FCDC8F68}" type="slidenum">
               <a:t>&lt;#&gt;</a:t>
             </a:fld>
           </a:p>
@@ -1345,8 +1347,8 @@
         </p:nvSpPr>
         <p:spPr>
           <a:xfrm>
-            <a:off x="457200" y="273600"/>
-            <a:ext cx="8229240" cy="1144800"/>
+            <a:off x="502920" y="299880"/>
+            <a:ext cx="9071640" cy="1262160"/>
           </a:xfrm>
           <a:prstGeom prst="rect">
             <a:avLst/>
@@ -1364,7 +1366,7 @@
             <a:pPr indent="0" algn="ctr">
               <a:buNone/>
             </a:pPr>
-            <a:endParaRPr b="0" lang="en-US" sz="4400" spc="-1" strike="noStrike">
+            <a:endParaRPr b="0" lang="en-US" sz="4830" spc="-1" strike="noStrike">
               <a:solidFill>
                 <a:srgbClr val="000000"/>
               </a:solidFill>
@@ -1385,8 +1387,8 @@
         </p:nvSpPr>
         <p:spPr>
           <a:xfrm>
-            <a:off x="457200" y="1604520"/>
-            <a:ext cx="4015800" cy="3977280"/>
+            <a:off x="502920" y="1766520"/>
+            <a:ext cx="4426920" cy="4384080"/>
           </a:xfrm>
           <a:prstGeom prst="rect">
             <a:avLst/>
@@ -1403,11 +1405,11 @@
           <a:p>
             <a:pPr indent="0">
               <a:spcBef>
-                <a:spcPts val="1417"/>
+                <a:spcPts val="1536"/>
               </a:spcBef>
               <a:buNone/>
             </a:pPr>
-            <a:endParaRPr b="0" lang="en-US" sz="3200" spc="-1" strike="noStrike">
+            <a:endParaRPr b="0" lang="en-US" sz="3509" spc="-1" strike="noStrike">
               <a:solidFill>
                 <a:srgbClr val="000000"/>
               </a:solidFill>
@@ -1428,8 +1430,8 @@
         </p:nvSpPr>
         <p:spPr>
           <a:xfrm>
-            <a:off x="4674240" y="1604520"/>
-            <a:ext cx="4015800" cy="3977280"/>
+            <a:off x="5151600" y="1766520"/>
+            <a:ext cx="4426920" cy="4384080"/>
           </a:xfrm>
           <a:prstGeom prst="rect">
             <a:avLst/>
@@ -1446,11 +1448,11 @@
           <a:p>
             <a:pPr indent="0">
               <a:spcBef>
-                <a:spcPts val="1417"/>
+                <a:spcPts val="1536"/>
               </a:spcBef>
               <a:buNone/>
             </a:pPr>
-            <a:endParaRPr b="0" lang="en-US" sz="3200" spc="-1" strike="noStrike">
+            <a:endParaRPr b="0" lang="en-US" sz="3509" spc="-1" strike="noStrike">
               <a:solidFill>
                 <a:srgbClr val="000000"/>
               </a:solidFill>
@@ -1493,7 +1495,7 @@
         <p:txBody>
           <a:bodyPr/>
           <a:p>
-            <a:fld id="{F29C81AF-4B1E-4C89-83BE-980F47A1AEAF}" type="slidenum">
+            <a:fld id="{42577FAE-2FDE-4A0A-A5A9-BA249B753061}" type="slidenum">
               <a:t>&lt;#&gt;</a:t>
             </a:fld>
           </a:p>
@@ -1554,8 +1556,8 @@
         </p:nvSpPr>
         <p:spPr>
           <a:xfrm>
-            <a:off x="457200" y="273600"/>
-            <a:ext cx="8229240" cy="1144800"/>
+            <a:off x="502920" y="299880"/>
+            <a:ext cx="9071640" cy="1262160"/>
           </a:xfrm>
           <a:prstGeom prst="rect">
             <a:avLst/>
@@ -1573,7 +1575,7 @@
             <a:pPr indent="0" algn="ctr">
               <a:buNone/>
             </a:pPr>
-            <a:endParaRPr b="0" lang="en-US" sz="4400" spc="-1" strike="noStrike">
+            <a:endParaRPr b="0" lang="en-US" sz="4830" spc="-1" strike="noStrike">
               <a:solidFill>
                 <a:srgbClr val="000000"/>
               </a:solidFill>
@@ -1616,7 +1618,7 @@
         <p:txBody>
           <a:bodyPr/>
           <a:p>
-            <a:fld id="{8A9BD45B-9E96-4BE3-A261-D4BAD35FAE34}" type="slidenum">
+            <a:fld id="{BDF40CFD-3E84-4E67-86AB-9C6727F40DE7}" type="slidenum">
               <a:t>&lt;#&gt;</a:t>
             </a:fld>
           </a:p>
@@ -1677,8 +1679,8 @@
         </p:nvSpPr>
         <p:spPr>
           <a:xfrm>
-            <a:off x="457200" y="273600"/>
-            <a:ext cx="8229240" cy="5307840"/>
+            <a:off x="502920" y="299880"/>
+            <a:ext cx="9071640" cy="5851800"/>
           </a:xfrm>
           <a:prstGeom prst="rect">
             <a:avLst/>
@@ -1737,7 +1739,7 @@
         <p:txBody>
           <a:bodyPr/>
           <a:p>
-            <a:fld id="{51BDE474-0FDE-481C-BE71-E6DFE2853CF1}" type="slidenum">
+            <a:fld id="{B377D469-802A-4B95-98A3-0096130B041D}" type="slidenum">
               <a:t>&lt;#&gt;</a:t>
             </a:fld>
           </a:p>
@@ -1798,8 +1800,8 @@
         </p:nvSpPr>
         <p:spPr>
           <a:xfrm>
-            <a:off x="457200" y="273600"/>
-            <a:ext cx="8229240" cy="1144800"/>
+            <a:off x="502920" y="299880"/>
+            <a:ext cx="9071640" cy="1262160"/>
           </a:xfrm>
           <a:prstGeom prst="rect">
             <a:avLst/>
@@ -1817,7 +1819,7 @@
             <a:pPr indent="0" algn="ctr">
               <a:buNone/>
             </a:pPr>
-            <a:endParaRPr b="0" lang="en-US" sz="4400" spc="-1" strike="noStrike">
+            <a:endParaRPr b="0" lang="en-US" sz="4830" spc="-1" strike="noStrike">
               <a:solidFill>
                 <a:srgbClr val="000000"/>
               </a:solidFill>
@@ -1838,8 +1840,8 @@
         </p:nvSpPr>
         <p:spPr>
           <a:xfrm>
-            <a:off x="457200" y="1604520"/>
-            <a:ext cx="4015800" cy="1896840"/>
+            <a:off x="502920" y="1766520"/>
+            <a:ext cx="4426920" cy="2090880"/>
           </a:xfrm>
           <a:prstGeom prst="rect">
             <a:avLst/>
@@ -1856,11 +1858,11 @@
           <a:p>
             <a:pPr indent="0">
               <a:spcBef>
-                <a:spcPts val="1417"/>
+                <a:spcPts val="1536"/>
               </a:spcBef>
               <a:buNone/>
             </a:pPr>
-            <a:endParaRPr b="0" lang="en-US" sz="3200" spc="-1" strike="noStrike">
+            <a:endParaRPr b="0" lang="en-US" sz="3509" spc="-1" strike="noStrike">
               <a:solidFill>
                 <a:srgbClr val="000000"/>
               </a:solidFill>
@@ -1881,8 +1883,8 @@
         </p:nvSpPr>
         <p:spPr>
           <a:xfrm>
-            <a:off x="4674240" y="1604520"/>
-            <a:ext cx="4015800" cy="3977280"/>
+            <a:off x="5151600" y="1766520"/>
+            <a:ext cx="4426920" cy="4384080"/>
           </a:xfrm>
           <a:prstGeom prst="rect">
             <a:avLst/>
@@ -1899,11 +1901,11 @@
           <a:p>
             <a:pPr indent="0">
               <a:spcBef>
-                <a:spcPts val="1417"/>
+                <a:spcPts val="1536"/>
               </a:spcBef>
               <a:buNone/>
             </a:pPr>
-            <a:endParaRPr b="0" lang="en-US" sz="3200" spc="-1" strike="noStrike">
+            <a:endParaRPr b="0" lang="en-US" sz="3509" spc="-1" strike="noStrike">
               <a:solidFill>
                 <a:srgbClr val="000000"/>
               </a:solidFill>
@@ -1924,8 +1926,8 @@
         </p:nvSpPr>
         <p:spPr>
           <a:xfrm>
-            <a:off x="457200" y="3682080"/>
-            <a:ext cx="4015800" cy="1896840"/>
+            <a:off x="502920" y="4056480"/>
+            <a:ext cx="4426920" cy="2090880"/>
           </a:xfrm>
           <a:prstGeom prst="rect">
             <a:avLst/>
@@ -1942,11 +1944,11 @@
           <a:p>
             <a:pPr indent="0">
               <a:spcBef>
-                <a:spcPts val="1417"/>
+                <a:spcPts val="1536"/>
               </a:spcBef>
               <a:buNone/>
             </a:pPr>
-            <a:endParaRPr b="0" lang="en-US" sz="3200" spc="-1" strike="noStrike">
+            <a:endParaRPr b="0" lang="en-US" sz="3509" spc="-1" strike="noStrike">
               <a:solidFill>
                 <a:srgbClr val="000000"/>
               </a:solidFill>
@@ -1989,7 +1991,7 @@
         <p:txBody>
           <a:bodyPr/>
           <a:p>
-            <a:fld id="{541E2BA7-52BD-48EA-9930-37D3EEC5ECA5}" type="slidenum">
+            <a:fld id="{F22933FB-DE23-40E8-8CBE-E9721651520C}" type="slidenum">
               <a:t>&lt;#&gt;</a:t>
             </a:fld>
           </a:p>
@@ -2050,8 +2052,8 @@
         </p:nvSpPr>
         <p:spPr>
           <a:xfrm>
-            <a:off x="457200" y="273600"/>
-            <a:ext cx="8229240" cy="1144800"/>
+            <a:off x="502920" y="299880"/>
+            <a:ext cx="9071640" cy="1262160"/>
           </a:xfrm>
           <a:prstGeom prst="rect">
             <a:avLst/>
@@ -2069,7 +2071,7 @@
             <a:pPr indent="0" algn="ctr">
               <a:buNone/>
             </a:pPr>
-            <a:endParaRPr b="0" lang="en-US" sz="4400" spc="-1" strike="noStrike">
+            <a:endParaRPr b="0" lang="en-US" sz="4830" spc="-1" strike="noStrike">
               <a:solidFill>
                 <a:srgbClr val="000000"/>
               </a:solidFill>
@@ -2090,8 +2092,8 @@
         </p:nvSpPr>
         <p:spPr>
           <a:xfrm>
-            <a:off x="457200" y="1604520"/>
-            <a:ext cx="4015800" cy="3977280"/>
+            <a:off x="502920" y="1766520"/>
+            <a:ext cx="4426920" cy="4384080"/>
           </a:xfrm>
           <a:prstGeom prst="rect">
             <a:avLst/>
@@ -2108,11 +2110,11 @@
           <a:p>
             <a:pPr indent="0">
               <a:spcBef>
-                <a:spcPts val="1417"/>
+                <a:spcPts val="1536"/>
               </a:spcBef>
               <a:buNone/>
             </a:pPr>
-            <a:endParaRPr b="0" lang="en-US" sz="3200" spc="-1" strike="noStrike">
+            <a:endParaRPr b="0" lang="en-US" sz="3509" spc="-1" strike="noStrike">
               <a:solidFill>
                 <a:srgbClr val="000000"/>
               </a:solidFill>
@@ -2133,8 +2135,8 @@
         </p:nvSpPr>
         <p:spPr>
           <a:xfrm>
-            <a:off x="4674240" y="1604520"/>
-            <a:ext cx="4015800" cy="1896840"/>
+            <a:off x="5151600" y="1766520"/>
+            <a:ext cx="4426920" cy="2090880"/>
           </a:xfrm>
           <a:prstGeom prst="rect">
             <a:avLst/>
@@ -2151,11 +2153,11 @@
           <a:p>
             <a:pPr indent="0">
               <a:spcBef>
-                <a:spcPts val="1417"/>
+                <a:spcPts val="1536"/>
               </a:spcBef>
               <a:buNone/>
             </a:pPr>
-            <a:endParaRPr b="0" lang="en-US" sz="3200" spc="-1" strike="noStrike">
+            <a:endParaRPr b="0" lang="en-US" sz="3509" spc="-1" strike="noStrike">
               <a:solidFill>
                 <a:srgbClr val="000000"/>
               </a:solidFill>
@@ -2176,8 +2178,8 @@
         </p:nvSpPr>
         <p:spPr>
           <a:xfrm>
-            <a:off x="4674240" y="3682080"/>
-            <a:ext cx="4015800" cy="1896840"/>
+            <a:off x="5151600" y="4056480"/>
+            <a:ext cx="4426920" cy="2090880"/>
           </a:xfrm>
           <a:prstGeom prst="rect">
             <a:avLst/>
@@ -2194,11 +2196,11 @@
           <a:p>
             <a:pPr indent="0">
               <a:spcBef>
-                <a:spcPts val="1417"/>
+                <a:spcPts val="1536"/>
               </a:spcBef>
               <a:buNone/>
             </a:pPr>
-            <a:endParaRPr b="0" lang="en-US" sz="3200" spc="-1" strike="noStrike">
+            <a:endParaRPr b="0" lang="en-US" sz="3509" spc="-1" strike="noStrike">
               <a:solidFill>
                 <a:srgbClr val="000000"/>
               </a:solidFill>
@@ -2241,7 +2243,7 @@
         <p:txBody>
           <a:bodyPr/>
           <a:p>
-            <a:fld id="{DE9874E9-4023-48B2-928A-42297EF4266F}" type="slidenum">
+            <a:fld id="{5FDAB62D-CBF2-4280-840D-38228D1D53A4}" type="slidenum">
               <a:t>&lt;#&gt;</a:t>
             </a:fld>
           </a:p>
@@ -2302,8 +2304,8 @@
         </p:nvSpPr>
         <p:spPr>
           <a:xfrm>
-            <a:off x="457200" y="273600"/>
-            <a:ext cx="8229240" cy="1144800"/>
+            <a:off x="502920" y="299880"/>
+            <a:ext cx="9071640" cy="1262160"/>
           </a:xfrm>
           <a:prstGeom prst="rect">
             <a:avLst/>
@@ -2321,7 +2323,7 @@
             <a:pPr indent="0" algn="ctr">
               <a:buNone/>
             </a:pPr>
-            <a:endParaRPr b="0" lang="en-US" sz="4400" spc="-1" strike="noStrike">
+            <a:endParaRPr b="0" lang="en-US" sz="4830" spc="-1" strike="noStrike">
               <a:solidFill>
                 <a:srgbClr val="000000"/>
               </a:solidFill>
@@ -2342,8 +2344,8 @@
         </p:nvSpPr>
         <p:spPr>
           <a:xfrm>
-            <a:off x="457200" y="1604520"/>
-            <a:ext cx="4015800" cy="1896840"/>
+            <a:off x="502920" y="1766520"/>
+            <a:ext cx="4426920" cy="2090880"/>
           </a:xfrm>
           <a:prstGeom prst="rect">
             <a:avLst/>
@@ -2360,11 +2362,11 @@
           <a:p>
             <a:pPr indent="0">
               <a:spcBef>
-                <a:spcPts val="1417"/>
+                <a:spcPts val="1536"/>
               </a:spcBef>
               <a:buNone/>
             </a:pPr>
-            <a:endParaRPr b="0" lang="en-US" sz="3200" spc="-1" strike="noStrike">
+            <a:endParaRPr b="0" lang="en-US" sz="3509" spc="-1" strike="noStrike">
               <a:solidFill>
                 <a:srgbClr val="000000"/>
               </a:solidFill>
@@ -2385,8 +2387,8 @@
         </p:nvSpPr>
         <p:spPr>
           <a:xfrm>
-            <a:off x="4674240" y="1604520"/>
-            <a:ext cx="4015800" cy="1896840"/>
+            <a:off x="5151600" y="1766520"/>
+            <a:ext cx="4426920" cy="2090880"/>
           </a:xfrm>
           <a:prstGeom prst="rect">
             <a:avLst/>
@@ -2403,11 +2405,11 @@
           <a:p>
             <a:pPr indent="0">
               <a:spcBef>
-                <a:spcPts val="1417"/>
+                <a:spcPts val="1536"/>
               </a:spcBef>
               <a:buNone/>
             </a:pPr>
-            <a:endParaRPr b="0" lang="en-US" sz="3200" spc="-1" strike="noStrike">
+            <a:endParaRPr b="0" lang="en-US" sz="3509" spc="-1" strike="noStrike">
               <a:solidFill>
                 <a:srgbClr val="000000"/>
               </a:solidFill>
@@ -2428,8 +2430,8 @@
         </p:nvSpPr>
         <p:spPr>
           <a:xfrm>
-            <a:off x="457200" y="3682080"/>
-            <a:ext cx="8229240" cy="1896840"/>
+            <a:off x="502920" y="4056480"/>
+            <a:ext cx="9071640" cy="2090880"/>
           </a:xfrm>
           <a:prstGeom prst="rect">
             <a:avLst/>
@@ -2446,11 +2448,11 @@
           <a:p>
             <a:pPr indent="0">
               <a:spcBef>
-                <a:spcPts val="1417"/>
+                <a:spcPts val="1536"/>
               </a:spcBef>
               <a:buNone/>
             </a:pPr>
-            <a:endParaRPr b="0" lang="en-US" sz="3200" spc="-1" strike="noStrike">
+            <a:endParaRPr b="0" lang="en-US" sz="3509" spc="-1" strike="noStrike">
               <a:solidFill>
                 <a:srgbClr val="000000"/>
               </a:solidFill>
@@ -2493,7 +2495,7 @@
         <p:txBody>
           <a:bodyPr/>
           <a:p>
-            <a:fld id="{A6F11171-B2D1-4DD8-9258-C98ABBF1FF09}" type="slidenum">
+            <a:fld id="{9DA488B7-67D3-4E1E-9CDB-5FA4E2494B73}" type="slidenum">
               <a:t>&lt;#&gt;</a:t>
             </a:fld>
           </a:p>
@@ -2561,8 +2563,8 @@
         </p:nvSpPr>
         <p:spPr>
           <a:xfrm>
-            <a:off x="3124080" y="6356520"/>
-            <a:ext cx="2891520" cy="361080"/>
+            <a:off x="3442320" y="7005240"/>
+            <a:ext cx="3187080" cy="397440"/>
           </a:xfrm>
           <a:prstGeom prst="rect">
             <a:avLst/>
@@ -2633,8 +2635,8 @@
         </p:nvSpPr>
         <p:spPr>
           <a:xfrm>
-            <a:off x="6553080" y="6356520"/>
-            <a:ext cx="2129760" cy="361080"/>
+            <a:off x="7223040" y="7005240"/>
+            <a:ext cx="2347560" cy="397440"/>
           </a:xfrm>
           <a:prstGeom prst="rect">
             <a:avLst/>
@@ -2675,7 +2677,7 @@
                 <a:tab algn="l" pos="0"/>
               </a:tabLst>
             </a:pPr>
-            <a:fld id="{63648213-F1EF-4B08-804F-75749B7A9E12}" type="slidenum">
+            <a:fld id="{0CBADA02-DB12-4FE2-BB06-6BA32ABB86E4}" type="slidenum">
               <a:rPr b="0" lang="en-US" sz="1200" spc="-1" strike="noStrike">
                 <a:solidFill>
                   <a:srgbClr val="8b8b8b"/>
@@ -2705,8 +2707,8 @@
         </p:nvSpPr>
         <p:spPr>
           <a:xfrm>
-            <a:off x="457200" y="6356520"/>
-            <a:ext cx="2129760" cy="361080"/>
+            <a:off x="502920" y="7005240"/>
+            <a:ext cx="2347560" cy="397440"/>
           </a:xfrm>
           <a:prstGeom prst="rect">
             <a:avLst/>
@@ -2765,8 +2767,8 @@
         </p:nvSpPr>
         <p:spPr>
           <a:xfrm>
-            <a:off x="457200" y="273600"/>
-            <a:ext cx="8229240" cy="1144800"/>
+            <a:off x="502920" y="299880"/>
+            <a:ext cx="9071640" cy="1262160"/>
           </a:xfrm>
           <a:prstGeom prst="rect">
             <a:avLst/>
@@ -2785,7 +2787,7 @@
               <a:buNone/>
             </a:pPr>
             <a:r>
-              <a:rPr b="0" lang="en-US" sz="4400" spc="-1" strike="noStrike">
+              <a:rPr b="0" lang="en-US" sz="4830" spc="-1" strike="noStrike">
                 <a:solidFill>
                   <a:srgbClr val="000000"/>
                 </a:solidFill>
@@ -2793,7 +2795,7 @@
               </a:rPr>
               <a:t>Click to edit the title text format</a:t>
             </a:r>
-            <a:endParaRPr b="0" lang="en-US" sz="4400" spc="-1" strike="noStrike">
+            <a:endParaRPr b="0" lang="en-US" sz="4830" spc="-1" strike="noStrike">
               <a:solidFill>
                 <a:srgbClr val="000000"/>
               </a:solidFill>
@@ -2814,8 +2816,8 @@
         </p:nvSpPr>
         <p:spPr>
           <a:xfrm>
-            <a:off x="457200" y="1604520"/>
-            <a:ext cx="8229240" cy="3977280"/>
+            <a:off x="502920" y="1766520"/>
+            <a:ext cx="9071640" cy="4384080"/>
           </a:xfrm>
           <a:prstGeom prst="rect">
             <a:avLst/>
@@ -2832,7 +2834,7 @@
           <a:p>
             <a:pPr marL="432000" indent="-324000">
               <a:spcBef>
-                <a:spcPts val="1417"/>
+                <a:spcPts val="1536"/>
               </a:spcBef>
               <a:buClr>
                 <a:srgbClr val="000000"/>
@@ -2842,7 +2844,7 @@
               <a:buChar char=""/>
             </a:pPr>
             <a:r>
-              <a:rPr b="0" lang="en-US" sz="3200" spc="-1" strike="noStrike">
+              <a:rPr b="0" lang="en-US" sz="3509" spc="-1" strike="noStrike">
                 <a:solidFill>
                   <a:srgbClr val="000000"/>
                 </a:solidFill>
@@ -2850,7 +2852,7 @@
               </a:rPr>
               <a:t>Click to edit the outline text format</a:t>
             </a:r>
-            <a:endParaRPr b="0" lang="en-US" sz="3200" spc="-1" strike="noStrike">
+            <a:endParaRPr b="0" lang="en-US" sz="3509" spc="-1" strike="noStrike">
               <a:solidFill>
                 <a:srgbClr val="000000"/>
               </a:solidFill>
@@ -2860,7 +2862,7 @@
           <a:p>
             <a:pPr lvl="1" marL="864000" indent="-324000">
               <a:spcBef>
-                <a:spcPts val="1134"/>
+                <a:spcPts val="1230"/>
               </a:spcBef>
               <a:buClr>
                 <a:srgbClr val="000000"/>
@@ -2870,7 +2872,7 @@
               <a:buChar char=""/>
             </a:pPr>
             <a:r>
-              <a:rPr b="0" lang="en-US" sz="2800" spc="-1" strike="noStrike">
+              <a:rPr b="0" lang="en-US" sz="3080" spc="-1" strike="noStrike">
                 <a:solidFill>
                   <a:srgbClr val="000000"/>
                 </a:solidFill>
@@ -2878,7 +2880,7 @@
               </a:rPr>
               <a:t>Second Outline Level</a:t>
             </a:r>
-            <a:endParaRPr b="0" lang="en-US" sz="2800" spc="-1" strike="noStrike">
+            <a:endParaRPr b="0" lang="en-US" sz="3080" spc="-1" strike="noStrike">
               <a:solidFill>
                 <a:srgbClr val="000000"/>
               </a:solidFill>
@@ -2888,7 +2890,7 @@
           <a:p>
             <a:pPr lvl="2" marL="1296000" indent="-288000">
               <a:spcBef>
-                <a:spcPts val="850"/>
+                <a:spcPts val="921"/>
               </a:spcBef>
               <a:buClr>
                 <a:srgbClr val="000000"/>
@@ -2898,7 +2900,7 @@
               <a:buChar char=""/>
             </a:pPr>
             <a:r>
-              <a:rPr b="0" lang="en-US" sz="2400" spc="-1" strike="noStrike">
+              <a:rPr b="0" lang="en-US" sz="2640" spc="-1" strike="noStrike">
                 <a:solidFill>
                   <a:srgbClr val="000000"/>
                 </a:solidFill>
@@ -2906,7 +2908,7 @@
               </a:rPr>
               <a:t>Third Outline Level</a:t>
             </a:r>
-            <a:endParaRPr b="0" lang="en-US" sz="2400" spc="-1" strike="noStrike">
+            <a:endParaRPr b="0" lang="en-US" sz="2640" spc="-1" strike="noStrike">
               <a:solidFill>
                 <a:srgbClr val="000000"/>
               </a:solidFill>
@@ -2916,7 +2918,7 @@
           <a:p>
             <a:pPr lvl="3" marL="1728000" indent="-216000">
               <a:spcBef>
-                <a:spcPts val="567"/>
+                <a:spcPts val="598"/>
               </a:spcBef>
               <a:buClr>
                 <a:srgbClr val="000000"/>
@@ -2926,7 +2928,7 @@
               <a:buChar char=""/>
             </a:pPr>
             <a:r>
-              <a:rPr b="0" lang="en-US" sz="2000" spc="-1" strike="noStrike">
+              <a:rPr b="0" lang="en-US" sz="2190" spc="-1" strike="noStrike">
                 <a:solidFill>
                   <a:srgbClr val="000000"/>
                 </a:solidFill>
@@ -2934,7 +2936,7 @@
               </a:rPr>
               <a:t>Fourth Outline Level</a:t>
             </a:r>
-            <a:endParaRPr b="0" lang="en-US" sz="2000" spc="-1" strike="noStrike">
+            <a:endParaRPr b="0" lang="en-US" sz="2190" spc="-1" strike="noStrike">
               <a:solidFill>
                 <a:srgbClr val="000000"/>
               </a:solidFill>
@@ -2944,7 +2946,7 @@
           <a:p>
             <a:pPr lvl="4" marL="2160000" indent="-216000">
               <a:spcBef>
-                <a:spcPts val="283"/>
+                <a:spcPts val="289"/>
               </a:spcBef>
               <a:buClr>
                 <a:srgbClr val="000000"/>
@@ -2954,7 +2956,7 @@
               <a:buChar char=""/>
             </a:pPr>
             <a:r>
-              <a:rPr b="0" lang="en-US" sz="2000" spc="-1" strike="noStrike">
+              <a:rPr b="0" lang="en-US" sz="2190" spc="-1" strike="noStrike">
                 <a:solidFill>
                   <a:srgbClr val="000000"/>
                 </a:solidFill>
@@ -2962,7 +2964,7 @@
               </a:rPr>
               <a:t>Fifth Outline Level</a:t>
             </a:r>
-            <a:endParaRPr b="0" lang="en-US" sz="2000" spc="-1" strike="noStrike">
+            <a:endParaRPr b="0" lang="en-US" sz="2190" spc="-1" strike="noStrike">
               <a:solidFill>
                 <a:srgbClr val="000000"/>
               </a:solidFill>
@@ -2972,7 +2974,7 @@
           <a:p>
             <a:pPr lvl="5" marL="2592000" indent="-216000">
               <a:spcBef>
-                <a:spcPts val="283"/>
+                <a:spcPts val="289"/>
               </a:spcBef>
               <a:buClr>
                 <a:srgbClr val="000000"/>
@@ -2982,7 +2984,7 @@
               <a:buChar char=""/>
             </a:pPr>
             <a:r>
-              <a:rPr b="0" lang="en-US" sz="2000" spc="-1" strike="noStrike">
+              <a:rPr b="0" lang="en-US" sz="2190" spc="-1" strike="noStrike">
                 <a:solidFill>
                   <a:srgbClr val="000000"/>
                 </a:solidFill>
@@ -2990,7 +2992,7 @@
               </a:rPr>
               <a:t>Sixth Outline Level</a:t>
             </a:r>
-            <a:endParaRPr b="0" lang="en-US" sz="2000" spc="-1" strike="noStrike">
+            <a:endParaRPr b="0" lang="en-US" sz="2190" spc="-1" strike="noStrike">
               <a:solidFill>
                 <a:srgbClr val="000000"/>
               </a:solidFill>
@@ -3000,7 +3002,7 @@
           <a:p>
             <a:pPr lvl="6" marL="3024000" indent="-216000">
               <a:spcBef>
-                <a:spcPts val="283"/>
+                <a:spcPts val="289"/>
               </a:spcBef>
               <a:buClr>
                 <a:srgbClr val="000000"/>
@@ -3010,7 +3012,7 @@
               <a:buChar char=""/>
             </a:pPr>
             <a:r>
-              <a:rPr b="0" lang="en-US" sz="2000" spc="-1" strike="noStrike">
+              <a:rPr b="0" lang="en-US" sz="2190" spc="-1" strike="noStrike">
                 <a:solidFill>
                   <a:srgbClr val="000000"/>
                 </a:solidFill>
@@ -3018,7 +3020,7 @@
               </a:rPr>
               <a:t>Seventh Outline Level</a:t>
             </a:r>
-            <a:endParaRPr b="0" lang="en-US" sz="2000" spc="-1" strike="noStrike">
+            <a:endParaRPr b="0" lang="en-US" sz="2190" spc="-1" strike="noStrike">
               <a:solidFill>
                 <a:srgbClr val="000000"/>
               </a:solidFill>
@@ -3072,8 +3074,8 @@
         </p:nvSpPr>
         <p:spPr>
           <a:xfrm>
-            <a:off x="0" y="0"/>
-            <a:ext cx="12184920" cy="6854040"/>
+            <a:off x="1440" y="1800"/>
+            <a:ext cx="13431960" cy="7555320"/>
           </a:xfrm>
           <a:prstGeom prst="rect">
             <a:avLst/>
@@ -3132,8 +3134,8 @@
         </p:nvSpPr>
         <p:spPr>
           <a:xfrm>
-            <a:off x="0" y="0"/>
-            <a:ext cx="14400" cy="6854040"/>
+            <a:off x="1440" y="1800"/>
+            <a:ext cx="16200" cy="7555320"/>
           </a:xfrm>
           <a:prstGeom prst="rect">
             <a:avLst/>
@@ -3192,8 +3194,8 @@
         </p:nvSpPr>
         <p:spPr>
           <a:xfrm>
-            <a:off x="914400" y="0"/>
-            <a:ext cx="14400" cy="6854040"/>
+            <a:off x="1005480" y="1800"/>
+            <a:ext cx="16200" cy="7555320"/>
           </a:xfrm>
           <a:prstGeom prst="rect">
             <a:avLst/>
@@ -3252,8 +3254,8 @@
         </p:nvSpPr>
         <p:spPr>
           <a:xfrm>
-            <a:off x="1828800" y="0"/>
-            <a:ext cx="14400" cy="6854040"/>
+            <a:off x="2013480" y="1800"/>
+            <a:ext cx="16200" cy="7555320"/>
           </a:xfrm>
           <a:prstGeom prst="rect">
             <a:avLst/>
@@ -3312,8 +3314,8 @@
         </p:nvSpPr>
         <p:spPr>
           <a:xfrm>
-            <a:off x="2743200" y="0"/>
-            <a:ext cx="14400" cy="6854040"/>
+            <a:off x="3021480" y="1800"/>
+            <a:ext cx="16200" cy="7555320"/>
           </a:xfrm>
           <a:prstGeom prst="rect">
             <a:avLst/>
@@ -3372,8 +3374,8 @@
         </p:nvSpPr>
         <p:spPr>
           <a:xfrm>
-            <a:off x="3657600" y="0"/>
-            <a:ext cx="14400" cy="6854040"/>
+            <a:off x="4029480" y="1800"/>
+            <a:ext cx="16200" cy="7555320"/>
           </a:xfrm>
           <a:prstGeom prst="rect">
             <a:avLst/>
@@ -3432,8 +3434,8 @@
         </p:nvSpPr>
         <p:spPr>
           <a:xfrm>
-            <a:off x="4572000" y="0"/>
-            <a:ext cx="14400" cy="6854040"/>
+            <a:off x="5037480" y="1800"/>
+            <a:ext cx="16200" cy="7555320"/>
           </a:xfrm>
           <a:prstGeom prst="rect">
             <a:avLst/>
@@ -3492,8 +3494,8 @@
         </p:nvSpPr>
         <p:spPr>
           <a:xfrm>
-            <a:off x="5486400" y="0"/>
-            <a:ext cx="14400" cy="6854040"/>
+            <a:off x="6045480" y="1800"/>
+            <a:ext cx="16200" cy="7555320"/>
           </a:xfrm>
           <a:prstGeom prst="rect">
             <a:avLst/>
@@ -3552,8 +3554,8 @@
         </p:nvSpPr>
         <p:spPr>
           <a:xfrm>
-            <a:off x="6400800" y="0"/>
-            <a:ext cx="14400" cy="6854040"/>
+            <a:off x="7053480" y="1800"/>
+            <a:ext cx="16200" cy="7555320"/>
           </a:xfrm>
           <a:prstGeom prst="rect">
             <a:avLst/>
@@ -3612,8 +3614,8 @@
         </p:nvSpPr>
         <p:spPr>
           <a:xfrm>
-            <a:off x="7315200" y="0"/>
-            <a:ext cx="14400" cy="6854040"/>
+            <a:off x="8061480" y="1800"/>
+            <a:ext cx="16200" cy="7555320"/>
           </a:xfrm>
           <a:prstGeom prst="rect">
             <a:avLst/>
@@ -3672,8 +3674,8 @@
         </p:nvSpPr>
         <p:spPr>
           <a:xfrm>
-            <a:off x="8229600" y="0"/>
-            <a:ext cx="14400" cy="6854040"/>
+            <a:off x="9069480" y="1800"/>
+            <a:ext cx="16200" cy="7555320"/>
           </a:xfrm>
           <a:prstGeom prst="rect">
             <a:avLst/>
@@ -3732,8 +3734,8 @@
         </p:nvSpPr>
         <p:spPr>
           <a:xfrm>
-            <a:off x="9144000" y="0"/>
-            <a:ext cx="14400" cy="6854040"/>
+            <a:off x="10077480" y="1800"/>
+            <a:ext cx="16200" cy="7555320"/>
           </a:xfrm>
           <a:prstGeom prst="rect">
             <a:avLst/>
@@ -3792,8 +3794,8 @@
         </p:nvSpPr>
         <p:spPr>
           <a:xfrm>
-            <a:off x="10058400" y="0"/>
-            <a:ext cx="14400" cy="6854040"/>
+            <a:off x="11085480" y="1800"/>
+            <a:ext cx="16200" cy="7555320"/>
           </a:xfrm>
           <a:prstGeom prst="rect">
             <a:avLst/>
@@ -3852,8 +3854,8 @@
         </p:nvSpPr>
         <p:spPr>
           <a:xfrm>
-            <a:off x="10972800" y="0"/>
-            <a:ext cx="14400" cy="6854040"/>
+            <a:off x="12093480" y="1800"/>
+            <a:ext cx="16200" cy="7555320"/>
           </a:xfrm>
           <a:prstGeom prst="rect">
             <a:avLst/>
@@ -3912,8 +3914,8 @@
         </p:nvSpPr>
         <p:spPr>
           <a:xfrm>
-            <a:off x="11887200" y="0"/>
-            <a:ext cx="14400" cy="6854040"/>
+            <a:off x="13101480" y="1800"/>
+            <a:ext cx="16200" cy="7555320"/>
           </a:xfrm>
           <a:prstGeom prst="rect">
             <a:avLst/>
@@ -3972,8 +3974,8 @@
         </p:nvSpPr>
         <p:spPr>
           <a:xfrm>
-            <a:off x="0" y="0"/>
-            <a:ext cx="316080" cy="6854040"/>
+            <a:off x="1440" y="1800"/>
+            <a:ext cx="348120" cy="7555320"/>
           </a:xfrm>
           <a:prstGeom prst="rect">
             <a:avLst/>
@@ -4032,8 +4034,8 @@
         </p:nvSpPr>
         <p:spPr>
           <a:xfrm>
-            <a:off x="9875520" y="365760"/>
-            <a:ext cx="2007720" cy="498960"/>
+            <a:off x="10884960" y="401400"/>
+            <a:ext cx="2212560" cy="548640"/>
           </a:xfrm>
           <a:prstGeom prst="roundRect">
             <a:avLst>
@@ -4106,8 +4108,8 @@
         </p:nvSpPr>
         <p:spPr>
           <a:xfrm>
-            <a:off x="3817800" y="1005840"/>
-            <a:ext cx="3334320" cy="820800"/>
+            <a:off x="4376880" y="1107000"/>
+            <a:ext cx="3335760" cy="820800"/>
           </a:xfrm>
           <a:prstGeom prst="rect">
             <a:avLst/>
@@ -4160,8 +4162,8 @@
         </p:nvSpPr>
         <p:spPr>
           <a:xfrm>
-            <a:off x="1233720" y="2057400"/>
-            <a:ext cx="9095040" cy="668520"/>
+            <a:off x="1824120" y="2266200"/>
+            <a:ext cx="9096480" cy="668520"/>
           </a:xfrm>
           <a:prstGeom prst="rect">
             <a:avLst/>
@@ -4227,8 +4229,8 @@
         </p:nvSpPr>
         <p:spPr>
           <a:xfrm>
-            <a:off x="987480" y="3182040"/>
-            <a:ext cx="3287880" cy="2739240"/>
+            <a:off x="1086840" y="3506040"/>
+            <a:ext cx="3624120" cy="3019320"/>
           </a:xfrm>
           <a:prstGeom prst="roundRect">
             <a:avLst>
@@ -4289,8 +4291,8 @@
         </p:nvSpPr>
         <p:spPr>
           <a:xfrm>
-            <a:off x="914400" y="3108960"/>
-            <a:ext cx="3287880" cy="2739240"/>
+            <a:off x="1006560" y="3425760"/>
+            <a:ext cx="3624480" cy="3019680"/>
           </a:xfrm>
           <a:prstGeom prst="roundRect">
             <a:avLst>
@@ -4439,8 +4441,8 @@
         </p:nvSpPr>
         <p:spPr>
           <a:xfrm>
-            <a:off x="4507920" y="3182040"/>
-            <a:ext cx="3287880" cy="2739240"/>
+            <a:off x="4968360" y="3506040"/>
+            <a:ext cx="3624120" cy="3019320"/>
           </a:xfrm>
           <a:prstGeom prst="roundRect">
             <a:avLst>
@@ -4501,8 +4503,8 @@
         </p:nvSpPr>
         <p:spPr>
           <a:xfrm>
-            <a:off x="4434840" y="3108960"/>
-            <a:ext cx="3287880" cy="2739240"/>
+            <a:off x="4886640" y="3425760"/>
+            <a:ext cx="3624480" cy="3019680"/>
           </a:xfrm>
           <a:prstGeom prst="roundRect">
             <a:avLst>
@@ -4753,8 +4755,8 @@
         </p:nvSpPr>
         <p:spPr>
           <a:xfrm>
-            <a:off x="8028360" y="3182040"/>
-            <a:ext cx="3287880" cy="2739240"/>
+            <a:off x="8849160" y="3506040"/>
+            <a:ext cx="3624120" cy="3019320"/>
           </a:xfrm>
           <a:prstGeom prst="roundRect">
             <a:avLst>
@@ -4815,8 +4817,8 @@
         </p:nvSpPr>
         <p:spPr>
           <a:xfrm>
-            <a:off x="7955280" y="3108960"/>
-            <a:ext cx="3287880" cy="2739240"/>
+            <a:off x="8767440" y="3425760"/>
+            <a:ext cx="3624480" cy="3019680"/>
           </a:xfrm>
           <a:prstGeom prst="roundRect">
             <a:avLst>
@@ -4889,8 +4891,8 @@
         </p:nvSpPr>
         <p:spPr>
           <a:xfrm>
-            <a:off x="4600080" y="6446520"/>
-            <a:ext cx="3051000" cy="363960"/>
+            <a:off x="5224320" y="7104600"/>
+            <a:ext cx="3052440" cy="363960"/>
           </a:xfrm>
           <a:prstGeom prst="rect">
             <a:avLst/>
@@ -4929,6 +4931,2096 @@
             <a:endParaRPr b="0" lang="en-US" sz="1800" spc="-1" strike="noStrike">
               <a:solidFill>
                 <a:srgbClr val="000000"/>
+              </a:solidFill>
+              <a:latin typeface="Arial"/>
+            </a:endParaRPr>
+          </a:p>
+        </p:txBody>
+      </p:sp>
+    </p:spTree>
+  </p:cSld>
+  <mc:AlternateContent>
+    <mc:Choice Requires="p14">
+      <p:transition spd="slow" p14:dur="2000"/>
+    </mc:Choice>
+    <mc:Fallback>
+      <p:transition spd="slow"/>
+    </mc:Fallback>
+  </mc:AlternateContent>
+</p:sld>
+</file>
+
+<file path=ppt/slides/slide10.xml><?xml version="1.0" encoding="utf-8"?>
+<p:sld xmlns:a="http://schemas.openxmlformats.org/drawingml/2006/main" xmlns:p="http://schemas.openxmlformats.org/presentationml/2006/main" xmlns:r="http://schemas.openxmlformats.org/officeDocument/2006/relationships" xmlns:p14="http://schemas.microsoft.com/office/powerpoint/2010/main" xmlns:p15="http://schemas.microsoft.com/office/powerpoint/2012/main" xmlns:mc="http://schemas.openxmlformats.org/markup-compatibility/2006">
+  <p:cSld>
+    <p:spTree>
+      <p:nvGrpSpPr>
+        <p:cNvPr id="1" name=""/>
+        <p:cNvGrpSpPr/>
+        <p:nvPr/>
+      </p:nvGrpSpPr>
+      <p:grpSpPr>
+        <a:xfrm>
+          <a:off x="0" y="0"/>
+          <a:ext cx="0" cy="0"/>
+          <a:chOff x="0" y="0"/>
+          <a:chExt cx="0" cy="0"/>
+        </a:xfrm>
+      </p:grpSpPr>
+      <p:sp>
+        <p:nvSpPr>
+          <p:cNvPr id="275" name="Rectangle 145"/>
+          <p:cNvSpPr/>
+          <p:nvPr/>
+        </p:nvSpPr>
+        <p:spPr>
+          <a:xfrm>
+            <a:off x="16920" y="1800"/>
+            <a:ext cx="13431960" cy="7555320"/>
+          </a:xfrm>
+          <a:prstGeom prst="rect">
+            <a:avLst/>
+          </a:prstGeom>
+          <a:solidFill>
+            <a:srgbClr val="0b0b0d"/>
+          </a:solidFill>
+          <a:ln>
+            <a:noFill/>
+          </a:ln>
+          <a:effectLst>
+            <a:outerShdw blurRad="39960" dir="5400000" dist="23040" rotWithShape="0">
+              <a:srgbClr val="000000">
+                <a:alpha val="35000"/>
+              </a:srgbClr>
+            </a:outerShdw>
+          </a:effectLst>
+        </p:spPr>
+        <p:style>
+          <a:lnRef idx="1">
+            <a:schemeClr val="accent1"/>
+          </a:lnRef>
+          <a:fillRef idx="3">
+            <a:schemeClr val="accent1"/>
+          </a:fillRef>
+          <a:effectRef idx="2">
+            <a:schemeClr val="accent1"/>
+          </a:effectRef>
+          <a:fontRef idx="minor"/>
+        </p:style>
+        <p:txBody>
+          <a:bodyPr lIns="90000" rIns="90000" tIns="45000" bIns="45000" anchor="ctr">
+            <a:noAutofit/>
+          </a:bodyPr>
+          <a:p>
+            <a:endParaRPr b="0" lang="en-US" sz="1800" spc="-1" strike="noStrike">
+              <a:solidFill>
+                <a:schemeClr val="lt1"/>
+              </a:solidFill>
+              <a:latin typeface="Calibri"/>
+              <a:ea typeface="DejaVu Sans"/>
+            </a:endParaRPr>
+          </a:p>
+        </p:txBody>
+      </p:sp>
+      <p:sp>
+        <p:nvSpPr>
+          <p:cNvPr id="276" name="Rectangle 146"/>
+          <p:cNvSpPr/>
+          <p:nvPr/>
+        </p:nvSpPr>
+        <p:spPr>
+          <a:xfrm>
+            <a:off x="1440" y="1800"/>
+            <a:ext cx="16200" cy="7555320"/>
+          </a:xfrm>
+          <a:prstGeom prst="rect">
+            <a:avLst/>
+          </a:prstGeom>
+          <a:solidFill>
+            <a:srgbClr val="121216"/>
+          </a:solidFill>
+          <a:ln>
+            <a:noFill/>
+          </a:ln>
+          <a:effectLst>
+            <a:outerShdw blurRad="39960" dir="5400000" dist="23040" rotWithShape="0">
+              <a:srgbClr val="000000">
+                <a:alpha val="35000"/>
+              </a:srgbClr>
+            </a:outerShdw>
+          </a:effectLst>
+        </p:spPr>
+        <p:style>
+          <a:lnRef idx="1">
+            <a:schemeClr val="accent1"/>
+          </a:lnRef>
+          <a:fillRef idx="3">
+            <a:schemeClr val="accent1"/>
+          </a:fillRef>
+          <a:effectRef idx="2">
+            <a:schemeClr val="accent1"/>
+          </a:effectRef>
+          <a:fontRef idx="minor"/>
+        </p:style>
+        <p:txBody>
+          <a:bodyPr lIns="90000" rIns="90000" tIns="45000" bIns="45000" anchor="ctr">
+            <a:noAutofit/>
+          </a:bodyPr>
+          <a:p>
+            <a:endParaRPr b="0" lang="en-US" sz="1800" spc="-1" strike="noStrike">
+              <a:solidFill>
+                <a:schemeClr val="lt1"/>
+              </a:solidFill>
+              <a:latin typeface="Calibri"/>
+              <a:ea typeface="DejaVu Sans"/>
+            </a:endParaRPr>
+          </a:p>
+        </p:txBody>
+      </p:sp>
+      <p:sp>
+        <p:nvSpPr>
+          <p:cNvPr id="277" name="Rectangle 147"/>
+          <p:cNvSpPr/>
+          <p:nvPr/>
+        </p:nvSpPr>
+        <p:spPr>
+          <a:xfrm>
+            <a:off x="1005480" y="1800"/>
+            <a:ext cx="16200" cy="7555320"/>
+          </a:xfrm>
+          <a:prstGeom prst="rect">
+            <a:avLst/>
+          </a:prstGeom>
+          <a:solidFill>
+            <a:srgbClr val="121216"/>
+          </a:solidFill>
+          <a:ln>
+            <a:noFill/>
+          </a:ln>
+          <a:effectLst>
+            <a:outerShdw blurRad="39960" dir="5400000" dist="23040" rotWithShape="0">
+              <a:srgbClr val="000000">
+                <a:alpha val="35000"/>
+              </a:srgbClr>
+            </a:outerShdw>
+          </a:effectLst>
+        </p:spPr>
+        <p:style>
+          <a:lnRef idx="1">
+            <a:schemeClr val="accent1"/>
+          </a:lnRef>
+          <a:fillRef idx="3">
+            <a:schemeClr val="accent1"/>
+          </a:fillRef>
+          <a:effectRef idx="2">
+            <a:schemeClr val="accent1"/>
+          </a:effectRef>
+          <a:fontRef idx="minor"/>
+        </p:style>
+        <p:txBody>
+          <a:bodyPr lIns="90000" rIns="90000" tIns="45000" bIns="45000" anchor="ctr">
+            <a:noAutofit/>
+          </a:bodyPr>
+          <a:p>
+            <a:endParaRPr b="0" lang="en-US" sz="1800" spc="-1" strike="noStrike">
+              <a:solidFill>
+                <a:schemeClr val="lt1"/>
+              </a:solidFill>
+              <a:latin typeface="Calibri"/>
+              <a:ea typeface="DejaVu Sans"/>
+            </a:endParaRPr>
+          </a:p>
+        </p:txBody>
+      </p:sp>
+      <p:sp>
+        <p:nvSpPr>
+          <p:cNvPr id="278" name="Rectangle 148"/>
+          <p:cNvSpPr/>
+          <p:nvPr/>
+        </p:nvSpPr>
+        <p:spPr>
+          <a:xfrm>
+            <a:off x="2013480" y="1800"/>
+            <a:ext cx="16200" cy="7555320"/>
+          </a:xfrm>
+          <a:prstGeom prst="rect">
+            <a:avLst/>
+          </a:prstGeom>
+          <a:solidFill>
+            <a:srgbClr val="121216"/>
+          </a:solidFill>
+          <a:ln>
+            <a:noFill/>
+          </a:ln>
+          <a:effectLst>
+            <a:outerShdw blurRad="39960" dir="5400000" dist="23040" rotWithShape="0">
+              <a:srgbClr val="000000">
+                <a:alpha val="35000"/>
+              </a:srgbClr>
+            </a:outerShdw>
+          </a:effectLst>
+        </p:spPr>
+        <p:style>
+          <a:lnRef idx="1">
+            <a:schemeClr val="accent1"/>
+          </a:lnRef>
+          <a:fillRef idx="3">
+            <a:schemeClr val="accent1"/>
+          </a:fillRef>
+          <a:effectRef idx="2">
+            <a:schemeClr val="accent1"/>
+          </a:effectRef>
+          <a:fontRef idx="minor"/>
+        </p:style>
+        <p:txBody>
+          <a:bodyPr lIns="90000" rIns="90000" tIns="45000" bIns="45000" anchor="ctr">
+            <a:noAutofit/>
+          </a:bodyPr>
+          <a:p>
+            <a:endParaRPr b="0" lang="en-US" sz="1800" spc="-1" strike="noStrike">
+              <a:solidFill>
+                <a:schemeClr val="lt1"/>
+              </a:solidFill>
+              <a:latin typeface="Calibri"/>
+              <a:ea typeface="DejaVu Sans"/>
+            </a:endParaRPr>
+          </a:p>
+        </p:txBody>
+      </p:sp>
+      <p:sp>
+        <p:nvSpPr>
+          <p:cNvPr id="279" name="Rectangle 149"/>
+          <p:cNvSpPr/>
+          <p:nvPr/>
+        </p:nvSpPr>
+        <p:spPr>
+          <a:xfrm>
+            <a:off x="3021480" y="1800"/>
+            <a:ext cx="16200" cy="7555320"/>
+          </a:xfrm>
+          <a:prstGeom prst="rect">
+            <a:avLst/>
+          </a:prstGeom>
+          <a:solidFill>
+            <a:srgbClr val="121216"/>
+          </a:solidFill>
+          <a:ln>
+            <a:noFill/>
+          </a:ln>
+          <a:effectLst>
+            <a:outerShdw blurRad="39960" dir="5400000" dist="23040" rotWithShape="0">
+              <a:srgbClr val="000000">
+                <a:alpha val="35000"/>
+              </a:srgbClr>
+            </a:outerShdw>
+          </a:effectLst>
+        </p:spPr>
+        <p:style>
+          <a:lnRef idx="1">
+            <a:schemeClr val="accent1"/>
+          </a:lnRef>
+          <a:fillRef idx="3">
+            <a:schemeClr val="accent1"/>
+          </a:fillRef>
+          <a:effectRef idx="2">
+            <a:schemeClr val="accent1"/>
+          </a:effectRef>
+          <a:fontRef idx="minor"/>
+        </p:style>
+        <p:txBody>
+          <a:bodyPr lIns="90000" rIns="90000" tIns="45000" bIns="45000" anchor="ctr">
+            <a:noAutofit/>
+          </a:bodyPr>
+          <a:p>
+            <a:endParaRPr b="0" lang="en-US" sz="1800" spc="-1" strike="noStrike">
+              <a:solidFill>
+                <a:schemeClr val="lt1"/>
+              </a:solidFill>
+              <a:latin typeface="Calibri"/>
+              <a:ea typeface="DejaVu Sans"/>
+            </a:endParaRPr>
+          </a:p>
+        </p:txBody>
+      </p:sp>
+      <p:sp>
+        <p:nvSpPr>
+          <p:cNvPr id="280" name="Rectangle 150"/>
+          <p:cNvSpPr/>
+          <p:nvPr/>
+        </p:nvSpPr>
+        <p:spPr>
+          <a:xfrm>
+            <a:off x="4029480" y="1800"/>
+            <a:ext cx="16200" cy="7555320"/>
+          </a:xfrm>
+          <a:prstGeom prst="rect">
+            <a:avLst/>
+          </a:prstGeom>
+          <a:solidFill>
+            <a:srgbClr val="121216"/>
+          </a:solidFill>
+          <a:ln>
+            <a:noFill/>
+          </a:ln>
+          <a:effectLst>
+            <a:outerShdw blurRad="39960" dir="5400000" dist="23040" rotWithShape="0">
+              <a:srgbClr val="000000">
+                <a:alpha val="35000"/>
+              </a:srgbClr>
+            </a:outerShdw>
+          </a:effectLst>
+        </p:spPr>
+        <p:style>
+          <a:lnRef idx="1">
+            <a:schemeClr val="accent1"/>
+          </a:lnRef>
+          <a:fillRef idx="3">
+            <a:schemeClr val="accent1"/>
+          </a:fillRef>
+          <a:effectRef idx="2">
+            <a:schemeClr val="accent1"/>
+          </a:effectRef>
+          <a:fontRef idx="minor"/>
+        </p:style>
+        <p:txBody>
+          <a:bodyPr lIns="90000" rIns="90000" tIns="45000" bIns="45000" anchor="ctr">
+            <a:noAutofit/>
+          </a:bodyPr>
+          <a:p>
+            <a:endParaRPr b="0" lang="en-US" sz="1800" spc="-1" strike="noStrike">
+              <a:solidFill>
+                <a:schemeClr val="lt1"/>
+              </a:solidFill>
+              <a:latin typeface="Calibri"/>
+              <a:ea typeface="DejaVu Sans"/>
+            </a:endParaRPr>
+          </a:p>
+        </p:txBody>
+      </p:sp>
+      <p:sp>
+        <p:nvSpPr>
+          <p:cNvPr id="281" name="Rectangle 151"/>
+          <p:cNvSpPr/>
+          <p:nvPr/>
+        </p:nvSpPr>
+        <p:spPr>
+          <a:xfrm>
+            <a:off x="5037480" y="1800"/>
+            <a:ext cx="16200" cy="7555320"/>
+          </a:xfrm>
+          <a:prstGeom prst="rect">
+            <a:avLst/>
+          </a:prstGeom>
+          <a:solidFill>
+            <a:srgbClr val="121216"/>
+          </a:solidFill>
+          <a:ln>
+            <a:noFill/>
+          </a:ln>
+          <a:effectLst>
+            <a:outerShdw blurRad="39960" dir="5400000" dist="23040" rotWithShape="0">
+              <a:srgbClr val="000000">
+                <a:alpha val="35000"/>
+              </a:srgbClr>
+            </a:outerShdw>
+          </a:effectLst>
+        </p:spPr>
+        <p:style>
+          <a:lnRef idx="1">
+            <a:schemeClr val="accent1"/>
+          </a:lnRef>
+          <a:fillRef idx="3">
+            <a:schemeClr val="accent1"/>
+          </a:fillRef>
+          <a:effectRef idx="2">
+            <a:schemeClr val="accent1"/>
+          </a:effectRef>
+          <a:fontRef idx="minor"/>
+        </p:style>
+        <p:txBody>
+          <a:bodyPr lIns="90000" rIns="90000" tIns="45000" bIns="45000" anchor="ctr">
+            <a:noAutofit/>
+          </a:bodyPr>
+          <a:p>
+            <a:endParaRPr b="0" lang="en-US" sz="1800" spc="-1" strike="noStrike">
+              <a:solidFill>
+                <a:schemeClr val="lt1"/>
+              </a:solidFill>
+              <a:latin typeface="Calibri"/>
+              <a:ea typeface="DejaVu Sans"/>
+            </a:endParaRPr>
+          </a:p>
+        </p:txBody>
+      </p:sp>
+      <p:sp>
+        <p:nvSpPr>
+          <p:cNvPr id="282" name="Rectangle 152"/>
+          <p:cNvSpPr/>
+          <p:nvPr/>
+        </p:nvSpPr>
+        <p:spPr>
+          <a:xfrm>
+            <a:off x="6045480" y="1800"/>
+            <a:ext cx="16200" cy="7555320"/>
+          </a:xfrm>
+          <a:prstGeom prst="rect">
+            <a:avLst/>
+          </a:prstGeom>
+          <a:solidFill>
+            <a:srgbClr val="121216"/>
+          </a:solidFill>
+          <a:ln>
+            <a:noFill/>
+          </a:ln>
+          <a:effectLst>
+            <a:outerShdw blurRad="39960" dir="5400000" dist="23040" rotWithShape="0">
+              <a:srgbClr val="000000">
+                <a:alpha val="35000"/>
+              </a:srgbClr>
+            </a:outerShdw>
+          </a:effectLst>
+        </p:spPr>
+        <p:style>
+          <a:lnRef idx="1">
+            <a:schemeClr val="accent1"/>
+          </a:lnRef>
+          <a:fillRef idx="3">
+            <a:schemeClr val="accent1"/>
+          </a:fillRef>
+          <a:effectRef idx="2">
+            <a:schemeClr val="accent1"/>
+          </a:effectRef>
+          <a:fontRef idx="minor"/>
+        </p:style>
+        <p:txBody>
+          <a:bodyPr lIns="90000" rIns="90000" tIns="45000" bIns="45000" anchor="ctr">
+            <a:noAutofit/>
+          </a:bodyPr>
+          <a:p>
+            <a:endParaRPr b="0" lang="en-US" sz="1800" spc="-1" strike="noStrike">
+              <a:solidFill>
+                <a:schemeClr val="lt1"/>
+              </a:solidFill>
+              <a:latin typeface="Calibri"/>
+              <a:ea typeface="DejaVu Sans"/>
+            </a:endParaRPr>
+          </a:p>
+        </p:txBody>
+      </p:sp>
+      <p:sp>
+        <p:nvSpPr>
+          <p:cNvPr id="283" name="Rectangle 153"/>
+          <p:cNvSpPr/>
+          <p:nvPr/>
+        </p:nvSpPr>
+        <p:spPr>
+          <a:xfrm>
+            <a:off x="7053480" y="1800"/>
+            <a:ext cx="16200" cy="7555320"/>
+          </a:xfrm>
+          <a:prstGeom prst="rect">
+            <a:avLst/>
+          </a:prstGeom>
+          <a:solidFill>
+            <a:srgbClr val="121216"/>
+          </a:solidFill>
+          <a:ln>
+            <a:noFill/>
+          </a:ln>
+          <a:effectLst>
+            <a:outerShdw blurRad="39960" dir="5400000" dist="23040" rotWithShape="0">
+              <a:srgbClr val="000000">
+                <a:alpha val="35000"/>
+              </a:srgbClr>
+            </a:outerShdw>
+          </a:effectLst>
+        </p:spPr>
+        <p:style>
+          <a:lnRef idx="1">
+            <a:schemeClr val="accent1"/>
+          </a:lnRef>
+          <a:fillRef idx="3">
+            <a:schemeClr val="accent1"/>
+          </a:fillRef>
+          <a:effectRef idx="2">
+            <a:schemeClr val="accent1"/>
+          </a:effectRef>
+          <a:fontRef idx="minor"/>
+        </p:style>
+        <p:txBody>
+          <a:bodyPr lIns="90000" rIns="90000" tIns="45000" bIns="45000" anchor="ctr">
+            <a:noAutofit/>
+          </a:bodyPr>
+          <a:p>
+            <a:endParaRPr b="0" lang="en-US" sz="1800" spc="-1" strike="noStrike">
+              <a:solidFill>
+                <a:schemeClr val="lt1"/>
+              </a:solidFill>
+              <a:latin typeface="Calibri"/>
+              <a:ea typeface="DejaVu Sans"/>
+            </a:endParaRPr>
+          </a:p>
+        </p:txBody>
+      </p:sp>
+      <p:sp>
+        <p:nvSpPr>
+          <p:cNvPr id="284" name="Rectangle 154"/>
+          <p:cNvSpPr/>
+          <p:nvPr/>
+        </p:nvSpPr>
+        <p:spPr>
+          <a:xfrm>
+            <a:off x="8061480" y="1800"/>
+            <a:ext cx="16200" cy="7555320"/>
+          </a:xfrm>
+          <a:prstGeom prst="rect">
+            <a:avLst/>
+          </a:prstGeom>
+          <a:solidFill>
+            <a:srgbClr val="121216"/>
+          </a:solidFill>
+          <a:ln>
+            <a:noFill/>
+          </a:ln>
+          <a:effectLst>
+            <a:outerShdw blurRad="39960" dir="5400000" dist="23040" rotWithShape="0">
+              <a:srgbClr val="000000">
+                <a:alpha val="35000"/>
+              </a:srgbClr>
+            </a:outerShdw>
+          </a:effectLst>
+        </p:spPr>
+        <p:style>
+          <a:lnRef idx="1">
+            <a:schemeClr val="accent1"/>
+          </a:lnRef>
+          <a:fillRef idx="3">
+            <a:schemeClr val="accent1"/>
+          </a:fillRef>
+          <a:effectRef idx="2">
+            <a:schemeClr val="accent1"/>
+          </a:effectRef>
+          <a:fontRef idx="minor"/>
+        </p:style>
+        <p:txBody>
+          <a:bodyPr lIns="90000" rIns="90000" tIns="45000" bIns="45000" anchor="ctr">
+            <a:noAutofit/>
+          </a:bodyPr>
+          <a:p>
+            <a:endParaRPr b="0" lang="en-US" sz="1800" spc="-1" strike="noStrike">
+              <a:solidFill>
+                <a:schemeClr val="lt1"/>
+              </a:solidFill>
+              <a:latin typeface="Calibri"/>
+              <a:ea typeface="DejaVu Sans"/>
+            </a:endParaRPr>
+          </a:p>
+        </p:txBody>
+      </p:sp>
+      <p:sp>
+        <p:nvSpPr>
+          <p:cNvPr id="285" name="Rectangle 155"/>
+          <p:cNvSpPr/>
+          <p:nvPr/>
+        </p:nvSpPr>
+        <p:spPr>
+          <a:xfrm>
+            <a:off x="9069480" y="1800"/>
+            <a:ext cx="16200" cy="7555320"/>
+          </a:xfrm>
+          <a:prstGeom prst="rect">
+            <a:avLst/>
+          </a:prstGeom>
+          <a:solidFill>
+            <a:srgbClr val="121216"/>
+          </a:solidFill>
+          <a:ln>
+            <a:noFill/>
+          </a:ln>
+          <a:effectLst>
+            <a:outerShdw blurRad="39960" dir="5400000" dist="23040" rotWithShape="0">
+              <a:srgbClr val="000000">
+                <a:alpha val="35000"/>
+              </a:srgbClr>
+            </a:outerShdw>
+          </a:effectLst>
+        </p:spPr>
+        <p:style>
+          <a:lnRef idx="1">
+            <a:schemeClr val="accent1"/>
+          </a:lnRef>
+          <a:fillRef idx="3">
+            <a:schemeClr val="accent1"/>
+          </a:fillRef>
+          <a:effectRef idx="2">
+            <a:schemeClr val="accent1"/>
+          </a:effectRef>
+          <a:fontRef idx="minor"/>
+        </p:style>
+        <p:txBody>
+          <a:bodyPr lIns="90000" rIns="90000" tIns="45000" bIns="45000" anchor="ctr">
+            <a:noAutofit/>
+          </a:bodyPr>
+          <a:p>
+            <a:endParaRPr b="0" lang="en-US" sz="1800" spc="-1" strike="noStrike">
+              <a:solidFill>
+                <a:schemeClr val="lt1"/>
+              </a:solidFill>
+              <a:latin typeface="Calibri"/>
+              <a:ea typeface="DejaVu Sans"/>
+            </a:endParaRPr>
+          </a:p>
+        </p:txBody>
+      </p:sp>
+      <p:sp>
+        <p:nvSpPr>
+          <p:cNvPr id="286" name="Rectangle 156"/>
+          <p:cNvSpPr/>
+          <p:nvPr/>
+        </p:nvSpPr>
+        <p:spPr>
+          <a:xfrm>
+            <a:off x="10077480" y="1800"/>
+            <a:ext cx="16200" cy="7555320"/>
+          </a:xfrm>
+          <a:prstGeom prst="rect">
+            <a:avLst/>
+          </a:prstGeom>
+          <a:solidFill>
+            <a:srgbClr val="121216"/>
+          </a:solidFill>
+          <a:ln>
+            <a:noFill/>
+          </a:ln>
+          <a:effectLst>
+            <a:outerShdw blurRad="39960" dir="5400000" dist="23040" rotWithShape="0">
+              <a:srgbClr val="000000">
+                <a:alpha val="35000"/>
+              </a:srgbClr>
+            </a:outerShdw>
+          </a:effectLst>
+        </p:spPr>
+        <p:style>
+          <a:lnRef idx="1">
+            <a:schemeClr val="accent1"/>
+          </a:lnRef>
+          <a:fillRef idx="3">
+            <a:schemeClr val="accent1"/>
+          </a:fillRef>
+          <a:effectRef idx="2">
+            <a:schemeClr val="accent1"/>
+          </a:effectRef>
+          <a:fontRef idx="minor"/>
+        </p:style>
+        <p:txBody>
+          <a:bodyPr lIns="90000" rIns="90000" tIns="45000" bIns="45000" anchor="ctr">
+            <a:noAutofit/>
+          </a:bodyPr>
+          <a:p>
+            <a:endParaRPr b="0" lang="en-US" sz="1800" spc="-1" strike="noStrike">
+              <a:solidFill>
+                <a:schemeClr val="lt1"/>
+              </a:solidFill>
+              <a:latin typeface="Calibri"/>
+              <a:ea typeface="DejaVu Sans"/>
+            </a:endParaRPr>
+          </a:p>
+        </p:txBody>
+      </p:sp>
+      <p:sp>
+        <p:nvSpPr>
+          <p:cNvPr id="287" name="Rectangle 157"/>
+          <p:cNvSpPr/>
+          <p:nvPr/>
+        </p:nvSpPr>
+        <p:spPr>
+          <a:xfrm>
+            <a:off x="11085480" y="1800"/>
+            <a:ext cx="16200" cy="7555320"/>
+          </a:xfrm>
+          <a:prstGeom prst="rect">
+            <a:avLst/>
+          </a:prstGeom>
+          <a:solidFill>
+            <a:srgbClr val="121216"/>
+          </a:solidFill>
+          <a:ln>
+            <a:noFill/>
+          </a:ln>
+          <a:effectLst>
+            <a:outerShdw blurRad="39960" dir="5400000" dist="23040" rotWithShape="0">
+              <a:srgbClr val="000000">
+                <a:alpha val="35000"/>
+              </a:srgbClr>
+            </a:outerShdw>
+          </a:effectLst>
+        </p:spPr>
+        <p:style>
+          <a:lnRef idx="1">
+            <a:schemeClr val="accent1"/>
+          </a:lnRef>
+          <a:fillRef idx="3">
+            <a:schemeClr val="accent1"/>
+          </a:fillRef>
+          <a:effectRef idx="2">
+            <a:schemeClr val="accent1"/>
+          </a:effectRef>
+          <a:fontRef idx="minor"/>
+        </p:style>
+        <p:txBody>
+          <a:bodyPr lIns="90000" rIns="90000" tIns="45000" bIns="45000" anchor="ctr">
+            <a:noAutofit/>
+          </a:bodyPr>
+          <a:p>
+            <a:endParaRPr b="0" lang="en-US" sz="1800" spc="-1" strike="noStrike">
+              <a:solidFill>
+                <a:schemeClr val="lt1"/>
+              </a:solidFill>
+              <a:latin typeface="Calibri"/>
+              <a:ea typeface="DejaVu Sans"/>
+            </a:endParaRPr>
+          </a:p>
+        </p:txBody>
+      </p:sp>
+      <p:sp>
+        <p:nvSpPr>
+          <p:cNvPr id="288" name="Rectangle 158"/>
+          <p:cNvSpPr/>
+          <p:nvPr/>
+        </p:nvSpPr>
+        <p:spPr>
+          <a:xfrm>
+            <a:off x="12093480" y="1800"/>
+            <a:ext cx="16200" cy="7555320"/>
+          </a:xfrm>
+          <a:prstGeom prst="rect">
+            <a:avLst/>
+          </a:prstGeom>
+          <a:solidFill>
+            <a:srgbClr val="121216"/>
+          </a:solidFill>
+          <a:ln>
+            <a:noFill/>
+          </a:ln>
+          <a:effectLst>
+            <a:outerShdw blurRad="39960" dir="5400000" dist="23040" rotWithShape="0">
+              <a:srgbClr val="000000">
+                <a:alpha val="35000"/>
+              </a:srgbClr>
+            </a:outerShdw>
+          </a:effectLst>
+        </p:spPr>
+        <p:style>
+          <a:lnRef idx="1">
+            <a:schemeClr val="accent1"/>
+          </a:lnRef>
+          <a:fillRef idx="3">
+            <a:schemeClr val="accent1"/>
+          </a:fillRef>
+          <a:effectRef idx="2">
+            <a:schemeClr val="accent1"/>
+          </a:effectRef>
+          <a:fontRef idx="minor"/>
+        </p:style>
+        <p:txBody>
+          <a:bodyPr lIns="90000" rIns="90000" tIns="45000" bIns="45000" anchor="ctr">
+            <a:noAutofit/>
+          </a:bodyPr>
+          <a:p>
+            <a:endParaRPr b="0" lang="en-US" sz="1800" spc="-1" strike="noStrike">
+              <a:solidFill>
+                <a:schemeClr val="lt1"/>
+              </a:solidFill>
+              <a:latin typeface="Calibri"/>
+              <a:ea typeface="DejaVu Sans"/>
+            </a:endParaRPr>
+          </a:p>
+        </p:txBody>
+      </p:sp>
+      <p:sp>
+        <p:nvSpPr>
+          <p:cNvPr id="289" name="Rectangle 159"/>
+          <p:cNvSpPr/>
+          <p:nvPr/>
+        </p:nvSpPr>
+        <p:spPr>
+          <a:xfrm>
+            <a:off x="13101480" y="1800"/>
+            <a:ext cx="16200" cy="7555320"/>
+          </a:xfrm>
+          <a:prstGeom prst="rect">
+            <a:avLst/>
+          </a:prstGeom>
+          <a:solidFill>
+            <a:srgbClr val="121216"/>
+          </a:solidFill>
+          <a:ln>
+            <a:noFill/>
+          </a:ln>
+          <a:effectLst>
+            <a:outerShdw blurRad="39960" dir="5400000" dist="23040" rotWithShape="0">
+              <a:srgbClr val="000000">
+                <a:alpha val="35000"/>
+              </a:srgbClr>
+            </a:outerShdw>
+          </a:effectLst>
+        </p:spPr>
+        <p:style>
+          <a:lnRef idx="1">
+            <a:schemeClr val="accent1"/>
+          </a:lnRef>
+          <a:fillRef idx="3">
+            <a:schemeClr val="accent1"/>
+          </a:fillRef>
+          <a:effectRef idx="2">
+            <a:schemeClr val="accent1"/>
+          </a:effectRef>
+          <a:fontRef idx="minor"/>
+        </p:style>
+        <p:txBody>
+          <a:bodyPr lIns="90000" rIns="90000" tIns="45000" bIns="45000" anchor="ctr">
+            <a:noAutofit/>
+          </a:bodyPr>
+          <a:p>
+            <a:endParaRPr b="0" lang="en-US" sz="1800" spc="-1" strike="noStrike">
+              <a:solidFill>
+                <a:schemeClr val="lt1"/>
+              </a:solidFill>
+              <a:latin typeface="Calibri"/>
+              <a:ea typeface="DejaVu Sans"/>
+            </a:endParaRPr>
+          </a:p>
+        </p:txBody>
+      </p:sp>
+      <p:sp>
+        <p:nvSpPr>
+          <p:cNvPr id="290" name="Rectangle 160"/>
+          <p:cNvSpPr/>
+          <p:nvPr/>
+        </p:nvSpPr>
+        <p:spPr>
+          <a:xfrm>
+            <a:off x="1440" y="1800"/>
+            <a:ext cx="348120" cy="7555320"/>
+          </a:xfrm>
+          <a:prstGeom prst="rect">
+            <a:avLst/>
+          </a:prstGeom>
+          <a:solidFill>
+            <a:srgbClr val="ff8c00"/>
+          </a:solidFill>
+          <a:ln>
+            <a:noFill/>
+          </a:ln>
+          <a:effectLst>
+            <a:outerShdw blurRad="39960" dir="5400000" dist="23040" rotWithShape="0">
+              <a:srgbClr val="000000">
+                <a:alpha val="35000"/>
+              </a:srgbClr>
+            </a:outerShdw>
+          </a:effectLst>
+        </p:spPr>
+        <p:style>
+          <a:lnRef idx="1">
+            <a:schemeClr val="accent1"/>
+          </a:lnRef>
+          <a:fillRef idx="3">
+            <a:schemeClr val="accent1"/>
+          </a:fillRef>
+          <a:effectRef idx="2">
+            <a:schemeClr val="accent1"/>
+          </a:effectRef>
+          <a:fontRef idx="minor"/>
+        </p:style>
+        <p:txBody>
+          <a:bodyPr lIns="90000" rIns="90000" tIns="45000" bIns="45000" anchor="ctr">
+            <a:noAutofit/>
+          </a:bodyPr>
+          <a:p>
+            <a:endParaRPr b="0" lang="en-US" sz="1800" spc="-1" strike="noStrike">
+              <a:solidFill>
+                <a:schemeClr val="lt1"/>
+              </a:solidFill>
+              <a:latin typeface="Calibri"/>
+              <a:ea typeface="DejaVu Sans"/>
+            </a:endParaRPr>
+          </a:p>
+        </p:txBody>
+      </p:sp>
+      <p:sp>
+        <p:nvSpPr>
+          <p:cNvPr id="291" name="Rounded Rectangle 70"/>
+          <p:cNvSpPr/>
+          <p:nvPr/>
+        </p:nvSpPr>
+        <p:spPr>
+          <a:xfrm>
+            <a:off x="10884960" y="401400"/>
+            <a:ext cx="2212560" cy="548640"/>
+          </a:xfrm>
+          <a:prstGeom prst="roundRect">
+            <a:avLst>
+              <a:gd name="adj" fmla="val 16667"/>
+            </a:avLst>
+          </a:prstGeom>
+          <a:solidFill>
+            <a:srgbClr val="1e1e24"/>
+          </a:solidFill>
+          <a:ln>
+            <a:solidFill>
+              <a:srgbClr val="ff8c00"/>
+            </a:solidFill>
+            <a:round/>
+          </a:ln>
+          <a:effectLst>
+            <a:outerShdw blurRad="39960" dir="5400000" dist="23040" rotWithShape="0">
+              <a:srgbClr val="000000">
+                <a:alpha val="35000"/>
+              </a:srgbClr>
+            </a:outerShdw>
+          </a:effectLst>
+        </p:spPr>
+        <p:style>
+          <a:lnRef idx="1">
+            <a:schemeClr val="accent1"/>
+          </a:lnRef>
+          <a:fillRef idx="3">
+            <a:schemeClr val="accent1"/>
+          </a:fillRef>
+          <a:effectRef idx="2">
+            <a:schemeClr val="accent1"/>
+          </a:effectRef>
+          <a:fontRef idx="minor"/>
+        </p:style>
+        <p:txBody>
+          <a:bodyPr lIns="90000" rIns="90000" tIns="45000" bIns="45000" anchor="ctr">
+            <a:noAutofit/>
+          </a:bodyPr>
+          <a:p>
+            <a:pPr algn="ctr">
+              <a:lnSpc>
+                <a:spcPct val="100000"/>
+              </a:lnSpc>
+            </a:pPr>
+            <a:r>
+              <a:rPr b="1" lang="en-US" sz="1400" spc="-1" strike="noStrike">
+                <a:solidFill>
+                  <a:srgbClr val="ffb45a"/>
+                </a:solidFill>
+                <a:latin typeface="Calibri"/>
+                <a:ea typeface="DejaVu Sans"/>
+              </a:rPr>
+              <a:t>JAVA CORE</a:t>
+            </a:r>
+            <a:endParaRPr b="0" lang="en-US" sz="1400" spc="-1" strike="noStrike">
+              <a:solidFill>
+                <a:srgbClr val="ffffff"/>
+              </a:solidFill>
+              <a:latin typeface="Arial"/>
+            </a:endParaRPr>
+          </a:p>
+        </p:txBody>
+      </p:sp>
+      <p:sp>
+        <p:nvSpPr>
+          <p:cNvPr id="292" name="TextBox 31"/>
+          <p:cNvSpPr/>
+          <p:nvPr/>
+        </p:nvSpPr>
+        <p:spPr>
+          <a:xfrm>
+            <a:off x="2260440" y="1107360"/>
+            <a:ext cx="7589160" cy="729720"/>
+          </a:xfrm>
+          <a:prstGeom prst="rect">
+            <a:avLst/>
+          </a:prstGeom>
+          <a:noFill/>
+          <a:ln w="0">
+            <a:noFill/>
+          </a:ln>
+        </p:spPr>
+        <p:style>
+          <a:lnRef idx="0"/>
+          <a:fillRef idx="0"/>
+          <a:effectRef idx="0"/>
+          <a:fontRef idx="minor"/>
+        </p:style>
+        <p:txBody>
+          <a:bodyPr wrap="none" lIns="90000" rIns="90000" tIns="45000" bIns="45000" anchor="t">
+            <a:spAutoFit/>
+          </a:bodyPr>
+          <a:p>
+            <a:pPr>
+              <a:lnSpc>
+                <a:spcPct val="100000"/>
+              </a:lnSpc>
+            </a:pPr>
+            <a:r>
+              <a:rPr b="1" lang="en-US" sz="4200" spc="-1" strike="noStrike">
+                <a:solidFill>
+                  <a:srgbClr val="f5f5f5"/>
+                </a:solidFill>
+                <a:latin typeface="Calibri"/>
+                <a:ea typeface="DejaVu Sans"/>
+              </a:rPr>
+              <a:t>           </a:t>
+            </a:r>
+            <a:r>
+              <a:rPr b="1" lang="en-US" sz="4200" spc="-1" strike="noStrike">
+                <a:solidFill>
+                  <a:srgbClr val="f5f5f5"/>
+                </a:solidFill>
+                <a:latin typeface="Calibri"/>
+                <a:ea typeface="DejaVu Sans"/>
+              </a:rPr>
+              <a:t>Java History – Java Versions</a:t>
+            </a:r>
+            <a:endParaRPr b="0" lang="en-US" sz="4200" spc="-1" strike="noStrike">
+              <a:solidFill>
+                <a:srgbClr val="000000"/>
+              </a:solidFill>
+              <a:latin typeface="Arial"/>
+            </a:endParaRPr>
+          </a:p>
+        </p:txBody>
+      </p:sp>
+      <p:sp>
+        <p:nvSpPr>
+          <p:cNvPr id="293" name="TextBox 32"/>
+          <p:cNvSpPr/>
+          <p:nvPr/>
+        </p:nvSpPr>
+        <p:spPr>
+          <a:xfrm>
+            <a:off x="4847040" y="2266200"/>
+            <a:ext cx="3047760" cy="363960"/>
+          </a:xfrm>
+          <a:prstGeom prst="rect">
+            <a:avLst/>
+          </a:prstGeom>
+          <a:noFill/>
+          <a:ln w="0">
+            <a:noFill/>
+          </a:ln>
+        </p:spPr>
+        <p:style>
+          <a:lnRef idx="0"/>
+          <a:fillRef idx="0"/>
+          <a:effectRef idx="0"/>
+          <a:fontRef idx="minor"/>
+        </p:style>
+        <p:txBody>
+          <a:bodyPr wrap="none" lIns="90000" rIns="90000" tIns="45000" bIns="45000" anchor="t">
+            <a:spAutoFit/>
+          </a:bodyPr>
+          <a:p>
+            <a:pPr>
+              <a:lnSpc>
+                <a:spcPct val="100000"/>
+              </a:lnSpc>
+            </a:pPr>
+            <a:r>
+              <a:rPr b="0" lang="en-US" sz="1800" spc="-1" strike="noStrike">
+                <a:solidFill>
+                  <a:srgbClr val="aaaaaa"/>
+                </a:solidFill>
+                <a:latin typeface="Calibri"/>
+                <a:ea typeface="DejaVu Sans"/>
+              </a:rPr>
+              <a:t>How Java evolved step by step.</a:t>
+            </a:r>
+            <a:endParaRPr b="0" lang="en-US" sz="1800" spc="-1" strike="noStrike">
+              <a:solidFill>
+                <a:srgbClr val="000000"/>
+              </a:solidFill>
+              <a:latin typeface="Arial"/>
+            </a:endParaRPr>
+          </a:p>
+        </p:txBody>
+      </p:sp>
+      <p:sp>
+        <p:nvSpPr>
+          <p:cNvPr id="294" name="Rounded Rectangle 71"/>
+          <p:cNvSpPr/>
+          <p:nvPr/>
+        </p:nvSpPr>
+        <p:spPr>
+          <a:xfrm>
+            <a:off x="1086840" y="3506040"/>
+            <a:ext cx="3624120" cy="3019320"/>
+          </a:xfrm>
+          <a:prstGeom prst="roundRect">
+            <a:avLst>
+              <a:gd name="adj" fmla="val 16667"/>
+            </a:avLst>
+          </a:prstGeom>
+          <a:solidFill>
+            <a:srgbClr val="08080a"/>
+          </a:solidFill>
+          <a:ln>
+            <a:noFill/>
+          </a:ln>
+          <a:effectLst>
+            <a:outerShdw blurRad="39960" dir="5400000" dist="23040" rotWithShape="0">
+              <a:srgbClr val="000000">
+                <a:alpha val="35000"/>
+              </a:srgbClr>
+            </a:outerShdw>
+          </a:effectLst>
+        </p:spPr>
+        <p:style>
+          <a:lnRef idx="1">
+            <a:schemeClr val="accent1"/>
+          </a:lnRef>
+          <a:fillRef idx="3">
+            <a:schemeClr val="accent1"/>
+          </a:fillRef>
+          <a:effectRef idx="2">
+            <a:schemeClr val="accent1"/>
+          </a:effectRef>
+          <a:fontRef idx="minor"/>
+        </p:style>
+        <p:txBody>
+          <a:bodyPr lIns="90000" rIns="90000" tIns="45000" bIns="45000" anchor="ctr">
+            <a:noAutofit/>
+          </a:bodyPr>
+          <a:p>
+            <a:endParaRPr b="0" lang="en-US" sz="1800" spc="-1" strike="noStrike">
+              <a:solidFill>
+                <a:schemeClr val="lt1"/>
+              </a:solidFill>
+              <a:latin typeface="Calibri"/>
+              <a:ea typeface="DejaVu Sans"/>
+            </a:endParaRPr>
+          </a:p>
+        </p:txBody>
+      </p:sp>
+      <p:sp>
+        <p:nvSpPr>
+          <p:cNvPr id="295" name="Rounded Rectangle 72"/>
+          <p:cNvSpPr/>
+          <p:nvPr/>
+        </p:nvSpPr>
+        <p:spPr>
+          <a:xfrm>
+            <a:off x="1006560" y="3424320"/>
+            <a:ext cx="3624480" cy="3019680"/>
+          </a:xfrm>
+          <a:prstGeom prst="roundRect">
+            <a:avLst>
+              <a:gd name="adj" fmla="val 16667"/>
+            </a:avLst>
+          </a:prstGeom>
+          <a:solidFill>
+            <a:srgbClr val="16161c"/>
+          </a:solidFill>
+          <a:ln>
+            <a:solidFill>
+              <a:srgbClr val="464655"/>
+            </a:solidFill>
+            <a:round/>
+          </a:ln>
+          <a:effectLst>
+            <a:outerShdw blurRad="39960" dir="5400000" dist="23040" rotWithShape="0">
+              <a:srgbClr val="000000">
+                <a:alpha val="35000"/>
+              </a:srgbClr>
+            </a:outerShdw>
+          </a:effectLst>
+        </p:spPr>
+        <p:style>
+          <a:lnRef idx="1">
+            <a:schemeClr val="accent1"/>
+          </a:lnRef>
+          <a:fillRef idx="3">
+            <a:schemeClr val="accent1"/>
+          </a:fillRef>
+          <a:effectRef idx="2">
+            <a:schemeClr val="accent1"/>
+          </a:effectRef>
+          <a:fontRef idx="minor"/>
+        </p:style>
+        <p:txBody>
+          <a:bodyPr lIns="90000" rIns="90000" tIns="45000" bIns="45000" anchor="ctr">
+            <a:noAutofit/>
+          </a:bodyPr>
+          <a:p>
+            <a:pPr marL="216000" indent="-216000">
+              <a:lnSpc>
+                <a:spcPct val="100000"/>
+              </a:lnSpc>
+              <a:buClr>
+                <a:srgbClr val="ffffff"/>
+              </a:buClr>
+              <a:buFont typeface="Wingdings" charset="2"/>
+              <a:buChar char=""/>
+            </a:pPr>
+            <a:r>
+              <a:rPr b="1" lang="en-US" sz="1400" spc="-1" strike="noStrike">
+                <a:solidFill>
+                  <a:schemeClr val="lt1"/>
+                </a:solidFill>
+                <a:latin typeface="Calibri"/>
+                <a:ea typeface="DejaVu Sans"/>
+              </a:rPr>
+              <a:t>After 1994, Java changed direction</a:t>
+            </a:r>
+            <a:endParaRPr b="0" lang="en-US" sz="1400" spc="-1" strike="noStrike">
+              <a:solidFill>
+                <a:srgbClr val="ffffff"/>
+              </a:solidFill>
+              <a:latin typeface="Arial"/>
+            </a:endParaRPr>
+          </a:p>
+          <a:p>
+            <a:pPr marL="216000" indent="-216000">
+              <a:lnSpc>
+                <a:spcPct val="100000"/>
+              </a:lnSpc>
+              <a:buClr>
+                <a:srgbClr val="ffffff"/>
+              </a:buClr>
+              <a:buFont typeface="Wingdings" charset="2"/>
+              <a:buChar char=""/>
+            </a:pPr>
+            <a:r>
+              <a:rPr b="1" lang="en-US" sz="1400" spc="-1" strike="noStrike">
+                <a:solidFill>
+                  <a:schemeClr val="lt1"/>
+                </a:solidFill>
+                <a:latin typeface="Calibri"/>
+                <a:ea typeface="DejaVu Sans"/>
+              </a:rPr>
+              <a:t>The language was renamed from Oak to Java</a:t>
+            </a:r>
+            <a:endParaRPr b="0" lang="en-US" sz="1400" spc="-1" strike="noStrike">
+              <a:solidFill>
+                <a:srgbClr val="ffffff"/>
+              </a:solidFill>
+              <a:latin typeface="Arial"/>
+            </a:endParaRPr>
+          </a:p>
+          <a:p>
+            <a:pPr marL="216000" indent="-216000">
+              <a:lnSpc>
+                <a:spcPct val="100000"/>
+              </a:lnSpc>
+              <a:buClr>
+                <a:srgbClr val="ffffff"/>
+              </a:buClr>
+              <a:buFont typeface="Wingdings" charset="2"/>
+              <a:buChar char=""/>
+            </a:pPr>
+            <a:r>
+              <a:rPr b="1" lang="en-US" sz="1400" spc="-1" strike="noStrike">
+                <a:solidFill>
+                  <a:schemeClr val="lt1"/>
+                </a:solidFill>
+                <a:latin typeface="Calibri"/>
+                <a:ea typeface="DejaVu Sans"/>
+              </a:rPr>
+              <a:t>Java started to be developed for the Web</a:t>
+            </a:r>
+            <a:endParaRPr b="0" lang="en-US" sz="1400" spc="-1" strike="noStrike">
+              <a:solidFill>
+                <a:srgbClr val="ffffff"/>
+              </a:solidFill>
+              <a:latin typeface="Arial"/>
+            </a:endParaRPr>
+          </a:p>
+          <a:p>
+            <a:pPr marL="216000" indent="-216000">
+              <a:lnSpc>
+                <a:spcPct val="100000"/>
+              </a:lnSpc>
+              <a:buClr>
+                <a:srgbClr val="ffffff"/>
+              </a:buClr>
+              <a:buFont typeface="Wingdings" charset="2"/>
+              <a:buChar char=""/>
+            </a:pPr>
+            <a:r>
+              <a:rPr b="1" lang="en-US" sz="1400" spc="-1" strike="noStrike">
+                <a:solidFill>
+                  <a:schemeClr val="lt1"/>
+                </a:solidFill>
+                <a:latin typeface="Calibri"/>
+                <a:ea typeface="DejaVu Sans"/>
+              </a:rPr>
+              <a:t>Sun Microsystems decided to release Java publicly</a:t>
+            </a:r>
+            <a:endParaRPr b="0" lang="en-US" sz="1400" spc="-1" strike="noStrike">
+              <a:solidFill>
+                <a:srgbClr val="ffffff"/>
+              </a:solidFill>
+              <a:latin typeface="Arial"/>
+            </a:endParaRPr>
+          </a:p>
+          <a:p>
+            <a:pPr marL="216000" indent="-216000">
+              <a:lnSpc>
+                <a:spcPct val="100000"/>
+              </a:lnSpc>
+              <a:buClr>
+                <a:srgbClr val="ffffff"/>
+              </a:buClr>
+              <a:buFont typeface="Wingdings" charset="2"/>
+              <a:buChar char=""/>
+            </a:pPr>
+            <a:r>
+              <a:rPr b="1" lang="en-US" sz="1400" spc="-1" strike="noStrike">
+                <a:solidFill>
+                  <a:schemeClr val="lt1"/>
+                </a:solidFill>
+                <a:latin typeface="Calibri"/>
+                <a:ea typeface="DejaVu Sans"/>
+              </a:rPr>
+              <a:t>From this point on, Java versions began to appear</a:t>
+            </a:r>
+            <a:endParaRPr b="0" lang="en-US" sz="1400" spc="-1" strike="noStrike">
+              <a:solidFill>
+                <a:srgbClr val="ffffff"/>
+              </a:solidFill>
+              <a:latin typeface="Arial"/>
+            </a:endParaRPr>
+          </a:p>
+          <a:p>
+            <a:pPr>
+              <a:lnSpc>
+                <a:spcPct val="100000"/>
+              </a:lnSpc>
+            </a:pPr>
+            <a:r>
+              <a:rPr b="0" i="1" lang="en-US" sz="1500" spc="-1" strike="noStrike" u="sng">
+                <a:solidFill>
+                  <a:schemeClr val="lt1"/>
+                </a:solidFill>
+                <a:uFillTx/>
+                <a:latin typeface="Calibri"/>
+                <a:ea typeface="DejaVu Sans"/>
+              </a:rPr>
+              <a:t>Key idea:</a:t>
+            </a:r>
+            <a:endParaRPr b="0" lang="en-US" sz="1500" spc="-1" strike="noStrike">
+              <a:solidFill>
+                <a:srgbClr val="ffffff"/>
+              </a:solidFill>
+              <a:latin typeface="Arial"/>
+            </a:endParaRPr>
+          </a:p>
+          <a:p>
+            <a:pPr>
+              <a:lnSpc>
+                <a:spcPct val="100000"/>
+              </a:lnSpc>
+            </a:pPr>
+            <a:r>
+              <a:rPr b="0" lang="en-US" sz="1500" spc="-1" strike="noStrike">
+                <a:solidFill>
+                  <a:schemeClr val="lt1"/>
+                </a:solidFill>
+                <a:latin typeface="Calibri"/>
+                <a:ea typeface="DejaVu Sans"/>
+              </a:rPr>
+              <a:t>Each version improved Java without breaking the old ones.</a:t>
+            </a:r>
+            <a:endParaRPr b="0" lang="en-US" sz="1500" spc="-1" strike="noStrike">
+              <a:solidFill>
+                <a:srgbClr val="ffffff"/>
+              </a:solidFill>
+              <a:latin typeface="Arial"/>
+            </a:endParaRPr>
+          </a:p>
+        </p:txBody>
+      </p:sp>
+      <p:sp>
+        <p:nvSpPr>
+          <p:cNvPr id="296" name="Rounded Rectangle 73"/>
+          <p:cNvSpPr/>
+          <p:nvPr/>
+        </p:nvSpPr>
+        <p:spPr>
+          <a:xfrm>
+            <a:off x="4968360" y="3506040"/>
+            <a:ext cx="3624120" cy="3019320"/>
+          </a:xfrm>
+          <a:prstGeom prst="roundRect">
+            <a:avLst>
+              <a:gd name="adj" fmla="val 16667"/>
+            </a:avLst>
+          </a:prstGeom>
+          <a:solidFill>
+            <a:srgbClr val="08080a"/>
+          </a:solidFill>
+          <a:ln>
+            <a:noFill/>
+          </a:ln>
+          <a:effectLst>
+            <a:outerShdw blurRad="39960" dir="5400000" dist="23040" rotWithShape="0">
+              <a:srgbClr val="000000">
+                <a:alpha val="35000"/>
+              </a:srgbClr>
+            </a:outerShdw>
+          </a:effectLst>
+        </p:spPr>
+        <p:style>
+          <a:lnRef idx="1">
+            <a:schemeClr val="accent1"/>
+          </a:lnRef>
+          <a:fillRef idx="3">
+            <a:schemeClr val="accent1"/>
+          </a:fillRef>
+          <a:effectRef idx="2">
+            <a:schemeClr val="accent1"/>
+          </a:effectRef>
+          <a:fontRef idx="minor"/>
+        </p:style>
+        <p:txBody>
+          <a:bodyPr lIns="90000" rIns="90000" tIns="45000" bIns="45000" anchor="ctr">
+            <a:noAutofit/>
+          </a:bodyPr>
+          <a:p>
+            <a:endParaRPr b="0" lang="en-US" sz="1800" spc="-1" strike="noStrike">
+              <a:solidFill>
+                <a:schemeClr val="lt1"/>
+              </a:solidFill>
+              <a:latin typeface="Calibri"/>
+              <a:ea typeface="DejaVu Sans"/>
+            </a:endParaRPr>
+          </a:p>
+        </p:txBody>
+      </p:sp>
+      <p:sp>
+        <p:nvSpPr>
+          <p:cNvPr id="297" name="Rounded Rectangle 74"/>
+          <p:cNvSpPr/>
+          <p:nvPr/>
+        </p:nvSpPr>
+        <p:spPr>
+          <a:xfrm>
+            <a:off x="8849160" y="3506040"/>
+            <a:ext cx="3624120" cy="3019320"/>
+          </a:xfrm>
+          <a:prstGeom prst="roundRect">
+            <a:avLst>
+              <a:gd name="adj" fmla="val 16667"/>
+            </a:avLst>
+          </a:prstGeom>
+          <a:solidFill>
+            <a:srgbClr val="08080a"/>
+          </a:solidFill>
+          <a:ln>
+            <a:noFill/>
+          </a:ln>
+          <a:effectLst>
+            <a:outerShdw blurRad="39960" dir="5400000" dist="23040" rotWithShape="0">
+              <a:srgbClr val="000000">
+                <a:alpha val="35000"/>
+              </a:srgbClr>
+            </a:outerShdw>
+          </a:effectLst>
+        </p:spPr>
+        <p:style>
+          <a:lnRef idx="1">
+            <a:schemeClr val="accent1"/>
+          </a:lnRef>
+          <a:fillRef idx="3">
+            <a:schemeClr val="accent1"/>
+          </a:fillRef>
+          <a:effectRef idx="2">
+            <a:schemeClr val="accent1"/>
+          </a:effectRef>
+          <a:fontRef idx="minor"/>
+        </p:style>
+        <p:txBody>
+          <a:bodyPr lIns="90000" rIns="90000" tIns="45000" bIns="45000" anchor="ctr">
+            <a:noAutofit/>
+          </a:bodyPr>
+          <a:p>
+            <a:endParaRPr b="0" lang="en-US" sz="1800" spc="-1" strike="noStrike">
+              <a:solidFill>
+                <a:schemeClr val="lt1"/>
+              </a:solidFill>
+              <a:latin typeface="Calibri"/>
+              <a:ea typeface="DejaVu Sans"/>
+            </a:endParaRPr>
+          </a:p>
+        </p:txBody>
+      </p:sp>
+      <p:sp>
+        <p:nvSpPr>
+          <p:cNvPr id="298" name="Rounded Rectangle 75"/>
+          <p:cNvSpPr/>
+          <p:nvPr/>
+        </p:nvSpPr>
+        <p:spPr>
+          <a:xfrm>
+            <a:off x="8767440" y="3425040"/>
+            <a:ext cx="3624480" cy="3019680"/>
+          </a:xfrm>
+          <a:prstGeom prst="roundRect">
+            <a:avLst>
+              <a:gd name="adj" fmla="val 16667"/>
+            </a:avLst>
+          </a:prstGeom>
+          <a:solidFill>
+            <a:srgbClr val="16161c"/>
+          </a:solidFill>
+          <a:ln>
+            <a:solidFill>
+              <a:srgbClr val="464655"/>
+            </a:solidFill>
+            <a:round/>
+          </a:ln>
+          <a:effectLst>
+            <a:outerShdw blurRad="39960" dir="5400000" dist="23040" rotWithShape="0">
+              <a:srgbClr val="000000">
+                <a:alpha val="35000"/>
+              </a:srgbClr>
+            </a:outerShdw>
+          </a:effectLst>
+        </p:spPr>
+        <p:style>
+          <a:lnRef idx="1">
+            <a:schemeClr val="accent1"/>
+          </a:lnRef>
+          <a:fillRef idx="3">
+            <a:schemeClr val="accent1"/>
+          </a:fillRef>
+          <a:effectRef idx="2">
+            <a:schemeClr val="accent1"/>
+          </a:effectRef>
+          <a:fontRef idx="minor"/>
+        </p:style>
+        <p:txBody>
+          <a:bodyPr lIns="90000" rIns="90000" tIns="45000" bIns="45000" anchor="ctr">
+            <a:noAutofit/>
+          </a:bodyPr>
+          <a:p>
+            <a:pPr algn="ctr">
+              <a:lnSpc>
+                <a:spcPct val="100000"/>
+              </a:lnSpc>
+            </a:pPr>
+            <a:endParaRPr b="0" lang="en-US" sz="1970" spc="-1" strike="noStrike">
+              <a:solidFill>
+                <a:srgbClr val="ffffff"/>
+              </a:solidFill>
+              <a:latin typeface="Arial"/>
+            </a:endParaRPr>
+          </a:p>
+          <a:p>
+            <a:pPr algn="ctr">
+              <a:lnSpc>
+                <a:spcPct val="100000"/>
+              </a:lnSpc>
+            </a:pPr>
+            <a:endParaRPr b="0" lang="en-US" sz="1100" spc="-1" strike="noStrike">
+              <a:solidFill>
+                <a:srgbClr val="ffffff"/>
+              </a:solidFill>
+              <a:latin typeface="Arial"/>
+            </a:endParaRPr>
+          </a:p>
+          <a:p>
+            <a:pPr algn="ctr">
+              <a:lnSpc>
+                <a:spcPct val="100000"/>
+              </a:lnSpc>
+            </a:pPr>
+            <a:endParaRPr b="0" lang="en-US" sz="1600" spc="-1" strike="noStrike">
+              <a:solidFill>
+                <a:srgbClr val="ffffff"/>
+              </a:solidFill>
+              <a:latin typeface="Arial"/>
+            </a:endParaRPr>
+          </a:p>
+          <a:p>
+            <a:pPr algn="ctr">
+              <a:lnSpc>
+                <a:spcPct val="100000"/>
+              </a:lnSpc>
+            </a:pPr>
+            <a:r>
+              <a:rPr b="0" lang="en-US" sz="1600" spc="-1" strike="noStrike">
+                <a:solidFill>
+                  <a:srgbClr val="78ffc8"/>
+                </a:solidFill>
+                <a:latin typeface="Consolas"/>
+                <a:ea typeface="DejaVu Sans"/>
+              </a:rPr>
+              <a:t>public class JavaVersionIntro {</a:t>
+            </a:r>
+            <a:endParaRPr b="0" lang="en-US" sz="1600" spc="-1" strike="noStrike">
+              <a:solidFill>
+                <a:srgbClr val="ffffff"/>
+              </a:solidFill>
+              <a:latin typeface="Arial"/>
+            </a:endParaRPr>
+          </a:p>
+          <a:p>
+            <a:pPr algn="ctr">
+              <a:lnSpc>
+                <a:spcPct val="100000"/>
+              </a:lnSpc>
+            </a:pPr>
+            <a:r>
+              <a:rPr b="0" lang="en-US" sz="1600" spc="-1" strike="noStrike">
+                <a:solidFill>
+                  <a:srgbClr val="78ffc8"/>
+                </a:solidFill>
+                <a:latin typeface="Consolas"/>
+                <a:ea typeface="DejaVu Sans"/>
+              </a:rPr>
+              <a:t>    </a:t>
+            </a:r>
+            <a:r>
+              <a:rPr b="0" lang="en-US" sz="1600" spc="-1" strike="noStrike">
+                <a:solidFill>
+                  <a:srgbClr val="78ffc8"/>
+                </a:solidFill>
+                <a:latin typeface="Consolas"/>
+                <a:ea typeface="DejaVu Sans"/>
+              </a:rPr>
+              <a:t>public static void main(String[] args) {</a:t>
+            </a:r>
+            <a:endParaRPr b="0" lang="en-US" sz="1600" spc="-1" strike="noStrike">
+              <a:solidFill>
+                <a:srgbClr val="ffffff"/>
+              </a:solidFill>
+              <a:latin typeface="Arial"/>
+            </a:endParaRPr>
+          </a:p>
+          <a:p>
+            <a:pPr algn="ctr">
+              <a:lnSpc>
+                <a:spcPct val="100000"/>
+              </a:lnSpc>
+            </a:pPr>
+            <a:r>
+              <a:rPr b="0" lang="en-US" sz="1600" spc="-1" strike="noStrike">
+                <a:solidFill>
+                  <a:srgbClr val="78ffc8"/>
+                </a:solidFill>
+                <a:latin typeface="Consolas"/>
+                <a:ea typeface="DejaVu Sans"/>
+              </a:rPr>
+              <a:t>        </a:t>
+            </a:r>
+            <a:r>
+              <a:rPr b="0" lang="en-US" sz="1600" spc="-1" strike="noStrike">
+                <a:solidFill>
+                  <a:srgbClr val="78ffc8"/>
+                </a:solidFill>
+                <a:latin typeface="Consolas"/>
+                <a:ea typeface="DejaVu Sans"/>
+              </a:rPr>
+              <a:t>System.out.println("Java keeps evolving version by version.");</a:t>
+            </a:r>
+            <a:endParaRPr b="0" lang="en-US" sz="1600" spc="-1" strike="noStrike">
+              <a:solidFill>
+                <a:srgbClr val="ffffff"/>
+              </a:solidFill>
+              <a:latin typeface="Arial"/>
+            </a:endParaRPr>
+          </a:p>
+          <a:p>
+            <a:pPr algn="ctr">
+              <a:lnSpc>
+                <a:spcPct val="100000"/>
+              </a:lnSpc>
+            </a:pPr>
+            <a:r>
+              <a:rPr b="0" lang="en-US" sz="1600" spc="-1" strike="noStrike">
+                <a:solidFill>
+                  <a:srgbClr val="78ffc8"/>
+                </a:solidFill>
+                <a:latin typeface="Consolas"/>
+                <a:ea typeface="DejaVu Sans"/>
+              </a:rPr>
+              <a:t>    </a:t>
+            </a:r>
+            <a:r>
+              <a:rPr b="0" lang="en-US" sz="1600" spc="-1" strike="noStrike">
+                <a:solidFill>
+                  <a:srgbClr val="78ffc8"/>
+                </a:solidFill>
+                <a:latin typeface="Consolas"/>
+                <a:ea typeface="DejaVu Sans"/>
+              </a:rPr>
+              <a:t>}</a:t>
+            </a:r>
+            <a:endParaRPr b="0" lang="en-US" sz="1600" spc="-1" strike="noStrike">
+              <a:solidFill>
+                <a:srgbClr val="ffffff"/>
+              </a:solidFill>
+              <a:latin typeface="Arial"/>
+            </a:endParaRPr>
+          </a:p>
+          <a:p>
+            <a:pPr algn="ctr">
+              <a:lnSpc>
+                <a:spcPct val="100000"/>
+              </a:lnSpc>
+            </a:pPr>
+            <a:r>
+              <a:rPr b="0" lang="en-US" sz="1600" spc="-1" strike="noStrike">
+                <a:solidFill>
+                  <a:srgbClr val="78ffc8"/>
+                </a:solidFill>
+                <a:latin typeface="Consolas"/>
+                <a:ea typeface="DejaVu Sans"/>
+              </a:rPr>
+              <a:t>}</a:t>
+            </a:r>
+            <a:endParaRPr b="0" lang="en-US" sz="1600" spc="-1" strike="noStrike">
+              <a:solidFill>
+                <a:srgbClr val="ffffff"/>
+              </a:solidFill>
+              <a:latin typeface="Arial"/>
+            </a:endParaRPr>
+          </a:p>
+          <a:p>
+            <a:pPr algn="ctr">
+              <a:lnSpc>
+                <a:spcPct val="100000"/>
+              </a:lnSpc>
+            </a:pPr>
+            <a:endParaRPr b="0" lang="en-US" sz="1600" spc="-1" strike="noStrike">
+              <a:solidFill>
+                <a:srgbClr val="ffffff"/>
+              </a:solidFill>
+              <a:latin typeface="Arial"/>
+            </a:endParaRPr>
+          </a:p>
+          <a:p>
+            <a:pPr algn="ctr">
+              <a:lnSpc>
+                <a:spcPct val="100000"/>
+              </a:lnSpc>
+            </a:pPr>
+            <a:endParaRPr b="0" lang="en-US" sz="1100" spc="-1" strike="noStrike">
+              <a:solidFill>
+                <a:srgbClr val="ffffff"/>
+              </a:solidFill>
+              <a:latin typeface="Arial"/>
+            </a:endParaRPr>
+          </a:p>
+          <a:p>
+            <a:pPr algn="ctr">
+              <a:lnSpc>
+                <a:spcPct val="100000"/>
+              </a:lnSpc>
+            </a:pPr>
+            <a:endParaRPr b="0" lang="en-US" sz="1100" spc="-1" strike="noStrike">
+              <a:solidFill>
+                <a:srgbClr val="ffffff"/>
+              </a:solidFill>
+              <a:latin typeface="Arial"/>
+            </a:endParaRPr>
+          </a:p>
+          <a:p>
+            <a:pPr algn="ctr">
+              <a:lnSpc>
+                <a:spcPct val="100000"/>
+              </a:lnSpc>
+            </a:pPr>
+            <a:endParaRPr b="0" lang="en-US" sz="1100" spc="-1" strike="noStrike">
+              <a:solidFill>
+                <a:srgbClr val="ffffff"/>
+              </a:solidFill>
+              <a:latin typeface="Arial"/>
+            </a:endParaRPr>
+          </a:p>
+          <a:p>
+            <a:pPr algn="ctr">
+              <a:lnSpc>
+                <a:spcPct val="100000"/>
+              </a:lnSpc>
+            </a:pPr>
+            <a:endParaRPr b="0" lang="en-US" sz="1970" spc="-1" strike="noStrike">
+              <a:solidFill>
+                <a:srgbClr val="ffffff"/>
+              </a:solidFill>
+              <a:latin typeface="Arial"/>
+            </a:endParaRPr>
+          </a:p>
+        </p:txBody>
+      </p:sp>
+      <p:sp>
+        <p:nvSpPr>
+          <p:cNvPr id="299" name="TextBox 33"/>
+          <p:cNvSpPr/>
+          <p:nvPr/>
+        </p:nvSpPr>
+        <p:spPr>
+          <a:xfrm>
+            <a:off x="5224320" y="7104600"/>
+            <a:ext cx="3052440" cy="363960"/>
+          </a:xfrm>
+          <a:prstGeom prst="rect">
+            <a:avLst/>
+          </a:prstGeom>
+          <a:noFill/>
+          <a:ln w="0">
+            <a:noFill/>
+          </a:ln>
+        </p:spPr>
+        <p:style>
+          <a:lnRef idx="0"/>
+          <a:fillRef idx="0"/>
+          <a:effectRef idx="0"/>
+          <a:fontRef idx="minor"/>
+        </p:style>
+        <p:txBody>
+          <a:bodyPr wrap="none" lIns="90000" rIns="90000" tIns="45000" bIns="45000" anchor="t">
+            <a:spAutoFit/>
+          </a:bodyPr>
+          <a:p>
+            <a:pPr>
+              <a:lnSpc>
+                <a:spcPct val="100000"/>
+              </a:lnSpc>
+            </a:pPr>
+            <a:r>
+              <a:rPr b="0" lang="en-US" sz="1800" spc="-1" strike="noStrike">
+                <a:solidFill>
+                  <a:srgbClr val="000000"/>
+                </a:solidFill>
+                <a:latin typeface="Calibri"/>
+                <a:ea typeface="DejaVu Sans"/>
+              </a:rPr>
+              <a:t>Java • Ultra Premium Template</a:t>
+            </a:r>
+            <a:endParaRPr b="0" lang="en-US" sz="1800" spc="-1" strike="noStrike">
+              <a:solidFill>
+                <a:srgbClr val="000000"/>
+              </a:solidFill>
+              <a:latin typeface="Arial"/>
+            </a:endParaRPr>
+          </a:p>
+        </p:txBody>
+      </p:sp>
+      <p:sp>
+        <p:nvSpPr>
+          <p:cNvPr id="300" name="Rounded Rectangle 76"/>
+          <p:cNvSpPr/>
+          <p:nvPr/>
+        </p:nvSpPr>
+        <p:spPr>
+          <a:xfrm>
+            <a:off x="4941000" y="3450960"/>
+            <a:ext cx="3624480" cy="3019680"/>
+          </a:xfrm>
+          <a:prstGeom prst="roundRect">
+            <a:avLst>
+              <a:gd name="adj" fmla="val 16667"/>
+            </a:avLst>
+          </a:prstGeom>
+          <a:solidFill>
+            <a:srgbClr val="16161c"/>
+          </a:solidFill>
+          <a:ln>
+            <a:solidFill>
+              <a:srgbClr val="464655"/>
+            </a:solidFill>
+            <a:round/>
+          </a:ln>
+          <a:effectLst>
+            <a:outerShdw blurRad="39960" dir="5400000" dist="23040" rotWithShape="0">
+              <a:srgbClr val="000000">
+                <a:alpha val="35000"/>
+              </a:srgbClr>
+            </a:outerShdw>
+          </a:effectLst>
+        </p:spPr>
+        <p:style>
+          <a:lnRef idx="1">
+            <a:schemeClr val="accent1"/>
+          </a:lnRef>
+          <a:fillRef idx="3">
+            <a:schemeClr val="accent1"/>
+          </a:fillRef>
+          <a:effectRef idx="2">
+            <a:schemeClr val="accent1"/>
+          </a:effectRef>
+          <a:fontRef idx="minor"/>
+        </p:style>
+        <p:txBody>
+          <a:bodyPr lIns="90000" rIns="90000" tIns="45000" bIns="45000" anchor="ctr">
+            <a:noAutofit/>
+          </a:bodyPr>
+          <a:p>
+            <a:pPr>
+              <a:lnSpc>
+                <a:spcPct val="100000"/>
+              </a:lnSpc>
+            </a:pPr>
+            <a:r>
+              <a:rPr b="0" lang="en-US" sz="1800" spc="-1" strike="noStrike">
+                <a:solidFill>
+                  <a:schemeClr val="lt1"/>
+                </a:solidFill>
+                <a:latin typeface="Calibri"/>
+                <a:ea typeface="DejaVu Sans"/>
+              </a:rPr>
+              <a:t>Java versions are not rewrites</a:t>
+            </a:r>
+            <a:endParaRPr b="0" lang="en-US" sz="1800" spc="-1" strike="noStrike">
+              <a:solidFill>
+                <a:srgbClr val="ffffff"/>
+              </a:solidFill>
+              <a:latin typeface="Arial"/>
+            </a:endParaRPr>
+          </a:p>
+          <a:p>
+            <a:pPr>
+              <a:lnSpc>
+                <a:spcPct val="100000"/>
+              </a:lnSpc>
+            </a:pPr>
+            <a:r>
+              <a:rPr b="0" lang="en-US" sz="1800" spc="-1" strike="noStrike">
+                <a:solidFill>
+                  <a:schemeClr val="lt1"/>
+                </a:solidFill>
+                <a:latin typeface="Calibri"/>
+                <a:ea typeface="DejaVu Sans"/>
+              </a:rPr>
+              <a:t>↓</a:t>
+            </a:r>
+            <a:endParaRPr b="0" lang="en-US" sz="1800" spc="-1" strike="noStrike">
+              <a:solidFill>
+                <a:srgbClr val="ffffff"/>
+              </a:solidFill>
+              <a:latin typeface="Arial"/>
+            </a:endParaRPr>
+          </a:p>
+          <a:p>
+            <a:pPr>
+              <a:lnSpc>
+                <a:spcPct val="100000"/>
+              </a:lnSpc>
+            </a:pPr>
+            <a:r>
+              <a:rPr b="0" lang="en-US" sz="1800" spc="-1" strike="noStrike">
+                <a:solidFill>
+                  <a:schemeClr val="lt1"/>
+                </a:solidFill>
+                <a:latin typeface="Calibri"/>
+                <a:ea typeface="DejaVu Sans"/>
+              </a:rPr>
+              <a:t>They are gradual improvements</a:t>
+            </a:r>
+            <a:endParaRPr b="0" lang="en-US" sz="1800" spc="-1" strike="noStrike">
+              <a:solidFill>
+                <a:srgbClr val="ffffff"/>
+              </a:solidFill>
+              <a:latin typeface="Arial"/>
+            </a:endParaRPr>
+          </a:p>
+          <a:p>
+            <a:pPr>
+              <a:lnSpc>
+                <a:spcPct val="100000"/>
+              </a:lnSpc>
+            </a:pPr>
+            <a:r>
+              <a:rPr b="0" lang="en-US" sz="1800" spc="-1" strike="noStrike">
+                <a:solidFill>
+                  <a:schemeClr val="lt1"/>
+                </a:solidFill>
+                <a:latin typeface="Calibri"/>
+                <a:ea typeface="DejaVu Sans"/>
+              </a:rPr>
+              <a:t>↓</a:t>
+            </a:r>
+            <a:endParaRPr b="0" lang="en-US" sz="1800" spc="-1" strike="noStrike">
+              <a:solidFill>
+                <a:srgbClr val="ffffff"/>
+              </a:solidFill>
+              <a:latin typeface="Arial"/>
+            </a:endParaRPr>
+          </a:p>
+          <a:p>
+            <a:pPr>
+              <a:lnSpc>
+                <a:spcPct val="100000"/>
+              </a:lnSpc>
+            </a:pPr>
+            <a:r>
+              <a:rPr b="0" lang="en-US" sz="1800" spc="-1" strike="noStrike">
+                <a:solidFill>
+                  <a:schemeClr val="lt1"/>
+                </a:solidFill>
+                <a:latin typeface="Calibri"/>
+                <a:ea typeface="DejaVu Sans"/>
+              </a:rPr>
+              <a:t>New features + same core idea</a:t>
+            </a:r>
+            <a:endParaRPr b="0" lang="en-US" sz="1800" spc="-1" strike="noStrike">
+              <a:solidFill>
+                <a:srgbClr val="ffffff"/>
+              </a:solidFill>
+              <a:latin typeface="Arial"/>
+            </a:endParaRPr>
+          </a:p>
+          <a:p>
+            <a:pPr>
+              <a:lnSpc>
+                <a:spcPct val="100000"/>
+              </a:lnSpc>
+            </a:pPr>
+            <a:endParaRPr b="0" lang="en-US" sz="1800" spc="-1" strike="noStrike">
+              <a:solidFill>
+                <a:srgbClr val="ffffff"/>
+              </a:solidFill>
+              <a:latin typeface="Arial"/>
+            </a:endParaRPr>
+          </a:p>
+          <a:p>
+            <a:pPr>
+              <a:lnSpc>
+                <a:spcPct val="100000"/>
+              </a:lnSpc>
+            </a:pPr>
+            <a:r>
+              <a:rPr b="1" lang="en-US" sz="1800" spc="-1" strike="noStrike">
+                <a:solidFill>
+                  <a:schemeClr val="lt1"/>
+                </a:solidFill>
+                <a:latin typeface="Calibri"/>
+                <a:ea typeface="DejaVu Sans"/>
+              </a:rPr>
+              <a:t>Philosophy:</a:t>
+            </a:r>
+            <a:endParaRPr b="0" lang="en-US" sz="1800" spc="-1" strike="noStrike">
+              <a:solidFill>
+                <a:srgbClr val="ffffff"/>
+              </a:solidFill>
+              <a:latin typeface="Arial"/>
+            </a:endParaRPr>
+          </a:p>
+          <a:p>
+            <a:pPr>
+              <a:lnSpc>
+                <a:spcPct val="100000"/>
+              </a:lnSpc>
+            </a:pPr>
+            <a:r>
+              <a:rPr b="0" lang="en-US" sz="1800" spc="-1" strike="noStrike">
+                <a:solidFill>
+                  <a:schemeClr val="lt1"/>
+                </a:solidFill>
+                <a:latin typeface="Calibri"/>
+                <a:ea typeface="DejaVu Sans"/>
+              </a:rPr>
+              <a:t>Write once, improve forever.</a:t>
+            </a:r>
+            <a:endParaRPr b="0" lang="en-US" sz="1800" spc="-1" strike="noStrike">
+              <a:solidFill>
+                <a:srgbClr val="ffffff"/>
               </a:solidFill>
               <a:latin typeface="Arial"/>
             </a:endParaRPr>
@@ -4973,8 +7065,8 @@
         </p:nvSpPr>
         <p:spPr>
           <a:xfrm>
-            <a:off x="0" y="0"/>
-            <a:ext cx="12184920" cy="6854040"/>
+            <a:off x="1440" y="1800"/>
+            <a:ext cx="13431960" cy="7555320"/>
           </a:xfrm>
           <a:prstGeom prst="rect">
             <a:avLst/>
@@ -5033,8 +7125,8 @@
         </p:nvSpPr>
         <p:spPr>
           <a:xfrm>
-            <a:off x="0" y="0"/>
-            <a:ext cx="14400" cy="6854040"/>
+            <a:off x="1440" y="1800"/>
+            <a:ext cx="16200" cy="7555320"/>
           </a:xfrm>
           <a:prstGeom prst="rect">
             <a:avLst/>
@@ -5093,8 +7185,8 @@
         </p:nvSpPr>
         <p:spPr>
           <a:xfrm>
-            <a:off x="914400" y="0"/>
-            <a:ext cx="14400" cy="6854040"/>
+            <a:off x="1005480" y="1800"/>
+            <a:ext cx="16200" cy="7555320"/>
           </a:xfrm>
           <a:prstGeom prst="rect">
             <a:avLst/>
@@ -5153,8 +7245,8 @@
         </p:nvSpPr>
         <p:spPr>
           <a:xfrm>
-            <a:off x="1828800" y="0"/>
-            <a:ext cx="14400" cy="6854040"/>
+            <a:off x="2013480" y="1800"/>
+            <a:ext cx="16200" cy="7555320"/>
           </a:xfrm>
           <a:prstGeom prst="rect">
             <a:avLst/>
@@ -5213,8 +7305,8 @@
         </p:nvSpPr>
         <p:spPr>
           <a:xfrm>
-            <a:off x="2743200" y="0"/>
-            <a:ext cx="14400" cy="6854040"/>
+            <a:off x="3021480" y="1800"/>
+            <a:ext cx="16200" cy="7555320"/>
           </a:xfrm>
           <a:prstGeom prst="rect">
             <a:avLst/>
@@ -5273,8 +7365,8 @@
         </p:nvSpPr>
         <p:spPr>
           <a:xfrm>
-            <a:off x="3657600" y="0"/>
-            <a:ext cx="14400" cy="6854040"/>
+            <a:off x="4029480" y="1800"/>
+            <a:ext cx="16200" cy="7555320"/>
           </a:xfrm>
           <a:prstGeom prst="rect">
             <a:avLst/>
@@ -5333,8 +7425,8 @@
         </p:nvSpPr>
         <p:spPr>
           <a:xfrm>
-            <a:off x="4572000" y="0"/>
-            <a:ext cx="14400" cy="6854040"/>
+            <a:off x="5037480" y="1800"/>
+            <a:ext cx="16200" cy="7555320"/>
           </a:xfrm>
           <a:prstGeom prst="rect">
             <a:avLst/>
@@ -5393,8 +7485,8 @@
         </p:nvSpPr>
         <p:spPr>
           <a:xfrm>
-            <a:off x="5486400" y="0"/>
-            <a:ext cx="14400" cy="6854040"/>
+            <a:off x="6045480" y="1800"/>
+            <a:ext cx="16200" cy="7555320"/>
           </a:xfrm>
           <a:prstGeom prst="rect">
             <a:avLst/>
@@ -5453,8 +7545,8 @@
         </p:nvSpPr>
         <p:spPr>
           <a:xfrm>
-            <a:off x="6400800" y="0"/>
-            <a:ext cx="14400" cy="6854040"/>
+            <a:off x="7053480" y="1800"/>
+            <a:ext cx="16200" cy="7555320"/>
           </a:xfrm>
           <a:prstGeom prst="rect">
             <a:avLst/>
@@ -5513,8 +7605,8 @@
         </p:nvSpPr>
         <p:spPr>
           <a:xfrm>
-            <a:off x="7315200" y="0"/>
-            <a:ext cx="14400" cy="6854040"/>
+            <a:off x="8061480" y="1800"/>
+            <a:ext cx="16200" cy="7555320"/>
           </a:xfrm>
           <a:prstGeom prst="rect">
             <a:avLst/>
@@ -5573,8 +7665,8 @@
         </p:nvSpPr>
         <p:spPr>
           <a:xfrm>
-            <a:off x="8229600" y="0"/>
-            <a:ext cx="14400" cy="6854040"/>
+            <a:off x="9069480" y="1800"/>
+            <a:ext cx="16200" cy="7555320"/>
           </a:xfrm>
           <a:prstGeom prst="rect">
             <a:avLst/>
@@ -5633,8 +7725,8 @@
         </p:nvSpPr>
         <p:spPr>
           <a:xfrm>
-            <a:off x="9144000" y="0"/>
-            <a:ext cx="14400" cy="6854040"/>
+            <a:off x="10077480" y="1800"/>
+            <a:ext cx="16200" cy="7555320"/>
           </a:xfrm>
           <a:prstGeom prst="rect">
             <a:avLst/>
@@ -5693,8 +7785,8 @@
         </p:nvSpPr>
         <p:spPr>
           <a:xfrm>
-            <a:off x="10058400" y="0"/>
-            <a:ext cx="14400" cy="6854040"/>
+            <a:off x="11085480" y="1800"/>
+            <a:ext cx="16200" cy="7555320"/>
           </a:xfrm>
           <a:prstGeom prst="rect">
             <a:avLst/>
@@ -5753,8 +7845,8 @@
         </p:nvSpPr>
         <p:spPr>
           <a:xfrm>
-            <a:off x="10972800" y="0"/>
-            <a:ext cx="14400" cy="6854040"/>
+            <a:off x="12093480" y="1800"/>
+            <a:ext cx="16200" cy="7555320"/>
           </a:xfrm>
           <a:prstGeom prst="rect">
             <a:avLst/>
@@ -5813,8 +7905,8 @@
         </p:nvSpPr>
         <p:spPr>
           <a:xfrm>
-            <a:off x="11887200" y="0"/>
-            <a:ext cx="14400" cy="6854040"/>
+            <a:off x="13101480" y="1800"/>
+            <a:ext cx="16200" cy="7555320"/>
           </a:xfrm>
           <a:prstGeom prst="rect">
             <a:avLst/>
@@ -5873,8 +7965,8 @@
         </p:nvSpPr>
         <p:spPr>
           <a:xfrm>
-            <a:off x="0" y="0"/>
-            <a:ext cx="316080" cy="6854040"/>
+            <a:off x="1440" y="1800"/>
+            <a:ext cx="348120" cy="7555320"/>
           </a:xfrm>
           <a:prstGeom prst="rect">
             <a:avLst/>
@@ -5933,8 +8025,8 @@
         </p:nvSpPr>
         <p:spPr>
           <a:xfrm>
-            <a:off x="9875520" y="365760"/>
-            <a:ext cx="2007720" cy="498960"/>
+            <a:off x="10884960" y="401400"/>
+            <a:ext cx="2212560" cy="548640"/>
           </a:xfrm>
           <a:prstGeom prst="roundRect">
             <a:avLst>
@@ -6007,8 +8099,8 @@
         </p:nvSpPr>
         <p:spPr>
           <a:xfrm>
-            <a:off x="3690720" y="1005840"/>
-            <a:ext cx="3590280" cy="820800"/>
+            <a:off x="4249800" y="1107000"/>
+            <a:ext cx="3591720" cy="820800"/>
           </a:xfrm>
           <a:prstGeom prst="rect">
             <a:avLst/>
@@ -6061,8 +8153,8 @@
         </p:nvSpPr>
         <p:spPr>
           <a:xfrm>
-            <a:off x="2825640" y="2057400"/>
-            <a:ext cx="5909760" cy="957960"/>
+            <a:off x="3414600" y="2266200"/>
+            <a:ext cx="5911200" cy="957960"/>
           </a:xfrm>
           <a:prstGeom prst="rect">
             <a:avLst/>
@@ -6151,8 +8243,8 @@
         </p:nvSpPr>
         <p:spPr>
           <a:xfrm>
-            <a:off x="987480" y="3182040"/>
-            <a:ext cx="3287880" cy="2739240"/>
+            <a:off x="1086840" y="3506040"/>
+            <a:ext cx="3624120" cy="3019320"/>
           </a:xfrm>
           <a:prstGeom prst="roundRect">
             <a:avLst>
@@ -6213,8 +8305,8 @@
         </p:nvSpPr>
         <p:spPr>
           <a:xfrm>
-            <a:off x="914400" y="3108960"/>
-            <a:ext cx="3287880" cy="2739240"/>
+            <a:off x="1006560" y="3425040"/>
+            <a:ext cx="3624480" cy="3019680"/>
           </a:xfrm>
           <a:prstGeom prst="roundRect">
             <a:avLst>
@@ -6442,8 +8534,8 @@
         </p:nvSpPr>
         <p:spPr>
           <a:xfrm>
-            <a:off x="4507920" y="3182040"/>
-            <a:ext cx="3287880" cy="2739240"/>
+            <a:off x="4968360" y="3506040"/>
+            <a:ext cx="3624120" cy="3019320"/>
           </a:xfrm>
           <a:prstGeom prst="roundRect">
             <a:avLst>
@@ -6504,8 +8596,8 @@
         </p:nvSpPr>
         <p:spPr>
           <a:xfrm>
-            <a:off x="4434840" y="3108960"/>
-            <a:ext cx="3287880" cy="2739240"/>
+            <a:off x="4886640" y="3425040"/>
+            <a:ext cx="3624480" cy="3019680"/>
           </a:xfrm>
           <a:prstGeom prst="roundRect">
             <a:avLst>
@@ -6880,8 +8972,8 @@
         </p:nvSpPr>
         <p:spPr>
           <a:xfrm>
-            <a:off x="8028360" y="3182040"/>
-            <a:ext cx="3287880" cy="2739240"/>
+            <a:off x="8849160" y="3506040"/>
+            <a:ext cx="3624120" cy="3019320"/>
           </a:xfrm>
           <a:prstGeom prst="roundRect">
             <a:avLst>
@@ -6942,8 +9034,8 @@
         </p:nvSpPr>
         <p:spPr>
           <a:xfrm>
-            <a:off x="7955280" y="3108960"/>
-            <a:ext cx="3287880" cy="2739240"/>
+            <a:off x="8767440" y="3425760"/>
+            <a:ext cx="3624480" cy="3019680"/>
           </a:xfrm>
           <a:prstGeom prst="roundRect">
             <a:avLst>
@@ -7151,8 +9243,8 @@
         </p:nvSpPr>
         <p:spPr>
           <a:xfrm>
-            <a:off x="4600080" y="6446520"/>
-            <a:ext cx="3051000" cy="363960"/>
+            <a:off x="5224320" y="7104600"/>
+            <a:ext cx="3052440" cy="363960"/>
           </a:xfrm>
           <a:prstGeom prst="rect">
             <a:avLst/>
@@ -7235,8 +9327,8 @@
         </p:nvSpPr>
         <p:spPr>
           <a:xfrm>
-            <a:off x="0" y="0"/>
-            <a:ext cx="12184920" cy="6854040"/>
+            <a:off x="1440" y="1800"/>
+            <a:ext cx="13431960" cy="7555320"/>
           </a:xfrm>
           <a:prstGeom prst="rect">
             <a:avLst/>
@@ -7295,8 +9387,8 @@
         </p:nvSpPr>
         <p:spPr>
           <a:xfrm>
-            <a:off x="0" y="0"/>
-            <a:ext cx="14400" cy="6854040"/>
+            <a:off x="1440" y="1800"/>
+            <a:ext cx="16200" cy="7555320"/>
           </a:xfrm>
           <a:prstGeom prst="rect">
             <a:avLst/>
@@ -7355,8 +9447,8 @@
         </p:nvSpPr>
         <p:spPr>
           <a:xfrm>
-            <a:off x="914400" y="0"/>
-            <a:ext cx="14400" cy="6854040"/>
+            <a:off x="1005480" y="1800"/>
+            <a:ext cx="16200" cy="7555320"/>
           </a:xfrm>
           <a:prstGeom prst="rect">
             <a:avLst/>
@@ -7415,8 +9507,8 @@
         </p:nvSpPr>
         <p:spPr>
           <a:xfrm>
-            <a:off x="1828800" y="0"/>
-            <a:ext cx="14400" cy="6854040"/>
+            <a:off x="2013480" y="1800"/>
+            <a:ext cx="16200" cy="7555320"/>
           </a:xfrm>
           <a:prstGeom prst="rect">
             <a:avLst/>
@@ -7475,8 +9567,8 @@
         </p:nvSpPr>
         <p:spPr>
           <a:xfrm>
-            <a:off x="2743200" y="0"/>
-            <a:ext cx="14400" cy="6854040"/>
+            <a:off x="3021480" y="1800"/>
+            <a:ext cx="16200" cy="7555320"/>
           </a:xfrm>
           <a:prstGeom prst="rect">
             <a:avLst/>
@@ -7535,8 +9627,8 @@
         </p:nvSpPr>
         <p:spPr>
           <a:xfrm>
-            <a:off x="3657600" y="0"/>
-            <a:ext cx="14400" cy="6854040"/>
+            <a:off x="4029480" y="1800"/>
+            <a:ext cx="16200" cy="7555320"/>
           </a:xfrm>
           <a:prstGeom prst="rect">
             <a:avLst/>
@@ -7595,8 +9687,8 @@
         </p:nvSpPr>
         <p:spPr>
           <a:xfrm>
-            <a:off x="4572000" y="0"/>
-            <a:ext cx="14400" cy="6854040"/>
+            <a:off x="5037480" y="1800"/>
+            <a:ext cx="16200" cy="7555320"/>
           </a:xfrm>
           <a:prstGeom prst="rect">
             <a:avLst/>
@@ -7655,8 +9747,8 @@
         </p:nvSpPr>
         <p:spPr>
           <a:xfrm>
-            <a:off x="5486400" y="0"/>
-            <a:ext cx="14400" cy="6854040"/>
+            <a:off x="6045480" y="1800"/>
+            <a:ext cx="16200" cy="7555320"/>
           </a:xfrm>
           <a:prstGeom prst="rect">
             <a:avLst/>
@@ -7715,8 +9807,8 @@
         </p:nvSpPr>
         <p:spPr>
           <a:xfrm>
-            <a:off x="6400800" y="0"/>
-            <a:ext cx="14400" cy="6854040"/>
+            <a:off x="7053480" y="1800"/>
+            <a:ext cx="16200" cy="7555320"/>
           </a:xfrm>
           <a:prstGeom prst="rect">
             <a:avLst/>
@@ -7775,8 +9867,8 @@
         </p:nvSpPr>
         <p:spPr>
           <a:xfrm>
-            <a:off x="7315200" y="0"/>
-            <a:ext cx="14400" cy="6854040"/>
+            <a:off x="8061480" y="1800"/>
+            <a:ext cx="16200" cy="7555320"/>
           </a:xfrm>
           <a:prstGeom prst="rect">
             <a:avLst/>
@@ -7835,8 +9927,8 @@
         </p:nvSpPr>
         <p:spPr>
           <a:xfrm>
-            <a:off x="8229600" y="0"/>
-            <a:ext cx="14400" cy="6854040"/>
+            <a:off x="9069480" y="1800"/>
+            <a:ext cx="16200" cy="7555320"/>
           </a:xfrm>
           <a:prstGeom prst="rect">
             <a:avLst/>
@@ -7895,8 +9987,8 @@
         </p:nvSpPr>
         <p:spPr>
           <a:xfrm>
-            <a:off x="9144000" y="0"/>
-            <a:ext cx="14400" cy="6854040"/>
+            <a:off x="10077480" y="1800"/>
+            <a:ext cx="16200" cy="7555320"/>
           </a:xfrm>
           <a:prstGeom prst="rect">
             <a:avLst/>
@@ -7955,8 +10047,8 @@
         </p:nvSpPr>
         <p:spPr>
           <a:xfrm>
-            <a:off x="10058400" y="0"/>
-            <a:ext cx="14400" cy="6854040"/>
+            <a:off x="11085480" y="1800"/>
+            <a:ext cx="16200" cy="7555320"/>
           </a:xfrm>
           <a:prstGeom prst="rect">
             <a:avLst/>
@@ -8015,8 +10107,8 @@
         </p:nvSpPr>
         <p:spPr>
           <a:xfrm>
-            <a:off x="10972800" y="0"/>
-            <a:ext cx="14400" cy="6854040"/>
+            <a:off x="12093480" y="1800"/>
+            <a:ext cx="16200" cy="7555320"/>
           </a:xfrm>
           <a:prstGeom prst="rect">
             <a:avLst/>
@@ -8075,8 +10167,8 @@
         </p:nvSpPr>
         <p:spPr>
           <a:xfrm>
-            <a:off x="11887200" y="0"/>
-            <a:ext cx="14400" cy="6854040"/>
+            <a:off x="13101480" y="1800"/>
+            <a:ext cx="16200" cy="7555320"/>
           </a:xfrm>
           <a:prstGeom prst="rect">
             <a:avLst/>
@@ -8135,8 +10227,8 @@
         </p:nvSpPr>
         <p:spPr>
           <a:xfrm>
-            <a:off x="0" y="0"/>
-            <a:ext cx="316080" cy="6854040"/>
+            <a:off x="1440" y="1800"/>
+            <a:ext cx="348120" cy="7555320"/>
           </a:xfrm>
           <a:prstGeom prst="rect">
             <a:avLst/>
@@ -8195,8 +10287,8 @@
         </p:nvSpPr>
         <p:spPr>
           <a:xfrm>
-            <a:off x="9875520" y="365760"/>
-            <a:ext cx="2007720" cy="498960"/>
+            <a:off x="10884960" y="401400"/>
+            <a:ext cx="2212560" cy="548640"/>
           </a:xfrm>
           <a:prstGeom prst="roundRect">
             <a:avLst>
@@ -8269,8 +10361,8 @@
         </p:nvSpPr>
         <p:spPr>
           <a:xfrm>
-            <a:off x="2688840" y="1005840"/>
-            <a:ext cx="5594400" cy="820800"/>
+            <a:off x="3248280" y="1107000"/>
+            <a:ext cx="5595840" cy="820800"/>
           </a:xfrm>
           <a:prstGeom prst="rect">
             <a:avLst/>
@@ -8323,8 +10415,8 @@
         </p:nvSpPr>
         <p:spPr>
           <a:xfrm>
-            <a:off x="2429280" y="2057400"/>
-            <a:ext cx="6703920" cy="668520"/>
+            <a:off x="3017520" y="2266200"/>
+            <a:ext cx="6705360" cy="668520"/>
           </a:xfrm>
           <a:prstGeom prst="rect">
             <a:avLst/>
@@ -8390,8 +10482,8 @@
         </p:nvSpPr>
         <p:spPr>
           <a:xfrm>
-            <a:off x="987480" y="3182040"/>
-            <a:ext cx="3287880" cy="2739240"/>
+            <a:off x="1086840" y="3506040"/>
+            <a:ext cx="3624120" cy="3019320"/>
           </a:xfrm>
           <a:prstGeom prst="roundRect">
             <a:avLst>
@@ -8452,8 +10544,8 @@
         </p:nvSpPr>
         <p:spPr>
           <a:xfrm>
-            <a:off x="914400" y="3108960"/>
-            <a:ext cx="3287880" cy="2739240"/>
+            <a:off x="1006560" y="3425760"/>
+            <a:ext cx="3624480" cy="3019680"/>
           </a:xfrm>
           <a:prstGeom prst="roundRect">
             <a:avLst>
@@ -8615,8 +10707,8 @@
         </p:nvSpPr>
         <p:spPr>
           <a:xfrm>
-            <a:off x="4507920" y="3182040"/>
-            <a:ext cx="3287880" cy="2739240"/>
+            <a:off x="4968360" y="3506040"/>
+            <a:ext cx="3624120" cy="3019320"/>
           </a:xfrm>
           <a:prstGeom prst="roundRect">
             <a:avLst>
@@ -8677,8 +10769,8 @@
         </p:nvSpPr>
         <p:spPr>
           <a:xfrm>
-            <a:off x="4434840" y="3108960"/>
-            <a:ext cx="3287880" cy="2739240"/>
+            <a:off x="4886640" y="3424320"/>
+            <a:ext cx="3624480" cy="3019680"/>
           </a:xfrm>
           <a:prstGeom prst="roundRect">
             <a:avLst>
@@ -8948,8 +11040,8 @@
         </p:nvSpPr>
         <p:spPr>
           <a:xfrm>
-            <a:off x="8028360" y="3182040"/>
-            <a:ext cx="3287880" cy="2739240"/>
+            <a:off x="8849160" y="3506040"/>
+            <a:ext cx="3624120" cy="3019320"/>
           </a:xfrm>
           <a:prstGeom prst="roundRect">
             <a:avLst>
@@ -9010,8 +11102,8 @@
         </p:nvSpPr>
         <p:spPr>
           <a:xfrm>
-            <a:off x="7955280" y="3108960"/>
-            <a:ext cx="3287880" cy="2739240"/>
+            <a:off x="8767440" y="3425040"/>
+            <a:ext cx="3624480" cy="3019680"/>
           </a:xfrm>
           <a:prstGeom prst="roundRect">
             <a:avLst>
@@ -9258,8 +11350,8 @@
         </p:nvSpPr>
         <p:spPr>
           <a:xfrm>
-            <a:off x="4600080" y="6446520"/>
-            <a:ext cx="3051000" cy="363960"/>
+            <a:off x="5224320" y="7104600"/>
+            <a:ext cx="3052440" cy="363960"/>
           </a:xfrm>
           <a:prstGeom prst="rect">
             <a:avLst/>
@@ -9342,8 +11434,8 @@
         </p:nvSpPr>
         <p:spPr>
           <a:xfrm>
-            <a:off x="0" y="0"/>
-            <a:ext cx="12184920" cy="6854040"/>
+            <a:off x="1440" y="1800"/>
+            <a:ext cx="13431960" cy="7555320"/>
           </a:xfrm>
           <a:prstGeom prst="rect">
             <a:avLst/>
@@ -9402,8 +11494,8 @@
         </p:nvSpPr>
         <p:spPr>
           <a:xfrm>
-            <a:off x="0" y="0"/>
-            <a:ext cx="14400" cy="6854040"/>
+            <a:off x="1440" y="1800"/>
+            <a:ext cx="16200" cy="7555320"/>
           </a:xfrm>
           <a:prstGeom prst="rect">
             <a:avLst/>
@@ -9462,8 +11554,8 @@
         </p:nvSpPr>
         <p:spPr>
           <a:xfrm>
-            <a:off x="914400" y="0"/>
-            <a:ext cx="14400" cy="6854040"/>
+            <a:off x="1005480" y="1800"/>
+            <a:ext cx="16200" cy="7555320"/>
           </a:xfrm>
           <a:prstGeom prst="rect">
             <a:avLst/>
@@ -9522,8 +11614,8 @@
         </p:nvSpPr>
         <p:spPr>
           <a:xfrm>
-            <a:off x="1828800" y="0"/>
-            <a:ext cx="14400" cy="6854040"/>
+            <a:off x="2013480" y="1800"/>
+            <a:ext cx="16200" cy="7555320"/>
           </a:xfrm>
           <a:prstGeom prst="rect">
             <a:avLst/>
@@ -9582,8 +11674,8 @@
         </p:nvSpPr>
         <p:spPr>
           <a:xfrm>
-            <a:off x="2743200" y="0"/>
-            <a:ext cx="14400" cy="6854040"/>
+            <a:off x="3021480" y="1800"/>
+            <a:ext cx="16200" cy="7555320"/>
           </a:xfrm>
           <a:prstGeom prst="rect">
             <a:avLst/>
@@ -9642,8 +11734,8 @@
         </p:nvSpPr>
         <p:spPr>
           <a:xfrm>
-            <a:off x="3657600" y="0"/>
-            <a:ext cx="14400" cy="6854040"/>
+            <a:off x="4029480" y="1800"/>
+            <a:ext cx="16200" cy="7555320"/>
           </a:xfrm>
           <a:prstGeom prst="rect">
             <a:avLst/>
@@ -9702,8 +11794,8 @@
         </p:nvSpPr>
         <p:spPr>
           <a:xfrm>
-            <a:off x="4572000" y="0"/>
-            <a:ext cx="14400" cy="6854040"/>
+            <a:off x="5037480" y="1800"/>
+            <a:ext cx="16200" cy="7555320"/>
           </a:xfrm>
           <a:prstGeom prst="rect">
             <a:avLst/>
@@ -9762,8 +11854,8 @@
         </p:nvSpPr>
         <p:spPr>
           <a:xfrm>
-            <a:off x="5486400" y="0"/>
-            <a:ext cx="14400" cy="6854040"/>
+            <a:off x="6045480" y="1800"/>
+            <a:ext cx="16200" cy="7555320"/>
           </a:xfrm>
           <a:prstGeom prst="rect">
             <a:avLst/>
@@ -9822,8 +11914,8 @@
         </p:nvSpPr>
         <p:spPr>
           <a:xfrm>
-            <a:off x="6400800" y="0"/>
-            <a:ext cx="14400" cy="6854040"/>
+            <a:off x="7053480" y="1800"/>
+            <a:ext cx="16200" cy="7555320"/>
           </a:xfrm>
           <a:prstGeom prst="rect">
             <a:avLst/>
@@ -9882,8 +11974,8 @@
         </p:nvSpPr>
         <p:spPr>
           <a:xfrm>
-            <a:off x="7315200" y="0"/>
-            <a:ext cx="14400" cy="6854040"/>
+            <a:off x="8061480" y="1800"/>
+            <a:ext cx="16200" cy="7555320"/>
           </a:xfrm>
           <a:prstGeom prst="rect">
             <a:avLst/>
@@ -9942,8 +12034,8 @@
         </p:nvSpPr>
         <p:spPr>
           <a:xfrm>
-            <a:off x="8229600" y="0"/>
-            <a:ext cx="14400" cy="6854040"/>
+            <a:off x="9069480" y="1800"/>
+            <a:ext cx="16200" cy="7555320"/>
           </a:xfrm>
           <a:prstGeom prst="rect">
             <a:avLst/>
@@ -10002,8 +12094,8 @@
         </p:nvSpPr>
         <p:spPr>
           <a:xfrm>
-            <a:off x="9144000" y="0"/>
-            <a:ext cx="14400" cy="6854040"/>
+            <a:off x="10077480" y="1800"/>
+            <a:ext cx="16200" cy="7555320"/>
           </a:xfrm>
           <a:prstGeom prst="rect">
             <a:avLst/>
@@ -10062,8 +12154,8 @@
         </p:nvSpPr>
         <p:spPr>
           <a:xfrm>
-            <a:off x="10058400" y="0"/>
-            <a:ext cx="14400" cy="6854040"/>
+            <a:off x="11085480" y="1800"/>
+            <a:ext cx="16200" cy="7555320"/>
           </a:xfrm>
           <a:prstGeom prst="rect">
             <a:avLst/>
@@ -10122,8 +12214,8 @@
         </p:nvSpPr>
         <p:spPr>
           <a:xfrm>
-            <a:off x="10972800" y="0"/>
-            <a:ext cx="14400" cy="6854040"/>
+            <a:off x="12093480" y="1800"/>
+            <a:ext cx="16200" cy="7555320"/>
           </a:xfrm>
           <a:prstGeom prst="rect">
             <a:avLst/>
@@ -10182,8 +12274,8 @@
         </p:nvSpPr>
         <p:spPr>
           <a:xfrm>
-            <a:off x="11887200" y="0"/>
-            <a:ext cx="14400" cy="6854040"/>
+            <a:off x="13101480" y="1800"/>
+            <a:ext cx="16200" cy="7555320"/>
           </a:xfrm>
           <a:prstGeom prst="rect">
             <a:avLst/>
@@ -10242,8 +12334,8 @@
         </p:nvSpPr>
         <p:spPr>
           <a:xfrm>
-            <a:off x="0" y="0"/>
-            <a:ext cx="316080" cy="6854040"/>
+            <a:off x="1440" y="1800"/>
+            <a:ext cx="348120" cy="7555320"/>
           </a:xfrm>
           <a:prstGeom prst="rect">
             <a:avLst/>
@@ -10302,8 +12394,8 @@
         </p:nvSpPr>
         <p:spPr>
           <a:xfrm>
-            <a:off x="9875520" y="365760"/>
-            <a:ext cx="2007720" cy="498960"/>
+            <a:off x="10884960" y="401400"/>
+            <a:ext cx="2212560" cy="548640"/>
           </a:xfrm>
           <a:prstGeom prst="roundRect">
             <a:avLst>
@@ -10376,8 +12468,8 @@
         </p:nvSpPr>
         <p:spPr>
           <a:xfrm>
-            <a:off x="3885120" y="1005840"/>
-            <a:ext cx="3200040" cy="820800"/>
+            <a:off x="4443480" y="1107000"/>
+            <a:ext cx="3201480" cy="820800"/>
           </a:xfrm>
           <a:prstGeom prst="rect">
             <a:avLst/>
@@ -10430,8 +12522,8 @@
         </p:nvSpPr>
         <p:spPr>
           <a:xfrm>
-            <a:off x="1299960" y="2057400"/>
-            <a:ext cx="8962560" cy="379080"/>
+            <a:off x="1890720" y="2266200"/>
+            <a:ext cx="8964000" cy="379080"/>
           </a:xfrm>
           <a:prstGeom prst="rect">
             <a:avLst/>
@@ -10484,8 +12576,8 @@
         </p:nvSpPr>
         <p:spPr>
           <a:xfrm>
-            <a:off x="987480" y="3182040"/>
-            <a:ext cx="3287880" cy="2739240"/>
+            <a:off x="1086840" y="3506040"/>
+            <a:ext cx="3624120" cy="3019320"/>
           </a:xfrm>
           <a:prstGeom prst="roundRect">
             <a:avLst>
@@ -10546,8 +12638,8 @@
         </p:nvSpPr>
         <p:spPr>
           <a:xfrm>
-            <a:off x="914400" y="3108960"/>
-            <a:ext cx="3287880" cy="2739240"/>
+            <a:off x="1006560" y="3425040"/>
+            <a:ext cx="3624480" cy="3019680"/>
           </a:xfrm>
           <a:prstGeom prst="roundRect">
             <a:avLst>
@@ -10876,8 +12968,8 @@
         </p:nvSpPr>
         <p:spPr>
           <a:xfrm>
-            <a:off x="4507920" y="3182040"/>
-            <a:ext cx="3287880" cy="2739240"/>
+            <a:off x="4968360" y="3506040"/>
+            <a:ext cx="3624120" cy="3019320"/>
           </a:xfrm>
           <a:prstGeom prst="roundRect">
             <a:avLst>
@@ -10938,8 +13030,8 @@
         </p:nvSpPr>
         <p:spPr>
           <a:xfrm>
-            <a:off x="4434840" y="3108960"/>
-            <a:ext cx="3287880" cy="2739240"/>
+            <a:off x="4886640" y="3425040"/>
+            <a:ext cx="3624480" cy="3019680"/>
           </a:xfrm>
           <a:prstGeom prst="roundRect">
             <a:avLst>
@@ -11258,8 +13350,8 @@
         </p:nvSpPr>
         <p:spPr>
           <a:xfrm>
-            <a:off x="8028360" y="3182040"/>
-            <a:ext cx="3287880" cy="2739240"/>
+            <a:off x="8849160" y="3506040"/>
+            <a:ext cx="3624120" cy="3019320"/>
           </a:xfrm>
           <a:prstGeom prst="roundRect">
             <a:avLst>
@@ -11320,8 +13412,8 @@
         </p:nvSpPr>
         <p:spPr>
           <a:xfrm>
-            <a:off x="7955280" y="3108960"/>
-            <a:ext cx="3287880" cy="2739240"/>
+            <a:off x="8767440" y="3425040"/>
+            <a:ext cx="3624480" cy="3019680"/>
           </a:xfrm>
           <a:prstGeom prst="roundRect">
             <a:avLst>
@@ -11713,8 +13805,8 @@
         </p:nvSpPr>
         <p:spPr>
           <a:xfrm>
-            <a:off x="4600080" y="6446520"/>
-            <a:ext cx="3051000" cy="363960"/>
+            <a:off x="5224320" y="7104600"/>
+            <a:ext cx="3052440" cy="363960"/>
           </a:xfrm>
           <a:prstGeom prst="rect">
             <a:avLst/>
@@ -11797,8 +13889,8 @@
         </p:nvSpPr>
         <p:spPr>
           <a:xfrm>
-            <a:off x="0" y="0"/>
-            <a:ext cx="12184920" cy="6854040"/>
+            <a:off x="1440" y="1800"/>
+            <a:ext cx="13431960" cy="7555320"/>
           </a:xfrm>
           <a:prstGeom prst="rect">
             <a:avLst/>
@@ -11857,8 +13949,8 @@
         </p:nvSpPr>
         <p:spPr>
           <a:xfrm>
-            <a:off x="0" y="0"/>
-            <a:ext cx="14400" cy="6854040"/>
+            <a:off x="1440" y="1800"/>
+            <a:ext cx="16200" cy="7555320"/>
           </a:xfrm>
           <a:prstGeom prst="rect">
             <a:avLst/>
@@ -11917,8 +14009,8 @@
         </p:nvSpPr>
         <p:spPr>
           <a:xfrm>
-            <a:off x="914400" y="0"/>
-            <a:ext cx="14400" cy="6854040"/>
+            <a:off x="1005480" y="1800"/>
+            <a:ext cx="16200" cy="7555320"/>
           </a:xfrm>
           <a:prstGeom prst="rect">
             <a:avLst/>
@@ -11977,8 +14069,8 @@
         </p:nvSpPr>
         <p:spPr>
           <a:xfrm>
-            <a:off x="1828800" y="0"/>
-            <a:ext cx="14400" cy="6854040"/>
+            <a:off x="2013480" y="1800"/>
+            <a:ext cx="16200" cy="7555320"/>
           </a:xfrm>
           <a:prstGeom prst="rect">
             <a:avLst/>
@@ -12037,8 +14129,8 @@
         </p:nvSpPr>
         <p:spPr>
           <a:xfrm>
-            <a:off x="2743200" y="0"/>
-            <a:ext cx="14400" cy="6854040"/>
+            <a:off x="3021480" y="1800"/>
+            <a:ext cx="16200" cy="7555320"/>
           </a:xfrm>
           <a:prstGeom prst="rect">
             <a:avLst/>
@@ -12097,8 +14189,8 @@
         </p:nvSpPr>
         <p:spPr>
           <a:xfrm>
-            <a:off x="3657600" y="0"/>
-            <a:ext cx="14400" cy="6854040"/>
+            <a:off x="4029480" y="1800"/>
+            <a:ext cx="16200" cy="7555320"/>
           </a:xfrm>
           <a:prstGeom prst="rect">
             <a:avLst/>
@@ -12157,8 +14249,8 @@
         </p:nvSpPr>
         <p:spPr>
           <a:xfrm>
-            <a:off x="4572000" y="0"/>
-            <a:ext cx="14400" cy="6854040"/>
+            <a:off x="5037480" y="1800"/>
+            <a:ext cx="16200" cy="7555320"/>
           </a:xfrm>
           <a:prstGeom prst="rect">
             <a:avLst/>
@@ -12217,8 +14309,8 @@
         </p:nvSpPr>
         <p:spPr>
           <a:xfrm>
-            <a:off x="5486400" y="0"/>
-            <a:ext cx="14400" cy="6854040"/>
+            <a:off x="6045480" y="1800"/>
+            <a:ext cx="16200" cy="7555320"/>
           </a:xfrm>
           <a:prstGeom prst="rect">
             <a:avLst/>
@@ -12277,8 +14369,8 @@
         </p:nvSpPr>
         <p:spPr>
           <a:xfrm>
-            <a:off x="6400800" y="0"/>
-            <a:ext cx="14400" cy="6854040"/>
+            <a:off x="7053480" y="1800"/>
+            <a:ext cx="16200" cy="7555320"/>
           </a:xfrm>
           <a:prstGeom prst="rect">
             <a:avLst/>
@@ -12337,8 +14429,8 @@
         </p:nvSpPr>
         <p:spPr>
           <a:xfrm>
-            <a:off x="7315200" y="0"/>
-            <a:ext cx="14400" cy="6854040"/>
+            <a:off x="8061480" y="1800"/>
+            <a:ext cx="16200" cy="7555320"/>
           </a:xfrm>
           <a:prstGeom prst="rect">
             <a:avLst/>
@@ -12397,8 +14489,8 @@
         </p:nvSpPr>
         <p:spPr>
           <a:xfrm>
-            <a:off x="8229600" y="0"/>
-            <a:ext cx="14400" cy="6854040"/>
+            <a:off x="9069480" y="1800"/>
+            <a:ext cx="16200" cy="7555320"/>
           </a:xfrm>
           <a:prstGeom prst="rect">
             <a:avLst/>
@@ -12457,8 +14549,8 @@
         </p:nvSpPr>
         <p:spPr>
           <a:xfrm>
-            <a:off x="9144000" y="0"/>
-            <a:ext cx="14400" cy="6854040"/>
+            <a:off x="10077480" y="1800"/>
+            <a:ext cx="16200" cy="7555320"/>
           </a:xfrm>
           <a:prstGeom prst="rect">
             <a:avLst/>
@@ -12517,8 +14609,8 @@
         </p:nvSpPr>
         <p:spPr>
           <a:xfrm>
-            <a:off x="10058400" y="0"/>
-            <a:ext cx="14400" cy="6854040"/>
+            <a:off x="11085480" y="1800"/>
+            <a:ext cx="16200" cy="7555320"/>
           </a:xfrm>
           <a:prstGeom prst="rect">
             <a:avLst/>
@@ -12577,8 +14669,8 @@
         </p:nvSpPr>
         <p:spPr>
           <a:xfrm>
-            <a:off x="10972800" y="0"/>
-            <a:ext cx="14400" cy="6854040"/>
+            <a:off x="12093480" y="1800"/>
+            <a:ext cx="16200" cy="7555320"/>
           </a:xfrm>
           <a:prstGeom prst="rect">
             <a:avLst/>
@@ -12637,8 +14729,8 @@
         </p:nvSpPr>
         <p:spPr>
           <a:xfrm>
-            <a:off x="11887200" y="0"/>
-            <a:ext cx="14400" cy="6854040"/>
+            <a:off x="13101480" y="1800"/>
+            <a:ext cx="16200" cy="7555320"/>
           </a:xfrm>
           <a:prstGeom prst="rect">
             <a:avLst/>
@@ -12697,8 +14789,8 @@
         </p:nvSpPr>
         <p:spPr>
           <a:xfrm>
-            <a:off x="0" y="0"/>
-            <a:ext cx="316080" cy="6854040"/>
+            <a:off x="1440" y="1800"/>
+            <a:ext cx="348120" cy="7555320"/>
           </a:xfrm>
           <a:prstGeom prst="rect">
             <a:avLst/>
@@ -12757,8 +14849,8 @@
         </p:nvSpPr>
         <p:spPr>
           <a:xfrm>
-            <a:off x="9875520" y="365760"/>
-            <a:ext cx="2007720" cy="498960"/>
+            <a:off x="10884960" y="401400"/>
+            <a:ext cx="2212560" cy="548640"/>
           </a:xfrm>
           <a:prstGeom prst="roundRect">
             <a:avLst>
@@ -12831,8 +14923,8 @@
         </p:nvSpPr>
         <p:spPr>
           <a:xfrm>
-            <a:off x="2074320" y="1005840"/>
-            <a:ext cx="6822720" cy="820800"/>
+            <a:off x="2634120" y="1107000"/>
+            <a:ext cx="6824160" cy="820800"/>
           </a:xfrm>
           <a:prstGeom prst="rect">
             <a:avLst/>
@@ -12895,8 +14987,8 @@
         </p:nvSpPr>
         <p:spPr>
           <a:xfrm>
-            <a:off x="3061800" y="2057400"/>
-            <a:ext cx="5438520" cy="379080"/>
+            <a:off x="3651840" y="2266200"/>
+            <a:ext cx="5438880" cy="379080"/>
           </a:xfrm>
           <a:prstGeom prst="rect">
             <a:avLst/>
@@ -12949,8 +15041,8 @@
         </p:nvSpPr>
         <p:spPr>
           <a:xfrm>
-            <a:off x="987480" y="3182040"/>
-            <a:ext cx="3287880" cy="2739240"/>
+            <a:off x="1086840" y="3506040"/>
+            <a:ext cx="3624120" cy="3019320"/>
           </a:xfrm>
           <a:prstGeom prst="roundRect">
             <a:avLst>
@@ -13011,8 +15103,8 @@
         </p:nvSpPr>
         <p:spPr>
           <a:xfrm>
-            <a:off x="618120" y="2971800"/>
-            <a:ext cx="3657240" cy="2876400"/>
+            <a:off x="679680" y="3273840"/>
+            <a:ext cx="4031640" cy="3169800"/>
           </a:xfrm>
           <a:prstGeom prst="roundRect">
             <a:avLst>
@@ -13363,8 +15455,8 @@
         </p:nvSpPr>
         <p:spPr>
           <a:xfrm>
-            <a:off x="4507920" y="3182040"/>
-            <a:ext cx="3287880" cy="2739240"/>
+            <a:off x="4968360" y="3506040"/>
+            <a:ext cx="3624120" cy="3019320"/>
           </a:xfrm>
           <a:prstGeom prst="roundRect">
             <a:avLst>
@@ -13425,8 +15517,8 @@
         </p:nvSpPr>
         <p:spPr>
           <a:xfrm>
-            <a:off x="4434840" y="3108960"/>
-            <a:ext cx="3287880" cy="2739240"/>
+            <a:off x="4886640" y="3425760"/>
+            <a:ext cx="3624480" cy="3019680"/>
           </a:xfrm>
           <a:prstGeom prst="roundRect">
             <a:avLst>
@@ -13719,8 +15811,8 @@
         </p:nvSpPr>
         <p:spPr>
           <a:xfrm>
-            <a:off x="8028360" y="3182040"/>
-            <a:ext cx="3287880" cy="2739240"/>
+            <a:off x="8849160" y="3506040"/>
+            <a:ext cx="3624120" cy="3019320"/>
           </a:xfrm>
           <a:prstGeom prst="roundRect">
             <a:avLst>
@@ -13781,8 +15873,8 @@
         </p:nvSpPr>
         <p:spPr>
           <a:xfrm>
-            <a:off x="7955280" y="3108960"/>
-            <a:ext cx="3287880" cy="2739240"/>
+            <a:off x="8767440" y="3425040"/>
+            <a:ext cx="3624480" cy="3019680"/>
           </a:xfrm>
           <a:prstGeom prst="roundRect">
             <a:avLst>
@@ -14068,8 +16160,8 @@
         </p:nvSpPr>
         <p:spPr>
           <a:xfrm>
-            <a:off x="4600080" y="6446520"/>
-            <a:ext cx="3051000" cy="363960"/>
+            <a:off x="5224320" y="7104600"/>
+            <a:ext cx="3052440" cy="363960"/>
           </a:xfrm>
           <a:prstGeom prst="rect">
             <a:avLst/>
@@ -14152,8 +16244,8 @@
         </p:nvSpPr>
         <p:spPr>
           <a:xfrm>
-            <a:off x="0" y="0"/>
-            <a:ext cx="12184920" cy="6854040"/>
+            <a:off x="1440" y="1800"/>
+            <a:ext cx="13431960" cy="7555320"/>
           </a:xfrm>
           <a:prstGeom prst="rect">
             <a:avLst/>
@@ -14212,8 +16304,8 @@
         </p:nvSpPr>
         <p:spPr>
           <a:xfrm>
-            <a:off x="0" y="0"/>
-            <a:ext cx="14400" cy="6854040"/>
+            <a:off x="1440" y="1800"/>
+            <a:ext cx="16200" cy="7555320"/>
           </a:xfrm>
           <a:prstGeom prst="rect">
             <a:avLst/>
@@ -14272,8 +16364,8 @@
         </p:nvSpPr>
         <p:spPr>
           <a:xfrm>
-            <a:off x="914400" y="0"/>
-            <a:ext cx="14400" cy="6854040"/>
+            <a:off x="1005480" y="1800"/>
+            <a:ext cx="16200" cy="7555320"/>
           </a:xfrm>
           <a:prstGeom prst="rect">
             <a:avLst/>
@@ -14332,8 +16424,8 @@
         </p:nvSpPr>
         <p:spPr>
           <a:xfrm>
-            <a:off x="1828800" y="0"/>
-            <a:ext cx="14400" cy="6854040"/>
+            <a:off x="2013480" y="1800"/>
+            <a:ext cx="16200" cy="7555320"/>
           </a:xfrm>
           <a:prstGeom prst="rect">
             <a:avLst/>
@@ -14392,8 +16484,8 @@
         </p:nvSpPr>
         <p:spPr>
           <a:xfrm>
-            <a:off x="2743200" y="0"/>
-            <a:ext cx="14400" cy="6854040"/>
+            <a:off x="3021480" y="1800"/>
+            <a:ext cx="16200" cy="7555320"/>
           </a:xfrm>
           <a:prstGeom prst="rect">
             <a:avLst/>
@@ -14452,8 +16544,8 @@
         </p:nvSpPr>
         <p:spPr>
           <a:xfrm>
-            <a:off x="3657600" y="0"/>
-            <a:ext cx="14400" cy="6854040"/>
+            <a:off x="4029480" y="1800"/>
+            <a:ext cx="16200" cy="7555320"/>
           </a:xfrm>
           <a:prstGeom prst="rect">
             <a:avLst/>
@@ -14512,8 +16604,8 @@
         </p:nvSpPr>
         <p:spPr>
           <a:xfrm>
-            <a:off x="4572000" y="0"/>
-            <a:ext cx="14400" cy="6854040"/>
+            <a:off x="5037480" y="1800"/>
+            <a:ext cx="16200" cy="7555320"/>
           </a:xfrm>
           <a:prstGeom prst="rect">
             <a:avLst/>
@@ -14572,8 +16664,8 @@
         </p:nvSpPr>
         <p:spPr>
           <a:xfrm>
-            <a:off x="5486400" y="0"/>
-            <a:ext cx="14400" cy="6854040"/>
+            <a:off x="6045480" y="1800"/>
+            <a:ext cx="16200" cy="7555320"/>
           </a:xfrm>
           <a:prstGeom prst="rect">
             <a:avLst/>
@@ -14632,8 +16724,8 @@
         </p:nvSpPr>
         <p:spPr>
           <a:xfrm>
-            <a:off x="6400800" y="0"/>
-            <a:ext cx="14400" cy="6854040"/>
+            <a:off x="7053480" y="1800"/>
+            <a:ext cx="16200" cy="7555320"/>
           </a:xfrm>
           <a:prstGeom prst="rect">
             <a:avLst/>
@@ -14692,8 +16784,8 @@
         </p:nvSpPr>
         <p:spPr>
           <a:xfrm>
-            <a:off x="7315200" y="0"/>
-            <a:ext cx="14400" cy="6854040"/>
+            <a:off x="8061480" y="1800"/>
+            <a:ext cx="16200" cy="7555320"/>
           </a:xfrm>
           <a:prstGeom prst="rect">
             <a:avLst/>
@@ -14752,8 +16844,8 @@
         </p:nvSpPr>
         <p:spPr>
           <a:xfrm>
-            <a:off x="8229600" y="0"/>
-            <a:ext cx="14400" cy="6854040"/>
+            <a:off x="9069480" y="1800"/>
+            <a:ext cx="16200" cy="7555320"/>
           </a:xfrm>
           <a:prstGeom prst="rect">
             <a:avLst/>
@@ -14812,8 +16904,8 @@
         </p:nvSpPr>
         <p:spPr>
           <a:xfrm>
-            <a:off x="9144000" y="0"/>
-            <a:ext cx="14400" cy="6854040"/>
+            <a:off x="10077480" y="1800"/>
+            <a:ext cx="16200" cy="7555320"/>
           </a:xfrm>
           <a:prstGeom prst="rect">
             <a:avLst/>
@@ -14872,8 +16964,8 @@
         </p:nvSpPr>
         <p:spPr>
           <a:xfrm>
-            <a:off x="10058400" y="0"/>
-            <a:ext cx="14400" cy="6854040"/>
+            <a:off x="11085480" y="1800"/>
+            <a:ext cx="16200" cy="7555320"/>
           </a:xfrm>
           <a:prstGeom prst="rect">
             <a:avLst/>
@@ -14932,8 +17024,8 @@
         </p:nvSpPr>
         <p:spPr>
           <a:xfrm>
-            <a:off x="10972800" y="0"/>
-            <a:ext cx="14400" cy="6854040"/>
+            <a:off x="12093480" y="1800"/>
+            <a:ext cx="16200" cy="7555320"/>
           </a:xfrm>
           <a:prstGeom prst="rect">
             <a:avLst/>
@@ -14992,8 +17084,8 @@
         </p:nvSpPr>
         <p:spPr>
           <a:xfrm>
-            <a:off x="11887200" y="0"/>
-            <a:ext cx="14400" cy="6854040"/>
+            <a:off x="13101480" y="1800"/>
+            <a:ext cx="16200" cy="7555320"/>
           </a:xfrm>
           <a:prstGeom prst="rect">
             <a:avLst/>
@@ -15052,8 +17144,8 @@
         </p:nvSpPr>
         <p:spPr>
           <a:xfrm>
-            <a:off x="0" y="0"/>
-            <a:ext cx="316080" cy="6854040"/>
+            <a:off x="1440" y="1800"/>
+            <a:ext cx="348120" cy="7555320"/>
           </a:xfrm>
           <a:prstGeom prst="rect">
             <a:avLst/>
@@ -15112,8 +17204,8 @@
         </p:nvSpPr>
         <p:spPr>
           <a:xfrm>
-            <a:off x="9875520" y="365760"/>
-            <a:ext cx="2007720" cy="498960"/>
+            <a:off x="10884960" y="401400"/>
+            <a:ext cx="2212560" cy="548640"/>
           </a:xfrm>
           <a:prstGeom prst="roundRect">
             <a:avLst>
@@ -15186,8 +17278,8 @@
         </p:nvSpPr>
         <p:spPr>
           <a:xfrm>
-            <a:off x="1117800" y="1005840"/>
-            <a:ext cx="8742960" cy="820800"/>
+            <a:off x="1678320" y="1107000"/>
+            <a:ext cx="8744400" cy="820800"/>
           </a:xfrm>
           <a:prstGeom prst="rect">
             <a:avLst/>
@@ -15250,8 +17342,8 @@
         </p:nvSpPr>
         <p:spPr>
           <a:xfrm>
-            <a:off x="4195440" y="2057400"/>
-            <a:ext cx="3170880" cy="363960"/>
+            <a:off x="4784760" y="2266200"/>
+            <a:ext cx="3171240" cy="363960"/>
           </a:xfrm>
           <a:prstGeom prst="rect">
             <a:avLst/>
@@ -15304,8 +17396,8 @@
         </p:nvSpPr>
         <p:spPr>
           <a:xfrm>
-            <a:off x="987480" y="3182040"/>
-            <a:ext cx="3287880" cy="2739240"/>
+            <a:off x="1086840" y="3506040"/>
+            <a:ext cx="3624120" cy="3019320"/>
           </a:xfrm>
           <a:prstGeom prst="roundRect">
             <a:avLst>
@@ -15366,8 +17458,8 @@
         </p:nvSpPr>
         <p:spPr>
           <a:xfrm>
-            <a:off x="914400" y="3108960"/>
-            <a:ext cx="3287880" cy="2739240"/>
+            <a:off x="1006560" y="3424320"/>
+            <a:ext cx="3624480" cy="3019680"/>
           </a:xfrm>
           <a:prstGeom prst="roundRect">
             <a:avLst>
@@ -15629,8 +17721,8 @@
         </p:nvSpPr>
         <p:spPr>
           <a:xfrm>
-            <a:off x="4507920" y="3182040"/>
-            <a:ext cx="3287880" cy="2739240"/>
+            <a:off x="4968360" y="3506040"/>
+            <a:ext cx="3624120" cy="3019320"/>
           </a:xfrm>
           <a:prstGeom prst="roundRect">
             <a:avLst>
@@ -15691,8 +17783,8 @@
         </p:nvSpPr>
         <p:spPr>
           <a:xfrm>
-            <a:off x="8028360" y="3182040"/>
-            <a:ext cx="3287880" cy="2739240"/>
+            <a:off x="8849160" y="3506040"/>
+            <a:ext cx="3624120" cy="3019320"/>
           </a:xfrm>
           <a:prstGeom prst="roundRect">
             <a:avLst>
@@ -15753,8 +17845,8 @@
         </p:nvSpPr>
         <p:spPr>
           <a:xfrm>
-            <a:off x="7955280" y="3108960"/>
-            <a:ext cx="3287880" cy="2739240"/>
+            <a:off x="8767440" y="3425760"/>
+            <a:ext cx="3624480" cy="3019680"/>
           </a:xfrm>
           <a:prstGeom prst="roundRect">
             <a:avLst>
@@ -16152,8 +18244,8 @@
         </p:nvSpPr>
         <p:spPr>
           <a:xfrm>
-            <a:off x="4600080" y="6446520"/>
-            <a:ext cx="3051000" cy="363960"/>
+            <a:off x="5224320" y="7104600"/>
+            <a:ext cx="3052440" cy="363960"/>
           </a:xfrm>
           <a:prstGeom prst="rect">
             <a:avLst/>
@@ -16206,8 +18298,8 @@
         </p:nvSpPr>
         <p:spPr>
           <a:xfrm>
-            <a:off x="4484160" y="3132000"/>
-            <a:ext cx="3287880" cy="2739240"/>
+            <a:off x="4941000" y="3449880"/>
+            <a:ext cx="3624480" cy="3019680"/>
           </a:xfrm>
           <a:prstGeom prst="roundRect">
             <a:avLst>
@@ -16540,8 +18632,8 @@
         </p:nvSpPr>
         <p:spPr>
           <a:xfrm>
-            <a:off x="0" y="0"/>
-            <a:ext cx="12184920" cy="6854040"/>
+            <a:off x="1440" y="1800"/>
+            <a:ext cx="13431960" cy="7555320"/>
           </a:xfrm>
           <a:prstGeom prst="rect">
             <a:avLst/>
@@ -16577,6 +18669,11 @@
             <a:noAutofit/>
           </a:bodyPr>
           <a:p>
+            <a:pPr>
+              <a:lnSpc>
+                <a:spcPct val="100000"/>
+              </a:lnSpc>
+            </a:pPr>
             <a:endParaRPr b="0" lang="en-US" sz="1800" spc="-1" strike="noStrike">
               <a:solidFill>
                 <a:schemeClr val="lt1"/>
@@ -16595,8 +18692,8 @@
         </p:nvSpPr>
         <p:spPr>
           <a:xfrm>
-            <a:off x="0" y="0"/>
-            <a:ext cx="14400" cy="6854040"/>
+            <a:off x="1440" y="1800"/>
+            <a:ext cx="16200" cy="7555320"/>
           </a:xfrm>
           <a:prstGeom prst="rect">
             <a:avLst/>
@@ -16632,6 +18729,11 @@
             <a:noAutofit/>
           </a:bodyPr>
           <a:p>
+            <a:pPr>
+              <a:lnSpc>
+                <a:spcPct val="100000"/>
+              </a:lnSpc>
+            </a:pPr>
             <a:endParaRPr b="0" lang="en-US" sz="1800" spc="-1" strike="noStrike">
               <a:solidFill>
                 <a:schemeClr val="lt1"/>
@@ -16650,8 +18752,8 @@
         </p:nvSpPr>
         <p:spPr>
           <a:xfrm>
-            <a:off x="914400" y="0"/>
-            <a:ext cx="14400" cy="6854040"/>
+            <a:off x="1005480" y="1800"/>
+            <a:ext cx="16200" cy="7555320"/>
           </a:xfrm>
           <a:prstGeom prst="rect">
             <a:avLst/>
@@ -16687,6 +18789,11 @@
             <a:noAutofit/>
           </a:bodyPr>
           <a:p>
+            <a:pPr>
+              <a:lnSpc>
+                <a:spcPct val="100000"/>
+              </a:lnSpc>
+            </a:pPr>
             <a:endParaRPr b="0" lang="en-US" sz="1800" spc="-1" strike="noStrike">
               <a:solidFill>
                 <a:schemeClr val="lt1"/>
@@ -16705,8 +18812,8 @@
         </p:nvSpPr>
         <p:spPr>
           <a:xfrm>
-            <a:off x="1828800" y="0"/>
-            <a:ext cx="14400" cy="6854040"/>
+            <a:off x="2013480" y="1800"/>
+            <a:ext cx="16200" cy="7555320"/>
           </a:xfrm>
           <a:prstGeom prst="rect">
             <a:avLst/>
@@ -16742,6 +18849,11 @@
             <a:noAutofit/>
           </a:bodyPr>
           <a:p>
+            <a:pPr>
+              <a:lnSpc>
+                <a:spcPct val="100000"/>
+              </a:lnSpc>
+            </a:pPr>
             <a:endParaRPr b="0" lang="en-US" sz="1800" spc="-1" strike="noStrike">
               <a:solidFill>
                 <a:schemeClr val="lt1"/>
@@ -16760,8 +18872,8 @@
         </p:nvSpPr>
         <p:spPr>
           <a:xfrm>
-            <a:off x="2743200" y="0"/>
-            <a:ext cx="14400" cy="6854040"/>
+            <a:off x="3021480" y="1800"/>
+            <a:ext cx="16200" cy="7555320"/>
           </a:xfrm>
           <a:prstGeom prst="rect">
             <a:avLst/>
@@ -16797,6 +18909,11 @@
             <a:noAutofit/>
           </a:bodyPr>
           <a:p>
+            <a:pPr>
+              <a:lnSpc>
+                <a:spcPct val="100000"/>
+              </a:lnSpc>
+            </a:pPr>
             <a:endParaRPr b="0" lang="en-US" sz="1800" spc="-1" strike="noStrike">
               <a:solidFill>
                 <a:schemeClr val="lt1"/>
@@ -16815,8 +18932,8 @@
         </p:nvSpPr>
         <p:spPr>
           <a:xfrm>
-            <a:off x="3657600" y="0"/>
-            <a:ext cx="14400" cy="6854040"/>
+            <a:off x="4029480" y="1800"/>
+            <a:ext cx="16200" cy="7555320"/>
           </a:xfrm>
           <a:prstGeom prst="rect">
             <a:avLst/>
@@ -16852,6 +18969,11 @@
             <a:noAutofit/>
           </a:bodyPr>
           <a:p>
+            <a:pPr>
+              <a:lnSpc>
+                <a:spcPct val="100000"/>
+              </a:lnSpc>
+            </a:pPr>
             <a:endParaRPr b="0" lang="en-US" sz="1800" spc="-1" strike="noStrike">
               <a:solidFill>
                 <a:schemeClr val="lt1"/>
@@ -16870,8 +18992,8 @@
         </p:nvSpPr>
         <p:spPr>
           <a:xfrm>
-            <a:off x="4572000" y="0"/>
-            <a:ext cx="14400" cy="6854040"/>
+            <a:off x="5037480" y="1800"/>
+            <a:ext cx="16200" cy="7555320"/>
           </a:xfrm>
           <a:prstGeom prst="rect">
             <a:avLst/>
@@ -16907,6 +19029,11 @@
             <a:noAutofit/>
           </a:bodyPr>
           <a:p>
+            <a:pPr>
+              <a:lnSpc>
+                <a:spcPct val="100000"/>
+              </a:lnSpc>
+            </a:pPr>
             <a:endParaRPr b="0" lang="en-US" sz="1800" spc="-1" strike="noStrike">
               <a:solidFill>
                 <a:schemeClr val="lt1"/>
@@ -16925,8 +19052,8 @@
         </p:nvSpPr>
         <p:spPr>
           <a:xfrm>
-            <a:off x="5486400" y="0"/>
-            <a:ext cx="14400" cy="6854040"/>
+            <a:off x="6045480" y="1800"/>
+            <a:ext cx="16200" cy="7555320"/>
           </a:xfrm>
           <a:prstGeom prst="rect">
             <a:avLst/>
@@ -16962,6 +19089,11 @@
             <a:noAutofit/>
           </a:bodyPr>
           <a:p>
+            <a:pPr>
+              <a:lnSpc>
+                <a:spcPct val="100000"/>
+              </a:lnSpc>
+            </a:pPr>
             <a:endParaRPr b="0" lang="en-US" sz="1800" spc="-1" strike="noStrike">
               <a:solidFill>
                 <a:schemeClr val="lt1"/>
@@ -16980,8 +19112,8 @@
         </p:nvSpPr>
         <p:spPr>
           <a:xfrm>
-            <a:off x="6400800" y="0"/>
-            <a:ext cx="14400" cy="6854040"/>
+            <a:off x="7053480" y="1800"/>
+            <a:ext cx="16200" cy="7555320"/>
           </a:xfrm>
           <a:prstGeom prst="rect">
             <a:avLst/>
@@ -17017,6 +19149,11 @@
             <a:noAutofit/>
           </a:bodyPr>
           <a:p>
+            <a:pPr>
+              <a:lnSpc>
+                <a:spcPct val="100000"/>
+              </a:lnSpc>
+            </a:pPr>
             <a:endParaRPr b="0" lang="en-US" sz="1800" spc="-1" strike="noStrike">
               <a:solidFill>
                 <a:schemeClr val="lt1"/>
@@ -17035,8 +19172,8 @@
         </p:nvSpPr>
         <p:spPr>
           <a:xfrm>
-            <a:off x="7315200" y="0"/>
-            <a:ext cx="14400" cy="6854040"/>
+            <a:off x="8061480" y="1800"/>
+            <a:ext cx="16200" cy="7555320"/>
           </a:xfrm>
           <a:prstGeom prst="rect">
             <a:avLst/>
@@ -17072,6 +19209,11 @@
             <a:noAutofit/>
           </a:bodyPr>
           <a:p>
+            <a:pPr>
+              <a:lnSpc>
+                <a:spcPct val="100000"/>
+              </a:lnSpc>
+            </a:pPr>
             <a:endParaRPr b="0" lang="en-US" sz="1800" spc="-1" strike="noStrike">
               <a:solidFill>
                 <a:schemeClr val="lt1"/>
@@ -17090,8 +19232,8 @@
         </p:nvSpPr>
         <p:spPr>
           <a:xfrm>
-            <a:off x="8229600" y="0"/>
-            <a:ext cx="14400" cy="6854040"/>
+            <a:off x="9069480" y="1800"/>
+            <a:ext cx="16200" cy="7555320"/>
           </a:xfrm>
           <a:prstGeom prst="rect">
             <a:avLst/>
@@ -17127,6 +19269,11 @@
             <a:noAutofit/>
           </a:bodyPr>
           <a:p>
+            <a:pPr>
+              <a:lnSpc>
+                <a:spcPct val="100000"/>
+              </a:lnSpc>
+            </a:pPr>
             <a:endParaRPr b="0" lang="en-US" sz="1800" spc="-1" strike="noStrike">
               <a:solidFill>
                 <a:schemeClr val="lt1"/>
@@ -17145,8 +19292,8 @@
         </p:nvSpPr>
         <p:spPr>
           <a:xfrm>
-            <a:off x="9144000" y="0"/>
-            <a:ext cx="14400" cy="6854040"/>
+            <a:off x="10077480" y="1800"/>
+            <a:ext cx="16200" cy="7555320"/>
           </a:xfrm>
           <a:prstGeom prst="rect">
             <a:avLst/>
@@ -17182,6 +19329,11 @@
             <a:noAutofit/>
           </a:bodyPr>
           <a:p>
+            <a:pPr>
+              <a:lnSpc>
+                <a:spcPct val="100000"/>
+              </a:lnSpc>
+            </a:pPr>
             <a:endParaRPr b="0" lang="en-US" sz="1800" spc="-1" strike="noStrike">
               <a:solidFill>
                 <a:schemeClr val="lt1"/>
@@ -17200,8 +19352,8 @@
         </p:nvSpPr>
         <p:spPr>
           <a:xfrm>
-            <a:off x="10058400" y="0"/>
-            <a:ext cx="14400" cy="6854040"/>
+            <a:off x="11085480" y="1800"/>
+            <a:ext cx="16200" cy="7555320"/>
           </a:xfrm>
           <a:prstGeom prst="rect">
             <a:avLst/>
@@ -17237,6 +19389,11 @@
             <a:noAutofit/>
           </a:bodyPr>
           <a:p>
+            <a:pPr>
+              <a:lnSpc>
+                <a:spcPct val="100000"/>
+              </a:lnSpc>
+            </a:pPr>
             <a:endParaRPr b="0" lang="en-US" sz="1800" spc="-1" strike="noStrike">
               <a:solidFill>
                 <a:schemeClr val="lt1"/>
@@ -17255,8 +19412,8 @@
         </p:nvSpPr>
         <p:spPr>
           <a:xfrm>
-            <a:off x="10972800" y="0"/>
-            <a:ext cx="14400" cy="6854040"/>
+            <a:off x="12093480" y="1800"/>
+            <a:ext cx="16200" cy="7555320"/>
           </a:xfrm>
           <a:prstGeom prst="rect">
             <a:avLst/>
@@ -17292,6 +19449,11 @@
             <a:noAutofit/>
           </a:bodyPr>
           <a:p>
+            <a:pPr>
+              <a:lnSpc>
+                <a:spcPct val="100000"/>
+              </a:lnSpc>
+            </a:pPr>
             <a:endParaRPr b="0" lang="en-US" sz="1800" spc="-1" strike="noStrike">
               <a:solidFill>
                 <a:schemeClr val="lt1"/>
@@ -17310,8 +19472,8 @@
         </p:nvSpPr>
         <p:spPr>
           <a:xfrm>
-            <a:off x="11887200" y="0"/>
-            <a:ext cx="14400" cy="6854040"/>
+            <a:off x="13101480" y="1800"/>
+            <a:ext cx="16200" cy="7555320"/>
           </a:xfrm>
           <a:prstGeom prst="rect">
             <a:avLst/>
@@ -17347,6 +19509,11 @@
             <a:noAutofit/>
           </a:bodyPr>
           <a:p>
+            <a:pPr>
+              <a:lnSpc>
+                <a:spcPct val="100000"/>
+              </a:lnSpc>
+            </a:pPr>
             <a:endParaRPr b="0" lang="en-US" sz="1800" spc="-1" strike="noStrike">
               <a:solidFill>
                 <a:schemeClr val="lt1"/>
@@ -17365,8 +19532,8 @@
         </p:nvSpPr>
         <p:spPr>
           <a:xfrm>
-            <a:off x="0" y="0"/>
-            <a:ext cx="316080" cy="6854040"/>
+            <a:off x="1440" y="1800"/>
+            <a:ext cx="348120" cy="7555320"/>
           </a:xfrm>
           <a:prstGeom prst="rect">
             <a:avLst/>
@@ -17402,6 +19569,11 @@
             <a:noAutofit/>
           </a:bodyPr>
           <a:p>
+            <a:pPr>
+              <a:lnSpc>
+                <a:spcPct val="100000"/>
+              </a:lnSpc>
+            </a:pPr>
             <a:endParaRPr b="0" lang="en-US" sz="1800" spc="-1" strike="noStrike">
               <a:solidFill>
                 <a:schemeClr val="lt1"/>
@@ -17420,8 +19592,8 @@
         </p:nvSpPr>
         <p:spPr>
           <a:xfrm>
-            <a:off x="9875520" y="365760"/>
-            <a:ext cx="2007720" cy="498960"/>
+            <a:off x="10884960" y="401400"/>
+            <a:ext cx="2212560" cy="548640"/>
           </a:xfrm>
           <a:prstGeom prst="roundRect">
             <a:avLst>
@@ -17494,8 +19666,8 @@
         </p:nvSpPr>
         <p:spPr>
           <a:xfrm>
-            <a:off x="1203840" y="1005840"/>
-            <a:ext cx="8575200" cy="730440"/>
+            <a:off x="1764720" y="1107360"/>
+            <a:ext cx="8576640" cy="729720"/>
           </a:xfrm>
           <a:prstGeom prst="rect">
             <a:avLst/>
@@ -17558,8 +19730,8 @@
         </p:nvSpPr>
         <p:spPr>
           <a:xfrm>
-            <a:off x="3381480" y="2057400"/>
-            <a:ext cx="4798800" cy="363960"/>
+            <a:off x="3970080" y="2266200"/>
+            <a:ext cx="4800240" cy="363960"/>
           </a:xfrm>
           <a:prstGeom prst="rect">
             <a:avLst/>
@@ -17612,8 +19784,8 @@
         </p:nvSpPr>
         <p:spPr>
           <a:xfrm>
-            <a:off x="987480" y="3182040"/>
-            <a:ext cx="3287880" cy="2739240"/>
+            <a:off x="1086840" y="3506040"/>
+            <a:ext cx="3624120" cy="3019320"/>
           </a:xfrm>
           <a:prstGeom prst="roundRect">
             <a:avLst>
@@ -17651,6 +19823,11 @@
             <a:noAutofit/>
           </a:bodyPr>
           <a:p>
+            <a:pPr>
+              <a:lnSpc>
+                <a:spcPct val="100000"/>
+              </a:lnSpc>
+            </a:pPr>
             <a:endParaRPr b="0" lang="en-US" sz="1800" spc="-1" strike="noStrike">
               <a:solidFill>
                 <a:schemeClr val="lt1"/>
@@ -17669,8 +19846,8 @@
         </p:nvSpPr>
         <p:spPr>
           <a:xfrm>
-            <a:off x="914400" y="3108960"/>
-            <a:ext cx="3287880" cy="2739240"/>
+            <a:off x="1006560" y="3425040"/>
+            <a:ext cx="3624480" cy="3019680"/>
           </a:xfrm>
           <a:prstGeom prst="roundRect">
             <a:avLst>
@@ -18056,8 +20233,8 @@
         </p:nvSpPr>
         <p:spPr>
           <a:xfrm>
-            <a:off x="4507920" y="3182040"/>
-            <a:ext cx="3287880" cy="2739240"/>
+            <a:off x="4968360" y="3506040"/>
+            <a:ext cx="3624120" cy="3019320"/>
           </a:xfrm>
           <a:prstGeom prst="roundRect">
             <a:avLst>
@@ -18095,6 +20272,11 @@
             <a:noAutofit/>
           </a:bodyPr>
           <a:p>
+            <a:pPr>
+              <a:lnSpc>
+                <a:spcPct val="100000"/>
+              </a:lnSpc>
+            </a:pPr>
             <a:endParaRPr b="0" lang="en-US" sz="1800" spc="-1" strike="noStrike">
               <a:solidFill>
                 <a:schemeClr val="lt1"/>
@@ -18113,8 +20295,8 @@
         </p:nvSpPr>
         <p:spPr>
           <a:xfrm>
-            <a:off x="8028360" y="3182040"/>
-            <a:ext cx="3287880" cy="2739240"/>
+            <a:off x="8849160" y="3506040"/>
+            <a:ext cx="3624120" cy="3019320"/>
           </a:xfrm>
           <a:prstGeom prst="roundRect">
             <a:avLst>
@@ -18152,6 +20334,11 @@
             <a:noAutofit/>
           </a:bodyPr>
           <a:p>
+            <a:pPr>
+              <a:lnSpc>
+                <a:spcPct val="100000"/>
+              </a:lnSpc>
+            </a:pPr>
             <a:endParaRPr b="0" lang="en-US" sz="1800" spc="-1" strike="noStrike">
               <a:solidFill>
                 <a:schemeClr val="lt1"/>
@@ -18170,8 +20357,8 @@
         </p:nvSpPr>
         <p:spPr>
           <a:xfrm>
-            <a:off x="7955280" y="3108960"/>
-            <a:ext cx="3287880" cy="2739240"/>
+            <a:off x="8767440" y="3425040"/>
+            <a:ext cx="3624480" cy="3019680"/>
           </a:xfrm>
           <a:prstGeom prst="roundRect">
             <a:avLst>
@@ -18217,7 +20404,7 @@
                 <a:spcPct val="100000"/>
               </a:lnSpc>
             </a:pPr>
-            <a:endParaRPr b="0" lang="en-US" sz="1800" spc="-1" strike="noStrike">
+            <a:endParaRPr b="0" lang="en-US" sz="1300" spc="-1" strike="noStrike">
               <a:solidFill>
                 <a:srgbClr val="ffffff"/>
               </a:solidFill>
@@ -18230,7 +20417,7 @@
                 <a:spcPct val="100000"/>
               </a:lnSpc>
             </a:pPr>
-            <a:endParaRPr b="0" lang="en-US" sz="1100" spc="-1" strike="noStrike">
+            <a:endParaRPr b="0" lang="en-US" sz="1300" spc="-1" strike="noStrike">
               <a:solidFill>
                 <a:srgbClr val="ffffff"/>
               </a:solidFill>
@@ -18243,7 +20430,7 @@
                 <a:spcPct val="100000"/>
               </a:lnSpc>
             </a:pPr>
-            <a:endParaRPr b="0" lang="en-US" sz="1100" spc="-1" strike="noStrike">
+            <a:endParaRPr b="0" lang="en-US" sz="1300" spc="-1" strike="noStrike">
               <a:solidFill>
                 <a:srgbClr val="ffffff"/>
               </a:solidFill>
@@ -18257,7 +20444,7 @@
               </a:lnSpc>
             </a:pPr>
             <a:r>
-              <a:rPr b="0" lang="en-US" sz="1100" spc="-1" strike="noStrike">
+              <a:rPr b="0" lang="en-US" sz="1300" spc="-1" strike="noStrike">
                 <a:solidFill>
                   <a:srgbClr val="78ffc8"/>
                 </a:solidFill>
@@ -18266,7 +20453,7 @@
               </a:rPr>
               <a:t>public class WebFuture {</a:t>
             </a:r>
-            <a:endParaRPr b="0" lang="en-US" sz="1100" spc="-1" strike="noStrike">
+            <a:endParaRPr b="0" lang="en-US" sz="1300" spc="-1" strike="noStrike">
               <a:solidFill>
                 <a:srgbClr val="ffffff"/>
               </a:solidFill>
@@ -18280,7 +20467,7 @@
               </a:lnSpc>
             </a:pPr>
             <a:r>
-              <a:rPr b="0" lang="en-US" sz="1100" spc="-1" strike="noStrike">
+              <a:rPr b="0" lang="en-US" sz="1300" spc="-1" strike="noStrike">
                 <a:solidFill>
                   <a:srgbClr val="78ffc8"/>
                 </a:solidFill>
@@ -18290,7 +20477,7 @@
               <a:t>    </a:t>
             </a:r>
             <a:r>
-              <a:rPr b="0" lang="en-US" sz="1100" spc="-1" strike="noStrike">
+              <a:rPr b="0" lang="en-US" sz="1300" spc="-1" strike="noStrike">
                 <a:solidFill>
                   <a:srgbClr val="78ffc8"/>
                 </a:solidFill>
@@ -18299,7 +20486,7 @@
               </a:rPr>
               <a:t>public static void main(String[] args) {</a:t>
             </a:r>
-            <a:endParaRPr b="0" lang="en-US" sz="1100" spc="-1" strike="noStrike">
+            <a:endParaRPr b="0" lang="en-US" sz="1300" spc="-1" strike="noStrike">
               <a:solidFill>
                 <a:srgbClr val="ffffff"/>
               </a:solidFill>
@@ -18312,7 +20499,7 @@
                 <a:spcPct val="100000"/>
               </a:lnSpc>
             </a:pPr>
-            <a:endParaRPr b="0" lang="en-US" sz="1100" spc="-1" strike="noStrike">
+            <a:endParaRPr b="0" lang="en-US" sz="1300" spc="-1" strike="noStrike">
               <a:solidFill>
                 <a:srgbClr val="ffffff"/>
               </a:solidFill>
@@ -18326,7 +20513,7 @@
               </a:lnSpc>
             </a:pPr>
             <a:r>
-              <a:rPr b="0" lang="en-US" sz="1100" spc="-1" strike="noStrike">
+              <a:rPr b="0" lang="en-US" sz="1300" spc="-1" strike="noStrike">
                 <a:solidFill>
                   <a:srgbClr val="78ffc8"/>
                 </a:solidFill>
@@ -18336,7 +20523,7 @@
               <a:t>        </a:t>
             </a:r>
             <a:r>
-              <a:rPr b="0" lang="en-US" sz="1100" spc="-1" strike="noStrike">
+              <a:rPr b="0" lang="en-US" sz="1300" spc="-1" strike="noStrike">
                 <a:solidFill>
                   <a:srgbClr val="78ffc8"/>
                 </a:solidFill>
@@ -18345,7 +20532,7 @@
               </a:rPr>
               <a:t>boolean internetEra = true;</a:t>
             </a:r>
-            <a:endParaRPr b="0" lang="en-US" sz="1100" spc="-1" strike="noStrike">
+            <a:endParaRPr b="0" lang="en-US" sz="1300" spc="-1" strike="noStrike">
               <a:solidFill>
                 <a:srgbClr val="ffffff"/>
               </a:solidFill>
@@ -18358,7 +20545,7 @@
                 <a:spcPct val="100000"/>
               </a:lnSpc>
             </a:pPr>
-            <a:endParaRPr b="0" lang="en-US" sz="1100" spc="-1" strike="noStrike">
+            <a:endParaRPr b="0" lang="en-US" sz="1300" spc="-1" strike="noStrike">
               <a:solidFill>
                 <a:srgbClr val="ffffff"/>
               </a:solidFill>
@@ -18372,7 +20559,7 @@
               </a:lnSpc>
             </a:pPr>
             <a:r>
-              <a:rPr b="0" lang="en-US" sz="1100" spc="-1" strike="noStrike">
+              <a:rPr b="0" lang="en-US" sz="1300" spc="-1" strike="noStrike">
                 <a:solidFill>
                   <a:srgbClr val="78ffc8"/>
                 </a:solidFill>
@@ -18382,7 +20569,7 @@
               <a:t>        </a:t>
             </a:r>
             <a:r>
-              <a:rPr b="0" lang="en-US" sz="1100" spc="-1" strike="noStrike">
+              <a:rPr b="0" lang="en-US" sz="1300" spc="-1" strike="noStrike">
                 <a:solidFill>
                   <a:srgbClr val="78ffc8"/>
                 </a:solidFill>
@@ -18391,7 +20578,7 @@
               </a:rPr>
               <a:t>if (internetEra) {</a:t>
             </a:r>
-            <a:endParaRPr b="0" lang="en-US" sz="1100" spc="-1" strike="noStrike">
+            <a:endParaRPr b="0" lang="en-US" sz="1300" spc="-1" strike="noStrike">
               <a:solidFill>
                 <a:srgbClr val="ffffff"/>
               </a:solidFill>
@@ -18405,7 +20592,7 @@
               </a:lnSpc>
             </a:pPr>
             <a:r>
-              <a:rPr b="0" lang="en-US" sz="1100" spc="-1" strike="noStrike">
+              <a:rPr b="0" lang="en-US" sz="1300" spc="-1" strike="noStrike">
                 <a:solidFill>
                   <a:srgbClr val="78ffc8"/>
                 </a:solidFill>
@@ -18415,7 +20602,7 @@
               <a:t>            </a:t>
             </a:r>
             <a:r>
-              <a:rPr b="0" lang="en-US" sz="1100" spc="-1" strike="noStrike">
+              <a:rPr b="0" lang="en-US" sz="1300" spc="-1" strike="noStrike">
                 <a:solidFill>
                   <a:srgbClr val="78ffc8"/>
                 </a:solidFill>
@@ -18424,7 +20611,7 @@
               </a:rPr>
               <a:t>System.out.println(</a:t>
             </a:r>
-            <a:endParaRPr b="0" lang="en-US" sz="1100" spc="-1" strike="noStrike">
+            <a:endParaRPr b="0" lang="en-US" sz="1300" spc="-1" strike="noStrike">
               <a:solidFill>
                 <a:srgbClr val="ffffff"/>
               </a:solidFill>
@@ -18438,7 +20625,7 @@
               </a:lnSpc>
             </a:pPr>
             <a:r>
-              <a:rPr b="0" lang="en-US" sz="1100" spc="-1" strike="noStrike">
+              <a:rPr b="0" lang="en-US" sz="1300" spc="-1" strike="noStrike">
                 <a:solidFill>
                   <a:srgbClr val="78ffc8"/>
                 </a:solidFill>
@@ -18448,7 +20635,7 @@
               <a:t>              </a:t>
             </a:r>
             <a:r>
-              <a:rPr b="0" lang="en-US" sz="1100" spc="-1" strike="noStrike">
+              <a:rPr b="0" lang="en-US" sz="1300" spc="-1" strike="noStrike">
                 <a:solidFill>
                   <a:srgbClr val="78ffc8"/>
                 </a:solidFill>
@@ -18457,7 +20644,7 @@
               </a:rPr>
               <a:t>"Java is ready for the Web!"</a:t>
             </a:r>
-            <a:endParaRPr b="0" lang="en-US" sz="1100" spc="-1" strike="noStrike">
+            <a:endParaRPr b="0" lang="en-US" sz="1300" spc="-1" strike="noStrike">
               <a:solidFill>
                 <a:srgbClr val="ffffff"/>
               </a:solidFill>
@@ -18471,7 +20658,7 @@
               </a:lnSpc>
             </a:pPr>
             <a:r>
-              <a:rPr b="0" lang="en-US" sz="1100" spc="-1" strike="noStrike">
+              <a:rPr b="0" lang="en-US" sz="1300" spc="-1" strike="noStrike">
                 <a:solidFill>
                   <a:srgbClr val="78ffc8"/>
                 </a:solidFill>
@@ -18481,7 +20668,7 @@
               <a:t>            </a:t>
             </a:r>
             <a:r>
-              <a:rPr b="0" lang="en-US" sz="1100" spc="-1" strike="noStrike">
+              <a:rPr b="0" lang="en-US" sz="1300" spc="-1" strike="noStrike">
                 <a:solidFill>
                   <a:srgbClr val="78ffc8"/>
                 </a:solidFill>
@@ -18490,7 +20677,7 @@
               </a:rPr>
               <a:t>);</a:t>
             </a:r>
-            <a:endParaRPr b="0" lang="en-US" sz="1100" spc="-1" strike="noStrike">
+            <a:endParaRPr b="0" lang="en-US" sz="1300" spc="-1" strike="noStrike">
               <a:solidFill>
                 <a:srgbClr val="ffffff"/>
               </a:solidFill>
@@ -18504,7 +20691,7 @@
               </a:lnSpc>
             </a:pPr>
             <a:r>
-              <a:rPr b="0" lang="en-US" sz="1100" spc="-1" strike="noStrike">
+              <a:rPr b="0" lang="en-US" sz="1300" spc="-1" strike="noStrike">
                 <a:solidFill>
                   <a:srgbClr val="78ffc8"/>
                 </a:solidFill>
@@ -18514,7 +20701,7 @@
               <a:t>        </a:t>
             </a:r>
             <a:r>
-              <a:rPr b="0" lang="en-US" sz="1100" spc="-1" strike="noStrike">
+              <a:rPr b="0" lang="en-US" sz="1300" spc="-1" strike="noStrike">
                 <a:solidFill>
                   <a:srgbClr val="78ffc8"/>
                 </a:solidFill>
@@ -18523,7 +20710,7 @@
               </a:rPr>
               <a:t>}</a:t>
             </a:r>
-            <a:endParaRPr b="0" lang="en-US" sz="1100" spc="-1" strike="noStrike">
+            <a:endParaRPr b="0" lang="en-US" sz="1300" spc="-1" strike="noStrike">
               <a:solidFill>
                 <a:srgbClr val="ffffff"/>
               </a:solidFill>
@@ -18537,7 +20724,7 @@
               </a:lnSpc>
             </a:pPr>
             <a:r>
-              <a:rPr b="0" lang="en-US" sz="1100" spc="-1" strike="noStrike">
+              <a:rPr b="0" lang="en-US" sz="1300" spc="-1" strike="noStrike">
                 <a:solidFill>
                   <a:srgbClr val="78ffc8"/>
                 </a:solidFill>
@@ -18547,7 +20734,7 @@
               <a:t>    </a:t>
             </a:r>
             <a:r>
-              <a:rPr b="0" lang="en-US" sz="1100" spc="-1" strike="noStrike">
+              <a:rPr b="0" lang="en-US" sz="1300" spc="-1" strike="noStrike">
                 <a:solidFill>
                   <a:srgbClr val="78ffc8"/>
                 </a:solidFill>
@@ -18556,7 +20743,7 @@
               </a:rPr>
               <a:t>}</a:t>
             </a:r>
-            <a:endParaRPr b="0" lang="en-US" sz="1100" spc="-1" strike="noStrike">
+            <a:endParaRPr b="0" lang="en-US" sz="1300" spc="-1" strike="noStrike">
               <a:solidFill>
                 <a:srgbClr val="ffffff"/>
               </a:solidFill>
@@ -18570,7 +20757,7 @@
               </a:lnSpc>
             </a:pPr>
             <a:r>
-              <a:rPr b="0" lang="en-US" sz="1100" spc="-1" strike="noStrike">
+              <a:rPr b="0" lang="en-US" sz="1300" spc="-1" strike="noStrike">
                 <a:solidFill>
                   <a:srgbClr val="78ffc8"/>
                 </a:solidFill>
@@ -18579,7 +20766,7 @@
               </a:rPr>
               <a:t>}</a:t>
             </a:r>
-            <a:endParaRPr b="0" lang="en-US" sz="1100" spc="-1" strike="noStrike">
+            <a:endParaRPr b="0" lang="en-US" sz="1300" spc="-1" strike="noStrike">
               <a:solidFill>
                 <a:srgbClr val="ffffff"/>
               </a:solidFill>
@@ -18592,7 +20779,7 @@
                 <a:spcPct val="100000"/>
               </a:lnSpc>
             </a:pPr>
-            <a:endParaRPr b="0" lang="en-US" sz="1100" spc="-1" strike="noStrike">
+            <a:endParaRPr b="0" lang="en-US" sz="1300" spc="-1" strike="noStrike">
               <a:solidFill>
                 <a:srgbClr val="ffffff"/>
               </a:solidFill>
@@ -18605,7 +20792,7 @@
                 <a:spcPct val="100000"/>
               </a:lnSpc>
             </a:pPr>
-            <a:endParaRPr b="0" lang="en-US" sz="1100" spc="-1" strike="noStrike">
+            <a:endParaRPr b="0" lang="en-US" sz="1300" spc="-1" strike="noStrike">
               <a:solidFill>
                 <a:srgbClr val="ffffff"/>
               </a:solidFill>
@@ -18618,7 +20805,7 @@
                 <a:spcPct val="100000"/>
               </a:lnSpc>
             </a:pPr>
-            <a:endParaRPr b="0" lang="en-US" sz="1800" spc="-1" strike="noStrike">
+            <a:endParaRPr b="0" lang="en-US" sz="1300" spc="-1" strike="noStrike">
               <a:solidFill>
                 <a:srgbClr val="ffffff"/>
               </a:solidFill>
@@ -18635,8 +20822,8 @@
         </p:nvSpPr>
         <p:spPr>
           <a:xfrm>
-            <a:off x="4600080" y="6446520"/>
-            <a:ext cx="3051000" cy="363960"/>
+            <a:off x="5224320" y="7104600"/>
+            <a:ext cx="3052440" cy="363960"/>
           </a:xfrm>
           <a:prstGeom prst="rect">
             <a:avLst/>
@@ -18689,8 +20876,8 @@
         </p:nvSpPr>
         <p:spPr>
           <a:xfrm>
-            <a:off x="4484160" y="3132000"/>
-            <a:ext cx="3287880" cy="2739240"/>
+            <a:off x="4941000" y="3449520"/>
+            <a:ext cx="3624480" cy="3019680"/>
           </a:xfrm>
           <a:prstGeom prst="roundRect">
             <a:avLst>
@@ -19096,8 +21283,8 @@
         </p:nvSpPr>
         <p:spPr>
           <a:xfrm>
-            <a:off x="0" y="0"/>
-            <a:ext cx="12184920" cy="6854040"/>
+            <a:off x="1440" y="1800"/>
+            <a:ext cx="13431960" cy="7555320"/>
           </a:xfrm>
           <a:prstGeom prst="rect">
             <a:avLst/>
@@ -19133,6 +21320,11 @@
             <a:noAutofit/>
           </a:bodyPr>
           <a:p>
+            <a:pPr>
+              <a:lnSpc>
+                <a:spcPct val="100000"/>
+              </a:lnSpc>
+            </a:pPr>
             <a:endParaRPr b="0" lang="en-US" sz="1800" spc="-1" strike="noStrike">
               <a:solidFill>
                 <a:schemeClr val="lt1"/>
@@ -19151,8 +21343,8 @@
         </p:nvSpPr>
         <p:spPr>
           <a:xfrm>
-            <a:off x="0" y="0"/>
-            <a:ext cx="14400" cy="6854040"/>
+            <a:off x="1440" y="1800"/>
+            <a:ext cx="16200" cy="7555320"/>
           </a:xfrm>
           <a:prstGeom prst="rect">
             <a:avLst/>
@@ -19188,6 +21380,11 @@
             <a:noAutofit/>
           </a:bodyPr>
           <a:p>
+            <a:pPr>
+              <a:lnSpc>
+                <a:spcPct val="100000"/>
+              </a:lnSpc>
+            </a:pPr>
             <a:endParaRPr b="0" lang="en-US" sz="1800" spc="-1" strike="noStrike">
               <a:solidFill>
                 <a:schemeClr val="lt1"/>
@@ -19206,8 +21403,8 @@
         </p:nvSpPr>
         <p:spPr>
           <a:xfrm>
-            <a:off x="914400" y="0"/>
-            <a:ext cx="14400" cy="6854040"/>
+            <a:off x="1005480" y="1800"/>
+            <a:ext cx="16200" cy="7555320"/>
           </a:xfrm>
           <a:prstGeom prst="rect">
             <a:avLst/>
@@ -19243,6 +21440,11 @@
             <a:noAutofit/>
           </a:bodyPr>
           <a:p>
+            <a:pPr>
+              <a:lnSpc>
+                <a:spcPct val="100000"/>
+              </a:lnSpc>
+            </a:pPr>
             <a:endParaRPr b="0" lang="en-US" sz="1800" spc="-1" strike="noStrike">
               <a:solidFill>
                 <a:schemeClr val="lt1"/>
@@ -19261,8 +21463,8 @@
         </p:nvSpPr>
         <p:spPr>
           <a:xfrm>
-            <a:off x="1828800" y="0"/>
-            <a:ext cx="14400" cy="6854040"/>
+            <a:off x="2013480" y="1800"/>
+            <a:ext cx="16200" cy="7555320"/>
           </a:xfrm>
           <a:prstGeom prst="rect">
             <a:avLst/>
@@ -19298,6 +21500,11 @@
             <a:noAutofit/>
           </a:bodyPr>
           <a:p>
+            <a:pPr>
+              <a:lnSpc>
+                <a:spcPct val="100000"/>
+              </a:lnSpc>
+            </a:pPr>
             <a:endParaRPr b="0" lang="en-US" sz="1800" spc="-1" strike="noStrike">
               <a:solidFill>
                 <a:schemeClr val="lt1"/>
@@ -19316,8 +21523,8 @@
         </p:nvSpPr>
         <p:spPr>
           <a:xfrm>
-            <a:off x="2743200" y="0"/>
-            <a:ext cx="14400" cy="6854040"/>
+            <a:off x="3021480" y="1800"/>
+            <a:ext cx="16200" cy="7555320"/>
           </a:xfrm>
           <a:prstGeom prst="rect">
             <a:avLst/>
@@ -19353,6 +21560,11 @@
             <a:noAutofit/>
           </a:bodyPr>
           <a:p>
+            <a:pPr>
+              <a:lnSpc>
+                <a:spcPct val="100000"/>
+              </a:lnSpc>
+            </a:pPr>
             <a:endParaRPr b="0" lang="en-US" sz="1800" spc="-1" strike="noStrike">
               <a:solidFill>
                 <a:schemeClr val="lt1"/>
@@ -19371,8 +21583,8 @@
         </p:nvSpPr>
         <p:spPr>
           <a:xfrm>
-            <a:off x="3657600" y="0"/>
-            <a:ext cx="14400" cy="6854040"/>
+            <a:off x="4029480" y="1800"/>
+            <a:ext cx="16200" cy="7555320"/>
           </a:xfrm>
           <a:prstGeom prst="rect">
             <a:avLst/>
@@ -19408,6 +21620,11 @@
             <a:noAutofit/>
           </a:bodyPr>
           <a:p>
+            <a:pPr>
+              <a:lnSpc>
+                <a:spcPct val="100000"/>
+              </a:lnSpc>
+            </a:pPr>
             <a:endParaRPr b="0" lang="en-US" sz="1800" spc="-1" strike="noStrike">
               <a:solidFill>
                 <a:schemeClr val="lt1"/>
@@ -19426,8 +21643,8 @@
         </p:nvSpPr>
         <p:spPr>
           <a:xfrm>
-            <a:off x="4572000" y="0"/>
-            <a:ext cx="14400" cy="6854040"/>
+            <a:off x="5037480" y="1800"/>
+            <a:ext cx="16200" cy="7555320"/>
           </a:xfrm>
           <a:prstGeom prst="rect">
             <a:avLst/>
@@ -19463,6 +21680,11 @@
             <a:noAutofit/>
           </a:bodyPr>
           <a:p>
+            <a:pPr>
+              <a:lnSpc>
+                <a:spcPct val="100000"/>
+              </a:lnSpc>
+            </a:pPr>
             <a:endParaRPr b="0" lang="en-US" sz="1800" spc="-1" strike="noStrike">
               <a:solidFill>
                 <a:schemeClr val="lt1"/>
@@ -19481,8 +21703,8 @@
         </p:nvSpPr>
         <p:spPr>
           <a:xfrm>
-            <a:off x="5486400" y="0"/>
-            <a:ext cx="14400" cy="6854040"/>
+            <a:off x="6045480" y="1800"/>
+            <a:ext cx="16200" cy="7555320"/>
           </a:xfrm>
           <a:prstGeom prst="rect">
             <a:avLst/>
@@ -19518,6 +21740,11 @@
             <a:noAutofit/>
           </a:bodyPr>
           <a:p>
+            <a:pPr>
+              <a:lnSpc>
+                <a:spcPct val="100000"/>
+              </a:lnSpc>
+            </a:pPr>
             <a:endParaRPr b="0" lang="en-US" sz="1800" spc="-1" strike="noStrike">
               <a:solidFill>
                 <a:schemeClr val="lt1"/>
@@ -19536,8 +21763,8 @@
         </p:nvSpPr>
         <p:spPr>
           <a:xfrm>
-            <a:off x="6400800" y="0"/>
-            <a:ext cx="14400" cy="6854040"/>
+            <a:off x="7053480" y="1800"/>
+            <a:ext cx="16200" cy="7555320"/>
           </a:xfrm>
           <a:prstGeom prst="rect">
             <a:avLst/>
@@ -19573,6 +21800,11 @@
             <a:noAutofit/>
           </a:bodyPr>
           <a:p>
+            <a:pPr>
+              <a:lnSpc>
+                <a:spcPct val="100000"/>
+              </a:lnSpc>
+            </a:pPr>
             <a:endParaRPr b="0" lang="en-US" sz="1800" spc="-1" strike="noStrike">
               <a:solidFill>
                 <a:schemeClr val="lt1"/>
@@ -19591,8 +21823,8 @@
         </p:nvSpPr>
         <p:spPr>
           <a:xfrm>
-            <a:off x="7315200" y="0"/>
-            <a:ext cx="14400" cy="6854040"/>
+            <a:off x="8061480" y="1800"/>
+            <a:ext cx="16200" cy="7555320"/>
           </a:xfrm>
           <a:prstGeom prst="rect">
             <a:avLst/>
@@ -19628,6 +21860,11 @@
             <a:noAutofit/>
           </a:bodyPr>
           <a:p>
+            <a:pPr>
+              <a:lnSpc>
+                <a:spcPct val="100000"/>
+              </a:lnSpc>
+            </a:pPr>
             <a:endParaRPr b="0" lang="en-US" sz="1800" spc="-1" strike="noStrike">
               <a:solidFill>
                 <a:schemeClr val="lt1"/>
@@ -19646,8 +21883,8 @@
         </p:nvSpPr>
         <p:spPr>
           <a:xfrm>
-            <a:off x="8229600" y="0"/>
-            <a:ext cx="14400" cy="6854040"/>
+            <a:off x="9069480" y="1800"/>
+            <a:ext cx="16200" cy="7555320"/>
           </a:xfrm>
           <a:prstGeom prst="rect">
             <a:avLst/>
@@ -19683,6 +21920,11 @@
             <a:noAutofit/>
           </a:bodyPr>
           <a:p>
+            <a:pPr>
+              <a:lnSpc>
+                <a:spcPct val="100000"/>
+              </a:lnSpc>
+            </a:pPr>
             <a:endParaRPr b="0" lang="en-US" sz="1800" spc="-1" strike="noStrike">
               <a:solidFill>
                 <a:schemeClr val="lt1"/>
@@ -19701,8 +21943,8 @@
         </p:nvSpPr>
         <p:spPr>
           <a:xfrm>
-            <a:off x="9144000" y="0"/>
-            <a:ext cx="14400" cy="6854040"/>
+            <a:off x="10077480" y="1800"/>
+            <a:ext cx="16200" cy="7555320"/>
           </a:xfrm>
           <a:prstGeom prst="rect">
             <a:avLst/>
@@ -19738,6 +21980,11 @@
             <a:noAutofit/>
           </a:bodyPr>
           <a:p>
+            <a:pPr>
+              <a:lnSpc>
+                <a:spcPct val="100000"/>
+              </a:lnSpc>
+            </a:pPr>
             <a:endParaRPr b="0" lang="en-US" sz="1800" spc="-1" strike="noStrike">
               <a:solidFill>
                 <a:schemeClr val="lt1"/>
@@ -19756,8 +22003,8 @@
         </p:nvSpPr>
         <p:spPr>
           <a:xfrm>
-            <a:off x="10058400" y="0"/>
-            <a:ext cx="14400" cy="6854040"/>
+            <a:off x="11085480" y="1800"/>
+            <a:ext cx="16200" cy="7555320"/>
           </a:xfrm>
           <a:prstGeom prst="rect">
             <a:avLst/>
@@ -19793,6 +22040,11 @@
             <a:noAutofit/>
           </a:bodyPr>
           <a:p>
+            <a:pPr>
+              <a:lnSpc>
+                <a:spcPct val="100000"/>
+              </a:lnSpc>
+            </a:pPr>
             <a:endParaRPr b="0" lang="en-US" sz="1800" spc="-1" strike="noStrike">
               <a:solidFill>
                 <a:schemeClr val="lt1"/>
@@ -19811,8 +22063,8 @@
         </p:nvSpPr>
         <p:spPr>
           <a:xfrm>
-            <a:off x="10972800" y="0"/>
-            <a:ext cx="14400" cy="6854040"/>
+            <a:off x="12093480" y="1800"/>
+            <a:ext cx="16200" cy="7555320"/>
           </a:xfrm>
           <a:prstGeom prst="rect">
             <a:avLst/>
@@ -19848,6 +22100,11 @@
             <a:noAutofit/>
           </a:bodyPr>
           <a:p>
+            <a:pPr>
+              <a:lnSpc>
+                <a:spcPct val="100000"/>
+              </a:lnSpc>
+            </a:pPr>
             <a:endParaRPr b="0" lang="en-US" sz="1800" spc="-1" strike="noStrike">
               <a:solidFill>
                 <a:schemeClr val="lt1"/>
@@ -19866,8 +22123,8 @@
         </p:nvSpPr>
         <p:spPr>
           <a:xfrm>
-            <a:off x="11887200" y="0"/>
-            <a:ext cx="14400" cy="6854040"/>
+            <a:off x="13101480" y="1800"/>
+            <a:ext cx="16200" cy="7555320"/>
           </a:xfrm>
           <a:prstGeom prst="rect">
             <a:avLst/>
@@ -19903,6 +22160,11 @@
             <a:noAutofit/>
           </a:bodyPr>
           <a:p>
+            <a:pPr>
+              <a:lnSpc>
+                <a:spcPct val="100000"/>
+              </a:lnSpc>
+            </a:pPr>
             <a:endParaRPr b="0" lang="en-US" sz="1800" spc="-1" strike="noStrike">
               <a:solidFill>
                 <a:schemeClr val="lt1"/>
@@ -19921,8 +22183,8 @@
         </p:nvSpPr>
         <p:spPr>
           <a:xfrm>
-            <a:off x="0" y="0"/>
-            <a:ext cx="316080" cy="6854040"/>
+            <a:off x="1440" y="1800"/>
+            <a:ext cx="348120" cy="7555320"/>
           </a:xfrm>
           <a:prstGeom prst="rect">
             <a:avLst/>
@@ -19958,6 +22220,11 @@
             <a:noAutofit/>
           </a:bodyPr>
           <a:p>
+            <a:pPr>
+              <a:lnSpc>
+                <a:spcPct val="100000"/>
+              </a:lnSpc>
+            </a:pPr>
             <a:endParaRPr b="0" lang="en-US" sz="1800" spc="-1" strike="noStrike">
               <a:solidFill>
                 <a:schemeClr val="lt1"/>
@@ -19976,8 +22243,8 @@
         </p:nvSpPr>
         <p:spPr>
           <a:xfrm>
-            <a:off x="9875520" y="365760"/>
-            <a:ext cx="2007720" cy="498960"/>
+            <a:off x="10884960" y="401400"/>
+            <a:ext cx="2212560" cy="548640"/>
           </a:xfrm>
           <a:prstGeom prst="roundRect">
             <a:avLst>
@@ -20050,8 +22317,8 @@
         </p:nvSpPr>
         <p:spPr>
           <a:xfrm>
-            <a:off x="-382680" y="1005840"/>
-            <a:ext cx="11750040" cy="730440"/>
+            <a:off x="179640" y="1107360"/>
+            <a:ext cx="11751480" cy="729720"/>
           </a:xfrm>
           <a:prstGeom prst="rect">
             <a:avLst/>
@@ -20114,8 +22381,8 @@
         </p:nvSpPr>
         <p:spPr>
           <a:xfrm>
-            <a:off x="3207960" y="2057400"/>
-            <a:ext cx="5146200" cy="363960"/>
+            <a:off x="3797640" y="2266200"/>
+            <a:ext cx="5147640" cy="363960"/>
           </a:xfrm>
           <a:prstGeom prst="rect">
             <a:avLst/>
@@ -20168,8 +22435,8 @@
         </p:nvSpPr>
         <p:spPr>
           <a:xfrm>
-            <a:off x="987480" y="3182040"/>
-            <a:ext cx="3287880" cy="2739240"/>
+            <a:off x="1086840" y="3506040"/>
+            <a:ext cx="3624120" cy="3019320"/>
           </a:xfrm>
           <a:prstGeom prst="roundRect">
             <a:avLst>
@@ -20207,6 +22474,11 @@
             <a:noAutofit/>
           </a:bodyPr>
           <a:p>
+            <a:pPr>
+              <a:lnSpc>
+                <a:spcPct val="100000"/>
+              </a:lnSpc>
+            </a:pPr>
             <a:endParaRPr b="0" lang="en-US" sz="1800" spc="-1" strike="noStrike">
               <a:solidFill>
                 <a:schemeClr val="lt1"/>
@@ -20225,8 +22497,8 @@
         </p:nvSpPr>
         <p:spPr>
           <a:xfrm>
-            <a:off x="914400" y="3108960"/>
-            <a:ext cx="3287880" cy="2739240"/>
+            <a:off x="1006560" y="3425040"/>
+            <a:ext cx="3624480" cy="3019680"/>
           </a:xfrm>
           <a:prstGeom prst="roundRect">
             <a:avLst>
@@ -20602,8 +22874,8 @@
         </p:nvSpPr>
         <p:spPr>
           <a:xfrm>
-            <a:off x="4507920" y="3182040"/>
-            <a:ext cx="3287880" cy="2739240"/>
+            <a:off x="4968360" y="3506040"/>
+            <a:ext cx="3624120" cy="3019320"/>
           </a:xfrm>
           <a:prstGeom prst="roundRect">
             <a:avLst>
@@ -20641,6 +22913,11 @@
             <a:noAutofit/>
           </a:bodyPr>
           <a:p>
+            <a:pPr>
+              <a:lnSpc>
+                <a:spcPct val="100000"/>
+              </a:lnSpc>
+            </a:pPr>
             <a:endParaRPr b="0" lang="en-US" sz="1800" spc="-1" strike="noStrike">
               <a:solidFill>
                 <a:schemeClr val="lt1"/>
@@ -20659,8 +22936,8 @@
         </p:nvSpPr>
         <p:spPr>
           <a:xfrm>
-            <a:off x="8028360" y="3182040"/>
-            <a:ext cx="3287880" cy="2739240"/>
+            <a:off x="8849160" y="3506040"/>
+            <a:ext cx="3624120" cy="3019320"/>
           </a:xfrm>
           <a:prstGeom prst="roundRect">
             <a:avLst>
@@ -20698,6 +22975,11 @@
             <a:noAutofit/>
           </a:bodyPr>
           <a:p>
+            <a:pPr>
+              <a:lnSpc>
+                <a:spcPct val="100000"/>
+              </a:lnSpc>
+            </a:pPr>
             <a:endParaRPr b="0" lang="en-US" sz="1800" spc="-1" strike="noStrike">
               <a:solidFill>
                 <a:schemeClr val="lt1"/>
@@ -20716,8 +22998,8 @@
         </p:nvSpPr>
         <p:spPr>
           <a:xfrm>
-            <a:off x="7955280" y="3108960"/>
-            <a:ext cx="3287880" cy="2739240"/>
+            <a:off x="8767440" y="3425040"/>
+            <a:ext cx="3624480" cy="3019680"/>
           </a:xfrm>
           <a:prstGeom prst="roundRect">
             <a:avLst>
@@ -21227,8 +23509,8 @@
         </p:nvSpPr>
         <p:spPr>
           <a:xfrm>
-            <a:off x="4600080" y="6446520"/>
-            <a:ext cx="3051000" cy="363960"/>
+            <a:off x="5224320" y="7104600"/>
+            <a:ext cx="3052440" cy="363960"/>
           </a:xfrm>
           <a:prstGeom prst="rect">
             <a:avLst/>
@@ -21281,8 +23563,8 @@
         </p:nvSpPr>
         <p:spPr>
           <a:xfrm>
-            <a:off x="4484160" y="3132000"/>
-            <a:ext cx="3287880" cy="2739240"/>
+            <a:off x="4941000" y="3450960"/>
+            <a:ext cx="3624480" cy="3019680"/>
           </a:xfrm>
           <a:prstGeom prst="roundRect">
             <a:avLst>
@@ -21632,6 +23914,2164 @@
               <a:t>Runs on any platform</a:t>
             </a:r>
             <a:endParaRPr b="0" lang="en-US" sz="1400" spc="-1" strike="noStrike">
+              <a:solidFill>
+                <a:srgbClr val="ffffff"/>
+              </a:solidFill>
+              <a:latin typeface="Arial"/>
+            </a:endParaRPr>
+          </a:p>
+        </p:txBody>
+      </p:sp>
+    </p:spTree>
+  </p:cSld>
+  <mc:AlternateContent>
+    <mc:Choice Requires="p14">
+      <p:transition spd="slow" p14:dur="2000"/>
+    </mc:Choice>
+    <mc:Fallback>
+      <p:transition spd="slow"/>
+    </mc:Fallback>
+  </mc:AlternateContent>
+</p:sld>
+</file>
+
+<file path=ppt/slides/slide9.xml><?xml version="1.0" encoding="utf-8"?>
+<p:sld xmlns:a="http://schemas.openxmlformats.org/drawingml/2006/main" xmlns:p="http://schemas.openxmlformats.org/presentationml/2006/main" xmlns:r="http://schemas.openxmlformats.org/officeDocument/2006/relationships" xmlns:p14="http://schemas.microsoft.com/office/powerpoint/2010/main" xmlns:p15="http://schemas.microsoft.com/office/powerpoint/2012/main" xmlns:mc="http://schemas.openxmlformats.org/markup-compatibility/2006">
+  <p:cSld>
+    <p:spTree>
+      <p:nvGrpSpPr>
+        <p:cNvPr id="1" name=""/>
+        <p:cNvGrpSpPr/>
+        <p:nvPr/>
+      </p:nvGrpSpPr>
+      <p:grpSpPr>
+        <a:xfrm>
+          <a:off x="0" y="0"/>
+          <a:ext cx="0" cy="0"/>
+          <a:chOff x="0" y="0"/>
+          <a:chExt cx="0" cy="0"/>
+        </a:xfrm>
+      </p:grpSpPr>
+      <p:sp>
+        <p:nvSpPr>
+          <p:cNvPr id="249" name="Rectangle 129"/>
+          <p:cNvSpPr/>
+          <p:nvPr/>
+        </p:nvSpPr>
+        <p:spPr>
+          <a:xfrm>
+            <a:off x="16920" y="1800"/>
+            <a:ext cx="13431960" cy="7555320"/>
+          </a:xfrm>
+          <a:prstGeom prst="rect">
+            <a:avLst/>
+          </a:prstGeom>
+          <a:solidFill>
+            <a:srgbClr val="0b0b0d"/>
+          </a:solidFill>
+          <a:ln>
+            <a:noFill/>
+          </a:ln>
+          <a:effectLst>
+            <a:outerShdw blurRad="39960" dir="5400000" dist="23040" rotWithShape="0">
+              <a:srgbClr val="000000">
+                <a:alpha val="35000"/>
+              </a:srgbClr>
+            </a:outerShdw>
+          </a:effectLst>
+        </p:spPr>
+        <p:style>
+          <a:lnRef idx="1">
+            <a:schemeClr val="accent1"/>
+          </a:lnRef>
+          <a:fillRef idx="3">
+            <a:schemeClr val="accent1"/>
+          </a:fillRef>
+          <a:effectRef idx="2">
+            <a:schemeClr val="accent1"/>
+          </a:effectRef>
+          <a:fontRef idx="minor"/>
+        </p:style>
+        <p:txBody>
+          <a:bodyPr lIns="90000" rIns="90000" tIns="45000" bIns="45000" anchor="ctr">
+            <a:noAutofit/>
+          </a:bodyPr>
+          <a:p>
+            <a:endParaRPr b="0" lang="en-US" sz="1800" spc="-1" strike="noStrike">
+              <a:solidFill>
+                <a:schemeClr val="lt1"/>
+              </a:solidFill>
+              <a:latin typeface="Calibri"/>
+              <a:ea typeface="DejaVu Sans"/>
+            </a:endParaRPr>
+          </a:p>
+        </p:txBody>
+      </p:sp>
+      <p:sp>
+        <p:nvSpPr>
+          <p:cNvPr id="250" name="Rectangle 130"/>
+          <p:cNvSpPr/>
+          <p:nvPr/>
+        </p:nvSpPr>
+        <p:spPr>
+          <a:xfrm>
+            <a:off x="1440" y="1800"/>
+            <a:ext cx="16200" cy="7555320"/>
+          </a:xfrm>
+          <a:prstGeom prst="rect">
+            <a:avLst/>
+          </a:prstGeom>
+          <a:solidFill>
+            <a:srgbClr val="121216"/>
+          </a:solidFill>
+          <a:ln>
+            <a:noFill/>
+          </a:ln>
+          <a:effectLst>
+            <a:outerShdw blurRad="39960" dir="5400000" dist="23040" rotWithShape="0">
+              <a:srgbClr val="000000">
+                <a:alpha val="35000"/>
+              </a:srgbClr>
+            </a:outerShdw>
+          </a:effectLst>
+        </p:spPr>
+        <p:style>
+          <a:lnRef idx="1">
+            <a:schemeClr val="accent1"/>
+          </a:lnRef>
+          <a:fillRef idx="3">
+            <a:schemeClr val="accent1"/>
+          </a:fillRef>
+          <a:effectRef idx="2">
+            <a:schemeClr val="accent1"/>
+          </a:effectRef>
+          <a:fontRef idx="minor"/>
+        </p:style>
+        <p:txBody>
+          <a:bodyPr lIns="90000" rIns="90000" tIns="45000" bIns="45000" anchor="ctr">
+            <a:noAutofit/>
+          </a:bodyPr>
+          <a:p>
+            <a:endParaRPr b="0" lang="en-US" sz="1800" spc="-1" strike="noStrike">
+              <a:solidFill>
+                <a:schemeClr val="lt1"/>
+              </a:solidFill>
+              <a:latin typeface="Calibri"/>
+              <a:ea typeface="DejaVu Sans"/>
+            </a:endParaRPr>
+          </a:p>
+        </p:txBody>
+      </p:sp>
+      <p:sp>
+        <p:nvSpPr>
+          <p:cNvPr id="251" name="Rectangle 131"/>
+          <p:cNvSpPr/>
+          <p:nvPr/>
+        </p:nvSpPr>
+        <p:spPr>
+          <a:xfrm>
+            <a:off x="1005480" y="1800"/>
+            <a:ext cx="16200" cy="7555320"/>
+          </a:xfrm>
+          <a:prstGeom prst="rect">
+            <a:avLst/>
+          </a:prstGeom>
+          <a:solidFill>
+            <a:srgbClr val="121216"/>
+          </a:solidFill>
+          <a:ln>
+            <a:noFill/>
+          </a:ln>
+          <a:effectLst>
+            <a:outerShdw blurRad="39960" dir="5400000" dist="23040" rotWithShape="0">
+              <a:srgbClr val="000000">
+                <a:alpha val="35000"/>
+              </a:srgbClr>
+            </a:outerShdw>
+          </a:effectLst>
+        </p:spPr>
+        <p:style>
+          <a:lnRef idx="1">
+            <a:schemeClr val="accent1"/>
+          </a:lnRef>
+          <a:fillRef idx="3">
+            <a:schemeClr val="accent1"/>
+          </a:fillRef>
+          <a:effectRef idx="2">
+            <a:schemeClr val="accent1"/>
+          </a:effectRef>
+          <a:fontRef idx="minor"/>
+        </p:style>
+        <p:txBody>
+          <a:bodyPr lIns="90000" rIns="90000" tIns="45000" bIns="45000" anchor="ctr">
+            <a:noAutofit/>
+          </a:bodyPr>
+          <a:p>
+            <a:endParaRPr b="0" lang="en-US" sz="1800" spc="-1" strike="noStrike">
+              <a:solidFill>
+                <a:schemeClr val="lt1"/>
+              </a:solidFill>
+              <a:latin typeface="Calibri"/>
+              <a:ea typeface="DejaVu Sans"/>
+            </a:endParaRPr>
+          </a:p>
+        </p:txBody>
+      </p:sp>
+      <p:sp>
+        <p:nvSpPr>
+          <p:cNvPr id="252" name="Rectangle 132"/>
+          <p:cNvSpPr/>
+          <p:nvPr/>
+        </p:nvSpPr>
+        <p:spPr>
+          <a:xfrm>
+            <a:off x="2013480" y="1800"/>
+            <a:ext cx="16200" cy="7555320"/>
+          </a:xfrm>
+          <a:prstGeom prst="rect">
+            <a:avLst/>
+          </a:prstGeom>
+          <a:solidFill>
+            <a:srgbClr val="121216"/>
+          </a:solidFill>
+          <a:ln>
+            <a:noFill/>
+          </a:ln>
+          <a:effectLst>
+            <a:outerShdw blurRad="39960" dir="5400000" dist="23040" rotWithShape="0">
+              <a:srgbClr val="000000">
+                <a:alpha val="35000"/>
+              </a:srgbClr>
+            </a:outerShdw>
+          </a:effectLst>
+        </p:spPr>
+        <p:style>
+          <a:lnRef idx="1">
+            <a:schemeClr val="accent1"/>
+          </a:lnRef>
+          <a:fillRef idx="3">
+            <a:schemeClr val="accent1"/>
+          </a:fillRef>
+          <a:effectRef idx="2">
+            <a:schemeClr val="accent1"/>
+          </a:effectRef>
+          <a:fontRef idx="minor"/>
+        </p:style>
+        <p:txBody>
+          <a:bodyPr lIns="90000" rIns="90000" tIns="45000" bIns="45000" anchor="ctr">
+            <a:noAutofit/>
+          </a:bodyPr>
+          <a:p>
+            <a:endParaRPr b="0" lang="en-US" sz="1800" spc="-1" strike="noStrike">
+              <a:solidFill>
+                <a:schemeClr val="lt1"/>
+              </a:solidFill>
+              <a:latin typeface="Calibri"/>
+              <a:ea typeface="DejaVu Sans"/>
+            </a:endParaRPr>
+          </a:p>
+        </p:txBody>
+      </p:sp>
+      <p:sp>
+        <p:nvSpPr>
+          <p:cNvPr id="253" name="Rectangle 133"/>
+          <p:cNvSpPr/>
+          <p:nvPr/>
+        </p:nvSpPr>
+        <p:spPr>
+          <a:xfrm>
+            <a:off x="3021480" y="1800"/>
+            <a:ext cx="16200" cy="7555320"/>
+          </a:xfrm>
+          <a:prstGeom prst="rect">
+            <a:avLst/>
+          </a:prstGeom>
+          <a:solidFill>
+            <a:srgbClr val="121216"/>
+          </a:solidFill>
+          <a:ln>
+            <a:noFill/>
+          </a:ln>
+          <a:effectLst>
+            <a:outerShdw blurRad="39960" dir="5400000" dist="23040" rotWithShape="0">
+              <a:srgbClr val="000000">
+                <a:alpha val="35000"/>
+              </a:srgbClr>
+            </a:outerShdw>
+          </a:effectLst>
+        </p:spPr>
+        <p:style>
+          <a:lnRef idx="1">
+            <a:schemeClr val="accent1"/>
+          </a:lnRef>
+          <a:fillRef idx="3">
+            <a:schemeClr val="accent1"/>
+          </a:fillRef>
+          <a:effectRef idx="2">
+            <a:schemeClr val="accent1"/>
+          </a:effectRef>
+          <a:fontRef idx="minor"/>
+        </p:style>
+        <p:txBody>
+          <a:bodyPr lIns="90000" rIns="90000" tIns="45000" bIns="45000" anchor="ctr">
+            <a:noAutofit/>
+          </a:bodyPr>
+          <a:p>
+            <a:endParaRPr b="0" lang="en-US" sz="1800" spc="-1" strike="noStrike">
+              <a:solidFill>
+                <a:schemeClr val="lt1"/>
+              </a:solidFill>
+              <a:latin typeface="Calibri"/>
+              <a:ea typeface="DejaVu Sans"/>
+            </a:endParaRPr>
+          </a:p>
+        </p:txBody>
+      </p:sp>
+      <p:sp>
+        <p:nvSpPr>
+          <p:cNvPr id="254" name="Rectangle 134"/>
+          <p:cNvSpPr/>
+          <p:nvPr/>
+        </p:nvSpPr>
+        <p:spPr>
+          <a:xfrm>
+            <a:off x="4029480" y="1800"/>
+            <a:ext cx="16200" cy="7555320"/>
+          </a:xfrm>
+          <a:prstGeom prst="rect">
+            <a:avLst/>
+          </a:prstGeom>
+          <a:solidFill>
+            <a:srgbClr val="121216"/>
+          </a:solidFill>
+          <a:ln>
+            <a:noFill/>
+          </a:ln>
+          <a:effectLst>
+            <a:outerShdw blurRad="39960" dir="5400000" dist="23040" rotWithShape="0">
+              <a:srgbClr val="000000">
+                <a:alpha val="35000"/>
+              </a:srgbClr>
+            </a:outerShdw>
+          </a:effectLst>
+        </p:spPr>
+        <p:style>
+          <a:lnRef idx="1">
+            <a:schemeClr val="accent1"/>
+          </a:lnRef>
+          <a:fillRef idx="3">
+            <a:schemeClr val="accent1"/>
+          </a:fillRef>
+          <a:effectRef idx="2">
+            <a:schemeClr val="accent1"/>
+          </a:effectRef>
+          <a:fontRef idx="minor"/>
+        </p:style>
+        <p:txBody>
+          <a:bodyPr lIns="90000" rIns="90000" tIns="45000" bIns="45000" anchor="ctr">
+            <a:noAutofit/>
+          </a:bodyPr>
+          <a:p>
+            <a:endParaRPr b="0" lang="en-US" sz="1800" spc="-1" strike="noStrike">
+              <a:solidFill>
+                <a:schemeClr val="lt1"/>
+              </a:solidFill>
+              <a:latin typeface="Calibri"/>
+              <a:ea typeface="DejaVu Sans"/>
+            </a:endParaRPr>
+          </a:p>
+        </p:txBody>
+      </p:sp>
+      <p:sp>
+        <p:nvSpPr>
+          <p:cNvPr id="255" name="Rectangle 135"/>
+          <p:cNvSpPr/>
+          <p:nvPr/>
+        </p:nvSpPr>
+        <p:spPr>
+          <a:xfrm>
+            <a:off x="5037480" y="1800"/>
+            <a:ext cx="16200" cy="7555320"/>
+          </a:xfrm>
+          <a:prstGeom prst="rect">
+            <a:avLst/>
+          </a:prstGeom>
+          <a:solidFill>
+            <a:srgbClr val="121216"/>
+          </a:solidFill>
+          <a:ln>
+            <a:noFill/>
+          </a:ln>
+          <a:effectLst>
+            <a:outerShdw blurRad="39960" dir="5400000" dist="23040" rotWithShape="0">
+              <a:srgbClr val="000000">
+                <a:alpha val="35000"/>
+              </a:srgbClr>
+            </a:outerShdw>
+          </a:effectLst>
+        </p:spPr>
+        <p:style>
+          <a:lnRef idx="1">
+            <a:schemeClr val="accent1"/>
+          </a:lnRef>
+          <a:fillRef idx="3">
+            <a:schemeClr val="accent1"/>
+          </a:fillRef>
+          <a:effectRef idx="2">
+            <a:schemeClr val="accent1"/>
+          </a:effectRef>
+          <a:fontRef idx="minor"/>
+        </p:style>
+        <p:txBody>
+          <a:bodyPr lIns="90000" rIns="90000" tIns="45000" bIns="45000" anchor="ctr">
+            <a:noAutofit/>
+          </a:bodyPr>
+          <a:p>
+            <a:endParaRPr b="0" lang="en-US" sz="1800" spc="-1" strike="noStrike">
+              <a:solidFill>
+                <a:schemeClr val="lt1"/>
+              </a:solidFill>
+              <a:latin typeface="Calibri"/>
+              <a:ea typeface="DejaVu Sans"/>
+            </a:endParaRPr>
+          </a:p>
+        </p:txBody>
+      </p:sp>
+      <p:sp>
+        <p:nvSpPr>
+          <p:cNvPr id="256" name="Rectangle 136"/>
+          <p:cNvSpPr/>
+          <p:nvPr/>
+        </p:nvSpPr>
+        <p:spPr>
+          <a:xfrm>
+            <a:off x="6045480" y="1800"/>
+            <a:ext cx="16200" cy="7555320"/>
+          </a:xfrm>
+          <a:prstGeom prst="rect">
+            <a:avLst/>
+          </a:prstGeom>
+          <a:solidFill>
+            <a:srgbClr val="121216"/>
+          </a:solidFill>
+          <a:ln>
+            <a:noFill/>
+          </a:ln>
+          <a:effectLst>
+            <a:outerShdw blurRad="39960" dir="5400000" dist="23040" rotWithShape="0">
+              <a:srgbClr val="000000">
+                <a:alpha val="35000"/>
+              </a:srgbClr>
+            </a:outerShdw>
+          </a:effectLst>
+        </p:spPr>
+        <p:style>
+          <a:lnRef idx="1">
+            <a:schemeClr val="accent1"/>
+          </a:lnRef>
+          <a:fillRef idx="3">
+            <a:schemeClr val="accent1"/>
+          </a:fillRef>
+          <a:effectRef idx="2">
+            <a:schemeClr val="accent1"/>
+          </a:effectRef>
+          <a:fontRef idx="minor"/>
+        </p:style>
+        <p:txBody>
+          <a:bodyPr lIns="90000" rIns="90000" tIns="45000" bIns="45000" anchor="ctr">
+            <a:noAutofit/>
+          </a:bodyPr>
+          <a:p>
+            <a:endParaRPr b="0" lang="en-US" sz="1800" spc="-1" strike="noStrike">
+              <a:solidFill>
+                <a:schemeClr val="lt1"/>
+              </a:solidFill>
+              <a:latin typeface="Calibri"/>
+              <a:ea typeface="DejaVu Sans"/>
+            </a:endParaRPr>
+          </a:p>
+        </p:txBody>
+      </p:sp>
+      <p:sp>
+        <p:nvSpPr>
+          <p:cNvPr id="257" name="Rectangle 137"/>
+          <p:cNvSpPr/>
+          <p:nvPr/>
+        </p:nvSpPr>
+        <p:spPr>
+          <a:xfrm>
+            <a:off x="7053480" y="1800"/>
+            <a:ext cx="16200" cy="7555320"/>
+          </a:xfrm>
+          <a:prstGeom prst="rect">
+            <a:avLst/>
+          </a:prstGeom>
+          <a:solidFill>
+            <a:srgbClr val="121216"/>
+          </a:solidFill>
+          <a:ln>
+            <a:noFill/>
+          </a:ln>
+          <a:effectLst>
+            <a:outerShdw blurRad="39960" dir="5400000" dist="23040" rotWithShape="0">
+              <a:srgbClr val="000000">
+                <a:alpha val="35000"/>
+              </a:srgbClr>
+            </a:outerShdw>
+          </a:effectLst>
+        </p:spPr>
+        <p:style>
+          <a:lnRef idx="1">
+            <a:schemeClr val="accent1"/>
+          </a:lnRef>
+          <a:fillRef idx="3">
+            <a:schemeClr val="accent1"/>
+          </a:fillRef>
+          <a:effectRef idx="2">
+            <a:schemeClr val="accent1"/>
+          </a:effectRef>
+          <a:fontRef idx="minor"/>
+        </p:style>
+        <p:txBody>
+          <a:bodyPr lIns="90000" rIns="90000" tIns="45000" bIns="45000" anchor="ctr">
+            <a:noAutofit/>
+          </a:bodyPr>
+          <a:p>
+            <a:endParaRPr b="0" lang="en-US" sz="1800" spc="-1" strike="noStrike">
+              <a:solidFill>
+                <a:schemeClr val="lt1"/>
+              </a:solidFill>
+              <a:latin typeface="Calibri"/>
+              <a:ea typeface="DejaVu Sans"/>
+            </a:endParaRPr>
+          </a:p>
+        </p:txBody>
+      </p:sp>
+      <p:sp>
+        <p:nvSpPr>
+          <p:cNvPr id="258" name="Rectangle 138"/>
+          <p:cNvSpPr/>
+          <p:nvPr/>
+        </p:nvSpPr>
+        <p:spPr>
+          <a:xfrm>
+            <a:off x="8061480" y="1800"/>
+            <a:ext cx="16200" cy="7555320"/>
+          </a:xfrm>
+          <a:prstGeom prst="rect">
+            <a:avLst/>
+          </a:prstGeom>
+          <a:solidFill>
+            <a:srgbClr val="121216"/>
+          </a:solidFill>
+          <a:ln>
+            <a:noFill/>
+          </a:ln>
+          <a:effectLst>
+            <a:outerShdw blurRad="39960" dir="5400000" dist="23040" rotWithShape="0">
+              <a:srgbClr val="000000">
+                <a:alpha val="35000"/>
+              </a:srgbClr>
+            </a:outerShdw>
+          </a:effectLst>
+        </p:spPr>
+        <p:style>
+          <a:lnRef idx="1">
+            <a:schemeClr val="accent1"/>
+          </a:lnRef>
+          <a:fillRef idx="3">
+            <a:schemeClr val="accent1"/>
+          </a:fillRef>
+          <a:effectRef idx="2">
+            <a:schemeClr val="accent1"/>
+          </a:effectRef>
+          <a:fontRef idx="minor"/>
+        </p:style>
+        <p:txBody>
+          <a:bodyPr lIns="90000" rIns="90000" tIns="45000" bIns="45000" anchor="ctr">
+            <a:noAutofit/>
+          </a:bodyPr>
+          <a:p>
+            <a:endParaRPr b="0" lang="en-US" sz="1800" spc="-1" strike="noStrike">
+              <a:solidFill>
+                <a:schemeClr val="lt1"/>
+              </a:solidFill>
+              <a:latin typeface="Calibri"/>
+              <a:ea typeface="DejaVu Sans"/>
+            </a:endParaRPr>
+          </a:p>
+        </p:txBody>
+      </p:sp>
+      <p:sp>
+        <p:nvSpPr>
+          <p:cNvPr id="259" name="Rectangle 139"/>
+          <p:cNvSpPr/>
+          <p:nvPr/>
+        </p:nvSpPr>
+        <p:spPr>
+          <a:xfrm>
+            <a:off x="9069480" y="1800"/>
+            <a:ext cx="16200" cy="7555320"/>
+          </a:xfrm>
+          <a:prstGeom prst="rect">
+            <a:avLst/>
+          </a:prstGeom>
+          <a:solidFill>
+            <a:srgbClr val="121216"/>
+          </a:solidFill>
+          <a:ln>
+            <a:noFill/>
+          </a:ln>
+          <a:effectLst>
+            <a:outerShdw blurRad="39960" dir="5400000" dist="23040" rotWithShape="0">
+              <a:srgbClr val="000000">
+                <a:alpha val="35000"/>
+              </a:srgbClr>
+            </a:outerShdw>
+          </a:effectLst>
+        </p:spPr>
+        <p:style>
+          <a:lnRef idx="1">
+            <a:schemeClr val="accent1"/>
+          </a:lnRef>
+          <a:fillRef idx="3">
+            <a:schemeClr val="accent1"/>
+          </a:fillRef>
+          <a:effectRef idx="2">
+            <a:schemeClr val="accent1"/>
+          </a:effectRef>
+          <a:fontRef idx="minor"/>
+        </p:style>
+        <p:txBody>
+          <a:bodyPr lIns="90000" rIns="90000" tIns="45000" bIns="45000" anchor="ctr">
+            <a:noAutofit/>
+          </a:bodyPr>
+          <a:p>
+            <a:endParaRPr b="0" lang="en-US" sz="1800" spc="-1" strike="noStrike">
+              <a:solidFill>
+                <a:schemeClr val="lt1"/>
+              </a:solidFill>
+              <a:latin typeface="Calibri"/>
+              <a:ea typeface="DejaVu Sans"/>
+            </a:endParaRPr>
+          </a:p>
+        </p:txBody>
+      </p:sp>
+      <p:sp>
+        <p:nvSpPr>
+          <p:cNvPr id="260" name="Rectangle 140"/>
+          <p:cNvSpPr/>
+          <p:nvPr/>
+        </p:nvSpPr>
+        <p:spPr>
+          <a:xfrm>
+            <a:off x="10077480" y="1800"/>
+            <a:ext cx="16200" cy="7555320"/>
+          </a:xfrm>
+          <a:prstGeom prst="rect">
+            <a:avLst/>
+          </a:prstGeom>
+          <a:solidFill>
+            <a:srgbClr val="121216"/>
+          </a:solidFill>
+          <a:ln>
+            <a:noFill/>
+          </a:ln>
+          <a:effectLst>
+            <a:outerShdw blurRad="39960" dir="5400000" dist="23040" rotWithShape="0">
+              <a:srgbClr val="000000">
+                <a:alpha val="35000"/>
+              </a:srgbClr>
+            </a:outerShdw>
+          </a:effectLst>
+        </p:spPr>
+        <p:style>
+          <a:lnRef idx="1">
+            <a:schemeClr val="accent1"/>
+          </a:lnRef>
+          <a:fillRef idx="3">
+            <a:schemeClr val="accent1"/>
+          </a:fillRef>
+          <a:effectRef idx="2">
+            <a:schemeClr val="accent1"/>
+          </a:effectRef>
+          <a:fontRef idx="minor"/>
+        </p:style>
+        <p:txBody>
+          <a:bodyPr lIns="90000" rIns="90000" tIns="45000" bIns="45000" anchor="ctr">
+            <a:noAutofit/>
+          </a:bodyPr>
+          <a:p>
+            <a:endParaRPr b="0" lang="en-US" sz="1800" spc="-1" strike="noStrike">
+              <a:solidFill>
+                <a:schemeClr val="lt1"/>
+              </a:solidFill>
+              <a:latin typeface="Calibri"/>
+              <a:ea typeface="DejaVu Sans"/>
+            </a:endParaRPr>
+          </a:p>
+        </p:txBody>
+      </p:sp>
+      <p:sp>
+        <p:nvSpPr>
+          <p:cNvPr id="261" name="Rectangle 141"/>
+          <p:cNvSpPr/>
+          <p:nvPr/>
+        </p:nvSpPr>
+        <p:spPr>
+          <a:xfrm>
+            <a:off x="11085480" y="1800"/>
+            <a:ext cx="16200" cy="7555320"/>
+          </a:xfrm>
+          <a:prstGeom prst="rect">
+            <a:avLst/>
+          </a:prstGeom>
+          <a:solidFill>
+            <a:srgbClr val="121216"/>
+          </a:solidFill>
+          <a:ln>
+            <a:noFill/>
+          </a:ln>
+          <a:effectLst>
+            <a:outerShdw blurRad="39960" dir="5400000" dist="23040" rotWithShape="0">
+              <a:srgbClr val="000000">
+                <a:alpha val="35000"/>
+              </a:srgbClr>
+            </a:outerShdw>
+          </a:effectLst>
+        </p:spPr>
+        <p:style>
+          <a:lnRef idx="1">
+            <a:schemeClr val="accent1"/>
+          </a:lnRef>
+          <a:fillRef idx="3">
+            <a:schemeClr val="accent1"/>
+          </a:fillRef>
+          <a:effectRef idx="2">
+            <a:schemeClr val="accent1"/>
+          </a:effectRef>
+          <a:fontRef idx="minor"/>
+        </p:style>
+        <p:txBody>
+          <a:bodyPr lIns="90000" rIns="90000" tIns="45000" bIns="45000" anchor="ctr">
+            <a:noAutofit/>
+          </a:bodyPr>
+          <a:p>
+            <a:endParaRPr b="0" lang="en-US" sz="1800" spc="-1" strike="noStrike">
+              <a:solidFill>
+                <a:schemeClr val="lt1"/>
+              </a:solidFill>
+              <a:latin typeface="Calibri"/>
+              <a:ea typeface="DejaVu Sans"/>
+            </a:endParaRPr>
+          </a:p>
+        </p:txBody>
+      </p:sp>
+      <p:sp>
+        <p:nvSpPr>
+          <p:cNvPr id="262" name="Rectangle 142"/>
+          <p:cNvSpPr/>
+          <p:nvPr/>
+        </p:nvSpPr>
+        <p:spPr>
+          <a:xfrm>
+            <a:off x="12093480" y="1800"/>
+            <a:ext cx="16200" cy="7555320"/>
+          </a:xfrm>
+          <a:prstGeom prst="rect">
+            <a:avLst/>
+          </a:prstGeom>
+          <a:solidFill>
+            <a:srgbClr val="121216"/>
+          </a:solidFill>
+          <a:ln>
+            <a:noFill/>
+          </a:ln>
+          <a:effectLst>
+            <a:outerShdw blurRad="39960" dir="5400000" dist="23040" rotWithShape="0">
+              <a:srgbClr val="000000">
+                <a:alpha val="35000"/>
+              </a:srgbClr>
+            </a:outerShdw>
+          </a:effectLst>
+        </p:spPr>
+        <p:style>
+          <a:lnRef idx="1">
+            <a:schemeClr val="accent1"/>
+          </a:lnRef>
+          <a:fillRef idx="3">
+            <a:schemeClr val="accent1"/>
+          </a:fillRef>
+          <a:effectRef idx="2">
+            <a:schemeClr val="accent1"/>
+          </a:effectRef>
+          <a:fontRef idx="minor"/>
+        </p:style>
+        <p:txBody>
+          <a:bodyPr lIns="90000" rIns="90000" tIns="45000" bIns="45000" anchor="ctr">
+            <a:noAutofit/>
+          </a:bodyPr>
+          <a:p>
+            <a:endParaRPr b="0" lang="en-US" sz="1800" spc="-1" strike="noStrike">
+              <a:solidFill>
+                <a:schemeClr val="lt1"/>
+              </a:solidFill>
+              <a:latin typeface="Calibri"/>
+              <a:ea typeface="DejaVu Sans"/>
+            </a:endParaRPr>
+          </a:p>
+        </p:txBody>
+      </p:sp>
+      <p:sp>
+        <p:nvSpPr>
+          <p:cNvPr id="263" name="Rectangle 143"/>
+          <p:cNvSpPr/>
+          <p:nvPr/>
+        </p:nvSpPr>
+        <p:spPr>
+          <a:xfrm>
+            <a:off x="13101480" y="1800"/>
+            <a:ext cx="16200" cy="7555320"/>
+          </a:xfrm>
+          <a:prstGeom prst="rect">
+            <a:avLst/>
+          </a:prstGeom>
+          <a:solidFill>
+            <a:srgbClr val="121216"/>
+          </a:solidFill>
+          <a:ln>
+            <a:noFill/>
+          </a:ln>
+          <a:effectLst>
+            <a:outerShdw blurRad="39960" dir="5400000" dist="23040" rotWithShape="0">
+              <a:srgbClr val="000000">
+                <a:alpha val="35000"/>
+              </a:srgbClr>
+            </a:outerShdw>
+          </a:effectLst>
+        </p:spPr>
+        <p:style>
+          <a:lnRef idx="1">
+            <a:schemeClr val="accent1"/>
+          </a:lnRef>
+          <a:fillRef idx="3">
+            <a:schemeClr val="accent1"/>
+          </a:fillRef>
+          <a:effectRef idx="2">
+            <a:schemeClr val="accent1"/>
+          </a:effectRef>
+          <a:fontRef idx="minor"/>
+        </p:style>
+        <p:txBody>
+          <a:bodyPr lIns="90000" rIns="90000" tIns="45000" bIns="45000" anchor="ctr">
+            <a:noAutofit/>
+          </a:bodyPr>
+          <a:p>
+            <a:endParaRPr b="0" lang="en-US" sz="1800" spc="-1" strike="noStrike">
+              <a:solidFill>
+                <a:schemeClr val="lt1"/>
+              </a:solidFill>
+              <a:latin typeface="Calibri"/>
+              <a:ea typeface="DejaVu Sans"/>
+            </a:endParaRPr>
+          </a:p>
+        </p:txBody>
+      </p:sp>
+      <p:sp>
+        <p:nvSpPr>
+          <p:cNvPr id="264" name="Rectangle 144"/>
+          <p:cNvSpPr/>
+          <p:nvPr/>
+        </p:nvSpPr>
+        <p:spPr>
+          <a:xfrm>
+            <a:off x="1440" y="1800"/>
+            <a:ext cx="348120" cy="7555320"/>
+          </a:xfrm>
+          <a:prstGeom prst="rect">
+            <a:avLst/>
+          </a:prstGeom>
+          <a:solidFill>
+            <a:srgbClr val="ff8c00"/>
+          </a:solidFill>
+          <a:ln>
+            <a:noFill/>
+          </a:ln>
+          <a:effectLst>
+            <a:outerShdw blurRad="39960" dir="5400000" dist="23040" rotWithShape="0">
+              <a:srgbClr val="000000">
+                <a:alpha val="35000"/>
+              </a:srgbClr>
+            </a:outerShdw>
+          </a:effectLst>
+        </p:spPr>
+        <p:style>
+          <a:lnRef idx="1">
+            <a:schemeClr val="accent1"/>
+          </a:lnRef>
+          <a:fillRef idx="3">
+            <a:schemeClr val="accent1"/>
+          </a:fillRef>
+          <a:effectRef idx="2">
+            <a:schemeClr val="accent1"/>
+          </a:effectRef>
+          <a:fontRef idx="minor"/>
+        </p:style>
+        <p:txBody>
+          <a:bodyPr lIns="90000" rIns="90000" tIns="45000" bIns="45000" anchor="ctr">
+            <a:noAutofit/>
+          </a:bodyPr>
+          <a:p>
+            <a:endParaRPr b="0" lang="en-US" sz="1800" spc="-1" strike="noStrike">
+              <a:solidFill>
+                <a:schemeClr val="lt1"/>
+              </a:solidFill>
+              <a:latin typeface="Calibri"/>
+              <a:ea typeface="DejaVu Sans"/>
+            </a:endParaRPr>
+          </a:p>
+        </p:txBody>
+      </p:sp>
+      <p:sp>
+        <p:nvSpPr>
+          <p:cNvPr id="265" name="Rounded Rectangle 63"/>
+          <p:cNvSpPr/>
+          <p:nvPr/>
+        </p:nvSpPr>
+        <p:spPr>
+          <a:xfrm>
+            <a:off x="10884960" y="401400"/>
+            <a:ext cx="2212560" cy="548640"/>
+          </a:xfrm>
+          <a:prstGeom prst="roundRect">
+            <a:avLst>
+              <a:gd name="adj" fmla="val 16667"/>
+            </a:avLst>
+          </a:prstGeom>
+          <a:solidFill>
+            <a:srgbClr val="1e1e24"/>
+          </a:solidFill>
+          <a:ln>
+            <a:solidFill>
+              <a:srgbClr val="ff8c00"/>
+            </a:solidFill>
+            <a:round/>
+          </a:ln>
+          <a:effectLst>
+            <a:outerShdw blurRad="39960" dir="5400000" dist="23040" rotWithShape="0">
+              <a:srgbClr val="000000">
+                <a:alpha val="35000"/>
+              </a:srgbClr>
+            </a:outerShdw>
+          </a:effectLst>
+        </p:spPr>
+        <p:style>
+          <a:lnRef idx="1">
+            <a:schemeClr val="accent1"/>
+          </a:lnRef>
+          <a:fillRef idx="3">
+            <a:schemeClr val="accent1"/>
+          </a:fillRef>
+          <a:effectRef idx="2">
+            <a:schemeClr val="accent1"/>
+          </a:effectRef>
+          <a:fontRef idx="minor"/>
+        </p:style>
+        <p:txBody>
+          <a:bodyPr lIns="90000" rIns="90000" tIns="45000" bIns="45000" anchor="ctr">
+            <a:noAutofit/>
+          </a:bodyPr>
+          <a:p>
+            <a:pPr algn="ctr">
+              <a:lnSpc>
+                <a:spcPct val="100000"/>
+              </a:lnSpc>
+            </a:pPr>
+            <a:r>
+              <a:rPr b="1" lang="en-US" sz="1400" spc="-1" strike="noStrike">
+                <a:solidFill>
+                  <a:srgbClr val="ffb45a"/>
+                </a:solidFill>
+                <a:latin typeface="Calibri"/>
+                <a:ea typeface="DejaVu Sans"/>
+              </a:rPr>
+              <a:t>JAVA CORE</a:t>
+            </a:r>
+            <a:endParaRPr b="0" lang="en-US" sz="1400" spc="-1" strike="noStrike">
+              <a:solidFill>
+                <a:srgbClr val="ffffff"/>
+              </a:solidFill>
+              <a:latin typeface="Arial"/>
+            </a:endParaRPr>
+          </a:p>
+        </p:txBody>
+      </p:sp>
+      <p:sp>
+        <p:nvSpPr>
+          <p:cNvPr id="266" name="TextBox 28"/>
+          <p:cNvSpPr/>
+          <p:nvPr/>
+        </p:nvSpPr>
+        <p:spPr>
+          <a:xfrm>
+            <a:off x="3444480" y="1107360"/>
+            <a:ext cx="5217840" cy="729720"/>
+          </a:xfrm>
+          <a:prstGeom prst="rect">
+            <a:avLst/>
+          </a:prstGeom>
+          <a:noFill/>
+          <a:ln w="0">
+            <a:noFill/>
+          </a:ln>
+        </p:spPr>
+        <p:style>
+          <a:lnRef idx="0"/>
+          <a:fillRef idx="0"/>
+          <a:effectRef idx="0"/>
+          <a:fontRef idx="minor"/>
+        </p:style>
+        <p:txBody>
+          <a:bodyPr wrap="none" lIns="90000" rIns="90000" tIns="45000" bIns="45000" anchor="t">
+            <a:spAutoFit/>
+          </a:bodyPr>
+          <a:p>
+            <a:pPr>
+              <a:lnSpc>
+                <a:spcPct val="100000"/>
+              </a:lnSpc>
+            </a:pPr>
+            <a:r>
+              <a:rPr b="1" lang="en-US" sz="4200" spc="-1" strike="noStrike">
+                <a:solidFill>
+                  <a:srgbClr val="f5f5f5"/>
+                </a:solidFill>
+                <a:latin typeface="Calibri"/>
+                <a:ea typeface="DejaVu Sans"/>
+              </a:rPr>
+              <a:t>    </a:t>
+            </a:r>
+            <a:r>
+              <a:rPr b="1" lang="en-US" sz="4200" spc="-1" strike="noStrike">
+                <a:solidFill>
+                  <a:srgbClr val="f5f5f5"/>
+                </a:solidFill>
+                <a:latin typeface="Calibri"/>
+                <a:ea typeface="DejaVu Sans"/>
+              </a:rPr>
+              <a:t>Java Goes Enterprise</a:t>
+            </a:r>
+            <a:endParaRPr b="0" lang="en-US" sz="4200" spc="-1" strike="noStrike">
+              <a:solidFill>
+                <a:srgbClr val="000000"/>
+              </a:solidFill>
+              <a:latin typeface="Arial"/>
+            </a:endParaRPr>
+          </a:p>
+        </p:txBody>
+      </p:sp>
+      <p:sp>
+        <p:nvSpPr>
+          <p:cNvPr id="267" name="TextBox 29"/>
+          <p:cNvSpPr/>
+          <p:nvPr/>
+        </p:nvSpPr>
+        <p:spPr>
+          <a:xfrm>
+            <a:off x="4513680" y="2266200"/>
+            <a:ext cx="3715200" cy="363960"/>
+          </a:xfrm>
+          <a:prstGeom prst="rect">
+            <a:avLst/>
+          </a:prstGeom>
+          <a:noFill/>
+          <a:ln w="0">
+            <a:noFill/>
+          </a:ln>
+        </p:spPr>
+        <p:style>
+          <a:lnRef idx="0"/>
+          <a:fillRef idx="0"/>
+          <a:effectRef idx="0"/>
+          <a:fontRef idx="minor"/>
+        </p:style>
+        <p:txBody>
+          <a:bodyPr wrap="none" lIns="90000" rIns="90000" tIns="45000" bIns="45000" anchor="t">
+            <a:spAutoFit/>
+          </a:bodyPr>
+          <a:p>
+            <a:pPr>
+              <a:lnSpc>
+                <a:spcPct val="100000"/>
+              </a:lnSpc>
+            </a:pPr>
+            <a:r>
+              <a:rPr b="0" lang="en-US" sz="1800" spc="-1" strike="noStrike">
+                <a:solidFill>
+                  <a:srgbClr val="aaaaaa"/>
+                </a:solidFill>
+                <a:latin typeface="Calibri"/>
+                <a:ea typeface="DejaVu Sans"/>
+              </a:rPr>
+              <a:t>How Java entered large-scale systems.</a:t>
+            </a:r>
+            <a:endParaRPr b="0" lang="en-US" sz="1800" spc="-1" strike="noStrike">
+              <a:solidFill>
+                <a:srgbClr val="000000"/>
+              </a:solidFill>
+              <a:latin typeface="Arial"/>
+            </a:endParaRPr>
+          </a:p>
+        </p:txBody>
+      </p:sp>
+      <p:sp>
+        <p:nvSpPr>
+          <p:cNvPr id="268" name="Rounded Rectangle 64"/>
+          <p:cNvSpPr/>
+          <p:nvPr/>
+        </p:nvSpPr>
+        <p:spPr>
+          <a:xfrm>
+            <a:off x="1086840" y="3506040"/>
+            <a:ext cx="3624120" cy="3019320"/>
+          </a:xfrm>
+          <a:prstGeom prst="roundRect">
+            <a:avLst>
+              <a:gd name="adj" fmla="val 16667"/>
+            </a:avLst>
+          </a:prstGeom>
+          <a:solidFill>
+            <a:srgbClr val="08080a"/>
+          </a:solidFill>
+          <a:ln>
+            <a:noFill/>
+          </a:ln>
+          <a:effectLst>
+            <a:outerShdw blurRad="39960" dir="5400000" dist="23040" rotWithShape="0">
+              <a:srgbClr val="000000">
+                <a:alpha val="35000"/>
+              </a:srgbClr>
+            </a:outerShdw>
+          </a:effectLst>
+        </p:spPr>
+        <p:style>
+          <a:lnRef idx="1">
+            <a:schemeClr val="accent1"/>
+          </a:lnRef>
+          <a:fillRef idx="3">
+            <a:schemeClr val="accent1"/>
+          </a:fillRef>
+          <a:effectRef idx="2">
+            <a:schemeClr val="accent1"/>
+          </a:effectRef>
+          <a:fontRef idx="minor"/>
+        </p:style>
+        <p:txBody>
+          <a:bodyPr lIns="90000" rIns="90000" tIns="45000" bIns="45000" anchor="ctr">
+            <a:noAutofit/>
+          </a:bodyPr>
+          <a:p>
+            <a:endParaRPr b="0" lang="en-US" sz="1800" spc="-1" strike="noStrike">
+              <a:solidFill>
+                <a:schemeClr val="lt1"/>
+              </a:solidFill>
+              <a:latin typeface="Calibri"/>
+              <a:ea typeface="DejaVu Sans"/>
+            </a:endParaRPr>
+          </a:p>
+        </p:txBody>
+      </p:sp>
+      <p:sp>
+        <p:nvSpPr>
+          <p:cNvPr id="269" name="Rounded Rectangle 65"/>
+          <p:cNvSpPr/>
+          <p:nvPr/>
+        </p:nvSpPr>
+        <p:spPr>
+          <a:xfrm>
+            <a:off x="1006560" y="3425040"/>
+            <a:ext cx="3624480" cy="3019680"/>
+          </a:xfrm>
+          <a:prstGeom prst="roundRect">
+            <a:avLst>
+              <a:gd name="adj" fmla="val 16667"/>
+            </a:avLst>
+          </a:prstGeom>
+          <a:solidFill>
+            <a:srgbClr val="16161c"/>
+          </a:solidFill>
+          <a:ln>
+            <a:solidFill>
+              <a:srgbClr val="464655"/>
+            </a:solidFill>
+            <a:round/>
+          </a:ln>
+          <a:effectLst>
+            <a:outerShdw blurRad="39960" dir="5400000" dist="23040" rotWithShape="0">
+              <a:srgbClr val="000000">
+                <a:alpha val="35000"/>
+              </a:srgbClr>
+            </a:outerShdw>
+          </a:effectLst>
+        </p:spPr>
+        <p:style>
+          <a:lnRef idx="1">
+            <a:schemeClr val="accent1"/>
+          </a:lnRef>
+          <a:fillRef idx="3">
+            <a:schemeClr val="accent1"/>
+          </a:fillRef>
+          <a:effectRef idx="2">
+            <a:schemeClr val="accent1"/>
+          </a:effectRef>
+          <a:fontRef idx="minor"/>
+        </p:style>
+        <p:txBody>
+          <a:bodyPr lIns="90000" rIns="90000" tIns="45000" bIns="45000" anchor="ctr">
+            <a:noAutofit/>
+          </a:bodyPr>
+          <a:p>
+            <a:pPr>
+              <a:lnSpc>
+                <a:spcPct val="100000"/>
+              </a:lnSpc>
+            </a:pPr>
+            <a:r>
+              <a:rPr b="1" lang="en-US" sz="1300" spc="-1" strike="noStrike">
+                <a:solidFill>
+                  <a:schemeClr val="lt1"/>
+                </a:solidFill>
+                <a:latin typeface="Calibri"/>
+                <a:ea typeface="DejaVu Sans"/>
+              </a:rPr>
+              <a:t>In the late 1990s, the Internet rapidly expanded</a:t>
+            </a:r>
+            <a:endParaRPr b="0" lang="en-US" sz="1300" spc="-1" strike="noStrike">
+              <a:solidFill>
+                <a:srgbClr val="ffffff"/>
+              </a:solidFill>
+              <a:latin typeface="Arial"/>
+            </a:endParaRPr>
+          </a:p>
+          <a:p>
+            <a:pPr>
+              <a:lnSpc>
+                <a:spcPct val="100000"/>
+              </a:lnSpc>
+            </a:pPr>
+            <a:endParaRPr b="0" lang="en-US" sz="1300" spc="-1" strike="noStrike">
+              <a:solidFill>
+                <a:srgbClr val="ffffff"/>
+              </a:solidFill>
+              <a:latin typeface="Arial"/>
+            </a:endParaRPr>
+          </a:p>
+          <a:p>
+            <a:pPr marL="216000" indent="-216000">
+              <a:lnSpc>
+                <a:spcPct val="100000"/>
+              </a:lnSpc>
+              <a:buClr>
+                <a:srgbClr val="ffffff"/>
+              </a:buClr>
+              <a:buFont typeface="Wingdings" charset="2"/>
+              <a:buChar char=""/>
+            </a:pPr>
+            <a:r>
+              <a:rPr b="1" lang="en-US" sz="1300" spc="-1" strike="noStrike">
+                <a:solidFill>
+                  <a:schemeClr val="lt1"/>
+                </a:solidFill>
+                <a:latin typeface="Calibri"/>
+                <a:ea typeface="DejaVu Sans"/>
+              </a:rPr>
+              <a:t>Companies needed software that could scale</a:t>
+            </a:r>
+            <a:endParaRPr b="0" lang="en-US" sz="1300" spc="-1" strike="noStrike">
+              <a:solidFill>
+                <a:srgbClr val="ffffff"/>
+              </a:solidFill>
+              <a:latin typeface="Arial"/>
+            </a:endParaRPr>
+          </a:p>
+          <a:p>
+            <a:pPr marL="216000" indent="-216000">
+              <a:lnSpc>
+                <a:spcPct val="100000"/>
+              </a:lnSpc>
+              <a:buClr>
+                <a:srgbClr val="ffffff"/>
+              </a:buClr>
+              <a:buFont typeface="Wingdings" charset="2"/>
+              <a:buChar char=""/>
+            </a:pPr>
+            <a:r>
+              <a:rPr b="1" lang="en-US" sz="1300" spc="-1" strike="noStrike">
+                <a:solidFill>
+                  <a:schemeClr val="lt1"/>
+                </a:solidFill>
+                <a:latin typeface="Calibri"/>
+                <a:ea typeface="DejaVu Sans"/>
+              </a:rPr>
+              <a:t>Security became a critical requirement</a:t>
+            </a:r>
+            <a:endParaRPr b="0" lang="en-US" sz="1300" spc="-1" strike="noStrike">
+              <a:solidFill>
+                <a:srgbClr val="ffffff"/>
+              </a:solidFill>
+              <a:latin typeface="Arial"/>
+            </a:endParaRPr>
+          </a:p>
+          <a:p>
+            <a:pPr marL="216000" indent="-216000">
+              <a:lnSpc>
+                <a:spcPct val="100000"/>
+              </a:lnSpc>
+              <a:buClr>
+                <a:srgbClr val="ffffff"/>
+              </a:buClr>
+              <a:buFont typeface="Wingdings" charset="2"/>
+              <a:buChar char=""/>
+            </a:pPr>
+            <a:r>
+              <a:rPr b="1" lang="en-US" sz="1300" spc="-1" strike="noStrike">
+                <a:solidFill>
+                  <a:schemeClr val="lt1"/>
+                </a:solidFill>
+                <a:latin typeface="Calibri"/>
+                <a:ea typeface="DejaVu Sans"/>
+              </a:rPr>
+              <a:t>Systems had to run on different operating systems</a:t>
+            </a:r>
+            <a:endParaRPr b="0" lang="en-US" sz="1300" spc="-1" strike="noStrike">
+              <a:solidFill>
+                <a:srgbClr val="ffffff"/>
+              </a:solidFill>
+              <a:latin typeface="Arial"/>
+            </a:endParaRPr>
+          </a:p>
+          <a:p>
+            <a:pPr marL="216000" indent="-216000">
+              <a:lnSpc>
+                <a:spcPct val="100000"/>
+              </a:lnSpc>
+              <a:buClr>
+                <a:srgbClr val="ffffff"/>
+              </a:buClr>
+              <a:buFont typeface="Wingdings" charset="2"/>
+              <a:buChar char=""/>
+            </a:pPr>
+            <a:r>
+              <a:rPr b="1" lang="en-US" sz="1300" spc="-1" strike="noStrike">
+                <a:solidFill>
+                  <a:schemeClr val="lt1"/>
+                </a:solidFill>
+                <a:latin typeface="Calibri"/>
+                <a:ea typeface="DejaVu Sans"/>
+              </a:rPr>
+              <a:t>Java solved these problems with:</a:t>
+            </a:r>
+            <a:endParaRPr b="0" lang="en-US" sz="1300" spc="-1" strike="noStrike">
+              <a:solidFill>
+                <a:srgbClr val="ffffff"/>
+              </a:solidFill>
+              <a:latin typeface="Arial"/>
+            </a:endParaRPr>
+          </a:p>
+          <a:p>
+            <a:pPr lvl="1" marL="432000" indent="-216000">
+              <a:lnSpc>
+                <a:spcPct val="100000"/>
+              </a:lnSpc>
+              <a:buClr>
+                <a:srgbClr val="000000"/>
+              </a:buClr>
+              <a:buSzPct val="45000"/>
+              <a:buFont typeface="Wingdings" charset="2"/>
+              <a:buChar char=""/>
+            </a:pPr>
+            <a:r>
+              <a:rPr b="1" lang="en-US" sz="1300" spc="-1" strike="noStrike">
+                <a:solidFill>
+                  <a:schemeClr val="lt1"/>
+                </a:solidFill>
+                <a:latin typeface="Calibri"/>
+                <a:ea typeface="DejaVu Sans"/>
+              </a:rPr>
+              <a:t>Platform independence</a:t>
+            </a:r>
+            <a:endParaRPr b="0" lang="en-US" sz="1300" spc="-1" strike="noStrike">
+              <a:solidFill>
+                <a:srgbClr val="ffffff"/>
+              </a:solidFill>
+              <a:latin typeface="Arial"/>
+            </a:endParaRPr>
+          </a:p>
+          <a:p>
+            <a:pPr lvl="1" marL="432000" indent="-216000">
+              <a:lnSpc>
+                <a:spcPct val="100000"/>
+              </a:lnSpc>
+              <a:buClr>
+                <a:srgbClr val="000000"/>
+              </a:buClr>
+              <a:buSzPct val="45000"/>
+              <a:buFont typeface="Wingdings" charset="2"/>
+              <a:buChar char=""/>
+            </a:pPr>
+            <a:r>
+              <a:rPr b="1" lang="en-US" sz="1300" spc="-1" strike="noStrike">
+                <a:solidFill>
+                  <a:schemeClr val="lt1"/>
+                </a:solidFill>
+                <a:latin typeface="Calibri"/>
+                <a:ea typeface="DejaVu Sans"/>
+              </a:rPr>
+              <a:t>Strong object-oriented design</a:t>
+            </a:r>
+            <a:endParaRPr b="0" lang="en-US" sz="1300" spc="-1" strike="noStrike">
+              <a:solidFill>
+                <a:srgbClr val="ffffff"/>
+              </a:solidFill>
+              <a:latin typeface="Arial"/>
+            </a:endParaRPr>
+          </a:p>
+          <a:p>
+            <a:pPr lvl="1" marL="432000" indent="-216000">
+              <a:lnSpc>
+                <a:spcPct val="100000"/>
+              </a:lnSpc>
+              <a:buClr>
+                <a:srgbClr val="000000"/>
+              </a:buClr>
+              <a:buSzPct val="45000"/>
+              <a:buFont typeface="Wingdings" charset="2"/>
+              <a:buChar char=""/>
+            </a:pPr>
+            <a:r>
+              <a:rPr b="1" lang="en-US" sz="1300" spc="-1" strike="noStrike">
+                <a:solidFill>
+                  <a:schemeClr val="lt1"/>
+                </a:solidFill>
+                <a:latin typeface="Calibri"/>
+                <a:ea typeface="DejaVu Sans"/>
+              </a:rPr>
+              <a:t>Built-in security features</a:t>
+            </a:r>
+            <a:endParaRPr b="0" lang="en-US" sz="1300" spc="-1" strike="noStrike">
+              <a:solidFill>
+                <a:srgbClr val="ffffff"/>
+              </a:solidFill>
+              <a:latin typeface="Arial"/>
+            </a:endParaRPr>
+          </a:p>
+          <a:p>
+            <a:pPr>
+              <a:lnSpc>
+                <a:spcPct val="100000"/>
+              </a:lnSpc>
+            </a:pPr>
+            <a:r>
+              <a:rPr b="1" lang="en-US" sz="1300" spc="-1" strike="noStrike">
+                <a:solidFill>
+                  <a:schemeClr val="lt1"/>
+                </a:solidFill>
+                <a:latin typeface="Calibri"/>
+                <a:ea typeface="DejaVu Sans"/>
+              </a:rPr>
+              <a:t>Result:</a:t>
+            </a:r>
+            <a:endParaRPr b="0" lang="en-US" sz="1300" spc="-1" strike="noStrike">
+              <a:solidFill>
+                <a:srgbClr val="ffffff"/>
+              </a:solidFill>
+              <a:latin typeface="Arial"/>
+            </a:endParaRPr>
+          </a:p>
+          <a:p>
+            <a:pPr>
+              <a:lnSpc>
+                <a:spcPct val="100000"/>
+              </a:lnSpc>
+            </a:pPr>
+            <a:r>
+              <a:rPr b="0" lang="en-US" sz="1300" spc="-1" strike="noStrike">
+                <a:solidFill>
+                  <a:schemeClr val="lt1"/>
+                </a:solidFill>
+                <a:latin typeface="Calibri"/>
+                <a:ea typeface="DejaVu Sans"/>
+              </a:rPr>
+              <a:t>Java became the preferred language for enterprise systems.</a:t>
+            </a:r>
+            <a:endParaRPr b="0" lang="en-US" sz="1300" spc="-1" strike="noStrike">
+              <a:solidFill>
+                <a:srgbClr val="ffffff"/>
+              </a:solidFill>
+              <a:latin typeface="Arial"/>
+            </a:endParaRPr>
+          </a:p>
+        </p:txBody>
+      </p:sp>
+      <p:sp>
+        <p:nvSpPr>
+          <p:cNvPr id="270" name="Rounded Rectangle 66"/>
+          <p:cNvSpPr/>
+          <p:nvPr/>
+        </p:nvSpPr>
+        <p:spPr>
+          <a:xfrm>
+            <a:off x="4968360" y="3506040"/>
+            <a:ext cx="3624120" cy="3019320"/>
+          </a:xfrm>
+          <a:prstGeom prst="roundRect">
+            <a:avLst>
+              <a:gd name="adj" fmla="val 16667"/>
+            </a:avLst>
+          </a:prstGeom>
+          <a:solidFill>
+            <a:srgbClr val="08080a"/>
+          </a:solidFill>
+          <a:ln>
+            <a:noFill/>
+          </a:ln>
+          <a:effectLst>
+            <a:outerShdw blurRad="39960" dir="5400000" dist="23040" rotWithShape="0">
+              <a:srgbClr val="000000">
+                <a:alpha val="35000"/>
+              </a:srgbClr>
+            </a:outerShdw>
+          </a:effectLst>
+        </p:spPr>
+        <p:style>
+          <a:lnRef idx="1">
+            <a:schemeClr val="accent1"/>
+          </a:lnRef>
+          <a:fillRef idx="3">
+            <a:schemeClr val="accent1"/>
+          </a:fillRef>
+          <a:effectRef idx="2">
+            <a:schemeClr val="accent1"/>
+          </a:effectRef>
+          <a:fontRef idx="minor"/>
+        </p:style>
+        <p:txBody>
+          <a:bodyPr lIns="90000" rIns="90000" tIns="45000" bIns="45000" anchor="ctr">
+            <a:noAutofit/>
+          </a:bodyPr>
+          <a:p>
+            <a:endParaRPr b="0" lang="en-US" sz="1800" spc="-1" strike="noStrike">
+              <a:solidFill>
+                <a:schemeClr val="lt1"/>
+              </a:solidFill>
+              <a:latin typeface="Calibri"/>
+              <a:ea typeface="DejaVu Sans"/>
+            </a:endParaRPr>
+          </a:p>
+        </p:txBody>
+      </p:sp>
+      <p:sp>
+        <p:nvSpPr>
+          <p:cNvPr id="271" name="Rounded Rectangle 67"/>
+          <p:cNvSpPr/>
+          <p:nvPr/>
+        </p:nvSpPr>
+        <p:spPr>
+          <a:xfrm>
+            <a:off x="8849160" y="3506040"/>
+            <a:ext cx="3624120" cy="3019320"/>
+          </a:xfrm>
+          <a:prstGeom prst="roundRect">
+            <a:avLst>
+              <a:gd name="adj" fmla="val 16667"/>
+            </a:avLst>
+          </a:prstGeom>
+          <a:solidFill>
+            <a:srgbClr val="08080a"/>
+          </a:solidFill>
+          <a:ln>
+            <a:noFill/>
+          </a:ln>
+          <a:effectLst>
+            <a:outerShdw blurRad="39960" dir="5400000" dist="23040" rotWithShape="0">
+              <a:srgbClr val="000000">
+                <a:alpha val="35000"/>
+              </a:srgbClr>
+            </a:outerShdw>
+          </a:effectLst>
+        </p:spPr>
+        <p:style>
+          <a:lnRef idx="1">
+            <a:schemeClr val="accent1"/>
+          </a:lnRef>
+          <a:fillRef idx="3">
+            <a:schemeClr val="accent1"/>
+          </a:fillRef>
+          <a:effectRef idx="2">
+            <a:schemeClr val="accent1"/>
+          </a:effectRef>
+          <a:fontRef idx="minor"/>
+        </p:style>
+        <p:txBody>
+          <a:bodyPr lIns="90000" rIns="90000" tIns="45000" bIns="45000" anchor="ctr">
+            <a:noAutofit/>
+          </a:bodyPr>
+          <a:p>
+            <a:endParaRPr b="0" lang="en-US" sz="1800" spc="-1" strike="noStrike">
+              <a:solidFill>
+                <a:schemeClr val="lt1"/>
+              </a:solidFill>
+              <a:latin typeface="Calibri"/>
+              <a:ea typeface="DejaVu Sans"/>
+            </a:endParaRPr>
+          </a:p>
+        </p:txBody>
+      </p:sp>
+      <p:sp>
+        <p:nvSpPr>
+          <p:cNvPr id="272" name="Rounded Rectangle 68"/>
+          <p:cNvSpPr/>
+          <p:nvPr/>
+        </p:nvSpPr>
+        <p:spPr>
+          <a:xfrm>
+            <a:off x="8767440" y="3425040"/>
+            <a:ext cx="3624480" cy="3019680"/>
+          </a:xfrm>
+          <a:prstGeom prst="roundRect">
+            <a:avLst>
+              <a:gd name="adj" fmla="val 16667"/>
+            </a:avLst>
+          </a:prstGeom>
+          <a:solidFill>
+            <a:srgbClr val="16161c"/>
+          </a:solidFill>
+          <a:ln>
+            <a:solidFill>
+              <a:srgbClr val="464655"/>
+            </a:solidFill>
+            <a:round/>
+          </a:ln>
+          <a:effectLst>
+            <a:outerShdw blurRad="39960" dir="5400000" dist="23040" rotWithShape="0">
+              <a:srgbClr val="000000">
+                <a:alpha val="35000"/>
+              </a:srgbClr>
+            </a:outerShdw>
+          </a:effectLst>
+        </p:spPr>
+        <p:style>
+          <a:lnRef idx="1">
+            <a:schemeClr val="accent1"/>
+          </a:lnRef>
+          <a:fillRef idx="3">
+            <a:schemeClr val="accent1"/>
+          </a:fillRef>
+          <a:effectRef idx="2">
+            <a:schemeClr val="accent1"/>
+          </a:effectRef>
+          <a:fontRef idx="minor"/>
+        </p:style>
+        <p:txBody>
+          <a:bodyPr lIns="90000" rIns="90000" tIns="45000" bIns="45000" anchor="ctr">
+            <a:noAutofit/>
+          </a:bodyPr>
+          <a:p>
+            <a:pPr algn="ctr">
+              <a:lnSpc>
+                <a:spcPct val="100000"/>
+              </a:lnSpc>
+            </a:pPr>
+            <a:endParaRPr b="0" lang="en-US" sz="1800" spc="-1" strike="noStrike">
+              <a:solidFill>
+                <a:srgbClr val="ffffff"/>
+              </a:solidFill>
+              <a:latin typeface="Arial"/>
+            </a:endParaRPr>
+          </a:p>
+          <a:p>
+            <a:pPr algn="ctr">
+              <a:lnSpc>
+                <a:spcPct val="100000"/>
+              </a:lnSpc>
+            </a:pPr>
+            <a:endParaRPr b="0" lang="en-US" sz="1100" spc="-1" strike="noStrike">
+              <a:solidFill>
+                <a:srgbClr val="ffffff"/>
+              </a:solidFill>
+              <a:latin typeface="Arial"/>
+            </a:endParaRPr>
+          </a:p>
+          <a:p>
+            <a:pPr algn="ctr">
+              <a:lnSpc>
+                <a:spcPct val="100000"/>
+              </a:lnSpc>
+            </a:pPr>
+            <a:endParaRPr b="0" lang="en-US" sz="1600" spc="-1" strike="noStrike">
+              <a:solidFill>
+                <a:srgbClr val="ffffff"/>
+              </a:solidFill>
+              <a:latin typeface="Arial"/>
+            </a:endParaRPr>
+          </a:p>
+          <a:p>
+            <a:pPr algn="ctr">
+              <a:lnSpc>
+                <a:spcPct val="100000"/>
+              </a:lnSpc>
+            </a:pPr>
+            <a:r>
+              <a:rPr b="0" lang="en-US" sz="1600" spc="-1" strike="noStrike">
+                <a:solidFill>
+                  <a:srgbClr val="78ffc8"/>
+                </a:solidFill>
+                <a:latin typeface="Consolas"/>
+                <a:ea typeface="DejaVu Sans"/>
+              </a:rPr>
+              <a:t>public class Enterprise {</a:t>
+            </a:r>
+            <a:endParaRPr b="0" lang="en-US" sz="1600" spc="-1" strike="noStrike">
+              <a:solidFill>
+                <a:srgbClr val="ffffff"/>
+              </a:solidFill>
+              <a:latin typeface="Arial"/>
+            </a:endParaRPr>
+          </a:p>
+          <a:p>
+            <a:pPr algn="ctr">
+              <a:lnSpc>
+                <a:spcPct val="100000"/>
+              </a:lnSpc>
+            </a:pPr>
+            <a:r>
+              <a:rPr b="0" lang="en-US" sz="1600" spc="-1" strike="noStrike">
+                <a:solidFill>
+                  <a:srgbClr val="78ffc8"/>
+                </a:solidFill>
+                <a:latin typeface="Consolas"/>
+                <a:ea typeface="DejaVu Sans"/>
+              </a:rPr>
+              <a:t>    </a:t>
+            </a:r>
+            <a:r>
+              <a:rPr b="0" lang="en-US" sz="1600" spc="-1" strike="noStrike">
+                <a:solidFill>
+                  <a:srgbClr val="78ffc8"/>
+                </a:solidFill>
+                <a:latin typeface="Consolas"/>
+                <a:ea typeface="DejaVu Sans"/>
+              </a:rPr>
+              <a:t>public static void main(String[] args) {</a:t>
+            </a:r>
+            <a:endParaRPr b="0" lang="en-US" sz="1600" spc="-1" strike="noStrike">
+              <a:solidFill>
+                <a:srgbClr val="ffffff"/>
+              </a:solidFill>
+              <a:latin typeface="Arial"/>
+            </a:endParaRPr>
+          </a:p>
+          <a:p>
+            <a:pPr algn="ctr">
+              <a:lnSpc>
+                <a:spcPct val="100000"/>
+              </a:lnSpc>
+            </a:pPr>
+            <a:r>
+              <a:rPr b="0" lang="en-US" sz="1600" spc="-1" strike="noStrike">
+                <a:solidFill>
+                  <a:srgbClr val="78ffc8"/>
+                </a:solidFill>
+                <a:latin typeface="Consolas"/>
+                <a:ea typeface="DejaVu Sans"/>
+              </a:rPr>
+              <a:t>        </a:t>
+            </a:r>
+            <a:r>
+              <a:rPr b="0" lang="en-US" sz="1600" spc="-1" strike="noStrike">
+                <a:solidFill>
+                  <a:srgbClr val="78ffc8"/>
+                </a:solidFill>
+                <a:latin typeface="Consolas"/>
+                <a:ea typeface="DejaVu Sans"/>
+              </a:rPr>
+              <a:t>System.out.println("Java enters the enterprise world!");</a:t>
+            </a:r>
+            <a:endParaRPr b="0" lang="en-US" sz="1600" spc="-1" strike="noStrike">
+              <a:solidFill>
+                <a:srgbClr val="ffffff"/>
+              </a:solidFill>
+              <a:latin typeface="Arial"/>
+            </a:endParaRPr>
+          </a:p>
+          <a:p>
+            <a:pPr algn="ctr">
+              <a:lnSpc>
+                <a:spcPct val="100000"/>
+              </a:lnSpc>
+            </a:pPr>
+            <a:r>
+              <a:rPr b="0" lang="en-US" sz="1600" spc="-1" strike="noStrike">
+                <a:solidFill>
+                  <a:srgbClr val="78ffc8"/>
+                </a:solidFill>
+                <a:latin typeface="Consolas"/>
+                <a:ea typeface="DejaVu Sans"/>
+              </a:rPr>
+              <a:t>    </a:t>
+            </a:r>
+            <a:r>
+              <a:rPr b="0" lang="en-US" sz="1600" spc="-1" strike="noStrike">
+                <a:solidFill>
+                  <a:srgbClr val="78ffc8"/>
+                </a:solidFill>
+                <a:latin typeface="Consolas"/>
+                <a:ea typeface="DejaVu Sans"/>
+              </a:rPr>
+              <a:t>}</a:t>
+            </a:r>
+            <a:endParaRPr b="0" lang="en-US" sz="1600" spc="-1" strike="noStrike">
+              <a:solidFill>
+                <a:srgbClr val="ffffff"/>
+              </a:solidFill>
+              <a:latin typeface="Arial"/>
+            </a:endParaRPr>
+          </a:p>
+          <a:p>
+            <a:pPr algn="ctr">
+              <a:lnSpc>
+                <a:spcPct val="100000"/>
+              </a:lnSpc>
+            </a:pPr>
+            <a:r>
+              <a:rPr b="0" lang="en-US" sz="1600" spc="-1" strike="noStrike">
+                <a:solidFill>
+                  <a:srgbClr val="78ffc8"/>
+                </a:solidFill>
+                <a:latin typeface="Consolas"/>
+                <a:ea typeface="DejaVu Sans"/>
+              </a:rPr>
+              <a:t>}</a:t>
+            </a:r>
+            <a:endParaRPr b="0" lang="en-US" sz="1600" spc="-1" strike="noStrike">
+              <a:solidFill>
+                <a:srgbClr val="ffffff"/>
+              </a:solidFill>
+              <a:latin typeface="Arial"/>
+            </a:endParaRPr>
+          </a:p>
+          <a:p>
+            <a:pPr algn="ctr">
+              <a:lnSpc>
+                <a:spcPct val="100000"/>
+              </a:lnSpc>
+            </a:pPr>
+            <a:endParaRPr b="0" lang="en-US" sz="1100" spc="-1" strike="noStrike">
+              <a:solidFill>
+                <a:srgbClr val="ffffff"/>
+              </a:solidFill>
+              <a:latin typeface="Arial"/>
+            </a:endParaRPr>
+          </a:p>
+          <a:p>
+            <a:pPr algn="ctr">
+              <a:lnSpc>
+                <a:spcPct val="100000"/>
+              </a:lnSpc>
+            </a:pPr>
+            <a:endParaRPr b="0" lang="en-US" sz="1100" spc="-1" strike="noStrike">
+              <a:solidFill>
+                <a:srgbClr val="ffffff"/>
+              </a:solidFill>
+              <a:latin typeface="Arial"/>
+            </a:endParaRPr>
+          </a:p>
+          <a:p>
+            <a:pPr algn="ctr">
+              <a:lnSpc>
+                <a:spcPct val="100000"/>
+              </a:lnSpc>
+            </a:pPr>
+            <a:endParaRPr b="0" lang="en-US" sz="1100" spc="-1" strike="noStrike">
+              <a:solidFill>
+                <a:srgbClr val="ffffff"/>
+              </a:solidFill>
+              <a:latin typeface="Arial"/>
+            </a:endParaRPr>
+          </a:p>
+          <a:p>
+            <a:pPr algn="ctr">
+              <a:lnSpc>
+                <a:spcPct val="100000"/>
+              </a:lnSpc>
+            </a:pPr>
+            <a:endParaRPr b="0" lang="en-US" sz="1800" spc="-1" strike="noStrike">
+              <a:solidFill>
+                <a:srgbClr val="ffffff"/>
+              </a:solidFill>
+              <a:latin typeface="Arial"/>
+            </a:endParaRPr>
+          </a:p>
+        </p:txBody>
+      </p:sp>
+      <p:sp>
+        <p:nvSpPr>
+          <p:cNvPr id="273" name="TextBox 30"/>
+          <p:cNvSpPr/>
+          <p:nvPr/>
+        </p:nvSpPr>
+        <p:spPr>
+          <a:xfrm>
+            <a:off x="5224320" y="7104600"/>
+            <a:ext cx="3052440" cy="363960"/>
+          </a:xfrm>
+          <a:prstGeom prst="rect">
+            <a:avLst/>
+          </a:prstGeom>
+          <a:noFill/>
+          <a:ln w="0">
+            <a:noFill/>
+          </a:ln>
+        </p:spPr>
+        <p:style>
+          <a:lnRef idx="0"/>
+          <a:fillRef idx="0"/>
+          <a:effectRef idx="0"/>
+          <a:fontRef idx="minor"/>
+        </p:style>
+        <p:txBody>
+          <a:bodyPr wrap="none" lIns="90000" rIns="90000" tIns="45000" bIns="45000" anchor="t">
+            <a:spAutoFit/>
+          </a:bodyPr>
+          <a:p>
+            <a:pPr>
+              <a:lnSpc>
+                <a:spcPct val="100000"/>
+              </a:lnSpc>
+            </a:pPr>
+            <a:r>
+              <a:rPr b="0" lang="en-US" sz="1800" spc="-1" strike="noStrike">
+                <a:solidFill>
+                  <a:srgbClr val="000000"/>
+                </a:solidFill>
+                <a:latin typeface="Calibri"/>
+                <a:ea typeface="DejaVu Sans"/>
+              </a:rPr>
+              <a:t>Java • Ultra Premium Template</a:t>
+            </a:r>
+            <a:endParaRPr b="0" lang="en-US" sz="1800" spc="-1" strike="noStrike">
+              <a:solidFill>
+                <a:srgbClr val="000000"/>
+              </a:solidFill>
+              <a:latin typeface="Arial"/>
+            </a:endParaRPr>
+          </a:p>
+        </p:txBody>
+      </p:sp>
+      <p:sp>
+        <p:nvSpPr>
+          <p:cNvPr id="274" name="Rounded Rectangle 69"/>
+          <p:cNvSpPr/>
+          <p:nvPr/>
+        </p:nvSpPr>
+        <p:spPr>
+          <a:xfrm>
+            <a:off x="4941000" y="3450960"/>
+            <a:ext cx="3624480" cy="3019680"/>
+          </a:xfrm>
+          <a:prstGeom prst="roundRect">
+            <a:avLst>
+              <a:gd name="adj" fmla="val 16667"/>
+            </a:avLst>
+          </a:prstGeom>
+          <a:solidFill>
+            <a:srgbClr val="16161c"/>
+          </a:solidFill>
+          <a:ln>
+            <a:solidFill>
+              <a:srgbClr val="464655"/>
+            </a:solidFill>
+            <a:round/>
+          </a:ln>
+          <a:effectLst>
+            <a:outerShdw blurRad="39960" dir="5400000" dist="23040" rotWithShape="0">
+              <a:srgbClr val="000000">
+                <a:alpha val="35000"/>
+              </a:srgbClr>
+            </a:outerShdw>
+          </a:effectLst>
+        </p:spPr>
+        <p:style>
+          <a:lnRef idx="1">
+            <a:schemeClr val="accent1"/>
+          </a:lnRef>
+          <a:fillRef idx="3">
+            <a:schemeClr val="accent1"/>
+          </a:fillRef>
+          <a:effectRef idx="2">
+            <a:schemeClr val="accent1"/>
+          </a:effectRef>
+          <a:fontRef idx="minor"/>
+        </p:style>
+        <p:txBody>
+          <a:bodyPr lIns="90000" rIns="90000" tIns="45000" bIns="45000" anchor="ctr">
+            <a:noAutofit/>
+          </a:bodyPr>
+          <a:p>
+            <a:pPr>
+              <a:lnSpc>
+                <a:spcPct val="100000"/>
+              </a:lnSpc>
+            </a:pPr>
+            <a:r>
+              <a:rPr b="1" lang="en-US" sz="1800" spc="-1" strike="noStrike">
+                <a:solidFill>
+                  <a:schemeClr val="lt1"/>
+                </a:solidFill>
+                <a:latin typeface="Calibri"/>
+                <a:ea typeface="DejaVu Sans"/>
+              </a:rPr>
+              <a:t>Java adoption path</a:t>
+            </a:r>
+            <a:endParaRPr b="0" lang="en-US" sz="1800" spc="-1" strike="noStrike">
+              <a:solidFill>
+                <a:srgbClr val="ffffff"/>
+              </a:solidFill>
+              <a:latin typeface="Arial"/>
+            </a:endParaRPr>
+          </a:p>
+          <a:p>
+            <a:pPr>
+              <a:lnSpc>
+                <a:spcPct val="100000"/>
+              </a:lnSpc>
+            </a:pPr>
+            <a:r>
+              <a:rPr b="1" lang="en-US" sz="1800" spc="-1" strike="noStrike">
+                <a:solidFill>
+                  <a:schemeClr val="lt1"/>
+                </a:solidFill>
+                <a:latin typeface="Calibri"/>
+                <a:ea typeface="DejaVu Sans"/>
+              </a:rPr>
+              <a:t>↓</a:t>
+            </a:r>
+            <a:endParaRPr b="0" lang="en-US" sz="1800" spc="-1" strike="noStrike">
+              <a:solidFill>
+                <a:srgbClr val="ffffff"/>
+              </a:solidFill>
+              <a:latin typeface="Arial"/>
+            </a:endParaRPr>
+          </a:p>
+          <a:p>
+            <a:pPr>
+              <a:lnSpc>
+                <a:spcPct val="100000"/>
+              </a:lnSpc>
+            </a:pPr>
+            <a:r>
+              <a:rPr b="1" lang="en-US" sz="1800" spc="-1" strike="noStrike">
+                <a:solidFill>
+                  <a:schemeClr val="lt1"/>
+                </a:solidFill>
+                <a:latin typeface="Calibri"/>
+                <a:ea typeface="DejaVu Sans"/>
+              </a:rPr>
+              <a:t>Web applications</a:t>
+            </a:r>
+            <a:endParaRPr b="0" lang="en-US" sz="1800" spc="-1" strike="noStrike">
+              <a:solidFill>
+                <a:srgbClr val="ffffff"/>
+              </a:solidFill>
+              <a:latin typeface="Arial"/>
+            </a:endParaRPr>
+          </a:p>
+          <a:p>
+            <a:pPr>
+              <a:lnSpc>
+                <a:spcPct val="100000"/>
+              </a:lnSpc>
+            </a:pPr>
+            <a:r>
+              <a:rPr b="1" lang="en-US" sz="1800" spc="-1" strike="noStrike">
+                <a:solidFill>
+                  <a:schemeClr val="lt1"/>
+                </a:solidFill>
+                <a:latin typeface="Calibri"/>
+                <a:ea typeface="DejaVu Sans"/>
+              </a:rPr>
+              <a:t>↓</a:t>
+            </a:r>
+            <a:endParaRPr b="0" lang="en-US" sz="1800" spc="-1" strike="noStrike">
+              <a:solidFill>
+                <a:srgbClr val="ffffff"/>
+              </a:solidFill>
+              <a:latin typeface="Arial"/>
+            </a:endParaRPr>
+          </a:p>
+          <a:p>
+            <a:pPr>
+              <a:lnSpc>
+                <a:spcPct val="100000"/>
+              </a:lnSpc>
+            </a:pPr>
+            <a:r>
+              <a:rPr b="1" lang="en-US" sz="1800" spc="-1" strike="noStrike">
+                <a:solidFill>
+                  <a:schemeClr val="lt1"/>
+                </a:solidFill>
+                <a:latin typeface="Calibri"/>
+                <a:ea typeface="DejaVu Sans"/>
+              </a:rPr>
+              <a:t>Databases</a:t>
+            </a:r>
+            <a:endParaRPr b="0" lang="en-US" sz="1800" spc="-1" strike="noStrike">
+              <a:solidFill>
+                <a:srgbClr val="ffffff"/>
+              </a:solidFill>
+              <a:latin typeface="Arial"/>
+            </a:endParaRPr>
+          </a:p>
+          <a:p>
+            <a:pPr>
+              <a:lnSpc>
+                <a:spcPct val="100000"/>
+              </a:lnSpc>
+            </a:pPr>
+            <a:r>
+              <a:rPr b="1" lang="en-US" sz="1800" spc="-1" strike="noStrike">
+                <a:solidFill>
+                  <a:schemeClr val="lt1"/>
+                </a:solidFill>
+                <a:latin typeface="Calibri"/>
+                <a:ea typeface="DejaVu Sans"/>
+              </a:rPr>
+              <a:t>↓</a:t>
+            </a:r>
+            <a:endParaRPr b="0" lang="en-US" sz="1800" spc="-1" strike="noStrike">
+              <a:solidFill>
+                <a:srgbClr val="ffffff"/>
+              </a:solidFill>
+              <a:latin typeface="Arial"/>
+            </a:endParaRPr>
+          </a:p>
+          <a:p>
+            <a:pPr>
+              <a:lnSpc>
+                <a:spcPct val="100000"/>
+              </a:lnSpc>
+            </a:pPr>
+            <a:r>
+              <a:rPr b="1" lang="en-US" sz="1800" spc="-1" strike="noStrike">
+                <a:solidFill>
+                  <a:schemeClr val="lt1"/>
+                </a:solidFill>
+                <a:latin typeface="Calibri"/>
+                <a:ea typeface="DejaVu Sans"/>
+              </a:rPr>
+              <a:t>Enterprise systems</a:t>
+            </a:r>
+            <a:endParaRPr b="0" lang="en-US" sz="1800" spc="-1" strike="noStrike">
               <a:solidFill>
                 <a:srgbClr val="ffffff"/>
               </a:solidFill>

--- a/Java/Java #1/EN/Java #1.pptx
+++ b/Java/Java #1/EN/Java #1.pptx
@@ -15,6 +15,8 @@
     <p:sldId id="263" r:id="rId10"/>
     <p:sldId id="264" r:id="rId11"/>
     <p:sldId id="265" r:id="rId12"/>
+    <p:sldId id="266" r:id="rId13"/>
+    <p:sldId id="267" r:id="rId14"/>
   </p:sldIdLst>
   <p:sldSz cx="10080625" cy="7559675"/>
   <p:notesSz cx="7772400" cy="10058400"/>
@@ -72,7 +74,7 @@
         <p:txBody>
           <a:bodyPr/>
           <a:p>
-            <a:fld id="{468119BF-CB4D-49A7-9C34-7FE7511DBFEC}" type="slidenum">
+            <a:fld id="{540A0783-2E95-49A7-B138-841A3302EBC9}" type="slidenum">
               <a:t>&lt;#&gt;</a:t>
             </a:fld>
           </a:p>
@@ -133,8 +135,8 @@
         </p:nvSpPr>
         <p:spPr>
           <a:xfrm>
-            <a:off x="502920" y="299880"/>
-            <a:ext cx="9071640" cy="1262160"/>
+            <a:off x="504000" y="301320"/>
+            <a:ext cx="9072000" cy="1261800"/>
           </a:xfrm>
           <a:prstGeom prst="rect">
             <a:avLst/>
@@ -152,7 +154,7 @@
             <a:pPr indent="0" algn="ctr">
               <a:buNone/>
             </a:pPr>
-            <a:endParaRPr b="0" lang="en-US" sz="4830" spc="-1" strike="noStrike">
+            <a:endParaRPr b="0" lang="en-US" sz="4400" spc="-1" strike="noStrike">
               <a:solidFill>
                 <a:srgbClr val="000000"/>
               </a:solidFill>
@@ -173,8 +175,8 @@
         </p:nvSpPr>
         <p:spPr>
           <a:xfrm>
-            <a:off x="502920" y="1766520"/>
-            <a:ext cx="9071640" cy="2090880"/>
+            <a:off x="504000" y="1768680"/>
+            <a:ext cx="9072000" cy="2090880"/>
           </a:xfrm>
           <a:prstGeom prst="rect">
             <a:avLst/>
@@ -191,11 +193,11 @@
           <a:p>
             <a:pPr indent="0">
               <a:spcBef>
-                <a:spcPts val="1536"/>
+                <a:spcPts val="1417"/>
               </a:spcBef>
               <a:buNone/>
             </a:pPr>
-            <a:endParaRPr b="0" lang="en-US" sz="3509" spc="-1" strike="noStrike">
+            <a:endParaRPr b="0" lang="en-US" sz="3200" spc="-1" strike="noStrike">
               <a:solidFill>
                 <a:srgbClr val="000000"/>
               </a:solidFill>
@@ -216,8 +218,8 @@
         </p:nvSpPr>
         <p:spPr>
           <a:xfrm>
-            <a:off x="502920" y="4056480"/>
-            <a:ext cx="9071640" cy="2090880"/>
+            <a:off x="504000" y="4058640"/>
+            <a:ext cx="9072000" cy="2090880"/>
           </a:xfrm>
           <a:prstGeom prst="rect">
             <a:avLst/>
@@ -234,11 +236,11 @@
           <a:p>
             <a:pPr indent="0">
               <a:spcBef>
-                <a:spcPts val="1536"/>
+                <a:spcPts val="1417"/>
               </a:spcBef>
               <a:buNone/>
             </a:pPr>
-            <a:endParaRPr b="0" lang="en-US" sz="3509" spc="-1" strike="noStrike">
+            <a:endParaRPr b="0" lang="en-US" sz="3200" spc="-1" strike="noStrike">
               <a:solidFill>
                 <a:srgbClr val="000000"/>
               </a:solidFill>
@@ -281,7 +283,7 @@
         <p:txBody>
           <a:bodyPr/>
           <a:p>
-            <a:fld id="{AB45980D-A264-4974-B01D-3AE910178CD6}" type="slidenum">
+            <a:fld id="{1F4AF64E-8235-452C-BDE5-41FA8C4CF889}" type="slidenum">
               <a:t>&lt;#&gt;</a:t>
             </a:fld>
           </a:p>
@@ -342,8 +344,8 @@
         </p:nvSpPr>
         <p:spPr>
           <a:xfrm>
-            <a:off x="502920" y="299880"/>
-            <a:ext cx="9071640" cy="1262160"/>
+            <a:off x="504000" y="301320"/>
+            <a:ext cx="9072000" cy="1261800"/>
           </a:xfrm>
           <a:prstGeom prst="rect">
             <a:avLst/>
@@ -361,7 +363,7 @@
             <a:pPr indent="0" algn="ctr">
               <a:buNone/>
             </a:pPr>
-            <a:endParaRPr b="0" lang="en-US" sz="4830" spc="-1" strike="noStrike">
+            <a:endParaRPr b="0" lang="en-US" sz="4400" spc="-1" strike="noStrike">
               <a:solidFill>
                 <a:srgbClr val="000000"/>
               </a:solidFill>
@@ -382,7 +384,7 @@
         </p:nvSpPr>
         <p:spPr>
           <a:xfrm>
-            <a:off x="502920" y="1766520"/>
+            <a:off x="504000" y="1768680"/>
             <a:ext cx="4426920" cy="2090880"/>
           </a:xfrm>
           <a:prstGeom prst="rect">
@@ -400,11 +402,11 @@
           <a:p>
             <a:pPr indent="0">
               <a:spcBef>
-                <a:spcPts val="1536"/>
+                <a:spcPts val="1417"/>
               </a:spcBef>
               <a:buNone/>
             </a:pPr>
-            <a:endParaRPr b="0" lang="en-US" sz="3509" spc="-1" strike="noStrike">
+            <a:endParaRPr b="0" lang="en-US" sz="3200" spc="-1" strike="noStrike">
               <a:solidFill>
                 <a:srgbClr val="000000"/>
               </a:solidFill>
@@ -425,7 +427,7 @@
         </p:nvSpPr>
         <p:spPr>
           <a:xfrm>
-            <a:off x="5151600" y="1766520"/>
+            <a:off x="5152680" y="1768680"/>
             <a:ext cx="4426920" cy="2090880"/>
           </a:xfrm>
           <a:prstGeom prst="rect">
@@ -443,11 +445,11 @@
           <a:p>
             <a:pPr indent="0">
               <a:spcBef>
-                <a:spcPts val="1536"/>
+                <a:spcPts val="1417"/>
               </a:spcBef>
               <a:buNone/>
             </a:pPr>
-            <a:endParaRPr b="0" lang="en-US" sz="3509" spc="-1" strike="noStrike">
+            <a:endParaRPr b="0" lang="en-US" sz="3200" spc="-1" strike="noStrike">
               <a:solidFill>
                 <a:srgbClr val="000000"/>
               </a:solidFill>
@@ -468,7 +470,7 @@
         </p:nvSpPr>
         <p:spPr>
           <a:xfrm>
-            <a:off x="502920" y="4056480"/>
+            <a:off x="504000" y="4058640"/>
             <a:ext cx="4426920" cy="2090880"/>
           </a:xfrm>
           <a:prstGeom prst="rect">
@@ -486,11 +488,11 @@
           <a:p>
             <a:pPr indent="0">
               <a:spcBef>
-                <a:spcPts val="1536"/>
+                <a:spcPts val="1417"/>
               </a:spcBef>
               <a:buNone/>
             </a:pPr>
-            <a:endParaRPr b="0" lang="en-US" sz="3509" spc="-1" strike="noStrike">
+            <a:endParaRPr b="0" lang="en-US" sz="3200" spc="-1" strike="noStrike">
               <a:solidFill>
                 <a:srgbClr val="000000"/>
               </a:solidFill>
@@ -511,7 +513,7 @@
         </p:nvSpPr>
         <p:spPr>
           <a:xfrm>
-            <a:off x="5151600" y="4056480"/>
+            <a:off x="5152680" y="4058640"/>
             <a:ext cx="4426920" cy="2090880"/>
           </a:xfrm>
           <a:prstGeom prst="rect">
@@ -529,11 +531,11 @@
           <a:p>
             <a:pPr indent="0">
               <a:spcBef>
-                <a:spcPts val="1536"/>
+                <a:spcPts val="1417"/>
               </a:spcBef>
               <a:buNone/>
             </a:pPr>
-            <a:endParaRPr b="0" lang="en-US" sz="3509" spc="-1" strike="noStrike">
+            <a:endParaRPr b="0" lang="en-US" sz="3200" spc="-1" strike="noStrike">
               <a:solidFill>
                 <a:srgbClr val="000000"/>
               </a:solidFill>
@@ -576,7 +578,7 @@
         <p:txBody>
           <a:bodyPr/>
           <a:p>
-            <a:fld id="{F6D6905B-61C3-44A4-AA81-8817AD313CB6}" type="slidenum">
+            <a:fld id="{5FAF9FFB-2762-4FDA-BDC4-245B09B8B3DB}" type="slidenum">
               <a:t>&lt;#&gt;</a:t>
             </a:fld>
           </a:p>
@@ -637,8 +639,8 @@
         </p:nvSpPr>
         <p:spPr>
           <a:xfrm>
-            <a:off x="502920" y="299880"/>
-            <a:ext cx="9071640" cy="1262160"/>
+            <a:off x="504000" y="301320"/>
+            <a:ext cx="9072000" cy="1261800"/>
           </a:xfrm>
           <a:prstGeom prst="rect">
             <a:avLst/>
@@ -656,7 +658,7 @@
             <a:pPr indent="0" algn="ctr">
               <a:buNone/>
             </a:pPr>
-            <a:endParaRPr b="0" lang="en-US" sz="4830" spc="-1" strike="noStrike">
+            <a:endParaRPr b="0" lang="en-US" sz="4400" spc="-1" strike="noStrike">
               <a:solidFill>
                 <a:srgbClr val="000000"/>
               </a:solidFill>
@@ -677,8 +679,8 @@
         </p:nvSpPr>
         <p:spPr>
           <a:xfrm>
-            <a:off x="502920" y="1766520"/>
-            <a:ext cx="2920680" cy="2090880"/>
+            <a:off x="504000" y="1768680"/>
+            <a:ext cx="2921040" cy="2090880"/>
           </a:xfrm>
           <a:prstGeom prst="rect">
             <a:avLst/>
@@ -695,11 +697,11 @@
           <a:p>
             <a:pPr indent="0">
               <a:spcBef>
-                <a:spcPts val="1536"/>
+                <a:spcPts val="1417"/>
               </a:spcBef>
               <a:buNone/>
             </a:pPr>
-            <a:endParaRPr b="0" lang="en-US" sz="3509" spc="-1" strike="noStrike">
+            <a:endParaRPr b="0" lang="en-US" sz="3200" spc="-1" strike="noStrike">
               <a:solidFill>
                 <a:srgbClr val="000000"/>
               </a:solidFill>
@@ -720,8 +722,8 @@
         </p:nvSpPr>
         <p:spPr>
           <a:xfrm>
-            <a:off x="3570120" y="1766520"/>
-            <a:ext cx="2920680" cy="2090880"/>
+            <a:off x="3571560" y="1768680"/>
+            <a:ext cx="2921040" cy="2090880"/>
           </a:xfrm>
           <a:prstGeom prst="rect">
             <a:avLst/>
@@ -738,11 +740,11 @@
           <a:p>
             <a:pPr indent="0">
               <a:spcBef>
-                <a:spcPts val="1536"/>
+                <a:spcPts val="1417"/>
               </a:spcBef>
               <a:buNone/>
             </a:pPr>
-            <a:endParaRPr b="0" lang="en-US" sz="3509" spc="-1" strike="noStrike">
+            <a:endParaRPr b="0" lang="en-US" sz="3200" spc="-1" strike="noStrike">
               <a:solidFill>
                 <a:srgbClr val="000000"/>
               </a:solidFill>
@@ -763,8 +765,8 @@
         </p:nvSpPr>
         <p:spPr>
           <a:xfrm>
-            <a:off x="6636960" y="1766520"/>
-            <a:ext cx="2920680" cy="2090880"/>
+            <a:off x="6639120" y="1768680"/>
+            <a:ext cx="2921040" cy="2090880"/>
           </a:xfrm>
           <a:prstGeom prst="rect">
             <a:avLst/>
@@ -781,11 +783,11 @@
           <a:p>
             <a:pPr indent="0">
               <a:spcBef>
-                <a:spcPts val="1536"/>
+                <a:spcPts val="1417"/>
               </a:spcBef>
               <a:buNone/>
             </a:pPr>
-            <a:endParaRPr b="0" lang="en-US" sz="3509" spc="-1" strike="noStrike">
+            <a:endParaRPr b="0" lang="en-US" sz="3200" spc="-1" strike="noStrike">
               <a:solidFill>
                 <a:srgbClr val="000000"/>
               </a:solidFill>
@@ -806,8 +808,8 @@
         </p:nvSpPr>
         <p:spPr>
           <a:xfrm>
-            <a:off x="502920" y="4056480"/>
-            <a:ext cx="2920680" cy="2090880"/>
+            <a:off x="504000" y="4058640"/>
+            <a:ext cx="2921040" cy="2090880"/>
           </a:xfrm>
           <a:prstGeom prst="rect">
             <a:avLst/>
@@ -824,11 +826,11 @@
           <a:p>
             <a:pPr indent="0">
               <a:spcBef>
-                <a:spcPts val="1536"/>
+                <a:spcPts val="1417"/>
               </a:spcBef>
               <a:buNone/>
             </a:pPr>
-            <a:endParaRPr b="0" lang="en-US" sz="3509" spc="-1" strike="noStrike">
+            <a:endParaRPr b="0" lang="en-US" sz="3200" spc="-1" strike="noStrike">
               <a:solidFill>
                 <a:srgbClr val="000000"/>
               </a:solidFill>
@@ -849,8 +851,8 @@
         </p:nvSpPr>
         <p:spPr>
           <a:xfrm>
-            <a:off x="3570120" y="4056480"/>
-            <a:ext cx="2920680" cy="2090880"/>
+            <a:off x="3571560" y="4058640"/>
+            <a:ext cx="2921040" cy="2090880"/>
           </a:xfrm>
           <a:prstGeom prst="rect">
             <a:avLst/>
@@ -867,11 +869,11 @@
           <a:p>
             <a:pPr indent="0">
               <a:spcBef>
-                <a:spcPts val="1536"/>
+                <a:spcPts val="1417"/>
               </a:spcBef>
               <a:buNone/>
             </a:pPr>
-            <a:endParaRPr b="0" lang="en-US" sz="3509" spc="-1" strike="noStrike">
+            <a:endParaRPr b="0" lang="en-US" sz="3200" spc="-1" strike="noStrike">
               <a:solidFill>
                 <a:srgbClr val="000000"/>
               </a:solidFill>
@@ -892,8 +894,8 @@
         </p:nvSpPr>
         <p:spPr>
           <a:xfrm>
-            <a:off x="6636960" y="4056480"/>
-            <a:ext cx="2920680" cy="2090880"/>
+            <a:off x="6639120" y="4058640"/>
+            <a:ext cx="2921040" cy="2090880"/>
           </a:xfrm>
           <a:prstGeom prst="rect">
             <a:avLst/>
@@ -910,11 +912,11 @@
           <a:p>
             <a:pPr indent="0">
               <a:spcBef>
-                <a:spcPts val="1536"/>
+                <a:spcPts val="1417"/>
               </a:spcBef>
               <a:buNone/>
             </a:pPr>
-            <a:endParaRPr b="0" lang="en-US" sz="3509" spc="-1" strike="noStrike">
+            <a:endParaRPr b="0" lang="en-US" sz="3200" spc="-1" strike="noStrike">
               <a:solidFill>
                 <a:srgbClr val="000000"/>
               </a:solidFill>
@@ -957,7 +959,7 @@
         <p:txBody>
           <a:bodyPr/>
           <a:p>
-            <a:fld id="{8517220B-35E2-4479-98EB-0CBA4777908C}" type="slidenum">
+            <a:fld id="{A32D2FFC-B5BE-4842-9AFC-4424DD5D5BF7}" type="slidenum">
               <a:t>&lt;#&gt;</a:t>
             </a:fld>
           </a:p>
@@ -1018,8 +1020,8 @@
         </p:nvSpPr>
         <p:spPr>
           <a:xfrm>
-            <a:off x="502920" y="299880"/>
-            <a:ext cx="9071640" cy="1262160"/>
+            <a:off x="504000" y="301320"/>
+            <a:ext cx="9072000" cy="1261800"/>
           </a:xfrm>
           <a:prstGeom prst="rect">
             <a:avLst/>
@@ -1037,7 +1039,7 @@
             <a:pPr indent="0" algn="ctr">
               <a:buNone/>
             </a:pPr>
-            <a:endParaRPr b="0" lang="en-US" sz="4830" spc="-1" strike="noStrike">
+            <a:endParaRPr b="0" lang="en-US" sz="4400" spc="-1" strike="noStrike">
               <a:solidFill>
                 <a:srgbClr val="000000"/>
               </a:solidFill>
@@ -1058,8 +1060,8 @@
         </p:nvSpPr>
         <p:spPr>
           <a:xfrm>
-            <a:off x="502920" y="1766520"/>
-            <a:ext cx="9071640" cy="4384080"/>
+            <a:off x="504000" y="1768680"/>
+            <a:ext cx="9072000" cy="4384080"/>
           </a:xfrm>
           <a:prstGeom prst="rect">
             <a:avLst/>
@@ -1120,7 +1122,7 @@
         <p:txBody>
           <a:bodyPr/>
           <a:p>
-            <a:fld id="{43ED1DA1-7D34-4CE6-A277-1243761C2D63}" type="slidenum">
+            <a:fld id="{7E435865-1BF9-47DE-AE4C-286DBFC96BC3}" type="slidenum">
               <a:t>&lt;#&gt;</a:t>
             </a:fld>
           </a:p>
@@ -1181,8 +1183,8 @@
         </p:nvSpPr>
         <p:spPr>
           <a:xfrm>
-            <a:off x="502920" y="299880"/>
-            <a:ext cx="9071640" cy="1262160"/>
+            <a:off x="504000" y="301320"/>
+            <a:ext cx="9072000" cy="1261800"/>
           </a:xfrm>
           <a:prstGeom prst="rect">
             <a:avLst/>
@@ -1200,7 +1202,7 @@
             <a:pPr indent="0" algn="ctr">
               <a:buNone/>
             </a:pPr>
-            <a:endParaRPr b="0" lang="en-US" sz="4830" spc="-1" strike="noStrike">
+            <a:endParaRPr b="0" lang="en-US" sz="4400" spc="-1" strike="noStrike">
               <a:solidFill>
                 <a:srgbClr val="000000"/>
               </a:solidFill>
@@ -1221,8 +1223,8 @@
         </p:nvSpPr>
         <p:spPr>
           <a:xfrm>
-            <a:off x="502920" y="1766520"/>
-            <a:ext cx="9071640" cy="4384080"/>
+            <a:off x="504000" y="1768680"/>
+            <a:ext cx="9072000" cy="4384080"/>
           </a:xfrm>
           <a:prstGeom prst="rect">
             <a:avLst/>
@@ -1239,11 +1241,11 @@
           <a:p>
             <a:pPr indent="0">
               <a:spcBef>
-                <a:spcPts val="1536"/>
+                <a:spcPts val="1417"/>
               </a:spcBef>
               <a:buNone/>
             </a:pPr>
-            <a:endParaRPr b="0" lang="en-US" sz="3509" spc="-1" strike="noStrike">
+            <a:endParaRPr b="0" lang="en-US" sz="3200" spc="-1" strike="noStrike">
               <a:solidFill>
                 <a:srgbClr val="000000"/>
               </a:solidFill>
@@ -1286,7 +1288,7 @@
         <p:txBody>
           <a:bodyPr/>
           <a:p>
-            <a:fld id="{48648247-55ED-423B-BFAF-C0F9FCDC8F68}" type="slidenum">
+            <a:fld id="{A9A2863A-95C8-44C2-8C95-3B15DD6ECFEC}" type="slidenum">
               <a:t>&lt;#&gt;</a:t>
             </a:fld>
           </a:p>
@@ -1347,8 +1349,8 @@
         </p:nvSpPr>
         <p:spPr>
           <a:xfrm>
-            <a:off x="502920" y="299880"/>
-            <a:ext cx="9071640" cy="1262160"/>
+            <a:off x="504000" y="301320"/>
+            <a:ext cx="9072000" cy="1261800"/>
           </a:xfrm>
           <a:prstGeom prst="rect">
             <a:avLst/>
@@ -1366,7 +1368,7 @@
             <a:pPr indent="0" algn="ctr">
               <a:buNone/>
             </a:pPr>
-            <a:endParaRPr b="0" lang="en-US" sz="4830" spc="-1" strike="noStrike">
+            <a:endParaRPr b="0" lang="en-US" sz="4400" spc="-1" strike="noStrike">
               <a:solidFill>
                 <a:srgbClr val="000000"/>
               </a:solidFill>
@@ -1387,7 +1389,7 @@
         </p:nvSpPr>
         <p:spPr>
           <a:xfrm>
-            <a:off x="502920" y="1766520"/>
+            <a:off x="504000" y="1768680"/>
             <a:ext cx="4426920" cy="4384080"/>
           </a:xfrm>
           <a:prstGeom prst="rect">
@@ -1405,11 +1407,11 @@
           <a:p>
             <a:pPr indent="0">
               <a:spcBef>
-                <a:spcPts val="1536"/>
+                <a:spcPts val="1417"/>
               </a:spcBef>
               <a:buNone/>
             </a:pPr>
-            <a:endParaRPr b="0" lang="en-US" sz="3509" spc="-1" strike="noStrike">
+            <a:endParaRPr b="0" lang="en-US" sz="3200" spc="-1" strike="noStrike">
               <a:solidFill>
                 <a:srgbClr val="000000"/>
               </a:solidFill>
@@ -1430,7 +1432,7 @@
         </p:nvSpPr>
         <p:spPr>
           <a:xfrm>
-            <a:off x="5151600" y="1766520"/>
+            <a:off x="5152680" y="1768680"/>
             <a:ext cx="4426920" cy="4384080"/>
           </a:xfrm>
           <a:prstGeom prst="rect">
@@ -1448,11 +1450,11 @@
           <a:p>
             <a:pPr indent="0">
               <a:spcBef>
-                <a:spcPts val="1536"/>
+                <a:spcPts val="1417"/>
               </a:spcBef>
               <a:buNone/>
             </a:pPr>
-            <a:endParaRPr b="0" lang="en-US" sz="3509" spc="-1" strike="noStrike">
+            <a:endParaRPr b="0" lang="en-US" sz="3200" spc="-1" strike="noStrike">
               <a:solidFill>
                 <a:srgbClr val="000000"/>
               </a:solidFill>
@@ -1495,7 +1497,7 @@
         <p:txBody>
           <a:bodyPr/>
           <a:p>
-            <a:fld id="{42577FAE-2FDE-4A0A-A5A9-BA249B753061}" type="slidenum">
+            <a:fld id="{44F1150F-C20A-4AE8-A07A-6807E6F85398}" type="slidenum">
               <a:t>&lt;#&gt;</a:t>
             </a:fld>
           </a:p>
@@ -1556,8 +1558,8 @@
         </p:nvSpPr>
         <p:spPr>
           <a:xfrm>
-            <a:off x="502920" y="299880"/>
-            <a:ext cx="9071640" cy="1262160"/>
+            <a:off x="504000" y="301320"/>
+            <a:ext cx="9072000" cy="1261800"/>
           </a:xfrm>
           <a:prstGeom prst="rect">
             <a:avLst/>
@@ -1575,7 +1577,7 @@
             <a:pPr indent="0" algn="ctr">
               <a:buNone/>
             </a:pPr>
-            <a:endParaRPr b="0" lang="en-US" sz="4830" spc="-1" strike="noStrike">
+            <a:endParaRPr b="0" lang="en-US" sz="4400" spc="-1" strike="noStrike">
               <a:solidFill>
                 <a:srgbClr val="000000"/>
               </a:solidFill>
@@ -1618,7 +1620,7 @@
         <p:txBody>
           <a:bodyPr/>
           <a:p>
-            <a:fld id="{BDF40CFD-3E84-4E67-86AB-9C6727F40DE7}" type="slidenum">
+            <a:fld id="{188432F3-C4B4-4C79-B3D9-A1EE9524E93B}" type="slidenum">
               <a:t>&lt;#&gt;</a:t>
             </a:fld>
           </a:p>
@@ -1679,8 +1681,8 @@
         </p:nvSpPr>
         <p:spPr>
           <a:xfrm>
-            <a:off x="502920" y="299880"/>
-            <a:ext cx="9071640" cy="5851800"/>
+            <a:off x="504000" y="301320"/>
+            <a:ext cx="9072000" cy="5850360"/>
           </a:xfrm>
           <a:prstGeom prst="rect">
             <a:avLst/>
@@ -1739,7 +1741,7 @@
         <p:txBody>
           <a:bodyPr/>
           <a:p>
-            <a:fld id="{B377D469-802A-4B95-98A3-0096130B041D}" type="slidenum">
+            <a:fld id="{981238B7-936E-43CE-B103-A586D4FF2C5E}" type="slidenum">
               <a:t>&lt;#&gt;</a:t>
             </a:fld>
           </a:p>
@@ -1800,8 +1802,8 @@
         </p:nvSpPr>
         <p:spPr>
           <a:xfrm>
-            <a:off x="502920" y="299880"/>
-            <a:ext cx="9071640" cy="1262160"/>
+            <a:off x="504000" y="301320"/>
+            <a:ext cx="9072000" cy="1261800"/>
           </a:xfrm>
           <a:prstGeom prst="rect">
             <a:avLst/>
@@ -1819,7 +1821,7 @@
             <a:pPr indent="0" algn="ctr">
               <a:buNone/>
             </a:pPr>
-            <a:endParaRPr b="0" lang="en-US" sz="4830" spc="-1" strike="noStrike">
+            <a:endParaRPr b="0" lang="en-US" sz="4400" spc="-1" strike="noStrike">
               <a:solidFill>
                 <a:srgbClr val="000000"/>
               </a:solidFill>
@@ -1840,7 +1842,7 @@
         </p:nvSpPr>
         <p:spPr>
           <a:xfrm>
-            <a:off x="502920" y="1766520"/>
+            <a:off x="504000" y="1768680"/>
             <a:ext cx="4426920" cy="2090880"/>
           </a:xfrm>
           <a:prstGeom prst="rect">
@@ -1858,11 +1860,11 @@
           <a:p>
             <a:pPr indent="0">
               <a:spcBef>
-                <a:spcPts val="1536"/>
+                <a:spcPts val="1417"/>
               </a:spcBef>
               <a:buNone/>
             </a:pPr>
-            <a:endParaRPr b="0" lang="en-US" sz="3509" spc="-1" strike="noStrike">
+            <a:endParaRPr b="0" lang="en-US" sz="3200" spc="-1" strike="noStrike">
               <a:solidFill>
                 <a:srgbClr val="000000"/>
               </a:solidFill>
@@ -1883,7 +1885,7 @@
         </p:nvSpPr>
         <p:spPr>
           <a:xfrm>
-            <a:off x="5151600" y="1766520"/>
+            <a:off x="5152680" y="1768680"/>
             <a:ext cx="4426920" cy="4384080"/>
           </a:xfrm>
           <a:prstGeom prst="rect">
@@ -1901,11 +1903,11 @@
           <a:p>
             <a:pPr indent="0">
               <a:spcBef>
-                <a:spcPts val="1536"/>
+                <a:spcPts val="1417"/>
               </a:spcBef>
               <a:buNone/>
             </a:pPr>
-            <a:endParaRPr b="0" lang="en-US" sz="3509" spc="-1" strike="noStrike">
+            <a:endParaRPr b="0" lang="en-US" sz="3200" spc="-1" strike="noStrike">
               <a:solidFill>
                 <a:srgbClr val="000000"/>
               </a:solidFill>
@@ -1926,7 +1928,7 @@
         </p:nvSpPr>
         <p:spPr>
           <a:xfrm>
-            <a:off x="502920" y="4056480"/>
+            <a:off x="504000" y="4058640"/>
             <a:ext cx="4426920" cy="2090880"/>
           </a:xfrm>
           <a:prstGeom prst="rect">
@@ -1944,11 +1946,11 @@
           <a:p>
             <a:pPr indent="0">
               <a:spcBef>
-                <a:spcPts val="1536"/>
+                <a:spcPts val="1417"/>
               </a:spcBef>
               <a:buNone/>
             </a:pPr>
-            <a:endParaRPr b="0" lang="en-US" sz="3509" spc="-1" strike="noStrike">
+            <a:endParaRPr b="0" lang="en-US" sz="3200" spc="-1" strike="noStrike">
               <a:solidFill>
                 <a:srgbClr val="000000"/>
               </a:solidFill>
@@ -1991,7 +1993,7 @@
         <p:txBody>
           <a:bodyPr/>
           <a:p>
-            <a:fld id="{F22933FB-DE23-40E8-8CBE-E9721651520C}" type="slidenum">
+            <a:fld id="{38D4C56D-A0DB-4EDC-84E4-A874E1715D0D}" type="slidenum">
               <a:t>&lt;#&gt;</a:t>
             </a:fld>
           </a:p>
@@ -2052,8 +2054,8 @@
         </p:nvSpPr>
         <p:spPr>
           <a:xfrm>
-            <a:off x="502920" y="299880"/>
-            <a:ext cx="9071640" cy="1262160"/>
+            <a:off x="504000" y="301320"/>
+            <a:ext cx="9072000" cy="1261800"/>
           </a:xfrm>
           <a:prstGeom prst="rect">
             <a:avLst/>
@@ -2071,7 +2073,7 @@
             <a:pPr indent="0" algn="ctr">
               <a:buNone/>
             </a:pPr>
-            <a:endParaRPr b="0" lang="en-US" sz="4830" spc="-1" strike="noStrike">
+            <a:endParaRPr b="0" lang="en-US" sz="4400" spc="-1" strike="noStrike">
               <a:solidFill>
                 <a:srgbClr val="000000"/>
               </a:solidFill>
@@ -2092,7 +2094,7 @@
         </p:nvSpPr>
         <p:spPr>
           <a:xfrm>
-            <a:off x="502920" y="1766520"/>
+            <a:off x="504000" y="1768680"/>
             <a:ext cx="4426920" cy="4384080"/>
           </a:xfrm>
           <a:prstGeom prst="rect">
@@ -2110,11 +2112,11 @@
           <a:p>
             <a:pPr indent="0">
               <a:spcBef>
-                <a:spcPts val="1536"/>
+                <a:spcPts val="1417"/>
               </a:spcBef>
               <a:buNone/>
             </a:pPr>
-            <a:endParaRPr b="0" lang="en-US" sz="3509" spc="-1" strike="noStrike">
+            <a:endParaRPr b="0" lang="en-US" sz="3200" spc="-1" strike="noStrike">
               <a:solidFill>
                 <a:srgbClr val="000000"/>
               </a:solidFill>
@@ -2135,7 +2137,7 @@
         </p:nvSpPr>
         <p:spPr>
           <a:xfrm>
-            <a:off x="5151600" y="1766520"/>
+            <a:off x="5152680" y="1768680"/>
             <a:ext cx="4426920" cy="2090880"/>
           </a:xfrm>
           <a:prstGeom prst="rect">
@@ -2153,11 +2155,11 @@
           <a:p>
             <a:pPr indent="0">
               <a:spcBef>
-                <a:spcPts val="1536"/>
+                <a:spcPts val="1417"/>
               </a:spcBef>
               <a:buNone/>
             </a:pPr>
-            <a:endParaRPr b="0" lang="en-US" sz="3509" spc="-1" strike="noStrike">
+            <a:endParaRPr b="0" lang="en-US" sz="3200" spc="-1" strike="noStrike">
               <a:solidFill>
                 <a:srgbClr val="000000"/>
               </a:solidFill>
@@ -2178,7 +2180,7 @@
         </p:nvSpPr>
         <p:spPr>
           <a:xfrm>
-            <a:off x="5151600" y="4056480"/>
+            <a:off x="5152680" y="4058640"/>
             <a:ext cx="4426920" cy="2090880"/>
           </a:xfrm>
           <a:prstGeom prst="rect">
@@ -2196,11 +2198,11 @@
           <a:p>
             <a:pPr indent="0">
               <a:spcBef>
-                <a:spcPts val="1536"/>
+                <a:spcPts val="1417"/>
               </a:spcBef>
               <a:buNone/>
             </a:pPr>
-            <a:endParaRPr b="0" lang="en-US" sz="3509" spc="-1" strike="noStrike">
+            <a:endParaRPr b="0" lang="en-US" sz="3200" spc="-1" strike="noStrike">
               <a:solidFill>
                 <a:srgbClr val="000000"/>
               </a:solidFill>
@@ -2243,7 +2245,7 @@
         <p:txBody>
           <a:bodyPr/>
           <a:p>
-            <a:fld id="{5FDAB62D-CBF2-4280-840D-38228D1D53A4}" type="slidenum">
+            <a:fld id="{D84933DA-A94E-4AC1-BB13-38D15257D26D}" type="slidenum">
               <a:t>&lt;#&gt;</a:t>
             </a:fld>
           </a:p>
@@ -2304,8 +2306,8 @@
         </p:nvSpPr>
         <p:spPr>
           <a:xfrm>
-            <a:off x="502920" y="299880"/>
-            <a:ext cx="9071640" cy="1262160"/>
+            <a:off x="504000" y="301320"/>
+            <a:ext cx="9072000" cy="1261800"/>
           </a:xfrm>
           <a:prstGeom prst="rect">
             <a:avLst/>
@@ -2323,7 +2325,7 @@
             <a:pPr indent="0" algn="ctr">
               <a:buNone/>
             </a:pPr>
-            <a:endParaRPr b="0" lang="en-US" sz="4830" spc="-1" strike="noStrike">
+            <a:endParaRPr b="0" lang="en-US" sz="4400" spc="-1" strike="noStrike">
               <a:solidFill>
                 <a:srgbClr val="000000"/>
               </a:solidFill>
@@ -2344,7 +2346,7 @@
         </p:nvSpPr>
         <p:spPr>
           <a:xfrm>
-            <a:off x="502920" y="1766520"/>
+            <a:off x="504000" y="1768680"/>
             <a:ext cx="4426920" cy="2090880"/>
           </a:xfrm>
           <a:prstGeom prst="rect">
@@ -2362,11 +2364,11 @@
           <a:p>
             <a:pPr indent="0">
               <a:spcBef>
-                <a:spcPts val="1536"/>
+                <a:spcPts val="1417"/>
               </a:spcBef>
               <a:buNone/>
             </a:pPr>
-            <a:endParaRPr b="0" lang="en-US" sz="3509" spc="-1" strike="noStrike">
+            <a:endParaRPr b="0" lang="en-US" sz="3200" spc="-1" strike="noStrike">
               <a:solidFill>
                 <a:srgbClr val="000000"/>
               </a:solidFill>
@@ -2387,7 +2389,7 @@
         </p:nvSpPr>
         <p:spPr>
           <a:xfrm>
-            <a:off x="5151600" y="1766520"/>
+            <a:off x="5152680" y="1768680"/>
             <a:ext cx="4426920" cy="2090880"/>
           </a:xfrm>
           <a:prstGeom prst="rect">
@@ -2405,11 +2407,11 @@
           <a:p>
             <a:pPr indent="0">
               <a:spcBef>
-                <a:spcPts val="1536"/>
+                <a:spcPts val="1417"/>
               </a:spcBef>
               <a:buNone/>
             </a:pPr>
-            <a:endParaRPr b="0" lang="en-US" sz="3509" spc="-1" strike="noStrike">
+            <a:endParaRPr b="0" lang="en-US" sz="3200" spc="-1" strike="noStrike">
               <a:solidFill>
                 <a:srgbClr val="000000"/>
               </a:solidFill>
@@ -2430,8 +2432,8 @@
         </p:nvSpPr>
         <p:spPr>
           <a:xfrm>
-            <a:off x="502920" y="4056480"/>
-            <a:ext cx="9071640" cy="2090880"/>
+            <a:off x="504000" y="4058640"/>
+            <a:ext cx="9072000" cy="2090880"/>
           </a:xfrm>
           <a:prstGeom prst="rect">
             <a:avLst/>
@@ -2448,11 +2450,11 @@
           <a:p>
             <a:pPr indent="0">
               <a:spcBef>
-                <a:spcPts val="1536"/>
+                <a:spcPts val="1417"/>
               </a:spcBef>
               <a:buNone/>
             </a:pPr>
-            <a:endParaRPr b="0" lang="en-US" sz="3509" spc="-1" strike="noStrike">
+            <a:endParaRPr b="0" lang="en-US" sz="3200" spc="-1" strike="noStrike">
               <a:solidFill>
                 <a:srgbClr val="000000"/>
               </a:solidFill>
@@ -2495,7 +2497,7 @@
         <p:txBody>
           <a:bodyPr/>
           <a:p>
-            <a:fld id="{9DA488B7-67D3-4E1E-9CDB-5FA4E2494B73}" type="slidenum">
+            <a:fld id="{B06AFCF4-6158-4593-A360-70106CA7A76E}" type="slidenum">
               <a:t>&lt;#&gt;</a:t>
             </a:fld>
           </a:p>
@@ -2564,7 +2566,7 @@
         <p:spPr>
           <a:xfrm>
             <a:off x="3442320" y="7005240"/>
-            <a:ext cx="3187080" cy="397440"/>
+            <a:ext cx="3186720" cy="397080"/>
           </a:xfrm>
           <a:prstGeom prst="rect">
             <a:avLst/>
@@ -2636,7 +2638,7 @@
         <p:spPr>
           <a:xfrm>
             <a:off x="7223040" y="7005240"/>
-            <a:ext cx="2347560" cy="397440"/>
+            <a:ext cx="2347200" cy="397080"/>
           </a:xfrm>
           <a:prstGeom prst="rect">
             <a:avLst/>
@@ -2677,7 +2679,7 @@
                 <a:tab algn="l" pos="0"/>
               </a:tabLst>
             </a:pPr>
-            <a:fld id="{0CBADA02-DB12-4FE2-BB06-6BA32ABB86E4}" type="slidenum">
+            <a:fld id="{3204DC4E-52D6-4434-9B3E-6487EF5CE877}" type="slidenum">
               <a:rPr b="0" lang="en-US" sz="1200" spc="-1" strike="noStrike">
                 <a:solidFill>
                   <a:srgbClr val="8b8b8b"/>
@@ -2708,7 +2710,7 @@
         <p:spPr>
           <a:xfrm>
             <a:off x="502920" y="7005240"/>
-            <a:ext cx="2347560" cy="397440"/>
+            <a:ext cx="2347200" cy="397080"/>
           </a:xfrm>
           <a:prstGeom prst="rect">
             <a:avLst/>
@@ -2767,8 +2769,8 @@
         </p:nvSpPr>
         <p:spPr>
           <a:xfrm>
-            <a:off x="502920" y="299880"/>
-            <a:ext cx="9071640" cy="1262160"/>
+            <a:off x="504000" y="301320"/>
+            <a:ext cx="9072000" cy="1261800"/>
           </a:xfrm>
           <a:prstGeom prst="rect">
             <a:avLst/>
@@ -2787,7 +2789,7 @@
               <a:buNone/>
             </a:pPr>
             <a:r>
-              <a:rPr b="0" lang="en-US" sz="4830" spc="-1" strike="noStrike">
+              <a:rPr b="0" lang="en-US" sz="4400" spc="-1" strike="noStrike">
                 <a:solidFill>
                   <a:srgbClr val="000000"/>
                 </a:solidFill>
@@ -2795,7 +2797,7 @@
               </a:rPr>
               <a:t>Click to edit the title text format</a:t>
             </a:r>
-            <a:endParaRPr b="0" lang="en-US" sz="4830" spc="-1" strike="noStrike">
+            <a:endParaRPr b="0" lang="en-US" sz="4400" spc="-1" strike="noStrike">
               <a:solidFill>
                 <a:srgbClr val="000000"/>
               </a:solidFill>
@@ -2816,8 +2818,8 @@
         </p:nvSpPr>
         <p:spPr>
           <a:xfrm>
-            <a:off x="502920" y="1766520"/>
-            <a:ext cx="9071640" cy="4384080"/>
+            <a:off x="504000" y="1768680"/>
+            <a:ext cx="9072000" cy="4384080"/>
           </a:xfrm>
           <a:prstGeom prst="rect">
             <a:avLst/>
@@ -2834,7 +2836,7 @@
           <a:p>
             <a:pPr marL="432000" indent="-324000">
               <a:spcBef>
-                <a:spcPts val="1536"/>
+                <a:spcPts val="1417"/>
               </a:spcBef>
               <a:buClr>
                 <a:srgbClr val="000000"/>
@@ -2844,7 +2846,7 @@
               <a:buChar char=""/>
             </a:pPr>
             <a:r>
-              <a:rPr b="0" lang="en-US" sz="3509" spc="-1" strike="noStrike">
+              <a:rPr b="0" lang="en-US" sz="3200" spc="-1" strike="noStrike">
                 <a:solidFill>
                   <a:srgbClr val="000000"/>
                 </a:solidFill>
@@ -2852,7 +2854,7 @@
               </a:rPr>
               <a:t>Click to edit the outline text format</a:t>
             </a:r>
-            <a:endParaRPr b="0" lang="en-US" sz="3509" spc="-1" strike="noStrike">
+            <a:endParaRPr b="0" lang="en-US" sz="3200" spc="-1" strike="noStrike">
               <a:solidFill>
                 <a:srgbClr val="000000"/>
               </a:solidFill>
@@ -2862,7 +2864,7 @@
           <a:p>
             <a:pPr lvl="1" marL="864000" indent="-324000">
               <a:spcBef>
-                <a:spcPts val="1230"/>
+                <a:spcPts val="1134"/>
               </a:spcBef>
               <a:buClr>
                 <a:srgbClr val="000000"/>
@@ -2872,7 +2874,7 @@
               <a:buChar char=""/>
             </a:pPr>
             <a:r>
-              <a:rPr b="0" lang="en-US" sz="3080" spc="-1" strike="noStrike">
+              <a:rPr b="0" lang="en-US" sz="2800" spc="-1" strike="noStrike">
                 <a:solidFill>
                   <a:srgbClr val="000000"/>
                 </a:solidFill>
@@ -2880,7 +2882,7 @@
               </a:rPr>
               <a:t>Second Outline Level</a:t>
             </a:r>
-            <a:endParaRPr b="0" lang="en-US" sz="3080" spc="-1" strike="noStrike">
+            <a:endParaRPr b="0" lang="en-US" sz="2800" spc="-1" strike="noStrike">
               <a:solidFill>
                 <a:srgbClr val="000000"/>
               </a:solidFill>
@@ -2890,7 +2892,7 @@
           <a:p>
             <a:pPr lvl="2" marL="1296000" indent="-288000">
               <a:spcBef>
-                <a:spcPts val="921"/>
+                <a:spcPts val="850"/>
               </a:spcBef>
               <a:buClr>
                 <a:srgbClr val="000000"/>
@@ -2900,7 +2902,7 @@
               <a:buChar char=""/>
             </a:pPr>
             <a:r>
-              <a:rPr b="0" lang="en-US" sz="2640" spc="-1" strike="noStrike">
+              <a:rPr b="0" lang="en-US" sz="2400" spc="-1" strike="noStrike">
                 <a:solidFill>
                   <a:srgbClr val="000000"/>
                 </a:solidFill>
@@ -2908,7 +2910,7 @@
               </a:rPr>
               <a:t>Third Outline Level</a:t>
             </a:r>
-            <a:endParaRPr b="0" lang="en-US" sz="2640" spc="-1" strike="noStrike">
+            <a:endParaRPr b="0" lang="en-US" sz="2400" spc="-1" strike="noStrike">
               <a:solidFill>
                 <a:srgbClr val="000000"/>
               </a:solidFill>
@@ -2918,7 +2920,7 @@
           <a:p>
             <a:pPr lvl="3" marL="1728000" indent="-216000">
               <a:spcBef>
-                <a:spcPts val="598"/>
+                <a:spcPts val="567"/>
               </a:spcBef>
               <a:buClr>
                 <a:srgbClr val="000000"/>
@@ -2928,7 +2930,7 @@
               <a:buChar char=""/>
             </a:pPr>
             <a:r>
-              <a:rPr b="0" lang="en-US" sz="2190" spc="-1" strike="noStrike">
+              <a:rPr b="0" lang="en-US" sz="2000" spc="-1" strike="noStrike">
                 <a:solidFill>
                   <a:srgbClr val="000000"/>
                 </a:solidFill>
@@ -2936,7 +2938,7 @@
               </a:rPr>
               <a:t>Fourth Outline Level</a:t>
             </a:r>
-            <a:endParaRPr b="0" lang="en-US" sz="2190" spc="-1" strike="noStrike">
+            <a:endParaRPr b="0" lang="en-US" sz="2000" spc="-1" strike="noStrike">
               <a:solidFill>
                 <a:srgbClr val="000000"/>
               </a:solidFill>
@@ -2946,7 +2948,7 @@
           <a:p>
             <a:pPr lvl="4" marL="2160000" indent="-216000">
               <a:spcBef>
-                <a:spcPts val="289"/>
+                <a:spcPts val="283"/>
               </a:spcBef>
               <a:buClr>
                 <a:srgbClr val="000000"/>
@@ -2956,7 +2958,7 @@
               <a:buChar char=""/>
             </a:pPr>
             <a:r>
-              <a:rPr b="0" lang="en-US" sz="2190" spc="-1" strike="noStrike">
+              <a:rPr b="0" lang="en-US" sz="2000" spc="-1" strike="noStrike">
                 <a:solidFill>
                   <a:srgbClr val="000000"/>
                 </a:solidFill>
@@ -2964,7 +2966,7 @@
               </a:rPr>
               <a:t>Fifth Outline Level</a:t>
             </a:r>
-            <a:endParaRPr b="0" lang="en-US" sz="2190" spc="-1" strike="noStrike">
+            <a:endParaRPr b="0" lang="en-US" sz="2000" spc="-1" strike="noStrike">
               <a:solidFill>
                 <a:srgbClr val="000000"/>
               </a:solidFill>
@@ -2974,7 +2976,7 @@
           <a:p>
             <a:pPr lvl="5" marL="2592000" indent="-216000">
               <a:spcBef>
-                <a:spcPts val="289"/>
+                <a:spcPts val="283"/>
               </a:spcBef>
               <a:buClr>
                 <a:srgbClr val="000000"/>
@@ -2984,7 +2986,7 @@
               <a:buChar char=""/>
             </a:pPr>
             <a:r>
-              <a:rPr b="0" lang="en-US" sz="2190" spc="-1" strike="noStrike">
+              <a:rPr b="0" lang="en-US" sz="2000" spc="-1" strike="noStrike">
                 <a:solidFill>
                   <a:srgbClr val="000000"/>
                 </a:solidFill>
@@ -2992,7 +2994,7 @@
               </a:rPr>
               <a:t>Sixth Outline Level</a:t>
             </a:r>
-            <a:endParaRPr b="0" lang="en-US" sz="2190" spc="-1" strike="noStrike">
+            <a:endParaRPr b="0" lang="en-US" sz="2000" spc="-1" strike="noStrike">
               <a:solidFill>
                 <a:srgbClr val="000000"/>
               </a:solidFill>
@@ -3002,7 +3004,7 @@
           <a:p>
             <a:pPr lvl="6" marL="3024000" indent="-216000">
               <a:spcBef>
-                <a:spcPts val="289"/>
+                <a:spcPts val="283"/>
               </a:spcBef>
               <a:buClr>
                 <a:srgbClr val="000000"/>
@@ -3012,7 +3014,7 @@
               <a:buChar char=""/>
             </a:pPr>
             <a:r>
-              <a:rPr b="0" lang="en-US" sz="2190" spc="-1" strike="noStrike">
+              <a:rPr b="0" lang="en-US" sz="2000" spc="-1" strike="noStrike">
                 <a:solidFill>
                   <a:srgbClr val="000000"/>
                 </a:solidFill>
@@ -3020,7 +3022,7 @@
               </a:rPr>
               <a:t>Seventh Outline Level</a:t>
             </a:r>
-            <a:endParaRPr b="0" lang="en-US" sz="2190" spc="-1" strike="noStrike">
+            <a:endParaRPr b="0" lang="en-US" sz="2000" spc="-1" strike="noStrike">
               <a:solidFill>
                 <a:srgbClr val="000000"/>
               </a:solidFill>
@@ -3075,7 +3077,7 @@
         <p:spPr>
           <a:xfrm>
             <a:off x="1440" y="1800"/>
-            <a:ext cx="13431960" cy="7555320"/>
+            <a:ext cx="13431600" cy="7554960"/>
           </a:xfrm>
           <a:prstGeom prst="rect">
             <a:avLst/>
@@ -3135,7 +3137,7 @@
         <p:spPr>
           <a:xfrm>
             <a:off x="1440" y="1800"/>
-            <a:ext cx="16200" cy="7555320"/>
+            <a:ext cx="15840" cy="7554960"/>
           </a:xfrm>
           <a:prstGeom prst="rect">
             <a:avLst/>
@@ -3195,7 +3197,7 @@
         <p:spPr>
           <a:xfrm>
             <a:off x="1005480" y="1800"/>
-            <a:ext cx="16200" cy="7555320"/>
+            <a:ext cx="15840" cy="7554960"/>
           </a:xfrm>
           <a:prstGeom prst="rect">
             <a:avLst/>
@@ -3255,7 +3257,7 @@
         <p:spPr>
           <a:xfrm>
             <a:off x="2013480" y="1800"/>
-            <a:ext cx="16200" cy="7555320"/>
+            <a:ext cx="15840" cy="7554960"/>
           </a:xfrm>
           <a:prstGeom prst="rect">
             <a:avLst/>
@@ -3315,7 +3317,7 @@
         <p:spPr>
           <a:xfrm>
             <a:off x="3021480" y="1800"/>
-            <a:ext cx="16200" cy="7555320"/>
+            <a:ext cx="15840" cy="7554960"/>
           </a:xfrm>
           <a:prstGeom prst="rect">
             <a:avLst/>
@@ -3375,7 +3377,7 @@
         <p:spPr>
           <a:xfrm>
             <a:off x="4029480" y="1800"/>
-            <a:ext cx="16200" cy="7555320"/>
+            <a:ext cx="15840" cy="7554960"/>
           </a:xfrm>
           <a:prstGeom prst="rect">
             <a:avLst/>
@@ -3435,7 +3437,7 @@
         <p:spPr>
           <a:xfrm>
             <a:off x="5037480" y="1800"/>
-            <a:ext cx="16200" cy="7555320"/>
+            <a:ext cx="15840" cy="7554960"/>
           </a:xfrm>
           <a:prstGeom prst="rect">
             <a:avLst/>
@@ -3495,7 +3497,7 @@
         <p:spPr>
           <a:xfrm>
             <a:off x="6045480" y="1800"/>
-            <a:ext cx="16200" cy="7555320"/>
+            <a:ext cx="15840" cy="7554960"/>
           </a:xfrm>
           <a:prstGeom prst="rect">
             <a:avLst/>
@@ -3555,7 +3557,7 @@
         <p:spPr>
           <a:xfrm>
             <a:off x="7053480" y="1800"/>
-            <a:ext cx="16200" cy="7555320"/>
+            <a:ext cx="15840" cy="7554960"/>
           </a:xfrm>
           <a:prstGeom prst="rect">
             <a:avLst/>
@@ -3615,7 +3617,7 @@
         <p:spPr>
           <a:xfrm>
             <a:off x="8061480" y="1800"/>
-            <a:ext cx="16200" cy="7555320"/>
+            <a:ext cx="15840" cy="7554960"/>
           </a:xfrm>
           <a:prstGeom prst="rect">
             <a:avLst/>
@@ -3675,7 +3677,7 @@
         <p:spPr>
           <a:xfrm>
             <a:off x="9069480" y="1800"/>
-            <a:ext cx="16200" cy="7555320"/>
+            <a:ext cx="15840" cy="7554960"/>
           </a:xfrm>
           <a:prstGeom prst="rect">
             <a:avLst/>
@@ -3735,7 +3737,7 @@
         <p:spPr>
           <a:xfrm>
             <a:off x="10077480" y="1800"/>
-            <a:ext cx="16200" cy="7555320"/>
+            <a:ext cx="15840" cy="7554960"/>
           </a:xfrm>
           <a:prstGeom prst="rect">
             <a:avLst/>
@@ -3795,7 +3797,7 @@
         <p:spPr>
           <a:xfrm>
             <a:off x="11085480" y="1800"/>
-            <a:ext cx="16200" cy="7555320"/>
+            <a:ext cx="15840" cy="7554960"/>
           </a:xfrm>
           <a:prstGeom prst="rect">
             <a:avLst/>
@@ -3855,7 +3857,7 @@
         <p:spPr>
           <a:xfrm>
             <a:off x="12093480" y="1800"/>
-            <a:ext cx="16200" cy="7555320"/>
+            <a:ext cx="15840" cy="7554960"/>
           </a:xfrm>
           <a:prstGeom prst="rect">
             <a:avLst/>
@@ -3915,7 +3917,7 @@
         <p:spPr>
           <a:xfrm>
             <a:off x="13101480" y="1800"/>
-            <a:ext cx="16200" cy="7555320"/>
+            <a:ext cx="15840" cy="7554960"/>
           </a:xfrm>
           <a:prstGeom prst="rect">
             <a:avLst/>
@@ -3975,7 +3977,7 @@
         <p:spPr>
           <a:xfrm>
             <a:off x="1440" y="1800"/>
-            <a:ext cx="348120" cy="7555320"/>
+            <a:ext cx="347760" cy="7554960"/>
           </a:xfrm>
           <a:prstGeom prst="rect">
             <a:avLst/>
@@ -4035,7 +4037,7 @@
         <p:spPr>
           <a:xfrm>
             <a:off x="10884960" y="401400"/>
-            <a:ext cx="2212560" cy="548640"/>
+            <a:ext cx="2212200" cy="548280"/>
           </a:xfrm>
           <a:prstGeom prst="roundRect">
             <a:avLst>
@@ -4109,7 +4111,7 @@
         <p:spPr>
           <a:xfrm>
             <a:off x="4376880" y="1107000"/>
-            <a:ext cx="3335760" cy="820800"/>
+            <a:ext cx="3335400" cy="820800"/>
           </a:xfrm>
           <a:prstGeom prst="rect">
             <a:avLst/>
@@ -4163,7 +4165,7 @@
         <p:spPr>
           <a:xfrm>
             <a:off x="1824120" y="2266200"/>
-            <a:ext cx="9096480" cy="668520"/>
+            <a:ext cx="9096120" cy="668520"/>
           </a:xfrm>
           <a:prstGeom prst="rect">
             <a:avLst/>
@@ -4230,7 +4232,7 @@
         <p:spPr>
           <a:xfrm>
             <a:off x="1086840" y="3506040"/>
-            <a:ext cx="3624120" cy="3019320"/>
+            <a:ext cx="3623760" cy="3018960"/>
           </a:xfrm>
           <a:prstGeom prst="roundRect">
             <a:avLst>
@@ -4292,7 +4294,7 @@
         <p:spPr>
           <a:xfrm>
             <a:off x="1006560" y="3425760"/>
-            <a:ext cx="3624480" cy="3019680"/>
+            <a:ext cx="3624120" cy="3019320"/>
           </a:xfrm>
           <a:prstGeom prst="roundRect">
             <a:avLst>
@@ -4442,7 +4444,7 @@
         <p:spPr>
           <a:xfrm>
             <a:off x="4968360" y="3506040"/>
-            <a:ext cx="3624120" cy="3019320"/>
+            <a:ext cx="3623760" cy="3018960"/>
           </a:xfrm>
           <a:prstGeom prst="roundRect">
             <a:avLst>
@@ -4504,7 +4506,7 @@
         <p:spPr>
           <a:xfrm>
             <a:off x="4886640" y="3425760"/>
-            <a:ext cx="3624480" cy="3019680"/>
+            <a:ext cx="3624120" cy="3019320"/>
           </a:xfrm>
           <a:prstGeom prst="roundRect">
             <a:avLst>
@@ -4756,7 +4758,7 @@
         <p:spPr>
           <a:xfrm>
             <a:off x="8849160" y="3506040"/>
-            <a:ext cx="3624120" cy="3019320"/>
+            <a:ext cx="3623760" cy="3018960"/>
           </a:xfrm>
           <a:prstGeom prst="roundRect">
             <a:avLst>
@@ -4818,7 +4820,7 @@
         <p:spPr>
           <a:xfrm>
             <a:off x="8767440" y="3425760"/>
-            <a:ext cx="3624480" cy="3019680"/>
+            <a:ext cx="3624120" cy="3019320"/>
           </a:xfrm>
           <a:prstGeom prst="roundRect">
             <a:avLst>
@@ -4892,7 +4894,7 @@
         <p:spPr>
           <a:xfrm>
             <a:off x="5224320" y="7104600"/>
-            <a:ext cx="3052440" cy="363960"/>
+            <a:ext cx="3052080" cy="363960"/>
           </a:xfrm>
           <a:prstGeom prst="rect">
             <a:avLst/>
@@ -4976,7 +4978,7 @@
         <p:spPr>
           <a:xfrm>
             <a:off x="16920" y="1800"/>
-            <a:ext cx="13431960" cy="7555320"/>
+            <a:ext cx="13431600" cy="7554960"/>
           </a:xfrm>
           <a:prstGeom prst="rect">
             <a:avLst/>
@@ -5012,6 +5014,11 @@
             <a:noAutofit/>
           </a:bodyPr>
           <a:p>
+            <a:pPr>
+              <a:lnSpc>
+                <a:spcPct val="100000"/>
+              </a:lnSpc>
+            </a:pPr>
             <a:endParaRPr b="0" lang="en-US" sz="1800" spc="-1" strike="noStrike">
               <a:solidFill>
                 <a:schemeClr val="lt1"/>
@@ -5031,7 +5038,7 @@
         <p:spPr>
           <a:xfrm>
             <a:off x="1440" y="1800"/>
-            <a:ext cx="16200" cy="7555320"/>
+            <a:ext cx="15840" cy="7554960"/>
           </a:xfrm>
           <a:prstGeom prst="rect">
             <a:avLst/>
@@ -5067,6 +5074,11 @@
             <a:noAutofit/>
           </a:bodyPr>
           <a:p>
+            <a:pPr>
+              <a:lnSpc>
+                <a:spcPct val="100000"/>
+              </a:lnSpc>
+            </a:pPr>
             <a:endParaRPr b="0" lang="en-US" sz="1800" spc="-1" strike="noStrike">
               <a:solidFill>
                 <a:schemeClr val="lt1"/>
@@ -5086,7 +5098,7 @@
         <p:spPr>
           <a:xfrm>
             <a:off x="1005480" y="1800"/>
-            <a:ext cx="16200" cy="7555320"/>
+            <a:ext cx="15840" cy="7554960"/>
           </a:xfrm>
           <a:prstGeom prst="rect">
             <a:avLst/>
@@ -5122,6 +5134,11 @@
             <a:noAutofit/>
           </a:bodyPr>
           <a:p>
+            <a:pPr>
+              <a:lnSpc>
+                <a:spcPct val="100000"/>
+              </a:lnSpc>
+            </a:pPr>
             <a:endParaRPr b="0" lang="en-US" sz="1800" spc="-1" strike="noStrike">
               <a:solidFill>
                 <a:schemeClr val="lt1"/>
@@ -5141,7 +5158,7 @@
         <p:spPr>
           <a:xfrm>
             <a:off x="2013480" y="1800"/>
-            <a:ext cx="16200" cy="7555320"/>
+            <a:ext cx="15840" cy="7554960"/>
           </a:xfrm>
           <a:prstGeom prst="rect">
             <a:avLst/>
@@ -5177,6 +5194,11 @@
             <a:noAutofit/>
           </a:bodyPr>
           <a:p>
+            <a:pPr>
+              <a:lnSpc>
+                <a:spcPct val="100000"/>
+              </a:lnSpc>
+            </a:pPr>
             <a:endParaRPr b="0" lang="en-US" sz="1800" spc="-1" strike="noStrike">
               <a:solidFill>
                 <a:schemeClr val="lt1"/>
@@ -5196,7 +5218,7 @@
         <p:spPr>
           <a:xfrm>
             <a:off x="3021480" y="1800"/>
-            <a:ext cx="16200" cy="7555320"/>
+            <a:ext cx="15840" cy="7554960"/>
           </a:xfrm>
           <a:prstGeom prst="rect">
             <a:avLst/>
@@ -5232,6 +5254,11 @@
             <a:noAutofit/>
           </a:bodyPr>
           <a:p>
+            <a:pPr>
+              <a:lnSpc>
+                <a:spcPct val="100000"/>
+              </a:lnSpc>
+            </a:pPr>
             <a:endParaRPr b="0" lang="en-US" sz="1800" spc="-1" strike="noStrike">
               <a:solidFill>
                 <a:schemeClr val="lt1"/>
@@ -5251,7 +5278,7 @@
         <p:spPr>
           <a:xfrm>
             <a:off x="4029480" y="1800"/>
-            <a:ext cx="16200" cy="7555320"/>
+            <a:ext cx="15840" cy="7554960"/>
           </a:xfrm>
           <a:prstGeom prst="rect">
             <a:avLst/>
@@ -5287,6 +5314,11 @@
             <a:noAutofit/>
           </a:bodyPr>
           <a:p>
+            <a:pPr>
+              <a:lnSpc>
+                <a:spcPct val="100000"/>
+              </a:lnSpc>
+            </a:pPr>
             <a:endParaRPr b="0" lang="en-US" sz="1800" spc="-1" strike="noStrike">
               <a:solidFill>
                 <a:schemeClr val="lt1"/>
@@ -5306,7 +5338,7 @@
         <p:spPr>
           <a:xfrm>
             <a:off x="5037480" y="1800"/>
-            <a:ext cx="16200" cy="7555320"/>
+            <a:ext cx="15840" cy="7554960"/>
           </a:xfrm>
           <a:prstGeom prst="rect">
             <a:avLst/>
@@ -5342,6 +5374,11 @@
             <a:noAutofit/>
           </a:bodyPr>
           <a:p>
+            <a:pPr>
+              <a:lnSpc>
+                <a:spcPct val="100000"/>
+              </a:lnSpc>
+            </a:pPr>
             <a:endParaRPr b="0" lang="en-US" sz="1800" spc="-1" strike="noStrike">
               <a:solidFill>
                 <a:schemeClr val="lt1"/>
@@ -5361,7 +5398,7 @@
         <p:spPr>
           <a:xfrm>
             <a:off x="6045480" y="1800"/>
-            <a:ext cx="16200" cy="7555320"/>
+            <a:ext cx="15840" cy="7554960"/>
           </a:xfrm>
           <a:prstGeom prst="rect">
             <a:avLst/>
@@ -5397,6 +5434,11 @@
             <a:noAutofit/>
           </a:bodyPr>
           <a:p>
+            <a:pPr>
+              <a:lnSpc>
+                <a:spcPct val="100000"/>
+              </a:lnSpc>
+            </a:pPr>
             <a:endParaRPr b="0" lang="en-US" sz="1800" spc="-1" strike="noStrike">
               <a:solidFill>
                 <a:schemeClr val="lt1"/>
@@ -5416,7 +5458,7 @@
         <p:spPr>
           <a:xfrm>
             <a:off x="7053480" y="1800"/>
-            <a:ext cx="16200" cy="7555320"/>
+            <a:ext cx="15840" cy="7554960"/>
           </a:xfrm>
           <a:prstGeom prst="rect">
             <a:avLst/>
@@ -5452,6 +5494,11 @@
             <a:noAutofit/>
           </a:bodyPr>
           <a:p>
+            <a:pPr>
+              <a:lnSpc>
+                <a:spcPct val="100000"/>
+              </a:lnSpc>
+            </a:pPr>
             <a:endParaRPr b="0" lang="en-US" sz="1800" spc="-1" strike="noStrike">
               <a:solidFill>
                 <a:schemeClr val="lt1"/>
@@ -5471,7 +5518,7 @@
         <p:spPr>
           <a:xfrm>
             <a:off x="8061480" y="1800"/>
-            <a:ext cx="16200" cy="7555320"/>
+            <a:ext cx="15840" cy="7554960"/>
           </a:xfrm>
           <a:prstGeom prst="rect">
             <a:avLst/>
@@ -5507,6 +5554,11 @@
             <a:noAutofit/>
           </a:bodyPr>
           <a:p>
+            <a:pPr>
+              <a:lnSpc>
+                <a:spcPct val="100000"/>
+              </a:lnSpc>
+            </a:pPr>
             <a:endParaRPr b="0" lang="en-US" sz="1800" spc="-1" strike="noStrike">
               <a:solidFill>
                 <a:schemeClr val="lt1"/>
@@ -5526,7 +5578,7 @@
         <p:spPr>
           <a:xfrm>
             <a:off x="9069480" y="1800"/>
-            <a:ext cx="16200" cy="7555320"/>
+            <a:ext cx="15840" cy="7554960"/>
           </a:xfrm>
           <a:prstGeom prst="rect">
             <a:avLst/>
@@ -5562,6 +5614,11 @@
             <a:noAutofit/>
           </a:bodyPr>
           <a:p>
+            <a:pPr>
+              <a:lnSpc>
+                <a:spcPct val="100000"/>
+              </a:lnSpc>
+            </a:pPr>
             <a:endParaRPr b="0" lang="en-US" sz="1800" spc="-1" strike="noStrike">
               <a:solidFill>
                 <a:schemeClr val="lt1"/>
@@ -5581,7 +5638,7 @@
         <p:spPr>
           <a:xfrm>
             <a:off x="10077480" y="1800"/>
-            <a:ext cx="16200" cy="7555320"/>
+            <a:ext cx="15840" cy="7554960"/>
           </a:xfrm>
           <a:prstGeom prst="rect">
             <a:avLst/>
@@ -5617,6 +5674,11 @@
             <a:noAutofit/>
           </a:bodyPr>
           <a:p>
+            <a:pPr>
+              <a:lnSpc>
+                <a:spcPct val="100000"/>
+              </a:lnSpc>
+            </a:pPr>
             <a:endParaRPr b="0" lang="en-US" sz="1800" spc="-1" strike="noStrike">
               <a:solidFill>
                 <a:schemeClr val="lt1"/>
@@ -5636,7 +5698,7 @@
         <p:spPr>
           <a:xfrm>
             <a:off x="11085480" y="1800"/>
-            <a:ext cx="16200" cy="7555320"/>
+            <a:ext cx="15840" cy="7554960"/>
           </a:xfrm>
           <a:prstGeom prst="rect">
             <a:avLst/>
@@ -5672,6 +5734,11 @@
             <a:noAutofit/>
           </a:bodyPr>
           <a:p>
+            <a:pPr>
+              <a:lnSpc>
+                <a:spcPct val="100000"/>
+              </a:lnSpc>
+            </a:pPr>
             <a:endParaRPr b="0" lang="en-US" sz="1800" spc="-1" strike="noStrike">
               <a:solidFill>
                 <a:schemeClr val="lt1"/>
@@ -5691,7 +5758,7 @@
         <p:spPr>
           <a:xfrm>
             <a:off x="12093480" y="1800"/>
-            <a:ext cx="16200" cy="7555320"/>
+            <a:ext cx="15840" cy="7554960"/>
           </a:xfrm>
           <a:prstGeom prst="rect">
             <a:avLst/>
@@ -5727,6 +5794,11 @@
             <a:noAutofit/>
           </a:bodyPr>
           <a:p>
+            <a:pPr>
+              <a:lnSpc>
+                <a:spcPct val="100000"/>
+              </a:lnSpc>
+            </a:pPr>
             <a:endParaRPr b="0" lang="en-US" sz="1800" spc="-1" strike="noStrike">
               <a:solidFill>
                 <a:schemeClr val="lt1"/>
@@ -5746,7 +5818,7 @@
         <p:spPr>
           <a:xfrm>
             <a:off x="13101480" y="1800"/>
-            <a:ext cx="16200" cy="7555320"/>
+            <a:ext cx="15840" cy="7554960"/>
           </a:xfrm>
           <a:prstGeom prst="rect">
             <a:avLst/>
@@ -5782,6 +5854,11 @@
             <a:noAutofit/>
           </a:bodyPr>
           <a:p>
+            <a:pPr>
+              <a:lnSpc>
+                <a:spcPct val="100000"/>
+              </a:lnSpc>
+            </a:pPr>
             <a:endParaRPr b="0" lang="en-US" sz="1800" spc="-1" strike="noStrike">
               <a:solidFill>
                 <a:schemeClr val="lt1"/>
@@ -5801,7 +5878,7 @@
         <p:spPr>
           <a:xfrm>
             <a:off x="1440" y="1800"/>
-            <a:ext cx="348120" cy="7555320"/>
+            <a:ext cx="347760" cy="7554960"/>
           </a:xfrm>
           <a:prstGeom prst="rect">
             <a:avLst/>
@@ -5837,6 +5914,11 @@
             <a:noAutofit/>
           </a:bodyPr>
           <a:p>
+            <a:pPr>
+              <a:lnSpc>
+                <a:spcPct val="100000"/>
+              </a:lnSpc>
+            </a:pPr>
             <a:endParaRPr b="0" lang="en-US" sz="1800" spc="-1" strike="noStrike">
               <a:solidFill>
                 <a:schemeClr val="lt1"/>
@@ -5856,7 +5938,7 @@
         <p:spPr>
           <a:xfrm>
             <a:off x="10884960" y="401400"/>
-            <a:ext cx="2212560" cy="548640"/>
+            <a:ext cx="2212200" cy="548280"/>
           </a:xfrm>
           <a:prstGeom prst="roundRect">
             <a:avLst>
@@ -5930,7 +6012,7 @@
         <p:spPr>
           <a:xfrm>
             <a:off x="2260440" y="1107360"/>
-            <a:ext cx="7589160" cy="729720"/>
+            <a:ext cx="7588800" cy="729720"/>
           </a:xfrm>
           <a:prstGeom prst="rect">
             <a:avLst/>
@@ -5994,7 +6076,7 @@
         <p:spPr>
           <a:xfrm>
             <a:off x="4847040" y="2266200"/>
-            <a:ext cx="3047760" cy="363960"/>
+            <a:ext cx="3047400" cy="363960"/>
           </a:xfrm>
           <a:prstGeom prst="rect">
             <a:avLst/>
@@ -6048,7 +6130,7 @@
         <p:spPr>
           <a:xfrm>
             <a:off x="1086840" y="3506040"/>
-            <a:ext cx="3624120" cy="3019320"/>
+            <a:ext cx="3623760" cy="3018960"/>
           </a:xfrm>
           <a:prstGeom prst="roundRect">
             <a:avLst>
@@ -6086,6 +6168,11 @@
             <a:noAutofit/>
           </a:bodyPr>
           <a:p>
+            <a:pPr>
+              <a:lnSpc>
+                <a:spcPct val="100000"/>
+              </a:lnSpc>
+            </a:pPr>
             <a:endParaRPr b="0" lang="en-US" sz="1800" spc="-1" strike="noStrike">
               <a:solidFill>
                 <a:schemeClr val="lt1"/>
@@ -6105,7 +6192,7 @@
         <p:spPr>
           <a:xfrm>
             <a:off x="1006560" y="3424320"/>
-            <a:ext cx="3624480" cy="3019680"/>
+            <a:ext cx="3624120" cy="3019320"/>
           </a:xfrm>
           <a:prstGeom prst="roundRect">
             <a:avLst>
@@ -6343,7 +6430,7 @@
         <p:spPr>
           <a:xfrm>
             <a:off x="4968360" y="3506040"/>
-            <a:ext cx="3624120" cy="3019320"/>
+            <a:ext cx="3623760" cy="3018960"/>
           </a:xfrm>
           <a:prstGeom prst="roundRect">
             <a:avLst>
@@ -6381,6 +6468,11 @@
             <a:noAutofit/>
           </a:bodyPr>
           <a:p>
+            <a:pPr>
+              <a:lnSpc>
+                <a:spcPct val="100000"/>
+              </a:lnSpc>
+            </a:pPr>
             <a:endParaRPr b="0" lang="en-US" sz="1800" spc="-1" strike="noStrike">
               <a:solidFill>
                 <a:schemeClr val="lt1"/>
@@ -6400,7 +6492,7 @@
         <p:spPr>
           <a:xfrm>
             <a:off x="8849160" y="3506040"/>
-            <a:ext cx="3624120" cy="3019320"/>
+            <a:ext cx="3623760" cy="3018960"/>
           </a:xfrm>
           <a:prstGeom prst="roundRect">
             <a:avLst>
@@ -6438,6 +6530,11 @@
             <a:noAutofit/>
           </a:bodyPr>
           <a:p>
+            <a:pPr>
+              <a:lnSpc>
+                <a:spcPct val="100000"/>
+              </a:lnSpc>
+            </a:pPr>
             <a:endParaRPr b="0" lang="en-US" sz="1800" spc="-1" strike="noStrike">
               <a:solidFill>
                 <a:schemeClr val="lt1"/>
@@ -6457,7 +6554,7 @@
         <p:spPr>
           <a:xfrm>
             <a:off x="8767440" y="3425040"/>
-            <a:ext cx="3624480" cy="3019680"/>
+            <a:ext cx="3624120" cy="3019320"/>
           </a:xfrm>
           <a:prstGeom prst="roundRect">
             <a:avLst>
@@ -6757,7 +6854,7 @@
         <p:spPr>
           <a:xfrm>
             <a:off x="5224320" y="7104600"/>
-            <a:ext cx="3052440" cy="363960"/>
+            <a:ext cx="3052080" cy="363960"/>
           </a:xfrm>
           <a:prstGeom prst="rect">
             <a:avLst/>
@@ -6811,7 +6908,7 @@
         <p:spPr>
           <a:xfrm>
             <a:off x="4941000" y="3450960"/>
-            <a:ext cx="3624480" cy="3019680"/>
+            <a:ext cx="3624120" cy="3019320"/>
           </a:xfrm>
           <a:prstGeom prst="roundRect">
             <a:avLst>
@@ -7019,6 +7116,4635 @@
               <a:t>Write once, improve forever.</a:t>
             </a:r>
             <a:endParaRPr b="0" lang="en-US" sz="1800" spc="-1" strike="noStrike">
+              <a:solidFill>
+                <a:srgbClr val="ffffff"/>
+              </a:solidFill>
+              <a:latin typeface="Arial"/>
+            </a:endParaRPr>
+          </a:p>
+        </p:txBody>
+      </p:sp>
+    </p:spTree>
+  </p:cSld>
+  <mc:AlternateContent>
+    <mc:Choice Requires="p14">
+      <p:transition spd="slow" p14:dur="2000"/>
+    </mc:Choice>
+    <mc:Fallback>
+      <p:transition spd="slow"/>
+    </mc:Fallback>
+  </mc:AlternateContent>
+</p:sld>
+</file>
+
+<file path=ppt/slides/slide11.xml><?xml version="1.0" encoding="utf-8"?>
+<p:sld xmlns:a="http://schemas.openxmlformats.org/drawingml/2006/main" xmlns:p="http://schemas.openxmlformats.org/presentationml/2006/main" xmlns:r="http://schemas.openxmlformats.org/officeDocument/2006/relationships" xmlns:p14="http://schemas.microsoft.com/office/powerpoint/2010/main" xmlns:p15="http://schemas.microsoft.com/office/powerpoint/2012/main" xmlns:mc="http://schemas.openxmlformats.org/markup-compatibility/2006">
+  <p:cSld>
+    <p:spTree>
+      <p:nvGrpSpPr>
+        <p:cNvPr id="1" name=""/>
+        <p:cNvGrpSpPr/>
+        <p:nvPr/>
+      </p:nvGrpSpPr>
+      <p:grpSpPr>
+        <a:xfrm>
+          <a:off x="0" y="0"/>
+          <a:ext cx="0" cy="0"/>
+          <a:chOff x="0" y="0"/>
+          <a:chExt cx="0" cy="0"/>
+        </a:xfrm>
+      </p:grpSpPr>
+      <p:sp>
+        <p:nvSpPr>
+          <p:cNvPr id="301" name="Rectangle 161"/>
+          <p:cNvSpPr/>
+          <p:nvPr/>
+        </p:nvSpPr>
+        <p:spPr>
+          <a:xfrm>
+            <a:off x="16920" y="1800"/>
+            <a:ext cx="13431600" cy="7554960"/>
+          </a:xfrm>
+          <a:prstGeom prst="rect">
+            <a:avLst/>
+          </a:prstGeom>
+          <a:solidFill>
+            <a:srgbClr val="0b0b0d"/>
+          </a:solidFill>
+          <a:ln>
+            <a:noFill/>
+          </a:ln>
+          <a:effectLst>
+            <a:outerShdw blurRad="39960" dir="5400000" dist="23040" rotWithShape="0">
+              <a:srgbClr val="000000">
+                <a:alpha val="35000"/>
+              </a:srgbClr>
+            </a:outerShdw>
+          </a:effectLst>
+        </p:spPr>
+        <p:style>
+          <a:lnRef idx="1">
+            <a:schemeClr val="accent1"/>
+          </a:lnRef>
+          <a:fillRef idx="3">
+            <a:schemeClr val="accent1"/>
+          </a:fillRef>
+          <a:effectRef idx="2">
+            <a:schemeClr val="accent1"/>
+          </a:effectRef>
+          <a:fontRef idx="minor"/>
+        </p:style>
+        <p:txBody>
+          <a:bodyPr lIns="90000" rIns="90000" tIns="45000" bIns="45000" anchor="ctr">
+            <a:noAutofit/>
+          </a:bodyPr>
+          <a:p>
+            <a:endParaRPr b="0" lang="en-US" sz="1800" spc="-1" strike="noStrike">
+              <a:solidFill>
+                <a:schemeClr val="lt1"/>
+              </a:solidFill>
+              <a:latin typeface="Calibri"/>
+              <a:ea typeface="DejaVu Sans"/>
+            </a:endParaRPr>
+          </a:p>
+        </p:txBody>
+      </p:sp>
+      <p:sp>
+        <p:nvSpPr>
+          <p:cNvPr id="302" name="Rectangle 162"/>
+          <p:cNvSpPr/>
+          <p:nvPr/>
+        </p:nvSpPr>
+        <p:spPr>
+          <a:xfrm>
+            <a:off x="1440" y="1800"/>
+            <a:ext cx="15840" cy="7554960"/>
+          </a:xfrm>
+          <a:prstGeom prst="rect">
+            <a:avLst/>
+          </a:prstGeom>
+          <a:solidFill>
+            <a:srgbClr val="121216"/>
+          </a:solidFill>
+          <a:ln>
+            <a:noFill/>
+          </a:ln>
+          <a:effectLst>
+            <a:outerShdw blurRad="39960" dir="5400000" dist="23040" rotWithShape="0">
+              <a:srgbClr val="000000">
+                <a:alpha val="35000"/>
+              </a:srgbClr>
+            </a:outerShdw>
+          </a:effectLst>
+        </p:spPr>
+        <p:style>
+          <a:lnRef idx="1">
+            <a:schemeClr val="accent1"/>
+          </a:lnRef>
+          <a:fillRef idx="3">
+            <a:schemeClr val="accent1"/>
+          </a:fillRef>
+          <a:effectRef idx="2">
+            <a:schemeClr val="accent1"/>
+          </a:effectRef>
+          <a:fontRef idx="minor"/>
+        </p:style>
+        <p:txBody>
+          <a:bodyPr lIns="90000" rIns="90000" tIns="45000" bIns="45000" anchor="ctr">
+            <a:noAutofit/>
+          </a:bodyPr>
+          <a:p>
+            <a:endParaRPr b="0" lang="en-US" sz="1800" spc="-1" strike="noStrike">
+              <a:solidFill>
+                <a:schemeClr val="lt1"/>
+              </a:solidFill>
+              <a:latin typeface="Calibri"/>
+              <a:ea typeface="DejaVu Sans"/>
+            </a:endParaRPr>
+          </a:p>
+        </p:txBody>
+      </p:sp>
+      <p:sp>
+        <p:nvSpPr>
+          <p:cNvPr id="303" name="Rectangle 163"/>
+          <p:cNvSpPr/>
+          <p:nvPr/>
+        </p:nvSpPr>
+        <p:spPr>
+          <a:xfrm>
+            <a:off x="1005480" y="1800"/>
+            <a:ext cx="15840" cy="7554960"/>
+          </a:xfrm>
+          <a:prstGeom prst="rect">
+            <a:avLst/>
+          </a:prstGeom>
+          <a:solidFill>
+            <a:srgbClr val="121216"/>
+          </a:solidFill>
+          <a:ln>
+            <a:noFill/>
+          </a:ln>
+          <a:effectLst>
+            <a:outerShdw blurRad="39960" dir="5400000" dist="23040" rotWithShape="0">
+              <a:srgbClr val="000000">
+                <a:alpha val="35000"/>
+              </a:srgbClr>
+            </a:outerShdw>
+          </a:effectLst>
+        </p:spPr>
+        <p:style>
+          <a:lnRef idx="1">
+            <a:schemeClr val="accent1"/>
+          </a:lnRef>
+          <a:fillRef idx="3">
+            <a:schemeClr val="accent1"/>
+          </a:fillRef>
+          <a:effectRef idx="2">
+            <a:schemeClr val="accent1"/>
+          </a:effectRef>
+          <a:fontRef idx="minor"/>
+        </p:style>
+        <p:txBody>
+          <a:bodyPr lIns="90000" rIns="90000" tIns="45000" bIns="45000" anchor="ctr">
+            <a:noAutofit/>
+          </a:bodyPr>
+          <a:p>
+            <a:endParaRPr b="0" lang="en-US" sz="1800" spc="-1" strike="noStrike">
+              <a:solidFill>
+                <a:schemeClr val="lt1"/>
+              </a:solidFill>
+              <a:latin typeface="Calibri"/>
+              <a:ea typeface="DejaVu Sans"/>
+            </a:endParaRPr>
+          </a:p>
+        </p:txBody>
+      </p:sp>
+      <p:sp>
+        <p:nvSpPr>
+          <p:cNvPr id="304" name="Rectangle 164"/>
+          <p:cNvSpPr/>
+          <p:nvPr/>
+        </p:nvSpPr>
+        <p:spPr>
+          <a:xfrm>
+            <a:off x="2013480" y="1800"/>
+            <a:ext cx="15840" cy="7554960"/>
+          </a:xfrm>
+          <a:prstGeom prst="rect">
+            <a:avLst/>
+          </a:prstGeom>
+          <a:solidFill>
+            <a:srgbClr val="121216"/>
+          </a:solidFill>
+          <a:ln>
+            <a:noFill/>
+          </a:ln>
+          <a:effectLst>
+            <a:outerShdw blurRad="39960" dir="5400000" dist="23040" rotWithShape="0">
+              <a:srgbClr val="000000">
+                <a:alpha val="35000"/>
+              </a:srgbClr>
+            </a:outerShdw>
+          </a:effectLst>
+        </p:spPr>
+        <p:style>
+          <a:lnRef idx="1">
+            <a:schemeClr val="accent1"/>
+          </a:lnRef>
+          <a:fillRef idx="3">
+            <a:schemeClr val="accent1"/>
+          </a:fillRef>
+          <a:effectRef idx="2">
+            <a:schemeClr val="accent1"/>
+          </a:effectRef>
+          <a:fontRef idx="minor"/>
+        </p:style>
+        <p:txBody>
+          <a:bodyPr lIns="90000" rIns="90000" tIns="45000" bIns="45000" anchor="ctr">
+            <a:noAutofit/>
+          </a:bodyPr>
+          <a:p>
+            <a:endParaRPr b="0" lang="en-US" sz="1800" spc="-1" strike="noStrike">
+              <a:solidFill>
+                <a:schemeClr val="lt1"/>
+              </a:solidFill>
+              <a:latin typeface="Calibri"/>
+              <a:ea typeface="DejaVu Sans"/>
+            </a:endParaRPr>
+          </a:p>
+        </p:txBody>
+      </p:sp>
+      <p:sp>
+        <p:nvSpPr>
+          <p:cNvPr id="305" name="Rectangle 165"/>
+          <p:cNvSpPr/>
+          <p:nvPr/>
+        </p:nvSpPr>
+        <p:spPr>
+          <a:xfrm>
+            <a:off x="3021480" y="1800"/>
+            <a:ext cx="15840" cy="7554960"/>
+          </a:xfrm>
+          <a:prstGeom prst="rect">
+            <a:avLst/>
+          </a:prstGeom>
+          <a:solidFill>
+            <a:srgbClr val="121216"/>
+          </a:solidFill>
+          <a:ln>
+            <a:noFill/>
+          </a:ln>
+          <a:effectLst>
+            <a:outerShdw blurRad="39960" dir="5400000" dist="23040" rotWithShape="0">
+              <a:srgbClr val="000000">
+                <a:alpha val="35000"/>
+              </a:srgbClr>
+            </a:outerShdw>
+          </a:effectLst>
+        </p:spPr>
+        <p:style>
+          <a:lnRef idx="1">
+            <a:schemeClr val="accent1"/>
+          </a:lnRef>
+          <a:fillRef idx="3">
+            <a:schemeClr val="accent1"/>
+          </a:fillRef>
+          <a:effectRef idx="2">
+            <a:schemeClr val="accent1"/>
+          </a:effectRef>
+          <a:fontRef idx="minor"/>
+        </p:style>
+        <p:txBody>
+          <a:bodyPr lIns="90000" rIns="90000" tIns="45000" bIns="45000" anchor="ctr">
+            <a:noAutofit/>
+          </a:bodyPr>
+          <a:p>
+            <a:endParaRPr b="0" lang="en-US" sz="1800" spc="-1" strike="noStrike">
+              <a:solidFill>
+                <a:schemeClr val="lt1"/>
+              </a:solidFill>
+              <a:latin typeface="Calibri"/>
+              <a:ea typeface="DejaVu Sans"/>
+            </a:endParaRPr>
+          </a:p>
+        </p:txBody>
+      </p:sp>
+      <p:sp>
+        <p:nvSpPr>
+          <p:cNvPr id="306" name="Rectangle 166"/>
+          <p:cNvSpPr/>
+          <p:nvPr/>
+        </p:nvSpPr>
+        <p:spPr>
+          <a:xfrm>
+            <a:off x="4029480" y="1800"/>
+            <a:ext cx="15840" cy="7554960"/>
+          </a:xfrm>
+          <a:prstGeom prst="rect">
+            <a:avLst/>
+          </a:prstGeom>
+          <a:solidFill>
+            <a:srgbClr val="121216"/>
+          </a:solidFill>
+          <a:ln>
+            <a:noFill/>
+          </a:ln>
+          <a:effectLst>
+            <a:outerShdw blurRad="39960" dir="5400000" dist="23040" rotWithShape="0">
+              <a:srgbClr val="000000">
+                <a:alpha val="35000"/>
+              </a:srgbClr>
+            </a:outerShdw>
+          </a:effectLst>
+        </p:spPr>
+        <p:style>
+          <a:lnRef idx="1">
+            <a:schemeClr val="accent1"/>
+          </a:lnRef>
+          <a:fillRef idx="3">
+            <a:schemeClr val="accent1"/>
+          </a:fillRef>
+          <a:effectRef idx="2">
+            <a:schemeClr val="accent1"/>
+          </a:effectRef>
+          <a:fontRef idx="minor"/>
+        </p:style>
+        <p:txBody>
+          <a:bodyPr lIns="90000" rIns="90000" tIns="45000" bIns="45000" anchor="ctr">
+            <a:noAutofit/>
+          </a:bodyPr>
+          <a:p>
+            <a:endParaRPr b="0" lang="en-US" sz="1800" spc="-1" strike="noStrike">
+              <a:solidFill>
+                <a:schemeClr val="lt1"/>
+              </a:solidFill>
+              <a:latin typeface="Calibri"/>
+              <a:ea typeface="DejaVu Sans"/>
+            </a:endParaRPr>
+          </a:p>
+        </p:txBody>
+      </p:sp>
+      <p:sp>
+        <p:nvSpPr>
+          <p:cNvPr id="307" name="Rectangle 167"/>
+          <p:cNvSpPr/>
+          <p:nvPr/>
+        </p:nvSpPr>
+        <p:spPr>
+          <a:xfrm>
+            <a:off x="5037480" y="1800"/>
+            <a:ext cx="15840" cy="7554960"/>
+          </a:xfrm>
+          <a:prstGeom prst="rect">
+            <a:avLst/>
+          </a:prstGeom>
+          <a:solidFill>
+            <a:srgbClr val="121216"/>
+          </a:solidFill>
+          <a:ln>
+            <a:noFill/>
+          </a:ln>
+          <a:effectLst>
+            <a:outerShdw blurRad="39960" dir="5400000" dist="23040" rotWithShape="0">
+              <a:srgbClr val="000000">
+                <a:alpha val="35000"/>
+              </a:srgbClr>
+            </a:outerShdw>
+          </a:effectLst>
+        </p:spPr>
+        <p:style>
+          <a:lnRef idx="1">
+            <a:schemeClr val="accent1"/>
+          </a:lnRef>
+          <a:fillRef idx="3">
+            <a:schemeClr val="accent1"/>
+          </a:fillRef>
+          <a:effectRef idx="2">
+            <a:schemeClr val="accent1"/>
+          </a:effectRef>
+          <a:fontRef idx="minor"/>
+        </p:style>
+        <p:txBody>
+          <a:bodyPr lIns="90000" rIns="90000" tIns="45000" bIns="45000" anchor="ctr">
+            <a:noAutofit/>
+          </a:bodyPr>
+          <a:p>
+            <a:endParaRPr b="0" lang="en-US" sz="1800" spc="-1" strike="noStrike">
+              <a:solidFill>
+                <a:schemeClr val="lt1"/>
+              </a:solidFill>
+              <a:latin typeface="Calibri"/>
+              <a:ea typeface="DejaVu Sans"/>
+            </a:endParaRPr>
+          </a:p>
+        </p:txBody>
+      </p:sp>
+      <p:sp>
+        <p:nvSpPr>
+          <p:cNvPr id="308" name="Rectangle 168"/>
+          <p:cNvSpPr/>
+          <p:nvPr/>
+        </p:nvSpPr>
+        <p:spPr>
+          <a:xfrm>
+            <a:off x="6045480" y="1800"/>
+            <a:ext cx="15840" cy="7554960"/>
+          </a:xfrm>
+          <a:prstGeom prst="rect">
+            <a:avLst/>
+          </a:prstGeom>
+          <a:solidFill>
+            <a:srgbClr val="121216"/>
+          </a:solidFill>
+          <a:ln>
+            <a:noFill/>
+          </a:ln>
+          <a:effectLst>
+            <a:outerShdw blurRad="39960" dir="5400000" dist="23040" rotWithShape="0">
+              <a:srgbClr val="000000">
+                <a:alpha val="35000"/>
+              </a:srgbClr>
+            </a:outerShdw>
+          </a:effectLst>
+        </p:spPr>
+        <p:style>
+          <a:lnRef idx="1">
+            <a:schemeClr val="accent1"/>
+          </a:lnRef>
+          <a:fillRef idx="3">
+            <a:schemeClr val="accent1"/>
+          </a:fillRef>
+          <a:effectRef idx="2">
+            <a:schemeClr val="accent1"/>
+          </a:effectRef>
+          <a:fontRef idx="minor"/>
+        </p:style>
+        <p:txBody>
+          <a:bodyPr lIns="90000" rIns="90000" tIns="45000" bIns="45000" anchor="ctr">
+            <a:noAutofit/>
+          </a:bodyPr>
+          <a:p>
+            <a:endParaRPr b="0" lang="en-US" sz="1800" spc="-1" strike="noStrike">
+              <a:solidFill>
+                <a:schemeClr val="lt1"/>
+              </a:solidFill>
+              <a:latin typeface="Calibri"/>
+              <a:ea typeface="DejaVu Sans"/>
+            </a:endParaRPr>
+          </a:p>
+        </p:txBody>
+      </p:sp>
+      <p:sp>
+        <p:nvSpPr>
+          <p:cNvPr id="309" name="Rectangle 169"/>
+          <p:cNvSpPr/>
+          <p:nvPr/>
+        </p:nvSpPr>
+        <p:spPr>
+          <a:xfrm>
+            <a:off x="7053480" y="1800"/>
+            <a:ext cx="15840" cy="7554960"/>
+          </a:xfrm>
+          <a:prstGeom prst="rect">
+            <a:avLst/>
+          </a:prstGeom>
+          <a:solidFill>
+            <a:srgbClr val="121216"/>
+          </a:solidFill>
+          <a:ln>
+            <a:noFill/>
+          </a:ln>
+          <a:effectLst>
+            <a:outerShdw blurRad="39960" dir="5400000" dist="23040" rotWithShape="0">
+              <a:srgbClr val="000000">
+                <a:alpha val="35000"/>
+              </a:srgbClr>
+            </a:outerShdw>
+          </a:effectLst>
+        </p:spPr>
+        <p:style>
+          <a:lnRef idx="1">
+            <a:schemeClr val="accent1"/>
+          </a:lnRef>
+          <a:fillRef idx="3">
+            <a:schemeClr val="accent1"/>
+          </a:fillRef>
+          <a:effectRef idx="2">
+            <a:schemeClr val="accent1"/>
+          </a:effectRef>
+          <a:fontRef idx="minor"/>
+        </p:style>
+        <p:txBody>
+          <a:bodyPr lIns="90000" rIns="90000" tIns="45000" bIns="45000" anchor="ctr">
+            <a:noAutofit/>
+          </a:bodyPr>
+          <a:p>
+            <a:endParaRPr b="0" lang="en-US" sz="1800" spc="-1" strike="noStrike">
+              <a:solidFill>
+                <a:schemeClr val="lt1"/>
+              </a:solidFill>
+              <a:latin typeface="Calibri"/>
+              <a:ea typeface="DejaVu Sans"/>
+            </a:endParaRPr>
+          </a:p>
+        </p:txBody>
+      </p:sp>
+      <p:sp>
+        <p:nvSpPr>
+          <p:cNvPr id="310" name="Rectangle 170"/>
+          <p:cNvSpPr/>
+          <p:nvPr/>
+        </p:nvSpPr>
+        <p:spPr>
+          <a:xfrm>
+            <a:off x="8061480" y="1800"/>
+            <a:ext cx="15840" cy="7554960"/>
+          </a:xfrm>
+          <a:prstGeom prst="rect">
+            <a:avLst/>
+          </a:prstGeom>
+          <a:solidFill>
+            <a:srgbClr val="121216"/>
+          </a:solidFill>
+          <a:ln>
+            <a:noFill/>
+          </a:ln>
+          <a:effectLst>
+            <a:outerShdw blurRad="39960" dir="5400000" dist="23040" rotWithShape="0">
+              <a:srgbClr val="000000">
+                <a:alpha val="35000"/>
+              </a:srgbClr>
+            </a:outerShdw>
+          </a:effectLst>
+        </p:spPr>
+        <p:style>
+          <a:lnRef idx="1">
+            <a:schemeClr val="accent1"/>
+          </a:lnRef>
+          <a:fillRef idx="3">
+            <a:schemeClr val="accent1"/>
+          </a:fillRef>
+          <a:effectRef idx="2">
+            <a:schemeClr val="accent1"/>
+          </a:effectRef>
+          <a:fontRef idx="minor"/>
+        </p:style>
+        <p:txBody>
+          <a:bodyPr lIns="90000" rIns="90000" tIns="45000" bIns="45000" anchor="ctr">
+            <a:noAutofit/>
+          </a:bodyPr>
+          <a:p>
+            <a:endParaRPr b="0" lang="en-US" sz="1800" spc="-1" strike="noStrike">
+              <a:solidFill>
+                <a:schemeClr val="lt1"/>
+              </a:solidFill>
+              <a:latin typeface="Calibri"/>
+              <a:ea typeface="DejaVu Sans"/>
+            </a:endParaRPr>
+          </a:p>
+        </p:txBody>
+      </p:sp>
+      <p:sp>
+        <p:nvSpPr>
+          <p:cNvPr id="311" name="Rectangle 171"/>
+          <p:cNvSpPr/>
+          <p:nvPr/>
+        </p:nvSpPr>
+        <p:spPr>
+          <a:xfrm>
+            <a:off x="9069480" y="1800"/>
+            <a:ext cx="15840" cy="7554960"/>
+          </a:xfrm>
+          <a:prstGeom prst="rect">
+            <a:avLst/>
+          </a:prstGeom>
+          <a:solidFill>
+            <a:srgbClr val="121216"/>
+          </a:solidFill>
+          <a:ln>
+            <a:noFill/>
+          </a:ln>
+          <a:effectLst>
+            <a:outerShdw blurRad="39960" dir="5400000" dist="23040" rotWithShape="0">
+              <a:srgbClr val="000000">
+                <a:alpha val="35000"/>
+              </a:srgbClr>
+            </a:outerShdw>
+          </a:effectLst>
+        </p:spPr>
+        <p:style>
+          <a:lnRef idx="1">
+            <a:schemeClr val="accent1"/>
+          </a:lnRef>
+          <a:fillRef idx="3">
+            <a:schemeClr val="accent1"/>
+          </a:fillRef>
+          <a:effectRef idx="2">
+            <a:schemeClr val="accent1"/>
+          </a:effectRef>
+          <a:fontRef idx="minor"/>
+        </p:style>
+        <p:txBody>
+          <a:bodyPr lIns="90000" rIns="90000" tIns="45000" bIns="45000" anchor="ctr">
+            <a:noAutofit/>
+          </a:bodyPr>
+          <a:p>
+            <a:endParaRPr b="0" lang="en-US" sz="1800" spc="-1" strike="noStrike">
+              <a:solidFill>
+                <a:schemeClr val="lt1"/>
+              </a:solidFill>
+              <a:latin typeface="Calibri"/>
+              <a:ea typeface="DejaVu Sans"/>
+            </a:endParaRPr>
+          </a:p>
+        </p:txBody>
+      </p:sp>
+      <p:sp>
+        <p:nvSpPr>
+          <p:cNvPr id="312" name="Rectangle 172"/>
+          <p:cNvSpPr/>
+          <p:nvPr/>
+        </p:nvSpPr>
+        <p:spPr>
+          <a:xfrm>
+            <a:off x="10077480" y="1800"/>
+            <a:ext cx="15840" cy="7554960"/>
+          </a:xfrm>
+          <a:prstGeom prst="rect">
+            <a:avLst/>
+          </a:prstGeom>
+          <a:solidFill>
+            <a:srgbClr val="121216"/>
+          </a:solidFill>
+          <a:ln>
+            <a:noFill/>
+          </a:ln>
+          <a:effectLst>
+            <a:outerShdw blurRad="39960" dir="5400000" dist="23040" rotWithShape="0">
+              <a:srgbClr val="000000">
+                <a:alpha val="35000"/>
+              </a:srgbClr>
+            </a:outerShdw>
+          </a:effectLst>
+        </p:spPr>
+        <p:style>
+          <a:lnRef idx="1">
+            <a:schemeClr val="accent1"/>
+          </a:lnRef>
+          <a:fillRef idx="3">
+            <a:schemeClr val="accent1"/>
+          </a:fillRef>
+          <a:effectRef idx="2">
+            <a:schemeClr val="accent1"/>
+          </a:effectRef>
+          <a:fontRef idx="minor"/>
+        </p:style>
+        <p:txBody>
+          <a:bodyPr lIns="90000" rIns="90000" tIns="45000" bIns="45000" anchor="ctr">
+            <a:noAutofit/>
+          </a:bodyPr>
+          <a:p>
+            <a:endParaRPr b="0" lang="en-US" sz="1800" spc="-1" strike="noStrike">
+              <a:solidFill>
+                <a:schemeClr val="lt1"/>
+              </a:solidFill>
+              <a:latin typeface="Calibri"/>
+              <a:ea typeface="DejaVu Sans"/>
+            </a:endParaRPr>
+          </a:p>
+        </p:txBody>
+      </p:sp>
+      <p:sp>
+        <p:nvSpPr>
+          <p:cNvPr id="313" name="Rectangle 173"/>
+          <p:cNvSpPr/>
+          <p:nvPr/>
+        </p:nvSpPr>
+        <p:spPr>
+          <a:xfrm>
+            <a:off x="11085480" y="1800"/>
+            <a:ext cx="15840" cy="7554960"/>
+          </a:xfrm>
+          <a:prstGeom prst="rect">
+            <a:avLst/>
+          </a:prstGeom>
+          <a:solidFill>
+            <a:srgbClr val="121216"/>
+          </a:solidFill>
+          <a:ln>
+            <a:noFill/>
+          </a:ln>
+          <a:effectLst>
+            <a:outerShdw blurRad="39960" dir="5400000" dist="23040" rotWithShape="0">
+              <a:srgbClr val="000000">
+                <a:alpha val="35000"/>
+              </a:srgbClr>
+            </a:outerShdw>
+          </a:effectLst>
+        </p:spPr>
+        <p:style>
+          <a:lnRef idx="1">
+            <a:schemeClr val="accent1"/>
+          </a:lnRef>
+          <a:fillRef idx="3">
+            <a:schemeClr val="accent1"/>
+          </a:fillRef>
+          <a:effectRef idx="2">
+            <a:schemeClr val="accent1"/>
+          </a:effectRef>
+          <a:fontRef idx="minor"/>
+        </p:style>
+        <p:txBody>
+          <a:bodyPr lIns="90000" rIns="90000" tIns="45000" bIns="45000" anchor="ctr">
+            <a:noAutofit/>
+          </a:bodyPr>
+          <a:p>
+            <a:endParaRPr b="0" lang="en-US" sz="1800" spc="-1" strike="noStrike">
+              <a:solidFill>
+                <a:schemeClr val="lt1"/>
+              </a:solidFill>
+              <a:latin typeface="Calibri"/>
+              <a:ea typeface="DejaVu Sans"/>
+            </a:endParaRPr>
+          </a:p>
+        </p:txBody>
+      </p:sp>
+      <p:sp>
+        <p:nvSpPr>
+          <p:cNvPr id="314" name="Rectangle 174"/>
+          <p:cNvSpPr/>
+          <p:nvPr/>
+        </p:nvSpPr>
+        <p:spPr>
+          <a:xfrm>
+            <a:off x="12093480" y="1800"/>
+            <a:ext cx="15840" cy="7554960"/>
+          </a:xfrm>
+          <a:prstGeom prst="rect">
+            <a:avLst/>
+          </a:prstGeom>
+          <a:solidFill>
+            <a:srgbClr val="121216"/>
+          </a:solidFill>
+          <a:ln>
+            <a:noFill/>
+          </a:ln>
+          <a:effectLst>
+            <a:outerShdw blurRad="39960" dir="5400000" dist="23040" rotWithShape="0">
+              <a:srgbClr val="000000">
+                <a:alpha val="35000"/>
+              </a:srgbClr>
+            </a:outerShdw>
+          </a:effectLst>
+        </p:spPr>
+        <p:style>
+          <a:lnRef idx="1">
+            <a:schemeClr val="accent1"/>
+          </a:lnRef>
+          <a:fillRef idx="3">
+            <a:schemeClr val="accent1"/>
+          </a:fillRef>
+          <a:effectRef idx="2">
+            <a:schemeClr val="accent1"/>
+          </a:effectRef>
+          <a:fontRef idx="minor"/>
+        </p:style>
+        <p:txBody>
+          <a:bodyPr lIns="90000" rIns="90000" tIns="45000" bIns="45000" anchor="ctr">
+            <a:noAutofit/>
+          </a:bodyPr>
+          <a:p>
+            <a:endParaRPr b="0" lang="en-US" sz="1800" spc="-1" strike="noStrike">
+              <a:solidFill>
+                <a:schemeClr val="lt1"/>
+              </a:solidFill>
+              <a:latin typeface="Calibri"/>
+              <a:ea typeface="DejaVu Sans"/>
+            </a:endParaRPr>
+          </a:p>
+        </p:txBody>
+      </p:sp>
+      <p:sp>
+        <p:nvSpPr>
+          <p:cNvPr id="315" name="Rectangle 175"/>
+          <p:cNvSpPr/>
+          <p:nvPr/>
+        </p:nvSpPr>
+        <p:spPr>
+          <a:xfrm>
+            <a:off x="13101480" y="1800"/>
+            <a:ext cx="15840" cy="7554960"/>
+          </a:xfrm>
+          <a:prstGeom prst="rect">
+            <a:avLst/>
+          </a:prstGeom>
+          <a:solidFill>
+            <a:srgbClr val="121216"/>
+          </a:solidFill>
+          <a:ln>
+            <a:noFill/>
+          </a:ln>
+          <a:effectLst>
+            <a:outerShdw blurRad="39960" dir="5400000" dist="23040" rotWithShape="0">
+              <a:srgbClr val="000000">
+                <a:alpha val="35000"/>
+              </a:srgbClr>
+            </a:outerShdw>
+          </a:effectLst>
+        </p:spPr>
+        <p:style>
+          <a:lnRef idx="1">
+            <a:schemeClr val="accent1"/>
+          </a:lnRef>
+          <a:fillRef idx="3">
+            <a:schemeClr val="accent1"/>
+          </a:fillRef>
+          <a:effectRef idx="2">
+            <a:schemeClr val="accent1"/>
+          </a:effectRef>
+          <a:fontRef idx="minor"/>
+        </p:style>
+        <p:txBody>
+          <a:bodyPr lIns="90000" rIns="90000" tIns="45000" bIns="45000" anchor="ctr">
+            <a:noAutofit/>
+          </a:bodyPr>
+          <a:p>
+            <a:endParaRPr b="0" lang="en-US" sz="1800" spc="-1" strike="noStrike">
+              <a:solidFill>
+                <a:schemeClr val="lt1"/>
+              </a:solidFill>
+              <a:latin typeface="Calibri"/>
+              <a:ea typeface="DejaVu Sans"/>
+            </a:endParaRPr>
+          </a:p>
+        </p:txBody>
+      </p:sp>
+      <p:sp>
+        <p:nvSpPr>
+          <p:cNvPr id="316" name="Rectangle 176"/>
+          <p:cNvSpPr/>
+          <p:nvPr/>
+        </p:nvSpPr>
+        <p:spPr>
+          <a:xfrm>
+            <a:off x="1440" y="1800"/>
+            <a:ext cx="347760" cy="7554960"/>
+          </a:xfrm>
+          <a:prstGeom prst="rect">
+            <a:avLst/>
+          </a:prstGeom>
+          <a:solidFill>
+            <a:srgbClr val="ff8c00"/>
+          </a:solidFill>
+          <a:ln>
+            <a:noFill/>
+          </a:ln>
+          <a:effectLst>
+            <a:outerShdw blurRad="39960" dir="5400000" dist="23040" rotWithShape="0">
+              <a:srgbClr val="000000">
+                <a:alpha val="35000"/>
+              </a:srgbClr>
+            </a:outerShdw>
+          </a:effectLst>
+        </p:spPr>
+        <p:style>
+          <a:lnRef idx="1">
+            <a:schemeClr val="accent1"/>
+          </a:lnRef>
+          <a:fillRef idx="3">
+            <a:schemeClr val="accent1"/>
+          </a:fillRef>
+          <a:effectRef idx="2">
+            <a:schemeClr val="accent1"/>
+          </a:effectRef>
+          <a:fontRef idx="minor"/>
+        </p:style>
+        <p:txBody>
+          <a:bodyPr lIns="90000" rIns="90000" tIns="45000" bIns="45000" anchor="ctr">
+            <a:noAutofit/>
+          </a:bodyPr>
+          <a:p>
+            <a:endParaRPr b="0" lang="en-US" sz="1800" spc="-1" strike="noStrike">
+              <a:solidFill>
+                <a:schemeClr val="lt1"/>
+              </a:solidFill>
+              <a:latin typeface="Calibri"/>
+              <a:ea typeface="DejaVu Sans"/>
+            </a:endParaRPr>
+          </a:p>
+        </p:txBody>
+      </p:sp>
+      <p:sp>
+        <p:nvSpPr>
+          <p:cNvPr id="317" name="Rounded Rectangle 77"/>
+          <p:cNvSpPr/>
+          <p:nvPr/>
+        </p:nvSpPr>
+        <p:spPr>
+          <a:xfrm>
+            <a:off x="10884960" y="401400"/>
+            <a:ext cx="2212200" cy="548280"/>
+          </a:xfrm>
+          <a:prstGeom prst="roundRect">
+            <a:avLst>
+              <a:gd name="adj" fmla="val 16667"/>
+            </a:avLst>
+          </a:prstGeom>
+          <a:solidFill>
+            <a:srgbClr val="1e1e24"/>
+          </a:solidFill>
+          <a:ln>
+            <a:solidFill>
+              <a:srgbClr val="ff8c00"/>
+            </a:solidFill>
+            <a:round/>
+          </a:ln>
+          <a:effectLst>
+            <a:outerShdw blurRad="39960" dir="5400000" dist="23040" rotWithShape="0">
+              <a:srgbClr val="000000">
+                <a:alpha val="35000"/>
+              </a:srgbClr>
+            </a:outerShdw>
+          </a:effectLst>
+        </p:spPr>
+        <p:style>
+          <a:lnRef idx="1">
+            <a:schemeClr val="accent1"/>
+          </a:lnRef>
+          <a:fillRef idx="3">
+            <a:schemeClr val="accent1"/>
+          </a:fillRef>
+          <a:effectRef idx="2">
+            <a:schemeClr val="accent1"/>
+          </a:effectRef>
+          <a:fontRef idx="minor"/>
+        </p:style>
+        <p:txBody>
+          <a:bodyPr lIns="90000" rIns="90000" tIns="45000" bIns="45000" anchor="ctr">
+            <a:noAutofit/>
+          </a:bodyPr>
+          <a:p>
+            <a:pPr algn="ctr">
+              <a:lnSpc>
+                <a:spcPct val="100000"/>
+              </a:lnSpc>
+            </a:pPr>
+            <a:r>
+              <a:rPr b="1" lang="en-US" sz="1400" spc="-1" strike="noStrike">
+                <a:solidFill>
+                  <a:srgbClr val="ffb45a"/>
+                </a:solidFill>
+                <a:latin typeface="Calibri"/>
+                <a:ea typeface="DejaVu Sans"/>
+              </a:rPr>
+              <a:t>JAVA CORE</a:t>
+            </a:r>
+            <a:endParaRPr b="0" lang="en-US" sz="1400" spc="-1" strike="noStrike">
+              <a:solidFill>
+                <a:srgbClr val="ffffff"/>
+              </a:solidFill>
+              <a:latin typeface="Arial"/>
+            </a:endParaRPr>
+          </a:p>
+        </p:txBody>
+      </p:sp>
+      <p:sp>
+        <p:nvSpPr>
+          <p:cNvPr id="318" name="TextBox 34"/>
+          <p:cNvSpPr/>
+          <p:nvPr/>
+        </p:nvSpPr>
+        <p:spPr>
+          <a:xfrm>
+            <a:off x="1610280" y="1107360"/>
+            <a:ext cx="8890560" cy="729720"/>
+          </a:xfrm>
+          <a:prstGeom prst="rect">
+            <a:avLst/>
+          </a:prstGeom>
+          <a:noFill/>
+          <a:ln w="0">
+            <a:noFill/>
+          </a:ln>
+        </p:spPr>
+        <p:style>
+          <a:lnRef idx="0"/>
+          <a:fillRef idx="0"/>
+          <a:effectRef idx="0"/>
+          <a:fontRef idx="minor"/>
+        </p:style>
+        <p:txBody>
+          <a:bodyPr wrap="none" lIns="90000" rIns="90000" tIns="45000" bIns="45000" anchor="t">
+            <a:spAutoFit/>
+          </a:bodyPr>
+          <a:p>
+            <a:pPr>
+              <a:lnSpc>
+                <a:spcPct val="100000"/>
+              </a:lnSpc>
+            </a:pPr>
+            <a:r>
+              <a:rPr b="1" lang="en-US" sz="4200" spc="-1" strike="noStrike">
+                <a:solidFill>
+                  <a:srgbClr val="f5f5f5"/>
+                </a:solidFill>
+                <a:latin typeface="Calibri"/>
+                <a:ea typeface="DejaVu Sans"/>
+              </a:rPr>
+              <a:t>          </a:t>
+            </a:r>
+            <a:r>
+              <a:rPr b="1" lang="en-US" sz="4200" spc="-1" strike="noStrike">
+                <a:solidFill>
+                  <a:srgbClr val="f5f5f5"/>
+                </a:solidFill>
+                <a:latin typeface="Calibri"/>
+                <a:ea typeface="DejaVu Sans"/>
+              </a:rPr>
+              <a:t>The Enterprise Boom (2000–2005)</a:t>
+            </a:r>
+            <a:endParaRPr b="0" lang="en-US" sz="4200" spc="-1" strike="noStrike">
+              <a:solidFill>
+                <a:srgbClr val="000000"/>
+              </a:solidFill>
+              <a:latin typeface="Arial"/>
+            </a:endParaRPr>
+          </a:p>
+        </p:txBody>
+      </p:sp>
+      <p:sp>
+        <p:nvSpPr>
+          <p:cNvPr id="319" name="TextBox 35"/>
+          <p:cNvSpPr/>
+          <p:nvPr/>
+        </p:nvSpPr>
+        <p:spPr>
+          <a:xfrm>
+            <a:off x="3708360" y="2266200"/>
+            <a:ext cx="5324760" cy="363960"/>
+          </a:xfrm>
+          <a:prstGeom prst="rect">
+            <a:avLst/>
+          </a:prstGeom>
+          <a:noFill/>
+          <a:ln w="0">
+            <a:noFill/>
+          </a:ln>
+        </p:spPr>
+        <p:style>
+          <a:lnRef idx="0"/>
+          <a:fillRef idx="0"/>
+          <a:effectRef idx="0"/>
+          <a:fontRef idx="minor"/>
+        </p:style>
+        <p:txBody>
+          <a:bodyPr wrap="none" lIns="90000" rIns="90000" tIns="45000" bIns="45000" anchor="t">
+            <a:spAutoFit/>
+          </a:bodyPr>
+          <a:p>
+            <a:pPr>
+              <a:lnSpc>
+                <a:spcPct val="100000"/>
+              </a:lnSpc>
+            </a:pPr>
+            <a:r>
+              <a:rPr b="0" lang="en-US" sz="1800" spc="-1" strike="noStrike">
+                <a:solidFill>
+                  <a:srgbClr val="aaaaaa"/>
+                </a:solidFill>
+                <a:latin typeface="Calibri"/>
+                <a:ea typeface="DejaVu Sans"/>
+              </a:rPr>
+              <a:t>How Java became the backbone of enterprise software.</a:t>
+            </a:r>
+            <a:endParaRPr b="0" lang="en-US" sz="1800" spc="-1" strike="noStrike">
+              <a:solidFill>
+                <a:srgbClr val="000000"/>
+              </a:solidFill>
+              <a:latin typeface="Arial"/>
+            </a:endParaRPr>
+          </a:p>
+        </p:txBody>
+      </p:sp>
+      <p:sp>
+        <p:nvSpPr>
+          <p:cNvPr id="320" name="Rounded Rectangle 78"/>
+          <p:cNvSpPr/>
+          <p:nvPr/>
+        </p:nvSpPr>
+        <p:spPr>
+          <a:xfrm>
+            <a:off x="1086840" y="3506040"/>
+            <a:ext cx="3623760" cy="3018960"/>
+          </a:xfrm>
+          <a:prstGeom prst="roundRect">
+            <a:avLst>
+              <a:gd name="adj" fmla="val 16667"/>
+            </a:avLst>
+          </a:prstGeom>
+          <a:solidFill>
+            <a:srgbClr val="08080a"/>
+          </a:solidFill>
+          <a:ln>
+            <a:noFill/>
+          </a:ln>
+          <a:effectLst>
+            <a:outerShdw blurRad="39960" dir="5400000" dist="23040" rotWithShape="0">
+              <a:srgbClr val="000000">
+                <a:alpha val="35000"/>
+              </a:srgbClr>
+            </a:outerShdw>
+          </a:effectLst>
+        </p:spPr>
+        <p:style>
+          <a:lnRef idx="1">
+            <a:schemeClr val="accent1"/>
+          </a:lnRef>
+          <a:fillRef idx="3">
+            <a:schemeClr val="accent1"/>
+          </a:fillRef>
+          <a:effectRef idx="2">
+            <a:schemeClr val="accent1"/>
+          </a:effectRef>
+          <a:fontRef idx="minor"/>
+        </p:style>
+        <p:txBody>
+          <a:bodyPr lIns="90000" rIns="90000" tIns="45000" bIns="45000" anchor="ctr">
+            <a:noAutofit/>
+          </a:bodyPr>
+          <a:p>
+            <a:endParaRPr b="0" lang="en-US" sz="1800" spc="-1" strike="noStrike">
+              <a:solidFill>
+                <a:schemeClr val="lt1"/>
+              </a:solidFill>
+              <a:latin typeface="Calibri"/>
+              <a:ea typeface="DejaVu Sans"/>
+            </a:endParaRPr>
+          </a:p>
+        </p:txBody>
+      </p:sp>
+      <p:sp>
+        <p:nvSpPr>
+          <p:cNvPr id="321" name="Rounded Rectangle 79"/>
+          <p:cNvSpPr/>
+          <p:nvPr/>
+        </p:nvSpPr>
+        <p:spPr>
+          <a:xfrm>
+            <a:off x="1006560" y="3424320"/>
+            <a:ext cx="3624120" cy="3019320"/>
+          </a:xfrm>
+          <a:prstGeom prst="roundRect">
+            <a:avLst>
+              <a:gd name="adj" fmla="val 16667"/>
+            </a:avLst>
+          </a:prstGeom>
+          <a:solidFill>
+            <a:srgbClr val="16161c"/>
+          </a:solidFill>
+          <a:ln>
+            <a:solidFill>
+              <a:srgbClr val="464655"/>
+            </a:solidFill>
+            <a:round/>
+          </a:ln>
+          <a:effectLst>
+            <a:outerShdw blurRad="39960" dir="5400000" dist="23040" rotWithShape="0">
+              <a:srgbClr val="000000">
+                <a:alpha val="35000"/>
+              </a:srgbClr>
+            </a:outerShdw>
+          </a:effectLst>
+        </p:spPr>
+        <p:style>
+          <a:lnRef idx="1">
+            <a:schemeClr val="accent1"/>
+          </a:lnRef>
+          <a:fillRef idx="3">
+            <a:schemeClr val="accent1"/>
+          </a:fillRef>
+          <a:effectRef idx="2">
+            <a:schemeClr val="accent1"/>
+          </a:effectRef>
+          <a:fontRef idx="minor"/>
+        </p:style>
+        <p:txBody>
+          <a:bodyPr lIns="90000" rIns="90000" tIns="45000" bIns="45000" anchor="ctr">
+            <a:noAutofit/>
+          </a:bodyPr>
+          <a:p>
+            <a:pPr>
+              <a:lnSpc>
+                <a:spcPct val="100000"/>
+              </a:lnSpc>
+            </a:pPr>
+            <a:r>
+              <a:rPr b="1" lang="en-US" sz="1800" spc="-1" strike="noStrike">
+                <a:solidFill>
+                  <a:schemeClr val="lt1"/>
+                </a:solidFill>
+                <a:latin typeface="Calibri"/>
+                <a:ea typeface="DejaVu Sans"/>
+              </a:rPr>
+              <a:t>The early 2000s:</a:t>
+            </a:r>
+            <a:endParaRPr b="0" lang="en-US" sz="1800" spc="-1" strike="noStrike">
+              <a:solidFill>
+                <a:srgbClr val="ffffff"/>
+              </a:solidFill>
+              <a:latin typeface="Arial"/>
+            </a:endParaRPr>
+          </a:p>
+          <a:p>
+            <a:pPr>
+              <a:lnSpc>
+                <a:spcPct val="100000"/>
+              </a:lnSpc>
+            </a:pPr>
+            <a:endParaRPr b="0" lang="en-US" sz="1800" spc="-1" strike="noStrike">
+              <a:solidFill>
+                <a:srgbClr val="ffffff"/>
+              </a:solidFill>
+              <a:latin typeface="Arial"/>
+            </a:endParaRPr>
+          </a:p>
+          <a:p>
+            <a:pPr>
+              <a:lnSpc>
+                <a:spcPct val="100000"/>
+              </a:lnSpc>
+            </a:pPr>
+            <a:r>
+              <a:rPr b="0" lang="en-US" sz="1800" spc="-1" strike="noStrike">
+                <a:solidFill>
+                  <a:schemeClr val="lt1"/>
+                </a:solidFill>
+                <a:latin typeface="Calibri"/>
+                <a:ea typeface="DejaVu Sans"/>
+              </a:rPr>
+              <a:t>• </a:t>
+            </a:r>
+            <a:r>
+              <a:rPr b="0" lang="en-US" sz="1800" spc="-1" strike="noStrike">
+                <a:solidFill>
+                  <a:schemeClr val="lt1"/>
+                </a:solidFill>
+                <a:latin typeface="Calibri"/>
+                <a:ea typeface="DejaVu Sans"/>
+              </a:rPr>
+              <a:t>Internet usage exploded</a:t>
+            </a:r>
+            <a:endParaRPr b="0" lang="en-US" sz="1800" spc="-1" strike="noStrike">
+              <a:solidFill>
+                <a:srgbClr val="ffffff"/>
+              </a:solidFill>
+              <a:latin typeface="Arial"/>
+            </a:endParaRPr>
+          </a:p>
+          <a:p>
+            <a:pPr>
+              <a:lnSpc>
+                <a:spcPct val="100000"/>
+              </a:lnSpc>
+            </a:pPr>
+            <a:r>
+              <a:rPr b="0" lang="en-US" sz="1800" spc="-1" strike="noStrike">
+                <a:solidFill>
+                  <a:schemeClr val="lt1"/>
+                </a:solidFill>
+                <a:latin typeface="Calibri"/>
+                <a:ea typeface="DejaVu Sans"/>
+              </a:rPr>
+              <a:t>• </a:t>
+            </a:r>
+            <a:r>
+              <a:rPr b="0" lang="en-US" sz="1800" spc="-1" strike="noStrike">
+                <a:solidFill>
+                  <a:schemeClr val="lt1"/>
+                </a:solidFill>
+                <a:latin typeface="Calibri"/>
+                <a:ea typeface="DejaVu Sans"/>
+              </a:rPr>
+              <a:t>E-commerce started to grow</a:t>
+            </a:r>
+            <a:endParaRPr b="0" lang="en-US" sz="1800" spc="-1" strike="noStrike">
+              <a:solidFill>
+                <a:srgbClr val="ffffff"/>
+              </a:solidFill>
+              <a:latin typeface="Arial"/>
+            </a:endParaRPr>
+          </a:p>
+          <a:p>
+            <a:pPr>
+              <a:lnSpc>
+                <a:spcPct val="100000"/>
+              </a:lnSpc>
+            </a:pPr>
+            <a:r>
+              <a:rPr b="0" lang="en-US" sz="1800" spc="-1" strike="noStrike">
+                <a:solidFill>
+                  <a:schemeClr val="lt1"/>
+                </a:solidFill>
+                <a:latin typeface="Calibri"/>
+                <a:ea typeface="DejaVu Sans"/>
+              </a:rPr>
+              <a:t>• </a:t>
+            </a:r>
+            <a:r>
+              <a:rPr b="0" lang="en-US" sz="1800" spc="-1" strike="noStrike">
+                <a:solidFill>
+                  <a:schemeClr val="lt1"/>
+                </a:solidFill>
+                <a:latin typeface="Calibri"/>
+                <a:ea typeface="DejaVu Sans"/>
+              </a:rPr>
+              <a:t>Companies needed large-scale systems</a:t>
+            </a:r>
+            <a:endParaRPr b="0" lang="en-US" sz="1800" spc="-1" strike="noStrike">
+              <a:solidFill>
+                <a:srgbClr val="ffffff"/>
+              </a:solidFill>
+              <a:latin typeface="Arial"/>
+            </a:endParaRPr>
+          </a:p>
+          <a:p>
+            <a:pPr>
+              <a:lnSpc>
+                <a:spcPct val="100000"/>
+              </a:lnSpc>
+            </a:pPr>
+            <a:r>
+              <a:rPr b="0" lang="en-US" sz="1800" spc="-1" strike="noStrike">
+                <a:solidFill>
+                  <a:schemeClr val="lt1"/>
+                </a:solidFill>
+                <a:latin typeface="Calibri"/>
+                <a:ea typeface="DejaVu Sans"/>
+              </a:rPr>
+              <a:t>• </a:t>
+            </a:r>
+            <a:r>
+              <a:rPr b="0" lang="en-US" sz="1800" spc="-1" strike="noStrike">
+                <a:solidFill>
+                  <a:schemeClr val="lt1"/>
+                </a:solidFill>
+                <a:latin typeface="Calibri"/>
+                <a:ea typeface="DejaVu Sans"/>
+              </a:rPr>
+              <a:t>Systems had to be:</a:t>
+            </a:r>
+            <a:endParaRPr b="0" lang="en-US" sz="1800" spc="-1" strike="noStrike">
+              <a:solidFill>
+                <a:srgbClr val="ffffff"/>
+              </a:solidFill>
+              <a:latin typeface="Arial"/>
+            </a:endParaRPr>
+          </a:p>
+          <a:p>
+            <a:pPr>
+              <a:lnSpc>
+                <a:spcPct val="100000"/>
+              </a:lnSpc>
+            </a:pPr>
+            <a:r>
+              <a:rPr b="0" lang="en-US" sz="1800" spc="-1" strike="noStrike">
+                <a:solidFill>
+                  <a:schemeClr val="lt1"/>
+                </a:solidFill>
+                <a:latin typeface="Calibri"/>
+                <a:ea typeface="DejaVu Sans"/>
+              </a:rPr>
+              <a:t>  </a:t>
+            </a:r>
+            <a:r>
+              <a:rPr b="0" lang="en-US" sz="1800" spc="-1" strike="noStrike">
+                <a:solidFill>
+                  <a:schemeClr val="lt1"/>
+                </a:solidFill>
+                <a:latin typeface="Calibri"/>
+                <a:ea typeface="DejaVu Sans"/>
+              </a:rPr>
+              <a:t>- Reliable</a:t>
+            </a:r>
+            <a:endParaRPr b="0" lang="en-US" sz="1800" spc="-1" strike="noStrike">
+              <a:solidFill>
+                <a:srgbClr val="ffffff"/>
+              </a:solidFill>
+              <a:latin typeface="Arial"/>
+            </a:endParaRPr>
+          </a:p>
+          <a:p>
+            <a:pPr>
+              <a:lnSpc>
+                <a:spcPct val="100000"/>
+              </a:lnSpc>
+            </a:pPr>
+            <a:r>
+              <a:rPr b="0" lang="en-US" sz="1800" spc="-1" strike="noStrike">
+                <a:solidFill>
+                  <a:schemeClr val="lt1"/>
+                </a:solidFill>
+                <a:latin typeface="Calibri"/>
+                <a:ea typeface="DejaVu Sans"/>
+              </a:rPr>
+              <a:t>  </a:t>
+            </a:r>
+            <a:r>
+              <a:rPr b="0" lang="en-US" sz="1800" spc="-1" strike="noStrike">
+                <a:solidFill>
+                  <a:schemeClr val="lt1"/>
+                </a:solidFill>
+                <a:latin typeface="Calibri"/>
+                <a:ea typeface="DejaVu Sans"/>
+              </a:rPr>
+              <a:t>- Secure</a:t>
+            </a:r>
+            <a:endParaRPr b="0" lang="en-US" sz="1800" spc="-1" strike="noStrike">
+              <a:solidFill>
+                <a:srgbClr val="ffffff"/>
+              </a:solidFill>
+              <a:latin typeface="Arial"/>
+            </a:endParaRPr>
+          </a:p>
+          <a:p>
+            <a:pPr>
+              <a:lnSpc>
+                <a:spcPct val="100000"/>
+              </a:lnSpc>
+            </a:pPr>
+            <a:r>
+              <a:rPr b="0" lang="en-US" sz="1800" spc="-1" strike="noStrike">
+                <a:solidFill>
+                  <a:schemeClr val="lt1"/>
+                </a:solidFill>
+                <a:latin typeface="Calibri"/>
+                <a:ea typeface="DejaVu Sans"/>
+              </a:rPr>
+              <a:t>  </a:t>
+            </a:r>
+            <a:r>
+              <a:rPr b="0" lang="en-US" sz="1800" spc="-1" strike="noStrike">
+                <a:solidFill>
+                  <a:schemeClr val="lt1"/>
+                </a:solidFill>
+                <a:latin typeface="Calibri"/>
+                <a:ea typeface="DejaVu Sans"/>
+              </a:rPr>
+              <a:t>- Scalable</a:t>
+            </a:r>
+            <a:endParaRPr b="0" lang="en-US" sz="1800" spc="-1" strike="noStrike">
+              <a:solidFill>
+                <a:srgbClr val="ffffff"/>
+              </a:solidFill>
+              <a:latin typeface="Arial"/>
+            </a:endParaRPr>
+          </a:p>
+        </p:txBody>
+      </p:sp>
+      <p:sp>
+        <p:nvSpPr>
+          <p:cNvPr id="322" name="Rounded Rectangle 80"/>
+          <p:cNvSpPr/>
+          <p:nvPr/>
+        </p:nvSpPr>
+        <p:spPr>
+          <a:xfrm>
+            <a:off x="4968360" y="3506040"/>
+            <a:ext cx="3623760" cy="3018960"/>
+          </a:xfrm>
+          <a:prstGeom prst="roundRect">
+            <a:avLst>
+              <a:gd name="adj" fmla="val 16667"/>
+            </a:avLst>
+          </a:prstGeom>
+          <a:solidFill>
+            <a:srgbClr val="08080a"/>
+          </a:solidFill>
+          <a:ln>
+            <a:noFill/>
+          </a:ln>
+          <a:effectLst>
+            <a:outerShdw blurRad="39960" dir="5400000" dist="23040" rotWithShape="0">
+              <a:srgbClr val="000000">
+                <a:alpha val="35000"/>
+              </a:srgbClr>
+            </a:outerShdw>
+          </a:effectLst>
+        </p:spPr>
+        <p:style>
+          <a:lnRef idx="1">
+            <a:schemeClr val="accent1"/>
+          </a:lnRef>
+          <a:fillRef idx="3">
+            <a:schemeClr val="accent1"/>
+          </a:fillRef>
+          <a:effectRef idx="2">
+            <a:schemeClr val="accent1"/>
+          </a:effectRef>
+          <a:fontRef idx="minor"/>
+        </p:style>
+        <p:txBody>
+          <a:bodyPr lIns="90000" rIns="90000" tIns="45000" bIns="45000" anchor="ctr">
+            <a:noAutofit/>
+          </a:bodyPr>
+          <a:p>
+            <a:endParaRPr b="0" lang="en-US" sz="1800" spc="-1" strike="noStrike">
+              <a:solidFill>
+                <a:schemeClr val="lt1"/>
+              </a:solidFill>
+              <a:latin typeface="Calibri"/>
+              <a:ea typeface="DejaVu Sans"/>
+            </a:endParaRPr>
+          </a:p>
+        </p:txBody>
+      </p:sp>
+      <p:sp>
+        <p:nvSpPr>
+          <p:cNvPr id="323" name="Rounded Rectangle 81"/>
+          <p:cNvSpPr/>
+          <p:nvPr/>
+        </p:nvSpPr>
+        <p:spPr>
+          <a:xfrm>
+            <a:off x="8849160" y="3506040"/>
+            <a:ext cx="3623760" cy="3018960"/>
+          </a:xfrm>
+          <a:prstGeom prst="roundRect">
+            <a:avLst>
+              <a:gd name="adj" fmla="val 16667"/>
+            </a:avLst>
+          </a:prstGeom>
+          <a:solidFill>
+            <a:srgbClr val="08080a"/>
+          </a:solidFill>
+          <a:ln>
+            <a:noFill/>
+          </a:ln>
+          <a:effectLst>
+            <a:outerShdw blurRad="39960" dir="5400000" dist="23040" rotWithShape="0">
+              <a:srgbClr val="000000">
+                <a:alpha val="35000"/>
+              </a:srgbClr>
+            </a:outerShdw>
+          </a:effectLst>
+        </p:spPr>
+        <p:style>
+          <a:lnRef idx="1">
+            <a:schemeClr val="accent1"/>
+          </a:lnRef>
+          <a:fillRef idx="3">
+            <a:schemeClr val="accent1"/>
+          </a:fillRef>
+          <a:effectRef idx="2">
+            <a:schemeClr val="accent1"/>
+          </a:effectRef>
+          <a:fontRef idx="minor"/>
+        </p:style>
+        <p:txBody>
+          <a:bodyPr lIns="90000" rIns="90000" tIns="45000" bIns="45000" anchor="ctr">
+            <a:noAutofit/>
+          </a:bodyPr>
+          <a:p>
+            <a:endParaRPr b="0" lang="en-US" sz="1800" spc="-1" strike="noStrike">
+              <a:solidFill>
+                <a:schemeClr val="lt1"/>
+              </a:solidFill>
+              <a:latin typeface="Calibri"/>
+              <a:ea typeface="DejaVu Sans"/>
+            </a:endParaRPr>
+          </a:p>
+        </p:txBody>
+      </p:sp>
+      <p:sp>
+        <p:nvSpPr>
+          <p:cNvPr id="324" name="Rounded Rectangle 82"/>
+          <p:cNvSpPr/>
+          <p:nvPr/>
+        </p:nvSpPr>
+        <p:spPr>
+          <a:xfrm>
+            <a:off x="8767440" y="3425040"/>
+            <a:ext cx="3624120" cy="3019320"/>
+          </a:xfrm>
+          <a:prstGeom prst="roundRect">
+            <a:avLst>
+              <a:gd name="adj" fmla="val 16667"/>
+            </a:avLst>
+          </a:prstGeom>
+          <a:solidFill>
+            <a:srgbClr val="16161c"/>
+          </a:solidFill>
+          <a:ln>
+            <a:solidFill>
+              <a:srgbClr val="464655"/>
+            </a:solidFill>
+            <a:round/>
+          </a:ln>
+          <a:effectLst>
+            <a:outerShdw blurRad="39960" dir="5400000" dist="23040" rotWithShape="0">
+              <a:srgbClr val="000000">
+                <a:alpha val="35000"/>
+              </a:srgbClr>
+            </a:outerShdw>
+          </a:effectLst>
+        </p:spPr>
+        <p:style>
+          <a:lnRef idx="1">
+            <a:schemeClr val="accent1"/>
+          </a:lnRef>
+          <a:fillRef idx="3">
+            <a:schemeClr val="accent1"/>
+          </a:fillRef>
+          <a:effectRef idx="2">
+            <a:schemeClr val="accent1"/>
+          </a:effectRef>
+          <a:fontRef idx="minor"/>
+        </p:style>
+        <p:txBody>
+          <a:bodyPr lIns="90000" rIns="90000" tIns="45000" bIns="45000" anchor="ctr">
+            <a:noAutofit/>
+          </a:bodyPr>
+          <a:p>
+            <a:pPr algn="ctr">
+              <a:lnSpc>
+                <a:spcPct val="100000"/>
+              </a:lnSpc>
+            </a:pPr>
+            <a:endParaRPr b="0" lang="en-US" sz="1300" spc="-1" strike="noStrike">
+              <a:solidFill>
+                <a:srgbClr val="ffffff"/>
+              </a:solidFill>
+              <a:latin typeface="Arial"/>
+            </a:endParaRPr>
+          </a:p>
+          <a:p>
+            <a:pPr algn="ctr">
+              <a:lnSpc>
+                <a:spcPct val="100000"/>
+              </a:lnSpc>
+            </a:pPr>
+            <a:endParaRPr b="0" lang="en-US" sz="1300" spc="-1" strike="noStrike">
+              <a:solidFill>
+                <a:srgbClr val="ffffff"/>
+              </a:solidFill>
+              <a:latin typeface="Arial"/>
+            </a:endParaRPr>
+          </a:p>
+          <a:p>
+            <a:pPr algn="ctr">
+              <a:lnSpc>
+                <a:spcPct val="100000"/>
+              </a:lnSpc>
+            </a:pPr>
+            <a:endParaRPr b="0" lang="en-US" sz="1300" spc="-1" strike="noStrike">
+              <a:solidFill>
+                <a:srgbClr val="ffffff"/>
+              </a:solidFill>
+              <a:latin typeface="Arial"/>
+            </a:endParaRPr>
+          </a:p>
+          <a:p>
+            <a:pPr algn="ctr">
+              <a:lnSpc>
+                <a:spcPct val="100000"/>
+              </a:lnSpc>
+            </a:pPr>
+            <a:endParaRPr b="0" lang="en-US" sz="1300" spc="-1" strike="noStrike">
+              <a:solidFill>
+                <a:srgbClr val="ffffff"/>
+              </a:solidFill>
+              <a:latin typeface="Arial"/>
+            </a:endParaRPr>
+          </a:p>
+          <a:p>
+            <a:pPr algn="ctr">
+              <a:lnSpc>
+                <a:spcPct val="100000"/>
+              </a:lnSpc>
+            </a:pPr>
+            <a:endParaRPr b="0" lang="en-US" sz="1300" spc="-1" strike="noStrike">
+              <a:solidFill>
+                <a:srgbClr val="ffffff"/>
+              </a:solidFill>
+              <a:latin typeface="Arial"/>
+            </a:endParaRPr>
+          </a:p>
+          <a:p>
+            <a:pPr algn="ctr">
+              <a:lnSpc>
+                <a:spcPct val="100000"/>
+              </a:lnSpc>
+            </a:pPr>
+            <a:endParaRPr b="0" lang="en-US" sz="1300" spc="-1" strike="noStrike">
+              <a:solidFill>
+                <a:srgbClr val="ffffff"/>
+              </a:solidFill>
+              <a:latin typeface="Arial"/>
+            </a:endParaRPr>
+          </a:p>
+          <a:p>
+            <a:pPr algn="ctr">
+              <a:lnSpc>
+                <a:spcPct val="100000"/>
+              </a:lnSpc>
+            </a:pPr>
+            <a:r>
+              <a:rPr b="0" lang="en-US" sz="1300" spc="-1" strike="noStrike">
+                <a:solidFill>
+                  <a:srgbClr val="78ffc8"/>
+                </a:solidFill>
+                <a:latin typeface="Consolas"/>
+                <a:ea typeface="DejaVu Sans"/>
+              </a:rPr>
+              <a:t>public class EnterpriseEra {</a:t>
+            </a:r>
+            <a:endParaRPr b="0" lang="en-US" sz="1300" spc="-1" strike="noStrike">
+              <a:solidFill>
+                <a:srgbClr val="ffffff"/>
+              </a:solidFill>
+              <a:latin typeface="Arial"/>
+            </a:endParaRPr>
+          </a:p>
+          <a:p>
+            <a:pPr algn="ctr">
+              <a:lnSpc>
+                <a:spcPct val="100000"/>
+              </a:lnSpc>
+            </a:pPr>
+            <a:r>
+              <a:rPr b="0" lang="en-US" sz="1300" spc="-1" strike="noStrike">
+                <a:solidFill>
+                  <a:srgbClr val="78ffc8"/>
+                </a:solidFill>
+                <a:latin typeface="Consolas"/>
+                <a:ea typeface="DejaVu Sans"/>
+              </a:rPr>
+              <a:t>    </a:t>
+            </a:r>
+            <a:r>
+              <a:rPr b="0" lang="en-US" sz="1300" spc="-1" strike="noStrike">
+                <a:solidFill>
+                  <a:srgbClr val="78ffc8"/>
+                </a:solidFill>
+                <a:latin typeface="Consolas"/>
+                <a:ea typeface="DejaVu Sans"/>
+              </a:rPr>
+              <a:t>public static void main(String[] args) {</a:t>
+            </a:r>
+            <a:endParaRPr b="0" lang="en-US" sz="1300" spc="-1" strike="noStrike">
+              <a:solidFill>
+                <a:srgbClr val="ffffff"/>
+              </a:solidFill>
+              <a:latin typeface="Arial"/>
+            </a:endParaRPr>
+          </a:p>
+          <a:p>
+            <a:pPr algn="ctr">
+              <a:lnSpc>
+                <a:spcPct val="100000"/>
+              </a:lnSpc>
+            </a:pPr>
+            <a:r>
+              <a:rPr b="0" lang="en-US" sz="1300" spc="-1" strike="noStrike">
+                <a:solidFill>
+                  <a:srgbClr val="78ffc8"/>
+                </a:solidFill>
+                <a:latin typeface="Consolas"/>
+                <a:ea typeface="DejaVu Sans"/>
+              </a:rPr>
+              <a:t>        </a:t>
+            </a:r>
+            <a:r>
+              <a:rPr b="0" lang="en-US" sz="1300" spc="-1" strike="noStrike">
+                <a:solidFill>
+                  <a:srgbClr val="78ffc8"/>
+                </a:solidFill>
+                <a:latin typeface="Consolas"/>
+                <a:ea typeface="DejaVu Sans"/>
+              </a:rPr>
+              <a:t>boolean systemOnline = true;</a:t>
+            </a:r>
+            <a:endParaRPr b="0" lang="en-US" sz="1300" spc="-1" strike="noStrike">
+              <a:solidFill>
+                <a:srgbClr val="ffffff"/>
+              </a:solidFill>
+              <a:latin typeface="Arial"/>
+            </a:endParaRPr>
+          </a:p>
+          <a:p>
+            <a:pPr algn="ctr">
+              <a:lnSpc>
+                <a:spcPct val="100000"/>
+              </a:lnSpc>
+            </a:pPr>
+            <a:endParaRPr b="0" lang="en-US" sz="1300" spc="-1" strike="noStrike">
+              <a:solidFill>
+                <a:srgbClr val="ffffff"/>
+              </a:solidFill>
+              <a:latin typeface="Arial"/>
+            </a:endParaRPr>
+          </a:p>
+          <a:p>
+            <a:pPr algn="ctr">
+              <a:lnSpc>
+                <a:spcPct val="100000"/>
+              </a:lnSpc>
+            </a:pPr>
+            <a:r>
+              <a:rPr b="0" lang="en-US" sz="1300" spc="-1" strike="noStrike">
+                <a:solidFill>
+                  <a:srgbClr val="78ffc8"/>
+                </a:solidFill>
+                <a:latin typeface="Consolas"/>
+                <a:ea typeface="DejaVu Sans"/>
+              </a:rPr>
+              <a:t>        </a:t>
+            </a:r>
+            <a:r>
+              <a:rPr b="0" lang="en-US" sz="1300" spc="-1" strike="noStrike">
+                <a:solidFill>
+                  <a:srgbClr val="78ffc8"/>
+                </a:solidFill>
+                <a:latin typeface="Consolas"/>
+                <a:ea typeface="DejaVu Sans"/>
+              </a:rPr>
+              <a:t>if (systemOnline) {</a:t>
+            </a:r>
+            <a:endParaRPr b="0" lang="en-US" sz="1300" spc="-1" strike="noStrike">
+              <a:solidFill>
+                <a:srgbClr val="ffffff"/>
+              </a:solidFill>
+              <a:latin typeface="Arial"/>
+            </a:endParaRPr>
+          </a:p>
+          <a:p>
+            <a:pPr algn="ctr">
+              <a:lnSpc>
+                <a:spcPct val="100000"/>
+              </a:lnSpc>
+            </a:pPr>
+            <a:r>
+              <a:rPr b="0" lang="en-US" sz="1300" spc="-1" strike="noStrike">
+                <a:solidFill>
+                  <a:srgbClr val="78ffc8"/>
+                </a:solidFill>
+                <a:latin typeface="Consolas"/>
+                <a:ea typeface="DejaVu Sans"/>
+              </a:rPr>
+              <a:t>            </a:t>
+            </a:r>
+            <a:r>
+              <a:rPr b="0" lang="en-US" sz="1300" spc="-1" strike="noStrike">
+                <a:solidFill>
+                  <a:srgbClr val="78ffc8"/>
+                </a:solidFill>
+                <a:latin typeface="Consolas"/>
+                <a:ea typeface="DejaVu Sans"/>
+              </a:rPr>
+              <a:t>System.out.println(</a:t>
+            </a:r>
+            <a:endParaRPr b="0" lang="en-US" sz="1300" spc="-1" strike="noStrike">
+              <a:solidFill>
+                <a:srgbClr val="ffffff"/>
+              </a:solidFill>
+              <a:latin typeface="Arial"/>
+            </a:endParaRPr>
+          </a:p>
+          <a:p>
+            <a:pPr algn="ctr">
+              <a:lnSpc>
+                <a:spcPct val="100000"/>
+              </a:lnSpc>
+            </a:pPr>
+            <a:r>
+              <a:rPr b="0" lang="en-US" sz="1300" spc="-1" strike="noStrike">
+                <a:solidFill>
+                  <a:srgbClr val="78ffc8"/>
+                </a:solidFill>
+                <a:latin typeface="Consolas"/>
+                <a:ea typeface="DejaVu Sans"/>
+              </a:rPr>
+              <a:t>                </a:t>
+            </a:r>
+            <a:r>
+              <a:rPr b="0" lang="en-US" sz="1300" spc="-1" strike="noStrike">
+                <a:solidFill>
+                  <a:srgbClr val="78ffc8"/>
+                </a:solidFill>
+                <a:latin typeface="Consolas"/>
+                <a:ea typeface="DejaVu Sans"/>
+              </a:rPr>
+              <a:t>"Enterprise systems are running 24/7."</a:t>
+            </a:r>
+            <a:endParaRPr b="0" lang="en-US" sz="1300" spc="-1" strike="noStrike">
+              <a:solidFill>
+                <a:srgbClr val="ffffff"/>
+              </a:solidFill>
+              <a:latin typeface="Arial"/>
+            </a:endParaRPr>
+          </a:p>
+          <a:p>
+            <a:pPr algn="ctr">
+              <a:lnSpc>
+                <a:spcPct val="100000"/>
+              </a:lnSpc>
+            </a:pPr>
+            <a:r>
+              <a:rPr b="0" lang="en-US" sz="1300" spc="-1" strike="noStrike">
+                <a:solidFill>
+                  <a:srgbClr val="78ffc8"/>
+                </a:solidFill>
+                <a:latin typeface="Consolas"/>
+                <a:ea typeface="DejaVu Sans"/>
+              </a:rPr>
+              <a:t>            </a:t>
+            </a:r>
+            <a:r>
+              <a:rPr b="0" lang="en-US" sz="1300" spc="-1" strike="noStrike">
+                <a:solidFill>
+                  <a:srgbClr val="78ffc8"/>
+                </a:solidFill>
+                <a:latin typeface="Consolas"/>
+                <a:ea typeface="DejaVu Sans"/>
+              </a:rPr>
+              <a:t>);</a:t>
+            </a:r>
+            <a:endParaRPr b="0" lang="en-US" sz="1300" spc="-1" strike="noStrike">
+              <a:solidFill>
+                <a:srgbClr val="ffffff"/>
+              </a:solidFill>
+              <a:latin typeface="Arial"/>
+            </a:endParaRPr>
+          </a:p>
+          <a:p>
+            <a:pPr algn="ctr">
+              <a:lnSpc>
+                <a:spcPct val="100000"/>
+              </a:lnSpc>
+            </a:pPr>
+            <a:r>
+              <a:rPr b="0" lang="en-US" sz="1300" spc="-1" strike="noStrike">
+                <a:solidFill>
+                  <a:srgbClr val="78ffc8"/>
+                </a:solidFill>
+                <a:latin typeface="Consolas"/>
+                <a:ea typeface="DejaVu Sans"/>
+              </a:rPr>
+              <a:t>        </a:t>
+            </a:r>
+            <a:r>
+              <a:rPr b="0" lang="en-US" sz="1300" spc="-1" strike="noStrike">
+                <a:solidFill>
+                  <a:srgbClr val="78ffc8"/>
+                </a:solidFill>
+                <a:latin typeface="Consolas"/>
+                <a:ea typeface="DejaVu Sans"/>
+              </a:rPr>
+              <a:t>}</a:t>
+            </a:r>
+            <a:endParaRPr b="0" lang="en-US" sz="1300" spc="-1" strike="noStrike">
+              <a:solidFill>
+                <a:srgbClr val="ffffff"/>
+              </a:solidFill>
+              <a:latin typeface="Arial"/>
+            </a:endParaRPr>
+          </a:p>
+          <a:p>
+            <a:pPr algn="ctr">
+              <a:lnSpc>
+                <a:spcPct val="100000"/>
+              </a:lnSpc>
+            </a:pPr>
+            <a:r>
+              <a:rPr b="0" lang="en-US" sz="1300" spc="-1" strike="noStrike">
+                <a:solidFill>
+                  <a:srgbClr val="78ffc8"/>
+                </a:solidFill>
+                <a:latin typeface="Consolas"/>
+                <a:ea typeface="DejaVu Sans"/>
+              </a:rPr>
+              <a:t>    </a:t>
+            </a:r>
+            <a:r>
+              <a:rPr b="0" lang="en-US" sz="1300" spc="-1" strike="noStrike">
+                <a:solidFill>
+                  <a:srgbClr val="78ffc8"/>
+                </a:solidFill>
+                <a:latin typeface="Consolas"/>
+                <a:ea typeface="DejaVu Sans"/>
+              </a:rPr>
+              <a:t>}</a:t>
+            </a:r>
+            <a:endParaRPr b="0" lang="en-US" sz="1300" spc="-1" strike="noStrike">
+              <a:solidFill>
+                <a:srgbClr val="ffffff"/>
+              </a:solidFill>
+              <a:latin typeface="Arial"/>
+            </a:endParaRPr>
+          </a:p>
+          <a:p>
+            <a:pPr algn="ctr">
+              <a:lnSpc>
+                <a:spcPct val="100000"/>
+              </a:lnSpc>
+            </a:pPr>
+            <a:r>
+              <a:rPr b="0" lang="en-US" sz="1300" spc="-1" strike="noStrike">
+                <a:solidFill>
+                  <a:srgbClr val="78ffc8"/>
+                </a:solidFill>
+                <a:latin typeface="Consolas"/>
+                <a:ea typeface="DejaVu Sans"/>
+              </a:rPr>
+              <a:t>}</a:t>
+            </a:r>
+            <a:endParaRPr b="0" lang="en-US" sz="1300" spc="-1" strike="noStrike">
+              <a:solidFill>
+                <a:srgbClr val="ffffff"/>
+              </a:solidFill>
+              <a:latin typeface="Arial"/>
+            </a:endParaRPr>
+          </a:p>
+          <a:p>
+            <a:pPr algn="ctr">
+              <a:lnSpc>
+                <a:spcPct val="100000"/>
+              </a:lnSpc>
+            </a:pPr>
+            <a:endParaRPr b="0" lang="en-US" sz="1300" spc="-1" strike="noStrike">
+              <a:solidFill>
+                <a:srgbClr val="ffffff"/>
+              </a:solidFill>
+              <a:latin typeface="Arial"/>
+            </a:endParaRPr>
+          </a:p>
+          <a:p>
+            <a:pPr algn="ctr">
+              <a:lnSpc>
+                <a:spcPct val="100000"/>
+              </a:lnSpc>
+            </a:pPr>
+            <a:endParaRPr b="0" lang="en-US" sz="1300" spc="-1" strike="noStrike">
+              <a:solidFill>
+                <a:srgbClr val="ffffff"/>
+              </a:solidFill>
+              <a:latin typeface="Arial"/>
+            </a:endParaRPr>
+          </a:p>
+          <a:p>
+            <a:pPr algn="ctr">
+              <a:lnSpc>
+                <a:spcPct val="100000"/>
+              </a:lnSpc>
+            </a:pPr>
+            <a:endParaRPr b="0" lang="en-US" sz="1300" spc="-1" strike="noStrike">
+              <a:solidFill>
+                <a:srgbClr val="ffffff"/>
+              </a:solidFill>
+              <a:latin typeface="Arial"/>
+            </a:endParaRPr>
+          </a:p>
+          <a:p>
+            <a:pPr algn="ctr">
+              <a:lnSpc>
+                <a:spcPct val="100000"/>
+              </a:lnSpc>
+            </a:pPr>
+            <a:endParaRPr b="0" lang="en-US" sz="1300" spc="-1" strike="noStrike">
+              <a:solidFill>
+                <a:srgbClr val="ffffff"/>
+              </a:solidFill>
+              <a:latin typeface="Arial"/>
+            </a:endParaRPr>
+          </a:p>
+          <a:p>
+            <a:pPr algn="ctr">
+              <a:lnSpc>
+                <a:spcPct val="100000"/>
+              </a:lnSpc>
+            </a:pPr>
+            <a:endParaRPr b="0" lang="en-US" sz="1300" spc="-1" strike="noStrike">
+              <a:solidFill>
+                <a:srgbClr val="ffffff"/>
+              </a:solidFill>
+              <a:latin typeface="Arial"/>
+            </a:endParaRPr>
+          </a:p>
+          <a:p>
+            <a:pPr algn="ctr">
+              <a:lnSpc>
+                <a:spcPct val="100000"/>
+              </a:lnSpc>
+            </a:pPr>
+            <a:endParaRPr b="0" lang="en-US" sz="1300" spc="-1" strike="noStrike">
+              <a:solidFill>
+                <a:srgbClr val="ffffff"/>
+              </a:solidFill>
+              <a:latin typeface="Arial"/>
+            </a:endParaRPr>
+          </a:p>
+        </p:txBody>
+      </p:sp>
+      <p:sp>
+        <p:nvSpPr>
+          <p:cNvPr id="325" name="TextBox 36"/>
+          <p:cNvSpPr/>
+          <p:nvPr/>
+        </p:nvSpPr>
+        <p:spPr>
+          <a:xfrm>
+            <a:off x="5224320" y="7104600"/>
+            <a:ext cx="3052080" cy="363960"/>
+          </a:xfrm>
+          <a:prstGeom prst="rect">
+            <a:avLst/>
+          </a:prstGeom>
+          <a:noFill/>
+          <a:ln w="0">
+            <a:noFill/>
+          </a:ln>
+        </p:spPr>
+        <p:style>
+          <a:lnRef idx="0"/>
+          <a:fillRef idx="0"/>
+          <a:effectRef idx="0"/>
+          <a:fontRef idx="minor"/>
+        </p:style>
+        <p:txBody>
+          <a:bodyPr wrap="none" lIns="90000" rIns="90000" tIns="45000" bIns="45000" anchor="t">
+            <a:spAutoFit/>
+          </a:bodyPr>
+          <a:p>
+            <a:pPr>
+              <a:lnSpc>
+                <a:spcPct val="100000"/>
+              </a:lnSpc>
+            </a:pPr>
+            <a:r>
+              <a:rPr b="0" lang="en-US" sz="1800" spc="-1" strike="noStrike">
+                <a:solidFill>
+                  <a:srgbClr val="000000"/>
+                </a:solidFill>
+                <a:latin typeface="Calibri"/>
+                <a:ea typeface="DejaVu Sans"/>
+              </a:rPr>
+              <a:t>Java • Ultra Premium Template</a:t>
+            </a:r>
+            <a:endParaRPr b="0" lang="en-US" sz="1800" spc="-1" strike="noStrike">
+              <a:solidFill>
+                <a:srgbClr val="000000"/>
+              </a:solidFill>
+              <a:latin typeface="Arial"/>
+            </a:endParaRPr>
+          </a:p>
+        </p:txBody>
+      </p:sp>
+      <p:sp>
+        <p:nvSpPr>
+          <p:cNvPr id="326" name="Rounded Rectangle 83"/>
+          <p:cNvSpPr/>
+          <p:nvPr/>
+        </p:nvSpPr>
+        <p:spPr>
+          <a:xfrm>
+            <a:off x="4941000" y="3450960"/>
+            <a:ext cx="3624120" cy="3019320"/>
+          </a:xfrm>
+          <a:prstGeom prst="roundRect">
+            <a:avLst>
+              <a:gd name="adj" fmla="val 16667"/>
+            </a:avLst>
+          </a:prstGeom>
+          <a:solidFill>
+            <a:srgbClr val="16161c"/>
+          </a:solidFill>
+          <a:ln>
+            <a:solidFill>
+              <a:srgbClr val="464655"/>
+            </a:solidFill>
+            <a:round/>
+          </a:ln>
+          <a:effectLst>
+            <a:outerShdw blurRad="39960" dir="5400000" dist="23040" rotWithShape="0">
+              <a:srgbClr val="000000">
+                <a:alpha val="35000"/>
+              </a:srgbClr>
+            </a:outerShdw>
+          </a:effectLst>
+        </p:spPr>
+        <p:style>
+          <a:lnRef idx="1">
+            <a:schemeClr val="accent1"/>
+          </a:lnRef>
+          <a:fillRef idx="3">
+            <a:schemeClr val="accent1"/>
+          </a:fillRef>
+          <a:effectRef idx="2">
+            <a:schemeClr val="accent1"/>
+          </a:effectRef>
+          <a:fontRef idx="minor"/>
+        </p:style>
+        <p:txBody>
+          <a:bodyPr lIns="90000" rIns="90000" tIns="45000" bIns="45000" anchor="ctr">
+            <a:noAutofit/>
+          </a:bodyPr>
+          <a:p>
+            <a:pPr>
+              <a:lnSpc>
+                <a:spcPct val="100000"/>
+              </a:lnSpc>
+            </a:pPr>
+            <a:r>
+              <a:rPr b="1" lang="en-US" sz="1800" spc="-1" strike="noStrike">
+                <a:solidFill>
+                  <a:schemeClr val="lt1"/>
+                </a:solidFill>
+                <a:latin typeface="Calibri"/>
+                <a:ea typeface="DejaVu Sans"/>
+              </a:rPr>
+              <a:t>Why Java dominated this era:</a:t>
+            </a:r>
+            <a:endParaRPr b="0" lang="en-US" sz="1800" spc="-1" strike="noStrike">
+              <a:solidFill>
+                <a:srgbClr val="ffffff"/>
+              </a:solidFill>
+              <a:latin typeface="Arial"/>
+            </a:endParaRPr>
+          </a:p>
+          <a:p>
+            <a:pPr>
+              <a:lnSpc>
+                <a:spcPct val="100000"/>
+              </a:lnSpc>
+            </a:pPr>
+            <a:endParaRPr b="0" lang="en-US" sz="1800" spc="-1" strike="noStrike">
+              <a:solidFill>
+                <a:srgbClr val="ffffff"/>
+              </a:solidFill>
+              <a:latin typeface="Arial"/>
+            </a:endParaRPr>
+          </a:p>
+          <a:p>
+            <a:pPr>
+              <a:lnSpc>
+                <a:spcPct val="100000"/>
+              </a:lnSpc>
+            </a:pPr>
+            <a:r>
+              <a:rPr b="0" lang="en-US" sz="1800" spc="-1" strike="noStrike">
+                <a:solidFill>
+                  <a:schemeClr val="lt1"/>
+                </a:solidFill>
+                <a:latin typeface="Calibri"/>
+                <a:ea typeface="DejaVu Sans"/>
+              </a:rPr>
+              <a:t>• </a:t>
+            </a:r>
+            <a:r>
+              <a:rPr b="0" lang="en-US" sz="1800" spc="-1" strike="noStrike">
+                <a:solidFill>
+                  <a:schemeClr val="lt1"/>
+                </a:solidFill>
+                <a:latin typeface="Calibri"/>
+                <a:ea typeface="DejaVu Sans"/>
+              </a:rPr>
+              <a:t>Java 2 Platform (J2SE, J2EE, J2ME)</a:t>
+            </a:r>
+            <a:endParaRPr b="0" lang="en-US" sz="1800" spc="-1" strike="noStrike">
+              <a:solidFill>
+                <a:srgbClr val="ffffff"/>
+              </a:solidFill>
+              <a:latin typeface="Arial"/>
+            </a:endParaRPr>
+          </a:p>
+          <a:p>
+            <a:pPr>
+              <a:lnSpc>
+                <a:spcPct val="100000"/>
+              </a:lnSpc>
+            </a:pPr>
+            <a:r>
+              <a:rPr b="0" lang="en-US" sz="1800" spc="-1" strike="noStrike">
+                <a:solidFill>
+                  <a:schemeClr val="lt1"/>
+                </a:solidFill>
+                <a:latin typeface="Calibri"/>
+                <a:ea typeface="DejaVu Sans"/>
+              </a:rPr>
+              <a:t>• </a:t>
+            </a:r>
+            <a:r>
+              <a:rPr b="0" lang="en-US" sz="1800" spc="-1" strike="noStrike">
+                <a:solidFill>
+                  <a:schemeClr val="lt1"/>
+                </a:solidFill>
+                <a:latin typeface="Calibri"/>
+                <a:ea typeface="DejaVu Sans"/>
+              </a:rPr>
+              <a:t>Strong server-side programming</a:t>
+            </a:r>
+            <a:endParaRPr b="0" lang="en-US" sz="1800" spc="-1" strike="noStrike">
+              <a:solidFill>
+                <a:srgbClr val="ffffff"/>
+              </a:solidFill>
+              <a:latin typeface="Arial"/>
+            </a:endParaRPr>
+          </a:p>
+          <a:p>
+            <a:pPr>
+              <a:lnSpc>
+                <a:spcPct val="100000"/>
+              </a:lnSpc>
+            </a:pPr>
+            <a:r>
+              <a:rPr b="0" lang="en-US" sz="1800" spc="-1" strike="noStrike">
+                <a:solidFill>
+                  <a:schemeClr val="lt1"/>
+                </a:solidFill>
+                <a:latin typeface="Calibri"/>
+                <a:ea typeface="DejaVu Sans"/>
+              </a:rPr>
+              <a:t>• </a:t>
+            </a:r>
+            <a:r>
+              <a:rPr b="0" lang="en-US" sz="1800" spc="-1" strike="noStrike">
+                <a:solidFill>
+                  <a:schemeClr val="lt1"/>
+                </a:solidFill>
+                <a:latin typeface="Calibri"/>
+                <a:ea typeface="DejaVu Sans"/>
+              </a:rPr>
+              <a:t>Multi-tier architecture</a:t>
+            </a:r>
+            <a:endParaRPr b="0" lang="en-US" sz="1800" spc="-1" strike="noStrike">
+              <a:solidFill>
+                <a:srgbClr val="ffffff"/>
+              </a:solidFill>
+              <a:latin typeface="Arial"/>
+            </a:endParaRPr>
+          </a:p>
+          <a:p>
+            <a:pPr>
+              <a:lnSpc>
+                <a:spcPct val="100000"/>
+              </a:lnSpc>
+            </a:pPr>
+            <a:r>
+              <a:rPr b="0" lang="en-US" sz="1800" spc="-1" strike="noStrike">
+                <a:solidFill>
+                  <a:schemeClr val="lt1"/>
+                </a:solidFill>
+                <a:latin typeface="Calibri"/>
+                <a:ea typeface="DejaVu Sans"/>
+              </a:rPr>
+              <a:t>• </a:t>
+            </a:r>
+            <a:r>
+              <a:rPr b="0" lang="en-US" sz="1800" spc="-1" strike="noStrike">
+                <a:solidFill>
+                  <a:schemeClr val="lt1"/>
+                </a:solidFill>
+                <a:latin typeface="Calibri"/>
+                <a:ea typeface="DejaVu Sans"/>
+              </a:rPr>
+              <a:t>Built-in security model</a:t>
+            </a:r>
+            <a:endParaRPr b="0" lang="en-US" sz="1800" spc="-1" strike="noStrike">
+              <a:solidFill>
+                <a:srgbClr val="ffffff"/>
+              </a:solidFill>
+              <a:latin typeface="Arial"/>
+            </a:endParaRPr>
+          </a:p>
+          <a:p>
+            <a:pPr>
+              <a:lnSpc>
+                <a:spcPct val="100000"/>
+              </a:lnSpc>
+            </a:pPr>
+            <a:r>
+              <a:rPr b="0" lang="en-US" sz="1800" spc="-1" strike="noStrike">
+                <a:solidFill>
+                  <a:schemeClr val="lt1"/>
+                </a:solidFill>
+                <a:latin typeface="Calibri"/>
+                <a:ea typeface="DejaVu Sans"/>
+              </a:rPr>
+              <a:t>• </a:t>
+            </a:r>
+            <a:r>
+              <a:rPr b="0" lang="en-US" sz="1800" spc="-1" strike="noStrike">
+                <a:solidFill>
+                  <a:schemeClr val="lt1"/>
+                </a:solidFill>
+                <a:latin typeface="Calibri"/>
+                <a:ea typeface="DejaVu Sans"/>
+              </a:rPr>
+              <a:t>Database-driven applications</a:t>
+            </a:r>
+            <a:endParaRPr b="0" lang="en-US" sz="1800" spc="-1" strike="noStrike">
+              <a:solidFill>
+                <a:srgbClr val="ffffff"/>
+              </a:solidFill>
+              <a:latin typeface="Arial"/>
+            </a:endParaRPr>
+          </a:p>
+        </p:txBody>
+      </p:sp>
+    </p:spTree>
+  </p:cSld>
+  <mc:AlternateContent>
+    <mc:Choice Requires="p14">
+      <p:transition spd="slow" p14:dur="2000"/>
+    </mc:Choice>
+    <mc:Fallback>
+      <p:transition spd="slow"/>
+    </mc:Fallback>
+  </mc:AlternateContent>
+</p:sld>
+</file>
+
+<file path=ppt/slides/slide12.xml><?xml version="1.0" encoding="utf-8"?>
+<p:sld xmlns:a="http://schemas.openxmlformats.org/drawingml/2006/main" xmlns:p="http://schemas.openxmlformats.org/presentationml/2006/main" xmlns:r="http://schemas.openxmlformats.org/officeDocument/2006/relationships" xmlns:p14="http://schemas.microsoft.com/office/powerpoint/2010/main" xmlns:p15="http://schemas.microsoft.com/office/powerpoint/2012/main" xmlns:mc="http://schemas.openxmlformats.org/markup-compatibility/2006">
+  <p:cSld>
+    <p:spTree>
+      <p:nvGrpSpPr>
+        <p:cNvPr id="1" name=""/>
+        <p:cNvGrpSpPr/>
+        <p:nvPr/>
+      </p:nvGrpSpPr>
+      <p:grpSpPr>
+        <a:xfrm>
+          <a:off x="0" y="0"/>
+          <a:ext cx="0" cy="0"/>
+          <a:chOff x="0" y="0"/>
+          <a:chExt cx="0" cy="0"/>
+        </a:xfrm>
+      </p:grpSpPr>
+      <p:sp>
+        <p:nvSpPr>
+          <p:cNvPr id="327" name="Rectangle 177"/>
+          <p:cNvSpPr/>
+          <p:nvPr/>
+        </p:nvSpPr>
+        <p:spPr>
+          <a:xfrm>
+            <a:off x="16920" y="1800"/>
+            <a:ext cx="13431600" cy="7554960"/>
+          </a:xfrm>
+          <a:prstGeom prst="rect">
+            <a:avLst/>
+          </a:prstGeom>
+          <a:solidFill>
+            <a:srgbClr val="0b0b0d"/>
+          </a:solidFill>
+          <a:ln>
+            <a:noFill/>
+          </a:ln>
+          <a:effectLst>
+            <a:outerShdw blurRad="39960" dir="5400000" dist="23040" rotWithShape="0">
+              <a:srgbClr val="000000">
+                <a:alpha val="35000"/>
+              </a:srgbClr>
+            </a:outerShdw>
+          </a:effectLst>
+        </p:spPr>
+        <p:style>
+          <a:lnRef idx="1">
+            <a:schemeClr val="accent1"/>
+          </a:lnRef>
+          <a:fillRef idx="3">
+            <a:schemeClr val="accent1"/>
+          </a:fillRef>
+          <a:effectRef idx="2">
+            <a:schemeClr val="accent1"/>
+          </a:effectRef>
+          <a:fontRef idx="minor"/>
+        </p:style>
+        <p:txBody>
+          <a:bodyPr lIns="90000" rIns="90000" tIns="45000" bIns="45000" anchor="ctr">
+            <a:noAutofit/>
+          </a:bodyPr>
+          <a:p>
+            <a:endParaRPr b="0" lang="en-US" sz="1800" spc="-1" strike="noStrike">
+              <a:solidFill>
+                <a:schemeClr val="lt1"/>
+              </a:solidFill>
+              <a:latin typeface="Calibri"/>
+              <a:ea typeface="DejaVu Sans"/>
+            </a:endParaRPr>
+          </a:p>
+        </p:txBody>
+      </p:sp>
+      <p:sp>
+        <p:nvSpPr>
+          <p:cNvPr id="328" name="Rectangle 178"/>
+          <p:cNvSpPr/>
+          <p:nvPr/>
+        </p:nvSpPr>
+        <p:spPr>
+          <a:xfrm>
+            <a:off x="1440" y="1800"/>
+            <a:ext cx="15840" cy="7554960"/>
+          </a:xfrm>
+          <a:prstGeom prst="rect">
+            <a:avLst/>
+          </a:prstGeom>
+          <a:solidFill>
+            <a:srgbClr val="121216"/>
+          </a:solidFill>
+          <a:ln>
+            <a:noFill/>
+          </a:ln>
+          <a:effectLst>
+            <a:outerShdw blurRad="39960" dir="5400000" dist="23040" rotWithShape="0">
+              <a:srgbClr val="000000">
+                <a:alpha val="35000"/>
+              </a:srgbClr>
+            </a:outerShdw>
+          </a:effectLst>
+        </p:spPr>
+        <p:style>
+          <a:lnRef idx="1">
+            <a:schemeClr val="accent1"/>
+          </a:lnRef>
+          <a:fillRef idx="3">
+            <a:schemeClr val="accent1"/>
+          </a:fillRef>
+          <a:effectRef idx="2">
+            <a:schemeClr val="accent1"/>
+          </a:effectRef>
+          <a:fontRef idx="minor"/>
+        </p:style>
+        <p:txBody>
+          <a:bodyPr lIns="90000" rIns="90000" tIns="45000" bIns="45000" anchor="ctr">
+            <a:noAutofit/>
+          </a:bodyPr>
+          <a:p>
+            <a:endParaRPr b="0" lang="en-US" sz="1800" spc="-1" strike="noStrike">
+              <a:solidFill>
+                <a:schemeClr val="lt1"/>
+              </a:solidFill>
+              <a:latin typeface="Calibri"/>
+              <a:ea typeface="DejaVu Sans"/>
+            </a:endParaRPr>
+          </a:p>
+        </p:txBody>
+      </p:sp>
+      <p:sp>
+        <p:nvSpPr>
+          <p:cNvPr id="329" name="Rectangle 179"/>
+          <p:cNvSpPr/>
+          <p:nvPr/>
+        </p:nvSpPr>
+        <p:spPr>
+          <a:xfrm>
+            <a:off x="1005480" y="1800"/>
+            <a:ext cx="15840" cy="7554960"/>
+          </a:xfrm>
+          <a:prstGeom prst="rect">
+            <a:avLst/>
+          </a:prstGeom>
+          <a:solidFill>
+            <a:srgbClr val="121216"/>
+          </a:solidFill>
+          <a:ln>
+            <a:noFill/>
+          </a:ln>
+          <a:effectLst>
+            <a:outerShdw blurRad="39960" dir="5400000" dist="23040" rotWithShape="0">
+              <a:srgbClr val="000000">
+                <a:alpha val="35000"/>
+              </a:srgbClr>
+            </a:outerShdw>
+          </a:effectLst>
+        </p:spPr>
+        <p:style>
+          <a:lnRef idx="1">
+            <a:schemeClr val="accent1"/>
+          </a:lnRef>
+          <a:fillRef idx="3">
+            <a:schemeClr val="accent1"/>
+          </a:fillRef>
+          <a:effectRef idx="2">
+            <a:schemeClr val="accent1"/>
+          </a:effectRef>
+          <a:fontRef idx="minor"/>
+        </p:style>
+        <p:txBody>
+          <a:bodyPr lIns="90000" rIns="90000" tIns="45000" bIns="45000" anchor="ctr">
+            <a:noAutofit/>
+          </a:bodyPr>
+          <a:p>
+            <a:endParaRPr b="0" lang="en-US" sz="1800" spc="-1" strike="noStrike">
+              <a:solidFill>
+                <a:schemeClr val="lt1"/>
+              </a:solidFill>
+              <a:latin typeface="Calibri"/>
+              <a:ea typeface="DejaVu Sans"/>
+            </a:endParaRPr>
+          </a:p>
+        </p:txBody>
+      </p:sp>
+      <p:sp>
+        <p:nvSpPr>
+          <p:cNvPr id="330" name="Rectangle 180"/>
+          <p:cNvSpPr/>
+          <p:nvPr/>
+        </p:nvSpPr>
+        <p:spPr>
+          <a:xfrm>
+            <a:off x="2013480" y="1800"/>
+            <a:ext cx="15840" cy="7554960"/>
+          </a:xfrm>
+          <a:prstGeom prst="rect">
+            <a:avLst/>
+          </a:prstGeom>
+          <a:solidFill>
+            <a:srgbClr val="121216"/>
+          </a:solidFill>
+          <a:ln>
+            <a:noFill/>
+          </a:ln>
+          <a:effectLst>
+            <a:outerShdw blurRad="39960" dir="5400000" dist="23040" rotWithShape="0">
+              <a:srgbClr val="000000">
+                <a:alpha val="35000"/>
+              </a:srgbClr>
+            </a:outerShdw>
+          </a:effectLst>
+        </p:spPr>
+        <p:style>
+          <a:lnRef idx="1">
+            <a:schemeClr val="accent1"/>
+          </a:lnRef>
+          <a:fillRef idx="3">
+            <a:schemeClr val="accent1"/>
+          </a:fillRef>
+          <a:effectRef idx="2">
+            <a:schemeClr val="accent1"/>
+          </a:effectRef>
+          <a:fontRef idx="minor"/>
+        </p:style>
+        <p:txBody>
+          <a:bodyPr lIns="90000" rIns="90000" tIns="45000" bIns="45000" anchor="ctr">
+            <a:noAutofit/>
+          </a:bodyPr>
+          <a:p>
+            <a:endParaRPr b="0" lang="en-US" sz="1800" spc="-1" strike="noStrike">
+              <a:solidFill>
+                <a:schemeClr val="lt1"/>
+              </a:solidFill>
+              <a:latin typeface="Calibri"/>
+              <a:ea typeface="DejaVu Sans"/>
+            </a:endParaRPr>
+          </a:p>
+        </p:txBody>
+      </p:sp>
+      <p:sp>
+        <p:nvSpPr>
+          <p:cNvPr id="331" name="Rectangle 181"/>
+          <p:cNvSpPr/>
+          <p:nvPr/>
+        </p:nvSpPr>
+        <p:spPr>
+          <a:xfrm>
+            <a:off x="3021480" y="1800"/>
+            <a:ext cx="15840" cy="7554960"/>
+          </a:xfrm>
+          <a:prstGeom prst="rect">
+            <a:avLst/>
+          </a:prstGeom>
+          <a:solidFill>
+            <a:srgbClr val="121216"/>
+          </a:solidFill>
+          <a:ln>
+            <a:noFill/>
+          </a:ln>
+          <a:effectLst>
+            <a:outerShdw blurRad="39960" dir="5400000" dist="23040" rotWithShape="0">
+              <a:srgbClr val="000000">
+                <a:alpha val="35000"/>
+              </a:srgbClr>
+            </a:outerShdw>
+          </a:effectLst>
+        </p:spPr>
+        <p:style>
+          <a:lnRef idx="1">
+            <a:schemeClr val="accent1"/>
+          </a:lnRef>
+          <a:fillRef idx="3">
+            <a:schemeClr val="accent1"/>
+          </a:fillRef>
+          <a:effectRef idx="2">
+            <a:schemeClr val="accent1"/>
+          </a:effectRef>
+          <a:fontRef idx="minor"/>
+        </p:style>
+        <p:txBody>
+          <a:bodyPr lIns="90000" rIns="90000" tIns="45000" bIns="45000" anchor="ctr">
+            <a:noAutofit/>
+          </a:bodyPr>
+          <a:p>
+            <a:endParaRPr b="0" lang="en-US" sz="1800" spc="-1" strike="noStrike">
+              <a:solidFill>
+                <a:schemeClr val="lt1"/>
+              </a:solidFill>
+              <a:latin typeface="Calibri"/>
+              <a:ea typeface="DejaVu Sans"/>
+            </a:endParaRPr>
+          </a:p>
+        </p:txBody>
+      </p:sp>
+      <p:sp>
+        <p:nvSpPr>
+          <p:cNvPr id="332" name="Rectangle 182"/>
+          <p:cNvSpPr/>
+          <p:nvPr/>
+        </p:nvSpPr>
+        <p:spPr>
+          <a:xfrm>
+            <a:off x="4029480" y="1800"/>
+            <a:ext cx="15840" cy="7554960"/>
+          </a:xfrm>
+          <a:prstGeom prst="rect">
+            <a:avLst/>
+          </a:prstGeom>
+          <a:solidFill>
+            <a:srgbClr val="121216"/>
+          </a:solidFill>
+          <a:ln>
+            <a:noFill/>
+          </a:ln>
+          <a:effectLst>
+            <a:outerShdw blurRad="39960" dir="5400000" dist="23040" rotWithShape="0">
+              <a:srgbClr val="000000">
+                <a:alpha val="35000"/>
+              </a:srgbClr>
+            </a:outerShdw>
+          </a:effectLst>
+        </p:spPr>
+        <p:style>
+          <a:lnRef idx="1">
+            <a:schemeClr val="accent1"/>
+          </a:lnRef>
+          <a:fillRef idx="3">
+            <a:schemeClr val="accent1"/>
+          </a:fillRef>
+          <a:effectRef idx="2">
+            <a:schemeClr val="accent1"/>
+          </a:effectRef>
+          <a:fontRef idx="minor"/>
+        </p:style>
+        <p:txBody>
+          <a:bodyPr lIns="90000" rIns="90000" tIns="45000" bIns="45000" anchor="ctr">
+            <a:noAutofit/>
+          </a:bodyPr>
+          <a:p>
+            <a:endParaRPr b="0" lang="en-US" sz="1800" spc="-1" strike="noStrike">
+              <a:solidFill>
+                <a:schemeClr val="lt1"/>
+              </a:solidFill>
+              <a:latin typeface="Calibri"/>
+              <a:ea typeface="DejaVu Sans"/>
+            </a:endParaRPr>
+          </a:p>
+        </p:txBody>
+      </p:sp>
+      <p:sp>
+        <p:nvSpPr>
+          <p:cNvPr id="333" name="Rectangle 183"/>
+          <p:cNvSpPr/>
+          <p:nvPr/>
+        </p:nvSpPr>
+        <p:spPr>
+          <a:xfrm>
+            <a:off x="5037480" y="1800"/>
+            <a:ext cx="15840" cy="7554960"/>
+          </a:xfrm>
+          <a:prstGeom prst="rect">
+            <a:avLst/>
+          </a:prstGeom>
+          <a:solidFill>
+            <a:srgbClr val="121216"/>
+          </a:solidFill>
+          <a:ln>
+            <a:noFill/>
+          </a:ln>
+          <a:effectLst>
+            <a:outerShdw blurRad="39960" dir="5400000" dist="23040" rotWithShape="0">
+              <a:srgbClr val="000000">
+                <a:alpha val="35000"/>
+              </a:srgbClr>
+            </a:outerShdw>
+          </a:effectLst>
+        </p:spPr>
+        <p:style>
+          <a:lnRef idx="1">
+            <a:schemeClr val="accent1"/>
+          </a:lnRef>
+          <a:fillRef idx="3">
+            <a:schemeClr val="accent1"/>
+          </a:fillRef>
+          <a:effectRef idx="2">
+            <a:schemeClr val="accent1"/>
+          </a:effectRef>
+          <a:fontRef idx="minor"/>
+        </p:style>
+        <p:txBody>
+          <a:bodyPr lIns="90000" rIns="90000" tIns="45000" bIns="45000" anchor="ctr">
+            <a:noAutofit/>
+          </a:bodyPr>
+          <a:p>
+            <a:endParaRPr b="0" lang="en-US" sz="1800" spc="-1" strike="noStrike">
+              <a:solidFill>
+                <a:schemeClr val="lt1"/>
+              </a:solidFill>
+              <a:latin typeface="Calibri"/>
+              <a:ea typeface="DejaVu Sans"/>
+            </a:endParaRPr>
+          </a:p>
+        </p:txBody>
+      </p:sp>
+      <p:sp>
+        <p:nvSpPr>
+          <p:cNvPr id="334" name="Rectangle 184"/>
+          <p:cNvSpPr/>
+          <p:nvPr/>
+        </p:nvSpPr>
+        <p:spPr>
+          <a:xfrm>
+            <a:off x="6045480" y="1800"/>
+            <a:ext cx="15840" cy="7554960"/>
+          </a:xfrm>
+          <a:prstGeom prst="rect">
+            <a:avLst/>
+          </a:prstGeom>
+          <a:solidFill>
+            <a:srgbClr val="121216"/>
+          </a:solidFill>
+          <a:ln>
+            <a:noFill/>
+          </a:ln>
+          <a:effectLst>
+            <a:outerShdw blurRad="39960" dir="5400000" dist="23040" rotWithShape="0">
+              <a:srgbClr val="000000">
+                <a:alpha val="35000"/>
+              </a:srgbClr>
+            </a:outerShdw>
+          </a:effectLst>
+        </p:spPr>
+        <p:style>
+          <a:lnRef idx="1">
+            <a:schemeClr val="accent1"/>
+          </a:lnRef>
+          <a:fillRef idx="3">
+            <a:schemeClr val="accent1"/>
+          </a:fillRef>
+          <a:effectRef idx="2">
+            <a:schemeClr val="accent1"/>
+          </a:effectRef>
+          <a:fontRef idx="minor"/>
+        </p:style>
+        <p:txBody>
+          <a:bodyPr lIns="90000" rIns="90000" tIns="45000" bIns="45000" anchor="ctr">
+            <a:noAutofit/>
+          </a:bodyPr>
+          <a:p>
+            <a:endParaRPr b="0" lang="en-US" sz="1800" spc="-1" strike="noStrike">
+              <a:solidFill>
+                <a:schemeClr val="lt1"/>
+              </a:solidFill>
+              <a:latin typeface="Calibri"/>
+              <a:ea typeface="DejaVu Sans"/>
+            </a:endParaRPr>
+          </a:p>
+        </p:txBody>
+      </p:sp>
+      <p:sp>
+        <p:nvSpPr>
+          <p:cNvPr id="335" name="Rectangle 185"/>
+          <p:cNvSpPr/>
+          <p:nvPr/>
+        </p:nvSpPr>
+        <p:spPr>
+          <a:xfrm>
+            <a:off x="7053480" y="1800"/>
+            <a:ext cx="15840" cy="7554960"/>
+          </a:xfrm>
+          <a:prstGeom prst="rect">
+            <a:avLst/>
+          </a:prstGeom>
+          <a:solidFill>
+            <a:srgbClr val="121216"/>
+          </a:solidFill>
+          <a:ln>
+            <a:noFill/>
+          </a:ln>
+          <a:effectLst>
+            <a:outerShdw blurRad="39960" dir="5400000" dist="23040" rotWithShape="0">
+              <a:srgbClr val="000000">
+                <a:alpha val="35000"/>
+              </a:srgbClr>
+            </a:outerShdw>
+          </a:effectLst>
+        </p:spPr>
+        <p:style>
+          <a:lnRef idx="1">
+            <a:schemeClr val="accent1"/>
+          </a:lnRef>
+          <a:fillRef idx="3">
+            <a:schemeClr val="accent1"/>
+          </a:fillRef>
+          <a:effectRef idx="2">
+            <a:schemeClr val="accent1"/>
+          </a:effectRef>
+          <a:fontRef idx="minor"/>
+        </p:style>
+        <p:txBody>
+          <a:bodyPr lIns="90000" rIns="90000" tIns="45000" bIns="45000" anchor="ctr">
+            <a:noAutofit/>
+          </a:bodyPr>
+          <a:p>
+            <a:endParaRPr b="0" lang="en-US" sz="1800" spc="-1" strike="noStrike">
+              <a:solidFill>
+                <a:schemeClr val="lt1"/>
+              </a:solidFill>
+              <a:latin typeface="Calibri"/>
+              <a:ea typeface="DejaVu Sans"/>
+            </a:endParaRPr>
+          </a:p>
+        </p:txBody>
+      </p:sp>
+      <p:sp>
+        <p:nvSpPr>
+          <p:cNvPr id="336" name="Rectangle 186"/>
+          <p:cNvSpPr/>
+          <p:nvPr/>
+        </p:nvSpPr>
+        <p:spPr>
+          <a:xfrm>
+            <a:off x="8061480" y="1800"/>
+            <a:ext cx="15840" cy="7554960"/>
+          </a:xfrm>
+          <a:prstGeom prst="rect">
+            <a:avLst/>
+          </a:prstGeom>
+          <a:solidFill>
+            <a:srgbClr val="121216"/>
+          </a:solidFill>
+          <a:ln>
+            <a:noFill/>
+          </a:ln>
+          <a:effectLst>
+            <a:outerShdw blurRad="39960" dir="5400000" dist="23040" rotWithShape="0">
+              <a:srgbClr val="000000">
+                <a:alpha val="35000"/>
+              </a:srgbClr>
+            </a:outerShdw>
+          </a:effectLst>
+        </p:spPr>
+        <p:style>
+          <a:lnRef idx="1">
+            <a:schemeClr val="accent1"/>
+          </a:lnRef>
+          <a:fillRef idx="3">
+            <a:schemeClr val="accent1"/>
+          </a:fillRef>
+          <a:effectRef idx="2">
+            <a:schemeClr val="accent1"/>
+          </a:effectRef>
+          <a:fontRef idx="minor"/>
+        </p:style>
+        <p:txBody>
+          <a:bodyPr lIns="90000" rIns="90000" tIns="45000" bIns="45000" anchor="ctr">
+            <a:noAutofit/>
+          </a:bodyPr>
+          <a:p>
+            <a:endParaRPr b="0" lang="en-US" sz="1800" spc="-1" strike="noStrike">
+              <a:solidFill>
+                <a:schemeClr val="lt1"/>
+              </a:solidFill>
+              <a:latin typeface="Calibri"/>
+              <a:ea typeface="DejaVu Sans"/>
+            </a:endParaRPr>
+          </a:p>
+        </p:txBody>
+      </p:sp>
+      <p:sp>
+        <p:nvSpPr>
+          <p:cNvPr id="337" name="Rectangle 187"/>
+          <p:cNvSpPr/>
+          <p:nvPr/>
+        </p:nvSpPr>
+        <p:spPr>
+          <a:xfrm>
+            <a:off x="9069480" y="1800"/>
+            <a:ext cx="15840" cy="7554960"/>
+          </a:xfrm>
+          <a:prstGeom prst="rect">
+            <a:avLst/>
+          </a:prstGeom>
+          <a:solidFill>
+            <a:srgbClr val="121216"/>
+          </a:solidFill>
+          <a:ln>
+            <a:noFill/>
+          </a:ln>
+          <a:effectLst>
+            <a:outerShdw blurRad="39960" dir="5400000" dist="23040" rotWithShape="0">
+              <a:srgbClr val="000000">
+                <a:alpha val="35000"/>
+              </a:srgbClr>
+            </a:outerShdw>
+          </a:effectLst>
+        </p:spPr>
+        <p:style>
+          <a:lnRef idx="1">
+            <a:schemeClr val="accent1"/>
+          </a:lnRef>
+          <a:fillRef idx="3">
+            <a:schemeClr val="accent1"/>
+          </a:fillRef>
+          <a:effectRef idx="2">
+            <a:schemeClr val="accent1"/>
+          </a:effectRef>
+          <a:fontRef idx="minor"/>
+        </p:style>
+        <p:txBody>
+          <a:bodyPr lIns="90000" rIns="90000" tIns="45000" bIns="45000" anchor="ctr">
+            <a:noAutofit/>
+          </a:bodyPr>
+          <a:p>
+            <a:endParaRPr b="0" lang="en-US" sz="1800" spc="-1" strike="noStrike">
+              <a:solidFill>
+                <a:schemeClr val="lt1"/>
+              </a:solidFill>
+              <a:latin typeface="Calibri"/>
+              <a:ea typeface="DejaVu Sans"/>
+            </a:endParaRPr>
+          </a:p>
+        </p:txBody>
+      </p:sp>
+      <p:sp>
+        <p:nvSpPr>
+          <p:cNvPr id="338" name="Rectangle 188"/>
+          <p:cNvSpPr/>
+          <p:nvPr/>
+        </p:nvSpPr>
+        <p:spPr>
+          <a:xfrm>
+            <a:off x="10077480" y="1800"/>
+            <a:ext cx="15840" cy="7554960"/>
+          </a:xfrm>
+          <a:prstGeom prst="rect">
+            <a:avLst/>
+          </a:prstGeom>
+          <a:solidFill>
+            <a:srgbClr val="121216"/>
+          </a:solidFill>
+          <a:ln>
+            <a:noFill/>
+          </a:ln>
+          <a:effectLst>
+            <a:outerShdw blurRad="39960" dir="5400000" dist="23040" rotWithShape="0">
+              <a:srgbClr val="000000">
+                <a:alpha val="35000"/>
+              </a:srgbClr>
+            </a:outerShdw>
+          </a:effectLst>
+        </p:spPr>
+        <p:style>
+          <a:lnRef idx="1">
+            <a:schemeClr val="accent1"/>
+          </a:lnRef>
+          <a:fillRef idx="3">
+            <a:schemeClr val="accent1"/>
+          </a:fillRef>
+          <a:effectRef idx="2">
+            <a:schemeClr val="accent1"/>
+          </a:effectRef>
+          <a:fontRef idx="minor"/>
+        </p:style>
+        <p:txBody>
+          <a:bodyPr lIns="90000" rIns="90000" tIns="45000" bIns="45000" anchor="ctr">
+            <a:noAutofit/>
+          </a:bodyPr>
+          <a:p>
+            <a:endParaRPr b="0" lang="en-US" sz="1800" spc="-1" strike="noStrike">
+              <a:solidFill>
+                <a:schemeClr val="lt1"/>
+              </a:solidFill>
+              <a:latin typeface="Calibri"/>
+              <a:ea typeface="DejaVu Sans"/>
+            </a:endParaRPr>
+          </a:p>
+        </p:txBody>
+      </p:sp>
+      <p:sp>
+        <p:nvSpPr>
+          <p:cNvPr id="339" name="Rectangle 189"/>
+          <p:cNvSpPr/>
+          <p:nvPr/>
+        </p:nvSpPr>
+        <p:spPr>
+          <a:xfrm>
+            <a:off x="11085480" y="1800"/>
+            <a:ext cx="15840" cy="7554960"/>
+          </a:xfrm>
+          <a:prstGeom prst="rect">
+            <a:avLst/>
+          </a:prstGeom>
+          <a:solidFill>
+            <a:srgbClr val="121216"/>
+          </a:solidFill>
+          <a:ln>
+            <a:noFill/>
+          </a:ln>
+          <a:effectLst>
+            <a:outerShdw blurRad="39960" dir="5400000" dist="23040" rotWithShape="0">
+              <a:srgbClr val="000000">
+                <a:alpha val="35000"/>
+              </a:srgbClr>
+            </a:outerShdw>
+          </a:effectLst>
+        </p:spPr>
+        <p:style>
+          <a:lnRef idx="1">
+            <a:schemeClr val="accent1"/>
+          </a:lnRef>
+          <a:fillRef idx="3">
+            <a:schemeClr val="accent1"/>
+          </a:fillRef>
+          <a:effectRef idx="2">
+            <a:schemeClr val="accent1"/>
+          </a:effectRef>
+          <a:fontRef idx="minor"/>
+        </p:style>
+        <p:txBody>
+          <a:bodyPr lIns="90000" rIns="90000" tIns="45000" bIns="45000" anchor="ctr">
+            <a:noAutofit/>
+          </a:bodyPr>
+          <a:p>
+            <a:endParaRPr b="0" lang="en-US" sz="1800" spc="-1" strike="noStrike">
+              <a:solidFill>
+                <a:schemeClr val="lt1"/>
+              </a:solidFill>
+              <a:latin typeface="Calibri"/>
+              <a:ea typeface="DejaVu Sans"/>
+            </a:endParaRPr>
+          </a:p>
+        </p:txBody>
+      </p:sp>
+      <p:sp>
+        <p:nvSpPr>
+          <p:cNvPr id="340" name="Rectangle 190"/>
+          <p:cNvSpPr/>
+          <p:nvPr/>
+        </p:nvSpPr>
+        <p:spPr>
+          <a:xfrm>
+            <a:off x="12093480" y="1800"/>
+            <a:ext cx="15840" cy="7554960"/>
+          </a:xfrm>
+          <a:prstGeom prst="rect">
+            <a:avLst/>
+          </a:prstGeom>
+          <a:solidFill>
+            <a:srgbClr val="121216"/>
+          </a:solidFill>
+          <a:ln>
+            <a:noFill/>
+          </a:ln>
+          <a:effectLst>
+            <a:outerShdw blurRad="39960" dir="5400000" dist="23040" rotWithShape="0">
+              <a:srgbClr val="000000">
+                <a:alpha val="35000"/>
+              </a:srgbClr>
+            </a:outerShdw>
+          </a:effectLst>
+        </p:spPr>
+        <p:style>
+          <a:lnRef idx="1">
+            <a:schemeClr val="accent1"/>
+          </a:lnRef>
+          <a:fillRef idx="3">
+            <a:schemeClr val="accent1"/>
+          </a:fillRef>
+          <a:effectRef idx="2">
+            <a:schemeClr val="accent1"/>
+          </a:effectRef>
+          <a:fontRef idx="minor"/>
+        </p:style>
+        <p:txBody>
+          <a:bodyPr lIns="90000" rIns="90000" tIns="45000" bIns="45000" anchor="ctr">
+            <a:noAutofit/>
+          </a:bodyPr>
+          <a:p>
+            <a:endParaRPr b="0" lang="en-US" sz="1800" spc="-1" strike="noStrike">
+              <a:solidFill>
+                <a:schemeClr val="lt1"/>
+              </a:solidFill>
+              <a:latin typeface="Calibri"/>
+              <a:ea typeface="DejaVu Sans"/>
+            </a:endParaRPr>
+          </a:p>
+        </p:txBody>
+      </p:sp>
+      <p:sp>
+        <p:nvSpPr>
+          <p:cNvPr id="341" name="Rectangle 191"/>
+          <p:cNvSpPr/>
+          <p:nvPr/>
+        </p:nvSpPr>
+        <p:spPr>
+          <a:xfrm>
+            <a:off x="13101480" y="1800"/>
+            <a:ext cx="15840" cy="7554960"/>
+          </a:xfrm>
+          <a:prstGeom prst="rect">
+            <a:avLst/>
+          </a:prstGeom>
+          <a:solidFill>
+            <a:srgbClr val="121216"/>
+          </a:solidFill>
+          <a:ln>
+            <a:noFill/>
+          </a:ln>
+          <a:effectLst>
+            <a:outerShdw blurRad="39960" dir="5400000" dist="23040" rotWithShape="0">
+              <a:srgbClr val="000000">
+                <a:alpha val="35000"/>
+              </a:srgbClr>
+            </a:outerShdw>
+          </a:effectLst>
+        </p:spPr>
+        <p:style>
+          <a:lnRef idx="1">
+            <a:schemeClr val="accent1"/>
+          </a:lnRef>
+          <a:fillRef idx="3">
+            <a:schemeClr val="accent1"/>
+          </a:fillRef>
+          <a:effectRef idx="2">
+            <a:schemeClr val="accent1"/>
+          </a:effectRef>
+          <a:fontRef idx="minor"/>
+        </p:style>
+        <p:txBody>
+          <a:bodyPr lIns="90000" rIns="90000" tIns="45000" bIns="45000" anchor="ctr">
+            <a:noAutofit/>
+          </a:bodyPr>
+          <a:p>
+            <a:endParaRPr b="0" lang="en-US" sz="1800" spc="-1" strike="noStrike">
+              <a:solidFill>
+                <a:schemeClr val="lt1"/>
+              </a:solidFill>
+              <a:latin typeface="Calibri"/>
+              <a:ea typeface="DejaVu Sans"/>
+            </a:endParaRPr>
+          </a:p>
+        </p:txBody>
+      </p:sp>
+      <p:sp>
+        <p:nvSpPr>
+          <p:cNvPr id="342" name="Rectangle 192"/>
+          <p:cNvSpPr/>
+          <p:nvPr/>
+        </p:nvSpPr>
+        <p:spPr>
+          <a:xfrm>
+            <a:off x="1440" y="1800"/>
+            <a:ext cx="347760" cy="7554960"/>
+          </a:xfrm>
+          <a:prstGeom prst="rect">
+            <a:avLst/>
+          </a:prstGeom>
+          <a:solidFill>
+            <a:srgbClr val="ff8c00"/>
+          </a:solidFill>
+          <a:ln>
+            <a:noFill/>
+          </a:ln>
+          <a:effectLst>
+            <a:outerShdw blurRad="39960" dir="5400000" dist="23040" rotWithShape="0">
+              <a:srgbClr val="000000">
+                <a:alpha val="35000"/>
+              </a:srgbClr>
+            </a:outerShdw>
+          </a:effectLst>
+        </p:spPr>
+        <p:style>
+          <a:lnRef idx="1">
+            <a:schemeClr val="accent1"/>
+          </a:lnRef>
+          <a:fillRef idx="3">
+            <a:schemeClr val="accent1"/>
+          </a:fillRef>
+          <a:effectRef idx="2">
+            <a:schemeClr val="accent1"/>
+          </a:effectRef>
+          <a:fontRef idx="minor"/>
+        </p:style>
+        <p:txBody>
+          <a:bodyPr lIns="90000" rIns="90000" tIns="45000" bIns="45000" anchor="ctr">
+            <a:noAutofit/>
+          </a:bodyPr>
+          <a:p>
+            <a:endParaRPr b="0" lang="en-US" sz="1800" spc="-1" strike="noStrike">
+              <a:solidFill>
+                <a:schemeClr val="lt1"/>
+              </a:solidFill>
+              <a:latin typeface="Calibri"/>
+              <a:ea typeface="DejaVu Sans"/>
+            </a:endParaRPr>
+          </a:p>
+        </p:txBody>
+      </p:sp>
+      <p:sp>
+        <p:nvSpPr>
+          <p:cNvPr id="343" name="Rounded Rectangle 84"/>
+          <p:cNvSpPr/>
+          <p:nvPr/>
+        </p:nvSpPr>
+        <p:spPr>
+          <a:xfrm>
+            <a:off x="10884960" y="401400"/>
+            <a:ext cx="2212200" cy="548280"/>
+          </a:xfrm>
+          <a:prstGeom prst="roundRect">
+            <a:avLst>
+              <a:gd name="adj" fmla="val 16667"/>
+            </a:avLst>
+          </a:prstGeom>
+          <a:solidFill>
+            <a:srgbClr val="1e1e24"/>
+          </a:solidFill>
+          <a:ln>
+            <a:solidFill>
+              <a:srgbClr val="ff8c00"/>
+            </a:solidFill>
+            <a:round/>
+          </a:ln>
+          <a:effectLst>
+            <a:outerShdw blurRad="39960" dir="5400000" dist="23040" rotWithShape="0">
+              <a:srgbClr val="000000">
+                <a:alpha val="35000"/>
+              </a:srgbClr>
+            </a:outerShdw>
+          </a:effectLst>
+        </p:spPr>
+        <p:style>
+          <a:lnRef idx="1">
+            <a:schemeClr val="accent1"/>
+          </a:lnRef>
+          <a:fillRef idx="3">
+            <a:schemeClr val="accent1"/>
+          </a:fillRef>
+          <a:effectRef idx="2">
+            <a:schemeClr val="accent1"/>
+          </a:effectRef>
+          <a:fontRef idx="minor"/>
+        </p:style>
+        <p:txBody>
+          <a:bodyPr lIns="90000" rIns="90000" tIns="45000" bIns="45000" anchor="ctr">
+            <a:noAutofit/>
+          </a:bodyPr>
+          <a:p>
+            <a:pPr algn="ctr">
+              <a:lnSpc>
+                <a:spcPct val="100000"/>
+              </a:lnSpc>
+            </a:pPr>
+            <a:r>
+              <a:rPr b="1" lang="en-US" sz="1400" spc="-1" strike="noStrike">
+                <a:solidFill>
+                  <a:srgbClr val="ffb45a"/>
+                </a:solidFill>
+                <a:latin typeface="Calibri"/>
+                <a:ea typeface="DejaVu Sans"/>
+              </a:rPr>
+              <a:t>JAVA CORE</a:t>
+            </a:r>
+            <a:endParaRPr b="0" lang="en-US" sz="1400" spc="-1" strike="noStrike">
+              <a:solidFill>
+                <a:srgbClr val="ffffff"/>
+              </a:solidFill>
+              <a:latin typeface="Arial"/>
+            </a:endParaRPr>
+          </a:p>
+        </p:txBody>
+      </p:sp>
+      <p:sp>
+        <p:nvSpPr>
+          <p:cNvPr id="344" name="TextBox 37"/>
+          <p:cNvSpPr/>
+          <p:nvPr/>
+        </p:nvSpPr>
+        <p:spPr>
+          <a:xfrm>
+            <a:off x="1154160" y="1107360"/>
+            <a:ext cx="9803880" cy="729720"/>
+          </a:xfrm>
+          <a:prstGeom prst="rect">
+            <a:avLst/>
+          </a:prstGeom>
+          <a:noFill/>
+          <a:ln w="0">
+            <a:noFill/>
+          </a:ln>
+        </p:spPr>
+        <p:style>
+          <a:lnRef idx="0"/>
+          <a:fillRef idx="0"/>
+          <a:effectRef idx="0"/>
+          <a:fontRef idx="minor"/>
+        </p:style>
+        <p:txBody>
+          <a:bodyPr wrap="none" lIns="90000" rIns="90000" tIns="45000" bIns="45000" anchor="t">
+            <a:spAutoFit/>
+          </a:bodyPr>
+          <a:p>
+            <a:pPr>
+              <a:lnSpc>
+                <a:spcPct val="100000"/>
+              </a:lnSpc>
+            </a:pPr>
+            <a:r>
+              <a:rPr b="1" lang="en-US" sz="4200" spc="-1" strike="noStrike">
+                <a:solidFill>
+                  <a:srgbClr val="f5f5f5"/>
+                </a:solidFill>
+                <a:latin typeface="Calibri"/>
+                <a:ea typeface="DejaVu Sans"/>
+              </a:rPr>
+              <a:t>         </a:t>
+            </a:r>
+            <a:r>
+              <a:rPr b="1" lang="en-US" sz="4200" spc="-1" strike="noStrike">
+                <a:solidFill>
+                  <a:srgbClr val="f5f5f5"/>
+                </a:solidFill>
+                <a:latin typeface="Calibri"/>
+                <a:ea typeface="DejaVu Sans"/>
+              </a:rPr>
+              <a:t>Java Technologies Between 2000–2005</a:t>
+            </a:r>
+            <a:endParaRPr b="0" lang="en-US" sz="4200" spc="-1" strike="noStrike">
+              <a:solidFill>
+                <a:srgbClr val="000000"/>
+              </a:solidFill>
+              <a:latin typeface="Arial"/>
+            </a:endParaRPr>
+          </a:p>
+        </p:txBody>
+      </p:sp>
+      <p:sp>
+        <p:nvSpPr>
+          <p:cNvPr id="345" name="TextBox 38"/>
+          <p:cNvSpPr/>
+          <p:nvPr/>
+        </p:nvSpPr>
+        <p:spPr>
+          <a:xfrm>
+            <a:off x="4301280" y="2266200"/>
+            <a:ext cx="4138920" cy="363960"/>
+          </a:xfrm>
+          <a:prstGeom prst="rect">
+            <a:avLst/>
+          </a:prstGeom>
+          <a:noFill/>
+          <a:ln w="0">
+            <a:noFill/>
+          </a:ln>
+        </p:spPr>
+        <p:style>
+          <a:lnRef idx="0"/>
+          <a:fillRef idx="0"/>
+          <a:effectRef idx="0"/>
+          <a:fontRef idx="minor"/>
+        </p:style>
+        <p:txBody>
+          <a:bodyPr wrap="none" lIns="90000" rIns="90000" tIns="45000" bIns="45000" anchor="t">
+            <a:spAutoFit/>
+          </a:bodyPr>
+          <a:p>
+            <a:pPr>
+              <a:lnSpc>
+                <a:spcPct val="100000"/>
+              </a:lnSpc>
+            </a:pPr>
+            <a:r>
+              <a:rPr b="0" lang="en-US" sz="1800" spc="-1" strike="noStrike">
+                <a:solidFill>
+                  <a:srgbClr val="aaaaaa"/>
+                </a:solidFill>
+                <a:latin typeface="Calibri"/>
+                <a:ea typeface="DejaVu Sans"/>
+              </a:rPr>
+              <a:t>The foundation of modern enterprise Java.</a:t>
+            </a:r>
+            <a:endParaRPr b="0" lang="en-US" sz="1800" spc="-1" strike="noStrike">
+              <a:solidFill>
+                <a:srgbClr val="000000"/>
+              </a:solidFill>
+              <a:latin typeface="Arial"/>
+            </a:endParaRPr>
+          </a:p>
+        </p:txBody>
+      </p:sp>
+      <p:sp>
+        <p:nvSpPr>
+          <p:cNvPr id="346" name="Rounded Rectangle 85"/>
+          <p:cNvSpPr/>
+          <p:nvPr/>
+        </p:nvSpPr>
+        <p:spPr>
+          <a:xfrm>
+            <a:off x="1086840" y="3506040"/>
+            <a:ext cx="3623760" cy="3018960"/>
+          </a:xfrm>
+          <a:prstGeom prst="roundRect">
+            <a:avLst>
+              <a:gd name="adj" fmla="val 16667"/>
+            </a:avLst>
+          </a:prstGeom>
+          <a:solidFill>
+            <a:srgbClr val="08080a"/>
+          </a:solidFill>
+          <a:ln>
+            <a:noFill/>
+          </a:ln>
+          <a:effectLst>
+            <a:outerShdw blurRad="39960" dir="5400000" dist="23040" rotWithShape="0">
+              <a:srgbClr val="000000">
+                <a:alpha val="35000"/>
+              </a:srgbClr>
+            </a:outerShdw>
+          </a:effectLst>
+        </p:spPr>
+        <p:style>
+          <a:lnRef idx="1">
+            <a:schemeClr val="accent1"/>
+          </a:lnRef>
+          <a:fillRef idx="3">
+            <a:schemeClr val="accent1"/>
+          </a:fillRef>
+          <a:effectRef idx="2">
+            <a:schemeClr val="accent1"/>
+          </a:effectRef>
+          <a:fontRef idx="minor"/>
+        </p:style>
+        <p:txBody>
+          <a:bodyPr lIns="90000" rIns="90000" tIns="45000" bIns="45000" anchor="ctr">
+            <a:noAutofit/>
+          </a:bodyPr>
+          <a:p>
+            <a:endParaRPr b="0" lang="en-US" sz="1800" spc="-1" strike="noStrike">
+              <a:solidFill>
+                <a:schemeClr val="lt1"/>
+              </a:solidFill>
+              <a:latin typeface="Calibri"/>
+              <a:ea typeface="DejaVu Sans"/>
+            </a:endParaRPr>
+          </a:p>
+        </p:txBody>
+      </p:sp>
+      <p:sp>
+        <p:nvSpPr>
+          <p:cNvPr id="347" name="Rounded Rectangle 86"/>
+          <p:cNvSpPr/>
+          <p:nvPr/>
+        </p:nvSpPr>
+        <p:spPr>
+          <a:xfrm>
+            <a:off x="1006560" y="3424320"/>
+            <a:ext cx="3624120" cy="3019320"/>
+          </a:xfrm>
+          <a:prstGeom prst="roundRect">
+            <a:avLst>
+              <a:gd name="adj" fmla="val 16667"/>
+            </a:avLst>
+          </a:prstGeom>
+          <a:solidFill>
+            <a:srgbClr val="16161c"/>
+          </a:solidFill>
+          <a:ln>
+            <a:solidFill>
+              <a:srgbClr val="464655"/>
+            </a:solidFill>
+            <a:round/>
+          </a:ln>
+          <a:effectLst>
+            <a:outerShdw blurRad="39960" dir="5400000" dist="23040" rotWithShape="0">
+              <a:srgbClr val="000000">
+                <a:alpha val="35000"/>
+              </a:srgbClr>
+            </a:outerShdw>
+          </a:effectLst>
+        </p:spPr>
+        <p:style>
+          <a:lnRef idx="1">
+            <a:schemeClr val="accent1"/>
+          </a:lnRef>
+          <a:fillRef idx="3">
+            <a:schemeClr val="accent1"/>
+          </a:fillRef>
+          <a:effectRef idx="2">
+            <a:schemeClr val="accent1"/>
+          </a:effectRef>
+          <a:fontRef idx="minor"/>
+        </p:style>
+        <p:txBody>
+          <a:bodyPr lIns="90000" rIns="90000" tIns="45000" bIns="45000" anchor="ctr">
+            <a:noAutofit/>
+          </a:bodyPr>
+          <a:p>
+            <a:pPr>
+              <a:lnSpc>
+                <a:spcPct val="100000"/>
+              </a:lnSpc>
+            </a:pPr>
+            <a:r>
+              <a:rPr b="1" lang="en-US" sz="2000" spc="-1" strike="noStrike">
+                <a:solidFill>
+                  <a:schemeClr val="lt1"/>
+                </a:solidFill>
+                <a:latin typeface="Calibri"/>
+                <a:ea typeface="DejaVu Sans"/>
+              </a:rPr>
+              <a:t>Key technologies:</a:t>
+            </a:r>
+            <a:endParaRPr b="0" lang="en-US" sz="2000" spc="-1" strike="noStrike">
+              <a:solidFill>
+                <a:srgbClr val="ffffff"/>
+              </a:solidFill>
+              <a:latin typeface="Arial"/>
+            </a:endParaRPr>
+          </a:p>
+          <a:p>
+            <a:pPr>
+              <a:lnSpc>
+                <a:spcPct val="100000"/>
+              </a:lnSpc>
+            </a:pPr>
+            <a:endParaRPr b="0" lang="en-US" sz="2000" spc="-1" strike="noStrike">
+              <a:solidFill>
+                <a:srgbClr val="ffffff"/>
+              </a:solidFill>
+              <a:latin typeface="Arial"/>
+            </a:endParaRPr>
+          </a:p>
+          <a:p>
+            <a:pPr>
+              <a:lnSpc>
+                <a:spcPct val="100000"/>
+              </a:lnSpc>
+            </a:pPr>
+            <a:r>
+              <a:rPr b="0" lang="en-US" sz="2000" spc="-1" strike="noStrike">
+                <a:solidFill>
+                  <a:schemeClr val="lt1"/>
+                </a:solidFill>
+                <a:latin typeface="Calibri"/>
+                <a:ea typeface="DejaVu Sans"/>
+              </a:rPr>
+              <a:t>• </a:t>
+            </a:r>
+            <a:r>
+              <a:rPr b="0" lang="en-US" sz="2000" spc="-1" strike="noStrike">
+                <a:solidFill>
+                  <a:schemeClr val="lt1"/>
+                </a:solidFill>
+                <a:latin typeface="Calibri"/>
+                <a:ea typeface="DejaVu Sans"/>
+              </a:rPr>
+              <a:t>Servlets</a:t>
+            </a:r>
+            <a:endParaRPr b="0" lang="en-US" sz="2000" spc="-1" strike="noStrike">
+              <a:solidFill>
+                <a:srgbClr val="ffffff"/>
+              </a:solidFill>
+              <a:latin typeface="Arial"/>
+            </a:endParaRPr>
+          </a:p>
+          <a:p>
+            <a:pPr>
+              <a:lnSpc>
+                <a:spcPct val="100000"/>
+              </a:lnSpc>
+            </a:pPr>
+            <a:r>
+              <a:rPr b="0" lang="en-US" sz="2000" spc="-1" strike="noStrike">
+                <a:solidFill>
+                  <a:schemeClr val="lt1"/>
+                </a:solidFill>
+                <a:latin typeface="Calibri"/>
+                <a:ea typeface="DejaVu Sans"/>
+              </a:rPr>
+              <a:t>• </a:t>
+            </a:r>
+            <a:r>
+              <a:rPr b="0" lang="en-US" sz="2000" spc="-1" strike="noStrike">
+                <a:solidFill>
+                  <a:schemeClr val="lt1"/>
+                </a:solidFill>
+                <a:latin typeface="Calibri"/>
+                <a:ea typeface="DejaVu Sans"/>
+              </a:rPr>
+              <a:t>JSP (JavaServer Pages)</a:t>
+            </a:r>
+            <a:endParaRPr b="0" lang="en-US" sz="2000" spc="-1" strike="noStrike">
+              <a:solidFill>
+                <a:srgbClr val="ffffff"/>
+              </a:solidFill>
+              <a:latin typeface="Arial"/>
+            </a:endParaRPr>
+          </a:p>
+          <a:p>
+            <a:pPr>
+              <a:lnSpc>
+                <a:spcPct val="100000"/>
+              </a:lnSpc>
+            </a:pPr>
+            <a:r>
+              <a:rPr b="0" lang="en-US" sz="2000" spc="-1" strike="noStrike">
+                <a:solidFill>
+                  <a:schemeClr val="lt1"/>
+                </a:solidFill>
+                <a:latin typeface="Calibri"/>
+                <a:ea typeface="DejaVu Sans"/>
+              </a:rPr>
+              <a:t>• </a:t>
+            </a:r>
+            <a:r>
+              <a:rPr b="0" lang="en-US" sz="2000" spc="-1" strike="noStrike">
+                <a:solidFill>
+                  <a:schemeClr val="lt1"/>
+                </a:solidFill>
+                <a:latin typeface="Calibri"/>
+                <a:ea typeface="DejaVu Sans"/>
+              </a:rPr>
+              <a:t>JDBC</a:t>
+            </a:r>
+            <a:endParaRPr b="0" lang="en-US" sz="2000" spc="-1" strike="noStrike">
+              <a:solidFill>
+                <a:srgbClr val="ffffff"/>
+              </a:solidFill>
+              <a:latin typeface="Arial"/>
+            </a:endParaRPr>
+          </a:p>
+          <a:p>
+            <a:pPr>
+              <a:lnSpc>
+                <a:spcPct val="100000"/>
+              </a:lnSpc>
+            </a:pPr>
+            <a:r>
+              <a:rPr b="0" lang="en-US" sz="2000" spc="-1" strike="noStrike">
+                <a:solidFill>
+                  <a:schemeClr val="lt1"/>
+                </a:solidFill>
+                <a:latin typeface="Calibri"/>
+                <a:ea typeface="DejaVu Sans"/>
+              </a:rPr>
+              <a:t>• </a:t>
+            </a:r>
+            <a:r>
+              <a:rPr b="0" lang="en-US" sz="2000" spc="-1" strike="noStrike">
+                <a:solidFill>
+                  <a:schemeClr val="lt1"/>
+                </a:solidFill>
+                <a:latin typeface="Calibri"/>
+                <a:ea typeface="DejaVu Sans"/>
+              </a:rPr>
+              <a:t>JNDI</a:t>
+            </a:r>
+            <a:endParaRPr b="0" lang="en-US" sz="2000" spc="-1" strike="noStrike">
+              <a:solidFill>
+                <a:srgbClr val="ffffff"/>
+              </a:solidFill>
+              <a:latin typeface="Arial"/>
+            </a:endParaRPr>
+          </a:p>
+          <a:p>
+            <a:pPr>
+              <a:lnSpc>
+                <a:spcPct val="100000"/>
+              </a:lnSpc>
+            </a:pPr>
+            <a:r>
+              <a:rPr b="0" lang="en-US" sz="2000" spc="-1" strike="noStrike">
+                <a:solidFill>
+                  <a:schemeClr val="lt1"/>
+                </a:solidFill>
+                <a:latin typeface="Calibri"/>
+                <a:ea typeface="DejaVu Sans"/>
+              </a:rPr>
+              <a:t>• </a:t>
+            </a:r>
+            <a:r>
+              <a:rPr b="0" lang="en-US" sz="2000" spc="-1" strike="noStrike">
+                <a:solidFill>
+                  <a:schemeClr val="lt1"/>
+                </a:solidFill>
+                <a:latin typeface="Calibri"/>
+                <a:ea typeface="DejaVu Sans"/>
+              </a:rPr>
+              <a:t>EJB (Enterprise JavaBeans)</a:t>
+            </a:r>
+            <a:endParaRPr b="0" lang="en-US" sz="2000" spc="-1" strike="noStrike">
+              <a:solidFill>
+                <a:srgbClr val="ffffff"/>
+              </a:solidFill>
+              <a:latin typeface="Arial"/>
+            </a:endParaRPr>
+          </a:p>
+          <a:p>
+            <a:pPr>
+              <a:lnSpc>
+                <a:spcPct val="100000"/>
+              </a:lnSpc>
+            </a:pPr>
+            <a:endParaRPr b="0" lang="en-US" sz="1800" spc="-1" strike="noStrike">
+              <a:solidFill>
+                <a:srgbClr val="ffffff"/>
+              </a:solidFill>
+              <a:latin typeface="Arial"/>
+            </a:endParaRPr>
+          </a:p>
+        </p:txBody>
+      </p:sp>
+      <p:sp>
+        <p:nvSpPr>
+          <p:cNvPr id="348" name="Rounded Rectangle 87"/>
+          <p:cNvSpPr/>
+          <p:nvPr/>
+        </p:nvSpPr>
+        <p:spPr>
+          <a:xfrm>
+            <a:off x="4968360" y="3506040"/>
+            <a:ext cx="3623760" cy="3018960"/>
+          </a:xfrm>
+          <a:prstGeom prst="roundRect">
+            <a:avLst>
+              <a:gd name="adj" fmla="val 16667"/>
+            </a:avLst>
+          </a:prstGeom>
+          <a:solidFill>
+            <a:srgbClr val="08080a"/>
+          </a:solidFill>
+          <a:ln>
+            <a:noFill/>
+          </a:ln>
+          <a:effectLst>
+            <a:outerShdw blurRad="39960" dir="5400000" dist="23040" rotWithShape="0">
+              <a:srgbClr val="000000">
+                <a:alpha val="35000"/>
+              </a:srgbClr>
+            </a:outerShdw>
+          </a:effectLst>
+        </p:spPr>
+        <p:style>
+          <a:lnRef idx="1">
+            <a:schemeClr val="accent1"/>
+          </a:lnRef>
+          <a:fillRef idx="3">
+            <a:schemeClr val="accent1"/>
+          </a:fillRef>
+          <a:effectRef idx="2">
+            <a:schemeClr val="accent1"/>
+          </a:effectRef>
+          <a:fontRef idx="minor"/>
+        </p:style>
+        <p:txBody>
+          <a:bodyPr lIns="90000" rIns="90000" tIns="45000" bIns="45000" anchor="ctr">
+            <a:noAutofit/>
+          </a:bodyPr>
+          <a:p>
+            <a:endParaRPr b="0" lang="en-US" sz="1800" spc="-1" strike="noStrike">
+              <a:solidFill>
+                <a:schemeClr val="lt1"/>
+              </a:solidFill>
+              <a:latin typeface="Calibri"/>
+              <a:ea typeface="DejaVu Sans"/>
+            </a:endParaRPr>
+          </a:p>
+        </p:txBody>
+      </p:sp>
+      <p:sp>
+        <p:nvSpPr>
+          <p:cNvPr id="349" name="Rounded Rectangle 88"/>
+          <p:cNvSpPr/>
+          <p:nvPr/>
+        </p:nvSpPr>
+        <p:spPr>
+          <a:xfrm>
+            <a:off x="8849160" y="3506040"/>
+            <a:ext cx="3623760" cy="3018960"/>
+          </a:xfrm>
+          <a:prstGeom prst="roundRect">
+            <a:avLst>
+              <a:gd name="adj" fmla="val 16667"/>
+            </a:avLst>
+          </a:prstGeom>
+          <a:solidFill>
+            <a:srgbClr val="08080a"/>
+          </a:solidFill>
+          <a:ln>
+            <a:noFill/>
+          </a:ln>
+          <a:effectLst>
+            <a:outerShdw blurRad="39960" dir="5400000" dist="23040" rotWithShape="0">
+              <a:srgbClr val="000000">
+                <a:alpha val="35000"/>
+              </a:srgbClr>
+            </a:outerShdw>
+          </a:effectLst>
+        </p:spPr>
+        <p:style>
+          <a:lnRef idx="1">
+            <a:schemeClr val="accent1"/>
+          </a:lnRef>
+          <a:fillRef idx="3">
+            <a:schemeClr val="accent1"/>
+          </a:fillRef>
+          <a:effectRef idx="2">
+            <a:schemeClr val="accent1"/>
+          </a:effectRef>
+          <a:fontRef idx="minor"/>
+        </p:style>
+        <p:txBody>
+          <a:bodyPr lIns="90000" rIns="90000" tIns="45000" bIns="45000" anchor="ctr">
+            <a:noAutofit/>
+          </a:bodyPr>
+          <a:p>
+            <a:endParaRPr b="0" lang="en-US" sz="1800" spc="-1" strike="noStrike">
+              <a:solidFill>
+                <a:schemeClr val="lt1"/>
+              </a:solidFill>
+              <a:latin typeface="Calibri"/>
+              <a:ea typeface="DejaVu Sans"/>
+            </a:endParaRPr>
+          </a:p>
+        </p:txBody>
+      </p:sp>
+      <p:sp>
+        <p:nvSpPr>
+          <p:cNvPr id="350" name="Rounded Rectangle 89"/>
+          <p:cNvSpPr/>
+          <p:nvPr/>
+        </p:nvSpPr>
+        <p:spPr>
+          <a:xfrm>
+            <a:off x="8767440" y="3425040"/>
+            <a:ext cx="3624120" cy="3019320"/>
+          </a:xfrm>
+          <a:prstGeom prst="roundRect">
+            <a:avLst>
+              <a:gd name="adj" fmla="val 16667"/>
+            </a:avLst>
+          </a:prstGeom>
+          <a:solidFill>
+            <a:srgbClr val="16161c"/>
+          </a:solidFill>
+          <a:ln>
+            <a:solidFill>
+              <a:srgbClr val="464655"/>
+            </a:solidFill>
+            <a:round/>
+          </a:ln>
+          <a:effectLst>
+            <a:outerShdw blurRad="39960" dir="5400000" dist="23040" rotWithShape="0">
+              <a:srgbClr val="000000">
+                <a:alpha val="35000"/>
+              </a:srgbClr>
+            </a:outerShdw>
+          </a:effectLst>
+        </p:spPr>
+        <p:style>
+          <a:lnRef idx="1">
+            <a:schemeClr val="accent1"/>
+          </a:lnRef>
+          <a:fillRef idx="3">
+            <a:schemeClr val="accent1"/>
+          </a:fillRef>
+          <a:effectRef idx="2">
+            <a:schemeClr val="accent1"/>
+          </a:effectRef>
+          <a:fontRef idx="minor"/>
+        </p:style>
+        <p:txBody>
+          <a:bodyPr lIns="90000" rIns="90000" tIns="45000" bIns="45000" anchor="ctr">
+            <a:noAutofit/>
+          </a:bodyPr>
+          <a:p>
+            <a:pPr algn="ctr">
+              <a:lnSpc>
+                <a:spcPct val="100000"/>
+              </a:lnSpc>
+            </a:pPr>
+            <a:endParaRPr b="0" lang="en-US" sz="2000" spc="-1" strike="noStrike">
+              <a:solidFill>
+                <a:srgbClr val="ffffff"/>
+              </a:solidFill>
+              <a:latin typeface="Arial"/>
+            </a:endParaRPr>
+          </a:p>
+          <a:p>
+            <a:pPr algn="ctr">
+              <a:lnSpc>
+                <a:spcPct val="100000"/>
+              </a:lnSpc>
+            </a:pPr>
+            <a:endParaRPr b="0" lang="en-US" sz="2000" spc="-1" strike="noStrike">
+              <a:solidFill>
+                <a:srgbClr val="ffffff"/>
+              </a:solidFill>
+              <a:latin typeface="Arial"/>
+            </a:endParaRPr>
+          </a:p>
+          <a:p>
+            <a:pPr algn="ctr">
+              <a:lnSpc>
+                <a:spcPct val="100000"/>
+              </a:lnSpc>
+            </a:pPr>
+            <a:endParaRPr b="0" lang="en-US" sz="2000" spc="-1" strike="noStrike">
+              <a:solidFill>
+                <a:srgbClr val="ffffff"/>
+              </a:solidFill>
+              <a:latin typeface="Arial"/>
+            </a:endParaRPr>
+          </a:p>
+          <a:p>
+            <a:pPr algn="ctr">
+              <a:lnSpc>
+                <a:spcPct val="100000"/>
+              </a:lnSpc>
+            </a:pPr>
+            <a:r>
+              <a:rPr b="0" lang="en-US" sz="2000" spc="-1" strike="noStrike">
+                <a:solidFill>
+                  <a:srgbClr val="78ffc8"/>
+                </a:solidFill>
+                <a:latin typeface="Consolas"/>
+                <a:ea typeface="DejaVu Sans"/>
+              </a:rPr>
+              <a:t> </a:t>
+            </a:r>
+            <a:endParaRPr b="0" lang="en-US" sz="2000" spc="-1" strike="noStrike">
+              <a:solidFill>
+                <a:srgbClr val="ffffff"/>
+              </a:solidFill>
+              <a:latin typeface="Arial"/>
+            </a:endParaRPr>
+          </a:p>
+          <a:p>
+            <a:pPr algn="ctr">
+              <a:lnSpc>
+                <a:spcPct val="100000"/>
+              </a:lnSpc>
+            </a:pPr>
+            <a:endParaRPr b="0" lang="en-US" sz="2000" spc="-1" strike="noStrike">
+              <a:solidFill>
+                <a:srgbClr val="ffffff"/>
+              </a:solidFill>
+              <a:latin typeface="Arial"/>
+            </a:endParaRPr>
+          </a:p>
+          <a:p>
+            <a:pPr algn="ctr">
+              <a:lnSpc>
+                <a:spcPct val="100000"/>
+              </a:lnSpc>
+            </a:pPr>
+            <a:endParaRPr b="0" lang="en-US" sz="2000" spc="-1" strike="noStrike">
+              <a:solidFill>
+                <a:srgbClr val="ffffff"/>
+              </a:solidFill>
+              <a:latin typeface="Arial"/>
+            </a:endParaRPr>
+          </a:p>
+          <a:p>
+            <a:pPr algn="ctr">
+              <a:lnSpc>
+                <a:spcPct val="100000"/>
+              </a:lnSpc>
+            </a:pPr>
+            <a:r>
+              <a:rPr b="0" lang="en-US" sz="2000" spc="-1" strike="noStrike">
+                <a:solidFill>
+                  <a:srgbClr val="78ffc8"/>
+                </a:solidFill>
+                <a:latin typeface="Consolas"/>
+                <a:ea typeface="DejaVu Sans"/>
+              </a:rPr>
+              <a:t>String user = "Client";</a:t>
+            </a:r>
+            <a:endParaRPr b="0" lang="en-US" sz="2000" spc="-1" strike="noStrike">
+              <a:solidFill>
+                <a:srgbClr val="ffffff"/>
+              </a:solidFill>
+              <a:latin typeface="Arial"/>
+            </a:endParaRPr>
+          </a:p>
+          <a:p>
+            <a:pPr algn="ctr">
+              <a:lnSpc>
+                <a:spcPct val="100000"/>
+              </a:lnSpc>
+            </a:pPr>
+            <a:endParaRPr b="0" lang="en-US" sz="2000" spc="-1" strike="noStrike">
+              <a:solidFill>
+                <a:srgbClr val="ffffff"/>
+              </a:solidFill>
+              <a:latin typeface="Arial"/>
+            </a:endParaRPr>
+          </a:p>
+          <a:p>
+            <a:pPr algn="ctr">
+              <a:lnSpc>
+                <a:spcPct val="100000"/>
+              </a:lnSpc>
+            </a:pPr>
+            <a:r>
+              <a:rPr b="0" lang="en-US" sz="2000" spc="-1" strike="noStrike">
+                <a:solidFill>
+                  <a:srgbClr val="78ffc8"/>
+                </a:solidFill>
+                <a:latin typeface="Consolas"/>
+                <a:ea typeface="DejaVu Sans"/>
+              </a:rPr>
+              <a:t>System.out.println(</a:t>
+            </a:r>
+            <a:endParaRPr b="0" lang="en-US" sz="2000" spc="-1" strike="noStrike">
+              <a:solidFill>
+                <a:srgbClr val="ffffff"/>
+              </a:solidFill>
+              <a:latin typeface="Arial"/>
+            </a:endParaRPr>
+          </a:p>
+          <a:p>
+            <a:pPr algn="ctr">
+              <a:lnSpc>
+                <a:spcPct val="100000"/>
+              </a:lnSpc>
+            </a:pPr>
+            <a:r>
+              <a:rPr b="0" lang="en-US" sz="2000" spc="-1" strike="noStrike">
+                <a:solidFill>
+                  <a:srgbClr val="78ffc8"/>
+                </a:solidFill>
+                <a:latin typeface="Consolas"/>
+                <a:ea typeface="DejaVu Sans"/>
+              </a:rPr>
+              <a:t>    </a:t>
+            </a:r>
+            <a:r>
+              <a:rPr b="0" lang="en-US" sz="2000" spc="-1" strike="noStrike">
+                <a:solidFill>
+                  <a:srgbClr val="78ffc8"/>
+                </a:solidFill>
+                <a:latin typeface="Consolas"/>
+                <a:ea typeface="DejaVu Sans"/>
+              </a:rPr>
+              <a:t>"Welcome to the enterprise system, " + user</a:t>
+            </a:r>
+            <a:endParaRPr b="0" lang="en-US" sz="2000" spc="-1" strike="noStrike">
+              <a:solidFill>
+                <a:srgbClr val="ffffff"/>
+              </a:solidFill>
+              <a:latin typeface="Arial"/>
+            </a:endParaRPr>
+          </a:p>
+          <a:p>
+            <a:pPr algn="ctr">
+              <a:lnSpc>
+                <a:spcPct val="100000"/>
+              </a:lnSpc>
+            </a:pPr>
+            <a:r>
+              <a:rPr b="0" lang="en-US" sz="2000" spc="-1" strike="noStrike">
+                <a:solidFill>
+                  <a:srgbClr val="78ffc8"/>
+                </a:solidFill>
+                <a:latin typeface="Consolas"/>
+                <a:ea typeface="DejaVu Sans"/>
+              </a:rPr>
+              <a:t>);</a:t>
+            </a:r>
+            <a:endParaRPr b="0" lang="en-US" sz="2000" spc="-1" strike="noStrike">
+              <a:solidFill>
+                <a:srgbClr val="ffffff"/>
+              </a:solidFill>
+              <a:latin typeface="Arial"/>
+            </a:endParaRPr>
+          </a:p>
+          <a:p>
+            <a:pPr algn="ctr">
+              <a:lnSpc>
+                <a:spcPct val="100000"/>
+              </a:lnSpc>
+            </a:pPr>
+            <a:endParaRPr b="0" lang="en-US" sz="2000" spc="-1" strike="noStrike">
+              <a:solidFill>
+                <a:srgbClr val="ffffff"/>
+              </a:solidFill>
+              <a:latin typeface="Arial"/>
+            </a:endParaRPr>
+          </a:p>
+          <a:p>
+            <a:pPr algn="ctr">
+              <a:lnSpc>
+                <a:spcPct val="100000"/>
+              </a:lnSpc>
+            </a:pPr>
+            <a:endParaRPr b="0" lang="en-US" sz="2000" spc="-1" strike="noStrike">
+              <a:solidFill>
+                <a:srgbClr val="ffffff"/>
+              </a:solidFill>
+              <a:latin typeface="Arial"/>
+            </a:endParaRPr>
+          </a:p>
+          <a:p>
+            <a:pPr algn="ctr">
+              <a:lnSpc>
+                <a:spcPct val="100000"/>
+              </a:lnSpc>
+            </a:pPr>
+            <a:endParaRPr b="0" lang="en-US" sz="2000" spc="-1" strike="noStrike">
+              <a:solidFill>
+                <a:srgbClr val="ffffff"/>
+              </a:solidFill>
+              <a:latin typeface="Arial"/>
+            </a:endParaRPr>
+          </a:p>
+          <a:p>
+            <a:pPr algn="ctr">
+              <a:lnSpc>
+                <a:spcPct val="100000"/>
+              </a:lnSpc>
+            </a:pPr>
+            <a:endParaRPr b="0" lang="en-US" sz="2000" spc="-1" strike="noStrike">
+              <a:solidFill>
+                <a:srgbClr val="ffffff"/>
+              </a:solidFill>
+              <a:latin typeface="Arial"/>
+            </a:endParaRPr>
+          </a:p>
+          <a:p>
+            <a:pPr algn="ctr">
+              <a:lnSpc>
+                <a:spcPct val="100000"/>
+              </a:lnSpc>
+            </a:pPr>
+            <a:endParaRPr b="0" lang="en-US" sz="2000" spc="-1" strike="noStrike">
+              <a:solidFill>
+                <a:srgbClr val="ffffff"/>
+              </a:solidFill>
+              <a:latin typeface="Arial"/>
+            </a:endParaRPr>
+          </a:p>
+          <a:p>
+            <a:pPr algn="ctr">
+              <a:lnSpc>
+                <a:spcPct val="100000"/>
+              </a:lnSpc>
+            </a:pPr>
+            <a:endParaRPr b="0" lang="en-US" sz="2000" spc="-1" strike="noStrike">
+              <a:solidFill>
+                <a:srgbClr val="ffffff"/>
+              </a:solidFill>
+              <a:latin typeface="Arial"/>
+            </a:endParaRPr>
+          </a:p>
+          <a:p>
+            <a:pPr algn="ctr">
+              <a:lnSpc>
+                <a:spcPct val="100000"/>
+              </a:lnSpc>
+            </a:pPr>
+            <a:endParaRPr b="0" lang="en-US" sz="2000" spc="-1" strike="noStrike">
+              <a:solidFill>
+                <a:srgbClr val="ffffff"/>
+              </a:solidFill>
+              <a:latin typeface="Arial"/>
+            </a:endParaRPr>
+          </a:p>
+        </p:txBody>
+      </p:sp>
+      <p:sp>
+        <p:nvSpPr>
+          <p:cNvPr id="351" name="TextBox 39"/>
+          <p:cNvSpPr/>
+          <p:nvPr/>
+        </p:nvSpPr>
+        <p:spPr>
+          <a:xfrm>
+            <a:off x="5224320" y="7104600"/>
+            <a:ext cx="3052080" cy="363960"/>
+          </a:xfrm>
+          <a:prstGeom prst="rect">
+            <a:avLst/>
+          </a:prstGeom>
+          <a:noFill/>
+          <a:ln w="0">
+            <a:noFill/>
+          </a:ln>
+        </p:spPr>
+        <p:style>
+          <a:lnRef idx="0"/>
+          <a:fillRef idx="0"/>
+          <a:effectRef idx="0"/>
+          <a:fontRef idx="minor"/>
+        </p:style>
+        <p:txBody>
+          <a:bodyPr wrap="none" lIns="90000" rIns="90000" tIns="45000" bIns="45000" anchor="t">
+            <a:spAutoFit/>
+          </a:bodyPr>
+          <a:p>
+            <a:pPr>
+              <a:lnSpc>
+                <a:spcPct val="100000"/>
+              </a:lnSpc>
+            </a:pPr>
+            <a:r>
+              <a:rPr b="0" lang="en-US" sz="1800" spc="-1" strike="noStrike">
+                <a:solidFill>
+                  <a:srgbClr val="000000"/>
+                </a:solidFill>
+                <a:latin typeface="Calibri"/>
+                <a:ea typeface="DejaVu Sans"/>
+              </a:rPr>
+              <a:t>Java • Ultra Premium Template</a:t>
+            </a:r>
+            <a:endParaRPr b="0" lang="en-US" sz="1800" spc="-1" strike="noStrike">
+              <a:solidFill>
+                <a:srgbClr val="000000"/>
+              </a:solidFill>
+              <a:latin typeface="Arial"/>
+            </a:endParaRPr>
+          </a:p>
+        </p:txBody>
+      </p:sp>
+      <p:sp>
+        <p:nvSpPr>
+          <p:cNvPr id="352" name="Rounded Rectangle 90"/>
+          <p:cNvSpPr/>
+          <p:nvPr/>
+        </p:nvSpPr>
+        <p:spPr>
+          <a:xfrm>
+            <a:off x="4941000" y="3450960"/>
+            <a:ext cx="3624120" cy="3019320"/>
+          </a:xfrm>
+          <a:prstGeom prst="roundRect">
+            <a:avLst>
+              <a:gd name="adj" fmla="val 16667"/>
+            </a:avLst>
+          </a:prstGeom>
+          <a:solidFill>
+            <a:srgbClr val="16161c"/>
+          </a:solidFill>
+          <a:ln>
+            <a:solidFill>
+              <a:srgbClr val="464655"/>
+            </a:solidFill>
+            <a:round/>
+          </a:ln>
+          <a:effectLst>
+            <a:outerShdw blurRad="39960" dir="5400000" dist="23040" rotWithShape="0">
+              <a:srgbClr val="000000">
+                <a:alpha val="35000"/>
+              </a:srgbClr>
+            </a:outerShdw>
+          </a:effectLst>
+        </p:spPr>
+        <p:style>
+          <a:lnRef idx="1">
+            <a:schemeClr val="accent1"/>
+          </a:lnRef>
+          <a:fillRef idx="3">
+            <a:schemeClr val="accent1"/>
+          </a:fillRef>
+          <a:effectRef idx="2">
+            <a:schemeClr val="accent1"/>
+          </a:effectRef>
+          <a:fontRef idx="minor"/>
+        </p:style>
+        <p:txBody>
+          <a:bodyPr lIns="90000" rIns="90000" tIns="45000" bIns="45000" anchor="ctr">
+            <a:noAutofit/>
+          </a:bodyPr>
+          <a:p>
+            <a:pPr>
+              <a:lnSpc>
+                <a:spcPct val="100000"/>
+              </a:lnSpc>
+            </a:pPr>
+            <a:r>
+              <a:rPr b="1" lang="en-US" sz="2100" spc="-1" strike="noStrike">
+                <a:solidFill>
+                  <a:schemeClr val="lt1"/>
+                </a:solidFill>
+                <a:latin typeface="Calibri"/>
+                <a:ea typeface="DejaVu Sans"/>
+              </a:rPr>
+              <a:t>With these technologies:</a:t>
+            </a:r>
+            <a:endParaRPr b="0" lang="en-US" sz="2100" spc="-1" strike="noStrike">
+              <a:solidFill>
+                <a:srgbClr val="ffffff"/>
+              </a:solidFill>
+              <a:latin typeface="Arial"/>
+            </a:endParaRPr>
+          </a:p>
+          <a:p>
+            <a:pPr>
+              <a:lnSpc>
+                <a:spcPct val="100000"/>
+              </a:lnSpc>
+            </a:pPr>
+            <a:endParaRPr b="0" lang="en-US" sz="2100" spc="-1" strike="noStrike">
+              <a:solidFill>
+                <a:srgbClr val="ffffff"/>
+              </a:solidFill>
+              <a:latin typeface="Arial"/>
+            </a:endParaRPr>
+          </a:p>
+          <a:p>
+            <a:pPr>
+              <a:lnSpc>
+                <a:spcPct val="100000"/>
+              </a:lnSpc>
+            </a:pPr>
+            <a:r>
+              <a:rPr b="0" lang="en-US" sz="2100" spc="-1" strike="noStrike">
+                <a:solidFill>
+                  <a:schemeClr val="lt1"/>
+                </a:solidFill>
+                <a:latin typeface="Calibri"/>
+                <a:ea typeface="DejaVu Sans"/>
+              </a:rPr>
+              <a:t>↓ </a:t>
+            </a:r>
+            <a:r>
+              <a:rPr b="0" lang="en-US" sz="2100" spc="-1" strike="noStrike">
+                <a:solidFill>
+                  <a:schemeClr val="lt1"/>
+                </a:solidFill>
+                <a:latin typeface="Calibri"/>
+                <a:ea typeface="DejaVu Sans"/>
+              </a:rPr>
+              <a:t>Dynamic web applications</a:t>
+            </a:r>
+            <a:endParaRPr b="0" lang="en-US" sz="2100" spc="-1" strike="noStrike">
+              <a:solidFill>
+                <a:srgbClr val="ffffff"/>
+              </a:solidFill>
+              <a:latin typeface="Arial"/>
+            </a:endParaRPr>
+          </a:p>
+          <a:p>
+            <a:pPr>
+              <a:lnSpc>
+                <a:spcPct val="100000"/>
+              </a:lnSpc>
+            </a:pPr>
+            <a:r>
+              <a:rPr b="0" lang="en-US" sz="2100" spc="-1" strike="noStrike">
+                <a:solidFill>
+                  <a:schemeClr val="lt1"/>
+                </a:solidFill>
+                <a:latin typeface="Calibri"/>
+                <a:ea typeface="DejaVu Sans"/>
+              </a:rPr>
+              <a:t>↓ </a:t>
+            </a:r>
+            <a:r>
+              <a:rPr b="0" lang="en-US" sz="2100" spc="-1" strike="noStrike">
+                <a:solidFill>
+                  <a:schemeClr val="lt1"/>
+                </a:solidFill>
+                <a:latin typeface="Calibri"/>
+                <a:ea typeface="DejaVu Sans"/>
+              </a:rPr>
+              <a:t>Database-driven systems</a:t>
+            </a:r>
+            <a:endParaRPr b="0" lang="en-US" sz="2100" spc="-1" strike="noStrike">
+              <a:solidFill>
+                <a:srgbClr val="ffffff"/>
+              </a:solidFill>
+              <a:latin typeface="Arial"/>
+            </a:endParaRPr>
+          </a:p>
+          <a:p>
+            <a:pPr>
+              <a:lnSpc>
+                <a:spcPct val="100000"/>
+              </a:lnSpc>
+            </a:pPr>
+            <a:r>
+              <a:rPr b="0" lang="en-US" sz="2100" spc="-1" strike="noStrike">
+                <a:solidFill>
+                  <a:schemeClr val="lt1"/>
+                </a:solidFill>
+                <a:latin typeface="Calibri"/>
+                <a:ea typeface="DejaVu Sans"/>
+              </a:rPr>
+              <a:t>↓ </a:t>
+            </a:r>
+            <a:r>
+              <a:rPr b="0" lang="en-US" sz="2100" spc="-1" strike="noStrike">
+                <a:solidFill>
+                  <a:schemeClr val="lt1"/>
+                </a:solidFill>
+                <a:latin typeface="Calibri"/>
+                <a:ea typeface="DejaVu Sans"/>
+              </a:rPr>
+              <a:t>Transaction management</a:t>
+            </a:r>
+            <a:endParaRPr b="0" lang="en-US" sz="2100" spc="-1" strike="noStrike">
+              <a:solidFill>
+                <a:srgbClr val="ffffff"/>
+              </a:solidFill>
+              <a:latin typeface="Arial"/>
+            </a:endParaRPr>
+          </a:p>
+          <a:p>
+            <a:pPr>
+              <a:lnSpc>
+                <a:spcPct val="100000"/>
+              </a:lnSpc>
+            </a:pPr>
+            <a:r>
+              <a:rPr b="0" lang="en-US" sz="2100" spc="-1" strike="noStrike">
+                <a:solidFill>
+                  <a:schemeClr val="lt1"/>
+                </a:solidFill>
+                <a:latin typeface="Calibri"/>
+                <a:ea typeface="DejaVu Sans"/>
+              </a:rPr>
+              <a:t>↓ </a:t>
+            </a:r>
+            <a:r>
+              <a:rPr b="0" lang="en-US" sz="2100" spc="-1" strike="noStrike">
+                <a:solidFill>
+                  <a:schemeClr val="lt1"/>
+                </a:solidFill>
+                <a:latin typeface="Calibri"/>
+                <a:ea typeface="DejaVu Sans"/>
+              </a:rPr>
+              <a:t>Distributed applications</a:t>
+            </a:r>
+            <a:endParaRPr b="0" lang="en-US" sz="2100" spc="-1" strike="noStrike">
+              <a:solidFill>
+                <a:srgbClr val="ffffff"/>
+              </a:solidFill>
+              <a:latin typeface="Arial"/>
+            </a:endParaRPr>
+          </a:p>
+          <a:p>
+            <a:pPr>
+              <a:lnSpc>
+                <a:spcPct val="100000"/>
+              </a:lnSpc>
+            </a:pPr>
+            <a:r>
+              <a:rPr b="0" lang="en-US" sz="2100" spc="-1" strike="noStrike">
+                <a:solidFill>
+                  <a:schemeClr val="lt1"/>
+                </a:solidFill>
+                <a:latin typeface="Calibri"/>
+                <a:ea typeface="DejaVu Sans"/>
+              </a:rPr>
+              <a:t>↓ </a:t>
+            </a:r>
+            <a:r>
+              <a:rPr b="0" lang="en-US" sz="2100" spc="-1" strike="noStrike">
+                <a:solidFill>
+                  <a:schemeClr val="lt1"/>
+                </a:solidFill>
+                <a:latin typeface="Calibri"/>
+                <a:ea typeface="DejaVu Sans"/>
+              </a:rPr>
+              <a:t>Enterprise scalability</a:t>
+            </a:r>
+            <a:endParaRPr b="0" lang="en-US" sz="2100" spc="-1" strike="noStrike">
+              <a:solidFill>
+                <a:srgbClr val="ffffff"/>
+              </a:solidFill>
+              <a:latin typeface="Arial"/>
+            </a:endParaRPr>
+          </a:p>
+          <a:p>
+            <a:pPr>
+              <a:lnSpc>
+                <a:spcPct val="100000"/>
+              </a:lnSpc>
+            </a:pPr>
+            <a:endParaRPr b="0" lang="en-US" sz="2100" spc="-1" strike="noStrike">
               <a:solidFill>
                 <a:srgbClr val="ffffff"/>
               </a:solidFill>
@@ -7066,7 +11792,7 @@
         <p:spPr>
           <a:xfrm>
             <a:off x="1440" y="1800"/>
-            <a:ext cx="13431960" cy="7555320"/>
+            <a:ext cx="13431600" cy="7554960"/>
           </a:xfrm>
           <a:prstGeom prst="rect">
             <a:avLst/>
@@ -7126,7 +11852,7 @@
         <p:spPr>
           <a:xfrm>
             <a:off x="1440" y="1800"/>
-            <a:ext cx="16200" cy="7555320"/>
+            <a:ext cx="15840" cy="7554960"/>
           </a:xfrm>
           <a:prstGeom prst="rect">
             <a:avLst/>
@@ -7186,7 +11912,7 @@
         <p:spPr>
           <a:xfrm>
             <a:off x="1005480" y="1800"/>
-            <a:ext cx="16200" cy="7555320"/>
+            <a:ext cx="15840" cy="7554960"/>
           </a:xfrm>
           <a:prstGeom prst="rect">
             <a:avLst/>
@@ -7246,7 +11972,7 @@
         <p:spPr>
           <a:xfrm>
             <a:off x="2013480" y="1800"/>
-            <a:ext cx="16200" cy="7555320"/>
+            <a:ext cx="15840" cy="7554960"/>
           </a:xfrm>
           <a:prstGeom prst="rect">
             <a:avLst/>
@@ -7306,7 +12032,7 @@
         <p:spPr>
           <a:xfrm>
             <a:off x="3021480" y="1800"/>
-            <a:ext cx="16200" cy="7555320"/>
+            <a:ext cx="15840" cy="7554960"/>
           </a:xfrm>
           <a:prstGeom prst="rect">
             <a:avLst/>
@@ -7366,7 +12092,7 @@
         <p:spPr>
           <a:xfrm>
             <a:off x="4029480" y="1800"/>
-            <a:ext cx="16200" cy="7555320"/>
+            <a:ext cx="15840" cy="7554960"/>
           </a:xfrm>
           <a:prstGeom prst="rect">
             <a:avLst/>
@@ -7426,7 +12152,7 @@
         <p:spPr>
           <a:xfrm>
             <a:off x="5037480" y="1800"/>
-            <a:ext cx="16200" cy="7555320"/>
+            <a:ext cx="15840" cy="7554960"/>
           </a:xfrm>
           <a:prstGeom prst="rect">
             <a:avLst/>
@@ -7486,7 +12212,7 @@
         <p:spPr>
           <a:xfrm>
             <a:off x="6045480" y="1800"/>
-            <a:ext cx="16200" cy="7555320"/>
+            <a:ext cx="15840" cy="7554960"/>
           </a:xfrm>
           <a:prstGeom prst="rect">
             <a:avLst/>
@@ -7546,7 +12272,7 @@
         <p:spPr>
           <a:xfrm>
             <a:off x="7053480" y="1800"/>
-            <a:ext cx="16200" cy="7555320"/>
+            <a:ext cx="15840" cy="7554960"/>
           </a:xfrm>
           <a:prstGeom prst="rect">
             <a:avLst/>
@@ -7606,7 +12332,7 @@
         <p:spPr>
           <a:xfrm>
             <a:off x="8061480" y="1800"/>
-            <a:ext cx="16200" cy="7555320"/>
+            <a:ext cx="15840" cy="7554960"/>
           </a:xfrm>
           <a:prstGeom prst="rect">
             <a:avLst/>
@@ -7666,7 +12392,7 @@
         <p:spPr>
           <a:xfrm>
             <a:off x="9069480" y="1800"/>
-            <a:ext cx="16200" cy="7555320"/>
+            <a:ext cx="15840" cy="7554960"/>
           </a:xfrm>
           <a:prstGeom prst="rect">
             <a:avLst/>
@@ -7726,7 +12452,7 @@
         <p:spPr>
           <a:xfrm>
             <a:off x="10077480" y="1800"/>
-            <a:ext cx="16200" cy="7555320"/>
+            <a:ext cx="15840" cy="7554960"/>
           </a:xfrm>
           <a:prstGeom prst="rect">
             <a:avLst/>
@@ -7786,7 +12512,7 @@
         <p:spPr>
           <a:xfrm>
             <a:off x="11085480" y="1800"/>
-            <a:ext cx="16200" cy="7555320"/>
+            <a:ext cx="15840" cy="7554960"/>
           </a:xfrm>
           <a:prstGeom prst="rect">
             <a:avLst/>
@@ -7846,7 +12572,7 @@
         <p:spPr>
           <a:xfrm>
             <a:off x="12093480" y="1800"/>
-            <a:ext cx="16200" cy="7555320"/>
+            <a:ext cx="15840" cy="7554960"/>
           </a:xfrm>
           <a:prstGeom prst="rect">
             <a:avLst/>
@@ -7906,7 +12632,7 @@
         <p:spPr>
           <a:xfrm>
             <a:off x="13101480" y="1800"/>
-            <a:ext cx="16200" cy="7555320"/>
+            <a:ext cx="15840" cy="7554960"/>
           </a:xfrm>
           <a:prstGeom prst="rect">
             <a:avLst/>
@@ -7966,7 +12692,7 @@
         <p:spPr>
           <a:xfrm>
             <a:off x="1440" y="1800"/>
-            <a:ext cx="348120" cy="7555320"/>
+            <a:ext cx="347760" cy="7554960"/>
           </a:xfrm>
           <a:prstGeom prst="rect">
             <a:avLst/>
@@ -8026,7 +12752,7 @@
         <p:spPr>
           <a:xfrm>
             <a:off x="10884960" y="401400"/>
-            <a:ext cx="2212560" cy="548640"/>
+            <a:ext cx="2212200" cy="548280"/>
           </a:xfrm>
           <a:prstGeom prst="roundRect">
             <a:avLst>
@@ -8100,7 +12826,7 @@
         <p:spPr>
           <a:xfrm>
             <a:off x="4249800" y="1107000"/>
-            <a:ext cx="3591720" cy="820800"/>
+            <a:ext cx="3591360" cy="820800"/>
           </a:xfrm>
           <a:prstGeom prst="rect">
             <a:avLst/>
@@ -8154,7 +12880,7 @@
         <p:spPr>
           <a:xfrm>
             <a:off x="3414600" y="2266200"/>
-            <a:ext cx="5911200" cy="957960"/>
+            <a:ext cx="5910840" cy="957960"/>
           </a:xfrm>
           <a:prstGeom prst="rect">
             <a:avLst/>
@@ -8244,7 +12970,7 @@
         <p:spPr>
           <a:xfrm>
             <a:off x="1086840" y="3506040"/>
-            <a:ext cx="3624120" cy="3019320"/>
+            <a:ext cx="3623760" cy="3018960"/>
           </a:xfrm>
           <a:prstGeom prst="roundRect">
             <a:avLst>
@@ -8306,7 +13032,7 @@
         <p:spPr>
           <a:xfrm>
             <a:off x="1006560" y="3425040"/>
-            <a:ext cx="3624480" cy="3019680"/>
+            <a:ext cx="3624120" cy="3019320"/>
           </a:xfrm>
           <a:prstGeom prst="roundRect">
             <a:avLst>
@@ -8535,7 +13261,7 @@
         <p:spPr>
           <a:xfrm>
             <a:off x="4968360" y="3506040"/>
-            <a:ext cx="3624120" cy="3019320"/>
+            <a:ext cx="3623760" cy="3018960"/>
           </a:xfrm>
           <a:prstGeom prst="roundRect">
             <a:avLst>
@@ -8597,7 +13323,7 @@
         <p:spPr>
           <a:xfrm>
             <a:off x="4886640" y="3425040"/>
-            <a:ext cx="3624480" cy="3019680"/>
+            <a:ext cx="3624120" cy="3019320"/>
           </a:xfrm>
           <a:prstGeom prst="roundRect">
             <a:avLst>
@@ -8973,7 +13699,7 @@
         <p:spPr>
           <a:xfrm>
             <a:off x="8849160" y="3506040"/>
-            <a:ext cx="3624120" cy="3019320"/>
+            <a:ext cx="3623760" cy="3018960"/>
           </a:xfrm>
           <a:prstGeom prst="roundRect">
             <a:avLst>
@@ -9035,7 +13761,7 @@
         <p:spPr>
           <a:xfrm>
             <a:off x="8767440" y="3425760"/>
-            <a:ext cx="3624480" cy="3019680"/>
+            <a:ext cx="3624120" cy="3019320"/>
           </a:xfrm>
           <a:prstGeom prst="roundRect">
             <a:avLst>
@@ -9244,7 +13970,7 @@
         <p:spPr>
           <a:xfrm>
             <a:off x="5224320" y="7104600"/>
-            <a:ext cx="3052440" cy="363960"/>
+            <a:ext cx="3052080" cy="363960"/>
           </a:xfrm>
           <a:prstGeom prst="rect">
             <a:avLst/>
@@ -9328,7 +14054,7 @@
         <p:spPr>
           <a:xfrm>
             <a:off x="1440" y="1800"/>
-            <a:ext cx="13431960" cy="7555320"/>
+            <a:ext cx="13431600" cy="7554960"/>
           </a:xfrm>
           <a:prstGeom prst="rect">
             <a:avLst/>
@@ -9388,7 +14114,7 @@
         <p:spPr>
           <a:xfrm>
             <a:off x="1440" y="1800"/>
-            <a:ext cx="16200" cy="7555320"/>
+            <a:ext cx="15840" cy="7554960"/>
           </a:xfrm>
           <a:prstGeom prst="rect">
             <a:avLst/>
@@ -9448,7 +14174,7 @@
         <p:spPr>
           <a:xfrm>
             <a:off x="1005480" y="1800"/>
-            <a:ext cx="16200" cy="7555320"/>
+            <a:ext cx="15840" cy="7554960"/>
           </a:xfrm>
           <a:prstGeom prst="rect">
             <a:avLst/>
@@ -9508,7 +14234,7 @@
         <p:spPr>
           <a:xfrm>
             <a:off x="2013480" y="1800"/>
-            <a:ext cx="16200" cy="7555320"/>
+            <a:ext cx="15840" cy="7554960"/>
           </a:xfrm>
           <a:prstGeom prst="rect">
             <a:avLst/>
@@ -9568,7 +14294,7 @@
         <p:spPr>
           <a:xfrm>
             <a:off x="3021480" y="1800"/>
-            <a:ext cx="16200" cy="7555320"/>
+            <a:ext cx="15840" cy="7554960"/>
           </a:xfrm>
           <a:prstGeom prst="rect">
             <a:avLst/>
@@ -9628,7 +14354,7 @@
         <p:spPr>
           <a:xfrm>
             <a:off x="4029480" y="1800"/>
-            <a:ext cx="16200" cy="7555320"/>
+            <a:ext cx="15840" cy="7554960"/>
           </a:xfrm>
           <a:prstGeom prst="rect">
             <a:avLst/>
@@ -9688,7 +14414,7 @@
         <p:spPr>
           <a:xfrm>
             <a:off x="5037480" y="1800"/>
-            <a:ext cx="16200" cy="7555320"/>
+            <a:ext cx="15840" cy="7554960"/>
           </a:xfrm>
           <a:prstGeom prst="rect">
             <a:avLst/>
@@ -9748,7 +14474,7 @@
         <p:spPr>
           <a:xfrm>
             <a:off x="6045480" y="1800"/>
-            <a:ext cx="16200" cy="7555320"/>
+            <a:ext cx="15840" cy="7554960"/>
           </a:xfrm>
           <a:prstGeom prst="rect">
             <a:avLst/>
@@ -9808,7 +14534,7 @@
         <p:spPr>
           <a:xfrm>
             <a:off x="7053480" y="1800"/>
-            <a:ext cx="16200" cy="7555320"/>
+            <a:ext cx="15840" cy="7554960"/>
           </a:xfrm>
           <a:prstGeom prst="rect">
             <a:avLst/>
@@ -9868,7 +14594,7 @@
         <p:spPr>
           <a:xfrm>
             <a:off x="8061480" y="1800"/>
-            <a:ext cx="16200" cy="7555320"/>
+            <a:ext cx="15840" cy="7554960"/>
           </a:xfrm>
           <a:prstGeom prst="rect">
             <a:avLst/>
@@ -9928,7 +14654,7 @@
         <p:spPr>
           <a:xfrm>
             <a:off x="9069480" y="1800"/>
-            <a:ext cx="16200" cy="7555320"/>
+            <a:ext cx="15840" cy="7554960"/>
           </a:xfrm>
           <a:prstGeom prst="rect">
             <a:avLst/>
@@ -9988,7 +14714,7 @@
         <p:spPr>
           <a:xfrm>
             <a:off x="10077480" y="1800"/>
-            <a:ext cx="16200" cy="7555320"/>
+            <a:ext cx="15840" cy="7554960"/>
           </a:xfrm>
           <a:prstGeom prst="rect">
             <a:avLst/>
@@ -10048,7 +14774,7 @@
         <p:spPr>
           <a:xfrm>
             <a:off x="11085480" y="1800"/>
-            <a:ext cx="16200" cy="7555320"/>
+            <a:ext cx="15840" cy="7554960"/>
           </a:xfrm>
           <a:prstGeom prst="rect">
             <a:avLst/>
@@ -10108,7 +14834,7 @@
         <p:spPr>
           <a:xfrm>
             <a:off x="12093480" y="1800"/>
-            <a:ext cx="16200" cy="7555320"/>
+            <a:ext cx="15840" cy="7554960"/>
           </a:xfrm>
           <a:prstGeom prst="rect">
             <a:avLst/>
@@ -10168,7 +14894,7 @@
         <p:spPr>
           <a:xfrm>
             <a:off x="13101480" y="1800"/>
-            <a:ext cx="16200" cy="7555320"/>
+            <a:ext cx="15840" cy="7554960"/>
           </a:xfrm>
           <a:prstGeom prst="rect">
             <a:avLst/>
@@ -10228,7 +14954,7 @@
         <p:spPr>
           <a:xfrm>
             <a:off x="1440" y="1800"/>
-            <a:ext cx="348120" cy="7555320"/>
+            <a:ext cx="347760" cy="7554960"/>
           </a:xfrm>
           <a:prstGeom prst="rect">
             <a:avLst/>
@@ -10288,7 +15014,7 @@
         <p:spPr>
           <a:xfrm>
             <a:off x="10884960" y="401400"/>
-            <a:ext cx="2212560" cy="548640"/>
+            <a:ext cx="2212200" cy="548280"/>
           </a:xfrm>
           <a:prstGeom prst="roundRect">
             <a:avLst>
@@ -10362,7 +15088,7 @@
         <p:spPr>
           <a:xfrm>
             <a:off x="3248280" y="1107000"/>
-            <a:ext cx="5595840" cy="820800"/>
+            <a:ext cx="5595480" cy="820800"/>
           </a:xfrm>
           <a:prstGeom prst="rect">
             <a:avLst/>
@@ -10416,7 +15142,7 @@
         <p:spPr>
           <a:xfrm>
             <a:off x="3017520" y="2266200"/>
-            <a:ext cx="6705360" cy="668520"/>
+            <a:ext cx="6705000" cy="668520"/>
           </a:xfrm>
           <a:prstGeom prst="rect">
             <a:avLst/>
@@ -10483,7 +15209,7 @@
         <p:spPr>
           <a:xfrm>
             <a:off x="1086840" y="3506040"/>
-            <a:ext cx="3624120" cy="3019320"/>
+            <a:ext cx="3623760" cy="3018960"/>
           </a:xfrm>
           <a:prstGeom prst="roundRect">
             <a:avLst>
@@ -10545,7 +15271,7 @@
         <p:spPr>
           <a:xfrm>
             <a:off x="1006560" y="3425760"/>
-            <a:ext cx="3624480" cy="3019680"/>
+            <a:ext cx="3624120" cy="3019320"/>
           </a:xfrm>
           <a:prstGeom prst="roundRect">
             <a:avLst>
@@ -10708,7 +15434,7 @@
         <p:spPr>
           <a:xfrm>
             <a:off x="4968360" y="3506040"/>
-            <a:ext cx="3624120" cy="3019320"/>
+            <a:ext cx="3623760" cy="3018960"/>
           </a:xfrm>
           <a:prstGeom prst="roundRect">
             <a:avLst>
@@ -10770,7 +15496,7 @@
         <p:spPr>
           <a:xfrm>
             <a:off x="4886640" y="3424320"/>
-            <a:ext cx="3624480" cy="3019680"/>
+            <a:ext cx="3624120" cy="3019320"/>
           </a:xfrm>
           <a:prstGeom prst="roundRect">
             <a:avLst>
@@ -11041,7 +15767,7 @@
         <p:spPr>
           <a:xfrm>
             <a:off x="8849160" y="3506040"/>
-            <a:ext cx="3624120" cy="3019320"/>
+            <a:ext cx="3623760" cy="3018960"/>
           </a:xfrm>
           <a:prstGeom prst="roundRect">
             <a:avLst>
@@ -11103,7 +15829,7 @@
         <p:spPr>
           <a:xfrm>
             <a:off x="8767440" y="3425040"/>
-            <a:ext cx="3624480" cy="3019680"/>
+            <a:ext cx="3624120" cy="3019320"/>
           </a:xfrm>
           <a:prstGeom prst="roundRect">
             <a:avLst>
@@ -11351,7 +16077,7 @@
         <p:spPr>
           <a:xfrm>
             <a:off x="5224320" y="7104600"/>
-            <a:ext cx="3052440" cy="363960"/>
+            <a:ext cx="3052080" cy="363960"/>
           </a:xfrm>
           <a:prstGeom prst="rect">
             <a:avLst/>
@@ -11435,7 +16161,7 @@
         <p:spPr>
           <a:xfrm>
             <a:off x="1440" y="1800"/>
-            <a:ext cx="13431960" cy="7555320"/>
+            <a:ext cx="13431600" cy="7554960"/>
           </a:xfrm>
           <a:prstGeom prst="rect">
             <a:avLst/>
@@ -11495,7 +16221,7 @@
         <p:spPr>
           <a:xfrm>
             <a:off x="1440" y="1800"/>
-            <a:ext cx="16200" cy="7555320"/>
+            <a:ext cx="15840" cy="7554960"/>
           </a:xfrm>
           <a:prstGeom prst="rect">
             <a:avLst/>
@@ -11555,7 +16281,7 @@
         <p:spPr>
           <a:xfrm>
             <a:off x="1005480" y="1800"/>
-            <a:ext cx="16200" cy="7555320"/>
+            <a:ext cx="15840" cy="7554960"/>
           </a:xfrm>
           <a:prstGeom prst="rect">
             <a:avLst/>
@@ -11615,7 +16341,7 @@
         <p:spPr>
           <a:xfrm>
             <a:off x="2013480" y="1800"/>
-            <a:ext cx="16200" cy="7555320"/>
+            <a:ext cx="15840" cy="7554960"/>
           </a:xfrm>
           <a:prstGeom prst="rect">
             <a:avLst/>
@@ -11675,7 +16401,7 @@
         <p:spPr>
           <a:xfrm>
             <a:off x="3021480" y="1800"/>
-            <a:ext cx="16200" cy="7555320"/>
+            <a:ext cx="15840" cy="7554960"/>
           </a:xfrm>
           <a:prstGeom prst="rect">
             <a:avLst/>
@@ -11735,7 +16461,7 @@
         <p:spPr>
           <a:xfrm>
             <a:off x="4029480" y="1800"/>
-            <a:ext cx="16200" cy="7555320"/>
+            <a:ext cx="15840" cy="7554960"/>
           </a:xfrm>
           <a:prstGeom prst="rect">
             <a:avLst/>
@@ -11795,7 +16521,7 @@
         <p:spPr>
           <a:xfrm>
             <a:off x="5037480" y="1800"/>
-            <a:ext cx="16200" cy="7555320"/>
+            <a:ext cx="15840" cy="7554960"/>
           </a:xfrm>
           <a:prstGeom prst="rect">
             <a:avLst/>
@@ -11855,7 +16581,7 @@
         <p:spPr>
           <a:xfrm>
             <a:off x="6045480" y="1800"/>
-            <a:ext cx="16200" cy="7555320"/>
+            <a:ext cx="15840" cy="7554960"/>
           </a:xfrm>
           <a:prstGeom prst="rect">
             <a:avLst/>
@@ -11915,7 +16641,7 @@
         <p:spPr>
           <a:xfrm>
             <a:off x="7053480" y="1800"/>
-            <a:ext cx="16200" cy="7555320"/>
+            <a:ext cx="15840" cy="7554960"/>
           </a:xfrm>
           <a:prstGeom prst="rect">
             <a:avLst/>
@@ -11975,7 +16701,7 @@
         <p:spPr>
           <a:xfrm>
             <a:off x="8061480" y="1800"/>
-            <a:ext cx="16200" cy="7555320"/>
+            <a:ext cx="15840" cy="7554960"/>
           </a:xfrm>
           <a:prstGeom prst="rect">
             <a:avLst/>
@@ -12035,7 +16761,7 @@
         <p:spPr>
           <a:xfrm>
             <a:off x="9069480" y="1800"/>
-            <a:ext cx="16200" cy="7555320"/>
+            <a:ext cx="15840" cy="7554960"/>
           </a:xfrm>
           <a:prstGeom prst="rect">
             <a:avLst/>
@@ -12095,7 +16821,7 @@
         <p:spPr>
           <a:xfrm>
             <a:off x="10077480" y="1800"/>
-            <a:ext cx="16200" cy="7555320"/>
+            <a:ext cx="15840" cy="7554960"/>
           </a:xfrm>
           <a:prstGeom prst="rect">
             <a:avLst/>
@@ -12155,7 +16881,7 @@
         <p:spPr>
           <a:xfrm>
             <a:off x="11085480" y="1800"/>
-            <a:ext cx="16200" cy="7555320"/>
+            <a:ext cx="15840" cy="7554960"/>
           </a:xfrm>
           <a:prstGeom prst="rect">
             <a:avLst/>
@@ -12215,7 +16941,7 @@
         <p:spPr>
           <a:xfrm>
             <a:off x="12093480" y="1800"/>
-            <a:ext cx="16200" cy="7555320"/>
+            <a:ext cx="15840" cy="7554960"/>
           </a:xfrm>
           <a:prstGeom prst="rect">
             <a:avLst/>
@@ -12275,7 +17001,7 @@
         <p:spPr>
           <a:xfrm>
             <a:off x="13101480" y="1800"/>
-            <a:ext cx="16200" cy="7555320"/>
+            <a:ext cx="15840" cy="7554960"/>
           </a:xfrm>
           <a:prstGeom prst="rect">
             <a:avLst/>
@@ -12335,7 +17061,7 @@
         <p:spPr>
           <a:xfrm>
             <a:off x="1440" y="1800"/>
-            <a:ext cx="348120" cy="7555320"/>
+            <a:ext cx="347760" cy="7554960"/>
           </a:xfrm>
           <a:prstGeom prst="rect">
             <a:avLst/>
@@ -12395,7 +17121,7 @@
         <p:spPr>
           <a:xfrm>
             <a:off x="10884960" y="401400"/>
-            <a:ext cx="2212560" cy="548640"/>
+            <a:ext cx="2212200" cy="548280"/>
           </a:xfrm>
           <a:prstGeom prst="roundRect">
             <a:avLst>
@@ -12469,7 +17195,7 @@
         <p:spPr>
           <a:xfrm>
             <a:off x="4443480" y="1107000"/>
-            <a:ext cx="3201480" cy="820800"/>
+            <a:ext cx="3201120" cy="820800"/>
           </a:xfrm>
           <a:prstGeom prst="rect">
             <a:avLst/>
@@ -12523,7 +17249,7 @@
         <p:spPr>
           <a:xfrm>
             <a:off x="1890720" y="2266200"/>
-            <a:ext cx="8964000" cy="379080"/>
+            <a:ext cx="8963640" cy="379080"/>
           </a:xfrm>
           <a:prstGeom prst="rect">
             <a:avLst/>
@@ -12577,7 +17303,7 @@
         <p:spPr>
           <a:xfrm>
             <a:off x="1086840" y="3506040"/>
-            <a:ext cx="3624120" cy="3019320"/>
+            <a:ext cx="3623760" cy="3018960"/>
           </a:xfrm>
           <a:prstGeom prst="roundRect">
             <a:avLst>
@@ -12639,7 +17365,7 @@
         <p:spPr>
           <a:xfrm>
             <a:off x="1006560" y="3425040"/>
-            <a:ext cx="3624480" cy="3019680"/>
+            <a:ext cx="3624120" cy="3019320"/>
           </a:xfrm>
           <a:prstGeom prst="roundRect">
             <a:avLst>
@@ -12969,7 +17695,7 @@
         <p:spPr>
           <a:xfrm>
             <a:off x="4968360" y="3506040"/>
-            <a:ext cx="3624120" cy="3019320"/>
+            <a:ext cx="3623760" cy="3018960"/>
           </a:xfrm>
           <a:prstGeom prst="roundRect">
             <a:avLst>
@@ -13031,7 +17757,7 @@
         <p:spPr>
           <a:xfrm>
             <a:off x="4886640" y="3425040"/>
-            <a:ext cx="3624480" cy="3019680"/>
+            <a:ext cx="3624120" cy="3019320"/>
           </a:xfrm>
           <a:prstGeom prst="roundRect">
             <a:avLst>
@@ -13351,7 +18077,7 @@
         <p:spPr>
           <a:xfrm>
             <a:off x="8849160" y="3506040"/>
-            <a:ext cx="3624120" cy="3019320"/>
+            <a:ext cx="3623760" cy="3018960"/>
           </a:xfrm>
           <a:prstGeom prst="roundRect">
             <a:avLst>
@@ -13413,7 +18139,7 @@
         <p:spPr>
           <a:xfrm>
             <a:off x="8767440" y="3425040"/>
-            <a:ext cx="3624480" cy="3019680"/>
+            <a:ext cx="3624120" cy="3019320"/>
           </a:xfrm>
           <a:prstGeom prst="roundRect">
             <a:avLst>
@@ -13806,7 +18532,7 @@
         <p:spPr>
           <a:xfrm>
             <a:off x="5224320" y="7104600"/>
-            <a:ext cx="3052440" cy="363960"/>
+            <a:ext cx="3052080" cy="363960"/>
           </a:xfrm>
           <a:prstGeom prst="rect">
             <a:avLst/>
@@ -13890,7 +18616,7 @@
         <p:spPr>
           <a:xfrm>
             <a:off x="1440" y="1800"/>
-            <a:ext cx="13431960" cy="7555320"/>
+            <a:ext cx="13431600" cy="7554960"/>
           </a:xfrm>
           <a:prstGeom prst="rect">
             <a:avLst/>
@@ -13950,7 +18676,7 @@
         <p:spPr>
           <a:xfrm>
             <a:off x="1440" y="1800"/>
-            <a:ext cx="16200" cy="7555320"/>
+            <a:ext cx="15840" cy="7554960"/>
           </a:xfrm>
           <a:prstGeom prst="rect">
             <a:avLst/>
@@ -14010,7 +18736,7 @@
         <p:spPr>
           <a:xfrm>
             <a:off x="1005480" y="1800"/>
-            <a:ext cx="16200" cy="7555320"/>
+            <a:ext cx="15840" cy="7554960"/>
           </a:xfrm>
           <a:prstGeom prst="rect">
             <a:avLst/>
@@ -14070,7 +18796,7 @@
         <p:spPr>
           <a:xfrm>
             <a:off x="2013480" y="1800"/>
-            <a:ext cx="16200" cy="7555320"/>
+            <a:ext cx="15840" cy="7554960"/>
           </a:xfrm>
           <a:prstGeom prst="rect">
             <a:avLst/>
@@ -14130,7 +18856,7 @@
         <p:spPr>
           <a:xfrm>
             <a:off x="3021480" y="1800"/>
-            <a:ext cx="16200" cy="7555320"/>
+            <a:ext cx="15840" cy="7554960"/>
           </a:xfrm>
           <a:prstGeom prst="rect">
             <a:avLst/>
@@ -14190,7 +18916,7 @@
         <p:spPr>
           <a:xfrm>
             <a:off x="4029480" y="1800"/>
-            <a:ext cx="16200" cy="7555320"/>
+            <a:ext cx="15840" cy="7554960"/>
           </a:xfrm>
           <a:prstGeom prst="rect">
             <a:avLst/>
@@ -14250,7 +18976,7 @@
         <p:spPr>
           <a:xfrm>
             <a:off x="5037480" y="1800"/>
-            <a:ext cx="16200" cy="7555320"/>
+            <a:ext cx="15840" cy="7554960"/>
           </a:xfrm>
           <a:prstGeom prst="rect">
             <a:avLst/>
@@ -14310,7 +19036,7 @@
         <p:spPr>
           <a:xfrm>
             <a:off x="6045480" y="1800"/>
-            <a:ext cx="16200" cy="7555320"/>
+            <a:ext cx="15840" cy="7554960"/>
           </a:xfrm>
           <a:prstGeom prst="rect">
             <a:avLst/>
@@ -14370,7 +19096,7 @@
         <p:spPr>
           <a:xfrm>
             <a:off x="7053480" y="1800"/>
-            <a:ext cx="16200" cy="7555320"/>
+            <a:ext cx="15840" cy="7554960"/>
           </a:xfrm>
           <a:prstGeom prst="rect">
             <a:avLst/>
@@ -14430,7 +19156,7 @@
         <p:spPr>
           <a:xfrm>
             <a:off x="8061480" y="1800"/>
-            <a:ext cx="16200" cy="7555320"/>
+            <a:ext cx="15840" cy="7554960"/>
           </a:xfrm>
           <a:prstGeom prst="rect">
             <a:avLst/>
@@ -14490,7 +19216,7 @@
         <p:spPr>
           <a:xfrm>
             <a:off x="9069480" y="1800"/>
-            <a:ext cx="16200" cy="7555320"/>
+            <a:ext cx="15840" cy="7554960"/>
           </a:xfrm>
           <a:prstGeom prst="rect">
             <a:avLst/>
@@ -14550,7 +19276,7 @@
         <p:spPr>
           <a:xfrm>
             <a:off x="10077480" y="1800"/>
-            <a:ext cx="16200" cy="7555320"/>
+            <a:ext cx="15840" cy="7554960"/>
           </a:xfrm>
           <a:prstGeom prst="rect">
             <a:avLst/>
@@ -14610,7 +19336,7 @@
         <p:spPr>
           <a:xfrm>
             <a:off x="11085480" y="1800"/>
-            <a:ext cx="16200" cy="7555320"/>
+            <a:ext cx="15840" cy="7554960"/>
           </a:xfrm>
           <a:prstGeom prst="rect">
             <a:avLst/>
@@ -14670,7 +19396,7 @@
         <p:spPr>
           <a:xfrm>
             <a:off x="12093480" y="1800"/>
-            <a:ext cx="16200" cy="7555320"/>
+            <a:ext cx="15840" cy="7554960"/>
           </a:xfrm>
           <a:prstGeom prst="rect">
             <a:avLst/>
@@ -14730,7 +19456,7 @@
         <p:spPr>
           <a:xfrm>
             <a:off x="13101480" y="1800"/>
-            <a:ext cx="16200" cy="7555320"/>
+            <a:ext cx="15840" cy="7554960"/>
           </a:xfrm>
           <a:prstGeom prst="rect">
             <a:avLst/>
@@ -14790,7 +19516,7 @@
         <p:spPr>
           <a:xfrm>
             <a:off x="1440" y="1800"/>
-            <a:ext cx="348120" cy="7555320"/>
+            <a:ext cx="347760" cy="7554960"/>
           </a:xfrm>
           <a:prstGeom prst="rect">
             <a:avLst/>
@@ -14850,7 +19576,7 @@
         <p:spPr>
           <a:xfrm>
             <a:off x="10884960" y="401400"/>
-            <a:ext cx="2212560" cy="548640"/>
+            <a:ext cx="2212200" cy="548280"/>
           </a:xfrm>
           <a:prstGeom prst="roundRect">
             <a:avLst>
@@ -14924,7 +19650,7 @@
         <p:spPr>
           <a:xfrm>
             <a:off x="2634120" y="1107000"/>
-            <a:ext cx="6824160" cy="820800"/>
+            <a:ext cx="6823800" cy="820800"/>
           </a:xfrm>
           <a:prstGeom prst="rect">
             <a:avLst/>
@@ -14988,7 +19714,7 @@
         <p:spPr>
           <a:xfrm>
             <a:off x="3651840" y="2266200"/>
-            <a:ext cx="5438880" cy="379080"/>
+            <a:ext cx="5438520" cy="379080"/>
           </a:xfrm>
           <a:prstGeom prst="rect">
             <a:avLst/>
@@ -15042,7 +19768,7 @@
         <p:spPr>
           <a:xfrm>
             <a:off x="1086840" y="3506040"/>
-            <a:ext cx="3624120" cy="3019320"/>
+            <a:ext cx="3623760" cy="3018960"/>
           </a:xfrm>
           <a:prstGeom prst="roundRect">
             <a:avLst>
@@ -15104,7 +19830,7 @@
         <p:spPr>
           <a:xfrm>
             <a:off x="679680" y="3273840"/>
-            <a:ext cx="4031640" cy="3169800"/>
+            <a:ext cx="4031280" cy="3169440"/>
           </a:xfrm>
           <a:prstGeom prst="roundRect">
             <a:avLst>
@@ -15456,7 +20182,7 @@
         <p:spPr>
           <a:xfrm>
             <a:off x="4968360" y="3506040"/>
-            <a:ext cx="3624120" cy="3019320"/>
+            <a:ext cx="3623760" cy="3018960"/>
           </a:xfrm>
           <a:prstGeom prst="roundRect">
             <a:avLst>
@@ -15518,7 +20244,7 @@
         <p:spPr>
           <a:xfrm>
             <a:off x="4886640" y="3425760"/>
-            <a:ext cx="3624480" cy="3019680"/>
+            <a:ext cx="3624120" cy="3019320"/>
           </a:xfrm>
           <a:prstGeom prst="roundRect">
             <a:avLst>
@@ -15812,7 +20538,7 @@
         <p:spPr>
           <a:xfrm>
             <a:off x="8849160" y="3506040"/>
-            <a:ext cx="3624120" cy="3019320"/>
+            <a:ext cx="3623760" cy="3018960"/>
           </a:xfrm>
           <a:prstGeom prst="roundRect">
             <a:avLst>
@@ -15874,7 +20600,7 @@
         <p:spPr>
           <a:xfrm>
             <a:off x="8767440" y="3425040"/>
-            <a:ext cx="3624480" cy="3019680"/>
+            <a:ext cx="3624120" cy="3019320"/>
           </a:xfrm>
           <a:prstGeom prst="roundRect">
             <a:avLst>
@@ -16161,7 +20887,7 @@
         <p:spPr>
           <a:xfrm>
             <a:off x="5224320" y="7104600"/>
-            <a:ext cx="3052440" cy="363960"/>
+            <a:ext cx="3052080" cy="363960"/>
           </a:xfrm>
           <a:prstGeom prst="rect">
             <a:avLst/>
@@ -16245,7 +20971,7 @@
         <p:spPr>
           <a:xfrm>
             <a:off x="1440" y="1800"/>
-            <a:ext cx="13431960" cy="7555320"/>
+            <a:ext cx="13431600" cy="7554960"/>
           </a:xfrm>
           <a:prstGeom prst="rect">
             <a:avLst/>
@@ -16305,7 +21031,7 @@
         <p:spPr>
           <a:xfrm>
             <a:off x="1440" y="1800"/>
-            <a:ext cx="16200" cy="7555320"/>
+            <a:ext cx="15840" cy="7554960"/>
           </a:xfrm>
           <a:prstGeom prst="rect">
             <a:avLst/>
@@ -16365,7 +21091,7 @@
         <p:spPr>
           <a:xfrm>
             <a:off x="1005480" y="1800"/>
-            <a:ext cx="16200" cy="7555320"/>
+            <a:ext cx="15840" cy="7554960"/>
           </a:xfrm>
           <a:prstGeom prst="rect">
             <a:avLst/>
@@ -16425,7 +21151,7 @@
         <p:spPr>
           <a:xfrm>
             <a:off x="2013480" y="1800"/>
-            <a:ext cx="16200" cy="7555320"/>
+            <a:ext cx="15840" cy="7554960"/>
           </a:xfrm>
           <a:prstGeom prst="rect">
             <a:avLst/>
@@ -16485,7 +21211,7 @@
         <p:spPr>
           <a:xfrm>
             <a:off x="3021480" y="1800"/>
-            <a:ext cx="16200" cy="7555320"/>
+            <a:ext cx="15840" cy="7554960"/>
           </a:xfrm>
           <a:prstGeom prst="rect">
             <a:avLst/>
@@ -16545,7 +21271,7 @@
         <p:spPr>
           <a:xfrm>
             <a:off x="4029480" y="1800"/>
-            <a:ext cx="16200" cy="7555320"/>
+            <a:ext cx="15840" cy="7554960"/>
           </a:xfrm>
           <a:prstGeom prst="rect">
             <a:avLst/>
@@ -16605,7 +21331,7 @@
         <p:spPr>
           <a:xfrm>
             <a:off x="5037480" y="1800"/>
-            <a:ext cx="16200" cy="7555320"/>
+            <a:ext cx="15840" cy="7554960"/>
           </a:xfrm>
           <a:prstGeom prst="rect">
             <a:avLst/>
@@ -16665,7 +21391,7 @@
         <p:spPr>
           <a:xfrm>
             <a:off x="6045480" y="1800"/>
-            <a:ext cx="16200" cy="7555320"/>
+            <a:ext cx="15840" cy="7554960"/>
           </a:xfrm>
           <a:prstGeom prst="rect">
             <a:avLst/>
@@ -16725,7 +21451,7 @@
         <p:spPr>
           <a:xfrm>
             <a:off x="7053480" y="1800"/>
-            <a:ext cx="16200" cy="7555320"/>
+            <a:ext cx="15840" cy="7554960"/>
           </a:xfrm>
           <a:prstGeom prst="rect">
             <a:avLst/>
@@ -16785,7 +21511,7 @@
         <p:spPr>
           <a:xfrm>
             <a:off x="8061480" y="1800"/>
-            <a:ext cx="16200" cy="7555320"/>
+            <a:ext cx="15840" cy="7554960"/>
           </a:xfrm>
           <a:prstGeom prst="rect">
             <a:avLst/>
@@ -16845,7 +21571,7 @@
         <p:spPr>
           <a:xfrm>
             <a:off x="9069480" y="1800"/>
-            <a:ext cx="16200" cy="7555320"/>
+            <a:ext cx="15840" cy="7554960"/>
           </a:xfrm>
           <a:prstGeom prst="rect">
             <a:avLst/>
@@ -16905,7 +21631,7 @@
         <p:spPr>
           <a:xfrm>
             <a:off x="10077480" y="1800"/>
-            <a:ext cx="16200" cy="7555320"/>
+            <a:ext cx="15840" cy="7554960"/>
           </a:xfrm>
           <a:prstGeom prst="rect">
             <a:avLst/>
@@ -16965,7 +21691,7 @@
         <p:spPr>
           <a:xfrm>
             <a:off x="11085480" y="1800"/>
-            <a:ext cx="16200" cy="7555320"/>
+            <a:ext cx="15840" cy="7554960"/>
           </a:xfrm>
           <a:prstGeom prst="rect">
             <a:avLst/>
@@ -17025,7 +21751,7 @@
         <p:spPr>
           <a:xfrm>
             <a:off x="12093480" y="1800"/>
-            <a:ext cx="16200" cy="7555320"/>
+            <a:ext cx="15840" cy="7554960"/>
           </a:xfrm>
           <a:prstGeom prst="rect">
             <a:avLst/>
@@ -17085,7 +21811,7 @@
         <p:spPr>
           <a:xfrm>
             <a:off x="13101480" y="1800"/>
-            <a:ext cx="16200" cy="7555320"/>
+            <a:ext cx="15840" cy="7554960"/>
           </a:xfrm>
           <a:prstGeom prst="rect">
             <a:avLst/>
@@ -17145,7 +21871,7 @@
         <p:spPr>
           <a:xfrm>
             <a:off x="1440" y="1800"/>
-            <a:ext cx="348120" cy="7555320"/>
+            <a:ext cx="347760" cy="7554960"/>
           </a:xfrm>
           <a:prstGeom prst="rect">
             <a:avLst/>
@@ -17205,7 +21931,7 @@
         <p:spPr>
           <a:xfrm>
             <a:off x="10884960" y="401400"/>
-            <a:ext cx="2212560" cy="548640"/>
+            <a:ext cx="2212200" cy="548280"/>
           </a:xfrm>
           <a:prstGeom prst="roundRect">
             <a:avLst>
@@ -17279,7 +22005,7 @@
         <p:spPr>
           <a:xfrm>
             <a:off x="1678320" y="1107000"/>
-            <a:ext cx="8744400" cy="820800"/>
+            <a:ext cx="8744040" cy="820800"/>
           </a:xfrm>
           <a:prstGeom prst="rect">
             <a:avLst/>
@@ -17343,7 +22069,7 @@
         <p:spPr>
           <a:xfrm>
             <a:off x="4784760" y="2266200"/>
-            <a:ext cx="3171240" cy="363960"/>
+            <a:ext cx="3170880" cy="363960"/>
           </a:xfrm>
           <a:prstGeom prst="rect">
             <a:avLst/>
@@ -17397,7 +22123,7 @@
         <p:spPr>
           <a:xfrm>
             <a:off x="1086840" y="3506040"/>
-            <a:ext cx="3624120" cy="3019320"/>
+            <a:ext cx="3623760" cy="3018960"/>
           </a:xfrm>
           <a:prstGeom prst="roundRect">
             <a:avLst>
@@ -17459,7 +22185,7 @@
         <p:spPr>
           <a:xfrm>
             <a:off x="1006560" y="3424320"/>
-            <a:ext cx="3624480" cy="3019680"/>
+            <a:ext cx="3624120" cy="3019320"/>
           </a:xfrm>
           <a:prstGeom prst="roundRect">
             <a:avLst>
@@ -17722,7 +22448,7 @@
         <p:spPr>
           <a:xfrm>
             <a:off x="4968360" y="3506040"/>
-            <a:ext cx="3624120" cy="3019320"/>
+            <a:ext cx="3623760" cy="3018960"/>
           </a:xfrm>
           <a:prstGeom prst="roundRect">
             <a:avLst>
@@ -17784,7 +22510,7 @@
         <p:spPr>
           <a:xfrm>
             <a:off x="8849160" y="3506040"/>
-            <a:ext cx="3624120" cy="3019320"/>
+            <a:ext cx="3623760" cy="3018960"/>
           </a:xfrm>
           <a:prstGeom prst="roundRect">
             <a:avLst>
@@ -17846,7 +22572,7 @@
         <p:spPr>
           <a:xfrm>
             <a:off x="8767440" y="3425760"/>
-            <a:ext cx="3624480" cy="3019680"/>
+            <a:ext cx="3624120" cy="3019320"/>
           </a:xfrm>
           <a:prstGeom prst="roundRect">
             <a:avLst>
@@ -18245,7 +22971,7 @@
         <p:spPr>
           <a:xfrm>
             <a:off x="5224320" y="7104600"/>
-            <a:ext cx="3052440" cy="363960"/>
+            <a:ext cx="3052080" cy="363960"/>
           </a:xfrm>
           <a:prstGeom prst="rect">
             <a:avLst/>
@@ -18299,7 +23025,7 @@
         <p:spPr>
           <a:xfrm>
             <a:off x="4941000" y="3449880"/>
-            <a:ext cx="3624480" cy="3019680"/>
+            <a:ext cx="3624120" cy="3019320"/>
           </a:xfrm>
           <a:prstGeom prst="roundRect">
             <a:avLst>
@@ -18633,7 +23359,7 @@
         <p:spPr>
           <a:xfrm>
             <a:off x="1440" y="1800"/>
-            <a:ext cx="13431960" cy="7555320"/>
+            <a:ext cx="13431600" cy="7554960"/>
           </a:xfrm>
           <a:prstGeom prst="rect">
             <a:avLst/>
@@ -18693,7 +23419,7 @@
         <p:spPr>
           <a:xfrm>
             <a:off x="1440" y="1800"/>
-            <a:ext cx="16200" cy="7555320"/>
+            <a:ext cx="15840" cy="7554960"/>
           </a:xfrm>
           <a:prstGeom prst="rect">
             <a:avLst/>
@@ -18753,7 +23479,7 @@
         <p:spPr>
           <a:xfrm>
             <a:off x="1005480" y="1800"/>
-            <a:ext cx="16200" cy="7555320"/>
+            <a:ext cx="15840" cy="7554960"/>
           </a:xfrm>
           <a:prstGeom prst="rect">
             <a:avLst/>
@@ -18813,7 +23539,7 @@
         <p:spPr>
           <a:xfrm>
             <a:off x="2013480" y="1800"/>
-            <a:ext cx="16200" cy="7555320"/>
+            <a:ext cx="15840" cy="7554960"/>
           </a:xfrm>
           <a:prstGeom prst="rect">
             <a:avLst/>
@@ -18873,7 +23599,7 @@
         <p:spPr>
           <a:xfrm>
             <a:off x="3021480" y="1800"/>
-            <a:ext cx="16200" cy="7555320"/>
+            <a:ext cx="15840" cy="7554960"/>
           </a:xfrm>
           <a:prstGeom prst="rect">
             <a:avLst/>
@@ -18933,7 +23659,7 @@
         <p:spPr>
           <a:xfrm>
             <a:off x="4029480" y="1800"/>
-            <a:ext cx="16200" cy="7555320"/>
+            <a:ext cx="15840" cy="7554960"/>
           </a:xfrm>
           <a:prstGeom prst="rect">
             <a:avLst/>
@@ -18993,7 +23719,7 @@
         <p:spPr>
           <a:xfrm>
             <a:off x="5037480" y="1800"/>
-            <a:ext cx="16200" cy="7555320"/>
+            <a:ext cx="15840" cy="7554960"/>
           </a:xfrm>
           <a:prstGeom prst="rect">
             <a:avLst/>
@@ -19053,7 +23779,7 @@
         <p:spPr>
           <a:xfrm>
             <a:off x="6045480" y="1800"/>
-            <a:ext cx="16200" cy="7555320"/>
+            <a:ext cx="15840" cy="7554960"/>
           </a:xfrm>
           <a:prstGeom prst="rect">
             <a:avLst/>
@@ -19113,7 +23839,7 @@
         <p:spPr>
           <a:xfrm>
             <a:off x="7053480" y="1800"/>
-            <a:ext cx="16200" cy="7555320"/>
+            <a:ext cx="15840" cy="7554960"/>
           </a:xfrm>
           <a:prstGeom prst="rect">
             <a:avLst/>
@@ -19173,7 +23899,7 @@
         <p:spPr>
           <a:xfrm>
             <a:off x="8061480" y="1800"/>
-            <a:ext cx="16200" cy="7555320"/>
+            <a:ext cx="15840" cy="7554960"/>
           </a:xfrm>
           <a:prstGeom prst="rect">
             <a:avLst/>
@@ -19233,7 +23959,7 @@
         <p:spPr>
           <a:xfrm>
             <a:off x="9069480" y="1800"/>
-            <a:ext cx="16200" cy="7555320"/>
+            <a:ext cx="15840" cy="7554960"/>
           </a:xfrm>
           <a:prstGeom prst="rect">
             <a:avLst/>
@@ -19293,7 +24019,7 @@
         <p:spPr>
           <a:xfrm>
             <a:off x="10077480" y="1800"/>
-            <a:ext cx="16200" cy="7555320"/>
+            <a:ext cx="15840" cy="7554960"/>
           </a:xfrm>
           <a:prstGeom prst="rect">
             <a:avLst/>
@@ -19353,7 +24079,7 @@
         <p:spPr>
           <a:xfrm>
             <a:off x="11085480" y="1800"/>
-            <a:ext cx="16200" cy="7555320"/>
+            <a:ext cx="15840" cy="7554960"/>
           </a:xfrm>
           <a:prstGeom prst="rect">
             <a:avLst/>
@@ -19413,7 +24139,7 @@
         <p:spPr>
           <a:xfrm>
             <a:off x="12093480" y="1800"/>
-            <a:ext cx="16200" cy="7555320"/>
+            <a:ext cx="15840" cy="7554960"/>
           </a:xfrm>
           <a:prstGeom prst="rect">
             <a:avLst/>
@@ -19473,7 +24199,7 @@
         <p:spPr>
           <a:xfrm>
             <a:off x="13101480" y="1800"/>
-            <a:ext cx="16200" cy="7555320"/>
+            <a:ext cx="15840" cy="7554960"/>
           </a:xfrm>
           <a:prstGeom prst="rect">
             <a:avLst/>
@@ -19533,7 +24259,7 @@
         <p:spPr>
           <a:xfrm>
             <a:off x="1440" y="1800"/>
-            <a:ext cx="348120" cy="7555320"/>
+            <a:ext cx="347760" cy="7554960"/>
           </a:xfrm>
           <a:prstGeom prst="rect">
             <a:avLst/>
@@ -19593,7 +24319,7 @@
         <p:spPr>
           <a:xfrm>
             <a:off x="10884960" y="401400"/>
-            <a:ext cx="2212560" cy="548640"/>
+            <a:ext cx="2212200" cy="548280"/>
           </a:xfrm>
           <a:prstGeom prst="roundRect">
             <a:avLst>
@@ -19667,7 +24393,7 @@
         <p:spPr>
           <a:xfrm>
             <a:off x="1764720" y="1107360"/>
-            <a:ext cx="8576640" cy="729720"/>
+            <a:ext cx="8576280" cy="729720"/>
           </a:xfrm>
           <a:prstGeom prst="rect">
             <a:avLst/>
@@ -19731,7 +24457,7 @@
         <p:spPr>
           <a:xfrm>
             <a:off x="3970080" y="2266200"/>
-            <a:ext cx="4800240" cy="363960"/>
+            <a:ext cx="4799880" cy="363960"/>
           </a:xfrm>
           <a:prstGeom prst="rect">
             <a:avLst/>
@@ -19785,7 +24511,7 @@
         <p:spPr>
           <a:xfrm>
             <a:off x="1086840" y="3506040"/>
-            <a:ext cx="3624120" cy="3019320"/>
+            <a:ext cx="3623760" cy="3018960"/>
           </a:xfrm>
           <a:prstGeom prst="roundRect">
             <a:avLst>
@@ -19847,7 +24573,7 @@
         <p:spPr>
           <a:xfrm>
             <a:off x="1006560" y="3425040"/>
-            <a:ext cx="3624480" cy="3019680"/>
+            <a:ext cx="3624120" cy="3019320"/>
           </a:xfrm>
           <a:prstGeom prst="roundRect">
             <a:avLst>
@@ -20234,7 +24960,7 @@
         <p:spPr>
           <a:xfrm>
             <a:off x="4968360" y="3506040"/>
-            <a:ext cx="3624120" cy="3019320"/>
+            <a:ext cx="3623760" cy="3018960"/>
           </a:xfrm>
           <a:prstGeom prst="roundRect">
             <a:avLst>
@@ -20296,7 +25022,7 @@
         <p:spPr>
           <a:xfrm>
             <a:off x="8849160" y="3506040"/>
-            <a:ext cx="3624120" cy="3019320"/>
+            <a:ext cx="3623760" cy="3018960"/>
           </a:xfrm>
           <a:prstGeom prst="roundRect">
             <a:avLst>
@@ -20358,7 +25084,7 @@
         <p:spPr>
           <a:xfrm>
             <a:off x="8767440" y="3425040"/>
-            <a:ext cx="3624480" cy="3019680"/>
+            <a:ext cx="3624120" cy="3019320"/>
           </a:xfrm>
           <a:prstGeom prst="roundRect">
             <a:avLst>
@@ -20823,7 +25549,7 @@
         <p:spPr>
           <a:xfrm>
             <a:off x="5224320" y="7104600"/>
-            <a:ext cx="3052440" cy="363960"/>
+            <a:ext cx="3052080" cy="363960"/>
           </a:xfrm>
           <a:prstGeom prst="rect">
             <a:avLst/>
@@ -20877,7 +25603,7 @@
         <p:spPr>
           <a:xfrm>
             <a:off x="4941000" y="3449520"/>
-            <a:ext cx="3624480" cy="3019680"/>
+            <a:ext cx="3624120" cy="3019320"/>
           </a:xfrm>
           <a:prstGeom prst="roundRect">
             <a:avLst>
@@ -21284,7 +26010,7 @@
         <p:spPr>
           <a:xfrm>
             <a:off x="1440" y="1800"/>
-            <a:ext cx="13431960" cy="7555320"/>
+            <a:ext cx="13431600" cy="7554960"/>
           </a:xfrm>
           <a:prstGeom prst="rect">
             <a:avLst/>
@@ -21344,7 +26070,7 @@
         <p:spPr>
           <a:xfrm>
             <a:off x="1440" y="1800"/>
-            <a:ext cx="16200" cy="7555320"/>
+            <a:ext cx="15840" cy="7554960"/>
           </a:xfrm>
           <a:prstGeom prst="rect">
             <a:avLst/>
@@ -21404,7 +26130,7 @@
         <p:spPr>
           <a:xfrm>
             <a:off x="1005480" y="1800"/>
-            <a:ext cx="16200" cy="7555320"/>
+            <a:ext cx="15840" cy="7554960"/>
           </a:xfrm>
           <a:prstGeom prst="rect">
             <a:avLst/>
@@ -21464,7 +26190,7 @@
         <p:spPr>
           <a:xfrm>
             <a:off x="2013480" y="1800"/>
-            <a:ext cx="16200" cy="7555320"/>
+            <a:ext cx="15840" cy="7554960"/>
           </a:xfrm>
           <a:prstGeom prst="rect">
             <a:avLst/>
@@ -21524,7 +26250,7 @@
         <p:spPr>
           <a:xfrm>
             <a:off x="3021480" y="1800"/>
-            <a:ext cx="16200" cy="7555320"/>
+            <a:ext cx="15840" cy="7554960"/>
           </a:xfrm>
           <a:prstGeom prst="rect">
             <a:avLst/>
@@ -21584,7 +26310,7 @@
         <p:spPr>
           <a:xfrm>
             <a:off x="4029480" y="1800"/>
-            <a:ext cx="16200" cy="7555320"/>
+            <a:ext cx="15840" cy="7554960"/>
           </a:xfrm>
           <a:prstGeom prst="rect">
             <a:avLst/>
@@ -21644,7 +26370,7 @@
         <p:spPr>
           <a:xfrm>
             <a:off x="5037480" y="1800"/>
-            <a:ext cx="16200" cy="7555320"/>
+            <a:ext cx="15840" cy="7554960"/>
           </a:xfrm>
           <a:prstGeom prst="rect">
             <a:avLst/>
@@ -21704,7 +26430,7 @@
         <p:spPr>
           <a:xfrm>
             <a:off x="6045480" y="1800"/>
-            <a:ext cx="16200" cy="7555320"/>
+            <a:ext cx="15840" cy="7554960"/>
           </a:xfrm>
           <a:prstGeom prst="rect">
             <a:avLst/>
@@ -21764,7 +26490,7 @@
         <p:spPr>
           <a:xfrm>
             <a:off x="7053480" y="1800"/>
-            <a:ext cx="16200" cy="7555320"/>
+            <a:ext cx="15840" cy="7554960"/>
           </a:xfrm>
           <a:prstGeom prst="rect">
             <a:avLst/>
@@ -21824,7 +26550,7 @@
         <p:spPr>
           <a:xfrm>
             <a:off x="8061480" y="1800"/>
-            <a:ext cx="16200" cy="7555320"/>
+            <a:ext cx="15840" cy="7554960"/>
           </a:xfrm>
           <a:prstGeom prst="rect">
             <a:avLst/>
@@ -21884,7 +26610,7 @@
         <p:spPr>
           <a:xfrm>
             <a:off x="9069480" y="1800"/>
-            <a:ext cx="16200" cy="7555320"/>
+            <a:ext cx="15840" cy="7554960"/>
           </a:xfrm>
           <a:prstGeom prst="rect">
             <a:avLst/>
@@ -21944,7 +26670,7 @@
         <p:spPr>
           <a:xfrm>
             <a:off x="10077480" y="1800"/>
-            <a:ext cx="16200" cy="7555320"/>
+            <a:ext cx="15840" cy="7554960"/>
           </a:xfrm>
           <a:prstGeom prst="rect">
             <a:avLst/>
@@ -22004,7 +26730,7 @@
         <p:spPr>
           <a:xfrm>
             <a:off x="11085480" y="1800"/>
-            <a:ext cx="16200" cy="7555320"/>
+            <a:ext cx="15840" cy="7554960"/>
           </a:xfrm>
           <a:prstGeom prst="rect">
             <a:avLst/>
@@ -22064,7 +26790,7 @@
         <p:spPr>
           <a:xfrm>
             <a:off x="12093480" y="1800"/>
-            <a:ext cx="16200" cy="7555320"/>
+            <a:ext cx="15840" cy="7554960"/>
           </a:xfrm>
           <a:prstGeom prst="rect">
             <a:avLst/>
@@ -22124,7 +26850,7 @@
         <p:spPr>
           <a:xfrm>
             <a:off x="13101480" y="1800"/>
-            <a:ext cx="16200" cy="7555320"/>
+            <a:ext cx="15840" cy="7554960"/>
           </a:xfrm>
           <a:prstGeom prst="rect">
             <a:avLst/>
@@ -22184,7 +26910,7 @@
         <p:spPr>
           <a:xfrm>
             <a:off x="1440" y="1800"/>
-            <a:ext cx="348120" cy="7555320"/>
+            <a:ext cx="347760" cy="7554960"/>
           </a:xfrm>
           <a:prstGeom prst="rect">
             <a:avLst/>
@@ -22244,7 +26970,7 @@
         <p:spPr>
           <a:xfrm>
             <a:off x="10884960" y="401400"/>
-            <a:ext cx="2212560" cy="548640"/>
+            <a:ext cx="2212200" cy="548280"/>
           </a:xfrm>
           <a:prstGeom prst="roundRect">
             <a:avLst>
@@ -22318,7 +27044,7 @@
         <p:spPr>
           <a:xfrm>
             <a:off x="179640" y="1107360"/>
-            <a:ext cx="11751480" cy="729720"/>
+            <a:ext cx="11751120" cy="729720"/>
           </a:xfrm>
           <a:prstGeom prst="rect">
             <a:avLst/>
@@ -22382,7 +27108,7 @@
         <p:spPr>
           <a:xfrm>
             <a:off x="3797640" y="2266200"/>
-            <a:ext cx="5147640" cy="363960"/>
+            <a:ext cx="5147280" cy="363960"/>
           </a:xfrm>
           <a:prstGeom prst="rect">
             <a:avLst/>
@@ -22436,7 +27162,7 @@
         <p:spPr>
           <a:xfrm>
             <a:off x="1086840" y="3506040"/>
-            <a:ext cx="3624120" cy="3019320"/>
+            <a:ext cx="3623760" cy="3018960"/>
           </a:xfrm>
           <a:prstGeom prst="roundRect">
             <a:avLst>
@@ -22498,7 +27224,7 @@
         <p:spPr>
           <a:xfrm>
             <a:off x="1006560" y="3425040"/>
-            <a:ext cx="3624480" cy="3019680"/>
+            <a:ext cx="3624120" cy="3019320"/>
           </a:xfrm>
           <a:prstGeom prst="roundRect">
             <a:avLst>
@@ -22875,7 +27601,7 @@
         <p:spPr>
           <a:xfrm>
             <a:off x="4968360" y="3506040"/>
-            <a:ext cx="3624120" cy="3019320"/>
+            <a:ext cx="3623760" cy="3018960"/>
           </a:xfrm>
           <a:prstGeom prst="roundRect">
             <a:avLst>
@@ -22937,7 +27663,7 @@
         <p:spPr>
           <a:xfrm>
             <a:off x="8849160" y="3506040"/>
-            <a:ext cx="3624120" cy="3019320"/>
+            <a:ext cx="3623760" cy="3018960"/>
           </a:xfrm>
           <a:prstGeom prst="roundRect">
             <a:avLst>
@@ -22999,7 +27725,7 @@
         <p:spPr>
           <a:xfrm>
             <a:off x="8767440" y="3425040"/>
-            <a:ext cx="3624480" cy="3019680"/>
+            <a:ext cx="3624120" cy="3019320"/>
           </a:xfrm>
           <a:prstGeom prst="roundRect">
             <a:avLst>
@@ -23510,7 +28236,7 @@
         <p:spPr>
           <a:xfrm>
             <a:off x="5224320" y="7104600"/>
-            <a:ext cx="3052440" cy="363960"/>
+            <a:ext cx="3052080" cy="363960"/>
           </a:xfrm>
           <a:prstGeom prst="rect">
             <a:avLst/>
@@ -23564,7 +28290,7 @@
         <p:spPr>
           <a:xfrm>
             <a:off x="4941000" y="3450960"/>
-            <a:ext cx="3624480" cy="3019680"/>
+            <a:ext cx="3624120" cy="3019320"/>
           </a:xfrm>
           <a:prstGeom prst="roundRect">
             <a:avLst>
@@ -23961,7 +28687,7 @@
         <p:spPr>
           <a:xfrm>
             <a:off x="16920" y="1800"/>
-            <a:ext cx="13431960" cy="7555320"/>
+            <a:ext cx="13431600" cy="7554960"/>
           </a:xfrm>
           <a:prstGeom prst="rect">
             <a:avLst/>
@@ -23997,6 +28723,11 @@
             <a:noAutofit/>
           </a:bodyPr>
           <a:p>
+            <a:pPr>
+              <a:lnSpc>
+                <a:spcPct val="100000"/>
+              </a:lnSpc>
+            </a:pPr>
             <a:endParaRPr b="0" lang="en-US" sz="1800" spc="-1" strike="noStrike">
               <a:solidFill>
                 <a:schemeClr val="lt1"/>
@@ -24016,7 +28747,7 @@
         <p:spPr>
           <a:xfrm>
             <a:off x="1440" y="1800"/>
-            <a:ext cx="16200" cy="7555320"/>
+            <a:ext cx="15840" cy="7554960"/>
           </a:xfrm>
           <a:prstGeom prst="rect">
             <a:avLst/>
@@ -24052,6 +28783,11 @@
             <a:noAutofit/>
           </a:bodyPr>
           <a:p>
+            <a:pPr>
+              <a:lnSpc>
+                <a:spcPct val="100000"/>
+              </a:lnSpc>
+            </a:pPr>
             <a:endParaRPr b="0" lang="en-US" sz="1800" spc="-1" strike="noStrike">
               <a:solidFill>
                 <a:schemeClr val="lt1"/>
@@ -24071,7 +28807,7 @@
         <p:spPr>
           <a:xfrm>
             <a:off x="1005480" y="1800"/>
-            <a:ext cx="16200" cy="7555320"/>
+            <a:ext cx="15840" cy="7554960"/>
           </a:xfrm>
           <a:prstGeom prst="rect">
             <a:avLst/>
@@ -24107,6 +28843,11 @@
             <a:noAutofit/>
           </a:bodyPr>
           <a:p>
+            <a:pPr>
+              <a:lnSpc>
+                <a:spcPct val="100000"/>
+              </a:lnSpc>
+            </a:pPr>
             <a:endParaRPr b="0" lang="en-US" sz="1800" spc="-1" strike="noStrike">
               <a:solidFill>
                 <a:schemeClr val="lt1"/>
@@ -24126,7 +28867,7 @@
         <p:spPr>
           <a:xfrm>
             <a:off x="2013480" y="1800"/>
-            <a:ext cx="16200" cy="7555320"/>
+            <a:ext cx="15840" cy="7554960"/>
           </a:xfrm>
           <a:prstGeom prst="rect">
             <a:avLst/>
@@ -24162,6 +28903,11 @@
             <a:noAutofit/>
           </a:bodyPr>
           <a:p>
+            <a:pPr>
+              <a:lnSpc>
+                <a:spcPct val="100000"/>
+              </a:lnSpc>
+            </a:pPr>
             <a:endParaRPr b="0" lang="en-US" sz="1800" spc="-1" strike="noStrike">
               <a:solidFill>
                 <a:schemeClr val="lt1"/>
@@ -24181,7 +28927,7 @@
         <p:spPr>
           <a:xfrm>
             <a:off x="3021480" y="1800"/>
-            <a:ext cx="16200" cy="7555320"/>
+            <a:ext cx="15840" cy="7554960"/>
           </a:xfrm>
           <a:prstGeom prst="rect">
             <a:avLst/>
@@ -24217,6 +28963,11 @@
             <a:noAutofit/>
           </a:bodyPr>
           <a:p>
+            <a:pPr>
+              <a:lnSpc>
+                <a:spcPct val="100000"/>
+              </a:lnSpc>
+            </a:pPr>
             <a:endParaRPr b="0" lang="en-US" sz="1800" spc="-1" strike="noStrike">
               <a:solidFill>
                 <a:schemeClr val="lt1"/>
@@ -24236,7 +28987,7 @@
         <p:spPr>
           <a:xfrm>
             <a:off x="4029480" y="1800"/>
-            <a:ext cx="16200" cy="7555320"/>
+            <a:ext cx="15840" cy="7554960"/>
           </a:xfrm>
           <a:prstGeom prst="rect">
             <a:avLst/>
@@ -24272,6 +29023,11 @@
             <a:noAutofit/>
           </a:bodyPr>
           <a:p>
+            <a:pPr>
+              <a:lnSpc>
+                <a:spcPct val="100000"/>
+              </a:lnSpc>
+            </a:pPr>
             <a:endParaRPr b="0" lang="en-US" sz="1800" spc="-1" strike="noStrike">
               <a:solidFill>
                 <a:schemeClr val="lt1"/>
@@ -24291,7 +29047,7 @@
         <p:spPr>
           <a:xfrm>
             <a:off x="5037480" y="1800"/>
-            <a:ext cx="16200" cy="7555320"/>
+            <a:ext cx="15840" cy="7554960"/>
           </a:xfrm>
           <a:prstGeom prst="rect">
             <a:avLst/>
@@ -24327,6 +29083,11 @@
             <a:noAutofit/>
           </a:bodyPr>
           <a:p>
+            <a:pPr>
+              <a:lnSpc>
+                <a:spcPct val="100000"/>
+              </a:lnSpc>
+            </a:pPr>
             <a:endParaRPr b="0" lang="en-US" sz="1800" spc="-1" strike="noStrike">
               <a:solidFill>
                 <a:schemeClr val="lt1"/>
@@ -24346,7 +29107,7 @@
         <p:spPr>
           <a:xfrm>
             <a:off x="6045480" y="1800"/>
-            <a:ext cx="16200" cy="7555320"/>
+            <a:ext cx="15840" cy="7554960"/>
           </a:xfrm>
           <a:prstGeom prst="rect">
             <a:avLst/>
@@ -24382,6 +29143,11 @@
             <a:noAutofit/>
           </a:bodyPr>
           <a:p>
+            <a:pPr>
+              <a:lnSpc>
+                <a:spcPct val="100000"/>
+              </a:lnSpc>
+            </a:pPr>
             <a:endParaRPr b="0" lang="en-US" sz="1800" spc="-1" strike="noStrike">
               <a:solidFill>
                 <a:schemeClr val="lt1"/>
@@ -24401,7 +29167,7 @@
         <p:spPr>
           <a:xfrm>
             <a:off x="7053480" y="1800"/>
-            <a:ext cx="16200" cy="7555320"/>
+            <a:ext cx="15840" cy="7554960"/>
           </a:xfrm>
           <a:prstGeom prst="rect">
             <a:avLst/>
@@ -24437,6 +29203,11 @@
             <a:noAutofit/>
           </a:bodyPr>
           <a:p>
+            <a:pPr>
+              <a:lnSpc>
+                <a:spcPct val="100000"/>
+              </a:lnSpc>
+            </a:pPr>
             <a:endParaRPr b="0" lang="en-US" sz="1800" spc="-1" strike="noStrike">
               <a:solidFill>
                 <a:schemeClr val="lt1"/>
@@ -24456,7 +29227,7 @@
         <p:spPr>
           <a:xfrm>
             <a:off x="8061480" y="1800"/>
-            <a:ext cx="16200" cy="7555320"/>
+            <a:ext cx="15840" cy="7554960"/>
           </a:xfrm>
           <a:prstGeom prst="rect">
             <a:avLst/>
@@ -24492,6 +29263,11 @@
             <a:noAutofit/>
           </a:bodyPr>
           <a:p>
+            <a:pPr>
+              <a:lnSpc>
+                <a:spcPct val="100000"/>
+              </a:lnSpc>
+            </a:pPr>
             <a:endParaRPr b="0" lang="en-US" sz="1800" spc="-1" strike="noStrike">
               <a:solidFill>
                 <a:schemeClr val="lt1"/>
@@ -24511,7 +29287,7 @@
         <p:spPr>
           <a:xfrm>
             <a:off x="9069480" y="1800"/>
-            <a:ext cx="16200" cy="7555320"/>
+            <a:ext cx="15840" cy="7554960"/>
           </a:xfrm>
           <a:prstGeom prst="rect">
             <a:avLst/>
@@ -24547,6 +29323,11 @@
             <a:noAutofit/>
           </a:bodyPr>
           <a:p>
+            <a:pPr>
+              <a:lnSpc>
+                <a:spcPct val="100000"/>
+              </a:lnSpc>
+            </a:pPr>
             <a:endParaRPr b="0" lang="en-US" sz="1800" spc="-1" strike="noStrike">
               <a:solidFill>
                 <a:schemeClr val="lt1"/>
@@ -24566,7 +29347,7 @@
         <p:spPr>
           <a:xfrm>
             <a:off x="10077480" y="1800"/>
-            <a:ext cx="16200" cy="7555320"/>
+            <a:ext cx="15840" cy="7554960"/>
           </a:xfrm>
           <a:prstGeom prst="rect">
             <a:avLst/>
@@ -24602,6 +29383,11 @@
             <a:noAutofit/>
           </a:bodyPr>
           <a:p>
+            <a:pPr>
+              <a:lnSpc>
+                <a:spcPct val="100000"/>
+              </a:lnSpc>
+            </a:pPr>
             <a:endParaRPr b="0" lang="en-US" sz="1800" spc="-1" strike="noStrike">
               <a:solidFill>
                 <a:schemeClr val="lt1"/>
@@ -24621,7 +29407,7 @@
         <p:spPr>
           <a:xfrm>
             <a:off x="11085480" y="1800"/>
-            <a:ext cx="16200" cy="7555320"/>
+            <a:ext cx="15840" cy="7554960"/>
           </a:xfrm>
           <a:prstGeom prst="rect">
             <a:avLst/>
@@ -24657,6 +29443,11 @@
             <a:noAutofit/>
           </a:bodyPr>
           <a:p>
+            <a:pPr>
+              <a:lnSpc>
+                <a:spcPct val="100000"/>
+              </a:lnSpc>
+            </a:pPr>
             <a:endParaRPr b="0" lang="en-US" sz="1800" spc="-1" strike="noStrike">
               <a:solidFill>
                 <a:schemeClr val="lt1"/>
@@ -24676,7 +29467,7 @@
         <p:spPr>
           <a:xfrm>
             <a:off x="12093480" y="1800"/>
-            <a:ext cx="16200" cy="7555320"/>
+            <a:ext cx="15840" cy="7554960"/>
           </a:xfrm>
           <a:prstGeom prst="rect">
             <a:avLst/>
@@ -24712,6 +29503,11 @@
             <a:noAutofit/>
           </a:bodyPr>
           <a:p>
+            <a:pPr>
+              <a:lnSpc>
+                <a:spcPct val="100000"/>
+              </a:lnSpc>
+            </a:pPr>
             <a:endParaRPr b="0" lang="en-US" sz="1800" spc="-1" strike="noStrike">
               <a:solidFill>
                 <a:schemeClr val="lt1"/>
@@ -24731,7 +29527,7 @@
         <p:spPr>
           <a:xfrm>
             <a:off x="13101480" y="1800"/>
-            <a:ext cx="16200" cy="7555320"/>
+            <a:ext cx="15840" cy="7554960"/>
           </a:xfrm>
           <a:prstGeom prst="rect">
             <a:avLst/>
@@ -24767,6 +29563,11 @@
             <a:noAutofit/>
           </a:bodyPr>
           <a:p>
+            <a:pPr>
+              <a:lnSpc>
+                <a:spcPct val="100000"/>
+              </a:lnSpc>
+            </a:pPr>
             <a:endParaRPr b="0" lang="en-US" sz="1800" spc="-1" strike="noStrike">
               <a:solidFill>
                 <a:schemeClr val="lt1"/>
@@ -24786,7 +29587,7 @@
         <p:spPr>
           <a:xfrm>
             <a:off x="1440" y="1800"/>
-            <a:ext cx="348120" cy="7555320"/>
+            <a:ext cx="347760" cy="7554960"/>
           </a:xfrm>
           <a:prstGeom prst="rect">
             <a:avLst/>
@@ -24822,6 +29623,11 @@
             <a:noAutofit/>
           </a:bodyPr>
           <a:p>
+            <a:pPr>
+              <a:lnSpc>
+                <a:spcPct val="100000"/>
+              </a:lnSpc>
+            </a:pPr>
             <a:endParaRPr b="0" lang="en-US" sz="1800" spc="-1" strike="noStrike">
               <a:solidFill>
                 <a:schemeClr val="lt1"/>
@@ -24841,7 +29647,7 @@
         <p:spPr>
           <a:xfrm>
             <a:off x="10884960" y="401400"/>
-            <a:ext cx="2212560" cy="548640"/>
+            <a:ext cx="2212200" cy="548280"/>
           </a:xfrm>
           <a:prstGeom prst="roundRect">
             <a:avLst>
@@ -24915,7 +29721,7 @@
         <p:spPr>
           <a:xfrm>
             <a:off x="3444480" y="1107360"/>
-            <a:ext cx="5217840" cy="729720"/>
+            <a:ext cx="5217480" cy="729720"/>
           </a:xfrm>
           <a:prstGeom prst="rect">
             <a:avLst/>
@@ -24979,7 +29785,7 @@
         <p:spPr>
           <a:xfrm>
             <a:off x="4513680" y="2266200"/>
-            <a:ext cx="3715200" cy="363960"/>
+            <a:ext cx="3714840" cy="363960"/>
           </a:xfrm>
           <a:prstGeom prst="rect">
             <a:avLst/>
@@ -25033,7 +29839,7 @@
         <p:spPr>
           <a:xfrm>
             <a:off x="1086840" y="3506040"/>
-            <a:ext cx="3624120" cy="3019320"/>
+            <a:ext cx="3623760" cy="3018960"/>
           </a:xfrm>
           <a:prstGeom prst="roundRect">
             <a:avLst>
@@ -25071,6 +29877,11 @@
             <a:noAutofit/>
           </a:bodyPr>
           <a:p>
+            <a:pPr>
+              <a:lnSpc>
+                <a:spcPct val="100000"/>
+              </a:lnSpc>
+            </a:pPr>
             <a:endParaRPr b="0" lang="en-US" sz="1800" spc="-1" strike="noStrike">
               <a:solidFill>
                 <a:schemeClr val="lt1"/>
@@ -25090,7 +29901,7 @@
         <p:spPr>
           <a:xfrm>
             <a:off x="1006560" y="3425040"/>
-            <a:ext cx="3624480" cy="3019680"/>
+            <a:ext cx="3624120" cy="3019320"/>
           </a:xfrm>
           <a:prstGeom prst="roundRect">
             <a:avLst>
@@ -25422,7 +30233,7 @@
         <p:spPr>
           <a:xfrm>
             <a:off x="4968360" y="3506040"/>
-            <a:ext cx="3624120" cy="3019320"/>
+            <a:ext cx="3623760" cy="3018960"/>
           </a:xfrm>
           <a:prstGeom prst="roundRect">
             <a:avLst>
@@ -25460,6 +30271,11 @@
             <a:noAutofit/>
           </a:bodyPr>
           <a:p>
+            <a:pPr>
+              <a:lnSpc>
+                <a:spcPct val="100000"/>
+              </a:lnSpc>
+            </a:pPr>
             <a:endParaRPr b="0" lang="en-US" sz="1800" spc="-1" strike="noStrike">
               <a:solidFill>
                 <a:schemeClr val="lt1"/>
@@ -25479,7 +30295,7 @@
         <p:spPr>
           <a:xfrm>
             <a:off x="8849160" y="3506040"/>
-            <a:ext cx="3624120" cy="3019320"/>
+            <a:ext cx="3623760" cy="3018960"/>
           </a:xfrm>
           <a:prstGeom prst="roundRect">
             <a:avLst>
@@ -25517,6 +30333,11 @@
             <a:noAutofit/>
           </a:bodyPr>
           <a:p>
+            <a:pPr>
+              <a:lnSpc>
+                <a:spcPct val="100000"/>
+              </a:lnSpc>
+            </a:pPr>
             <a:endParaRPr b="0" lang="en-US" sz="1800" spc="-1" strike="noStrike">
               <a:solidFill>
                 <a:schemeClr val="lt1"/>
@@ -25536,7 +30357,7 @@
         <p:spPr>
           <a:xfrm>
             <a:off x="8767440" y="3425040"/>
-            <a:ext cx="3624480" cy="3019680"/>
+            <a:ext cx="3624120" cy="3019320"/>
           </a:xfrm>
           <a:prstGeom prst="roundRect">
             <a:avLst>
@@ -25823,7 +30644,7 @@
         <p:spPr>
           <a:xfrm>
             <a:off x="5224320" y="7104600"/>
-            <a:ext cx="3052440" cy="363960"/>
+            <a:ext cx="3052080" cy="363960"/>
           </a:xfrm>
           <a:prstGeom prst="rect">
             <a:avLst/>
@@ -25877,7 +30698,7 @@
         <p:spPr>
           <a:xfrm>
             <a:off x="4941000" y="3450960"/>
-            <a:ext cx="3624480" cy="3019680"/>
+            <a:ext cx="3624120" cy="3019320"/>
           </a:xfrm>
           <a:prstGeom prst="roundRect">
             <a:avLst>

--- a/Java/Java #1/EN/Java #1.pptx
+++ b/Java/Java #1/EN/Java #1.pptx
@@ -17,6 +17,8 @@
     <p:sldId id="265" r:id="rId12"/>
     <p:sldId id="266" r:id="rId13"/>
     <p:sldId id="267" r:id="rId14"/>
+    <p:sldId id="268" r:id="rId15"/>
+    <p:sldId id="269" r:id="rId16"/>
   </p:sldIdLst>
   <p:sldSz cx="10080625" cy="7559675"/>
   <p:notesSz cx="7772400" cy="10058400"/>
@@ -74,7 +76,7 @@
         <p:txBody>
           <a:bodyPr/>
           <a:p>
-            <a:fld id="{540A0783-2E95-49A7-B138-841A3302EBC9}" type="slidenum">
+            <a:fld id="{70A88134-F982-489E-8DBF-37F35D0020CC}" type="slidenum">
               <a:t>&lt;#&gt;</a:t>
             </a:fld>
           </a:p>
@@ -283,7 +285,7 @@
         <p:txBody>
           <a:bodyPr/>
           <a:p>
-            <a:fld id="{1F4AF64E-8235-452C-BDE5-41FA8C4CF889}" type="slidenum">
+            <a:fld id="{447881DC-1336-407E-B392-F52AF038D7AB}" type="slidenum">
               <a:t>&lt;#&gt;</a:t>
             </a:fld>
           </a:p>
@@ -578,7 +580,7 @@
         <p:txBody>
           <a:bodyPr/>
           <a:p>
-            <a:fld id="{5FAF9FFB-2762-4FDA-BDC4-245B09B8B3DB}" type="slidenum">
+            <a:fld id="{77F92E3B-1555-43A7-B606-7766A9C649B0}" type="slidenum">
               <a:t>&lt;#&gt;</a:t>
             </a:fld>
           </a:p>
@@ -959,7 +961,7 @@
         <p:txBody>
           <a:bodyPr/>
           <a:p>
-            <a:fld id="{A32D2FFC-B5BE-4842-9AFC-4424DD5D5BF7}" type="slidenum">
+            <a:fld id="{2209F096-FEEF-4575-81A9-1209E87C156F}" type="slidenum">
               <a:t>&lt;#&gt;</a:t>
             </a:fld>
           </a:p>
@@ -1122,7 +1124,7 @@
         <p:txBody>
           <a:bodyPr/>
           <a:p>
-            <a:fld id="{7E435865-1BF9-47DE-AE4C-286DBFC96BC3}" type="slidenum">
+            <a:fld id="{2A577FBF-3281-43BB-B5C6-5B142415631B}" type="slidenum">
               <a:t>&lt;#&gt;</a:t>
             </a:fld>
           </a:p>
@@ -1288,7 +1290,7 @@
         <p:txBody>
           <a:bodyPr/>
           <a:p>
-            <a:fld id="{A9A2863A-95C8-44C2-8C95-3B15DD6ECFEC}" type="slidenum">
+            <a:fld id="{883D2F9E-E621-4475-A2B3-7A2ECBCDD341}" type="slidenum">
               <a:t>&lt;#&gt;</a:t>
             </a:fld>
           </a:p>
@@ -1497,7 +1499,7 @@
         <p:txBody>
           <a:bodyPr/>
           <a:p>
-            <a:fld id="{44F1150F-C20A-4AE8-A07A-6807E6F85398}" type="slidenum">
+            <a:fld id="{904B4B1A-849F-4038-B451-9FA7F1668B56}" type="slidenum">
               <a:t>&lt;#&gt;</a:t>
             </a:fld>
           </a:p>
@@ -1620,7 +1622,7 @@
         <p:txBody>
           <a:bodyPr/>
           <a:p>
-            <a:fld id="{188432F3-C4B4-4C79-B3D9-A1EE9524E93B}" type="slidenum">
+            <a:fld id="{3D9193DF-6D2D-4081-9E8F-0009E1467B51}" type="slidenum">
               <a:t>&lt;#&gt;</a:t>
             </a:fld>
           </a:p>
@@ -1741,7 +1743,7 @@
         <p:txBody>
           <a:bodyPr/>
           <a:p>
-            <a:fld id="{981238B7-936E-43CE-B103-A586D4FF2C5E}" type="slidenum">
+            <a:fld id="{0D41C6D7-7E01-4299-9264-071045A345F7}" type="slidenum">
               <a:t>&lt;#&gt;</a:t>
             </a:fld>
           </a:p>
@@ -1993,7 +1995,7 @@
         <p:txBody>
           <a:bodyPr/>
           <a:p>
-            <a:fld id="{38D4C56D-A0DB-4EDC-84E4-A874E1715D0D}" type="slidenum">
+            <a:fld id="{F41FA82A-93A1-4C8B-94C7-94287D3DF52D}" type="slidenum">
               <a:t>&lt;#&gt;</a:t>
             </a:fld>
           </a:p>
@@ -2245,7 +2247,7 @@
         <p:txBody>
           <a:bodyPr/>
           <a:p>
-            <a:fld id="{D84933DA-A94E-4AC1-BB13-38D15257D26D}" type="slidenum">
+            <a:fld id="{623033C6-8EDA-4FBB-B683-DA2E58CC9A35}" type="slidenum">
               <a:t>&lt;#&gt;</a:t>
             </a:fld>
           </a:p>
@@ -2497,7 +2499,7 @@
         <p:txBody>
           <a:bodyPr/>
           <a:p>
-            <a:fld id="{B06AFCF4-6158-4593-A360-70106CA7A76E}" type="slidenum">
+            <a:fld id="{37507DCF-D4EC-47F0-AAD9-83DE1423BC5B}" type="slidenum">
               <a:t>&lt;#&gt;</a:t>
             </a:fld>
           </a:p>
@@ -2566,7 +2568,7 @@
         <p:spPr>
           <a:xfrm>
             <a:off x="3442320" y="7005240"/>
-            <a:ext cx="3186720" cy="397080"/>
+            <a:ext cx="3186360" cy="396720"/>
           </a:xfrm>
           <a:prstGeom prst="rect">
             <a:avLst/>
@@ -2638,7 +2640,7 @@
         <p:spPr>
           <a:xfrm>
             <a:off x="7223040" y="7005240"/>
-            <a:ext cx="2347200" cy="397080"/>
+            <a:ext cx="2346840" cy="396720"/>
           </a:xfrm>
           <a:prstGeom prst="rect">
             <a:avLst/>
@@ -2679,7 +2681,7 @@
                 <a:tab algn="l" pos="0"/>
               </a:tabLst>
             </a:pPr>
-            <a:fld id="{3204DC4E-52D6-4434-9B3E-6487EF5CE877}" type="slidenum">
+            <a:fld id="{87C5F9F0-4472-40D2-9A8A-66F751FD0D62}" type="slidenum">
               <a:rPr b="0" lang="en-US" sz="1200" spc="-1" strike="noStrike">
                 <a:solidFill>
                   <a:srgbClr val="8b8b8b"/>
@@ -2710,7 +2712,7 @@
         <p:spPr>
           <a:xfrm>
             <a:off x="502920" y="7005240"/>
-            <a:ext cx="2347200" cy="397080"/>
+            <a:ext cx="2346840" cy="396720"/>
           </a:xfrm>
           <a:prstGeom prst="rect">
             <a:avLst/>
@@ -3077,7 +3079,7 @@
         <p:spPr>
           <a:xfrm>
             <a:off x="1440" y="1800"/>
-            <a:ext cx="13431600" cy="7554960"/>
+            <a:ext cx="13431240" cy="7554600"/>
           </a:xfrm>
           <a:prstGeom prst="rect">
             <a:avLst/>
@@ -3137,7 +3139,7 @@
         <p:spPr>
           <a:xfrm>
             <a:off x="1440" y="1800"/>
-            <a:ext cx="15840" cy="7554960"/>
+            <a:ext cx="15480" cy="7554600"/>
           </a:xfrm>
           <a:prstGeom prst="rect">
             <a:avLst/>
@@ -3197,7 +3199,7 @@
         <p:spPr>
           <a:xfrm>
             <a:off x="1005480" y="1800"/>
-            <a:ext cx="15840" cy="7554960"/>
+            <a:ext cx="15480" cy="7554600"/>
           </a:xfrm>
           <a:prstGeom prst="rect">
             <a:avLst/>
@@ -3257,7 +3259,7 @@
         <p:spPr>
           <a:xfrm>
             <a:off x="2013480" y="1800"/>
-            <a:ext cx="15840" cy="7554960"/>
+            <a:ext cx="15480" cy="7554600"/>
           </a:xfrm>
           <a:prstGeom prst="rect">
             <a:avLst/>
@@ -3317,7 +3319,7 @@
         <p:spPr>
           <a:xfrm>
             <a:off x="3021480" y="1800"/>
-            <a:ext cx="15840" cy="7554960"/>
+            <a:ext cx="15480" cy="7554600"/>
           </a:xfrm>
           <a:prstGeom prst="rect">
             <a:avLst/>
@@ -3377,7 +3379,7 @@
         <p:spPr>
           <a:xfrm>
             <a:off x="4029480" y="1800"/>
-            <a:ext cx="15840" cy="7554960"/>
+            <a:ext cx="15480" cy="7554600"/>
           </a:xfrm>
           <a:prstGeom prst="rect">
             <a:avLst/>
@@ -3437,7 +3439,7 @@
         <p:spPr>
           <a:xfrm>
             <a:off x="5037480" y="1800"/>
-            <a:ext cx="15840" cy="7554960"/>
+            <a:ext cx="15480" cy="7554600"/>
           </a:xfrm>
           <a:prstGeom prst="rect">
             <a:avLst/>
@@ -3497,7 +3499,7 @@
         <p:spPr>
           <a:xfrm>
             <a:off x="6045480" y="1800"/>
-            <a:ext cx="15840" cy="7554960"/>
+            <a:ext cx="15480" cy="7554600"/>
           </a:xfrm>
           <a:prstGeom prst="rect">
             <a:avLst/>
@@ -3557,7 +3559,7 @@
         <p:spPr>
           <a:xfrm>
             <a:off x="7053480" y="1800"/>
-            <a:ext cx="15840" cy="7554960"/>
+            <a:ext cx="15480" cy="7554600"/>
           </a:xfrm>
           <a:prstGeom prst="rect">
             <a:avLst/>
@@ -3617,7 +3619,7 @@
         <p:spPr>
           <a:xfrm>
             <a:off x="8061480" y="1800"/>
-            <a:ext cx="15840" cy="7554960"/>
+            <a:ext cx="15480" cy="7554600"/>
           </a:xfrm>
           <a:prstGeom prst="rect">
             <a:avLst/>
@@ -3677,7 +3679,7 @@
         <p:spPr>
           <a:xfrm>
             <a:off x="9069480" y="1800"/>
-            <a:ext cx="15840" cy="7554960"/>
+            <a:ext cx="15480" cy="7554600"/>
           </a:xfrm>
           <a:prstGeom prst="rect">
             <a:avLst/>
@@ -3737,7 +3739,7 @@
         <p:spPr>
           <a:xfrm>
             <a:off x="10077480" y="1800"/>
-            <a:ext cx="15840" cy="7554960"/>
+            <a:ext cx="15480" cy="7554600"/>
           </a:xfrm>
           <a:prstGeom prst="rect">
             <a:avLst/>
@@ -3797,7 +3799,7 @@
         <p:spPr>
           <a:xfrm>
             <a:off x="11085480" y="1800"/>
-            <a:ext cx="15840" cy="7554960"/>
+            <a:ext cx="15480" cy="7554600"/>
           </a:xfrm>
           <a:prstGeom prst="rect">
             <a:avLst/>
@@ -3857,7 +3859,7 @@
         <p:spPr>
           <a:xfrm>
             <a:off x="12093480" y="1800"/>
-            <a:ext cx="15840" cy="7554960"/>
+            <a:ext cx="15480" cy="7554600"/>
           </a:xfrm>
           <a:prstGeom prst="rect">
             <a:avLst/>
@@ -3917,7 +3919,7 @@
         <p:spPr>
           <a:xfrm>
             <a:off x="13101480" y="1800"/>
-            <a:ext cx="15840" cy="7554960"/>
+            <a:ext cx="15480" cy="7554600"/>
           </a:xfrm>
           <a:prstGeom prst="rect">
             <a:avLst/>
@@ -3977,7 +3979,7 @@
         <p:spPr>
           <a:xfrm>
             <a:off x="1440" y="1800"/>
-            <a:ext cx="347760" cy="7554960"/>
+            <a:ext cx="347400" cy="7554600"/>
           </a:xfrm>
           <a:prstGeom prst="rect">
             <a:avLst/>
@@ -4037,7 +4039,7 @@
         <p:spPr>
           <a:xfrm>
             <a:off x="10884960" y="401400"/>
-            <a:ext cx="2212200" cy="548280"/>
+            <a:ext cx="2211840" cy="547920"/>
           </a:xfrm>
           <a:prstGeom prst="roundRect">
             <a:avLst>
@@ -4111,7 +4113,7 @@
         <p:spPr>
           <a:xfrm>
             <a:off x="4376880" y="1107000"/>
-            <a:ext cx="3335400" cy="820800"/>
+            <a:ext cx="3335040" cy="820800"/>
           </a:xfrm>
           <a:prstGeom prst="rect">
             <a:avLst/>
@@ -4165,7 +4167,7 @@
         <p:spPr>
           <a:xfrm>
             <a:off x="1824120" y="2266200"/>
-            <a:ext cx="9096120" cy="668520"/>
+            <a:ext cx="9095760" cy="668520"/>
           </a:xfrm>
           <a:prstGeom prst="rect">
             <a:avLst/>
@@ -4232,7 +4234,7 @@
         <p:spPr>
           <a:xfrm>
             <a:off x="1086840" y="3506040"/>
-            <a:ext cx="3623760" cy="3018960"/>
+            <a:ext cx="3623400" cy="3018600"/>
           </a:xfrm>
           <a:prstGeom prst="roundRect">
             <a:avLst>
@@ -4294,7 +4296,7 @@
         <p:spPr>
           <a:xfrm>
             <a:off x="1006560" y="3425760"/>
-            <a:ext cx="3624120" cy="3019320"/>
+            <a:ext cx="3623760" cy="3018960"/>
           </a:xfrm>
           <a:prstGeom prst="roundRect">
             <a:avLst>
@@ -4444,7 +4446,7 @@
         <p:spPr>
           <a:xfrm>
             <a:off x="4968360" y="3506040"/>
-            <a:ext cx="3623760" cy="3018960"/>
+            <a:ext cx="3623400" cy="3018600"/>
           </a:xfrm>
           <a:prstGeom prst="roundRect">
             <a:avLst>
@@ -4506,7 +4508,7 @@
         <p:spPr>
           <a:xfrm>
             <a:off x="4886640" y="3425760"/>
-            <a:ext cx="3624120" cy="3019320"/>
+            <a:ext cx="3623760" cy="3018960"/>
           </a:xfrm>
           <a:prstGeom prst="roundRect">
             <a:avLst>
@@ -4758,7 +4760,7 @@
         <p:spPr>
           <a:xfrm>
             <a:off x="8849160" y="3506040"/>
-            <a:ext cx="3623760" cy="3018960"/>
+            <a:ext cx="3623400" cy="3018600"/>
           </a:xfrm>
           <a:prstGeom prst="roundRect">
             <a:avLst>
@@ -4820,7 +4822,7 @@
         <p:spPr>
           <a:xfrm>
             <a:off x="8767440" y="3425760"/>
-            <a:ext cx="3624120" cy="3019320"/>
+            <a:ext cx="3623760" cy="3018960"/>
           </a:xfrm>
           <a:prstGeom prst="roundRect">
             <a:avLst>
@@ -4894,7 +4896,7 @@
         <p:spPr>
           <a:xfrm>
             <a:off x="5224320" y="7104600"/>
-            <a:ext cx="3052080" cy="363960"/>
+            <a:ext cx="3051720" cy="363960"/>
           </a:xfrm>
           <a:prstGeom prst="rect">
             <a:avLst/>
@@ -4978,7 +4980,7 @@
         <p:spPr>
           <a:xfrm>
             <a:off x="16920" y="1800"/>
-            <a:ext cx="13431600" cy="7554960"/>
+            <a:ext cx="13431240" cy="7554600"/>
           </a:xfrm>
           <a:prstGeom prst="rect">
             <a:avLst/>
@@ -5038,7 +5040,7 @@
         <p:spPr>
           <a:xfrm>
             <a:off x="1440" y="1800"/>
-            <a:ext cx="15840" cy="7554960"/>
+            <a:ext cx="15480" cy="7554600"/>
           </a:xfrm>
           <a:prstGeom prst="rect">
             <a:avLst/>
@@ -5098,7 +5100,7 @@
         <p:spPr>
           <a:xfrm>
             <a:off x="1005480" y="1800"/>
-            <a:ext cx="15840" cy="7554960"/>
+            <a:ext cx="15480" cy="7554600"/>
           </a:xfrm>
           <a:prstGeom prst="rect">
             <a:avLst/>
@@ -5158,7 +5160,7 @@
         <p:spPr>
           <a:xfrm>
             <a:off x="2013480" y="1800"/>
-            <a:ext cx="15840" cy="7554960"/>
+            <a:ext cx="15480" cy="7554600"/>
           </a:xfrm>
           <a:prstGeom prst="rect">
             <a:avLst/>
@@ -5218,7 +5220,7 @@
         <p:spPr>
           <a:xfrm>
             <a:off x="3021480" y="1800"/>
-            <a:ext cx="15840" cy="7554960"/>
+            <a:ext cx="15480" cy="7554600"/>
           </a:xfrm>
           <a:prstGeom prst="rect">
             <a:avLst/>
@@ -5278,7 +5280,7 @@
         <p:spPr>
           <a:xfrm>
             <a:off x="4029480" y="1800"/>
-            <a:ext cx="15840" cy="7554960"/>
+            <a:ext cx="15480" cy="7554600"/>
           </a:xfrm>
           <a:prstGeom prst="rect">
             <a:avLst/>
@@ -5338,7 +5340,7 @@
         <p:spPr>
           <a:xfrm>
             <a:off x="5037480" y="1800"/>
-            <a:ext cx="15840" cy="7554960"/>
+            <a:ext cx="15480" cy="7554600"/>
           </a:xfrm>
           <a:prstGeom prst="rect">
             <a:avLst/>
@@ -5398,7 +5400,7 @@
         <p:spPr>
           <a:xfrm>
             <a:off x="6045480" y="1800"/>
-            <a:ext cx="15840" cy="7554960"/>
+            <a:ext cx="15480" cy="7554600"/>
           </a:xfrm>
           <a:prstGeom prst="rect">
             <a:avLst/>
@@ -5458,7 +5460,7 @@
         <p:spPr>
           <a:xfrm>
             <a:off x="7053480" y="1800"/>
-            <a:ext cx="15840" cy="7554960"/>
+            <a:ext cx="15480" cy="7554600"/>
           </a:xfrm>
           <a:prstGeom prst="rect">
             <a:avLst/>
@@ -5518,7 +5520,7 @@
         <p:spPr>
           <a:xfrm>
             <a:off x="8061480" y="1800"/>
-            <a:ext cx="15840" cy="7554960"/>
+            <a:ext cx="15480" cy="7554600"/>
           </a:xfrm>
           <a:prstGeom prst="rect">
             <a:avLst/>
@@ -5578,7 +5580,7 @@
         <p:spPr>
           <a:xfrm>
             <a:off x="9069480" y="1800"/>
-            <a:ext cx="15840" cy="7554960"/>
+            <a:ext cx="15480" cy="7554600"/>
           </a:xfrm>
           <a:prstGeom prst="rect">
             <a:avLst/>
@@ -5638,7 +5640,7 @@
         <p:spPr>
           <a:xfrm>
             <a:off x="10077480" y="1800"/>
-            <a:ext cx="15840" cy="7554960"/>
+            <a:ext cx="15480" cy="7554600"/>
           </a:xfrm>
           <a:prstGeom prst="rect">
             <a:avLst/>
@@ -5698,7 +5700,7 @@
         <p:spPr>
           <a:xfrm>
             <a:off x="11085480" y="1800"/>
-            <a:ext cx="15840" cy="7554960"/>
+            <a:ext cx="15480" cy="7554600"/>
           </a:xfrm>
           <a:prstGeom prst="rect">
             <a:avLst/>
@@ -5758,7 +5760,7 @@
         <p:spPr>
           <a:xfrm>
             <a:off x="12093480" y="1800"/>
-            <a:ext cx="15840" cy="7554960"/>
+            <a:ext cx="15480" cy="7554600"/>
           </a:xfrm>
           <a:prstGeom prst="rect">
             <a:avLst/>
@@ -5818,7 +5820,7 @@
         <p:spPr>
           <a:xfrm>
             <a:off x="13101480" y="1800"/>
-            <a:ext cx="15840" cy="7554960"/>
+            <a:ext cx="15480" cy="7554600"/>
           </a:xfrm>
           <a:prstGeom prst="rect">
             <a:avLst/>
@@ -5878,7 +5880,7 @@
         <p:spPr>
           <a:xfrm>
             <a:off x="1440" y="1800"/>
-            <a:ext cx="347760" cy="7554960"/>
+            <a:ext cx="347400" cy="7554600"/>
           </a:xfrm>
           <a:prstGeom prst="rect">
             <a:avLst/>
@@ -5938,7 +5940,7 @@
         <p:spPr>
           <a:xfrm>
             <a:off x="10884960" y="401400"/>
-            <a:ext cx="2212200" cy="548280"/>
+            <a:ext cx="2211840" cy="547920"/>
           </a:xfrm>
           <a:prstGeom prst="roundRect">
             <a:avLst>
@@ -6012,7 +6014,7 @@
         <p:spPr>
           <a:xfrm>
             <a:off x="2260440" y="1107360"/>
-            <a:ext cx="7588800" cy="729720"/>
+            <a:ext cx="7588440" cy="729720"/>
           </a:xfrm>
           <a:prstGeom prst="rect">
             <a:avLst/>
@@ -6076,7 +6078,7 @@
         <p:spPr>
           <a:xfrm>
             <a:off x="4847040" y="2266200"/>
-            <a:ext cx="3047400" cy="363960"/>
+            <a:ext cx="3047040" cy="363960"/>
           </a:xfrm>
           <a:prstGeom prst="rect">
             <a:avLst/>
@@ -6130,7 +6132,7 @@
         <p:spPr>
           <a:xfrm>
             <a:off x="1086840" y="3506040"/>
-            <a:ext cx="3623760" cy="3018960"/>
+            <a:ext cx="3623400" cy="3018600"/>
           </a:xfrm>
           <a:prstGeom prst="roundRect">
             <a:avLst>
@@ -6192,7 +6194,7 @@
         <p:spPr>
           <a:xfrm>
             <a:off x="1006560" y="3424320"/>
-            <a:ext cx="3624120" cy="3019320"/>
+            <a:ext cx="3623760" cy="3018960"/>
           </a:xfrm>
           <a:prstGeom prst="roundRect">
             <a:avLst>
@@ -6430,7 +6432,7 @@
         <p:spPr>
           <a:xfrm>
             <a:off x="4968360" y="3506040"/>
-            <a:ext cx="3623760" cy="3018960"/>
+            <a:ext cx="3623400" cy="3018600"/>
           </a:xfrm>
           <a:prstGeom prst="roundRect">
             <a:avLst>
@@ -6492,7 +6494,7 @@
         <p:spPr>
           <a:xfrm>
             <a:off x="8849160" y="3506040"/>
-            <a:ext cx="3623760" cy="3018960"/>
+            <a:ext cx="3623400" cy="3018600"/>
           </a:xfrm>
           <a:prstGeom prst="roundRect">
             <a:avLst>
@@ -6554,7 +6556,7 @@
         <p:spPr>
           <a:xfrm>
             <a:off x="8767440" y="3425040"/>
-            <a:ext cx="3624120" cy="3019320"/>
+            <a:ext cx="3623760" cy="3018960"/>
           </a:xfrm>
           <a:prstGeom prst="roundRect">
             <a:avLst>
@@ -6854,7 +6856,7 @@
         <p:spPr>
           <a:xfrm>
             <a:off x="5224320" y="7104600"/>
-            <a:ext cx="3052080" cy="363960"/>
+            <a:ext cx="3051720" cy="363960"/>
           </a:xfrm>
           <a:prstGeom prst="rect">
             <a:avLst/>
@@ -6908,7 +6910,7 @@
         <p:spPr>
           <a:xfrm>
             <a:off x="4941000" y="3450960"/>
-            <a:ext cx="3624120" cy="3019320"/>
+            <a:ext cx="3623760" cy="3018960"/>
           </a:xfrm>
           <a:prstGeom prst="roundRect">
             <a:avLst>
@@ -7163,7 +7165,7 @@
         <p:spPr>
           <a:xfrm>
             <a:off x="16920" y="1800"/>
-            <a:ext cx="13431600" cy="7554960"/>
+            <a:ext cx="13431240" cy="7554600"/>
           </a:xfrm>
           <a:prstGeom prst="rect">
             <a:avLst/>
@@ -7199,6 +7201,11 @@
             <a:noAutofit/>
           </a:bodyPr>
           <a:p>
+            <a:pPr>
+              <a:lnSpc>
+                <a:spcPct val="100000"/>
+              </a:lnSpc>
+            </a:pPr>
             <a:endParaRPr b="0" lang="en-US" sz="1800" spc="-1" strike="noStrike">
               <a:solidFill>
                 <a:schemeClr val="lt1"/>
@@ -7218,7 +7225,7 @@
         <p:spPr>
           <a:xfrm>
             <a:off x="1440" y="1800"/>
-            <a:ext cx="15840" cy="7554960"/>
+            <a:ext cx="15480" cy="7554600"/>
           </a:xfrm>
           <a:prstGeom prst="rect">
             <a:avLst/>
@@ -7254,6 +7261,11 @@
             <a:noAutofit/>
           </a:bodyPr>
           <a:p>
+            <a:pPr>
+              <a:lnSpc>
+                <a:spcPct val="100000"/>
+              </a:lnSpc>
+            </a:pPr>
             <a:endParaRPr b="0" lang="en-US" sz="1800" spc="-1" strike="noStrike">
               <a:solidFill>
                 <a:schemeClr val="lt1"/>
@@ -7273,7 +7285,7 @@
         <p:spPr>
           <a:xfrm>
             <a:off x="1005480" y="1800"/>
-            <a:ext cx="15840" cy="7554960"/>
+            <a:ext cx="15480" cy="7554600"/>
           </a:xfrm>
           <a:prstGeom prst="rect">
             <a:avLst/>
@@ -7309,6 +7321,11 @@
             <a:noAutofit/>
           </a:bodyPr>
           <a:p>
+            <a:pPr>
+              <a:lnSpc>
+                <a:spcPct val="100000"/>
+              </a:lnSpc>
+            </a:pPr>
             <a:endParaRPr b="0" lang="en-US" sz="1800" spc="-1" strike="noStrike">
               <a:solidFill>
                 <a:schemeClr val="lt1"/>
@@ -7328,7 +7345,7 @@
         <p:spPr>
           <a:xfrm>
             <a:off x="2013480" y="1800"/>
-            <a:ext cx="15840" cy="7554960"/>
+            <a:ext cx="15480" cy="7554600"/>
           </a:xfrm>
           <a:prstGeom prst="rect">
             <a:avLst/>
@@ -7364,6 +7381,11 @@
             <a:noAutofit/>
           </a:bodyPr>
           <a:p>
+            <a:pPr>
+              <a:lnSpc>
+                <a:spcPct val="100000"/>
+              </a:lnSpc>
+            </a:pPr>
             <a:endParaRPr b="0" lang="en-US" sz="1800" spc="-1" strike="noStrike">
               <a:solidFill>
                 <a:schemeClr val="lt1"/>
@@ -7383,7 +7405,7 @@
         <p:spPr>
           <a:xfrm>
             <a:off x="3021480" y="1800"/>
-            <a:ext cx="15840" cy="7554960"/>
+            <a:ext cx="15480" cy="7554600"/>
           </a:xfrm>
           <a:prstGeom prst="rect">
             <a:avLst/>
@@ -7419,6 +7441,11 @@
             <a:noAutofit/>
           </a:bodyPr>
           <a:p>
+            <a:pPr>
+              <a:lnSpc>
+                <a:spcPct val="100000"/>
+              </a:lnSpc>
+            </a:pPr>
             <a:endParaRPr b="0" lang="en-US" sz="1800" spc="-1" strike="noStrike">
               <a:solidFill>
                 <a:schemeClr val="lt1"/>
@@ -7438,7 +7465,7 @@
         <p:spPr>
           <a:xfrm>
             <a:off x="4029480" y="1800"/>
-            <a:ext cx="15840" cy="7554960"/>
+            <a:ext cx="15480" cy="7554600"/>
           </a:xfrm>
           <a:prstGeom prst="rect">
             <a:avLst/>
@@ -7474,6 +7501,11 @@
             <a:noAutofit/>
           </a:bodyPr>
           <a:p>
+            <a:pPr>
+              <a:lnSpc>
+                <a:spcPct val="100000"/>
+              </a:lnSpc>
+            </a:pPr>
             <a:endParaRPr b="0" lang="en-US" sz="1800" spc="-1" strike="noStrike">
               <a:solidFill>
                 <a:schemeClr val="lt1"/>
@@ -7493,7 +7525,7 @@
         <p:spPr>
           <a:xfrm>
             <a:off x="5037480" y="1800"/>
-            <a:ext cx="15840" cy="7554960"/>
+            <a:ext cx="15480" cy="7554600"/>
           </a:xfrm>
           <a:prstGeom prst="rect">
             <a:avLst/>
@@ -7529,6 +7561,11 @@
             <a:noAutofit/>
           </a:bodyPr>
           <a:p>
+            <a:pPr>
+              <a:lnSpc>
+                <a:spcPct val="100000"/>
+              </a:lnSpc>
+            </a:pPr>
             <a:endParaRPr b="0" lang="en-US" sz="1800" spc="-1" strike="noStrike">
               <a:solidFill>
                 <a:schemeClr val="lt1"/>
@@ -7548,7 +7585,7 @@
         <p:spPr>
           <a:xfrm>
             <a:off x="6045480" y="1800"/>
-            <a:ext cx="15840" cy="7554960"/>
+            <a:ext cx="15480" cy="7554600"/>
           </a:xfrm>
           <a:prstGeom prst="rect">
             <a:avLst/>
@@ -7584,6 +7621,11 @@
             <a:noAutofit/>
           </a:bodyPr>
           <a:p>
+            <a:pPr>
+              <a:lnSpc>
+                <a:spcPct val="100000"/>
+              </a:lnSpc>
+            </a:pPr>
             <a:endParaRPr b="0" lang="en-US" sz="1800" spc="-1" strike="noStrike">
               <a:solidFill>
                 <a:schemeClr val="lt1"/>
@@ -7603,7 +7645,7 @@
         <p:spPr>
           <a:xfrm>
             <a:off x="7053480" y="1800"/>
-            <a:ext cx="15840" cy="7554960"/>
+            <a:ext cx="15480" cy="7554600"/>
           </a:xfrm>
           <a:prstGeom prst="rect">
             <a:avLst/>
@@ -7639,6 +7681,11 @@
             <a:noAutofit/>
           </a:bodyPr>
           <a:p>
+            <a:pPr>
+              <a:lnSpc>
+                <a:spcPct val="100000"/>
+              </a:lnSpc>
+            </a:pPr>
             <a:endParaRPr b="0" lang="en-US" sz="1800" spc="-1" strike="noStrike">
               <a:solidFill>
                 <a:schemeClr val="lt1"/>
@@ -7658,7 +7705,7 @@
         <p:spPr>
           <a:xfrm>
             <a:off x="8061480" y="1800"/>
-            <a:ext cx="15840" cy="7554960"/>
+            <a:ext cx="15480" cy="7554600"/>
           </a:xfrm>
           <a:prstGeom prst="rect">
             <a:avLst/>
@@ -7694,6 +7741,11 @@
             <a:noAutofit/>
           </a:bodyPr>
           <a:p>
+            <a:pPr>
+              <a:lnSpc>
+                <a:spcPct val="100000"/>
+              </a:lnSpc>
+            </a:pPr>
             <a:endParaRPr b="0" lang="en-US" sz="1800" spc="-1" strike="noStrike">
               <a:solidFill>
                 <a:schemeClr val="lt1"/>
@@ -7713,7 +7765,7 @@
         <p:spPr>
           <a:xfrm>
             <a:off x="9069480" y="1800"/>
-            <a:ext cx="15840" cy="7554960"/>
+            <a:ext cx="15480" cy="7554600"/>
           </a:xfrm>
           <a:prstGeom prst="rect">
             <a:avLst/>
@@ -7749,6 +7801,11 @@
             <a:noAutofit/>
           </a:bodyPr>
           <a:p>
+            <a:pPr>
+              <a:lnSpc>
+                <a:spcPct val="100000"/>
+              </a:lnSpc>
+            </a:pPr>
             <a:endParaRPr b="0" lang="en-US" sz="1800" spc="-1" strike="noStrike">
               <a:solidFill>
                 <a:schemeClr val="lt1"/>
@@ -7768,7 +7825,7 @@
         <p:spPr>
           <a:xfrm>
             <a:off x="10077480" y="1800"/>
-            <a:ext cx="15840" cy="7554960"/>
+            <a:ext cx="15480" cy="7554600"/>
           </a:xfrm>
           <a:prstGeom prst="rect">
             <a:avLst/>
@@ -7804,6 +7861,11 @@
             <a:noAutofit/>
           </a:bodyPr>
           <a:p>
+            <a:pPr>
+              <a:lnSpc>
+                <a:spcPct val="100000"/>
+              </a:lnSpc>
+            </a:pPr>
             <a:endParaRPr b="0" lang="en-US" sz="1800" spc="-1" strike="noStrike">
               <a:solidFill>
                 <a:schemeClr val="lt1"/>
@@ -7823,7 +7885,7 @@
         <p:spPr>
           <a:xfrm>
             <a:off x="11085480" y="1800"/>
-            <a:ext cx="15840" cy="7554960"/>
+            <a:ext cx="15480" cy="7554600"/>
           </a:xfrm>
           <a:prstGeom prst="rect">
             <a:avLst/>
@@ -7859,6 +7921,11 @@
             <a:noAutofit/>
           </a:bodyPr>
           <a:p>
+            <a:pPr>
+              <a:lnSpc>
+                <a:spcPct val="100000"/>
+              </a:lnSpc>
+            </a:pPr>
             <a:endParaRPr b="0" lang="en-US" sz="1800" spc="-1" strike="noStrike">
               <a:solidFill>
                 <a:schemeClr val="lt1"/>
@@ -7878,7 +7945,7 @@
         <p:spPr>
           <a:xfrm>
             <a:off x="12093480" y="1800"/>
-            <a:ext cx="15840" cy="7554960"/>
+            <a:ext cx="15480" cy="7554600"/>
           </a:xfrm>
           <a:prstGeom prst="rect">
             <a:avLst/>
@@ -7914,6 +7981,11 @@
             <a:noAutofit/>
           </a:bodyPr>
           <a:p>
+            <a:pPr>
+              <a:lnSpc>
+                <a:spcPct val="100000"/>
+              </a:lnSpc>
+            </a:pPr>
             <a:endParaRPr b="0" lang="en-US" sz="1800" spc="-1" strike="noStrike">
               <a:solidFill>
                 <a:schemeClr val="lt1"/>
@@ -7933,7 +8005,7 @@
         <p:spPr>
           <a:xfrm>
             <a:off x="13101480" y="1800"/>
-            <a:ext cx="15840" cy="7554960"/>
+            <a:ext cx="15480" cy="7554600"/>
           </a:xfrm>
           <a:prstGeom prst="rect">
             <a:avLst/>
@@ -7969,6 +8041,11 @@
             <a:noAutofit/>
           </a:bodyPr>
           <a:p>
+            <a:pPr>
+              <a:lnSpc>
+                <a:spcPct val="100000"/>
+              </a:lnSpc>
+            </a:pPr>
             <a:endParaRPr b="0" lang="en-US" sz="1800" spc="-1" strike="noStrike">
               <a:solidFill>
                 <a:schemeClr val="lt1"/>
@@ -7988,7 +8065,7 @@
         <p:spPr>
           <a:xfrm>
             <a:off x="1440" y="1800"/>
-            <a:ext cx="347760" cy="7554960"/>
+            <a:ext cx="347400" cy="7554600"/>
           </a:xfrm>
           <a:prstGeom prst="rect">
             <a:avLst/>
@@ -8024,6 +8101,11 @@
             <a:noAutofit/>
           </a:bodyPr>
           <a:p>
+            <a:pPr>
+              <a:lnSpc>
+                <a:spcPct val="100000"/>
+              </a:lnSpc>
+            </a:pPr>
             <a:endParaRPr b="0" lang="en-US" sz="1800" spc="-1" strike="noStrike">
               <a:solidFill>
                 <a:schemeClr val="lt1"/>
@@ -8043,7 +8125,7 @@
         <p:spPr>
           <a:xfrm>
             <a:off x="10884960" y="401400"/>
-            <a:ext cx="2212200" cy="548280"/>
+            <a:ext cx="2211840" cy="547920"/>
           </a:xfrm>
           <a:prstGeom prst="roundRect">
             <a:avLst>
@@ -8235,7 +8317,7 @@
         <p:spPr>
           <a:xfrm>
             <a:off x="1086840" y="3506040"/>
-            <a:ext cx="3623760" cy="3018960"/>
+            <a:ext cx="3623400" cy="3018600"/>
           </a:xfrm>
           <a:prstGeom prst="roundRect">
             <a:avLst>
@@ -8273,6 +8355,11 @@
             <a:noAutofit/>
           </a:bodyPr>
           <a:p>
+            <a:pPr>
+              <a:lnSpc>
+                <a:spcPct val="100000"/>
+              </a:lnSpc>
+            </a:pPr>
             <a:endParaRPr b="0" lang="en-US" sz="1800" spc="-1" strike="noStrike">
               <a:solidFill>
                 <a:schemeClr val="lt1"/>
@@ -8292,7 +8379,7 @@
         <p:spPr>
           <a:xfrm>
             <a:off x="1006560" y="3424320"/>
-            <a:ext cx="3624120" cy="3019320"/>
+            <a:ext cx="3623760" cy="3018960"/>
           </a:xfrm>
           <a:prstGeom prst="roundRect">
             <a:avLst>
@@ -8610,7 +8697,7 @@
         <p:spPr>
           <a:xfrm>
             <a:off x="4968360" y="3506040"/>
-            <a:ext cx="3623760" cy="3018960"/>
+            <a:ext cx="3623400" cy="3018600"/>
           </a:xfrm>
           <a:prstGeom prst="roundRect">
             <a:avLst>
@@ -8648,6 +8735,11 @@
             <a:noAutofit/>
           </a:bodyPr>
           <a:p>
+            <a:pPr>
+              <a:lnSpc>
+                <a:spcPct val="100000"/>
+              </a:lnSpc>
+            </a:pPr>
             <a:endParaRPr b="0" lang="en-US" sz="1800" spc="-1" strike="noStrike">
               <a:solidFill>
                 <a:schemeClr val="lt1"/>
@@ -8667,7 +8759,7 @@
         <p:spPr>
           <a:xfrm>
             <a:off x="8849160" y="3506040"/>
-            <a:ext cx="3623760" cy="3018960"/>
+            <a:ext cx="3623400" cy="3018600"/>
           </a:xfrm>
           <a:prstGeom prst="roundRect">
             <a:avLst>
@@ -8705,6 +8797,11 @@
             <a:noAutofit/>
           </a:bodyPr>
           <a:p>
+            <a:pPr>
+              <a:lnSpc>
+                <a:spcPct val="100000"/>
+              </a:lnSpc>
+            </a:pPr>
             <a:endParaRPr b="0" lang="en-US" sz="1800" spc="-1" strike="noStrike">
               <a:solidFill>
                 <a:schemeClr val="lt1"/>
@@ -8724,7 +8821,7 @@
         <p:spPr>
           <a:xfrm>
             <a:off x="8767440" y="3425040"/>
-            <a:ext cx="3624120" cy="3019320"/>
+            <a:ext cx="3623760" cy="3018960"/>
           </a:xfrm>
           <a:prstGeom prst="roundRect">
             <a:avLst>
@@ -9254,7 +9351,7 @@
         <p:spPr>
           <a:xfrm>
             <a:off x="5224320" y="7104600"/>
-            <a:ext cx="3052080" cy="363960"/>
+            <a:ext cx="3051720" cy="363960"/>
           </a:xfrm>
           <a:prstGeom prst="rect">
             <a:avLst/>
@@ -9308,7 +9405,7 @@
         <p:spPr>
           <a:xfrm>
             <a:off x="4941000" y="3450960"/>
-            <a:ext cx="3624120" cy="3019320"/>
+            <a:ext cx="3623760" cy="3018960"/>
           </a:xfrm>
           <a:prstGeom prst="roundRect">
             <a:avLst>
@@ -9590,7 +9687,7 @@
         <p:spPr>
           <a:xfrm>
             <a:off x="16920" y="1800"/>
-            <a:ext cx="13431600" cy="7554960"/>
+            <a:ext cx="13431240" cy="7554600"/>
           </a:xfrm>
           <a:prstGeom prst="rect">
             <a:avLst/>
@@ -9626,6 +9723,11 @@
             <a:noAutofit/>
           </a:bodyPr>
           <a:p>
+            <a:pPr>
+              <a:lnSpc>
+                <a:spcPct val="100000"/>
+              </a:lnSpc>
+            </a:pPr>
             <a:endParaRPr b="0" lang="en-US" sz="1800" spc="-1" strike="noStrike">
               <a:solidFill>
                 <a:schemeClr val="lt1"/>
@@ -9645,7 +9747,7 @@
         <p:spPr>
           <a:xfrm>
             <a:off x="1440" y="1800"/>
-            <a:ext cx="15840" cy="7554960"/>
+            <a:ext cx="15480" cy="7554600"/>
           </a:xfrm>
           <a:prstGeom prst="rect">
             <a:avLst/>
@@ -9681,6 +9783,11 @@
             <a:noAutofit/>
           </a:bodyPr>
           <a:p>
+            <a:pPr>
+              <a:lnSpc>
+                <a:spcPct val="100000"/>
+              </a:lnSpc>
+            </a:pPr>
             <a:endParaRPr b="0" lang="en-US" sz="1800" spc="-1" strike="noStrike">
               <a:solidFill>
                 <a:schemeClr val="lt1"/>
@@ -9700,7 +9807,7 @@
         <p:spPr>
           <a:xfrm>
             <a:off x="1005480" y="1800"/>
-            <a:ext cx="15840" cy="7554960"/>
+            <a:ext cx="15480" cy="7554600"/>
           </a:xfrm>
           <a:prstGeom prst="rect">
             <a:avLst/>
@@ -9736,6 +9843,11 @@
             <a:noAutofit/>
           </a:bodyPr>
           <a:p>
+            <a:pPr>
+              <a:lnSpc>
+                <a:spcPct val="100000"/>
+              </a:lnSpc>
+            </a:pPr>
             <a:endParaRPr b="0" lang="en-US" sz="1800" spc="-1" strike="noStrike">
               <a:solidFill>
                 <a:schemeClr val="lt1"/>
@@ -9755,7 +9867,7 @@
         <p:spPr>
           <a:xfrm>
             <a:off x="2013480" y="1800"/>
-            <a:ext cx="15840" cy="7554960"/>
+            <a:ext cx="15480" cy="7554600"/>
           </a:xfrm>
           <a:prstGeom prst="rect">
             <a:avLst/>
@@ -9791,6 +9903,11 @@
             <a:noAutofit/>
           </a:bodyPr>
           <a:p>
+            <a:pPr>
+              <a:lnSpc>
+                <a:spcPct val="100000"/>
+              </a:lnSpc>
+            </a:pPr>
             <a:endParaRPr b="0" lang="en-US" sz="1800" spc="-1" strike="noStrike">
               <a:solidFill>
                 <a:schemeClr val="lt1"/>
@@ -9810,7 +9927,7 @@
         <p:spPr>
           <a:xfrm>
             <a:off x="3021480" y="1800"/>
-            <a:ext cx="15840" cy="7554960"/>
+            <a:ext cx="15480" cy="7554600"/>
           </a:xfrm>
           <a:prstGeom prst="rect">
             <a:avLst/>
@@ -9846,6 +9963,11 @@
             <a:noAutofit/>
           </a:bodyPr>
           <a:p>
+            <a:pPr>
+              <a:lnSpc>
+                <a:spcPct val="100000"/>
+              </a:lnSpc>
+            </a:pPr>
             <a:endParaRPr b="0" lang="en-US" sz="1800" spc="-1" strike="noStrike">
               <a:solidFill>
                 <a:schemeClr val="lt1"/>
@@ -9865,7 +9987,7 @@
         <p:spPr>
           <a:xfrm>
             <a:off x="4029480" y="1800"/>
-            <a:ext cx="15840" cy="7554960"/>
+            <a:ext cx="15480" cy="7554600"/>
           </a:xfrm>
           <a:prstGeom prst="rect">
             <a:avLst/>
@@ -9901,6 +10023,11 @@
             <a:noAutofit/>
           </a:bodyPr>
           <a:p>
+            <a:pPr>
+              <a:lnSpc>
+                <a:spcPct val="100000"/>
+              </a:lnSpc>
+            </a:pPr>
             <a:endParaRPr b="0" lang="en-US" sz="1800" spc="-1" strike="noStrike">
               <a:solidFill>
                 <a:schemeClr val="lt1"/>
@@ -9920,7 +10047,7 @@
         <p:spPr>
           <a:xfrm>
             <a:off x="5037480" y="1800"/>
-            <a:ext cx="15840" cy="7554960"/>
+            <a:ext cx="15480" cy="7554600"/>
           </a:xfrm>
           <a:prstGeom prst="rect">
             <a:avLst/>
@@ -9956,6 +10083,11 @@
             <a:noAutofit/>
           </a:bodyPr>
           <a:p>
+            <a:pPr>
+              <a:lnSpc>
+                <a:spcPct val="100000"/>
+              </a:lnSpc>
+            </a:pPr>
             <a:endParaRPr b="0" lang="en-US" sz="1800" spc="-1" strike="noStrike">
               <a:solidFill>
                 <a:schemeClr val="lt1"/>
@@ -9975,7 +10107,7 @@
         <p:spPr>
           <a:xfrm>
             <a:off x="6045480" y="1800"/>
-            <a:ext cx="15840" cy="7554960"/>
+            <a:ext cx="15480" cy="7554600"/>
           </a:xfrm>
           <a:prstGeom prst="rect">
             <a:avLst/>
@@ -10011,6 +10143,11 @@
             <a:noAutofit/>
           </a:bodyPr>
           <a:p>
+            <a:pPr>
+              <a:lnSpc>
+                <a:spcPct val="100000"/>
+              </a:lnSpc>
+            </a:pPr>
             <a:endParaRPr b="0" lang="en-US" sz="1800" spc="-1" strike="noStrike">
               <a:solidFill>
                 <a:schemeClr val="lt1"/>
@@ -10030,7 +10167,7 @@
         <p:spPr>
           <a:xfrm>
             <a:off x="7053480" y="1800"/>
-            <a:ext cx="15840" cy="7554960"/>
+            <a:ext cx="15480" cy="7554600"/>
           </a:xfrm>
           <a:prstGeom prst="rect">
             <a:avLst/>
@@ -10066,6 +10203,11 @@
             <a:noAutofit/>
           </a:bodyPr>
           <a:p>
+            <a:pPr>
+              <a:lnSpc>
+                <a:spcPct val="100000"/>
+              </a:lnSpc>
+            </a:pPr>
             <a:endParaRPr b="0" lang="en-US" sz="1800" spc="-1" strike="noStrike">
               <a:solidFill>
                 <a:schemeClr val="lt1"/>
@@ -10085,7 +10227,7 @@
         <p:spPr>
           <a:xfrm>
             <a:off x="8061480" y="1800"/>
-            <a:ext cx="15840" cy="7554960"/>
+            <a:ext cx="15480" cy="7554600"/>
           </a:xfrm>
           <a:prstGeom prst="rect">
             <a:avLst/>
@@ -10121,6 +10263,11 @@
             <a:noAutofit/>
           </a:bodyPr>
           <a:p>
+            <a:pPr>
+              <a:lnSpc>
+                <a:spcPct val="100000"/>
+              </a:lnSpc>
+            </a:pPr>
             <a:endParaRPr b="0" lang="en-US" sz="1800" spc="-1" strike="noStrike">
               <a:solidFill>
                 <a:schemeClr val="lt1"/>
@@ -10140,7 +10287,7 @@
         <p:spPr>
           <a:xfrm>
             <a:off x="9069480" y="1800"/>
-            <a:ext cx="15840" cy="7554960"/>
+            <a:ext cx="15480" cy="7554600"/>
           </a:xfrm>
           <a:prstGeom prst="rect">
             <a:avLst/>
@@ -10176,6 +10323,11 @@
             <a:noAutofit/>
           </a:bodyPr>
           <a:p>
+            <a:pPr>
+              <a:lnSpc>
+                <a:spcPct val="100000"/>
+              </a:lnSpc>
+            </a:pPr>
             <a:endParaRPr b="0" lang="en-US" sz="1800" spc="-1" strike="noStrike">
               <a:solidFill>
                 <a:schemeClr val="lt1"/>
@@ -10195,7 +10347,7 @@
         <p:spPr>
           <a:xfrm>
             <a:off x="10077480" y="1800"/>
-            <a:ext cx="15840" cy="7554960"/>
+            <a:ext cx="15480" cy="7554600"/>
           </a:xfrm>
           <a:prstGeom prst="rect">
             <a:avLst/>
@@ -10231,6 +10383,11 @@
             <a:noAutofit/>
           </a:bodyPr>
           <a:p>
+            <a:pPr>
+              <a:lnSpc>
+                <a:spcPct val="100000"/>
+              </a:lnSpc>
+            </a:pPr>
             <a:endParaRPr b="0" lang="en-US" sz="1800" spc="-1" strike="noStrike">
               <a:solidFill>
                 <a:schemeClr val="lt1"/>
@@ -10250,7 +10407,7 @@
         <p:spPr>
           <a:xfrm>
             <a:off x="11085480" y="1800"/>
-            <a:ext cx="15840" cy="7554960"/>
+            <a:ext cx="15480" cy="7554600"/>
           </a:xfrm>
           <a:prstGeom prst="rect">
             <a:avLst/>
@@ -10286,6 +10443,11 @@
             <a:noAutofit/>
           </a:bodyPr>
           <a:p>
+            <a:pPr>
+              <a:lnSpc>
+                <a:spcPct val="100000"/>
+              </a:lnSpc>
+            </a:pPr>
             <a:endParaRPr b="0" lang="en-US" sz="1800" spc="-1" strike="noStrike">
               <a:solidFill>
                 <a:schemeClr val="lt1"/>
@@ -10305,7 +10467,7 @@
         <p:spPr>
           <a:xfrm>
             <a:off x="12093480" y="1800"/>
-            <a:ext cx="15840" cy="7554960"/>
+            <a:ext cx="15480" cy="7554600"/>
           </a:xfrm>
           <a:prstGeom prst="rect">
             <a:avLst/>
@@ -10341,6 +10503,11 @@
             <a:noAutofit/>
           </a:bodyPr>
           <a:p>
+            <a:pPr>
+              <a:lnSpc>
+                <a:spcPct val="100000"/>
+              </a:lnSpc>
+            </a:pPr>
             <a:endParaRPr b="0" lang="en-US" sz="1800" spc="-1" strike="noStrike">
               <a:solidFill>
                 <a:schemeClr val="lt1"/>
@@ -10360,7 +10527,7 @@
         <p:spPr>
           <a:xfrm>
             <a:off x="13101480" y="1800"/>
-            <a:ext cx="15840" cy="7554960"/>
+            <a:ext cx="15480" cy="7554600"/>
           </a:xfrm>
           <a:prstGeom prst="rect">
             <a:avLst/>
@@ -10396,6 +10563,11 @@
             <a:noAutofit/>
           </a:bodyPr>
           <a:p>
+            <a:pPr>
+              <a:lnSpc>
+                <a:spcPct val="100000"/>
+              </a:lnSpc>
+            </a:pPr>
             <a:endParaRPr b="0" lang="en-US" sz="1800" spc="-1" strike="noStrike">
               <a:solidFill>
                 <a:schemeClr val="lt1"/>
@@ -10415,7 +10587,7 @@
         <p:spPr>
           <a:xfrm>
             <a:off x="1440" y="1800"/>
-            <a:ext cx="347760" cy="7554960"/>
+            <a:ext cx="347400" cy="7554600"/>
           </a:xfrm>
           <a:prstGeom prst="rect">
             <a:avLst/>
@@ -10451,6 +10623,11 @@
             <a:noAutofit/>
           </a:bodyPr>
           <a:p>
+            <a:pPr>
+              <a:lnSpc>
+                <a:spcPct val="100000"/>
+              </a:lnSpc>
+            </a:pPr>
             <a:endParaRPr b="0" lang="en-US" sz="1800" spc="-1" strike="noStrike">
               <a:solidFill>
                 <a:schemeClr val="lt1"/>
@@ -10470,7 +10647,7 @@
         <p:spPr>
           <a:xfrm>
             <a:off x="10884960" y="401400"/>
-            <a:ext cx="2212200" cy="548280"/>
+            <a:ext cx="2211840" cy="547920"/>
           </a:xfrm>
           <a:prstGeom prst="roundRect">
             <a:avLst>
@@ -10608,7 +10785,7 @@
         <p:spPr>
           <a:xfrm>
             <a:off x="4301280" y="2266200"/>
-            <a:ext cx="4138920" cy="363960"/>
+            <a:ext cx="4138560" cy="363960"/>
           </a:xfrm>
           <a:prstGeom prst="rect">
             <a:avLst/>
@@ -10662,7 +10839,7 @@
         <p:spPr>
           <a:xfrm>
             <a:off x="1086840" y="3506040"/>
-            <a:ext cx="3623760" cy="3018960"/>
+            <a:ext cx="3623400" cy="3018600"/>
           </a:xfrm>
           <a:prstGeom prst="roundRect">
             <a:avLst>
@@ -10700,6 +10877,11 @@
             <a:noAutofit/>
           </a:bodyPr>
           <a:p>
+            <a:pPr>
+              <a:lnSpc>
+                <a:spcPct val="100000"/>
+              </a:lnSpc>
+            </a:pPr>
             <a:endParaRPr b="0" lang="en-US" sz="1800" spc="-1" strike="noStrike">
               <a:solidFill>
                 <a:schemeClr val="lt1"/>
@@ -10719,7 +10901,7 @@
         <p:spPr>
           <a:xfrm>
             <a:off x="1006560" y="3424320"/>
-            <a:ext cx="3624120" cy="3019320"/>
+            <a:ext cx="3623760" cy="3018960"/>
           </a:xfrm>
           <a:prstGeom prst="roundRect">
             <a:avLst>
@@ -10984,7 +11166,7 @@
         <p:spPr>
           <a:xfrm>
             <a:off x="4968360" y="3506040"/>
-            <a:ext cx="3623760" cy="3018960"/>
+            <a:ext cx="3623400" cy="3018600"/>
           </a:xfrm>
           <a:prstGeom prst="roundRect">
             <a:avLst>
@@ -11022,6 +11204,11 @@
             <a:noAutofit/>
           </a:bodyPr>
           <a:p>
+            <a:pPr>
+              <a:lnSpc>
+                <a:spcPct val="100000"/>
+              </a:lnSpc>
+            </a:pPr>
             <a:endParaRPr b="0" lang="en-US" sz="1800" spc="-1" strike="noStrike">
               <a:solidFill>
                 <a:schemeClr val="lt1"/>
@@ -11041,7 +11228,7 @@
         <p:spPr>
           <a:xfrm>
             <a:off x="8849160" y="3506040"/>
-            <a:ext cx="3623760" cy="3018960"/>
+            <a:ext cx="3623400" cy="3018600"/>
           </a:xfrm>
           <a:prstGeom prst="roundRect">
             <a:avLst>
@@ -11079,6 +11266,11 @@
             <a:noAutofit/>
           </a:bodyPr>
           <a:p>
+            <a:pPr>
+              <a:lnSpc>
+                <a:spcPct val="100000"/>
+              </a:lnSpc>
+            </a:pPr>
             <a:endParaRPr b="0" lang="en-US" sz="1800" spc="-1" strike="noStrike">
               <a:solidFill>
                 <a:schemeClr val="lt1"/>
@@ -11098,7 +11290,7 @@
         <p:spPr>
           <a:xfrm>
             <a:off x="8767440" y="3425040"/>
-            <a:ext cx="3624120" cy="3019320"/>
+            <a:ext cx="3623760" cy="3018960"/>
           </a:xfrm>
           <a:prstGeom prst="roundRect">
             <a:avLst>
@@ -11443,7 +11635,7 @@
         <p:spPr>
           <a:xfrm>
             <a:off x="5224320" y="7104600"/>
-            <a:ext cx="3052080" cy="363960"/>
+            <a:ext cx="3051720" cy="363960"/>
           </a:xfrm>
           <a:prstGeom prst="rect">
             <a:avLst/>
@@ -11497,7 +11689,7 @@
         <p:spPr>
           <a:xfrm>
             <a:off x="4941000" y="3450960"/>
-            <a:ext cx="3624120" cy="3019320"/>
+            <a:ext cx="3623760" cy="3018960"/>
           </a:xfrm>
           <a:prstGeom prst="roundRect">
             <a:avLst>
@@ -11744,6 +11936,4617 @@
                 <a:spcPct val="100000"/>
               </a:lnSpc>
             </a:pPr>
+            <a:endParaRPr b="0" lang="en-US" sz="2100" spc="-1" strike="noStrike">
+              <a:solidFill>
+                <a:srgbClr val="ffffff"/>
+              </a:solidFill>
+              <a:latin typeface="Arial"/>
+            </a:endParaRPr>
+          </a:p>
+        </p:txBody>
+      </p:sp>
+    </p:spTree>
+  </p:cSld>
+  <mc:AlternateContent>
+    <mc:Choice Requires="p14">
+      <p:transition spd="slow" p14:dur="2000"/>
+    </mc:Choice>
+    <mc:Fallback>
+      <p:transition spd="slow"/>
+    </mc:Fallback>
+  </mc:AlternateContent>
+</p:sld>
+</file>
+
+<file path=ppt/slides/slide13.xml><?xml version="1.0" encoding="utf-8"?>
+<p:sld xmlns:a="http://schemas.openxmlformats.org/drawingml/2006/main" xmlns:p="http://schemas.openxmlformats.org/presentationml/2006/main" xmlns:r="http://schemas.openxmlformats.org/officeDocument/2006/relationships" xmlns:p14="http://schemas.microsoft.com/office/powerpoint/2010/main" xmlns:p15="http://schemas.microsoft.com/office/powerpoint/2012/main" xmlns:mc="http://schemas.openxmlformats.org/markup-compatibility/2006">
+  <p:cSld>
+    <p:spTree>
+      <p:nvGrpSpPr>
+        <p:cNvPr id="1" name=""/>
+        <p:cNvGrpSpPr/>
+        <p:nvPr/>
+      </p:nvGrpSpPr>
+      <p:grpSpPr>
+        <a:xfrm>
+          <a:off x="0" y="0"/>
+          <a:ext cx="0" cy="0"/>
+          <a:chOff x="0" y="0"/>
+          <a:chExt cx="0" cy="0"/>
+        </a:xfrm>
+      </p:grpSpPr>
+      <p:sp>
+        <p:nvSpPr>
+          <p:cNvPr id="353" name="Rectangle 193"/>
+          <p:cNvSpPr/>
+          <p:nvPr/>
+        </p:nvSpPr>
+        <p:spPr>
+          <a:xfrm>
+            <a:off x="16920" y="1800"/>
+            <a:ext cx="13431240" cy="7554600"/>
+          </a:xfrm>
+          <a:prstGeom prst="rect">
+            <a:avLst/>
+          </a:prstGeom>
+          <a:solidFill>
+            <a:srgbClr val="0b0b0d"/>
+          </a:solidFill>
+          <a:ln>
+            <a:noFill/>
+          </a:ln>
+          <a:effectLst>
+            <a:outerShdw blurRad="39960" dir="5400000" dist="23040" rotWithShape="0">
+              <a:srgbClr val="000000">
+                <a:alpha val="35000"/>
+              </a:srgbClr>
+            </a:outerShdw>
+          </a:effectLst>
+        </p:spPr>
+        <p:style>
+          <a:lnRef idx="1">
+            <a:schemeClr val="accent1"/>
+          </a:lnRef>
+          <a:fillRef idx="3">
+            <a:schemeClr val="accent1"/>
+          </a:fillRef>
+          <a:effectRef idx="2">
+            <a:schemeClr val="accent1"/>
+          </a:effectRef>
+          <a:fontRef idx="minor"/>
+        </p:style>
+        <p:txBody>
+          <a:bodyPr lIns="90000" rIns="90000" tIns="45000" bIns="45000" anchor="ctr">
+            <a:noAutofit/>
+          </a:bodyPr>
+          <a:p>
+            <a:endParaRPr b="0" lang="en-US" sz="1800" spc="-1" strike="noStrike">
+              <a:solidFill>
+                <a:schemeClr val="lt1"/>
+              </a:solidFill>
+              <a:latin typeface="Calibri"/>
+              <a:ea typeface="DejaVu Sans"/>
+            </a:endParaRPr>
+          </a:p>
+        </p:txBody>
+      </p:sp>
+      <p:sp>
+        <p:nvSpPr>
+          <p:cNvPr id="354" name="Rectangle 194"/>
+          <p:cNvSpPr/>
+          <p:nvPr/>
+        </p:nvSpPr>
+        <p:spPr>
+          <a:xfrm>
+            <a:off x="1440" y="1800"/>
+            <a:ext cx="15480" cy="7554600"/>
+          </a:xfrm>
+          <a:prstGeom prst="rect">
+            <a:avLst/>
+          </a:prstGeom>
+          <a:solidFill>
+            <a:srgbClr val="121216"/>
+          </a:solidFill>
+          <a:ln>
+            <a:noFill/>
+          </a:ln>
+          <a:effectLst>
+            <a:outerShdw blurRad="39960" dir="5400000" dist="23040" rotWithShape="0">
+              <a:srgbClr val="000000">
+                <a:alpha val="35000"/>
+              </a:srgbClr>
+            </a:outerShdw>
+          </a:effectLst>
+        </p:spPr>
+        <p:style>
+          <a:lnRef idx="1">
+            <a:schemeClr val="accent1"/>
+          </a:lnRef>
+          <a:fillRef idx="3">
+            <a:schemeClr val="accent1"/>
+          </a:fillRef>
+          <a:effectRef idx="2">
+            <a:schemeClr val="accent1"/>
+          </a:effectRef>
+          <a:fontRef idx="minor"/>
+        </p:style>
+        <p:txBody>
+          <a:bodyPr lIns="90000" rIns="90000" tIns="45000" bIns="45000" anchor="ctr">
+            <a:noAutofit/>
+          </a:bodyPr>
+          <a:p>
+            <a:endParaRPr b="0" lang="en-US" sz="1800" spc="-1" strike="noStrike">
+              <a:solidFill>
+                <a:schemeClr val="lt1"/>
+              </a:solidFill>
+              <a:latin typeface="Calibri"/>
+              <a:ea typeface="DejaVu Sans"/>
+            </a:endParaRPr>
+          </a:p>
+        </p:txBody>
+      </p:sp>
+      <p:sp>
+        <p:nvSpPr>
+          <p:cNvPr id="355" name="Rectangle 195"/>
+          <p:cNvSpPr/>
+          <p:nvPr/>
+        </p:nvSpPr>
+        <p:spPr>
+          <a:xfrm>
+            <a:off x="1005480" y="1800"/>
+            <a:ext cx="15480" cy="7554600"/>
+          </a:xfrm>
+          <a:prstGeom prst="rect">
+            <a:avLst/>
+          </a:prstGeom>
+          <a:solidFill>
+            <a:srgbClr val="121216"/>
+          </a:solidFill>
+          <a:ln>
+            <a:noFill/>
+          </a:ln>
+          <a:effectLst>
+            <a:outerShdw blurRad="39960" dir="5400000" dist="23040" rotWithShape="0">
+              <a:srgbClr val="000000">
+                <a:alpha val="35000"/>
+              </a:srgbClr>
+            </a:outerShdw>
+          </a:effectLst>
+        </p:spPr>
+        <p:style>
+          <a:lnRef idx="1">
+            <a:schemeClr val="accent1"/>
+          </a:lnRef>
+          <a:fillRef idx="3">
+            <a:schemeClr val="accent1"/>
+          </a:fillRef>
+          <a:effectRef idx="2">
+            <a:schemeClr val="accent1"/>
+          </a:effectRef>
+          <a:fontRef idx="minor"/>
+        </p:style>
+        <p:txBody>
+          <a:bodyPr lIns="90000" rIns="90000" tIns="45000" bIns="45000" anchor="ctr">
+            <a:noAutofit/>
+          </a:bodyPr>
+          <a:p>
+            <a:endParaRPr b="0" lang="en-US" sz="1800" spc="-1" strike="noStrike">
+              <a:solidFill>
+                <a:schemeClr val="lt1"/>
+              </a:solidFill>
+              <a:latin typeface="Calibri"/>
+              <a:ea typeface="DejaVu Sans"/>
+            </a:endParaRPr>
+          </a:p>
+        </p:txBody>
+      </p:sp>
+      <p:sp>
+        <p:nvSpPr>
+          <p:cNvPr id="356" name="Rectangle 196"/>
+          <p:cNvSpPr/>
+          <p:nvPr/>
+        </p:nvSpPr>
+        <p:spPr>
+          <a:xfrm>
+            <a:off x="2013480" y="1800"/>
+            <a:ext cx="15480" cy="7554600"/>
+          </a:xfrm>
+          <a:prstGeom prst="rect">
+            <a:avLst/>
+          </a:prstGeom>
+          <a:solidFill>
+            <a:srgbClr val="121216"/>
+          </a:solidFill>
+          <a:ln>
+            <a:noFill/>
+          </a:ln>
+          <a:effectLst>
+            <a:outerShdw blurRad="39960" dir="5400000" dist="23040" rotWithShape="0">
+              <a:srgbClr val="000000">
+                <a:alpha val="35000"/>
+              </a:srgbClr>
+            </a:outerShdw>
+          </a:effectLst>
+        </p:spPr>
+        <p:style>
+          <a:lnRef idx="1">
+            <a:schemeClr val="accent1"/>
+          </a:lnRef>
+          <a:fillRef idx="3">
+            <a:schemeClr val="accent1"/>
+          </a:fillRef>
+          <a:effectRef idx="2">
+            <a:schemeClr val="accent1"/>
+          </a:effectRef>
+          <a:fontRef idx="minor"/>
+        </p:style>
+        <p:txBody>
+          <a:bodyPr lIns="90000" rIns="90000" tIns="45000" bIns="45000" anchor="ctr">
+            <a:noAutofit/>
+          </a:bodyPr>
+          <a:p>
+            <a:endParaRPr b="0" lang="en-US" sz="1800" spc="-1" strike="noStrike">
+              <a:solidFill>
+                <a:schemeClr val="lt1"/>
+              </a:solidFill>
+              <a:latin typeface="Calibri"/>
+              <a:ea typeface="DejaVu Sans"/>
+            </a:endParaRPr>
+          </a:p>
+        </p:txBody>
+      </p:sp>
+      <p:sp>
+        <p:nvSpPr>
+          <p:cNvPr id="357" name="Rectangle 197"/>
+          <p:cNvSpPr/>
+          <p:nvPr/>
+        </p:nvSpPr>
+        <p:spPr>
+          <a:xfrm>
+            <a:off x="3021480" y="1800"/>
+            <a:ext cx="15480" cy="7554600"/>
+          </a:xfrm>
+          <a:prstGeom prst="rect">
+            <a:avLst/>
+          </a:prstGeom>
+          <a:solidFill>
+            <a:srgbClr val="121216"/>
+          </a:solidFill>
+          <a:ln>
+            <a:noFill/>
+          </a:ln>
+          <a:effectLst>
+            <a:outerShdw blurRad="39960" dir="5400000" dist="23040" rotWithShape="0">
+              <a:srgbClr val="000000">
+                <a:alpha val="35000"/>
+              </a:srgbClr>
+            </a:outerShdw>
+          </a:effectLst>
+        </p:spPr>
+        <p:style>
+          <a:lnRef idx="1">
+            <a:schemeClr val="accent1"/>
+          </a:lnRef>
+          <a:fillRef idx="3">
+            <a:schemeClr val="accent1"/>
+          </a:fillRef>
+          <a:effectRef idx="2">
+            <a:schemeClr val="accent1"/>
+          </a:effectRef>
+          <a:fontRef idx="minor"/>
+        </p:style>
+        <p:txBody>
+          <a:bodyPr lIns="90000" rIns="90000" tIns="45000" bIns="45000" anchor="ctr">
+            <a:noAutofit/>
+          </a:bodyPr>
+          <a:p>
+            <a:endParaRPr b="0" lang="en-US" sz="1800" spc="-1" strike="noStrike">
+              <a:solidFill>
+                <a:schemeClr val="lt1"/>
+              </a:solidFill>
+              <a:latin typeface="Calibri"/>
+              <a:ea typeface="DejaVu Sans"/>
+            </a:endParaRPr>
+          </a:p>
+        </p:txBody>
+      </p:sp>
+      <p:sp>
+        <p:nvSpPr>
+          <p:cNvPr id="358" name="Rectangle 198"/>
+          <p:cNvSpPr/>
+          <p:nvPr/>
+        </p:nvSpPr>
+        <p:spPr>
+          <a:xfrm>
+            <a:off x="4029480" y="1800"/>
+            <a:ext cx="15480" cy="7554600"/>
+          </a:xfrm>
+          <a:prstGeom prst="rect">
+            <a:avLst/>
+          </a:prstGeom>
+          <a:solidFill>
+            <a:srgbClr val="121216"/>
+          </a:solidFill>
+          <a:ln>
+            <a:noFill/>
+          </a:ln>
+          <a:effectLst>
+            <a:outerShdw blurRad="39960" dir="5400000" dist="23040" rotWithShape="0">
+              <a:srgbClr val="000000">
+                <a:alpha val="35000"/>
+              </a:srgbClr>
+            </a:outerShdw>
+          </a:effectLst>
+        </p:spPr>
+        <p:style>
+          <a:lnRef idx="1">
+            <a:schemeClr val="accent1"/>
+          </a:lnRef>
+          <a:fillRef idx="3">
+            <a:schemeClr val="accent1"/>
+          </a:fillRef>
+          <a:effectRef idx="2">
+            <a:schemeClr val="accent1"/>
+          </a:effectRef>
+          <a:fontRef idx="minor"/>
+        </p:style>
+        <p:txBody>
+          <a:bodyPr lIns="90000" rIns="90000" tIns="45000" bIns="45000" anchor="ctr">
+            <a:noAutofit/>
+          </a:bodyPr>
+          <a:p>
+            <a:endParaRPr b="0" lang="en-US" sz="1800" spc="-1" strike="noStrike">
+              <a:solidFill>
+                <a:schemeClr val="lt1"/>
+              </a:solidFill>
+              <a:latin typeface="Calibri"/>
+              <a:ea typeface="DejaVu Sans"/>
+            </a:endParaRPr>
+          </a:p>
+        </p:txBody>
+      </p:sp>
+      <p:sp>
+        <p:nvSpPr>
+          <p:cNvPr id="359" name="Rectangle 199"/>
+          <p:cNvSpPr/>
+          <p:nvPr/>
+        </p:nvSpPr>
+        <p:spPr>
+          <a:xfrm>
+            <a:off x="5037480" y="1800"/>
+            <a:ext cx="15480" cy="7554600"/>
+          </a:xfrm>
+          <a:prstGeom prst="rect">
+            <a:avLst/>
+          </a:prstGeom>
+          <a:solidFill>
+            <a:srgbClr val="121216"/>
+          </a:solidFill>
+          <a:ln>
+            <a:noFill/>
+          </a:ln>
+          <a:effectLst>
+            <a:outerShdw blurRad="39960" dir="5400000" dist="23040" rotWithShape="0">
+              <a:srgbClr val="000000">
+                <a:alpha val="35000"/>
+              </a:srgbClr>
+            </a:outerShdw>
+          </a:effectLst>
+        </p:spPr>
+        <p:style>
+          <a:lnRef idx="1">
+            <a:schemeClr val="accent1"/>
+          </a:lnRef>
+          <a:fillRef idx="3">
+            <a:schemeClr val="accent1"/>
+          </a:fillRef>
+          <a:effectRef idx="2">
+            <a:schemeClr val="accent1"/>
+          </a:effectRef>
+          <a:fontRef idx="minor"/>
+        </p:style>
+        <p:txBody>
+          <a:bodyPr lIns="90000" rIns="90000" tIns="45000" bIns="45000" anchor="ctr">
+            <a:noAutofit/>
+          </a:bodyPr>
+          <a:p>
+            <a:endParaRPr b="0" lang="en-US" sz="1800" spc="-1" strike="noStrike">
+              <a:solidFill>
+                <a:schemeClr val="lt1"/>
+              </a:solidFill>
+              <a:latin typeface="Calibri"/>
+              <a:ea typeface="DejaVu Sans"/>
+            </a:endParaRPr>
+          </a:p>
+        </p:txBody>
+      </p:sp>
+      <p:sp>
+        <p:nvSpPr>
+          <p:cNvPr id="360" name="Rectangle 200"/>
+          <p:cNvSpPr/>
+          <p:nvPr/>
+        </p:nvSpPr>
+        <p:spPr>
+          <a:xfrm>
+            <a:off x="6045480" y="1800"/>
+            <a:ext cx="15480" cy="7554600"/>
+          </a:xfrm>
+          <a:prstGeom prst="rect">
+            <a:avLst/>
+          </a:prstGeom>
+          <a:solidFill>
+            <a:srgbClr val="121216"/>
+          </a:solidFill>
+          <a:ln>
+            <a:noFill/>
+          </a:ln>
+          <a:effectLst>
+            <a:outerShdw blurRad="39960" dir="5400000" dist="23040" rotWithShape="0">
+              <a:srgbClr val="000000">
+                <a:alpha val="35000"/>
+              </a:srgbClr>
+            </a:outerShdw>
+          </a:effectLst>
+        </p:spPr>
+        <p:style>
+          <a:lnRef idx="1">
+            <a:schemeClr val="accent1"/>
+          </a:lnRef>
+          <a:fillRef idx="3">
+            <a:schemeClr val="accent1"/>
+          </a:fillRef>
+          <a:effectRef idx="2">
+            <a:schemeClr val="accent1"/>
+          </a:effectRef>
+          <a:fontRef idx="minor"/>
+        </p:style>
+        <p:txBody>
+          <a:bodyPr lIns="90000" rIns="90000" tIns="45000" bIns="45000" anchor="ctr">
+            <a:noAutofit/>
+          </a:bodyPr>
+          <a:p>
+            <a:endParaRPr b="0" lang="en-US" sz="1800" spc="-1" strike="noStrike">
+              <a:solidFill>
+                <a:schemeClr val="lt1"/>
+              </a:solidFill>
+              <a:latin typeface="Calibri"/>
+              <a:ea typeface="DejaVu Sans"/>
+            </a:endParaRPr>
+          </a:p>
+        </p:txBody>
+      </p:sp>
+      <p:sp>
+        <p:nvSpPr>
+          <p:cNvPr id="361" name="Rectangle 201"/>
+          <p:cNvSpPr/>
+          <p:nvPr/>
+        </p:nvSpPr>
+        <p:spPr>
+          <a:xfrm>
+            <a:off x="7053480" y="1800"/>
+            <a:ext cx="15480" cy="7554600"/>
+          </a:xfrm>
+          <a:prstGeom prst="rect">
+            <a:avLst/>
+          </a:prstGeom>
+          <a:solidFill>
+            <a:srgbClr val="121216"/>
+          </a:solidFill>
+          <a:ln>
+            <a:noFill/>
+          </a:ln>
+          <a:effectLst>
+            <a:outerShdw blurRad="39960" dir="5400000" dist="23040" rotWithShape="0">
+              <a:srgbClr val="000000">
+                <a:alpha val="35000"/>
+              </a:srgbClr>
+            </a:outerShdw>
+          </a:effectLst>
+        </p:spPr>
+        <p:style>
+          <a:lnRef idx="1">
+            <a:schemeClr val="accent1"/>
+          </a:lnRef>
+          <a:fillRef idx="3">
+            <a:schemeClr val="accent1"/>
+          </a:fillRef>
+          <a:effectRef idx="2">
+            <a:schemeClr val="accent1"/>
+          </a:effectRef>
+          <a:fontRef idx="minor"/>
+        </p:style>
+        <p:txBody>
+          <a:bodyPr lIns="90000" rIns="90000" tIns="45000" bIns="45000" anchor="ctr">
+            <a:noAutofit/>
+          </a:bodyPr>
+          <a:p>
+            <a:endParaRPr b="0" lang="en-US" sz="1800" spc="-1" strike="noStrike">
+              <a:solidFill>
+                <a:schemeClr val="lt1"/>
+              </a:solidFill>
+              <a:latin typeface="Calibri"/>
+              <a:ea typeface="DejaVu Sans"/>
+            </a:endParaRPr>
+          </a:p>
+        </p:txBody>
+      </p:sp>
+      <p:sp>
+        <p:nvSpPr>
+          <p:cNvPr id="362" name="Rectangle 202"/>
+          <p:cNvSpPr/>
+          <p:nvPr/>
+        </p:nvSpPr>
+        <p:spPr>
+          <a:xfrm>
+            <a:off x="8061480" y="1800"/>
+            <a:ext cx="15480" cy="7554600"/>
+          </a:xfrm>
+          <a:prstGeom prst="rect">
+            <a:avLst/>
+          </a:prstGeom>
+          <a:solidFill>
+            <a:srgbClr val="121216"/>
+          </a:solidFill>
+          <a:ln>
+            <a:noFill/>
+          </a:ln>
+          <a:effectLst>
+            <a:outerShdw blurRad="39960" dir="5400000" dist="23040" rotWithShape="0">
+              <a:srgbClr val="000000">
+                <a:alpha val="35000"/>
+              </a:srgbClr>
+            </a:outerShdw>
+          </a:effectLst>
+        </p:spPr>
+        <p:style>
+          <a:lnRef idx="1">
+            <a:schemeClr val="accent1"/>
+          </a:lnRef>
+          <a:fillRef idx="3">
+            <a:schemeClr val="accent1"/>
+          </a:fillRef>
+          <a:effectRef idx="2">
+            <a:schemeClr val="accent1"/>
+          </a:effectRef>
+          <a:fontRef idx="minor"/>
+        </p:style>
+        <p:txBody>
+          <a:bodyPr lIns="90000" rIns="90000" tIns="45000" bIns="45000" anchor="ctr">
+            <a:noAutofit/>
+          </a:bodyPr>
+          <a:p>
+            <a:endParaRPr b="0" lang="en-US" sz="1800" spc="-1" strike="noStrike">
+              <a:solidFill>
+                <a:schemeClr val="lt1"/>
+              </a:solidFill>
+              <a:latin typeface="Calibri"/>
+              <a:ea typeface="DejaVu Sans"/>
+            </a:endParaRPr>
+          </a:p>
+        </p:txBody>
+      </p:sp>
+      <p:sp>
+        <p:nvSpPr>
+          <p:cNvPr id="363" name="Rectangle 203"/>
+          <p:cNvSpPr/>
+          <p:nvPr/>
+        </p:nvSpPr>
+        <p:spPr>
+          <a:xfrm>
+            <a:off x="9069480" y="1800"/>
+            <a:ext cx="15480" cy="7554600"/>
+          </a:xfrm>
+          <a:prstGeom prst="rect">
+            <a:avLst/>
+          </a:prstGeom>
+          <a:solidFill>
+            <a:srgbClr val="121216"/>
+          </a:solidFill>
+          <a:ln>
+            <a:noFill/>
+          </a:ln>
+          <a:effectLst>
+            <a:outerShdw blurRad="39960" dir="5400000" dist="23040" rotWithShape="0">
+              <a:srgbClr val="000000">
+                <a:alpha val="35000"/>
+              </a:srgbClr>
+            </a:outerShdw>
+          </a:effectLst>
+        </p:spPr>
+        <p:style>
+          <a:lnRef idx="1">
+            <a:schemeClr val="accent1"/>
+          </a:lnRef>
+          <a:fillRef idx="3">
+            <a:schemeClr val="accent1"/>
+          </a:fillRef>
+          <a:effectRef idx="2">
+            <a:schemeClr val="accent1"/>
+          </a:effectRef>
+          <a:fontRef idx="minor"/>
+        </p:style>
+        <p:txBody>
+          <a:bodyPr lIns="90000" rIns="90000" tIns="45000" bIns="45000" anchor="ctr">
+            <a:noAutofit/>
+          </a:bodyPr>
+          <a:p>
+            <a:endParaRPr b="0" lang="en-US" sz="1800" spc="-1" strike="noStrike">
+              <a:solidFill>
+                <a:schemeClr val="lt1"/>
+              </a:solidFill>
+              <a:latin typeface="Calibri"/>
+              <a:ea typeface="DejaVu Sans"/>
+            </a:endParaRPr>
+          </a:p>
+        </p:txBody>
+      </p:sp>
+      <p:sp>
+        <p:nvSpPr>
+          <p:cNvPr id="364" name="Rectangle 204"/>
+          <p:cNvSpPr/>
+          <p:nvPr/>
+        </p:nvSpPr>
+        <p:spPr>
+          <a:xfrm>
+            <a:off x="10077480" y="1800"/>
+            <a:ext cx="15480" cy="7554600"/>
+          </a:xfrm>
+          <a:prstGeom prst="rect">
+            <a:avLst/>
+          </a:prstGeom>
+          <a:solidFill>
+            <a:srgbClr val="121216"/>
+          </a:solidFill>
+          <a:ln>
+            <a:noFill/>
+          </a:ln>
+          <a:effectLst>
+            <a:outerShdw blurRad="39960" dir="5400000" dist="23040" rotWithShape="0">
+              <a:srgbClr val="000000">
+                <a:alpha val="35000"/>
+              </a:srgbClr>
+            </a:outerShdw>
+          </a:effectLst>
+        </p:spPr>
+        <p:style>
+          <a:lnRef idx="1">
+            <a:schemeClr val="accent1"/>
+          </a:lnRef>
+          <a:fillRef idx="3">
+            <a:schemeClr val="accent1"/>
+          </a:fillRef>
+          <a:effectRef idx="2">
+            <a:schemeClr val="accent1"/>
+          </a:effectRef>
+          <a:fontRef idx="minor"/>
+        </p:style>
+        <p:txBody>
+          <a:bodyPr lIns="90000" rIns="90000" tIns="45000" bIns="45000" anchor="ctr">
+            <a:noAutofit/>
+          </a:bodyPr>
+          <a:p>
+            <a:endParaRPr b="0" lang="en-US" sz="1800" spc="-1" strike="noStrike">
+              <a:solidFill>
+                <a:schemeClr val="lt1"/>
+              </a:solidFill>
+              <a:latin typeface="Calibri"/>
+              <a:ea typeface="DejaVu Sans"/>
+            </a:endParaRPr>
+          </a:p>
+        </p:txBody>
+      </p:sp>
+      <p:sp>
+        <p:nvSpPr>
+          <p:cNvPr id="365" name="Rectangle 205"/>
+          <p:cNvSpPr/>
+          <p:nvPr/>
+        </p:nvSpPr>
+        <p:spPr>
+          <a:xfrm>
+            <a:off x="11085480" y="1800"/>
+            <a:ext cx="15480" cy="7554600"/>
+          </a:xfrm>
+          <a:prstGeom prst="rect">
+            <a:avLst/>
+          </a:prstGeom>
+          <a:solidFill>
+            <a:srgbClr val="121216"/>
+          </a:solidFill>
+          <a:ln>
+            <a:noFill/>
+          </a:ln>
+          <a:effectLst>
+            <a:outerShdw blurRad="39960" dir="5400000" dist="23040" rotWithShape="0">
+              <a:srgbClr val="000000">
+                <a:alpha val="35000"/>
+              </a:srgbClr>
+            </a:outerShdw>
+          </a:effectLst>
+        </p:spPr>
+        <p:style>
+          <a:lnRef idx="1">
+            <a:schemeClr val="accent1"/>
+          </a:lnRef>
+          <a:fillRef idx="3">
+            <a:schemeClr val="accent1"/>
+          </a:fillRef>
+          <a:effectRef idx="2">
+            <a:schemeClr val="accent1"/>
+          </a:effectRef>
+          <a:fontRef idx="minor"/>
+        </p:style>
+        <p:txBody>
+          <a:bodyPr lIns="90000" rIns="90000" tIns="45000" bIns="45000" anchor="ctr">
+            <a:noAutofit/>
+          </a:bodyPr>
+          <a:p>
+            <a:endParaRPr b="0" lang="en-US" sz="1800" spc="-1" strike="noStrike">
+              <a:solidFill>
+                <a:schemeClr val="lt1"/>
+              </a:solidFill>
+              <a:latin typeface="Calibri"/>
+              <a:ea typeface="DejaVu Sans"/>
+            </a:endParaRPr>
+          </a:p>
+        </p:txBody>
+      </p:sp>
+      <p:sp>
+        <p:nvSpPr>
+          <p:cNvPr id="366" name="Rectangle 206"/>
+          <p:cNvSpPr/>
+          <p:nvPr/>
+        </p:nvSpPr>
+        <p:spPr>
+          <a:xfrm>
+            <a:off x="12093480" y="1800"/>
+            <a:ext cx="15480" cy="7554600"/>
+          </a:xfrm>
+          <a:prstGeom prst="rect">
+            <a:avLst/>
+          </a:prstGeom>
+          <a:solidFill>
+            <a:srgbClr val="121216"/>
+          </a:solidFill>
+          <a:ln>
+            <a:noFill/>
+          </a:ln>
+          <a:effectLst>
+            <a:outerShdw blurRad="39960" dir="5400000" dist="23040" rotWithShape="0">
+              <a:srgbClr val="000000">
+                <a:alpha val="35000"/>
+              </a:srgbClr>
+            </a:outerShdw>
+          </a:effectLst>
+        </p:spPr>
+        <p:style>
+          <a:lnRef idx="1">
+            <a:schemeClr val="accent1"/>
+          </a:lnRef>
+          <a:fillRef idx="3">
+            <a:schemeClr val="accent1"/>
+          </a:fillRef>
+          <a:effectRef idx="2">
+            <a:schemeClr val="accent1"/>
+          </a:effectRef>
+          <a:fontRef idx="minor"/>
+        </p:style>
+        <p:txBody>
+          <a:bodyPr lIns="90000" rIns="90000" tIns="45000" bIns="45000" anchor="ctr">
+            <a:noAutofit/>
+          </a:bodyPr>
+          <a:p>
+            <a:endParaRPr b="0" lang="en-US" sz="1800" spc="-1" strike="noStrike">
+              <a:solidFill>
+                <a:schemeClr val="lt1"/>
+              </a:solidFill>
+              <a:latin typeface="Calibri"/>
+              <a:ea typeface="DejaVu Sans"/>
+            </a:endParaRPr>
+          </a:p>
+        </p:txBody>
+      </p:sp>
+      <p:sp>
+        <p:nvSpPr>
+          <p:cNvPr id="367" name="Rectangle 207"/>
+          <p:cNvSpPr/>
+          <p:nvPr/>
+        </p:nvSpPr>
+        <p:spPr>
+          <a:xfrm>
+            <a:off x="13101480" y="1800"/>
+            <a:ext cx="15480" cy="7554600"/>
+          </a:xfrm>
+          <a:prstGeom prst="rect">
+            <a:avLst/>
+          </a:prstGeom>
+          <a:solidFill>
+            <a:srgbClr val="121216"/>
+          </a:solidFill>
+          <a:ln>
+            <a:noFill/>
+          </a:ln>
+          <a:effectLst>
+            <a:outerShdw blurRad="39960" dir="5400000" dist="23040" rotWithShape="0">
+              <a:srgbClr val="000000">
+                <a:alpha val="35000"/>
+              </a:srgbClr>
+            </a:outerShdw>
+          </a:effectLst>
+        </p:spPr>
+        <p:style>
+          <a:lnRef idx="1">
+            <a:schemeClr val="accent1"/>
+          </a:lnRef>
+          <a:fillRef idx="3">
+            <a:schemeClr val="accent1"/>
+          </a:fillRef>
+          <a:effectRef idx="2">
+            <a:schemeClr val="accent1"/>
+          </a:effectRef>
+          <a:fontRef idx="minor"/>
+        </p:style>
+        <p:txBody>
+          <a:bodyPr lIns="90000" rIns="90000" tIns="45000" bIns="45000" anchor="ctr">
+            <a:noAutofit/>
+          </a:bodyPr>
+          <a:p>
+            <a:endParaRPr b="0" lang="en-US" sz="1800" spc="-1" strike="noStrike">
+              <a:solidFill>
+                <a:schemeClr val="lt1"/>
+              </a:solidFill>
+              <a:latin typeface="Calibri"/>
+              <a:ea typeface="DejaVu Sans"/>
+            </a:endParaRPr>
+          </a:p>
+        </p:txBody>
+      </p:sp>
+      <p:sp>
+        <p:nvSpPr>
+          <p:cNvPr id="368" name="Rectangle 208"/>
+          <p:cNvSpPr/>
+          <p:nvPr/>
+        </p:nvSpPr>
+        <p:spPr>
+          <a:xfrm>
+            <a:off x="1440" y="1800"/>
+            <a:ext cx="347400" cy="7554600"/>
+          </a:xfrm>
+          <a:prstGeom prst="rect">
+            <a:avLst/>
+          </a:prstGeom>
+          <a:solidFill>
+            <a:srgbClr val="ff8c00"/>
+          </a:solidFill>
+          <a:ln>
+            <a:noFill/>
+          </a:ln>
+          <a:effectLst>
+            <a:outerShdw blurRad="39960" dir="5400000" dist="23040" rotWithShape="0">
+              <a:srgbClr val="000000">
+                <a:alpha val="35000"/>
+              </a:srgbClr>
+            </a:outerShdw>
+          </a:effectLst>
+        </p:spPr>
+        <p:style>
+          <a:lnRef idx="1">
+            <a:schemeClr val="accent1"/>
+          </a:lnRef>
+          <a:fillRef idx="3">
+            <a:schemeClr val="accent1"/>
+          </a:fillRef>
+          <a:effectRef idx="2">
+            <a:schemeClr val="accent1"/>
+          </a:effectRef>
+          <a:fontRef idx="minor"/>
+        </p:style>
+        <p:txBody>
+          <a:bodyPr lIns="90000" rIns="90000" tIns="45000" bIns="45000" anchor="ctr">
+            <a:noAutofit/>
+          </a:bodyPr>
+          <a:p>
+            <a:endParaRPr b="0" lang="en-US" sz="1800" spc="-1" strike="noStrike">
+              <a:solidFill>
+                <a:schemeClr val="lt1"/>
+              </a:solidFill>
+              <a:latin typeface="Calibri"/>
+              <a:ea typeface="DejaVu Sans"/>
+            </a:endParaRPr>
+          </a:p>
+        </p:txBody>
+      </p:sp>
+      <p:sp>
+        <p:nvSpPr>
+          <p:cNvPr id="369" name="Rounded Rectangle 91"/>
+          <p:cNvSpPr/>
+          <p:nvPr/>
+        </p:nvSpPr>
+        <p:spPr>
+          <a:xfrm>
+            <a:off x="10884960" y="401400"/>
+            <a:ext cx="2211840" cy="547920"/>
+          </a:xfrm>
+          <a:prstGeom prst="roundRect">
+            <a:avLst>
+              <a:gd name="adj" fmla="val 16667"/>
+            </a:avLst>
+          </a:prstGeom>
+          <a:solidFill>
+            <a:srgbClr val="1e1e24"/>
+          </a:solidFill>
+          <a:ln>
+            <a:solidFill>
+              <a:srgbClr val="ff8c00"/>
+            </a:solidFill>
+            <a:round/>
+          </a:ln>
+          <a:effectLst>
+            <a:outerShdw blurRad="39960" dir="5400000" dist="23040" rotWithShape="0">
+              <a:srgbClr val="000000">
+                <a:alpha val="35000"/>
+              </a:srgbClr>
+            </a:outerShdw>
+          </a:effectLst>
+        </p:spPr>
+        <p:style>
+          <a:lnRef idx="1">
+            <a:schemeClr val="accent1"/>
+          </a:lnRef>
+          <a:fillRef idx="3">
+            <a:schemeClr val="accent1"/>
+          </a:fillRef>
+          <a:effectRef idx="2">
+            <a:schemeClr val="accent1"/>
+          </a:effectRef>
+          <a:fontRef idx="minor"/>
+        </p:style>
+        <p:txBody>
+          <a:bodyPr lIns="90000" rIns="90000" tIns="45000" bIns="45000" anchor="ctr">
+            <a:noAutofit/>
+          </a:bodyPr>
+          <a:p>
+            <a:pPr algn="ctr">
+              <a:lnSpc>
+                <a:spcPct val="100000"/>
+              </a:lnSpc>
+            </a:pPr>
+            <a:r>
+              <a:rPr b="1" lang="en-US" sz="1400" spc="-1" strike="noStrike">
+                <a:solidFill>
+                  <a:srgbClr val="ffb45a"/>
+                </a:solidFill>
+                <a:latin typeface="Calibri"/>
+                <a:ea typeface="DejaVu Sans"/>
+              </a:rPr>
+              <a:t>JAVA CORE</a:t>
+            </a:r>
+            <a:endParaRPr b="0" lang="en-US" sz="1400" spc="-1" strike="noStrike">
+              <a:solidFill>
+                <a:srgbClr val="ffffff"/>
+              </a:solidFill>
+              <a:latin typeface="Arial"/>
+            </a:endParaRPr>
+          </a:p>
+        </p:txBody>
+      </p:sp>
+      <p:sp>
+        <p:nvSpPr>
+          <p:cNvPr id="370" name="TextBox 40"/>
+          <p:cNvSpPr/>
+          <p:nvPr/>
+        </p:nvSpPr>
+        <p:spPr>
+          <a:xfrm>
+            <a:off x="2151360" y="1107360"/>
+            <a:ext cx="7810200" cy="729720"/>
+          </a:xfrm>
+          <a:prstGeom prst="rect">
+            <a:avLst/>
+          </a:prstGeom>
+          <a:noFill/>
+          <a:ln w="0">
+            <a:noFill/>
+          </a:ln>
+        </p:spPr>
+        <p:style>
+          <a:lnRef idx="0"/>
+          <a:fillRef idx="0"/>
+          <a:effectRef idx="0"/>
+          <a:fontRef idx="minor"/>
+        </p:style>
+        <p:txBody>
+          <a:bodyPr wrap="none" lIns="90000" rIns="90000" tIns="45000" bIns="45000" anchor="t">
+            <a:spAutoFit/>
+          </a:bodyPr>
+          <a:p>
+            <a:pPr>
+              <a:lnSpc>
+                <a:spcPct val="100000"/>
+              </a:lnSpc>
+            </a:pPr>
+            <a:r>
+              <a:rPr b="1" lang="en-US" sz="4200" spc="-1" strike="noStrike">
+                <a:solidFill>
+                  <a:srgbClr val="f5f5f5"/>
+                </a:solidFill>
+                <a:latin typeface="Calibri"/>
+                <a:ea typeface="DejaVu Sans"/>
+              </a:rPr>
+              <a:t>       </a:t>
+            </a:r>
+            <a:r>
+              <a:rPr b="1" lang="en-US" sz="4200" spc="-1" strike="noStrike">
+                <a:solidFill>
+                  <a:srgbClr val="f5f5f5"/>
+                </a:solidFill>
+                <a:latin typeface="Calibri"/>
+                <a:ea typeface="DejaVu Sans"/>
+              </a:rPr>
+              <a:t>Java Technologies (2005–2010)</a:t>
+            </a:r>
+            <a:endParaRPr b="0" lang="en-US" sz="4200" spc="-1" strike="noStrike">
+              <a:solidFill>
+                <a:srgbClr val="000000"/>
+              </a:solidFill>
+              <a:latin typeface="Arial"/>
+            </a:endParaRPr>
+          </a:p>
+        </p:txBody>
+      </p:sp>
+      <p:sp>
+        <p:nvSpPr>
+          <p:cNvPr id="371" name="TextBox 41"/>
+          <p:cNvSpPr/>
+          <p:nvPr/>
+        </p:nvSpPr>
+        <p:spPr>
+          <a:xfrm>
+            <a:off x="5032440" y="2266200"/>
+            <a:ext cx="2675880" cy="363960"/>
+          </a:xfrm>
+          <a:prstGeom prst="rect">
+            <a:avLst/>
+          </a:prstGeom>
+          <a:noFill/>
+          <a:ln w="0">
+            <a:noFill/>
+          </a:ln>
+        </p:spPr>
+        <p:style>
+          <a:lnRef idx="0"/>
+          <a:fillRef idx="0"/>
+          <a:effectRef idx="0"/>
+          <a:fontRef idx="minor"/>
+        </p:style>
+        <p:txBody>
+          <a:bodyPr wrap="none" lIns="90000" rIns="90000" tIns="45000" bIns="45000" anchor="t">
+            <a:spAutoFit/>
+          </a:bodyPr>
+          <a:p>
+            <a:pPr>
+              <a:lnSpc>
+                <a:spcPct val="100000"/>
+              </a:lnSpc>
+            </a:pPr>
+            <a:r>
+              <a:rPr b="0" lang="en-US" sz="1800" spc="-1" strike="noStrike">
+                <a:solidFill>
+                  <a:srgbClr val="aaaaaa"/>
+                </a:solidFill>
+                <a:latin typeface="Calibri"/>
+                <a:ea typeface="DejaVu Sans"/>
+              </a:rPr>
+              <a:t>The Framework Revolution</a:t>
+            </a:r>
+            <a:endParaRPr b="0" lang="en-US" sz="1800" spc="-1" strike="noStrike">
+              <a:solidFill>
+                <a:srgbClr val="000000"/>
+              </a:solidFill>
+              <a:latin typeface="Arial"/>
+            </a:endParaRPr>
+          </a:p>
+        </p:txBody>
+      </p:sp>
+      <p:sp>
+        <p:nvSpPr>
+          <p:cNvPr id="372" name="Rounded Rectangle 92"/>
+          <p:cNvSpPr/>
+          <p:nvPr/>
+        </p:nvSpPr>
+        <p:spPr>
+          <a:xfrm>
+            <a:off x="1086840" y="3506040"/>
+            <a:ext cx="3623400" cy="3018600"/>
+          </a:xfrm>
+          <a:prstGeom prst="roundRect">
+            <a:avLst>
+              <a:gd name="adj" fmla="val 16667"/>
+            </a:avLst>
+          </a:prstGeom>
+          <a:solidFill>
+            <a:srgbClr val="08080a"/>
+          </a:solidFill>
+          <a:ln>
+            <a:noFill/>
+          </a:ln>
+          <a:effectLst>
+            <a:outerShdw blurRad="39960" dir="5400000" dist="23040" rotWithShape="0">
+              <a:srgbClr val="000000">
+                <a:alpha val="35000"/>
+              </a:srgbClr>
+            </a:outerShdw>
+          </a:effectLst>
+        </p:spPr>
+        <p:style>
+          <a:lnRef idx="1">
+            <a:schemeClr val="accent1"/>
+          </a:lnRef>
+          <a:fillRef idx="3">
+            <a:schemeClr val="accent1"/>
+          </a:fillRef>
+          <a:effectRef idx="2">
+            <a:schemeClr val="accent1"/>
+          </a:effectRef>
+          <a:fontRef idx="minor"/>
+        </p:style>
+        <p:txBody>
+          <a:bodyPr lIns="90000" rIns="90000" tIns="45000" bIns="45000" anchor="ctr">
+            <a:noAutofit/>
+          </a:bodyPr>
+          <a:p>
+            <a:endParaRPr b="0" lang="en-US" sz="1800" spc="-1" strike="noStrike">
+              <a:solidFill>
+                <a:schemeClr val="lt1"/>
+              </a:solidFill>
+              <a:latin typeface="Calibri"/>
+              <a:ea typeface="DejaVu Sans"/>
+            </a:endParaRPr>
+          </a:p>
+        </p:txBody>
+      </p:sp>
+      <p:sp>
+        <p:nvSpPr>
+          <p:cNvPr id="373" name="Rounded Rectangle 93"/>
+          <p:cNvSpPr/>
+          <p:nvPr/>
+        </p:nvSpPr>
+        <p:spPr>
+          <a:xfrm>
+            <a:off x="1006560" y="3424320"/>
+            <a:ext cx="3623760" cy="3018960"/>
+          </a:xfrm>
+          <a:prstGeom prst="roundRect">
+            <a:avLst>
+              <a:gd name="adj" fmla="val 16667"/>
+            </a:avLst>
+          </a:prstGeom>
+          <a:solidFill>
+            <a:srgbClr val="16161c"/>
+          </a:solidFill>
+          <a:ln>
+            <a:solidFill>
+              <a:srgbClr val="464655"/>
+            </a:solidFill>
+            <a:round/>
+          </a:ln>
+          <a:effectLst>
+            <a:outerShdw blurRad="39960" dir="5400000" dist="23040" rotWithShape="0">
+              <a:srgbClr val="000000">
+                <a:alpha val="35000"/>
+              </a:srgbClr>
+            </a:outerShdw>
+          </a:effectLst>
+        </p:spPr>
+        <p:style>
+          <a:lnRef idx="1">
+            <a:schemeClr val="accent1"/>
+          </a:lnRef>
+          <a:fillRef idx="3">
+            <a:schemeClr val="accent1"/>
+          </a:fillRef>
+          <a:effectRef idx="2">
+            <a:schemeClr val="accent1"/>
+          </a:effectRef>
+          <a:fontRef idx="minor"/>
+        </p:style>
+        <p:txBody>
+          <a:bodyPr lIns="90000" rIns="90000" tIns="45000" bIns="45000" anchor="ctr">
+            <a:noAutofit/>
+          </a:bodyPr>
+          <a:p>
+            <a:pPr>
+              <a:lnSpc>
+                <a:spcPct val="100000"/>
+              </a:lnSpc>
+            </a:pPr>
+            <a:r>
+              <a:rPr b="1" lang="en-US" sz="1400" spc="-1" strike="noStrike">
+                <a:solidFill>
+                  <a:schemeClr val="lt1"/>
+                </a:solidFill>
+                <a:latin typeface="Calibri"/>
+                <a:ea typeface="DejaVu Sans"/>
+              </a:rPr>
+              <a:t>Key Technologies (What emerged):</a:t>
+            </a:r>
+            <a:endParaRPr b="0" lang="en-US" sz="1400" spc="-1" strike="noStrike">
+              <a:solidFill>
+                <a:srgbClr val="ffffff"/>
+              </a:solidFill>
+              <a:latin typeface="Arial"/>
+            </a:endParaRPr>
+          </a:p>
+          <a:p>
+            <a:pPr marL="216000" indent="-216000">
+              <a:lnSpc>
+                <a:spcPct val="100000"/>
+              </a:lnSpc>
+              <a:buClr>
+                <a:srgbClr val="ffffff"/>
+              </a:buClr>
+              <a:buFont typeface="Wingdings" charset="2"/>
+              <a:buChar char=""/>
+            </a:pPr>
+            <a:r>
+              <a:rPr b="1" lang="en-US" sz="1400" spc="-1" strike="noStrike">
+                <a:solidFill>
+                  <a:schemeClr val="lt1"/>
+                </a:solidFill>
+                <a:latin typeface="Calibri"/>
+                <a:ea typeface="DejaVu Sans"/>
+              </a:rPr>
+              <a:t>Spring Framework</a:t>
+            </a:r>
+            <a:endParaRPr b="0" lang="en-US" sz="1400" spc="-1" strike="noStrike">
+              <a:solidFill>
+                <a:srgbClr val="ffffff"/>
+              </a:solidFill>
+              <a:latin typeface="Arial"/>
+            </a:endParaRPr>
+          </a:p>
+          <a:p>
+            <a:pPr>
+              <a:lnSpc>
+                <a:spcPct val="100000"/>
+              </a:lnSpc>
+            </a:pPr>
+            <a:r>
+              <a:rPr b="0" lang="en-US" sz="1400" spc="-1" strike="noStrike">
+                <a:solidFill>
+                  <a:schemeClr val="lt1"/>
+                </a:solidFill>
+                <a:latin typeface="Calibri"/>
+                <a:ea typeface="DejaVu Sans"/>
+              </a:rPr>
+              <a:t>(Inversion of Control, Dependency Injection)</a:t>
+            </a:r>
+            <a:endParaRPr b="0" lang="en-US" sz="1400" spc="-1" strike="noStrike">
+              <a:solidFill>
+                <a:srgbClr val="ffffff"/>
+              </a:solidFill>
+              <a:latin typeface="Arial"/>
+            </a:endParaRPr>
+          </a:p>
+          <a:p>
+            <a:pPr marL="216000" indent="-216000">
+              <a:lnSpc>
+                <a:spcPct val="100000"/>
+              </a:lnSpc>
+              <a:buClr>
+                <a:srgbClr val="ffffff"/>
+              </a:buClr>
+              <a:buFont typeface="Wingdings" charset="2"/>
+              <a:buChar char=""/>
+            </a:pPr>
+            <a:r>
+              <a:rPr b="1" lang="en-US" sz="1400" spc="-1" strike="noStrike">
+                <a:solidFill>
+                  <a:schemeClr val="lt1"/>
+                </a:solidFill>
+                <a:latin typeface="Calibri"/>
+                <a:ea typeface="DejaVu Sans"/>
+              </a:rPr>
+              <a:t>Hibernate / JPA</a:t>
+            </a:r>
+            <a:endParaRPr b="0" lang="en-US" sz="1400" spc="-1" strike="noStrike">
+              <a:solidFill>
+                <a:srgbClr val="ffffff"/>
+              </a:solidFill>
+              <a:latin typeface="Arial"/>
+            </a:endParaRPr>
+          </a:p>
+          <a:p>
+            <a:pPr>
+              <a:lnSpc>
+                <a:spcPct val="100000"/>
+              </a:lnSpc>
+            </a:pPr>
+            <a:r>
+              <a:rPr b="0" lang="en-US" sz="1400" spc="-1" strike="noStrike">
+                <a:solidFill>
+                  <a:schemeClr val="lt1"/>
+                </a:solidFill>
+                <a:latin typeface="Calibri"/>
+                <a:ea typeface="DejaVu Sans"/>
+              </a:rPr>
+              <a:t>(Object–Relational Mapping)</a:t>
+            </a:r>
+            <a:endParaRPr b="0" lang="en-US" sz="1400" spc="-1" strike="noStrike">
+              <a:solidFill>
+                <a:srgbClr val="ffffff"/>
+              </a:solidFill>
+              <a:latin typeface="Arial"/>
+            </a:endParaRPr>
+          </a:p>
+          <a:p>
+            <a:pPr marL="216000" indent="-216000">
+              <a:lnSpc>
+                <a:spcPct val="100000"/>
+              </a:lnSpc>
+              <a:buClr>
+                <a:srgbClr val="ffffff"/>
+              </a:buClr>
+              <a:buFont typeface="Wingdings" charset="2"/>
+              <a:buChar char=""/>
+            </a:pPr>
+            <a:r>
+              <a:rPr b="1" lang="en-US" sz="1400" spc="-1" strike="noStrike">
+                <a:solidFill>
+                  <a:schemeClr val="lt1"/>
+                </a:solidFill>
+                <a:latin typeface="Calibri"/>
+                <a:ea typeface="DejaVu Sans"/>
+              </a:rPr>
+              <a:t>Java EE 5 &amp; 6</a:t>
+            </a:r>
+            <a:endParaRPr b="0" lang="en-US" sz="1400" spc="-1" strike="noStrike">
+              <a:solidFill>
+                <a:srgbClr val="ffffff"/>
+              </a:solidFill>
+              <a:latin typeface="Arial"/>
+            </a:endParaRPr>
+          </a:p>
+          <a:p>
+            <a:pPr>
+              <a:lnSpc>
+                <a:spcPct val="100000"/>
+              </a:lnSpc>
+            </a:pPr>
+            <a:r>
+              <a:rPr b="0" lang="en-US" sz="1400" spc="-1" strike="noStrike">
+                <a:solidFill>
+                  <a:schemeClr val="lt1"/>
+                </a:solidFill>
+                <a:latin typeface="Calibri"/>
+                <a:ea typeface="DejaVu Sans"/>
+              </a:rPr>
+              <a:t>(Annotations replace XML-heavy configs)</a:t>
+            </a:r>
+            <a:endParaRPr b="0" lang="en-US" sz="1400" spc="-1" strike="noStrike">
+              <a:solidFill>
+                <a:srgbClr val="ffffff"/>
+              </a:solidFill>
+              <a:latin typeface="Arial"/>
+            </a:endParaRPr>
+          </a:p>
+          <a:p>
+            <a:pPr marL="216000" indent="-216000">
+              <a:lnSpc>
+                <a:spcPct val="100000"/>
+              </a:lnSpc>
+              <a:buClr>
+                <a:srgbClr val="ffffff"/>
+              </a:buClr>
+              <a:buFont typeface="Wingdings" charset="2"/>
+              <a:buChar char=""/>
+            </a:pPr>
+            <a:r>
+              <a:rPr b="1" lang="en-US" sz="1400" spc="-1" strike="noStrike">
+                <a:solidFill>
+                  <a:schemeClr val="lt1"/>
+                </a:solidFill>
+                <a:latin typeface="Calibri"/>
+                <a:ea typeface="DejaVu Sans"/>
+              </a:rPr>
+              <a:t>JSF (JavaServer Faces)</a:t>
+            </a:r>
+            <a:endParaRPr b="0" lang="en-US" sz="1400" spc="-1" strike="noStrike">
+              <a:solidFill>
+                <a:srgbClr val="ffffff"/>
+              </a:solidFill>
+              <a:latin typeface="Arial"/>
+            </a:endParaRPr>
+          </a:p>
+          <a:p>
+            <a:pPr>
+              <a:lnSpc>
+                <a:spcPct val="100000"/>
+              </a:lnSpc>
+            </a:pPr>
+            <a:r>
+              <a:rPr b="0" lang="en-US" sz="1400" spc="-1" strike="noStrike">
+                <a:solidFill>
+                  <a:schemeClr val="lt1"/>
+                </a:solidFill>
+                <a:latin typeface="Calibri"/>
+                <a:ea typeface="DejaVu Sans"/>
+              </a:rPr>
+              <a:t>(Component-based UI)</a:t>
+            </a:r>
+            <a:endParaRPr b="0" lang="en-US" sz="1400" spc="-1" strike="noStrike">
+              <a:solidFill>
+                <a:srgbClr val="ffffff"/>
+              </a:solidFill>
+              <a:latin typeface="Arial"/>
+            </a:endParaRPr>
+          </a:p>
+          <a:p>
+            <a:pPr marL="216000" indent="-216000">
+              <a:lnSpc>
+                <a:spcPct val="100000"/>
+              </a:lnSpc>
+              <a:buClr>
+                <a:srgbClr val="ffffff"/>
+              </a:buClr>
+              <a:buFont typeface="Wingdings" charset="2"/>
+              <a:buChar char=""/>
+            </a:pPr>
+            <a:r>
+              <a:rPr b="1" lang="en-US" sz="1400" spc="-1" strike="noStrike">
+                <a:solidFill>
+                  <a:schemeClr val="lt1"/>
+                </a:solidFill>
+                <a:latin typeface="Calibri"/>
+                <a:ea typeface="DejaVu Sans"/>
+              </a:rPr>
+              <a:t>Maven</a:t>
+            </a:r>
+            <a:endParaRPr b="0" lang="en-US" sz="1400" spc="-1" strike="noStrike">
+              <a:solidFill>
+                <a:srgbClr val="ffffff"/>
+              </a:solidFill>
+              <a:latin typeface="Arial"/>
+            </a:endParaRPr>
+          </a:p>
+          <a:p>
+            <a:pPr>
+              <a:lnSpc>
+                <a:spcPct val="100000"/>
+              </a:lnSpc>
+            </a:pPr>
+            <a:r>
+              <a:rPr b="0" lang="en-US" sz="1400" spc="-1" strike="noStrike">
+                <a:solidFill>
+                  <a:schemeClr val="lt1"/>
+                </a:solidFill>
+                <a:latin typeface="Calibri"/>
+                <a:ea typeface="DejaVu Sans"/>
+              </a:rPr>
+              <a:t>(Standard build &amp; dependency management)</a:t>
+            </a:r>
+            <a:endParaRPr b="0" lang="en-US" sz="1400" spc="-1" strike="noStrike">
+              <a:solidFill>
+                <a:srgbClr val="ffffff"/>
+              </a:solidFill>
+              <a:latin typeface="Arial"/>
+            </a:endParaRPr>
+          </a:p>
+        </p:txBody>
+      </p:sp>
+      <p:sp>
+        <p:nvSpPr>
+          <p:cNvPr id="374" name="Rounded Rectangle 94"/>
+          <p:cNvSpPr/>
+          <p:nvPr/>
+        </p:nvSpPr>
+        <p:spPr>
+          <a:xfrm>
+            <a:off x="4968360" y="3506040"/>
+            <a:ext cx="3623400" cy="3018600"/>
+          </a:xfrm>
+          <a:prstGeom prst="roundRect">
+            <a:avLst>
+              <a:gd name="adj" fmla="val 16667"/>
+            </a:avLst>
+          </a:prstGeom>
+          <a:solidFill>
+            <a:srgbClr val="08080a"/>
+          </a:solidFill>
+          <a:ln>
+            <a:noFill/>
+          </a:ln>
+          <a:effectLst>
+            <a:outerShdw blurRad="39960" dir="5400000" dist="23040" rotWithShape="0">
+              <a:srgbClr val="000000">
+                <a:alpha val="35000"/>
+              </a:srgbClr>
+            </a:outerShdw>
+          </a:effectLst>
+        </p:spPr>
+        <p:style>
+          <a:lnRef idx="1">
+            <a:schemeClr val="accent1"/>
+          </a:lnRef>
+          <a:fillRef idx="3">
+            <a:schemeClr val="accent1"/>
+          </a:fillRef>
+          <a:effectRef idx="2">
+            <a:schemeClr val="accent1"/>
+          </a:effectRef>
+          <a:fontRef idx="minor"/>
+        </p:style>
+        <p:txBody>
+          <a:bodyPr lIns="90000" rIns="90000" tIns="45000" bIns="45000" anchor="ctr">
+            <a:noAutofit/>
+          </a:bodyPr>
+          <a:p>
+            <a:endParaRPr b="0" lang="en-US" sz="1800" spc="-1" strike="noStrike">
+              <a:solidFill>
+                <a:schemeClr val="lt1"/>
+              </a:solidFill>
+              <a:latin typeface="Calibri"/>
+              <a:ea typeface="DejaVu Sans"/>
+            </a:endParaRPr>
+          </a:p>
+        </p:txBody>
+      </p:sp>
+      <p:sp>
+        <p:nvSpPr>
+          <p:cNvPr id="375" name="Rounded Rectangle 95"/>
+          <p:cNvSpPr/>
+          <p:nvPr/>
+        </p:nvSpPr>
+        <p:spPr>
+          <a:xfrm>
+            <a:off x="8849160" y="3506040"/>
+            <a:ext cx="3623400" cy="3018600"/>
+          </a:xfrm>
+          <a:prstGeom prst="roundRect">
+            <a:avLst>
+              <a:gd name="adj" fmla="val 16667"/>
+            </a:avLst>
+          </a:prstGeom>
+          <a:solidFill>
+            <a:srgbClr val="08080a"/>
+          </a:solidFill>
+          <a:ln>
+            <a:noFill/>
+          </a:ln>
+          <a:effectLst>
+            <a:outerShdw blurRad="39960" dir="5400000" dist="23040" rotWithShape="0">
+              <a:srgbClr val="000000">
+                <a:alpha val="35000"/>
+              </a:srgbClr>
+            </a:outerShdw>
+          </a:effectLst>
+        </p:spPr>
+        <p:style>
+          <a:lnRef idx="1">
+            <a:schemeClr val="accent1"/>
+          </a:lnRef>
+          <a:fillRef idx="3">
+            <a:schemeClr val="accent1"/>
+          </a:fillRef>
+          <a:effectRef idx="2">
+            <a:schemeClr val="accent1"/>
+          </a:effectRef>
+          <a:fontRef idx="minor"/>
+        </p:style>
+        <p:txBody>
+          <a:bodyPr lIns="90000" rIns="90000" tIns="45000" bIns="45000" anchor="ctr">
+            <a:noAutofit/>
+          </a:bodyPr>
+          <a:p>
+            <a:endParaRPr b="0" lang="en-US" sz="1800" spc="-1" strike="noStrike">
+              <a:solidFill>
+                <a:schemeClr val="lt1"/>
+              </a:solidFill>
+              <a:latin typeface="Calibri"/>
+              <a:ea typeface="DejaVu Sans"/>
+            </a:endParaRPr>
+          </a:p>
+        </p:txBody>
+      </p:sp>
+      <p:sp>
+        <p:nvSpPr>
+          <p:cNvPr id="376" name="Rounded Rectangle 96"/>
+          <p:cNvSpPr/>
+          <p:nvPr/>
+        </p:nvSpPr>
+        <p:spPr>
+          <a:xfrm>
+            <a:off x="8767440" y="3425040"/>
+            <a:ext cx="3623760" cy="3018960"/>
+          </a:xfrm>
+          <a:prstGeom prst="roundRect">
+            <a:avLst>
+              <a:gd name="adj" fmla="val 16667"/>
+            </a:avLst>
+          </a:prstGeom>
+          <a:solidFill>
+            <a:srgbClr val="16161c"/>
+          </a:solidFill>
+          <a:ln>
+            <a:solidFill>
+              <a:srgbClr val="464655"/>
+            </a:solidFill>
+            <a:round/>
+          </a:ln>
+          <a:effectLst>
+            <a:outerShdw blurRad="39960" dir="5400000" dist="23040" rotWithShape="0">
+              <a:srgbClr val="000000">
+                <a:alpha val="35000"/>
+              </a:srgbClr>
+            </a:outerShdw>
+          </a:effectLst>
+        </p:spPr>
+        <p:style>
+          <a:lnRef idx="1">
+            <a:schemeClr val="accent1"/>
+          </a:lnRef>
+          <a:fillRef idx="3">
+            <a:schemeClr val="accent1"/>
+          </a:fillRef>
+          <a:effectRef idx="2">
+            <a:schemeClr val="accent1"/>
+          </a:effectRef>
+          <a:fontRef idx="minor"/>
+        </p:style>
+        <p:txBody>
+          <a:bodyPr lIns="90000" rIns="90000" tIns="45000" bIns="45000" anchor="ctr">
+            <a:noAutofit/>
+          </a:bodyPr>
+          <a:p>
+            <a:pPr algn="ctr">
+              <a:lnSpc>
+                <a:spcPct val="100000"/>
+              </a:lnSpc>
+            </a:pPr>
+            <a:endParaRPr b="0" lang="en-US" sz="1300" spc="-1" strike="noStrike">
+              <a:solidFill>
+                <a:srgbClr val="ffffff"/>
+              </a:solidFill>
+              <a:latin typeface="Arial"/>
+            </a:endParaRPr>
+          </a:p>
+          <a:p>
+            <a:pPr algn="ctr">
+              <a:lnSpc>
+                <a:spcPct val="100000"/>
+              </a:lnSpc>
+            </a:pPr>
+            <a:endParaRPr b="0" lang="en-US" sz="1300" spc="-1" strike="noStrike">
+              <a:solidFill>
+                <a:srgbClr val="ffffff"/>
+              </a:solidFill>
+              <a:latin typeface="Arial"/>
+            </a:endParaRPr>
+          </a:p>
+          <a:p>
+            <a:pPr algn="ctr">
+              <a:lnSpc>
+                <a:spcPct val="100000"/>
+              </a:lnSpc>
+            </a:pPr>
+            <a:endParaRPr b="0" lang="en-US" sz="1300" spc="-1" strike="noStrike">
+              <a:solidFill>
+                <a:srgbClr val="ffffff"/>
+              </a:solidFill>
+              <a:latin typeface="Arial"/>
+            </a:endParaRPr>
+          </a:p>
+          <a:p>
+            <a:pPr algn="ctr">
+              <a:lnSpc>
+                <a:spcPct val="100000"/>
+              </a:lnSpc>
+            </a:pPr>
+            <a:endParaRPr b="0" lang="en-US" sz="1300" spc="-1" strike="noStrike">
+              <a:solidFill>
+                <a:srgbClr val="ffffff"/>
+              </a:solidFill>
+              <a:latin typeface="Arial"/>
+            </a:endParaRPr>
+          </a:p>
+          <a:p>
+            <a:pPr algn="ctr">
+              <a:lnSpc>
+                <a:spcPct val="100000"/>
+              </a:lnSpc>
+            </a:pPr>
+            <a:endParaRPr b="0" lang="en-US" sz="1300" spc="-1" strike="noStrike">
+              <a:solidFill>
+                <a:srgbClr val="ffffff"/>
+              </a:solidFill>
+              <a:latin typeface="Arial"/>
+            </a:endParaRPr>
+          </a:p>
+          <a:p>
+            <a:pPr algn="ctr">
+              <a:lnSpc>
+                <a:spcPct val="100000"/>
+              </a:lnSpc>
+            </a:pPr>
+            <a:endParaRPr b="0" lang="en-US" sz="1300" spc="-1" strike="noStrike">
+              <a:solidFill>
+                <a:srgbClr val="ffffff"/>
+              </a:solidFill>
+              <a:latin typeface="Arial"/>
+            </a:endParaRPr>
+          </a:p>
+          <a:p>
+            <a:pPr algn="ctr">
+              <a:lnSpc>
+                <a:spcPct val="100000"/>
+              </a:lnSpc>
+            </a:pPr>
+            <a:endParaRPr b="0" lang="en-US" sz="1300" spc="-1" strike="noStrike">
+              <a:solidFill>
+                <a:srgbClr val="ffffff"/>
+              </a:solidFill>
+              <a:latin typeface="Arial"/>
+            </a:endParaRPr>
+          </a:p>
+          <a:p>
+            <a:pPr algn="ctr">
+              <a:lnSpc>
+                <a:spcPct val="100000"/>
+              </a:lnSpc>
+            </a:pPr>
+            <a:r>
+              <a:rPr b="0" lang="en-US" sz="1300" spc="-1" strike="noStrike">
+                <a:solidFill>
+                  <a:srgbClr val="78ffc8"/>
+                </a:solidFill>
+                <a:latin typeface="Consolas"/>
+                <a:ea typeface="DejaVu Sans"/>
+              </a:rPr>
+              <a:t>@Service</a:t>
+            </a:r>
+            <a:endParaRPr b="0" lang="en-US" sz="1300" spc="-1" strike="noStrike">
+              <a:solidFill>
+                <a:srgbClr val="ffffff"/>
+              </a:solidFill>
+              <a:latin typeface="Arial"/>
+            </a:endParaRPr>
+          </a:p>
+          <a:p>
+            <a:pPr algn="ctr">
+              <a:lnSpc>
+                <a:spcPct val="100000"/>
+              </a:lnSpc>
+            </a:pPr>
+            <a:r>
+              <a:rPr b="0" lang="en-US" sz="1300" spc="-1" strike="noStrike">
+                <a:solidFill>
+                  <a:srgbClr val="78ffc8"/>
+                </a:solidFill>
+                <a:latin typeface="Consolas"/>
+                <a:ea typeface="DejaVu Sans"/>
+              </a:rPr>
+              <a:t>public class OrderService {</a:t>
+            </a:r>
+            <a:endParaRPr b="0" lang="en-US" sz="1300" spc="-1" strike="noStrike">
+              <a:solidFill>
+                <a:srgbClr val="ffffff"/>
+              </a:solidFill>
+              <a:latin typeface="Arial"/>
+            </a:endParaRPr>
+          </a:p>
+          <a:p>
+            <a:pPr algn="ctr">
+              <a:lnSpc>
+                <a:spcPct val="100000"/>
+              </a:lnSpc>
+            </a:pPr>
+            <a:endParaRPr b="0" lang="en-US" sz="1300" spc="-1" strike="noStrike">
+              <a:solidFill>
+                <a:srgbClr val="ffffff"/>
+              </a:solidFill>
+              <a:latin typeface="Arial"/>
+            </a:endParaRPr>
+          </a:p>
+          <a:p>
+            <a:pPr algn="ctr">
+              <a:lnSpc>
+                <a:spcPct val="100000"/>
+              </a:lnSpc>
+            </a:pPr>
+            <a:r>
+              <a:rPr b="0" lang="en-US" sz="1300" spc="-1" strike="noStrike">
+                <a:solidFill>
+                  <a:srgbClr val="78ffc8"/>
+                </a:solidFill>
+                <a:latin typeface="Consolas"/>
+                <a:ea typeface="DejaVu Sans"/>
+              </a:rPr>
+              <a:t>    </a:t>
+            </a:r>
+            <a:r>
+              <a:rPr b="0" lang="en-US" sz="1300" spc="-1" strike="noStrike">
+                <a:solidFill>
+                  <a:srgbClr val="78ffc8"/>
+                </a:solidFill>
+                <a:latin typeface="Consolas"/>
+                <a:ea typeface="DejaVu Sans"/>
+              </a:rPr>
+              <a:t>@Autowired</a:t>
+            </a:r>
+            <a:endParaRPr b="0" lang="en-US" sz="1300" spc="-1" strike="noStrike">
+              <a:solidFill>
+                <a:srgbClr val="ffffff"/>
+              </a:solidFill>
+              <a:latin typeface="Arial"/>
+            </a:endParaRPr>
+          </a:p>
+          <a:p>
+            <a:pPr algn="ctr">
+              <a:lnSpc>
+                <a:spcPct val="100000"/>
+              </a:lnSpc>
+            </a:pPr>
+            <a:r>
+              <a:rPr b="0" lang="en-US" sz="1300" spc="-1" strike="noStrike">
+                <a:solidFill>
+                  <a:srgbClr val="78ffc8"/>
+                </a:solidFill>
+                <a:latin typeface="Consolas"/>
+                <a:ea typeface="DejaVu Sans"/>
+              </a:rPr>
+              <a:t>    </a:t>
+            </a:r>
+            <a:r>
+              <a:rPr b="0" lang="en-US" sz="1300" spc="-1" strike="noStrike">
+                <a:solidFill>
+                  <a:srgbClr val="78ffc8"/>
+                </a:solidFill>
+                <a:latin typeface="Consolas"/>
+                <a:ea typeface="DejaVu Sans"/>
+              </a:rPr>
+              <a:t>private OrderRepository repository;</a:t>
+            </a:r>
+            <a:endParaRPr b="0" lang="en-US" sz="1300" spc="-1" strike="noStrike">
+              <a:solidFill>
+                <a:srgbClr val="ffffff"/>
+              </a:solidFill>
+              <a:latin typeface="Arial"/>
+            </a:endParaRPr>
+          </a:p>
+          <a:p>
+            <a:pPr algn="ctr">
+              <a:lnSpc>
+                <a:spcPct val="100000"/>
+              </a:lnSpc>
+            </a:pPr>
+            <a:endParaRPr b="0" lang="en-US" sz="1300" spc="-1" strike="noStrike">
+              <a:solidFill>
+                <a:srgbClr val="ffffff"/>
+              </a:solidFill>
+              <a:latin typeface="Arial"/>
+            </a:endParaRPr>
+          </a:p>
+          <a:p>
+            <a:pPr algn="ctr">
+              <a:lnSpc>
+                <a:spcPct val="100000"/>
+              </a:lnSpc>
+            </a:pPr>
+            <a:r>
+              <a:rPr b="0" lang="en-US" sz="1300" spc="-1" strike="noStrike">
+                <a:solidFill>
+                  <a:srgbClr val="78ffc8"/>
+                </a:solidFill>
+                <a:latin typeface="Consolas"/>
+                <a:ea typeface="DejaVu Sans"/>
+              </a:rPr>
+              <a:t>    </a:t>
+            </a:r>
+            <a:r>
+              <a:rPr b="0" lang="en-US" sz="1300" spc="-1" strike="noStrike">
+                <a:solidFill>
+                  <a:srgbClr val="78ffc8"/>
+                </a:solidFill>
+                <a:latin typeface="Consolas"/>
+                <a:ea typeface="DejaVu Sans"/>
+              </a:rPr>
+              <a:t>public Order findOrder(Long id) {</a:t>
+            </a:r>
+            <a:endParaRPr b="0" lang="en-US" sz="1300" spc="-1" strike="noStrike">
+              <a:solidFill>
+                <a:srgbClr val="ffffff"/>
+              </a:solidFill>
+              <a:latin typeface="Arial"/>
+            </a:endParaRPr>
+          </a:p>
+          <a:p>
+            <a:pPr algn="ctr">
+              <a:lnSpc>
+                <a:spcPct val="100000"/>
+              </a:lnSpc>
+            </a:pPr>
+            <a:r>
+              <a:rPr b="0" lang="en-US" sz="1300" spc="-1" strike="noStrike">
+                <a:solidFill>
+                  <a:srgbClr val="78ffc8"/>
+                </a:solidFill>
+                <a:latin typeface="Consolas"/>
+                <a:ea typeface="DejaVu Sans"/>
+              </a:rPr>
+              <a:t>        </a:t>
+            </a:r>
+            <a:r>
+              <a:rPr b="0" lang="en-US" sz="1300" spc="-1" strike="noStrike">
+                <a:solidFill>
+                  <a:srgbClr val="78ffc8"/>
+                </a:solidFill>
+                <a:latin typeface="Consolas"/>
+                <a:ea typeface="DejaVu Sans"/>
+              </a:rPr>
+              <a:t>return repository.findById(id);</a:t>
+            </a:r>
+            <a:endParaRPr b="0" lang="en-US" sz="1300" spc="-1" strike="noStrike">
+              <a:solidFill>
+                <a:srgbClr val="ffffff"/>
+              </a:solidFill>
+              <a:latin typeface="Arial"/>
+            </a:endParaRPr>
+          </a:p>
+          <a:p>
+            <a:pPr algn="ctr">
+              <a:lnSpc>
+                <a:spcPct val="100000"/>
+              </a:lnSpc>
+            </a:pPr>
+            <a:r>
+              <a:rPr b="0" lang="en-US" sz="1300" spc="-1" strike="noStrike">
+                <a:solidFill>
+                  <a:srgbClr val="78ffc8"/>
+                </a:solidFill>
+                <a:latin typeface="Consolas"/>
+                <a:ea typeface="DejaVu Sans"/>
+              </a:rPr>
+              <a:t>    </a:t>
+            </a:r>
+            <a:r>
+              <a:rPr b="0" lang="en-US" sz="1300" spc="-1" strike="noStrike">
+                <a:solidFill>
+                  <a:srgbClr val="78ffc8"/>
+                </a:solidFill>
+                <a:latin typeface="Consolas"/>
+                <a:ea typeface="DejaVu Sans"/>
+              </a:rPr>
+              <a:t>}</a:t>
+            </a:r>
+            <a:endParaRPr b="0" lang="en-US" sz="1300" spc="-1" strike="noStrike">
+              <a:solidFill>
+                <a:srgbClr val="ffffff"/>
+              </a:solidFill>
+              <a:latin typeface="Arial"/>
+            </a:endParaRPr>
+          </a:p>
+          <a:p>
+            <a:pPr algn="ctr">
+              <a:lnSpc>
+                <a:spcPct val="100000"/>
+              </a:lnSpc>
+            </a:pPr>
+            <a:r>
+              <a:rPr b="0" lang="en-US" sz="1300" spc="-1" strike="noStrike">
+                <a:solidFill>
+                  <a:srgbClr val="78ffc8"/>
+                </a:solidFill>
+                <a:latin typeface="Consolas"/>
+                <a:ea typeface="DejaVu Sans"/>
+              </a:rPr>
+              <a:t>};</a:t>
+            </a:r>
+            <a:endParaRPr b="0" lang="en-US" sz="1300" spc="-1" strike="noStrike">
+              <a:solidFill>
+                <a:srgbClr val="ffffff"/>
+              </a:solidFill>
+              <a:latin typeface="Arial"/>
+            </a:endParaRPr>
+          </a:p>
+          <a:p>
+            <a:pPr algn="ctr">
+              <a:lnSpc>
+                <a:spcPct val="100000"/>
+              </a:lnSpc>
+            </a:pPr>
+            <a:endParaRPr b="0" lang="en-US" sz="1300" spc="-1" strike="noStrike">
+              <a:solidFill>
+                <a:srgbClr val="ffffff"/>
+              </a:solidFill>
+              <a:latin typeface="Arial"/>
+            </a:endParaRPr>
+          </a:p>
+          <a:p>
+            <a:pPr algn="ctr">
+              <a:lnSpc>
+                <a:spcPct val="100000"/>
+              </a:lnSpc>
+            </a:pPr>
+            <a:endParaRPr b="0" lang="en-US" sz="1300" spc="-1" strike="noStrike">
+              <a:solidFill>
+                <a:srgbClr val="ffffff"/>
+              </a:solidFill>
+              <a:latin typeface="Arial"/>
+            </a:endParaRPr>
+          </a:p>
+          <a:p>
+            <a:pPr algn="ctr">
+              <a:lnSpc>
+                <a:spcPct val="100000"/>
+              </a:lnSpc>
+            </a:pPr>
+            <a:endParaRPr b="0" lang="en-US" sz="1300" spc="-1" strike="noStrike">
+              <a:solidFill>
+                <a:srgbClr val="ffffff"/>
+              </a:solidFill>
+              <a:latin typeface="Arial"/>
+            </a:endParaRPr>
+          </a:p>
+          <a:p>
+            <a:pPr algn="ctr">
+              <a:lnSpc>
+                <a:spcPct val="100000"/>
+              </a:lnSpc>
+            </a:pPr>
+            <a:endParaRPr b="0" lang="en-US" sz="1300" spc="-1" strike="noStrike">
+              <a:solidFill>
+                <a:srgbClr val="ffffff"/>
+              </a:solidFill>
+              <a:latin typeface="Arial"/>
+            </a:endParaRPr>
+          </a:p>
+          <a:p>
+            <a:pPr algn="ctr">
+              <a:lnSpc>
+                <a:spcPct val="100000"/>
+              </a:lnSpc>
+            </a:pPr>
+            <a:endParaRPr b="0" lang="en-US" sz="1300" spc="-1" strike="noStrike">
+              <a:solidFill>
+                <a:srgbClr val="ffffff"/>
+              </a:solidFill>
+              <a:latin typeface="Arial"/>
+            </a:endParaRPr>
+          </a:p>
+          <a:p>
+            <a:pPr algn="ctr">
+              <a:lnSpc>
+                <a:spcPct val="100000"/>
+              </a:lnSpc>
+            </a:pPr>
+            <a:endParaRPr b="0" lang="en-US" sz="1300" spc="-1" strike="noStrike">
+              <a:solidFill>
+                <a:srgbClr val="ffffff"/>
+              </a:solidFill>
+              <a:latin typeface="Arial"/>
+            </a:endParaRPr>
+          </a:p>
+          <a:p>
+            <a:pPr algn="ctr">
+              <a:lnSpc>
+                <a:spcPct val="100000"/>
+              </a:lnSpc>
+            </a:pPr>
+            <a:endParaRPr b="0" lang="en-US" sz="1300" spc="-1" strike="noStrike">
+              <a:solidFill>
+                <a:srgbClr val="ffffff"/>
+              </a:solidFill>
+              <a:latin typeface="Arial"/>
+            </a:endParaRPr>
+          </a:p>
+        </p:txBody>
+      </p:sp>
+      <p:sp>
+        <p:nvSpPr>
+          <p:cNvPr id="377" name="TextBox 42"/>
+          <p:cNvSpPr/>
+          <p:nvPr/>
+        </p:nvSpPr>
+        <p:spPr>
+          <a:xfrm>
+            <a:off x="5224320" y="7104600"/>
+            <a:ext cx="3051720" cy="363960"/>
+          </a:xfrm>
+          <a:prstGeom prst="rect">
+            <a:avLst/>
+          </a:prstGeom>
+          <a:noFill/>
+          <a:ln w="0">
+            <a:noFill/>
+          </a:ln>
+        </p:spPr>
+        <p:style>
+          <a:lnRef idx="0"/>
+          <a:fillRef idx="0"/>
+          <a:effectRef idx="0"/>
+          <a:fontRef idx="minor"/>
+        </p:style>
+        <p:txBody>
+          <a:bodyPr wrap="none" lIns="90000" rIns="90000" tIns="45000" bIns="45000" anchor="t">
+            <a:spAutoFit/>
+          </a:bodyPr>
+          <a:p>
+            <a:pPr>
+              <a:lnSpc>
+                <a:spcPct val="100000"/>
+              </a:lnSpc>
+            </a:pPr>
+            <a:r>
+              <a:rPr b="0" lang="en-US" sz="1800" spc="-1" strike="noStrike">
+                <a:solidFill>
+                  <a:srgbClr val="000000"/>
+                </a:solidFill>
+                <a:latin typeface="Calibri"/>
+                <a:ea typeface="DejaVu Sans"/>
+              </a:rPr>
+              <a:t>Java • Ultra Premium Template</a:t>
+            </a:r>
+            <a:endParaRPr b="0" lang="en-US" sz="1800" spc="-1" strike="noStrike">
+              <a:solidFill>
+                <a:srgbClr val="000000"/>
+              </a:solidFill>
+              <a:latin typeface="Arial"/>
+            </a:endParaRPr>
+          </a:p>
+        </p:txBody>
+      </p:sp>
+      <p:sp>
+        <p:nvSpPr>
+          <p:cNvPr id="378" name="Rounded Rectangle 97"/>
+          <p:cNvSpPr/>
+          <p:nvPr/>
+        </p:nvSpPr>
+        <p:spPr>
+          <a:xfrm>
+            <a:off x="4941000" y="3450960"/>
+            <a:ext cx="3623760" cy="3018960"/>
+          </a:xfrm>
+          <a:prstGeom prst="roundRect">
+            <a:avLst>
+              <a:gd name="adj" fmla="val 16667"/>
+            </a:avLst>
+          </a:prstGeom>
+          <a:solidFill>
+            <a:srgbClr val="16161c"/>
+          </a:solidFill>
+          <a:ln>
+            <a:solidFill>
+              <a:srgbClr val="464655"/>
+            </a:solidFill>
+            <a:round/>
+          </a:ln>
+          <a:effectLst>
+            <a:outerShdw blurRad="39960" dir="5400000" dist="23040" rotWithShape="0">
+              <a:srgbClr val="000000">
+                <a:alpha val="35000"/>
+              </a:srgbClr>
+            </a:outerShdw>
+          </a:effectLst>
+        </p:spPr>
+        <p:style>
+          <a:lnRef idx="1">
+            <a:schemeClr val="accent1"/>
+          </a:lnRef>
+          <a:fillRef idx="3">
+            <a:schemeClr val="accent1"/>
+          </a:fillRef>
+          <a:effectRef idx="2">
+            <a:schemeClr val="accent1"/>
+          </a:effectRef>
+          <a:fontRef idx="minor"/>
+        </p:style>
+        <p:txBody>
+          <a:bodyPr lIns="90000" rIns="90000" tIns="45000" bIns="45000" anchor="ctr">
+            <a:noAutofit/>
+          </a:bodyPr>
+          <a:p>
+            <a:pPr>
+              <a:lnSpc>
+                <a:spcPct val="100000"/>
+              </a:lnSpc>
+            </a:pPr>
+            <a:r>
+              <a:rPr b="1" lang="en-US" sz="1300" spc="-1" strike="noStrike">
+                <a:solidFill>
+                  <a:schemeClr val="lt1"/>
+                </a:solidFill>
+                <a:latin typeface="Calibri"/>
+                <a:ea typeface="DejaVu Sans"/>
+              </a:rPr>
+              <a:t>Why this era mattered:</a:t>
+            </a:r>
+            <a:endParaRPr b="0" lang="en-US" sz="1300" spc="-1" strike="noStrike">
+              <a:solidFill>
+                <a:srgbClr val="ffffff"/>
+              </a:solidFill>
+              <a:latin typeface="Arial"/>
+            </a:endParaRPr>
+          </a:p>
+          <a:p>
+            <a:pPr>
+              <a:lnSpc>
+                <a:spcPct val="100000"/>
+              </a:lnSpc>
+            </a:pPr>
+            <a:endParaRPr b="0" lang="en-US" sz="1300" spc="-1" strike="noStrike">
+              <a:solidFill>
+                <a:srgbClr val="ffffff"/>
+              </a:solidFill>
+              <a:latin typeface="Arial"/>
+            </a:endParaRPr>
+          </a:p>
+          <a:p>
+            <a:pPr>
+              <a:lnSpc>
+                <a:spcPct val="100000"/>
+              </a:lnSpc>
+            </a:pPr>
+            <a:r>
+              <a:rPr b="1" lang="en-US" sz="1300" spc="-1" strike="noStrike">
+                <a:solidFill>
+                  <a:schemeClr val="lt1"/>
+                </a:solidFill>
+                <a:latin typeface="Calibri"/>
+                <a:ea typeface="DejaVu Sans"/>
+              </a:rPr>
+              <a:t>↓ </a:t>
+            </a:r>
+            <a:r>
+              <a:rPr b="1" lang="en-US" sz="1300" spc="-1" strike="noStrike">
+                <a:solidFill>
+                  <a:schemeClr val="lt1"/>
+                </a:solidFill>
+                <a:latin typeface="Calibri"/>
+                <a:ea typeface="DejaVu Sans"/>
+              </a:rPr>
+              <a:t>XML-heavy enterprise Java was simplified</a:t>
+            </a:r>
+            <a:endParaRPr b="0" lang="en-US" sz="1300" spc="-1" strike="noStrike">
+              <a:solidFill>
+                <a:srgbClr val="ffffff"/>
+              </a:solidFill>
+              <a:latin typeface="Arial"/>
+            </a:endParaRPr>
+          </a:p>
+          <a:p>
+            <a:pPr>
+              <a:lnSpc>
+                <a:spcPct val="100000"/>
+              </a:lnSpc>
+            </a:pPr>
+            <a:r>
+              <a:rPr b="1" lang="en-US" sz="1300" spc="-1" strike="noStrike">
+                <a:solidFill>
+                  <a:schemeClr val="lt1"/>
+                </a:solidFill>
+                <a:latin typeface="Calibri"/>
+                <a:ea typeface="DejaVu Sans"/>
+              </a:rPr>
+              <a:t>↓ </a:t>
+            </a:r>
+            <a:r>
+              <a:rPr b="1" lang="en-US" sz="1300" spc="-1" strike="noStrike">
+                <a:solidFill>
+                  <a:schemeClr val="lt1"/>
+                </a:solidFill>
+                <a:latin typeface="Calibri"/>
+                <a:ea typeface="DejaVu Sans"/>
+              </a:rPr>
+              <a:t>Boilerplate code dramatically reduced</a:t>
+            </a:r>
+            <a:endParaRPr b="0" lang="en-US" sz="1300" spc="-1" strike="noStrike">
+              <a:solidFill>
+                <a:srgbClr val="ffffff"/>
+              </a:solidFill>
+              <a:latin typeface="Arial"/>
+            </a:endParaRPr>
+          </a:p>
+          <a:p>
+            <a:pPr>
+              <a:lnSpc>
+                <a:spcPct val="100000"/>
+              </a:lnSpc>
+            </a:pPr>
+            <a:r>
+              <a:rPr b="1" lang="en-US" sz="1300" spc="-1" strike="noStrike">
+                <a:solidFill>
+                  <a:schemeClr val="lt1"/>
+                </a:solidFill>
+                <a:latin typeface="Calibri"/>
+                <a:ea typeface="DejaVu Sans"/>
+              </a:rPr>
+              <a:t>↓ </a:t>
+            </a:r>
+            <a:r>
+              <a:rPr b="1" lang="en-US" sz="1300" spc="-1" strike="noStrike">
+                <a:solidFill>
+                  <a:schemeClr val="lt1"/>
+                </a:solidFill>
+                <a:latin typeface="Calibri"/>
+                <a:ea typeface="DejaVu Sans"/>
+              </a:rPr>
+              <a:t>Loose coupling became standard</a:t>
+            </a:r>
+            <a:endParaRPr b="0" lang="en-US" sz="1300" spc="-1" strike="noStrike">
+              <a:solidFill>
+                <a:srgbClr val="ffffff"/>
+              </a:solidFill>
+              <a:latin typeface="Arial"/>
+            </a:endParaRPr>
+          </a:p>
+          <a:p>
+            <a:pPr>
+              <a:lnSpc>
+                <a:spcPct val="100000"/>
+              </a:lnSpc>
+            </a:pPr>
+            <a:r>
+              <a:rPr b="1" lang="en-US" sz="1300" spc="-1" strike="noStrike">
+                <a:solidFill>
+                  <a:schemeClr val="lt1"/>
+                </a:solidFill>
+                <a:latin typeface="Calibri"/>
+                <a:ea typeface="DejaVu Sans"/>
+              </a:rPr>
+              <a:t>↓ </a:t>
+            </a:r>
+            <a:r>
+              <a:rPr b="1" lang="en-US" sz="1300" spc="-1" strike="noStrike">
+                <a:solidFill>
+                  <a:schemeClr val="lt1"/>
+                </a:solidFill>
+                <a:latin typeface="Calibri"/>
+                <a:ea typeface="DejaVu Sans"/>
+              </a:rPr>
+              <a:t>MVC and layered architecture spread</a:t>
+            </a:r>
+            <a:endParaRPr b="0" lang="en-US" sz="1300" spc="-1" strike="noStrike">
+              <a:solidFill>
+                <a:srgbClr val="ffffff"/>
+              </a:solidFill>
+              <a:latin typeface="Arial"/>
+            </a:endParaRPr>
+          </a:p>
+          <a:p>
+            <a:pPr>
+              <a:lnSpc>
+                <a:spcPct val="100000"/>
+              </a:lnSpc>
+            </a:pPr>
+            <a:r>
+              <a:rPr b="1" lang="en-US" sz="1300" spc="-1" strike="noStrike">
+                <a:solidFill>
+                  <a:schemeClr val="lt1"/>
+                </a:solidFill>
+                <a:latin typeface="Calibri"/>
+                <a:ea typeface="DejaVu Sans"/>
+              </a:rPr>
+              <a:t>↓ </a:t>
+            </a:r>
+            <a:r>
+              <a:rPr b="1" lang="en-US" sz="1300" spc="-1" strike="noStrike">
+                <a:solidFill>
+                  <a:schemeClr val="lt1"/>
+                </a:solidFill>
+                <a:latin typeface="Calibri"/>
+                <a:ea typeface="DejaVu Sans"/>
+              </a:rPr>
+              <a:t>Developers gained productivity and flexibility</a:t>
+            </a:r>
+            <a:endParaRPr b="0" lang="en-US" sz="1300" spc="-1" strike="noStrike">
+              <a:solidFill>
+                <a:srgbClr val="ffffff"/>
+              </a:solidFill>
+              <a:latin typeface="Arial"/>
+            </a:endParaRPr>
+          </a:p>
+          <a:p>
+            <a:pPr>
+              <a:lnSpc>
+                <a:spcPct val="100000"/>
+              </a:lnSpc>
+            </a:pPr>
+            <a:endParaRPr b="0" lang="en-US" sz="1300" spc="-1" strike="noStrike">
+              <a:solidFill>
+                <a:srgbClr val="ffffff"/>
+              </a:solidFill>
+              <a:latin typeface="Arial"/>
+            </a:endParaRPr>
+          </a:p>
+          <a:p>
+            <a:pPr>
+              <a:lnSpc>
+                <a:spcPct val="100000"/>
+              </a:lnSpc>
+            </a:pPr>
+            <a:r>
+              <a:rPr b="1" lang="en-US" sz="1300" spc="-1" strike="noStrike">
+                <a:solidFill>
+                  <a:schemeClr val="lt1"/>
+                </a:solidFill>
+                <a:latin typeface="Calibri"/>
+                <a:ea typeface="DejaVu Sans"/>
+              </a:rPr>
+              <a:t>Before 2005:</a:t>
+            </a:r>
+            <a:endParaRPr b="0" lang="en-US" sz="1300" spc="-1" strike="noStrike">
+              <a:solidFill>
+                <a:srgbClr val="ffffff"/>
+              </a:solidFill>
+              <a:latin typeface="Arial"/>
+            </a:endParaRPr>
+          </a:p>
+          <a:p>
+            <a:pPr>
+              <a:lnSpc>
+                <a:spcPct val="100000"/>
+              </a:lnSpc>
+            </a:pPr>
+            <a:r>
+              <a:rPr b="0" lang="en-US" sz="1300" spc="-1" strike="noStrike">
+                <a:solidFill>
+                  <a:schemeClr val="lt1"/>
+                </a:solidFill>
+                <a:latin typeface="Calibri"/>
+                <a:ea typeface="DejaVu Sans"/>
+              </a:rPr>
+              <a:t>Enterprise Java = complex, verbose, hard to maintain</a:t>
+            </a:r>
+            <a:endParaRPr b="0" lang="en-US" sz="1300" spc="-1" strike="noStrike">
+              <a:solidFill>
+                <a:srgbClr val="ffffff"/>
+              </a:solidFill>
+              <a:latin typeface="Arial"/>
+            </a:endParaRPr>
+          </a:p>
+          <a:p>
+            <a:pPr>
+              <a:lnSpc>
+                <a:spcPct val="100000"/>
+              </a:lnSpc>
+            </a:pPr>
+            <a:r>
+              <a:rPr b="1" lang="en-US" sz="1300" spc="-1" strike="noStrike">
+                <a:solidFill>
+                  <a:schemeClr val="lt1"/>
+                </a:solidFill>
+                <a:latin typeface="Calibri"/>
+                <a:ea typeface="DejaVu Sans"/>
+              </a:rPr>
+              <a:t>After 2005:</a:t>
+            </a:r>
+            <a:endParaRPr b="0" lang="en-US" sz="1300" spc="-1" strike="noStrike">
+              <a:solidFill>
+                <a:srgbClr val="ffffff"/>
+              </a:solidFill>
+              <a:latin typeface="Arial"/>
+            </a:endParaRPr>
+          </a:p>
+          <a:p>
+            <a:pPr>
+              <a:lnSpc>
+                <a:spcPct val="100000"/>
+              </a:lnSpc>
+            </a:pPr>
+            <a:r>
+              <a:rPr b="0" lang="en-US" sz="1300" spc="-1" strike="noStrike">
+                <a:solidFill>
+                  <a:schemeClr val="lt1"/>
+                </a:solidFill>
+                <a:latin typeface="Calibri"/>
+                <a:ea typeface="DejaVu Sans"/>
+              </a:rPr>
+              <a:t>Enterprise Java = cleaner, modular, framework-driven</a:t>
+            </a:r>
+            <a:endParaRPr b="0" lang="en-US" sz="1300" spc="-1" strike="noStrike">
+              <a:solidFill>
+                <a:srgbClr val="ffffff"/>
+              </a:solidFill>
+              <a:latin typeface="Arial"/>
+            </a:endParaRPr>
+          </a:p>
+        </p:txBody>
+      </p:sp>
+    </p:spTree>
+  </p:cSld>
+  <mc:AlternateContent>
+    <mc:Choice Requires="p14">
+      <p:transition spd="slow" p14:dur="2000"/>
+    </mc:Choice>
+    <mc:Fallback>
+      <p:transition spd="slow"/>
+    </mc:Fallback>
+  </mc:AlternateContent>
+</p:sld>
+</file>
+
+<file path=ppt/slides/slide14.xml><?xml version="1.0" encoding="utf-8"?>
+<p:sld xmlns:a="http://schemas.openxmlformats.org/drawingml/2006/main" xmlns:p="http://schemas.openxmlformats.org/presentationml/2006/main" xmlns:r="http://schemas.openxmlformats.org/officeDocument/2006/relationships" xmlns:p14="http://schemas.microsoft.com/office/powerpoint/2010/main" xmlns:p15="http://schemas.microsoft.com/office/powerpoint/2012/main" xmlns:mc="http://schemas.openxmlformats.org/markup-compatibility/2006">
+  <p:cSld>
+    <p:spTree>
+      <p:nvGrpSpPr>
+        <p:cNvPr id="1" name=""/>
+        <p:cNvGrpSpPr/>
+        <p:nvPr/>
+      </p:nvGrpSpPr>
+      <p:grpSpPr>
+        <a:xfrm>
+          <a:off x="0" y="0"/>
+          <a:ext cx="0" cy="0"/>
+          <a:chOff x="0" y="0"/>
+          <a:chExt cx="0" cy="0"/>
+        </a:xfrm>
+      </p:grpSpPr>
+      <p:sp>
+        <p:nvSpPr>
+          <p:cNvPr id="379" name="Rectangle 209"/>
+          <p:cNvSpPr/>
+          <p:nvPr/>
+        </p:nvSpPr>
+        <p:spPr>
+          <a:xfrm>
+            <a:off x="16920" y="1800"/>
+            <a:ext cx="13431240" cy="7554600"/>
+          </a:xfrm>
+          <a:prstGeom prst="rect">
+            <a:avLst/>
+          </a:prstGeom>
+          <a:solidFill>
+            <a:srgbClr val="0b0b0d"/>
+          </a:solidFill>
+          <a:ln>
+            <a:noFill/>
+          </a:ln>
+          <a:effectLst>
+            <a:outerShdw blurRad="39960" dir="5400000" dist="23040" rotWithShape="0">
+              <a:srgbClr val="000000">
+                <a:alpha val="35000"/>
+              </a:srgbClr>
+            </a:outerShdw>
+          </a:effectLst>
+        </p:spPr>
+        <p:style>
+          <a:lnRef idx="1">
+            <a:schemeClr val="accent1"/>
+          </a:lnRef>
+          <a:fillRef idx="3">
+            <a:schemeClr val="accent1"/>
+          </a:fillRef>
+          <a:effectRef idx="2">
+            <a:schemeClr val="accent1"/>
+          </a:effectRef>
+          <a:fontRef idx="minor"/>
+        </p:style>
+        <p:txBody>
+          <a:bodyPr lIns="90000" rIns="90000" tIns="45000" bIns="45000" anchor="ctr">
+            <a:noAutofit/>
+          </a:bodyPr>
+          <a:p>
+            <a:endParaRPr b="0" lang="en-US" sz="1800" spc="-1" strike="noStrike">
+              <a:solidFill>
+                <a:schemeClr val="lt1"/>
+              </a:solidFill>
+              <a:latin typeface="Calibri"/>
+              <a:ea typeface="DejaVu Sans"/>
+            </a:endParaRPr>
+          </a:p>
+        </p:txBody>
+      </p:sp>
+      <p:sp>
+        <p:nvSpPr>
+          <p:cNvPr id="380" name="Rectangle 210"/>
+          <p:cNvSpPr/>
+          <p:nvPr/>
+        </p:nvSpPr>
+        <p:spPr>
+          <a:xfrm>
+            <a:off x="1440" y="1800"/>
+            <a:ext cx="15480" cy="7554600"/>
+          </a:xfrm>
+          <a:prstGeom prst="rect">
+            <a:avLst/>
+          </a:prstGeom>
+          <a:solidFill>
+            <a:srgbClr val="121216"/>
+          </a:solidFill>
+          <a:ln>
+            <a:noFill/>
+          </a:ln>
+          <a:effectLst>
+            <a:outerShdw blurRad="39960" dir="5400000" dist="23040" rotWithShape="0">
+              <a:srgbClr val="000000">
+                <a:alpha val="35000"/>
+              </a:srgbClr>
+            </a:outerShdw>
+          </a:effectLst>
+        </p:spPr>
+        <p:style>
+          <a:lnRef idx="1">
+            <a:schemeClr val="accent1"/>
+          </a:lnRef>
+          <a:fillRef idx="3">
+            <a:schemeClr val="accent1"/>
+          </a:fillRef>
+          <a:effectRef idx="2">
+            <a:schemeClr val="accent1"/>
+          </a:effectRef>
+          <a:fontRef idx="minor"/>
+        </p:style>
+        <p:txBody>
+          <a:bodyPr lIns="90000" rIns="90000" tIns="45000" bIns="45000" anchor="ctr">
+            <a:noAutofit/>
+          </a:bodyPr>
+          <a:p>
+            <a:endParaRPr b="0" lang="en-US" sz="1800" spc="-1" strike="noStrike">
+              <a:solidFill>
+                <a:schemeClr val="lt1"/>
+              </a:solidFill>
+              <a:latin typeface="Calibri"/>
+              <a:ea typeface="DejaVu Sans"/>
+            </a:endParaRPr>
+          </a:p>
+        </p:txBody>
+      </p:sp>
+      <p:sp>
+        <p:nvSpPr>
+          <p:cNvPr id="381" name="Rectangle 211"/>
+          <p:cNvSpPr/>
+          <p:nvPr/>
+        </p:nvSpPr>
+        <p:spPr>
+          <a:xfrm>
+            <a:off x="1005480" y="1800"/>
+            <a:ext cx="15480" cy="7554600"/>
+          </a:xfrm>
+          <a:prstGeom prst="rect">
+            <a:avLst/>
+          </a:prstGeom>
+          <a:solidFill>
+            <a:srgbClr val="121216"/>
+          </a:solidFill>
+          <a:ln>
+            <a:noFill/>
+          </a:ln>
+          <a:effectLst>
+            <a:outerShdw blurRad="39960" dir="5400000" dist="23040" rotWithShape="0">
+              <a:srgbClr val="000000">
+                <a:alpha val="35000"/>
+              </a:srgbClr>
+            </a:outerShdw>
+          </a:effectLst>
+        </p:spPr>
+        <p:style>
+          <a:lnRef idx="1">
+            <a:schemeClr val="accent1"/>
+          </a:lnRef>
+          <a:fillRef idx="3">
+            <a:schemeClr val="accent1"/>
+          </a:fillRef>
+          <a:effectRef idx="2">
+            <a:schemeClr val="accent1"/>
+          </a:effectRef>
+          <a:fontRef idx="minor"/>
+        </p:style>
+        <p:txBody>
+          <a:bodyPr lIns="90000" rIns="90000" tIns="45000" bIns="45000" anchor="ctr">
+            <a:noAutofit/>
+          </a:bodyPr>
+          <a:p>
+            <a:endParaRPr b="0" lang="en-US" sz="1800" spc="-1" strike="noStrike">
+              <a:solidFill>
+                <a:schemeClr val="lt1"/>
+              </a:solidFill>
+              <a:latin typeface="Calibri"/>
+              <a:ea typeface="DejaVu Sans"/>
+            </a:endParaRPr>
+          </a:p>
+        </p:txBody>
+      </p:sp>
+      <p:sp>
+        <p:nvSpPr>
+          <p:cNvPr id="382" name="Rectangle 212"/>
+          <p:cNvSpPr/>
+          <p:nvPr/>
+        </p:nvSpPr>
+        <p:spPr>
+          <a:xfrm>
+            <a:off x="2013480" y="1800"/>
+            <a:ext cx="15480" cy="7554600"/>
+          </a:xfrm>
+          <a:prstGeom prst="rect">
+            <a:avLst/>
+          </a:prstGeom>
+          <a:solidFill>
+            <a:srgbClr val="121216"/>
+          </a:solidFill>
+          <a:ln>
+            <a:noFill/>
+          </a:ln>
+          <a:effectLst>
+            <a:outerShdw blurRad="39960" dir="5400000" dist="23040" rotWithShape="0">
+              <a:srgbClr val="000000">
+                <a:alpha val="35000"/>
+              </a:srgbClr>
+            </a:outerShdw>
+          </a:effectLst>
+        </p:spPr>
+        <p:style>
+          <a:lnRef idx="1">
+            <a:schemeClr val="accent1"/>
+          </a:lnRef>
+          <a:fillRef idx="3">
+            <a:schemeClr val="accent1"/>
+          </a:fillRef>
+          <a:effectRef idx="2">
+            <a:schemeClr val="accent1"/>
+          </a:effectRef>
+          <a:fontRef idx="minor"/>
+        </p:style>
+        <p:txBody>
+          <a:bodyPr lIns="90000" rIns="90000" tIns="45000" bIns="45000" anchor="ctr">
+            <a:noAutofit/>
+          </a:bodyPr>
+          <a:p>
+            <a:endParaRPr b="0" lang="en-US" sz="1800" spc="-1" strike="noStrike">
+              <a:solidFill>
+                <a:schemeClr val="lt1"/>
+              </a:solidFill>
+              <a:latin typeface="Calibri"/>
+              <a:ea typeface="DejaVu Sans"/>
+            </a:endParaRPr>
+          </a:p>
+        </p:txBody>
+      </p:sp>
+      <p:sp>
+        <p:nvSpPr>
+          <p:cNvPr id="383" name="Rectangle 213"/>
+          <p:cNvSpPr/>
+          <p:nvPr/>
+        </p:nvSpPr>
+        <p:spPr>
+          <a:xfrm>
+            <a:off x="3021480" y="1800"/>
+            <a:ext cx="15480" cy="7554600"/>
+          </a:xfrm>
+          <a:prstGeom prst="rect">
+            <a:avLst/>
+          </a:prstGeom>
+          <a:solidFill>
+            <a:srgbClr val="121216"/>
+          </a:solidFill>
+          <a:ln>
+            <a:noFill/>
+          </a:ln>
+          <a:effectLst>
+            <a:outerShdw blurRad="39960" dir="5400000" dist="23040" rotWithShape="0">
+              <a:srgbClr val="000000">
+                <a:alpha val="35000"/>
+              </a:srgbClr>
+            </a:outerShdw>
+          </a:effectLst>
+        </p:spPr>
+        <p:style>
+          <a:lnRef idx="1">
+            <a:schemeClr val="accent1"/>
+          </a:lnRef>
+          <a:fillRef idx="3">
+            <a:schemeClr val="accent1"/>
+          </a:fillRef>
+          <a:effectRef idx="2">
+            <a:schemeClr val="accent1"/>
+          </a:effectRef>
+          <a:fontRef idx="minor"/>
+        </p:style>
+        <p:txBody>
+          <a:bodyPr lIns="90000" rIns="90000" tIns="45000" bIns="45000" anchor="ctr">
+            <a:noAutofit/>
+          </a:bodyPr>
+          <a:p>
+            <a:endParaRPr b="0" lang="en-US" sz="1800" spc="-1" strike="noStrike">
+              <a:solidFill>
+                <a:schemeClr val="lt1"/>
+              </a:solidFill>
+              <a:latin typeface="Calibri"/>
+              <a:ea typeface="DejaVu Sans"/>
+            </a:endParaRPr>
+          </a:p>
+        </p:txBody>
+      </p:sp>
+      <p:sp>
+        <p:nvSpPr>
+          <p:cNvPr id="384" name="Rectangle 214"/>
+          <p:cNvSpPr/>
+          <p:nvPr/>
+        </p:nvSpPr>
+        <p:spPr>
+          <a:xfrm>
+            <a:off x="4029480" y="1800"/>
+            <a:ext cx="15480" cy="7554600"/>
+          </a:xfrm>
+          <a:prstGeom prst="rect">
+            <a:avLst/>
+          </a:prstGeom>
+          <a:solidFill>
+            <a:srgbClr val="121216"/>
+          </a:solidFill>
+          <a:ln>
+            <a:noFill/>
+          </a:ln>
+          <a:effectLst>
+            <a:outerShdw blurRad="39960" dir="5400000" dist="23040" rotWithShape="0">
+              <a:srgbClr val="000000">
+                <a:alpha val="35000"/>
+              </a:srgbClr>
+            </a:outerShdw>
+          </a:effectLst>
+        </p:spPr>
+        <p:style>
+          <a:lnRef idx="1">
+            <a:schemeClr val="accent1"/>
+          </a:lnRef>
+          <a:fillRef idx="3">
+            <a:schemeClr val="accent1"/>
+          </a:fillRef>
+          <a:effectRef idx="2">
+            <a:schemeClr val="accent1"/>
+          </a:effectRef>
+          <a:fontRef idx="minor"/>
+        </p:style>
+        <p:txBody>
+          <a:bodyPr lIns="90000" rIns="90000" tIns="45000" bIns="45000" anchor="ctr">
+            <a:noAutofit/>
+          </a:bodyPr>
+          <a:p>
+            <a:endParaRPr b="0" lang="en-US" sz="1800" spc="-1" strike="noStrike">
+              <a:solidFill>
+                <a:schemeClr val="lt1"/>
+              </a:solidFill>
+              <a:latin typeface="Calibri"/>
+              <a:ea typeface="DejaVu Sans"/>
+            </a:endParaRPr>
+          </a:p>
+        </p:txBody>
+      </p:sp>
+      <p:sp>
+        <p:nvSpPr>
+          <p:cNvPr id="385" name="Rectangle 215"/>
+          <p:cNvSpPr/>
+          <p:nvPr/>
+        </p:nvSpPr>
+        <p:spPr>
+          <a:xfrm>
+            <a:off x="5037480" y="1800"/>
+            <a:ext cx="15480" cy="7554600"/>
+          </a:xfrm>
+          <a:prstGeom prst="rect">
+            <a:avLst/>
+          </a:prstGeom>
+          <a:solidFill>
+            <a:srgbClr val="121216"/>
+          </a:solidFill>
+          <a:ln>
+            <a:noFill/>
+          </a:ln>
+          <a:effectLst>
+            <a:outerShdw blurRad="39960" dir="5400000" dist="23040" rotWithShape="0">
+              <a:srgbClr val="000000">
+                <a:alpha val="35000"/>
+              </a:srgbClr>
+            </a:outerShdw>
+          </a:effectLst>
+        </p:spPr>
+        <p:style>
+          <a:lnRef idx="1">
+            <a:schemeClr val="accent1"/>
+          </a:lnRef>
+          <a:fillRef idx="3">
+            <a:schemeClr val="accent1"/>
+          </a:fillRef>
+          <a:effectRef idx="2">
+            <a:schemeClr val="accent1"/>
+          </a:effectRef>
+          <a:fontRef idx="minor"/>
+        </p:style>
+        <p:txBody>
+          <a:bodyPr lIns="90000" rIns="90000" tIns="45000" bIns="45000" anchor="ctr">
+            <a:noAutofit/>
+          </a:bodyPr>
+          <a:p>
+            <a:endParaRPr b="0" lang="en-US" sz="1800" spc="-1" strike="noStrike">
+              <a:solidFill>
+                <a:schemeClr val="lt1"/>
+              </a:solidFill>
+              <a:latin typeface="Calibri"/>
+              <a:ea typeface="DejaVu Sans"/>
+            </a:endParaRPr>
+          </a:p>
+        </p:txBody>
+      </p:sp>
+      <p:sp>
+        <p:nvSpPr>
+          <p:cNvPr id="386" name="Rectangle 216"/>
+          <p:cNvSpPr/>
+          <p:nvPr/>
+        </p:nvSpPr>
+        <p:spPr>
+          <a:xfrm>
+            <a:off x="6045480" y="1800"/>
+            <a:ext cx="15480" cy="7554600"/>
+          </a:xfrm>
+          <a:prstGeom prst="rect">
+            <a:avLst/>
+          </a:prstGeom>
+          <a:solidFill>
+            <a:srgbClr val="121216"/>
+          </a:solidFill>
+          <a:ln>
+            <a:noFill/>
+          </a:ln>
+          <a:effectLst>
+            <a:outerShdw blurRad="39960" dir="5400000" dist="23040" rotWithShape="0">
+              <a:srgbClr val="000000">
+                <a:alpha val="35000"/>
+              </a:srgbClr>
+            </a:outerShdw>
+          </a:effectLst>
+        </p:spPr>
+        <p:style>
+          <a:lnRef idx="1">
+            <a:schemeClr val="accent1"/>
+          </a:lnRef>
+          <a:fillRef idx="3">
+            <a:schemeClr val="accent1"/>
+          </a:fillRef>
+          <a:effectRef idx="2">
+            <a:schemeClr val="accent1"/>
+          </a:effectRef>
+          <a:fontRef idx="minor"/>
+        </p:style>
+        <p:txBody>
+          <a:bodyPr lIns="90000" rIns="90000" tIns="45000" bIns="45000" anchor="ctr">
+            <a:noAutofit/>
+          </a:bodyPr>
+          <a:p>
+            <a:endParaRPr b="0" lang="en-US" sz="1800" spc="-1" strike="noStrike">
+              <a:solidFill>
+                <a:schemeClr val="lt1"/>
+              </a:solidFill>
+              <a:latin typeface="Calibri"/>
+              <a:ea typeface="DejaVu Sans"/>
+            </a:endParaRPr>
+          </a:p>
+        </p:txBody>
+      </p:sp>
+      <p:sp>
+        <p:nvSpPr>
+          <p:cNvPr id="387" name="Rectangle 217"/>
+          <p:cNvSpPr/>
+          <p:nvPr/>
+        </p:nvSpPr>
+        <p:spPr>
+          <a:xfrm>
+            <a:off x="7053480" y="1800"/>
+            <a:ext cx="15480" cy="7554600"/>
+          </a:xfrm>
+          <a:prstGeom prst="rect">
+            <a:avLst/>
+          </a:prstGeom>
+          <a:solidFill>
+            <a:srgbClr val="121216"/>
+          </a:solidFill>
+          <a:ln>
+            <a:noFill/>
+          </a:ln>
+          <a:effectLst>
+            <a:outerShdw blurRad="39960" dir="5400000" dist="23040" rotWithShape="0">
+              <a:srgbClr val="000000">
+                <a:alpha val="35000"/>
+              </a:srgbClr>
+            </a:outerShdw>
+          </a:effectLst>
+        </p:spPr>
+        <p:style>
+          <a:lnRef idx="1">
+            <a:schemeClr val="accent1"/>
+          </a:lnRef>
+          <a:fillRef idx="3">
+            <a:schemeClr val="accent1"/>
+          </a:fillRef>
+          <a:effectRef idx="2">
+            <a:schemeClr val="accent1"/>
+          </a:effectRef>
+          <a:fontRef idx="minor"/>
+        </p:style>
+        <p:txBody>
+          <a:bodyPr lIns="90000" rIns="90000" tIns="45000" bIns="45000" anchor="ctr">
+            <a:noAutofit/>
+          </a:bodyPr>
+          <a:p>
+            <a:endParaRPr b="0" lang="en-US" sz="1800" spc="-1" strike="noStrike">
+              <a:solidFill>
+                <a:schemeClr val="lt1"/>
+              </a:solidFill>
+              <a:latin typeface="Calibri"/>
+              <a:ea typeface="DejaVu Sans"/>
+            </a:endParaRPr>
+          </a:p>
+        </p:txBody>
+      </p:sp>
+      <p:sp>
+        <p:nvSpPr>
+          <p:cNvPr id="388" name="Rectangle 218"/>
+          <p:cNvSpPr/>
+          <p:nvPr/>
+        </p:nvSpPr>
+        <p:spPr>
+          <a:xfrm>
+            <a:off x="8061480" y="1800"/>
+            <a:ext cx="15480" cy="7554600"/>
+          </a:xfrm>
+          <a:prstGeom prst="rect">
+            <a:avLst/>
+          </a:prstGeom>
+          <a:solidFill>
+            <a:srgbClr val="121216"/>
+          </a:solidFill>
+          <a:ln>
+            <a:noFill/>
+          </a:ln>
+          <a:effectLst>
+            <a:outerShdw blurRad="39960" dir="5400000" dist="23040" rotWithShape="0">
+              <a:srgbClr val="000000">
+                <a:alpha val="35000"/>
+              </a:srgbClr>
+            </a:outerShdw>
+          </a:effectLst>
+        </p:spPr>
+        <p:style>
+          <a:lnRef idx="1">
+            <a:schemeClr val="accent1"/>
+          </a:lnRef>
+          <a:fillRef idx="3">
+            <a:schemeClr val="accent1"/>
+          </a:fillRef>
+          <a:effectRef idx="2">
+            <a:schemeClr val="accent1"/>
+          </a:effectRef>
+          <a:fontRef idx="minor"/>
+        </p:style>
+        <p:txBody>
+          <a:bodyPr lIns="90000" rIns="90000" tIns="45000" bIns="45000" anchor="ctr">
+            <a:noAutofit/>
+          </a:bodyPr>
+          <a:p>
+            <a:endParaRPr b="0" lang="en-US" sz="1800" spc="-1" strike="noStrike">
+              <a:solidFill>
+                <a:schemeClr val="lt1"/>
+              </a:solidFill>
+              <a:latin typeface="Calibri"/>
+              <a:ea typeface="DejaVu Sans"/>
+            </a:endParaRPr>
+          </a:p>
+        </p:txBody>
+      </p:sp>
+      <p:sp>
+        <p:nvSpPr>
+          <p:cNvPr id="389" name="Rectangle 219"/>
+          <p:cNvSpPr/>
+          <p:nvPr/>
+        </p:nvSpPr>
+        <p:spPr>
+          <a:xfrm>
+            <a:off x="9069480" y="1800"/>
+            <a:ext cx="15480" cy="7554600"/>
+          </a:xfrm>
+          <a:prstGeom prst="rect">
+            <a:avLst/>
+          </a:prstGeom>
+          <a:solidFill>
+            <a:srgbClr val="121216"/>
+          </a:solidFill>
+          <a:ln>
+            <a:noFill/>
+          </a:ln>
+          <a:effectLst>
+            <a:outerShdw blurRad="39960" dir="5400000" dist="23040" rotWithShape="0">
+              <a:srgbClr val="000000">
+                <a:alpha val="35000"/>
+              </a:srgbClr>
+            </a:outerShdw>
+          </a:effectLst>
+        </p:spPr>
+        <p:style>
+          <a:lnRef idx="1">
+            <a:schemeClr val="accent1"/>
+          </a:lnRef>
+          <a:fillRef idx="3">
+            <a:schemeClr val="accent1"/>
+          </a:fillRef>
+          <a:effectRef idx="2">
+            <a:schemeClr val="accent1"/>
+          </a:effectRef>
+          <a:fontRef idx="minor"/>
+        </p:style>
+        <p:txBody>
+          <a:bodyPr lIns="90000" rIns="90000" tIns="45000" bIns="45000" anchor="ctr">
+            <a:noAutofit/>
+          </a:bodyPr>
+          <a:p>
+            <a:endParaRPr b="0" lang="en-US" sz="1800" spc="-1" strike="noStrike">
+              <a:solidFill>
+                <a:schemeClr val="lt1"/>
+              </a:solidFill>
+              <a:latin typeface="Calibri"/>
+              <a:ea typeface="DejaVu Sans"/>
+            </a:endParaRPr>
+          </a:p>
+        </p:txBody>
+      </p:sp>
+      <p:sp>
+        <p:nvSpPr>
+          <p:cNvPr id="390" name="Rectangle 220"/>
+          <p:cNvSpPr/>
+          <p:nvPr/>
+        </p:nvSpPr>
+        <p:spPr>
+          <a:xfrm>
+            <a:off x="10077480" y="1800"/>
+            <a:ext cx="15480" cy="7554600"/>
+          </a:xfrm>
+          <a:prstGeom prst="rect">
+            <a:avLst/>
+          </a:prstGeom>
+          <a:solidFill>
+            <a:srgbClr val="121216"/>
+          </a:solidFill>
+          <a:ln>
+            <a:noFill/>
+          </a:ln>
+          <a:effectLst>
+            <a:outerShdw blurRad="39960" dir="5400000" dist="23040" rotWithShape="0">
+              <a:srgbClr val="000000">
+                <a:alpha val="35000"/>
+              </a:srgbClr>
+            </a:outerShdw>
+          </a:effectLst>
+        </p:spPr>
+        <p:style>
+          <a:lnRef idx="1">
+            <a:schemeClr val="accent1"/>
+          </a:lnRef>
+          <a:fillRef idx="3">
+            <a:schemeClr val="accent1"/>
+          </a:fillRef>
+          <a:effectRef idx="2">
+            <a:schemeClr val="accent1"/>
+          </a:effectRef>
+          <a:fontRef idx="minor"/>
+        </p:style>
+        <p:txBody>
+          <a:bodyPr lIns="90000" rIns="90000" tIns="45000" bIns="45000" anchor="ctr">
+            <a:noAutofit/>
+          </a:bodyPr>
+          <a:p>
+            <a:endParaRPr b="0" lang="en-US" sz="1800" spc="-1" strike="noStrike">
+              <a:solidFill>
+                <a:schemeClr val="lt1"/>
+              </a:solidFill>
+              <a:latin typeface="Calibri"/>
+              <a:ea typeface="DejaVu Sans"/>
+            </a:endParaRPr>
+          </a:p>
+        </p:txBody>
+      </p:sp>
+      <p:sp>
+        <p:nvSpPr>
+          <p:cNvPr id="391" name="Rectangle 221"/>
+          <p:cNvSpPr/>
+          <p:nvPr/>
+        </p:nvSpPr>
+        <p:spPr>
+          <a:xfrm>
+            <a:off x="11085480" y="1800"/>
+            <a:ext cx="15480" cy="7554600"/>
+          </a:xfrm>
+          <a:prstGeom prst="rect">
+            <a:avLst/>
+          </a:prstGeom>
+          <a:solidFill>
+            <a:srgbClr val="121216"/>
+          </a:solidFill>
+          <a:ln>
+            <a:noFill/>
+          </a:ln>
+          <a:effectLst>
+            <a:outerShdw blurRad="39960" dir="5400000" dist="23040" rotWithShape="0">
+              <a:srgbClr val="000000">
+                <a:alpha val="35000"/>
+              </a:srgbClr>
+            </a:outerShdw>
+          </a:effectLst>
+        </p:spPr>
+        <p:style>
+          <a:lnRef idx="1">
+            <a:schemeClr val="accent1"/>
+          </a:lnRef>
+          <a:fillRef idx="3">
+            <a:schemeClr val="accent1"/>
+          </a:fillRef>
+          <a:effectRef idx="2">
+            <a:schemeClr val="accent1"/>
+          </a:effectRef>
+          <a:fontRef idx="minor"/>
+        </p:style>
+        <p:txBody>
+          <a:bodyPr lIns="90000" rIns="90000" tIns="45000" bIns="45000" anchor="ctr">
+            <a:noAutofit/>
+          </a:bodyPr>
+          <a:p>
+            <a:endParaRPr b="0" lang="en-US" sz="1800" spc="-1" strike="noStrike">
+              <a:solidFill>
+                <a:schemeClr val="lt1"/>
+              </a:solidFill>
+              <a:latin typeface="Calibri"/>
+              <a:ea typeface="DejaVu Sans"/>
+            </a:endParaRPr>
+          </a:p>
+        </p:txBody>
+      </p:sp>
+      <p:sp>
+        <p:nvSpPr>
+          <p:cNvPr id="392" name="Rectangle 222"/>
+          <p:cNvSpPr/>
+          <p:nvPr/>
+        </p:nvSpPr>
+        <p:spPr>
+          <a:xfrm>
+            <a:off x="12093480" y="1800"/>
+            <a:ext cx="15480" cy="7554600"/>
+          </a:xfrm>
+          <a:prstGeom prst="rect">
+            <a:avLst/>
+          </a:prstGeom>
+          <a:solidFill>
+            <a:srgbClr val="121216"/>
+          </a:solidFill>
+          <a:ln>
+            <a:noFill/>
+          </a:ln>
+          <a:effectLst>
+            <a:outerShdw blurRad="39960" dir="5400000" dist="23040" rotWithShape="0">
+              <a:srgbClr val="000000">
+                <a:alpha val="35000"/>
+              </a:srgbClr>
+            </a:outerShdw>
+          </a:effectLst>
+        </p:spPr>
+        <p:style>
+          <a:lnRef idx="1">
+            <a:schemeClr val="accent1"/>
+          </a:lnRef>
+          <a:fillRef idx="3">
+            <a:schemeClr val="accent1"/>
+          </a:fillRef>
+          <a:effectRef idx="2">
+            <a:schemeClr val="accent1"/>
+          </a:effectRef>
+          <a:fontRef idx="minor"/>
+        </p:style>
+        <p:txBody>
+          <a:bodyPr lIns="90000" rIns="90000" tIns="45000" bIns="45000" anchor="ctr">
+            <a:noAutofit/>
+          </a:bodyPr>
+          <a:p>
+            <a:endParaRPr b="0" lang="en-US" sz="1800" spc="-1" strike="noStrike">
+              <a:solidFill>
+                <a:schemeClr val="lt1"/>
+              </a:solidFill>
+              <a:latin typeface="Calibri"/>
+              <a:ea typeface="DejaVu Sans"/>
+            </a:endParaRPr>
+          </a:p>
+        </p:txBody>
+      </p:sp>
+      <p:sp>
+        <p:nvSpPr>
+          <p:cNvPr id="393" name="Rectangle 223"/>
+          <p:cNvSpPr/>
+          <p:nvPr/>
+        </p:nvSpPr>
+        <p:spPr>
+          <a:xfrm>
+            <a:off x="13101480" y="1800"/>
+            <a:ext cx="15480" cy="7554600"/>
+          </a:xfrm>
+          <a:prstGeom prst="rect">
+            <a:avLst/>
+          </a:prstGeom>
+          <a:solidFill>
+            <a:srgbClr val="121216"/>
+          </a:solidFill>
+          <a:ln>
+            <a:noFill/>
+          </a:ln>
+          <a:effectLst>
+            <a:outerShdw blurRad="39960" dir="5400000" dist="23040" rotWithShape="0">
+              <a:srgbClr val="000000">
+                <a:alpha val="35000"/>
+              </a:srgbClr>
+            </a:outerShdw>
+          </a:effectLst>
+        </p:spPr>
+        <p:style>
+          <a:lnRef idx="1">
+            <a:schemeClr val="accent1"/>
+          </a:lnRef>
+          <a:fillRef idx="3">
+            <a:schemeClr val="accent1"/>
+          </a:fillRef>
+          <a:effectRef idx="2">
+            <a:schemeClr val="accent1"/>
+          </a:effectRef>
+          <a:fontRef idx="minor"/>
+        </p:style>
+        <p:txBody>
+          <a:bodyPr lIns="90000" rIns="90000" tIns="45000" bIns="45000" anchor="ctr">
+            <a:noAutofit/>
+          </a:bodyPr>
+          <a:p>
+            <a:endParaRPr b="0" lang="en-US" sz="1800" spc="-1" strike="noStrike">
+              <a:solidFill>
+                <a:schemeClr val="lt1"/>
+              </a:solidFill>
+              <a:latin typeface="Calibri"/>
+              <a:ea typeface="DejaVu Sans"/>
+            </a:endParaRPr>
+          </a:p>
+        </p:txBody>
+      </p:sp>
+      <p:sp>
+        <p:nvSpPr>
+          <p:cNvPr id="394" name="Rectangle 224"/>
+          <p:cNvSpPr/>
+          <p:nvPr/>
+        </p:nvSpPr>
+        <p:spPr>
+          <a:xfrm>
+            <a:off x="1440" y="1800"/>
+            <a:ext cx="347400" cy="7554600"/>
+          </a:xfrm>
+          <a:prstGeom prst="rect">
+            <a:avLst/>
+          </a:prstGeom>
+          <a:solidFill>
+            <a:srgbClr val="ff8c00"/>
+          </a:solidFill>
+          <a:ln>
+            <a:noFill/>
+          </a:ln>
+          <a:effectLst>
+            <a:outerShdw blurRad="39960" dir="5400000" dist="23040" rotWithShape="0">
+              <a:srgbClr val="000000">
+                <a:alpha val="35000"/>
+              </a:srgbClr>
+            </a:outerShdw>
+          </a:effectLst>
+        </p:spPr>
+        <p:style>
+          <a:lnRef idx="1">
+            <a:schemeClr val="accent1"/>
+          </a:lnRef>
+          <a:fillRef idx="3">
+            <a:schemeClr val="accent1"/>
+          </a:fillRef>
+          <a:effectRef idx="2">
+            <a:schemeClr val="accent1"/>
+          </a:effectRef>
+          <a:fontRef idx="minor"/>
+        </p:style>
+        <p:txBody>
+          <a:bodyPr lIns="90000" rIns="90000" tIns="45000" bIns="45000" anchor="ctr">
+            <a:noAutofit/>
+          </a:bodyPr>
+          <a:p>
+            <a:endParaRPr b="0" lang="en-US" sz="1800" spc="-1" strike="noStrike">
+              <a:solidFill>
+                <a:schemeClr val="lt1"/>
+              </a:solidFill>
+              <a:latin typeface="Calibri"/>
+              <a:ea typeface="DejaVu Sans"/>
+            </a:endParaRPr>
+          </a:p>
+        </p:txBody>
+      </p:sp>
+      <p:sp>
+        <p:nvSpPr>
+          <p:cNvPr id="395" name="Rounded Rectangle 98"/>
+          <p:cNvSpPr/>
+          <p:nvPr/>
+        </p:nvSpPr>
+        <p:spPr>
+          <a:xfrm>
+            <a:off x="10884960" y="401400"/>
+            <a:ext cx="2211840" cy="547920"/>
+          </a:xfrm>
+          <a:prstGeom prst="roundRect">
+            <a:avLst>
+              <a:gd name="adj" fmla="val 16667"/>
+            </a:avLst>
+          </a:prstGeom>
+          <a:solidFill>
+            <a:srgbClr val="1e1e24"/>
+          </a:solidFill>
+          <a:ln>
+            <a:solidFill>
+              <a:srgbClr val="ff8c00"/>
+            </a:solidFill>
+            <a:round/>
+          </a:ln>
+          <a:effectLst>
+            <a:outerShdw blurRad="39960" dir="5400000" dist="23040" rotWithShape="0">
+              <a:srgbClr val="000000">
+                <a:alpha val="35000"/>
+              </a:srgbClr>
+            </a:outerShdw>
+          </a:effectLst>
+        </p:spPr>
+        <p:style>
+          <a:lnRef idx="1">
+            <a:schemeClr val="accent1"/>
+          </a:lnRef>
+          <a:fillRef idx="3">
+            <a:schemeClr val="accent1"/>
+          </a:fillRef>
+          <a:effectRef idx="2">
+            <a:schemeClr val="accent1"/>
+          </a:effectRef>
+          <a:fontRef idx="minor"/>
+        </p:style>
+        <p:txBody>
+          <a:bodyPr lIns="90000" rIns="90000" tIns="45000" bIns="45000" anchor="ctr">
+            <a:noAutofit/>
+          </a:bodyPr>
+          <a:p>
+            <a:pPr algn="ctr">
+              <a:lnSpc>
+                <a:spcPct val="100000"/>
+              </a:lnSpc>
+            </a:pPr>
+            <a:r>
+              <a:rPr b="1" lang="en-US" sz="1400" spc="-1" strike="noStrike">
+                <a:solidFill>
+                  <a:srgbClr val="ffb45a"/>
+                </a:solidFill>
+                <a:latin typeface="Calibri"/>
+                <a:ea typeface="DejaVu Sans"/>
+              </a:rPr>
+              <a:t>JAVA CORE</a:t>
+            </a:r>
+            <a:endParaRPr b="0" lang="en-US" sz="1400" spc="-1" strike="noStrike">
+              <a:solidFill>
+                <a:srgbClr val="ffffff"/>
+              </a:solidFill>
+              <a:latin typeface="Arial"/>
+            </a:endParaRPr>
+          </a:p>
+        </p:txBody>
+      </p:sp>
+      <p:sp>
+        <p:nvSpPr>
+          <p:cNvPr id="396" name="TextBox 43"/>
+          <p:cNvSpPr/>
+          <p:nvPr/>
+        </p:nvSpPr>
+        <p:spPr>
+          <a:xfrm>
+            <a:off x="2586960" y="1107360"/>
+            <a:ext cx="6940080" cy="729720"/>
+          </a:xfrm>
+          <a:prstGeom prst="rect">
+            <a:avLst/>
+          </a:prstGeom>
+          <a:noFill/>
+          <a:ln w="0">
+            <a:noFill/>
+          </a:ln>
+        </p:spPr>
+        <p:style>
+          <a:lnRef idx="0"/>
+          <a:fillRef idx="0"/>
+          <a:effectRef idx="0"/>
+          <a:fontRef idx="minor"/>
+        </p:style>
+        <p:txBody>
+          <a:bodyPr wrap="none" lIns="90000" rIns="90000" tIns="45000" bIns="45000" anchor="t">
+            <a:spAutoFit/>
+          </a:bodyPr>
+          <a:p>
+            <a:pPr>
+              <a:lnSpc>
+                <a:spcPct val="100000"/>
+              </a:lnSpc>
+            </a:pPr>
+            <a:r>
+              <a:rPr b="1" lang="en-US" sz="4200" spc="-1" strike="noStrike">
+                <a:solidFill>
+                  <a:srgbClr val="f5f5f5"/>
+                </a:solidFill>
+                <a:latin typeface="Calibri"/>
+                <a:ea typeface="DejaVu Sans"/>
+              </a:rPr>
+              <a:t>          </a:t>
+            </a:r>
+            <a:r>
+              <a:rPr b="1" lang="en-US" sz="4200" spc="-1" strike="noStrike">
+                <a:solidFill>
+                  <a:srgbClr val="f5f5f5"/>
+                </a:solidFill>
+                <a:latin typeface="Calibri"/>
+                <a:ea typeface="DejaVu Sans"/>
+              </a:rPr>
+              <a:t>Modern Java &amp; Cloud Era</a:t>
+            </a:r>
+            <a:endParaRPr b="0" lang="en-US" sz="4200" spc="-1" strike="noStrike">
+              <a:solidFill>
+                <a:srgbClr val="000000"/>
+              </a:solidFill>
+              <a:latin typeface="Arial"/>
+            </a:endParaRPr>
+          </a:p>
+        </p:txBody>
+      </p:sp>
+      <p:sp>
+        <p:nvSpPr>
+          <p:cNvPr id="397" name="TextBox 44"/>
+          <p:cNvSpPr/>
+          <p:nvPr/>
+        </p:nvSpPr>
+        <p:spPr>
+          <a:xfrm>
+            <a:off x="5032440" y="2266200"/>
+            <a:ext cx="2675880" cy="363960"/>
+          </a:xfrm>
+          <a:prstGeom prst="rect">
+            <a:avLst/>
+          </a:prstGeom>
+          <a:noFill/>
+          <a:ln w="0">
+            <a:noFill/>
+          </a:ln>
+        </p:spPr>
+        <p:style>
+          <a:lnRef idx="0"/>
+          <a:fillRef idx="0"/>
+          <a:effectRef idx="0"/>
+          <a:fontRef idx="minor"/>
+        </p:style>
+        <p:txBody>
+          <a:bodyPr wrap="none" lIns="90000" rIns="90000" tIns="45000" bIns="45000" anchor="t">
+            <a:spAutoFit/>
+          </a:bodyPr>
+          <a:p>
+            <a:pPr>
+              <a:lnSpc>
+                <a:spcPct val="100000"/>
+              </a:lnSpc>
+            </a:pPr>
+            <a:r>
+              <a:rPr b="0" lang="en-US" sz="1800" spc="-1" strike="noStrike">
+                <a:solidFill>
+                  <a:srgbClr val="aaaaaa"/>
+                </a:solidFill>
+                <a:latin typeface="Calibri"/>
+                <a:ea typeface="DejaVu Sans"/>
+              </a:rPr>
+              <a:t>The Framework Revolution</a:t>
+            </a:r>
+            <a:endParaRPr b="0" lang="en-US" sz="1800" spc="-1" strike="noStrike">
+              <a:solidFill>
+                <a:srgbClr val="000000"/>
+              </a:solidFill>
+              <a:latin typeface="Arial"/>
+            </a:endParaRPr>
+          </a:p>
+        </p:txBody>
+      </p:sp>
+      <p:sp>
+        <p:nvSpPr>
+          <p:cNvPr id="398" name="Rounded Rectangle 99"/>
+          <p:cNvSpPr/>
+          <p:nvPr/>
+        </p:nvSpPr>
+        <p:spPr>
+          <a:xfrm>
+            <a:off x="1086840" y="3506040"/>
+            <a:ext cx="3623400" cy="3018600"/>
+          </a:xfrm>
+          <a:prstGeom prst="roundRect">
+            <a:avLst>
+              <a:gd name="adj" fmla="val 16667"/>
+            </a:avLst>
+          </a:prstGeom>
+          <a:solidFill>
+            <a:srgbClr val="08080a"/>
+          </a:solidFill>
+          <a:ln>
+            <a:noFill/>
+          </a:ln>
+          <a:effectLst>
+            <a:outerShdw blurRad="39960" dir="5400000" dist="23040" rotWithShape="0">
+              <a:srgbClr val="000000">
+                <a:alpha val="35000"/>
+              </a:srgbClr>
+            </a:outerShdw>
+          </a:effectLst>
+        </p:spPr>
+        <p:style>
+          <a:lnRef idx="1">
+            <a:schemeClr val="accent1"/>
+          </a:lnRef>
+          <a:fillRef idx="3">
+            <a:schemeClr val="accent1"/>
+          </a:fillRef>
+          <a:effectRef idx="2">
+            <a:schemeClr val="accent1"/>
+          </a:effectRef>
+          <a:fontRef idx="minor"/>
+        </p:style>
+        <p:txBody>
+          <a:bodyPr lIns="90000" rIns="90000" tIns="45000" bIns="45000" anchor="ctr">
+            <a:noAutofit/>
+          </a:bodyPr>
+          <a:p>
+            <a:endParaRPr b="0" lang="en-US" sz="1800" spc="-1" strike="noStrike">
+              <a:solidFill>
+                <a:schemeClr val="lt1"/>
+              </a:solidFill>
+              <a:latin typeface="Calibri"/>
+              <a:ea typeface="DejaVu Sans"/>
+            </a:endParaRPr>
+          </a:p>
+        </p:txBody>
+      </p:sp>
+      <p:sp>
+        <p:nvSpPr>
+          <p:cNvPr id="399" name="Rounded Rectangle 100"/>
+          <p:cNvSpPr/>
+          <p:nvPr/>
+        </p:nvSpPr>
+        <p:spPr>
+          <a:xfrm>
+            <a:off x="1020960" y="3424320"/>
+            <a:ext cx="3623760" cy="3018960"/>
+          </a:xfrm>
+          <a:prstGeom prst="roundRect">
+            <a:avLst>
+              <a:gd name="adj" fmla="val 16667"/>
+            </a:avLst>
+          </a:prstGeom>
+          <a:solidFill>
+            <a:srgbClr val="16161c"/>
+          </a:solidFill>
+          <a:ln>
+            <a:solidFill>
+              <a:srgbClr val="464655"/>
+            </a:solidFill>
+            <a:round/>
+          </a:ln>
+          <a:effectLst>
+            <a:outerShdw blurRad="39960" dir="5400000" dist="23040" rotWithShape="0">
+              <a:srgbClr val="000000">
+                <a:alpha val="35000"/>
+              </a:srgbClr>
+            </a:outerShdw>
+          </a:effectLst>
+        </p:spPr>
+        <p:style>
+          <a:lnRef idx="1">
+            <a:schemeClr val="accent1"/>
+          </a:lnRef>
+          <a:fillRef idx="3">
+            <a:schemeClr val="accent1"/>
+          </a:fillRef>
+          <a:effectRef idx="2">
+            <a:schemeClr val="accent1"/>
+          </a:effectRef>
+          <a:fontRef idx="minor"/>
+        </p:style>
+        <p:txBody>
+          <a:bodyPr lIns="90000" rIns="90000" tIns="45000" bIns="45000" anchor="ctr">
+            <a:noAutofit/>
+          </a:bodyPr>
+          <a:p>
+            <a:pPr>
+              <a:lnSpc>
+                <a:spcPct val="100000"/>
+              </a:lnSpc>
+            </a:pPr>
+            <a:r>
+              <a:rPr b="1" lang="en-US" sz="2100" spc="-1" strike="noStrike">
+                <a:solidFill>
+                  <a:schemeClr val="lt1"/>
+                </a:solidFill>
+                <a:latin typeface="Calibri"/>
+                <a:ea typeface="DejaVu Sans"/>
+              </a:rPr>
+              <a:t>(Key technologies):</a:t>
+            </a:r>
+            <a:endParaRPr b="0" lang="en-US" sz="2100" spc="-1" strike="noStrike">
+              <a:solidFill>
+                <a:srgbClr val="ffffff"/>
+              </a:solidFill>
+              <a:latin typeface="Arial"/>
+            </a:endParaRPr>
+          </a:p>
+          <a:p>
+            <a:pPr marL="216000" indent="-216000">
+              <a:lnSpc>
+                <a:spcPct val="100000"/>
+              </a:lnSpc>
+              <a:buClr>
+                <a:srgbClr val="ffffff"/>
+              </a:buClr>
+              <a:buFont typeface="Wingdings" charset="2"/>
+              <a:buChar char=""/>
+            </a:pPr>
+            <a:r>
+              <a:rPr b="0" lang="en-US" sz="2100" spc="-1" strike="noStrike">
+                <a:solidFill>
+                  <a:schemeClr val="lt1"/>
+                </a:solidFill>
+                <a:latin typeface="Calibri"/>
+                <a:ea typeface="DejaVu Sans"/>
+              </a:rPr>
+              <a:t>Spring Boot</a:t>
+            </a:r>
+            <a:endParaRPr b="0" lang="en-US" sz="2100" spc="-1" strike="noStrike">
+              <a:solidFill>
+                <a:srgbClr val="ffffff"/>
+              </a:solidFill>
+              <a:latin typeface="Arial"/>
+            </a:endParaRPr>
+          </a:p>
+          <a:p>
+            <a:pPr marL="216000" indent="-216000">
+              <a:lnSpc>
+                <a:spcPct val="100000"/>
+              </a:lnSpc>
+              <a:buClr>
+                <a:srgbClr val="ffffff"/>
+              </a:buClr>
+              <a:buFont typeface="Wingdings" charset="2"/>
+              <a:buChar char=""/>
+            </a:pPr>
+            <a:r>
+              <a:rPr b="0" lang="en-US" sz="2100" spc="-1" strike="noStrike">
+                <a:solidFill>
+                  <a:schemeClr val="lt1"/>
+                </a:solidFill>
+                <a:latin typeface="Calibri"/>
+                <a:ea typeface="DejaVu Sans"/>
+              </a:rPr>
+              <a:t>REST APIs</a:t>
+            </a:r>
+            <a:endParaRPr b="0" lang="en-US" sz="2100" spc="-1" strike="noStrike">
+              <a:solidFill>
+                <a:srgbClr val="ffffff"/>
+              </a:solidFill>
+              <a:latin typeface="Arial"/>
+            </a:endParaRPr>
+          </a:p>
+          <a:p>
+            <a:pPr marL="216000" indent="-216000">
+              <a:lnSpc>
+                <a:spcPct val="100000"/>
+              </a:lnSpc>
+              <a:buClr>
+                <a:srgbClr val="ffffff"/>
+              </a:buClr>
+              <a:buFont typeface="Wingdings" charset="2"/>
+              <a:buChar char=""/>
+            </a:pPr>
+            <a:r>
+              <a:rPr b="0" lang="en-US" sz="2100" spc="-1" strike="noStrike">
+                <a:solidFill>
+                  <a:schemeClr val="lt1"/>
+                </a:solidFill>
+                <a:latin typeface="Calibri"/>
+                <a:ea typeface="DejaVu Sans"/>
+              </a:rPr>
+              <a:t>Microservices</a:t>
+            </a:r>
+            <a:endParaRPr b="0" lang="en-US" sz="2100" spc="-1" strike="noStrike">
+              <a:solidFill>
+                <a:srgbClr val="ffffff"/>
+              </a:solidFill>
+              <a:latin typeface="Arial"/>
+            </a:endParaRPr>
+          </a:p>
+          <a:p>
+            <a:pPr marL="216000" indent="-216000">
+              <a:lnSpc>
+                <a:spcPct val="100000"/>
+              </a:lnSpc>
+              <a:buClr>
+                <a:srgbClr val="ffffff"/>
+              </a:buClr>
+              <a:buFont typeface="Wingdings" charset="2"/>
+              <a:buChar char=""/>
+            </a:pPr>
+            <a:r>
+              <a:rPr b="0" lang="en-US" sz="2100" spc="-1" strike="noStrike">
+                <a:solidFill>
+                  <a:schemeClr val="lt1"/>
+                </a:solidFill>
+                <a:latin typeface="Calibri"/>
+                <a:ea typeface="DejaVu Sans"/>
+              </a:rPr>
+              <a:t>Docker &amp; Kubernetes</a:t>
+            </a:r>
+            <a:endParaRPr b="0" lang="en-US" sz="2100" spc="-1" strike="noStrike">
+              <a:solidFill>
+                <a:srgbClr val="ffffff"/>
+              </a:solidFill>
+              <a:latin typeface="Arial"/>
+            </a:endParaRPr>
+          </a:p>
+          <a:p>
+            <a:pPr marL="216000" indent="-216000">
+              <a:lnSpc>
+                <a:spcPct val="100000"/>
+              </a:lnSpc>
+              <a:buClr>
+                <a:srgbClr val="ffffff"/>
+              </a:buClr>
+              <a:buFont typeface="Wingdings" charset="2"/>
+              <a:buChar char=""/>
+            </a:pPr>
+            <a:r>
+              <a:rPr b="0" lang="en-US" sz="2100" spc="-1" strike="noStrike">
+                <a:solidFill>
+                  <a:schemeClr val="lt1"/>
+                </a:solidFill>
+                <a:latin typeface="Calibri"/>
+                <a:ea typeface="DejaVu Sans"/>
+              </a:rPr>
+              <a:t>Java 8+ (Lambdas, Streams)</a:t>
+            </a:r>
+            <a:endParaRPr b="0" lang="en-US" sz="2100" spc="-1" strike="noStrike">
+              <a:solidFill>
+                <a:srgbClr val="ffffff"/>
+              </a:solidFill>
+              <a:latin typeface="Arial"/>
+            </a:endParaRPr>
+          </a:p>
+        </p:txBody>
+      </p:sp>
+      <p:sp>
+        <p:nvSpPr>
+          <p:cNvPr id="400" name="Rounded Rectangle 101"/>
+          <p:cNvSpPr/>
+          <p:nvPr/>
+        </p:nvSpPr>
+        <p:spPr>
+          <a:xfrm>
+            <a:off x="4968360" y="3506040"/>
+            <a:ext cx="3623400" cy="3018600"/>
+          </a:xfrm>
+          <a:prstGeom prst="roundRect">
+            <a:avLst>
+              <a:gd name="adj" fmla="val 16667"/>
+            </a:avLst>
+          </a:prstGeom>
+          <a:solidFill>
+            <a:srgbClr val="08080a"/>
+          </a:solidFill>
+          <a:ln>
+            <a:noFill/>
+          </a:ln>
+          <a:effectLst>
+            <a:outerShdw blurRad="39960" dir="5400000" dist="23040" rotWithShape="0">
+              <a:srgbClr val="000000">
+                <a:alpha val="35000"/>
+              </a:srgbClr>
+            </a:outerShdw>
+          </a:effectLst>
+        </p:spPr>
+        <p:style>
+          <a:lnRef idx="1">
+            <a:schemeClr val="accent1"/>
+          </a:lnRef>
+          <a:fillRef idx="3">
+            <a:schemeClr val="accent1"/>
+          </a:fillRef>
+          <a:effectRef idx="2">
+            <a:schemeClr val="accent1"/>
+          </a:effectRef>
+          <a:fontRef idx="minor"/>
+        </p:style>
+        <p:txBody>
+          <a:bodyPr lIns="90000" rIns="90000" tIns="45000" bIns="45000" anchor="ctr">
+            <a:noAutofit/>
+          </a:bodyPr>
+          <a:p>
+            <a:endParaRPr b="0" lang="en-US" sz="1800" spc="-1" strike="noStrike">
+              <a:solidFill>
+                <a:schemeClr val="lt1"/>
+              </a:solidFill>
+              <a:latin typeface="Calibri"/>
+              <a:ea typeface="DejaVu Sans"/>
+            </a:endParaRPr>
+          </a:p>
+        </p:txBody>
+      </p:sp>
+      <p:sp>
+        <p:nvSpPr>
+          <p:cNvPr id="401" name="Rounded Rectangle 102"/>
+          <p:cNvSpPr/>
+          <p:nvPr/>
+        </p:nvSpPr>
+        <p:spPr>
+          <a:xfrm>
+            <a:off x="8849160" y="3506040"/>
+            <a:ext cx="3623400" cy="3018600"/>
+          </a:xfrm>
+          <a:prstGeom prst="roundRect">
+            <a:avLst>
+              <a:gd name="adj" fmla="val 16667"/>
+            </a:avLst>
+          </a:prstGeom>
+          <a:solidFill>
+            <a:srgbClr val="08080a"/>
+          </a:solidFill>
+          <a:ln>
+            <a:noFill/>
+          </a:ln>
+          <a:effectLst>
+            <a:outerShdw blurRad="39960" dir="5400000" dist="23040" rotWithShape="0">
+              <a:srgbClr val="000000">
+                <a:alpha val="35000"/>
+              </a:srgbClr>
+            </a:outerShdw>
+          </a:effectLst>
+        </p:spPr>
+        <p:style>
+          <a:lnRef idx="1">
+            <a:schemeClr val="accent1"/>
+          </a:lnRef>
+          <a:fillRef idx="3">
+            <a:schemeClr val="accent1"/>
+          </a:fillRef>
+          <a:effectRef idx="2">
+            <a:schemeClr val="accent1"/>
+          </a:effectRef>
+          <a:fontRef idx="minor"/>
+        </p:style>
+        <p:txBody>
+          <a:bodyPr lIns="90000" rIns="90000" tIns="45000" bIns="45000" anchor="ctr">
+            <a:noAutofit/>
+          </a:bodyPr>
+          <a:p>
+            <a:endParaRPr b="0" lang="en-US" sz="1800" spc="-1" strike="noStrike">
+              <a:solidFill>
+                <a:schemeClr val="lt1"/>
+              </a:solidFill>
+              <a:latin typeface="Calibri"/>
+              <a:ea typeface="DejaVu Sans"/>
+            </a:endParaRPr>
+          </a:p>
+        </p:txBody>
+      </p:sp>
+      <p:sp>
+        <p:nvSpPr>
+          <p:cNvPr id="402" name="Rounded Rectangle 103"/>
+          <p:cNvSpPr/>
+          <p:nvPr/>
+        </p:nvSpPr>
+        <p:spPr>
+          <a:xfrm>
+            <a:off x="8767440" y="3425040"/>
+            <a:ext cx="3623760" cy="3018960"/>
+          </a:xfrm>
+          <a:prstGeom prst="roundRect">
+            <a:avLst>
+              <a:gd name="adj" fmla="val 16667"/>
+            </a:avLst>
+          </a:prstGeom>
+          <a:solidFill>
+            <a:srgbClr val="16161c"/>
+          </a:solidFill>
+          <a:ln>
+            <a:solidFill>
+              <a:srgbClr val="464655"/>
+            </a:solidFill>
+            <a:round/>
+          </a:ln>
+          <a:effectLst>
+            <a:outerShdw blurRad="39960" dir="5400000" dist="23040" rotWithShape="0">
+              <a:srgbClr val="000000">
+                <a:alpha val="35000"/>
+              </a:srgbClr>
+            </a:outerShdw>
+          </a:effectLst>
+        </p:spPr>
+        <p:style>
+          <a:lnRef idx="1">
+            <a:schemeClr val="accent1"/>
+          </a:lnRef>
+          <a:fillRef idx="3">
+            <a:schemeClr val="accent1"/>
+          </a:fillRef>
+          <a:effectRef idx="2">
+            <a:schemeClr val="accent1"/>
+          </a:effectRef>
+          <a:fontRef idx="minor"/>
+        </p:style>
+        <p:txBody>
+          <a:bodyPr lIns="90000" rIns="90000" tIns="45000" bIns="45000" anchor="ctr">
+            <a:noAutofit/>
+          </a:bodyPr>
+          <a:p>
+            <a:pPr algn="ctr">
+              <a:lnSpc>
+                <a:spcPct val="100000"/>
+              </a:lnSpc>
+            </a:pPr>
+            <a:endParaRPr b="0" lang="en-US" sz="1800" spc="-1" strike="noStrike">
+              <a:solidFill>
+                <a:srgbClr val="ffffff"/>
+              </a:solidFill>
+              <a:latin typeface="Arial"/>
+            </a:endParaRPr>
+          </a:p>
+          <a:p>
+            <a:pPr algn="ctr">
+              <a:lnSpc>
+                <a:spcPct val="100000"/>
+              </a:lnSpc>
+            </a:pPr>
+            <a:endParaRPr b="0" lang="en-US" sz="1800" spc="-1" strike="noStrike">
+              <a:solidFill>
+                <a:srgbClr val="ffffff"/>
+              </a:solidFill>
+              <a:latin typeface="Arial"/>
+            </a:endParaRPr>
+          </a:p>
+          <a:p>
+            <a:pPr algn="ctr">
+              <a:lnSpc>
+                <a:spcPct val="100000"/>
+              </a:lnSpc>
+            </a:pPr>
+            <a:endParaRPr b="0" lang="en-US" sz="1800" spc="-1" strike="noStrike">
+              <a:solidFill>
+                <a:srgbClr val="ffffff"/>
+              </a:solidFill>
+              <a:latin typeface="Arial"/>
+            </a:endParaRPr>
+          </a:p>
+          <a:p>
+            <a:pPr algn="ctr">
+              <a:lnSpc>
+                <a:spcPct val="100000"/>
+              </a:lnSpc>
+            </a:pPr>
+            <a:endParaRPr b="0" lang="en-US" sz="1800" spc="-1" strike="noStrike">
+              <a:solidFill>
+                <a:srgbClr val="ffffff"/>
+              </a:solidFill>
+              <a:latin typeface="Arial"/>
+            </a:endParaRPr>
+          </a:p>
+          <a:p>
+            <a:pPr algn="ctr">
+              <a:lnSpc>
+                <a:spcPct val="100000"/>
+              </a:lnSpc>
+            </a:pPr>
+            <a:endParaRPr b="0" lang="en-US" sz="1800" spc="-1" strike="noStrike">
+              <a:solidFill>
+                <a:srgbClr val="ffffff"/>
+              </a:solidFill>
+              <a:latin typeface="Arial"/>
+            </a:endParaRPr>
+          </a:p>
+          <a:p>
+            <a:pPr algn="ctr">
+              <a:lnSpc>
+                <a:spcPct val="100000"/>
+              </a:lnSpc>
+            </a:pPr>
+            <a:endParaRPr b="0" lang="en-US" sz="1800" spc="-1" strike="noStrike">
+              <a:solidFill>
+                <a:srgbClr val="ffffff"/>
+              </a:solidFill>
+              <a:latin typeface="Arial"/>
+            </a:endParaRPr>
+          </a:p>
+          <a:p>
+            <a:pPr algn="ctr">
+              <a:lnSpc>
+                <a:spcPct val="100000"/>
+              </a:lnSpc>
+            </a:pPr>
+            <a:endParaRPr b="0" lang="en-US" sz="1800" spc="-1" strike="noStrike">
+              <a:solidFill>
+                <a:srgbClr val="ffffff"/>
+              </a:solidFill>
+              <a:latin typeface="Arial"/>
+            </a:endParaRPr>
+          </a:p>
+          <a:p>
+            <a:pPr algn="ctr">
+              <a:lnSpc>
+                <a:spcPct val="100000"/>
+              </a:lnSpc>
+            </a:pPr>
+            <a:r>
+              <a:rPr b="0" lang="en-US" sz="1800" spc="-1" strike="noStrike">
+                <a:solidFill>
+                  <a:srgbClr val="78ffc8"/>
+                </a:solidFill>
+                <a:latin typeface="Consolas"/>
+                <a:ea typeface="DejaVu Sans"/>
+              </a:rPr>
+              <a:t>@GetMapping("/users/{id}")</a:t>
+            </a:r>
+            <a:endParaRPr b="0" lang="en-US" sz="1800" spc="-1" strike="noStrike">
+              <a:solidFill>
+                <a:srgbClr val="ffffff"/>
+              </a:solidFill>
+              <a:latin typeface="Arial"/>
+            </a:endParaRPr>
+          </a:p>
+          <a:p>
+            <a:pPr algn="ctr">
+              <a:lnSpc>
+                <a:spcPct val="100000"/>
+              </a:lnSpc>
+            </a:pPr>
+            <a:r>
+              <a:rPr b="0" lang="en-US" sz="1800" spc="-1" strike="noStrike">
+                <a:solidFill>
+                  <a:srgbClr val="78ffc8"/>
+                </a:solidFill>
+                <a:latin typeface="Consolas"/>
+                <a:ea typeface="DejaVu Sans"/>
+              </a:rPr>
+              <a:t>public User getUser(@PathVariable Long id) {</a:t>
+            </a:r>
+            <a:endParaRPr b="0" lang="en-US" sz="1800" spc="-1" strike="noStrike">
+              <a:solidFill>
+                <a:srgbClr val="ffffff"/>
+              </a:solidFill>
+              <a:latin typeface="Arial"/>
+            </a:endParaRPr>
+          </a:p>
+          <a:p>
+            <a:pPr algn="ctr">
+              <a:lnSpc>
+                <a:spcPct val="100000"/>
+              </a:lnSpc>
+            </a:pPr>
+            <a:r>
+              <a:rPr b="0" lang="en-US" sz="1800" spc="-1" strike="noStrike">
+                <a:solidFill>
+                  <a:srgbClr val="78ffc8"/>
+                </a:solidFill>
+                <a:latin typeface="Consolas"/>
+                <a:ea typeface="DejaVu Sans"/>
+              </a:rPr>
+              <a:t>    </a:t>
+            </a:r>
+            <a:r>
+              <a:rPr b="0" lang="en-US" sz="1800" spc="-1" strike="noStrike">
+                <a:solidFill>
+                  <a:srgbClr val="78ffc8"/>
+                </a:solidFill>
+                <a:latin typeface="Consolas"/>
+                <a:ea typeface="DejaVu Sans"/>
+              </a:rPr>
+              <a:t>return userService.getUser(id);</a:t>
+            </a:r>
+            <a:endParaRPr b="0" lang="en-US" sz="1800" spc="-1" strike="noStrike">
+              <a:solidFill>
+                <a:srgbClr val="ffffff"/>
+              </a:solidFill>
+              <a:latin typeface="Arial"/>
+            </a:endParaRPr>
+          </a:p>
+          <a:p>
+            <a:pPr algn="ctr">
+              <a:lnSpc>
+                <a:spcPct val="100000"/>
+              </a:lnSpc>
+            </a:pPr>
+            <a:r>
+              <a:rPr b="0" lang="en-US" sz="1800" spc="-1" strike="noStrike">
+                <a:solidFill>
+                  <a:srgbClr val="78ffc8"/>
+                </a:solidFill>
+                <a:latin typeface="Consolas"/>
+                <a:ea typeface="DejaVu Sans"/>
+              </a:rPr>
+              <a:t>}</a:t>
+            </a:r>
+            <a:endParaRPr b="0" lang="en-US" sz="1800" spc="-1" strike="noStrike">
+              <a:solidFill>
+                <a:srgbClr val="ffffff"/>
+              </a:solidFill>
+              <a:latin typeface="Arial"/>
+            </a:endParaRPr>
+          </a:p>
+          <a:p>
+            <a:pPr algn="ctr">
+              <a:lnSpc>
+                <a:spcPct val="100000"/>
+              </a:lnSpc>
+            </a:pPr>
+            <a:endParaRPr b="0" lang="en-US" sz="1800" spc="-1" strike="noStrike">
+              <a:solidFill>
+                <a:srgbClr val="ffffff"/>
+              </a:solidFill>
+              <a:latin typeface="Arial"/>
+            </a:endParaRPr>
+          </a:p>
+          <a:p>
+            <a:pPr algn="ctr">
+              <a:lnSpc>
+                <a:spcPct val="100000"/>
+              </a:lnSpc>
+            </a:pPr>
+            <a:endParaRPr b="0" lang="en-US" sz="1800" spc="-1" strike="noStrike">
+              <a:solidFill>
+                <a:srgbClr val="ffffff"/>
+              </a:solidFill>
+              <a:latin typeface="Arial"/>
+            </a:endParaRPr>
+          </a:p>
+          <a:p>
+            <a:pPr algn="ctr">
+              <a:lnSpc>
+                <a:spcPct val="100000"/>
+              </a:lnSpc>
+            </a:pPr>
+            <a:endParaRPr b="0" lang="en-US" sz="1800" spc="-1" strike="noStrike">
+              <a:solidFill>
+                <a:srgbClr val="ffffff"/>
+              </a:solidFill>
+              <a:latin typeface="Arial"/>
+            </a:endParaRPr>
+          </a:p>
+          <a:p>
+            <a:pPr algn="ctr">
+              <a:lnSpc>
+                <a:spcPct val="100000"/>
+              </a:lnSpc>
+            </a:pPr>
+            <a:endParaRPr b="0" lang="en-US" sz="1800" spc="-1" strike="noStrike">
+              <a:solidFill>
+                <a:srgbClr val="ffffff"/>
+              </a:solidFill>
+              <a:latin typeface="Arial"/>
+            </a:endParaRPr>
+          </a:p>
+          <a:p>
+            <a:pPr algn="ctr">
+              <a:lnSpc>
+                <a:spcPct val="100000"/>
+              </a:lnSpc>
+            </a:pPr>
+            <a:endParaRPr b="0" lang="en-US" sz="1800" spc="-1" strike="noStrike">
+              <a:solidFill>
+                <a:srgbClr val="ffffff"/>
+              </a:solidFill>
+              <a:latin typeface="Arial"/>
+            </a:endParaRPr>
+          </a:p>
+          <a:p>
+            <a:pPr algn="ctr">
+              <a:lnSpc>
+                <a:spcPct val="100000"/>
+              </a:lnSpc>
+            </a:pPr>
+            <a:endParaRPr b="0" lang="en-US" sz="1800" spc="-1" strike="noStrike">
+              <a:solidFill>
+                <a:srgbClr val="ffffff"/>
+              </a:solidFill>
+              <a:latin typeface="Arial"/>
+            </a:endParaRPr>
+          </a:p>
+          <a:p>
+            <a:pPr algn="ctr">
+              <a:lnSpc>
+                <a:spcPct val="100000"/>
+              </a:lnSpc>
+            </a:pPr>
+            <a:endParaRPr b="0" lang="en-US" sz="1800" spc="-1" strike="noStrike">
+              <a:solidFill>
+                <a:srgbClr val="ffffff"/>
+              </a:solidFill>
+              <a:latin typeface="Arial"/>
+            </a:endParaRPr>
+          </a:p>
+          <a:p>
+            <a:pPr algn="ctr">
+              <a:lnSpc>
+                <a:spcPct val="100000"/>
+              </a:lnSpc>
+            </a:pPr>
+            <a:endParaRPr b="0" lang="en-US" sz="1800" spc="-1" strike="noStrike">
+              <a:solidFill>
+                <a:srgbClr val="ffffff"/>
+              </a:solidFill>
+              <a:latin typeface="Arial"/>
+            </a:endParaRPr>
+          </a:p>
+        </p:txBody>
+      </p:sp>
+      <p:sp>
+        <p:nvSpPr>
+          <p:cNvPr id="403" name="TextBox 45"/>
+          <p:cNvSpPr/>
+          <p:nvPr/>
+        </p:nvSpPr>
+        <p:spPr>
+          <a:xfrm>
+            <a:off x="5224320" y="7104600"/>
+            <a:ext cx="3051720" cy="363960"/>
+          </a:xfrm>
+          <a:prstGeom prst="rect">
+            <a:avLst/>
+          </a:prstGeom>
+          <a:noFill/>
+          <a:ln w="0">
+            <a:noFill/>
+          </a:ln>
+        </p:spPr>
+        <p:style>
+          <a:lnRef idx="0"/>
+          <a:fillRef idx="0"/>
+          <a:effectRef idx="0"/>
+          <a:fontRef idx="minor"/>
+        </p:style>
+        <p:txBody>
+          <a:bodyPr wrap="none" lIns="90000" rIns="90000" tIns="45000" bIns="45000" anchor="t">
+            <a:spAutoFit/>
+          </a:bodyPr>
+          <a:p>
+            <a:pPr>
+              <a:lnSpc>
+                <a:spcPct val="100000"/>
+              </a:lnSpc>
+            </a:pPr>
+            <a:r>
+              <a:rPr b="0" lang="en-US" sz="1800" spc="-1" strike="noStrike">
+                <a:solidFill>
+                  <a:srgbClr val="000000"/>
+                </a:solidFill>
+                <a:latin typeface="Calibri"/>
+                <a:ea typeface="DejaVu Sans"/>
+              </a:rPr>
+              <a:t>Java • Ultra Premium Template</a:t>
+            </a:r>
+            <a:endParaRPr b="0" lang="en-US" sz="1800" spc="-1" strike="noStrike">
+              <a:solidFill>
+                <a:srgbClr val="000000"/>
+              </a:solidFill>
+              <a:latin typeface="Arial"/>
+            </a:endParaRPr>
+          </a:p>
+        </p:txBody>
+      </p:sp>
+      <p:sp>
+        <p:nvSpPr>
+          <p:cNvPr id="404" name="Rounded Rectangle 104"/>
+          <p:cNvSpPr/>
+          <p:nvPr/>
+        </p:nvSpPr>
+        <p:spPr>
+          <a:xfrm>
+            <a:off x="4941000" y="3450960"/>
+            <a:ext cx="3623760" cy="3018960"/>
+          </a:xfrm>
+          <a:prstGeom prst="roundRect">
+            <a:avLst>
+              <a:gd name="adj" fmla="val 16667"/>
+            </a:avLst>
+          </a:prstGeom>
+          <a:solidFill>
+            <a:srgbClr val="16161c"/>
+          </a:solidFill>
+          <a:ln>
+            <a:solidFill>
+              <a:srgbClr val="464655"/>
+            </a:solidFill>
+            <a:round/>
+          </a:ln>
+          <a:effectLst>
+            <a:outerShdw blurRad="39960" dir="5400000" dist="23040" rotWithShape="0">
+              <a:srgbClr val="000000">
+                <a:alpha val="35000"/>
+              </a:srgbClr>
+            </a:outerShdw>
+          </a:effectLst>
+        </p:spPr>
+        <p:style>
+          <a:lnRef idx="1">
+            <a:schemeClr val="accent1"/>
+          </a:lnRef>
+          <a:fillRef idx="3">
+            <a:schemeClr val="accent1"/>
+          </a:fillRef>
+          <a:effectRef idx="2">
+            <a:schemeClr val="accent1"/>
+          </a:effectRef>
+          <a:fontRef idx="minor"/>
+        </p:style>
+        <p:txBody>
+          <a:bodyPr lIns="90000" rIns="90000" tIns="45000" bIns="45000" anchor="ctr">
+            <a:noAutofit/>
+          </a:bodyPr>
+          <a:p>
+            <a:pPr>
+              <a:lnSpc>
+                <a:spcPct val="100000"/>
+              </a:lnSpc>
+            </a:pPr>
+            <a:r>
+              <a:rPr b="1" lang="en-US" sz="2100" spc="-1" strike="noStrike">
+                <a:solidFill>
+                  <a:schemeClr val="lt1"/>
+                </a:solidFill>
+                <a:latin typeface="Calibri"/>
+                <a:ea typeface="DejaVu Sans"/>
+              </a:rPr>
+              <a:t>↓ </a:t>
+            </a:r>
+            <a:r>
+              <a:rPr b="1" lang="en-US" sz="2100" spc="-1" strike="noStrike">
+                <a:solidFill>
+                  <a:schemeClr val="lt1"/>
+                </a:solidFill>
+                <a:latin typeface="Calibri"/>
+                <a:ea typeface="DejaVu Sans"/>
+              </a:rPr>
+              <a:t>Cloud-native apps</a:t>
+            </a:r>
+            <a:endParaRPr b="0" lang="en-US" sz="2100" spc="-1" strike="noStrike">
+              <a:solidFill>
+                <a:srgbClr val="ffffff"/>
+              </a:solidFill>
+              <a:latin typeface="Arial"/>
+            </a:endParaRPr>
+          </a:p>
+          <a:p>
+            <a:pPr>
+              <a:lnSpc>
+                <a:spcPct val="100000"/>
+              </a:lnSpc>
+            </a:pPr>
+            <a:r>
+              <a:rPr b="1" lang="en-US" sz="2100" spc="-1" strike="noStrike">
+                <a:solidFill>
+                  <a:schemeClr val="lt1"/>
+                </a:solidFill>
+                <a:latin typeface="Calibri"/>
+                <a:ea typeface="DejaVu Sans"/>
+              </a:rPr>
+              <a:t>↓ </a:t>
+            </a:r>
+            <a:r>
+              <a:rPr b="1" lang="en-US" sz="2100" spc="-1" strike="noStrike">
+                <a:solidFill>
+                  <a:schemeClr val="lt1"/>
+                </a:solidFill>
+                <a:latin typeface="Calibri"/>
+                <a:ea typeface="DejaVu Sans"/>
+              </a:rPr>
+              <a:t>Microservice scalability</a:t>
+            </a:r>
+            <a:endParaRPr b="0" lang="en-US" sz="2100" spc="-1" strike="noStrike">
+              <a:solidFill>
+                <a:srgbClr val="ffffff"/>
+              </a:solidFill>
+              <a:latin typeface="Arial"/>
+            </a:endParaRPr>
+          </a:p>
+          <a:p>
+            <a:pPr>
+              <a:lnSpc>
+                <a:spcPct val="100000"/>
+              </a:lnSpc>
+            </a:pPr>
+            <a:r>
+              <a:rPr b="1" lang="en-US" sz="2100" spc="-1" strike="noStrike">
+                <a:solidFill>
+                  <a:schemeClr val="lt1"/>
+                </a:solidFill>
+                <a:latin typeface="Calibri"/>
+                <a:ea typeface="DejaVu Sans"/>
+              </a:rPr>
+              <a:t>↓ </a:t>
+            </a:r>
+            <a:r>
+              <a:rPr b="1" lang="en-US" sz="2100" spc="-1" strike="noStrike">
+                <a:solidFill>
+                  <a:schemeClr val="lt1"/>
+                </a:solidFill>
+                <a:latin typeface="Calibri"/>
+                <a:ea typeface="DejaVu Sans"/>
+              </a:rPr>
+              <a:t>Fast deployment</a:t>
+            </a:r>
+            <a:endParaRPr b="0" lang="en-US" sz="2100" spc="-1" strike="noStrike">
+              <a:solidFill>
+                <a:srgbClr val="ffffff"/>
+              </a:solidFill>
+              <a:latin typeface="Arial"/>
+            </a:endParaRPr>
+          </a:p>
+          <a:p>
+            <a:pPr>
+              <a:lnSpc>
+                <a:spcPct val="100000"/>
+              </a:lnSpc>
+            </a:pPr>
+            <a:r>
+              <a:rPr b="1" lang="en-US" sz="2100" spc="-1" strike="noStrike">
+                <a:solidFill>
+                  <a:schemeClr val="lt1"/>
+                </a:solidFill>
+                <a:latin typeface="Calibri"/>
+                <a:ea typeface="DejaVu Sans"/>
+              </a:rPr>
+              <a:t>↓ </a:t>
+            </a:r>
+            <a:r>
+              <a:rPr b="1" lang="en-US" sz="2100" spc="-1" strike="noStrike">
+                <a:solidFill>
+                  <a:schemeClr val="lt1"/>
+                </a:solidFill>
+                <a:latin typeface="Calibri"/>
+                <a:ea typeface="DejaVu Sans"/>
+              </a:rPr>
+              <a:t>Functional programming</a:t>
+            </a:r>
+            <a:endParaRPr b="0" lang="en-US" sz="2100" spc="-1" strike="noStrike">
+              <a:solidFill>
+                <a:srgbClr val="ffffff"/>
+              </a:solidFill>
+              <a:latin typeface="Arial"/>
+            </a:endParaRPr>
+          </a:p>
+          <a:p>
+            <a:pPr>
+              <a:lnSpc>
+                <a:spcPct val="100000"/>
+              </a:lnSpc>
+            </a:pPr>
+            <a:r>
+              <a:rPr b="1" lang="en-US" sz="2100" spc="-1" strike="noStrike">
+                <a:solidFill>
+                  <a:schemeClr val="lt1"/>
+                </a:solidFill>
+                <a:latin typeface="Calibri"/>
+                <a:ea typeface="DejaVu Sans"/>
+              </a:rPr>
+              <a:t>↓ </a:t>
+            </a:r>
+            <a:r>
+              <a:rPr b="1" lang="en-US" sz="2100" spc="-1" strike="noStrike">
+                <a:solidFill>
+                  <a:schemeClr val="lt1"/>
+                </a:solidFill>
+                <a:latin typeface="Calibri"/>
+                <a:ea typeface="DejaVu Sans"/>
+              </a:rPr>
+              <a:t>Long-term support (LTS)</a:t>
+            </a:r>
             <a:endParaRPr b="0" lang="en-US" sz="2100" spc="-1" strike="noStrike">
               <a:solidFill>
                 <a:srgbClr val="ffffff"/>
@@ -11792,7 +16595,7 @@
         <p:spPr>
           <a:xfrm>
             <a:off x="1440" y="1800"/>
-            <a:ext cx="13431600" cy="7554960"/>
+            <a:ext cx="13431240" cy="7554600"/>
           </a:xfrm>
           <a:prstGeom prst="rect">
             <a:avLst/>
@@ -11852,7 +16655,7 @@
         <p:spPr>
           <a:xfrm>
             <a:off x="1440" y="1800"/>
-            <a:ext cx="15840" cy="7554960"/>
+            <a:ext cx="15480" cy="7554600"/>
           </a:xfrm>
           <a:prstGeom prst="rect">
             <a:avLst/>
@@ -11912,7 +16715,7 @@
         <p:spPr>
           <a:xfrm>
             <a:off x="1005480" y="1800"/>
-            <a:ext cx="15840" cy="7554960"/>
+            <a:ext cx="15480" cy="7554600"/>
           </a:xfrm>
           <a:prstGeom prst="rect">
             <a:avLst/>
@@ -11972,7 +16775,7 @@
         <p:spPr>
           <a:xfrm>
             <a:off x="2013480" y="1800"/>
-            <a:ext cx="15840" cy="7554960"/>
+            <a:ext cx="15480" cy="7554600"/>
           </a:xfrm>
           <a:prstGeom prst="rect">
             <a:avLst/>
@@ -12032,7 +16835,7 @@
         <p:spPr>
           <a:xfrm>
             <a:off x="3021480" y="1800"/>
-            <a:ext cx="15840" cy="7554960"/>
+            <a:ext cx="15480" cy="7554600"/>
           </a:xfrm>
           <a:prstGeom prst="rect">
             <a:avLst/>
@@ -12092,7 +16895,7 @@
         <p:spPr>
           <a:xfrm>
             <a:off x="4029480" y="1800"/>
-            <a:ext cx="15840" cy="7554960"/>
+            <a:ext cx="15480" cy="7554600"/>
           </a:xfrm>
           <a:prstGeom prst="rect">
             <a:avLst/>
@@ -12152,7 +16955,7 @@
         <p:spPr>
           <a:xfrm>
             <a:off x="5037480" y="1800"/>
-            <a:ext cx="15840" cy="7554960"/>
+            <a:ext cx="15480" cy="7554600"/>
           </a:xfrm>
           <a:prstGeom prst="rect">
             <a:avLst/>
@@ -12212,7 +17015,7 @@
         <p:spPr>
           <a:xfrm>
             <a:off x="6045480" y="1800"/>
-            <a:ext cx="15840" cy="7554960"/>
+            <a:ext cx="15480" cy="7554600"/>
           </a:xfrm>
           <a:prstGeom prst="rect">
             <a:avLst/>
@@ -12272,7 +17075,7 @@
         <p:spPr>
           <a:xfrm>
             <a:off x="7053480" y="1800"/>
-            <a:ext cx="15840" cy="7554960"/>
+            <a:ext cx="15480" cy="7554600"/>
           </a:xfrm>
           <a:prstGeom prst="rect">
             <a:avLst/>
@@ -12332,7 +17135,7 @@
         <p:spPr>
           <a:xfrm>
             <a:off x="8061480" y="1800"/>
-            <a:ext cx="15840" cy="7554960"/>
+            <a:ext cx="15480" cy="7554600"/>
           </a:xfrm>
           <a:prstGeom prst="rect">
             <a:avLst/>
@@ -12392,7 +17195,7 @@
         <p:spPr>
           <a:xfrm>
             <a:off x="9069480" y="1800"/>
-            <a:ext cx="15840" cy="7554960"/>
+            <a:ext cx="15480" cy="7554600"/>
           </a:xfrm>
           <a:prstGeom prst="rect">
             <a:avLst/>
@@ -12452,7 +17255,7 @@
         <p:spPr>
           <a:xfrm>
             <a:off x="10077480" y="1800"/>
-            <a:ext cx="15840" cy="7554960"/>
+            <a:ext cx="15480" cy="7554600"/>
           </a:xfrm>
           <a:prstGeom prst="rect">
             <a:avLst/>
@@ -12512,7 +17315,7 @@
         <p:spPr>
           <a:xfrm>
             <a:off x="11085480" y="1800"/>
-            <a:ext cx="15840" cy="7554960"/>
+            <a:ext cx="15480" cy="7554600"/>
           </a:xfrm>
           <a:prstGeom prst="rect">
             <a:avLst/>
@@ -12572,7 +17375,7 @@
         <p:spPr>
           <a:xfrm>
             <a:off x="12093480" y="1800"/>
-            <a:ext cx="15840" cy="7554960"/>
+            <a:ext cx="15480" cy="7554600"/>
           </a:xfrm>
           <a:prstGeom prst="rect">
             <a:avLst/>
@@ -12632,7 +17435,7 @@
         <p:spPr>
           <a:xfrm>
             <a:off x="13101480" y="1800"/>
-            <a:ext cx="15840" cy="7554960"/>
+            <a:ext cx="15480" cy="7554600"/>
           </a:xfrm>
           <a:prstGeom prst="rect">
             <a:avLst/>
@@ -12692,7 +17495,7 @@
         <p:spPr>
           <a:xfrm>
             <a:off x="1440" y="1800"/>
-            <a:ext cx="347760" cy="7554960"/>
+            <a:ext cx="347400" cy="7554600"/>
           </a:xfrm>
           <a:prstGeom prst="rect">
             <a:avLst/>
@@ -12752,7 +17555,7 @@
         <p:spPr>
           <a:xfrm>
             <a:off x="10884960" y="401400"/>
-            <a:ext cx="2212200" cy="548280"/>
+            <a:ext cx="2211840" cy="547920"/>
           </a:xfrm>
           <a:prstGeom prst="roundRect">
             <a:avLst>
@@ -12826,7 +17629,7 @@
         <p:spPr>
           <a:xfrm>
             <a:off x="4249800" y="1107000"/>
-            <a:ext cx="3591360" cy="820800"/>
+            <a:ext cx="3591000" cy="820800"/>
           </a:xfrm>
           <a:prstGeom prst="rect">
             <a:avLst/>
@@ -12880,7 +17683,7 @@
         <p:spPr>
           <a:xfrm>
             <a:off x="3414600" y="2266200"/>
-            <a:ext cx="5910840" cy="957960"/>
+            <a:ext cx="5910480" cy="957960"/>
           </a:xfrm>
           <a:prstGeom prst="rect">
             <a:avLst/>
@@ -12970,7 +17773,7 @@
         <p:spPr>
           <a:xfrm>
             <a:off x="1086840" y="3506040"/>
-            <a:ext cx="3623760" cy="3018960"/>
+            <a:ext cx="3623400" cy="3018600"/>
           </a:xfrm>
           <a:prstGeom prst="roundRect">
             <a:avLst>
@@ -13032,7 +17835,7 @@
         <p:spPr>
           <a:xfrm>
             <a:off x="1006560" y="3425040"/>
-            <a:ext cx="3624120" cy="3019320"/>
+            <a:ext cx="3623760" cy="3018960"/>
           </a:xfrm>
           <a:prstGeom prst="roundRect">
             <a:avLst>
@@ -13261,7 +18064,7 @@
         <p:spPr>
           <a:xfrm>
             <a:off x="4968360" y="3506040"/>
-            <a:ext cx="3623760" cy="3018960"/>
+            <a:ext cx="3623400" cy="3018600"/>
           </a:xfrm>
           <a:prstGeom prst="roundRect">
             <a:avLst>
@@ -13323,7 +18126,7 @@
         <p:spPr>
           <a:xfrm>
             <a:off x="4886640" y="3425040"/>
-            <a:ext cx="3624120" cy="3019320"/>
+            <a:ext cx="3623760" cy="3018960"/>
           </a:xfrm>
           <a:prstGeom prst="roundRect">
             <a:avLst>
@@ -13699,7 +18502,7 @@
         <p:spPr>
           <a:xfrm>
             <a:off x="8849160" y="3506040"/>
-            <a:ext cx="3623760" cy="3018960"/>
+            <a:ext cx="3623400" cy="3018600"/>
           </a:xfrm>
           <a:prstGeom prst="roundRect">
             <a:avLst>
@@ -13761,7 +18564,7 @@
         <p:spPr>
           <a:xfrm>
             <a:off x="8767440" y="3425760"/>
-            <a:ext cx="3624120" cy="3019320"/>
+            <a:ext cx="3623760" cy="3018960"/>
           </a:xfrm>
           <a:prstGeom prst="roundRect">
             <a:avLst>
@@ -13970,7 +18773,7 @@
         <p:spPr>
           <a:xfrm>
             <a:off x="5224320" y="7104600"/>
-            <a:ext cx="3052080" cy="363960"/>
+            <a:ext cx="3051720" cy="363960"/>
           </a:xfrm>
           <a:prstGeom prst="rect">
             <a:avLst/>
@@ -14054,7 +18857,7 @@
         <p:spPr>
           <a:xfrm>
             <a:off x="1440" y="1800"/>
-            <a:ext cx="13431600" cy="7554960"/>
+            <a:ext cx="13431240" cy="7554600"/>
           </a:xfrm>
           <a:prstGeom prst="rect">
             <a:avLst/>
@@ -14114,7 +18917,7 @@
         <p:spPr>
           <a:xfrm>
             <a:off x="1440" y="1800"/>
-            <a:ext cx="15840" cy="7554960"/>
+            <a:ext cx="15480" cy="7554600"/>
           </a:xfrm>
           <a:prstGeom prst="rect">
             <a:avLst/>
@@ -14174,7 +18977,7 @@
         <p:spPr>
           <a:xfrm>
             <a:off x="1005480" y="1800"/>
-            <a:ext cx="15840" cy="7554960"/>
+            <a:ext cx="15480" cy="7554600"/>
           </a:xfrm>
           <a:prstGeom prst="rect">
             <a:avLst/>
@@ -14234,7 +19037,7 @@
         <p:spPr>
           <a:xfrm>
             <a:off x="2013480" y="1800"/>
-            <a:ext cx="15840" cy="7554960"/>
+            <a:ext cx="15480" cy="7554600"/>
           </a:xfrm>
           <a:prstGeom prst="rect">
             <a:avLst/>
@@ -14294,7 +19097,7 @@
         <p:spPr>
           <a:xfrm>
             <a:off x="3021480" y="1800"/>
-            <a:ext cx="15840" cy="7554960"/>
+            <a:ext cx="15480" cy="7554600"/>
           </a:xfrm>
           <a:prstGeom prst="rect">
             <a:avLst/>
@@ -14354,7 +19157,7 @@
         <p:spPr>
           <a:xfrm>
             <a:off x="4029480" y="1800"/>
-            <a:ext cx="15840" cy="7554960"/>
+            <a:ext cx="15480" cy="7554600"/>
           </a:xfrm>
           <a:prstGeom prst="rect">
             <a:avLst/>
@@ -14414,7 +19217,7 @@
         <p:spPr>
           <a:xfrm>
             <a:off x="5037480" y="1800"/>
-            <a:ext cx="15840" cy="7554960"/>
+            <a:ext cx="15480" cy="7554600"/>
           </a:xfrm>
           <a:prstGeom prst="rect">
             <a:avLst/>
@@ -14474,7 +19277,7 @@
         <p:spPr>
           <a:xfrm>
             <a:off x="6045480" y="1800"/>
-            <a:ext cx="15840" cy="7554960"/>
+            <a:ext cx="15480" cy="7554600"/>
           </a:xfrm>
           <a:prstGeom prst="rect">
             <a:avLst/>
@@ -14534,7 +19337,7 @@
         <p:spPr>
           <a:xfrm>
             <a:off x="7053480" y="1800"/>
-            <a:ext cx="15840" cy="7554960"/>
+            <a:ext cx="15480" cy="7554600"/>
           </a:xfrm>
           <a:prstGeom prst="rect">
             <a:avLst/>
@@ -14594,7 +19397,7 @@
         <p:spPr>
           <a:xfrm>
             <a:off x="8061480" y="1800"/>
-            <a:ext cx="15840" cy="7554960"/>
+            <a:ext cx="15480" cy="7554600"/>
           </a:xfrm>
           <a:prstGeom prst="rect">
             <a:avLst/>
@@ -14654,7 +19457,7 @@
         <p:spPr>
           <a:xfrm>
             <a:off x="9069480" y="1800"/>
-            <a:ext cx="15840" cy="7554960"/>
+            <a:ext cx="15480" cy="7554600"/>
           </a:xfrm>
           <a:prstGeom prst="rect">
             <a:avLst/>
@@ -14714,7 +19517,7 @@
         <p:spPr>
           <a:xfrm>
             <a:off x="10077480" y="1800"/>
-            <a:ext cx="15840" cy="7554960"/>
+            <a:ext cx="15480" cy="7554600"/>
           </a:xfrm>
           <a:prstGeom prst="rect">
             <a:avLst/>
@@ -14774,7 +19577,7 @@
         <p:spPr>
           <a:xfrm>
             <a:off x="11085480" y="1800"/>
-            <a:ext cx="15840" cy="7554960"/>
+            <a:ext cx="15480" cy="7554600"/>
           </a:xfrm>
           <a:prstGeom prst="rect">
             <a:avLst/>
@@ -14834,7 +19637,7 @@
         <p:spPr>
           <a:xfrm>
             <a:off x="12093480" y="1800"/>
-            <a:ext cx="15840" cy="7554960"/>
+            <a:ext cx="15480" cy="7554600"/>
           </a:xfrm>
           <a:prstGeom prst="rect">
             <a:avLst/>
@@ -14894,7 +19697,7 @@
         <p:spPr>
           <a:xfrm>
             <a:off x="13101480" y="1800"/>
-            <a:ext cx="15840" cy="7554960"/>
+            <a:ext cx="15480" cy="7554600"/>
           </a:xfrm>
           <a:prstGeom prst="rect">
             <a:avLst/>
@@ -14954,7 +19757,7 @@
         <p:spPr>
           <a:xfrm>
             <a:off x="1440" y="1800"/>
-            <a:ext cx="347760" cy="7554960"/>
+            <a:ext cx="347400" cy="7554600"/>
           </a:xfrm>
           <a:prstGeom prst="rect">
             <a:avLst/>
@@ -15014,7 +19817,7 @@
         <p:spPr>
           <a:xfrm>
             <a:off x="10884960" y="401400"/>
-            <a:ext cx="2212200" cy="548280"/>
+            <a:ext cx="2211840" cy="547920"/>
           </a:xfrm>
           <a:prstGeom prst="roundRect">
             <a:avLst>
@@ -15088,7 +19891,7 @@
         <p:spPr>
           <a:xfrm>
             <a:off x="3248280" y="1107000"/>
-            <a:ext cx="5595480" cy="820800"/>
+            <a:ext cx="5595120" cy="820800"/>
           </a:xfrm>
           <a:prstGeom prst="rect">
             <a:avLst/>
@@ -15142,7 +19945,7 @@
         <p:spPr>
           <a:xfrm>
             <a:off x="3017520" y="2266200"/>
-            <a:ext cx="6705000" cy="668520"/>
+            <a:ext cx="6704640" cy="668520"/>
           </a:xfrm>
           <a:prstGeom prst="rect">
             <a:avLst/>
@@ -15209,7 +20012,7 @@
         <p:spPr>
           <a:xfrm>
             <a:off x="1086840" y="3506040"/>
-            <a:ext cx="3623760" cy="3018960"/>
+            <a:ext cx="3623400" cy="3018600"/>
           </a:xfrm>
           <a:prstGeom prst="roundRect">
             <a:avLst>
@@ -15271,7 +20074,7 @@
         <p:spPr>
           <a:xfrm>
             <a:off x="1006560" y="3425760"/>
-            <a:ext cx="3624120" cy="3019320"/>
+            <a:ext cx="3623760" cy="3018960"/>
           </a:xfrm>
           <a:prstGeom prst="roundRect">
             <a:avLst>
@@ -15434,7 +20237,7 @@
         <p:spPr>
           <a:xfrm>
             <a:off x="4968360" y="3506040"/>
-            <a:ext cx="3623760" cy="3018960"/>
+            <a:ext cx="3623400" cy="3018600"/>
           </a:xfrm>
           <a:prstGeom prst="roundRect">
             <a:avLst>
@@ -15496,7 +20299,7 @@
         <p:spPr>
           <a:xfrm>
             <a:off x="4886640" y="3424320"/>
-            <a:ext cx="3624120" cy="3019320"/>
+            <a:ext cx="3623760" cy="3018960"/>
           </a:xfrm>
           <a:prstGeom prst="roundRect">
             <a:avLst>
@@ -15767,7 +20570,7 @@
         <p:spPr>
           <a:xfrm>
             <a:off x="8849160" y="3506040"/>
-            <a:ext cx="3623760" cy="3018960"/>
+            <a:ext cx="3623400" cy="3018600"/>
           </a:xfrm>
           <a:prstGeom prst="roundRect">
             <a:avLst>
@@ -15829,7 +20632,7 @@
         <p:spPr>
           <a:xfrm>
             <a:off x="8767440" y="3425040"/>
-            <a:ext cx="3624120" cy="3019320"/>
+            <a:ext cx="3623760" cy="3018960"/>
           </a:xfrm>
           <a:prstGeom prst="roundRect">
             <a:avLst>
@@ -16077,7 +20880,7 @@
         <p:spPr>
           <a:xfrm>
             <a:off x="5224320" y="7104600"/>
-            <a:ext cx="3052080" cy="363960"/>
+            <a:ext cx="3051720" cy="363960"/>
           </a:xfrm>
           <a:prstGeom prst="rect">
             <a:avLst/>
@@ -16161,7 +20964,7 @@
         <p:spPr>
           <a:xfrm>
             <a:off x="1440" y="1800"/>
-            <a:ext cx="13431600" cy="7554960"/>
+            <a:ext cx="13431240" cy="7554600"/>
           </a:xfrm>
           <a:prstGeom prst="rect">
             <a:avLst/>
@@ -16221,7 +21024,7 @@
         <p:spPr>
           <a:xfrm>
             <a:off x="1440" y="1800"/>
-            <a:ext cx="15840" cy="7554960"/>
+            <a:ext cx="15480" cy="7554600"/>
           </a:xfrm>
           <a:prstGeom prst="rect">
             <a:avLst/>
@@ -16281,7 +21084,7 @@
         <p:spPr>
           <a:xfrm>
             <a:off x="1005480" y="1800"/>
-            <a:ext cx="15840" cy="7554960"/>
+            <a:ext cx="15480" cy="7554600"/>
           </a:xfrm>
           <a:prstGeom prst="rect">
             <a:avLst/>
@@ -16341,7 +21144,7 @@
         <p:spPr>
           <a:xfrm>
             <a:off x="2013480" y="1800"/>
-            <a:ext cx="15840" cy="7554960"/>
+            <a:ext cx="15480" cy="7554600"/>
           </a:xfrm>
           <a:prstGeom prst="rect">
             <a:avLst/>
@@ -16401,7 +21204,7 @@
         <p:spPr>
           <a:xfrm>
             <a:off x="3021480" y="1800"/>
-            <a:ext cx="15840" cy="7554960"/>
+            <a:ext cx="15480" cy="7554600"/>
           </a:xfrm>
           <a:prstGeom prst="rect">
             <a:avLst/>
@@ -16461,7 +21264,7 @@
         <p:spPr>
           <a:xfrm>
             <a:off x="4029480" y="1800"/>
-            <a:ext cx="15840" cy="7554960"/>
+            <a:ext cx="15480" cy="7554600"/>
           </a:xfrm>
           <a:prstGeom prst="rect">
             <a:avLst/>
@@ -16521,7 +21324,7 @@
         <p:spPr>
           <a:xfrm>
             <a:off x="5037480" y="1800"/>
-            <a:ext cx="15840" cy="7554960"/>
+            <a:ext cx="15480" cy="7554600"/>
           </a:xfrm>
           <a:prstGeom prst="rect">
             <a:avLst/>
@@ -16581,7 +21384,7 @@
         <p:spPr>
           <a:xfrm>
             <a:off x="6045480" y="1800"/>
-            <a:ext cx="15840" cy="7554960"/>
+            <a:ext cx="15480" cy="7554600"/>
           </a:xfrm>
           <a:prstGeom prst="rect">
             <a:avLst/>
@@ -16641,7 +21444,7 @@
         <p:spPr>
           <a:xfrm>
             <a:off x="7053480" y="1800"/>
-            <a:ext cx="15840" cy="7554960"/>
+            <a:ext cx="15480" cy="7554600"/>
           </a:xfrm>
           <a:prstGeom prst="rect">
             <a:avLst/>
@@ -16701,7 +21504,7 @@
         <p:spPr>
           <a:xfrm>
             <a:off x="8061480" y="1800"/>
-            <a:ext cx="15840" cy="7554960"/>
+            <a:ext cx="15480" cy="7554600"/>
           </a:xfrm>
           <a:prstGeom prst="rect">
             <a:avLst/>
@@ -16761,7 +21564,7 @@
         <p:spPr>
           <a:xfrm>
             <a:off x="9069480" y="1800"/>
-            <a:ext cx="15840" cy="7554960"/>
+            <a:ext cx="15480" cy="7554600"/>
           </a:xfrm>
           <a:prstGeom prst="rect">
             <a:avLst/>
@@ -16821,7 +21624,7 @@
         <p:spPr>
           <a:xfrm>
             <a:off x="10077480" y="1800"/>
-            <a:ext cx="15840" cy="7554960"/>
+            <a:ext cx="15480" cy="7554600"/>
           </a:xfrm>
           <a:prstGeom prst="rect">
             <a:avLst/>
@@ -16881,7 +21684,7 @@
         <p:spPr>
           <a:xfrm>
             <a:off x="11085480" y="1800"/>
-            <a:ext cx="15840" cy="7554960"/>
+            <a:ext cx="15480" cy="7554600"/>
           </a:xfrm>
           <a:prstGeom prst="rect">
             <a:avLst/>
@@ -16941,7 +21744,7 @@
         <p:spPr>
           <a:xfrm>
             <a:off x="12093480" y="1800"/>
-            <a:ext cx="15840" cy="7554960"/>
+            <a:ext cx="15480" cy="7554600"/>
           </a:xfrm>
           <a:prstGeom prst="rect">
             <a:avLst/>
@@ -17001,7 +21804,7 @@
         <p:spPr>
           <a:xfrm>
             <a:off x="13101480" y="1800"/>
-            <a:ext cx="15840" cy="7554960"/>
+            <a:ext cx="15480" cy="7554600"/>
           </a:xfrm>
           <a:prstGeom prst="rect">
             <a:avLst/>
@@ -17061,7 +21864,7 @@
         <p:spPr>
           <a:xfrm>
             <a:off x="1440" y="1800"/>
-            <a:ext cx="347760" cy="7554960"/>
+            <a:ext cx="347400" cy="7554600"/>
           </a:xfrm>
           <a:prstGeom prst="rect">
             <a:avLst/>
@@ -17121,7 +21924,7 @@
         <p:spPr>
           <a:xfrm>
             <a:off x="10884960" y="401400"/>
-            <a:ext cx="2212200" cy="548280"/>
+            <a:ext cx="2211840" cy="547920"/>
           </a:xfrm>
           <a:prstGeom prst="roundRect">
             <a:avLst>
@@ -17195,7 +21998,7 @@
         <p:spPr>
           <a:xfrm>
             <a:off x="4443480" y="1107000"/>
-            <a:ext cx="3201120" cy="820800"/>
+            <a:ext cx="3200760" cy="820800"/>
           </a:xfrm>
           <a:prstGeom prst="rect">
             <a:avLst/>
@@ -17249,7 +22052,7 @@
         <p:spPr>
           <a:xfrm>
             <a:off x="1890720" y="2266200"/>
-            <a:ext cx="8963640" cy="379080"/>
+            <a:ext cx="8963280" cy="379080"/>
           </a:xfrm>
           <a:prstGeom prst="rect">
             <a:avLst/>
@@ -17303,7 +22106,7 @@
         <p:spPr>
           <a:xfrm>
             <a:off x="1086840" y="3506040"/>
-            <a:ext cx="3623760" cy="3018960"/>
+            <a:ext cx="3623400" cy="3018600"/>
           </a:xfrm>
           <a:prstGeom prst="roundRect">
             <a:avLst>
@@ -17365,7 +22168,7 @@
         <p:spPr>
           <a:xfrm>
             <a:off x="1006560" y="3425040"/>
-            <a:ext cx="3624120" cy="3019320"/>
+            <a:ext cx="3623760" cy="3018960"/>
           </a:xfrm>
           <a:prstGeom prst="roundRect">
             <a:avLst>
@@ -17695,7 +22498,7 @@
         <p:spPr>
           <a:xfrm>
             <a:off x="4968360" y="3506040"/>
-            <a:ext cx="3623760" cy="3018960"/>
+            <a:ext cx="3623400" cy="3018600"/>
           </a:xfrm>
           <a:prstGeom prst="roundRect">
             <a:avLst>
@@ -17757,7 +22560,7 @@
         <p:spPr>
           <a:xfrm>
             <a:off x="4886640" y="3425040"/>
-            <a:ext cx="3624120" cy="3019320"/>
+            <a:ext cx="3623760" cy="3018960"/>
           </a:xfrm>
           <a:prstGeom prst="roundRect">
             <a:avLst>
@@ -18077,7 +22880,7 @@
         <p:spPr>
           <a:xfrm>
             <a:off x="8849160" y="3506040"/>
-            <a:ext cx="3623760" cy="3018960"/>
+            <a:ext cx="3623400" cy="3018600"/>
           </a:xfrm>
           <a:prstGeom prst="roundRect">
             <a:avLst>
@@ -18139,7 +22942,7 @@
         <p:spPr>
           <a:xfrm>
             <a:off x="8767440" y="3425040"/>
-            <a:ext cx="3624120" cy="3019320"/>
+            <a:ext cx="3623760" cy="3018960"/>
           </a:xfrm>
           <a:prstGeom prst="roundRect">
             <a:avLst>
@@ -18532,7 +23335,7 @@
         <p:spPr>
           <a:xfrm>
             <a:off x="5224320" y="7104600"/>
-            <a:ext cx="3052080" cy="363960"/>
+            <a:ext cx="3051720" cy="363960"/>
           </a:xfrm>
           <a:prstGeom prst="rect">
             <a:avLst/>
@@ -18616,7 +23419,7 @@
         <p:spPr>
           <a:xfrm>
             <a:off x="1440" y="1800"/>
-            <a:ext cx="13431600" cy="7554960"/>
+            <a:ext cx="13431240" cy="7554600"/>
           </a:xfrm>
           <a:prstGeom prst="rect">
             <a:avLst/>
@@ -18676,7 +23479,7 @@
         <p:spPr>
           <a:xfrm>
             <a:off x="1440" y="1800"/>
-            <a:ext cx="15840" cy="7554960"/>
+            <a:ext cx="15480" cy="7554600"/>
           </a:xfrm>
           <a:prstGeom prst="rect">
             <a:avLst/>
@@ -18736,7 +23539,7 @@
         <p:spPr>
           <a:xfrm>
             <a:off x="1005480" y="1800"/>
-            <a:ext cx="15840" cy="7554960"/>
+            <a:ext cx="15480" cy="7554600"/>
           </a:xfrm>
           <a:prstGeom prst="rect">
             <a:avLst/>
@@ -18796,7 +23599,7 @@
         <p:spPr>
           <a:xfrm>
             <a:off x="2013480" y="1800"/>
-            <a:ext cx="15840" cy="7554960"/>
+            <a:ext cx="15480" cy="7554600"/>
           </a:xfrm>
           <a:prstGeom prst="rect">
             <a:avLst/>
@@ -18856,7 +23659,7 @@
         <p:spPr>
           <a:xfrm>
             <a:off x="3021480" y="1800"/>
-            <a:ext cx="15840" cy="7554960"/>
+            <a:ext cx="15480" cy="7554600"/>
           </a:xfrm>
           <a:prstGeom prst="rect">
             <a:avLst/>
@@ -18916,7 +23719,7 @@
         <p:spPr>
           <a:xfrm>
             <a:off x="4029480" y="1800"/>
-            <a:ext cx="15840" cy="7554960"/>
+            <a:ext cx="15480" cy="7554600"/>
           </a:xfrm>
           <a:prstGeom prst="rect">
             <a:avLst/>
@@ -18976,7 +23779,7 @@
         <p:spPr>
           <a:xfrm>
             <a:off x="5037480" y="1800"/>
-            <a:ext cx="15840" cy="7554960"/>
+            <a:ext cx="15480" cy="7554600"/>
           </a:xfrm>
           <a:prstGeom prst="rect">
             <a:avLst/>
@@ -19036,7 +23839,7 @@
         <p:spPr>
           <a:xfrm>
             <a:off x="6045480" y="1800"/>
-            <a:ext cx="15840" cy="7554960"/>
+            <a:ext cx="15480" cy="7554600"/>
           </a:xfrm>
           <a:prstGeom prst="rect">
             <a:avLst/>
@@ -19096,7 +23899,7 @@
         <p:spPr>
           <a:xfrm>
             <a:off x="7053480" y="1800"/>
-            <a:ext cx="15840" cy="7554960"/>
+            <a:ext cx="15480" cy="7554600"/>
           </a:xfrm>
           <a:prstGeom prst="rect">
             <a:avLst/>
@@ -19156,7 +23959,7 @@
         <p:spPr>
           <a:xfrm>
             <a:off x="8061480" y="1800"/>
-            <a:ext cx="15840" cy="7554960"/>
+            <a:ext cx="15480" cy="7554600"/>
           </a:xfrm>
           <a:prstGeom prst="rect">
             <a:avLst/>
@@ -19216,7 +24019,7 @@
         <p:spPr>
           <a:xfrm>
             <a:off x="9069480" y="1800"/>
-            <a:ext cx="15840" cy="7554960"/>
+            <a:ext cx="15480" cy="7554600"/>
           </a:xfrm>
           <a:prstGeom prst="rect">
             <a:avLst/>
@@ -19276,7 +24079,7 @@
         <p:spPr>
           <a:xfrm>
             <a:off x="10077480" y="1800"/>
-            <a:ext cx="15840" cy="7554960"/>
+            <a:ext cx="15480" cy="7554600"/>
           </a:xfrm>
           <a:prstGeom prst="rect">
             <a:avLst/>
@@ -19336,7 +24139,7 @@
         <p:spPr>
           <a:xfrm>
             <a:off x="11085480" y="1800"/>
-            <a:ext cx="15840" cy="7554960"/>
+            <a:ext cx="15480" cy="7554600"/>
           </a:xfrm>
           <a:prstGeom prst="rect">
             <a:avLst/>
@@ -19396,7 +24199,7 @@
         <p:spPr>
           <a:xfrm>
             <a:off x="12093480" y="1800"/>
-            <a:ext cx="15840" cy="7554960"/>
+            <a:ext cx="15480" cy="7554600"/>
           </a:xfrm>
           <a:prstGeom prst="rect">
             <a:avLst/>
@@ -19456,7 +24259,7 @@
         <p:spPr>
           <a:xfrm>
             <a:off x="13101480" y="1800"/>
-            <a:ext cx="15840" cy="7554960"/>
+            <a:ext cx="15480" cy="7554600"/>
           </a:xfrm>
           <a:prstGeom prst="rect">
             <a:avLst/>
@@ -19516,7 +24319,7 @@
         <p:spPr>
           <a:xfrm>
             <a:off x="1440" y="1800"/>
-            <a:ext cx="347760" cy="7554960"/>
+            <a:ext cx="347400" cy="7554600"/>
           </a:xfrm>
           <a:prstGeom prst="rect">
             <a:avLst/>
@@ -19576,7 +24379,7 @@
         <p:spPr>
           <a:xfrm>
             <a:off x="10884960" y="401400"/>
-            <a:ext cx="2212200" cy="548280"/>
+            <a:ext cx="2211840" cy="547920"/>
           </a:xfrm>
           <a:prstGeom prst="roundRect">
             <a:avLst>
@@ -19650,7 +24453,7 @@
         <p:spPr>
           <a:xfrm>
             <a:off x="2634120" y="1107000"/>
-            <a:ext cx="6823800" cy="820800"/>
+            <a:ext cx="6823440" cy="820800"/>
           </a:xfrm>
           <a:prstGeom prst="rect">
             <a:avLst/>
@@ -19714,7 +24517,7 @@
         <p:spPr>
           <a:xfrm>
             <a:off x="3651840" y="2266200"/>
-            <a:ext cx="5438520" cy="379080"/>
+            <a:ext cx="5438160" cy="379080"/>
           </a:xfrm>
           <a:prstGeom prst="rect">
             <a:avLst/>
@@ -19768,7 +24571,7 @@
         <p:spPr>
           <a:xfrm>
             <a:off x="1086840" y="3506040"/>
-            <a:ext cx="3623760" cy="3018960"/>
+            <a:ext cx="3623400" cy="3018600"/>
           </a:xfrm>
           <a:prstGeom prst="roundRect">
             <a:avLst>
@@ -19830,7 +24633,7 @@
         <p:spPr>
           <a:xfrm>
             <a:off x="679680" y="3273840"/>
-            <a:ext cx="4031280" cy="3169440"/>
+            <a:ext cx="4030920" cy="3169080"/>
           </a:xfrm>
           <a:prstGeom prst="roundRect">
             <a:avLst>
@@ -20182,7 +24985,7 @@
         <p:spPr>
           <a:xfrm>
             <a:off x="4968360" y="3506040"/>
-            <a:ext cx="3623760" cy="3018960"/>
+            <a:ext cx="3623400" cy="3018600"/>
           </a:xfrm>
           <a:prstGeom prst="roundRect">
             <a:avLst>
@@ -20244,7 +25047,7 @@
         <p:spPr>
           <a:xfrm>
             <a:off x="4886640" y="3425760"/>
-            <a:ext cx="3624120" cy="3019320"/>
+            <a:ext cx="3623760" cy="3018960"/>
           </a:xfrm>
           <a:prstGeom prst="roundRect">
             <a:avLst>
@@ -20538,7 +25341,7 @@
         <p:spPr>
           <a:xfrm>
             <a:off x="8849160" y="3506040"/>
-            <a:ext cx="3623760" cy="3018960"/>
+            <a:ext cx="3623400" cy="3018600"/>
           </a:xfrm>
           <a:prstGeom prst="roundRect">
             <a:avLst>
@@ -20600,7 +25403,7 @@
         <p:spPr>
           <a:xfrm>
             <a:off x="8767440" y="3425040"/>
-            <a:ext cx="3624120" cy="3019320"/>
+            <a:ext cx="3623760" cy="3018960"/>
           </a:xfrm>
           <a:prstGeom prst="roundRect">
             <a:avLst>
@@ -20887,7 +25690,7 @@
         <p:spPr>
           <a:xfrm>
             <a:off x="5224320" y="7104600"/>
-            <a:ext cx="3052080" cy="363960"/>
+            <a:ext cx="3051720" cy="363960"/>
           </a:xfrm>
           <a:prstGeom prst="rect">
             <a:avLst/>
@@ -20971,7 +25774,7 @@
         <p:spPr>
           <a:xfrm>
             <a:off x="1440" y="1800"/>
-            <a:ext cx="13431600" cy="7554960"/>
+            <a:ext cx="13431240" cy="7554600"/>
           </a:xfrm>
           <a:prstGeom prst="rect">
             <a:avLst/>
@@ -21031,7 +25834,7 @@
         <p:spPr>
           <a:xfrm>
             <a:off x="1440" y="1800"/>
-            <a:ext cx="15840" cy="7554960"/>
+            <a:ext cx="15480" cy="7554600"/>
           </a:xfrm>
           <a:prstGeom prst="rect">
             <a:avLst/>
@@ -21091,7 +25894,7 @@
         <p:spPr>
           <a:xfrm>
             <a:off x="1005480" y="1800"/>
-            <a:ext cx="15840" cy="7554960"/>
+            <a:ext cx="15480" cy="7554600"/>
           </a:xfrm>
           <a:prstGeom prst="rect">
             <a:avLst/>
@@ -21151,7 +25954,7 @@
         <p:spPr>
           <a:xfrm>
             <a:off x="2013480" y="1800"/>
-            <a:ext cx="15840" cy="7554960"/>
+            <a:ext cx="15480" cy="7554600"/>
           </a:xfrm>
           <a:prstGeom prst="rect">
             <a:avLst/>
@@ -21211,7 +26014,7 @@
         <p:spPr>
           <a:xfrm>
             <a:off x="3021480" y="1800"/>
-            <a:ext cx="15840" cy="7554960"/>
+            <a:ext cx="15480" cy="7554600"/>
           </a:xfrm>
           <a:prstGeom prst="rect">
             <a:avLst/>
@@ -21271,7 +26074,7 @@
         <p:spPr>
           <a:xfrm>
             <a:off x="4029480" y="1800"/>
-            <a:ext cx="15840" cy="7554960"/>
+            <a:ext cx="15480" cy="7554600"/>
           </a:xfrm>
           <a:prstGeom prst="rect">
             <a:avLst/>
@@ -21331,7 +26134,7 @@
         <p:spPr>
           <a:xfrm>
             <a:off x="5037480" y="1800"/>
-            <a:ext cx="15840" cy="7554960"/>
+            <a:ext cx="15480" cy="7554600"/>
           </a:xfrm>
           <a:prstGeom prst="rect">
             <a:avLst/>
@@ -21391,7 +26194,7 @@
         <p:spPr>
           <a:xfrm>
             <a:off x="6045480" y="1800"/>
-            <a:ext cx="15840" cy="7554960"/>
+            <a:ext cx="15480" cy="7554600"/>
           </a:xfrm>
           <a:prstGeom prst="rect">
             <a:avLst/>
@@ -21451,7 +26254,7 @@
         <p:spPr>
           <a:xfrm>
             <a:off x="7053480" y="1800"/>
-            <a:ext cx="15840" cy="7554960"/>
+            <a:ext cx="15480" cy="7554600"/>
           </a:xfrm>
           <a:prstGeom prst="rect">
             <a:avLst/>
@@ -21511,7 +26314,7 @@
         <p:spPr>
           <a:xfrm>
             <a:off x="8061480" y="1800"/>
-            <a:ext cx="15840" cy="7554960"/>
+            <a:ext cx="15480" cy="7554600"/>
           </a:xfrm>
           <a:prstGeom prst="rect">
             <a:avLst/>
@@ -21571,7 +26374,7 @@
         <p:spPr>
           <a:xfrm>
             <a:off x="9069480" y="1800"/>
-            <a:ext cx="15840" cy="7554960"/>
+            <a:ext cx="15480" cy="7554600"/>
           </a:xfrm>
           <a:prstGeom prst="rect">
             <a:avLst/>
@@ -21631,7 +26434,7 @@
         <p:spPr>
           <a:xfrm>
             <a:off x="10077480" y="1800"/>
-            <a:ext cx="15840" cy="7554960"/>
+            <a:ext cx="15480" cy="7554600"/>
           </a:xfrm>
           <a:prstGeom prst="rect">
             <a:avLst/>
@@ -21691,7 +26494,7 @@
         <p:spPr>
           <a:xfrm>
             <a:off x="11085480" y="1800"/>
-            <a:ext cx="15840" cy="7554960"/>
+            <a:ext cx="15480" cy="7554600"/>
           </a:xfrm>
           <a:prstGeom prst="rect">
             <a:avLst/>
@@ -21751,7 +26554,7 @@
         <p:spPr>
           <a:xfrm>
             <a:off x="12093480" y="1800"/>
-            <a:ext cx="15840" cy="7554960"/>
+            <a:ext cx="15480" cy="7554600"/>
           </a:xfrm>
           <a:prstGeom prst="rect">
             <a:avLst/>
@@ -21811,7 +26614,7 @@
         <p:spPr>
           <a:xfrm>
             <a:off x="13101480" y="1800"/>
-            <a:ext cx="15840" cy="7554960"/>
+            <a:ext cx="15480" cy="7554600"/>
           </a:xfrm>
           <a:prstGeom prst="rect">
             <a:avLst/>
@@ -21871,7 +26674,7 @@
         <p:spPr>
           <a:xfrm>
             <a:off x="1440" y="1800"/>
-            <a:ext cx="347760" cy="7554960"/>
+            <a:ext cx="347400" cy="7554600"/>
           </a:xfrm>
           <a:prstGeom prst="rect">
             <a:avLst/>
@@ -21931,7 +26734,7 @@
         <p:spPr>
           <a:xfrm>
             <a:off x="10884960" y="401400"/>
-            <a:ext cx="2212200" cy="548280"/>
+            <a:ext cx="2211840" cy="547920"/>
           </a:xfrm>
           <a:prstGeom prst="roundRect">
             <a:avLst>
@@ -22005,7 +26808,7 @@
         <p:spPr>
           <a:xfrm>
             <a:off x="1678320" y="1107000"/>
-            <a:ext cx="8744040" cy="820800"/>
+            <a:ext cx="8743680" cy="820800"/>
           </a:xfrm>
           <a:prstGeom prst="rect">
             <a:avLst/>
@@ -22069,7 +26872,7 @@
         <p:spPr>
           <a:xfrm>
             <a:off x="4784760" y="2266200"/>
-            <a:ext cx="3170880" cy="363960"/>
+            <a:ext cx="3170520" cy="363960"/>
           </a:xfrm>
           <a:prstGeom prst="rect">
             <a:avLst/>
@@ -22123,7 +26926,7 @@
         <p:spPr>
           <a:xfrm>
             <a:off x="1086840" y="3506040"/>
-            <a:ext cx="3623760" cy="3018960"/>
+            <a:ext cx="3623400" cy="3018600"/>
           </a:xfrm>
           <a:prstGeom prst="roundRect">
             <a:avLst>
@@ -22185,7 +26988,7 @@
         <p:spPr>
           <a:xfrm>
             <a:off x="1006560" y="3424320"/>
-            <a:ext cx="3624120" cy="3019320"/>
+            <a:ext cx="3623760" cy="3018960"/>
           </a:xfrm>
           <a:prstGeom prst="roundRect">
             <a:avLst>
@@ -22448,7 +27251,7 @@
         <p:spPr>
           <a:xfrm>
             <a:off x="4968360" y="3506040"/>
-            <a:ext cx="3623760" cy="3018960"/>
+            <a:ext cx="3623400" cy="3018600"/>
           </a:xfrm>
           <a:prstGeom prst="roundRect">
             <a:avLst>
@@ -22510,7 +27313,7 @@
         <p:spPr>
           <a:xfrm>
             <a:off x="8849160" y="3506040"/>
-            <a:ext cx="3623760" cy="3018960"/>
+            <a:ext cx="3623400" cy="3018600"/>
           </a:xfrm>
           <a:prstGeom prst="roundRect">
             <a:avLst>
@@ -22572,7 +27375,7 @@
         <p:spPr>
           <a:xfrm>
             <a:off x="8767440" y="3425760"/>
-            <a:ext cx="3624120" cy="3019320"/>
+            <a:ext cx="3623760" cy="3018960"/>
           </a:xfrm>
           <a:prstGeom prst="roundRect">
             <a:avLst>
@@ -22971,7 +27774,7 @@
         <p:spPr>
           <a:xfrm>
             <a:off x="5224320" y="7104600"/>
-            <a:ext cx="3052080" cy="363960"/>
+            <a:ext cx="3051720" cy="363960"/>
           </a:xfrm>
           <a:prstGeom prst="rect">
             <a:avLst/>
@@ -23025,7 +27828,7 @@
         <p:spPr>
           <a:xfrm>
             <a:off x="4941000" y="3449880"/>
-            <a:ext cx="3624120" cy="3019320"/>
+            <a:ext cx="3623760" cy="3018960"/>
           </a:xfrm>
           <a:prstGeom prst="roundRect">
             <a:avLst>
@@ -23359,7 +28162,7 @@
         <p:spPr>
           <a:xfrm>
             <a:off x="1440" y="1800"/>
-            <a:ext cx="13431600" cy="7554960"/>
+            <a:ext cx="13431240" cy="7554600"/>
           </a:xfrm>
           <a:prstGeom prst="rect">
             <a:avLst/>
@@ -23419,7 +28222,7 @@
         <p:spPr>
           <a:xfrm>
             <a:off x="1440" y="1800"/>
-            <a:ext cx="15840" cy="7554960"/>
+            <a:ext cx="15480" cy="7554600"/>
           </a:xfrm>
           <a:prstGeom prst="rect">
             <a:avLst/>
@@ -23479,7 +28282,7 @@
         <p:spPr>
           <a:xfrm>
             <a:off x="1005480" y="1800"/>
-            <a:ext cx="15840" cy="7554960"/>
+            <a:ext cx="15480" cy="7554600"/>
           </a:xfrm>
           <a:prstGeom prst="rect">
             <a:avLst/>
@@ -23539,7 +28342,7 @@
         <p:spPr>
           <a:xfrm>
             <a:off x="2013480" y="1800"/>
-            <a:ext cx="15840" cy="7554960"/>
+            <a:ext cx="15480" cy="7554600"/>
           </a:xfrm>
           <a:prstGeom prst="rect">
             <a:avLst/>
@@ -23599,7 +28402,7 @@
         <p:spPr>
           <a:xfrm>
             <a:off x="3021480" y="1800"/>
-            <a:ext cx="15840" cy="7554960"/>
+            <a:ext cx="15480" cy="7554600"/>
           </a:xfrm>
           <a:prstGeom prst="rect">
             <a:avLst/>
@@ -23659,7 +28462,7 @@
         <p:spPr>
           <a:xfrm>
             <a:off x="4029480" y="1800"/>
-            <a:ext cx="15840" cy="7554960"/>
+            <a:ext cx="15480" cy="7554600"/>
           </a:xfrm>
           <a:prstGeom prst="rect">
             <a:avLst/>
@@ -23719,7 +28522,7 @@
         <p:spPr>
           <a:xfrm>
             <a:off x="5037480" y="1800"/>
-            <a:ext cx="15840" cy="7554960"/>
+            <a:ext cx="15480" cy="7554600"/>
           </a:xfrm>
           <a:prstGeom prst="rect">
             <a:avLst/>
@@ -23779,7 +28582,7 @@
         <p:spPr>
           <a:xfrm>
             <a:off x="6045480" y="1800"/>
-            <a:ext cx="15840" cy="7554960"/>
+            <a:ext cx="15480" cy="7554600"/>
           </a:xfrm>
           <a:prstGeom prst="rect">
             <a:avLst/>
@@ -23839,7 +28642,7 @@
         <p:spPr>
           <a:xfrm>
             <a:off x="7053480" y="1800"/>
-            <a:ext cx="15840" cy="7554960"/>
+            <a:ext cx="15480" cy="7554600"/>
           </a:xfrm>
           <a:prstGeom prst="rect">
             <a:avLst/>
@@ -23899,7 +28702,7 @@
         <p:spPr>
           <a:xfrm>
             <a:off x="8061480" y="1800"/>
-            <a:ext cx="15840" cy="7554960"/>
+            <a:ext cx="15480" cy="7554600"/>
           </a:xfrm>
           <a:prstGeom prst="rect">
             <a:avLst/>
@@ -23959,7 +28762,7 @@
         <p:spPr>
           <a:xfrm>
             <a:off x="9069480" y="1800"/>
-            <a:ext cx="15840" cy="7554960"/>
+            <a:ext cx="15480" cy="7554600"/>
           </a:xfrm>
           <a:prstGeom prst="rect">
             <a:avLst/>
@@ -24019,7 +28822,7 @@
         <p:spPr>
           <a:xfrm>
             <a:off x="10077480" y="1800"/>
-            <a:ext cx="15840" cy="7554960"/>
+            <a:ext cx="15480" cy="7554600"/>
           </a:xfrm>
           <a:prstGeom prst="rect">
             <a:avLst/>
@@ -24079,7 +28882,7 @@
         <p:spPr>
           <a:xfrm>
             <a:off x="11085480" y="1800"/>
-            <a:ext cx="15840" cy="7554960"/>
+            <a:ext cx="15480" cy="7554600"/>
           </a:xfrm>
           <a:prstGeom prst="rect">
             <a:avLst/>
@@ -24139,7 +28942,7 @@
         <p:spPr>
           <a:xfrm>
             <a:off x="12093480" y="1800"/>
-            <a:ext cx="15840" cy="7554960"/>
+            <a:ext cx="15480" cy="7554600"/>
           </a:xfrm>
           <a:prstGeom prst="rect">
             <a:avLst/>
@@ -24199,7 +29002,7 @@
         <p:spPr>
           <a:xfrm>
             <a:off x="13101480" y="1800"/>
-            <a:ext cx="15840" cy="7554960"/>
+            <a:ext cx="15480" cy="7554600"/>
           </a:xfrm>
           <a:prstGeom prst="rect">
             <a:avLst/>
@@ -24259,7 +29062,7 @@
         <p:spPr>
           <a:xfrm>
             <a:off x="1440" y="1800"/>
-            <a:ext cx="347760" cy="7554960"/>
+            <a:ext cx="347400" cy="7554600"/>
           </a:xfrm>
           <a:prstGeom prst="rect">
             <a:avLst/>
@@ -24319,7 +29122,7 @@
         <p:spPr>
           <a:xfrm>
             <a:off x="10884960" y="401400"/>
-            <a:ext cx="2212200" cy="548280"/>
+            <a:ext cx="2211840" cy="547920"/>
           </a:xfrm>
           <a:prstGeom prst="roundRect">
             <a:avLst>
@@ -24393,7 +29196,7 @@
         <p:spPr>
           <a:xfrm>
             <a:off x="1764720" y="1107360"/>
-            <a:ext cx="8576280" cy="729720"/>
+            <a:ext cx="8575920" cy="729720"/>
           </a:xfrm>
           <a:prstGeom prst="rect">
             <a:avLst/>
@@ -24457,7 +29260,7 @@
         <p:spPr>
           <a:xfrm>
             <a:off x="3970080" y="2266200"/>
-            <a:ext cx="4799880" cy="363960"/>
+            <a:ext cx="4799520" cy="363960"/>
           </a:xfrm>
           <a:prstGeom prst="rect">
             <a:avLst/>
@@ -24511,7 +29314,7 @@
         <p:spPr>
           <a:xfrm>
             <a:off x="1086840" y="3506040"/>
-            <a:ext cx="3623760" cy="3018960"/>
+            <a:ext cx="3623400" cy="3018600"/>
           </a:xfrm>
           <a:prstGeom prst="roundRect">
             <a:avLst>
@@ -24573,7 +29376,7 @@
         <p:spPr>
           <a:xfrm>
             <a:off x="1006560" y="3425040"/>
-            <a:ext cx="3624120" cy="3019320"/>
+            <a:ext cx="3623760" cy="3018960"/>
           </a:xfrm>
           <a:prstGeom prst="roundRect">
             <a:avLst>
@@ -24960,7 +29763,7 @@
         <p:spPr>
           <a:xfrm>
             <a:off x="4968360" y="3506040"/>
-            <a:ext cx="3623760" cy="3018960"/>
+            <a:ext cx="3623400" cy="3018600"/>
           </a:xfrm>
           <a:prstGeom prst="roundRect">
             <a:avLst>
@@ -25022,7 +29825,7 @@
         <p:spPr>
           <a:xfrm>
             <a:off x="8849160" y="3506040"/>
-            <a:ext cx="3623760" cy="3018960"/>
+            <a:ext cx="3623400" cy="3018600"/>
           </a:xfrm>
           <a:prstGeom prst="roundRect">
             <a:avLst>
@@ -25084,7 +29887,7 @@
         <p:spPr>
           <a:xfrm>
             <a:off x="8767440" y="3425040"/>
-            <a:ext cx="3624120" cy="3019320"/>
+            <a:ext cx="3623760" cy="3018960"/>
           </a:xfrm>
           <a:prstGeom prst="roundRect">
             <a:avLst>
@@ -25549,7 +30352,7 @@
         <p:spPr>
           <a:xfrm>
             <a:off x="5224320" y="7104600"/>
-            <a:ext cx="3052080" cy="363960"/>
+            <a:ext cx="3051720" cy="363960"/>
           </a:xfrm>
           <a:prstGeom prst="rect">
             <a:avLst/>
@@ -25603,7 +30406,7 @@
         <p:spPr>
           <a:xfrm>
             <a:off x="4941000" y="3449520"/>
-            <a:ext cx="3624120" cy="3019320"/>
+            <a:ext cx="3623760" cy="3018960"/>
           </a:xfrm>
           <a:prstGeom prst="roundRect">
             <a:avLst>
@@ -26010,7 +30813,7 @@
         <p:spPr>
           <a:xfrm>
             <a:off x="1440" y="1800"/>
-            <a:ext cx="13431600" cy="7554960"/>
+            <a:ext cx="13431240" cy="7554600"/>
           </a:xfrm>
           <a:prstGeom prst="rect">
             <a:avLst/>
@@ -26070,7 +30873,7 @@
         <p:spPr>
           <a:xfrm>
             <a:off x="1440" y="1800"/>
-            <a:ext cx="15840" cy="7554960"/>
+            <a:ext cx="15480" cy="7554600"/>
           </a:xfrm>
           <a:prstGeom prst="rect">
             <a:avLst/>
@@ -26130,7 +30933,7 @@
         <p:spPr>
           <a:xfrm>
             <a:off x="1005480" y="1800"/>
-            <a:ext cx="15840" cy="7554960"/>
+            <a:ext cx="15480" cy="7554600"/>
           </a:xfrm>
           <a:prstGeom prst="rect">
             <a:avLst/>
@@ -26190,7 +30993,7 @@
         <p:spPr>
           <a:xfrm>
             <a:off x="2013480" y="1800"/>
-            <a:ext cx="15840" cy="7554960"/>
+            <a:ext cx="15480" cy="7554600"/>
           </a:xfrm>
           <a:prstGeom prst="rect">
             <a:avLst/>
@@ -26250,7 +31053,7 @@
         <p:spPr>
           <a:xfrm>
             <a:off x="3021480" y="1800"/>
-            <a:ext cx="15840" cy="7554960"/>
+            <a:ext cx="15480" cy="7554600"/>
           </a:xfrm>
           <a:prstGeom prst="rect">
             <a:avLst/>
@@ -26310,7 +31113,7 @@
         <p:spPr>
           <a:xfrm>
             <a:off x="4029480" y="1800"/>
-            <a:ext cx="15840" cy="7554960"/>
+            <a:ext cx="15480" cy="7554600"/>
           </a:xfrm>
           <a:prstGeom prst="rect">
             <a:avLst/>
@@ -26370,7 +31173,7 @@
         <p:spPr>
           <a:xfrm>
             <a:off x="5037480" y="1800"/>
-            <a:ext cx="15840" cy="7554960"/>
+            <a:ext cx="15480" cy="7554600"/>
           </a:xfrm>
           <a:prstGeom prst="rect">
             <a:avLst/>
@@ -26430,7 +31233,7 @@
         <p:spPr>
           <a:xfrm>
             <a:off x="6045480" y="1800"/>
-            <a:ext cx="15840" cy="7554960"/>
+            <a:ext cx="15480" cy="7554600"/>
           </a:xfrm>
           <a:prstGeom prst="rect">
             <a:avLst/>
@@ -26490,7 +31293,7 @@
         <p:spPr>
           <a:xfrm>
             <a:off x="7053480" y="1800"/>
-            <a:ext cx="15840" cy="7554960"/>
+            <a:ext cx="15480" cy="7554600"/>
           </a:xfrm>
           <a:prstGeom prst="rect">
             <a:avLst/>
@@ -26550,7 +31353,7 @@
         <p:spPr>
           <a:xfrm>
             <a:off x="8061480" y="1800"/>
-            <a:ext cx="15840" cy="7554960"/>
+            <a:ext cx="15480" cy="7554600"/>
           </a:xfrm>
           <a:prstGeom prst="rect">
             <a:avLst/>
@@ -26610,7 +31413,7 @@
         <p:spPr>
           <a:xfrm>
             <a:off x="9069480" y="1800"/>
-            <a:ext cx="15840" cy="7554960"/>
+            <a:ext cx="15480" cy="7554600"/>
           </a:xfrm>
           <a:prstGeom prst="rect">
             <a:avLst/>
@@ -26670,7 +31473,7 @@
         <p:spPr>
           <a:xfrm>
             <a:off x="10077480" y="1800"/>
-            <a:ext cx="15840" cy="7554960"/>
+            <a:ext cx="15480" cy="7554600"/>
           </a:xfrm>
           <a:prstGeom prst="rect">
             <a:avLst/>
@@ -26730,7 +31533,7 @@
         <p:spPr>
           <a:xfrm>
             <a:off x="11085480" y="1800"/>
-            <a:ext cx="15840" cy="7554960"/>
+            <a:ext cx="15480" cy="7554600"/>
           </a:xfrm>
           <a:prstGeom prst="rect">
             <a:avLst/>
@@ -26790,7 +31593,7 @@
         <p:spPr>
           <a:xfrm>
             <a:off x="12093480" y="1800"/>
-            <a:ext cx="15840" cy="7554960"/>
+            <a:ext cx="15480" cy="7554600"/>
           </a:xfrm>
           <a:prstGeom prst="rect">
             <a:avLst/>
@@ -26850,7 +31653,7 @@
         <p:spPr>
           <a:xfrm>
             <a:off x="13101480" y="1800"/>
-            <a:ext cx="15840" cy="7554960"/>
+            <a:ext cx="15480" cy="7554600"/>
           </a:xfrm>
           <a:prstGeom prst="rect">
             <a:avLst/>
@@ -26910,7 +31713,7 @@
         <p:spPr>
           <a:xfrm>
             <a:off x="1440" y="1800"/>
-            <a:ext cx="347760" cy="7554960"/>
+            <a:ext cx="347400" cy="7554600"/>
           </a:xfrm>
           <a:prstGeom prst="rect">
             <a:avLst/>
@@ -26970,7 +31773,7 @@
         <p:spPr>
           <a:xfrm>
             <a:off x="10884960" y="401400"/>
-            <a:ext cx="2212200" cy="548280"/>
+            <a:ext cx="2211840" cy="547920"/>
           </a:xfrm>
           <a:prstGeom prst="roundRect">
             <a:avLst>
@@ -27044,7 +31847,7 @@
         <p:spPr>
           <a:xfrm>
             <a:off x="179640" y="1107360"/>
-            <a:ext cx="11751120" cy="729720"/>
+            <a:ext cx="11750760" cy="729720"/>
           </a:xfrm>
           <a:prstGeom prst="rect">
             <a:avLst/>
@@ -27108,7 +31911,7 @@
         <p:spPr>
           <a:xfrm>
             <a:off x="3797640" y="2266200"/>
-            <a:ext cx="5147280" cy="363960"/>
+            <a:ext cx="5146920" cy="363960"/>
           </a:xfrm>
           <a:prstGeom prst="rect">
             <a:avLst/>
@@ -27162,7 +31965,7 @@
         <p:spPr>
           <a:xfrm>
             <a:off x="1086840" y="3506040"/>
-            <a:ext cx="3623760" cy="3018960"/>
+            <a:ext cx="3623400" cy="3018600"/>
           </a:xfrm>
           <a:prstGeom prst="roundRect">
             <a:avLst>
@@ -27224,7 +32027,7 @@
         <p:spPr>
           <a:xfrm>
             <a:off x="1006560" y="3425040"/>
-            <a:ext cx="3624120" cy="3019320"/>
+            <a:ext cx="3623760" cy="3018960"/>
           </a:xfrm>
           <a:prstGeom prst="roundRect">
             <a:avLst>
@@ -27601,7 +32404,7 @@
         <p:spPr>
           <a:xfrm>
             <a:off x="4968360" y="3506040"/>
-            <a:ext cx="3623760" cy="3018960"/>
+            <a:ext cx="3623400" cy="3018600"/>
           </a:xfrm>
           <a:prstGeom prst="roundRect">
             <a:avLst>
@@ -27663,7 +32466,7 @@
         <p:spPr>
           <a:xfrm>
             <a:off x="8849160" y="3506040"/>
-            <a:ext cx="3623760" cy="3018960"/>
+            <a:ext cx="3623400" cy="3018600"/>
           </a:xfrm>
           <a:prstGeom prst="roundRect">
             <a:avLst>
@@ -27725,7 +32528,7 @@
         <p:spPr>
           <a:xfrm>
             <a:off x="8767440" y="3425040"/>
-            <a:ext cx="3624120" cy="3019320"/>
+            <a:ext cx="3623760" cy="3018960"/>
           </a:xfrm>
           <a:prstGeom prst="roundRect">
             <a:avLst>
@@ -28236,7 +33039,7 @@
         <p:spPr>
           <a:xfrm>
             <a:off x="5224320" y="7104600"/>
-            <a:ext cx="3052080" cy="363960"/>
+            <a:ext cx="3051720" cy="363960"/>
           </a:xfrm>
           <a:prstGeom prst="rect">
             <a:avLst/>
@@ -28290,7 +33093,7 @@
         <p:spPr>
           <a:xfrm>
             <a:off x="4941000" y="3450960"/>
-            <a:ext cx="3624120" cy="3019320"/>
+            <a:ext cx="3623760" cy="3018960"/>
           </a:xfrm>
           <a:prstGeom prst="roundRect">
             <a:avLst>
@@ -28687,7 +33490,7 @@
         <p:spPr>
           <a:xfrm>
             <a:off x="16920" y="1800"/>
-            <a:ext cx="13431600" cy="7554960"/>
+            <a:ext cx="13431240" cy="7554600"/>
           </a:xfrm>
           <a:prstGeom prst="rect">
             <a:avLst/>
@@ -28747,7 +33550,7 @@
         <p:spPr>
           <a:xfrm>
             <a:off x="1440" y="1800"/>
-            <a:ext cx="15840" cy="7554960"/>
+            <a:ext cx="15480" cy="7554600"/>
           </a:xfrm>
           <a:prstGeom prst="rect">
             <a:avLst/>
@@ -28807,7 +33610,7 @@
         <p:spPr>
           <a:xfrm>
             <a:off x="1005480" y="1800"/>
-            <a:ext cx="15840" cy="7554960"/>
+            <a:ext cx="15480" cy="7554600"/>
           </a:xfrm>
           <a:prstGeom prst="rect">
             <a:avLst/>
@@ -28867,7 +33670,7 @@
         <p:spPr>
           <a:xfrm>
             <a:off x="2013480" y="1800"/>
-            <a:ext cx="15840" cy="7554960"/>
+            <a:ext cx="15480" cy="7554600"/>
           </a:xfrm>
           <a:prstGeom prst="rect">
             <a:avLst/>
@@ -28927,7 +33730,7 @@
         <p:spPr>
           <a:xfrm>
             <a:off x="3021480" y="1800"/>
-            <a:ext cx="15840" cy="7554960"/>
+            <a:ext cx="15480" cy="7554600"/>
           </a:xfrm>
           <a:prstGeom prst="rect">
             <a:avLst/>
@@ -28987,7 +33790,7 @@
         <p:spPr>
           <a:xfrm>
             <a:off x="4029480" y="1800"/>
-            <a:ext cx="15840" cy="7554960"/>
+            <a:ext cx="15480" cy="7554600"/>
           </a:xfrm>
           <a:prstGeom prst="rect">
             <a:avLst/>
@@ -29047,7 +33850,7 @@
         <p:spPr>
           <a:xfrm>
             <a:off x="5037480" y="1800"/>
-            <a:ext cx="15840" cy="7554960"/>
+            <a:ext cx="15480" cy="7554600"/>
           </a:xfrm>
           <a:prstGeom prst="rect">
             <a:avLst/>
@@ -29107,7 +33910,7 @@
         <p:spPr>
           <a:xfrm>
             <a:off x="6045480" y="1800"/>
-            <a:ext cx="15840" cy="7554960"/>
+            <a:ext cx="15480" cy="7554600"/>
           </a:xfrm>
           <a:prstGeom prst="rect">
             <a:avLst/>
@@ -29167,7 +33970,7 @@
         <p:spPr>
           <a:xfrm>
             <a:off x="7053480" y="1800"/>
-            <a:ext cx="15840" cy="7554960"/>
+            <a:ext cx="15480" cy="7554600"/>
           </a:xfrm>
           <a:prstGeom prst="rect">
             <a:avLst/>
@@ -29227,7 +34030,7 @@
         <p:spPr>
           <a:xfrm>
             <a:off x="8061480" y="1800"/>
-            <a:ext cx="15840" cy="7554960"/>
+            <a:ext cx="15480" cy="7554600"/>
           </a:xfrm>
           <a:prstGeom prst="rect">
             <a:avLst/>
@@ -29287,7 +34090,7 @@
         <p:spPr>
           <a:xfrm>
             <a:off x="9069480" y="1800"/>
-            <a:ext cx="15840" cy="7554960"/>
+            <a:ext cx="15480" cy="7554600"/>
           </a:xfrm>
           <a:prstGeom prst="rect">
             <a:avLst/>
@@ -29347,7 +34150,7 @@
         <p:spPr>
           <a:xfrm>
             <a:off x="10077480" y="1800"/>
-            <a:ext cx="15840" cy="7554960"/>
+            <a:ext cx="15480" cy="7554600"/>
           </a:xfrm>
           <a:prstGeom prst="rect">
             <a:avLst/>
@@ -29407,7 +34210,7 @@
         <p:spPr>
           <a:xfrm>
             <a:off x="11085480" y="1800"/>
-            <a:ext cx="15840" cy="7554960"/>
+            <a:ext cx="15480" cy="7554600"/>
           </a:xfrm>
           <a:prstGeom prst="rect">
             <a:avLst/>
@@ -29467,7 +34270,7 @@
         <p:spPr>
           <a:xfrm>
             <a:off x="12093480" y="1800"/>
-            <a:ext cx="15840" cy="7554960"/>
+            <a:ext cx="15480" cy="7554600"/>
           </a:xfrm>
           <a:prstGeom prst="rect">
             <a:avLst/>
@@ -29527,7 +34330,7 @@
         <p:spPr>
           <a:xfrm>
             <a:off x="13101480" y="1800"/>
-            <a:ext cx="15840" cy="7554960"/>
+            <a:ext cx="15480" cy="7554600"/>
           </a:xfrm>
           <a:prstGeom prst="rect">
             <a:avLst/>
@@ -29587,7 +34390,7 @@
         <p:spPr>
           <a:xfrm>
             <a:off x="1440" y="1800"/>
-            <a:ext cx="347760" cy="7554960"/>
+            <a:ext cx="347400" cy="7554600"/>
           </a:xfrm>
           <a:prstGeom prst="rect">
             <a:avLst/>
@@ -29647,7 +34450,7 @@
         <p:spPr>
           <a:xfrm>
             <a:off x="10884960" y="401400"/>
-            <a:ext cx="2212200" cy="548280"/>
+            <a:ext cx="2211840" cy="547920"/>
           </a:xfrm>
           <a:prstGeom prst="roundRect">
             <a:avLst>
@@ -29721,7 +34524,7 @@
         <p:spPr>
           <a:xfrm>
             <a:off x="3444480" y="1107360"/>
-            <a:ext cx="5217480" cy="729720"/>
+            <a:ext cx="5217120" cy="729720"/>
           </a:xfrm>
           <a:prstGeom prst="rect">
             <a:avLst/>
@@ -29785,7 +34588,7 @@
         <p:spPr>
           <a:xfrm>
             <a:off x="4513680" y="2266200"/>
-            <a:ext cx="3714840" cy="363960"/>
+            <a:ext cx="3714480" cy="363960"/>
           </a:xfrm>
           <a:prstGeom prst="rect">
             <a:avLst/>
@@ -29839,7 +34642,7 @@
         <p:spPr>
           <a:xfrm>
             <a:off x="1086840" y="3506040"/>
-            <a:ext cx="3623760" cy="3018960"/>
+            <a:ext cx="3623400" cy="3018600"/>
           </a:xfrm>
           <a:prstGeom prst="roundRect">
             <a:avLst>
@@ -29901,7 +34704,7 @@
         <p:spPr>
           <a:xfrm>
             <a:off x="1006560" y="3425040"/>
-            <a:ext cx="3624120" cy="3019320"/>
+            <a:ext cx="3623760" cy="3018960"/>
           </a:xfrm>
           <a:prstGeom prst="roundRect">
             <a:avLst>
@@ -30233,7 +35036,7 @@
         <p:spPr>
           <a:xfrm>
             <a:off x="4968360" y="3506040"/>
-            <a:ext cx="3623760" cy="3018960"/>
+            <a:ext cx="3623400" cy="3018600"/>
           </a:xfrm>
           <a:prstGeom prst="roundRect">
             <a:avLst>
@@ -30295,7 +35098,7 @@
         <p:spPr>
           <a:xfrm>
             <a:off x="8849160" y="3506040"/>
-            <a:ext cx="3623760" cy="3018960"/>
+            <a:ext cx="3623400" cy="3018600"/>
           </a:xfrm>
           <a:prstGeom prst="roundRect">
             <a:avLst>
@@ -30357,7 +35160,7 @@
         <p:spPr>
           <a:xfrm>
             <a:off x="8767440" y="3425040"/>
-            <a:ext cx="3624120" cy="3019320"/>
+            <a:ext cx="3623760" cy="3018960"/>
           </a:xfrm>
           <a:prstGeom prst="roundRect">
             <a:avLst>
@@ -30644,7 +35447,7 @@
         <p:spPr>
           <a:xfrm>
             <a:off x="5224320" y="7104600"/>
-            <a:ext cx="3052080" cy="363960"/>
+            <a:ext cx="3051720" cy="363960"/>
           </a:xfrm>
           <a:prstGeom prst="rect">
             <a:avLst/>
@@ -30698,7 +35501,7 @@
         <p:spPr>
           <a:xfrm>
             <a:off x="4941000" y="3450960"/>
-            <a:ext cx="3624120" cy="3019320"/>
+            <a:ext cx="3623760" cy="3018960"/>
           </a:xfrm>
           <a:prstGeom prst="roundRect">
             <a:avLst>

--- a/Java/Java #1/EN/Java #1.pptx
+++ b/Java/Java #1/EN/Java #1.pptx
@@ -19,6 +19,8 @@
     <p:sldId id="267" r:id="rId14"/>
     <p:sldId id="268" r:id="rId15"/>
     <p:sldId id="269" r:id="rId16"/>
+    <p:sldId id="270" r:id="rId17"/>
+    <p:sldId id="271" r:id="rId18"/>
   </p:sldIdLst>
   <p:sldSz cx="10080625" cy="7559675"/>
   <p:notesSz cx="7772400" cy="10058400"/>
@@ -76,7 +78,7 @@
         <p:txBody>
           <a:bodyPr/>
           <a:p>
-            <a:fld id="{70A88134-F982-489E-8DBF-37F35D0020CC}" type="slidenum">
+            <a:fld id="{09C238BA-9C90-482C-B5B0-C1444A078F89}" type="slidenum">
               <a:t>&lt;#&gt;</a:t>
             </a:fld>
           </a:p>
@@ -285,7 +287,7 @@
         <p:txBody>
           <a:bodyPr/>
           <a:p>
-            <a:fld id="{447881DC-1336-407E-B392-F52AF038D7AB}" type="slidenum">
+            <a:fld id="{01188678-F5B6-4498-A977-2BFCC915CC72}" type="slidenum">
               <a:t>&lt;#&gt;</a:t>
             </a:fld>
           </a:p>
@@ -580,7 +582,7 @@
         <p:txBody>
           <a:bodyPr/>
           <a:p>
-            <a:fld id="{77F92E3B-1555-43A7-B606-7766A9C649B0}" type="slidenum">
+            <a:fld id="{19774746-EE12-445E-8950-5BF2F09E8477}" type="slidenum">
               <a:t>&lt;#&gt;</a:t>
             </a:fld>
           </a:p>
@@ -961,7 +963,7 @@
         <p:txBody>
           <a:bodyPr/>
           <a:p>
-            <a:fld id="{2209F096-FEEF-4575-81A9-1209E87C156F}" type="slidenum">
+            <a:fld id="{A05BD7C1-CF2F-469D-9C53-44045F038051}" type="slidenum">
               <a:t>&lt;#&gt;</a:t>
             </a:fld>
           </a:p>
@@ -1124,7 +1126,7 @@
         <p:txBody>
           <a:bodyPr/>
           <a:p>
-            <a:fld id="{2A577FBF-3281-43BB-B5C6-5B142415631B}" type="slidenum">
+            <a:fld id="{956F1E61-20E3-4C4A-B4A0-D3BAFA2AA5B8}" type="slidenum">
               <a:t>&lt;#&gt;</a:t>
             </a:fld>
           </a:p>
@@ -1290,7 +1292,7 @@
         <p:txBody>
           <a:bodyPr/>
           <a:p>
-            <a:fld id="{883D2F9E-E621-4475-A2B3-7A2ECBCDD341}" type="slidenum">
+            <a:fld id="{B71B3704-E6DF-452D-9809-BCBEF5D10680}" type="slidenum">
               <a:t>&lt;#&gt;</a:t>
             </a:fld>
           </a:p>
@@ -1499,7 +1501,7 @@
         <p:txBody>
           <a:bodyPr/>
           <a:p>
-            <a:fld id="{904B4B1A-849F-4038-B451-9FA7F1668B56}" type="slidenum">
+            <a:fld id="{6CDD0AE3-DC92-439E-9DF4-0BD18A836767}" type="slidenum">
               <a:t>&lt;#&gt;</a:t>
             </a:fld>
           </a:p>
@@ -1622,7 +1624,7 @@
         <p:txBody>
           <a:bodyPr/>
           <a:p>
-            <a:fld id="{3D9193DF-6D2D-4081-9E8F-0009E1467B51}" type="slidenum">
+            <a:fld id="{7711FF80-48D5-434D-A582-B9849F81E2CD}" type="slidenum">
               <a:t>&lt;#&gt;</a:t>
             </a:fld>
           </a:p>
@@ -1743,7 +1745,7 @@
         <p:txBody>
           <a:bodyPr/>
           <a:p>
-            <a:fld id="{0D41C6D7-7E01-4299-9264-071045A345F7}" type="slidenum">
+            <a:fld id="{2F260D3B-9D0F-4877-864E-B4E703007025}" type="slidenum">
               <a:t>&lt;#&gt;</a:t>
             </a:fld>
           </a:p>
@@ -1995,7 +1997,7 @@
         <p:txBody>
           <a:bodyPr/>
           <a:p>
-            <a:fld id="{F41FA82A-93A1-4C8B-94C7-94287D3DF52D}" type="slidenum">
+            <a:fld id="{2C89D21C-79D3-4086-862D-5BF59F01EDC5}" type="slidenum">
               <a:t>&lt;#&gt;</a:t>
             </a:fld>
           </a:p>
@@ -2247,7 +2249,7 @@
         <p:txBody>
           <a:bodyPr/>
           <a:p>
-            <a:fld id="{623033C6-8EDA-4FBB-B683-DA2E58CC9A35}" type="slidenum">
+            <a:fld id="{45F4DA99-32D4-4B34-B8B1-BAA46003F848}" type="slidenum">
               <a:t>&lt;#&gt;</a:t>
             </a:fld>
           </a:p>
@@ -2499,7 +2501,7 @@
         <p:txBody>
           <a:bodyPr/>
           <a:p>
-            <a:fld id="{37507DCF-D4EC-47F0-AAD9-83DE1423BC5B}" type="slidenum">
+            <a:fld id="{498D0F16-D088-4523-8769-B829D1E09D61}" type="slidenum">
               <a:t>&lt;#&gt;</a:t>
             </a:fld>
           </a:p>
@@ -2568,7 +2570,7 @@
         <p:spPr>
           <a:xfrm>
             <a:off x="3442320" y="7005240"/>
-            <a:ext cx="3186360" cy="396720"/>
+            <a:ext cx="3186000" cy="396360"/>
           </a:xfrm>
           <a:prstGeom prst="rect">
             <a:avLst/>
@@ -2640,7 +2642,7 @@
         <p:spPr>
           <a:xfrm>
             <a:off x="7223040" y="7005240"/>
-            <a:ext cx="2346840" cy="396720"/>
+            <a:ext cx="2346480" cy="396360"/>
           </a:xfrm>
           <a:prstGeom prst="rect">
             <a:avLst/>
@@ -2681,7 +2683,7 @@
                 <a:tab algn="l" pos="0"/>
               </a:tabLst>
             </a:pPr>
-            <a:fld id="{87C5F9F0-4472-40D2-9A8A-66F751FD0D62}" type="slidenum">
+            <a:fld id="{4CFB5FD0-2767-4844-ADE6-771211F1EFF2}" type="slidenum">
               <a:rPr b="0" lang="en-US" sz="1200" spc="-1" strike="noStrike">
                 <a:solidFill>
                   <a:srgbClr val="8b8b8b"/>
@@ -2712,7 +2714,7 @@
         <p:spPr>
           <a:xfrm>
             <a:off x="502920" y="7005240"/>
-            <a:ext cx="2346840" cy="396720"/>
+            <a:ext cx="2346480" cy="396360"/>
           </a:xfrm>
           <a:prstGeom prst="rect">
             <a:avLst/>
@@ -3079,7 +3081,7 @@
         <p:spPr>
           <a:xfrm>
             <a:off x="1440" y="1800"/>
-            <a:ext cx="13431240" cy="7554600"/>
+            <a:ext cx="13430880" cy="7554240"/>
           </a:xfrm>
           <a:prstGeom prst="rect">
             <a:avLst/>
@@ -3139,7 +3141,7 @@
         <p:spPr>
           <a:xfrm>
             <a:off x="1440" y="1800"/>
-            <a:ext cx="15480" cy="7554600"/>
+            <a:ext cx="15120" cy="7554240"/>
           </a:xfrm>
           <a:prstGeom prst="rect">
             <a:avLst/>
@@ -3199,7 +3201,7 @@
         <p:spPr>
           <a:xfrm>
             <a:off x="1005480" y="1800"/>
-            <a:ext cx="15480" cy="7554600"/>
+            <a:ext cx="15120" cy="7554240"/>
           </a:xfrm>
           <a:prstGeom prst="rect">
             <a:avLst/>
@@ -3259,7 +3261,7 @@
         <p:spPr>
           <a:xfrm>
             <a:off x="2013480" y="1800"/>
-            <a:ext cx="15480" cy="7554600"/>
+            <a:ext cx="15120" cy="7554240"/>
           </a:xfrm>
           <a:prstGeom prst="rect">
             <a:avLst/>
@@ -3319,7 +3321,7 @@
         <p:spPr>
           <a:xfrm>
             <a:off x="3021480" y="1800"/>
-            <a:ext cx="15480" cy="7554600"/>
+            <a:ext cx="15120" cy="7554240"/>
           </a:xfrm>
           <a:prstGeom prst="rect">
             <a:avLst/>
@@ -3379,7 +3381,7 @@
         <p:spPr>
           <a:xfrm>
             <a:off x="4029480" y="1800"/>
-            <a:ext cx="15480" cy="7554600"/>
+            <a:ext cx="15120" cy="7554240"/>
           </a:xfrm>
           <a:prstGeom prst="rect">
             <a:avLst/>
@@ -3439,7 +3441,7 @@
         <p:spPr>
           <a:xfrm>
             <a:off x="5037480" y="1800"/>
-            <a:ext cx="15480" cy="7554600"/>
+            <a:ext cx="15120" cy="7554240"/>
           </a:xfrm>
           <a:prstGeom prst="rect">
             <a:avLst/>
@@ -3499,7 +3501,7 @@
         <p:spPr>
           <a:xfrm>
             <a:off x="6045480" y="1800"/>
-            <a:ext cx="15480" cy="7554600"/>
+            <a:ext cx="15120" cy="7554240"/>
           </a:xfrm>
           <a:prstGeom prst="rect">
             <a:avLst/>
@@ -3559,7 +3561,7 @@
         <p:spPr>
           <a:xfrm>
             <a:off x="7053480" y="1800"/>
-            <a:ext cx="15480" cy="7554600"/>
+            <a:ext cx="15120" cy="7554240"/>
           </a:xfrm>
           <a:prstGeom prst="rect">
             <a:avLst/>
@@ -3619,7 +3621,7 @@
         <p:spPr>
           <a:xfrm>
             <a:off x="8061480" y="1800"/>
-            <a:ext cx="15480" cy="7554600"/>
+            <a:ext cx="15120" cy="7554240"/>
           </a:xfrm>
           <a:prstGeom prst="rect">
             <a:avLst/>
@@ -3679,7 +3681,7 @@
         <p:spPr>
           <a:xfrm>
             <a:off x="9069480" y="1800"/>
-            <a:ext cx="15480" cy="7554600"/>
+            <a:ext cx="15120" cy="7554240"/>
           </a:xfrm>
           <a:prstGeom prst="rect">
             <a:avLst/>
@@ -3739,7 +3741,7 @@
         <p:spPr>
           <a:xfrm>
             <a:off x="10077480" y="1800"/>
-            <a:ext cx="15480" cy="7554600"/>
+            <a:ext cx="15120" cy="7554240"/>
           </a:xfrm>
           <a:prstGeom prst="rect">
             <a:avLst/>
@@ -3799,7 +3801,7 @@
         <p:spPr>
           <a:xfrm>
             <a:off x="11085480" y="1800"/>
-            <a:ext cx="15480" cy="7554600"/>
+            <a:ext cx="15120" cy="7554240"/>
           </a:xfrm>
           <a:prstGeom prst="rect">
             <a:avLst/>
@@ -3859,7 +3861,7 @@
         <p:spPr>
           <a:xfrm>
             <a:off x="12093480" y="1800"/>
-            <a:ext cx="15480" cy="7554600"/>
+            <a:ext cx="15120" cy="7554240"/>
           </a:xfrm>
           <a:prstGeom prst="rect">
             <a:avLst/>
@@ -3919,7 +3921,7 @@
         <p:spPr>
           <a:xfrm>
             <a:off x="13101480" y="1800"/>
-            <a:ext cx="15480" cy="7554600"/>
+            <a:ext cx="15120" cy="7554240"/>
           </a:xfrm>
           <a:prstGeom prst="rect">
             <a:avLst/>
@@ -3979,7 +3981,7 @@
         <p:spPr>
           <a:xfrm>
             <a:off x="1440" y="1800"/>
-            <a:ext cx="347400" cy="7554600"/>
+            <a:ext cx="347040" cy="7554240"/>
           </a:xfrm>
           <a:prstGeom prst="rect">
             <a:avLst/>
@@ -4039,7 +4041,7 @@
         <p:spPr>
           <a:xfrm>
             <a:off x="10884960" y="401400"/>
-            <a:ext cx="2211840" cy="547920"/>
+            <a:ext cx="2211480" cy="547560"/>
           </a:xfrm>
           <a:prstGeom prst="roundRect">
             <a:avLst>
@@ -4113,7 +4115,7 @@
         <p:spPr>
           <a:xfrm>
             <a:off x="4376880" y="1107000"/>
-            <a:ext cx="3335040" cy="820800"/>
+            <a:ext cx="3334680" cy="820800"/>
           </a:xfrm>
           <a:prstGeom prst="rect">
             <a:avLst/>
@@ -4167,7 +4169,7 @@
         <p:spPr>
           <a:xfrm>
             <a:off x="1824120" y="2266200"/>
-            <a:ext cx="9095760" cy="668520"/>
+            <a:ext cx="9095400" cy="668520"/>
           </a:xfrm>
           <a:prstGeom prst="rect">
             <a:avLst/>
@@ -4234,7 +4236,7 @@
         <p:spPr>
           <a:xfrm>
             <a:off x="1086840" y="3506040"/>
-            <a:ext cx="3623400" cy="3018600"/>
+            <a:ext cx="3623040" cy="3018240"/>
           </a:xfrm>
           <a:prstGeom prst="roundRect">
             <a:avLst>
@@ -4296,7 +4298,7 @@
         <p:spPr>
           <a:xfrm>
             <a:off x="1006560" y="3425760"/>
-            <a:ext cx="3623760" cy="3018960"/>
+            <a:ext cx="3623400" cy="3018600"/>
           </a:xfrm>
           <a:prstGeom prst="roundRect">
             <a:avLst>
@@ -4446,7 +4448,7 @@
         <p:spPr>
           <a:xfrm>
             <a:off x="4968360" y="3506040"/>
-            <a:ext cx="3623400" cy="3018600"/>
+            <a:ext cx="3623040" cy="3018240"/>
           </a:xfrm>
           <a:prstGeom prst="roundRect">
             <a:avLst>
@@ -4508,7 +4510,7 @@
         <p:spPr>
           <a:xfrm>
             <a:off x="4886640" y="3425760"/>
-            <a:ext cx="3623760" cy="3018960"/>
+            <a:ext cx="3623400" cy="3018600"/>
           </a:xfrm>
           <a:prstGeom prst="roundRect">
             <a:avLst>
@@ -4760,7 +4762,7 @@
         <p:spPr>
           <a:xfrm>
             <a:off x="8849160" y="3506040"/>
-            <a:ext cx="3623400" cy="3018600"/>
+            <a:ext cx="3623040" cy="3018240"/>
           </a:xfrm>
           <a:prstGeom prst="roundRect">
             <a:avLst>
@@ -4822,7 +4824,7 @@
         <p:spPr>
           <a:xfrm>
             <a:off x="8767440" y="3425760"/>
-            <a:ext cx="3623760" cy="3018960"/>
+            <a:ext cx="3623400" cy="3018600"/>
           </a:xfrm>
           <a:prstGeom prst="roundRect">
             <a:avLst>
@@ -4896,7 +4898,7 @@
         <p:spPr>
           <a:xfrm>
             <a:off x="5224320" y="7104600"/>
-            <a:ext cx="3051720" cy="363960"/>
+            <a:ext cx="3051360" cy="363960"/>
           </a:xfrm>
           <a:prstGeom prst="rect">
             <a:avLst/>
@@ -4980,7 +4982,7 @@
         <p:spPr>
           <a:xfrm>
             <a:off x="16920" y="1800"/>
-            <a:ext cx="13431240" cy="7554600"/>
+            <a:ext cx="13430880" cy="7554240"/>
           </a:xfrm>
           <a:prstGeom prst="rect">
             <a:avLst/>
@@ -5040,7 +5042,7 @@
         <p:spPr>
           <a:xfrm>
             <a:off x="1440" y="1800"/>
-            <a:ext cx="15480" cy="7554600"/>
+            <a:ext cx="15120" cy="7554240"/>
           </a:xfrm>
           <a:prstGeom prst="rect">
             <a:avLst/>
@@ -5100,7 +5102,7 @@
         <p:spPr>
           <a:xfrm>
             <a:off x="1005480" y="1800"/>
-            <a:ext cx="15480" cy="7554600"/>
+            <a:ext cx="15120" cy="7554240"/>
           </a:xfrm>
           <a:prstGeom prst="rect">
             <a:avLst/>
@@ -5160,7 +5162,7 @@
         <p:spPr>
           <a:xfrm>
             <a:off x="2013480" y="1800"/>
-            <a:ext cx="15480" cy="7554600"/>
+            <a:ext cx="15120" cy="7554240"/>
           </a:xfrm>
           <a:prstGeom prst="rect">
             <a:avLst/>
@@ -5220,7 +5222,7 @@
         <p:spPr>
           <a:xfrm>
             <a:off x="3021480" y="1800"/>
-            <a:ext cx="15480" cy="7554600"/>
+            <a:ext cx="15120" cy="7554240"/>
           </a:xfrm>
           <a:prstGeom prst="rect">
             <a:avLst/>
@@ -5280,7 +5282,7 @@
         <p:spPr>
           <a:xfrm>
             <a:off x="4029480" y="1800"/>
-            <a:ext cx="15480" cy="7554600"/>
+            <a:ext cx="15120" cy="7554240"/>
           </a:xfrm>
           <a:prstGeom prst="rect">
             <a:avLst/>
@@ -5340,7 +5342,7 @@
         <p:spPr>
           <a:xfrm>
             <a:off x="5037480" y="1800"/>
-            <a:ext cx="15480" cy="7554600"/>
+            <a:ext cx="15120" cy="7554240"/>
           </a:xfrm>
           <a:prstGeom prst="rect">
             <a:avLst/>
@@ -5400,7 +5402,7 @@
         <p:spPr>
           <a:xfrm>
             <a:off x="6045480" y="1800"/>
-            <a:ext cx="15480" cy="7554600"/>
+            <a:ext cx="15120" cy="7554240"/>
           </a:xfrm>
           <a:prstGeom prst="rect">
             <a:avLst/>
@@ -5460,7 +5462,7 @@
         <p:spPr>
           <a:xfrm>
             <a:off x="7053480" y="1800"/>
-            <a:ext cx="15480" cy="7554600"/>
+            <a:ext cx="15120" cy="7554240"/>
           </a:xfrm>
           <a:prstGeom prst="rect">
             <a:avLst/>
@@ -5520,7 +5522,7 @@
         <p:spPr>
           <a:xfrm>
             <a:off x="8061480" y="1800"/>
-            <a:ext cx="15480" cy="7554600"/>
+            <a:ext cx="15120" cy="7554240"/>
           </a:xfrm>
           <a:prstGeom prst="rect">
             <a:avLst/>
@@ -5580,7 +5582,7 @@
         <p:spPr>
           <a:xfrm>
             <a:off x="9069480" y="1800"/>
-            <a:ext cx="15480" cy="7554600"/>
+            <a:ext cx="15120" cy="7554240"/>
           </a:xfrm>
           <a:prstGeom prst="rect">
             <a:avLst/>
@@ -5640,7 +5642,7 @@
         <p:spPr>
           <a:xfrm>
             <a:off x="10077480" y="1800"/>
-            <a:ext cx="15480" cy="7554600"/>
+            <a:ext cx="15120" cy="7554240"/>
           </a:xfrm>
           <a:prstGeom prst="rect">
             <a:avLst/>
@@ -5700,7 +5702,7 @@
         <p:spPr>
           <a:xfrm>
             <a:off x="11085480" y="1800"/>
-            <a:ext cx="15480" cy="7554600"/>
+            <a:ext cx="15120" cy="7554240"/>
           </a:xfrm>
           <a:prstGeom prst="rect">
             <a:avLst/>
@@ -5760,7 +5762,7 @@
         <p:spPr>
           <a:xfrm>
             <a:off x="12093480" y="1800"/>
-            <a:ext cx="15480" cy="7554600"/>
+            <a:ext cx="15120" cy="7554240"/>
           </a:xfrm>
           <a:prstGeom prst="rect">
             <a:avLst/>
@@ -5820,7 +5822,7 @@
         <p:spPr>
           <a:xfrm>
             <a:off x="13101480" y="1800"/>
-            <a:ext cx="15480" cy="7554600"/>
+            <a:ext cx="15120" cy="7554240"/>
           </a:xfrm>
           <a:prstGeom prst="rect">
             <a:avLst/>
@@ -5880,7 +5882,7 @@
         <p:spPr>
           <a:xfrm>
             <a:off x="1440" y="1800"/>
-            <a:ext cx="347400" cy="7554600"/>
+            <a:ext cx="347040" cy="7554240"/>
           </a:xfrm>
           <a:prstGeom prst="rect">
             <a:avLst/>
@@ -5940,7 +5942,7 @@
         <p:spPr>
           <a:xfrm>
             <a:off x="10884960" y="401400"/>
-            <a:ext cx="2211840" cy="547920"/>
+            <a:ext cx="2211480" cy="547560"/>
           </a:xfrm>
           <a:prstGeom prst="roundRect">
             <a:avLst>
@@ -6014,7 +6016,7 @@
         <p:spPr>
           <a:xfrm>
             <a:off x="2260440" y="1107360"/>
-            <a:ext cx="7588440" cy="729720"/>
+            <a:ext cx="7588080" cy="729720"/>
           </a:xfrm>
           <a:prstGeom prst="rect">
             <a:avLst/>
@@ -6078,7 +6080,7 @@
         <p:spPr>
           <a:xfrm>
             <a:off x="4847040" y="2266200"/>
-            <a:ext cx="3047040" cy="363960"/>
+            <a:ext cx="3046680" cy="363960"/>
           </a:xfrm>
           <a:prstGeom prst="rect">
             <a:avLst/>
@@ -6132,7 +6134,7 @@
         <p:spPr>
           <a:xfrm>
             <a:off x="1086840" y="3506040"/>
-            <a:ext cx="3623400" cy="3018600"/>
+            <a:ext cx="3623040" cy="3018240"/>
           </a:xfrm>
           <a:prstGeom prst="roundRect">
             <a:avLst>
@@ -6194,7 +6196,7 @@
         <p:spPr>
           <a:xfrm>
             <a:off x="1006560" y="3424320"/>
-            <a:ext cx="3623760" cy="3018960"/>
+            <a:ext cx="3623400" cy="3018600"/>
           </a:xfrm>
           <a:prstGeom prst="roundRect">
             <a:avLst>
@@ -6432,7 +6434,7 @@
         <p:spPr>
           <a:xfrm>
             <a:off x="4968360" y="3506040"/>
-            <a:ext cx="3623400" cy="3018600"/>
+            <a:ext cx="3623040" cy="3018240"/>
           </a:xfrm>
           <a:prstGeom prst="roundRect">
             <a:avLst>
@@ -6494,7 +6496,7 @@
         <p:spPr>
           <a:xfrm>
             <a:off x="8849160" y="3506040"/>
-            <a:ext cx="3623400" cy="3018600"/>
+            <a:ext cx="3623040" cy="3018240"/>
           </a:xfrm>
           <a:prstGeom prst="roundRect">
             <a:avLst>
@@ -6556,7 +6558,7 @@
         <p:spPr>
           <a:xfrm>
             <a:off x="8767440" y="3425040"/>
-            <a:ext cx="3623760" cy="3018960"/>
+            <a:ext cx="3623400" cy="3018600"/>
           </a:xfrm>
           <a:prstGeom prst="roundRect">
             <a:avLst>
@@ -6856,7 +6858,7 @@
         <p:spPr>
           <a:xfrm>
             <a:off x="5224320" y="7104600"/>
-            <a:ext cx="3051720" cy="363960"/>
+            <a:ext cx="3051360" cy="363960"/>
           </a:xfrm>
           <a:prstGeom prst="rect">
             <a:avLst/>
@@ -6910,7 +6912,7 @@
         <p:spPr>
           <a:xfrm>
             <a:off x="4941000" y="3450960"/>
-            <a:ext cx="3623760" cy="3018960"/>
+            <a:ext cx="3623400" cy="3018600"/>
           </a:xfrm>
           <a:prstGeom prst="roundRect">
             <a:avLst>
@@ -7165,7 +7167,7 @@
         <p:spPr>
           <a:xfrm>
             <a:off x="16920" y="1800"/>
-            <a:ext cx="13431240" cy="7554600"/>
+            <a:ext cx="13430880" cy="7554240"/>
           </a:xfrm>
           <a:prstGeom prst="rect">
             <a:avLst/>
@@ -7225,7 +7227,7 @@
         <p:spPr>
           <a:xfrm>
             <a:off x="1440" y="1800"/>
-            <a:ext cx="15480" cy="7554600"/>
+            <a:ext cx="15120" cy="7554240"/>
           </a:xfrm>
           <a:prstGeom prst="rect">
             <a:avLst/>
@@ -7285,7 +7287,7 @@
         <p:spPr>
           <a:xfrm>
             <a:off x="1005480" y="1800"/>
-            <a:ext cx="15480" cy="7554600"/>
+            <a:ext cx="15120" cy="7554240"/>
           </a:xfrm>
           <a:prstGeom prst="rect">
             <a:avLst/>
@@ -7345,7 +7347,7 @@
         <p:spPr>
           <a:xfrm>
             <a:off x="2013480" y="1800"/>
-            <a:ext cx="15480" cy="7554600"/>
+            <a:ext cx="15120" cy="7554240"/>
           </a:xfrm>
           <a:prstGeom prst="rect">
             <a:avLst/>
@@ -7405,7 +7407,7 @@
         <p:spPr>
           <a:xfrm>
             <a:off x="3021480" y="1800"/>
-            <a:ext cx="15480" cy="7554600"/>
+            <a:ext cx="15120" cy="7554240"/>
           </a:xfrm>
           <a:prstGeom prst="rect">
             <a:avLst/>
@@ -7465,7 +7467,7 @@
         <p:spPr>
           <a:xfrm>
             <a:off x="4029480" y="1800"/>
-            <a:ext cx="15480" cy="7554600"/>
+            <a:ext cx="15120" cy="7554240"/>
           </a:xfrm>
           <a:prstGeom prst="rect">
             <a:avLst/>
@@ -7525,7 +7527,7 @@
         <p:spPr>
           <a:xfrm>
             <a:off x="5037480" y="1800"/>
-            <a:ext cx="15480" cy="7554600"/>
+            <a:ext cx="15120" cy="7554240"/>
           </a:xfrm>
           <a:prstGeom prst="rect">
             <a:avLst/>
@@ -7585,7 +7587,7 @@
         <p:spPr>
           <a:xfrm>
             <a:off x="6045480" y="1800"/>
-            <a:ext cx="15480" cy="7554600"/>
+            <a:ext cx="15120" cy="7554240"/>
           </a:xfrm>
           <a:prstGeom prst="rect">
             <a:avLst/>
@@ -7645,7 +7647,7 @@
         <p:spPr>
           <a:xfrm>
             <a:off x="7053480" y="1800"/>
-            <a:ext cx="15480" cy="7554600"/>
+            <a:ext cx="15120" cy="7554240"/>
           </a:xfrm>
           <a:prstGeom prst="rect">
             <a:avLst/>
@@ -7705,7 +7707,7 @@
         <p:spPr>
           <a:xfrm>
             <a:off x="8061480" y="1800"/>
-            <a:ext cx="15480" cy="7554600"/>
+            <a:ext cx="15120" cy="7554240"/>
           </a:xfrm>
           <a:prstGeom prst="rect">
             <a:avLst/>
@@ -7765,7 +7767,7 @@
         <p:spPr>
           <a:xfrm>
             <a:off x="9069480" y="1800"/>
-            <a:ext cx="15480" cy="7554600"/>
+            <a:ext cx="15120" cy="7554240"/>
           </a:xfrm>
           <a:prstGeom prst="rect">
             <a:avLst/>
@@ -7825,7 +7827,7 @@
         <p:spPr>
           <a:xfrm>
             <a:off x="10077480" y="1800"/>
-            <a:ext cx="15480" cy="7554600"/>
+            <a:ext cx="15120" cy="7554240"/>
           </a:xfrm>
           <a:prstGeom prst="rect">
             <a:avLst/>
@@ -7885,7 +7887,7 @@
         <p:spPr>
           <a:xfrm>
             <a:off x="11085480" y="1800"/>
-            <a:ext cx="15480" cy="7554600"/>
+            <a:ext cx="15120" cy="7554240"/>
           </a:xfrm>
           <a:prstGeom prst="rect">
             <a:avLst/>
@@ -7945,7 +7947,7 @@
         <p:spPr>
           <a:xfrm>
             <a:off x="12093480" y="1800"/>
-            <a:ext cx="15480" cy="7554600"/>
+            <a:ext cx="15120" cy="7554240"/>
           </a:xfrm>
           <a:prstGeom prst="rect">
             <a:avLst/>
@@ -8005,7 +8007,7 @@
         <p:spPr>
           <a:xfrm>
             <a:off x="13101480" y="1800"/>
-            <a:ext cx="15480" cy="7554600"/>
+            <a:ext cx="15120" cy="7554240"/>
           </a:xfrm>
           <a:prstGeom prst="rect">
             <a:avLst/>
@@ -8065,7 +8067,7 @@
         <p:spPr>
           <a:xfrm>
             <a:off x="1440" y="1800"/>
-            <a:ext cx="347400" cy="7554600"/>
+            <a:ext cx="347040" cy="7554240"/>
           </a:xfrm>
           <a:prstGeom prst="rect">
             <a:avLst/>
@@ -8125,7 +8127,7 @@
         <p:spPr>
           <a:xfrm>
             <a:off x="10884960" y="401400"/>
-            <a:ext cx="2211840" cy="547920"/>
+            <a:ext cx="2211480" cy="547560"/>
           </a:xfrm>
           <a:prstGeom prst="roundRect">
             <a:avLst>
@@ -8317,7 +8319,7 @@
         <p:spPr>
           <a:xfrm>
             <a:off x="1086840" y="3506040"/>
-            <a:ext cx="3623400" cy="3018600"/>
+            <a:ext cx="3623040" cy="3018240"/>
           </a:xfrm>
           <a:prstGeom prst="roundRect">
             <a:avLst>
@@ -8379,7 +8381,7 @@
         <p:spPr>
           <a:xfrm>
             <a:off x="1006560" y="3424320"/>
-            <a:ext cx="3623760" cy="3018960"/>
+            <a:ext cx="3623400" cy="3018600"/>
           </a:xfrm>
           <a:prstGeom prst="roundRect">
             <a:avLst>
@@ -8697,7 +8699,7 @@
         <p:spPr>
           <a:xfrm>
             <a:off x="4968360" y="3506040"/>
-            <a:ext cx="3623400" cy="3018600"/>
+            <a:ext cx="3623040" cy="3018240"/>
           </a:xfrm>
           <a:prstGeom prst="roundRect">
             <a:avLst>
@@ -8759,7 +8761,7 @@
         <p:spPr>
           <a:xfrm>
             <a:off x="8849160" y="3506040"/>
-            <a:ext cx="3623400" cy="3018600"/>
+            <a:ext cx="3623040" cy="3018240"/>
           </a:xfrm>
           <a:prstGeom prst="roundRect">
             <a:avLst>
@@ -8821,7 +8823,7 @@
         <p:spPr>
           <a:xfrm>
             <a:off x="8767440" y="3425040"/>
-            <a:ext cx="3623760" cy="3018960"/>
+            <a:ext cx="3623400" cy="3018600"/>
           </a:xfrm>
           <a:prstGeom prst="roundRect">
             <a:avLst>
@@ -9351,7 +9353,7 @@
         <p:spPr>
           <a:xfrm>
             <a:off x="5224320" y="7104600"/>
-            <a:ext cx="3051720" cy="363960"/>
+            <a:ext cx="3051360" cy="363960"/>
           </a:xfrm>
           <a:prstGeom prst="rect">
             <a:avLst/>
@@ -9405,7 +9407,7 @@
         <p:spPr>
           <a:xfrm>
             <a:off x="4941000" y="3450960"/>
-            <a:ext cx="3623760" cy="3018960"/>
+            <a:ext cx="3623400" cy="3018600"/>
           </a:xfrm>
           <a:prstGeom prst="roundRect">
             <a:avLst>
@@ -9687,7 +9689,7 @@
         <p:spPr>
           <a:xfrm>
             <a:off x="16920" y="1800"/>
-            <a:ext cx="13431240" cy="7554600"/>
+            <a:ext cx="13430880" cy="7554240"/>
           </a:xfrm>
           <a:prstGeom prst="rect">
             <a:avLst/>
@@ -9747,7 +9749,7 @@
         <p:spPr>
           <a:xfrm>
             <a:off x="1440" y="1800"/>
-            <a:ext cx="15480" cy="7554600"/>
+            <a:ext cx="15120" cy="7554240"/>
           </a:xfrm>
           <a:prstGeom prst="rect">
             <a:avLst/>
@@ -9807,7 +9809,7 @@
         <p:spPr>
           <a:xfrm>
             <a:off x="1005480" y="1800"/>
-            <a:ext cx="15480" cy="7554600"/>
+            <a:ext cx="15120" cy="7554240"/>
           </a:xfrm>
           <a:prstGeom prst="rect">
             <a:avLst/>
@@ -9867,7 +9869,7 @@
         <p:spPr>
           <a:xfrm>
             <a:off x="2013480" y="1800"/>
-            <a:ext cx="15480" cy="7554600"/>
+            <a:ext cx="15120" cy="7554240"/>
           </a:xfrm>
           <a:prstGeom prst="rect">
             <a:avLst/>
@@ -9927,7 +9929,7 @@
         <p:spPr>
           <a:xfrm>
             <a:off x="3021480" y="1800"/>
-            <a:ext cx="15480" cy="7554600"/>
+            <a:ext cx="15120" cy="7554240"/>
           </a:xfrm>
           <a:prstGeom prst="rect">
             <a:avLst/>
@@ -9987,7 +9989,7 @@
         <p:spPr>
           <a:xfrm>
             <a:off x="4029480" y="1800"/>
-            <a:ext cx="15480" cy="7554600"/>
+            <a:ext cx="15120" cy="7554240"/>
           </a:xfrm>
           <a:prstGeom prst="rect">
             <a:avLst/>
@@ -10047,7 +10049,7 @@
         <p:spPr>
           <a:xfrm>
             <a:off x="5037480" y="1800"/>
-            <a:ext cx="15480" cy="7554600"/>
+            <a:ext cx="15120" cy="7554240"/>
           </a:xfrm>
           <a:prstGeom prst="rect">
             <a:avLst/>
@@ -10107,7 +10109,7 @@
         <p:spPr>
           <a:xfrm>
             <a:off x="6045480" y="1800"/>
-            <a:ext cx="15480" cy="7554600"/>
+            <a:ext cx="15120" cy="7554240"/>
           </a:xfrm>
           <a:prstGeom prst="rect">
             <a:avLst/>
@@ -10167,7 +10169,7 @@
         <p:spPr>
           <a:xfrm>
             <a:off x="7053480" y="1800"/>
-            <a:ext cx="15480" cy="7554600"/>
+            <a:ext cx="15120" cy="7554240"/>
           </a:xfrm>
           <a:prstGeom prst="rect">
             <a:avLst/>
@@ -10227,7 +10229,7 @@
         <p:spPr>
           <a:xfrm>
             <a:off x="8061480" y="1800"/>
-            <a:ext cx="15480" cy="7554600"/>
+            <a:ext cx="15120" cy="7554240"/>
           </a:xfrm>
           <a:prstGeom prst="rect">
             <a:avLst/>
@@ -10287,7 +10289,7 @@
         <p:spPr>
           <a:xfrm>
             <a:off x="9069480" y="1800"/>
-            <a:ext cx="15480" cy="7554600"/>
+            <a:ext cx="15120" cy="7554240"/>
           </a:xfrm>
           <a:prstGeom prst="rect">
             <a:avLst/>
@@ -10347,7 +10349,7 @@
         <p:spPr>
           <a:xfrm>
             <a:off x="10077480" y="1800"/>
-            <a:ext cx="15480" cy="7554600"/>
+            <a:ext cx="15120" cy="7554240"/>
           </a:xfrm>
           <a:prstGeom prst="rect">
             <a:avLst/>
@@ -10407,7 +10409,7 @@
         <p:spPr>
           <a:xfrm>
             <a:off x="11085480" y="1800"/>
-            <a:ext cx="15480" cy="7554600"/>
+            <a:ext cx="15120" cy="7554240"/>
           </a:xfrm>
           <a:prstGeom prst="rect">
             <a:avLst/>
@@ -10467,7 +10469,7 @@
         <p:spPr>
           <a:xfrm>
             <a:off x="12093480" y="1800"/>
-            <a:ext cx="15480" cy="7554600"/>
+            <a:ext cx="15120" cy="7554240"/>
           </a:xfrm>
           <a:prstGeom prst="rect">
             <a:avLst/>
@@ -10527,7 +10529,7 @@
         <p:spPr>
           <a:xfrm>
             <a:off x="13101480" y="1800"/>
-            <a:ext cx="15480" cy="7554600"/>
+            <a:ext cx="15120" cy="7554240"/>
           </a:xfrm>
           <a:prstGeom prst="rect">
             <a:avLst/>
@@ -10587,7 +10589,7 @@
         <p:spPr>
           <a:xfrm>
             <a:off x="1440" y="1800"/>
-            <a:ext cx="347400" cy="7554600"/>
+            <a:ext cx="347040" cy="7554240"/>
           </a:xfrm>
           <a:prstGeom prst="rect">
             <a:avLst/>
@@ -10647,7 +10649,7 @@
         <p:spPr>
           <a:xfrm>
             <a:off x="10884960" y="401400"/>
-            <a:ext cx="2211840" cy="547920"/>
+            <a:ext cx="2211480" cy="547560"/>
           </a:xfrm>
           <a:prstGeom prst="roundRect">
             <a:avLst>
@@ -10785,7 +10787,7 @@
         <p:spPr>
           <a:xfrm>
             <a:off x="4301280" y="2266200"/>
-            <a:ext cx="4138560" cy="363960"/>
+            <a:ext cx="4138200" cy="363960"/>
           </a:xfrm>
           <a:prstGeom prst="rect">
             <a:avLst/>
@@ -10839,7 +10841,7 @@
         <p:spPr>
           <a:xfrm>
             <a:off x="1086840" y="3506040"/>
-            <a:ext cx="3623400" cy="3018600"/>
+            <a:ext cx="3623040" cy="3018240"/>
           </a:xfrm>
           <a:prstGeom prst="roundRect">
             <a:avLst>
@@ -10901,7 +10903,7 @@
         <p:spPr>
           <a:xfrm>
             <a:off x="1006560" y="3424320"/>
-            <a:ext cx="3623760" cy="3018960"/>
+            <a:ext cx="3623400" cy="3018600"/>
           </a:xfrm>
           <a:prstGeom prst="roundRect">
             <a:avLst>
@@ -11166,7 +11168,7 @@
         <p:spPr>
           <a:xfrm>
             <a:off x="4968360" y="3506040"/>
-            <a:ext cx="3623400" cy="3018600"/>
+            <a:ext cx="3623040" cy="3018240"/>
           </a:xfrm>
           <a:prstGeom prst="roundRect">
             <a:avLst>
@@ -11228,7 +11230,7 @@
         <p:spPr>
           <a:xfrm>
             <a:off x="8849160" y="3506040"/>
-            <a:ext cx="3623400" cy="3018600"/>
+            <a:ext cx="3623040" cy="3018240"/>
           </a:xfrm>
           <a:prstGeom prst="roundRect">
             <a:avLst>
@@ -11290,7 +11292,7 @@
         <p:spPr>
           <a:xfrm>
             <a:off x="8767440" y="3425040"/>
-            <a:ext cx="3623760" cy="3018960"/>
+            <a:ext cx="3623400" cy="3018600"/>
           </a:xfrm>
           <a:prstGeom prst="roundRect">
             <a:avLst>
@@ -11635,7 +11637,7 @@
         <p:spPr>
           <a:xfrm>
             <a:off x="5224320" y="7104600"/>
-            <a:ext cx="3051720" cy="363960"/>
+            <a:ext cx="3051360" cy="363960"/>
           </a:xfrm>
           <a:prstGeom prst="rect">
             <a:avLst/>
@@ -11689,7 +11691,7 @@
         <p:spPr>
           <a:xfrm>
             <a:off x="4941000" y="3450960"/>
-            <a:ext cx="3623760" cy="3018960"/>
+            <a:ext cx="3623400" cy="3018600"/>
           </a:xfrm>
           <a:prstGeom prst="roundRect">
             <a:avLst>
@@ -11984,7 +11986,7 @@
         <p:spPr>
           <a:xfrm>
             <a:off x="16920" y="1800"/>
-            <a:ext cx="13431240" cy="7554600"/>
+            <a:ext cx="13430880" cy="7554240"/>
           </a:xfrm>
           <a:prstGeom prst="rect">
             <a:avLst/>
@@ -12020,6 +12022,11 @@
             <a:noAutofit/>
           </a:bodyPr>
           <a:p>
+            <a:pPr>
+              <a:lnSpc>
+                <a:spcPct val="100000"/>
+              </a:lnSpc>
+            </a:pPr>
             <a:endParaRPr b="0" lang="en-US" sz="1800" spc="-1" strike="noStrike">
               <a:solidFill>
                 <a:schemeClr val="lt1"/>
@@ -12039,7 +12046,7 @@
         <p:spPr>
           <a:xfrm>
             <a:off x="1440" y="1800"/>
-            <a:ext cx="15480" cy="7554600"/>
+            <a:ext cx="15120" cy="7554240"/>
           </a:xfrm>
           <a:prstGeom prst="rect">
             <a:avLst/>
@@ -12075,6 +12082,11 @@
             <a:noAutofit/>
           </a:bodyPr>
           <a:p>
+            <a:pPr>
+              <a:lnSpc>
+                <a:spcPct val="100000"/>
+              </a:lnSpc>
+            </a:pPr>
             <a:endParaRPr b="0" lang="en-US" sz="1800" spc="-1" strike="noStrike">
               <a:solidFill>
                 <a:schemeClr val="lt1"/>
@@ -12094,7 +12106,7 @@
         <p:spPr>
           <a:xfrm>
             <a:off x="1005480" y="1800"/>
-            <a:ext cx="15480" cy="7554600"/>
+            <a:ext cx="15120" cy="7554240"/>
           </a:xfrm>
           <a:prstGeom prst="rect">
             <a:avLst/>
@@ -12130,6 +12142,11 @@
             <a:noAutofit/>
           </a:bodyPr>
           <a:p>
+            <a:pPr>
+              <a:lnSpc>
+                <a:spcPct val="100000"/>
+              </a:lnSpc>
+            </a:pPr>
             <a:endParaRPr b="0" lang="en-US" sz="1800" spc="-1" strike="noStrike">
               <a:solidFill>
                 <a:schemeClr val="lt1"/>
@@ -12149,7 +12166,7 @@
         <p:spPr>
           <a:xfrm>
             <a:off x="2013480" y="1800"/>
-            <a:ext cx="15480" cy="7554600"/>
+            <a:ext cx="15120" cy="7554240"/>
           </a:xfrm>
           <a:prstGeom prst="rect">
             <a:avLst/>
@@ -12185,6 +12202,11 @@
             <a:noAutofit/>
           </a:bodyPr>
           <a:p>
+            <a:pPr>
+              <a:lnSpc>
+                <a:spcPct val="100000"/>
+              </a:lnSpc>
+            </a:pPr>
             <a:endParaRPr b="0" lang="en-US" sz="1800" spc="-1" strike="noStrike">
               <a:solidFill>
                 <a:schemeClr val="lt1"/>
@@ -12204,7 +12226,7 @@
         <p:spPr>
           <a:xfrm>
             <a:off x="3021480" y="1800"/>
-            <a:ext cx="15480" cy="7554600"/>
+            <a:ext cx="15120" cy="7554240"/>
           </a:xfrm>
           <a:prstGeom prst="rect">
             <a:avLst/>
@@ -12240,6 +12262,11 @@
             <a:noAutofit/>
           </a:bodyPr>
           <a:p>
+            <a:pPr>
+              <a:lnSpc>
+                <a:spcPct val="100000"/>
+              </a:lnSpc>
+            </a:pPr>
             <a:endParaRPr b="0" lang="en-US" sz="1800" spc="-1" strike="noStrike">
               <a:solidFill>
                 <a:schemeClr val="lt1"/>
@@ -12259,7 +12286,7 @@
         <p:spPr>
           <a:xfrm>
             <a:off x="4029480" y="1800"/>
-            <a:ext cx="15480" cy="7554600"/>
+            <a:ext cx="15120" cy="7554240"/>
           </a:xfrm>
           <a:prstGeom prst="rect">
             <a:avLst/>
@@ -12295,6 +12322,11 @@
             <a:noAutofit/>
           </a:bodyPr>
           <a:p>
+            <a:pPr>
+              <a:lnSpc>
+                <a:spcPct val="100000"/>
+              </a:lnSpc>
+            </a:pPr>
             <a:endParaRPr b="0" lang="en-US" sz="1800" spc="-1" strike="noStrike">
               <a:solidFill>
                 <a:schemeClr val="lt1"/>
@@ -12314,7 +12346,7 @@
         <p:spPr>
           <a:xfrm>
             <a:off x="5037480" y="1800"/>
-            <a:ext cx="15480" cy="7554600"/>
+            <a:ext cx="15120" cy="7554240"/>
           </a:xfrm>
           <a:prstGeom prst="rect">
             <a:avLst/>
@@ -12350,6 +12382,11 @@
             <a:noAutofit/>
           </a:bodyPr>
           <a:p>
+            <a:pPr>
+              <a:lnSpc>
+                <a:spcPct val="100000"/>
+              </a:lnSpc>
+            </a:pPr>
             <a:endParaRPr b="0" lang="en-US" sz="1800" spc="-1" strike="noStrike">
               <a:solidFill>
                 <a:schemeClr val="lt1"/>
@@ -12369,7 +12406,7 @@
         <p:spPr>
           <a:xfrm>
             <a:off x="6045480" y="1800"/>
-            <a:ext cx="15480" cy="7554600"/>
+            <a:ext cx="15120" cy="7554240"/>
           </a:xfrm>
           <a:prstGeom prst="rect">
             <a:avLst/>
@@ -12405,6 +12442,11 @@
             <a:noAutofit/>
           </a:bodyPr>
           <a:p>
+            <a:pPr>
+              <a:lnSpc>
+                <a:spcPct val="100000"/>
+              </a:lnSpc>
+            </a:pPr>
             <a:endParaRPr b="0" lang="en-US" sz="1800" spc="-1" strike="noStrike">
               <a:solidFill>
                 <a:schemeClr val="lt1"/>
@@ -12424,7 +12466,7 @@
         <p:spPr>
           <a:xfrm>
             <a:off x="7053480" y="1800"/>
-            <a:ext cx="15480" cy="7554600"/>
+            <a:ext cx="15120" cy="7554240"/>
           </a:xfrm>
           <a:prstGeom prst="rect">
             <a:avLst/>
@@ -12460,6 +12502,11 @@
             <a:noAutofit/>
           </a:bodyPr>
           <a:p>
+            <a:pPr>
+              <a:lnSpc>
+                <a:spcPct val="100000"/>
+              </a:lnSpc>
+            </a:pPr>
             <a:endParaRPr b="0" lang="en-US" sz="1800" spc="-1" strike="noStrike">
               <a:solidFill>
                 <a:schemeClr val="lt1"/>
@@ -12479,7 +12526,7 @@
         <p:spPr>
           <a:xfrm>
             <a:off x="8061480" y="1800"/>
-            <a:ext cx="15480" cy="7554600"/>
+            <a:ext cx="15120" cy="7554240"/>
           </a:xfrm>
           <a:prstGeom prst="rect">
             <a:avLst/>
@@ -12515,6 +12562,11 @@
             <a:noAutofit/>
           </a:bodyPr>
           <a:p>
+            <a:pPr>
+              <a:lnSpc>
+                <a:spcPct val="100000"/>
+              </a:lnSpc>
+            </a:pPr>
             <a:endParaRPr b="0" lang="en-US" sz="1800" spc="-1" strike="noStrike">
               <a:solidFill>
                 <a:schemeClr val="lt1"/>
@@ -12534,7 +12586,7 @@
         <p:spPr>
           <a:xfrm>
             <a:off x="9069480" y="1800"/>
-            <a:ext cx="15480" cy="7554600"/>
+            <a:ext cx="15120" cy="7554240"/>
           </a:xfrm>
           <a:prstGeom prst="rect">
             <a:avLst/>
@@ -12570,6 +12622,11 @@
             <a:noAutofit/>
           </a:bodyPr>
           <a:p>
+            <a:pPr>
+              <a:lnSpc>
+                <a:spcPct val="100000"/>
+              </a:lnSpc>
+            </a:pPr>
             <a:endParaRPr b="0" lang="en-US" sz="1800" spc="-1" strike="noStrike">
               <a:solidFill>
                 <a:schemeClr val="lt1"/>
@@ -12589,7 +12646,7 @@
         <p:spPr>
           <a:xfrm>
             <a:off x="10077480" y="1800"/>
-            <a:ext cx="15480" cy="7554600"/>
+            <a:ext cx="15120" cy="7554240"/>
           </a:xfrm>
           <a:prstGeom prst="rect">
             <a:avLst/>
@@ -12625,6 +12682,11 @@
             <a:noAutofit/>
           </a:bodyPr>
           <a:p>
+            <a:pPr>
+              <a:lnSpc>
+                <a:spcPct val="100000"/>
+              </a:lnSpc>
+            </a:pPr>
             <a:endParaRPr b="0" lang="en-US" sz="1800" spc="-1" strike="noStrike">
               <a:solidFill>
                 <a:schemeClr val="lt1"/>
@@ -12644,7 +12706,7 @@
         <p:spPr>
           <a:xfrm>
             <a:off x="11085480" y="1800"/>
-            <a:ext cx="15480" cy="7554600"/>
+            <a:ext cx="15120" cy="7554240"/>
           </a:xfrm>
           <a:prstGeom prst="rect">
             <a:avLst/>
@@ -12680,6 +12742,11 @@
             <a:noAutofit/>
           </a:bodyPr>
           <a:p>
+            <a:pPr>
+              <a:lnSpc>
+                <a:spcPct val="100000"/>
+              </a:lnSpc>
+            </a:pPr>
             <a:endParaRPr b="0" lang="en-US" sz="1800" spc="-1" strike="noStrike">
               <a:solidFill>
                 <a:schemeClr val="lt1"/>
@@ -12699,7 +12766,7 @@
         <p:spPr>
           <a:xfrm>
             <a:off x="12093480" y="1800"/>
-            <a:ext cx="15480" cy="7554600"/>
+            <a:ext cx="15120" cy="7554240"/>
           </a:xfrm>
           <a:prstGeom prst="rect">
             <a:avLst/>
@@ -12735,6 +12802,11 @@
             <a:noAutofit/>
           </a:bodyPr>
           <a:p>
+            <a:pPr>
+              <a:lnSpc>
+                <a:spcPct val="100000"/>
+              </a:lnSpc>
+            </a:pPr>
             <a:endParaRPr b="0" lang="en-US" sz="1800" spc="-1" strike="noStrike">
               <a:solidFill>
                 <a:schemeClr val="lt1"/>
@@ -12754,7 +12826,7 @@
         <p:spPr>
           <a:xfrm>
             <a:off x="13101480" y="1800"/>
-            <a:ext cx="15480" cy="7554600"/>
+            <a:ext cx="15120" cy="7554240"/>
           </a:xfrm>
           <a:prstGeom prst="rect">
             <a:avLst/>
@@ -12790,6 +12862,11 @@
             <a:noAutofit/>
           </a:bodyPr>
           <a:p>
+            <a:pPr>
+              <a:lnSpc>
+                <a:spcPct val="100000"/>
+              </a:lnSpc>
+            </a:pPr>
             <a:endParaRPr b="0" lang="en-US" sz="1800" spc="-1" strike="noStrike">
               <a:solidFill>
                 <a:schemeClr val="lt1"/>
@@ -12809,7 +12886,7 @@
         <p:spPr>
           <a:xfrm>
             <a:off x="1440" y="1800"/>
-            <a:ext cx="347400" cy="7554600"/>
+            <a:ext cx="347040" cy="7554240"/>
           </a:xfrm>
           <a:prstGeom prst="rect">
             <a:avLst/>
@@ -12845,6 +12922,11 @@
             <a:noAutofit/>
           </a:bodyPr>
           <a:p>
+            <a:pPr>
+              <a:lnSpc>
+                <a:spcPct val="100000"/>
+              </a:lnSpc>
+            </a:pPr>
             <a:endParaRPr b="0" lang="en-US" sz="1800" spc="-1" strike="noStrike">
               <a:solidFill>
                 <a:schemeClr val="lt1"/>
@@ -12864,7 +12946,7 @@
         <p:spPr>
           <a:xfrm>
             <a:off x="10884960" y="401400"/>
-            <a:ext cx="2211840" cy="547920"/>
+            <a:ext cx="2211480" cy="547560"/>
           </a:xfrm>
           <a:prstGeom prst="roundRect">
             <a:avLst>
@@ -13002,7 +13084,7 @@
         <p:spPr>
           <a:xfrm>
             <a:off x="5032440" y="2266200"/>
-            <a:ext cx="2675880" cy="363960"/>
+            <a:ext cx="2675520" cy="363960"/>
           </a:xfrm>
           <a:prstGeom prst="rect">
             <a:avLst/>
@@ -13056,7 +13138,7 @@
         <p:spPr>
           <a:xfrm>
             <a:off x="1086840" y="3506040"/>
-            <a:ext cx="3623400" cy="3018600"/>
+            <a:ext cx="3623040" cy="3018240"/>
           </a:xfrm>
           <a:prstGeom prst="roundRect">
             <a:avLst>
@@ -13094,6 +13176,11 @@
             <a:noAutofit/>
           </a:bodyPr>
           <a:p>
+            <a:pPr>
+              <a:lnSpc>
+                <a:spcPct val="100000"/>
+              </a:lnSpc>
+            </a:pPr>
             <a:endParaRPr b="0" lang="en-US" sz="1800" spc="-1" strike="noStrike">
               <a:solidFill>
                 <a:schemeClr val="lt1"/>
@@ -13113,7 +13200,7 @@
         <p:spPr>
           <a:xfrm>
             <a:off x="1006560" y="3424320"/>
-            <a:ext cx="3623760" cy="3018960"/>
+            <a:ext cx="3623400" cy="3018600"/>
           </a:xfrm>
           <a:prstGeom prst="roundRect">
             <a:avLst>
@@ -13442,7 +13529,7 @@
         <p:spPr>
           <a:xfrm>
             <a:off x="4968360" y="3506040"/>
-            <a:ext cx="3623400" cy="3018600"/>
+            <a:ext cx="3623040" cy="3018240"/>
           </a:xfrm>
           <a:prstGeom prst="roundRect">
             <a:avLst>
@@ -13480,6 +13567,11 @@
             <a:noAutofit/>
           </a:bodyPr>
           <a:p>
+            <a:pPr>
+              <a:lnSpc>
+                <a:spcPct val="100000"/>
+              </a:lnSpc>
+            </a:pPr>
             <a:endParaRPr b="0" lang="en-US" sz="1800" spc="-1" strike="noStrike">
               <a:solidFill>
                 <a:schemeClr val="lt1"/>
@@ -13499,7 +13591,7 @@
         <p:spPr>
           <a:xfrm>
             <a:off x="8849160" y="3506040"/>
-            <a:ext cx="3623400" cy="3018600"/>
+            <a:ext cx="3623040" cy="3018240"/>
           </a:xfrm>
           <a:prstGeom prst="roundRect">
             <a:avLst>
@@ -13537,6 +13629,11 @@
             <a:noAutofit/>
           </a:bodyPr>
           <a:p>
+            <a:pPr>
+              <a:lnSpc>
+                <a:spcPct val="100000"/>
+              </a:lnSpc>
+            </a:pPr>
             <a:endParaRPr b="0" lang="en-US" sz="1800" spc="-1" strike="noStrike">
               <a:solidFill>
                 <a:schemeClr val="lt1"/>
@@ -13556,7 +13653,7 @@
         <p:spPr>
           <a:xfrm>
             <a:off x="8767440" y="3425040"/>
-            <a:ext cx="3623760" cy="3018960"/>
+            <a:ext cx="3623400" cy="3018600"/>
           </a:xfrm>
           <a:prstGeom prst="roundRect">
             <a:avLst>
@@ -14049,7 +14146,7 @@
         <p:spPr>
           <a:xfrm>
             <a:off x="5224320" y="7104600"/>
-            <a:ext cx="3051720" cy="363960"/>
+            <a:ext cx="3051360" cy="363960"/>
           </a:xfrm>
           <a:prstGeom prst="rect">
             <a:avLst/>
@@ -14103,7 +14200,7 @@
         <p:spPr>
           <a:xfrm>
             <a:off x="4941000" y="3450960"/>
-            <a:ext cx="3623760" cy="3018960"/>
+            <a:ext cx="3623400" cy="3018600"/>
           </a:xfrm>
           <a:prstGeom prst="roundRect">
             <a:avLst>
@@ -14490,7 +14587,7 @@
         <p:spPr>
           <a:xfrm>
             <a:off x="16920" y="1800"/>
-            <a:ext cx="13431240" cy="7554600"/>
+            <a:ext cx="13430880" cy="7554240"/>
           </a:xfrm>
           <a:prstGeom prst="rect">
             <a:avLst/>
@@ -14526,6 +14623,11 @@
             <a:noAutofit/>
           </a:bodyPr>
           <a:p>
+            <a:pPr>
+              <a:lnSpc>
+                <a:spcPct val="100000"/>
+              </a:lnSpc>
+            </a:pPr>
             <a:endParaRPr b="0" lang="en-US" sz="1800" spc="-1" strike="noStrike">
               <a:solidFill>
                 <a:schemeClr val="lt1"/>
@@ -14545,7 +14647,7 @@
         <p:spPr>
           <a:xfrm>
             <a:off x="1440" y="1800"/>
-            <a:ext cx="15480" cy="7554600"/>
+            <a:ext cx="15120" cy="7554240"/>
           </a:xfrm>
           <a:prstGeom prst="rect">
             <a:avLst/>
@@ -14581,6 +14683,11 @@
             <a:noAutofit/>
           </a:bodyPr>
           <a:p>
+            <a:pPr>
+              <a:lnSpc>
+                <a:spcPct val="100000"/>
+              </a:lnSpc>
+            </a:pPr>
             <a:endParaRPr b="0" lang="en-US" sz="1800" spc="-1" strike="noStrike">
               <a:solidFill>
                 <a:schemeClr val="lt1"/>
@@ -14600,7 +14707,7 @@
         <p:spPr>
           <a:xfrm>
             <a:off x="1005480" y="1800"/>
-            <a:ext cx="15480" cy="7554600"/>
+            <a:ext cx="15120" cy="7554240"/>
           </a:xfrm>
           <a:prstGeom prst="rect">
             <a:avLst/>
@@ -14636,6 +14743,11 @@
             <a:noAutofit/>
           </a:bodyPr>
           <a:p>
+            <a:pPr>
+              <a:lnSpc>
+                <a:spcPct val="100000"/>
+              </a:lnSpc>
+            </a:pPr>
             <a:endParaRPr b="0" lang="en-US" sz="1800" spc="-1" strike="noStrike">
               <a:solidFill>
                 <a:schemeClr val="lt1"/>
@@ -14655,7 +14767,7 @@
         <p:spPr>
           <a:xfrm>
             <a:off x="2013480" y="1800"/>
-            <a:ext cx="15480" cy="7554600"/>
+            <a:ext cx="15120" cy="7554240"/>
           </a:xfrm>
           <a:prstGeom prst="rect">
             <a:avLst/>
@@ -14691,6 +14803,11 @@
             <a:noAutofit/>
           </a:bodyPr>
           <a:p>
+            <a:pPr>
+              <a:lnSpc>
+                <a:spcPct val="100000"/>
+              </a:lnSpc>
+            </a:pPr>
             <a:endParaRPr b="0" lang="en-US" sz="1800" spc="-1" strike="noStrike">
               <a:solidFill>
                 <a:schemeClr val="lt1"/>
@@ -14710,7 +14827,7 @@
         <p:spPr>
           <a:xfrm>
             <a:off x="3021480" y="1800"/>
-            <a:ext cx="15480" cy="7554600"/>
+            <a:ext cx="15120" cy="7554240"/>
           </a:xfrm>
           <a:prstGeom prst="rect">
             <a:avLst/>
@@ -14746,6 +14863,11 @@
             <a:noAutofit/>
           </a:bodyPr>
           <a:p>
+            <a:pPr>
+              <a:lnSpc>
+                <a:spcPct val="100000"/>
+              </a:lnSpc>
+            </a:pPr>
             <a:endParaRPr b="0" lang="en-US" sz="1800" spc="-1" strike="noStrike">
               <a:solidFill>
                 <a:schemeClr val="lt1"/>
@@ -14765,7 +14887,7 @@
         <p:spPr>
           <a:xfrm>
             <a:off x="4029480" y="1800"/>
-            <a:ext cx="15480" cy="7554600"/>
+            <a:ext cx="15120" cy="7554240"/>
           </a:xfrm>
           <a:prstGeom prst="rect">
             <a:avLst/>
@@ -14801,6 +14923,11 @@
             <a:noAutofit/>
           </a:bodyPr>
           <a:p>
+            <a:pPr>
+              <a:lnSpc>
+                <a:spcPct val="100000"/>
+              </a:lnSpc>
+            </a:pPr>
             <a:endParaRPr b="0" lang="en-US" sz="1800" spc="-1" strike="noStrike">
               <a:solidFill>
                 <a:schemeClr val="lt1"/>
@@ -14820,7 +14947,7 @@
         <p:spPr>
           <a:xfrm>
             <a:off x="5037480" y="1800"/>
-            <a:ext cx="15480" cy="7554600"/>
+            <a:ext cx="15120" cy="7554240"/>
           </a:xfrm>
           <a:prstGeom prst="rect">
             <a:avLst/>
@@ -14856,6 +14983,11 @@
             <a:noAutofit/>
           </a:bodyPr>
           <a:p>
+            <a:pPr>
+              <a:lnSpc>
+                <a:spcPct val="100000"/>
+              </a:lnSpc>
+            </a:pPr>
             <a:endParaRPr b="0" lang="en-US" sz="1800" spc="-1" strike="noStrike">
               <a:solidFill>
                 <a:schemeClr val="lt1"/>
@@ -14875,7 +15007,7 @@
         <p:spPr>
           <a:xfrm>
             <a:off x="6045480" y="1800"/>
-            <a:ext cx="15480" cy="7554600"/>
+            <a:ext cx="15120" cy="7554240"/>
           </a:xfrm>
           <a:prstGeom prst="rect">
             <a:avLst/>
@@ -14911,6 +15043,11 @@
             <a:noAutofit/>
           </a:bodyPr>
           <a:p>
+            <a:pPr>
+              <a:lnSpc>
+                <a:spcPct val="100000"/>
+              </a:lnSpc>
+            </a:pPr>
             <a:endParaRPr b="0" lang="en-US" sz="1800" spc="-1" strike="noStrike">
               <a:solidFill>
                 <a:schemeClr val="lt1"/>
@@ -14930,7 +15067,7 @@
         <p:spPr>
           <a:xfrm>
             <a:off x="7053480" y="1800"/>
-            <a:ext cx="15480" cy="7554600"/>
+            <a:ext cx="15120" cy="7554240"/>
           </a:xfrm>
           <a:prstGeom prst="rect">
             <a:avLst/>
@@ -14966,6 +15103,11 @@
             <a:noAutofit/>
           </a:bodyPr>
           <a:p>
+            <a:pPr>
+              <a:lnSpc>
+                <a:spcPct val="100000"/>
+              </a:lnSpc>
+            </a:pPr>
             <a:endParaRPr b="0" lang="en-US" sz="1800" spc="-1" strike="noStrike">
               <a:solidFill>
                 <a:schemeClr val="lt1"/>
@@ -14985,7 +15127,7 @@
         <p:spPr>
           <a:xfrm>
             <a:off x="8061480" y="1800"/>
-            <a:ext cx="15480" cy="7554600"/>
+            <a:ext cx="15120" cy="7554240"/>
           </a:xfrm>
           <a:prstGeom prst="rect">
             <a:avLst/>
@@ -15021,6 +15163,11 @@
             <a:noAutofit/>
           </a:bodyPr>
           <a:p>
+            <a:pPr>
+              <a:lnSpc>
+                <a:spcPct val="100000"/>
+              </a:lnSpc>
+            </a:pPr>
             <a:endParaRPr b="0" lang="en-US" sz="1800" spc="-1" strike="noStrike">
               <a:solidFill>
                 <a:schemeClr val="lt1"/>
@@ -15040,7 +15187,7 @@
         <p:spPr>
           <a:xfrm>
             <a:off x="9069480" y="1800"/>
-            <a:ext cx="15480" cy="7554600"/>
+            <a:ext cx="15120" cy="7554240"/>
           </a:xfrm>
           <a:prstGeom prst="rect">
             <a:avLst/>
@@ -15076,6 +15223,11 @@
             <a:noAutofit/>
           </a:bodyPr>
           <a:p>
+            <a:pPr>
+              <a:lnSpc>
+                <a:spcPct val="100000"/>
+              </a:lnSpc>
+            </a:pPr>
             <a:endParaRPr b="0" lang="en-US" sz="1800" spc="-1" strike="noStrike">
               <a:solidFill>
                 <a:schemeClr val="lt1"/>
@@ -15095,7 +15247,7 @@
         <p:spPr>
           <a:xfrm>
             <a:off x="10077480" y="1800"/>
-            <a:ext cx="15480" cy="7554600"/>
+            <a:ext cx="15120" cy="7554240"/>
           </a:xfrm>
           <a:prstGeom prst="rect">
             <a:avLst/>
@@ -15131,6 +15283,11 @@
             <a:noAutofit/>
           </a:bodyPr>
           <a:p>
+            <a:pPr>
+              <a:lnSpc>
+                <a:spcPct val="100000"/>
+              </a:lnSpc>
+            </a:pPr>
             <a:endParaRPr b="0" lang="en-US" sz="1800" spc="-1" strike="noStrike">
               <a:solidFill>
                 <a:schemeClr val="lt1"/>
@@ -15150,7 +15307,7 @@
         <p:spPr>
           <a:xfrm>
             <a:off x="11085480" y="1800"/>
-            <a:ext cx="15480" cy="7554600"/>
+            <a:ext cx="15120" cy="7554240"/>
           </a:xfrm>
           <a:prstGeom prst="rect">
             <a:avLst/>
@@ -15186,6 +15343,11 @@
             <a:noAutofit/>
           </a:bodyPr>
           <a:p>
+            <a:pPr>
+              <a:lnSpc>
+                <a:spcPct val="100000"/>
+              </a:lnSpc>
+            </a:pPr>
             <a:endParaRPr b="0" lang="en-US" sz="1800" spc="-1" strike="noStrike">
               <a:solidFill>
                 <a:schemeClr val="lt1"/>
@@ -15205,7 +15367,7 @@
         <p:spPr>
           <a:xfrm>
             <a:off x="12093480" y="1800"/>
-            <a:ext cx="15480" cy="7554600"/>
+            <a:ext cx="15120" cy="7554240"/>
           </a:xfrm>
           <a:prstGeom prst="rect">
             <a:avLst/>
@@ -15241,6 +15403,11 @@
             <a:noAutofit/>
           </a:bodyPr>
           <a:p>
+            <a:pPr>
+              <a:lnSpc>
+                <a:spcPct val="100000"/>
+              </a:lnSpc>
+            </a:pPr>
             <a:endParaRPr b="0" lang="en-US" sz="1800" spc="-1" strike="noStrike">
               <a:solidFill>
                 <a:schemeClr val="lt1"/>
@@ -15260,7 +15427,7 @@
         <p:spPr>
           <a:xfrm>
             <a:off x="13101480" y="1800"/>
-            <a:ext cx="15480" cy="7554600"/>
+            <a:ext cx="15120" cy="7554240"/>
           </a:xfrm>
           <a:prstGeom prst="rect">
             <a:avLst/>
@@ -15296,6 +15463,11 @@
             <a:noAutofit/>
           </a:bodyPr>
           <a:p>
+            <a:pPr>
+              <a:lnSpc>
+                <a:spcPct val="100000"/>
+              </a:lnSpc>
+            </a:pPr>
             <a:endParaRPr b="0" lang="en-US" sz="1800" spc="-1" strike="noStrike">
               <a:solidFill>
                 <a:schemeClr val="lt1"/>
@@ -15315,7 +15487,7 @@
         <p:spPr>
           <a:xfrm>
             <a:off x="1440" y="1800"/>
-            <a:ext cx="347400" cy="7554600"/>
+            <a:ext cx="347040" cy="7554240"/>
           </a:xfrm>
           <a:prstGeom prst="rect">
             <a:avLst/>
@@ -15351,6 +15523,11 @@
             <a:noAutofit/>
           </a:bodyPr>
           <a:p>
+            <a:pPr>
+              <a:lnSpc>
+                <a:spcPct val="100000"/>
+              </a:lnSpc>
+            </a:pPr>
             <a:endParaRPr b="0" lang="en-US" sz="1800" spc="-1" strike="noStrike">
               <a:solidFill>
                 <a:schemeClr val="lt1"/>
@@ -15370,7 +15547,7 @@
         <p:spPr>
           <a:xfrm>
             <a:off x="10884960" y="401400"/>
-            <a:ext cx="2211840" cy="547920"/>
+            <a:ext cx="2211480" cy="547560"/>
           </a:xfrm>
           <a:prstGeom prst="roundRect">
             <a:avLst>
@@ -15508,7 +15685,7 @@
         <p:spPr>
           <a:xfrm>
             <a:off x="5032440" y="2266200"/>
-            <a:ext cx="2675880" cy="363960"/>
+            <a:ext cx="2675520" cy="363960"/>
           </a:xfrm>
           <a:prstGeom prst="rect">
             <a:avLst/>
@@ -15562,7 +15739,7 @@
         <p:spPr>
           <a:xfrm>
             <a:off x="1086840" y="3506040"/>
-            <a:ext cx="3623400" cy="3018600"/>
+            <a:ext cx="3623040" cy="3018240"/>
           </a:xfrm>
           <a:prstGeom prst="roundRect">
             <a:avLst>
@@ -15600,6 +15777,11 @@
             <a:noAutofit/>
           </a:bodyPr>
           <a:p>
+            <a:pPr>
+              <a:lnSpc>
+                <a:spcPct val="100000"/>
+              </a:lnSpc>
+            </a:pPr>
             <a:endParaRPr b="0" lang="en-US" sz="1800" spc="-1" strike="noStrike">
               <a:solidFill>
                 <a:schemeClr val="lt1"/>
@@ -15619,7 +15801,7 @@
         <p:spPr>
           <a:xfrm>
             <a:off x="1020960" y="3424320"/>
-            <a:ext cx="3623760" cy="3018960"/>
+            <a:ext cx="3623400" cy="3018600"/>
           </a:xfrm>
           <a:prstGeom prst="roundRect">
             <a:avLst>
@@ -15833,7 +16015,7 @@
         <p:spPr>
           <a:xfrm>
             <a:off x="4968360" y="3506040"/>
-            <a:ext cx="3623400" cy="3018600"/>
+            <a:ext cx="3623040" cy="3018240"/>
           </a:xfrm>
           <a:prstGeom prst="roundRect">
             <a:avLst>
@@ -15871,6 +16053,11 @@
             <a:noAutofit/>
           </a:bodyPr>
           <a:p>
+            <a:pPr>
+              <a:lnSpc>
+                <a:spcPct val="100000"/>
+              </a:lnSpc>
+            </a:pPr>
             <a:endParaRPr b="0" lang="en-US" sz="1800" spc="-1" strike="noStrike">
               <a:solidFill>
                 <a:schemeClr val="lt1"/>
@@ -15890,7 +16077,7 @@
         <p:spPr>
           <a:xfrm>
             <a:off x="8849160" y="3506040"/>
-            <a:ext cx="3623400" cy="3018600"/>
+            <a:ext cx="3623040" cy="3018240"/>
           </a:xfrm>
           <a:prstGeom prst="roundRect">
             <a:avLst>
@@ -15928,6 +16115,11 @@
             <a:noAutofit/>
           </a:bodyPr>
           <a:p>
+            <a:pPr>
+              <a:lnSpc>
+                <a:spcPct val="100000"/>
+              </a:lnSpc>
+            </a:pPr>
             <a:endParaRPr b="0" lang="en-US" sz="1800" spc="-1" strike="noStrike">
               <a:solidFill>
                 <a:schemeClr val="lt1"/>
@@ -15947,7 +16139,7 @@
         <p:spPr>
           <a:xfrm>
             <a:off x="8767440" y="3425040"/>
-            <a:ext cx="3623760" cy="3018960"/>
+            <a:ext cx="3623400" cy="3018600"/>
           </a:xfrm>
           <a:prstGeom prst="roundRect">
             <a:avLst>
@@ -16295,7 +16487,7 @@
         <p:spPr>
           <a:xfrm>
             <a:off x="5224320" y="7104600"/>
-            <a:ext cx="3051720" cy="363960"/>
+            <a:ext cx="3051360" cy="363960"/>
           </a:xfrm>
           <a:prstGeom prst="rect">
             <a:avLst/>
@@ -16349,7 +16541,7 @@
         <p:spPr>
           <a:xfrm>
             <a:off x="4941000" y="3450960"/>
-            <a:ext cx="3623760" cy="3018960"/>
+            <a:ext cx="3623400" cy="3018600"/>
           </a:xfrm>
           <a:prstGeom prst="roundRect">
             <a:avLst>
@@ -16548,6 +16740,4541 @@
               <a:t>Long-term support (LTS)</a:t>
             </a:r>
             <a:endParaRPr b="0" lang="en-US" sz="2100" spc="-1" strike="noStrike">
+              <a:solidFill>
+                <a:srgbClr val="ffffff"/>
+              </a:solidFill>
+              <a:latin typeface="Arial"/>
+            </a:endParaRPr>
+          </a:p>
+        </p:txBody>
+      </p:sp>
+    </p:spTree>
+  </p:cSld>
+  <mc:AlternateContent>
+    <mc:Choice Requires="p14">
+      <p:transition spd="slow" p14:dur="2000"/>
+    </mc:Choice>
+    <mc:Fallback>
+      <p:transition spd="slow"/>
+    </mc:Fallback>
+  </mc:AlternateContent>
+</p:sld>
+</file>
+
+<file path=ppt/slides/slide15.xml><?xml version="1.0" encoding="utf-8"?>
+<p:sld xmlns:a="http://schemas.openxmlformats.org/drawingml/2006/main" xmlns:p="http://schemas.openxmlformats.org/presentationml/2006/main" xmlns:r="http://schemas.openxmlformats.org/officeDocument/2006/relationships" xmlns:p14="http://schemas.microsoft.com/office/powerpoint/2010/main" xmlns:p15="http://schemas.microsoft.com/office/powerpoint/2012/main" xmlns:mc="http://schemas.openxmlformats.org/markup-compatibility/2006">
+  <p:cSld>
+    <p:spTree>
+      <p:nvGrpSpPr>
+        <p:cNvPr id="1" name=""/>
+        <p:cNvGrpSpPr/>
+        <p:nvPr/>
+      </p:nvGrpSpPr>
+      <p:grpSpPr>
+        <a:xfrm>
+          <a:off x="0" y="0"/>
+          <a:ext cx="0" cy="0"/>
+          <a:chOff x="0" y="0"/>
+          <a:chExt cx="0" cy="0"/>
+        </a:xfrm>
+      </p:grpSpPr>
+      <p:sp>
+        <p:nvSpPr>
+          <p:cNvPr id="405" name="Rectangle 225"/>
+          <p:cNvSpPr/>
+          <p:nvPr/>
+        </p:nvSpPr>
+        <p:spPr>
+          <a:xfrm>
+            <a:off x="16920" y="1800"/>
+            <a:ext cx="13430880" cy="7554240"/>
+          </a:xfrm>
+          <a:prstGeom prst="rect">
+            <a:avLst/>
+          </a:prstGeom>
+          <a:solidFill>
+            <a:srgbClr val="0b0b0d"/>
+          </a:solidFill>
+          <a:ln>
+            <a:noFill/>
+          </a:ln>
+          <a:effectLst>
+            <a:outerShdw blurRad="39960" dir="5400000" dist="23040" rotWithShape="0">
+              <a:srgbClr val="000000">
+                <a:alpha val="35000"/>
+              </a:srgbClr>
+            </a:outerShdw>
+          </a:effectLst>
+        </p:spPr>
+        <p:style>
+          <a:lnRef idx="1">
+            <a:schemeClr val="accent1"/>
+          </a:lnRef>
+          <a:fillRef idx="3">
+            <a:schemeClr val="accent1"/>
+          </a:fillRef>
+          <a:effectRef idx="2">
+            <a:schemeClr val="accent1"/>
+          </a:effectRef>
+          <a:fontRef idx="minor"/>
+        </p:style>
+        <p:txBody>
+          <a:bodyPr lIns="90000" rIns="90000" tIns="45000" bIns="45000" anchor="ctr">
+            <a:noAutofit/>
+          </a:bodyPr>
+          <a:p>
+            <a:endParaRPr b="0" lang="en-US" sz="1800" spc="-1" strike="noStrike">
+              <a:solidFill>
+                <a:schemeClr val="lt1"/>
+              </a:solidFill>
+              <a:latin typeface="Calibri"/>
+              <a:ea typeface="DejaVu Sans"/>
+            </a:endParaRPr>
+          </a:p>
+        </p:txBody>
+      </p:sp>
+      <p:sp>
+        <p:nvSpPr>
+          <p:cNvPr id="406" name="Rectangle 226"/>
+          <p:cNvSpPr/>
+          <p:nvPr/>
+        </p:nvSpPr>
+        <p:spPr>
+          <a:xfrm>
+            <a:off x="1440" y="1800"/>
+            <a:ext cx="15120" cy="7554240"/>
+          </a:xfrm>
+          <a:prstGeom prst="rect">
+            <a:avLst/>
+          </a:prstGeom>
+          <a:solidFill>
+            <a:srgbClr val="121216"/>
+          </a:solidFill>
+          <a:ln>
+            <a:noFill/>
+          </a:ln>
+          <a:effectLst>
+            <a:outerShdw blurRad="39960" dir="5400000" dist="23040" rotWithShape="0">
+              <a:srgbClr val="000000">
+                <a:alpha val="35000"/>
+              </a:srgbClr>
+            </a:outerShdw>
+          </a:effectLst>
+        </p:spPr>
+        <p:style>
+          <a:lnRef idx="1">
+            <a:schemeClr val="accent1"/>
+          </a:lnRef>
+          <a:fillRef idx="3">
+            <a:schemeClr val="accent1"/>
+          </a:fillRef>
+          <a:effectRef idx="2">
+            <a:schemeClr val="accent1"/>
+          </a:effectRef>
+          <a:fontRef idx="minor"/>
+        </p:style>
+        <p:txBody>
+          <a:bodyPr lIns="90000" rIns="90000" tIns="45000" bIns="45000" anchor="ctr">
+            <a:noAutofit/>
+          </a:bodyPr>
+          <a:p>
+            <a:endParaRPr b="0" lang="en-US" sz="1800" spc="-1" strike="noStrike">
+              <a:solidFill>
+                <a:schemeClr val="lt1"/>
+              </a:solidFill>
+              <a:latin typeface="Calibri"/>
+              <a:ea typeface="DejaVu Sans"/>
+            </a:endParaRPr>
+          </a:p>
+        </p:txBody>
+      </p:sp>
+      <p:sp>
+        <p:nvSpPr>
+          <p:cNvPr id="407" name="Rectangle 227"/>
+          <p:cNvSpPr/>
+          <p:nvPr/>
+        </p:nvSpPr>
+        <p:spPr>
+          <a:xfrm>
+            <a:off x="1005480" y="1800"/>
+            <a:ext cx="15120" cy="7554240"/>
+          </a:xfrm>
+          <a:prstGeom prst="rect">
+            <a:avLst/>
+          </a:prstGeom>
+          <a:solidFill>
+            <a:srgbClr val="121216"/>
+          </a:solidFill>
+          <a:ln>
+            <a:noFill/>
+          </a:ln>
+          <a:effectLst>
+            <a:outerShdw blurRad="39960" dir="5400000" dist="23040" rotWithShape="0">
+              <a:srgbClr val="000000">
+                <a:alpha val="35000"/>
+              </a:srgbClr>
+            </a:outerShdw>
+          </a:effectLst>
+        </p:spPr>
+        <p:style>
+          <a:lnRef idx="1">
+            <a:schemeClr val="accent1"/>
+          </a:lnRef>
+          <a:fillRef idx="3">
+            <a:schemeClr val="accent1"/>
+          </a:fillRef>
+          <a:effectRef idx="2">
+            <a:schemeClr val="accent1"/>
+          </a:effectRef>
+          <a:fontRef idx="minor"/>
+        </p:style>
+        <p:txBody>
+          <a:bodyPr lIns="90000" rIns="90000" tIns="45000" bIns="45000" anchor="ctr">
+            <a:noAutofit/>
+          </a:bodyPr>
+          <a:p>
+            <a:endParaRPr b="0" lang="en-US" sz="1800" spc="-1" strike="noStrike">
+              <a:solidFill>
+                <a:schemeClr val="lt1"/>
+              </a:solidFill>
+              <a:latin typeface="Calibri"/>
+              <a:ea typeface="DejaVu Sans"/>
+            </a:endParaRPr>
+          </a:p>
+        </p:txBody>
+      </p:sp>
+      <p:sp>
+        <p:nvSpPr>
+          <p:cNvPr id="408" name="Rectangle 228"/>
+          <p:cNvSpPr/>
+          <p:nvPr/>
+        </p:nvSpPr>
+        <p:spPr>
+          <a:xfrm>
+            <a:off x="2013480" y="1800"/>
+            <a:ext cx="15120" cy="7554240"/>
+          </a:xfrm>
+          <a:prstGeom prst="rect">
+            <a:avLst/>
+          </a:prstGeom>
+          <a:solidFill>
+            <a:srgbClr val="121216"/>
+          </a:solidFill>
+          <a:ln>
+            <a:noFill/>
+          </a:ln>
+          <a:effectLst>
+            <a:outerShdw blurRad="39960" dir="5400000" dist="23040" rotWithShape="0">
+              <a:srgbClr val="000000">
+                <a:alpha val="35000"/>
+              </a:srgbClr>
+            </a:outerShdw>
+          </a:effectLst>
+        </p:spPr>
+        <p:style>
+          <a:lnRef idx="1">
+            <a:schemeClr val="accent1"/>
+          </a:lnRef>
+          <a:fillRef idx="3">
+            <a:schemeClr val="accent1"/>
+          </a:fillRef>
+          <a:effectRef idx="2">
+            <a:schemeClr val="accent1"/>
+          </a:effectRef>
+          <a:fontRef idx="minor"/>
+        </p:style>
+        <p:txBody>
+          <a:bodyPr lIns="90000" rIns="90000" tIns="45000" bIns="45000" anchor="ctr">
+            <a:noAutofit/>
+          </a:bodyPr>
+          <a:p>
+            <a:endParaRPr b="0" lang="en-US" sz="1800" spc="-1" strike="noStrike">
+              <a:solidFill>
+                <a:schemeClr val="lt1"/>
+              </a:solidFill>
+              <a:latin typeface="Calibri"/>
+              <a:ea typeface="DejaVu Sans"/>
+            </a:endParaRPr>
+          </a:p>
+        </p:txBody>
+      </p:sp>
+      <p:sp>
+        <p:nvSpPr>
+          <p:cNvPr id="409" name="Rectangle 229"/>
+          <p:cNvSpPr/>
+          <p:nvPr/>
+        </p:nvSpPr>
+        <p:spPr>
+          <a:xfrm>
+            <a:off x="3021480" y="1800"/>
+            <a:ext cx="15120" cy="7554240"/>
+          </a:xfrm>
+          <a:prstGeom prst="rect">
+            <a:avLst/>
+          </a:prstGeom>
+          <a:solidFill>
+            <a:srgbClr val="121216"/>
+          </a:solidFill>
+          <a:ln>
+            <a:noFill/>
+          </a:ln>
+          <a:effectLst>
+            <a:outerShdw blurRad="39960" dir="5400000" dist="23040" rotWithShape="0">
+              <a:srgbClr val="000000">
+                <a:alpha val="35000"/>
+              </a:srgbClr>
+            </a:outerShdw>
+          </a:effectLst>
+        </p:spPr>
+        <p:style>
+          <a:lnRef idx="1">
+            <a:schemeClr val="accent1"/>
+          </a:lnRef>
+          <a:fillRef idx="3">
+            <a:schemeClr val="accent1"/>
+          </a:fillRef>
+          <a:effectRef idx="2">
+            <a:schemeClr val="accent1"/>
+          </a:effectRef>
+          <a:fontRef idx="minor"/>
+        </p:style>
+        <p:txBody>
+          <a:bodyPr lIns="90000" rIns="90000" tIns="45000" bIns="45000" anchor="ctr">
+            <a:noAutofit/>
+          </a:bodyPr>
+          <a:p>
+            <a:endParaRPr b="0" lang="en-US" sz="1800" spc="-1" strike="noStrike">
+              <a:solidFill>
+                <a:schemeClr val="lt1"/>
+              </a:solidFill>
+              <a:latin typeface="Calibri"/>
+              <a:ea typeface="DejaVu Sans"/>
+            </a:endParaRPr>
+          </a:p>
+        </p:txBody>
+      </p:sp>
+      <p:sp>
+        <p:nvSpPr>
+          <p:cNvPr id="410" name="Rectangle 230"/>
+          <p:cNvSpPr/>
+          <p:nvPr/>
+        </p:nvSpPr>
+        <p:spPr>
+          <a:xfrm>
+            <a:off x="4029480" y="1800"/>
+            <a:ext cx="15120" cy="7554240"/>
+          </a:xfrm>
+          <a:prstGeom prst="rect">
+            <a:avLst/>
+          </a:prstGeom>
+          <a:solidFill>
+            <a:srgbClr val="121216"/>
+          </a:solidFill>
+          <a:ln>
+            <a:noFill/>
+          </a:ln>
+          <a:effectLst>
+            <a:outerShdw blurRad="39960" dir="5400000" dist="23040" rotWithShape="0">
+              <a:srgbClr val="000000">
+                <a:alpha val="35000"/>
+              </a:srgbClr>
+            </a:outerShdw>
+          </a:effectLst>
+        </p:spPr>
+        <p:style>
+          <a:lnRef idx="1">
+            <a:schemeClr val="accent1"/>
+          </a:lnRef>
+          <a:fillRef idx="3">
+            <a:schemeClr val="accent1"/>
+          </a:fillRef>
+          <a:effectRef idx="2">
+            <a:schemeClr val="accent1"/>
+          </a:effectRef>
+          <a:fontRef idx="minor"/>
+        </p:style>
+        <p:txBody>
+          <a:bodyPr lIns="90000" rIns="90000" tIns="45000" bIns="45000" anchor="ctr">
+            <a:noAutofit/>
+          </a:bodyPr>
+          <a:p>
+            <a:endParaRPr b="0" lang="en-US" sz="1800" spc="-1" strike="noStrike">
+              <a:solidFill>
+                <a:schemeClr val="lt1"/>
+              </a:solidFill>
+              <a:latin typeface="Calibri"/>
+              <a:ea typeface="DejaVu Sans"/>
+            </a:endParaRPr>
+          </a:p>
+        </p:txBody>
+      </p:sp>
+      <p:sp>
+        <p:nvSpPr>
+          <p:cNvPr id="411" name="Rectangle 231"/>
+          <p:cNvSpPr/>
+          <p:nvPr/>
+        </p:nvSpPr>
+        <p:spPr>
+          <a:xfrm>
+            <a:off x="5037480" y="1800"/>
+            <a:ext cx="15120" cy="7554240"/>
+          </a:xfrm>
+          <a:prstGeom prst="rect">
+            <a:avLst/>
+          </a:prstGeom>
+          <a:solidFill>
+            <a:srgbClr val="121216"/>
+          </a:solidFill>
+          <a:ln>
+            <a:noFill/>
+          </a:ln>
+          <a:effectLst>
+            <a:outerShdw blurRad="39960" dir="5400000" dist="23040" rotWithShape="0">
+              <a:srgbClr val="000000">
+                <a:alpha val="35000"/>
+              </a:srgbClr>
+            </a:outerShdw>
+          </a:effectLst>
+        </p:spPr>
+        <p:style>
+          <a:lnRef idx="1">
+            <a:schemeClr val="accent1"/>
+          </a:lnRef>
+          <a:fillRef idx="3">
+            <a:schemeClr val="accent1"/>
+          </a:fillRef>
+          <a:effectRef idx="2">
+            <a:schemeClr val="accent1"/>
+          </a:effectRef>
+          <a:fontRef idx="minor"/>
+        </p:style>
+        <p:txBody>
+          <a:bodyPr lIns="90000" rIns="90000" tIns="45000" bIns="45000" anchor="ctr">
+            <a:noAutofit/>
+          </a:bodyPr>
+          <a:p>
+            <a:endParaRPr b="0" lang="en-US" sz="1800" spc="-1" strike="noStrike">
+              <a:solidFill>
+                <a:schemeClr val="lt1"/>
+              </a:solidFill>
+              <a:latin typeface="Calibri"/>
+              <a:ea typeface="DejaVu Sans"/>
+            </a:endParaRPr>
+          </a:p>
+        </p:txBody>
+      </p:sp>
+      <p:sp>
+        <p:nvSpPr>
+          <p:cNvPr id="412" name="Rectangle 232"/>
+          <p:cNvSpPr/>
+          <p:nvPr/>
+        </p:nvSpPr>
+        <p:spPr>
+          <a:xfrm>
+            <a:off x="6045480" y="1800"/>
+            <a:ext cx="15120" cy="7554240"/>
+          </a:xfrm>
+          <a:prstGeom prst="rect">
+            <a:avLst/>
+          </a:prstGeom>
+          <a:solidFill>
+            <a:srgbClr val="121216"/>
+          </a:solidFill>
+          <a:ln>
+            <a:noFill/>
+          </a:ln>
+          <a:effectLst>
+            <a:outerShdw blurRad="39960" dir="5400000" dist="23040" rotWithShape="0">
+              <a:srgbClr val="000000">
+                <a:alpha val="35000"/>
+              </a:srgbClr>
+            </a:outerShdw>
+          </a:effectLst>
+        </p:spPr>
+        <p:style>
+          <a:lnRef idx="1">
+            <a:schemeClr val="accent1"/>
+          </a:lnRef>
+          <a:fillRef idx="3">
+            <a:schemeClr val="accent1"/>
+          </a:fillRef>
+          <a:effectRef idx="2">
+            <a:schemeClr val="accent1"/>
+          </a:effectRef>
+          <a:fontRef idx="minor"/>
+        </p:style>
+        <p:txBody>
+          <a:bodyPr lIns="90000" rIns="90000" tIns="45000" bIns="45000" anchor="ctr">
+            <a:noAutofit/>
+          </a:bodyPr>
+          <a:p>
+            <a:endParaRPr b="0" lang="en-US" sz="1800" spc="-1" strike="noStrike">
+              <a:solidFill>
+                <a:schemeClr val="lt1"/>
+              </a:solidFill>
+              <a:latin typeface="Calibri"/>
+              <a:ea typeface="DejaVu Sans"/>
+            </a:endParaRPr>
+          </a:p>
+        </p:txBody>
+      </p:sp>
+      <p:sp>
+        <p:nvSpPr>
+          <p:cNvPr id="413" name="Rectangle 233"/>
+          <p:cNvSpPr/>
+          <p:nvPr/>
+        </p:nvSpPr>
+        <p:spPr>
+          <a:xfrm>
+            <a:off x="7053480" y="1800"/>
+            <a:ext cx="15120" cy="7554240"/>
+          </a:xfrm>
+          <a:prstGeom prst="rect">
+            <a:avLst/>
+          </a:prstGeom>
+          <a:solidFill>
+            <a:srgbClr val="121216"/>
+          </a:solidFill>
+          <a:ln>
+            <a:noFill/>
+          </a:ln>
+          <a:effectLst>
+            <a:outerShdw blurRad="39960" dir="5400000" dist="23040" rotWithShape="0">
+              <a:srgbClr val="000000">
+                <a:alpha val="35000"/>
+              </a:srgbClr>
+            </a:outerShdw>
+          </a:effectLst>
+        </p:spPr>
+        <p:style>
+          <a:lnRef idx="1">
+            <a:schemeClr val="accent1"/>
+          </a:lnRef>
+          <a:fillRef idx="3">
+            <a:schemeClr val="accent1"/>
+          </a:fillRef>
+          <a:effectRef idx="2">
+            <a:schemeClr val="accent1"/>
+          </a:effectRef>
+          <a:fontRef idx="minor"/>
+        </p:style>
+        <p:txBody>
+          <a:bodyPr lIns="90000" rIns="90000" tIns="45000" bIns="45000" anchor="ctr">
+            <a:noAutofit/>
+          </a:bodyPr>
+          <a:p>
+            <a:endParaRPr b="0" lang="en-US" sz="1800" spc="-1" strike="noStrike">
+              <a:solidFill>
+                <a:schemeClr val="lt1"/>
+              </a:solidFill>
+              <a:latin typeface="Calibri"/>
+              <a:ea typeface="DejaVu Sans"/>
+            </a:endParaRPr>
+          </a:p>
+        </p:txBody>
+      </p:sp>
+      <p:sp>
+        <p:nvSpPr>
+          <p:cNvPr id="414" name="Rectangle 234"/>
+          <p:cNvSpPr/>
+          <p:nvPr/>
+        </p:nvSpPr>
+        <p:spPr>
+          <a:xfrm>
+            <a:off x="8061480" y="1800"/>
+            <a:ext cx="15120" cy="7554240"/>
+          </a:xfrm>
+          <a:prstGeom prst="rect">
+            <a:avLst/>
+          </a:prstGeom>
+          <a:solidFill>
+            <a:srgbClr val="121216"/>
+          </a:solidFill>
+          <a:ln>
+            <a:noFill/>
+          </a:ln>
+          <a:effectLst>
+            <a:outerShdw blurRad="39960" dir="5400000" dist="23040" rotWithShape="0">
+              <a:srgbClr val="000000">
+                <a:alpha val="35000"/>
+              </a:srgbClr>
+            </a:outerShdw>
+          </a:effectLst>
+        </p:spPr>
+        <p:style>
+          <a:lnRef idx="1">
+            <a:schemeClr val="accent1"/>
+          </a:lnRef>
+          <a:fillRef idx="3">
+            <a:schemeClr val="accent1"/>
+          </a:fillRef>
+          <a:effectRef idx="2">
+            <a:schemeClr val="accent1"/>
+          </a:effectRef>
+          <a:fontRef idx="minor"/>
+        </p:style>
+        <p:txBody>
+          <a:bodyPr lIns="90000" rIns="90000" tIns="45000" bIns="45000" anchor="ctr">
+            <a:noAutofit/>
+          </a:bodyPr>
+          <a:p>
+            <a:endParaRPr b="0" lang="en-US" sz="1800" spc="-1" strike="noStrike">
+              <a:solidFill>
+                <a:schemeClr val="lt1"/>
+              </a:solidFill>
+              <a:latin typeface="Calibri"/>
+              <a:ea typeface="DejaVu Sans"/>
+            </a:endParaRPr>
+          </a:p>
+        </p:txBody>
+      </p:sp>
+      <p:sp>
+        <p:nvSpPr>
+          <p:cNvPr id="415" name="Rectangle 235"/>
+          <p:cNvSpPr/>
+          <p:nvPr/>
+        </p:nvSpPr>
+        <p:spPr>
+          <a:xfrm>
+            <a:off x="9069480" y="1800"/>
+            <a:ext cx="15120" cy="7554240"/>
+          </a:xfrm>
+          <a:prstGeom prst="rect">
+            <a:avLst/>
+          </a:prstGeom>
+          <a:solidFill>
+            <a:srgbClr val="121216"/>
+          </a:solidFill>
+          <a:ln>
+            <a:noFill/>
+          </a:ln>
+          <a:effectLst>
+            <a:outerShdw blurRad="39960" dir="5400000" dist="23040" rotWithShape="0">
+              <a:srgbClr val="000000">
+                <a:alpha val="35000"/>
+              </a:srgbClr>
+            </a:outerShdw>
+          </a:effectLst>
+        </p:spPr>
+        <p:style>
+          <a:lnRef idx="1">
+            <a:schemeClr val="accent1"/>
+          </a:lnRef>
+          <a:fillRef idx="3">
+            <a:schemeClr val="accent1"/>
+          </a:fillRef>
+          <a:effectRef idx="2">
+            <a:schemeClr val="accent1"/>
+          </a:effectRef>
+          <a:fontRef idx="minor"/>
+        </p:style>
+        <p:txBody>
+          <a:bodyPr lIns="90000" rIns="90000" tIns="45000" bIns="45000" anchor="ctr">
+            <a:noAutofit/>
+          </a:bodyPr>
+          <a:p>
+            <a:endParaRPr b="0" lang="en-US" sz="1800" spc="-1" strike="noStrike">
+              <a:solidFill>
+                <a:schemeClr val="lt1"/>
+              </a:solidFill>
+              <a:latin typeface="Calibri"/>
+              <a:ea typeface="DejaVu Sans"/>
+            </a:endParaRPr>
+          </a:p>
+        </p:txBody>
+      </p:sp>
+      <p:sp>
+        <p:nvSpPr>
+          <p:cNvPr id="416" name="Rectangle 236"/>
+          <p:cNvSpPr/>
+          <p:nvPr/>
+        </p:nvSpPr>
+        <p:spPr>
+          <a:xfrm>
+            <a:off x="10077480" y="1800"/>
+            <a:ext cx="15120" cy="7554240"/>
+          </a:xfrm>
+          <a:prstGeom prst="rect">
+            <a:avLst/>
+          </a:prstGeom>
+          <a:solidFill>
+            <a:srgbClr val="121216"/>
+          </a:solidFill>
+          <a:ln>
+            <a:noFill/>
+          </a:ln>
+          <a:effectLst>
+            <a:outerShdw blurRad="39960" dir="5400000" dist="23040" rotWithShape="0">
+              <a:srgbClr val="000000">
+                <a:alpha val="35000"/>
+              </a:srgbClr>
+            </a:outerShdw>
+          </a:effectLst>
+        </p:spPr>
+        <p:style>
+          <a:lnRef idx="1">
+            <a:schemeClr val="accent1"/>
+          </a:lnRef>
+          <a:fillRef idx="3">
+            <a:schemeClr val="accent1"/>
+          </a:fillRef>
+          <a:effectRef idx="2">
+            <a:schemeClr val="accent1"/>
+          </a:effectRef>
+          <a:fontRef idx="minor"/>
+        </p:style>
+        <p:txBody>
+          <a:bodyPr lIns="90000" rIns="90000" tIns="45000" bIns="45000" anchor="ctr">
+            <a:noAutofit/>
+          </a:bodyPr>
+          <a:p>
+            <a:endParaRPr b="0" lang="en-US" sz="1800" spc="-1" strike="noStrike">
+              <a:solidFill>
+                <a:schemeClr val="lt1"/>
+              </a:solidFill>
+              <a:latin typeface="Calibri"/>
+              <a:ea typeface="DejaVu Sans"/>
+            </a:endParaRPr>
+          </a:p>
+        </p:txBody>
+      </p:sp>
+      <p:sp>
+        <p:nvSpPr>
+          <p:cNvPr id="417" name="Rectangle 237"/>
+          <p:cNvSpPr/>
+          <p:nvPr/>
+        </p:nvSpPr>
+        <p:spPr>
+          <a:xfrm>
+            <a:off x="11085480" y="1800"/>
+            <a:ext cx="15120" cy="7554240"/>
+          </a:xfrm>
+          <a:prstGeom prst="rect">
+            <a:avLst/>
+          </a:prstGeom>
+          <a:solidFill>
+            <a:srgbClr val="121216"/>
+          </a:solidFill>
+          <a:ln>
+            <a:noFill/>
+          </a:ln>
+          <a:effectLst>
+            <a:outerShdw blurRad="39960" dir="5400000" dist="23040" rotWithShape="0">
+              <a:srgbClr val="000000">
+                <a:alpha val="35000"/>
+              </a:srgbClr>
+            </a:outerShdw>
+          </a:effectLst>
+        </p:spPr>
+        <p:style>
+          <a:lnRef idx="1">
+            <a:schemeClr val="accent1"/>
+          </a:lnRef>
+          <a:fillRef idx="3">
+            <a:schemeClr val="accent1"/>
+          </a:fillRef>
+          <a:effectRef idx="2">
+            <a:schemeClr val="accent1"/>
+          </a:effectRef>
+          <a:fontRef idx="minor"/>
+        </p:style>
+        <p:txBody>
+          <a:bodyPr lIns="90000" rIns="90000" tIns="45000" bIns="45000" anchor="ctr">
+            <a:noAutofit/>
+          </a:bodyPr>
+          <a:p>
+            <a:endParaRPr b="0" lang="en-US" sz="1800" spc="-1" strike="noStrike">
+              <a:solidFill>
+                <a:schemeClr val="lt1"/>
+              </a:solidFill>
+              <a:latin typeface="Calibri"/>
+              <a:ea typeface="DejaVu Sans"/>
+            </a:endParaRPr>
+          </a:p>
+        </p:txBody>
+      </p:sp>
+      <p:sp>
+        <p:nvSpPr>
+          <p:cNvPr id="418" name="Rectangle 238"/>
+          <p:cNvSpPr/>
+          <p:nvPr/>
+        </p:nvSpPr>
+        <p:spPr>
+          <a:xfrm>
+            <a:off x="12093480" y="1800"/>
+            <a:ext cx="15120" cy="7554240"/>
+          </a:xfrm>
+          <a:prstGeom prst="rect">
+            <a:avLst/>
+          </a:prstGeom>
+          <a:solidFill>
+            <a:srgbClr val="121216"/>
+          </a:solidFill>
+          <a:ln>
+            <a:noFill/>
+          </a:ln>
+          <a:effectLst>
+            <a:outerShdw blurRad="39960" dir="5400000" dist="23040" rotWithShape="0">
+              <a:srgbClr val="000000">
+                <a:alpha val="35000"/>
+              </a:srgbClr>
+            </a:outerShdw>
+          </a:effectLst>
+        </p:spPr>
+        <p:style>
+          <a:lnRef idx="1">
+            <a:schemeClr val="accent1"/>
+          </a:lnRef>
+          <a:fillRef idx="3">
+            <a:schemeClr val="accent1"/>
+          </a:fillRef>
+          <a:effectRef idx="2">
+            <a:schemeClr val="accent1"/>
+          </a:effectRef>
+          <a:fontRef idx="minor"/>
+        </p:style>
+        <p:txBody>
+          <a:bodyPr lIns="90000" rIns="90000" tIns="45000" bIns="45000" anchor="ctr">
+            <a:noAutofit/>
+          </a:bodyPr>
+          <a:p>
+            <a:endParaRPr b="0" lang="en-US" sz="1800" spc="-1" strike="noStrike">
+              <a:solidFill>
+                <a:schemeClr val="lt1"/>
+              </a:solidFill>
+              <a:latin typeface="Calibri"/>
+              <a:ea typeface="DejaVu Sans"/>
+            </a:endParaRPr>
+          </a:p>
+        </p:txBody>
+      </p:sp>
+      <p:sp>
+        <p:nvSpPr>
+          <p:cNvPr id="419" name="Rectangle 239"/>
+          <p:cNvSpPr/>
+          <p:nvPr/>
+        </p:nvSpPr>
+        <p:spPr>
+          <a:xfrm>
+            <a:off x="13101480" y="1800"/>
+            <a:ext cx="15120" cy="7554240"/>
+          </a:xfrm>
+          <a:prstGeom prst="rect">
+            <a:avLst/>
+          </a:prstGeom>
+          <a:solidFill>
+            <a:srgbClr val="121216"/>
+          </a:solidFill>
+          <a:ln>
+            <a:noFill/>
+          </a:ln>
+          <a:effectLst>
+            <a:outerShdw blurRad="39960" dir="5400000" dist="23040" rotWithShape="0">
+              <a:srgbClr val="000000">
+                <a:alpha val="35000"/>
+              </a:srgbClr>
+            </a:outerShdw>
+          </a:effectLst>
+        </p:spPr>
+        <p:style>
+          <a:lnRef idx="1">
+            <a:schemeClr val="accent1"/>
+          </a:lnRef>
+          <a:fillRef idx="3">
+            <a:schemeClr val="accent1"/>
+          </a:fillRef>
+          <a:effectRef idx="2">
+            <a:schemeClr val="accent1"/>
+          </a:effectRef>
+          <a:fontRef idx="minor"/>
+        </p:style>
+        <p:txBody>
+          <a:bodyPr lIns="90000" rIns="90000" tIns="45000" bIns="45000" anchor="ctr">
+            <a:noAutofit/>
+          </a:bodyPr>
+          <a:p>
+            <a:endParaRPr b="0" lang="en-US" sz="1800" spc="-1" strike="noStrike">
+              <a:solidFill>
+                <a:schemeClr val="lt1"/>
+              </a:solidFill>
+              <a:latin typeface="Calibri"/>
+              <a:ea typeface="DejaVu Sans"/>
+            </a:endParaRPr>
+          </a:p>
+        </p:txBody>
+      </p:sp>
+      <p:sp>
+        <p:nvSpPr>
+          <p:cNvPr id="420" name="Rectangle 240"/>
+          <p:cNvSpPr/>
+          <p:nvPr/>
+        </p:nvSpPr>
+        <p:spPr>
+          <a:xfrm>
+            <a:off x="1440" y="1800"/>
+            <a:ext cx="347040" cy="7554240"/>
+          </a:xfrm>
+          <a:prstGeom prst="rect">
+            <a:avLst/>
+          </a:prstGeom>
+          <a:solidFill>
+            <a:srgbClr val="ff8c00"/>
+          </a:solidFill>
+          <a:ln>
+            <a:noFill/>
+          </a:ln>
+          <a:effectLst>
+            <a:outerShdw blurRad="39960" dir="5400000" dist="23040" rotWithShape="0">
+              <a:srgbClr val="000000">
+                <a:alpha val="35000"/>
+              </a:srgbClr>
+            </a:outerShdw>
+          </a:effectLst>
+        </p:spPr>
+        <p:style>
+          <a:lnRef idx="1">
+            <a:schemeClr val="accent1"/>
+          </a:lnRef>
+          <a:fillRef idx="3">
+            <a:schemeClr val="accent1"/>
+          </a:fillRef>
+          <a:effectRef idx="2">
+            <a:schemeClr val="accent1"/>
+          </a:effectRef>
+          <a:fontRef idx="minor"/>
+        </p:style>
+        <p:txBody>
+          <a:bodyPr lIns="90000" rIns="90000" tIns="45000" bIns="45000" anchor="ctr">
+            <a:noAutofit/>
+          </a:bodyPr>
+          <a:p>
+            <a:endParaRPr b="0" lang="en-US" sz="1800" spc="-1" strike="noStrike">
+              <a:solidFill>
+                <a:schemeClr val="lt1"/>
+              </a:solidFill>
+              <a:latin typeface="Calibri"/>
+              <a:ea typeface="DejaVu Sans"/>
+            </a:endParaRPr>
+          </a:p>
+        </p:txBody>
+      </p:sp>
+      <p:sp>
+        <p:nvSpPr>
+          <p:cNvPr id="421" name="Rounded Rectangle 105"/>
+          <p:cNvSpPr/>
+          <p:nvPr/>
+        </p:nvSpPr>
+        <p:spPr>
+          <a:xfrm>
+            <a:off x="10884960" y="401400"/>
+            <a:ext cx="2211480" cy="547560"/>
+          </a:xfrm>
+          <a:prstGeom prst="roundRect">
+            <a:avLst>
+              <a:gd name="adj" fmla="val 16667"/>
+            </a:avLst>
+          </a:prstGeom>
+          <a:solidFill>
+            <a:srgbClr val="1e1e24"/>
+          </a:solidFill>
+          <a:ln>
+            <a:solidFill>
+              <a:srgbClr val="ff8c00"/>
+            </a:solidFill>
+            <a:round/>
+          </a:ln>
+          <a:effectLst>
+            <a:outerShdw blurRad="39960" dir="5400000" dist="23040" rotWithShape="0">
+              <a:srgbClr val="000000">
+                <a:alpha val="35000"/>
+              </a:srgbClr>
+            </a:outerShdw>
+          </a:effectLst>
+        </p:spPr>
+        <p:style>
+          <a:lnRef idx="1">
+            <a:schemeClr val="accent1"/>
+          </a:lnRef>
+          <a:fillRef idx="3">
+            <a:schemeClr val="accent1"/>
+          </a:fillRef>
+          <a:effectRef idx="2">
+            <a:schemeClr val="accent1"/>
+          </a:effectRef>
+          <a:fontRef idx="minor"/>
+        </p:style>
+        <p:txBody>
+          <a:bodyPr lIns="90000" rIns="90000" tIns="45000" bIns="45000" anchor="ctr">
+            <a:noAutofit/>
+          </a:bodyPr>
+          <a:p>
+            <a:pPr algn="ctr">
+              <a:lnSpc>
+                <a:spcPct val="100000"/>
+              </a:lnSpc>
+            </a:pPr>
+            <a:r>
+              <a:rPr b="1" lang="en-US" sz="1400" spc="-1" strike="noStrike">
+                <a:solidFill>
+                  <a:srgbClr val="ffb45a"/>
+                </a:solidFill>
+                <a:latin typeface="Calibri"/>
+                <a:ea typeface="DejaVu Sans"/>
+              </a:rPr>
+              <a:t>JAVA CORE</a:t>
+            </a:r>
+            <a:endParaRPr b="0" lang="en-US" sz="1400" spc="-1" strike="noStrike">
+              <a:solidFill>
+                <a:srgbClr val="ffffff"/>
+              </a:solidFill>
+              <a:latin typeface="Arial"/>
+            </a:endParaRPr>
+          </a:p>
+        </p:txBody>
+      </p:sp>
+      <p:sp>
+        <p:nvSpPr>
+          <p:cNvPr id="422" name="TextBox 46"/>
+          <p:cNvSpPr/>
+          <p:nvPr/>
+        </p:nvSpPr>
+        <p:spPr>
+          <a:xfrm>
+            <a:off x="3785400" y="1107360"/>
+            <a:ext cx="4544280" cy="729720"/>
+          </a:xfrm>
+          <a:prstGeom prst="rect">
+            <a:avLst/>
+          </a:prstGeom>
+          <a:noFill/>
+          <a:ln w="0">
+            <a:noFill/>
+          </a:ln>
+        </p:spPr>
+        <p:style>
+          <a:lnRef idx="0"/>
+          <a:fillRef idx="0"/>
+          <a:effectRef idx="0"/>
+          <a:fontRef idx="minor"/>
+        </p:style>
+        <p:txBody>
+          <a:bodyPr wrap="none" lIns="90000" rIns="90000" tIns="45000" bIns="45000" anchor="t">
+            <a:spAutoFit/>
+          </a:bodyPr>
+          <a:p>
+            <a:pPr>
+              <a:lnSpc>
+                <a:spcPct val="100000"/>
+              </a:lnSpc>
+            </a:pPr>
+            <a:r>
+              <a:rPr b="1" lang="en-US" sz="4200" spc="-1" strike="noStrike">
+                <a:solidFill>
+                  <a:srgbClr val="f5f5f5"/>
+                </a:solidFill>
+                <a:latin typeface="Calibri"/>
+                <a:ea typeface="DejaVu Sans"/>
+              </a:rPr>
+              <a:t>      </a:t>
+            </a:r>
+            <a:r>
+              <a:rPr b="1" lang="en-US" sz="4200" spc="-1" strike="noStrike">
+                <a:solidFill>
+                  <a:srgbClr val="f5f5f5"/>
+                </a:solidFill>
+                <a:latin typeface="Calibri"/>
+                <a:ea typeface="DejaVu Sans"/>
+              </a:rPr>
+              <a:t>Java After 2015: </a:t>
+            </a:r>
+            <a:endParaRPr b="0" lang="en-US" sz="4200" spc="-1" strike="noStrike">
+              <a:solidFill>
+                <a:srgbClr val="000000"/>
+              </a:solidFill>
+              <a:latin typeface="Arial"/>
+            </a:endParaRPr>
+          </a:p>
+        </p:txBody>
+      </p:sp>
+      <p:sp>
+        <p:nvSpPr>
+          <p:cNvPr id="423" name="TextBox 47"/>
+          <p:cNvSpPr/>
+          <p:nvPr/>
+        </p:nvSpPr>
+        <p:spPr>
+          <a:xfrm>
+            <a:off x="4500360" y="2266200"/>
+            <a:ext cx="3739680" cy="363960"/>
+          </a:xfrm>
+          <a:prstGeom prst="rect">
+            <a:avLst/>
+          </a:prstGeom>
+          <a:noFill/>
+          <a:ln w="0">
+            <a:noFill/>
+          </a:ln>
+        </p:spPr>
+        <p:style>
+          <a:lnRef idx="0"/>
+          <a:fillRef idx="0"/>
+          <a:effectRef idx="0"/>
+          <a:fontRef idx="minor"/>
+        </p:style>
+        <p:txBody>
+          <a:bodyPr wrap="none" lIns="90000" rIns="90000" tIns="45000" bIns="45000" anchor="t">
+            <a:spAutoFit/>
+          </a:bodyPr>
+          <a:p>
+            <a:pPr>
+              <a:lnSpc>
+                <a:spcPct val="100000"/>
+              </a:lnSpc>
+            </a:pPr>
+            <a:r>
+              <a:rPr b="0" lang="en-US" sz="1800" spc="-1" strike="noStrike">
+                <a:solidFill>
+                  <a:srgbClr val="aaaaaa"/>
+                </a:solidFill>
+                <a:latin typeface="Calibri"/>
+                <a:ea typeface="DejaVu Sans"/>
+              </a:rPr>
+              <a:t>Java grows up: faster, cleaner, smarter.</a:t>
+            </a:r>
+            <a:endParaRPr b="0" lang="en-US" sz="1800" spc="-1" strike="noStrike">
+              <a:solidFill>
+                <a:srgbClr val="000000"/>
+              </a:solidFill>
+              <a:latin typeface="Arial"/>
+            </a:endParaRPr>
+          </a:p>
+        </p:txBody>
+      </p:sp>
+      <p:sp>
+        <p:nvSpPr>
+          <p:cNvPr id="424" name="Rounded Rectangle 106"/>
+          <p:cNvSpPr/>
+          <p:nvPr/>
+        </p:nvSpPr>
+        <p:spPr>
+          <a:xfrm>
+            <a:off x="1086840" y="3506040"/>
+            <a:ext cx="3623040" cy="3018240"/>
+          </a:xfrm>
+          <a:prstGeom prst="roundRect">
+            <a:avLst>
+              <a:gd name="adj" fmla="val 16667"/>
+            </a:avLst>
+          </a:prstGeom>
+          <a:solidFill>
+            <a:srgbClr val="08080a"/>
+          </a:solidFill>
+          <a:ln>
+            <a:noFill/>
+          </a:ln>
+          <a:effectLst>
+            <a:outerShdw blurRad="39960" dir="5400000" dist="23040" rotWithShape="0">
+              <a:srgbClr val="000000">
+                <a:alpha val="35000"/>
+              </a:srgbClr>
+            </a:outerShdw>
+          </a:effectLst>
+        </p:spPr>
+        <p:style>
+          <a:lnRef idx="1">
+            <a:schemeClr val="accent1"/>
+          </a:lnRef>
+          <a:fillRef idx="3">
+            <a:schemeClr val="accent1"/>
+          </a:fillRef>
+          <a:effectRef idx="2">
+            <a:schemeClr val="accent1"/>
+          </a:effectRef>
+          <a:fontRef idx="minor"/>
+        </p:style>
+        <p:txBody>
+          <a:bodyPr lIns="90000" rIns="90000" tIns="45000" bIns="45000" anchor="ctr">
+            <a:noAutofit/>
+          </a:bodyPr>
+          <a:p>
+            <a:endParaRPr b="0" lang="en-US" sz="1800" spc="-1" strike="noStrike">
+              <a:solidFill>
+                <a:schemeClr val="lt1"/>
+              </a:solidFill>
+              <a:latin typeface="Calibri"/>
+              <a:ea typeface="DejaVu Sans"/>
+            </a:endParaRPr>
+          </a:p>
+        </p:txBody>
+      </p:sp>
+      <p:sp>
+        <p:nvSpPr>
+          <p:cNvPr id="425" name="Rounded Rectangle 107"/>
+          <p:cNvSpPr/>
+          <p:nvPr/>
+        </p:nvSpPr>
+        <p:spPr>
+          <a:xfrm>
+            <a:off x="1020960" y="3424320"/>
+            <a:ext cx="3623400" cy="3018600"/>
+          </a:xfrm>
+          <a:prstGeom prst="roundRect">
+            <a:avLst>
+              <a:gd name="adj" fmla="val 16667"/>
+            </a:avLst>
+          </a:prstGeom>
+          <a:solidFill>
+            <a:srgbClr val="16161c"/>
+          </a:solidFill>
+          <a:ln>
+            <a:solidFill>
+              <a:srgbClr val="464655"/>
+            </a:solidFill>
+            <a:round/>
+          </a:ln>
+          <a:effectLst>
+            <a:outerShdw blurRad="39960" dir="5400000" dist="23040" rotWithShape="0">
+              <a:srgbClr val="000000">
+                <a:alpha val="35000"/>
+              </a:srgbClr>
+            </a:outerShdw>
+          </a:effectLst>
+        </p:spPr>
+        <p:style>
+          <a:lnRef idx="1">
+            <a:schemeClr val="accent1"/>
+          </a:lnRef>
+          <a:fillRef idx="3">
+            <a:schemeClr val="accent1"/>
+          </a:fillRef>
+          <a:effectRef idx="2">
+            <a:schemeClr val="accent1"/>
+          </a:effectRef>
+          <a:fontRef idx="minor"/>
+        </p:style>
+        <p:txBody>
+          <a:bodyPr lIns="90000" rIns="90000" tIns="45000" bIns="45000" anchor="ctr">
+            <a:noAutofit/>
+          </a:bodyPr>
+          <a:p>
+            <a:pPr marL="216000" indent="-216000">
+              <a:lnSpc>
+                <a:spcPct val="100000"/>
+              </a:lnSpc>
+              <a:buClr>
+                <a:srgbClr val="ffffff"/>
+              </a:buClr>
+              <a:buFont typeface="Wingdings" charset="2"/>
+              <a:buChar char=""/>
+            </a:pPr>
+            <a:r>
+              <a:rPr b="1" lang="en-US" sz="1800" spc="-1" strike="noStrike">
+                <a:solidFill>
+                  <a:schemeClr val="lt1"/>
+                </a:solidFill>
+                <a:latin typeface="Calibri"/>
+                <a:ea typeface="DejaVu Sans"/>
+              </a:rPr>
+              <a:t>Java 8+ Lambda Expressions</a:t>
+            </a:r>
+            <a:endParaRPr b="0" lang="en-US" sz="1800" spc="-1" strike="noStrike">
+              <a:solidFill>
+                <a:srgbClr val="ffffff"/>
+              </a:solidFill>
+              <a:latin typeface="Arial"/>
+            </a:endParaRPr>
+          </a:p>
+          <a:p>
+            <a:pPr marL="216000" indent="-216000">
+              <a:lnSpc>
+                <a:spcPct val="100000"/>
+              </a:lnSpc>
+              <a:buClr>
+                <a:srgbClr val="ffffff"/>
+              </a:buClr>
+              <a:buFont typeface="Wingdings" charset="2"/>
+              <a:buChar char=""/>
+            </a:pPr>
+            <a:r>
+              <a:rPr b="1" lang="en-US" sz="1800" spc="-1" strike="noStrike">
+                <a:solidFill>
+                  <a:schemeClr val="lt1"/>
+                </a:solidFill>
+                <a:latin typeface="Calibri"/>
+                <a:ea typeface="DejaVu Sans"/>
+              </a:rPr>
+              <a:t>Streams API</a:t>
+            </a:r>
+            <a:endParaRPr b="0" lang="en-US" sz="1800" spc="-1" strike="noStrike">
+              <a:solidFill>
+                <a:srgbClr val="ffffff"/>
+              </a:solidFill>
+              <a:latin typeface="Arial"/>
+            </a:endParaRPr>
+          </a:p>
+          <a:p>
+            <a:pPr marL="216000" indent="-216000">
+              <a:lnSpc>
+                <a:spcPct val="100000"/>
+              </a:lnSpc>
+              <a:buClr>
+                <a:srgbClr val="ffffff"/>
+              </a:buClr>
+              <a:buFont typeface="Wingdings" charset="2"/>
+              <a:buChar char=""/>
+            </a:pPr>
+            <a:r>
+              <a:rPr b="1" lang="en-US" sz="1800" spc="-1" strike="noStrike">
+                <a:solidFill>
+                  <a:schemeClr val="lt1"/>
+                </a:solidFill>
+                <a:latin typeface="Calibri"/>
+                <a:ea typeface="DejaVu Sans"/>
+              </a:rPr>
+              <a:t>Optional &amp; Functional Interfaces</a:t>
+            </a:r>
+            <a:endParaRPr b="0" lang="en-US" sz="1800" spc="-1" strike="noStrike">
+              <a:solidFill>
+                <a:srgbClr val="ffffff"/>
+              </a:solidFill>
+              <a:latin typeface="Arial"/>
+            </a:endParaRPr>
+          </a:p>
+          <a:p>
+            <a:pPr marL="216000" indent="-216000">
+              <a:lnSpc>
+                <a:spcPct val="100000"/>
+              </a:lnSpc>
+              <a:buClr>
+                <a:srgbClr val="ffffff"/>
+              </a:buClr>
+              <a:buFont typeface="Wingdings" charset="2"/>
+              <a:buChar char=""/>
+            </a:pPr>
+            <a:r>
+              <a:rPr b="1" lang="en-US" sz="1800" spc="-1" strike="noStrike">
+                <a:solidFill>
+                  <a:schemeClr val="lt1"/>
+                </a:solidFill>
+                <a:latin typeface="Calibri"/>
+                <a:ea typeface="DejaVu Sans"/>
+              </a:rPr>
+              <a:t>CompletableFuture (Async programming)</a:t>
+            </a:r>
+            <a:endParaRPr b="0" lang="en-US" sz="1800" spc="-1" strike="noStrike">
+              <a:solidFill>
+                <a:srgbClr val="ffffff"/>
+              </a:solidFill>
+              <a:latin typeface="Arial"/>
+            </a:endParaRPr>
+          </a:p>
+          <a:p>
+            <a:pPr marL="216000" indent="-216000">
+              <a:lnSpc>
+                <a:spcPct val="100000"/>
+              </a:lnSpc>
+              <a:buClr>
+                <a:srgbClr val="ffffff"/>
+              </a:buClr>
+              <a:buFont typeface="Wingdings" charset="2"/>
+              <a:buChar char=""/>
+            </a:pPr>
+            <a:r>
+              <a:rPr b="1" lang="en-US" sz="1800" spc="-1" strike="noStrike">
+                <a:solidFill>
+                  <a:schemeClr val="lt1"/>
+                </a:solidFill>
+                <a:latin typeface="Calibri"/>
+                <a:ea typeface="DejaVu Sans"/>
+              </a:rPr>
+              <a:t>Records (immutable data carriers)</a:t>
+            </a:r>
+            <a:endParaRPr b="0" lang="en-US" sz="1800" spc="-1" strike="noStrike">
+              <a:solidFill>
+                <a:srgbClr val="ffffff"/>
+              </a:solidFill>
+              <a:latin typeface="Arial"/>
+            </a:endParaRPr>
+          </a:p>
+          <a:p>
+            <a:pPr marL="216000" indent="-216000">
+              <a:lnSpc>
+                <a:spcPct val="100000"/>
+              </a:lnSpc>
+              <a:buClr>
+                <a:srgbClr val="ffffff"/>
+              </a:buClr>
+              <a:buFont typeface="Wingdings" charset="2"/>
+              <a:buChar char=""/>
+            </a:pPr>
+            <a:r>
+              <a:rPr b="1" lang="en-US" sz="1800" spc="-1" strike="noStrike">
+                <a:solidFill>
+                  <a:schemeClr val="lt1"/>
+                </a:solidFill>
+                <a:latin typeface="Calibri"/>
+                <a:ea typeface="DejaVu Sans"/>
+              </a:rPr>
+              <a:t>Pattern Matching (instanceof, switch)</a:t>
+            </a:r>
+            <a:endParaRPr b="0" lang="en-US" sz="1800" spc="-1" strike="noStrike">
+              <a:solidFill>
+                <a:srgbClr val="ffffff"/>
+              </a:solidFill>
+              <a:latin typeface="Arial"/>
+            </a:endParaRPr>
+          </a:p>
+        </p:txBody>
+      </p:sp>
+      <p:sp>
+        <p:nvSpPr>
+          <p:cNvPr id="426" name="Rounded Rectangle 108"/>
+          <p:cNvSpPr/>
+          <p:nvPr/>
+        </p:nvSpPr>
+        <p:spPr>
+          <a:xfrm>
+            <a:off x="4968360" y="3506040"/>
+            <a:ext cx="3623040" cy="3018240"/>
+          </a:xfrm>
+          <a:prstGeom prst="roundRect">
+            <a:avLst>
+              <a:gd name="adj" fmla="val 16667"/>
+            </a:avLst>
+          </a:prstGeom>
+          <a:solidFill>
+            <a:srgbClr val="08080a"/>
+          </a:solidFill>
+          <a:ln>
+            <a:noFill/>
+          </a:ln>
+          <a:effectLst>
+            <a:outerShdw blurRad="39960" dir="5400000" dist="23040" rotWithShape="0">
+              <a:srgbClr val="000000">
+                <a:alpha val="35000"/>
+              </a:srgbClr>
+            </a:outerShdw>
+          </a:effectLst>
+        </p:spPr>
+        <p:style>
+          <a:lnRef idx="1">
+            <a:schemeClr val="accent1"/>
+          </a:lnRef>
+          <a:fillRef idx="3">
+            <a:schemeClr val="accent1"/>
+          </a:fillRef>
+          <a:effectRef idx="2">
+            <a:schemeClr val="accent1"/>
+          </a:effectRef>
+          <a:fontRef idx="minor"/>
+        </p:style>
+        <p:txBody>
+          <a:bodyPr lIns="90000" rIns="90000" tIns="45000" bIns="45000" anchor="ctr">
+            <a:noAutofit/>
+          </a:bodyPr>
+          <a:p>
+            <a:endParaRPr b="0" lang="en-US" sz="1800" spc="-1" strike="noStrike">
+              <a:solidFill>
+                <a:schemeClr val="lt1"/>
+              </a:solidFill>
+              <a:latin typeface="Calibri"/>
+              <a:ea typeface="DejaVu Sans"/>
+            </a:endParaRPr>
+          </a:p>
+        </p:txBody>
+      </p:sp>
+      <p:sp>
+        <p:nvSpPr>
+          <p:cNvPr id="427" name="Rounded Rectangle 109"/>
+          <p:cNvSpPr/>
+          <p:nvPr/>
+        </p:nvSpPr>
+        <p:spPr>
+          <a:xfrm>
+            <a:off x="8849160" y="3506040"/>
+            <a:ext cx="3623040" cy="3018240"/>
+          </a:xfrm>
+          <a:prstGeom prst="roundRect">
+            <a:avLst>
+              <a:gd name="adj" fmla="val 16667"/>
+            </a:avLst>
+          </a:prstGeom>
+          <a:solidFill>
+            <a:srgbClr val="08080a"/>
+          </a:solidFill>
+          <a:ln>
+            <a:noFill/>
+          </a:ln>
+          <a:effectLst>
+            <a:outerShdw blurRad="39960" dir="5400000" dist="23040" rotWithShape="0">
+              <a:srgbClr val="000000">
+                <a:alpha val="35000"/>
+              </a:srgbClr>
+            </a:outerShdw>
+          </a:effectLst>
+        </p:spPr>
+        <p:style>
+          <a:lnRef idx="1">
+            <a:schemeClr val="accent1"/>
+          </a:lnRef>
+          <a:fillRef idx="3">
+            <a:schemeClr val="accent1"/>
+          </a:fillRef>
+          <a:effectRef idx="2">
+            <a:schemeClr val="accent1"/>
+          </a:effectRef>
+          <a:fontRef idx="minor"/>
+        </p:style>
+        <p:txBody>
+          <a:bodyPr lIns="90000" rIns="90000" tIns="45000" bIns="45000" anchor="ctr">
+            <a:noAutofit/>
+          </a:bodyPr>
+          <a:p>
+            <a:endParaRPr b="0" lang="en-US" sz="1800" spc="-1" strike="noStrike">
+              <a:solidFill>
+                <a:schemeClr val="lt1"/>
+              </a:solidFill>
+              <a:latin typeface="Calibri"/>
+              <a:ea typeface="DejaVu Sans"/>
+            </a:endParaRPr>
+          </a:p>
+        </p:txBody>
+      </p:sp>
+      <p:sp>
+        <p:nvSpPr>
+          <p:cNvPr id="428" name="Rounded Rectangle 110"/>
+          <p:cNvSpPr/>
+          <p:nvPr/>
+        </p:nvSpPr>
+        <p:spPr>
+          <a:xfrm>
+            <a:off x="8767440" y="3425040"/>
+            <a:ext cx="3623400" cy="3018600"/>
+          </a:xfrm>
+          <a:prstGeom prst="roundRect">
+            <a:avLst>
+              <a:gd name="adj" fmla="val 16667"/>
+            </a:avLst>
+          </a:prstGeom>
+          <a:solidFill>
+            <a:srgbClr val="16161c"/>
+          </a:solidFill>
+          <a:ln>
+            <a:solidFill>
+              <a:srgbClr val="464655"/>
+            </a:solidFill>
+            <a:round/>
+          </a:ln>
+          <a:effectLst>
+            <a:outerShdw blurRad="39960" dir="5400000" dist="23040" rotWithShape="0">
+              <a:srgbClr val="000000">
+                <a:alpha val="35000"/>
+              </a:srgbClr>
+            </a:outerShdw>
+          </a:effectLst>
+        </p:spPr>
+        <p:style>
+          <a:lnRef idx="1">
+            <a:schemeClr val="accent1"/>
+          </a:lnRef>
+          <a:fillRef idx="3">
+            <a:schemeClr val="accent1"/>
+          </a:fillRef>
+          <a:effectRef idx="2">
+            <a:schemeClr val="accent1"/>
+          </a:effectRef>
+          <a:fontRef idx="minor"/>
+        </p:style>
+        <p:txBody>
+          <a:bodyPr lIns="90000" rIns="90000" tIns="45000" bIns="45000" anchor="ctr">
+            <a:noAutofit/>
+          </a:bodyPr>
+          <a:p>
+            <a:pPr algn="ctr">
+              <a:lnSpc>
+                <a:spcPct val="100000"/>
+              </a:lnSpc>
+            </a:pPr>
+            <a:endParaRPr b="0" lang="en-US" sz="2000" spc="-1" strike="noStrike">
+              <a:solidFill>
+                <a:srgbClr val="ffffff"/>
+              </a:solidFill>
+              <a:latin typeface="Arial"/>
+            </a:endParaRPr>
+          </a:p>
+          <a:p>
+            <a:pPr algn="ctr">
+              <a:lnSpc>
+                <a:spcPct val="100000"/>
+              </a:lnSpc>
+            </a:pPr>
+            <a:endParaRPr b="0" lang="en-US" sz="2000" spc="-1" strike="noStrike">
+              <a:solidFill>
+                <a:srgbClr val="ffffff"/>
+              </a:solidFill>
+              <a:latin typeface="Arial"/>
+            </a:endParaRPr>
+          </a:p>
+          <a:p>
+            <a:pPr algn="ctr">
+              <a:lnSpc>
+                <a:spcPct val="100000"/>
+              </a:lnSpc>
+            </a:pPr>
+            <a:endParaRPr b="0" lang="en-US" sz="2000" spc="-1" strike="noStrike">
+              <a:solidFill>
+                <a:srgbClr val="ffffff"/>
+              </a:solidFill>
+              <a:latin typeface="Arial"/>
+            </a:endParaRPr>
+          </a:p>
+          <a:p>
+            <a:pPr algn="ctr">
+              <a:lnSpc>
+                <a:spcPct val="100000"/>
+              </a:lnSpc>
+            </a:pPr>
+            <a:endParaRPr b="0" lang="en-US" sz="2000" spc="-1" strike="noStrike">
+              <a:solidFill>
+                <a:srgbClr val="ffffff"/>
+              </a:solidFill>
+              <a:latin typeface="Arial"/>
+            </a:endParaRPr>
+          </a:p>
+          <a:p>
+            <a:pPr algn="ctr">
+              <a:lnSpc>
+                <a:spcPct val="100000"/>
+              </a:lnSpc>
+            </a:pPr>
+            <a:endParaRPr b="0" lang="en-US" sz="2000" spc="-1" strike="noStrike">
+              <a:solidFill>
+                <a:srgbClr val="ffffff"/>
+              </a:solidFill>
+              <a:latin typeface="Arial"/>
+            </a:endParaRPr>
+          </a:p>
+          <a:p>
+            <a:pPr algn="ctr">
+              <a:lnSpc>
+                <a:spcPct val="100000"/>
+              </a:lnSpc>
+            </a:pPr>
+            <a:endParaRPr b="0" lang="en-US" sz="2000" spc="-1" strike="noStrike">
+              <a:solidFill>
+                <a:srgbClr val="ffffff"/>
+              </a:solidFill>
+              <a:latin typeface="Arial"/>
+            </a:endParaRPr>
+          </a:p>
+          <a:p>
+            <a:pPr algn="ctr">
+              <a:lnSpc>
+                <a:spcPct val="100000"/>
+              </a:lnSpc>
+            </a:pPr>
+            <a:endParaRPr b="0" lang="en-US" sz="2000" spc="-1" strike="noStrike">
+              <a:solidFill>
+                <a:srgbClr val="ffffff"/>
+              </a:solidFill>
+              <a:latin typeface="Arial"/>
+            </a:endParaRPr>
+          </a:p>
+          <a:p>
+            <a:pPr algn="ctr">
+              <a:lnSpc>
+                <a:spcPct val="100000"/>
+              </a:lnSpc>
+            </a:pPr>
+            <a:endParaRPr b="0" lang="en-US" sz="2000" spc="-1" strike="noStrike">
+              <a:solidFill>
+                <a:srgbClr val="ffffff"/>
+              </a:solidFill>
+              <a:latin typeface="Arial"/>
+            </a:endParaRPr>
+          </a:p>
+          <a:p>
+            <a:pPr algn="ctr">
+              <a:lnSpc>
+                <a:spcPct val="100000"/>
+              </a:lnSpc>
+            </a:pPr>
+            <a:r>
+              <a:rPr b="0" lang="en-US" sz="2000" spc="-1" strike="noStrike">
+                <a:solidFill>
+                  <a:srgbClr val="78ffc8"/>
+                </a:solidFill>
+                <a:latin typeface="Consolas"/>
+                <a:ea typeface="DejaVu Sans"/>
+              </a:rPr>
+              <a:t>List&lt;String&gt; activeUsers =</a:t>
+            </a:r>
+            <a:endParaRPr b="0" lang="en-US" sz="2000" spc="-1" strike="noStrike">
+              <a:solidFill>
+                <a:srgbClr val="ffffff"/>
+              </a:solidFill>
+              <a:latin typeface="Arial"/>
+            </a:endParaRPr>
+          </a:p>
+          <a:p>
+            <a:pPr algn="ctr">
+              <a:lnSpc>
+                <a:spcPct val="100000"/>
+              </a:lnSpc>
+            </a:pPr>
+            <a:r>
+              <a:rPr b="0" lang="en-US" sz="2000" spc="-1" strike="noStrike">
+                <a:solidFill>
+                  <a:srgbClr val="78ffc8"/>
+                </a:solidFill>
+                <a:latin typeface="Consolas"/>
+                <a:ea typeface="DejaVu Sans"/>
+              </a:rPr>
+              <a:t>    </a:t>
+            </a:r>
+            <a:r>
+              <a:rPr b="0" lang="en-US" sz="2000" spc="-1" strike="noStrike">
+                <a:solidFill>
+                  <a:srgbClr val="78ffc8"/>
+                </a:solidFill>
+                <a:latin typeface="Consolas"/>
+                <a:ea typeface="DejaVu Sans"/>
+              </a:rPr>
+              <a:t>users.stream()</a:t>
+            </a:r>
+            <a:endParaRPr b="0" lang="en-US" sz="2000" spc="-1" strike="noStrike">
+              <a:solidFill>
+                <a:srgbClr val="ffffff"/>
+              </a:solidFill>
+              <a:latin typeface="Arial"/>
+            </a:endParaRPr>
+          </a:p>
+          <a:p>
+            <a:pPr algn="ctr">
+              <a:lnSpc>
+                <a:spcPct val="100000"/>
+              </a:lnSpc>
+            </a:pPr>
+            <a:r>
+              <a:rPr b="0" lang="en-US" sz="2000" spc="-1" strike="noStrike">
+                <a:solidFill>
+                  <a:srgbClr val="78ffc8"/>
+                </a:solidFill>
+                <a:latin typeface="Consolas"/>
+                <a:ea typeface="DejaVu Sans"/>
+              </a:rPr>
+              <a:t>         </a:t>
+            </a:r>
+            <a:r>
+              <a:rPr b="0" lang="en-US" sz="2000" spc="-1" strike="noStrike">
+                <a:solidFill>
+                  <a:srgbClr val="78ffc8"/>
+                </a:solidFill>
+                <a:latin typeface="Consolas"/>
+                <a:ea typeface="DejaVu Sans"/>
+              </a:rPr>
+              <a:t>.filter(User::isActive)</a:t>
+            </a:r>
+            <a:endParaRPr b="0" lang="en-US" sz="2000" spc="-1" strike="noStrike">
+              <a:solidFill>
+                <a:srgbClr val="ffffff"/>
+              </a:solidFill>
+              <a:latin typeface="Arial"/>
+            </a:endParaRPr>
+          </a:p>
+          <a:p>
+            <a:pPr algn="ctr">
+              <a:lnSpc>
+                <a:spcPct val="100000"/>
+              </a:lnSpc>
+            </a:pPr>
+            <a:r>
+              <a:rPr b="0" lang="en-US" sz="2000" spc="-1" strike="noStrike">
+                <a:solidFill>
+                  <a:srgbClr val="78ffc8"/>
+                </a:solidFill>
+                <a:latin typeface="Consolas"/>
+                <a:ea typeface="DejaVu Sans"/>
+              </a:rPr>
+              <a:t>         </a:t>
+            </a:r>
+            <a:r>
+              <a:rPr b="0" lang="en-US" sz="2000" spc="-1" strike="noStrike">
+                <a:solidFill>
+                  <a:srgbClr val="78ffc8"/>
+                </a:solidFill>
+                <a:latin typeface="Consolas"/>
+                <a:ea typeface="DejaVu Sans"/>
+              </a:rPr>
+              <a:t>.map(User::getName)</a:t>
+            </a:r>
+            <a:endParaRPr b="0" lang="en-US" sz="2000" spc="-1" strike="noStrike">
+              <a:solidFill>
+                <a:srgbClr val="ffffff"/>
+              </a:solidFill>
+              <a:latin typeface="Arial"/>
+            </a:endParaRPr>
+          </a:p>
+          <a:p>
+            <a:pPr algn="ctr">
+              <a:lnSpc>
+                <a:spcPct val="100000"/>
+              </a:lnSpc>
+            </a:pPr>
+            <a:r>
+              <a:rPr b="0" lang="en-US" sz="2000" spc="-1" strike="noStrike">
+                <a:solidFill>
+                  <a:srgbClr val="78ffc8"/>
+                </a:solidFill>
+                <a:latin typeface="Consolas"/>
+                <a:ea typeface="DejaVu Sans"/>
+              </a:rPr>
+              <a:t>         </a:t>
+            </a:r>
+            <a:r>
+              <a:rPr b="0" lang="en-US" sz="2000" spc="-1" strike="noStrike">
+                <a:solidFill>
+                  <a:srgbClr val="78ffc8"/>
+                </a:solidFill>
+                <a:latin typeface="Consolas"/>
+                <a:ea typeface="DejaVu Sans"/>
+              </a:rPr>
+              <a:t>.toList();</a:t>
+            </a:r>
+            <a:endParaRPr b="0" lang="en-US" sz="2000" spc="-1" strike="noStrike">
+              <a:solidFill>
+                <a:srgbClr val="ffffff"/>
+              </a:solidFill>
+              <a:latin typeface="Arial"/>
+            </a:endParaRPr>
+          </a:p>
+          <a:p>
+            <a:pPr algn="ctr">
+              <a:lnSpc>
+                <a:spcPct val="100000"/>
+              </a:lnSpc>
+            </a:pPr>
+            <a:endParaRPr b="0" lang="en-US" sz="2000" spc="-1" strike="noStrike">
+              <a:solidFill>
+                <a:srgbClr val="ffffff"/>
+              </a:solidFill>
+              <a:latin typeface="Arial"/>
+            </a:endParaRPr>
+          </a:p>
+          <a:p>
+            <a:pPr algn="ctr">
+              <a:lnSpc>
+                <a:spcPct val="100000"/>
+              </a:lnSpc>
+            </a:pPr>
+            <a:endParaRPr b="0" lang="en-US" sz="2000" spc="-1" strike="noStrike">
+              <a:solidFill>
+                <a:srgbClr val="ffffff"/>
+              </a:solidFill>
+              <a:latin typeface="Arial"/>
+            </a:endParaRPr>
+          </a:p>
+          <a:p>
+            <a:pPr algn="ctr">
+              <a:lnSpc>
+                <a:spcPct val="100000"/>
+              </a:lnSpc>
+            </a:pPr>
+            <a:endParaRPr b="0" lang="en-US" sz="2000" spc="-1" strike="noStrike">
+              <a:solidFill>
+                <a:srgbClr val="ffffff"/>
+              </a:solidFill>
+              <a:latin typeface="Arial"/>
+            </a:endParaRPr>
+          </a:p>
+          <a:p>
+            <a:pPr algn="ctr">
+              <a:lnSpc>
+                <a:spcPct val="100000"/>
+              </a:lnSpc>
+            </a:pPr>
+            <a:endParaRPr b="0" lang="en-US" sz="2000" spc="-1" strike="noStrike">
+              <a:solidFill>
+                <a:srgbClr val="ffffff"/>
+              </a:solidFill>
+              <a:latin typeface="Arial"/>
+            </a:endParaRPr>
+          </a:p>
+          <a:p>
+            <a:pPr algn="ctr">
+              <a:lnSpc>
+                <a:spcPct val="100000"/>
+              </a:lnSpc>
+            </a:pPr>
+            <a:endParaRPr b="0" lang="en-US" sz="2000" spc="-1" strike="noStrike">
+              <a:solidFill>
+                <a:srgbClr val="ffffff"/>
+              </a:solidFill>
+              <a:latin typeface="Arial"/>
+            </a:endParaRPr>
+          </a:p>
+          <a:p>
+            <a:pPr algn="ctr">
+              <a:lnSpc>
+                <a:spcPct val="100000"/>
+              </a:lnSpc>
+            </a:pPr>
+            <a:endParaRPr b="0" lang="en-US" sz="2000" spc="-1" strike="noStrike">
+              <a:solidFill>
+                <a:srgbClr val="ffffff"/>
+              </a:solidFill>
+              <a:latin typeface="Arial"/>
+            </a:endParaRPr>
+          </a:p>
+          <a:p>
+            <a:pPr algn="ctr">
+              <a:lnSpc>
+                <a:spcPct val="100000"/>
+              </a:lnSpc>
+            </a:pPr>
+            <a:endParaRPr b="0" lang="en-US" sz="2000" spc="-1" strike="noStrike">
+              <a:solidFill>
+                <a:srgbClr val="ffffff"/>
+              </a:solidFill>
+              <a:latin typeface="Arial"/>
+            </a:endParaRPr>
+          </a:p>
+          <a:p>
+            <a:pPr algn="ctr">
+              <a:lnSpc>
+                <a:spcPct val="100000"/>
+              </a:lnSpc>
+            </a:pPr>
+            <a:endParaRPr b="0" lang="en-US" sz="2000" spc="-1" strike="noStrike">
+              <a:solidFill>
+                <a:srgbClr val="ffffff"/>
+              </a:solidFill>
+              <a:latin typeface="Arial"/>
+            </a:endParaRPr>
+          </a:p>
+          <a:p>
+            <a:pPr algn="ctr">
+              <a:lnSpc>
+                <a:spcPct val="100000"/>
+              </a:lnSpc>
+            </a:pPr>
+            <a:endParaRPr b="0" lang="en-US" sz="2000" spc="-1" strike="noStrike">
+              <a:solidFill>
+                <a:srgbClr val="ffffff"/>
+              </a:solidFill>
+              <a:latin typeface="Arial"/>
+            </a:endParaRPr>
+          </a:p>
+        </p:txBody>
+      </p:sp>
+      <p:sp>
+        <p:nvSpPr>
+          <p:cNvPr id="429" name="TextBox 48"/>
+          <p:cNvSpPr/>
+          <p:nvPr/>
+        </p:nvSpPr>
+        <p:spPr>
+          <a:xfrm>
+            <a:off x="5224320" y="7104600"/>
+            <a:ext cx="3051360" cy="363960"/>
+          </a:xfrm>
+          <a:prstGeom prst="rect">
+            <a:avLst/>
+          </a:prstGeom>
+          <a:noFill/>
+          <a:ln w="0">
+            <a:noFill/>
+          </a:ln>
+        </p:spPr>
+        <p:style>
+          <a:lnRef idx="0"/>
+          <a:fillRef idx="0"/>
+          <a:effectRef idx="0"/>
+          <a:fontRef idx="minor"/>
+        </p:style>
+        <p:txBody>
+          <a:bodyPr wrap="none" lIns="90000" rIns="90000" tIns="45000" bIns="45000" anchor="t">
+            <a:spAutoFit/>
+          </a:bodyPr>
+          <a:p>
+            <a:pPr>
+              <a:lnSpc>
+                <a:spcPct val="100000"/>
+              </a:lnSpc>
+            </a:pPr>
+            <a:r>
+              <a:rPr b="0" lang="en-US" sz="1800" spc="-1" strike="noStrike">
+                <a:solidFill>
+                  <a:srgbClr val="000000"/>
+                </a:solidFill>
+                <a:latin typeface="Calibri"/>
+                <a:ea typeface="DejaVu Sans"/>
+              </a:rPr>
+              <a:t>Java • Ultra Premium Template</a:t>
+            </a:r>
+            <a:endParaRPr b="0" lang="en-US" sz="1800" spc="-1" strike="noStrike">
+              <a:solidFill>
+                <a:srgbClr val="000000"/>
+              </a:solidFill>
+              <a:latin typeface="Arial"/>
+            </a:endParaRPr>
+          </a:p>
+        </p:txBody>
+      </p:sp>
+      <p:sp>
+        <p:nvSpPr>
+          <p:cNvPr id="430" name="Rounded Rectangle 111"/>
+          <p:cNvSpPr/>
+          <p:nvPr/>
+        </p:nvSpPr>
+        <p:spPr>
+          <a:xfrm>
+            <a:off x="4941000" y="3450960"/>
+            <a:ext cx="3623400" cy="3018600"/>
+          </a:xfrm>
+          <a:prstGeom prst="roundRect">
+            <a:avLst>
+              <a:gd name="adj" fmla="val 16667"/>
+            </a:avLst>
+          </a:prstGeom>
+          <a:solidFill>
+            <a:srgbClr val="16161c"/>
+          </a:solidFill>
+          <a:ln>
+            <a:solidFill>
+              <a:srgbClr val="464655"/>
+            </a:solidFill>
+            <a:round/>
+          </a:ln>
+          <a:effectLst>
+            <a:outerShdw blurRad="39960" dir="5400000" dist="23040" rotWithShape="0">
+              <a:srgbClr val="000000">
+                <a:alpha val="35000"/>
+              </a:srgbClr>
+            </a:outerShdw>
+          </a:effectLst>
+        </p:spPr>
+        <p:style>
+          <a:lnRef idx="1">
+            <a:schemeClr val="accent1"/>
+          </a:lnRef>
+          <a:fillRef idx="3">
+            <a:schemeClr val="accent1"/>
+          </a:fillRef>
+          <a:effectRef idx="2">
+            <a:schemeClr val="accent1"/>
+          </a:effectRef>
+          <a:fontRef idx="minor"/>
+        </p:style>
+        <p:txBody>
+          <a:bodyPr lIns="90000" rIns="90000" tIns="45000" bIns="45000" anchor="ctr">
+            <a:noAutofit/>
+          </a:bodyPr>
+          <a:p>
+            <a:pPr>
+              <a:lnSpc>
+                <a:spcPct val="100000"/>
+              </a:lnSpc>
+            </a:pPr>
+            <a:r>
+              <a:rPr b="1" lang="en-US" sz="1600" spc="-1" strike="noStrike">
+                <a:solidFill>
+                  <a:schemeClr val="lt1"/>
+                </a:solidFill>
+                <a:latin typeface="Calibri"/>
+                <a:ea typeface="DejaVu Sans"/>
+              </a:rPr>
+              <a:t>↓ </a:t>
+            </a:r>
+            <a:r>
+              <a:rPr b="1" lang="en-US" sz="1600" spc="-1" strike="noStrike">
+                <a:solidFill>
+                  <a:schemeClr val="lt1"/>
+                </a:solidFill>
+                <a:latin typeface="Calibri"/>
+                <a:ea typeface="DejaVu Sans"/>
+              </a:rPr>
+              <a:t>More expressive code</a:t>
+            </a:r>
+            <a:endParaRPr b="0" lang="en-US" sz="1600" spc="-1" strike="noStrike">
+              <a:solidFill>
+                <a:srgbClr val="ffffff"/>
+              </a:solidFill>
+              <a:latin typeface="Arial"/>
+            </a:endParaRPr>
+          </a:p>
+          <a:p>
+            <a:pPr>
+              <a:lnSpc>
+                <a:spcPct val="100000"/>
+              </a:lnSpc>
+            </a:pPr>
+            <a:r>
+              <a:rPr b="1" lang="en-US" sz="1600" spc="-1" strike="noStrike">
+                <a:solidFill>
+                  <a:schemeClr val="lt1"/>
+                </a:solidFill>
+                <a:latin typeface="Calibri"/>
+                <a:ea typeface="DejaVu Sans"/>
+              </a:rPr>
+              <a:t>↓ </a:t>
+            </a:r>
+            <a:r>
+              <a:rPr b="1" lang="en-US" sz="1600" spc="-1" strike="noStrike">
+                <a:solidFill>
+                  <a:schemeClr val="lt1"/>
+                </a:solidFill>
+                <a:latin typeface="Calibri"/>
+                <a:ea typeface="DejaVu Sans"/>
+              </a:rPr>
+              <a:t>Less boilerplate</a:t>
+            </a:r>
+            <a:endParaRPr b="0" lang="en-US" sz="1600" spc="-1" strike="noStrike">
+              <a:solidFill>
+                <a:srgbClr val="ffffff"/>
+              </a:solidFill>
+              <a:latin typeface="Arial"/>
+            </a:endParaRPr>
+          </a:p>
+          <a:p>
+            <a:pPr>
+              <a:lnSpc>
+                <a:spcPct val="100000"/>
+              </a:lnSpc>
+            </a:pPr>
+            <a:r>
+              <a:rPr b="1" lang="en-US" sz="1600" spc="-1" strike="noStrike">
+                <a:solidFill>
+                  <a:schemeClr val="lt1"/>
+                </a:solidFill>
+                <a:latin typeface="Calibri"/>
+                <a:ea typeface="DejaVu Sans"/>
+              </a:rPr>
+              <a:t>↓ </a:t>
+            </a:r>
+            <a:r>
+              <a:rPr b="1" lang="en-US" sz="1600" spc="-1" strike="noStrike">
+                <a:solidFill>
+                  <a:schemeClr val="lt1"/>
+                </a:solidFill>
+                <a:latin typeface="Calibri"/>
+                <a:ea typeface="DejaVu Sans"/>
+              </a:rPr>
+              <a:t>Better performance</a:t>
+            </a:r>
+            <a:endParaRPr b="0" lang="en-US" sz="1600" spc="-1" strike="noStrike">
+              <a:solidFill>
+                <a:srgbClr val="ffffff"/>
+              </a:solidFill>
+              <a:latin typeface="Arial"/>
+            </a:endParaRPr>
+          </a:p>
+          <a:p>
+            <a:pPr>
+              <a:lnSpc>
+                <a:spcPct val="100000"/>
+              </a:lnSpc>
+            </a:pPr>
+            <a:r>
+              <a:rPr b="1" lang="en-US" sz="1600" spc="-1" strike="noStrike">
+                <a:solidFill>
+                  <a:schemeClr val="lt1"/>
+                </a:solidFill>
+                <a:latin typeface="Calibri"/>
+                <a:ea typeface="DejaVu Sans"/>
+              </a:rPr>
+              <a:t>↓ </a:t>
+            </a:r>
+            <a:r>
+              <a:rPr b="1" lang="en-US" sz="1600" spc="-1" strike="noStrike">
+                <a:solidFill>
+                  <a:schemeClr val="lt1"/>
+                </a:solidFill>
+                <a:latin typeface="Calibri"/>
+                <a:ea typeface="DejaVu Sans"/>
+              </a:rPr>
+              <a:t>Parallel &amp; async processing</a:t>
+            </a:r>
+            <a:endParaRPr b="0" lang="en-US" sz="1600" spc="-1" strike="noStrike">
+              <a:solidFill>
+                <a:srgbClr val="ffffff"/>
+              </a:solidFill>
+              <a:latin typeface="Arial"/>
+            </a:endParaRPr>
+          </a:p>
+          <a:p>
+            <a:pPr>
+              <a:lnSpc>
+                <a:spcPct val="100000"/>
+              </a:lnSpc>
+            </a:pPr>
+            <a:r>
+              <a:rPr b="1" lang="en-US" sz="1600" spc="-1" strike="noStrike">
+                <a:solidFill>
+                  <a:schemeClr val="lt1"/>
+                </a:solidFill>
+                <a:latin typeface="Calibri"/>
+                <a:ea typeface="DejaVu Sans"/>
+              </a:rPr>
+              <a:t>↓ </a:t>
+            </a:r>
+            <a:r>
+              <a:rPr b="1" lang="en-US" sz="1600" spc="-1" strike="noStrike">
+                <a:solidFill>
+                  <a:schemeClr val="lt1"/>
+                </a:solidFill>
+                <a:latin typeface="Calibri"/>
+                <a:ea typeface="DejaVu Sans"/>
+              </a:rPr>
+              <a:t>Modern programming paradigms</a:t>
+            </a:r>
+            <a:endParaRPr b="0" lang="en-US" sz="1600" spc="-1" strike="noStrike">
+              <a:solidFill>
+                <a:srgbClr val="ffffff"/>
+              </a:solidFill>
+              <a:latin typeface="Arial"/>
+            </a:endParaRPr>
+          </a:p>
+          <a:p>
+            <a:pPr>
+              <a:lnSpc>
+                <a:spcPct val="100000"/>
+              </a:lnSpc>
+            </a:pPr>
+            <a:r>
+              <a:rPr b="1" lang="en-US" sz="1600" spc="-1" strike="noStrike">
+                <a:solidFill>
+                  <a:schemeClr val="lt1"/>
+                </a:solidFill>
+                <a:latin typeface="Calibri"/>
+                <a:ea typeface="DejaVu Sans"/>
+              </a:rPr>
+              <a:t>↓ </a:t>
+            </a:r>
+            <a:r>
+              <a:rPr b="1" lang="en-US" sz="1600" spc="-1" strike="noStrike">
+                <a:solidFill>
+                  <a:schemeClr val="lt1"/>
+                </a:solidFill>
+                <a:latin typeface="Calibri"/>
+                <a:ea typeface="DejaVu Sans"/>
+              </a:rPr>
+              <a:t>Readability + maintainability</a:t>
+            </a:r>
+            <a:endParaRPr b="0" lang="en-US" sz="1600" spc="-1" strike="noStrike">
+              <a:solidFill>
+                <a:srgbClr val="ffffff"/>
+              </a:solidFill>
+              <a:latin typeface="Arial"/>
+            </a:endParaRPr>
+          </a:p>
+          <a:p>
+            <a:pPr>
+              <a:lnSpc>
+                <a:spcPct val="100000"/>
+              </a:lnSpc>
+            </a:pPr>
+            <a:endParaRPr b="0" lang="en-US" sz="1600" spc="-1" strike="noStrike">
+              <a:solidFill>
+                <a:srgbClr val="ffffff"/>
+              </a:solidFill>
+              <a:latin typeface="Arial"/>
+            </a:endParaRPr>
+          </a:p>
+          <a:p>
+            <a:pPr>
+              <a:lnSpc>
+                <a:spcPct val="100000"/>
+              </a:lnSpc>
+            </a:pPr>
+            <a:r>
+              <a:rPr b="0" lang="en-US" sz="1600" spc="-1" strike="noStrike">
+                <a:solidFill>
+                  <a:schemeClr val="lt1"/>
+                </a:solidFill>
+                <a:latin typeface="Calibri"/>
+                <a:ea typeface="DejaVu Sans"/>
+              </a:rPr>
+              <a:t>Before Java 8:</a:t>
+            </a:r>
+            <a:endParaRPr b="0" lang="en-US" sz="1600" spc="-1" strike="noStrike">
+              <a:solidFill>
+                <a:srgbClr val="ffffff"/>
+              </a:solidFill>
+              <a:latin typeface="Arial"/>
+            </a:endParaRPr>
+          </a:p>
+          <a:p>
+            <a:pPr>
+              <a:lnSpc>
+                <a:spcPct val="100000"/>
+              </a:lnSpc>
+            </a:pPr>
+            <a:r>
+              <a:rPr b="1" lang="en-US" sz="1600" spc="-1" strike="noStrike">
+                <a:solidFill>
+                  <a:schemeClr val="lt1"/>
+                </a:solidFill>
+                <a:latin typeface="Calibri"/>
+                <a:ea typeface="DejaVu Sans"/>
+              </a:rPr>
+              <a:t>Imperative, verbose, loop-heavy</a:t>
+            </a:r>
+            <a:endParaRPr b="0" lang="en-US" sz="1600" spc="-1" strike="noStrike">
+              <a:solidFill>
+                <a:srgbClr val="ffffff"/>
+              </a:solidFill>
+              <a:latin typeface="Arial"/>
+            </a:endParaRPr>
+          </a:p>
+          <a:p>
+            <a:pPr>
+              <a:lnSpc>
+                <a:spcPct val="100000"/>
+              </a:lnSpc>
+            </a:pPr>
+            <a:endParaRPr b="0" lang="en-US" sz="1600" spc="-1" strike="noStrike">
+              <a:solidFill>
+                <a:srgbClr val="ffffff"/>
+              </a:solidFill>
+              <a:latin typeface="Arial"/>
+            </a:endParaRPr>
+          </a:p>
+          <a:p>
+            <a:pPr>
+              <a:lnSpc>
+                <a:spcPct val="100000"/>
+              </a:lnSpc>
+            </a:pPr>
+            <a:r>
+              <a:rPr b="0" lang="en-US" sz="1600" spc="-1" strike="noStrike">
+                <a:solidFill>
+                  <a:schemeClr val="lt1"/>
+                </a:solidFill>
+                <a:latin typeface="Calibri"/>
+                <a:ea typeface="DejaVu Sans"/>
+              </a:rPr>
+              <a:t>After Java 8+:</a:t>
+            </a:r>
+            <a:endParaRPr b="0" lang="en-US" sz="1600" spc="-1" strike="noStrike">
+              <a:solidFill>
+                <a:srgbClr val="ffffff"/>
+              </a:solidFill>
+              <a:latin typeface="Arial"/>
+            </a:endParaRPr>
+          </a:p>
+          <a:p>
+            <a:pPr>
+              <a:lnSpc>
+                <a:spcPct val="100000"/>
+              </a:lnSpc>
+            </a:pPr>
+            <a:r>
+              <a:rPr b="1" lang="en-US" sz="1600" spc="-1" strike="noStrike">
+                <a:solidFill>
+                  <a:schemeClr val="lt1"/>
+                </a:solidFill>
+                <a:latin typeface="Calibri"/>
+                <a:ea typeface="DejaVu Sans"/>
+              </a:rPr>
+              <a:t>Declarative, functional, fluent</a:t>
+            </a:r>
+            <a:endParaRPr b="0" lang="en-US" sz="1600" spc="-1" strike="noStrike">
+              <a:solidFill>
+                <a:srgbClr val="ffffff"/>
+              </a:solidFill>
+              <a:latin typeface="Arial"/>
+            </a:endParaRPr>
+          </a:p>
+        </p:txBody>
+      </p:sp>
+    </p:spTree>
+  </p:cSld>
+  <mc:AlternateContent>
+    <mc:Choice Requires="p14">
+      <p:transition spd="slow" p14:dur="2000"/>
+    </mc:Choice>
+    <mc:Fallback>
+      <p:transition spd="slow"/>
+    </mc:Fallback>
+  </mc:AlternateContent>
+</p:sld>
+</file>
+
+<file path=ppt/slides/slide16.xml><?xml version="1.0" encoding="utf-8"?>
+<p:sld xmlns:a="http://schemas.openxmlformats.org/drawingml/2006/main" xmlns:p="http://schemas.openxmlformats.org/presentationml/2006/main" xmlns:r="http://schemas.openxmlformats.org/officeDocument/2006/relationships" xmlns:p14="http://schemas.microsoft.com/office/powerpoint/2010/main" xmlns:p15="http://schemas.microsoft.com/office/powerpoint/2012/main" xmlns:mc="http://schemas.openxmlformats.org/markup-compatibility/2006">
+  <p:cSld>
+    <p:spTree>
+      <p:nvGrpSpPr>
+        <p:cNvPr id="1" name=""/>
+        <p:cNvGrpSpPr/>
+        <p:nvPr/>
+      </p:nvGrpSpPr>
+      <p:grpSpPr>
+        <a:xfrm>
+          <a:off x="0" y="0"/>
+          <a:ext cx="0" cy="0"/>
+          <a:chOff x="0" y="0"/>
+          <a:chExt cx="0" cy="0"/>
+        </a:xfrm>
+      </p:grpSpPr>
+      <p:sp>
+        <p:nvSpPr>
+          <p:cNvPr id="431" name="Rectangle 241"/>
+          <p:cNvSpPr/>
+          <p:nvPr/>
+        </p:nvSpPr>
+        <p:spPr>
+          <a:xfrm>
+            <a:off x="16920" y="1800"/>
+            <a:ext cx="13430880" cy="7554240"/>
+          </a:xfrm>
+          <a:prstGeom prst="rect">
+            <a:avLst/>
+          </a:prstGeom>
+          <a:solidFill>
+            <a:srgbClr val="0b0b0d"/>
+          </a:solidFill>
+          <a:ln>
+            <a:noFill/>
+          </a:ln>
+          <a:effectLst>
+            <a:outerShdw blurRad="39960" dir="5400000" dist="23040" rotWithShape="0">
+              <a:srgbClr val="000000">
+                <a:alpha val="35000"/>
+              </a:srgbClr>
+            </a:outerShdw>
+          </a:effectLst>
+        </p:spPr>
+        <p:style>
+          <a:lnRef idx="1">
+            <a:schemeClr val="accent1"/>
+          </a:lnRef>
+          <a:fillRef idx="3">
+            <a:schemeClr val="accent1"/>
+          </a:fillRef>
+          <a:effectRef idx="2">
+            <a:schemeClr val="accent1"/>
+          </a:effectRef>
+          <a:fontRef idx="minor"/>
+        </p:style>
+        <p:txBody>
+          <a:bodyPr lIns="90000" rIns="90000" tIns="45000" bIns="45000" anchor="ctr">
+            <a:noAutofit/>
+          </a:bodyPr>
+          <a:p>
+            <a:endParaRPr b="0" lang="en-US" sz="1800" spc="-1" strike="noStrike">
+              <a:solidFill>
+                <a:schemeClr val="lt1"/>
+              </a:solidFill>
+              <a:latin typeface="Calibri"/>
+              <a:ea typeface="DejaVu Sans"/>
+            </a:endParaRPr>
+          </a:p>
+        </p:txBody>
+      </p:sp>
+      <p:sp>
+        <p:nvSpPr>
+          <p:cNvPr id="432" name="Rectangle 242"/>
+          <p:cNvSpPr/>
+          <p:nvPr/>
+        </p:nvSpPr>
+        <p:spPr>
+          <a:xfrm>
+            <a:off x="1440" y="1800"/>
+            <a:ext cx="15120" cy="7554240"/>
+          </a:xfrm>
+          <a:prstGeom prst="rect">
+            <a:avLst/>
+          </a:prstGeom>
+          <a:solidFill>
+            <a:srgbClr val="121216"/>
+          </a:solidFill>
+          <a:ln>
+            <a:noFill/>
+          </a:ln>
+          <a:effectLst>
+            <a:outerShdw blurRad="39960" dir="5400000" dist="23040" rotWithShape="0">
+              <a:srgbClr val="000000">
+                <a:alpha val="35000"/>
+              </a:srgbClr>
+            </a:outerShdw>
+          </a:effectLst>
+        </p:spPr>
+        <p:style>
+          <a:lnRef idx="1">
+            <a:schemeClr val="accent1"/>
+          </a:lnRef>
+          <a:fillRef idx="3">
+            <a:schemeClr val="accent1"/>
+          </a:fillRef>
+          <a:effectRef idx="2">
+            <a:schemeClr val="accent1"/>
+          </a:effectRef>
+          <a:fontRef idx="minor"/>
+        </p:style>
+        <p:txBody>
+          <a:bodyPr lIns="90000" rIns="90000" tIns="45000" bIns="45000" anchor="ctr">
+            <a:noAutofit/>
+          </a:bodyPr>
+          <a:p>
+            <a:endParaRPr b="0" lang="en-US" sz="1800" spc="-1" strike="noStrike">
+              <a:solidFill>
+                <a:schemeClr val="lt1"/>
+              </a:solidFill>
+              <a:latin typeface="Calibri"/>
+              <a:ea typeface="DejaVu Sans"/>
+            </a:endParaRPr>
+          </a:p>
+        </p:txBody>
+      </p:sp>
+      <p:sp>
+        <p:nvSpPr>
+          <p:cNvPr id="433" name="Rectangle 243"/>
+          <p:cNvSpPr/>
+          <p:nvPr/>
+        </p:nvSpPr>
+        <p:spPr>
+          <a:xfrm>
+            <a:off x="1005480" y="1800"/>
+            <a:ext cx="15120" cy="7554240"/>
+          </a:xfrm>
+          <a:prstGeom prst="rect">
+            <a:avLst/>
+          </a:prstGeom>
+          <a:solidFill>
+            <a:srgbClr val="121216"/>
+          </a:solidFill>
+          <a:ln>
+            <a:noFill/>
+          </a:ln>
+          <a:effectLst>
+            <a:outerShdw blurRad="39960" dir="5400000" dist="23040" rotWithShape="0">
+              <a:srgbClr val="000000">
+                <a:alpha val="35000"/>
+              </a:srgbClr>
+            </a:outerShdw>
+          </a:effectLst>
+        </p:spPr>
+        <p:style>
+          <a:lnRef idx="1">
+            <a:schemeClr val="accent1"/>
+          </a:lnRef>
+          <a:fillRef idx="3">
+            <a:schemeClr val="accent1"/>
+          </a:fillRef>
+          <a:effectRef idx="2">
+            <a:schemeClr val="accent1"/>
+          </a:effectRef>
+          <a:fontRef idx="minor"/>
+        </p:style>
+        <p:txBody>
+          <a:bodyPr lIns="90000" rIns="90000" tIns="45000" bIns="45000" anchor="ctr">
+            <a:noAutofit/>
+          </a:bodyPr>
+          <a:p>
+            <a:endParaRPr b="0" lang="en-US" sz="1800" spc="-1" strike="noStrike">
+              <a:solidFill>
+                <a:schemeClr val="lt1"/>
+              </a:solidFill>
+              <a:latin typeface="Calibri"/>
+              <a:ea typeface="DejaVu Sans"/>
+            </a:endParaRPr>
+          </a:p>
+        </p:txBody>
+      </p:sp>
+      <p:sp>
+        <p:nvSpPr>
+          <p:cNvPr id="434" name="Rectangle 244"/>
+          <p:cNvSpPr/>
+          <p:nvPr/>
+        </p:nvSpPr>
+        <p:spPr>
+          <a:xfrm>
+            <a:off x="2013480" y="1800"/>
+            <a:ext cx="15120" cy="7554240"/>
+          </a:xfrm>
+          <a:prstGeom prst="rect">
+            <a:avLst/>
+          </a:prstGeom>
+          <a:solidFill>
+            <a:srgbClr val="121216"/>
+          </a:solidFill>
+          <a:ln>
+            <a:noFill/>
+          </a:ln>
+          <a:effectLst>
+            <a:outerShdw blurRad="39960" dir="5400000" dist="23040" rotWithShape="0">
+              <a:srgbClr val="000000">
+                <a:alpha val="35000"/>
+              </a:srgbClr>
+            </a:outerShdw>
+          </a:effectLst>
+        </p:spPr>
+        <p:style>
+          <a:lnRef idx="1">
+            <a:schemeClr val="accent1"/>
+          </a:lnRef>
+          <a:fillRef idx="3">
+            <a:schemeClr val="accent1"/>
+          </a:fillRef>
+          <a:effectRef idx="2">
+            <a:schemeClr val="accent1"/>
+          </a:effectRef>
+          <a:fontRef idx="minor"/>
+        </p:style>
+        <p:txBody>
+          <a:bodyPr lIns="90000" rIns="90000" tIns="45000" bIns="45000" anchor="ctr">
+            <a:noAutofit/>
+          </a:bodyPr>
+          <a:p>
+            <a:endParaRPr b="0" lang="en-US" sz="1800" spc="-1" strike="noStrike">
+              <a:solidFill>
+                <a:schemeClr val="lt1"/>
+              </a:solidFill>
+              <a:latin typeface="Calibri"/>
+              <a:ea typeface="DejaVu Sans"/>
+            </a:endParaRPr>
+          </a:p>
+        </p:txBody>
+      </p:sp>
+      <p:sp>
+        <p:nvSpPr>
+          <p:cNvPr id="435" name="Rectangle 245"/>
+          <p:cNvSpPr/>
+          <p:nvPr/>
+        </p:nvSpPr>
+        <p:spPr>
+          <a:xfrm>
+            <a:off x="3021480" y="1800"/>
+            <a:ext cx="15120" cy="7554240"/>
+          </a:xfrm>
+          <a:prstGeom prst="rect">
+            <a:avLst/>
+          </a:prstGeom>
+          <a:solidFill>
+            <a:srgbClr val="121216"/>
+          </a:solidFill>
+          <a:ln>
+            <a:noFill/>
+          </a:ln>
+          <a:effectLst>
+            <a:outerShdw blurRad="39960" dir="5400000" dist="23040" rotWithShape="0">
+              <a:srgbClr val="000000">
+                <a:alpha val="35000"/>
+              </a:srgbClr>
+            </a:outerShdw>
+          </a:effectLst>
+        </p:spPr>
+        <p:style>
+          <a:lnRef idx="1">
+            <a:schemeClr val="accent1"/>
+          </a:lnRef>
+          <a:fillRef idx="3">
+            <a:schemeClr val="accent1"/>
+          </a:fillRef>
+          <a:effectRef idx="2">
+            <a:schemeClr val="accent1"/>
+          </a:effectRef>
+          <a:fontRef idx="minor"/>
+        </p:style>
+        <p:txBody>
+          <a:bodyPr lIns="90000" rIns="90000" tIns="45000" bIns="45000" anchor="ctr">
+            <a:noAutofit/>
+          </a:bodyPr>
+          <a:p>
+            <a:endParaRPr b="0" lang="en-US" sz="1800" spc="-1" strike="noStrike">
+              <a:solidFill>
+                <a:schemeClr val="lt1"/>
+              </a:solidFill>
+              <a:latin typeface="Calibri"/>
+              <a:ea typeface="DejaVu Sans"/>
+            </a:endParaRPr>
+          </a:p>
+        </p:txBody>
+      </p:sp>
+      <p:sp>
+        <p:nvSpPr>
+          <p:cNvPr id="436" name="Rectangle 246"/>
+          <p:cNvSpPr/>
+          <p:nvPr/>
+        </p:nvSpPr>
+        <p:spPr>
+          <a:xfrm>
+            <a:off x="4029480" y="1800"/>
+            <a:ext cx="15120" cy="7554240"/>
+          </a:xfrm>
+          <a:prstGeom prst="rect">
+            <a:avLst/>
+          </a:prstGeom>
+          <a:solidFill>
+            <a:srgbClr val="121216"/>
+          </a:solidFill>
+          <a:ln>
+            <a:noFill/>
+          </a:ln>
+          <a:effectLst>
+            <a:outerShdw blurRad="39960" dir="5400000" dist="23040" rotWithShape="0">
+              <a:srgbClr val="000000">
+                <a:alpha val="35000"/>
+              </a:srgbClr>
+            </a:outerShdw>
+          </a:effectLst>
+        </p:spPr>
+        <p:style>
+          <a:lnRef idx="1">
+            <a:schemeClr val="accent1"/>
+          </a:lnRef>
+          <a:fillRef idx="3">
+            <a:schemeClr val="accent1"/>
+          </a:fillRef>
+          <a:effectRef idx="2">
+            <a:schemeClr val="accent1"/>
+          </a:effectRef>
+          <a:fontRef idx="minor"/>
+        </p:style>
+        <p:txBody>
+          <a:bodyPr lIns="90000" rIns="90000" tIns="45000" bIns="45000" anchor="ctr">
+            <a:noAutofit/>
+          </a:bodyPr>
+          <a:p>
+            <a:endParaRPr b="0" lang="en-US" sz="1800" spc="-1" strike="noStrike">
+              <a:solidFill>
+                <a:schemeClr val="lt1"/>
+              </a:solidFill>
+              <a:latin typeface="Calibri"/>
+              <a:ea typeface="DejaVu Sans"/>
+            </a:endParaRPr>
+          </a:p>
+        </p:txBody>
+      </p:sp>
+      <p:sp>
+        <p:nvSpPr>
+          <p:cNvPr id="437" name="Rectangle 247"/>
+          <p:cNvSpPr/>
+          <p:nvPr/>
+        </p:nvSpPr>
+        <p:spPr>
+          <a:xfrm>
+            <a:off x="5037480" y="1800"/>
+            <a:ext cx="15120" cy="7554240"/>
+          </a:xfrm>
+          <a:prstGeom prst="rect">
+            <a:avLst/>
+          </a:prstGeom>
+          <a:solidFill>
+            <a:srgbClr val="121216"/>
+          </a:solidFill>
+          <a:ln>
+            <a:noFill/>
+          </a:ln>
+          <a:effectLst>
+            <a:outerShdw blurRad="39960" dir="5400000" dist="23040" rotWithShape="0">
+              <a:srgbClr val="000000">
+                <a:alpha val="35000"/>
+              </a:srgbClr>
+            </a:outerShdw>
+          </a:effectLst>
+        </p:spPr>
+        <p:style>
+          <a:lnRef idx="1">
+            <a:schemeClr val="accent1"/>
+          </a:lnRef>
+          <a:fillRef idx="3">
+            <a:schemeClr val="accent1"/>
+          </a:fillRef>
+          <a:effectRef idx="2">
+            <a:schemeClr val="accent1"/>
+          </a:effectRef>
+          <a:fontRef idx="minor"/>
+        </p:style>
+        <p:txBody>
+          <a:bodyPr lIns="90000" rIns="90000" tIns="45000" bIns="45000" anchor="ctr">
+            <a:noAutofit/>
+          </a:bodyPr>
+          <a:p>
+            <a:endParaRPr b="0" lang="en-US" sz="1800" spc="-1" strike="noStrike">
+              <a:solidFill>
+                <a:schemeClr val="lt1"/>
+              </a:solidFill>
+              <a:latin typeface="Calibri"/>
+              <a:ea typeface="DejaVu Sans"/>
+            </a:endParaRPr>
+          </a:p>
+        </p:txBody>
+      </p:sp>
+      <p:sp>
+        <p:nvSpPr>
+          <p:cNvPr id="438" name="Rectangle 248"/>
+          <p:cNvSpPr/>
+          <p:nvPr/>
+        </p:nvSpPr>
+        <p:spPr>
+          <a:xfrm>
+            <a:off x="6045480" y="1800"/>
+            <a:ext cx="15120" cy="7554240"/>
+          </a:xfrm>
+          <a:prstGeom prst="rect">
+            <a:avLst/>
+          </a:prstGeom>
+          <a:solidFill>
+            <a:srgbClr val="121216"/>
+          </a:solidFill>
+          <a:ln>
+            <a:noFill/>
+          </a:ln>
+          <a:effectLst>
+            <a:outerShdw blurRad="39960" dir="5400000" dist="23040" rotWithShape="0">
+              <a:srgbClr val="000000">
+                <a:alpha val="35000"/>
+              </a:srgbClr>
+            </a:outerShdw>
+          </a:effectLst>
+        </p:spPr>
+        <p:style>
+          <a:lnRef idx="1">
+            <a:schemeClr val="accent1"/>
+          </a:lnRef>
+          <a:fillRef idx="3">
+            <a:schemeClr val="accent1"/>
+          </a:fillRef>
+          <a:effectRef idx="2">
+            <a:schemeClr val="accent1"/>
+          </a:effectRef>
+          <a:fontRef idx="minor"/>
+        </p:style>
+        <p:txBody>
+          <a:bodyPr lIns="90000" rIns="90000" tIns="45000" bIns="45000" anchor="ctr">
+            <a:noAutofit/>
+          </a:bodyPr>
+          <a:p>
+            <a:endParaRPr b="0" lang="en-US" sz="1800" spc="-1" strike="noStrike">
+              <a:solidFill>
+                <a:schemeClr val="lt1"/>
+              </a:solidFill>
+              <a:latin typeface="Calibri"/>
+              <a:ea typeface="DejaVu Sans"/>
+            </a:endParaRPr>
+          </a:p>
+        </p:txBody>
+      </p:sp>
+      <p:sp>
+        <p:nvSpPr>
+          <p:cNvPr id="439" name="Rectangle 249"/>
+          <p:cNvSpPr/>
+          <p:nvPr/>
+        </p:nvSpPr>
+        <p:spPr>
+          <a:xfrm>
+            <a:off x="7053480" y="1800"/>
+            <a:ext cx="15120" cy="7554240"/>
+          </a:xfrm>
+          <a:prstGeom prst="rect">
+            <a:avLst/>
+          </a:prstGeom>
+          <a:solidFill>
+            <a:srgbClr val="121216"/>
+          </a:solidFill>
+          <a:ln>
+            <a:noFill/>
+          </a:ln>
+          <a:effectLst>
+            <a:outerShdw blurRad="39960" dir="5400000" dist="23040" rotWithShape="0">
+              <a:srgbClr val="000000">
+                <a:alpha val="35000"/>
+              </a:srgbClr>
+            </a:outerShdw>
+          </a:effectLst>
+        </p:spPr>
+        <p:style>
+          <a:lnRef idx="1">
+            <a:schemeClr val="accent1"/>
+          </a:lnRef>
+          <a:fillRef idx="3">
+            <a:schemeClr val="accent1"/>
+          </a:fillRef>
+          <a:effectRef idx="2">
+            <a:schemeClr val="accent1"/>
+          </a:effectRef>
+          <a:fontRef idx="minor"/>
+        </p:style>
+        <p:txBody>
+          <a:bodyPr lIns="90000" rIns="90000" tIns="45000" bIns="45000" anchor="ctr">
+            <a:noAutofit/>
+          </a:bodyPr>
+          <a:p>
+            <a:endParaRPr b="0" lang="en-US" sz="1800" spc="-1" strike="noStrike">
+              <a:solidFill>
+                <a:schemeClr val="lt1"/>
+              </a:solidFill>
+              <a:latin typeface="Calibri"/>
+              <a:ea typeface="DejaVu Sans"/>
+            </a:endParaRPr>
+          </a:p>
+        </p:txBody>
+      </p:sp>
+      <p:sp>
+        <p:nvSpPr>
+          <p:cNvPr id="440" name="Rectangle 250"/>
+          <p:cNvSpPr/>
+          <p:nvPr/>
+        </p:nvSpPr>
+        <p:spPr>
+          <a:xfrm>
+            <a:off x="8061480" y="1800"/>
+            <a:ext cx="15120" cy="7554240"/>
+          </a:xfrm>
+          <a:prstGeom prst="rect">
+            <a:avLst/>
+          </a:prstGeom>
+          <a:solidFill>
+            <a:srgbClr val="121216"/>
+          </a:solidFill>
+          <a:ln>
+            <a:noFill/>
+          </a:ln>
+          <a:effectLst>
+            <a:outerShdw blurRad="39960" dir="5400000" dist="23040" rotWithShape="0">
+              <a:srgbClr val="000000">
+                <a:alpha val="35000"/>
+              </a:srgbClr>
+            </a:outerShdw>
+          </a:effectLst>
+        </p:spPr>
+        <p:style>
+          <a:lnRef idx="1">
+            <a:schemeClr val="accent1"/>
+          </a:lnRef>
+          <a:fillRef idx="3">
+            <a:schemeClr val="accent1"/>
+          </a:fillRef>
+          <a:effectRef idx="2">
+            <a:schemeClr val="accent1"/>
+          </a:effectRef>
+          <a:fontRef idx="minor"/>
+        </p:style>
+        <p:txBody>
+          <a:bodyPr lIns="90000" rIns="90000" tIns="45000" bIns="45000" anchor="ctr">
+            <a:noAutofit/>
+          </a:bodyPr>
+          <a:p>
+            <a:endParaRPr b="0" lang="en-US" sz="1800" spc="-1" strike="noStrike">
+              <a:solidFill>
+                <a:schemeClr val="lt1"/>
+              </a:solidFill>
+              <a:latin typeface="Calibri"/>
+              <a:ea typeface="DejaVu Sans"/>
+            </a:endParaRPr>
+          </a:p>
+        </p:txBody>
+      </p:sp>
+      <p:sp>
+        <p:nvSpPr>
+          <p:cNvPr id="441" name="Rectangle 251"/>
+          <p:cNvSpPr/>
+          <p:nvPr/>
+        </p:nvSpPr>
+        <p:spPr>
+          <a:xfrm>
+            <a:off x="9069480" y="1800"/>
+            <a:ext cx="15120" cy="7554240"/>
+          </a:xfrm>
+          <a:prstGeom prst="rect">
+            <a:avLst/>
+          </a:prstGeom>
+          <a:solidFill>
+            <a:srgbClr val="121216"/>
+          </a:solidFill>
+          <a:ln>
+            <a:noFill/>
+          </a:ln>
+          <a:effectLst>
+            <a:outerShdw blurRad="39960" dir="5400000" dist="23040" rotWithShape="0">
+              <a:srgbClr val="000000">
+                <a:alpha val="35000"/>
+              </a:srgbClr>
+            </a:outerShdw>
+          </a:effectLst>
+        </p:spPr>
+        <p:style>
+          <a:lnRef idx="1">
+            <a:schemeClr val="accent1"/>
+          </a:lnRef>
+          <a:fillRef idx="3">
+            <a:schemeClr val="accent1"/>
+          </a:fillRef>
+          <a:effectRef idx="2">
+            <a:schemeClr val="accent1"/>
+          </a:effectRef>
+          <a:fontRef idx="minor"/>
+        </p:style>
+        <p:txBody>
+          <a:bodyPr lIns="90000" rIns="90000" tIns="45000" bIns="45000" anchor="ctr">
+            <a:noAutofit/>
+          </a:bodyPr>
+          <a:p>
+            <a:endParaRPr b="0" lang="en-US" sz="1800" spc="-1" strike="noStrike">
+              <a:solidFill>
+                <a:schemeClr val="lt1"/>
+              </a:solidFill>
+              <a:latin typeface="Calibri"/>
+              <a:ea typeface="DejaVu Sans"/>
+            </a:endParaRPr>
+          </a:p>
+        </p:txBody>
+      </p:sp>
+      <p:sp>
+        <p:nvSpPr>
+          <p:cNvPr id="442" name="Rectangle 252"/>
+          <p:cNvSpPr/>
+          <p:nvPr/>
+        </p:nvSpPr>
+        <p:spPr>
+          <a:xfrm>
+            <a:off x="10077480" y="1800"/>
+            <a:ext cx="15120" cy="7554240"/>
+          </a:xfrm>
+          <a:prstGeom prst="rect">
+            <a:avLst/>
+          </a:prstGeom>
+          <a:solidFill>
+            <a:srgbClr val="121216"/>
+          </a:solidFill>
+          <a:ln>
+            <a:noFill/>
+          </a:ln>
+          <a:effectLst>
+            <a:outerShdw blurRad="39960" dir="5400000" dist="23040" rotWithShape="0">
+              <a:srgbClr val="000000">
+                <a:alpha val="35000"/>
+              </a:srgbClr>
+            </a:outerShdw>
+          </a:effectLst>
+        </p:spPr>
+        <p:style>
+          <a:lnRef idx="1">
+            <a:schemeClr val="accent1"/>
+          </a:lnRef>
+          <a:fillRef idx="3">
+            <a:schemeClr val="accent1"/>
+          </a:fillRef>
+          <a:effectRef idx="2">
+            <a:schemeClr val="accent1"/>
+          </a:effectRef>
+          <a:fontRef idx="minor"/>
+        </p:style>
+        <p:txBody>
+          <a:bodyPr lIns="90000" rIns="90000" tIns="45000" bIns="45000" anchor="ctr">
+            <a:noAutofit/>
+          </a:bodyPr>
+          <a:p>
+            <a:endParaRPr b="0" lang="en-US" sz="1800" spc="-1" strike="noStrike">
+              <a:solidFill>
+                <a:schemeClr val="lt1"/>
+              </a:solidFill>
+              <a:latin typeface="Calibri"/>
+              <a:ea typeface="DejaVu Sans"/>
+            </a:endParaRPr>
+          </a:p>
+        </p:txBody>
+      </p:sp>
+      <p:sp>
+        <p:nvSpPr>
+          <p:cNvPr id="443" name="Rectangle 253"/>
+          <p:cNvSpPr/>
+          <p:nvPr/>
+        </p:nvSpPr>
+        <p:spPr>
+          <a:xfrm>
+            <a:off x="11085480" y="1800"/>
+            <a:ext cx="15120" cy="7554240"/>
+          </a:xfrm>
+          <a:prstGeom prst="rect">
+            <a:avLst/>
+          </a:prstGeom>
+          <a:solidFill>
+            <a:srgbClr val="121216"/>
+          </a:solidFill>
+          <a:ln>
+            <a:noFill/>
+          </a:ln>
+          <a:effectLst>
+            <a:outerShdw blurRad="39960" dir="5400000" dist="23040" rotWithShape="0">
+              <a:srgbClr val="000000">
+                <a:alpha val="35000"/>
+              </a:srgbClr>
+            </a:outerShdw>
+          </a:effectLst>
+        </p:spPr>
+        <p:style>
+          <a:lnRef idx="1">
+            <a:schemeClr val="accent1"/>
+          </a:lnRef>
+          <a:fillRef idx="3">
+            <a:schemeClr val="accent1"/>
+          </a:fillRef>
+          <a:effectRef idx="2">
+            <a:schemeClr val="accent1"/>
+          </a:effectRef>
+          <a:fontRef idx="minor"/>
+        </p:style>
+        <p:txBody>
+          <a:bodyPr lIns="90000" rIns="90000" tIns="45000" bIns="45000" anchor="ctr">
+            <a:noAutofit/>
+          </a:bodyPr>
+          <a:p>
+            <a:endParaRPr b="0" lang="en-US" sz="1800" spc="-1" strike="noStrike">
+              <a:solidFill>
+                <a:schemeClr val="lt1"/>
+              </a:solidFill>
+              <a:latin typeface="Calibri"/>
+              <a:ea typeface="DejaVu Sans"/>
+            </a:endParaRPr>
+          </a:p>
+        </p:txBody>
+      </p:sp>
+      <p:sp>
+        <p:nvSpPr>
+          <p:cNvPr id="444" name="Rectangle 254"/>
+          <p:cNvSpPr/>
+          <p:nvPr/>
+        </p:nvSpPr>
+        <p:spPr>
+          <a:xfrm>
+            <a:off x="12093480" y="1800"/>
+            <a:ext cx="15120" cy="7554240"/>
+          </a:xfrm>
+          <a:prstGeom prst="rect">
+            <a:avLst/>
+          </a:prstGeom>
+          <a:solidFill>
+            <a:srgbClr val="121216"/>
+          </a:solidFill>
+          <a:ln>
+            <a:noFill/>
+          </a:ln>
+          <a:effectLst>
+            <a:outerShdw blurRad="39960" dir="5400000" dist="23040" rotWithShape="0">
+              <a:srgbClr val="000000">
+                <a:alpha val="35000"/>
+              </a:srgbClr>
+            </a:outerShdw>
+          </a:effectLst>
+        </p:spPr>
+        <p:style>
+          <a:lnRef idx="1">
+            <a:schemeClr val="accent1"/>
+          </a:lnRef>
+          <a:fillRef idx="3">
+            <a:schemeClr val="accent1"/>
+          </a:fillRef>
+          <a:effectRef idx="2">
+            <a:schemeClr val="accent1"/>
+          </a:effectRef>
+          <a:fontRef idx="minor"/>
+        </p:style>
+        <p:txBody>
+          <a:bodyPr lIns="90000" rIns="90000" tIns="45000" bIns="45000" anchor="ctr">
+            <a:noAutofit/>
+          </a:bodyPr>
+          <a:p>
+            <a:endParaRPr b="0" lang="en-US" sz="1800" spc="-1" strike="noStrike">
+              <a:solidFill>
+                <a:schemeClr val="lt1"/>
+              </a:solidFill>
+              <a:latin typeface="Calibri"/>
+              <a:ea typeface="DejaVu Sans"/>
+            </a:endParaRPr>
+          </a:p>
+        </p:txBody>
+      </p:sp>
+      <p:sp>
+        <p:nvSpPr>
+          <p:cNvPr id="445" name="Rectangle 255"/>
+          <p:cNvSpPr/>
+          <p:nvPr/>
+        </p:nvSpPr>
+        <p:spPr>
+          <a:xfrm>
+            <a:off x="13101480" y="1800"/>
+            <a:ext cx="15120" cy="7554240"/>
+          </a:xfrm>
+          <a:prstGeom prst="rect">
+            <a:avLst/>
+          </a:prstGeom>
+          <a:solidFill>
+            <a:srgbClr val="121216"/>
+          </a:solidFill>
+          <a:ln>
+            <a:noFill/>
+          </a:ln>
+          <a:effectLst>
+            <a:outerShdw blurRad="39960" dir="5400000" dist="23040" rotWithShape="0">
+              <a:srgbClr val="000000">
+                <a:alpha val="35000"/>
+              </a:srgbClr>
+            </a:outerShdw>
+          </a:effectLst>
+        </p:spPr>
+        <p:style>
+          <a:lnRef idx="1">
+            <a:schemeClr val="accent1"/>
+          </a:lnRef>
+          <a:fillRef idx="3">
+            <a:schemeClr val="accent1"/>
+          </a:fillRef>
+          <a:effectRef idx="2">
+            <a:schemeClr val="accent1"/>
+          </a:effectRef>
+          <a:fontRef idx="minor"/>
+        </p:style>
+        <p:txBody>
+          <a:bodyPr lIns="90000" rIns="90000" tIns="45000" bIns="45000" anchor="ctr">
+            <a:noAutofit/>
+          </a:bodyPr>
+          <a:p>
+            <a:endParaRPr b="0" lang="en-US" sz="1800" spc="-1" strike="noStrike">
+              <a:solidFill>
+                <a:schemeClr val="lt1"/>
+              </a:solidFill>
+              <a:latin typeface="Calibri"/>
+              <a:ea typeface="DejaVu Sans"/>
+            </a:endParaRPr>
+          </a:p>
+        </p:txBody>
+      </p:sp>
+      <p:sp>
+        <p:nvSpPr>
+          <p:cNvPr id="446" name="Rectangle 256"/>
+          <p:cNvSpPr/>
+          <p:nvPr/>
+        </p:nvSpPr>
+        <p:spPr>
+          <a:xfrm>
+            <a:off x="1440" y="1800"/>
+            <a:ext cx="347040" cy="7554240"/>
+          </a:xfrm>
+          <a:prstGeom prst="rect">
+            <a:avLst/>
+          </a:prstGeom>
+          <a:solidFill>
+            <a:srgbClr val="ff8c00"/>
+          </a:solidFill>
+          <a:ln>
+            <a:noFill/>
+          </a:ln>
+          <a:effectLst>
+            <a:outerShdw blurRad="39960" dir="5400000" dist="23040" rotWithShape="0">
+              <a:srgbClr val="000000">
+                <a:alpha val="35000"/>
+              </a:srgbClr>
+            </a:outerShdw>
+          </a:effectLst>
+        </p:spPr>
+        <p:style>
+          <a:lnRef idx="1">
+            <a:schemeClr val="accent1"/>
+          </a:lnRef>
+          <a:fillRef idx="3">
+            <a:schemeClr val="accent1"/>
+          </a:fillRef>
+          <a:effectRef idx="2">
+            <a:schemeClr val="accent1"/>
+          </a:effectRef>
+          <a:fontRef idx="minor"/>
+        </p:style>
+        <p:txBody>
+          <a:bodyPr lIns="90000" rIns="90000" tIns="45000" bIns="45000" anchor="ctr">
+            <a:noAutofit/>
+          </a:bodyPr>
+          <a:p>
+            <a:endParaRPr b="0" lang="en-US" sz="1800" spc="-1" strike="noStrike">
+              <a:solidFill>
+                <a:schemeClr val="lt1"/>
+              </a:solidFill>
+              <a:latin typeface="Calibri"/>
+              <a:ea typeface="DejaVu Sans"/>
+            </a:endParaRPr>
+          </a:p>
+        </p:txBody>
+      </p:sp>
+      <p:sp>
+        <p:nvSpPr>
+          <p:cNvPr id="447" name="Rounded Rectangle 112"/>
+          <p:cNvSpPr/>
+          <p:nvPr/>
+        </p:nvSpPr>
+        <p:spPr>
+          <a:xfrm>
+            <a:off x="10884960" y="401400"/>
+            <a:ext cx="2211480" cy="547560"/>
+          </a:xfrm>
+          <a:prstGeom prst="roundRect">
+            <a:avLst>
+              <a:gd name="adj" fmla="val 16667"/>
+            </a:avLst>
+          </a:prstGeom>
+          <a:solidFill>
+            <a:srgbClr val="1e1e24"/>
+          </a:solidFill>
+          <a:ln>
+            <a:solidFill>
+              <a:srgbClr val="ff8c00"/>
+            </a:solidFill>
+            <a:round/>
+          </a:ln>
+          <a:effectLst>
+            <a:outerShdw blurRad="39960" dir="5400000" dist="23040" rotWithShape="0">
+              <a:srgbClr val="000000">
+                <a:alpha val="35000"/>
+              </a:srgbClr>
+            </a:outerShdw>
+          </a:effectLst>
+        </p:spPr>
+        <p:style>
+          <a:lnRef idx="1">
+            <a:schemeClr val="accent1"/>
+          </a:lnRef>
+          <a:fillRef idx="3">
+            <a:schemeClr val="accent1"/>
+          </a:fillRef>
+          <a:effectRef idx="2">
+            <a:schemeClr val="accent1"/>
+          </a:effectRef>
+          <a:fontRef idx="minor"/>
+        </p:style>
+        <p:txBody>
+          <a:bodyPr lIns="90000" rIns="90000" tIns="45000" bIns="45000" anchor="ctr">
+            <a:noAutofit/>
+          </a:bodyPr>
+          <a:p>
+            <a:pPr algn="ctr">
+              <a:lnSpc>
+                <a:spcPct val="100000"/>
+              </a:lnSpc>
+            </a:pPr>
+            <a:r>
+              <a:rPr b="1" lang="en-US" sz="1400" spc="-1" strike="noStrike">
+                <a:solidFill>
+                  <a:srgbClr val="ffb45a"/>
+                </a:solidFill>
+                <a:latin typeface="Calibri"/>
+                <a:ea typeface="DejaVu Sans"/>
+              </a:rPr>
+              <a:t>JAVA CORE</a:t>
+            </a:r>
+            <a:endParaRPr b="0" lang="en-US" sz="1400" spc="-1" strike="noStrike">
+              <a:solidFill>
+                <a:srgbClr val="ffffff"/>
+              </a:solidFill>
+              <a:latin typeface="Arial"/>
+            </a:endParaRPr>
+          </a:p>
+        </p:txBody>
+      </p:sp>
+      <p:sp>
+        <p:nvSpPr>
+          <p:cNvPr id="448" name="TextBox 49"/>
+          <p:cNvSpPr/>
+          <p:nvPr/>
+        </p:nvSpPr>
+        <p:spPr>
+          <a:xfrm>
+            <a:off x="1012680" y="1107360"/>
+            <a:ext cx="10091520" cy="729720"/>
+          </a:xfrm>
+          <a:prstGeom prst="rect">
+            <a:avLst/>
+          </a:prstGeom>
+          <a:noFill/>
+          <a:ln w="0">
+            <a:noFill/>
+          </a:ln>
+        </p:spPr>
+        <p:style>
+          <a:lnRef idx="0"/>
+          <a:fillRef idx="0"/>
+          <a:effectRef idx="0"/>
+          <a:fontRef idx="minor"/>
+        </p:style>
+        <p:txBody>
+          <a:bodyPr wrap="none" lIns="90000" rIns="90000" tIns="45000" bIns="45000" anchor="t">
+            <a:spAutoFit/>
+          </a:bodyPr>
+          <a:p>
+            <a:pPr>
+              <a:lnSpc>
+                <a:spcPct val="100000"/>
+              </a:lnSpc>
+            </a:pPr>
+            <a:r>
+              <a:rPr b="1" lang="en-US" sz="4200" spc="-1" strike="noStrike">
+                <a:solidFill>
+                  <a:srgbClr val="f5f5f5"/>
+                </a:solidFill>
+                <a:latin typeface="Calibri"/>
+                <a:ea typeface="DejaVu Sans"/>
+              </a:rPr>
+              <a:t>          </a:t>
+            </a:r>
+            <a:r>
+              <a:rPr b="1" lang="en-US" sz="4200" spc="-1" strike="noStrike">
+                <a:solidFill>
+                  <a:srgbClr val="f5f5f5"/>
+                </a:solidFill>
+                <a:latin typeface="Calibri"/>
+                <a:ea typeface="DejaVu Sans"/>
+              </a:rPr>
+              <a:t>Java Today: Enterprise, Cloud &amp; Beyond</a:t>
+            </a:r>
+            <a:endParaRPr b="0" lang="en-US" sz="4200" spc="-1" strike="noStrike">
+              <a:solidFill>
+                <a:srgbClr val="000000"/>
+              </a:solidFill>
+              <a:latin typeface="Arial"/>
+            </a:endParaRPr>
+          </a:p>
+        </p:txBody>
+      </p:sp>
+      <p:sp>
+        <p:nvSpPr>
+          <p:cNvPr id="449" name="TextBox 50"/>
+          <p:cNvSpPr/>
+          <p:nvPr/>
+        </p:nvSpPr>
+        <p:spPr>
+          <a:xfrm>
+            <a:off x="3928320" y="2266200"/>
+            <a:ext cx="4884120" cy="363960"/>
+          </a:xfrm>
+          <a:prstGeom prst="rect">
+            <a:avLst/>
+          </a:prstGeom>
+          <a:noFill/>
+          <a:ln w="0">
+            <a:noFill/>
+          </a:ln>
+        </p:spPr>
+        <p:style>
+          <a:lnRef idx="0"/>
+          <a:fillRef idx="0"/>
+          <a:effectRef idx="0"/>
+          <a:fontRef idx="minor"/>
+        </p:style>
+        <p:txBody>
+          <a:bodyPr wrap="none" lIns="90000" rIns="90000" tIns="45000" bIns="45000" anchor="t">
+            <a:spAutoFit/>
+          </a:bodyPr>
+          <a:p>
+            <a:pPr>
+              <a:lnSpc>
+                <a:spcPct val="100000"/>
+              </a:lnSpc>
+            </a:pPr>
+            <a:r>
+              <a:rPr b="0" lang="en-US" sz="1800" spc="-1" strike="noStrike">
+                <a:solidFill>
+                  <a:srgbClr val="aaaaaa"/>
+                </a:solidFill>
+                <a:latin typeface="Calibri"/>
+                <a:ea typeface="DejaVu Sans"/>
+              </a:rPr>
+              <a:t>Java is no longer just enterprise — it’s everywhere.</a:t>
+            </a:r>
+            <a:endParaRPr b="0" lang="en-US" sz="1800" spc="-1" strike="noStrike">
+              <a:solidFill>
+                <a:srgbClr val="000000"/>
+              </a:solidFill>
+              <a:latin typeface="Arial"/>
+            </a:endParaRPr>
+          </a:p>
+        </p:txBody>
+      </p:sp>
+      <p:sp>
+        <p:nvSpPr>
+          <p:cNvPr id="450" name="Rounded Rectangle 113"/>
+          <p:cNvSpPr/>
+          <p:nvPr/>
+        </p:nvSpPr>
+        <p:spPr>
+          <a:xfrm>
+            <a:off x="1086840" y="3506040"/>
+            <a:ext cx="3623040" cy="3018240"/>
+          </a:xfrm>
+          <a:prstGeom prst="roundRect">
+            <a:avLst>
+              <a:gd name="adj" fmla="val 16667"/>
+            </a:avLst>
+          </a:prstGeom>
+          <a:solidFill>
+            <a:srgbClr val="08080a"/>
+          </a:solidFill>
+          <a:ln>
+            <a:noFill/>
+          </a:ln>
+          <a:effectLst>
+            <a:outerShdw blurRad="39960" dir="5400000" dist="23040" rotWithShape="0">
+              <a:srgbClr val="000000">
+                <a:alpha val="35000"/>
+              </a:srgbClr>
+            </a:outerShdw>
+          </a:effectLst>
+        </p:spPr>
+        <p:style>
+          <a:lnRef idx="1">
+            <a:schemeClr val="accent1"/>
+          </a:lnRef>
+          <a:fillRef idx="3">
+            <a:schemeClr val="accent1"/>
+          </a:fillRef>
+          <a:effectRef idx="2">
+            <a:schemeClr val="accent1"/>
+          </a:effectRef>
+          <a:fontRef idx="minor"/>
+        </p:style>
+        <p:txBody>
+          <a:bodyPr lIns="90000" rIns="90000" tIns="45000" bIns="45000" anchor="ctr">
+            <a:noAutofit/>
+          </a:bodyPr>
+          <a:p>
+            <a:endParaRPr b="0" lang="en-US" sz="1800" spc="-1" strike="noStrike">
+              <a:solidFill>
+                <a:schemeClr val="lt1"/>
+              </a:solidFill>
+              <a:latin typeface="Calibri"/>
+              <a:ea typeface="DejaVu Sans"/>
+            </a:endParaRPr>
+          </a:p>
+        </p:txBody>
+      </p:sp>
+      <p:sp>
+        <p:nvSpPr>
+          <p:cNvPr id="451" name="Rounded Rectangle 114"/>
+          <p:cNvSpPr/>
+          <p:nvPr/>
+        </p:nvSpPr>
+        <p:spPr>
+          <a:xfrm>
+            <a:off x="1020960" y="3424320"/>
+            <a:ext cx="3623400" cy="3018600"/>
+          </a:xfrm>
+          <a:prstGeom prst="roundRect">
+            <a:avLst>
+              <a:gd name="adj" fmla="val 16667"/>
+            </a:avLst>
+          </a:prstGeom>
+          <a:solidFill>
+            <a:srgbClr val="16161c"/>
+          </a:solidFill>
+          <a:ln>
+            <a:solidFill>
+              <a:srgbClr val="464655"/>
+            </a:solidFill>
+            <a:round/>
+          </a:ln>
+          <a:effectLst>
+            <a:outerShdw blurRad="39960" dir="5400000" dist="23040" rotWithShape="0">
+              <a:srgbClr val="000000">
+                <a:alpha val="35000"/>
+              </a:srgbClr>
+            </a:outerShdw>
+          </a:effectLst>
+        </p:spPr>
+        <p:style>
+          <a:lnRef idx="1">
+            <a:schemeClr val="accent1"/>
+          </a:lnRef>
+          <a:fillRef idx="3">
+            <a:schemeClr val="accent1"/>
+          </a:fillRef>
+          <a:effectRef idx="2">
+            <a:schemeClr val="accent1"/>
+          </a:effectRef>
+          <a:fontRef idx="minor"/>
+        </p:style>
+        <p:txBody>
+          <a:bodyPr lIns="90000" rIns="90000" tIns="45000" bIns="45000" anchor="ctr">
+            <a:noAutofit/>
+          </a:bodyPr>
+          <a:p>
+            <a:pPr marL="216000" indent="-216000">
+              <a:lnSpc>
+                <a:spcPct val="100000"/>
+              </a:lnSpc>
+              <a:buClr>
+                <a:srgbClr val="ffffff"/>
+              </a:buClr>
+              <a:buFont typeface="Wingdings" charset="2"/>
+              <a:buChar char=""/>
+            </a:pPr>
+            <a:r>
+              <a:rPr b="1" lang="en-US" sz="1800" spc="-1" strike="noStrike">
+                <a:solidFill>
+                  <a:schemeClr val="lt1"/>
+                </a:solidFill>
+                <a:latin typeface="Calibri"/>
+                <a:ea typeface="DejaVu Sans"/>
+              </a:rPr>
+              <a:t>Cloud-native backends</a:t>
+            </a:r>
+            <a:endParaRPr b="0" lang="en-US" sz="1800" spc="-1" strike="noStrike">
+              <a:solidFill>
+                <a:srgbClr val="ffffff"/>
+              </a:solidFill>
+              <a:latin typeface="Arial"/>
+            </a:endParaRPr>
+          </a:p>
+          <a:p>
+            <a:pPr marL="216000" indent="-216000">
+              <a:lnSpc>
+                <a:spcPct val="100000"/>
+              </a:lnSpc>
+              <a:buClr>
+                <a:srgbClr val="ffffff"/>
+              </a:buClr>
+              <a:buFont typeface="Wingdings" charset="2"/>
+              <a:buChar char=""/>
+            </a:pPr>
+            <a:r>
+              <a:rPr b="1" lang="en-US" sz="1800" spc="-1" strike="noStrike">
+                <a:solidFill>
+                  <a:schemeClr val="lt1"/>
+                </a:solidFill>
+                <a:latin typeface="Calibri"/>
+                <a:ea typeface="DejaVu Sans"/>
+              </a:rPr>
+              <a:t>High-performance APIs</a:t>
+            </a:r>
+            <a:endParaRPr b="0" lang="en-US" sz="1800" spc="-1" strike="noStrike">
+              <a:solidFill>
+                <a:srgbClr val="ffffff"/>
+              </a:solidFill>
+              <a:latin typeface="Arial"/>
+            </a:endParaRPr>
+          </a:p>
+          <a:p>
+            <a:pPr marL="216000" indent="-216000">
+              <a:lnSpc>
+                <a:spcPct val="100000"/>
+              </a:lnSpc>
+              <a:buClr>
+                <a:srgbClr val="ffffff"/>
+              </a:buClr>
+              <a:buFont typeface="Wingdings" charset="2"/>
+              <a:buChar char=""/>
+            </a:pPr>
+            <a:r>
+              <a:rPr b="1" lang="en-US" sz="1800" spc="-1" strike="noStrike">
+                <a:solidFill>
+                  <a:schemeClr val="lt1"/>
+                </a:solidFill>
+                <a:latin typeface="Calibri"/>
+                <a:ea typeface="DejaVu Sans"/>
+              </a:rPr>
+              <a:t>Financial systems &amp; banking</a:t>
+            </a:r>
+            <a:endParaRPr b="0" lang="en-US" sz="1800" spc="-1" strike="noStrike">
+              <a:solidFill>
+                <a:srgbClr val="ffffff"/>
+              </a:solidFill>
+              <a:latin typeface="Arial"/>
+            </a:endParaRPr>
+          </a:p>
+          <a:p>
+            <a:pPr marL="216000" indent="-216000">
+              <a:lnSpc>
+                <a:spcPct val="100000"/>
+              </a:lnSpc>
+              <a:buClr>
+                <a:srgbClr val="ffffff"/>
+              </a:buClr>
+              <a:buFont typeface="Wingdings" charset="2"/>
+              <a:buChar char=""/>
+            </a:pPr>
+            <a:r>
+              <a:rPr b="1" lang="en-US" sz="1800" spc="-1" strike="noStrike">
+                <a:solidFill>
+                  <a:schemeClr val="lt1"/>
+                </a:solidFill>
+                <a:latin typeface="Calibri"/>
+                <a:ea typeface="DejaVu Sans"/>
+              </a:rPr>
+              <a:t>Big data &amp; streaming platforms</a:t>
+            </a:r>
+            <a:endParaRPr b="0" lang="en-US" sz="1800" spc="-1" strike="noStrike">
+              <a:solidFill>
+                <a:srgbClr val="ffffff"/>
+              </a:solidFill>
+              <a:latin typeface="Arial"/>
+            </a:endParaRPr>
+          </a:p>
+          <a:p>
+            <a:pPr marL="216000" indent="-216000">
+              <a:lnSpc>
+                <a:spcPct val="100000"/>
+              </a:lnSpc>
+              <a:buClr>
+                <a:srgbClr val="ffffff"/>
+              </a:buClr>
+              <a:buFont typeface="Wingdings" charset="2"/>
+              <a:buChar char=""/>
+            </a:pPr>
+            <a:r>
+              <a:rPr b="1" lang="en-US" sz="1800" spc="-1" strike="noStrike">
+                <a:solidFill>
+                  <a:schemeClr val="lt1"/>
+                </a:solidFill>
+                <a:latin typeface="Calibri"/>
+                <a:ea typeface="DejaVu Sans"/>
+              </a:rPr>
+              <a:t>Android (core language roots)</a:t>
+            </a:r>
+            <a:endParaRPr b="0" lang="en-US" sz="1800" spc="-1" strike="noStrike">
+              <a:solidFill>
+                <a:srgbClr val="ffffff"/>
+              </a:solidFill>
+              <a:latin typeface="Arial"/>
+            </a:endParaRPr>
+          </a:p>
+          <a:p>
+            <a:pPr marL="216000" indent="-216000">
+              <a:lnSpc>
+                <a:spcPct val="100000"/>
+              </a:lnSpc>
+              <a:buClr>
+                <a:srgbClr val="ffffff"/>
+              </a:buClr>
+              <a:buFont typeface="Wingdings" charset="2"/>
+              <a:buChar char=""/>
+            </a:pPr>
+            <a:r>
+              <a:rPr b="1" lang="en-US" sz="1800" spc="-1" strike="noStrike">
+                <a:solidFill>
+                  <a:schemeClr val="lt1"/>
+                </a:solidFill>
+                <a:latin typeface="Calibri"/>
+                <a:ea typeface="DejaVu Sans"/>
+              </a:rPr>
+              <a:t>Game servers &amp; real-time systems</a:t>
+            </a:r>
+            <a:endParaRPr b="0" lang="en-US" sz="1800" spc="-1" strike="noStrike">
+              <a:solidFill>
+                <a:srgbClr val="ffffff"/>
+              </a:solidFill>
+              <a:latin typeface="Arial"/>
+            </a:endParaRPr>
+          </a:p>
+        </p:txBody>
+      </p:sp>
+      <p:sp>
+        <p:nvSpPr>
+          <p:cNvPr id="452" name="Rounded Rectangle 115"/>
+          <p:cNvSpPr/>
+          <p:nvPr/>
+        </p:nvSpPr>
+        <p:spPr>
+          <a:xfrm>
+            <a:off x="4968360" y="3506040"/>
+            <a:ext cx="3623040" cy="3018240"/>
+          </a:xfrm>
+          <a:prstGeom prst="roundRect">
+            <a:avLst>
+              <a:gd name="adj" fmla="val 16667"/>
+            </a:avLst>
+          </a:prstGeom>
+          <a:solidFill>
+            <a:srgbClr val="08080a"/>
+          </a:solidFill>
+          <a:ln>
+            <a:noFill/>
+          </a:ln>
+          <a:effectLst>
+            <a:outerShdw blurRad="39960" dir="5400000" dist="23040" rotWithShape="0">
+              <a:srgbClr val="000000">
+                <a:alpha val="35000"/>
+              </a:srgbClr>
+            </a:outerShdw>
+          </a:effectLst>
+        </p:spPr>
+        <p:style>
+          <a:lnRef idx="1">
+            <a:schemeClr val="accent1"/>
+          </a:lnRef>
+          <a:fillRef idx="3">
+            <a:schemeClr val="accent1"/>
+          </a:fillRef>
+          <a:effectRef idx="2">
+            <a:schemeClr val="accent1"/>
+          </a:effectRef>
+          <a:fontRef idx="minor"/>
+        </p:style>
+        <p:txBody>
+          <a:bodyPr lIns="90000" rIns="90000" tIns="45000" bIns="45000" anchor="ctr">
+            <a:noAutofit/>
+          </a:bodyPr>
+          <a:p>
+            <a:endParaRPr b="0" lang="en-US" sz="1800" spc="-1" strike="noStrike">
+              <a:solidFill>
+                <a:schemeClr val="lt1"/>
+              </a:solidFill>
+              <a:latin typeface="Calibri"/>
+              <a:ea typeface="DejaVu Sans"/>
+            </a:endParaRPr>
+          </a:p>
+        </p:txBody>
+      </p:sp>
+      <p:sp>
+        <p:nvSpPr>
+          <p:cNvPr id="453" name="Rounded Rectangle 116"/>
+          <p:cNvSpPr/>
+          <p:nvPr/>
+        </p:nvSpPr>
+        <p:spPr>
+          <a:xfrm>
+            <a:off x="8849160" y="3506040"/>
+            <a:ext cx="3623040" cy="3018240"/>
+          </a:xfrm>
+          <a:prstGeom prst="roundRect">
+            <a:avLst>
+              <a:gd name="adj" fmla="val 16667"/>
+            </a:avLst>
+          </a:prstGeom>
+          <a:solidFill>
+            <a:srgbClr val="08080a"/>
+          </a:solidFill>
+          <a:ln>
+            <a:noFill/>
+          </a:ln>
+          <a:effectLst>
+            <a:outerShdw blurRad="39960" dir="5400000" dist="23040" rotWithShape="0">
+              <a:srgbClr val="000000">
+                <a:alpha val="35000"/>
+              </a:srgbClr>
+            </a:outerShdw>
+          </a:effectLst>
+        </p:spPr>
+        <p:style>
+          <a:lnRef idx="1">
+            <a:schemeClr val="accent1"/>
+          </a:lnRef>
+          <a:fillRef idx="3">
+            <a:schemeClr val="accent1"/>
+          </a:fillRef>
+          <a:effectRef idx="2">
+            <a:schemeClr val="accent1"/>
+          </a:effectRef>
+          <a:fontRef idx="minor"/>
+        </p:style>
+        <p:txBody>
+          <a:bodyPr lIns="90000" rIns="90000" tIns="45000" bIns="45000" anchor="ctr">
+            <a:noAutofit/>
+          </a:bodyPr>
+          <a:p>
+            <a:endParaRPr b="0" lang="en-US" sz="1800" spc="-1" strike="noStrike">
+              <a:solidFill>
+                <a:schemeClr val="lt1"/>
+              </a:solidFill>
+              <a:latin typeface="Calibri"/>
+              <a:ea typeface="DejaVu Sans"/>
+            </a:endParaRPr>
+          </a:p>
+        </p:txBody>
+      </p:sp>
+      <p:sp>
+        <p:nvSpPr>
+          <p:cNvPr id="454" name="Rounded Rectangle 117"/>
+          <p:cNvSpPr/>
+          <p:nvPr/>
+        </p:nvSpPr>
+        <p:spPr>
+          <a:xfrm>
+            <a:off x="8767440" y="3425040"/>
+            <a:ext cx="3623400" cy="3018600"/>
+          </a:xfrm>
+          <a:prstGeom prst="roundRect">
+            <a:avLst>
+              <a:gd name="adj" fmla="val 16667"/>
+            </a:avLst>
+          </a:prstGeom>
+          <a:solidFill>
+            <a:srgbClr val="16161c"/>
+          </a:solidFill>
+          <a:ln>
+            <a:solidFill>
+              <a:srgbClr val="464655"/>
+            </a:solidFill>
+            <a:round/>
+          </a:ln>
+          <a:effectLst>
+            <a:outerShdw blurRad="39960" dir="5400000" dist="23040" rotWithShape="0">
+              <a:srgbClr val="000000">
+                <a:alpha val="35000"/>
+              </a:srgbClr>
+            </a:outerShdw>
+          </a:effectLst>
+        </p:spPr>
+        <p:style>
+          <a:lnRef idx="1">
+            <a:schemeClr val="accent1"/>
+          </a:lnRef>
+          <a:fillRef idx="3">
+            <a:schemeClr val="accent1"/>
+          </a:fillRef>
+          <a:effectRef idx="2">
+            <a:schemeClr val="accent1"/>
+          </a:effectRef>
+          <a:fontRef idx="minor"/>
+        </p:style>
+        <p:txBody>
+          <a:bodyPr lIns="90000" rIns="90000" tIns="45000" bIns="45000" anchor="ctr">
+            <a:noAutofit/>
+          </a:bodyPr>
+          <a:p>
+            <a:pPr algn="ctr">
+              <a:lnSpc>
+                <a:spcPct val="100000"/>
+              </a:lnSpc>
+            </a:pPr>
+            <a:endParaRPr b="0" lang="en-US" sz="2000" spc="-1" strike="noStrike">
+              <a:solidFill>
+                <a:srgbClr val="ffffff"/>
+              </a:solidFill>
+              <a:latin typeface="Arial"/>
+            </a:endParaRPr>
+          </a:p>
+          <a:p>
+            <a:pPr algn="ctr">
+              <a:lnSpc>
+                <a:spcPct val="100000"/>
+              </a:lnSpc>
+            </a:pPr>
+            <a:endParaRPr b="0" lang="en-US" sz="2000" spc="-1" strike="noStrike">
+              <a:solidFill>
+                <a:srgbClr val="ffffff"/>
+              </a:solidFill>
+              <a:latin typeface="Arial"/>
+            </a:endParaRPr>
+          </a:p>
+          <a:p>
+            <a:pPr algn="ctr">
+              <a:lnSpc>
+                <a:spcPct val="100000"/>
+              </a:lnSpc>
+            </a:pPr>
+            <a:endParaRPr b="0" lang="en-US" sz="2000" spc="-1" strike="noStrike">
+              <a:solidFill>
+                <a:srgbClr val="ffffff"/>
+              </a:solidFill>
+              <a:latin typeface="Arial"/>
+            </a:endParaRPr>
+          </a:p>
+          <a:p>
+            <a:pPr algn="ctr">
+              <a:lnSpc>
+                <a:spcPct val="100000"/>
+              </a:lnSpc>
+            </a:pPr>
+            <a:endParaRPr b="0" lang="en-US" sz="2000" spc="-1" strike="noStrike">
+              <a:solidFill>
+                <a:srgbClr val="ffffff"/>
+              </a:solidFill>
+              <a:latin typeface="Arial"/>
+            </a:endParaRPr>
+          </a:p>
+          <a:p>
+            <a:pPr algn="ctr">
+              <a:lnSpc>
+                <a:spcPct val="100000"/>
+              </a:lnSpc>
+            </a:pPr>
+            <a:endParaRPr b="0" lang="en-US" sz="2000" spc="-1" strike="noStrike">
+              <a:solidFill>
+                <a:srgbClr val="ffffff"/>
+              </a:solidFill>
+              <a:latin typeface="Arial"/>
+            </a:endParaRPr>
+          </a:p>
+          <a:p>
+            <a:pPr algn="ctr">
+              <a:lnSpc>
+                <a:spcPct val="100000"/>
+              </a:lnSpc>
+            </a:pPr>
+            <a:endParaRPr b="0" lang="en-US" sz="2000" spc="-1" strike="noStrike">
+              <a:solidFill>
+                <a:srgbClr val="ffffff"/>
+              </a:solidFill>
+              <a:latin typeface="Arial"/>
+            </a:endParaRPr>
+          </a:p>
+          <a:p>
+            <a:pPr algn="ctr">
+              <a:lnSpc>
+                <a:spcPct val="100000"/>
+              </a:lnSpc>
+            </a:pPr>
+            <a:endParaRPr b="0" lang="en-US" sz="2000" spc="-1" strike="noStrike">
+              <a:solidFill>
+                <a:srgbClr val="ffffff"/>
+              </a:solidFill>
+              <a:latin typeface="Arial"/>
+            </a:endParaRPr>
+          </a:p>
+          <a:p>
+            <a:pPr algn="ctr">
+              <a:lnSpc>
+                <a:spcPct val="100000"/>
+              </a:lnSpc>
+            </a:pPr>
+            <a:endParaRPr b="0" lang="en-US" sz="2000" spc="-1" strike="noStrike">
+              <a:solidFill>
+                <a:srgbClr val="ffffff"/>
+              </a:solidFill>
+              <a:latin typeface="Arial"/>
+            </a:endParaRPr>
+          </a:p>
+          <a:p>
+            <a:pPr algn="ctr">
+              <a:lnSpc>
+                <a:spcPct val="100000"/>
+              </a:lnSpc>
+            </a:pPr>
+            <a:endParaRPr b="0" lang="en-US" sz="2000" spc="-1" strike="noStrike">
+              <a:solidFill>
+                <a:srgbClr val="ffffff"/>
+              </a:solidFill>
+              <a:latin typeface="Arial"/>
+            </a:endParaRPr>
+          </a:p>
+          <a:p>
+            <a:pPr algn="ctr">
+              <a:lnSpc>
+                <a:spcPct val="100000"/>
+              </a:lnSpc>
+            </a:pPr>
+            <a:r>
+              <a:rPr b="0" lang="en-US" sz="2000" spc="-1" strike="noStrike">
+                <a:solidFill>
+                  <a:srgbClr val="78ffc8"/>
+                </a:solidFill>
+                <a:latin typeface="Consolas"/>
+                <a:ea typeface="DejaVu Sans"/>
+              </a:rPr>
+              <a:t>@GetMapping("/health")</a:t>
+            </a:r>
+            <a:endParaRPr b="0" lang="en-US" sz="2000" spc="-1" strike="noStrike">
+              <a:solidFill>
+                <a:srgbClr val="ffffff"/>
+              </a:solidFill>
+              <a:latin typeface="Arial"/>
+            </a:endParaRPr>
+          </a:p>
+          <a:p>
+            <a:pPr algn="ctr">
+              <a:lnSpc>
+                <a:spcPct val="100000"/>
+              </a:lnSpc>
+            </a:pPr>
+            <a:r>
+              <a:rPr b="0" lang="en-US" sz="2000" spc="-1" strike="noStrike">
+                <a:solidFill>
+                  <a:srgbClr val="78ffc8"/>
+                </a:solidFill>
+                <a:latin typeface="Consolas"/>
+                <a:ea typeface="DejaVu Sans"/>
+              </a:rPr>
+              <a:t>public ResponseEntity&lt;String&gt; status() {</a:t>
+            </a:r>
+            <a:endParaRPr b="0" lang="en-US" sz="2000" spc="-1" strike="noStrike">
+              <a:solidFill>
+                <a:srgbClr val="ffffff"/>
+              </a:solidFill>
+              <a:latin typeface="Arial"/>
+            </a:endParaRPr>
+          </a:p>
+          <a:p>
+            <a:pPr algn="ctr">
+              <a:lnSpc>
+                <a:spcPct val="100000"/>
+              </a:lnSpc>
+            </a:pPr>
+            <a:r>
+              <a:rPr b="0" lang="en-US" sz="2000" spc="-1" strike="noStrike">
+                <a:solidFill>
+                  <a:srgbClr val="78ffc8"/>
+                </a:solidFill>
+                <a:latin typeface="Consolas"/>
+                <a:ea typeface="DejaVu Sans"/>
+              </a:rPr>
+              <a:t>    </a:t>
+            </a:r>
+            <a:r>
+              <a:rPr b="0" lang="en-US" sz="2000" spc="-1" strike="noStrike">
+                <a:solidFill>
+                  <a:srgbClr val="78ffc8"/>
+                </a:solidFill>
+                <a:latin typeface="Consolas"/>
+                <a:ea typeface="DejaVu Sans"/>
+              </a:rPr>
+              <a:t>return ResponseEntity.ok("Service is running");</a:t>
+            </a:r>
+            <a:endParaRPr b="0" lang="en-US" sz="2000" spc="-1" strike="noStrike">
+              <a:solidFill>
+                <a:srgbClr val="ffffff"/>
+              </a:solidFill>
+              <a:latin typeface="Arial"/>
+            </a:endParaRPr>
+          </a:p>
+          <a:p>
+            <a:pPr algn="ctr">
+              <a:lnSpc>
+                <a:spcPct val="100000"/>
+              </a:lnSpc>
+            </a:pPr>
+            <a:r>
+              <a:rPr b="0" lang="en-US" sz="2000" spc="-1" strike="noStrike">
+                <a:solidFill>
+                  <a:srgbClr val="78ffc8"/>
+                </a:solidFill>
+                <a:latin typeface="Consolas"/>
+                <a:ea typeface="DejaVu Sans"/>
+              </a:rPr>
+              <a:t>}</a:t>
+            </a:r>
+            <a:endParaRPr b="0" lang="en-US" sz="2000" spc="-1" strike="noStrike">
+              <a:solidFill>
+                <a:srgbClr val="ffffff"/>
+              </a:solidFill>
+              <a:latin typeface="Arial"/>
+            </a:endParaRPr>
+          </a:p>
+          <a:p>
+            <a:pPr algn="ctr">
+              <a:lnSpc>
+                <a:spcPct val="100000"/>
+              </a:lnSpc>
+            </a:pPr>
+            <a:endParaRPr b="0" lang="en-US" sz="2000" spc="-1" strike="noStrike">
+              <a:solidFill>
+                <a:srgbClr val="ffffff"/>
+              </a:solidFill>
+              <a:latin typeface="Arial"/>
+            </a:endParaRPr>
+          </a:p>
+          <a:p>
+            <a:pPr algn="ctr">
+              <a:lnSpc>
+                <a:spcPct val="100000"/>
+              </a:lnSpc>
+            </a:pPr>
+            <a:endParaRPr b="0" lang="en-US" sz="2000" spc="-1" strike="noStrike">
+              <a:solidFill>
+                <a:srgbClr val="ffffff"/>
+              </a:solidFill>
+              <a:latin typeface="Arial"/>
+            </a:endParaRPr>
+          </a:p>
+          <a:p>
+            <a:pPr algn="ctr">
+              <a:lnSpc>
+                <a:spcPct val="100000"/>
+              </a:lnSpc>
+            </a:pPr>
+            <a:endParaRPr b="0" lang="en-US" sz="2000" spc="-1" strike="noStrike">
+              <a:solidFill>
+                <a:srgbClr val="ffffff"/>
+              </a:solidFill>
+              <a:latin typeface="Arial"/>
+            </a:endParaRPr>
+          </a:p>
+          <a:p>
+            <a:pPr algn="ctr">
+              <a:lnSpc>
+                <a:spcPct val="100000"/>
+              </a:lnSpc>
+            </a:pPr>
+            <a:endParaRPr b="0" lang="en-US" sz="2000" spc="-1" strike="noStrike">
+              <a:solidFill>
+                <a:srgbClr val="ffffff"/>
+              </a:solidFill>
+              <a:latin typeface="Arial"/>
+            </a:endParaRPr>
+          </a:p>
+          <a:p>
+            <a:pPr algn="ctr">
+              <a:lnSpc>
+                <a:spcPct val="100000"/>
+              </a:lnSpc>
+            </a:pPr>
+            <a:endParaRPr b="0" lang="en-US" sz="2000" spc="-1" strike="noStrike">
+              <a:solidFill>
+                <a:srgbClr val="ffffff"/>
+              </a:solidFill>
+              <a:latin typeface="Arial"/>
+            </a:endParaRPr>
+          </a:p>
+          <a:p>
+            <a:pPr algn="ctr">
+              <a:lnSpc>
+                <a:spcPct val="100000"/>
+              </a:lnSpc>
+            </a:pPr>
+            <a:endParaRPr b="0" lang="en-US" sz="2000" spc="-1" strike="noStrike">
+              <a:solidFill>
+                <a:srgbClr val="ffffff"/>
+              </a:solidFill>
+              <a:latin typeface="Arial"/>
+            </a:endParaRPr>
+          </a:p>
+          <a:p>
+            <a:pPr algn="ctr">
+              <a:lnSpc>
+                <a:spcPct val="100000"/>
+              </a:lnSpc>
+            </a:pPr>
+            <a:endParaRPr b="0" lang="en-US" sz="2000" spc="-1" strike="noStrike">
+              <a:solidFill>
+                <a:srgbClr val="ffffff"/>
+              </a:solidFill>
+              <a:latin typeface="Arial"/>
+            </a:endParaRPr>
+          </a:p>
+          <a:p>
+            <a:pPr algn="ctr">
+              <a:lnSpc>
+                <a:spcPct val="100000"/>
+              </a:lnSpc>
+            </a:pPr>
+            <a:endParaRPr b="0" lang="en-US" sz="2000" spc="-1" strike="noStrike">
+              <a:solidFill>
+                <a:srgbClr val="ffffff"/>
+              </a:solidFill>
+              <a:latin typeface="Arial"/>
+            </a:endParaRPr>
+          </a:p>
+          <a:p>
+            <a:pPr algn="ctr">
+              <a:lnSpc>
+                <a:spcPct val="100000"/>
+              </a:lnSpc>
+            </a:pPr>
+            <a:endParaRPr b="0" lang="en-US" sz="2000" spc="-1" strike="noStrike">
+              <a:solidFill>
+                <a:srgbClr val="ffffff"/>
+              </a:solidFill>
+              <a:latin typeface="Arial"/>
+            </a:endParaRPr>
+          </a:p>
+          <a:p>
+            <a:pPr algn="ctr">
+              <a:lnSpc>
+                <a:spcPct val="100000"/>
+              </a:lnSpc>
+            </a:pPr>
+            <a:endParaRPr b="0" lang="en-US" sz="2000" spc="-1" strike="noStrike">
+              <a:solidFill>
+                <a:srgbClr val="ffffff"/>
+              </a:solidFill>
+              <a:latin typeface="Arial"/>
+            </a:endParaRPr>
+          </a:p>
+        </p:txBody>
+      </p:sp>
+      <p:sp>
+        <p:nvSpPr>
+          <p:cNvPr id="455" name="TextBox 51"/>
+          <p:cNvSpPr/>
+          <p:nvPr/>
+        </p:nvSpPr>
+        <p:spPr>
+          <a:xfrm>
+            <a:off x="5224320" y="7104600"/>
+            <a:ext cx="3051360" cy="363960"/>
+          </a:xfrm>
+          <a:prstGeom prst="rect">
+            <a:avLst/>
+          </a:prstGeom>
+          <a:noFill/>
+          <a:ln w="0">
+            <a:noFill/>
+          </a:ln>
+        </p:spPr>
+        <p:style>
+          <a:lnRef idx="0"/>
+          <a:fillRef idx="0"/>
+          <a:effectRef idx="0"/>
+          <a:fontRef idx="minor"/>
+        </p:style>
+        <p:txBody>
+          <a:bodyPr wrap="none" lIns="90000" rIns="90000" tIns="45000" bIns="45000" anchor="t">
+            <a:spAutoFit/>
+          </a:bodyPr>
+          <a:p>
+            <a:pPr>
+              <a:lnSpc>
+                <a:spcPct val="100000"/>
+              </a:lnSpc>
+            </a:pPr>
+            <a:r>
+              <a:rPr b="0" lang="en-US" sz="1800" spc="-1" strike="noStrike">
+                <a:solidFill>
+                  <a:srgbClr val="000000"/>
+                </a:solidFill>
+                <a:latin typeface="Calibri"/>
+                <a:ea typeface="DejaVu Sans"/>
+              </a:rPr>
+              <a:t>Java • Ultra Premium Template</a:t>
+            </a:r>
+            <a:endParaRPr b="0" lang="en-US" sz="1800" spc="-1" strike="noStrike">
+              <a:solidFill>
+                <a:srgbClr val="000000"/>
+              </a:solidFill>
+              <a:latin typeface="Arial"/>
+            </a:endParaRPr>
+          </a:p>
+        </p:txBody>
+      </p:sp>
+      <p:sp>
+        <p:nvSpPr>
+          <p:cNvPr id="456" name="Rounded Rectangle 118"/>
+          <p:cNvSpPr/>
+          <p:nvPr/>
+        </p:nvSpPr>
+        <p:spPr>
+          <a:xfrm>
+            <a:off x="4941000" y="3450960"/>
+            <a:ext cx="3623400" cy="3018600"/>
+          </a:xfrm>
+          <a:prstGeom prst="roundRect">
+            <a:avLst>
+              <a:gd name="adj" fmla="val 16667"/>
+            </a:avLst>
+          </a:prstGeom>
+          <a:solidFill>
+            <a:srgbClr val="16161c"/>
+          </a:solidFill>
+          <a:ln>
+            <a:solidFill>
+              <a:srgbClr val="464655"/>
+            </a:solidFill>
+            <a:round/>
+          </a:ln>
+          <a:effectLst>
+            <a:outerShdw blurRad="39960" dir="5400000" dist="23040" rotWithShape="0">
+              <a:srgbClr val="000000">
+                <a:alpha val="35000"/>
+              </a:srgbClr>
+            </a:outerShdw>
+          </a:effectLst>
+        </p:spPr>
+        <p:style>
+          <a:lnRef idx="1">
+            <a:schemeClr val="accent1"/>
+          </a:lnRef>
+          <a:fillRef idx="3">
+            <a:schemeClr val="accent1"/>
+          </a:fillRef>
+          <a:effectRef idx="2">
+            <a:schemeClr val="accent1"/>
+          </a:effectRef>
+          <a:fontRef idx="minor"/>
+        </p:style>
+        <p:txBody>
+          <a:bodyPr lIns="90000" rIns="90000" tIns="45000" bIns="45000" anchor="ctr">
+            <a:noAutofit/>
+          </a:bodyPr>
+          <a:p>
+            <a:pPr>
+              <a:lnSpc>
+                <a:spcPct val="100000"/>
+              </a:lnSpc>
+            </a:pPr>
+            <a:r>
+              <a:rPr b="1" lang="en-US" sz="1800" spc="-1" strike="noStrike">
+                <a:solidFill>
+                  <a:schemeClr val="lt1"/>
+                </a:solidFill>
+                <a:latin typeface="Calibri"/>
+                <a:ea typeface="DejaVu Sans"/>
+              </a:rPr>
+              <a:t>↓ </a:t>
+            </a:r>
+            <a:r>
+              <a:rPr b="1" lang="en-US" sz="1800" spc="-1" strike="noStrike">
+                <a:solidFill>
+                  <a:schemeClr val="lt1"/>
+                </a:solidFill>
+                <a:latin typeface="Calibri"/>
+                <a:ea typeface="DejaVu Sans"/>
+              </a:rPr>
+              <a:t>Spring Boot &amp; Spring Cloud</a:t>
+            </a:r>
+            <a:endParaRPr b="0" lang="en-US" sz="1800" spc="-1" strike="noStrike">
+              <a:solidFill>
+                <a:srgbClr val="ffffff"/>
+              </a:solidFill>
+              <a:latin typeface="Arial"/>
+            </a:endParaRPr>
+          </a:p>
+          <a:p>
+            <a:pPr>
+              <a:lnSpc>
+                <a:spcPct val="100000"/>
+              </a:lnSpc>
+            </a:pPr>
+            <a:r>
+              <a:rPr b="1" lang="en-US" sz="1800" spc="-1" strike="noStrike">
+                <a:solidFill>
+                  <a:schemeClr val="lt1"/>
+                </a:solidFill>
+                <a:latin typeface="Calibri"/>
+                <a:ea typeface="DejaVu Sans"/>
+              </a:rPr>
+              <a:t>↓ </a:t>
+            </a:r>
+            <a:r>
+              <a:rPr b="1" lang="en-US" sz="1800" spc="-1" strike="noStrike">
+                <a:solidFill>
+                  <a:schemeClr val="lt1"/>
+                </a:solidFill>
+                <a:latin typeface="Calibri"/>
+                <a:ea typeface="DejaVu Sans"/>
+              </a:rPr>
+              <a:t>Reactive programming (WebFlux)</a:t>
+            </a:r>
+            <a:endParaRPr b="0" lang="en-US" sz="1800" spc="-1" strike="noStrike">
+              <a:solidFill>
+                <a:srgbClr val="ffffff"/>
+              </a:solidFill>
+              <a:latin typeface="Arial"/>
+            </a:endParaRPr>
+          </a:p>
+          <a:p>
+            <a:pPr>
+              <a:lnSpc>
+                <a:spcPct val="100000"/>
+              </a:lnSpc>
+            </a:pPr>
+            <a:r>
+              <a:rPr b="1" lang="en-US" sz="1800" spc="-1" strike="noStrike">
+                <a:solidFill>
+                  <a:schemeClr val="lt1"/>
+                </a:solidFill>
+                <a:latin typeface="Calibri"/>
+                <a:ea typeface="DejaVu Sans"/>
+              </a:rPr>
+              <a:t>↓ </a:t>
+            </a:r>
+            <a:r>
+              <a:rPr b="1" lang="en-US" sz="1800" spc="-1" strike="noStrike">
+                <a:solidFill>
+                  <a:schemeClr val="lt1"/>
+                </a:solidFill>
+                <a:latin typeface="Calibri"/>
+                <a:ea typeface="DejaVu Sans"/>
+              </a:rPr>
+              <a:t>Kubernetes-native deployments</a:t>
+            </a:r>
+            <a:endParaRPr b="0" lang="en-US" sz="1800" spc="-1" strike="noStrike">
+              <a:solidFill>
+                <a:srgbClr val="ffffff"/>
+              </a:solidFill>
+              <a:latin typeface="Arial"/>
+            </a:endParaRPr>
+          </a:p>
+          <a:p>
+            <a:pPr>
+              <a:lnSpc>
+                <a:spcPct val="100000"/>
+              </a:lnSpc>
+            </a:pPr>
+            <a:r>
+              <a:rPr b="1" lang="en-US" sz="1800" spc="-1" strike="noStrike">
+                <a:solidFill>
+                  <a:schemeClr val="lt1"/>
+                </a:solidFill>
+                <a:latin typeface="Calibri"/>
+                <a:ea typeface="DejaVu Sans"/>
+              </a:rPr>
+              <a:t>↓ </a:t>
+            </a:r>
+            <a:r>
+              <a:rPr b="1" lang="en-US" sz="1800" spc="-1" strike="noStrike">
+                <a:solidFill>
+                  <a:schemeClr val="lt1"/>
+                </a:solidFill>
+                <a:latin typeface="Calibri"/>
+                <a:ea typeface="DejaVu Sans"/>
+              </a:rPr>
+              <a:t>GraalVM &amp; Native Images</a:t>
+            </a:r>
+            <a:endParaRPr b="0" lang="en-US" sz="1800" spc="-1" strike="noStrike">
+              <a:solidFill>
+                <a:srgbClr val="ffffff"/>
+              </a:solidFill>
+              <a:latin typeface="Arial"/>
+            </a:endParaRPr>
+          </a:p>
+          <a:p>
+            <a:pPr>
+              <a:lnSpc>
+                <a:spcPct val="100000"/>
+              </a:lnSpc>
+            </a:pPr>
+            <a:r>
+              <a:rPr b="1" lang="en-US" sz="1800" spc="-1" strike="noStrike">
+                <a:solidFill>
+                  <a:schemeClr val="lt1"/>
+                </a:solidFill>
+                <a:latin typeface="Calibri"/>
+                <a:ea typeface="DejaVu Sans"/>
+              </a:rPr>
+              <a:t>↓ </a:t>
+            </a:r>
+            <a:r>
+              <a:rPr b="1" lang="en-US" sz="1800" spc="-1" strike="noStrike">
+                <a:solidFill>
+                  <a:schemeClr val="lt1"/>
+                </a:solidFill>
+                <a:latin typeface="Calibri"/>
+                <a:ea typeface="DejaVu Sans"/>
+              </a:rPr>
+              <a:t>Observability (metrics, tracing)</a:t>
+            </a:r>
+            <a:endParaRPr b="0" lang="en-US" sz="1800" spc="-1" strike="noStrike">
+              <a:solidFill>
+                <a:srgbClr val="ffffff"/>
+              </a:solidFill>
+              <a:latin typeface="Arial"/>
+            </a:endParaRPr>
+          </a:p>
+          <a:p>
+            <a:pPr>
+              <a:lnSpc>
+                <a:spcPct val="100000"/>
+              </a:lnSpc>
+            </a:pPr>
+            <a:r>
+              <a:rPr b="1" lang="en-US" sz="1800" spc="-1" strike="noStrike">
+                <a:solidFill>
+                  <a:schemeClr val="lt1"/>
+                </a:solidFill>
+                <a:latin typeface="Calibri"/>
+                <a:ea typeface="DejaVu Sans"/>
+              </a:rPr>
+              <a:t>↓ </a:t>
+            </a:r>
+            <a:r>
+              <a:rPr b="1" lang="en-US" sz="1800" spc="-1" strike="noStrike">
+                <a:solidFill>
+                  <a:schemeClr val="lt1"/>
+                </a:solidFill>
+                <a:latin typeface="Calibri"/>
+                <a:ea typeface="DejaVu Sans"/>
+              </a:rPr>
+              <a:t>Long-term support stability</a:t>
+            </a:r>
+            <a:endParaRPr b="0" lang="en-US" sz="1800" spc="-1" strike="noStrike">
               <a:solidFill>
                 <a:srgbClr val="ffffff"/>
               </a:solidFill>
@@ -16595,7 +21322,7 @@
         <p:spPr>
           <a:xfrm>
             <a:off x="1440" y="1800"/>
-            <a:ext cx="13431240" cy="7554600"/>
+            <a:ext cx="13430880" cy="7554240"/>
           </a:xfrm>
           <a:prstGeom prst="rect">
             <a:avLst/>
@@ -16655,7 +21382,7 @@
         <p:spPr>
           <a:xfrm>
             <a:off x="1440" y="1800"/>
-            <a:ext cx="15480" cy="7554600"/>
+            <a:ext cx="15120" cy="7554240"/>
           </a:xfrm>
           <a:prstGeom prst="rect">
             <a:avLst/>
@@ -16715,7 +21442,7 @@
         <p:spPr>
           <a:xfrm>
             <a:off x="1005480" y="1800"/>
-            <a:ext cx="15480" cy="7554600"/>
+            <a:ext cx="15120" cy="7554240"/>
           </a:xfrm>
           <a:prstGeom prst="rect">
             <a:avLst/>
@@ -16775,7 +21502,7 @@
         <p:spPr>
           <a:xfrm>
             <a:off x="2013480" y="1800"/>
-            <a:ext cx="15480" cy="7554600"/>
+            <a:ext cx="15120" cy="7554240"/>
           </a:xfrm>
           <a:prstGeom prst="rect">
             <a:avLst/>
@@ -16835,7 +21562,7 @@
         <p:spPr>
           <a:xfrm>
             <a:off x="3021480" y="1800"/>
-            <a:ext cx="15480" cy="7554600"/>
+            <a:ext cx="15120" cy="7554240"/>
           </a:xfrm>
           <a:prstGeom prst="rect">
             <a:avLst/>
@@ -16895,7 +21622,7 @@
         <p:spPr>
           <a:xfrm>
             <a:off x="4029480" y="1800"/>
-            <a:ext cx="15480" cy="7554600"/>
+            <a:ext cx="15120" cy="7554240"/>
           </a:xfrm>
           <a:prstGeom prst="rect">
             <a:avLst/>
@@ -16955,7 +21682,7 @@
         <p:spPr>
           <a:xfrm>
             <a:off x="5037480" y="1800"/>
-            <a:ext cx="15480" cy="7554600"/>
+            <a:ext cx="15120" cy="7554240"/>
           </a:xfrm>
           <a:prstGeom prst="rect">
             <a:avLst/>
@@ -17015,7 +21742,7 @@
         <p:spPr>
           <a:xfrm>
             <a:off x="6045480" y="1800"/>
-            <a:ext cx="15480" cy="7554600"/>
+            <a:ext cx="15120" cy="7554240"/>
           </a:xfrm>
           <a:prstGeom prst="rect">
             <a:avLst/>
@@ -17075,7 +21802,7 @@
         <p:spPr>
           <a:xfrm>
             <a:off x="7053480" y="1800"/>
-            <a:ext cx="15480" cy="7554600"/>
+            <a:ext cx="15120" cy="7554240"/>
           </a:xfrm>
           <a:prstGeom prst="rect">
             <a:avLst/>
@@ -17135,7 +21862,7 @@
         <p:spPr>
           <a:xfrm>
             <a:off x="8061480" y="1800"/>
-            <a:ext cx="15480" cy="7554600"/>
+            <a:ext cx="15120" cy="7554240"/>
           </a:xfrm>
           <a:prstGeom prst="rect">
             <a:avLst/>
@@ -17195,7 +21922,7 @@
         <p:spPr>
           <a:xfrm>
             <a:off x="9069480" y="1800"/>
-            <a:ext cx="15480" cy="7554600"/>
+            <a:ext cx="15120" cy="7554240"/>
           </a:xfrm>
           <a:prstGeom prst="rect">
             <a:avLst/>
@@ -17255,7 +21982,7 @@
         <p:spPr>
           <a:xfrm>
             <a:off x="10077480" y="1800"/>
-            <a:ext cx="15480" cy="7554600"/>
+            <a:ext cx="15120" cy="7554240"/>
           </a:xfrm>
           <a:prstGeom prst="rect">
             <a:avLst/>
@@ -17315,7 +22042,7 @@
         <p:spPr>
           <a:xfrm>
             <a:off x="11085480" y="1800"/>
-            <a:ext cx="15480" cy="7554600"/>
+            <a:ext cx="15120" cy="7554240"/>
           </a:xfrm>
           <a:prstGeom prst="rect">
             <a:avLst/>
@@ -17375,7 +22102,7 @@
         <p:spPr>
           <a:xfrm>
             <a:off x="12093480" y="1800"/>
-            <a:ext cx="15480" cy="7554600"/>
+            <a:ext cx="15120" cy="7554240"/>
           </a:xfrm>
           <a:prstGeom prst="rect">
             <a:avLst/>
@@ -17435,7 +22162,7 @@
         <p:spPr>
           <a:xfrm>
             <a:off x="13101480" y="1800"/>
-            <a:ext cx="15480" cy="7554600"/>
+            <a:ext cx="15120" cy="7554240"/>
           </a:xfrm>
           <a:prstGeom prst="rect">
             <a:avLst/>
@@ -17495,7 +22222,7 @@
         <p:spPr>
           <a:xfrm>
             <a:off x="1440" y="1800"/>
-            <a:ext cx="347400" cy="7554600"/>
+            <a:ext cx="347040" cy="7554240"/>
           </a:xfrm>
           <a:prstGeom prst="rect">
             <a:avLst/>
@@ -17555,7 +22282,7 @@
         <p:spPr>
           <a:xfrm>
             <a:off x="10884960" y="401400"/>
-            <a:ext cx="2211840" cy="547920"/>
+            <a:ext cx="2211480" cy="547560"/>
           </a:xfrm>
           <a:prstGeom prst="roundRect">
             <a:avLst>
@@ -17629,7 +22356,7 @@
         <p:spPr>
           <a:xfrm>
             <a:off x="4249800" y="1107000"/>
-            <a:ext cx="3591000" cy="820800"/>
+            <a:ext cx="3590640" cy="820800"/>
           </a:xfrm>
           <a:prstGeom prst="rect">
             <a:avLst/>
@@ -17683,7 +22410,7 @@
         <p:spPr>
           <a:xfrm>
             <a:off x="3414600" y="2266200"/>
-            <a:ext cx="5910480" cy="957960"/>
+            <a:ext cx="5910120" cy="957960"/>
           </a:xfrm>
           <a:prstGeom prst="rect">
             <a:avLst/>
@@ -17773,7 +22500,7 @@
         <p:spPr>
           <a:xfrm>
             <a:off x="1086840" y="3506040"/>
-            <a:ext cx="3623400" cy="3018600"/>
+            <a:ext cx="3623040" cy="3018240"/>
           </a:xfrm>
           <a:prstGeom prst="roundRect">
             <a:avLst>
@@ -17835,7 +22562,7 @@
         <p:spPr>
           <a:xfrm>
             <a:off x="1006560" y="3425040"/>
-            <a:ext cx="3623760" cy="3018960"/>
+            <a:ext cx="3623400" cy="3018600"/>
           </a:xfrm>
           <a:prstGeom prst="roundRect">
             <a:avLst>
@@ -18064,7 +22791,7 @@
         <p:spPr>
           <a:xfrm>
             <a:off x="4968360" y="3506040"/>
-            <a:ext cx="3623400" cy="3018600"/>
+            <a:ext cx="3623040" cy="3018240"/>
           </a:xfrm>
           <a:prstGeom prst="roundRect">
             <a:avLst>
@@ -18126,7 +22853,7 @@
         <p:spPr>
           <a:xfrm>
             <a:off x="4886640" y="3425040"/>
-            <a:ext cx="3623760" cy="3018960"/>
+            <a:ext cx="3623400" cy="3018600"/>
           </a:xfrm>
           <a:prstGeom prst="roundRect">
             <a:avLst>
@@ -18502,7 +23229,7 @@
         <p:spPr>
           <a:xfrm>
             <a:off x="8849160" y="3506040"/>
-            <a:ext cx="3623400" cy="3018600"/>
+            <a:ext cx="3623040" cy="3018240"/>
           </a:xfrm>
           <a:prstGeom prst="roundRect">
             <a:avLst>
@@ -18564,7 +23291,7 @@
         <p:spPr>
           <a:xfrm>
             <a:off x="8767440" y="3425760"/>
-            <a:ext cx="3623760" cy="3018960"/>
+            <a:ext cx="3623400" cy="3018600"/>
           </a:xfrm>
           <a:prstGeom prst="roundRect">
             <a:avLst>
@@ -18773,7 +23500,7 @@
         <p:spPr>
           <a:xfrm>
             <a:off x="5224320" y="7104600"/>
-            <a:ext cx="3051720" cy="363960"/>
+            <a:ext cx="3051360" cy="363960"/>
           </a:xfrm>
           <a:prstGeom prst="rect">
             <a:avLst/>
@@ -18857,7 +23584,7 @@
         <p:spPr>
           <a:xfrm>
             <a:off x="1440" y="1800"/>
-            <a:ext cx="13431240" cy="7554600"/>
+            <a:ext cx="13430880" cy="7554240"/>
           </a:xfrm>
           <a:prstGeom prst="rect">
             <a:avLst/>
@@ -18917,7 +23644,7 @@
         <p:spPr>
           <a:xfrm>
             <a:off x="1440" y="1800"/>
-            <a:ext cx="15480" cy="7554600"/>
+            <a:ext cx="15120" cy="7554240"/>
           </a:xfrm>
           <a:prstGeom prst="rect">
             <a:avLst/>
@@ -18977,7 +23704,7 @@
         <p:spPr>
           <a:xfrm>
             <a:off x="1005480" y="1800"/>
-            <a:ext cx="15480" cy="7554600"/>
+            <a:ext cx="15120" cy="7554240"/>
           </a:xfrm>
           <a:prstGeom prst="rect">
             <a:avLst/>
@@ -19037,7 +23764,7 @@
         <p:spPr>
           <a:xfrm>
             <a:off x="2013480" y="1800"/>
-            <a:ext cx="15480" cy="7554600"/>
+            <a:ext cx="15120" cy="7554240"/>
           </a:xfrm>
           <a:prstGeom prst="rect">
             <a:avLst/>
@@ -19097,7 +23824,7 @@
         <p:spPr>
           <a:xfrm>
             <a:off x="3021480" y="1800"/>
-            <a:ext cx="15480" cy="7554600"/>
+            <a:ext cx="15120" cy="7554240"/>
           </a:xfrm>
           <a:prstGeom prst="rect">
             <a:avLst/>
@@ -19157,7 +23884,7 @@
         <p:spPr>
           <a:xfrm>
             <a:off x="4029480" y="1800"/>
-            <a:ext cx="15480" cy="7554600"/>
+            <a:ext cx="15120" cy="7554240"/>
           </a:xfrm>
           <a:prstGeom prst="rect">
             <a:avLst/>
@@ -19217,7 +23944,7 @@
         <p:spPr>
           <a:xfrm>
             <a:off x="5037480" y="1800"/>
-            <a:ext cx="15480" cy="7554600"/>
+            <a:ext cx="15120" cy="7554240"/>
           </a:xfrm>
           <a:prstGeom prst="rect">
             <a:avLst/>
@@ -19277,7 +24004,7 @@
         <p:spPr>
           <a:xfrm>
             <a:off x="6045480" y="1800"/>
-            <a:ext cx="15480" cy="7554600"/>
+            <a:ext cx="15120" cy="7554240"/>
           </a:xfrm>
           <a:prstGeom prst="rect">
             <a:avLst/>
@@ -19337,7 +24064,7 @@
         <p:spPr>
           <a:xfrm>
             <a:off x="7053480" y="1800"/>
-            <a:ext cx="15480" cy="7554600"/>
+            <a:ext cx="15120" cy="7554240"/>
           </a:xfrm>
           <a:prstGeom prst="rect">
             <a:avLst/>
@@ -19397,7 +24124,7 @@
         <p:spPr>
           <a:xfrm>
             <a:off x="8061480" y="1800"/>
-            <a:ext cx="15480" cy="7554600"/>
+            <a:ext cx="15120" cy="7554240"/>
           </a:xfrm>
           <a:prstGeom prst="rect">
             <a:avLst/>
@@ -19457,7 +24184,7 @@
         <p:spPr>
           <a:xfrm>
             <a:off x="9069480" y="1800"/>
-            <a:ext cx="15480" cy="7554600"/>
+            <a:ext cx="15120" cy="7554240"/>
           </a:xfrm>
           <a:prstGeom prst="rect">
             <a:avLst/>
@@ -19517,7 +24244,7 @@
         <p:spPr>
           <a:xfrm>
             <a:off x="10077480" y="1800"/>
-            <a:ext cx="15480" cy="7554600"/>
+            <a:ext cx="15120" cy="7554240"/>
           </a:xfrm>
           <a:prstGeom prst="rect">
             <a:avLst/>
@@ -19577,7 +24304,7 @@
         <p:spPr>
           <a:xfrm>
             <a:off x="11085480" y="1800"/>
-            <a:ext cx="15480" cy="7554600"/>
+            <a:ext cx="15120" cy="7554240"/>
           </a:xfrm>
           <a:prstGeom prst="rect">
             <a:avLst/>
@@ -19637,7 +24364,7 @@
         <p:spPr>
           <a:xfrm>
             <a:off x="12093480" y="1800"/>
-            <a:ext cx="15480" cy="7554600"/>
+            <a:ext cx="15120" cy="7554240"/>
           </a:xfrm>
           <a:prstGeom prst="rect">
             <a:avLst/>
@@ -19697,7 +24424,7 @@
         <p:spPr>
           <a:xfrm>
             <a:off x="13101480" y="1800"/>
-            <a:ext cx="15480" cy="7554600"/>
+            <a:ext cx="15120" cy="7554240"/>
           </a:xfrm>
           <a:prstGeom prst="rect">
             <a:avLst/>
@@ -19757,7 +24484,7 @@
         <p:spPr>
           <a:xfrm>
             <a:off x="1440" y="1800"/>
-            <a:ext cx="347400" cy="7554600"/>
+            <a:ext cx="347040" cy="7554240"/>
           </a:xfrm>
           <a:prstGeom prst="rect">
             <a:avLst/>
@@ -19817,7 +24544,7 @@
         <p:spPr>
           <a:xfrm>
             <a:off x="10884960" y="401400"/>
-            <a:ext cx="2211840" cy="547920"/>
+            <a:ext cx="2211480" cy="547560"/>
           </a:xfrm>
           <a:prstGeom prst="roundRect">
             <a:avLst>
@@ -19891,7 +24618,7 @@
         <p:spPr>
           <a:xfrm>
             <a:off x="3248280" y="1107000"/>
-            <a:ext cx="5595120" cy="820800"/>
+            <a:ext cx="5594760" cy="820800"/>
           </a:xfrm>
           <a:prstGeom prst="rect">
             <a:avLst/>
@@ -19945,7 +24672,7 @@
         <p:spPr>
           <a:xfrm>
             <a:off x="3017520" y="2266200"/>
-            <a:ext cx="6704640" cy="668520"/>
+            <a:ext cx="6704280" cy="668520"/>
           </a:xfrm>
           <a:prstGeom prst="rect">
             <a:avLst/>
@@ -20012,7 +24739,7 @@
         <p:spPr>
           <a:xfrm>
             <a:off x="1086840" y="3506040"/>
-            <a:ext cx="3623400" cy="3018600"/>
+            <a:ext cx="3623040" cy="3018240"/>
           </a:xfrm>
           <a:prstGeom prst="roundRect">
             <a:avLst>
@@ -20074,7 +24801,7 @@
         <p:spPr>
           <a:xfrm>
             <a:off x="1006560" y="3425760"/>
-            <a:ext cx="3623760" cy="3018960"/>
+            <a:ext cx="3623400" cy="3018600"/>
           </a:xfrm>
           <a:prstGeom prst="roundRect">
             <a:avLst>
@@ -20237,7 +24964,7 @@
         <p:spPr>
           <a:xfrm>
             <a:off x="4968360" y="3506040"/>
-            <a:ext cx="3623400" cy="3018600"/>
+            <a:ext cx="3623040" cy="3018240"/>
           </a:xfrm>
           <a:prstGeom prst="roundRect">
             <a:avLst>
@@ -20299,7 +25026,7 @@
         <p:spPr>
           <a:xfrm>
             <a:off x="4886640" y="3424320"/>
-            <a:ext cx="3623760" cy="3018960"/>
+            <a:ext cx="3623400" cy="3018600"/>
           </a:xfrm>
           <a:prstGeom prst="roundRect">
             <a:avLst>
@@ -20570,7 +25297,7 @@
         <p:spPr>
           <a:xfrm>
             <a:off x="8849160" y="3506040"/>
-            <a:ext cx="3623400" cy="3018600"/>
+            <a:ext cx="3623040" cy="3018240"/>
           </a:xfrm>
           <a:prstGeom prst="roundRect">
             <a:avLst>
@@ -20632,7 +25359,7 @@
         <p:spPr>
           <a:xfrm>
             <a:off x="8767440" y="3425040"/>
-            <a:ext cx="3623760" cy="3018960"/>
+            <a:ext cx="3623400" cy="3018600"/>
           </a:xfrm>
           <a:prstGeom prst="roundRect">
             <a:avLst>
@@ -20880,7 +25607,7 @@
         <p:spPr>
           <a:xfrm>
             <a:off x="5224320" y="7104600"/>
-            <a:ext cx="3051720" cy="363960"/>
+            <a:ext cx="3051360" cy="363960"/>
           </a:xfrm>
           <a:prstGeom prst="rect">
             <a:avLst/>
@@ -20964,7 +25691,7 @@
         <p:spPr>
           <a:xfrm>
             <a:off x="1440" y="1800"/>
-            <a:ext cx="13431240" cy="7554600"/>
+            <a:ext cx="13430880" cy="7554240"/>
           </a:xfrm>
           <a:prstGeom prst="rect">
             <a:avLst/>
@@ -21024,7 +25751,7 @@
         <p:spPr>
           <a:xfrm>
             <a:off x="1440" y="1800"/>
-            <a:ext cx="15480" cy="7554600"/>
+            <a:ext cx="15120" cy="7554240"/>
           </a:xfrm>
           <a:prstGeom prst="rect">
             <a:avLst/>
@@ -21084,7 +25811,7 @@
         <p:spPr>
           <a:xfrm>
             <a:off x="1005480" y="1800"/>
-            <a:ext cx="15480" cy="7554600"/>
+            <a:ext cx="15120" cy="7554240"/>
           </a:xfrm>
           <a:prstGeom prst="rect">
             <a:avLst/>
@@ -21144,7 +25871,7 @@
         <p:spPr>
           <a:xfrm>
             <a:off x="2013480" y="1800"/>
-            <a:ext cx="15480" cy="7554600"/>
+            <a:ext cx="15120" cy="7554240"/>
           </a:xfrm>
           <a:prstGeom prst="rect">
             <a:avLst/>
@@ -21204,7 +25931,7 @@
         <p:spPr>
           <a:xfrm>
             <a:off x="3021480" y="1800"/>
-            <a:ext cx="15480" cy="7554600"/>
+            <a:ext cx="15120" cy="7554240"/>
           </a:xfrm>
           <a:prstGeom prst="rect">
             <a:avLst/>
@@ -21264,7 +25991,7 @@
         <p:spPr>
           <a:xfrm>
             <a:off x="4029480" y="1800"/>
-            <a:ext cx="15480" cy="7554600"/>
+            <a:ext cx="15120" cy="7554240"/>
           </a:xfrm>
           <a:prstGeom prst="rect">
             <a:avLst/>
@@ -21324,7 +26051,7 @@
         <p:spPr>
           <a:xfrm>
             <a:off x="5037480" y="1800"/>
-            <a:ext cx="15480" cy="7554600"/>
+            <a:ext cx="15120" cy="7554240"/>
           </a:xfrm>
           <a:prstGeom prst="rect">
             <a:avLst/>
@@ -21384,7 +26111,7 @@
         <p:spPr>
           <a:xfrm>
             <a:off x="6045480" y="1800"/>
-            <a:ext cx="15480" cy="7554600"/>
+            <a:ext cx="15120" cy="7554240"/>
           </a:xfrm>
           <a:prstGeom prst="rect">
             <a:avLst/>
@@ -21444,7 +26171,7 @@
         <p:spPr>
           <a:xfrm>
             <a:off x="7053480" y="1800"/>
-            <a:ext cx="15480" cy="7554600"/>
+            <a:ext cx="15120" cy="7554240"/>
           </a:xfrm>
           <a:prstGeom prst="rect">
             <a:avLst/>
@@ -21504,7 +26231,7 @@
         <p:spPr>
           <a:xfrm>
             <a:off x="8061480" y="1800"/>
-            <a:ext cx="15480" cy="7554600"/>
+            <a:ext cx="15120" cy="7554240"/>
           </a:xfrm>
           <a:prstGeom prst="rect">
             <a:avLst/>
@@ -21564,7 +26291,7 @@
         <p:spPr>
           <a:xfrm>
             <a:off x="9069480" y="1800"/>
-            <a:ext cx="15480" cy="7554600"/>
+            <a:ext cx="15120" cy="7554240"/>
           </a:xfrm>
           <a:prstGeom prst="rect">
             <a:avLst/>
@@ -21624,7 +26351,7 @@
         <p:spPr>
           <a:xfrm>
             <a:off x="10077480" y="1800"/>
-            <a:ext cx="15480" cy="7554600"/>
+            <a:ext cx="15120" cy="7554240"/>
           </a:xfrm>
           <a:prstGeom prst="rect">
             <a:avLst/>
@@ -21684,7 +26411,7 @@
         <p:spPr>
           <a:xfrm>
             <a:off x="11085480" y="1800"/>
-            <a:ext cx="15480" cy="7554600"/>
+            <a:ext cx="15120" cy="7554240"/>
           </a:xfrm>
           <a:prstGeom prst="rect">
             <a:avLst/>
@@ -21744,7 +26471,7 @@
         <p:spPr>
           <a:xfrm>
             <a:off x="12093480" y="1800"/>
-            <a:ext cx="15480" cy="7554600"/>
+            <a:ext cx="15120" cy="7554240"/>
           </a:xfrm>
           <a:prstGeom prst="rect">
             <a:avLst/>
@@ -21804,7 +26531,7 @@
         <p:spPr>
           <a:xfrm>
             <a:off x="13101480" y="1800"/>
-            <a:ext cx="15480" cy="7554600"/>
+            <a:ext cx="15120" cy="7554240"/>
           </a:xfrm>
           <a:prstGeom prst="rect">
             <a:avLst/>
@@ -21864,7 +26591,7 @@
         <p:spPr>
           <a:xfrm>
             <a:off x="1440" y="1800"/>
-            <a:ext cx="347400" cy="7554600"/>
+            <a:ext cx="347040" cy="7554240"/>
           </a:xfrm>
           <a:prstGeom prst="rect">
             <a:avLst/>
@@ -21924,7 +26651,7 @@
         <p:spPr>
           <a:xfrm>
             <a:off x="10884960" y="401400"/>
-            <a:ext cx="2211840" cy="547920"/>
+            <a:ext cx="2211480" cy="547560"/>
           </a:xfrm>
           <a:prstGeom prst="roundRect">
             <a:avLst>
@@ -21998,7 +26725,7 @@
         <p:spPr>
           <a:xfrm>
             <a:off x="4443480" y="1107000"/>
-            <a:ext cx="3200760" cy="820800"/>
+            <a:ext cx="3200400" cy="820800"/>
           </a:xfrm>
           <a:prstGeom prst="rect">
             <a:avLst/>
@@ -22052,7 +26779,7 @@
         <p:spPr>
           <a:xfrm>
             <a:off x="1890720" y="2266200"/>
-            <a:ext cx="8963280" cy="379080"/>
+            <a:ext cx="8962920" cy="379080"/>
           </a:xfrm>
           <a:prstGeom prst="rect">
             <a:avLst/>
@@ -22106,7 +26833,7 @@
         <p:spPr>
           <a:xfrm>
             <a:off x="1086840" y="3506040"/>
-            <a:ext cx="3623400" cy="3018600"/>
+            <a:ext cx="3623040" cy="3018240"/>
           </a:xfrm>
           <a:prstGeom prst="roundRect">
             <a:avLst>
@@ -22168,7 +26895,7 @@
         <p:spPr>
           <a:xfrm>
             <a:off x="1006560" y="3425040"/>
-            <a:ext cx="3623760" cy="3018960"/>
+            <a:ext cx="3623400" cy="3018600"/>
           </a:xfrm>
           <a:prstGeom prst="roundRect">
             <a:avLst>
@@ -22498,7 +27225,7 @@
         <p:spPr>
           <a:xfrm>
             <a:off x="4968360" y="3506040"/>
-            <a:ext cx="3623400" cy="3018600"/>
+            <a:ext cx="3623040" cy="3018240"/>
           </a:xfrm>
           <a:prstGeom prst="roundRect">
             <a:avLst>
@@ -22560,7 +27287,7 @@
         <p:spPr>
           <a:xfrm>
             <a:off x="4886640" y="3425040"/>
-            <a:ext cx="3623760" cy="3018960"/>
+            <a:ext cx="3623400" cy="3018600"/>
           </a:xfrm>
           <a:prstGeom prst="roundRect">
             <a:avLst>
@@ -22880,7 +27607,7 @@
         <p:spPr>
           <a:xfrm>
             <a:off x="8849160" y="3506040"/>
-            <a:ext cx="3623400" cy="3018600"/>
+            <a:ext cx="3623040" cy="3018240"/>
           </a:xfrm>
           <a:prstGeom prst="roundRect">
             <a:avLst>
@@ -22942,7 +27669,7 @@
         <p:spPr>
           <a:xfrm>
             <a:off x="8767440" y="3425040"/>
-            <a:ext cx="3623760" cy="3018960"/>
+            <a:ext cx="3623400" cy="3018600"/>
           </a:xfrm>
           <a:prstGeom prst="roundRect">
             <a:avLst>
@@ -23335,7 +28062,7 @@
         <p:spPr>
           <a:xfrm>
             <a:off x="5224320" y="7104600"/>
-            <a:ext cx="3051720" cy="363960"/>
+            <a:ext cx="3051360" cy="363960"/>
           </a:xfrm>
           <a:prstGeom prst="rect">
             <a:avLst/>
@@ -23419,7 +28146,7 @@
         <p:spPr>
           <a:xfrm>
             <a:off x="1440" y="1800"/>
-            <a:ext cx="13431240" cy="7554600"/>
+            <a:ext cx="13430880" cy="7554240"/>
           </a:xfrm>
           <a:prstGeom prst="rect">
             <a:avLst/>
@@ -23479,7 +28206,7 @@
         <p:spPr>
           <a:xfrm>
             <a:off x="1440" y="1800"/>
-            <a:ext cx="15480" cy="7554600"/>
+            <a:ext cx="15120" cy="7554240"/>
           </a:xfrm>
           <a:prstGeom prst="rect">
             <a:avLst/>
@@ -23539,7 +28266,7 @@
         <p:spPr>
           <a:xfrm>
             <a:off x="1005480" y="1800"/>
-            <a:ext cx="15480" cy="7554600"/>
+            <a:ext cx="15120" cy="7554240"/>
           </a:xfrm>
           <a:prstGeom prst="rect">
             <a:avLst/>
@@ -23599,7 +28326,7 @@
         <p:spPr>
           <a:xfrm>
             <a:off x="2013480" y="1800"/>
-            <a:ext cx="15480" cy="7554600"/>
+            <a:ext cx="15120" cy="7554240"/>
           </a:xfrm>
           <a:prstGeom prst="rect">
             <a:avLst/>
@@ -23659,7 +28386,7 @@
         <p:spPr>
           <a:xfrm>
             <a:off x="3021480" y="1800"/>
-            <a:ext cx="15480" cy="7554600"/>
+            <a:ext cx="15120" cy="7554240"/>
           </a:xfrm>
           <a:prstGeom prst="rect">
             <a:avLst/>
@@ -23719,7 +28446,7 @@
         <p:spPr>
           <a:xfrm>
             <a:off x="4029480" y="1800"/>
-            <a:ext cx="15480" cy="7554600"/>
+            <a:ext cx="15120" cy="7554240"/>
           </a:xfrm>
           <a:prstGeom prst="rect">
             <a:avLst/>
@@ -23779,7 +28506,7 @@
         <p:spPr>
           <a:xfrm>
             <a:off x="5037480" y="1800"/>
-            <a:ext cx="15480" cy="7554600"/>
+            <a:ext cx="15120" cy="7554240"/>
           </a:xfrm>
           <a:prstGeom prst="rect">
             <a:avLst/>
@@ -23839,7 +28566,7 @@
         <p:spPr>
           <a:xfrm>
             <a:off x="6045480" y="1800"/>
-            <a:ext cx="15480" cy="7554600"/>
+            <a:ext cx="15120" cy="7554240"/>
           </a:xfrm>
           <a:prstGeom prst="rect">
             <a:avLst/>
@@ -23899,7 +28626,7 @@
         <p:spPr>
           <a:xfrm>
             <a:off x="7053480" y="1800"/>
-            <a:ext cx="15480" cy="7554600"/>
+            <a:ext cx="15120" cy="7554240"/>
           </a:xfrm>
           <a:prstGeom prst="rect">
             <a:avLst/>
@@ -23959,7 +28686,7 @@
         <p:spPr>
           <a:xfrm>
             <a:off x="8061480" y="1800"/>
-            <a:ext cx="15480" cy="7554600"/>
+            <a:ext cx="15120" cy="7554240"/>
           </a:xfrm>
           <a:prstGeom prst="rect">
             <a:avLst/>
@@ -24019,7 +28746,7 @@
         <p:spPr>
           <a:xfrm>
             <a:off x="9069480" y="1800"/>
-            <a:ext cx="15480" cy="7554600"/>
+            <a:ext cx="15120" cy="7554240"/>
           </a:xfrm>
           <a:prstGeom prst="rect">
             <a:avLst/>
@@ -24079,7 +28806,7 @@
         <p:spPr>
           <a:xfrm>
             <a:off x="10077480" y="1800"/>
-            <a:ext cx="15480" cy="7554600"/>
+            <a:ext cx="15120" cy="7554240"/>
           </a:xfrm>
           <a:prstGeom prst="rect">
             <a:avLst/>
@@ -24139,7 +28866,7 @@
         <p:spPr>
           <a:xfrm>
             <a:off x="11085480" y="1800"/>
-            <a:ext cx="15480" cy="7554600"/>
+            <a:ext cx="15120" cy="7554240"/>
           </a:xfrm>
           <a:prstGeom prst="rect">
             <a:avLst/>
@@ -24199,7 +28926,7 @@
         <p:spPr>
           <a:xfrm>
             <a:off x="12093480" y="1800"/>
-            <a:ext cx="15480" cy="7554600"/>
+            <a:ext cx="15120" cy="7554240"/>
           </a:xfrm>
           <a:prstGeom prst="rect">
             <a:avLst/>
@@ -24259,7 +28986,7 @@
         <p:spPr>
           <a:xfrm>
             <a:off x="13101480" y="1800"/>
-            <a:ext cx="15480" cy="7554600"/>
+            <a:ext cx="15120" cy="7554240"/>
           </a:xfrm>
           <a:prstGeom prst="rect">
             <a:avLst/>
@@ -24319,7 +29046,7 @@
         <p:spPr>
           <a:xfrm>
             <a:off x="1440" y="1800"/>
-            <a:ext cx="347400" cy="7554600"/>
+            <a:ext cx="347040" cy="7554240"/>
           </a:xfrm>
           <a:prstGeom prst="rect">
             <a:avLst/>
@@ -24379,7 +29106,7 @@
         <p:spPr>
           <a:xfrm>
             <a:off x="10884960" y="401400"/>
-            <a:ext cx="2211840" cy="547920"/>
+            <a:ext cx="2211480" cy="547560"/>
           </a:xfrm>
           <a:prstGeom prst="roundRect">
             <a:avLst>
@@ -24453,7 +29180,7 @@
         <p:spPr>
           <a:xfrm>
             <a:off x="2634120" y="1107000"/>
-            <a:ext cx="6823440" cy="820800"/>
+            <a:ext cx="6823080" cy="820800"/>
           </a:xfrm>
           <a:prstGeom prst="rect">
             <a:avLst/>
@@ -24517,7 +29244,7 @@
         <p:spPr>
           <a:xfrm>
             <a:off x="3651840" y="2266200"/>
-            <a:ext cx="5438160" cy="379080"/>
+            <a:ext cx="5437800" cy="379080"/>
           </a:xfrm>
           <a:prstGeom prst="rect">
             <a:avLst/>
@@ -24571,7 +29298,7 @@
         <p:spPr>
           <a:xfrm>
             <a:off x="1086840" y="3506040"/>
-            <a:ext cx="3623400" cy="3018600"/>
+            <a:ext cx="3623040" cy="3018240"/>
           </a:xfrm>
           <a:prstGeom prst="roundRect">
             <a:avLst>
@@ -24633,7 +29360,7 @@
         <p:spPr>
           <a:xfrm>
             <a:off x="679680" y="3273840"/>
-            <a:ext cx="4030920" cy="3169080"/>
+            <a:ext cx="4030560" cy="3168720"/>
           </a:xfrm>
           <a:prstGeom prst="roundRect">
             <a:avLst>
@@ -24985,7 +29712,7 @@
         <p:spPr>
           <a:xfrm>
             <a:off x="4968360" y="3506040"/>
-            <a:ext cx="3623400" cy="3018600"/>
+            <a:ext cx="3623040" cy="3018240"/>
           </a:xfrm>
           <a:prstGeom prst="roundRect">
             <a:avLst>
@@ -25047,7 +29774,7 @@
         <p:spPr>
           <a:xfrm>
             <a:off x="4886640" y="3425760"/>
-            <a:ext cx="3623760" cy="3018960"/>
+            <a:ext cx="3623400" cy="3018600"/>
           </a:xfrm>
           <a:prstGeom prst="roundRect">
             <a:avLst>
@@ -25341,7 +30068,7 @@
         <p:spPr>
           <a:xfrm>
             <a:off x="8849160" y="3506040"/>
-            <a:ext cx="3623400" cy="3018600"/>
+            <a:ext cx="3623040" cy="3018240"/>
           </a:xfrm>
           <a:prstGeom prst="roundRect">
             <a:avLst>
@@ -25403,7 +30130,7 @@
         <p:spPr>
           <a:xfrm>
             <a:off x="8767440" y="3425040"/>
-            <a:ext cx="3623760" cy="3018960"/>
+            <a:ext cx="3623400" cy="3018600"/>
           </a:xfrm>
           <a:prstGeom prst="roundRect">
             <a:avLst>
@@ -25690,7 +30417,7 @@
         <p:spPr>
           <a:xfrm>
             <a:off x="5224320" y="7104600"/>
-            <a:ext cx="3051720" cy="363960"/>
+            <a:ext cx="3051360" cy="363960"/>
           </a:xfrm>
           <a:prstGeom prst="rect">
             <a:avLst/>
@@ -25774,7 +30501,7 @@
         <p:spPr>
           <a:xfrm>
             <a:off x="1440" y="1800"/>
-            <a:ext cx="13431240" cy="7554600"/>
+            <a:ext cx="13430880" cy="7554240"/>
           </a:xfrm>
           <a:prstGeom prst="rect">
             <a:avLst/>
@@ -25834,7 +30561,7 @@
         <p:spPr>
           <a:xfrm>
             <a:off x="1440" y="1800"/>
-            <a:ext cx="15480" cy="7554600"/>
+            <a:ext cx="15120" cy="7554240"/>
           </a:xfrm>
           <a:prstGeom prst="rect">
             <a:avLst/>
@@ -25894,7 +30621,7 @@
         <p:spPr>
           <a:xfrm>
             <a:off x="1005480" y="1800"/>
-            <a:ext cx="15480" cy="7554600"/>
+            <a:ext cx="15120" cy="7554240"/>
           </a:xfrm>
           <a:prstGeom prst="rect">
             <a:avLst/>
@@ -25954,7 +30681,7 @@
         <p:spPr>
           <a:xfrm>
             <a:off x="2013480" y="1800"/>
-            <a:ext cx="15480" cy="7554600"/>
+            <a:ext cx="15120" cy="7554240"/>
           </a:xfrm>
           <a:prstGeom prst="rect">
             <a:avLst/>
@@ -26014,7 +30741,7 @@
         <p:spPr>
           <a:xfrm>
             <a:off x="3021480" y="1800"/>
-            <a:ext cx="15480" cy="7554600"/>
+            <a:ext cx="15120" cy="7554240"/>
           </a:xfrm>
           <a:prstGeom prst="rect">
             <a:avLst/>
@@ -26074,7 +30801,7 @@
         <p:spPr>
           <a:xfrm>
             <a:off x="4029480" y="1800"/>
-            <a:ext cx="15480" cy="7554600"/>
+            <a:ext cx="15120" cy="7554240"/>
           </a:xfrm>
           <a:prstGeom prst="rect">
             <a:avLst/>
@@ -26134,7 +30861,7 @@
         <p:spPr>
           <a:xfrm>
             <a:off x="5037480" y="1800"/>
-            <a:ext cx="15480" cy="7554600"/>
+            <a:ext cx="15120" cy="7554240"/>
           </a:xfrm>
           <a:prstGeom prst="rect">
             <a:avLst/>
@@ -26194,7 +30921,7 @@
         <p:spPr>
           <a:xfrm>
             <a:off x="6045480" y="1800"/>
-            <a:ext cx="15480" cy="7554600"/>
+            <a:ext cx="15120" cy="7554240"/>
           </a:xfrm>
           <a:prstGeom prst="rect">
             <a:avLst/>
@@ -26254,7 +30981,7 @@
         <p:spPr>
           <a:xfrm>
             <a:off x="7053480" y="1800"/>
-            <a:ext cx="15480" cy="7554600"/>
+            <a:ext cx="15120" cy="7554240"/>
           </a:xfrm>
           <a:prstGeom prst="rect">
             <a:avLst/>
@@ -26314,7 +31041,7 @@
         <p:spPr>
           <a:xfrm>
             <a:off x="8061480" y="1800"/>
-            <a:ext cx="15480" cy="7554600"/>
+            <a:ext cx="15120" cy="7554240"/>
           </a:xfrm>
           <a:prstGeom prst="rect">
             <a:avLst/>
@@ -26374,7 +31101,7 @@
         <p:spPr>
           <a:xfrm>
             <a:off x="9069480" y="1800"/>
-            <a:ext cx="15480" cy="7554600"/>
+            <a:ext cx="15120" cy="7554240"/>
           </a:xfrm>
           <a:prstGeom prst="rect">
             <a:avLst/>
@@ -26434,7 +31161,7 @@
         <p:spPr>
           <a:xfrm>
             <a:off x="10077480" y="1800"/>
-            <a:ext cx="15480" cy="7554600"/>
+            <a:ext cx="15120" cy="7554240"/>
           </a:xfrm>
           <a:prstGeom prst="rect">
             <a:avLst/>
@@ -26494,7 +31221,7 @@
         <p:spPr>
           <a:xfrm>
             <a:off x="11085480" y="1800"/>
-            <a:ext cx="15480" cy="7554600"/>
+            <a:ext cx="15120" cy="7554240"/>
           </a:xfrm>
           <a:prstGeom prst="rect">
             <a:avLst/>
@@ -26554,7 +31281,7 @@
         <p:spPr>
           <a:xfrm>
             <a:off x="12093480" y="1800"/>
-            <a:ext cx="15480" cy="7554600"/>
+            <a:ext cx="15120" cy="7554240"/>
           </a:xfrm>
           <a:prstGeom prst="rect">
             <a:avLst/>
@@ -26614,7 +31341,7 @@
         <p:spPr>
           <a:xfrm>
             <a:off x="13101480" y="1800"/>
-            <a:ext cx="15480" cy="7554600"/>
+            <a:ext cx="15120" cy="7554240"/>
           </a:xfrm>
           <a:prstGeom prst="rect">
             <a:avLst/>
@@ -26674,7 +31401,7 @@
         <p:spPr>
           <a:xfrm>
             <a:off x="1440" y="1800"/>
-            <a:ext cx="347400" cy="7554600"/>
+            <a:ext cx="347040" cy="7554240"/>
           </a:xfrm>
           <a:prstGeom prst="rect">
             <a:avLst/>
@@ -26734,7 +31461,7 @@
         <p:spPr>
           <a:xfrm>
             <a:off x="10884960" y="401400"/>
-            <a:ext cx="2211840" cy="547920"/>
+            <a:ext cx="2211480" cy="547560"/>
           </a:xfrm>
           <a:prstGeom prst="roundRect">
             <a:avLst>
@@ -26808,7 +31535,7 @@
         <p:spPr>
           <a:xfrm>
             <a:off x="1678320" y="1107000"/>
-            <a:ext cx="8743680" cy="820800"/>
+            <a:ext cx="8743320" cy="820800"/>
           </a:xfrm>
           <a:prstGeom prst="rect">
             <a:avLst/>
@@ -26872,7 +31599,7 @@
         <p:spPr>
           <a:xfrm>
             <a:off x="4784760" y="2266200"/>
-            <a:ext cx="3170520" cy="363960"/>
+            <a:ext cx="3170160" cy="363960"/>
           </a:xfrm>
           <a:prstGeom prst="rect">
             <a:avLst/>
@@ -26926,7 +31653,7 @@
         <p:spPr>
           <a:xfrm>
             <a:off x="1086840" y="3506040"/>
-            <a:ext cx="3623400" cy="3018600"/>
+            <a:ext cx="3623040" cy="3018240"/>
           </a:xfrm>
           <a:prstGeom prst="roundRect">
             <a:avLst>
@@ -26988,7 +31715,7 @@
         <p:spPr>
           <a:xfrm>
             <a:off x="1006560" y="3424320"/>
-            <a:ext cx="3623760" cy="3018960"/>
+            <a:ext cx="3623400" cy="3018600"/>
           </a:xfrm>
           <a:prstGeom prst="roundRect">
             <a:avLst>
@@ -27251,7 +31978,7 @@
         <p:spPr>
           <a:xfrm>
             <a:off x="4968360" y="3506040"/>
-            <a:ext cx="3623400" cy="3018600"/>
+            <a:ext cx="3623040" cy="3018240"/>
           </a:xfrm>
           <a:prstGeom prst="roundRect">
             <a:avLst>
@@ -27313,7 +32040,7 @@
         <p:spPr>
           <a:xfrm>
             <a:off x="8849160" y="3506040"/>
-            <a:ext cx="3623400" cy="3018600"/>
+            <a:ext cx="3623040" cy="3018240"/>
           </a:xfrm>
           <a:prstGeom prst="roundRect">
             <a:avLst>
@@ -27375,7 +32102,7 @@
         <p:spPr>
           <a:xfrm>
             <a:off x="8767440" y="3425760"/>
-            <a:ext cx="3623760" cy="3018960"/>
+            <a:ext cx="3623400" cy="3018600"/>
           </a:xfrm>
           <a:prstGeom prst="roundRect">
             <a:avLst>
@@ -27774,7 +32501,7 @@
         <p:spPr>
           <a:xfrm>
             <a:off x="5224320" y="7104600"/>
-            <a:ext cx="3051720" cy="363960"/>
+            <a:ext cx="3051360" cy="363960"/>
           </a:xfrm>
           <a:prstGeom prst="rect">
             <a:avLst/>
@@ -27828,7 +32555,7 @@
         <p:spPr>
           <a:xfrm>
             <a:off x="4941000" y="3449880"/>
-            <a:ext cx="3623760" cy="3018960"/>
+            <a:ext cx="3623400" cy="3018600"/>
           </a:xfrm>
           <a:prstGeom prst="roundRect">
             <a:avLst>
@@ -28162,7 +32889,7 @@
         <p:spPr>
           <a:xfrm>
             <a:off x="1440" y="1800"/>
-            <a:ext cx="13431240" cy="7554600"/>
+            <a:ext cx="13430880" cy="7554240"/>
           </a:xfrm>
           <a:prstGeom prst="rect">
             <a:avLst/>
@@ -28222,7 +32949,7 @@
         <p:spPr>
           <a:xfrm>
             <a:off x="1440" y="1800"/>
-            <a:ext cx="15480" cy="7554600"/>
+            <a:ext cx="15120" cy="7554240"/>
           </a:xfrm>
           <a:prstGeom prst="rect">
             <a:avLst/>
@@ -28282,7 +33009,7 @@
         <p:spPr>
           <a:xfrm>
             <a:off x="1005480" y="1800"/>
-            <a:ext cx="15480" cy="7554600"/>
+            <a:ext cx="15120" cy="7554240"/>
           </a:xfrm>
           <a:prstGeom prst="rect">
             <a:avLst/>
@@ -28342,7 +33069,7 @@
         <p:spPr>
           <a:xfrm>
             <a:off x="2013480" y="1800"/>
-            <a:ext cx="15480" cy="7554600"/>
+            <a:ext cx="15120" cy="7554240"/>
           </a:xfrm>
           <a:prstGeom prst="rect">
             <a:avLst/>
@@ -28402,7 +33129,7 @@
         <p:spPr>
           <a:xfrm>
             <a:off x="3021480" y="1800"/>
-            <a:ext cx="15480" cy="7554600"/>
+            <a:ext cx="15120" cy="7554240"/>
           </a:xfrm>
           <a:prstGeom prst="rect">
             <a:avLst/>
@@ -28462,7 +33189,7 @@
         <p:spPr>
           <a:xfrm>
             <a:off x="4029480" y="1800"/>
-            <a:ext cx="15480" cy="7554600"/>
+            <a:ext cx="15120" cy="7554240"/>
           </a:xfrm>
           <a:prstGeom prst="rect">
             <a:avLst/>
@@ -28522,7 +33249,7 @@
         <p:spPr>
           <a:xfrm>
             <a:off x="5037480" y="1800"/>
-            <a:ext cx="15480" cy="7554600"/>
+            <a:ext cx="15120" cy="7554240"/>
           </a:xfrm>
           <a:prstGeom prst="rect">
             <a:avLst/>
@@ -28582,7 +33309,7 @@
         <p:spPr>
           <a:xfrm>
             <a:off x="6045480" y="1800"/>
-            <a:ext cx="15480" cy="7554600"/>
+            <a:ext cx="15120" cy="7554240"/>
           </a:xfrm>
           <a:prstGeom prst="rect">
             <a:avLst/>
@@ -28642,7 +33369,7 @@
         <p:spPr>
           <a:xfrm>
             <a:off x="7053480" y="1800"/>
-            <a:ext cx="15480" cy="7554600"/>
+            <a:ext cx="15120" cy="7554240"/>
           </a:xfrm>
           <a:prstGeom prst="rect">
             <a:avLst/>
@@ -28702,7 +33429,7 @@
         <p:spPr>
           <a:xfrm>
             <a:off x="8061480" y="1800"/>
-            <a:ext cx="15480" cy="7554600"/>
+            <a:ext cx="15120" cy="7554240"/>
           </a:xfrm>
           <a:prstGeom prst="rect">
             <a:avLst/>
@@ -28762,7 +33489,7 @@
         <p:spPr>
           <a:xfrm>
             <a:off x="9069480" y="1800"/>
-            <a:ext cx="15480" cy="7554600"/>
+            <a:ext cx="15120" cy="7554240"/>
           </a:xfrm>
           <a:prstGeom prst="rect">
             <a:avLst/>
@@ -28822,7 +33549,7 @@
         <p:spPr>
           <a:xfrm>
             <a:off x="10077480" y="1800"/>
-            <a:ext cx="15480" cy="7554600"/>
+            <a:ext cx="15120" cy="7554240"/>
           </a:xfrm>
           <a:prstGeom prst="rect">
             <a:avLst/>
@@ -28882,7 +33609,7 @@
         <p:spPr>
           <a:xfrm>
             <a:off x="11085480" y="1800"/>
-            <a:ext cx="15480" cy="7554600"/>
+            <a:ext cx="15120" cy="7554240"/>
           </a:xfrm>
           <a:prstGeom prst="rect">
             <a:avLst/>
@@ -28942,7 +33669,7 @@
         <p:spPr>
           <a:xfrm>
             <a:off x="12093480" y="1800"/>
-            <a:ext cx="15480" cy="7554600"/>
+            <a:ext cx="15120" cy="7554240"/>
           </a:xfrm>
           <a:prstGeom prst="rect">
             <a:avLst/>
@@ -29002,7 +33729,7 @@
         <p:spPr>
           <a:xfrm>
             <a:off x="13101480" y="1800"/>
-            <a:ext cx="15480" cy="7554600"/>
+            <a:ext cx="15120" cy="7554240"/>
           </a:xfrm>
           <a:prstGeom prst="rect">
             <a:avLst/>
@@ -29062,7 +33789,7 @@
         <p:spPr>
           <a:xfrm>
             <a:off x="1440" y="1800"/>
-            <a:ext cx="347400" cy="7554600"/>
+            <a:ext cx="347040" cy="7554240"/>
           </a:xfrm>
           <a:prstGeom prst="rect">
             <a:avLst/>
@@ -29122,7 +33849,7 @@
         <p:spPr>
           <a:xfrm>
             <a:off x="10884960" y="401400"/>
-            <a:ext cx="2211840" cy="547920"/>
+            <a:ext cx="2211480" cy="547560"/>
           </a:xfrm>
           <a:prstGeom prst="roundRect">
             <a:avLst>
@@ -29196,7 +33923,7 @@
         <p:spPr>
           <a:xfrm>
             <a:off x="1764720" y="1107360"/>
-            <a:ext cx="8575920" cy="729720"/>
+            <a:ext cx="8575560" cy="729720"/>
           </a:xfrm>
           <a:prstGeom prst="rect">
             <a:avLst/>
@@ -29260,7 +33987,7 @@
         <p:spPr>
           <a:xfrm>
             <a:off x="3970080" y="2266200"/>
-            <a:ext cx="4799520" cy="363960"/>
+            <a:ext cx="4799160" cy="363960"/>
           </a:xfrm>
           <a:prstGeom prst="rect">
             <a:avLst/>
@@ -29314,7 +34041,7 @@
         <p:spPr>
           <a:xfrm>
             <a:off x="1086840" y="3506040"/>
-            <a:ext cx="3623400" cy="3018600"/>
+            <a:ext cx="3623040" cy="3018240"/>
           </a:xfrm>
           <a:prstGeom prst="roundRect">
             <a:avLst>
@@ -29376,7 +34103,7 @@
         <p:spPr>
           <a:xfrm>
             <a:off x="1006560" y="3425040"/>
-            <a:ext cx="3623760" cy="3018960"/>
+            <a:ext cx="3623400" cy="3018600"/>
           </a:xfrm>
           <a:prstGeom prst="roundRect">
             <a:avLst>
@@ -29763,7 +34490,7 @@
         <p:spPr>
           <a:xfrm>
             <a:off x="4968360" y="3506040"/>
-            <a:ext cx="3623400" cy="3018600"/>
+            <a:ext cx="3623040" cy="3018240"/>
           </a:xfrm>
           <a:prstGeom prst="roundRect">
             <a:avLst>
@@ -29825,7 +34552,7 @@
         <p:spPr>
           <a:xfrm>
             <a:off x="8849160" y="3506040"/>
-            <a:ext cx="3623400" cy="3018600"/>
+            <a:ext cx="3623040" cy="3018240"/>
           </a:xfrm>
           <a:prstGeom prst="roundRect">
             <a:avLst>
@@ -29887,7 +34614,7 @@
         <p:spPr>
           <a:xfrm>
             <a:off x="8767440" y="3425040"/>
-            <a:ext cx="3623760" cy="3018960"/>
+            <a:ext cx="3623400" cy="3018600"/>
           </a:xfrm>
           <a:prstGeom prst="roundRect">
             <a:avLst>
@@ -30352,7 +35079,7 @@
         <p:spPr>
           <a:xfrm>
             <a:off x="5224320" y="7104600"/>
-            <a:ext cx="3051720" cy="363960"/>
+            <a:ext cx="3051360" cy="363960"/>
           </a:xfrm>
           <a:prstGeom prst="rect">
             <a:avLst/>
@@ -30406,7 +35133,7 @@
         <p:spPr>
           <a:xfrm>
             <a:off x="4941000" y="3449520"/>
-            <a:ext cx="3623760" cy="3018960"/>
+            <a:ext cx="3623400" cy="3018600"/>
           </a:xfrm>
           <a:prstGeom prst="roundRect">
             <a:avLst>
@@ -30813,7 +35540,7 @@
         <p:spPr>
           <a:xfrm>
             <a:off x="1440" y="1800"/>
-            <a:ext cx="13431240" cy="7554600"/>
+            <a:ext cx="13430880" cy="7554240"/>
           </a:xfrm>
           <a:prstGeom prst="rect">
             <a:avLst/>
@@ -30873,7 +35600,7 @@
         <p:spPr>
           <a:xfrm>
             <a:off x="1440" y="1800"/>
-            <a:ext cx="15480" cy="7554600"/>
+            <a:ext cx="15120" cy="7554240"/>
           </a:xfrm>
           <a:prstGeom prst="rect">
             <a:avLst/>
@@ -30933,7 +35660,7 @@
         <p:spPr>
           <a:xfrm>
             <a:off x="1005480" y="1800"/>
-            <a:ext cx="15480" cy="7554600"/>
+            <a:ext cx="15120" cy="7554240"/>
           </a:xfrm>
           <a:prstGeom prst="rect">
             <a:avLst/>
@@ -30993,7 +35720,7 @@
         <p:spPr>
           <a:xfrm>
             <a:off x="2013480" y="1800"/>
-            <a:ext cx="15480" cy="7554600"/>
+            <a:ext cx="15120" cy="7554240"/>
           </a:xfrm>
           <a:prstGeom prst="rect">
             <a:avLst/>
@@ -31053,7 +35780,7 @@
         <p:spPr>
           <a:xfrm>
             <a:off x="3021480" y="1800"/>
-            <a:ext cx="15480" cy="7554600"/>
+            <a:ext cx="15120" cy="7554240"/>
           </a:xfrm>
           <a:prstGeom prst="rect">
             <a:avLst/>
@@ -31113,7 +35840,7 @@
         <p:spPr>
           <a:xfrm>
             <a:off x="4029480" y="1800"/>
-            <a:ext cx="15480" cy="7554600"/>
+            <a:ext cx="15120" cy="7554240"/>
           </a:xfrm>
           <a:prstGeom prst="rect">
             <a:avLst/>
@@ -31173,7 +35900,7 @@
         <p:spPr>
           <a:xfrm>
             <a:off x="5037480" y="1800"/>
-            <a:ext cx="15480" cy="7554600"/>
+            <a:ext cx="15120" cy="7554240"/>
           </a:xfrm>
           <a:prstGeom prst="rect">
             <a:avLst/>
@@ -31233,7 +35960,7 @@
         <p:spPr>
           <a:xfrm>
             <a:off x="6045480" y="1800"/>
-            <a:ext cx="15480" cy="7554600"/>
+            <a:ext cx="15120" cy="7554240"/>
           </a:xfrm>
           <a:prstGeom prst="rect">
             <a:avLst/>
@@ -31293,7 +36020,7 @@
         <p:spPr>
           <a:xfrm>
             <a:off x="7053480" y="1800"/>
-            <a:ext cx="15480" cy="7554600"/>
+            <a:ext cx="15120" cy="7554240"/>
           </a:xfrm>
           <a:prstGeom prst="rect">
             <a:avLst/>
@@ -31353,7 +36080,7 @@
         <p:spPr>
           <a:xfrm>
             <a:off x="8061480" y="1800"/>
-            <a:ext cx="15480" cy="7554600"/>
+            <a:ext cx="15120" cy="7554240"/>
           </a:xfrm>
           <a:prstGeom prst="rect">
             <a:avLst/>
@@ -31413,7 +36140,7 @@
         <p:spPr>
           <a:xfrm>
             <a:off x="9069480" y="1800"/>
-            <a:ext cx="15480" cy="7554600"/>
+            <a:ext cx="15120" cy="7554240"/>
           </a:xfrm>
           <a:prstGeom prst="rect">
             <a:avLst/>
@@ -31473,7 +36200,7 @@
         <p:spPr>
           <a:xfrm>
             <a:off x="10077480" y="1800"/>
-            <a:ext cx="15480" cy="7554600"/>
+            <a:ext cx="15120" cy="7554240"/>
           </a:xfrm>
           <a:prstGeom prst="rect">
             <a:avLst/>
@@ -31533,7 +36260,7 @@
         <p:spPr>
           <a:xfrm>
             <a:off x="11085480" y="1800"/>
-            <a:ext cx="15480" cy="7554600"/>
+            <a:ext cx="15120" cy="7554240"/>
           </a:xfrm>
           <a:prstGeom prst="rect">
             <a:avLst/>
@@ -31593,7 +36320,7 @@
         <p:spPr>
           <a:xfrm>
             <a:off x="12093480" y="1800"/>
-            <a:ext cx="15480" cy="7554600"/>
+            <a:ext cx="15120" cy="7554240"/>
           </a:xfrm>
           <a:prstGeom prst="rect">
             <a:avLst/>
@@ -31653,7 +36380,7 @@
         <p:spPr>
           <a:xfrm>
             <a:off x="13101480" y="1800"/>
-            <a:ext cx="15480" cy="7554600"/>
+            <a:ext cx="15120" cy="7554240"/>
           </a:xfrm>
           <a:prstGeom prst="rect">
             <a:avLst/>
@@ -31713,7 +36440,7 @@
         <p:spPr>
           <a:xfrm>
             <a:off x="1440" y="1800"/>
-            <a:ext cx="347400" cy="7554600"/>
+            <a:ext cx="347040" cy="7554240"/>
           </a:xfrm>
           <a:prstGeom prst="rect">
             <a:avLst/>
@@ -31773,7 +36500,7 @@
         <p:spPr>
           <a:xfrm>
             <a:off x="10884960" y="401400"/>
-            <a:ext cx="2211840" cy="547920"/>
+            <a:ext cx="2211480" cy="547560"/>
           </a:xfrm>
           <a:prstGeom prst="roundRect">
             <a:avLst>
@@ -31847,7 +36574,7 @@
         <p:spPr>
           <a:xfrm>
             <a:off x="179640" y="1107360"/>
-            <a:ext cx="11750760" cy="729720"/>
+            <a:ext cx="11750400" cy="729720"/>
           </a:xfrm>
           <a:prstGeom prst="rect">
             <a:avLst/>
@@ -31911,7 +36638,7 @@
         <p:spPr>
           <a:xfrm>
             <a:off x="3797640" y="2266200"/>
-            <a:ext cx="5146920" cy="363960"/>
+            <a:ext cx="5146560" cy="363960"/>
           </a:xfrm>
           <a:prstGeom prst="rect">
             <a:avLst/>
@@ -31965,7 +36692,7 @@
         <p:spPr>
           <a:xfrm>
             <a:off x="1086840" y="3506040"/>
-            <a:ext cx="3623400" cy="3018600"/>
+            <a:ext cx="3623040" cy="3018240"/>
           </a:xfrm>
           <a:prstGeom prst="roundRect">
             <a:avLst>
@@ -32027,7 +36754,7 @@
         <p:spPr>
           <a:xfrm>
             <a:off x="1006560" y="3425040"/>
-            <a:ext cx="3623760" cy="3018960"/>
+            <a:ext cx="3623400" cy="3018600"/>
           </a:xfrm>
           <a:prstGeom prst="roundRect">
             <a:avLst>
@@ -32404,7 +37131,7 @@
         <p:spPr>
           <a:xfrm>
             <a:off x="4968360" y="3506040"/>
-            <a:ext cx="3623400" cy="3018600"/>
+            <a:ext cx="3623040" cy="3018240"/>
           </a:xfrm>
           <a:prstGeom prst="roundRect">
             <a:avLst>
@@ -32466,7 +37193,7 @@
         <p:spPr>
           <a:xfrm>
             <a:off x="8849160" y="3506040"/>
-            <a:ext cx="3623400" cy="3018600"/>
+            <a:ext cx="3623040" cy="3018240"/>
           </a:xfrm>
           <a:prstGeom prst="roundRect">
             <a:avLst>
@@ -32528,7 +37255,7 @@
         <p:spPr>
           <a:xfrm>
             <a:off x="8767440" y="3425040"/>
-            <a:ext cx="3623760" cy="3018960"/>
+            <a:ext cx="3623400" cy="3018600"/>
           </a:xfrm>
           <a:prstGeom prst="roundRect">
             <a:avLst>
@@ -33039,7 +37766,7 @@
         <p:spPr>
           <a:xfrm>
             <a:off x="5224320" y="7104600"/>
-            <a:ext cx="3051720" cy="363960"/>
+            <a:ext cx="3051360" cy="363960"/>
           </a:xfrm>
           <a:prstGeom prst="rect">
             <a:avLst/>
@@ -33093,7 +37820,7 @@
         <p:spPr>
           <a:xfrm>
             <a:off x="4941000" y="3450960"/>
-            <a:ext cx="3623760" cy="3018960"/>
+            <a:ext cx="3623400" cy="3018600"/>
           </a:xfrm>
           <a:prstGeom prst="roundRect">
             <a:avLst>
@@ -33490,7 +38217,7 @@
         <p:spPr>
           <a:xfrm>
             <a:off x="16920" y="1800"/>
-            <a:ext cx="13431240" cy="7554600"/>
+            <a:ext cx="13430880" cy="7554240"/>
           </a:xfrm>
           <a:prstGeom prst="rect">
             <a:avLst/>
@@ -33550,7 +38277,7 @@
         <p:spPr>
           <a:xfrm>
             <a:off x="1440" y="1800"/>
-            <a:ext cx="15480" cy="7554600"/>
+            <a:ext cx="15120" cy="7554240"/>
           </a:xfrm>
           <a:prstGeom prst="rect">
             <a:avLst/>
@@ -33610,7 +38337,7 @@
         <p:spPr>
           <a:xfrm>
             <a:off x="1005480" y="1800"/>
-            <a:ext cx="15480" cy="7554600"/>
+            <a:ext cx="15120" cy="7554240"/>
           </a:xfrm>
           <a:prstGeom prst="rect">
             <a:avLst/>
@@ -33670,7 +38397,7 @@
         <p:spPr>
           <a:xfrm>
             <a:off x="2013480" y="1800"/>
-            <a:ext cx="15480" cy="7554600"/>
+            <a:ext cx="15120" cy="7554240"/>
           </a:xfrm>
           <a:prstGeom prst="rect">
             <a:avLst/>
@@ -33730,7 +38457,7 @@
         <p:spPr>
           <a:xfrm>
             <a:off x="3021480" y="1800"/>
-            <a:ext cx="15480" cy="7554600"/>
+            <a:ext cx="15120" cy="7554240"/>
           </a:xfrm>
           <a:prstGeom prst="rect">
             <a:avLst/>
@@ -33790,7 +38517,7 @@
         <p:spPr>
           <a:xfrm>
             <a:off x="4029480" y="1800"/>
-            <a:ext cx="15480" cy="7554600"/>
+            <a:ext cx="15120" cy="7554240"/>
           </a:xfrm>
           <a:prstGeom prst="rect">
             <a:avLst/>
@@ -33850,7 +38577,7 @@
         <p:spPr>
           <a:xfrm>
             <a:off x="5037480" y="1800"/>
-            <a:ext cx="15480" cy="7554600"/>
+            <a:ext cx="15120" cy="7554240"/>
           </a:xfrm>
           <a:prstGeom prst="rect">
             <a:avLst/>
@@ -33910,7 +38637,7 @@
         <p:spPr>
           <a:xfrm>
             <a:off x="6045480" y="1800"/>
-            <a:ext cx="15480" cy="7554600"/>
+            <a:ext cx="15120" cy="7554240"/>
           </a:xfrm>
           <a:prstGeom prst="rect">
             <a:avLst/>
@@ -33970,7 +38697,7 @@
         <p:spPr>
           <a:xfrm>
             <a:off x="7053480" y="1800"/>
-            <a:ext cx="15480" cy="7554600"/>
+            <a:ext cx="15120" cy="7554240"/>
           </a:xfrm>
           <a:prstGeom prst="rect">
             <a:avLst/>
@@ -34030,7 +38757,7 @@
         <p:spPr>
           <a:xfrm>
             <a:off x="8061480" y="1800"/>
-            <a:ext cx="15480" cy="7554600"/>
+            <a:ext cx="15120" cy="7554240"/>
           </a:xfrm>
           <a:prstGeom prst="rect">
             <a:avLst/>
@@ -34090,7 +38817,7 @@
         <p:spPr>
           <a:xfrm>
             <a:off x="9069480" y="1800"/>
-            <a:ext cx="15480" cy="7554600"/>
+            <a:ext cx="15120" cy="7554240"/>
           </a:xfrm>
           <a:prstGeom prst="rect">
             <a:avLst/>
@@ -34150,7 +38877,7 @@
         <p:spPr>
           <a:xfrm>
             <a:off x="10077480" y="1800"/>
-            <a:ext cx="15480" cy="7554600"/>
+            <a:ext cx="15120" cy="7554240"/>
           </a:xfrm>
           <a:prstGeom prst="rect">
             <a:avLst/>
@@ -34210,7 +38937,7 @@
         <p:spPr>
           <a:xfrm>
             <a:off x="11085480" y="1800"/>
-            <a:ext cx="15480" cy="7554600"/>
+            <a:ext cx="15120" cy="7554240"/>
           </a:xfrm>
           <a:prstGeom prst="rect">
             <a:avLst/>
@@ -34270,7 +38997,7 @@
         <p:spPr>
           <a:xfrm>
             <a:off x="12093480" y="1800"/>
-            <a:ext cx="15480" cy="7554600"/>
+            <a:ext cx="15120" cy="7554240"/>
           </a:xfrm>
           <a:prstGeom prst="rect">
             <a:avLst/>
@@ -34330,7 +39057,7 @@
         <p:spPr>
           <a:xfrm>
             <a:off x="13101480" y="1800"/>
-            <a:ext cx="15480" cy="7554600"/>
+            <a:ext cx="15120" cy="7554240"/>
           </a:xfrm>
           <a:prstGeom prst="rect">
             <a:avLst/>
@@ -34390,7 +39117,7 @@
         <p:spPr>
           <a:xfrm>
             <a:off x="1440" y="1800"/>
-            <a:ext cx="347400" cy="7554600"/>
+            <a:ext cx="347040" cy="7554240"/>
           </a:xfrm>
           <a:prstGeom prst="rect">
             <a:avLst/>
@@ -34450,7 +39177,7 @@
         <p:spPr>
           <a:xfrm>
             <a:off x="10884960" y="401400"/>
-            <a:ext cx="2211840" cy="547920"/>
+            <a:ext cx="2211480" cy="547560"/>
           </a:xfrm>
           <a:prstGeom prst="roundRect">
             <a:avLst>
@@ -34524,7 +39251,7 @@
         <p:spPr>
           <a:xfrm>
             <a:off x="3444480" y="1107360"/>
-            <a:ext cx="5217120" cy="729720"/>
+            <a:ext cx="5216760" cy="729720"/>
           </a:xfrm>
           <a:prstGeom prst="rect">
             <a:avLst/>
@@ -34588,7 +39315,7 @@
         <p:spPr>
           <a:xfrm>
             <a:off x="4513680" y="2266200"/>
-            <a:ext cx="3714480" cy="363960"/>
+            <a:ext cx="3714120" cy="363960"/>
           </a:xfrm>
           <a:prstGeom prst="rect">
             <a:avLst/>
@@ -34642,7 +39369,7 @@
         <p:spPr>
           <a:xfrm>
             <a:off x="1086840" y="3506040"/>
-            <a:ext cx="3623400" cy="3018600"/>
+            <a:ext cx="3623040" cy="3018240"/>
           </a:xfrm>
           <a:prstGeom prst="roundRect">
             <a:avLst>
@@ -34704,7 +39431,7 @@
         <p:spPr>
           <a:xfrm>
             <a:off x="1006560" y="3425040"/>
-            <a:ext cx="3623760" cy="3018960"/>
+            <a:ext cx="3623400" cy="3018600"/>
           </a:xfrm>
           <a:prstGeom prst="roundRect">
             <a:avLst>
@@ -35036,7 +39763,7 @@
         <p:spPr>
           <a:xfrm>
             <a:off x="4968360" y="3506040"/>
-            <a:ext cx="3623400" cy="3018600"/>
+            <a:ext cx="3623040" cy="3018240"/>
           </a:xfrm>
           <a:prstGeom prst="roundRect">
             <a:avLst>
@@ -35098,7 +39825,7 @@
         <p:spPr>
           <a:xfrm>
             <a:off x="8849160" y="3506040"/>
-            <a:ext cx="3623400" cy="3018600"/>
+            <a:ext cx="3623040" cy="3018240"/>
           </a:xfrm>
           <a:prstGeom prst="roundRect">
             <a:avLst>
@@ -35160,7 +39887,7 @@
         <p:spPr>
           <a:xfrm>
             <a:off x="8767440" y="3425040"/>
-            <a:ext cx="3623760" cy="3018960"/>
+            <a:ext cx="3623400" cy="3018600"/>
           </a:xfrm>
           <a:prstGeom prst="roundRect">
             <a:avLst>
@@ -35447,7 +40174,7 @@
         <p:spPr>
           <a:xfrm>
             <a:off x="5224320" y="7104600"/>
-            <a:ext cx="3051720" cy="363960"/>
+            <a:ext cx="3051360" cy="363960"/>
           </a:xfrm>
           <a:prstGeom prst="rect">
             <a:avLst/>
@@ -35501,7 +40228,7 @@
         <p:spPr>
           <a:xfrm>
             <a:off x="4941000" y="3450960"/>
-            <a:ext cx="3623760" cy="3018960"/>
+            <a:ext cx="3623400" cy="3018600"/>
           </a:xfrm>
           <a:prstGeom prst="roundRect">
             <a:avLst>

--- a/Java/Java #1/EN/Java #1.pptx
+++ b/Java/Java #1/EN/Java #1.pptx
@@ -21,6 +21,8 @@
     <p:sldId id="269" r:id="rId16"/>
     <p:sldId id="270" r:id="rId17"/>
     <p:sldId id="271" r:id="rId18"/>
+    <p:sldId id="272" r:id="rId19"/>
+    <p:sldId id="273" r:id="rId20"/>
   </p:sldIdLst>
   <p:sldSz cx="10080625" cy="7559675"/>
   <p:notesSz cx="7772400" cy="10058400"/>
@@ -78,7 +80,7 @@
         <p:txBody>
           <a:bodyPr/>
           <a:p>
-            <a:fld id="{09C238BA-9C90-482C-B5B0-C1444A078F89}" type="slidenum">
+            <a:fld id="{7B414F85-EFD0-49DA-A47F-477FFD2463CF}" type="slidenum">
               <a:t>&lt;#&gt;</a:t>
             </a:fld>
           </a:p>
@@ -287,7 +289,7 @@
         <p:txBody>
           <a:bodyPr/>
           <a:p>
-            <a:fld id="{01188678-F5B6-4498-A977-2BFCC915CC72}" type="slidenum">
+            <a:fld id="{5BA493D6-775C-4FA4-B537-3AA4A8247915}" type="slidenum">
               <a:t>&lt;#&gt;</a:t>
             </a:fld>
           </a:p>
@@ -582,7 +584,7 @@
         <p:txBody>
           <a:bodyPr/>
           <a:p>
-            <a:fld id="{19774746-EE12-445E-8950-5BF2F09E8477}" type="slidenum">
+            <a:fld id="{C05C4BAF-759D-460E-858B-AD1B1BD76FFD}" type="slidenum">
               <a:t>&lt;#&gt;</a:t>
             </a:fld>
           </a:p>
@@ -963,7 +965,7 @@
         <p:txBody>
           <a:bodyPr/>
           <a:p>
-            <a:fld id="{A05BD7C1-CF2F-469D-9C53-44045F038051}" type="slidenum">
+            <a:fld id="{B9D5CCCF-95E2-42FA-970D-C6287E1EEFD7}" type="slidenum">
               <a:t>&lt;#&gt;</a:t>
             </a:fld>
           </a:p>
@@ -1126,7 +1128,7 @@
         <p:txBody>
           <a:bodyPr/>
           <a:p>
-            <a:fld id="{956F1E61-20E3-4C4A-B4A0-D3BAFA2AA5B8}" type="slidenum">
+            <a:fld id="{2CF39FD7-64BD-4E6D-86FE-CE8D6A1CBF79}" type="slidenum">
               <a:t>&lt;#&gt;</a:t>
             </a:fld>
           </a:p>
@@ -1292,7 +1294,7 @@
         <p:txBody>
           <a:bodyPr/>
           <a:p>
-            <a:fld id="{B71B3704-E6DF-452D-9809-BCBEF5D10680}" type="slidenum">
+            <a:fld id="{EC083660-C3D8-4518-A161-E286B96285FF}" type="slidenum">
               <a:t>&lt;#&gt;</a:t>
             </a:fld>
           </a:p>
@@ -1501,7 +1503,7 @@
         <p:txBody>
           <a:bodyPr/>
           <a:p>
-            <a:fld id="{6CDD0AE3-DC92-439E-9DF4-0BD18A836767}" type="slidenum">
+            <a:fld id="{F83F729D-0733-43F8-A88F-F230F5C7E879}" type="slidenum">
               <a:t>&lt;#&gt;</a:t>
             </a:fld>
           </a:p>
@@ -1624,7 +1626,7 @@
         <p:txBody>
           <a:bodyPr/>
           <a:p>
-            <a:fld id="{7711FF80-48D5-434D-A582-B9849F81E2CD}" type="slidenum">
+            <a:fld id="{97711AF6-6616-40A2-B7DF-2027DF7DF956}" type="slidenum">
               <a:t>&lt;#&gt;</a:t>
             </a:fld>
           </a:p>
@@ -1745,7 +1747,7 @@
         <p:txBody>
           <a:bodyPr/>
           <a:p>
-            <a:fld id="{2F260D3B-9D0F-4877-864E-B4E703007025}" type="slidenum">
+            <a:fld id="{E6DABA25-3A28-4114-AAEA-79F3D493B161}" type="slidenum">
               <a:t>&lt;#&gt;</a:t>
             </a:fld>
           </a:p>
@@ -1997,7 +1999,7 @@
         <p:txBody>
           <a:bodyPr/>
           <a:p>
-            <a:fld id="{2C89D21C-79D3-4086-862D-5BF59F01EDC5}" type="slidenum">
+            <a:fld id="{26532882-D59B-4754-A88A-1A8AA8C9DFE6}" type="slidenum">
               <a:t>&lt;#&gt;</a:t>
             </a:fld>
           </a:p>
@@ -2249,7 +2251,7 @@
         <p:txBody>
           <a:bodyPr/>
           <a:p>
-            <a:fld id="{45F4DA99-32D4-4B34-B8B1-BAA46003F848}" type="slidenum">
+            <a:fld id="{1DC5F2BC-17A9-4CD2-90DD-9DEAE8C82A52}" type="slidenum">
               <a:t>&lt;#&gt;</a:t>
             </a:fld>
           </a:p>
@@ -2501,7 +2503,7 @@
         <p:txBody>
           <a:bodyPr/>
           <a:p>
-            <a:fld id="{498D0F16-D088-4523-8769-B829D1E09D61}" type="slidenum">
+            <a:fld id="{657878AD-5065-4A15-98CF-326E41EEE5FF}" type="slidenum">
               <a:t>&lt;#&gt;</a:t>
             </a:fld>
           </a:p>
@@ -2570,7 +2572,7 @@
         <p:spPr>
           <a:xfrm>
             <a:off x="3442320" y="7005240"/>
-            <a:ext cx="3186000" cy="396360"/>
+            <a:ext cx="3185640" cy="396000"/>
           </a:xfrm>
           <a:prstGeom prst="rect">
             <a:avLst/>
@@ -2642,7 +2644,7 @@
         <p:spPr>
           <a:xfrm>
             <a:off x="7223040" y="7005240"/>
-            <a:ext cx="2346480" cy="396360"/>
+            <a:ext cx="2346120" cy="396000"/>
           </a:xfrm>
           <a:prstGeom prst="rect">
             <a:avLst/>
@@ -2683,7 +2685,7 @@
                 <a:tab algn="l" pos="0"/>
               </a:tabLst>
             </a:pPr>
-            <a:fld id="{4CFB5FD0-2767-4844-ADE6-771211F1EFF2}" type="slidenum">
+            <a:fld id="{40057E27-FBD0-4620-B211-B81080C4A4E0}" type="slidenum">
               <a:rPr b="0" lang="en-US" sz="1200" spc="-1" strike="noStrike">
                 <a:solidFill>
                   <a:srgbClr val="8b8b8b"/>
@@ -2714,7 +2716,7 @@
         <p:spPr>
           <a:xfrm>
             <a:off x="502920" y="7005240"/>
-            <a:ext cx="2346480" cy="396360"/>
+            <a:ext cx="2346120" cy="396000"/>
           </a:xfrm>
           <a:prstGeom prst="rect">
             <a:avLst/>
@@ -3081,7 +3083,7 @@
         <p:spPr>
           <a:xfrm>
             <a:off x="1440" y="1800"/>
-            <a:ext cx="13430880" cy="7554240"/>
+            <a:ext cx="13430520" cy="7553880"/>
           </a:xfrm>
           <a:prstGeom prst="rect">
             <a:avLst/>
@@ -3141,7 +3143,7 @@
         <p:spPr>
           <a:xfrm>
             <a:off x="1440" y="1800"/>
-            <a:ext cx="15120" cy="7554240"/>
+            <a:ext cx="14760" cy="7553880"/>
           </a:xfrm>
           <a:prstGeom prst="rect">
             <a:avLst/>
@@ -3201,7 +3203,7 @@
         <p:spPr>
           <a:xfrm>
             <a:off x="1005480" y="1800"/>
-            <a:ext cx="15120" cy="7554240"/>
+            <a:ext cx="14760" cy="7553880"/>
           </a:xfrm>
           <a:prstGeom prst="rect">
             <a:avLst/>
@@ -3261,7 +3263,7 @@
         <p:spPr>
           <a:xfrm>
             <a:off x="2013480" y="1800"/>
-            <a:ext cx="15120" cy="7554240"/>
+            <a:ext cx="14760" cy="7553880"/>
           </a:xfrm>
           <a:prstGeom prst="rect">
             <a:avLst/>
@@ -3321,7 +3323,7 @@
         <p:spPr>
           <a:xfrm>
             <a:off x="3021480" y="1800"/>
-            <a:ext cx="15120" cy="7554240"/>
+            <a:ext cx="14760" cy="7553880"/>
           </a:xfrm>
           <a:prstGeom prst="rect">
             <a:avLst/>
@@ -3381,7 +3383,7 @@
         <p:spPr>
           <a:xfrm>
             <a:off x="4029480" y="1800"/>
-            <a:ext cx="15120" cy="7554240"/>
+            <a:ext cx="14760" cy="7553880"/>
           </a:xfrm>
           <a:prstGeom prst="rect">
             <a:avLst/>
@@ -3441,7 +3443,7 @@
         <p:spPr>
           <a:xfrm>
             <a:off x="5037480" y="1800"/>
-            <a:ext cx="15120" cy="7554240"/>
+            <a:ext cx="14760" cy="7553880"/>
           </a:xfrm>
           <a:prstGeom prst="rect">
             <a:avLst/>
@@ -3501,7 +3503,7 @@
         <p:spPr>
           <a:xfrm>
             <a:off x="6045480" y="1800"/>
-            <a:ext cx="15120" cy="7554240"/>
+            <a:ext cx="14760" cy="7553880"/>
           </a:xfrm>
           <a:prstGeom prst="rect">
             <a:avLst/>
@@ -3561,7 +3563,7 @@
         <p:spPr>
           <a:xfrm>
             <a:off x="7053480" y="1800"/>
-            <a:ext cx="15120" cy="7554240"/>
+            <a:ext cx="14760" cy="7553880"/>
           </a:xfrm>
           <a:prstGeom prst="rect">
             <a:avLst/>
@@ -3621,7 +3623,7 @@
         <p:spPr>
           <a:xfrm>
             <a:off x="8061480" y="1800"/>
-            <a:ext cx="15120" cy="7554240"/>
+            <a:ext cx="14760" cy="7553880"/>
           </a:xfrm>
           <a:prstGeom prst="rect">
             <a:avLst/>
@@ -3681,7 +3683,7 @@
         <p:spPr>
           <a:xfrm>
             <a:off x="9069480" y="1800"/>
-            <a:ext cx="15120" cy="7554240"/>
+            <a:ext cx="14760" cy="7553880"/>
           </a:xfrm>
           <a:prstGeom prst="rect">
             <a:avLst/>
@@ -3741,7 +3743,7 @@
         <p:spPr>
           <a:xfrm>
             <a:off x="10077480" y="1800"/>
-            <a:ext cx="15120" cy="7554240"/>
+            <a:ext cx="14760" cy="7553880"/>
           </a:xfrm>
           <a:prstGeom prst="rect">
             <a:avLst/>
@@ -3801,7 +3803,7 @@
         <p:spPr>
           <a:xfrm>
             <a:off x="11085480" y="1800"/>
-            <a:ext cx="15120" cy="7554240"/>
+            <a:ext cx="14760" cy="7553880"/>
           </a:xfrm>
           <a:prstGeom prst="rect">
             <a:avLst/>
@@ -3861,7 +3863,7 @@
         <p:spPr>
           <a:xfrm>
             <a:off x="12093480" y="1800"/>
-            <a:ext cx="15120" cy="7554240"/>
+            <a:ext cx="14760" cy="7553880"/>
           </a:xfrm>
           <a:prstGeom prst="rect">
             <a:avLst/>
@@ -3921,7 +3923,7 @@
         <p:spPr>
           <a:xfrm>
             <a:off x="13101480" y="1800"/>
-            <a:ext cx="15120" cy="7554240"/>
+            <a:ext cx="14760" cy="7553880"/>
           </a:xfrm>
           <a:prstGeom prst="rect">
             <a:avLst/>
@@ -3981,7 +3983,7 @@
         <p:spPr>
           <a:xfrm>
             <a:off x="1440" y="1800"/>
-            <a:ext cx="347040" cy="7554240"/>
+            <a:ext cx="346680" cy="7553880"/>
           </a:xfrm>
           <a:prstGeom prst="rect">
             <a:avLst/>
@@ -4041,7 +4043,7 @@
         <p:spPr>
           <a:xfrm>
             <a:off x="10884960" y="401400"/>
-            <a:ext cx="2211480" cy="547560"/>
+            <a:ext cx="2211120" cy="547200"/>
           </a:xfrm>
           <a:prstGeom prst="roundRect">
             <a:avLst>
@@ -4115,7 +4117,7 @@
         <p:spPr>
           <a:xfrm>
             <a:off x="4376880" y="1107000"/>
-            <a:ext cx="3334680" cy="820800"/>
+            <a:ext cx="3334320" cy="820800"/>
           </a:xfrm>
           <a:prstGeom prst="rect">
             <a:avLst/>
@@ -4169,7 +4171,7 @@
         <p:spPr>
           <a:xfrm>
             <a:off x="1824120" y="2266200"/>
-            <a:ext cx="9095400" cy="668520"/>
+            <a:ext cx="9095040" cy="668520"/>
           </a:xfrm>
           <a:prstGeom prst="rect">
             <a:avLst/>
@@ -4236,7 +4238,7 @@
         <p:spPr>
           <a:xfrm>
             <a:off x="1086840" y="3506040"/>
-            <a:ext cx="3623040" cy="3018240"/>
+            <a:ext cx="3622680" cy="3017880"/>
           </a:xfrm>
           <a:prstGeom prst="roundRect">
             <a:avLst>
@@ -4298,7 +4300,7 @@
         <p:spPr>
           <a:xfrm>
             <a:off x="1006560" y="3425760"/>
-            <a:ext cx="3623400" cy="3018600"/>
+            <a:ext cx="3623040" cy="3018240"/>
           </a:xfrm>
           <a:prstGeom prst="roundRect">
             <a:avLst>
@@ -4448,7 +4450,7 @@
         <p:spPr>
           <a:xfrm>
             <a:off x="4968360" y="3506040"/>
-            <a:ext cx="3623040" cy="3018240"/>
+            <a:ext cx="3622680" cy="3017880"/>
           </a:xfrm>
           <a:prstGeom prst="roundRect">
             <a:avLst>
@@ -4510,7 +4512,7 @@
         <p:spPr>
           <a:xfrm>
             <a:off x="4886640" y="3425760"/>
-            <a:ext cx="3623400" cy="3018600"/>
+            <a:ext cx="3623040" cy="3018240"/>
           </a:xfrm>
           <a:prstGeom prst="roundRect">
             <a:avLst>
@@ -4744,6 +4746,29 @@
               </a:rPr>
               <a:t>Java History</a:t>
             </a:r>
+            <a:br>
+              <a:rPr sz="1800"/>
+            </a:br>
+            <a:r>
+              <a:rPr b="0" lang="en-US" sz="1800" spc="-1" strike="noStrike">
+                <a:solidFill>
+                  <a:schemeClr val="lt1"/>
+                </a:solidFill>
+                <a:latin typeface="Calibri"/>
+                <a:ea typeface="DejaVu Sans"/>
+              </a:rPr>
+              <a:t>	</a:t>
+            </a:r>
+            <a:r>
+              <a:rPr b="0" lang="en-US" sz="1800" spc="-1" strike="noStrike">
+                <a:solidFill>
+                  <a:schemeClr val="lt1"/>
+                </a:solidFill>
+                <a:latin typeface="Calibri"/>
+                <a:ea typeface="DejaVu Sans"/>
+              </a:rPr>
+              <a:t>...more!</a:t>
+            </a:r>
             <a:endParaRPr b="0" lang="en-US" sz="1800" spc="-1" strike="noStrike">
               <a:solidFill>
                 <a:srgbClr val="ffffff"/>
@@ -4762,7 +4787,7 @@
         <p:spPr>
           <a:xfrm>
             <a:off x="8849160" y="3506040"/>
-            <a:ext cx="3623040" cy="3018240"/>
+            <a:ext cx="3622680" cy="3017880"/>
           </a:xfrm>
           <a:prstGeom prst="roundRect">
             <a:avLst>
@@ -4824,7 +4849,7 @@
         <p:spPr>
           <a:xfrm>
             <a:off x="8767440" y="3425760"/>
-            <a:ext cx="3623400" cy="3018600"/>
+            <a:ext cx="3623040" cy="3018240"/>
           </a:xfrm>
           <a:prstGeom prst="roundRect">
             <a:avLst>
@@ -4898,7 +4923,7 @@
         <p:spPr>
           <a:xfrm>
             <a:off x="5224320" y="7104600"/>
-            <a:ext cx="3051360" cy="363960"/>
+            <a:ext cx="3051000" cy="363960"/>
           </a:xfrm>
           <a:prstGeom prst="rect">
             <a:avLst/>
@@ -4982,7 +5007,7 @@
         <p:spPr>
           <a:xfrm>
             <a:off x="16920" y="1800"/>
-            <a:ext cx="13430880" cy="7554240"/>
+            <a:ext cx="13430520" cy="7553880"/>
           </a:xfrm>
           <a:prstGeom prst="rect">
             <a:avLst/>
@@ -5042,7 +5067,7 @@
         <p:spPr>
           <a:xfrm>
             <a:off x="1440" y="1800"/>
-            <a:ext cx="15120" cy="7554240"/>
+            <a:ext cx="14760" cy="7553880"/>
           </a:xfrm>
           <a:prstGeom prst="rect">
             <a:avLst/>
@@ -5102,7 +5127,7 @@
         <p:spPr>
           <a:xfrm>
             <a:off x="1005480" y="1800"/>
-            <a:ext cx="15120" cy="7554240"/>
+            <a:ext cx="14760" cy="7553880"/>
           </a:xfrm>
           <a:prstGeom prst="rect">
             <a:avLst/>
@@ -5162,7 +5187,7 @@
         <p:spPr>
           <a:xfrm>
             <a:off x="2013480" y="1800"/>
-            <a:ext cx="15120" cy="7554240"/>
+            <a:ext cx="14760" cy="7553880"/>
           </a:xfrm>
           <a:prstGeom prst="rect">
             <a:avLst/>
@@ -5222,7 +5247,7 @@
         <p:spPr>
           <a:xfrm>
             <a:off x="3021480" y="1800"/>
-            <a:ext cx="15120" cy="7554240"/>
+            <a:ext cx="14760" cy="7553880"/>
           </a:xfrm>
           <a:prstGeom prst="rect">
             <a:avLst/>
@@ -5282,7 +5307,7 @@
         <p:spPr>
           <a:xfrm>
             <a:off x="4029480" y="1800"/>
-            <a:ext cx="15120" cy="7554240"/>
+            <a:ext cx="14760" cy="7553880"/>
           </a:xfrm>
           <a:prstGeom prst="rect">
             <a:avLst/>
@@ -5342,7 +5367,7 @@
         <p:spPr>
           <a:xfrm>
             <a:off x="5037480" y="1800"/>
-            <a:ext cx="15120" cy="7554240"/>
+            <a:ext cx="14760" cy="7553880"/>
           </a:xfrm>
           <a:prstGeom prst="rect">
             <a:avLst/>
@@ -5402,7 +5427,7 @@
         <p:spPr>
           <a:xfrm>
             <a:off x="6045480" y="1800"/>
-            <a:ext cx="15120" cy="7554240"/>
+            <a:ext cx="14760" cy="7553880"/>
           </a:xfrm>
           <a:prstGeom prst="rect">
             <a:avLst/>
@@ -5462,7 +5487,7 @@
         <p:spPr>
           <a:xfrm>
             <a:off x="7053480" y="1800"/>
-            <a:ext cx="15120" cy="7554240"/>
+            <a:ext cx="14760" cy="7553880"/>
           </a:xfrm>
           <a:prstGeom prst="rect">
             <a:avLst/>
@@ -5522,7 +5547,7 @@
         <p:spPr>
           <a:xfrm>
             <a:off x="8061480" y="1800"/>
-            <a:ext cx="15120" cy="7554240"/>
+            <a:ext cx="14760" cy="7553880"/>
           </a:xfrm>
           <a:prstGeom prst="rect">
             <a:avLst/>
@@ -5582,7 +5607,7 @@
         <p:spPr>
           <a:xfrm>
             <a:off x="9069480" y="1800"/>
-            <a:ext cx="15120" cy="7554240"/>
+            <a:ext cx="14760" cy="7553880"/>
           </a:xfrm>
           <a:prstGeom prst="rect">
             <a:avLst/>
@@ -5642,7 +5667,7 @@
         <p:spPr>
           <a:xfrm>
             <a:off x="10077480" y="1800"/>
-            <a:ext cx="15120" cy="7554240"/>
+            <a:ext cx="14760" cy="7553880"/>
           </a:xfrm>
           <a:prstGeom prst="rect">
             <a:avLst/>
@@ -5702,7 +5727,7 @@
         <p:spPr>
           <a:xfrm>
             <a:off x="11085480" y="1800"/>
-            <a:ext cx="15120" cy="7554240"/>
+            <a:ext cx="14760" cy="7553880"/>
           </a:xfrm>
           <a:prstGeom prst="rect">
             <a:avLst/>
@@ -5762,7 +5787,7 @@
         <p:spPr>
           <a:xfrm>
             <a:off x="12093480" y="1800"/>
-            <a:ext cx="15120" cy="7554240"/>
+            <a:ext cx="14760" cy="7553880"/>
           </a:xfrm>
           <a:prstGeom prst="rect">
             <a:avLst/>
@@ -5822,7 +5847,7 @@
         <p:spPr>
           <a:xfrm>
             <a:off x="13101480" y="1800"/>
-            <a:ext cx="15120" cy="7554240"/>
+            <a:ext cx="14760" cy="7553880"/>
           </a:xfrm>
           <a:prstGeom prst="rect">
             <a:avLst/>
@@ -5882,7 +5907,7 @@
         <p:spPr>
           <a:xfrm>
             <a:off x="1440" y="1800"/>
-            <a:ext cx="347040" cy="7554240"/>
+            <a:ext cx="346680" cy="7553880"/>
           </a:xfrm>
           <a:prstGeom prst="rect">
             <a:avLst/>
@@ -5942,7 +5967,7 @@
         <p:spPr>
           <a:xfrm>
             <a:off x="10884960" y="401400"/>
-            <a:ext cx="2211480" cy="547560"/>
+            <a:ext cx="2211120" cy="547200"/>
           </a:xfrm>
           <a:prstGeom prst="roundRect">
             <a:avLst>
@@ -6016,7 +6041,7 @@
         <p:spPr>
           <a:xfrm>
             <a:off x="2260440" y="1107360"/>
-            <a:ext cx="7588080" cy="729720"/>
+            <a:ext cx="7587720" cy="729720"/>
           </a:xfrm>
           <a:prstGeom prst="rect">
             <a:avLst/>
@@ -6080,7 +6105,7 @@
         <p:spPr>
           <a:xfrm>
             <a:off x="4847040" y="2266200"/>
-            <a:ext cx="3046680" cy="363960"/>
+            <a:ext cx="3046320" cy="363960"/>
           </a:xfrm>
           <a:prstGeom prst="rect">
             <a:avLst/>
@@ -6134,7 +6159,7 @@
         <p:spPr>
           <a:xfrm>
             <a:off x="1086840" y="3506040"/>
-            <a:ext cx="3623040" cy="3018240"/>
+            <a:ext cx="3622680" cy="3017880"/>
           </a:xfrm>
           <a:prstGeom prst="roundRect">
             <a:avLst>
@@ -6196,7 +6221,7 @@
         <p:spPr>
           <a:xfrm>
             <a:off x="1006560" y="3424320"/>
-            <a:ext cx="3623400" cy="3018600"/>
+            <a:ext cx="3623040" cy="3018240"/>
           </a:xfrm>
           <a:prstGeom prst="roundRect">
             <a:avLst>
@@ -6434,7 +6459,7 @@
         <p:spPr>
           <a:xfrm>
             <a:off x="4968360" y="3506040"/>
-            <a:ext cx="3623040" cy="3018240"/>
+            <a:ext cx="3622680" cy="3017880"/>
           </a:xfrm>
           <a:prstGeom prst="roundRect">
             <a:avLst>
@@ -6496,7 +6521,7 @@
         <p:spPr>
           <a:xfrm>
             <a:off x="8849160" y="3506040"/>
-            <a:ext cx="3623040" cy="3018240"/>
+            <a:ext cx="3622680" cy="3017880"/>
           </a:xfrm>
           <a:prstGeom prst="roundRect">
             <a:avLst>
@@ -6558,7 +6583,7 @@
         <p:spPr>
           <a:xfrm>
             <a:off x="8767440" y="3425040"/>
-            <a:ext cx="3623400" cy="3018600"/>
+            <a:ext cx="3623040" cy="3018240"/>
           </a:xfrm>
           <a:prstGeom prst="roundRect">
             <a:avLst>
@@ -6858,7 +6883,7 @@
         <p:spPr>
           <a:xfrm>
             <a:off x="5224320" y="7104600"/>
-            <a:ext cx="3051360" cy="363960"/>
+            <a:ext cx="3051000" cy="363960"/>
           </a:xfrm>
           <a:prstGeom prst="rect">
             <a:avLst/>
@@ -6912,7 +6937,7 @@
         <p:spPr>
           <a:xfrm>
             <a:off x="4941000" y="3450960"/>
-            <a:ext cx="3623400" cy="3018600"/>
+            <a:ext cx="3623040" cy="3018240"/>
           </a:xfrm>
           <a:prstGeom prst="roundRect">
             <a:avLst>
@@ -7167,7 +7192,7 @@
         <p:spPr>
           <a:xfrm>
             <a:off x="16920" y="1800"/>
-            <a:ext cx="13430880" cy="7554240"/>
+            <a:ext cx="13430520" cy="7553880"/>
           </a:xfrm>
           <a:prstGeom prst="rect">
             <a:avLst/>
@@ -7227,7 +7252,7 @@
         <p:spPr>
           <a:xfrm>
             <a:off x="1440" y="1800"/>
-            <a:ext cx="15120" cy="7554240"/>
+            <a:ext cx="14760" cy="7553880"/>
           </a:xfrm>
           <a:prstGeom prst="rect">
             <a:avLst/>
@@ -7287,7 +7312,7 @@
         <p:spPr>
           <a:xfrm>
             <a:off x="1005480" y="1800"/>
-            <a:ext cx="15120" cy="7554240"/>
+            <a:ext cx="14760" cy="7553880"/>
           </a:xfrm>
           <a:prstGeom prst="rect">
             <a:avLst/>
@@ -7347,7 +7372,7 @@
         <p:spPr>
           <a:xfrm>
             <a:off x="2013480" y="1800"/>
-            <a:ext cx="15120" cy="7554240"/>
+            <a:ext cx="14760" cy="7553880"/>
           </a:xfrm>
           <a:prstGeom prst="rect">
             <a:avLst/>
@@ -7407,7 +7432,7 @@
         <p:spPr>
           <a:xfrm>
             <a:off x="3021480" y="1800"/>
-            <a:ext cx="15120" cy="7554240"/>
+            <a:ext cx="14760" cy="7553880"/>
           </a:xfrm>
           <a:prstGeom prst="rect">
             <a:avLst/>
@@ -7467,7 +7492,7 @@
         <p:spPr>
           <a:xfrm>
             <a:off x="4029480" y="1800"/>
-            <a:ext cx="15120" cy="7554240"/>
+            <a:ext cx="14760" cy="7553880"/>
           </a:xfrm>
           <a:prstGeom prst="rect">
             <a:avLst/>
@@ -7527,7 +7552,7 @@
         <p:spPr>
           <a:xfrm>
             <a:off x="5037480" y="1800"/>
-            <a:ext cx="15120" cy="7554240"/>
+            <a:ext cx="14760" cy="7553880"/>
           </a:xfrm>
           <a:prstGeom prst="rect">
             <a:avLst/>
@@ -7587,7 +7612,7 @@
         <p:spPr>
           <a:xfrm>
             <a:off x="6045480" y="1800"/>
-            <a:ext cx="15120" cy="7554240"/>
+            <a:ext cx="14760" cy="7553880"/>
           </a:xfrm>
           <a:prstGeom prst="rect">
             <a:avLst/>
@@ -7647,7 +7672,7 @@
         <p:spPr>
           <a:xfrm>
             <a:off x="7053480" y="1800"/>
-            <a:ext cx="15120" cy="7554240"/>
+            <a:ext cx="14760" cy="7553880"/>
           </a:xfrm>
           <a:prstGeom prst="rect">
             <a:avLst/>
@@ -7707,7 +7732,7 @@
         <p:spPr>
           <a:xfrm>
             <a:off x="8061480" y="1800"/>
-            <a:ext cx="15120" cy="7554240"/>
+            <a:ext cx="14760" cy="7553880"/>
           </a:xfrm>
           <a:prstGeom prst="rect">
             <a:avLst/>
@@ -7767,7 +7792,7 @@
         <p:spPr>
           <a:xfrm>
             <a:off x="9069480" y="1800"/>
-            <a:ext cx="15120" cy="7554240"/>
+            <a:ext cx="14760" cy="7553880"/>
           </a:xfrm>
           <a:prstGeom prst="rect">
             <a:avLst/>
@@ -7827,7 +7852,7 @@
         <p:spPr>
           <a:xfrm>
             <a:off x="10077480" y="1800"/>
-            <a:ext cx="15120" cy="7554240"/>
+            <a:ext cx="14760" cy="7553880"/>
           </a:xfrm>
           <a:prstGeom prst="rect">
             <a:avLst/>
@@ -7887,7 +7912,7 @@
         <p:spPr>
           <a:xfrm>
             <a:off x="11085480" y="1800"/>
-            <a:ext cx="15120" cy="7554240"/>
+            <a:ext cx="14760" cy="7553880"/>
           </a:xfrm>
           <a:prstGeom prst="rect">
             <a:avLst/>
@@ -7947,7 +7972,7 @@
         <p:spPr>
           <a:xfrm>
             <a:off x="12093480" y="1800"/>
-            <a:ext cx="15120" cy="7554240"/>
+            <a:ext cx="14760" cy="7553880"/>
           </a:xfrm>
           <a:prstGeom prst="rect">
             <a:avLst/>
@@ -8007,7 +8032,7 @@
         <p:spPr>
           <a:xfrm>
             <a:off x="13101480" y="1800"/>
-            <a:ext cx="15120" cy="7554240"/>
+            <a:ext cx="14760" cy="7553880"/>
           </a:xfrm>
           <a:prstGeom prst="rect">
             <a:avLst/>
@@ -8067,7 +8092,7 @@
         <p:spPr>
           <a:xfrm>
             <a:off x="1440" y="1800"/>
-            <a:ext cx="347040" cy="7554240"/>
+            <a:ext cx="346680" cy="7553880"/>
           </a:xfrm>
           <a:prstGeom prst="rect">
             <a:avLst/>
@@ -8127,7 +8152,7 @@
         <p:spPr>
           <a:xfrm>
             <a:off x="10884960" y="401400"/>
-            <a:ext cx="2211480" cy="547560"/>
+            <a:ext cx="2211120" cy="547200"/>
           </a:xfrm>
           <a:prstGeom prst="roundRect">
             <a:avLst>
@@ -8319,7 +8344,7 @@
         <p:spPr>
           <a:xfrm>
             <a:off x="1086840" y="3506040"/>
-            <a:ext cx="3623040" cy="3018240"/>
+            <a:ext cx="3622680" cy="3017880"/>
           </a:xfrm>
           <a:prstGeom prst="roundRect">
             <a:avLst>
@@ -8381,7 +8406,7 @@
         <p:spPr>
           <a:xfrm>
             <a:off x="1006560" y="3424320"/>
-            <a:ext cx="3623400" cy="3018600"/>
+            <a:ext cx="3623040" cy="3018240"/>
           </a:xfrm>
           <a:prstGeom prst="roundRect">
             <a:avLst>
@@ -8699,7 +8724,7 @@
         <p:spPr>
           <a:xfrm>
             <a:off x="4968360" y="3506040"/>
-            <a:ext cx="3623040" cy="3018240"/>
+            <a:ext cx="3622680" cy="3017880"/>
           </a:xfrm>
           <a:prstGeom prst="roundRect">
             <a:avLst>
@@ -8761,7 +8786,7 @@
         <p:spPr>
           <a:xfrm>
             <a:off x="8849160" y="3506040"/>
-            <a:ext cx="3623040" cy="3018240"/>
+            <a:ext cx="3622680" cy="3017880"/>
           </a:xfrm>
           <a:prstGeom prst="roundRect">
             <a:avLst>
@@ -8823,7 +8848,7 @@
         <p:spPr>
           <a:xfrm>
             <a:off x="8767440" y="3425040"/>
-            <a:ext cx="3623400" cy="3018600"/>
+            <a:ext cx="3623040" cy="3018240"/>
           </a:xfrm>
           <a:prstGeom prst="roundRect">
             <a:avLst>
@@ -9353,7 +9378,7 @@
         <p:spPr>
           <a:xfrm>
             <a:off x="5224320" y="7104600"/>
-            <a:ext cx="3051360" cy="363960"/>
+            <a:ext cx="3051000" cy="363960"/>
           </a:xfrm>
           <a:prstGeom prst="rect">
             <a:avLst/>
@@ -9407,7 +9432,7 @@
         <p:spPr>
           <a:xfrm>
             <a:off x="4941000" y="3450960"/>
-            <a:ext cx="3623400" cy="3018600"/>
+            <a:ext cx="3623040" cy="3018240"/>
           </a:xfrm>
           <a:prstGeom prst="roundRect">
             <a:avLst>
@@ -9689,7 +9714,7 @@
         <p:spPr>
           <a:xfrm>
             <a:off x="16920" y="1800"/>
-            <a:ext cx="13430880" cy="7554240"/>
+            <a:ext cx="13430520" cy="7553880"/>
           </a:xfrm>
           <a:prstGeom prst="rect">
             <a:avLst/>
@@ -9749,7 +9774,7 @@
         <p:spPr>
           <a:xfrm>
             <a:off x="1440" y="1800"/>
-            <a:ext cx="15120" cy="7554240"/>
+            <a:ext cx="14760" cy="7553880"/>
           </a:xfrm>
           <a:prstGeom prst="rect">
             <a:avLst/>
@@ -9809,7 +9834,7 @@
         <p:spPr>
           <a:xfrm>
             <a:off x="1005480" y="1800"/>
-            <a:ext cx="15120" cy="7554240"/>
+            <a:ext cx="14760" cy="7553880"/>
           </a:xfrm>
           <a:prstGeom prst="rect">
             <a:avLst/>
@@ -9869,7 +9894,7 @@
         <p:spPr>
           <a:xfrm>
             <a:off x="2013480" y="1800"/>
-            <a:ext cx="15120" cy="7554240"/>
+            <a:ext cx="14760" cy="7553880"/>
           </a:xfrm>
           <a:prstGeom prst="rect">
             <a:avLst/>
@@ -9929,7 +9954,7 @@
         <p:spPr>
           <a:xfrm>
             <a:off x="3021480" y="1800"/>
-            <a:ext cx="15120" cy="7554240"/>
+            <a:ext cx="14760" cy="7553880"/>
           </a:xfrm>
           <a:prstGeom prst="rect">
             <a:avLst/>
@@ -9989,7 +10014,7 @@
         <p:spPr>
           <a:xfrm>
             <a:off x="4029480" y="1800"/>
-            <a:ext cx="15120" cy="7554240"/>
+            <a:ext cx="14760" cy="7553880"/>
           </a:xfrm>
           <a:prstGeom prst="rect">
             <a:avLst/>
@@ -10049,7 +10074,7 @@
         <p:spPr>
           <a:xfrm>
             <a:off x="5037480" y="1800"/>
-            <a:ext cx="15120" cy="7554240"/>
+            <a:ext cx="14760" cy="7553880"/>
           </a:xfrm>
           <a:prstGeom prst="rect">
             <a:avLst/>
@@ -10109,7 +10134,7 @@
         <p:spPr>
           <a:xfrm>
             <a:off x="6045480" y="1800"/>
-            <a:ext cx="15120" cy="7554240"/>
+            <a:ext cx="14760" cy="7553880"/>
           </a:xfrm>
           <a:prstGeom prst="rect">
             <a:avLst/>
@@ -10169,7 +10194,7 @@
         <p:spPr>
           <a:xfrm>
             <a:off x="7053480" y="1800"/>
-            <a:ext cx="15120" cy="7554240"/>
+            <a:ext cx="14760" cy="7553880"/>
           </a:xfrm>
           <a:prstGeom prst="rect">
             <a:avLst/>
@@ -10229,7 +10254,7 @@
         <p:spPr>
           <a:xfrm>
             <a:off x="8061480" y="1800"/>
-            <a:ext cx="15120" cy="7554240"/>
+            <a:ext cx="14760" cy="7553880"/>
           </a:xfrm>
           <a:prstGeom prst="rect">
             <a:avLst/>
@@ -10289,7 +10314,7 @@
         <p:spPr>
           <a:xfrm>
             <a:off x="9069480" y="1800"/>
-            <a:ext cx="15120" cy="7554240"/>
+            <a:ext cx="14760" cy="7553880"/>
           </a:xfrm>
           <a:prstGeom prst="rect">
             <a:avLst/>
@@ -10349,7 +10374,7 @@
         <p:spPr>
           <a:xfrm>
             <a:off x="10077480" y="1800"/>
-            <a:ext cx="15120" cy="7554240"/>
+            <a:ext cx="14760" cy="7553880"/>
           </a:xfrm>
           <a:prstGeom prst="rect">
             <a:avLst/>
@@ -10409,7 +10434,7 @@
         <p:spPr>
           <a:xfrm>
             <a:off x="11085480" y="1800"/>
-            <a:ext cx="15120" cy="7554240"/>
+            <a:ext cx="14760" cy="7553880"/>
           </a:xfrm>
           <a:prstGeom prst="rect">
             <a:avLst/>
@@ -10469,7 +10494,7 @@
         <p:spPr>
           <a:xfrm>
             <a:off x="12093480" y="1800"/>
-            <a:ext cx="15120" cy="7554240"/>
+            <a:ext cx="14760" cy="7553880"/>
           </a:xfrm>
           <a:prstGeom prst="rect">
             <a:avLst/>
@@ -10529,7 +10554,7 @@
         <p:spPr>
           <a:xfrm>
             <a:off x="13101480" y="1800"/>
-            <a:ext cx="15120" cy="7554240"/>
+            <a:ext cx="14760" cy="7553880"/>
           </a:xfrm>
           <a:prstGeom prst="rect">
             <a:avLst/>
@@ -10589,7 +10614,7 @@
         <p:spPr>
           <a:xfrm>
             <a:off x="1440" y="1800"/>
-            <a:ext cx="347040" cy="7554240"/>
+            <a:ext cx="346680" cy="7553880"/>
           </a:xfrm>
           <a:prstGeom prst="rect">
             <a:avLst/>
@@ -10649,7 +10674,7 @@
         <p:spPr>
           <a:xfrm>
             <a:off x="10884960" y="401400"/>
-            <a:ext cx="2211480" cy="547560"/>
+            <a:ext cx="2211120" cy="547200"/>
           </a:xfrm>
           <a:prstGeom prst="roundRect">
             <a:avLst>
@@ -10787,7 +10812,7 @@
         <p:spPr>
           <a:xfrm>
             <a:off x="4301280" y="2266200"/>
-            <a:ext cx="4138200" cy="363960"/>
+            <a:ext cx="4137840" cy="363960"/>
           </a:xfrm>
           <a:prstGeom prst="rect">
             <a:avLst/>
@@ -10841,7 +10866,7 @@
         <p:spPr>
           <a:xfrm>
             <a:off x="1086840" y="3506040"/>
-            <a:ext cx="3623040" cy="3018240"/>
+            <a:ext cx="3622680" cy="3017880"/>
           </a:xfrm>
           <a:prstGeom prst="roundRect">
             <a:avLst>
@@ -10903,7 +10928,7 @@
         <p:spPr>
           <a:xfrm>
             <a:off x="1006560" y="3424320"/>
-            <a:ext cx="3623400" cy="3018600"/>
+            <a:ext cx="3623040" cy="3018240"/>
           </a:xfrm>
           <a:prstGeom prst="roundRect">
             <a:avLst>
@@ -11168,7 +11193,7 @@
         <p:spPr>
           <a:xfrm>
             <a:off x="4968360" y="3506040"/>
-            <a:ext cx="3623040" cy="3018240"/>
+            <a:ext cx="3622680" cy="3017880"/>
           </a:xfrm>
           <a:prstGeom prst="roundRect">
             <a:avLst>
@@ -11230,7 +11255,7 @@
         <p:spPr>
           <a:xfrm>
             <a:off x="8849160" y="3506040"/>
-            <a:ext cx="3623040" cy="3018240"/>
+            <a:ext cx="3622680" cy="3017880"/>
           </a:xfrm>
           <a:prstGeom prst="roundRect">
             <a:avLst>
@@ -11292,7 +11317,7 @@
         <p:spPr>
           <a:xfrm>
             <a:off x="8767440" y="3425040"/>
-            <a:ext cx="3623400" cy="3018600"/>
+            <a:ext cx="3623040" cy="3018240"/>
           </a:xfrm>
           <a:prstGeom prst="roundRect">
             <a:avLst>
@@ -11637,7 +11662,7 @@
         <p:spPr>
           <a:xfrm>
             <a:off x="5224320" y="7104600"/>
-            <a:ext cx="3051360" cy="363960"/>
+            <a:ext cx="3051000" cy="363960"/>
           </a:xfrm>
           <a:prstGeom prst="rect">
             <a:avLst/>
@@ -11691,7 +11716,7 @@
         <p:spPr>
           <a:xfrm>
             <a:off x="4941000" y="3450960"/>
-            <a:ext cx="3623400" cy="3018600"/>
+            <a:ext cx="3623040" cy="3018240"/>
           </a:xfrm>
           <a:prstGeom prst="roundRect">
             <a:avLst>
@@ -11986,7 +12011,7 @@
         <p:spPr>
           <a:xfrm>
             <a:off x="16920" y="1800"/>
-            <a:ext cx="13430880" cy="7554240"/>
+            <a:ext cx="13430520" cy="7553880"/>
           </a:xfrm>
           <a:prstGeom prst="rect">
             <a:avLst/>
@@ -12046,7 +12071,7 @@
         <p:spPr>
           <a:xfrm>
             <a:off x="1440" y="1800"/>
-            <a:ext cx="15120" cy="7554240"/>
+            <a:ext cx="14760" cy="7553880"/>
           </a:xfrm>
           <a:prstGeom prst="rect">
             <a:avLst/>
@@ -12106,7 +12131,7 @@
         <p:spPr>
           <a:xfrm>
             <a:off x="1005480" y="1800"/>
-            <a:ext cx="15120" cy="7554240"/>
+            <a:ext cx="14760" cy="7553880"/>
           </a:xfrm>
           <a:prstGeom prst="rect">
             <a:avLst/>
@@ -12166,7 +12191,7 @@
         <p:spPr>
           <a:xfrm>
             <a:off x="2013480" y="1800"/>
-            <a:ext cx="15120" cy="7554240"/>
+            <a:ext cx="14760" cy="7553880"/>
           </a:xfrm>
           <a:prstGeom prst="rect">
             <a:avLst/>
@@ -12226,7 +12251,7 @@
         <p:spPr>
           <a:xfrm>
             <a:off x="3021480" y="1800"/>
-            <a:ext cx="15120" cy="7554240"/>
+            <a:ext cx="14760" cy="7553880"/>
           </a:xfrm>
           <a:prstGeom prst="rect">
             <a:avLst/>
@@ -12286,7 +12311,7 @@
         <p:spPr>
           <a:xfrm>
             <a:off x="4029480" y="1800"/>
-            <a:ext cx="15120" cy="7554240"/>
+            <a:ext cx="14760" cy="7553880"/>
           </a:xfrm>
           <a:prstGeom prst="rect">
             <a:avLst/>
@@ -12346,7 +12371,7 @@
         <p:spPr>
           <a:xfrm>
             <a:off x="5037480" y="1800"/>
-            <a:ext cx="15120" cy="7554240"/>
+            <a:ext cx="14760" cy="7553880"/>
           </a:xfrm>
           <a:prstGeom prst="rect">
             <a:avLst/>
@@ -12406,7 +12431,7 @@
         <p:spPr>
           <a:xfrm>
             <a:off x="6045480" y="1800"/>
-            <a:ext cx="15120" cy="7554240"/>
+            <a:ext cx="14760" cy="7553880"/>
           </a:xfrm>
           <a:prstGeom prst="rect">
             <a:avLst/>
@@ -12466,7 +12491,7 @@
         <p:spPr>
           <a:xfrm>
             <a:off x="7053480" y="1800"/>
-            <a:ext cx="15120" cy="7554240"/>
+            <a:ext cx="14760" cy="7553880"/>
           </a:xfrm>
           <a:prstGeom prst="rect">
             <a:avLst/>
@@ -12526,7 +12551,7 @@
         <p:spPr>
           <a:xfrm>
             <a:off x="8061480" y="1800"/>
-            <a:ext cx="15120" cy="7554240"/>
+            <a:ext cx="14760" cy="7553880"/>
           </a:xfrm>
           <a:prstGeom prst="rect">
             <a:avLst/>
@@ -12586,7 +12611,7 @@
         <p:spPr>
           <a:xfrm>
             <a:off x="9069480" y="1800"/>
-            <a:ext cx="15120" cy="7554240"/>
+            <a:ext cx="14760" cy="7553880"/>
           </a:xfrm>
           <a:prstGeom prst="rect">
             <a:avLst/>
@@ -12646,7 +12671,7 @@
         <p:spPr>
           <a:xfrm>
             <a:off x="10077480" y="1800"/>
-            <a:ext cx="15120" cy="7554240"/>
+            <a:ext cx="14760" cy="7553880"/>
           </a:xfrm>
           <a:prstGeom prst="rect">
             <a:avLst/>
@@ -12706,7 +12731,7 @@
         <p:spPr>
           <a:xfrm>
             <a:off x="11085480" y="1800"/>
-            <a:ext cx="15120" cy="7554240"/>
+            <a:ext cx="14760" cy="7553880"/>
           </a:xfrm>
           <a:prstGeom prst="rect">
             <a:avLst/>
@@ -12766,7 +12791,7 @@
         <p:spPr>
           <a:xfrm>
             <a:off x="12093480" y="1800"/>
-            <a:ext cx="15120" cy="7554240"/>
+            <a:ext cx="14760" cy="7553880"/>
           </a:xfrm>
           <a:prstGeom prst="rect">
             <a:avLst/>
@@ -12826,7 +12851,7 @@
         <p:spPr>
           <a:xfrm>
             <a:off x="13101480" y="1800"/>
-            <a:ext cx="15120" cy="7554240"/>
+            <a:ext cx="14760" cy="7553880"/>
           </a:xfrm>
           <a:prstGeom prst="rect">
             <a:avLst/>
@@ -12886,7 +12911,7 @@
         <p:spPr>
           <a:xfrm>
             <a:off x="1440" y="1800"/>
-            <a:ext cx="347040" cy="7554240"/>
+            <a:ext cx="346680" cy="7553880"/>
           </a:xfrm>
           <a:prstGeom prst="rect">
             <a:avLst/>
@@ -12946,7 +12971,7 @@
         <p:spPr>
           <a:xfrm>
             <a:off x="10884960" y="401400"/>
-            <a:ext cx="2211480" cy="547560"/>
+            <a:ext cx="2211120" cy="547200"/>
           </a:xfrm>
           <a:prstGeom prst="roundRect">
             <a:avLst>
@@ -13084,7 +13109,7 @@
         <p:spPr>
           <a:xfrm>
             <a:off x="5032440" y="2266200"/>
-            <a:ext cx="2675520" cy="363960"/>
+            <a:ext cx="2675160" cy="363960"/>
           </a:xfrm>
           <a:prstGeom prst="rect">
             <a:avLst/>
@@ -13138,7 +13163,7 @@
         <p:spPr>
           <a:xfrm>
             <a:off x="1086840" y="3506040"/>
-            <a:ext cx="3623040" cy="3018240"/>
+            <a:ext cx="3622680" cy="3017880"/>
           </a:xfrm>
           <a:prstGeom prst="roundRect">
             <a:avLst>
@@ -13200,7 +13225,7 @@
         <p:spPr>
           <a:xfrm>
             <a:off x="1006560" y="3424320"/>
-            <a:ext cx="3623400" cy="3018600"/>
+            <a:ext cx="3623040" cy="3018240"/>
           </a:xfrm>
           <a:prstGeom prst="roundRect">
             <a:avLst>
@@ -13529,7 +13554,7 @@
         <p:spPr>
           <a:xfrm>
             <a:off x="4968360" y="3506040"/>
-            <a:ext cx="3623040" cy="3018240"/>
+            <a:ext cx="3622680" cy="3017880"/>
           </a:xfrm>
           <a:prstGeom prst="roundRect">
             <a:avLst>
@@ -13591,7 +13616,7 @@
         <p:spPr>
           <a:xfrm>
             <a:off x="8849160" y="3506040"/>
-            <a:ext cx="3623040" cy="3018240"/>
+            <a:ext cx="3622680" cy="3017880"/>
           </a:xfrm>
           <a:prstGeom prst="roundRect">
             <a:avLst>
@@ -13653,7 +13678,7 @@
         <p:spPr>
           <a:xfrm>
             <a:off x="8767440" y="3425040"/>
-            <a:ext cx="3623400" cy="3018600"/>
+            <a:ext cx="3623040" cy="3018240"/>
           </a:xfrm>
           <a:prstGeom prst="roundRect">
             <a:avLst>
@@ -14146,7 +14171,7 @@
         <p:spPr>
           <a:xfrm>
             <a:off x="5224320" y="7104600"/>
-            <a:ext cx="3051360" cy="363960"/>
+            <a:ext cx="3051000" cy="363960"/>
           </a:xfrm>
           <a:prstGeom prst="rect">
             <a:avLst/>
@@ -14200,7 +14225,7 @@
         <p:spPr>
           <a:xfrm>
             <a:off x="4941000" y="3450960"/>
-            <a:ext cx="3623400" cy="3018600"/>
+            <a:ext cx="3623040" cy="3018240"/>
           </a:xfrm>
           <a:prstGeom prst="roundRect">
             <a:avLst>
@@ -14587,7 +14612,7 @@
         <p:spPr>
           <a:xfrm>
             <a:off x="16920" y="1800"/>
-            <a:ext cx="13430880" cy="7554240"/>
+            <a:ext cx="13430520" cy="7553880"/>
           </a:xfrm>
           <a:prstGeom prst="rect">
             <a:avLst/>
@@ -14647,7 +14672,7 @@
         <p:spPr>
           <a:xfrm>
             <a:off x="1440" y="1800"/>
-            <a:ext cx="15120" cy="7554240"/>
+            <a:ext cx="14760" cy="7553880"/>
           </a:xfrm>
           <a:prstGeom prst="rect">
             <a:avLst/>
@@ -14707,7 +14732,7 @@
         <p:spPr>
           <a:xfrm>
             <a:off x="1005480" y="1800"/>
-            <a:ext cx="15120" cy="7554240"/>
+            <a:ext cx="14760" cy="7553880"/>
           </a:xfrm>
           <a:prstGeom prst="rect">
             <a:avLst/>
@@ -14767,7 +14792,7 @@
         <p:spPr>
           <a:xfrm>
             <a:off x="2013480" y="1800"/>
-            <a:ext cx="15120" cy="7554240"/>
+            <a:ext cx="14760" cy="7553880"/>
           </a:xfrm>
           <a:prstGeom prst="rect">
             <a:avLst/>
@@ -14827,7 +14852,7 @@
         <p:spPr>
           <a:xfrm>
             <a:off x="3021480" y="1800"/>
-            <a:ext cx="15120" cy="7554240"/>
+            <a:ext cx="14760" cy="7553880"/>
           </a:xfrm>
           <a:prstGeom prst="rect">
             <a:avLst/>
@@ -14887,7 +14912,7 @@
         <p:spPr>
           <a:xfrm>
             <a:off x="4029480" y="1800"/>
-            <a:ext cx="15120" cy="7554240"/>
+            <a:ext cx="14760" cy="7553880"/>
           </a:xfrm>
           <a:prstGeom prst="rect">
             <a:avLst/>
@@ -14947,7 +14972,7 @@
         <p:spPr>
           <a:xfrm>
             <a:off x="5037480" y="1800"/>
-            <a:ext cx="15120" cy="7554240"/>
+            <a:ext cx="14760" cy="7553880"/>
           </a:xfrm>
           <a:prstGeom prst="rect">
             <a:avLst/>
@@ -15007,7 +15032,7 @@
         <p:spPr>
           <a:xfrm>
             <a:off x="6045480" y="1800"/>
-            <a:ext cx="15120" cy="7554240"/>
+            <a:ext cx="14760" cy="7553880"/>
           </a:xfrm>
           <a:prstGeom prst="rect">
             <a:avLst/>
@@ -15067,7 +15092,7 @@
         <p:spPr>
           <a:xfrm>
             <a:off x="7053480" y="1800"/>
-            <a:ext cx="15120" cy="7554240"/>
+            <a:ext cx="14760" cy="7553880"/>
           </a:xfrm>
           <a:prstGeom prst="rect">
             <a:avLst/>
@@ -15127,7 +15152,7 @@
         <p:spPr>
           <a:xfrm>
             <a:off x="8061480" y="1800"/>
-            <a:ext cx="15120" cy="7554240"/>
+            <a:ext cx="14760" cy="7553880"/>
           </a:xfrm>
           <a:prstGeom prst="rect">
             <a:avLst/>
@@ -15187,7 +15212,7 @@
         <p:spPr>
           <a:xfrm>
             <a:off x="9069480" y="1800"/>
-            <a:ext cx="15120" cy="7554240"/>
+            <a:ext cx="14760" cy="7553880"/>
           </a:xfrm>
           <a:prstGeom prst="rect">
             <a:avLst/>
@@ -15247,7 +15272,7 @@
         <p:spPr>
           <a:xfrm>
             <a:off x="10077480" y="1800"/>
-            <a:ext cx="15120" cy="7554240"/>
+            <a:ext cx="14760" cy="7553880"/>
           </a:xfrm>
           <a:prstGeom prst="rect">
             <a:avLst/>
@@ -15307,7 +15332,7 @@
         <p:spPr>
           <a:xfrm>
             <a:off x="11085480" y="1800"/>
-            <a:ext cx="15120" cy="7554240"/>
+            <a:ext cx="14760" cy="7553880"/>
           </a:xfrm>
           <a:prstGeom prst="rect">
             <a:avLst/>
@@ -15367,7 +15392,7 @@
         <p:spPr>
           <a:xfrm>
             <a:off x="12093480" y="1800"/>
-            <a:ext cx="15120" cy="7554240"/>
+            <a:ext cx="14760" cy="7553880"/>
           </a:xfrm>
           <a:prstGeom prst="rect">
             <a:avLst/>
@@ -15427,7 +15452,7 @@
         <p:spPr>
           <a:xfrm>
             <a:off x="13101480" y="1800"/>
-            <a:ext cx="15120" cy="7554240"/>
+            <a:ext cx="14760" cy="7553880"/>
           </a:xfrm>
           <a:prstGeom prst="rect">
             <a:avLst/>
@@ -15487,7 +15512,7 @@
         <p:spPr>
           <a:xfrm>
             <a:off x="1440" y="1800"/>
-            <a:ext cx="347040" cy="7554240"/>
+            <a:ext cx="346680" cy="7553880"/>
           </a:xfrm>
           <a:prstGeom prst="rect">
             <a:avLst/>
@@ -15547,7 +15572,7 @@
         <p:spPr>
           <a:xfrm>
             <a:off x="10884960" y="401400"/>
-            <a:ext cx="2211480" cy="547560"/>
+            <a:ext cx="2211120" cy="547200"/>
           </a:xfrm>
           <a:prstGeom prst="roundRect">
             <a:avLst>
@@ -15685,7 +15710,7 @@
         <p:spPr>
           <a:xfrm>
             <a:off x="5032440" y="2266200"/>
-            <a:ext cx="2675520" cy="363960"/>
+            <a:ext cx="2675160" cy="363960"/>
           </a:xfrm>
           <a:prstGeom prst="rect">
             <a:avLst/>
@@ -15739,7 +15764,7 @@
         <p:spPr>
           <a:xfrm>
             <a:off x="1086840" y="3506040"/>
-            <a:ext cx="3623040" cy="3018240"/>
+            <a:ext cx="3622680" cy="3017880"/>
           </a:xfrm>
           <a:prstGeom prst="roundRect">
             <a:avLst>
@@ -15801,7 +15826,7 @@
         <p:spPr>
           <a:xfrm>
             <a:off x="1020960" y="3424320"/>
-            <a:ext cx="3623400" cy="3018600"/>
+            <a:ext cx="3623040" cy="3018240"/>
           </a:xfrm>
           <a:prstGeom prst="roundRect">
             <a:avLst>
@@ -16015,7 +16040,7 @@
         <p:spPr>
           <a:xfrm>
             <a:off x="4968360" y="3506040"/>
-            <a:ext cx="3623040" cy="3018240"/>
+            <a:ext cx="3622680" cy="3017880"/>
           </a:xfrm>
           <a:prstGeom prst="roundRect">
             <a:avLst>
@@ -16077,7 +16102,7 @@
         <p:spPr>
           <a:xfrm>
             <a:off x="8849160" y="3506040"/>
-            <a:ext cx="3623040" cy="3018240"/>
+            <a:ext cx="3622680" cy="3017880"/>
           </a:xfrm>
           <a:prstGeom prst="roundRect">
             <a:avLst>
@@ -16139,7 +16164,7 @@
         <p:spPr>
           <a:xfrm>
             <a:off x="8767440" y="3425040"/>
-            <a:ext cx="3623400" cy="3018600"/>
+            <a:ext cx="3623040" cy="3018240"/>
           </a:xfrm>
           <a:prstGeom prst="roundRect">
             <a:avLst>
@@ -16487,7 +16512,7 @@
         <p:spPr>
           <a:xfrm>
             <a:off x="5224320" y="7104600"/>
-            <a:ext cx="3051360" cy="363960"/>
+            <a:ext cx="3051000" cy="363960"/>
           </a:xfrm>
           <a:prstGeom prst="rect">
             <a:avLst/>
@@ -16541,7 +16566,7 @@
         <p:spPr>
           <a:xfrm>
             <a:off x="4941000" y="3450960"/>
-            <a:ext cx="3623400" cy="3018600"/>
+            <a:ext cx="3623040" cy="3018240"/>
           </a:xfrm>
           <a:prstGeom prst="roundRect">
             <a:avLst>
@@ -16787,7 +16812,7 @@
         <p:spPr>
           <a:xfrm>
             <a:off x="16920" y="1800"/>
-            <a:ext cx="13430880" cy="7554240"/>
+            <a:ext cx="13430520" cy="7553880"/>
           </a:xfrm>
           <a:prstGeom prst="rect">
             <a:avLst/>
@@ -16823,6 +16848,11 @@
             <a:noAutofit/>
           </a:bodyPr>
           <a:p>
+            <a:pPr>
+              <a:lnSpc>
+                <a:spcPct val="100000"/>
+              </a:lnSpc>
+            </a:pPr>
             <a:endParaRPr b="0" lang="en-US" sz="1800" spc="-1" strike="noStrike">
               <a:solidFill>
                 <a:schemeClr val="lt1"/>
@@ -16842,7 +16872,7 @@
         <p:spPr>
           <a:xfrm>
             <a:off x="1440" y="1800"/>
-            <a:ext cx="15120" cy="7554240"/>
+            <a:ext cx="14760" cy="7553880"/>
           </a:xfrm>
           <a:prstGeom prst="rect">
             <a:avLst/>
@@ -16878,6 +16908,11 @@
             <a:noAutofit/>
           </a:bodyPr>
           <a:p>
+            <a:pPr>
+              <a:lnSpc>
+                <a:spcPct val="100000"/>
+              </a:lnSpc>
+            </a:pPr>
             <a:endParaRPr b="0" lang="en-US" sz="1800" spc="-1" strike="noStrike">
               <a:solidFill>
                 <a:schemeClr val="lt1"/>
@@ -16897,7 +16932,7 @@
         <p:spPr>
           <a:xfrm>
             <a:off x="1005480" y="1800"/>
-            <a:ext cx="15120" cy="7554240"/>
+            <a:ext cx="14760" cy="7553880"/>
           </a:xfrm>
           <a:prstGeom prst="rect">
             <a:avLst/>
@@ -16933,6 +16968,11 @@
             <a:noAutofit/>
           </a:bodyPr>
           <a:p>
+            <a:pPr>
+              <a:lnSpc>
+                <a:spcPct val="100000"/>
+              </a:lnSpc>
+            </a:pPr>
             <a:endParaRPr b="0" lang="en-US" sz="1800" spc="-1" strike="noStrike">
               <a:solidFill>
                 <a:schemeClr val="lt1"/>
@@ -16952,7 +16992,7 @@
         <p:spPr>
           <a:xfrm>
             <a:off x="2013480" y="1800"/>
-            <a:ext cx="15120" cy="7554240"/>
+            <a:ext cx="14760" cy="7553880"/>
           </a:xfrm>
           <a:prstGeom prst="rect">
             <a:avLst/>
@@ -16988,6 +17028,11 @@
             <a:noAutofit/>
           </a:bodyPr>
           <a:p>
+            <a:pPr>
+              <a:lnSpc>
+                <a:spcPct val="100000"/>
+              </a:lnSpc>
+            </a:pPr>
             <a:endParaRPr b="0" lang="en-US" sz="1800" spc="-1" strike="noStrike">
               <a:solidFill>
                 <a:schemeClr val="lt1"/>
@@ -17007,7 +17052,7 @@
         <p:spPr>
           <a:xfrm>
             <a:off x="3021480" y="1800"/>
-            <a:ext cx="15120" cy="7554240"/>
+            <a:ext cx="14760" cy="7553880"/>
           </a:xfrm>
           <a:prstGeom prst="rect">
             <a:avLst/>
@@ -17043,6 +17088,11 @@
             <a:noAutofit/>
           </a:bodyPr>
           <a:p>
+            <a:pPr>
+              <a:lnSpc>
+                <a:spcPct val="100000"/>
+              </a:lnSpc>
+            </a:pPr>
             <a:endParaRPr b="0" lang="en-US" sz="1800" spc="-1" strike="noStrike">
               <a:solidFill>
                 <a:schemeClr val="lt1"/>
@@ -17062,7 +17112,7 @@
         <p:spPr>
           <a:xfrm>
             <a:off x="4029480" y="1800"/>
-            <a:ext cx="15120" cy="7554240"/>
+            <a:ext cx="14760" cy="7553880"/>
           </a:xfrm>
           <a:prstGeom prst="rect">
             <a:avLst/>
@@ -17098,6 +17148,11 @@
             <a:noAutofit/>
           </a:bodyPr>
           <a:p>
+            <a:pPr>
+              <a:lnSpc>
+                <a:spcPct val="100000"/>
+              </a:lnSpc>
+            </a:pPr>
             <a:endParaRPr b="0" lang="en-US" sz="1800" spc="-1" strike="noStrike">
               <a:solidFill>
                 <a:schemeClr val="lt1"/>
@@ -17117,7 +17172,7 @@
         <p:spPr>
           <a:xfrm>
             <a:off x="5037480" y="1800"/>
-            <a:ext cx="15120" cy="7554240"/>
+            <a:ext cx="14760" cy="7553880"/>
           </a:xfrm>
           <a:prstGeom prst="rect">
             <a:avLst/>
@@ -17153,6 +17208,11 @@
             <a:noAutofit/>
           </a:bodyPr>
           <a:p>
+            <a:pPr>
+              <a:lnSpc>
+                <a:spcPct val="100000"/>
+              </a:lnSpc>
+            </a:pPr>
             <a:endParaRPr b="0" lang="en-US" sz="1800" spc="-1" strike="noStrike">
               <a:solidFill>
                 <a:schemeClr val="lt1"/>
@@ -17172,7 +17232,7 @@
         <p:spPr>
           <a:xfrm>
             <a:off x="6045480" y="1800"/>
-            <a:ext cx="15120" cy="7554240"/>
+            <a:ext cx="14760" cy="7553880"/>
           </a:xfrm>
           <a:prstGeom prst="rect">
             <a:avLst/>
@@ -17208,6 +17268,11 @@
             <a:noAutofit/>
           </a:bodyPr>
           <a:p>
+            <a:pPr>
+              <a:lnSpc>
+                <a:spcPct val="100000"/>
+              </a:lnSpc>
+            </a:pPr>
             <a:endParaRPr b="0" lang="en-US" sz="1800" spc="-1" strike="noStrike">
               <a:solidFill>
                 <a:schemeClr val="lt1"/>
@@ -17227,7 +17292,7 @@
         <p:spPr>
           <a:xfrm>
             <a:off x="7053480" y="1800"/>
-            <a:ext cx="15120" cy="7554240"/>
+            <a:ext cx="14760" cy="7553880"/>
           </a:xfrm>
           <a:prstGeom prst="rect">
             <a:avLst/>
@@ -17263,6 +17328,11 @@
             <a:noAutofit/>
           </a:bodyPr>
           <a:p>
+            <a:pPr>
+              <a:lnSpc>
+                <a:spcPct val="100000"/>
+              </a:lnSpc>
+            </a:pPr>
             <a:endParaRPr b="0" lang="en-US" sz="1800" spc="-1" strike="noStrike">
               <a:solidFill>
                 <a:schemeClr val="lt1"/>
@@ -17282,7 +17352,7 @@
         <p:spPr>
           <a:xfrm>
             <a:off x="8061480" y="1800"/>
-            <a:ext cx="15120" cy="7554240"/>
+            <a:ext cx="14760" cy="7553880"/>
           </a:xfrm>
           <a:prstGeom prst="rect">
             <a:avLst/>
@@ -17318,6 +17388,11 @@
             <a:noAutofit/>
           </a:bodyPr>
           <a:p>
+            <a:pPr>
+              <a:lnSpc>
+                <a:spcPct val="100000"/>
+              </a:lnSpc>
+            </a:pPr>
             <a:endParaRPr b="0" lang="en-US" sz="1800" spc="-1" strike="noStrike">
               <a:solidFill>
                 <a:schemeClr val="lt1"/>
@@ -17337,7 +17412,7 @@
         <p:spPr>
           <a:xfrm>
             <a:off x="9069480" y="1800"/>
-            <a:ext cx="15120" cy="7554240"/>
+            <a:ext cx="14760" cy="7553880"/>
           </a:xfrm>
           <a:prstGeom prst="rect">
             <a:avLst/>
@@ -17373,6 +17448,11 @@
             <a:noAutofit/>
           </a:bodyPr>
           <a:p>
+            <a:pPr>
+              <a:lnSpc>
+                <a:spcPct val="100000"/>
+              </a:lnSpc>
+            </a:pPr>
             <a:endParaRPr b="0" lang="en-US" sz="1800" spc="-1" strike="noStrike">
               <a:solidFill>
                 <a:schemeClr val="lt1"/>
@@ -17392,7 +17472,7 @@
         <p:spPr>
           <a:xfrm>
             <a:off x="10077480" y="1800"/>
-            <a:ext cx="15120" cy="7554240"/>
+            <a:ext cx="14760" cy="7553880"/>
           </a:xfrm>
           <a:prstGeom prst="rect">
             <a:avLst/>
@@ -17428,6 +17508,11 @@
             <a:noAutofit/>
           </a:bodyPr>
           <a:p>
+            <a:pPr>
+              <a:lnSpc>
+                <a:spcPct val="100000"/>
+              </a:lnSpc>
+            </a:pPr>
             <a:endParaRPr b="0" lang="en-US" sz="1800" spc="-1" strike="noStrike">
               <a:solidFill>
                 <a:schemeClr val="lt1"/>
@@ -17447,7 +17532,7 @@
         <p:spPr>
           <a:xfrm>
             <a:off x="11085480" y="1800"/>
-            <a:ext cx="15120" cy="7554240"/>
+            <a:ext cx="14760" cy="7553880"/>
           </a:xfrm>
           <a:prstGeom prst="rect">
             <a:avLst/>
@@ -17483,6 +17568,11 @@
             <a:noAutofit/>
           </a:bodyPr>
           <a:p>
+            <a:pPr>
+              <a:lnSpc>
+                <a:spcPct val="100000"/>
+              </a:lnSpc>
+            </a:pPr>
             <a:endParaRPr b="0" lang="en-US" sz="1800" spc="-1" strike="noStrike">
               <a:solidFill>
                 <a:schemeClr val="lt1"/>
@@ -17502,7 +17592,7 @@
         <p:spPr>
           <a:xfrm>
             <a:off x="12093480" y="1800"/>
-            <a:ext cx="15120" cy="7554240"/>
+            <a:ext cx="14760" cy="7553880"/>
           </a:xfrm>
           <a:prstGeom prst="rect">
             <a:avLst/>
@@ -17538,6 +17628,11 @@
             <a:noAutofit/>
           </a:bodyPr>
           <a:p>
+            <a:pPr>
+              <a:lnSpc>
+                <a:spcPct val="100000"/>
+              </a:lnSpc>
+            </a:pPr>
             <a:endParaRPr b="0" lang="en-US" sz="1800" spc="-1" strike="noStrike">
               <a:solidFill>
                 <a:schemeClr val="lt1"/>
@@ -17557,7 +17652,7 @@
         <p:spPr>
           <a:xfrm>
             <a:off x="13101480" y="1800"/>
-            <a:ext cx="15120" cy="7554240"/>
+            <a:ext cx="14760" cy="7553880"/>
           </a:xfrm>
           <a:prstGeom prst="rect">
             <a:avLst/>
@@ -17593,6 +17688,11 @@
             <a:noAutofit/>
           </a:bodyPr>
           <a:p>
+            <a:pPr>
+              <a:lnSpc>
+                <a:spcPct val="100000"/>
+              </a:lnSpc>
+            </a:pPr>
             <a:endParaRPr b="0" lang="en-US" sz="1800" spc="-1" strike="noStrike">
               <a:solidFill>
                 <a:schemeClr val="lt1"/>
@@ -17612,7 +17712,7 @@
         <p:spPr>
           <a:xfrm>
             <a:off x="1440" y="1800"/>
-            <a:ext cx="347040" cy="7554240"/>
+            <a:ext cx="346680" cy="7553880"/>
           </a:xfrm>
           <a:prstGeom prst="rect">
             <a:avLst/>
@@ -17648,6 +17748,11 @@
             <a:noAutofit/>
           </a:bodyPr>
           <a:p>
+            <a:pPr>
+              <a:lnSpc>
+                <a:spcPct val="100000"/>
+              </a:lnSpc>
+            </a:pPr>
             <a:endParaRPr b="0" lang="en-US" sz="1800" spc="-1" strike="noStrike">
               <a:solidFill>
                 <a:schemeClr val="lt1"/>
@@ -17667,7 +17772,7 @@
         <p:spPr>
           <a:xfrm>
             <a:off x="10884960" y="401400"/>
-            <a:ext cx="2211480" cy="547560"/>
+            <a:ext cx="2211120" cy="547200"/>
           </a:xfrm>
           <a:prstGeom prst="roundRect">
             <a:avLst>
@@ -17741,7 +17846,7 @@
         <p:spPr>
           <a:xfrm>
             <a:off x="3785400" y="1107360"/>
-            <a:ext cx="4544280" cy="729720"/>
+            <a:ext cx="4543920" cy="729720"/>
           </a:xfrm>
           <a:prstGeom prst="rect">
             <a:avLst/>
@@ -17859,7 +17964,7 @@
         <p:spPr>
           <a:xfrm>
             <a:off x="1086840" y="3506040"/>
-            <a:ext cx="3623040" cy="3018240"/>
+            <a:ext cx="3622680" cy="3017880"/>
           </a:xfrm>
           <a:prstGeom prst="roundRect">
             <a:avLst>
@@ -17897,6 +18002,11 @@
             <a:noAutofit/>
           </a:bodyPr>
           <a:p>
+            <a:pPr>
+              <a:lnSpc>
+                <a:spcPct val="100000"/>
+              </a:lnSpc>
+            </a:pPr>
             <a:endParaRPr b="0" lang="en-US" sz="1800" spc="-1" strike="noStrike">
               <a:solidFill>
                 <a:schemeClr val="lt1"/>
@@ -17916,7 +18026,7 @@
         <p:spPr>
           <a:xfrm>
             <a:off x="1020960" y="3424320"/>
-            <a:ext cx="3623400" cy="3018600"/>
+            <a:ext cx="3623040" cy="3018240"/>
           </a:xfrm>
           <a:prstGeom prst="roundRect">
             <a:avLst>
@@ -18135,7 +18245,7 @@
         <p:spPr>
           <a:xfrm>
             <a:off x="4968360" y="3506040"/>
-            <a:ext cx="3623040" cy="3018240"/>
+            <a:ext cx="3622680" cy="3017880"/>
           </a:xfrm>
           <a:prstGeom prst="roundRect">
             <a:avLst>
@@ -18173,6 +18283,11 @@
             <a:noAutofit/>
           </a:bodyPr>
           <a:p>
+            <a:pPr>
+              <a:lnSpc>
+                <a:spcPct val="100000"/>
+              </a:lnSpc>
+            </a:pPr>
             <a:endParaRPr b="0" lang="en-US" sz="1800" spc="-1" strike="noStrike">
               <a:solidFill>
                 <a:schemeClr val="lt1"/>
@@ -18192,7 +18307,7 @@
         <p:spPr>
           <a:xfrm>
             <a:off x="8849160" y="3506040"/>
-            <a:ext cx="3623040" cy="3018240"/>
+            <a:ext cx="3622680" cy="3017880"/>
           </a:xfrm>
           <a:prstGeom prst="roundRect">
             <a:avLst>
@@ -18230,6 +18345,11 @@
             <a:noAutofit/>
           </a:bodyPr>
           <a:p>
+            <a:pPr>
+              <a:lnSpc>
+                <a:spcPct val="100000"/>
+              </a:lnSpc>
+            </a:pPr>
             <a:endParaRPr b="0" lang="en-US" sz="1800" spc="-1" strike="noStrike">
               <a:solidFill>
                 <a:schemeClr val="lt1"/>
@@ -18249,7 +18369,7 @@
         <p:spPr>
           <a:xfrm>
             <a:off x="8767440" y="3425040"/>
-            <a:ext cx="3623400" cy="3018600"/>
+            <a:ext cx="3623040" cy="3018240"/>
           </a:xfrm>
           <a:prstGeom prst="roundRect">
             <a:avLst>
@@ -18676,7 +18796,7 @@
         <p:spPr>
           <a:xfrm>
             <a:off x="5224320" y="7104600"/>
-            <a:ext cx="3051360" cy="363960"/>
+            <a:ext cx="3051000" cy="363960"/>
           </a:xfrm>
           <a:prstGeom prst="rect">
             <a:avLst/>
@@ -18730,7 +18850,7 @@
         <p:spPr>
           <a:xfrm>
             <a:off x="4941000" y="3450960"/>
-            <a:ext cx="3623400" cy="3018600"/>
+            <a:ext cx="3623040" cy="3018240"/>
           </a:xfrm>
           <a:prstGeom prst="roundRect">
             <a:avLst>
@@ -19127,7 +19247,7 @@
         <p:spPr>
           <a:xfrm>
             <a:off x="16920" y="1800"/>
-            <a:ext cx="13430880" cy="7554240"/>
+            <a:ext cx="13430520" cy="7553880"/>
           </a:xfrm>
           <a:prstGeom prst="rect">
             <a:avLst/>
@@ -19163,6 +19283,11 @@
             <a:noAutofit/>
           </a:bodyPr>
           <a:p>
+            <a:pPr>
+              <a:lnSpc>
+                <a:spcPct val="100000"/>
+              </a:lnSpc>
+            </a:pPr>
             <a:endParaRPr b="0" lang="en-US" sz="1800" spc="-1" strike="noStrike">
               <a:solidFill>
                 <a:schemeClr val="lt1"/>
@@ -19182,7 +19307,7 @@
         <p:spPr>
           <a:xfrm>
             <a:off x="1440" y="1800"/>
-            <a:ext cx="15120" cy="7554240"/>
+            <a:ext cx="14760" cy="7553880"/>
           </a:xfrm>
           <a:prstGeom prst="rect">
             <a:avLst/>
@@ -19218,6 +19343,11 @@
             <a:noAutofit/>
           </a:bodyPr>
           <a:p>
+            <a:pPr>
+              <a:lnSpc>
+                <a:spcPct val="100000"/>
+              </a:lnSpc>
+            </a:pPr>
             <a:endParaRPr b="0" lang="en-US" sz="1800" spc="-1" strike="noStrike">
               <a:solidFill>
                 <a:schemeClr val="lt1"/>
@@ -19237,7 +19367,7 @@
         <p:spPr>
           <a:xfrm>
             <a:off x="1005480" y="1800"/>
-            <a:ext cx="15120" cy="7554240"/>
+            <a:ext cx="14760" cy="7553880"/>
           </a:xfrm>
           <a:prstGeom prst="rect">
             <a:avLst/>
@@ -19273,6 +19403,11 @@
             <a:noAutofit/>
           </a:bodyPr>
           <a:p>
+            <a:pPr>
+              <a:lnSpc>
+                <a:spcPct val="100000"/>
+              </a:lnSpc>
+            </a:pPr>
             <a:endParaRPr b="0" lang="en-US" sz="1800" spc="-1" strike="noStrike">
               <a:solidFill>
                 <a:schemeClr val="lt1"/>
@@ -19292,7 +19427,7 @@
         <p:spPr>
           <a:xfrm>
             <a:off x="2013480" y="1800"/>
-            <a:ext cx="15120" cy="7554240"/>
+            <a:ext cx="14760" cy="7553880"/>
           </a:xfrm>
           <a:prstGeom prst="rect">
             <a:avLst/>
@@ -19328,6 +19463,11 @@
             <a:noAutofit/>
           </a:bodyPr>
           <a:p>
+            <a:pPr>
+              <a:lnSpc>
+                <a:spcPct val="100000"/>
+              </a:lnSpc>
+            </a:pPr>
             <a:endParaRPr b="0" lang="en-US" sz="1800" spc="-1" strike="noStrike">
               <a:solidFill>
                 <a:schemeClr val="lt1"/>
@@ -19347,7 +19487,7 @@
         <p:spPr>
           <a:xfrm>
             <a:off x="3021480" y="1800"/>
-            <a:ext cx="15120" cy="7554240"/>
+            <a:ext cx="14760" cy="7553880"/>
           </a:xfrm>
           <a:prstGeom prst="rect">
             <a:avLst/>
@@ -19383,6 +19523,11 @@
             <a:noAutofit/>
           </a:bodyPr>
           <a:p>
+            <a:pPr>
+              <a:lnSpc>
+                <a:spcPct val="100000"/>
+              </a:lnSpc>
+            </a:pPr>
             <a:endParaRPr b="0" lang="en-US" sz="1800" spc="-1" strike="noStrike">
               <a:solidFill>
                 <a:schemeClr val="lt1"/>
@@ -19402,7 +19547,7 @@
         <p:spPr>
           <a:xfrm>
             <a:off x="4029480" y="1800"/>
-            <a:ext cx="15120" cy="7554240"/>
+            <a:ext cx="14760" cy="7553880"/>
           </a:xfrm>
           <a:prstGeom prst="rect">
             <a:avLst/>
@@ -19438,6 +19583,11 @@
             <a:noAutofit/>
           </a:bodyPr>
           <a:p>
+            <a:pPr>
+              <a:lnSpc>
+                <a:spcPct val="100000"/>
+              </a:lnSpc>
+            </a:pPr>
             <a:endParaRPr b="0" lang="en-US" sz="1800" spc="-1" strike="noStrike">
               <a:solidFill>
                 <a:schemeClr val="lt1"/>
@@ -19457,7 +19607,7 @@
         <p:spPr>
           <a:xfrm>
             <a:off x="5037480" y="1800"/>
-            <a:ext cx="15120" cy="7554240"/>
+            <a:ext cx="14760" cy="7553880"/>
           </a:xfrm>
           <a:prstGeom prst="rect">
             <a:avLst/>
@@ -19493,6 +19643,11 @@
             <a:noAutofit/>
           </a:bodyPr>
           <a:p>
+            <a:pPr>
+              <a:lnSpc>
+                <a:spcPct val="100000"/>
+              </a:lnSpc>
+            </a:pPr>
             <a:endParaRPr b="0" lang="en-US" sz="1800" spc="-1" strike="noStrike">
               <a:solidFill>
                 <a:schemeClr val="lt1"/>
@@ -19512,7 +19667,7 @@
         <p:spPr>
           <a:xfrm>
             <a:off x="6045480" y="1800"/>
-            <a:ext cx="15120" cy="7554240"/>
+            <a:ext cx="14760" cy="7553880"/>
           </a:xfrm>
           <a:prstGeom prst="rect">
             <a:avLst/>
@@ -19548,6 +19703,11 @@
             <a:noAutofit/>
           </a:bodyPr>
           <a:p>
+            <a:pPr>
+              <a:lnSpc>
+                <a:spcPct val="100000"/>
+              </a:lnSpc>
+            </a:pPr>
             <a:endParaRPr b="0" lang="en-US" sz="1800" spc="-1" strike="noStrike">
               <a:solidFill>
                 <a:schemeClr val="lt1"/>
@@ -19567,7 +19727,7 @@
         <p:spPr>
           <a:xfrm>
             <a:off x="7053480" y="1800"/>
-            <a:ext cx="15120" cy="7554240"/>
+            <a:ext cx="14760" cy="7553880"/>
           </a:xfrm>
           <a:prstGeom prst="rect">
             <a:avLst/>
@@ -19603,6 +19763,11 @@
             <a:noAutofit/>
           </a:bodyPr>
           <a:p>
+            <a:pPr>
+              <a:lnSpc>
+                <a:spcPct val="100000"/>
+              </a:lnSpc>
+            </a:pPr>
             <a:endParaRPr b="0" lang="en-US" sz="1800" spc="-1" strike="noStrike">
               <a:solidFill>
                 <a:schemeClr val="lt1"/>
@@ -19622,7 +19787,7 @@
         <p:spPr>
           <a:xfrm>
             <a:off x="8061480" y="1800"/>
-            <a:ext cx="15120" cy="7554240"/>
+            <a:ext cx="14760" cy="7553880"/>
           </a:xfrm>
           <a:prstGeom prst="rect">
             <a:avLst/>
@@ -19658,6 +19823,11 @@
             <a:noAutofit/>
           </a:bodyPr>
           <a:p>
+            <a:pPr>
+              <a:lnSpc>
+                <a:spcPct val="100000"/>
+              </a:lnSpc>
+            </a:pPr>
             <a:endParaRPr b="0" lang="en-US" sz="1800" spc="-1" strike="noStrike">
               <a:solidFill>
                 <a:schemeClr val="lt1"/>
@@ -19677,7 +19847,7 @@
         <p:spPr>
           <a:xfrm>
             <a:off x="9069480" y="1800"/>
-            <a:ext cx="15120" cy="7554240"/>
+            <a:ext cx="14760" cy="7553880"/>
           </a:xfrm>
           <a:prstGeom prst="rect">
             <a:avLst/>
@@ -19713,6 +19883,11 @@
             <a:noAutofit/>
           </a:bodyPr>
           <a:p>
+            <a:pPr>
+              <a:lnSpc>
+                <a:spcPct val="100000"/>
+              </a:lnSpc>
+            </a:pPr>
             <a:endParaRPr b="0" lang="en-US" sz="1800" spc="-1" strike="noStrike">
               <a:solidFill>
                 <a:schemeClr val="lt1"/>
@@ -19732,7 +19907,7 @@
         <p:spPr>
           <a:xfrm>
             <a:off x="10077480" y="1800"/>
-            <a:ext cx="15120" cy="7554240"/>
+            <a:ext cx="14760" cy="7553880"/>
           </a:xfrm>
           <a:prstGeom prst="rect">
             <a:avLst/>
@@ -19768,6 +19943,11 @@
             <a:noAutofit/>
           </a:bodyPr>
           <a:p>
+            <a:pPr>
+              <a:lnSpc>
+                <a:spcPct val="100000"/>
+              </a:lnSpc>
+            </a:pPr>
             <a:endParaRPr b="0" lang="en-US" sz="1800" spc="-1" strike="noStrike">
               <a:solidFill>
                 <a:schemeClr val="lt1"/>
@@ -19787,7 +19967,7 @@
         <p:spPr>
           <a:xfrm>
             <a:off x="11085480" y="1800"/>
-            <a:ext cx="15120" cy="7554240"/>
+            <a:ext cx="14760" cy="7553880"/>
           </a:xfrm>
           <a:prstGeom prst="rect">
             <a:avLst/>
@@ -19823,6 +20003,11 @@
             <a:noAutofit/>
           </a:bodyPr>
           <a:p>
+            <a:pPr>
+              <a:lnSpc>
+                <a:spcPct val="100000"/>
+              </a:lnSpc>
+            </a:pPr>
             <a:endParaRPr b="0" lang="en-US" sz="1800" spc="-1" strike="noStrike">
               <a:solidFill>
                 <a:schemeClr val="lt1"/>
@@ -19842,7 +20027,7 @@
         <p:spPr>
           <a:xfrm>
             <a:off x="12093480" y="1800"/>
-            <a:ext cx="15120" cy="7554240"/>
+            <a:ext cx="14760" cy="7553880"/>
           </a:xfrm>
           <a:prstGeom prst="rect">
             <a:avLst/>
@@ -19878,6 +20063,11 @@
             <a:noAutofit/>
           </a:bodyPr>
           <a:p>
+            <a:pPr>
+              <a:lnSpc>
+                <a:spcPct val="100000"/>
+              </a:lnSpc>
+            </a:pPr>
             <a:endParaRPr b="0" lang="en-US" sz="1800" spc="-1" strike="noStrike">
               <a:solidFill>
                 <a:schemeClr val="lt1"/>
@@ -19897,7 +20087,7 @@
         <p:spPr>
           <a:xfrm>
             <a:off x="13101480" y="1800"/>
-            <a:ext cx="15120" cy="7554240"/>
+            <a:ext cx="14760" cy="7553880"/>
           </a:xfrm>
           <a:prstGeom prst="rect">
             <a:avLst/>
@@ -19933,6 +20123,11 @@
             <a:noAutofit/>
           </a:bodyPr>
           <a:p>
+            <a:pPr>
+              <a:lnSpc>
+                <a:spcPct val="100000"/>
+              </a:lnSpc>
+            </a:pPr>
             <a:endParaRPr b="0" lang="en-US" sz="1800" spc="-1" strike="noStrike">
               <a:solidFill>
                 <a:schemeClr val="lt1"/>
@@ -19952,7 +20147,7 @@
         <p:spPr>
           <a:xfrm>
             <a:off x="1440" y="1800"/>
-            <a:ext cx="347040" cy="7554240"/>
+            <a:ext cx="346680" cy="7553880"/>
           </a:xfrm>
           <a:prstGeom prst="rect">
             <a:avLst/>
@@ -19988,6 +20183,11 @@
             <a:noAutofit/>
           </a:bodyPr>
           <a:p>
+            <a:pPr>
+              <a:lnSpc>
+                <a:spcPct val="100000"/>
+              </a:lnSpc>
+            </a:pPr>
             <a:endParaRPr b="0" lang="en-US" sz="1800" spc="-1" strike="noStrike">
               <a:solidFill>
                 <a:schemeClr val="lt1"/>
@@ -20007,7 +20207,7 @@
         <p:spPr>
           <a:xfrm>
             <a:off x="10884960" y="401400"/>
-            <a:ext cx="2211480" cy="547560"/>
+            <a:ext cx="2211120" cy="547200"/>
           </a:xfrm>
           <a:prstGeom prst="roundRect">
             <a:avLst>
@@ -20199,7 +20399,7 @@
         <p:spPr>
           <a:xfrm>
             <a:off x="1086840" y="3506040"/>
-            <a:ext cx="3623040" cy="3018240"/>
+            <a:ext cx="3622680" cy="3017880"/>
           </a:xfrm>
           <a:prstGeom prst="roundRect">
             <a:avLst>
@@ -20237,6 +20437,11 @@
             <a:noAutofit/>
           </a:bodyPr>
           <a:p>
+            <a:pPr>
+              <a:lnSpc>
+                <a:spcPct val="100000"/>
+              </a:lnSpc>
+            </a:pPr>
             <a:endParaRPr b="0" lang="en-US" sz="1800" spc="-1" strike="noStrike">
               <a:solidFill>
                 <a:schemeClr val="lt1"/>
@@ -20256,7 +20461,7 @@
         <p:spPr>
           <a:xfrm>
             <a:off x="1020960" y="3424320"/>
-            <a:ext cx="3623400" cy="3018600"/>
+            <a:ext cx="3623040" cy="3018240"/>
           </a:xfrm>
           <a:prstGeom prst="roundRect">
             <a:avLst>
@@ -20475,7 +20680,7 @@
         <p:spPr>
           <a:xfrm>
             <a:off x="4968360" y="3506040"/>
-            <a:ext cx="3623040" cy="3018240"/>
+            <a:ext cx="3622680" cy="3017880"/>
           </a:xfrm>
           <a:prstGeom prst="roundRect">
             <a:avLst>
@@ -20513,6 +20718,11 @@
             <a:noAutofit/>
           </a:bodyPr>
           <a:p>
+            <a:pPr>
+              <a:lnSpc>
+                <a:spcPct val="100000"/>
+              </a:lnSpc>
+            </a:pPr>
             <a:endParaRPr b="0" lang="en-US" sz="1800" spc="-1" strike="noStrike">
               <a:solidFill>
                 <a:schemeClr val="lt1"/>
@@ -20532,7 +20742,7 @@
         <p:spPr>
           <a:xfrm>
             <a:off x="8849160" y="3506040"/>
-            <a:ext cx="3623040" cy="3018240"/>
+            <a:ext cx="3622680" cy="3017880"/>
           </a:xfrm>
           <a:prstGeom prst="roundRect">
             <a:avLst>
@@ -20570,6 +20780,11 @@
             <a:noAutofit/>
           </a:bodyPr>
           <a:p>
+            <a:pPr>
+              <a:lnSpc>
+                <a:spcPct val="100000"/>
+              </a:lnSpc>
+            </a:pPr>
             <a:endParaRPr b="0" lang="en-US" sz="1800" spc="-1" strike="noStrike">
               <a:solidFill>
                 <a:schemeClr val="lt1"/>
@@ -20589,7 +20804,7 @@
         <p:spPr>
           <a:xfrm>
             <a:off x="8767440" y="3425040"/>
-            <a:ext cx="3623400" cy="3018600"/>
+            <a:ext cx="3623040" cy="3018240"/>
           </a:xfrm>
           <a:prstGeom prst="roundRect">
             <a:avLst>
@@ -20989,7 +21204,7 @@
         <p:spPr>
           <a:xfrm>
             <a:off x="5224320" y="7104600"/>
-            <a:ext cx="3051360" cy="363960"/>
+            <a:ext cx="3051000" cy="363960"/>
           </a:xfrm>
           <a:prstGeom prst="rect">
             <a:avLst/>
@@ -21043,7 +21258,7 @@
         <p:spPr>
           <a:xfrm>
             <a:off x="4941000" y="3450960"/>
-            <a:ext cx="3623400" cy="3018600"/>
+            <a:ext cx="3623040" cy="3018240"/>
           </a:xfrm>
           <a:prstGeom prst="roundRect">
             <a:avLst>
@@ -21275,6 +21490,4524 @@
               <a:t>Long-term support stability</a:t>
             </a:r>
             <a:endParaRPr b="0" lang="en-US" sz="1800" spc="-1" strike="noStrike">
+              <a:solidFill>
+                <a:srgbClr val="ffffff"/>
+              </a:solidFill>
+              <a:latin typeface="Arial"/>
+            </a:endParaRPr>
+          </a:p>
+        </p:txBody>
+      </p:sp>
+    </p:spTree>
+  </p:cSld>
+  <mc:AlternateContent>
+    <mc:Choice Requires="p14">
+      <p:transition spd="slow" p14:dur="2000"/>
+    </mc:Choice>
+    <mc:Fallback>
+      <p:transition spd="slow"/>
+    </mc:Fallback>
+  </mc:AlternateContent>
+</p:sld>
+</file>
+
+<file path=ppt/slides/slide17.xml><?xml version="1.0" encoding="utf-8"?>
+<p:sld xmlns:a="http://schemas.openxmlformats.org/drawingml/2006/main" xmlns:p="http://schemas.openxmlformats.org/presentationml/2006/main" xmlns:r="http://schemas.openxmlformats.org/officeDocument/2006/relationships" xmlns:p14="http://schemas.microsoft.com/office/powerpoint/2010/main" xmlns:p15="http://schemas.microsoft.com/office/powerpoint/2012/main" xmlns:mc="http://schemas.openxmlformats.org/markup-compatibility/2006">
+  <p:cSld>
+    <p:spTree>
+      <p:nvGrpSpPr>
+        <p:cNvPr id="1" name=""/>
+        <p:cNvGrpSpPr/>
+        <p:nvPr/>
+      </p:nvGrpSpPr>
+      <p:grpSpPr>
+        <a:xfrm>
+          <a:off x="0" y="0"/>
+          <a:ext cx="0" cy="0"/>
+          <a:chOff x="0" y="0"/>
+          <a:chExt cx="0" cy="0"/>
+        </a:xfrm>
+      </p:grpSpPr>
+      <p:sp>
+        <p:nvSpPr>
+          <p:cNvPr id="457" name="Rectangle 257"/>
+          <p:cNvSpPr/>
+          <p:nvPr/>
+        </p:nvSpPr>
+        <p:spPr>
+          <a:xfrm>
+            <a:off x="16920" y="1800"/>
+            <a:ext cx="13430520" cy="7553880"/>
+          </a:xfrm>
+          <a:prstGeom prst="rect">
+            <a:avLst/>
+          </a:prstGeom>
+          <a:solidFill>
+            <a:srgbClr val="0b0b0d"/>
+          </a:solidFill>
+          <a:ln>
+            <a:noFill/>
+          </a:ln>
+          <a:effectLst>
+            <a:outerShdw blurRad="39960" dir="5400000" dist="23040" rotWithShape="0">
+              <a:srgbClr val="000000">
+                <a:alpha val="35000"/>
+              </a:srgbClr>
+            </a:outerShdw>
+          </a:effectLst>
+        </p:spPr>
+        <p:style>
+          <a:lnRef idx="1">
+            <a:schemeClr val="accent1"/>
+          </a:lnRef>
+          <a:fillRef idx="3">
+            <a:schemeClr val="accent1"/>
+          </a:fillRef>
+          <a:effectRef idx="2">
+            <a:schemeClr val="accent1"/>
+          </a:effectRef>
+          <a:fontRef idx="minor"/>
+        </p:style>
+        <p:txBody>
+          <a:bodyPr lIns="90000" rIns="90000" tIns="45000" bIns="45000" anchor="ctr">
+            <a:noAutofit/>
+          </a:bodyPr>
+          <a:p>
+            <a:endParaRPr b="0" lang="en-US" sz="1800" spc="-1" strike="noStrike">
+              <a:solidFill>
+                <a:schemeClr val="lt1"/>
+              </a:solidFill>
+              <a:latin typeface="Calibri"/>
+              <a:ea typeface="DejaVu Sans"/>
+            </a:endParaRPr>
+          </a:p>
+        </p:txBody>
+      </p:sp>
+      <p:sp>
+        <p:nvSpPr>
+          <p:cNvPr id="458" name="Rectangle 258"/>
+          <p:cNvSpPr/>
+          <p:nvPr/>
+        </p:nvSpPr>
+        <p:spPr>
+          <a:xfrm>
+            <a:off x="1440" y="1800"/>
+            <a:ext cx="14760" cy="7553880"/>
+          </a:xfrm>
+          <a:prstGeom prst="rect">
+            <a:avLst/>
+          </a:prstGeom>
+          <a:solidFill>
+            <a:srgbClr val="121216"/>
+          </a:solidFill>
+          <a:ln>
+            <a:noFill/>
+          </a:ln>
+          <a:effectLst>
+            <a:outerShdw blurRad="39960" dir="5400000" dist="23040" rotWithShape="0">
+              <a:srgbClr val="000000">
+                <a:alpha val="35000"/>
+              </a:srgbClr>
+            </a:outerShdw>
+          </a:effectLst>
+        </p:spPr>
+        <p:style>
+          <a:lnRef idx="1">
+            <a:schemeClr val="accent1"/>
+          </a:lnRef>
+          <a:fillRef idx="3">
+            <a:schemeClr val="accent1"/>
+          </a:fillRef>
+          <a:effectRef idx="2">
+            <a:schemeClr val="accent1"/>
+          </a:effectRef>
+          <a:fontRef idx="minor"/>
+        </p:style>
+        <p:txBody>
+          <a:bodyPr lIns="90000" rIns="90000" tIns="45000" bIns="45000" anchor="ctr">
+            <a:noAutofit/>
+          </a:bodyPr>
+          <a:p>
+            <a:endParaRPr b="0" lang="en-US" sz="1800" spc="-1" strike="noStrike">
+              <a:solidFill>
+                <a:schemeClr val="lt1"/>
+              </a:solidFill>
+              <a:latin typeface="Calibri"/>
+              <a:ea typeface="DejaVu Sans"/>
+            </a:endParaRPr>
+          </a:p>
+        </p:txBody>
+      </p:sp>
+      <p:sp>
+        <p:nvSpPr>
+          <p:cNvPr id="459" name="Rectangle 259"/>
+          <p:cNvSpPr/>
+          <p:nvPr/>
+        </p:nvSpPr>
+        <p:spPr>
+          <a:xfrm>
+            <a:off x="1005480" y="1800"/>
+            <a:ext cx="14760" cy="7553880"/>
+          </a:xfrm>
+          <a:prstGeom prst="rect">
+            <a:avLst/>
+          </a:prstGeom>
+          <a:solidFill>
+            <a:srgbClr val="121216"/>
+          </a:solidFill>
+          <a:ln>
+            <a:noFill/>
+          </a:ln>
+          <a:effectLst>
+            <a:outerShdw blurRad="39960" dir="5400000" dist="23040" rotWithShape="0">
+              <a:srgbClr val="000000">
+                <a:alpha val="35000"/>
+              </a:srgbClr>
+            </a:outerShdw>
+          </a:effectLst>
+        </p:spPr>
+        <p:style>
+          <a:lnRef idx="1">
+            <a:schemeClr val="accent1"/>
+          </a:lnRef>
+          <a:fillRef idx="3">
+            <a:schemeClr val="accent1"/>
+          </a:fillRef>
+          <a:effectRef idx="2">
+            <a:schemeClr val="accent1"/>
+          </a:effectRef>
+          <a:fontRef idx="minor"/>
+        </p:style>
+        <p:txBody>
+          <a:bodyPr lIns="90000" rIns="90000" tIns="45000" bIns="45000" anchor="ctr">
+            <a:noAutofit/>
+          </a:bodyPr>
+          <a:p>
+            <a:endParaRPr b="0" lang="en-US" sz="1800" spc="-1" strike="noStrike">
+              <a:solidFill>
+                <a:schemeClr val="lt1"/>
+              </a:solidFill>
+              <a:latin typeface="Calibri"/>
+              <a:ea typeface="DejaVu Sans"/>
+            </a:endParaRPr>
+          </a:p>
+        </p:txBody>
+      </p:sp>
+      <p:sp>
+        <p:nvSpPr>
+          <p:cNvPr id="460" name="Rectangle 260"/>
+          <p:cNvSpPr/>
+          <p:nvPr/>
+        </p:nvSpPr>
+        <p:spPr>
+          <a:xfrm>
+            <a:off x="2013480" y="1800"/>
+            <a:ext cx="14760" cy="7553880"/>
+          </a:xfrm>
+          <a:prstGeom prst="rect">
+            <a:avLst/>
+          </a:prstGeom>
+          <a:solidFill>
+            <a:srgbClr val="121216"/>
+          </a:solidFill>
+          <a:ln>
+            <a:noFill/>
+          </a:ln>
+          <a:effectLst>
+            <a:outerShdw blurRad="39960" dir="5400000" dist="23040" rotWithShape="0">
+              <a:srgbClr val="000000">
+                <a:alpha val="35000"/>
+              </a:srgbClr>
+            </a:outerShdw>
+          </a:effectLst>
+        </p:spPr>
+        <p:style>
+          <a:lnRef idx="1">
+            <a:schemeClr val="accent1"/>
+          </a:lnRef>
+          <a:fillRef idx="3">
+            <a:schemeClr val="accent1"/>
+          </a:fillRef>
+          <a:effectRef idx="2">
+            <a:schemeClr val="accent1"/>
+          </a:effectRef>
+          <a:fontRef idx="minor"/>
+        </p:style>
+        <p:txBody>
+          <a:bodyPr lIns="90000" rIns="90000" tIns="45000" bIns="45000" anchor="ctr">
+            <a:noAutofit/>
+          </a:bodyPr>
+          <a:p>
+            <a:endParaRPr b="0" lang="en-US" sz="1800" spc="-1" strike="noStrike">
+              <a:solidFill>
+                <a:schemeClr val="lt1"/>
+              </a:solidFill>
+              <a:latin typeface="Calibri"/>
+              <a:ea typeface="DejaVu Sans"/>
+            </a:endParaRPr>
+          </a:p>
+        </p:txBody>
+      </p:sp>
+      <p:sp>
+        <p:nvSpPr>
+          <p:cNvPr id="461" name="Rectangle 261"/>
+          <p:cNvSpPr/>
+          <p:nvPr/>
+        </p:nvSpPr>
+        <p:spPr>
+          <a:xfrm>
+            <a:off x="3021480" y="1800"/>
+            <a:ext cx="14760" cy="7553880"/>
+          </a:xfrm>
+          <a:prstGeom prst="rect">
+            <a:avLst/>
+          </a:prstGeom>
+          <a:solidFill>
+            <a:srgbClr val="121216"/>
+          </a:solidFill>
+          <a:ln>
+            <a:noFill/>
+          </a:ln>
+          <a:effectLst>
+            <a:outerShdw blurRad="39960" dir="5400000" dist="23040" rotWithShape="0">
+              <a:srgbClr val="000000">
+                <a:alpha val="35000"/>
+              </a:srgbClr>
+            </a:outerShdw>
+          </a:effectLst>
+        </p:spPr>
+        <p:style>
+          <a:lnRef idx="1">
+            <a:schemeClr val="accent1"/>
+          </a:lnRef>
+          <a:fillRef idx="3">
+            <a:schemeClr val="accent1"/>
+          </a:fillRef>
+          <a:effectRef idx="2">
+            <a:schemeClr val="accent1"/>
+          </a:effectRef>
+          <a:fontRef idx="minor"/>
+        </p:style>
+        <p:txBody>
+          <a:bodyPr lIns="90000" rIns="90000" tIns="45000" bIns="45000" anchor="ctr">
+            <a:noAutofit/>
+          </a:bodyPr>
+          <a:p>
+            <a:endParaRPr b="0" lang="en-US" sz="1800" spc="-1" strike="noStrike">
+              <a:solidFill>
+                <a:schemeClr val="lt1"/>
+              </a:solidFill>
+              <a:latin typeface="Calibri"/>
+              <a:ea typeface="DejaVu Sans"/>
+            </a:endParaRPr>
+          </a:p>
+        </p:txBody>
+      </p:sp>
+      <p:sp>
+        <p:nvSpPr>
+          <p:cNvPr id="462" name="Rectangle 262"/>
+          <p:cNvSpPr/>
+          <p:nvPr/>
+        </p:nvSpPr>
+        <p:spPr>
+          <a:xfrm>
+            <a:off x="4029480" y="1800"/>
+            <a:ext cx="14760" cy="7553880"/>
+          </a:xfrm>
+          <a:prstGeom prst="rect">
+            <a:avLst/>
+          </a:prstGeom>
+          <a:solidFill>
+            <a:srgbClr val="121216"/>
+          </a:solidFill>
+          <a:ln>
+            <a:noFill/>
+          </a:ln>
+          <a:effectLst>
+            <a:outerShdw blurRad="39960" dir="5400000" dist="23040" rotWithShape="0">
+              <a:srgbClr val="000000">
+                <a:alpha val="35000"/>
+              </a:srgbClr>
+            </a:outerShdw>
+          </a:effectLst>
+        </p:spPr>
+        <p:style>
+          <a:lnRef idx="1">
+            <a:schemeClr val="accent1"/>
+          </a:lnRef>
+          <a:fillRef idx="3">
+            <a:schemeClr val="accent1"/>
+          </a:fillRef>
+          <a:effectRef idx="2">
+            <a:schemeClr val="accent1"/>
+          </a:effectRef>
+          <a:fontRef idx="minor"/>
+        </p:style>
+        <p:txBody>
+          <a:bodyPr lIns="90000" rIns="90000" tIns="45000" bIns="45000" anchor="ctr">
+            <a:noAutofit/>
+          </a:bodyPr>
+          <a:p>
+            <a:endParaRPr b="0" lang="en-US" sz="1800" spc="-1" strike="noStrike">
+              <a:solidFill>
+                <a:schemeClr val="lt1"/>
+              </a:solidFill>
+              <a:latin typeface="Calibri"/>
+              <a:ea typeface="DejaVu Sans"/>
+            </a:endParaRPr>
+          </a:p>
+        </p:txBody>
+      </p:sp>
+      <p:sp>
+        <p:nvSpPr>
+          <p:cNvPr id="463" name="Rectangle 263"/>
+          <p:cNvSpPr/>
+          <p:nvPr/>
+        </p:nvSpPr>
+        <p:spPr>
+          <a:xfrm>
+            <a:off x="5037480" y="1800"/>
+            <a:ext cx="14760" cy="7553880"/>
+          </a:xfrm>
+          <a:prstGeom prst="rect">
+            <a:avLst/>
+          </a:prstGeom>
+          <a:solidFill>
+            <a:srgbClr val="121216"/>
+          </a:solidFill>
+          <a:ln>
+            <a:noFill/>
+          </a:ln>
+          <a:effectLst>
+            <a:outerShdw blurRad="39960" dir="5400000" dist="23040" rotWithShape="0">
+              <a:srgbClr val="000000">
+                <a:alpha val="35000"/>
+              </a:srgbClr>
+            </a:outerShdw>
+          </a:effectLst>
+        </p:spPr>
+        <p:style>
+          <a:lnRef idx="1">
+            <a:schemeClr val="accent1"/>
+          </a:lnRef>
+          <a:fillRef idx="3">
+            <a:schemeClr val="accent1"/>
+          </a:fillRef>
+          <a:effectRef idx="2">
+            <a:schemeClr val="accent1"/>
+          </a:effectRef>
+          <a:fontRef idx="minor"/>
+        </p:style>
+        <p:txBody>
+          <a:bodyPr lIns="90000" rIns="90000" tIns="45000" bIns="45000" anchor="ctr">
+            <a:noAutofit/>
+          </a:bodyPr>
+          <a:p>
+            <a:endParaRPr b="0" lang="en-US" sz="1800" spc="-1" strike="noStrike">
+              <a:solidFill>
+                <a:schemeClr val="lt1"/>
+              </a:solidFill>
+              <a:latin typeface="Calibri"/>
+              <a:ea typeface="DejaVu Sans"/>
+            </a:endParaRPr>
+          </a:p>
+        </p:txBody>
+      </p:sp>
+      <p:sp>
+        <p:nvSpPr>
+          <p:cNvPr id="464" name="Rectangle 264"/>
+          <p:cNvSpPr/>
+          <p:nvPr/>
+        </p:nvSpPr>
+        <p:spPr>
+          <a:xfrm>
+            <a:off x="6045480" y="1800"/>
+            <a:ext cx="14760" cy="7553880"/>
+          </a:xfrm>
+          <a:prstGeom prst="rect">
+            <a:avLst/>
+          </a:prstGeom>
+          <a:solidFill>
+            <a:srgbClr val="121216"/>
+          </a:solidFill>
+          <a:ln>
+            <a:noFill/>
+          </a:ln>
+          <a:effectLst>
+            <a:outerShdw blurRad="39960" dir="5400000" dist="23040" rotWithShape="0">
+              <a:srgbClr val="000000">
+                <a:alpha val="35000"/>
+              </a:srgbClr>
+            </a:outerShdw>
+          </a:effectLst>
+        </p:spPr>
+        <p:style>
+          <a:lnRef idx="1">
+            <a:schemeClr val="accent1"/>
+          </a:lnRef>
+          <a:fillRef idx="3">
+            <a:schemeClr val="accent1"/>
+          </a:fillRef>
+          <a:effectRef idx="2">
+            <a:schemeClr val="accent1"/>
+          </a:effectRef>
+          <a:fontRef idx="minor"/>
+        </p:style>
+        <p:txBody>
+          <a:bodyPr lIns="90000" rIns="90000" tIns="45000" bIns="45000" anchor="ctr">
+            <a:noAutofit/>
+          </a:bodyPr>
+          <a:p>
+            <a:endParaRPr b="0" lang="en-US" sz="1800" spc="-1" strike="noStrike">
+              <a:solidFill>
+                <a:schemeClr val="lt1"/>
+              </a:solidFill>
+              <a:latin typeface="Calibri"/>
+              <a:ea typeface="DejaVu Sans"/>
+            </a:endParaRPr>
+          </a:p>
+        </p:txBody>
+      </p:sp>
+      <p:sp>
+        <p:nvSpPr>
+          <p:cNvPr id="465" name="Rectangle 265"/>
+          <p:cNvSpPr/>
+          <p:nvPr/>
+        </p:nvSpPr>
+        <p:spPr>
+          <a:xfrm>
+            <a:off x="7053480" y="1800"/>
+            <a:ext cx="14760" cy="7553880"/>
+          </a:xfrm>
+          <a:prstGeom prst="rect">
+            <a:avLst/>
+          </a:prstGeom>
+          <a:solidFill>
+            <a:srgbClr val="121216"/>
+          </a:solidFill>
+          <a:ln>
+            <a:noFill/>
+          </a:ln>
+          <a:effectLst>
+            <a:outerShdw blurRad="39960" dir="5400000" dist="23040" rotWithShape="0">
+              <a:srgbClr val="000000">
+                <a:alpha val="35000"/>
+              </a:srgbClr>
+            </a:outerShdw>
+          </a:effectLst>
+        </p:spPr>
+        <p:style>
+          <a:lnRef idx="1">
+            <a:schemeClr val="accent1"/>
+          </a:lnRef>
+          <a:fillRef idx="3">
+            <a:schemeClr val="accent1"/>
+          </a:fillRef>
+          <a:effectRef idx="2">
+            <a:schemeClr val="accent1"/>
+          </a:effectRef>
+          <a:fontRef idx="minor"/>
+        </p:style>
+        <p:txBody>
+          <a:bodyPr lIns="90000" rIns="90000" tIns="45000" bIns="45000" anchor="ctr">
+            <a:noAutofit/>
+          </a:bodyPr>
+          <a:p>
+            <a:endParaRPr b="0" lang="en-US" sz="1800" spc="-1" strike="noStrike">
+              <a:solidFill>
+                <a:schemeClr val="lt1"/>
+              </a:solidFill>
+              <a:latin typeface="Calibri"/>
+              <a:ea typeface="DejaVu Sans"/>
+            </a:endParaRPr>
+          </a:p>
+        </p:txBody>
+      </p:sp>
+      <p:sp>
+        <p:nvSpPr>
+          <p:cNvPr id="466" name="Rectangle 266"/>
+          <p:cNvSpPr/>
+          <p:nvPr/>
+        </p:nvSpPr>
+        <p:spPr>
+          <a:xfrm>
+            <a:off x="8061480" y="1800"/>
+            <a:ext cx="14760" cy="7553880"/>
+          </a:xfrm>
+          <a:prstGeom prst="rect">
+            <a:avLst/>
+          </a:prstGeom>
+          <a:solidFill>
+            <a:srgbClr val="121216"/>
+          </a:solidFill>
+          <a:ln>
+            <a:noFill/>
+          </a:ln>
+          <a:effectLst>
+            <a:outerShdw blurRad="39960" dir="5400000" dist="23040" rotWithShape="0">
+              <a:srgbClr val="000000">
+                <a:alpha val="35000"/>
+              </a:srgbClr>
+            </a:outerShdw>
+          </a:effectLst>
+        </p:spPr>
+        <p:style>
+          <a:lnRef idx="1">
+            <a:schemeClr val="accent1"/>
+          </a:lnRef>
+          <a:fillRef idx="3">
+            <a:schemeClr val="accent1"/>
+          </a:fillRef>
+          <a:effectRef idx="2">
+            <a:schemeClr val="accent1"/>
+          </a:effectRef>
+          <a:fontRef idx="minor"/>
+        </p:style>
+        <p:txBody>
+          <a:bodyPr lIns="90000" rIns="90000" tIns="45000" bIns="45000" anchor="ctr">
+            <a:noAutofit/>
+          </a:bodyPr>
+          <a:p>
+            <a:endParaRPr b="0" lang="en-US" sz="1800" spc="-1" strike="noStrike">
+              <a:solidFill>
+                <a:schemeClr val="lt1"/>
+              </a:solidFill>
+              <a:latin typeface="Calibri"/>
+              <a:ea typeface="DejaVu Sans"/>
+            </a:endParaRPr>
+          </a:p>
+        </p:txBody>
+      </p:sp>
+      <p:sp>
+        <p:nvSpPr>
+          <p:cNvPr id="467" name="Rectangle 267"/>
+          <p:cNvSpPr/>
+          <p:nvPr/>
+        </p:nvSpPr>
+        <p:spPr>
+          <a:xfrm>
+            <a:off x="9069480" y="1800"/>
+            <a:ext cx="14760" cy="7553880"/>
+          </a:xfrm>
+          <a:prstGeom prst="rect">
+            <a:avLst/>
+          </a:prstGeom>
+          <a:solidFill>
+            <a:srgbClr val="121216"/>
+          </a:solidFill>
+          <a:ln>
+            <a:noFill/>
+          </a:ln>
+          <a:effectLst>
+            <a:outerShdw blurRad="39960" dir="5400000" dist="23040" rotWithShape="0">
+              <a:srgbClr val="000000">
+                <a:alpha val="35000"/>
+              </a:srgbClr>
+            </a:outerShdw>
+          </a:effectLst>
+        </p:spPr>
+        <p:style>
+          <a:lnRef idx="1">
+            <a:schemeClr val="accent1"/>
+          </a:lnRef>
+          <a:fillRef idx="3">
+            <a:schemeClr val="accent1"/>
+          </a:fillRef>
+          <a:effectRef idx="2">
+            <a:schemeClr val="accent1"/>
+          </a:effectRef>
+          <a:fontRef idx="minor"/>
+        </p:style>
+        <p:txBody>
+          <a:bodyPr lIns="90000" rIns="90000" tIns="45000" bIns="45000" anchor="ctr">
+            <a:noAutofit/>
+          </a:bodyPr>
+          <a:p>
+            <a:endParaRPr b="0" lang="en-US" sz="1800" spc="-1" strike="noStrike">
+              <a:solidFill>
+                <a:schemeClr val="lt1"/>
+              </a:solidFill>
+              <a:latin typeface="Calibri"/>
+              <a:ea typeface="DejaVu Sans"/>
+            </a:endParaRPr>
+          </a:p>
+        </p:txBody>
+      </p:sp>
+      <p:sp>
+        <p:nvSpPr>
+          <p:cNvPr id="468" name="Rectangle 268"/>
+          <p:cNvSpPr/>
+          <p:nvPr/>
+        </p:nvSpPr>
+        <p:spPr>
+          <a:xfrm>
+            <a:off x="10077480" y="1800"/>
+            <a:ext cx="14760" cy="7553880"/>
+          </a:xfrm>
+          <a:prstGeom prst="rect">
+            <a:avLst/>
+          </a:prstGeom>
+          <a:solidFill>
+            <a:srgbClr val="121216"/>
+          </a:solidFill>
+          <a:ln>
+            <a:noFill/>
+          </a:ln>
+          <a:effectLst>
+            <a:outerShdw blurRad="39960" dir="5400000" dist="23040" rotWithShape="0">
+              <a:srgbClr val="000000">
+                <a:alpha val="35000"/>
+              </a:srgbClr>
+            </a:outerShdw>
+          </a:effectLst>
+        </p:spPr>
+        <p:style>
+          <a:lnRef idx="1">
+            <a:schemeClr val="accent1"/>
+          </a:lnRef>
+          <a:fillRef idx="3">
+            <a:schemeClr val="accent1"/>
+          </a:fillRef>
+          <a:effectRef idx="2">
+            <a:schemeClr val="accent1"/>
+          </a:effectRef>
+          <a:fontRef idx="minor"/>
+        </p:style>
+        <p:txBody>
+          <a:bodyPr lIns="90000" rIns="90000" tIns="45000" bIns="45000" anchor="ctr">
+            <a:noAutofit/>
+          </a:bodyPr>
+          <a:p>
+            <a:endParaRPr b="0" lang="en-US" sz="1800" spc="-1" strike="noStrike">
+              <a:solidFill>
+                <a:schemeClr val="lt1"/>
+              </a:solidFill>
+              <a:latin typeface="Calibri"/>
+              <a:ea typeface="DejaVu Sans"/>
+            </a:endParaRPr>
+          </a:p>
+        </p:txBody>
+      </p:sp>
+      <p:sp>
+        <p:nvSpPr>
+          <p:cNvPr id="469" name="Rectangle 269"/>
+          <p:cNvSpPr/>
+          <p:nvPr/>
+        </p:nvSpPr>
+        <p:spPr>
+          <a:xfrm>
+            <a:off x="11085480" y="1800"/>
+            <a:ext cx="14760" cy="7553880"/>
+          </a:xfrm>
+          <a:prstGeom prst="rect">
+            <a:avLst/>
+          </a:prstGeom>
+          <a:solidFill>
+            <a:srgbClr val="121216"/>
+          </a:solidFill>
+          <a:ln>
+            <a:noFill/>
+          </a:ln>
+          <a:effectLst>
+            <a:outerShdw blurRad="39960" dir="5400000" dist="23040" rotWithShape="0">
+              <a:srgbClr val="000000">
+                <a:alpha val="35000"/>
+              </a:srgbClr>
+            </a:outerShdw>
+          </a:effectLst>
+        </p:spPr>
+        <p:style>
+          <a:lnRef idx="1">
+            <a:schemeClr val="accent1"/>
+          </a:lnRef>
+          <a:fillRef idx="3">
+            <a:schemeClr val="accent1"/>
+          </a:fillRef>
+          <a:effectRef idx="2">
+            <a:schemeClr val="accent1"/>
+          </a:effectRef>
+          <a:fontRef idx="minor"/>
+        </p:style>
+        <p:txBody>
+          <a:bodyPr lIns="90000" rIns="90000" tIns="45000" bIns="45000" anchor="ctr">
+            <a:noAutofit/>
+          </a:bodyPr>
+          <a:p>
+            <a:endParaRPr b="0" lang="en-US" sz="1800" spc="-1" strike="noStrike">
+              <a:solidFill>
+                <a:schemeClr val="lt1"/>
+              </a:solidFill>
+              <a:latin typeface="Calibri"/>
+              <a:ea typeface="DejaVu Sans"/>
+            </a:endParaRPr>
+          </a:p>
+        </p:txBody>
+      </p:sp>
+      <p:sp>
+        <p:nvSpPr>
+          <p:cNvPr id="470" name="Rectangle 270"/>
+          <p:cNvSpPr/>
+          <p:nvPr/>
+        </p:nvSpPr>
+        <p:spPr>
+          <a:xfrm>
+            <a:off x="12093480" y="1800"/>
+            <a:ext cx="14760" cy="7553880"/>
+          </a:xfrm>
+          <a:prstGeom prst="rect">
+            <a:avLst/>
+          </a:prstGeom>
+          <a:solidFill>
+            <a:srgbClr val="121216"/>
+          </a:solidFill>
+          <a:ln>
+            <a:noFill/>
+          </a:ln>
+          <a:effectLst>
+            <a:outerShdw blurRad="39960" dir="5400000" dist="23040" rotWithShape="0">
+              <a:srgbClr val="000000">
+                <a:alpha val="35000"/>
+              </a:srgbClr>
+            </a:outerShdw>
+          </a:effectLst>
+        </p:spPr>
+        <p:style>
+          <a:lnRef idx="1">
+            <a:schemeClr val="accent1"/>
+          </a:lnRef>
+          <a:fillRef idx="3">
+            <a:schemeClr val="accent1"/>
+          </a:fillRef>
+          <a:effectRef idx="2">
+            <a:schemeClr val="accent1"/>
+          </a:effectRef>
+          <a:fontRef idx="minor"/>
+        </p:style>
+        <p:txBody>
+          <a:bodyPr lIns="90000" rIns="90000" tIns="45000" bIns="45000" anchor="ctr">
+            <a:noAutofit/>
+          </a:bodyPr>
+          <a:p>
+            <a:endParaRPr b="0" lang="en-US" sz="1800" spc="-1" strike="noStrike">
+              <a:solidFill>
+                <a:schemeClr val="lt1"/>
+              </a:solidFill>
+              <a:latin typeface="Calibri"/>
+              <a:ea typeface="DejaVu Sans"/>
+            </a:endParaRPr>
+          </a:p>
+        </p:txBody>
+      </p:sp>
+      <p:sp>
+        <p:nvSpPr>
+          <p:cNvPr id="471" name="Rectangle 271"/>
+          <p:cNvSpPr/>
+          <p:nvPr/>
+        </p:nvSpPr>
+        <p:spPr>
+          <a:xfrm>
+            <a:off x="13101480" y="1800"/>
+            <a:ext cx="14760" cy="7553880"/>
+          </a:xfrm>
+          <a:prstGeom prst="rect">
+            <a:avLst/>
+          </a:prstGeom>
+          <a:solidFill>
+            <a:srgbClr val="121216"/>
+          </a:solidFill>
+          <a:ln>
+            <a:noFill/>
+          </a:ln>
+          <a:effectLst>
+            <a:outerShdw blurRad="39960" dir="5400000" dist="23040" rotWithShape="0">
+              <a:srgbClr val="000000">
+                <a:alpha val="35000"/>
+              </a:srgbClr>
+            </a:outerShdw>
+          </a:effectLst>
+        </p:spPr>
+        <p:style>
+          <a:lnRef idx="1">
+            <a:schemeClr val="accent1"/>
+          </a:lnRef>
+          <a:fillRef idx="3">
+            <a:schemeClr val="accent1"/>
+          </a:fillRef>
+          <a:effectRef idx="2">
+            <a:schemeClr val="accent1"/>
+          </a:effectRef>
+          <a:fontRef idx="minor"/>
+        </p:style>
+        <p:txBody>
+          <a:bodyPr lIns="90000" rIns="90000" tIns="45000" bIns="45000" anchor="ctr">
+            <a:noAutofit/>
+          </a:bodyPr>
+          <a:p>
+            <a:endParaRPr b="0" lang="en-US" sz="1800" spc="-1" strike="noStrike">
+              <a:solidFill>
+                <a:schemeClr val="lt1"/>
+              </a:solidFill>
+              <a:latin typeface="Calibri"/>
+              <a:ea typeface="DejaVu Sans"/>
+            </a:endParaRPr>
+          </a:p>
+        </p:txBody>
+      </p:sp>
+      <p:sp>
+        <p:nvSpPr>
+          <p:cNvPr id="472" name="Rectangle 272"/>
+          <p:cNvSpPr/>
+          <p:nvPr/>
+        </p:nvSpPr>
+        <p:spPr>
+          <a:xfrm>
+            <a:off x="1440" y="1800"/>
+            <a:ext cx="346680" cy="7553880"/>
+          </a:xfrm>
+          <a:prstGeom prst="rect">
+            <a:avLst/>
+          </a:prstGeom>
+          <a:solidFill>
+            <a:srgbClr val="ff8c00"/>
+          </a:solidFill>
+          <a:ln>
+            <a:noFill/>
+          </a:ln>
+          <a:effectLst>
+            <a:outerShdw blurRad="39960" dir="5400000" dist="23040" rotWithShape="0">
+              <a:srgbClr val="000000">
+                <a:alpha val="35000"/>
+              </a:srgbClr>
+            </a:outerShdw>
+          </a:effectLst>
+        </p:spPr>
+        <p:style>
+          <a:lnRef idx="1">
+            <a:schemeClr val="accent1"/>
+          </a:lnRef>
+          <a:fillRef idx="3">
+            <a:schemeClr val="accent1"/>
+          </a:fillRef>
+          <a:effectRef idx="2">
+            <a:schemeClr val="accent1"/>
+          </a:effectRef>
+          <a:fontRef idx="minor"/>
+        </p:style>
+        <p:txBody>
+          <a:bodyPr lIns="90000" rIns="90000" tIns="45000" bIns="45000" anchor="ctr">
+            <a:noAutofit/>
+          </a:bodyPr>
+          <a:p>
+            <a:endParaRPr b="0" lang="en-US" sz="1800" spc="-1" strike="noStrike">
+              <a:solidFill>
+                <a:schemeClr val="lt1"/>
+              </a:solidFill>
+              <a:latin typeface="Calibri"/>
+              <a:ea typeface="DejaVu Sans"/>
+            </a:endParaRPr>
+          </a:p>
+        </p:txBody>
+      </p:sp>
+      <p:sp>
+        <p:nvSpPr>
+          <p:cNvPr id="473" name="Rounded Rectangle 119"/>
+          <p:cNvSpPr/>
+          <p:nvPr/>
+        </p:nvSpPr>
+        <p:spPr>
+          <a:xfrm>
+            <a:off x="10884960" y="401400"/>
+            <a:ext cx="2211120" cy="547200"/>
+          </a:xfrm>
+          <a:prstGeom prst="roundRect">
+            <a:avLst>
+              <a:gd name="adj" fmla="val 16667"/>
+            </a:avLst>
+          </a:prstGeom>
+          <a:solidFill>
+            <a:srgbClr val="1e1e24"/>
+          </a:solidFill>
+          <a:ln>
+            <a:solidFill>
+              <a:srgbClr val="ff8c00"/>
+            </a:solidFill>
+            <a:round/>
+          </a:ln>
+          <a:effectLst>
+            <a:outerShdw blurRad="39960" dir="5400000" dist="23040" rotWithShape="0">
+              <a:srgbClr val="000000">
+                <a:alpha val="35000"/>
+              </a:srgbClr>
+            </a:outerShdw>
+          </a:effectLst>
+        </p:spPr>
+        <p:style>
+          <a:lnRef idx="1">
+            <a:schemeClr val="accent1"/>
+          </a:lnRef>
+          <a:fillRef idx="3">
+            <a:schemeClr val="accent1"/>
+          </a:fillRef>
+          <a:effectRef idx="2">
+            <a:schemeClr val="accent1"/>
+          </a:effectRef>
+          <a:fontRef idx="minor"/>
+        </p:style>
+        <p:txBody>
+          <a:bodyPr lIns="90000" rIns="90000" tIns="45000" bIns="45000" anchor="ctr">
+            <a:noAutofit/>
+          </a:bodyPr>
+          <a:p>
+            <a:pPr algn="ctr">
+              <a:lnSpc>
+                <a:spcPct val="100000"/>
+              </a:lnSpc>
+            </a:pPr>
+            <a:r>
+              <a:rPr b="1" lang="en-US" sz="1400" spc="-1" strike="noStrike">
+                <a:solidFill>
+                  <a:srgbClr val="ffb45a"/>
+                </a:solidFill>
+                <a:latin typeface="Calibri"/>
+                <a:ea typeface="DejaVu Sans"/>
+              </a:rPr>
+              <a:t>JAVA CORE</a:t>
+            </a:r>
+            <a:endParaRPr b="0" lang="en-US" sz="1400" spc="-1" strike="noStrike">
+              <a:solidFill>
+                <a:srgbClr val="ffffff"/>
+              </a:solidFill>
+              <a:latin typeface="Arial"/>
+            </a:endParaRPr>
+          </a:p>
+        </p:txBody>
+      </p:sp>
+      <p:sp>
+        <p:nvSpPr>
+          <p:cNvPr id="474" name="TextBox 52"/>
+          <p:cNvSpPr/>
+          <p:nvPr/>
+        </p:nvSpPr>
+        <p:spPr>
+          <a:xfrm>
+            <a:off x="2129400" y="1107360"/>
+            <a:ext cx="7857720" cy="729720"/>
+          </a:xfrm>
+          <a:prstGeom prst="rect">
+            <a:avLst/>
+          </a:prstGeom>
+          <a:noFill/>
+          <a:ln w="0">
+            <a:noFill/>
+          </a:ln>
+        </p:spPr>
+        <p:style>
+          <a:lnRef idx="0"/>
+          <a:fillRef idx="0"/>
+          <a:effectRef idx="0"/>
+          <a:fontRef idx="minor"/>
+        </p:style>
+        <p:txBody>
+          <a:bodyPr wrap="none" lIns="90000" rIns="90000" tIns="45000" bIns="45000" anchor="t">
+            <a:spAutoFit/>
+          </a:bodyPr>
+          <a:p>
+            <a:pPr>
+              <a:lnSpc>
+                <a:spcPct val="100000"/>
+              </a:lnSpc>
+            </a:pPr>
+            <a:r>
+              <a:rPr b="1" lang="en-US" sz="4200" spc="-1" strike="noStrike">
+                <a:solidFill>
+                  <a:srgbClr val="f5f5f5"/>
+                </a:solidFill>
+                <a:latin typeface="Calibri"/>
+                <a:ea typeface="DejaVu Sans"/>
+              </a:rPr>
+              <a:t>Java in Practice: From Idea to Code</a:t>
+            </a:r>
+            <a:endParaRPr b="0" lang="en-US" sz="4200" spc="-1" strike="noStrike">
+              <a:solidFill>
+                <a:srgbClr val="000000"/>
+              </a:solidFill>
+              <a:latin typeface="Arial"/>
+            </a:endParaRPr>
+          </a:p>
+        </p:txBody>
+      </p:sp>
+      <p:sp>
+        <p:nvSpPr>
+          <p:cNvPr id="475" name="TextBox 53"/>
+          <p:cNvSpPr/>
+          <p:nvPr/>
+        </p:nvSpPr>
+        <p:spPr>
+          <a:xfrm>
+            <a:off x="2773080" y="2266200"/>
+            <a:ext cx="7194600" cy="363960"/>
+          </a:xfrm>
+          <a:prstGeom prst="rect">
+            <a:avLst/>
+          </a:prstGeom>
+          <a:noFill/>
+          <a:ln w="0">
+            <a:noFill/>
+          </a:ln>
+        </p:spPr>
+        <p:style>
+          <a:lnRef idx="0"/>
+          <a:fillRef idx="0"/>
+          <a:effectRef idx="0"/>
+          <a:fontRef idx="minor"/>
+        </p:style>
+        <p:txBody>
+          <a:bodyPr wrap="none" lIns="90000" rIns="90000" tIns="45000" bIns="45000" anchor="t">
+            <a:spAutoFit/>
+          </a:bodyPr>
+          <a:p>
+            <a:pPr>
+              <a:lnSpc>
+                <a:spcPct val="100000"/>
+              </a:lnSpc>
+            </a:pPr>
+            <a:r>
+              <a:rPr b="0" lang="en-US" sz="1800" spc="-1" strike="noStrike">
+                <a:solidFill>
+                  <a:srgbClr val="aaaaaa"/>
+                </a:solidFill>
+                <a:latin typeface="Calibri"/>
+                <a:ea typeface="DejaVu Sans"/>
+              </a:rPr>
+              <a:t>Java focuses on turning ideas into clean, structured, and maintainable code.</a:t>
+            </a:r>
+            <a:endParaRPr b="0" lang="en-US" sz="1800" spc="-1" strike="noStrike">
+              <a:solidFill>
+                <a:srgbClr val="000000"/>
+              </a:solidFill>
+              <a:latin typeface="Arial"/>
+            </a:endParaRPr>
+          </a:p>
+        </p:txBody>
+      </p:sp>
+      <p:sp>
+        <p:nvSpPr>
+          <p:cNvPr id="476" name="Rounded Rectangle 120"/>
+          <p:cNvSpPr/>
+          <p:nvPr/>
+        </p:nvSpPr>
+        <p:spPr>
+          <a:xfrm>
+            <a:off x="1086840" y="3506040"/>
+            <a:ext cx="3622680" cy="3017880"/>
+          </a:xfrm>
+          <a:prstGeom prst="roundRect">
+            <a:avLst>
+              <a:gd name="adj" fmla="val 16667"/>
+            </a:avLst>
+          </a:prstGeom>
+          <a:solidFill>
+            <a:srgbClr val="08080a"/>
+          </a:solidFill>
+          <a:ln>
+            <a:noFill/>
+          </a:ln>
+          <a:effectLst>
+            <a:outerShdw blurRad="39960" dir="5400000" dist="23040" rotWithShape="0">
+              <a:srgbClr val="000000">
+                <a:alpha val="35000"/>
+              </a:srgbClr>
+            </a:outerShdw>
+          </a:effectLst>
+        </p:spPr>
+        <p:style>
+          <a:lnRef idx="1">
+            <a:schemeClr val="accent1"/>
+          </a:lnRef>
+          <a:fillRef idx="3">
+            <a:schemeClr val="accent1"/>
+          </a:fillRef>
+          <a:effectRef idx="2">
+            <a:schemeClr val="accent1"/>
+          </a:effectRef>
+          <a:fontRef idx="minor"/>
+        </p:style>
+        <p:txBody>
+          <a:bodyPr lIns="90000" rIns="90000" tIns="45000" bIns="45000" anchor="ctr">
+            <a:noAutofit/>
+          </a:bodyPr>
+          <a:p>
+            <a:endParaRPr b="0" lang="en-US" sz="1800" spc="-1" strike="noStrike">
+              <a:solidFill>
+                <a:schemeClr val="lt1"/>
+              </a:solidFill>
+              <a:latin typeface="Calibri"/>
+              <a:ea typeface="DejaVu Sans"/>
+            </a:endParaRPr>
+          </a:p>
+        </p:txBody>
+      </p:sp>
+      <p:sp>
+        <p:nvSpPr>
+          <p:cNvPr id="477" name="Rounded Rectangle 121"/>
+          <p:cNvSpPr/>
+          <p:nvPr/>
+        </p:nvSpPr>
+        <p:spPr>
+          <a:xfrm>
+            <a:off x="1020960" y="3424320"/>
+            <a:ext cx="3623040" cy="3018240"/>
+          </a:xfrm>
+          <a:prstGeom prst="roundRect">
+            <a:avLst>
+              <a:gd name="adj" fmla="val 16667"/>
+            </a:avLst>
+          </a:prstGeom>
+          <a:solidFill>
+            <a:srgbClr val="16161c"/>
+          </a:solidFill>
+          <a:ln>
+            <a:solidFill>
+              <a:srgbClr val="464655"/>
+            </a:solidFill>
+            <a:round/>
+          </a:ln>
+          <a:effectLst>
+            <a:outerShdw blurRad="39960" dir="5400000" dist="23040" rotWithShape="0">
+              <a:srgbClr val="000000">
+                <a:alpha val="35000"/>
+              </a:srgbClr>
+            </a:outerShdw>
+          </a:effectLst>
+        </p:spPr>
+        <p:style>
+          <a:lnRef idx="1">
+            <a:schemeClr val="accent1"/>
+          </a:lnRef>
+          <a:fillRef idx="3">
+            <a:schemeClr val="accent1"/>
+          </a:fillRef>
+          <a:effectRef idx="2">
+            <a:schemeClr val="accent1"/>
+          </a:effectRef>
+          <a:fontRef idx="minor"/>
+        </p:style>
+        <p:txBody>
+          <a:bodyPr lIns="90000" rIns="90000" tIns="45000" bIns="45000" anchor="ctr">
+            <a:noAutofit/>
+          </a:bodyPr>
+          <a:p>
+            <a:pPr marL="216000" indent="-216000">
+              <a:lnSpc>
+                <a:spcPct val="100000"/>
+              </a:lnSpc>
+              <a:buClr>
+                <a:srgbClr val="ffffff"/>
+              </a:buClr>
+              <a:buFont typeface="Wingdings" charset="2"/>
+              <a:buChar char=""/>
+            </a:pPr>
+            <a:r>
+              <a:rPr b="1" lang="en-US" sz="1800" spc="-1" strike="noStrike">
+                <a:solidFill>
+                  <a:schemeClr val="lt1"/>
+                </a:solidFill>
+                <a:latin typeface="Calibri"/>
+                <a:ea typeface="DejaVu Sans"/>
+              </a:rPr>
+              <a:t>Java is designed for clarity and structure</a:t>
+            </a:r>
+            <a:endParaRPr b="0" lang="en-US" sz="1800" spc="-1" strike="noStrike">
+              <a:solidFill>
+                <a:srgbClr val="ffffff"/>
+              </a:solidFill>
+              <a:latin typeface="Arial"/>
+            </a:endParaRPr>
+          </a:p>
+          <a:p>
+            <a:pPr marL="216000" indent="-216000">
+              <a:lnSpc>
+                <a:spcPct val="100000"/>
+              </a:lnSpc>
+              <a:buClr>
+                <a:srgbClr val="ffffff"/>
+              </a:buClr>
+              <a:buFont typeface="Wingdings" charset="2"/>
+              <a:buChar char=""/>
+            </a:pPr>
+            <a:r>
+              <a:rPr b="1" lang="en-US" sz="1800" spc="-1" strike="noStrike">
+                <a:solidFill>
+                  <a:schemeClr val="lt1"/>
+                </a:solidFill>
+                <a:latin typeface="Calibri"/>
+                <a:ea typeface="DejaVu Sans"/>
+              </a:rPr>
+              <a:t>Strong typing prevents many runtime errors</a:t>
+            </a:r>
+            <a:endParaRPr b="0" lang="en-US" sz="1800" spc="-1" strike="noStrike">
+              <a:solidFill>
+                <a:srgbClr val="ffffff"/>
+              </a:solidFill>
+              <a:latin typeface="Arial"/>
+            </a:endParaRPr>
+          </a:p>
+          <a:p>
+            <a:pPr marL="216000" indent="-216000">
+              <a:lnSpc>
+                <a:spcPct val="100000"/>
+              </a:lnSpc>
+              <a:buClr>
+                <a:srgbClr val="ffffff"/>
+              </a:buClr>
+              <a:buFont typeface="Wingdings" charset="2"/>
+              <a:buChar char=""/>
+            </a:pPr>
+            <a:r>
+              <a:rPr b="1" lang="en-US" sz="1800" spc="-1" strike="noStrike">
+                <a:solidFill>
+                  <a:schemeClr val="lt1"/>
+                </a:solidFill>
+                <a:latin typeface="Calibri"/>
+                <a:ea typeface="DejaVu Sans"/>
+              </a:rPr>
+              <a:t>Code readability improves long-term maintenance</a:t>
+            </a:r>
+            <a:endParaRPr b="0" lang="en-US" sz="1800" spc="-1" strike="noStrike">
+              <a:solidFill>
+                <a:srgbClr val="ffffff"/>
+              </a:solidFill>
+              <a:latin typeface="Arial"/>
+            </a:endParaRPr>
+          </a:p>
+          <a:p>
+            <a:pPr marL="216000" indent="-216000">
+              <a:lnSpc>
+                <a:spcPct val="100000"/>
+              </a:lnSpc>
+              <a:buClr>
+                <a:srgbClr val="ffffff"/>
+              </a:buClr>
+              <a:buFont typeface="Wingdings" charset="2"/>
+              <a:buChar char=""/>
+            </a:pPr>
+            <a:r>
+              <a:rPr b="1" lang="en-US" sz="1800" spc="-1" strike="noStrike">
+                <a:solidFill>
+                  <a:schemeClr val="lt1"/>
+                </a:solidFill>
+                <a:latin typeface="Calibri"/>
+                <a:ea typeface="DejaVu Sans"/>
+              </a:rPr>
+              <a:t>Suitable for large and long-lived systems</a:t>
+            </a:r>
+            <a:endParaRPr b="0" lang="en-US" sz="1800" spc="-1" strike="noStrike">
+              <a:solidFill>
+                <a:srgbClr val="ffffff"/>
+              </a:solidFill>
+              <a:latin typeface="Arial"/>
+            </a:endParaRPr>
+          </a:p>
+        </p:txBody>
+      </p:sp>
+      <p:sp>
+        <p:nvSpPr>
+          <p:cNvPr id="478" name="Rounded Rectangle 122"/>
+          <p:cNvSpPr/>
+          <p:nvPr/>
+        </p:nvSpPr>
+        <p:spPr>
+          <a:xfrm>
+            <a:off x="4968360" y="3506040"/>
+            <a:ext cx="3622680" cy="3017880"/>
+          </a:xfrm>
+          <a:prstGeom prst="roundRect">
+            <a:avLst>
+              <a:gd name="adj" fmla="val 16667"/>
+            </a:avLst>
+          </a:prstGeom>
+          <a:solidFill>
+            <a:srgbClr val="08080a"/>
+          </a:solidFill>
+          <a:ln>
+            <a:noFill/>
+          </a:ln>
+          <a:effectLst>
+            <a:outerShdw blurRad="39960" dir="5400000" dist="23040" rotWithShape="0">
+              <a:srgbClr val="000000">
+                <a:alpha val="35000"/>
+              </a:srgbClr>
+            </a:outerShdw>
+          </a:effectLst>
+        </p:spPr>
+        <p:style>
+          <a:lnRef idx="1">
+            <a:schemeClr val="accent1"/>
+          </a:lnRef>
+          <a:fillRef idx="3">
+            <a:schemeClr val="accent1"/>
+          </a:fillRef>
+          <a:effectRef idx="2">
+            <a:schemeClr val="accent1"/>
+          </a:effectRef>
+          <a:fontRef idx="minor"/>
+        </p:style>
+        <p:txBody>
+          <a:bodyPr lIns="90000" rIns="90000" tIns="45000" bIns="45000" anchor="ctr">
+            <a:noAutofit/>
+          </a:bodyPr>
+          <a:p>
+            <a:endParaRPr b="0" lang="en-US" sz="1800" spc="-1" strike="noStrike">
+              <a:solidFill>
+                <a:schemeClr val="lt1"/>
+              </a:solidFill>
+              <a:latin typeface="Calibri"/>
+              <a:ea typeface="DejaVu Sans"/>
+            </a:endParaRPr>
+          </a:p>
+        </p:txBody>
+      </p:sp>
+      <p:sp>
+        <p:nvSpPr>
+          <p:cNvPr id="479" name="Rounded Rectangle 123"/>
+          <p:cNvSpPr/>
+          <p:nvPr/>
+        </p:nvSpPr>
+        <p:spPr>
+          <a:xfrm>
+            <a:off x="8849160" y="3506040"/>
+            <a:ext cx="3622680" cy="3017880"/>
+          </a:xfrm>
+          <a:prstGeom prst="roundRect">
+            <a:avLst>
+              <a:gd name="adj" fmla="val 16667"/>
+            </a:avLst>
+          </a:prstGeom>
+          <a:solidFill>
+            <a:srgbClr val="08080a"/>
+          </a:solidFill>
+          <a:ln>
+            <a:noFill/>
+          </a:ln>
+          <a:effectLst>
+            <a:outerShdw blurRad="39960" dir="5400000" dist="23040" rotWithShape="0">
+              <a:srgbClr val="000000">
+                <a:alpha val="35000"/>
+              </a:srgbClr>
+            </a:outerShdw>
+          </a:effectLst>
+        </p:spPr>
+        <p:style>
+          <a:lnRef idx="1">
+            <a:schemeClr val="accent1"/>
+          </a:lnRef>
+          <a:fillRef idx="3">
+            <a:schemeClr val="accent1"/>
+          </a:fillRef>
+          <a:effectRef idx="2">
+            <a:schemeClr val="accent1"/>
+          </a:effectRef>
+          <a:fontRef idx="minor"/>
+        </p:style>
+        <p:txBody>
+          <a:bodyPr lIns="90000" rIns="90000" tIns="45000" bIns="45000" anchor="ctr">
+            <a:noAutofit/>
+          </a:bodyPr>
+          <a:p>
+            <a:endParaRPr b="0" lang="en-US" sz="1800" spc="-1" strike="noStrike">
+              <a:solidFill>
+                <a:schemeClr val="lt1"/>
+              </a:solidFill>
+              <a:latin typeface="Calibri"/>
+              <a:ea typeface="DejaVu Sans"/>
+            </a:endParaRPr>
+          </a:p>
+        </p:txBody>
+      </p:sp>
+      <p:sp>
+        <p:nvSpPr>
+          <p:cNvPr id="480" name="Rounded Rectangle 124"/>
+          <p:cNvSpPr/>
+          <p:nvPr/>
+        </p:nvSpPr>
+        <p:spPr>
+          <a:xfrm>
+            <a:off x="8767440" y="3425040"/>
+            <a:ext cx="3623040" cy="3018240"/>
+          </a:xfrm>
+          <a:prstGeom prst="roundRect">
+            <a:avLst>
+              <a:gd name="adj" fmla="val 16667"/>
+            </a:avLst>
+          </a:prstGeom>
+          <a:solidFill>
+            <a:srgbClr val="16161c"/>
+          </a:solidFill>
+          <a:ln>
+            <a:solidFill>
+              <a:srgbClr val="464655"/>
+            </a:solidFill>
+            <a:round/>
+          </a:ln>
+          <a:effectLst>
+            <a:outerShdw blurRad="39960" dir="5400000" dist="23040" rotWithShape="0">
+              <a:srgbClr val="000000">
+                <a:alpha val="35000"/>
+              </a:srgbClr>
+            </a:outerShdw>
+          </a:effectLst>
+        </p:spPr>
+        <p:style>
+          <a:lnRef idx="1">
+            <a:schemeClr val="accent1"/>
+          </a:lnRef>
+          <a:fillRef idx="3">
+            <a:schemeClr val="accent1"/>
+          </a:fillRef>
+          <a:effectRef idx="2">
+            <a:schemeClr val="accent1"/>
+          </a:effectRef>
+          <a:fontRef idx="minor"/>
+        </p:style>
+        <p:txBody>
+          <a:bodyPr lIns="90000" rIns="90000" tIns="45000" bIns="45000" anchor="ctr">
+            <a:noAutofit/>
+          </a:bodyPr>
+          <a:p>
+            <a:pPr algn="ctr">
+              <a:lnSpc>
+                <a:spcPct val="100000"/>
+              </a:lnSpc>
+            </a:pPr>
+            <a:endParaRPr b="0" lang="en-US" sz="1300" spc="-1" strike="noStrike">
+              <a:solidFill>
+                <a:srgbClr val="ffffff"/>
+              </a:solidFill>
+              <a:latin typeface="Arial"/>
+            </a:endParaRPr>
+          </a:p>
+          <a:p>
+            <a:pPr algn="ctr">
+              <a:lnSpc>
+                <a:spcPct val="100000"/>
+              </a:lnSpc>
+            </a:pPr>
+            <a:endParaRPr b="0" lang="en-US" sz="1300" spc="-1" strike="noStrike">
+              <a:solidFill>
+                <a:srgbClr val="ffffff"/>
+              </a:solidFill>
+              <a:latin typeface="Arial"/>
+            </a:endParaRPr>
+          </a:p>
+          <a:p>
+            <a:pPr algn="ctr">
+              <a:lnSpc>
+                <a:spcPct val="100000"/>
+              </a:lnSpc>
+            </a:pPr>
+            <a:endParaRPr b="0" lang="en-US" sz="1300" spc="-1" strike="noStrike">
+              <a:solidFill>
+                <a:srgbClr val="ffffff"/>
+              </a:solidFill>
+              <a:latin typeface="Arial"/>
+            </a:endParaRPr>
+          </a:p>
+          <a:p>
+            <a:pPr algn="ctr">
+              <a:lnSpc>
+                <a:spcPct val="100000"/>
+              </a:lnSpc>
+            </a:pPr>
+            <a:endParaRPr b="0" lang="en-US" sz="1300" spc="-1" strike="noStrike">
+              <a:solidFill>
+                <a:srgbClr val="ffffff"/>
+              </a:solidFill>
+              <a:latin typeface="Arial"/>
+            </a:endParaRPr>
+          </a:p>
+          <a:p>
+            <a:pPr algn="ctr">
+              <a:lnSpc>
+                <a:spcPct val="100000"/>
+              </a:lnSpc>
+            </a:pPr>
+            <a:endParaRPr b="0" lang="en-US" sz="1300" spc="-1" strike="noStrike">
+              <a:solidFill>
+                <a:srgbClr val="ffffff"/>
+              </a:solidFill>
+              <a:latin typeface="Arial"/>
+            </a:endParaRPr>
+          </a:p>
+          <a:p>
+            <a:pPr algn="ctr">
+              <a:lnSpc>
+                <a:spcPct val="100000"/>
+              </a:lnSpc>
+            </a:pPr>
+            <a:endParaRPr b="0" lang="en-US" sz="1300" spc="-1" strike="noStrike">
+              <a:solidFill>
+                <a:srgbClr val="ffffff"/>
+              </a:solidFill>
+              <a:latin typeface="Arial"/>
+            </a:endParaRPr>
+          </a:p>
+          <a:p>
+            <a:pPr algn="ctr">
+              <a:lnSpc>
+                <a:spcPct val="100000"/>
+              </a:lnSpc>
+            </a:pPr>
+            <a:endParaRPr b="0" lang="en-US" sz="1300" spc="-1" strike="noStrike">
+              <a:solidFill>
+                <a:srgbClr val="ffffff"/>
+              </a:solidFill>
+              <a:latin typeface="Arial"/>
+            </a:endParaRPr>
+          </a:p>
+          <a:p>
+            <a:pPr algn="ctr">
+              <a:lnSpc>
+                <a:spcPct val="100000"/>
+              </a:lnSpc>
+            </a:pPr>
+            <a:endParaRPr b="0" lang="en-US" sz="1300" spc="-1" strike="noStrike">
+              <a:solidFill>
+                <a:srgbClr val="ffffff"/>
+              </a:solidFill>
+              <a:latin typeface="Arial"/>
+            </a:endParaRPr>
+          </a:p>
+          <a:p>
+            <a:pPr algn="ctr">
+              <a:lnSpc>
+                <a:spcPct val="100000"/>
+              </a:lnSpc>
+            </a:pPr>
+            <a:endParaRPr b="0" lang="en-US" sz="1300" spc="-1" strike="noStrike">
+              <a:solidFill>
+                <a:srgbClr val="ffffff"/>
+              </a:solidFill>
+              <a:latin typeface="Arial"/>
+            </a:endParaRPr>
+          </a:p>
+          <a:p>
+            <a:pPr algn="ctr">
+              <a:lnSpc>
+                <a:spcPct val="100000"/>
+              </a:lnSpc>
+            </a:pPr>
+            <a:endParaRPr b="0" lang="en-US" sz="1300" spc="-1" strike="noStrike">
+              <a:solidFill>
+                <a:srgbClr val="ffffff"/>
+              </a:solidFill>
+              <a:latin typeface="Arial"/>
+            </a:endParaRPr>
+          </a:p>
+          <a:p>
+            <a:pPr algn="ctr">
+              <a:lnSpc>
+                <a:spcPct val="100000"/>
+              </a:lnSpc>
+            </a:pPr>
+            <a:r>
+              <a:rPr b="0" lang="en-US" sz="1300" spc="-1" strike="noStrike">
+                <a:solidFill>
+                  <a:srgbClr val="78ffc8"/>
+                </a:solidFill>
+                <a:latin typeface="Consolas"/>
+                <a:ea typeface="DejaVu Sans"/>
+              </a:rPr>
+              <a:t>public class Calculator {</a:t>
+            </a:r>
+            <a:endParaRPr b="0" lang="en-US" sz="1300" spc="-1" strike="noStrike">
+              <a:solidFill>
+                <a:srgbClr val="ffffff"/>
+              </a:solidFill>
+              <a:latin typeface="Arial"/>
+            </a:endParaRPr>
+          </a:p>
+          <a:p>
+            <a:pPr algn="ctr">
+              <a:lnSpc>
+                <a:spcPct val="100000"/>
+              </a:lnSpc>
+            </a:pPr>
+            <a:endParaRPr b="0" lang="en-US" sz="1300" spc="-1" strike="noStrike">
+              <a:solidFill>
+                <a:srgbClr val="ffffff"/>
+              </a:solidFill>
+              <a:latin typeface="Arial"/>
+            </a:endParaRPr>
+          </a:p>
+          <a:p>
+            <a:pPr algn="ctr">
+              <a:lnSpc>
+                <a:spcPct val="100000"/>
+              </a:lnSpc>
+            </a:pPr>
+            <a:r>
+              <a:rPr b="0" lang="en-US" sz="1300" spc="-1" strike="noStrike">
+                <a:solidFill>
+                  <a:srgbClr val="78ffc8"/>
+                </a:solidFill>
+                <a:latin typeface="Consolas"/>
+                <a:ea typeface="DejaVu Sans"/>
+              </a:rPr>
+              <a:t>    </a:t>
+            </a:r>
+            <a:r>
+              <a:rPr b="0" lang="en-US" sz="1300" spc="-1" strike="noStrike">
+                <a:solidFill>
+                  <a:srgbClr val="78ffc8"/>
+                </a:solidFill>
+                <a:latin typeface="Consolas"/>
+                <a:ea typeface="DejaVu Sans"/>
+              </a:rPr>
+              <a:t>public static int add(int a, int b) {</a:t>
+            </a:r>
+            <a:endParaRPr b="0" lang="en-US" sz="1300" spc="-1" strike="noStrike">
+              <a:solidFill>
+                <a:srgbClr val="ffffff"/>
+              </a:solidFill>
+              <a:latin typeface="Arial"/>
+            </a:endParaRPr>
+          </a:p>
+          <a:p>
+            <a:pPr algn="ctr">
+              <a:lnSpc>
+                <a:spcPct val="100000"/>
+              </a:lnSpc>
+            </a:pPr>
+            <a:r>
+              <a:rPr b="0" lang="en-US" sz="1300" spc="-1" strike="noStrike">
+                <a:solidFill>
+                  <a:srgbClr val="78ffc8"/>
+                </a:solidFill>
+                <a:latin typeface="Consolas"/>
+                <a:ea typeface="DejaVu Sans"/>
+              </a:rPr>
+              <a:t>        </a:t>
+            </a:r>
+            <a:r>
+              <a:rPr b="0" lang="en-US" sz="1300" spc="-1" strike="noStrike">
+                <a:solidFill>
+                  <a:srgbClr val="78ffc8"/>
+                </a:solidFill>
+                <a:latin typeface="Consolas"/>
+                <a:ea typeface="DejaVu Sans"/>
+              </a:rPr>
+              <a:t>return a + b;</a:t>
+            </a:r>
+            <a:endParaRPr b="0" lang="en-US" sz="1300" spc="-1" strike="noStrike">
+              <a:solidFill>
+                <a:srgbClr val="ffffff"/>
+              </a:solidFill>
+              <a:latin typeface="Arial"/>
+            </a:endParaRPr>
+          </a:p>
+          <a:p>
+            <a:pPr algn="ctr">
+              <a:lnSpc>
+                <a:spcPct val="100000"/>
+              </a:lnSpc>
+            </a:pPr>
+            <a:r>
+              <a:rPr b="0" lang="en-US" sz="1300" spc="-1" strike="noStrike">
+                <a:solidFill>
+                  <a:srgbClr val="78ffc8"/>
+                </a:solidFill>
+                <a:latin typeface="Consolas"/>
+                <a:ea typeface="DejaVu Sans"/>
+              </a:rPr>
+              <a:t>    </a:t>
+            </a:r>
+            <a:r>
+              <a:rPr b="0" lang="en-US" sz="1300" spc="-1" strike="noStrike">
+                <a:solidFill>
+                  <a:srgbClr val="78ffc8"/>
+                </a:solidFill>
+                <a:latin typeface="Consolas"/>
+                <a:ea typeface="DejaVu Sans"/>
+              </a:rPr>
+              <a:t>}</a:t>
+            </a:r>
+            <a:endParaRPr b="0" lang="en-US" sz="1300" spc="-1" strike="noStrike">
+              <a:solidFill>
+                <a:srgbClr val="ffffff"/>
+              </a:solidFill>
+              <a:latin typeface="Arial"/>
+            </a:endParaRPr>
+          </a:p>
+          <a:p>
+            <a:pPr algn="ctr">
+              <a:lnSpc>
+                <a:spcPct val="100000"/>
+              </a:lnSpc>
+            </a:pPr>
+            <a:endParaRPr b="0" lang="en-US" sz="1300" spc="-1" strike="noStrike">
+              <a:solidFill>
+                <a:srgbClr val="ffffff"/>
+              </a:solidFill>
+              <a:latin typeface="Arial"/>
+            </a:endParaRPr>
+          </a:p>
+          <a:p>
+            <a:pPr algn="ctr">
+              <a:lnSpc>
+                <a:spcPct val="100000"/>
+              </a:lnSpc>
+            </a:pPr>
+            <a:r>
+              <a:rPr b="0" lang="en-US" sz="1300" spc="-1" strike="noStrike">
+                <a:solidFill>
+                  <a:srgbClr val="78ffc8"/>
+                </a:solidFill>
+                <a:latin typeface="Consolas"/>
+                <a:ea typeface="DejaVu Sans"/>
+              </a:rPr>
+              <a:t>    </a:t>
+            </a:r>
+            <a:r>
+              <a:rPr b="0" lang="en-US" sz="1300" spc="-1" strike="noStrike">
+                <a:solidFill>
+                  <a:srgbClr val="78ffc8"/>
+                </a:solidFill>
+                <a:latin typeface="Consolas"/>
+                <a:ea typeface="DejaVu Sans"/>
+              </a:rPr>
+              <a:t>public static void main(String[] args) {</a:t>
+            </a:r>
+            <a:endParaRPr b="0" lang="en-US" sz="1300" spc="-1" strike="noStrike">
+              <a:solidFill>
+                <a:srgbClr val="ffffff"/>
+              </a:solidFill>
+              <a:latin typeface="Arial"/>
+            </a:endParaRPr>
+          </a:p>
+          <a:p>
+            <a:pPr algn="ctr">
+              <a:lnSpc>
+                <a:spcPct val="100000"/>
+              </a:lnSpc>
+            </a:pPr>
+            <a:r>
+              <a:rPr b="0" lang="en-US" sz="1300" spc="-1" strike="noStrike">
+                <a:solidFill>
+                  <a:srgbClr val="78ffc8"/>
+                </a:solidFill>
+                <a:latin typeface="Consolas"/>
+                <a:ea typeface="DejaVu Sans"/>
+              </a:rPr>
+              <a:t>        </a:t>
+            </a:r>
+            <a:r>
+              <a:rPr b="0" lang="en-US" sz="1300" spc="-1" strike="noStrike">
+                <a:solidFill>
+                  <a:srgbClr val="78ffc8"/>
+                </a:solidFill>
+                <a:latin typeface="Consolas"/>
+                <a:ea typeface="DejaVu Sans"/>
+              </a:rPr>
+              <a:t>int result = add(10, 20);</a:t>
+            </a:r>
+            <a:endParaRPr b="0" lang="en-US" sz="1300" spc="-1" strike="noStrike">
+              <a:solidFill>
+                <a:srgbClr val="ffffff"/>
+              </a:solidFill>
+              <a:latin typeface="Arial"/>
+            </a:endParaRPr>
+          </a:p>
+          <a:p>
+            <a:pPr algn="ctr">
+              <a:lnSpc>
+                <a:spcPct val="100000"/>
+              </a:lnSpc>
+            </a:pPr>
+            <a:r>
+              <a:rPr b="0" lang="en-US" sz="1300" spc="-1" strike="noStrike">
+                <a:solidFill>
+                  <a:srgbClr val="78ffc8"/>
+                </a:solidFill>
+                <a:latin typeface="Consolas"/>
+                <a:ea typeface="DejaVu Sans"/>
+              </a:rPr>
+              <a:t>        </a:t>
+            </a:r>
+            <a:r>
+              <a:rPr b="0" lang="en-US" sz="1300" spc="-1" strike="noStrike">
+                <a:solidFill>
+                  <a:srgbClr val="78ffc8"/>
+                </a:solidFill>
+                <a:latin typeface="Consolas"/>
+                <a:ea typeface="DejaVu Sans"/>
+              </a:rPr>
+              <a:t>System.out.println(result);</a:t>
+            </a:r>
+            <a:endParaRPr b="0" lang="en-US" sz="1300" spc="-1" strike="noStrike">
+              <a:solidFill>
+                <a:srgbClr val="ffffff"/>
+              </a:solidFill>
+              <a:latin typeface="Arial"/>
+            </a:endParaRPr>
+          </a:p>
+          <a:p>
+            <a:pPr algn="ctr">
+              <a:lnSpc>
+                <a:spcPct val="100000"/>
+              </a:lnSpc>
+            </a:pPr>
+            <a:r>
+              <a:rPr b="0" lang="en-US" sz="1300" spc="-1" strike="noStrike">
+                <a:solidFill>
+                  <a:srgbClr val="78ffc8"/>
+                </a:solidFill>
+                <a:latin typeface="Consolas"/>
+                <a:ea typeface="DejaVu Sans"/>
+              </a:rPr>
+              <a:t>    </a:t>
+            </a:r>
+            <a:r>
+              <a:rPr b="0" lang="en-US" sz="1300" spc="-1" strike="noStrike">
+                <a:solidFill>
+                  <a:srgbClr val="78ffc8"/>
+                </a:solidFill>
+                <a:latin typeface="Consolas"/>
+                <a:ea typeface="DejaVu Sans"/>
+              </a:rPr>
+              <a:t>}</a:t>
+            </a:r>
+            <a:endParaRPr b="0" lang="en-US" sz="1300" spc="-1" strike="noStrike">
+              <a:solidFill>
+                <a:srgbClr val="ffffff"/>
+              </a:solidFill>
+              <a:latin typeface="Arial"/>
+            </a:endParaRPr>
+          </a:p>
+          <a:p>
+            <a:pPr algn="ctr">
+              <a:lnSpc>
+                <a:spcPct val="100000"/>
+              </a:lnSpc>
+            </a:pPr>
+            <a:r>
+              <a:rPr b="0" lang="en-US" sz="1300" spc="-1" strike="noStrike">
+                <a:solidFill>
+                  <a:srgbClr val="78ffc8"/>
+                </a:solidFill>
+                <a:latin typeface="Consolas"/>
+                <a:ea typeface="DejaVu Sans"/>
+              </a:rPr>
+              <a:t>}</a:t>
+            </a:r>
+            <a:endParaRPr b="0" lang="en-US" sz="1300" spc="-1" strike="noStrike">
+              <a:solidFill>
+                <a:srgbClr val="ffffff"/>
+              </a:solidFill>
+              <a:latin typeface="Arial"/>
+            </a:endParaRPr>
+          </a:p>
+          <a:p>
+            <a:pPr algn="ctr">
+              <a:lnSpc>
+                <a:spcPct val="100000"/>
+              </a:lnSpc>
+            </a:pPr>
+            <a:endParaRPr b="0" lang="en-US" sz="1300" spc="-1" strike="noStrike">
+              <a:solidFill>
+                <a:srgbClr val="ffffff"/>
+              </a:solidFill>
+              <a:latin typeface="Arial"/>
+            </a:endParaRPr>
+          </a:p>
+          <a:p>
+            <a:pPr algn="ctr">
+              <a:lnSpc>
+                <a:spcPct val="100000"/>
+              </a:lnSpc>
+            </a:pPr>
+            <a:endParaRPr b="0" lang="en-US" sz="1300" spc="-1" strike="noStrike">
+              <a:solidFill>
+                <a:srgbClr val="ffffff"/>
+              </a:solidFill>
+              <a:latin typeface="Arial"/>
+            </a:endParaRPr>
+          </a:p>
+          <a:p>
+            <a:pPr algn="ctr">
+              <a:lnSpc>
+                <a:spcPct val="100000"/>
+              </a:lnSpc>
+            </a:pPr>
+            <a:endParaRPr b="0" lang="en-US" sz="1300" spc="-1" strike="noStrike">
+              <a:solidFill>
+                <a:srgbClr val="ffffff"/>
+              </a:solidFill>
+              <a:latin typeface="Arial"/>
+            </a:endParaRPr>
+          </a:p>
+          <a:p>
+            <a:pPr algn="ctr">
+              <a:lnSpc>
+                <a:spcPct val="100000"/>
+              </a:lnSpc>
+            </a:pPr>
+            <a:endParaRPr b="0" lang="en-US" sz="1300" spc="-1" strike="noStrike">
+              <a:solidFill>
+                <a:srgbClr val="ffffff"/>
+              </a:solidFill>
+              <a:latin typeface="Arial"/>
+            </a:endParaRPr>
+          </a:p>
+          <a:p>
+            <a:pPr algn="ctr">
+              <a:lnSpc>
+                <a:spcPct val="100000"/>
+              </a:lnSpc>
+            </a:pPr>
+            <a:endParaRPr b="0" lang="en-US" sz="1300" spc="-1" strike="noStrike">
+              <a:solidFill>
+                <a:srgbClr val="ffffff"/>
+              </a:solidFill>
+              <a:latin typeface="Arial"/>
+            </a:endParaRPr>
+          </a:p>
+          <a:p>
+            <a:pPr algn="ctr">
+              <a:lnSpc>
+                <a:spcPct val="100000"/>
+              </a:lnSpc>
+            </a:pPr>
+            <a:endParaRPr b="0" lang="en-US" sz="1300" spc="-1" strike="noStrike">
+              <a:solidFill>
+                <a:srgbClr val="ffffff"/>
+              </a:solidFill>
+              <a:latin typeface="Arial"/>
+            </a:endParaRPr>
+          </a:p>
+          <a:p>
+            <a:pPr algn="ctr">
+              <a:lnSpc>
+                <a:spcPct val="100000"/>
+              </a:lnSpc>
+            </a:pPr>
+            <a:endParaRPr b="0" lang="en-US" sz="1300" spc="-1" strike="noStrike">
+              <a:solidFill>
+                <a:srgbClr val="ffffff"/>
+              </a:solidFill>
+              <a:latin typeface="Arial"/>
+            </a:endParaRPr>
+          </a:p>
+          <a:p>
+            <a:pPr algn="ctr">
+              <a:lnSpc>
+                <a:spcPct val="100000"/>
+              </a:lnSpc>
+            </a:pPr>
+            <a:endParaRPr b="0" lang="en-US" sz="1300" spc="-1" strike="noStrike">
+              <a:solidFill>
+                <a:srgbClr val="ffffff"/>
+              </a:solidFill>
+              <a:latin typeface="Arial"/>
+            </a:endParaRPr>
+          </a:p>
+          <a:p>
+            <a:pPr algn="ctr">
+              <a:lnSpc>
+                <a:spcPct val="100000"/>
+              </a:lnSpc>
+            </a:pPr>
+            <a:endParaRPr b="0" lang="en-US" sz="1300" spc="-1" strike="noStrike">
+              <a:solidFill>
+                <a:srgbClr val="ffffff"/>
+              </a:solidFill>
+              <a:latin typeface="Arial"/>
+            </a:endParaRPr>
+          </a:p>
+          <a:p>
+            <a:pPr algn="ctr">
+              <a:lnSpc>
+                <a:spcPct val="100000"/>
+              </a:lnSpc>
+            </a:pPr>
+            <a:endParaRPr b="0" lang="en-US" sz="1300" spc="-1" strike="noStrike">
+              <a:solidFill>
+                <a:srgbClr val="ffffff"/>
+              </a:solidFill>
+              <a:latin typeface="Arial"/>
+            </a:endParaRPr>
+          </a:p>
+        </p:txBody>
+      </p:sp>
+      <p:sp>
+        <p:nvSpPr>
+          <p:cNvPr id="481" name="TextBox 54"/>
+          <p:cNvSpPr/>
+          <p:nvPr/>
+        </p:nvSpPr>
+        <p:spPr>
+          <a:xfrm>
+            <a:off x="5224320" y="7104600"/>
+            <a:ext cx="3051000" cy="363960"/>
+          </a:xfrm>
+          <a:prstGeom prst="rect">
+            <a:avLst/>
+          </a:prstGeom>
+          <a:noFill/>
+          <a:ln w="0">
+            <a:noFill/>
+          </a:ln>
+        </p:spPr>
+        <p:style>
+          <a:lnRef idx="0"/>
+          <a:fillRef idx="0"/>
+          <a:effectRef idx="0"/>
+          <a:fontRef idx="minor"/>
+        </p:style>
+        <p:txBody>
+          <a:bodyPr wrap="none" lIns="90000" rIns="90000" tIns="45000" bIns="45000" anchor="t">
+            <a:spAutoFit/>
+          </a:bodyPr>
+          <a:p>
+            <a:pPr>
+              <a:lnSpc>
+                <a:spcPct val="100000"/>
+              </a:lnSpc>
+            </a:pPr>
+            <a:r>
+              <a:rPr b="0" lang="en-US" sz="1800" spc="-1" strike="noStrike">
+                <a:solidFill>
+                  <a:srgbClr val="000000"/>
+                </a:solidFill>
+                <a:latin typeface="Calibri"/>
+                <a:ea typeface="DejaVu Sans"/>
+              </a:rPr>
+              <a:t>Java • Ultra Premium Template</a:t>
+            </a:r>
+            <a:endParaRPr b="0" lang="en-US" sz="1800" spc="-1" strike="noStrike">
+              <a:solidFill>
+                <a:srgbClr val="000000"/>
+              </a:solidFill>
+              <a:latin typeface="Arial"/>
+            </a:endParaRPr>
+          </a:p>
+        </p:txBody>
+      </p:sp>
+      <p:sp>
+        <p:nvSpPr>
+          <p:cNvPr id="482" name="Rounded Rectangle 125"/>
+          <p:cNvSpPr/>
+          <p:nvPr/>
+        </p:nvSpPr>
+        <p:spPr>
+          <a:xfrm>
+            <a:off x="4941000" y="3450960"/>
+            <a:ext cx="3623040" cy="3018240"/>
+          </a:xfrm>
+          <a:prstGeom prst="roundRect">
+            <a:avLst>
+              <a:gd name="adj" fmla="val 16667"/>
+            </a:avLst>
+          </a:prstGeom>
+          <a:solidFill>
+            <a:srgbClr val="16161c"/>
+          </a:solidFill>
+          <a:ln>
+            <a:solidFill>
+              <a:srgbClr val="464655"/>
+            </a:solidFill>
+            <a:round/>
+          </a:ln>
+          <a:effectLst>
+            <a:outerShdw blurRad="39960" dir="5400000" dist="23040" rotWithShape="0">
+              <a:srgbClr val="000000">
+                <a:alpha val="35000"/>
+              </a:srgbClr>
+            </a:outerShdw>
+          </a:effectLst>
+        </p:spPr>
+        <p:style>
+          <a:lnRef idx="1">
+            <a:schemeClr val="accent1"/>
+          </a:lnRef>
+          <a:fillRef idx="3">
+            <a:schemeClr val="accent1"/>
+          </a:fillRef>
+          <a:effectRef idx="2">
+            <a:schemeClr val="accent1"/>
+          </a:effectRef>
+          <a:fontRef idx="minor"/>
+        </p:style>
+        <p:txBody>
+          <a:bodyPr lIns="90000" rIns="90000" tIns="45000" bIns="45000" anchor="ctr">
+            <a:noAutofit/>
+          </a:bodyPr>
+          <a:p>
+            <a:pPr>
+              <a:lnSpc>
+                <a:spcPct val="100000"/>
+              </a:lnSpc>
+            </a:pPr>
+            <a:endParaRPr b="0" lang="en-US" sz="1600" spc="-1" strike="noStrike">
+              <a:solidFill>
+                <a:srgbClr val="ffffff"/>
+              </a:solidFill>
+              <a:latin typeface="Arial"/>
+            </a:endParaRPr>
+          </a:p>
+          <a:p>
+            <a:pPr>
+              <a:lnSpc>
+                <a:spcPct val="100000"/>
+              </a:lnSpc>
+            </a:pPr>
+            <a:r>
+              <a:rPr b="1" lang="en-US" sz="1600" spc="-1" strike="noStrike">
+                <a:solidFill>
+                  <a:schemeClr val="lt1"/>
+                </a:solidFill>
+                <a:latin typeface="Calibri"/>
+                <a:ea typeface="DejaVu Sans"/>
+              </a:rPr>
+              <a:t>Problem Definition</a:t>
+            </a:r>
+            <a:endParaRPr b="0" lang="en-US" sz="1600" spc="-1" strike="noStrike">
+              <a:solidFill>
+                <a:srgbClr val="ffffff"/>
+              </a:solidFill>
+              <a:latin typeface="Arial"/>
+            </a:endParaRPr>
+          </a:p>
+          <a:p>
+            <a:pPr>
+              <a:lnSpc>
+                <a:spcPct val="100000"/>
+              </a:lnSpc>
+            </a:pPr>
+            <a:r>
+              <a:rPr b="1" lang="en-US" sz="1600" spc="-1" strike="noStrike">
+                <a:solidFill>
+                  <a:schemeClr val="lt1"/>
+                </a:solidFill>
+                <a:latin typeface="Calibri"/>
+                <a:ea typeface="DejaVu Sans"/>
+              </a:rPr>
+              <a:t>↓</a:t>
+            </a:r>
+            <a:endParaRPr b="0" lang="en-US" sz="1600" spc="-1" strike="noStrike">
+              <a:solidFill>
+                <a:srgbClr val="ffffff"/>
+              </a:solidFill>
+              <a:latin typeface="Arial"/>
+            </a:endParaRPr>
+          </a:p>
+          <a:p>
+            <a:pPr>
+              <a:lnSpc>
+                <a:spcPct val="100000"/>
+              </a:lnSpc>
+            </a:pPr>
+            <a:r>
+              <a:rPr b="1" lang="en-US" sz="1600" spc="-1" strike="noStrike">
+                <a:solidFill>
+                  <a:schemeClr val="lt1"/>
+                </a:solidFill>
+                <a:latin typeface="Calibri"/>
+                <a:ea typeface="DejaVu Sans"/>
+              </a:rPr>
+              <a:t>Solution Planning</a:t>
+            </a:r>
+            <a:endParaRPr b="0" lang="en-US" sz="1600" spc="-1" strike="noStrike">
+              <a:solidFill>
+                <a:srgbClr val="ffffff"/>
+              </a:solidFill>
+              <a:latin typeface="Arial"/>
+            </a:endParaRPr>
+          </a:p>
+          <a:p>
+            <a:pPr>
+              <a:lnSpc>
+                <a:spcPct val="100000"/>
+              </a:lnSpc>
+            </a:pPr>
+            <a:r>
+              <a:rPr b="1" lang="en-US" sz="1600" spc="-1" strike="noStrike">
+                <a:solidFill>
+                  <a:schemeClr val="lt1"/>
+                </a:solidFill>
+                <a:latin typeface="Calibri"/>
+                <a:ea typeface="DejaVu Sans"/>
+              </a:rPr>
+              <a:t>↓</a:t>
+            </a:r>
+            <a:endParaRPr b="0" lang="en-US" sz="1600" spc="-1" strike="noStrike">
+              <a:solidFill>
+                <a:srgbClr val="ffffff"/>
+              </a:solidFill>
+              <a:latin typeface="Arial"/>
+            </a:endParaRPr>
+          </a:p>
+          <a:p>
+            <a:pPr>
+              <a:lnSpc>
+                <a:spcPct val="100000"/>
+              </a:lnSpc>
+            </a:pPr>
+            <a:r>
+              <a:rPr b="1" lang="en-US" sz="1600" spc="-1" strike="noStrike">
+                <a:solidFill>
+                  <a:schemeClr val="lt1"/>
+                </a:solidFill>
+                <a:latin typeface="Calibri"/>
+                <a:ea typeface="DejaVu Sans"/>
+              </a:rPr>
+              <a:t>Class &amp; Method Design</a:t>
+            </a:r>
+            <a:endParaRPr b="0" lang="en-US" sz="1600" spc="-1" strike="noStrike">
+              <a:solidFill>
+                <a:srgbClr val="ffffff"/>
+              </a:solidFill>
+              <a:latin typeface="Arial"/>
+            </a:endParaRPr>
+          </a:p>
+          <a:p>
+            <a:pPr>
+              <a:lnSpc>
+                <a:spcPct val="100000"/>
+              </a:lnSpc>
+            </a:pPr>
+            <a:r>
+              <a:rPr b="1" lang="en-US" sz="1600" spc="-1" strike="noStrike">
+                <a:solidFill>
+                  <a:schemeClr val="lt1"/>
+                </a:solidFill>
+                <a:latin typeface="Calibri"/>
+                <a:ea typeface="DejaVu Sans"/>
+              </a:rPr>
+              <a:t>↓</a:t>
+            </a:r>
+            <a:endParaRPr b="0" lang="en-US" sz="1600" spc="-1" strike="noStrike">
+              <a:solidFill>
+                <a:srgbClr val="ffffff"/>
+              </a:solidFill>
+              <a:latin typeface="Arial"/>
+            </a:endParaRPr>
+          </a:p>
+          <a:p>
+            <a:pPr>
+              <a:lnSpc>
+                <a:spcPct val="100000"/>
+              </a:lnSpc>
+            </a:pPr>
+            <a:r>
+              <a:rPr b="1" lang="en-US" sz="1600" spc="-1" strike="noStrike">
+                <a:solidFill>
+                  <a:schemeClr val="lt1"/>
+                </a:solidFill>
+                <a:latin typeface="Calibri"/>
+                <a:ea typeface="DejaVu Sans"/>
+              </a:rPr>
+              <a:t>Implementation</a:t>
+            </a:r>
+            <a:endParaRPr b="0" lang="en-US" sz="1600" spc="-1" strike="noStrike">
+              <a:solidFill>
+                <a:srgbClr val="ffffff"/>
+              </a:solidFill>
+              <a:latin typeface="Arial"/>
+            </a:endParaRPr>
+          </a:p>
+          <a:p>
+            <a:pPr>
+              <a:lnSpc>
+                <a:spcPct val="100000"/>
+              </a:lnSpc>
+            </a:pPr>
+            <a:r>
+              <a:rPr b="1" lang="en-US" sz="1600" spc="-1" strike="noStrike">
+                <a:solidFill>
+                  <a:schemeClr val="lt1"/>
+                </a:solidFill>
+                <a:latin typeface="Calibri"/>
+                <a:ea typeface="DejaVu Sans"/>
+              </a:rPr>
+              <a:t>↓</a:t>
+            </a:r>
+            <a:endParaRPr b="0" lang="en-US" sz="1600" spc="-1" strike="noStrike">
+              <a:solidFill>
+                <a:srgbClr val="ffffff"/>
+              </a:solidFill>
+              <a:latin typeface="Arial"/>
+            </a:endParaRPr>
+          </a:p>
+          <a:p>
+            <a:pPr>
+              <a:lnSpc>
+                <a:spcPct val="100000"/>
+              </a:lnSpc>
+            </a:pPr>
+            <a:r>
+              <a:rPr b="1" lang="en-US" sz="1600" spc="-1" strike="noStrike">
+                <a:solidFill>
+                  <a:schemeClr val="lt1"/>
+                </a:solidFill>
+                <a:latin typeface="Calibri"/>
+                <a:ea typeface="DejaVu Sans"/>
+              </a:rPr>
+              <a:t>Compilation</a:t>
+            </a:r>
+            <a:endParaRPr b="0" lang="en-US" sz="1600" spc="-1" strike="noStrike">
+              <a:solidFill>
+                <a:srgbClr val="ffffff"/>
+              </a:solidFill>
+              <a:latin typeface="Arial"/>
+            </a:endParaRPr>
+          </a:p>
+          <a:p>
+            <a:pPr>
+              <a:lnSpc>
+                <a:spcPct val="100000"/>
+              </a:lnSpc>
+            </a:pPr>
+            <a:r>
+              <a:rPr b="1" lang="en-US" sz="1600" spc="-1" strike="noStrike">
+                <a:solidFill>
+                  <a:schemeClr val="lt1"/>
+                </a:solidFill>
+                <a:latin typeface="Calibri"/>
+                <a:ea typeface="DejaVu Sans"/>
+              </a:rPr>
+              <a:t>↓</a:t>
+            </a:r>
+            <a:endParaRPr b="0" lang="en-US" sz="1600" spc="-1" strike="noStrike">
+              <a:solidFill>
+                <a:srgbClr val="ffffff"/>
+              </a:solidFill>
+              <a:latin typeface="Arial"/>
+            </a:endParaRPr>
+          </a:p>
+          <a:p>
+            <a:pPr>
+              <a:lnSpc>
+                <a:spcPct val="100000"/>
+              </a:lnSpc>
+            </a:pPr>
+            <a:r>
+              <a:rPr b="1" lang="en-US" sz="1600" spc="-1" strike="noStrike">
+                <a:solidFill>
+                  <a:schemeClr val="lt1"/>
+                </a:solidFill>
+                <a:latin typeface="Calibri"/>
+                <a:ea typeface="DejaVu Sans"/>
+              </a:rPr>
+              <a:t>Program Execution</a:t>
+            </a:r>
+            <a:endParaRPr b="0" lang="en-US" sz="1600" spc="-1" strike="noStrike">
+              <a:solidFill>
+                <a:srgbClr val="ffffff"/>
+              </a:solidFill>
+              <a:latin typeface="Arial"/>
+            </a:endParaRPr>
+          </a:p>
+          <a:p>
+            <a:pPr>
+              <a:lnSpc>
+                <a:spcPct val="100000"/>
+              </a:lnSpc>
+            </a:pPr>
+            <a:endParaRPr b="0" lang="en-US" sz="1600" spc="-1" strike="noStrike">
+              <a:solidFill>
+                <a:srgbClr val="ffffff"/>
+              </a:solidFill>
+              <a:latin typeface="Arial"/>
+            </a:endParaRPr>
+          </a:p>
+        </p:txBody>
+      </p:sp>
+    </p:spTree>
+  </p:cSld>
+  <mc:AlternateContent>
+    <mc:Choice Requires="p14">
+      <p:transition spd="slow" p14:dur="2000"/>
+    </mc:Choice>
+    <mc:Fallback>
+      <p:transition spd="slow"/>
+    </mc:Fallback>
+  </mc:AlternateContent>
+</p:sld>
+</file>
+
+<file path=ppt/slides/slide18.xml><?xml version="1.0" encoding="utf-8"?>
+<p:sld xmlns:a="http://schemas.openxmlformats.org/drawingml/2006/main" xmlns:p="http://schemas.openxmlformats.org/presentationml/2006/main" xmlns:r="http://schemas.openxmlformats.org/officeDocument/2006/relationships" xmlns:p14="http://schemas.microsoft.com/office/powerpoint/2010/main" xmlns:p15="http://schemas.microsoft.com/office/powerpoint/2012/main" xmlns:mc="http://schemas.openxmlformats.org/markup-compatibility/2006">
+  <p:cSld>
+    <p:spTree>
+      <p:nvGrpSpPr>
+        <p:cNvPr id="1" name=""/>
+        <p:cNvGrpSpPr/>
+        <p:nvPr/>
+      </p:nvGrpSpPr>
+      <p:grpSpPr>
+        <a:xfrm>
+          <a:off x="0" y="0"/>
+          <a:ext cx="0" cy="0"/>
+          <a:chOff x="0" y="0"/>
+          <a:chExt cx="0" cy="0"/>
+        </a:xfrm>
+      </p:grpSpPr>
+      <p:sp>
+        <p:nvSpPr>
+          <p:cNvPr id="483" name="Rectangle 273"/>
+          <p:cNvSpPr/>
+          <p:nvPr/>
+        </p:nvSpPr>
+        <p:spPr>
+          <a:xfrm>
+            <a:off x="16920" y="1800"/>
+            <a:ext cx="13430520" cy="7553880"/>
+          </a:xfrm>
+          <a:prstGeom prst="rect">
+            <a:avLst/>
+          </a:prstGeom>
+          <a:solidFill>
+            <a:srgbClr val="0b0b0d"/>
+          </a:solidFill>
+          <a:ln>
+            <a:noFill/>
+          </a:ln>
+          <a:effectLst>
+            <a:outerShdw blurRad="39960" dir="5400000" dist="23040" rotWithShape="0">
+              <a:srgbClr val="000000">
+                <a:alpha val="35000"/>
+              </a:srgbClr>
+            </a:outerShdw>
+          </a:effectLst>
+        </p:spPr>
+        <p:style>
+          <a:lnRef idx="1">
+            <a:schemeClr val="accent1"/>
+          </a:lnRef>
+          <a:fillRef idx="3">
+            <a:schemeClr val="accent1"/>
+          </a:fillRef>
+          <a:effectRef idx="2">
+            <a:schemeClr val="accent1"/>
+          </a:effectRef>
+          <a:fontRef idx="minor"/>
+        </p:style>
+        <p:txBody>
+          <a:bodyPr lIns="90000" rIns="90000" tIns="45000" bIns="45000" anchor="ctr">
+            <a:noAutofit/>
+          </a:bodyPr>
+          <a:p>
+            <a:endParaRPr b="0" lang="en-US" sz="1800" spc="-1" strike="noStrike">
+              <a:solidFill>
+                <a:schemeClr val="lt1"/>
+              </a:solidFill>
+              <a:latin typeface="Calibri"/>
+              <a:ea typeface="DejaVu Sans"/>
+            </a:endParaRPr>
+          </a:p>
+        </p:txBody>
+      </p:sp>
+      <p:sp>
+        <p:nvSpPr>
+          <p:cNvPr id="484" name="Rectangle 274"/>
+          <p:cNvSpPr/>
+          <p:nvPr/>
+        </p:nvSpPr>
+        <p:spPr>
+          <a:xfrm>
+            <a:off x="1440" y="1800"/>
+            <a:ext cx="14760" cy="7553880"/>
+          </a:xfrm>
+          <a:prstGeom prst="rect">
+            <a:avLst/>
+          </a:prstGeom>
+          <a:solidFill>
+            <a:srgbClr val="121216"/>
+          </a:solidFill>
+          <a:ln>
+            <a:noFill/>
+          </a:ln>
+          <a:effectLst>
+            <a:outerShdw blurRad="39960" dir="5400000" dist="23040" rotWithShape="0">
+              <a:srgbClr val="000000">
+                <a:alpha val="35000"/>
+              </a:srgbClr>
+            </a:outerShdw>
+          </a:effectLst>
+        </p:spPr>
+        <p:style>
+          <a:lnRef idx="1">
+            <a:schemeClr val="accent1"/>
+          </a:lnRef>
+          <a:fillRef idx="3">
+            <a:schemeClr val="accent1"/>
+          </a:fillRef>
+          <a:effectRef idx="2">
+            <a:schemeClr val="accent1"/>
+          </a:effectRef>
+          <a:fontRef idx="minor"/>
+        </p:style>
+        <p:txBody>
+          <a:bodyPr lIns="90000" rIns="90000" tIns="45000" bIns="45000" anchor="ctr">
+            <a:noAutofit/>
+          </a:bodyPr>
+          <a:p>
+            <a:endParaRPr b="0" lang="en-US" sz="1800" spc="-1" strike="noStrike">
+              <a:solidFill>
+                <a:schemeClr val="lt1"/>
+              </a:solidFill>
+              <a:latin typeface="Calibri"/>
+              <a:ea typeface="DejaVu Sans"/>
+            </a:endParaRPr>
+          </a:p>
+        </p:txBody>
+      </p:sp>
+      <p:sp>
+        <p:nvSpPr>
+          <p:cNvPr id="485" name="Rectangle 275"/>
+          <p:cNvSpPr/>
+          <p:nvPr/>
+        </p:nvSpPr>
+        <p:spPr>
+          <a:xfrm>
+            <a:off x="1005480" y="1800"/>
+            <a:ext cx="14760" cy="7553880"/>
+          </a:xfrm>
+          <a:prstGeom prst="rect">
+            <a:avLst/>
+          </a:prstGeom>
+          <a:solidFill>
+            <a:srgbClr val="121216"/>
+          </a:solidFill>
+          <a:ln>
+            <a:noFill/>
+          </a:ln>
+          <a:effectLst>
+            <a:outerShdw blurRad="39960" dir="5400000" dist="23040" rotWithShape="0">
+              <a:srgbClr val="000000">
+                <a:alpha val="35000"/>
+              </a:srgbClr>
+            </a:outerShdw>
+          </a:effectLst>
+        </p:spPr>
+        <p:style>
+          <a:lnRef idx="1">
+            <a:schemeClr val="accent1"/>
+          </a:lnRef>
+          <a:fillRef idx="3">
+            <a:schemeClr val="accent1"/>
+          </a:fillRef>
+          <a:effectRef idx="2">
+            <a:schemeClr val="accent1"/>
+          </a:effectRef>
+          <a:fontRef idx="minor"/>
+        </p:style>
+        <p:txBody>
+          <a:bodyPr lIns="90000" rIns="90000" tIns="45000" bIns="45000" anchor="ctr">
+            <a:noAutofit/>
+          </a:bodyPr>
+          <a:p>
+            <a:endParaRPr b="0" lang="en-US" sz="1800" spc="-1" strike="noStrike">
+              <a:solidFill>
+                <a:schemeClr val="lt1"/>
+              </a:solidFill>
+              <a:latin typeface="Calibri"/>
+              <a:ea typeface="DejaVu Sans"/>
+            </a:endParaRPr>
+          </a:p>
+        </p:txBody>
+      </p:sp>
+      <p:sp>
+        <p:nvSpPr>
+          <p:cNvPr id="486" name="Rectangle 276"/>
+          <p:cNvSpPr/>
+          <p:nvPr/>
+        </p:nvSpPr>
+        <p:spPr>
+          <a:xfrm>
+            <a:off x="2013480" y="1800"/>
+            <a:ext cx="14760" cy="7553880"/>
+          </a:xfrm>
+          <a:prstGeom prst="rect">
+            <a:avLst/>
+          </a:prstGeom>
+          <a:solidFill>
+            <a:srgbClr val="121216"/>
+          </a:solidFill>
+          <a:ln>
+            <a:noFill/>
+          </a:ln>
+          <a:effectLst>
+            <a:outerShdw blurRad="39960" dir="5400000" dist="23040" rotWithShape="0">
+              <a:srgbClr val="000000">
+                <a:alpha val="35000"/>
+              </a:srgbClr>
+            </a:outerShdw>
+          </a:effectLst>
+        </p:spPr>
+        <p:style>
+          <a:lnRef idx="1">
+            <a:schemeClr val="accent1"/>
+          </a:lnRef>
+          <a:fillRef idx="3">
+            <a:schemeClr val="accent1"/>
+          </a:fillRef>
+          <a:effectRef idx="2">
+            <a:schemeClr val="accent1"/>
+          </a:effectRef>
+          <a:fontRef idx="minor"/>
+        </p:style>
+        <p:txBody>
+          <a:bodyPr lIns="90000" rIns="90000" tIns="45000" bIns="45000" anchor="ctr">
+            <a:noAutofit/>
+          </a:bodyPr>
+          <a:p>
+            <a:endParaRPr b="0" lang="en-US" sz="1800" spc="-1" strike="noStrike">
+              <a:solidFill>
+                <a:schemeClr val="lt1"/>
+              </a:solidFill>
+              <a:latin typeface="Calibri"/>
+              <a:ea typeface="DejaVu Sans"/>
+            </a:endParaRPr>
+          </a:p>
+        </p:txBody>
+      </p:sp>
+      <p:sp>
+        <p:nvSpPr>
+          <p:cNvPr id="487" name="Rectangle 277"/>
+          <p:cNvSpPr/>
+          <p:nvPr/>
+        </p:nvSpPr>
+        <p:spPr>
+          <a:xfrm>
+            <a:off x="3021480" y="1800"/>
+            <a:ext cx="14760" cy="7553880"/>
+          </a:xfrm>
+          <a:prstGeom prst="rect">
+            <a:avLst/>
+          </a:prstGeom>
+          <a:solidFill>
+            <a:srgbClr val="121216"/>
+          </a:solidFill>
+          <a:ln>
+            <a:noFill/>
+          </a:ln>
+          <a:effectLst>
+            <a:outerShdw blurRad="39960" dir="5400000" dist="23040" rotWithShape="0">
+              <a:srgbClr val="000000">
+                <a:alpha val="35000"/>
+              </a:srgbClr>
+            </a:outerShdw>
+          </a:effectLst>
+        </p:spPr>
+        <p:style>
+          <a:lnRef idx="1">
+            <a:schemeClr val="accent1"/>
+          </a:lnRef>
+          <a:fillRef idx="3">
+            <a:schemeClr val="accent1"/>
+          </a:fillRef>
+          <a:effectRef idx="2">
+            <a:schemeClr val="accent1"/>
+          </a:effectRef>
+          <a:fontRef idx="minor"/>
+        </p:style>
+        <p:txBody>
+          <a:bodyPr lIns="90000" rIns="90000" tIns="45000" bIns="45000" anchor="ctr">
+            <a:noAutofit/>
+          </a:bodyPr>
+          <a:p>
+            <a:endParaRPr b="0" lang="en-US" sz="1800" spc="-1" strike="noStrike">
+              <a:solidFill>
+                <a:schemeClr val="lt1"/>
+              </a:solidFill>
+              <a:latin typeface="Calibri"/>
+              <a:ea typeface="DejaVu Sans"/>
+            </a:endParaRPr>
+          </a:p>
+        </p:txBody>
+      </p:sp>
+      <p:sp>
+        <p:nvSpPr>
+          <p:cNvPr id="488" name="Rectangle 278"/>
+          <p:cNvSpPr/>
+          <p:nvPr/>
+        </p:nvSpPr>
+        <p:spPr>
+          <a:xfrm>
+            <a:off x="4029480" y="1800"/>
+            <a:ext cx="14760" cy="7553880"/>
+          </a:xfrm>
+          <a:prstGeom prst="rect">
+            <a:avLst/>
+          </a:prstGeom>
+          <a:solidFill>
+            <a:srgbClr val="121216"/>
+          </a:solidFill>
+          <a:ln>
+            <a:noFill/>
+          </a:ln>
+          <a:effectLst>
+            <a:outerShdw blurRad="39960" dir="5400000" dist="23040" rotWithShape="0">
+              <a:srgbClr val="000000">
+                <a:alpha val="35000"/>
+              </a:srgbClr>
+            </a:outerShdw>
+          </a:effectLst>
+        </p:spPr>
+        <p:style>
+          <a:lnRef idx="1">
+            <a:schemeClr val="accent1"/>
+          </a:lnRef>
+          <a:fillRef idx="3">
+            <a:schemeClr val="accent1"/>
+          </a:fillRef>
+          <a:effectRef idx="2">
+            <a:schemeClr val="accent1"/>
+          </a:effectRef>
+          <a:fontRef idx="minor"/>
+        </p:style>
+        <p:txBody>
+          <a:bodyPr lIns="90000" rIns="90000" tIns="45000" bIns="45000" anchor="ctr">
+            <a:noAutofit/>
+          </a:bodyPr>
+          <a:p>
+            <a:endParaRPr b="0" lang="en-US" sz="1800" spc="-1" strike="noStrike">
+              <a:solidFill>
+                <a:schemeClr val="lt1"/>
+              </a:solidFill>
+              <a:latin typeface="Calibri"/>
+              <a:ea typeface="DejaVu Sans"/>
+            </a:endParaRPr>
+          </a:p>
+        </p:txBody>
+      </p:sp>
+      <p:sp>
+        <p:nvSpPr>
+          <p:cNvPr id="489" name="Rectangle 279"/>
+          <p:cNvSpPr/>
+          <p:nvPr/>
+        </p:nvSpPr>
+        <p:spPr>
+          <a:xfrm>
+            <a:off x="5037480" y="1800"/>
+            <a:ext cx="14760" cy="7553880"/>
+          </a:xfrm>
+          <a:prstGeom prst="rect">
+            <a:avLst/>
+          </a:prstGeom>
+          <a:solidFill>
+            <a:srgbClr val="121216"/>
+          </a:solidFill>
+          <a:ln>
+            <a:noFill/>
+          </a:ln>
+          <a:effectLst>
+            <a:outerShdw blurRad="39960" dir="5400000" dist="23040" rotWithShape="0">
+              <a:srgbClr val="000000">
+                <a:alpha val="35000"/>
+              </a:srgbClr>
+            </a:outerShdw>
+          </a:effectLst>
+        </p:spPr>
+        <p:style>
+          <a:lnRef idx="1">
+            <a:schemeClr val="accent1"/>
+          </a:lnRef>
+          <a:fillRef idx="3">
+            <a:schemeClr val="accent1"/>
+          </a:fillRef>
+          <a:effectRef idx="2">
+            <a:schemeClr val="accent1"/>
+          </a:effectRef>
+          <a:fontRef idx="minor"/>
+        </p:style>
+        <p:txBody>
+          <a:bodyPr lIns="90000" rIns="90000" tIns="45000" bIns="45000" anchor="ctr">
+            <a:noAutofit/>
+          </a:bodyPr>
+          <a:p>
+            <a:endParaRPr b="0" lang="en-US" sz="1800" spc="-1" strike="noStrike">
+              <a:solidFill>
+                <a:schemeClr val="lt1"/>
+              </a:solidFill>
+              <a:latin typeface="Calibri"/>
+              <a:ea typeface="DejaVu Sans"/>
+            </a:endParaRPr>
+          </a:p>
+        </p:txBody>
+      </p:sp>
+      <p:sp>
+        <p:nvSpPr>
+          <p:cNvPr id="490" name="Rectangle 280"/>
+          <p:cNvSpPr/>
+          <p:nvPr/>
+        </p:nvSpPr>
+        <p:spPr>
+          <a:xfrm>
+            <a:off x="6045480" y="1800"/>
+            <a:ext cx="14760" cy="7553880"/>
+          </a:xfrm>
+          <a:prstGeom prst="rect">
+            <a:avLst/>
+          </a:prstGeom>
+          <a:solidFill>
+            <a:srgbClr val="121216"/>
+          </a:solidFill>
+          <a:ln>
+            <a:noFill/>
+          </a:ln>
+          <a:effectLst>
+            <a:outerShdw blurRad="39960" dir="5400000" dist="23040" rotWithShape="0">
+              <a:srgbClr val="000000">
+                <a:alpha val="35000"/>
+              </a:srgbClr>
+            </a:outerShdw>
+          </a:effectLst>
+        </p:spPr>
+        <p:style>
+          <a:lnRef idx="1">
+            <a:schemeClr val="accent1"/>
+          </a:lnRef>
+          <a:fillRef idx="3">
+            <a:schemeClr val="accent1"/>
+          </a:fillRef>
+          <a:effectRef idx="2">
+            <a:schemeClr val="accent1"/>
+          </a:effectRef>
+          <a:fontRef idx="minor"/>
+        </p:style>
+        <p:txBody>
+          <a:bodyPr lIns="90000" rIns="90000" tIns="45000" bIns="45000" anchor="ctr">
+            <a:noAutofit/>
+          </a:bodyPr>
+          <a:p>
+            <a:endParaRPr b="0" lang="en-US" sz="1800" spc="-1" strike="noStrike">
+              <a:solidFill>
+                <a:schemeClr val="lt1"/>
+              </a:solidFill>
+              <a:latin typeface="Calibri"/>
+              <a:ea typeface="DejaVu Sans"/>
+            </a:endParaRPr>
+          </a:p>
+        </p:txBody>
+      </p:sp>
+      <p:sp>
+        <p:nvSpPr>
+          <p:cNvPr id="491" name="Rectangle 281"/>
+          <p:cNvSpPr/>
+          <p:nvPr/>
+        </p:nvSpPr>
+        <p:spPr>
+          <a:xfrm>
+            <a:off x="7053480" y="1800"/>
+            <a:ext cx="14760" cy="7553880"/>
+          </a:xfrm>
+          <a:prstGeom prst="rect">
+            <a:avLst/>
+          </a:prstGeom>
+          <a:solidFill>
+            <a:srgbClr val="121216"/>
+          </a:solidFill>
+          <a:ln>
+            <a:noFill/>
+          </a:ln>
+          <a:effectLst>
+            <a:outerShdw blurRad="39960" dir="5400000" dist="23040" rotWithShape="0">
+              <a:srgbClr val="000000">
+                <a:alpha val="35000"/>
+              </a:srgbClr>
+            </a:outerShdw>
+          </a:effectLst>
+        </p:spPr>
+        <p:style>
+          <a:lnRef idx="1">
+            <a:schemeClr val="accent1"/>
+          </a:lnRef>
+          <a:fillRef idx="3">
+            <a:schemeClr val="accent1"/>
+          </a:fillRef>
+          <a:effectRef idx="2">
+            <a:schemeClr val="accent1"/>
+          </a:effectRef>
+          <a:fontRef idx="minor"/>
+        </p:style>
+        <p:txBody>
+          <a:bodyPr lIns="90000" rIns="90000" tIns="45000" bIns="45000" anchor="ctr">
+            <a:noAutofit/>
+          </a:bodyPr>
+          <a:p>
+            <a:endParaRPr b="0" lang="en-US" sz="1800" spc="-1" strike="noStrike">
+              <a:solidFill>
+                <a:schemeClr val="lt1"/>
+              </a:solidFill>
+              <a:latin typeface="Calibri"/>
+              <a:ea typeface="DejaVu Sans"/>
+            </a:endParaRPr>
+          </a:p>
+        </p:txBody>
+      </p:sp>
+      <p:sp>
+        <p:nvSpPr>
+          <p:cNvPr id="492" name="Rectangle 282"/>
+          <p:cNvSpPr/>
+          <p:nvPr/>
+        </p:nvSpPr>
+        <p:spPr>
+          <a:xfrm>
+            <a:off x="8061480" y="1800"/>
+            <a:ext cx="14760" cy="7553880"/>
+          </a:xfrm>
+          <a:prstGeom prst="rect">
+            <a:avLst/>
+          </a:prstGeom>
+          <a:solidFill>
+            <a:srgbClr val="121216"/>
+          </a:solidFill>
+          <a:ln>
+            <a:noFill/>
+          </a:ln>
+          <a:effectLst>
+            <a:outerShdw blurRad="39960" dir="5400000" dist="23040" rotWithShape="0">
+              <a:srgbClr val="000000">
+                <a:alpha val="35000"/>
+              </a:srgbClr>
+            </a:outerShdw>
+          </a:effectLst>
+        </p:spPr>
+        <p:style>
+          <a:lnRef idx="1">
+            <a:schemeClr val="accent1"/>
+          </a:lnRef>
+          <a:fillRef idx="3">
+            <a:schemeClr val="accent1"/>
+          </a:fillRef>
+          <a:effectRef idx="2">
+            <a:schemeClr val="accent1"/>
+          </a:effectRef>
+          <a:fontRef idx="minor"/>
+        </p:style>
+        <p:txBody>
+          <a:bodyPr lIns="90000" rIns="90000" tIns="45000" bIns="45000" anchor="ctr">
+            <a:noAutofit/>
+          </a:bodyPr>
+          <a:p>
+            <a:endParaRPr b="0" lang="en-US" sz="1800" spc="-1" strike="noStrike">
+              <a:solidFill>
+                <a:schemeClr val="lt1"/>
+              </a:solidFill>
+              <a:latin typeface="Calibri"/>
+              <a:ea typeface="DejaVu Sans"/>
+            </a:endParaRPr>
+          </a:p>
+        </p:txBody>
+      </p:sp>
+      <p:sp>
+        <p:nvSpPr>
+          <p:cNvPr id="493" name="Rectangle 283"/>
+          <p:cNvSpPr/>
+          <p:nvPr/>
+        </p:nvSpPr>
+        <p:spPr>
+          <a:xfrm>
+            <a:off x="9069480" y="1800"/>
+            <a:ext cx="14760" cy="7553880"/>
+          </a:xfrm>
+          <a:prstGeom prst="rect">
+            <a:avLst/>
+          </a:prstGeom>
+          <a:solidFill>
+            <a:srgbClr val="121216"/>
+          </a:solidFill>
+          <a:ln>
+            <a:noFill/>
+          </a:ln>
+          <a:effectLst>
+            <a:outerShdw blurRad="39960" dir="5400000" dist="23040" rotWithShape="0">
+              <a:srgbClr val="000000">
+                <a:alpha val="35000"/>
+              </a:srgbClr>
+            </a:outerShdw>
+          </a:effectLst>
+        </p:spPr>
+        <p:style>
+          <a:lnRef idx="1">
+            <a:schemeClr val="accent1"/>
+          </a:lnRef>
+          <a:fillRef idx="3">
+            <a:schemeClr val="accent1"/>
+          </a:fillRef>
+          <a:effectRef idx="2">
+            <a:schemeClr val="accent1"/>
+          </a:effectRef>
+          <a:fontRef idx="minor"/>
+        </p:style>
+        <p:txBody>
+          <a:bodyPr lIns="90000" rIns="90000" tIns="45000" bIns="45000" anchor="ctr">
+            <a:noAutofit/>
+          </a:bodyPr>
+          <a:p>
+            <a:endParaRPr b="0" lang="en-US" sz="1800" spc="-1" strike="noStrike">
+              <a:solidFill>
+                <a:schemeClr val="lt1"/>
+              </a:solidFill>
+              <a:latin typeface="Calibri"/>
+              <a:ea typeface="DejaVu Sans"/>
+            </a:endParaRPr>
+          </a:p>
+        </p:txBody>
+      </p:sp>
+      <p:sp>
+        <p:nvSpPr>
+          <p:cNvPr id="494" name="Rectangle 284"/>
+          <p:cNvSpPr/>
+          <p:nvPr/>
+        </p:nvSpPr>
+        <p:spPr>
+          <a:xfrm>
+            <a:off x="10077480" y="1800"/>
+            <a:ext cx="14760" cy="7553880"/>
+          </a:xfrm>
+          <a:prstGeom prst="rect">
+            <a:avLst/>
+          </a:prstGeom>
+          <a:solidFill>
+            <a:srgbClr val="121216"/>
+          </a:solidFill>
+          <a:ln>
+            <a:noFill/>
+          </a:ln>
+          <a:effectLst>
+            <a:outerShdw blurRad="39960" dir="5400000" dist="23040" rotWithShape="0">
+              <a:srgbClr val="000000">
+                <a:alpha val="35000"/>
+              </a:srgbClr>
+            </a:outerShdw>
+          </a:effectLst>
+        </p:spPr>
+        <p:style>
+          <a:lnRef idx="1">
+            <a:schemeClr val="accent1"/>
+          </a:lnRef>
+          <a:fillRef idx="3">
+            <a:schemeClr val="accent1"/>
+          </a:fillRef>
+          <a:effectRef idx="2">
+            <a:schemeClr val="accent1"/>
+          </a:effectRef>
+          <a:fontRef idx="minor"/>
+        </p:style>
+        <p:txBody>
+          <a:bodyPr lIns="90000" rIns="90000" tIns="45000" bIns="45000" anchor="ctr">
+            <a:noAutofit/>
+          </a:bodyPr>
+          <a:p>
+            <a:endParaRPr b="0" lang="en-US" sz="1800" spc="-1" strike="noStrike">
+              <a:solidFill>
+                <a:schemeClr val="lt1"/>
+              </a:solidFill>
+              <a:latin typeface="Calibri"/>
+              <a:ea typeface="DejaVu Sans"/>
+            </a:endParaRPr>
+          </a:p>
+        </p:txBody>
+      </p:sp>
+      <p:sp>
+        <p:nvSpPr>
+          <p:cNvPr id="495" name="Rectangle 285"/>
+          <p:cNvSpPr/>
+          <p:nvPr/>
+        </p:nvSpPr>
+        <p:spPr>
+          <a:xfrm>
+            <a:off x="11085480" y="1800"/>
+            <a:ext cx="14760" cy="7553880"/>
+          </a:xfrm>
+          <a:prstGeom prst="rect">
+            <a:avLst/>
+          </a:prstGeom>
+          <a:solidFill>
+            <a:srgbClr val="121216"/>
+          </a:solidFill>
+          <a:ln>
+            <a:noFill/>
+          </a:ln>
+          <a:effectLst>
+            <a:outerShdw blurRad="39960" dir="5400000" dist="23040" rotWithShape="0">
+              <a:srgbClr val="000000">
+                <a:alpha val="35000"/>
+              </a:srgbClr>
+            </a:outerShdw>
+          </a:effectLst>
+        </p:spPr>
+        <p:style>
+          <a:lnRef idx="1">
+            <a:schemeClr val="accent1"/>
+          </a:lnRef>
+          <a:fillRef idx="3">
+            <a:schemeClr val="accent1"/>
+          </a:fillRef>
+          <a:effectRef idx="2">
+            <a:schemeClr val="accent1"/>
+          </a:effectRef>
+          <a:fontRef idx="minor"/>
+        </p:style>
+        <p:txBody>
+          <a:bodyPr lIns="90000" rIns="90000" tIns="45000" bIns="45000" anchor="ctr">
+            <a:noAutofit/>
+          </a:bodyPr>
+          <a:p>
+            <a:endParaRPr b="0" lang="en-US" sz="1800" spc="-1" strike="noStrike">
+              <a:solidFill>
+                <a:schemeClr val="lt1"/>
+              </a:solidFill>
+              <a:latin typeface="Calibri"/>
+              <a:ea typeface="DejaVu Sans"/>
+            </a:endParaRPr>
+          </a:p>
+        </p:txBody>
+      </p:sp>
+      <p:sp>
+        <p:nvSpPr>
+          <p:cNvPr id="496" name="Rectangle 286"/>
+          <p:cNvSpPr/>
+          <p:nvPr/>
+        </p:nvSpPr>
+        <p:spPr>
+          <a:xfrm>
+            <a:off x="12093480" y="1800"/>
+            <a:ext cx="14760" cy="7553880"/>
+          </a:xfrm>
+          <a:prstGeom prst="rect">
+            <a:avLst/>
+          </a:prstGeom>
+          <a:solidFill>
+            <a:srgbClr val="121216"/>
+          </a:solidFill>
+          <a:ln>
+            <a:noFill/>
+          </a:ln>
+          <a:effectLst>
+            <a:outerShdw blurRad="39960" dir="5400000" dist="23040" rotWithShape="0">
+              <a:srgbClr val="000000">
+                <a:alpha val="35000"/>
+              </a:srgbClr>
+            </a:outerShdw>
+          </a:effectLst>
+        </p:spPr>
+        <p:style>
+          <a:lnRef idx="1">
+            <a:schemeClr val="accent1"/>
+          </a:lnRef>
+          <a:fillRef idx="3">
+            <a:schemeClr val="accent1"/>
+          </a:fillRef>
+          <a:effectRef idx="2">
+            <a:schemeClr val="accent1"/>
+          </a:effectRef>
+          <a:fontRef idx="minor"/>
+        </p:style>
+        <p:txBody>
+          <a:bodyPr lIns="90000" rIns="90000" tIns="45000" bIns="45000" anchor="ctr">
+            <a:noAutofit/>
+          </a:bodyPr>
+          <a:p>
+            <a:endParaRPr b="0" lang="en-US" sz="1800" spc="-1" strike="noStrike">
+              <a:solidFill>
+                <a:schemeClr val="lt1"/>
+              </a:solidFill>
+              <a:latin typeface="Calibri"/>
+              <a:ea typeface="DejaVu Sans"/>
+            </a:endParaRPr>
+          </a:p>
+        </p:txBody>
+      </p:sp>
+      <p:sp>
+        <p:nvSpPr>
+          <p:cNvPr id="497" name="Rectangle 287"/>
+          <p:cNvSpPr/>
+          <p:nvPr/>
+        </p:nvSpPr>
+        <p:spPr>
+          <a:xfrm>
+            <a:off x="13101480" y="1800"/>
+            <a:ext cx="14760" cy="7553880"/>
+          </a:xfrm>
+          <a:prstGeom prst="rect">
+            <a:avLst/>
+          </a:prstGeom>
+          <a:solidFill>
+            <a:srgbClr val="121216"/>
+          </a:solidFill>
+          <a:ln>
+            <a:noFill/>
+          </a:ln>
+          <a:effectLst>
+            <a:outerShdw blurRad="39960" dir="5400000" dist="23040" rotWithShape="0">
+              <a:srgbClr val="000000">
+                <a:alpha val="35000"/>
+              </a:srgbClr>
+            </a:outerShdw>
+          </a:effectLst>
+        </p:spPr>
+        <p:style>
+          <a:lnRef idx="1">
+            <a:schemeClr val="accent1"/>
+          </a:lnRef>
+          <a:fillRef idx="3">
+            <a:schemeClr val="accent1"/>
+          </a:fillRef>
+          <a:effectRef idx="2">
+            <a:schemeClr val="accent1"/>
+          </a:effectRef>
+          <a:fontRef idx="minor"/>
+        </p:style>
+        <p:txBody>
+          <a:bodyPr lIns="90000" rIns="90000" tIns="45000" bIns="45000" anchor="ctr">
+            <a:noAutofit/>
+          </a:bodyPr>
+          <a:p>
+            <a:endParaRPr b="0" lang="en-US" sz="1800" spc="-1" strike="noStrike">
+              <a:solidFill>
+                <a:schemeClr val="lt1"/>
+              </a:solidFill>
+              <a:latin typeface="Calibri"/>
+              <a:ea typeface="DejaVu Sans"/>
+            </a:endParaRPr>
+          </a:p>
+        </p:txBody>
+      </p:sp>
+      <p:sp>
+        <p:nvSpPr>
+          <p:cNvPr id="498" name="Rectangle 288"/>
+          <p:cNvSpPr/>
+          <p:nvPr/>
+        </p:nvSpPr>
+        <p:spPr>
+          <a:xfrm>
+            <a:off x="1440" y="1800"/>
+            <a:ext cx="346680" cy="7553880"/>
+          </a:xfrm>
+          <a:prstGeom prst="rect">
+            <a:avLst/>
+          </a:prstGeom>
+          <a:solidFill>
+            <a:srgbClr val="ff8c00"/>
+          </a:solidFill>
+          <a:ln>
+            <a:noFill/>
+          </a:ln>
+          <a:effectLst>
+            <a:outerShdw blurRad="39960" dir="5400000" dist="23040" rotWithShape="0">
+              <a:srgbClr val="000000">
+                <a:alpha val="35000"/>
+              </a:srgbClr>
+            </a:outerShdw>
+          </a:effectLst>
+        </p:spPr>
+        <p:style>
+          <a:lnRef idx="1">
+            <a:schemeClr val="accent1"/>
+          </a:lnRef>
+          <a:fillRef idx="3">
+            <a:schemeClr val="accent1"/>
+          </a:fillRef>
+          <a:effectRef idx="2">
+            <a:schemeClr val="accent1"/>
+          </a:effectRef>
+          <a:fontRef idx="minor"/>
+        </p:style>
+        <p:txBody>
+          <a:bodyPr lIns="90000" rIns="90000" tIns="45000" bIns="45000" anchor="ctr">
+            <a:noAutofit/>
+          </a:bodyPr>
+          <a:p>
+            <a:endParaRPr b="0" lang="en-US" sz="1800" spc="-1" strike="noStrike">
+              <a:solidFill>
+                <a:schemeClr val="lt1"/>
+              </a:solidFill>
+              <a:latin typeface="Calibri"/>
+              <a:ea typeface="DejaVu Sans"/>
+            </a:endParaRPr>
+          </a:p>
+        </p:txBody>
+      </p:sp>
+      <p:sp>
+        <p:nvSpPr>
+          <p:cNvPr id="499" name="Rounded Rectangle 126"/>
+          <p:cNvSpPr/>
+          <p:nvPr/>
+        </p:nvSpPr>
+        <p:spPr>
+          <a:xfrm>
+            <a:off x="10884960" y="401400"/>
+            <a:ext cx="2211120" cy="547200"/>
+          </a:xfrm>
+          <a:prstGeom prst="roundRect">
+            <a:avLst>
+              <a:gd name="adj" fmla="val 16667"/>
+            </a:avLst>
+          </a:prstGeom>
+          <a:solidFill>
+            <a:srgbClr val="1e1e24"/>
+          </a:solidFill>
+          <a:ln>
+            <a:solidFill>
+              <a:srgbClr val="ff8c00"/>
+            </a:solidFill>
+            <a:round/>
+          </a:ln>
+          <a:effectLst>
+            <a:outerShdw blurRad="39960" dir="5400000" dist="23040" rotWithShape="0">
+              <a:srgbClr val="000000">
+                <a:alpha val="35000"/>
+              </a:srgbClr>
+            </a:outerShdw>
+          </a:effectLst>
+        </p:spPr>
+        <p:style>
+          <a:lnRef idx="1">
+            <a:schemeClr val="accent1"/>
+          </a:lnRef>
+          <a:fillRef idx="3">
+            <a:schemeClr val="accent1"/>
+          </a:fillRef>
+          <a:effectRef idx="2">
+            <a:schemeClr val="accent1"/>
+          </a:effectRef>
+          <a:fontRef idx="minor"/>
+        </p:style>
+        <p:txBody>
+          <a:bodyPr lIns="90000" rIns="90000" tIns="45000" bIns="45000" anchor="ctr">
+            <a:noAutofit/>
+          </a:bodyPr>
+          <a:p>
+            <a:pPr algn="ctr">
+              <a:lnSpc>
+                <a:spcPct val="100000"/>
+              </a:lnSpc>
+            </a:pPr>
+            <a:r>
+              <a:rPr b="1" lang="en-US" sz="1400" spc="-1" strike="noStrike">
+                <a:solidFill>
+                  <a:srgbClr val="ffb45a"/>
+                </a:solidFill>
+                <a:latin typeface="Calibri"/>
+                <a:ea typeface="DejaVu Sans"/>
+              </a:rPr>
+              <a:t>JAVA CORE</a:t>
+            </a:r>
+            <a:endParaRPr b="0" lang="en-US" sz="1400" spc="-1" strike="noStrike">
+              <a:solidFill>
+                <a:srgbClr val="ffffff"/>
+              </a:solidFill>
+              <a:latin typeface="Arial"/>
+            </a:endParaRPr>
+          </a:p>
+        </p:txBody>
+      </p:sp>
+      <p:sp>
+        <p:nvSpPr>
+          <p:cNvPr id="500" name="TextBox 55"/>
+          <p:cNvSpPr/>
+          <p:nvPr/>
+        </p:nvSpPr>
+        <p:spPr>
+          <a:xfrm>
+            <a:off x="2240640" y="1107360"/>
+            <a:ext cx="7634880" cy="729720"/>
+          </a:xfrm>
+          <a:prstGeom prst="rect">
+            <a:avLst/>
+          </a:prstGeom>
+          <a:noFill/>
+          <a:ln w="0">
+            <a:noFill/>
+          </a:ln>
+        </p:spPr>
+        <p:style>
+          <a:lnRef idx="0"/>
+          <a:fillRef idx="0"/>
+          <a:effectRef idx="0"/>
+          <a:fontRef idx="minor"/>
+        </p:style>
+        <p:txBody>
+          <a:bodyPr wrap="none" lIns="90000" rIns="90000" tIns="45000" bIns="45000" anchor="t">
+            <a:spAutoFit/>
+          </a:bodyPr>
+          <a:p>
+            <a:pPr>
+              <a:lnSpc>
+                <a:spcPct val="100000"/>
+              </a:lnSpc>
+            </a:pPr>
+            <a:r>
+              <a:rPr b="1" lang="en-US" sz="4200" spc="-1" strike="noStrike">
+                <a:solidFill>
+                  <a:srgbClr val="f5f5f5"/>
+                </a:solidFill>
+                <a:latin typeface="Calibri"/>
+                <a:ea typeface="DejaVu Sans"/>
+              </a:rPr>
+              <a:t>Java Core Features – An Overview</a:t>
+            </a:r>
+            <a:endParaRPr b="0" lang="en-US" sz="4200" spc="-1" strike="noStrike">
+              <a:solidFill>
+                <a:srgbClr val="000000"/>
+              </a:solidFill>
+              <a:latin typeface="Arial"/>
+            </a:endParaRPr>
+          </a:p>
+        </p:txBody>
+      </p:sp>
+      <p:sp>
+        <p:nvSpPr>
+          <p:cNvPr id="501" name="TextBox 56"/>
+          <p:cNvSpPr/>
+          <p:nvPr/>
+        </p:nvSpPr>
+        <p:spPr>
+          <a:xfrm>
+            <a:off x="3222000" y="2266200"/>
+            <a:ext cx="6296760" cy="363960"/>
+          </a:xfrm>
+          <a:prstGeom prst="rect">
+            <a:avLst/>
+          </a:prstGeom>
+          <a:noFill/>
+          <a:ln w="0">
+            <a:noFill/>
+          </a:ln>
+        </p:spPr>
+        <p:style>
+          <a:lnRef idx="0"/>
+          <a:fillRef idx="0"/>
+          <a:effectRef idx="0"/>
+          <a:fontRef idx="minor"/>
+        </p:style>
+        <p:txBody>
+          <a:bodyPr wrap="none" lIns="90000" rIns="90000" tIns="45000" bIns="45000" anchor="t">
+            <a:spAutoFit/>
+          </a:bodyPr>
+          <a:p>
+            <a:pPr>
+              <a:lnSpc>
+                <a:spcPct val="100000"/>
+              </a:lnSpc>
+            </a:pPr>
+            <a:r>
+              <a:rPr b="0" lang="en-US" sz="1800" spc="-1" strike="noStrike">
+                <a:solidFill>
+                  <a:srgbClr val="aaaaaa"/>
+                </a:solidFill>
+                <a:latin typeface="Calibri"/>
+                <a:ea typeface="DejaVu Sans"/>
+              </a:rPr>
+              <a:t>A first look at the fundamental features that shape Java programs.</a:t>
+            </a:r>
+            <a:endParaRPr b="0" lang="en-US" sz="1800" spc="-1" strike="noStrike">
+              <a:solidFill>
+                <a:srgbClr val="000000"/>
+              </a:solidFill>
+              <a:latin typeface="Arial"/>
+            </a:endParaRPr>
+          </a:p>
+        </p:txBody>
+      </p:sp>
+      <p:sp>
+        <p:nvSpPr>
+          <p:cNvPr id="502" name="Rounded Rectangle 127"/>
+          <p:cNvSpPr/>
+          <p:nvPr/>
+        </p:nvSpPr>
+        <p:spPr>
+          <a:xfrm>
+            <a:off x="1086840" y="3506040"/>
+            <a:ext cx="3622680" cy="3017880"/>
+          </a:xfrm>
+          <a:prstGeom prst="roundRect">
+            <a:avLst>
+              <a:gd name="adj" fmla="val 16667"/>
+            </a:avLst>
+          </a:prstGeom>
+          <a:solidFill>
+            <a:srgbClr val="08080a"/>
+          </a:solidFill>
+          <a:ln>
+            <a:noFill/>
+          </a:ln>
+          <a:effectLst>
+            <a:outerShdw blurRad="39960" dir="5400000" dist="23040" rotWithShape="0">
+              <a:srgbClr val="000000">
+                <a:alpha val="35000"/>
+              </a:srgbClr>
+            </a:outerShdw>
+          </a:effectLst>
+        </p:spPr>
+        <p:style>
+          <a:lnRef idx="1">
+            <a:schemeClr val="accent1"/>
+          </a:lnRef>
+          <a:fillRef idx="3">
+            <a:schemeClr val="accent1"/>
+          </a:fillRef>
+          <a:effectRef idx="2">
+            <a:schemeClr val="accent1"/>
+          </a:effectRef>
+          <a:fontRef idx="minor"/>
+        </p:style>
+        <p:txBody>
+          <a:bodyPr lIns="90000" rIns="90000" tIns="45000" bIns="45000" anchor="ctr">
+            <a:noAutofit/>
+          </a:bodyPr>
+          <a:p>
+            <a:endParaRPr b="0" lang="en-US" sz="1800" spc="-1" strike="noStrike">
+              <a:solidFill>
+                <a:schemeClr val="lt1"/>
+              </a:solidFill>
+              <a:latin typeface="Calibri"/>
+              <a:ea typeface="DejaVu Sans"/>
+            </a:endParaRPr>
+          </a:p>
+        </p:txBody>
+      </p:sp>
+      <p:sp>
+        <p:nvSpPr>
+          <p:cNvPr id="503" name="Rounded Rectangle 128"/>
+          <p:cNvSpPr/>
+          <p:nvPr/>
+        </p:nvSpPr>
+        <p:spPr>
+          <a:xfrm>
+            <a:off x="1020960" y="3424320"/>
+            <a:ext cx="3623040" cy="3018240"/>
+          </a:xfrm>
+          <a:prstGeom prst="roundRect">
+            <a:avLst>
+              <a:gd name="adj" fmla="val 16667"/>
+            </a:avLst>
+          </a:prstGeom>
+          <a:solidFill>
+            <a:srgbClr val="16161c"/>
+          </a:solidFill>
+          <a:ln>
+            <a:solidFill>
+              <a:srgbClr val="464655"/>
+            </a:solidFill>
+            <a:round/>
+          </a:ln>
+          <a:effectLst>
+            <a:outerShdw blurRad="39960" dir="5400000" dist="23040" rotWithShape="0">
+              <a:srgbClr val="000000">
+                <a:alpha val="35000"/>
+              </a:srgbClr>
+            </a:outerShdw>
+          </a:effectLst>
+        </p:spPr>
+        <p:style>
+          <a:lnRef idx="1">
+            <a:schemeClr val="accent1"/>
+          </a:lnRef>
+          <a:fillRef idx="3">
+            <a:schemeClr val="accent1"/>
+          </a:fillRef>
+          <a:effectRef idx="2">
+            <a:schemeClr val="accent1"/>
+          </a:effectRef>
+          <a:fontRef idx="minor"/>
+        </p:style>
+        <p:txBody>
+          <a:bodyPr lIns="90000" rIns="90000" tIns="45000" bIns="45000" anchor="ctr">
+            <a:noAutofit/>
+          </a:bodyPr>
+          <a:p>
+            <a:pPr>
+              <a:lnSpc>
+                <a:spcPct val="100000"/>
+              </a:lnSpc>
+            </a:pPr>
+            <a:r>
+              <a:rPr b="1" lang="en-US" sz="1400" spc="-1" strike="noStrike">
+                <a:solidFill>
+                  <a:schemeClr val="lt1"/>
+                </a:solidFill>
+                <a:latin typeface="Calibri"/>
+                <a:ea typeface="DejaVu Sans"/>
+              </a:rPr>
+              <a:t>Java is designed with a set of core features that help developers write programs in a clear, structured, and predictable way.</a:t>
+            </a:r>
+            <a:endParaRPr b="0" lang="en-US" sz="1400" spc="-1" strike="noStrike">
+              <a:solidFill>
+                <a:srgbClr val="ffffff"/>
+              </a:solidFill>
+              <a:latin typeface="Arial"/>
+            </a:endParaRPr>
+          </a:p>
+          <a:p>
+            <a:pPr>
+              <a:lnSpc>
+                <a:spcPct val="100000"/>
+              </a:lnSpc>
+            </a:pPr>
+            <a:endParaRPr b="0" lang="en-US" sz="1400" spc="-1" strike="noStrike">
+              <a:solidFill>
+                <a:srgbClr val="ffffff"/>
+              </a:solidFill>
+              <a:latin typeface="Arial"/>
+            </a:endParaRPr>
+          </a:p>
+          <a:p>
+            <a:pPr>
+              <a:lnSpc>
+                <a:spcPct val="100000"/>
+              </a:lnSpc>
+            </a:pPr>
+            <a:r>
+              <a:rPr b="1" lang="en-US" sz="1400" spc="-1" strike="noStrike">
+                <a:solidFill>
+                  <a:schemeClr val="lt1"/>
+                </a:solidFill>
+                <a:latin typeface="Calibri"/>
+                <a:ea typeface="DejaVu Sans"/>
+              </a:rPr>
+              <a:t>These features reduce common programming errors, improve code readability, and make applications easier to maintain over time.</a:t>
+            </a:r>
+            <a:endParaRPr b="0" lang="en-US" sz="1400" spc="-1" strike="noStrike">
+              <a:solidFill>
+                <a:srgbClr val="ffffff"/>
+              </a:solidFill>
+              <a:latin typeface="Arial"/>
+            </a:endParaRPr>
+          </a:p>
+          <a:p>
+            <a:pPr>
+              <a:lnSpc>
+                <a:spcPct val="100000"/>
+              </a:lnSpc>
+            </a:pPr>
+            <a:endParaRPr b="0" lang="en-US" sz="1400" spc="-1" strike="noStrike">
+              <a:solidFill>
+                <a:srgbClr val="ffffff"/>
+              </a:solidFill>
+              <a:latin typeface="Arial"/>
+            </a:endParaRPr>
+          </a:p>
+          <a:p>
+            <a:pPr>
+              <a:lnSpc>
+                <a:spcPct val="100000"/>
+              </a:lnSpc>
+            </a:pPr>
+            <a:r>
+              <a:rPr b="1" lang="en-US" sz="1400" spc="-1" strike="noStrike">
+                <a:solidFill>
+                  <a:schemeClr val="lt1"/>
+                </a:solidFill>
+                <a:latin typeface="Calibri"/>
+                <a:ea typeface="DejaVu Sans"/>
+              </a:rPr>
+              <a:t>Rather than focusing on low-level system details, Java allows developers to concentrate on program logic and problem-solving.</a:t>
+            </a:r>
+            <a:endParaRPr b="0" lang="en-US" sz="1400" spc="-1" strike="noStrike">
+              <a:solidFill>
+                <a:srgbClr val="ffffff"/>
+              </a:solidFill>
+              <a:latin typeface="Arial"/>
+            </a:endParaRPr>
+          </a:p>
+        </p:txBody>
+      </p:sp>
+      <p:sp>
+        <p:nvSpPr>
+          <p:cNvPr id="504" name="Rounded Rectangle 129"/>
+          <p:cNvSpPr/>
+          <p:nvPr/>
+        </p:nvSpPr>
+        <p:spPr>
+          <a:xfrm>
+            <a:off x="4968360" y="3506040"/>
+            <a:ext cx="3622680" cy="3017880"/>
+          </a:xfrm>
+          <a:prstGeom prst="roundRect">
+            <a:avLst>
+              <a:gd name="adj" fmla="val 16667"/>
+            </a:avLst>
+          </a:prstGeom>
+          <a:solidFill>
+            <a:srgbClr val="08080a"/>
+          </a:solidFill>
+          <a:ln>
+            <a:noFill/>
+          </a:ln>
+          <a:effectLst>
+            <a:outerShdw blurRad="39960" dir="5400000" dist="23040" rotWithShape="0">
+              <a:srgbClr val="000000">
+                <a:alpha val="35000"/>
+              </a:srgbClr>
+            </a:outerShdw>
+          </a:effectLst>
+        </p:spPr>
+        <p:style>
+          <a:lnRef idx="1">
+            <a:schemeClr val="accent1"/>
+          </a:lnRef>
+          <a:fillRef idx="3">
+            <a:schemeClr val="accent1"/>
+          </a:fillRef>
+          <a:effectRef idx="2">
+            <a:schemeClr val="accent1"/>
+          </a:effectRef>
+          <a:fontRef idx="minor"/>
+        </p:style>
+        <p:txBody>
+          <a:bodyPr lIns="90000" rIns="90000" tIns="45000" bIns="45000" anchor="ctr">
+            <a:noAutofit/>
+          </a:bodyPr>
+          <a:p>
+            <a:endParaRPr b="0" lang="en-US" sz="1800" spc="-1" strike="noStrike">
+              <a:solidFill>
+                <a:schemeClr val="lt1"/>
+              </a:solidFill>
+              <a:latin typeface="Calibri"/>
+              <a:ea typeface="DejaVu Sans"/>
+            </a:endParaRPr>
+          </a:p>
+        </p:txBody>
+      </p:sp>
+      <p:sp>
+        <p:nvSpPr>
+          <p:cNvPr id="505" name="Rounded Rectangle 130"/>
+          <p:cNvSpPr/>
+          <p:nvPr/>
+        </p:nvSpPr>
+        <p:spPr>
+          <a:xfrm>
+            <a:off x="8849160" y="3506040"/>
+            <a:ext cx="3622680" cy="3017880"/>
+          </a:xfrm>
+          <a:prstGeom prst="roundRect">
+            <a:avLst>
+              <a:gd name="adj" fmla="val 16667"/>
+            </a:avLst>
+          </a:prstGeom>
+          <a:solidFill>
+            <a:srgbClr val="08080a"/>
+          </a:solidFill>
+          <a:ln>
+            <a:noFill/>
+          </a:ln>
+          <a:effectLst>
+            <a:outerShdw blurRad="39960" dir="5400000" dist="23040" rotWithShape="0">
+              <a:srgbClr val="000000">
+                <a:alpha val="35000"/>
+              </a:srgbClr>
+            </a:outerShdw>
+          </a:effectLst>
+        </p:spPr>
+        <p:style>
+          <a:lnRef idx="1">
+            <a:schemeClr val="accent1"/>
+          </a:lnRef>
+          <a:fillRef idx="3">
+            <a:schemeClr val="accent1"/>
+          </a:fillRef>
+          <a:effectRef idx="2">
+            <a:schemeClr val="accent1"/>
+          </a:effectRef>
+          <a:fontRef idx="minor"/>
+        </p:style>
+        <p:txBody>
+          <a:bodyPr lIns="90000" rIns="90000" tIns="45000" bIns="45000" anchor="ctr">
+            <a:noAutofit/>
+          </a:bodyPr>
+          <a:p>
+            <a:endParaRPr b="0" lang="en-US" sz="1800" spc="-1" strike="noStrike">
+              <a:solidFill>
+                <a:schemeClr val="lt1"/>
+              </a:solidFill>
+              <a:latin typeface="Calibri"/>
+              <a:ea typeface="DejaVu Sans"/>
+            </a:endParaRPr>
+          </a:p>
+        </p:txBody>
+      </p:sp>
+      <p:sp>
+        <p:nvSpPr>
+          <p:cNvPr id="506" name="Rounded Rectangle 131"/>
+          <p:cNvSpPr/>
+          <p:nvPr/>
+        </p:nvSpPr>
+        <p:spPr>
+          <a:xfrm>
+            <a:off x="8767440" y="3425040"/>
+            <a:ext cx="3623040" cy="3018240"/>
+          </a:xfrm>
+          <a:prstGeom prst="roundRect">
+            <a:avLst>
+              <a:gd name="adj" fmla="val 16667"/>
+            </a:avLst>
+          </a:prstGeom>
+          <a:solidFill>
+            <a:srgbClr val="16161c"/>
+          </a:solidFill>
+          <a:ln>
+            <a:solidFill>
+              <a:srgbClr val="464655"/>
+            </a:solidFill>
+            <a:round/>
+          </a:ln>
+          <a:effectLst>
+            <a:outerShdw blurRad="39960" dir="5400000" dist="23040" rotWithShape="0">
+              <a:srgbClr val="000000">
+                <a:alpha val="35000"/>
+              </a:srgbClr>
+            </a:outerShdw>
+          </a:effectLst>
+        </p:spPr>
+        <p:style>
+          <a:lnRef idx="1">
+            <a:schemeClr val="accent1"/>
+          </a:lnRef>
+          <a:fillRef idx="3">
+            <a:schemeClr val="accent1"/>
+          </a:fillRef>
+          <a:effectRef idx="2">
+            <a:schemeClr val="accent1"/>
+          </a:effectRef>
+          <a:fontRef idx="minor"/>
+        </p:style>
+        <p:txBody>
+          <a:bodyPr lIns="90000" rIns="90000" tIns="45000" bIns="45000" anchor="ctr">
+            <a:noAutofit/>
+          </a:bodyPr>
+          <a:p>
+            <a:pPr algn="ctr">
+              <a:lnSpc>
+                <a:spcPct val="100000"/>
+              </a:lnSpc>
+            </a:pPr>
+            <a:endParaRPr b="0" lang="en-US" sz="2100" spc="-1" strike="noStrike">
+              <a:solidFill>
+                <a:srgbClr val="ffffff"/>
+              </a:solidFill>
+              <a:latin typeface="Arial"/>
+            </a:endParaRPr>
+          </a:p>
+          <a:p>
+            <a:pPr algn="ctr">
+              <a:lnSpc>
+                <a:spcPct val="100000"/>
+              </a:lnSpc>
+            </a:pPr>
+            <a:endParaRPr b="0" lang="en-US" sz="2100" spc="-1" strike="noStrike">
+              <a:solidFill>
+                <a:srgbClr val="ffffff"/>
+              </a:solidFill>
+              <a:latin typeface="Arial"/>
+            </a:endParaRPr>
+          </a:p>
+          <a:p>
+            <a:pPr algn="ctr">
+              <a:lnSpc>
+                <a:spcPct val="100000"/>
+              </a:lnSpc>
+            </a:pPr>
+            <a:endParaRPr b="0" lang="en-US" sz="2100" spc="-1" strike="noStrike">
+              <a:solidFill>
+                <a:srgbClr val="ffffff"/>
+              </a:solidFill>
+              <a:latin typeface="Arial"/>
+            </a:endParaRPr>
+          </a:p>
+          <a:p>
+            <a:pPr algn="ctr">
+              <a:lnSpc>
+                <a:spcPct val="100000"/>
+              </a:lnSpc>
+            </a:pPr>
+            <a:endParaRPr b="0" lang="en-US" sz="2100" spc="-1" strike="noStrike">
+              <a:solidFill>
+                <a:srgbClr val="ffffff"/>
+              </a:solidFill>
+              <a:latin typeface="Arial"/>
+            </a:endParaRPr>
+          </a:p>
+          <a:p>
+            <a:pPr algn="ctr">
+              <a:lnSpc>
+                <a:spcPct val="100000"/>
+              </a:lnSpc>
+            </a:pPr>
+            <a:endParaRPr b="0" lang="en-US" sz="2100" spc="-1" strike="noStrike">
+              <a:solidFill>
+                <a:srgbClr val="ffffff"/>
+              </a:solidFill>
+              <a:latin typeface="Arial"/>
+            </a:endParaRPr>
+          </a:p>
+          <a:p>
+            <a:pPr algn="ctr">
+              <a:lnSpc>
+                <a:spcPct val="100000"/>
+              </a:lnSpc>
+            </a:pPr>
+            <a:endParaRPr b="0" lang="en-US" sz="2100" spc="-1" strike="noStrike">
+              <a:solidFill>
+                <a:srgbClr val="ffffff"/>
+              </a:solidFill>
+              <a:latin typeface="Arial"/>
+            </a:endParaRPr>
+          </a:p>
+          <a:p>
+            <a:pPr algn="ctr">
+              <a:lnSpc>
+                <a:spcPct val="100000"/>
+              </a:lnSpc>
+            </a:pPr>
+            <a:endParaRPr b="0" lang="en-US" sz="2100" spc="-1" strike="noStrike">
+              <a:solidFill>
+                <a:srgbClr val="ffffff"/>
+              </a:solidFill>
+              <a:latin typeface="Arial"/>
+            </a:endParaRPr>
+          </a:p>
+          <a:p>
+            <a:pPr algn="ctr">
+              <a:lnSpc>
+                <a:spcPct val="100000"/>
+              </a:lnSpc>
+            </a:pPr>
+            <a:endParaRPr b="0" lang="en-US" sz="2100" spc="-1" strike="noStrike">
+              <a:solidFill>
+                <a:srgbClr val="ffffff"/>
+              </a:solidFill>
+              <a:latin typeface="Arial"/>
+            </a:endParaRPr>
+          </a:p>
+          <a:p>
+            <a:pPr algn="ctr">
+              <a:lnSpc>
+                <a:spcPct val="100000"/>
+              </a:lnSpc>
+            </a:pPr>
+            <a:endParaRPr b="0" lang="en-US" sz="2100" spc="-1" strike="noStrike">
+              <a:solidFill>
+                <a:srgbClr val="ffffff"/>
+              </a:solidFill>
+              <a:latin typeface="Arial"/>
+            </a:endParaRPr>
+          </a:p>
+          <a:p>
+            <a:pPr algn="ctr">
+              <a:lnSpc>
+                <a:spcPct val="100000"/>
+              </a:lnSpc>
+            </a:pPr>
+            <a:endParaRPr b="0" lang="en-US" sz="2100" spc="-1" strike="noStrike">
+              <a:solidFill>
+                <a:srgbClr val="ffffff"/>
+              </a:solidFill>
+              <a:latin typeface="Arial"/>
+            </a:endParaRPr>
+          </a:p>
+          <a:p>
+            <a:pPr algn="ctr">
+              <a:lnSpc>
+                <a:spcPct val="100000"/>
+              </a:lnSpc>
+            </a:pPr>
+            <a:endParaRPr b="0" lang="en-US" sz="2100" spc="-1" strike="noStrike">
+              <a:solidFill>
+                <a:srgbClr val="ffffff"/>
+              </a:solidFill>
+              <a:latin typeface="Arial"/>
+            </a:endParaRPr>
+          </a:p>
+          <a:p>
+            <a:pPr algn="ctr">
+              <a:lnSpc>
+                <a:spcPct val="100000"/>
+              </a:lnSpc>
+            </a:pPr>
+            <a:r>
+              <a:rPr b="0" lang="en-US" sz="2100" spc="-1" strike="noStrike">
+                <a:solidFill>
+                  <a:srgbClr val="78ffc8"/>
+                </a:solidFill>
+                <a:latin typeface="Consolas"/>
+                <a:ea typeface="DejaVu Sans"/>
+              </a:rPr>
+              <a:t>int number = 5;</a:t>
+            </a:r>
+            <a:endParaRPr b="0" lang="en-US" sz="2100" spc="-1" strike="noStrike">
+              <a:solidFill>
+                <a:srgbClr val="ffffff"/>
+              </a:solidFill>
+              <a:latin typeface="Arial"/>
+            </a:endParaRPr>
+          </a:p>
+          <a:p>
+            <a:pPr algn="ctr">
+              <a:lnSpc>
+                <a:spcPct val="100000"/>
+              </a:lnSpc>
+            </a:pPr>
+            <a:endParaRPr b="0" lang="en-US" sz="2100" spc="-1" strike="noStrike">
+              <a:solidFill>
+                <a:srgbClr val="ffffff"/>
+              </a:solidFill>
+              <a:latin typeface="Arial"/>
+            </a:endParaRPr>
+          </a:p>
+          <a:p>
+            <a:pPr algn="ctr">
+              <a:lnSpc>
+                <a:spcPct val="100000"/>
+              </a:lnSpc>
+            </a:pPr>
+            <a:r>
+              <a:rPr b="0" lang="en-US" sz="2100" spc="-1" strike="noStrike">
+                <a:solidFill>
+                  <a:srgbClr val="78ffc8"/>
+                </a:solidFill>
+                <a:latin typeface="Consolas"/>
+                <a:ea typeface="DejaVu Sans"/>
+              </a:rPr>
+              <a:t>if (number &gt; 0) {</a:t>
+            </a:r>
+            <a:endParaRPr b="0" lang="en-US" sz="2100" spc="-1" strike="noStrike">
+              <a:solidFill>
+                <a:srgbClr val="ffffff"/>
+              </a:solidFill>
+              <a:latin typeface="Arial"/>
+            </a:endParaRPr>
+          </a:p>
+          <a:p>
+            <a:pPr algn="ctr">
+              <a:lnSpc>
+                <a:spcPct val="100000"/>
+              </a:lnSpc>
+            </a:pPr>
+            <a:r>
+              <a:rPr b="0" lang="en-US" sz="2100" spc="-1" strike="noStrike">
+                <a:solidFill>
+                  <a:srgbClr val="78ffc8"/>
+                </a:solidFill>
+                <a:latin typeface="Consolas"/>
+                <a:ea typeface="DejaVu Sans"/>
+              </a:rPr>
+              <a:t>    </a:t>
+            </a:r>
+            <a:r>
+              <a:rPr b="0" lang="en-US" sz="2100" spc="-1" strike="noStrike">
+                <a:solidFill>
+                  <a:srgbClr val="78ffc8"/>
+                </a:solidFill>
+                <a:latin typeface="Consolas"/>
+                <a:ea typeface="DejaVu Sans"/>
+              </a:rPr>
+              <a:t>System.out.println("Positive number");</a:t>
+            </a:r>
+            <a:endParaRPr b="0" lang="en-US" sz="2100" spc="-1" strike="noStrike">
+              <a:solidFill>
+                <a:srgbClr val="ffffff"/>
+              </a:solidFill>
+              <a:latin typeface="Arial"/>
+            </a:endParaRPr>
+          </a:p>
+          <a:p>
+            <a:pPr algn="ctr">
+              <a:lnSpc>
+                <a:spcPct val="100000"/>
+              </a:lnSpc>
+            </a:pPr>
+            <a:r>
+              <a:rPr b="0" lang="en-US" sz="2100" spc="-1" strike="noStrike">
+                <a:solidFill>
+                  <a:srgbClr val="78ffc8"/>
+                </a:solidFill>
+                <a:latin typeface="Consolas"/>
+                <a:ea typeface="DejaVu Sans"/>
+              </a:rPr>
+              <a:t>}</a:t>
+            </a:r>
+            <a:endParaRPr b="0" lang="en-US" sz="2100" spc="-1" strike="noStrike">
+              <a:solidFill>
+                <a:srgbClr val="ffffff"/>
+              </a:solidFill>
+              <a:latin typeface="Arial"/>
+            </a:endParaRPr>
+          </a:p>
+          <a:p>
+            <a:pPr algn="ctr">
+              <a:lnSpc>
+                <a:spcPct val="100000"/>
+              </a:lnSpc>
+            </a:pPr>
+            <a:endParaRPr b="0" lang="en-US" sz="2100" spc="-1" strike="noStrike">
+              <a:solidFill>
+                <a:srgbClr val="ffffff"/>
+              </a:solidFill>
+              <a:latin typeface="Arial"/>
+            </a:endParaRPr>
+          </a:p>
+          <a:p>
+            <a:pPr algn="ctr">
+              <a:lnSpc>
+                <a:spcPct val="100000"/>
+              </a:lnSpc>
+            </a:pPr>
+            <a:endParaRPr b="0" lang="en-US" sz="2100" spc="-1" strike="noStrike">
+              <a:solidFill>
+                <a:srgbClr val="ffffff"/>
+              </a:solidFill>
+              <a:latin typeface="Arial"/>
+            </a:endParaRPr>
+          </a:p>
+          <a:p>
+            <a:pPr algn="ctr">
+              <a:lnSpc>
+                <a:spcPct val="100000"/>
+              </a:lnSpc>
+            </a:pPr>
+            <a:endParaRPr b="0" lang="en-US" sz="2100" spc="-1" strike="noStrike">
+              <a:solidFill>
+                <a:srgbClr val="ffffff"/>
+              </a:solidFill>
+              <a:latin typeface="Arial"/>
+            </a:endParaRPr>
+          </a:p>
+          <a:p>
+            <a:pPr algn="ctr">
+              <a:lnSpc>
+                <a:spcPct val="100000"/>
+              </a:lnSpc>
+            </a:pPr>
+            <a:endParaRPr b="0" lang="en-US" sz="2100" spc="-1" strike="noStrike">
+              <a:solidFill>
+                <a:srgbClr val="ffffff"/>
+              </a:solidFill>
+              <a:latin typeface="Arial"/>
+            </a:endParaRPr>
+          </a:p>
+          <a:p>
+            <a:pPr algn="ctr">
+              <a:lnSpc>
+                <a:spcPct val="100000"/>
+              </a:lnSpc>
+            </a:pPr>
+            <a:endParaRPr b="0" lang="en-US" sz="2100" spc="-1" strike="noStrike">
+              <a:solidFill>
+                <a:srgbClr val="ffffff"/>
+              </a:solidFill>
+              <a:latin typeface="Arial"/>
+            </a:endParaRPr>
+          </a:p>
+          <a:p>
+            <a:pPr algn="ctr">
+              <a:lnSpc>
+                <a:spcPct val="100000"/>
+              </a:lnSpc>
+            </a:pPr>
+            <a:endParaRPr b="0" lang="en-US" sz="2100" spc="-1" strike="noStrike">
+              <a:solidFill>
+                <a:srgbClr val="ffffff"/>
+              </a:solidFill>
+              <a:latin typeface="Arial"/>
+            </a:endParaRPr>
+          </a:p>
+          <a:p>
+            <a:pPr algn="ctr">
+              <a:lnSpc>
+                <a:spcPct val="100000"/>
+              </a:lnSpc>
+            </a:pPr>
+            <a:endParaRPr b="0" lang="en-US" sz="2100" spc="-1" strike="noStrike">
+              <a:solidFill>
+                <a:srgbClr val="ffffff"/>
+              </a:solidFill>
+              <a:latin typeface="Arial"/>
+            </a:endParaRPr>
+          </a:p>
+          <a:p>
+            <a:pPr algn="ctr">
+              <a:lnSpc>
+                <a:spcPct val="100000"/>
+              </a:lnSpc>
+            </a:pPr>
+            <a:endParaRPr b="0" lang="en-US" sz="2100" spc="-1" strike="noStrike">
+              <a:solidFill>
+                <a:srgbClr val="ffffff"/>
+              </a:solidFill>
+              <a:latin typeface="Arial"/>
+            </a:endParaRPr>
+          </a:p>
+          <a:p>
+            <a:pPr algn="ctr">
+              <a:lnSpc>
+                <a:spcPct val="100000"/>
+              </a:lnSpc>
+            </a:pPr>
+            <a:endParaRPr b="0" lang="en-US" sz="2100" spc="-1" strike="noStrike">
+              <a:solidFill>
+                <a:srgbClr val="ffffff"/>
+              </a:solidFill>
+              <a:latin typeface="Arial"/>
+            </a:endParaRPr>
+          </a:p>
+          <a:p>
+            <a:pPr algn="ctr">
+              <a:lnSpc>
+                <a:spcPct val="100000"/>
+              </a:lnSpc>
+            </a:pPr>
+            <a:endParaRPr b="0" lang="en-US" sz="2100" spc="-1" strike="noStrike">
+              <a:solidFill>
+                <a:srgbClr val="ffffff"/>
+              </a:solidFill>
+              <a:latin typeface="Arial"/>
+            </a:endParaRPr>
+          </a:p>
+          <a:p>
+            <a:pPr algn="ctr">
+              <a:lnSpc>
+                <a:spcPct val="100000"/>
+              </a:lnSpc>
+            </a:pPr>
+            <a:endParaRPr b="0" lang="en-US" sz="2100" spc="-1" strike="noStrike">
+              <a:solidFill>
+                <a:srgbClr val="ffffff"/>
+              </a:solidFill>
+              <a:latin typeface="Arial"/>
+            </a:endParaRPr>
+          </a:p>
+        </p:txBody>
+      </p:sp>
+      <p:sp>
+        <p:nvSpPr>
+          <p:cNvPr id="507" name="TextBox 57"/>
+          <p:cNvSpPr/>
+          <p:nvPr/>
+        </p:nvSpPr>
+        <p:spPr>
+          <a:xfrm>
+            <a:off x="5224320" y="7104600"/>
+            <a:ext cx="3051000" cy="363960"/>
+          </a:xfrm>
+          <a:prstGeom prst="rect">
+            <a:avLst/>
+          </a:prstGeom>
+          <a:noFill/>
+          <a:ln w="0">
+            <a:noFill/>
+          </a:ln>
+        </p:spPr>
+        <p:style>
+          <a:lnRef idx="0"/>
+          <a:fillRef idx="0"/>
+          <a:effectRef idx="0"/>
+          <a:fontRef idx="minor"/>
+        </p:style>
+        <p:txBody>
+          <a:bodyPr wrap="none" lIns="90000" rIns="90000" tIns="45000" bIns="45000" anchor="t">
+            <a:spAutoFit/>
+          </a:bodyPr>
+          <a:p>
+            <a:pPr>
+              <a:lnSpc>
+                <a:spcPct val="100000"/>
+              </a:lnSpc>
+            </a:pPr>
+            <a:r>
+              <a:rPr b="0" lang="en-US" sz="1800" spc="-1" strike="noStrike">
+                <a:solidFill>
+                  <a:srgbClr val="000000"/>
+                </a:solidFill>
+                <a:latin typeface="Calibri"/>
+                <a:ea typeface="DejaVu Sans"/>
+              </a:rPr>
+              <a:t>Java • Ultra Premium Template</a:t>
+            </a:r>
+            <a:endParaRPr b="0" lang="en-US" sz="1800" spc="-1" strike="noStrike">
+              <a:solidFill>
+                <a:srgbClr val="000000"/>
+              </a:solidFill>
+              <a:latin typeface="Arial"/>
+            </a:endParaRPr>
+          </a:p>
+        </p:txBody>
+      </p:sp>
+      <p:sp>
+        <p:nvSpPr>
+          <p:cNvPr id="508" name="Rounded Rectangle 132"/>
+          <p:cNvSpPr/>
+          <p:nvPr/>
+        </p:nvSpPr>
+        <p:spPr>
+          <a:xfrm>
+            <a:off x="4941000" y="3450960"/>
+            <a:ext cx="3623040" cy="3018240"/>
+          </a:xfrm>
+          <a:prstGeom prst="roundRect">
+            <a:avLst>
+              <a:gd name="adj" fmla="val 16667"/>
+            </a:avLst>
+          </a:prstGeom>
+          <a:solidFill>
+            <a:srgbClr val="16161c"/>
+          </a:solidFill>
+          <a:ln>
+            <a:solidFill>
+              <a:srgbClr val="464655"/>
+            </a:solidFill>
+            <a:round/>
+          </a:ln>
+          <a:effectLst>
+            <a:outerShdw blurRad="39960" dir="5400000" dist="23040" rotWithShape="0">
+              <a:srgbClr val="000000">
+                <a:alpha val="35000"/>
+              </a:srgbClr>
+            </a:outerShdw>
+          </a:effectLst>
+        </p:spPr>
+        <p:style>
+          <a:lnRef idx="1">
+            <a:schemeClr val="accent1"/>
+          </a:lnRef>
+          <a:fillRef idx="3">
+            <a:schemeClr val="accent1"/>
+          </a:fillRef>
+          <a:effectRef idx="2">
+            <a:schemeClr val="accent1"/>
+          </a:effectRef>
+          <a:fontRef idx="minor"/>
+        </p:style>
+        <p:txBody>
+          <a:bodyPr lIns="90000" rIns="90000" tIns="45000" bIns="45000" anchor="ctr">
+            <a:noAutofit/>
+          </a:bodyPr>
+          <a:p>
+            <a:pPr>
+              <a:lnSpc>
+                <a:spcPct val="100000"/>
+              </a:lnSpc>
+            </a:pPr>
+            <a:r>
+              <a:rPr b="1" lang="en-US" sz="2400" spc="-1" strike="noStrike">
+                <a:solidFill>
+                  <a:schemeClr val="lt1"/>
+                </a:solidFill>
+                <a:latin typeface="Calibri"/>
+                <a:ea typeface="DejaVu Sans"/>
+              </a:rPr>
+              <a:t>What I Want to Do</a:t>
+            </a:r>
+            <a:endParaRPr b="0" lang="en-US" sz="2400" spc="-1" strike="noStrike">
+              <a:solidFill>
+                <a:srgbClr val="ffffff"/>
+              </a:solidFill>
+              <a:latin typeface="Arial"/>
+            </a:endParaRPr>
+          </a:p>
+          <a:p>
+            <a:pPr>
+              <a:lnSpc>
+                <a:spcPct val="100000"/>
+              </a:lnSpc>
+            </a:pPr>
+            <a:r>
+              <a:rPr b="1" lang="en-US" sz="2400" spc="-1" strike="noStrike">
+                <a:solidFill>
+                  <a:schemeClr val="lt1"/>
+                </a:solidFill>
+                <a:latin typeface="Calibri"/>
+                <a:ea typeface="DejaVu Sans"/>
+              </a:rPr>
+              <a:t>What Java Allows</a:t>
+            </a:r>
+            <a:endParaRPr b="0" lang="en-US" sz="2400" spc="-1" strike="noStrike">
+              <a:solidFill>
+                <a:srgbClr val="ffffff"/>
+              </a:solidFill>
+              <a:latin typeface="Arial"/>
+            </a:endParaRPr>
+          </a:p>
+          <a:p>
+            <a:pPr>
+              <a:lnSpc>
+                <a:spcPct val="100000"/>
+              </a:lnSpc>
+            </a:pPr>
+            <a:r>
+              <a:rPr b="1" lang="en-US" sz="2400" spc="-1" strike="noStrike">
+                <a:solidFill>
+                  <a:schemeClr val="lt1"/>
+                </a:solidFill>
+                <a:latin typeface="Calibri"/>
+                <a:ea typeface="DejaVu Sans"/>
+              </a:rPr>
+              <a:t>How I Must Write It</a:t>
+            </a:r>
+            <a:endParaRPr b="0" lang="en-US" sz="2400" spc="-1" strike="noStrike">
+              <a:solidFill>
+                <a:srgbClr val="ffffff"/>
+              </a:solidFill>
+              <a:latin typeface="Arial"/>
+            </a:endParaRPr>
+          </a:p>
+          <a:p>
+            <a:pPr>
+              <a:lnSpc>
+                <a:spcPct val="100000"/>
+              </a:lnSpc>
+            </a:pPr>
+            <a:r>
+              <a:rPr b="1" lang="en-US" sz="2400" spc="-1" strike="noStrike">
+                <a:solidFill>
+                  <a:schemeClr val="lt1"/>
+                </a:solidFill>
+                <a:latin typeface="Calibri"/>
+                <a:ea typeface="DejaVu Sans"/>
+              </a:rPr>
+              <a:t>How It Executes</a:t>
+            </a:r>
+            <a:endParaRPr b="0" lang="en-US" sz="2400" spc="-1" strike="noStrike">
+              <a:solidFill>
+                <a:srgbClr val="ffffff"/>
+              </a:solidFill>
+              <a:latin typeface="Arial"/>
+            </a:endParaRPr>
+          </a:p>
+          <a:p>
+            <a:pPr>
+              <a:lnSpc>
+                <a:spcPct val="100000"/>
+              </a:lnSpc>
+            </a:pPr>
+            <a:r>
+              <a:rPr b="1" lang="en-US" sz="2400" spc="-1" strike="noStrike">
+                <a:solidFill>
+                  <a:schemeClr val="lt1"/>
+                </a:solidFill>
+                <a:latin typeface="Calibri"/>
+                <a:ea typeface="DejaVu Sans"/>
+              </a:rPr>
+              <a:t>What I Get</a:t>
+            </a:r>
+            <a:endParaRPr b="0" lang="en-US" sz="2400" spc="-1" strike="noStrike">
+              <a:solidFill>
+                <a:srgbClr val="ffffff"/>
+              </a:solidFill>
+              <a:latin typeface="Arial"/>
+            </a:endParaRPr>
+          </a:p>
+          <a:p>
+            <a:pPr>
+              <a:lnSpc>
+                <a:spcPct val="100000"/>
+              </a:lnSpc>
+            </a:pPr>
+            <a:endParaRPr b="0" lang="en-US" sz="2400" spc="-1" strike="noStrike">
               <a:solidFill>
                 <a:srgbClr val="ffffff"/>
               </a:solidFill>
@@ -21322,7 +26055,7 @@
         <p:spPr>
           <a:xfrm>
             <a:off x="1440" y="1800"/>
-            <a:ext cx="13430880" cy="7554240"/>
+            <a:ext cx="13430520" cy="7553880"/>
           </a:xfrm>
           <a:prstGeom prst="rect">
             <a:avLst/>
@@ -21382,7 +26115,7 @@
         <p:spPr>
           <a:xfrm>
             <a:off x="1440" y="1800"/>
-            <a:ext cx="15120" cy="7554240"/>
+            <a:ext cx="14760" cy="7553880"/>
           </a:xfrm>
           <a:prstGeom prst="rect">
             <a:avLst/>
@@ -21442,7 +26175,7 @@
         <p:spPr>
           <a:xfrm>
             <a:off x="1005480" y="1800"/>
-            <a:ext cx="15120" cy="7554240"/>
+            <a:ext cx="14760" cy="7553880"/>
           </a:xfrm>
           <a:prstGeom prst="rect">
             <a:avLst/>
@@ -21502,7 +26235,7 @@
         <p:spPr>
           <a:xfrm>
             <a:off x="2013480" y="1800"/>
-            <a:ext cx="15120" cy="7554240"/>
+            <a:ext cx="14760" cy="7553880"/>
           </a:xfrm>
           <a:prstGeom prst="rect">
             <a:avLst/>
@@ -21562,7 +26295,7 @@
         <p:spPr>
           <a:xfrm>
             <a:off x="3021480" y="1800"/>
-            <a:ext cx="15120" cy="7554240"/>
+            <a:ext cx="14760" cy="7553880"/>
           </a:xfrm>
           <a:prstGeom prst="rect">
             <a:avLst/>
@@ -21622,7 +26355,7 @@
         <p:spPr>
           <a:xfrm>
             <a:off x="4029480" y="1800"/>
-            <a:ext cx="15120" cy="7554240"/>
+            <a:ext cx="14760" cy="7553880"/>
           </a:xfrm>
           <a:prstGeom prst="rect">
             <a:avLst/>
@@ -21682,7 +26415,7 @@
         <p:spPr>
           <a:xfrm>
             <a:off x="5037480" y="1800"/>
-            <a:ext cx="15120" cy="7554240"/>
+            <a:ext cx="14760" cy="7553880"/>
           </a:xfrm>
           <a:prstGeom prst="rect">
             <a:avLst/>
@@ -21742,7 +26475,7 @@
         <p:spPr>
           <a:xfrm>
             <a:off x="6045480" y="1800"/>
-            <a:ext cx="15120" cy="7554240"/>
+            <a:ext cx="14760" cy="7553880"/>
           </a:xfrm>
           <a:prstGeom prst="rect">
             <a:avLst/>
@@ -21802,7 +26535,7 @@
         <p:spPr>
           <a:xfrm>
             <a:off x="7053480" y="1800"/>
-            <a:ext cx="15120" cy="7554240"/>
+            <a:ext cx="14760" cy="7553880"/>
           </a:xfrm>
           <a:prstGeom prst="rect">
             <a:avLst/>
@@ -21862,7 +26595,7 @@
         <p:spPr>
           <a:xfrm>
             <a:off x="8061480" y="1800"/>
-            <a:ext cx="15120" cy="7554240"/>
+            <a:ext cx="14760" cy="7553880"/>
           </a:xfrm>
           <a:prstGeom prst="rect">
             <a:avLst/>
@@ -21922,7 +26655,7 @@
         <p:spPr>
           <a:xfrm>
             <a:off x="9069480" y="1800"/>
-            <a:ext cx="15120" cy="7554240"/>
+            <a:ext cx="14760" cy="7553880"/>
           </a:xfrm>
           <a:prstGeom prst="rect">
             <a:avLst/>
@@ -21982,7 +26715,7 @@
         <p:spPr>
           <a:xfrm>
             <a:off x="10077480" y="1800"/>
-            <a:ext cx="15120" cy="7554240"/>
+            <a:ext cx="14760" cy="7553880"/>
           </a:xfrm>
           <a:prstGeom prst="rect">
             <a:avLst/>
@@ -22042,7 +26775,7 @@
         <p:spPr>
           <a:xfrm>
             <a:off x="11085480" y="1800"/>
-            <a:ext cx="15120" cy="7554240"/>
+            <a:ext cx="14760" cy="7553880"/>
           </a:xfrm>
           <a:prstGeom prst="rect">
             <a:avLst/>
@@ -22102,7 +26835,7 @@
         <p:spPr>
           <a:xfrm>
             <a:off x="12093480" y="1800"/>
-            <a:ext cx="15120" cy="7554240"/>
+            <a:ext cx="14760" cy="7553880"/>
           </a:xfrm>
           <a:prstGeom prst="rect">
             <a:avLst/>
@@ -22162,7 +26895,7 @@
         <p:spPr>
           <a:xfrm>
             <a:off x="13101480" y="1800"/>
-            <a:ext cx="15120" cy="7554240"/>
+            <a:ext cx="14760" cy="7553880"/>
           </a:xfrm>
           <a:prstGeom prst="rect">
             <a:avLst/>
@@ -22222,7 +26955,7 @@
         <p:spPr>
           <a:xfrm>
             <a:off x="1440" y="1800"/>
-            <a:ext cx="347040" cy="7554240"/>
+            <a:ext cx="346680" cy="7553880"/>
           </a:xfrm>
           <a:prstGeom prst="rect">
             <a:avLst/>
@@ -22282,7 +27015,7 @@
         <p:spPr>
           <a:xfrm>
             <a:off x="10884960" y="401400"/>
-            <a:ext cx="2211480" cy="547560"/>
+            <a:ext cx="2211120" cy="547200"/>
           </a:xfrm>
           <a:prstGeom prst="roundRect">
             <a:avLst>
@@ -22356,7 +27089,7 @@
         <p:spPr>
           <a:xfrm>
             <a:off x="4249800" y="1107000"/>
-            <a:ext cx="3590640" cy="820800"/>
+            <a:ext cx="3590280" cy="820800"/>
           </a:xfrm>
           <a:prstGeom prst="rect">
             <a:avLst/>
@@ -22410,7 +27143,7 @@
         <p:spPr>
           <a:xfrm>
             <a:off x="3414600" y="2266200"/>
-            <a:ext cx="5910120" cy="957960"/>
+            <a:ext cx="5909760" cy="957960"/>
           </a:xfrm>
           <a:prstGeom prst="rect">
             <a:avLst/>
@@ -22500,7 +27233,7 @@
         <p:spPr>
           <a:xfrm>
             <a:off x="1086840" y="3506040"/>
-            <a:ext cx="3623040" cy="3018240"/>
+            <a:ext cx="3622680" cy="3017880"/>
           </a:xfrm>
           <a:prstGeom prst="roundRect">
             <a:avLst>
@@ -22562,7 +27295,7 @@
         <p:spPr>
           <a:xfrm>
             <a:off x="1006560" y="3425040"/>
-            <a:ext cx="3623400" cy="3018600"/>
+            <a:ext cx="3623040" cy="3018240"/>
           </a:xfrm>
           <a:prstGeom prst="roundRect">
             <a:avLst>
@@ -22791,7 +27524,7 @@
         <p:spPr>
           <a:xfrm>
             <a:off x="4968360" y="3506040"/>
-            <a:ext cx="3623040" cy="3018240"/>
+            <a:ext cx="3622680" cy="3017880"/>
           </a:xfrm>
           <a:prstGeom prst="roundRect">
             <a:avLst>
@@ -22853,7 +27586,7 @@
         <p:spPr>
           <a:xfrm>
             <a:off x="4886640" y="3425040"/>
-            <a:ext cx="3623400" cy="3018600"/>
+            <a:ext cx="3623040" cy="3018240"/>
           </a:xfrm>
           <a:prstGeom prst="roundRect">
             <a:avLst>
@@ -23229,7 +27962,7 @@
         <p:spPr>
           <a:xfrm>
             <a:off x="8849160" y="3506040"/>
-            <a:ext cx="3623040" cy="3018240"/>
+            <a:ext cx="3622680" cy="3017880"/>
           </a:xfrm>
           <a:prstGeom prst="roundRect">
             <a:avLst>
@@ -23291,7 +28024,7 @@
         <p:spPr>
           <a:xfrm>
             <a:off x="8767440" y="3425760"/>
-            <a:ext cx="3623400" cy="3018600"/>
+            <a:ext cx="3623040" cy="3018240"/>
           </a:xfrm>
           <a:prstGeom prst="roundRect">
             <a:avLst>
@@ -23500,7 +28233,7 @@
         <p:spPr>
           <a:xfrm>
             <a:off x="5224320" y="7104600"/>
-            <a:ext cx="3051360" cy="363960"/>
+            <a:ext cx="3051000" cy="363960"/>
           </a:xfrm>
           <a:prstGeom prst="rect">
             <a:avLst/>
@@ -23584,7 +28317,7 @@
         <p:spPr>
           <a:xfrm>
             <a:off x="1440" y="1800"/>
-            <a:ext cx="13430880" cy="7554240"/>
+            <a:ext cx="13430520" cy="7553880"/>
           </a:xfrm>
           <a:prstGeom prst="rect">
             <a:avLst/>
@@ -23644,7 +28377,7 @@
         <p:spPr>
           <a:xfrm>
             <a:off x="1440" y="1800"/>
-            <a:ext cx="15120" cy="7554240"/>
+            <a:ext cx="14760" cy="7553880"/>
           </a:xfrm>
           <a:prstGeom prst="rect">
             <a:avLst/>
@@ -23704,7 +28437,7 @@
         <p:spPr>
           <a:xfrm>
             <a:off x="1005480" y="1800"/>
-            <a:ext cx="15120" cy="7554240"/>
+            <a:ext cx="14760" cy="7553880"/>
           </a:xfrm>
           <a:prstGeom prst="rect">
             <a:avLst/>
@@ -23764,7 +28497,7 @@
         <p:spPr>
           <a:xfrm>
             <a:off x="2013480" y="1800"/>
-            <a:ext cx="15120" cy="7554240"/>
+            <a:ext cx="14760" cy="7553880"/>
           </a:xfrm>
           <a:prstGeom prst="rect">
             <a:avLst/>
@@ -23824,7 +28557,7 @@
         <p:spPr>
           <a:xfrm>
             <a:off x="3021480" y="1800"/>
-            <a:ext cx="15120" cy="7554240"/>
+            <a:ext cx="14760" cy="7553880"/>
           </a:xfrm>
           <a:prstGeom prst="rect">
             <a:avLst/>
@@ -23884,7 +28617,7 @@
         <p:spPr>
           <a:xfrm>
             <a:off x="4029480" y="1800"/>
-            <a:ext cx="15120" cy="7554240"/>
+            <a:ext cx="14760" cy="7553880"/>
           </a:xfrm>
           <a:prstGeom prst="rect">
             <a:avLst/>
@@ -23944,7 +28677,7 @@
         <p:spPr>
           <a:xfrm>
             <a:off x="5037480" y="1800"/>
-            <a:ext cx="15120" cy="7554240"/>
+            <a:ext cx="14760" cy="7553880"/>
           </a:xfrm>
           <a:prstGeom prst="rect">
             <a:avLst/>
@@ -24004,7 +28737,7 @@
         <p:spPr>
           <a:xfrm>
             <a:off x="6045480" y="1800"/>
-            <a:ext cx="15120" cy="7554240"/>
+            <a:ext cx="14760" cy="7553880"/>
           </a:xfrm>
           <a:prstGeom prst="rect">
             <a:avLst/>
@@ -24064,7 +28797,7 @@
         <p:spPr>
           <a:xfrm>
             <a:off x="7053480" y="1800"/>
-            <a:ext cx="15120" cy="7554240"/>
+            <a:ext cx="14760" cy="7553880"/>
           </a:xfrm>
           <a:prstGeom prst="rect">
             <a:avLst/>
@@ -24124,7 +28857,7 @@
         <p:spPr>
           <a:xfrm>
             <a:off x="8061480" y="1800"/>
-            <a:ext cx="15120" cy="7554240"/>
+            <a:ext cx="14760" cy="7553880"/>
           </a:xfrm>
           <a:prstGeom prst="rect">
             <a:avLst/>
@@ -24184,7 +28917,7 @@
         <p:spPr>
           <a:xfrm>
             <a:off x="9069480" y="1800"/>
-            <a:ext cx="15120" cy="7554240"/>
+            <a:ext cx="14760" cy="7553880"/>
           </a:xfrm>
           <a:prstGeom prst="rect">
             <a:avLst/>
@@ -24244,7 +28977,7 @@
         <p:spPr>
           <a:xfrm>
             <a:off x="10077480" y="1800"/>
-            <a:ext cx="15120" cy="7554240"/>
+            <a:ext cx="14760" cy="7553880"/>
           </a:xfrm>
           <a:prstGeom prst="rect">
             <a:avLst/>
@@ -24304,7 +29037,7 @@
         <p:spPr>
           <a:xfrm>
             <a:off x="11085480" y="1800"/>
-            <a:ext cx="15120" cy="7554240"/>
+            <a:ext cx="14760" cy="7553880"/>
           </a:xfrm>
           <a:prstGeom prst="rect">
             <a:avLst/>
@@ -24364,7 +29097,7 @@
         <p:spPr>
           <a:xfrm>
             <a:off x="12093480" y="1800"/>
-            <a:ext cx="15120" cy="7554240"/>
+            <a:ext cx="14760" cy="7553880"/>
           </a:xfrm>
           <a:prstGeom prst="rect">
             <a:avLst/>
@@ -24424,7 +29157,7 @@
         <p:spPr>
           <a:xfrm>
             <a:off x="13101480" y="1800"/>
-            <a:ext cx="15120" cy="7554240"/>
+            <a:ext cx="14760" cy="7553880"/>
           </a:xfrm>
           <a:prstGeom prst="rect">
             <a:avLst/>
@@ -24484,7 +29217,7 @@
         <p:spPr>
           <a:xfrm>
             <a:off x="1440" y="1800"/>
-            <a:ext cx="347040" cy="7554240"/>
+            <a:ext cx="346680" cy="7553880"/>
           </a:xfrm>
           <a:prstGeom prst="rect">
             <a:avLst/>
@@ -24544,7 +29277,7 @@
         <p:spPr>
           <a:xfrm>
             <a:off x="10884960" y="401400"/>
-            <a:ext cx="2211480" cy="547560"/>
+            <a:ext cx="2211120" cy="547200"/>
           </a:xfrm>
           <a:prstGeom prst="roundRect">
             <a:avLst>
@@ -24618,7 +29351,7 @@
         <p:spPr>
           <a:xfrm>
             <a:off x="3248280" y="1107000"/>
-            <a:ext cx="5594760" cy="820800"/>
+            <a:ext cx="5594400" cy="820800"/>
           </a:xfrm>
           <a:prstGeom prst="rect">
             <a:avLst/>
@@ -24672,7 +29405,7 @@
         <p:spPr>
           <a:xfrm>
             <a:off x="3017520" y="2266200"/>
-            <a:ext cx="6704280" cy="668520"/>
+            <a:ext cx="6703920" cy="668520"/>
           </a:xfrm>
           <a:prstGeom prst="rect">
             <a:avLst/>
@@ -24739,7 +29472,7 @@
         <p:spPr>
           <a:xfrm>
             <a:off x="1086840" y="3506040"/>
-            <a:ext cx="3623040" cy="3018240"/>
+            <a:ext cx="3622680" cy="3017880"/>
           </a:xfrm>
           <a:prstGeom prst="roundRect">
             <a:avLst>
@@ -24801,7 +29534,7 @@
         <p:spPr>
           <a:xfrm>
             <a:off x="1006560" y="3425760"/>
-            <a:ext cx="3623400" cy="3018600"/>
+            <a:ext cx="3623040" cy="3018240"/>
           </a:xfrm>
           <a:prstGeom prst="roundRect">
             <a:avLst>
@@ -24964,7 +29697,7 @@
         <p:spPr>
           <a:xfrm>
             <a:off x="4968360" y="3506040"/>
-            <a:ext cx="3623040" cy="3018240"/>
+            <a:ext cx="3622680" cy="3017880"/>
           </a:xfrm>
           <a:prstGeom prst="roundRect">
             <a:avLst>
@@ -25026,7 +29759,7 @@
         <p:spPr>
           <a:xfrm>
             <a:off x="4886640" y="3424320"/>
-            <a:ext cx="3623400" cy="3018600"/>
+            <a:ext cx="3623040" cy="3018240"/>
           </a:xfrm>
           <a:prstGeom prst="roundRect">
             <a:avLst>
@@ -25297,7 +30030,7 @@
         <p:spPr>
           <a:xfrm>
             <a:off x="8849160" y="3506040"/>
-            <a:ext cx="3623040" cy="3018240"/>
+            <a:ext cx="3622680" cy="3017880"/>
           </a:xfrm>
           <a:prstGeom prst="roundRect">
             <a:avLst>
@@ -25359,7 +30092,7 @@
         <p:spPr>
           <a:xfrm>
             <a:off x="8767440" y="3425040"/>
-            <a:ext cx="3623400" cy="3018600"/>
+            <a:ext cx="3623040" cy="3018240"/>
           </a:xfrm>
           <a:prstGeom prst="roundRect">
             <a:avLst>
@@ -25607,7 +30340,7 @@
         <p:spPr>
           <a:xfrm>
             <a:off x="5224320" y="7104600"/>
-            <a:ext cx="3051360" cy="363960"/>
+            <a:ext cx="3051000" cy="363960"/>
           </a:xfrm>
           <a:prstGeom prst="rect">
             <a:avLst/>
@@ -25691,7 +30424,7 @@
         <p:spPr>
           <a:xfrm>
             <a:off x="1440" y="1800"/>
-            <a:ext cx="13430880" cy="7554240"/>
+            <a:ext cx="13430520" cy="7553880"/>
           </a:xfrm>
           <a:prstGeom prst="rect">
             <a:avLst/>
@@ -25751,7 +30484,7 @@
         <p:spPr>
           <a:xfrm>
             <a:off x="1440" y="1800"/>
-            <a:ext cx="15120" cy="7554240"/>
+            <a:ext cx="14760" cy="7553880"/>
           </a:xfrm>
           <a:prstGeom prst="rect">
             <a:avLst/>
@@ -25811,7 +30544,7 @@
         <p:spPr>
           <a:xfrm>
             <a:off x="1005480" y="1800"/>
-            <a:ext cx="15120" cy="7554240"/>
+            <a:ext cx="14760" cy="7553880"/>
           </a:xfrm>
           <a:prstGeom prst="rect">
             <a:avLst/>
@@ -25871,7 +30604,7 @@
         <p:spPr>
           <a:xfrm>
             <a:off x="2013480" y="1800"/>
-            <a:ext cx="15120" cy="7554240"/>
+            <a:ext cx="14760" cy="7553880"/>
           </a:xfrm>
           <a:prstGeom prst="rect">
             <a:avLst/>
@@ -25931,7 +30664,7 @@
         <p:spPr>
           <a:xfrm>
             <a:off x="3021480" y="1800"/>
-            <a:ext cx="15120" cy="7554240"/>
+            <a:ext cx="14760" cy="7553880"/>
           </a:xfrm>
           <a:prstGeom prst="rect">
             <a:avLst/>
@@ -25991,7 +30724,7 @@
         <p:spPr>
           <a:xfrm>
             <a:off x="4029480" y="1800"/>
-            <a:ext cx="15120" cy="7554240"/>
+            <a:ext cx="14760" cy="7553880"/>
           </a:xfrm>
           <a:prstGeom prst="rect">
             <a:avLst/>
@@ -26051,7 +30784,7 @@
         <p:spPr>
           <a:xfrm>
             <a:off x="5037480" y="1800"/>
-            <a:ext cx="15120" cy="7554240"/>
+            <a:ext cx="14760" cy="7553880"/>
           </a:xfrm>
           <a:prstGeom prst="rect">
             <a:avLst/>
@@ -26111,7 +30844,7 @@
         <p:spPr>
           <a:xfrm>
             <a:off x="6045480" y="1800"/>
-            <a:ext cx="15120" cy="7554240"/>
+            <a:ext cx="14760" cy="7553880"/>
           </a:xfrm>
           <a:prstGeom prst="rect">
             <a:avLst/>
@@ -26171,7 +30904,7 @@
         <p:spPr>
           <a:xfrm>
             <a:off x="7053480" y="1800"/>
-            <a:ext cx="15120" cy="7554240"/>
+            <a:ext cx="14760" cy="7553880"/>
           </a:xfrm>
           <a:prstGeom prst="rect">
             <a:avLst/>
@@ -26231,7 +30964,7 @@
         <p:spPr>
           <a:xfrm>
             <a:off x="8061480" y="1800"/>
-            <a:ext cx="15120" cy="7554240"/>
+            <a:ext cx="14760" cy="7553880"/>
           </a:xfrm>
           <a:prstGeom prst="rect">
             <a:avLst/>
@@ -26291,7 +31024,7 @@
         <p:spPr>
           <a:xfrm>
             <a:off x="9069480" y="1800"/>
-            <a:ext cx="15120" cy="7554240"/>
+            <a:ext cx="14760" cy="7553880"/>
           </a:xfrm>
           <a:prstGeom prst="rect">
             <a:avLst/>
@@ -26351,7 +31084,7 @@
         <p:spPr>
           <a:xfrm>
             <a:off x="10077480" y="1800"/>
-            <a:ext cx="15120" cy="7554240"/>
+            <a:ext cx="14760" cy="7553880"/>
           </a:xfrm>
           <a:prstGeom prst="rect">
             <a:avLst/>
@@ -26411,7 +31144,7 @@
         <p:spPr>
           <a:xfrm>
             <a:off x="11085480" y="1800"/>
-            <a:ext cx="15120" cy="7554240"/>
+            <a:ext cx="14760" cy="7553880"/>
           </a:xfrm>
           <a:prstGeom prst="rect">
             <a:avLst/>
@@ -26471,7 +31204,7 @@
         <p:spPr>
           <a:xfrm>
             <a:off x="12093480" y="1800"/>
-            <a:ext cx="15120" cy="7554240"/>
+            <a:ext cx="14760" cy="7553880"/>
           </a:xfrm>
           <a:prstGeom prst="rect">
             <a:avLst/>
@@ -26531,7 +31264,7 @@
         <p:spPr>
           <a:xfrm>
             <a:off x="13101480" y="1800"/>
-            <a:ext cx="15120" cy="7554240"/>
+            <a:ext cx="14760" cy="7553880"/>
           </a:xfrm>
           <a:prstGeom prst="rect">
             <a:avLst/>
@@ -26591,7 +31324,7 @@
         <p:spPr>
           <a:xfrm>
             <a:off x="1440" y="1800"/>
-            <a:ext cx="347040" cy="7554240"/>
+            <a:ext cx="346680" cy="7553880"/>
           </a:xfrm>
           <a:prstGeom prst="rect">
             <a:avLst/>
@@ -26651,7 +31384,7 @@
         <p:spPr>
           <a:xfrm>
             <a:off x="10884960" y="401400"/>
-            <a:ext cx="2211480" cy="547560"/>
+            <a:ext cx="2211120" cy="547200"/>
           </a:xfrm>
           <a:prstGeom prst="roundRect">
             <a:avLst>
@@ -26725,7 +31458,7 @@
         <p:spPr>
           <a:xfrm>
             <a:off x="4443480" y="1107000"/>
-            <a:ext cx="3200400" cy="820800"/>
+            <a:ext cx="3200040" cy="820800"/>
           </a:xfrm>
           <a:prstGeom prst="rect">
             <a:avLst/>
@@ -26779,7 +31512,7 @@
         <p:spPr>
           <a:xfrm>
             <a:off x="1890720" y="2266200"/>
-            <a:ext cx="8962920" cy="379080"/>
+            <a:ext cx="8962560" cy="379080"/>
           </a:xfrm>
           <a:prstGeom prst="rect">
             <a:avLst/>
@@ -26833,7 +31566,7 @@
         <p:spPr>
           <a:xfrm>
             <a:off x="1086840" y="3506040"/>
-            <a:ext cx="3623040" cy="3018240"/>
+            <a:ext cx="3622680" cy="3017880"/>
           </a:xfrm>
           <a:prstGeom prst="roundRect">
             <a:avLst>
@@ -26895,7 +31628,7 @@
         <p:spPr>
           <a:xfrm>
             <a:off x="1006560" y="3425040"/>
-            <a:ext cx="3623400" cy="3018600"/>
+            <a:ext cx="3623040" cy="3018240"/>
           </a:xfrm>
           <a:prstGeom prst="roundRect">
             <a:avLst>
@@ -27225,7 +31958,7 @@
         <p:spPr>
           <a:xfrm>
             <a:off x="4968360" y="3506040"/>
-            <a:ext cx="3623040" cy="3018240"/>
+            <a:ext cx="3622680" cy="3017880"/>
           </a:xfrm>
           <a:prstGeom prst="roundRect">
             <a:avLst>
@@ -27287,7 +32020,7 @@
         <p:spPr>
           <a:xfrm>
             <a:off x="4886640" y="3425040"/>
-            <a:ext cx="3623400" cy="3018600"/>
+            <a:ext cx="3623040" cy="3018240"/>
           </a:xfrm>
           <a:prstGeom prst="roundRect">
             <a:avLst>
@@ -27607,7 +32340,7 @@
         <p:spPr>
           <a:xfrm>
             <a:off x="8849160" y="3506040"/>
-            <a:ext cx="3623040" cy="3018240"/>
+            <a:ext cx="3622680" cy="3017880"/>
           </a:xfrm>
           <a:prstGeom prst="roundRect">
             <a:avLst>
@@ -27669,7 +32402,7 @@
         <p:spPr>
           <a:xfrm>
             <a:off x="8767440" y="3425040"/>
-            <a:ext cx="3623400" cy="3018600"/>
+            <a:ext cx="3623040" cy="3018240"/>
           </a:xfrm>
           <a:prstGeom prst="roundRect">
             <a:avLst>
@@ -28062,7 +32795,7 @@
         <p:spPr>
           <a:xfrm>
             <a:off x="5224320" y="7104600"/>
-            <a:ext cx="3051360" cy="363960"/>
+            <a:ext cx="3051000" cy="363960"/>
           </a:xfrm>
           <a:prstGeom prst="rect">
             <a:avLst/>
@@ -28146,7 +32879,7 @@
         <p:spPr>
           <a:xfrm>
             <a:off x="1440" y="1800"/>
-            <a:ext cx="13430880" cy="7554240"/>
+            <a:ext cx="13430520" cy="7553880"/>
           </a:xfrm>
           <a:prstGeom prst="rect">
             <a:avLst/>
@@ -28206,7 +32939,7 @@
         <p:spPr>
           <a:xfrm>
             <a:off x="1440" y="1800"/>
-            <a:ext cx="15120" cy="7554240"/>
+            <a:ext cx="14760" cy="7553880"/>
           </a:xfrm>
           <a:prstGeom prst="rect">
             <a:avLst/>
@@ -28266,7 +32999,7 @@
         <p:spPr>
           <a:xfrm>
             <a:off x="1005480" y="1800"/>
-            <a:ext cx="15120" cy="7554240"/>
+            <a:ext cx="14760" cy="7553880"/>
           </a:xfrm>
           <a:prstGeom prst="rect">
             <a:avLst/>
@@ -28326,7 +33059,7 @@
         <p:spPr>
           <a:xfrm>
             <a:off x="2013480" y="1800"/>
-            <a:ext cx="15120" cy="7554240"/>
+            <a:ext cx="14760" cy="7553880"/>
           </a:xfrm>
           <a:prstGeom prst="rect">
             <a:avLst/>
@@ -28386,7 +33119,7 @@
         <p:spPr>
           <a:xfrm>
             <a:off x="3021480" y="1800"/>
-            <a:ext cx="15120" cy="7554240"/>
+            <a:ext cx="14760" cy="7553880"/>
           </a:xfrm>
           <a:prstGeom prst="rect">
             <a:avLst/>
@@ -28446,7 +33179,7 @@
         <p:spPr>
           <a:xfrm>
             <a:off x="4029480" y="1800"/>
-            <a:ext cx="15120" cy="7554240"/>
+            <a:ext cx="14760" cy="7553880"/>
           </a:xfrm>
           <a:prstGeom prst="rect">
             <a:avLst/>
@@ -28506,7 +33239,7 @@
         <p:spPr>
           <a:xfrm>
             <a:off x="5037480" y="1800"/>
-            <a:ext cx="15120" cy="7554240"/>
+            <a:ext cx="14760" cy="7553880"/>
           </a:xfrm>
           <a:prstGeom prst="rect">
             <a:avLst/>
@@ -28566,7 +33299,7 @@
         <p:spPr>
           <a:xfrm>
             <a:off x="6045480" y="1800"/>
-            <a:ext cx="15120" cy="7554240"/>
+            <a:ext cx="14760" cy="7553880"/>
           </a:xfrm>
           <a:prstGeom prst="rect">
             <a:avLst/>
@@ -28626,7 +33359,7 @@
         <p:spPr>
           <a:xfrm>
             <a:off x="7053480" y="1800"/>
-            <a:ext cx="15120" cy="7554240"/>
+            <a:ext cx="14760" cy="7553880"/>
           </a:xfrm>
           <a:prstGeom prst="rect">
             <a:avLst/>
@@ -28686,7 +33419,7 @@
         <p:spPr>
           <a:xfrm>
             <a:off x="8061480" y="1800"/>
-            <a:ext cx="15120" cy="7554240"/>
+            <a:ext cx="14760" cy="7553880"/>
           </a:xfrm>
           <a:prstGeom prst="rect">
             <a:avLst/>
@@ -28746,7 +33479,7 @@
         <p:spPr>
           <a:xfrm>
             <a:off x="9069480" y="1800"/>
-            <a:ext cx="15120" cy="7554240"/>
+            <a:ext cx="14760" cy="7553880"/>
           </a:xfrm>
           <a:prstGeom prst="rect">
             <a:avLst/>
@@ -28806,7 +33539,7 @@
         <p:spPr>
           <a:xfrm>
             <a:off x="10077480" y="1800"/>
-            <a:ext cx="15120" cy="7554240"/>
+            <a:ext cx="14760" cy="7553880"/>
           </a:xfrm>
           <a:prstGeom prst="rect">
             <a:avLst/>
@@ -28866,7 +33599,7 @@
         <p:spPr>
           <a:xfrm>
             <a:off x="11085480" y="1800"/>
-            <a:ext cx="15120" cy="7554240"/>
+            <a:ext cx="14760" cy="7553880"/>
           </a:xfrm>
           <a:prstGeom prst="rect">
             <a:avLst/>
@@ -28926,7 +33659,7 @@
         <p:spPr>
           <a:xfrm>
             <a:off x="12093480" y="1800"/>
-            <a:ext cx="15120" cy="7554240"/>
+            <a:ext cx="14760" cy="7553880"/>
           </a:xfrm>
           <a:prstGeom prst="rect">
             <a:avLst/>
@@ -28986,7 +33719,7 @@
         <p:spPr>
           <a:xfrm>
             <a:off x="13101480" y="1800"/>
-            <a:ext cx="15120" cy="7554240"/>
+            <a:ext cx="14760" cy="7553880"/>
           </a:xfrm>
           <a:prstGeom prst="rect">
             <a:avLst/>
@@ -29046,7 +33779,7 @@
         <p:spPr>
           <a:xfrm>
             <a:off x="1440" y="1800"/>
-            <a:ext cx="347040" cy="7554240"/>
+            <a:ext cx="346680" cy="7553880"/>
           </a:xfrm>
           <a:prstGeom prst="rect">
             <a:avLst/>
@@ -29106,7 +33839,7 @@
         <p:spPr>
           <a:xfrm>
             <a:off x="10884960" y="401400"/>
-            <a:ext cx="2211480" cy="547560"/>
+            <a:ext cx="2211120" cy="547200"/>
           </a:xfrm>
           <a:prstGeom prst="roundRect">
             <a:avLst>
@@ -29180,7 +33913,7 @@
         <p:spPr>
           <a:xfrm>
             <a:off x="2634120" y="1107000"/>
-            <a:ext cx="6823080" cy="820800"/>
+            <a:ext cx="6822720" cy="820800"/>
           </a:xfrm>
           <a:prstGeom prst="rect">
             <a:avLst/>
@@ -29244,7 +33977,7 @@
         <p:spPr>
           <a:xfrm>
             <a:off x="3651840" y="2266200"/>
-            <a:ext cx="5437800" cy="379080"/>
+            <a:ext cx="5437440" cy="379080"/>
           </a:xfrm>
           <a:prstGeom prst="rect">
             <a:avLst/>
@@ -29298,7 +34031,7 @@
         <p:spPr>
           <a:xfrm>
             <a:off x="1086840" y="3506040"/>
-            <a:ext cx="3623040" cy="3018240"/>
+            <a:ext cx="3622680" cy="3017880"/>
           </a:xfrm>
           <a:prstGeom prst="roundRect">
             <a:avLst>
@@ -29360,7 +34093,7 @@
         <p:spPr>
           <a:xfrm>
             <a:off x="679680" y="3273840"/>
-            <a:ext cx="4030560" cy="3168720"/>
+            <a:ext cx="4030200" cy="3168360"/>
           </a:xfrm>
           <a:prstGeom prst="roundRect">
             <a:avLst>
@@ -29712,7 +34445,7 @@
         <p:spPr>
           <a:xfrm>
             <a:off x="4968360" y="3506040"/>
-            <a:ext cx="3623040" cy="3018240"/>
+            <a:ext cx="3622680" cy="3017880"/>
           </a:xfrm>
           <a:prstGeom prst="roundRect">
             <a:avLst>
@@ -29774,7 +34507,7 @@
         <p:spPr>
           <a:xfrm>
             <a:off x="4886640" y="3425760"/>
-            <a:ext cx="3623400" cy="3018600"/>
+            <a:ext cx="3623040" cy="3018240"/>
           </a:xfrm>
           <a:prstGeom prst="roundRect">
             <a:avLst>
@@ -30068,7 +34801,7 @@
         <p:spPr>
           <a:xfrm>
             <a:off x="8849160" y="3506040"/>
-            <a:ext cx="3623040" cy="3018240"/>
+            <a:ext cx="3622680" cy="3017880"/>
           </a:xfrm>
           <a:prstGeom prst="roundRect">
             <a:avLst>
@@ -30130,7 +34863,7 @@
         <p:spPr>
           <a:xfrm>
             <a:off x="8767440" y="3425040"/>
-            <a:ext cx="3623400" cy="3018600"/>
+            <a:ext cx="3623040" cy="3018240"/>
           </a:xfrm>
           <a:prstGeom prst="roundRect">
             <a:avLst>
@@ -30417,7 +35150,7 @@
         <p:spPr>
           <a:xfrm>
             <a:off x="5224320" y="7104600"/>
-            <a:ext cx="3051360" cy="363960"/>
+            <a:ext cx="3051000" cy="363960"/>
           </a:xfrm>
           <a:prstGeom prst="rect">
             <a:avLst/>
@@ -30501,7 +35234,7 @@
         <p:spPr>
           <a:xfrm>
             <a:off x="1440" y="1800"/>
-            <a:ext cx="13430880" cy="7554240"/>
+            <a:ext cx="13430520" cy="7553880"/>
           </a:xfrm>
           <a:prstGeom prst="rect">
             <a:avLst/>
@@ -30561,7 +35294,7 @@
         <p:spPr>
           <a:xfrm>
             <a:off x="1440" y="1800"/>
-            <a:ext cx="15120" cy="7554240"/>
+            <a:ext cx="14760" cy="7553880"/>
           </a:xfrm>
           <a:prstGeom prst="rect">
             <a:avLst/>
@@ -30621,7 +35354,7 @@
         <p:spPr>
           <a:xfrm>
             <a:off x="1005480" y="1800"/>
-            <a:ext cx="15120" cy="7554240"/>
+            <a:ext cx="14760" cy="7553880"/>
           </a:xfrm>
           <a:prstGeom prst="rect">
             <a:avLst/>
@@ -30681,7 +35414,7 @@
         <p:spPr>
           <a:xfrm>
             <a:off x="2013480" y="1800"/>
-            <a:ext cx="15120" cy="7554240"/>
+            <a:ext cx="14760" cy="7553880"/>
           </a:xfrm>
           <a:prstGeom prst="rect">
             <a:avLst/>
@@ -30741,7 +35474,7 @@
         <p:spPr>
           <a:xfrm>
             <a:off x="3021480" y="1800"/>
-            <a:ext cx="15120" cy="7554240"/>
+            <a:ext cx="14760" cy="7553880"/>
           </a:xfrm>
           <a:prstGeom prst="rect">
             <a:avLst/>
@@ -30801,7 +35534,7 @@
         <p:spPr>
           <a:xfrm>
             <a:off x="4029480" y="1800"/>
-            <a:ext cx="15120" cy="7554240"/>
+            <a:ext cx="14760" cy="7553880"/>
           </a:xfrm>
           <a:prstGeom prst="rect">
             <a:avLst/>
@@ -30861,7 +35594,7 @@
         <p:spPr>
           <a:xfrm>
             <a:off x="5037480" y="1800"/>
-            <a:ext cx="15120" cy="7554240"/>
+            <a:ext cx="14760" cy="7553880"/>
           </a:xfrm>
           <a:prstGeom prst="rect">
             <a:avLst/>
@@ -30921,7 +35654,7 @@
         <p:spPr>
           <a:xfrm>
             <a:off x="6045480" y="1800"/>
-            <a:ext cx="15120" cy="7554240"/>
+            <a:ext cx="14760" cy="7553880"/>
           </a:xfrm>
           <a:prstGeom prst="rect">
             <a:avLst/>
@@ -30981,7 +35714,7 @@
         <p:spPr>
           <a:xfrm>
             <a:off x="7053480" y="1800"/>
-            <a:ext cx="15120" cy="7554240"/>
+            <a:ext cx="14760" cy="7553880"/>
           </a:xfrm>
           <a:prstGeom prst="rect">
             <a:avLst/>
@@ -31041,7 +35774,7 @@
         <p:spPr>
           <a:xfrm>
             <a:off x="8061480" y="1800"/>
-            <a:ext cx="15120" cy="7554240"/>
+            <a:ext cx="14760" cy="7553880"/>
           </a:xfrm>
           <a:prstGeom prst="rect">
             <a:avLst/>
@@ -31101,7 +35834,7 @@
         <p:spPr>
           <a:xfrm>
             <a:off x="9069480" y="1800"/>
-            <a:ext cx="15120" cy="7554240"/>
+            <a:ext cx="14760" cy="7553880"/>
           </a:xfrm>
           <a:prstGeom prst="rect">
             <a:avLst/>
@@ -31161,7 +35894,7 @@
         <p:spPr>
           <a:xfrm>
             <a:off x="10077480" y="1800"/>
-            <a:ext cx="15120" cy="7554240"/>
+            <a:ext cx="14760" cy="7553880"/>
           </a:xfrm>
           <a:prstGeom prst="rect">
             <a:avLst/>
@@ -31221,7 +35954,7 @@
         <p:spPr>
           <a:xfrm>
             <a:off x="11085480" y="1800"/>
-            <a:ext cx="15120" cy="7554240"/>
+            <a:ext cx="14760" cy="7553880"/>
           </a:xfrm>
           <a:prstGeom prst="rect">
             <a:avLst/>
@@ -31281,7 +36014,7 @@
         <p:spPr>
           <a:xfrm>
             <a:off x="12093480" y="1800"/>
-            <a:ext cx="15120" cy="7554240"/>
+            <a:ext cx="14760" cy="7553880"/>
           </a:xfrm>
           <a:prstGeom prst="rect">
             <a:avLst/>
@@ -31341,7 +36074,7 @@
         <p:spPr>
           <a:xfrm>
             <a:off x="13101480" y="1800"/>
-            <a:ext cx="15120" cy="7554240"/>
+            <a:ext cx="14760" cy="7553880"/>
           </a:xfrm>
           <a:prstGeom prst="rect">
             <a:avLst/>
@@ -31401,7 +36134,7 @@
         <p:spPr>
           <a:xfrm>
             <a:off x="1440" y="1800"/>
-            <a:ext cx="347040" cy="7554240"/>
+            <a:ext cx="346680" cy="7553880"/>
           </a:xfrm>
           <a:prstGeom prst="rect">
             <a:avLst/>
@@ -31461,7 +36194,7 @@
         <p:spPr>
           <a:xfrm>
             <a:off x="10884960" y="401400"/>
-            <a:ext cx="2211480" cy="547560"/>
+            <a:ext cx="2211120" cy="547200"/>
           </a:xfrm>
           <a:prstGeom prst="roundRect">
             <a:avLst>
@@ -31535,7 +36268,7 @@
         <p:spPr>
           <a:xfrm>
             <a:off x="1678320" y="1107000"/>
-            <a:ext cx="8743320" cy="820800"/>
+            <a:ext cx="8742960" cy="820800"/>
           </a:xfrm>
           <a:prstGeom prst="rect">
             <a:avLst/>
@@ -31599,7 +36332,7 @@
         <p:spPr>
           <a:xfrm>
             <a:off x="4784760" y="2266200"/>
-            <a:ext cx="3170160" cy="363960"/>
+            <a:ext cx="3169800" cy="363960"/>
           </a:xfrm>
           <a:prstGeom prst="rect">
             <a:avLst/>
@@ -31653,7 +36386,7 @@
         <p:spPr>
           <a:xfrm>
             <a:off x="1086840" y="3506040"/>
-            <a:ext cx="3623040" cy="3018240"/>
+            <a:ext cx="3622680" cy="3017880"/>
           </a:xfrm>
           <a:prstGeom prst="roundRect">
             <a:avLst>
@@ -31715,7 +36448,7 @@
         <p:spPr>
           <a:xfrm>
             <a:off x="1006560" y="3424320"/>
-            <a:ext cx="3623400" cy="3018600"/>
+            <a:ext cx="3623040" cy="3018240"/>
           </a:xfrm>
           <a:prstGeom prst="roundRect">
             <a:avLst>
@@ -31978,7 +36711,7 @@
         <p:spPr>
           <a:xfrm>
             <a:off x="4968360" y="3506040"/>
-            <a:ext cx="3623040" cy="3018240"/>
+            <a:ext cx="3622680" cy="3017880"/>
           </a:xfrm>
           <a:prstGeom prst="roundRect">
             <a:avLst>
@@ -32040,7 +36773,7 @@
         <p:spPr>
           <a:xfrm>
             <a:off x="8849160" y="3506040"/>
-            <a:ext cx="3623040" cy="3018240"/>
+            <a:ext cx="3622680" cy="3017880"/>
           </a:xfrm>
           <a:prstGeom prst="roundRect">
             <a:avLst>
@@ -32102,7 +36835,7 @@
         <p:spPr>
           <a:xfrm>
             <a:off x="8767440" y="3425760"/>
-            <a:ext cx="3623400" cy="3018600"/>
+            <a:ext cx="3623040" cy="3018240"/>
           </a:xfrm>
           <a:prstGeom prst="roundRect">
             <a:avLst>
@@ -32501,7 +37234,7 @@
         <p:spPr>
           <a:xfrm>
             <a:off x="5224320" y="7104600"/>
-            <a:ext cx="3051360" cy="363960"/>
+            <a:ext cx="3051000" cy="363960"/>
           </a:xfrm>
           <a:prstGeom prst="rect">
             <a:avLst/>
@@ -32555,7 +37288,7 @@
         <p:spPr>
           <a:xfrm>
             <a:off x="4941000" y="3449880"/>
-            <a:ext cx="3623400" cy="3018600"/>
+            <a:ext cx="3623040" cy="3018240"/>
           </a:xfrm>
           <a:prstGeom prst="roundRect">
             <a:avLst>
@@ -32889,7 +37622,7 @@
         <p:spPr>
           <a:xfrm>
             <a:off x="1440" y="1800"/>
-            <a:ext cx="13430880" cy="7554240"/>
+            <a:ext cx="13430520" cy="7553880"/>
           </a:xfrm>
           <a:prstGeom prst="rect">
             <a:avLst/>
@@ -32949,7 +37682,7 @@
         <p:spPr>
           <a:xfrm>
             <a:off x="1440" y="1800"/>
-            <a:ext cx="15120" cy="7554240"/>
+            <a:ext cx="14760" cy="7553880"/>
           </a:xfrm>
           <a:prstGeom prst="rect">
             <a:avLst/>
@@ -33009,7 +37742,7 @@
         <p:spPr>
           <a:xfrm>
             <a:off x="1005480" y="1800"/>
-            <a:ext cx="15120" cy="7554240"/>
+            <a:ext cx="14760" cy="7553880"/>
           </a:xfrm>
           <a:prstGeom prst="rect">
             <a:avLst/>
@@ -33069,7 +37802,7 @@
         <p:spPr>
           <a:xfrm>
             <a:off x="2013480" y="1800"/>
-            <a:ext cx="15120" cy="7554240"/>
+            <a:ext cx="14760" cy="7553880"/>
           </a:xfrm>
           <a:prstGeom prst="rect">
             <a:avLst/>
@@ -33129,7 +37862,7 @@
         <p:spPr>
           <a:xfrm>
             <a:off x="3021480" y="1800"/>
-            <a:ext cx="15120" cy="7554240"/>
+            <a:ext cx="14760" cy="7553880"/>
           </a:xfrm>
           <a:prstGeom prst="rect">
             <a:avLst/>
@@ -33189,7 +37922,7 @@
         <p:spPr>
           <a:xfrm>
             <a:off x="4029480" y="1800"/>
-            <a:ext cx="15120" cy="7554240"/>
+            <a:ext cx="14760" cy="7553880"/>
           </a:xfrm>
           <a:prstGeom prst="rect">
             <a:avLst/>
@@ -33249,7 +37982,7 @@
         <p:spPr>
           <a:xfrm>
             <a:off x="5037480" y="1800"/>
-            <a:ext cx="15120" cy="7554240"/>
+            <a:ext cx="14760" cy="7553880"/>
           </a:xfrm>
           <a:prstGeom prst="rect">
             <a:avLst/>
@@ -33309,7 +38042,7 @@
         <p:spPr>
           <a:xfrm>
             <a:off x="6045480" y="1800"/>
-            <a:ext cx="15120" cy="7554240"/>
+            <a:ext cx="14760" cy="7553880"/>
           </a:xfrm>
           <a:prstGeom prst="rect">
             <a:avLst/>
@@ -33369,7 +38102,7 @@
         <p:spPr>
           <a:xfrm>
             <a:off x="7053480" y="1800"/>
-            <a:ext cx="15120" cy="7554240"/>
+            <a:ext cx="14760" cy="7553880"/>
           </a:xfrm>
           <a:prstGeom prst="rect">
             <a:avLst/>
@@ -33429,7 +38162,7 @@
         <p:spPr>
           <a:xfrm>
             <a:off x="8061480" y="1800"/>
-            <a:ext cx="15120" cy="7554240"/>
+            <a:ext cx="14760" cy="7553880"/>
           </a:xfrm>
           <a:prstGeom prst="rect">
             <a:avLst/>
@@ -33489,7 +38222,7 @@
         <p:spPr>
           <a:xfrm>
             <a:off x="9069480" y="1800"/>
-            <a:ext cx="15120" cy="7554240"/>
+            <a:ext cx="14760" cy="7553880"/>
           </a:xfrm>
           <a:prstGeom prst="rect">
             <a:avLst/>
@@ -33549,7 +38282,7 @@
         <p:spPr>
           <a:xfrm>
             <a:off x="10077480" y="1800"/>
-            <a:ext cx="15120" cy="7554240"/>
+            <a:ext cx="14760" cy="7553880"/>
           </a:xfrm>
           <a:prstGeom prst="rect">
             <a:avLst/>
@@ -33609,7 +38342,7 @@
         <p:spPr>
           <a:xfrm>
             <a:off x="11085480" y="1800"/>
-            <a:ext cx="15120" cy="7554240"/>
+            <a:ext cx="14760" cy="7553880"/>
           </a:xfrm>
           <a:prstGeom prst="rect">
             <a:avLst/>
@@ -33669,7 +38402,7 @@
         <p:spPr>
           <a:xfrm>
             <a:off x="12093480" y="1800"/>
-            <a:ext cx="15120" cy="7554240"/>
+            <a:ext cx="14760" cy="7553880"/>
           </a:xfrm>
           <a:prstGeom prst="rect">
             <a:avLst/>
@@ -33729,7 +38462,7 @@
         <p:spPr>
           <a:xfrm>
             <a:off x="13101480" y="1800"/>
-            <a:ext cx="15120" cy="7554240"/>
+            <a:ext cx="14760" cy="7553880"/>
           </a:xfrm>
           <a:prstGeom prst="rect">
             <a:avLst/>
@@ -33789,7 +38522,7 @@
         <p:spPr>
           <a:xfrm>
             <a:off x="1440" y="1800"/>
-            <a:ext cx="347040" cy="7554240"/>
+            <a:ext cx="346680" cy="7553880"/>
           </a:xfrm>
           <a:prstGeom prst="rect">
             <a:avLst/>
@@ -33849,7 +38582,7 @@
         <p:spPr>
           <a:xfrm>
             <a:off x="10884960" y="401400"/>
-            <a:ext cx="2211480" cy="547560"/>
+            <a:ext cx="2211120" cy="547200"/>
           </a:xfrm>
           <a:prstGeom prst="roundRect">
             <a:avLst>
@@ -33923,7 +38656,7 @@
         <p:spPr>
           <a:xfrm>
             <a:off x="1764720" y="1107360"/>
-            <a:ext cx="8575560" cy="729720"/>
+            <a:ext cx="8575200" cy="729720"/>
           </a:xfrm>
           <a:prstGeom prst="rect">
             <a:avLst/>
@@ -33987,7 +38720,7 @@
         <p:spPr>
           <a:xfrm>
             <a:off x="3970080" y="2266200"/>
-            <a:ext cx="4799160" cy="363960"/>
+            <a:ext cx="4798800" cy="363960"/>
           </a:xfrm>
           <a:prstGeom prst="rect">
             <a:avLst/>
@@ -34041,7 +38774,7 @@
         <p:spPr>
           <a:xfrm>
             <a:off x="1086840" y="3506040"/>
-            <a:ext cx="3623040" cy="3018240"/>
+            <a:ext cx="3622680" cy="3017880"/>
           </a:xfrm>
           <a:prstGeom prst="roundRect">
             <a:avLst>
@@ -34103,7 +38836,7 @@
         <p:spPr>
           <a:xfrm>
             <a:off x="1006560" y="3425040"/>
-            <a:ext cx="3623400" cy="3018600"/>
+            <a:ext cx="3623040" cy="3018240"/>
           </a:xfrm>
           <a:prstGeom prst="roundRect">
             <a:avLst>
@@ -34490,7 +39223,7 @@
         <p:spPr>
           <a:xfrm>
             <a:off x="4968360" y="3506040"/>
-            <a:ext cx="3623040" cy="3018240"/>
+            <a:ext cx="3622680" cy="3017880"/>
           </a:xfrm>
           <a:prstGeom prst="roundRect">
             <a:avLst>
@@ -34552,7 +39285,7 @@
         <p:spPr>
           <a:xfrm>
             <a:off x="8849160" y="3506040"/>
-            <a:ext cx="3623040" cy="3018240"/>
+            <a:ext cx="3622680" cy="3017880"/>
           </a:xfrm>
           <a:prstGeom prst="roundRect">
             <a:avLst>
@@ -34614,7 +39347,7 @@
         <p:spPr>
           <a:xfrm>
             <a:off x="8767440" y="3425040"/>
-            <a:ext cx="3623400" cy="3018600"/>
+            <a:ext cx="3623040" cy="3018240"/>
           </a:xfrm>
           <a:prstGeom prst="roundRect">
             <a:avLst>
@@ -35079,7 +39812,7 @@
         <p:spPr>
           <a:xfrm>
             <a:off x="5224320" y="7104600"/>
-            <a:ext cx="3051360" cy="363960"/>
+            <a:ext cx="3051000" cy="363960"/>
           </a:xfrm>
           <a:prstGeom prst="rect">
             <a:avLst/>
@@ -35133,7 +39866,7 @@
         <p:spPr>
           <a:xfrm>
             <a:off x="4941000" y="3449520"/>
-            <a:ext cx="3623400" cy="3018600"/>
+            <a:ext cx="3623040" cy="3018240"/>
           </a:xfrm>
           <a:prstGeom prst="roundRect">
             <a:avLst>
@@ -35540,7 +40273,7 @@
         <p:spPr>
           <a:xfrm>
             <a:off x="1440" y="1800"/>
-            <a:ext cx="13430880" cy="7554240"/>
+            <a:ext cx="13430520" cy="7553880"/>
           </a:xfrm>
           <a:prstGeom prst="rect">
             <a:avLst/>
@@ -35600,7 +40333,7 @@
         <p:spPr>
           <a:xfrm>
             <a:off x="1440" y="1800"/>
-            <a:ext cx="15120" cy="7554240"/>
+            <a:ext cx="14760" cy="7553880"/>
           </a:xfrm>
           <a:prstGeom prst="rect">
             <a:avLst/>
@@ -35660,7 +40393,7 @@
         <p:spPr>
           <a:xfrm>
             <a:off x="1005480" y="1800"/>
-            <a:ext cx="15120" cy="7554240"/>
+            <a:ext cx="14760" cy="7553880"/>
           </a:xfrm>
           <a:prstGeom prst="rect">
             <a:avLst/>
@@ -35720,7 +40453,7 @@
         <p:spPr>
           <a:xfrm>
             <a:off x="2013480" y="1800"/>
-            <a:ext cx="15120" cy="7554240"/>
+            <a:ext cx="14760" cy="7553880"/>
           </a:xfrm>
           <a:prstGeom prst="rect">
             <a:avLst/>
@@ -35780,7 +40513,7 @@
         <p:spPr>
           <a:xfrm>
             <a:off x="3021480" y="1800"/>
-            <a:ext cx="15120" cy="7554240"/>
+            <a:ext cx="14760" cy="7553880"/>
           </a:xfrm>
           <a:prstGeom prst="rect">
             <a:avLst/>
@@ -35840,7 +40573,7 @@
         <p:spPr>
           <a:xfrm>
             <a:off x="4029480" y="1800"/>
-            <a:ext cx="15120" cy="7554240"/>
+            <a:ext cx="14760" cy="7553880"/>
           </a:xfrm>
           <a:prstGeom prst="rect">
             <a:avLst/>
@@ -35900,7 +40633,7 @@
         <p:spPr>
           <a:xfrm>
             <a:off x="5037480" y="1800"/>
-            <a:ext cx="15120" cy="7554240"/>
+            <a:ext cx="14760" cy="7553880"/>
           </a:xfrm>
           <a:prstGeom prst="rect">
             <a:avLst/>
@@ -35960,7 +40693,7 @@
         <p:spPr>
           <a:xfrm>
             <a:off x="6045480" y="1800"/>
-            <a:ext cx="15120" cy="7554240"/>
+            <a:ext cx="14760" cy="7553880"/>
           </a:xfrm>
           <a:prstGeom prst="rect">
             <a:avLst/>
@@ -36020,7 +40753,7 @@
         <p:spPr>
           <a:xfrm>
             <a:off x="7053480" y="1800"/>
-            <a:ext cx="15120" cy="7554240"/>
+            <a:ext cx="14760" cy="7553880"/>
           </a:xfrm>
           <a:prstGeom prst="rect">
             <a:avLst/>
@@ -36080,7 +40813,7 @@
         <p:spPr>
           <a:xfrm>
             <a:off x="8061480" y="1800"/>
-            <a:ext cx="15120" cy="7554240"/>
+            <a:ext cx="14760" cy="7553880"/>
           </a:xfrm>
           <a:prstGeom prst="rect">
             <a:avLst/>
@@ -36140,7 +40873,7 @@
         <p:spPr>
           <a:xfrm>
             <a:off x="9069480" y="1800"/>
-            <a:ext cx="15120" cy="7554240"/>
+            <a:ext cx="14760" cy="7553880"/>
           </a:xfrm>
           <a:prstGeom prst="rect">
             <a:avLst/>
@@ -36200,7 +40933,7 @@
         <p:spPr>
           <a:xfrm>
             <a:off x="10077480" y="1800"/>
-            <a:ext cx="15120" cy="7554240"/>
+            <a:ext cx="14760" cy="7553880"/>
           </a:xfrm>
           <a:prstGeom prst="rect">
             <a:avLst/>
@@ -36260,7 +40993,7 @@
         <p:spPr>
           <a:xfrm>
             <a:off x="11085480" y="1800"/>
-            <a:ext cx="15120" cy="7554240"/>
+            <a:ext cx="14760" cy="7553880"/>
           </a:xfrm>
           <a:prstGeom prst="rect">
             <a:avLst/>
@@ -36320,7 +41053,7 @@
         <p:spPr>
           <a:xfrm>
             <a:off x="12093480" y="1800"/>
-            <a:ext cx="15120" cy="7554240"/>
+            <a:ext cx="14760" cy="7553880"/>
           </a:xfrm>
           <a:prstGeom prst="rect">
             <a:avLst/>
@@ -36380,7 +41113,7 @@
         <p:spPr>
           <a:xfrm>
             <a:off x="13101480" y="1800"/>
-            <a:ext cx="15120" cy="7554240"/>
+            <a:ext cx="14760" cy="7553880"/>
           </a:xfrm>
           <a:prstGeom prst="rect">
             <a:avLst/>
@@ -36440,7 +41173,7 @@
         <p:spPr>
           <a:xfrm>
             <a:off x="1440" y="1800"/>
-            <a:ext cx="347040" cy="7554240"/>
+            <a:ext cx="346680" cy="7553880"/>
           </a:xfrm>
           <a:prstGeom prst="rect">
             <a:avLst/>
@@ -36500,7 +41233,7 @@
         <p:spPr>
           <a:xfrm>
             <a:off x="10884960" y="401400"/>
-            <a:ext cx="2211480" cy="547560"/>
+            <a:ext cx="2211120" cy="547200"/>
           </a:xfrm>
           <a:prstGeom prst="roundRect">
             <a:avLst>
@@ -36574,7 +41307,7 @@
         <p:spPr>
           <a:xfrm>
             <a:off x="179640" y="1107360"/>
-            <a:ext cx="11750400" cy="729720"/>
+            <a:ext cx="11750040" cy="729720"/>
           </a:xfrm>
           <a:prstGeom prst="rect">
             <a:avLst/>
@@ -36638,7 +41371,7 @@
         <p:spPr>
           <a:xfrm>
             <a:off x="3797640" y="2266200"/>
-            <a:ext cx="5146560" cy="363960"/>
+            <a:ext cx="5146200" cy="363960"/>
           </a:xfrm>
           <a:prstGeom prst="rect">
             <a:avLst/>
@@ -36692,7 +41425,7 @@
         <p:spPr>
           <a:xfrm>
             <a:off x="1086840" y="3506040"/>
-            <a:ext cx="3623040" cy="3018240"/>
+            <a:ext cx="3622680" cy="3017880"/>
           </a:xfrm>
           <a:prstGeom prst="roundRect">
             <a:avLst>
@@ -36754,7 +41487,7 @@
         <p:spPr>
           <a:xfrm>
             <a:off x="1006560" y="3425040"/>
-            <a:ext cx="3623400" cy="3018600"/>
+            <a:ext cx="3623040" cy="3018240"/>
           </a:xfrm>
           <a:prstGeom prst="roundRect">
             <a:avLst>
@@ -37131,7 +41864,7 @@
         <p:spPr>
           <a:xfrm>
             <a:off x="4968360" y="3506040"/>
-            <a:ext cx="3623040" cy="3018240"/>
+            <a:ext cx="3622680" cy="3017880"/>
           </a:xfrm>
           <a:prstGeom prst="roundRect">
             <a:avLst>
@@ -37193,7 +41926,7 @@
         <p:spPr>
           <a:xfrm>
             <a:off x="8849160" y="3506040"/>
-            <a:ext cx="3623040" cy="3018240"/>
+            <a:ext cx="3622680" cy="3017880"/>
           </a:xfrm>
           <a:prstGeom prst="roundRect">
             <a:avLst>
@@ -37255,7 +41988,7 @@
         <p:spPr>
           <a:xfrm>
             <a:off x="8767440" y="3425040"/>
-            <a:ext cx="3623400" cy="3018600"/>
+            <a:ext cx="3623040" cy="3018240"/>
           </a:xfrm>
           <a:prstGeom prst="roundRect">
             <a:avLst>
@@ -37766,7 +42499,7 @@
         <p:spPr>
           <a:xfrm>
             <a:off x="5224320" y="7104600"/>
-            <a:ext cx="3051360" cy="363960"/>
+            <a:ext cx="3051000" cy="363960"/>
           </a:xfrm>
           <a:prstGeom prst="rect">
             <a:avLst/>
@@ -37820,7 +42553,7 @@
         <p:spPr>
           <a:xfrm>
             <a:off x="4941000" y="3450960"/>
-            <a:ext cx="3623400" cy="3018600"/>
+            <a:ext cx="3623040" cy="3018240"/>
           </a:xfrm>
           <a:prstGeom prst="roundRect">
             <a:avLst>
@@ -38217,7 +42950,7 @@
         <p:spPr>
           <a:xfrm>
             <a:off x="16920" y="1800"/>
-            <a:ext cx="13430880" cy="7554240"/>
+            <a:ext cx="13430520" cy="7553880"/>
           </a:xfrm>
           <a:prstGeom prst="rect">
             <a:avLst/>
@@ -38277,7 +43010,7 @@
         <p:spPr>
           <a:xfrm>
             <a:off x="1440" y="1800"/>
-            <a:ext cx="15120" cy="7554240"/>
+            <a:ext cx="14760" cy="7553880"/>
           </a:xfrm>
           <a:prstGeom prst="rect">
             <a:avLst/>
@@ -38337,7 +43070,7 @@
         <p:spPr>
           <a:xfrm>
             <a:off x="1005480" y="1800"/>
-            <a:ext cx="15120" cy="7554240"/>
+            <a:ext cx="14760" cy="7553880"/>
           </a:xfrm>
           <a:prstGeom prst="rect">
             <a:avLst/>
@@ -38397,7 +43130,7 @@
         <p:spPr>
           <a:xfrm>
             <a:off x="2013480" y="1800"/>
-            <a:ext cx="15120" cy="7554240"/>
+            <a:ext cx="14760" cy="7553880"/>
           </a:xfrm>
           <a:prstGeom prst="rect">
             <a:avLst/>
@@ -38457,7 +43190,7 @@
         <p:spPr>
           <a:xfrm>
             <a:off x="3021480" y="1800"/>
-            <a:ext cx="15120" cy="7554240"/>
+            <a:ext cx="14760" cy="7553880"/>
           </a:xfrm>
           <a:prstGeom prst="rect">
             <a:avLst/>
@@ -38517,7 +43250,7 @@
         <p:spPr>
           <a:xfrm>
             <a:off x="4029480" y="1800"/>
-            <a:ext cx="15120" cy="7554240"/>
+            <a:ext cx="14760" cy="7553880"/>
           </a:xfrm>
           <a:prstGeom prst="rect">
             <a:avLst/>
@@ -38577,7 +43310,7 @@
         <p:spPr>
           <a:xfrm>
             <a:off x="5037480" y="1800"/>
-            <a:ext cx="15120" cy="7554240"/>
+            <a:ext cx="14760" cy="7553880"/>
           </a:xfrm>
           <a:prstGeom prst="rect">
             <a:avLst/>
@@ -38637,7 +43370,7 @@
         <p:spPr>
           <a:xfrm>
             <a:off x="6045480" y="1800"/>
-            <a:ext cx="15120" cy="7554240"/>
+            <a:ext cx="14760" cy="7553880"/>
           </a:xfrm>
           <a:prstGeom prst="rect">
             <a:avLst/>
@@ -38697,7 +43430,7 @@
         <p:spPr>
           <a:xfrm>
             <a:off x="7053480" y="1800"/>
-            <a:ext cx="15120" cy="7554240"/>
+            <a:ext cx="14760" cy="7553880"/>
           </a:xfrm>
           <a:prstGeom prst="rect">
             <a:avLst/>
@@ -38757,7 +43490,7 @@
         <p:spPr>
           <a:xfrm>
             <a:off x="8061480" y="1800"/>
-            <a:ext cx="15120" cy="7554240"/>
+            <a:ext cx="14760" cy="7553880"/>
           </a:xfrm>
           <a:prstGeom prst="rect">
             <a:avLst/>
@@ -38817,7 +43550,7 @@
         <p:spPr>
           <a:xfrm>
             <a:off x="9069480" y="1800"/>
-            <a:ext cx="15120" cy="7554240"/>
+            <a:ext cx="14760" cy="7553880"/>
           </a:xfrm>
           <a:prstGeom prst="rect">
             <a:avLst/>
@@ -38877,7 +43610,7 @@
         <p:spPr>
           <a:xfrm>
             <a:off x="10077480" y="1800"/>
-            <a:ext cx="15120" cy="7554240"/>
+            <a:ext cx="14760" cy="7553880"/>
           </a:xfrm>
           <a:prstGeom prst="rect">
             <a:avLst/>
@@ -38937,7 +43670,7 @@
         <p:spPr>
           <a:xfrm>
             <a:off x="11085480" y="1800"/>
-            <a:ext cx="15120" cy="7554240"/>
+            <a:ext cx="14760" cy="7553880"/>
           </a:xfrm>
           <a:prstGeom prst="rect">
             <a:avLst/>
@@ -38997,7 +43730,7 @@
         <p:spPr>
           <a:xfrm>
             <a:off x="12093480" y="1800"/>
-            <a:ext cx="15120" cy="7554240"/>
+            <a:ext cx="14760" cy="7553880"/>
           </a:xfrm>
           <a:prstGeom prst="rect">
             <a:avLst/>
@@ -39057,7 +43790,7 @@
         <p:spPr>
           <a:xfrm>
             <a:off x="13101480" y="1800"/>
-            <a:ext cx="15120" cy="7554240"/>
+            <a:ext cx="14760" cy="7553880"/>
           </a:xfrm>
           <a:prstGeom prst="rect">
             <a:avLst/>
@@ -39117,7 +43850,7 @@
         <p:spPr>
           <a:xfrm>
             <a:off x="1440" y="1800"/>
-            <a:ext cx="347040" cy="7554240"/>
+            <a:ext cx="346680" cy="7553880"/>
           </a:xfrm>
           <a:prstGeom prst="rect">
             <a:avLst/>
@@ -39177,7 +43910,7 @@
         <p:spPr>
           <a:xfrm>
             <a:off x="10884960" y="401400"/>
-            <a:ext cx="2211480" cy="547560"/>
+            <a:ext cx="2211120" cy="547200"/>
           </a:xfrm>
           <a:prstGeom prst="roundRect">
             <a:avLst>
@@ -39251,7 +43984,7 @@
         <p:spPr>
           <a:xfrm>
             <a:off x="3444480" y="1107360"/>
-            <a:ext cx="5216760" cy="729720"/>
+            <a:ext cx="5216400" cy="729720"/>
           </a:xfrm>
           <a:prstGeom prst="rect">
             <a:avLst/>
@@ -39315,7 +44048,7 @@
         <p:spPr>
           <a:xfrm>
             <a:off x="4513680" y="2266200"/>
-            <a:ext cx="3714120" cy="363960"/>
+            <a:ext cx="3713760" cy="363960"/>
           </a:xfrm>
           <a:prstGeom prst="rect">
             <a:avLst/>
@@ -39369,7 +44102,7 @@
         <p:spPr>
           <a:xfrm>
             <a:off x="1086840" y="3506040"/>
-            <a:ext cx="3623040" cy="3018240"/>
+            <a:ext cx="3622680" cy="3017880"/>
           </a:xfrm>
           <a:prstGeom prst="roundRect">
             <a:avLst>
@@ -39431,7 +44164,7 @@
         <p:spPr>
           <a:xfrm>
             <a:off x="1006560" y="3425040"/>
-            <a:ext cx="3623400" cy="3018600"/>
+            <a:ext cx="3623040" cy="3018240"/>
           </a:xfrm>
           <a:prstGeom prst="roundRect">
             <a:avLst>
@@ -39763,7 +44496,7 @@
         <p:spPr>
           <a:xfrm>
             <a:off x="4968360" y="3506040"/>
-            <a:ext cx="3623040" cy="3018240"/>
+            <a:ext cx="3622680" cy="3017880"/>
           </a:xfrm>
           <a:prstGeom prst="roundRect">
             <a:avLst>
@@ -39825,7 +44558,7 @@
         <p:spPr>
           <a:xfrm>
             <a:off x="8849160" y="3506040"/>
-            <a:ext cx="3623040" cy="3018240"/>
+            <a:ext cx="3622680" cy="3017880"/>
           </a:xfrm>
           <a:prstGeom prst="roundRect">
             <a:avLst>
@@ -39887,7 +44620,7 @@
         <p:spPr>
           <a:xfrm>
             <a:off x="8767440" y="3425040"/>
-            <a:ext cx="3623400" cy="3018600"/>
+            <a:ext cx="3623040" cy="3018240"/>
           </a:xfrm>
           <a:prstGeom prst="roundRect">
             <a:avLst>
@@ -40174,7 +44907,7 @@
         <p:spPr>
           <a:xfrm>
             <a:off x="5224320" y="7104600"/>
-            <a:ext cx="3051360" cy="363960"/>
+            <a:ext cx="3051000" cy="363960"/>
           </a:xfrm>
           <a:prstGeom prst="rect">
             <a:avLst/>
@@ -40228,7 +44961,7 @@
         <p:spPr>
           <a:xfrm>
             <a:off x="4941000" y="3450960"/>
-            <a:ext cx="3623400" cy="3018600"/>
+            <a:ext cx="3623040" cy="3018240"/>
           </a:xfrm>
           <a:prstGeom prst="roundRect">
             <a:avLst>

--- a/Java/Java #1/EN/Java #1.pptx
+++ b/Java/Java #1/EN/Java #1.pptx
@@ -23,6 +23,8 @@
     <p:sldId id="271" r:id="rId18"/>
     <p:sldId id="272" r:id="rId19"/>
     <p:sldId id="273" r:id="rId20"/>
+    <p:sldId id="274" r:id="rId21"/>
+    <p:sldId id="275" r:id="rId22"/>
   </p:sldIdLst>
   <p:sldSz cx="10080625" cy="7559675"/>
   <p:notesSz cx="7772400" cy="10058400"/>
@@ -80,7 +82,7 @@
         <p:txBody>
           <a:bodyPr/>
           <a:p>
-            <a:fld id="{7B414F85-EFD0-49DA-A47F-477FFD2463CF}" type="slidenum">
+            <a:fld id="{07C1DA93-D0D6-4EE1-81C6-588530C29DA0}" type="slidenum">
               <a:t>&lt;#&gt;</a:t>
             </a:fld>
           </a:p>
@@ -289,7 +291,7 @@
         <p:txBody>
           <a:bodyPr/>
           <a:p>
-            <a:fld id="{5BA493D6-775C-4FA4-B537-3AA4A8247915}" type="slidenum">
+            <a:fld id="{9B50F5E5-DE4E-4567-BE63-28D946201BA3}" type="slidenum">
               <a:t>&lt;#&gt;</a:t>
             </a:fld>
           </a:p>
@@ -584,7 +586,7 @@
         <p:txBody>
           <a:bodyPr/>
           <a:p>
-            <a:fld id="{C05C4BAF-759D-460E-858B-AD1B1BD76FFD}" type="slidenum">
+            <a:fld id="{2D2A92E4-B4E4-44D5-AAA8-ED386ED2FD0B}" type="slidenum">
               <a:t>&lt;#&gt;</a:t>
             </a:fld>
           </a:p>
@@ -965,7 +967,7 @@
         <p:txBody>
           <a:bodyPr/>
           <a:p>
-            <a:fld id="{B9D5CCCF-95E2-42FA-970D-C6287E1EEFD7}" type="slidenum">
+            <a:fld id="{857FB841-0A86-45FF-80BE-78A79BB451DD}" type="slidenum">
               <a:t>&lt;#&gt;</a:t>
             </a:fld>
           </a:p>
@@ -1128,7 +1130,7 @@
         <p:txBody>
           <a:bodyPr/>
           <a:p>
-            <a:fld id="{2CF39FD7-64BD-4E6D-86FE-CE8D6A1CBF79}" type="slidenum">
+            <a:fld id="{E32AEB99-8AF8-4358-A8E9-DB3D97D12C42}" type="slidenum">
               <a:t>&lt;#&gt;</a:t>
             </a:fld>
           </a:p>
@@ -1294,7 +1296,7 @@
         <p:txBody>
           <a:bodyPr/>
           <a:p>
-            <a:fld id="{EC083660-C3D8-4518-A161-E286B96285FF}" type="slidenum">
+            <a:fld id="{1A1CC685-2427-4B5D-A719-DD1CD95EB4CA}" type="slidenum">
               <a:t>&lt;#&gt;</a:t>
             </a:fld>
           </a:p>
@@ -1503,7 +1505,7 @@
         <p:txBody>
           <a:bodyPr/>
           <a:p>
-            <a:fld id="{F83F729D-0733-43F8-A88F-F230F5C7E879}" type="slidenum">
+            <a:fld id="{2D7FACCC-8665-4F71-ADF1-0047D2F8A95C}" type="slidenum">
               <a:t>&lt;#&gt;</a:t>
             </a:fld>
           </a:p>
@@ -1626,7 +1628,7 @@
         <p:txBody>
           <a:bodyPr/>
           <a:p>
-            <a:fld id="{97711AF6-6616-40A2-B7DF-2027DF7DF956}" type="slidenum">
+            <a:fld id="{74C2FBC9-71A3-4DA7-8BB4-DC9DC8A351B3}" type="slidenum">
               <a:t>&lt;#&gt;</a:t>
             </a:fld>
           </a:p>
@@ -1747,7 +1749,7 @@
         <p:txBody>
           <a:bodyPr/>
           <a:p>
-            <a:fld id="{E6DABA25-3A28-4114-AAEA-79F3D493B161}" type="slidenum">
+            <a:fld id="{52D25C9A-BBE7-4D9D-A73B-590F8A146C93}" type="slidenum">
               <a:t>&lt;#&gt;</a:t>
             </a:fld>
           </a:p>
@@ -1999,7 +2001,7 @@
         <p:txBody>
           <a:bodyPr/>
           <a:p>
-            <a:fld id="{26532882-D59B-4754-A88A-1A8AA8C9DFE6}" type="slidenum">
+            <a:fld id="{EF81A664-818B-4686-A24E-5AB682620390}" type="slidenum">
               <a:t>&lt;#&gt;</a:t>
             </a:fld>
           </a:p>
@@ -2251,7 +2253,7 @@
         <p:txBody>
           <a:bodyPr/>
           <a:p>
-            <a:fld id="{1DC5F2BC-17A9-4CD2-90DD-9DEAE8C82A52}" type="slidenum">
+            <a:fld id="{60FAD604-D78D-49E9-86F0-AF61B0A6A4C5}" type="slidenum">
               <a:t>&lt;#&gt;</a:t>
             </a:fld>
           </a:p>
@@ -2503,7 +2505,7 @@
         <p:txBody>
           <a:bodyPr/>
           <a:p>
-            <a:fld id="{657878AD-5065-4A15-98CF-326E41EEE5FF}" type="slidenum">
+            <a:fld id="{E78948FD-80D6-406C-8C21-50E813B9F347}" type="slidenum">
               <a:t>&lt;#&gt;</a:t>
             </a:fld>
           </a:p>
@@ -2572,7 +2574,7 @@
         <p:spPr>
           <a:xfrm>
             <a:off x="3442320" y="7005240"/>
-            <a:ext cx="3185640" cy="396000"/>
+            <a:ext cx="3185280" cy="395640"/>
           </a:xfrm>
           <a:prstGeom prst="rect">
             <a:avLst/>
@@ -2644,7 +2646,7 @@
         <p:spPr>
           <a:xfrm>
             <a:off x="7223040" y="7005240"/>
-            <a:ext cx="2346120" cy="396000"/>
+            <a:ext cx="2345760" cy="395640"/>
           </a:xfrm>
           <a:prstGeom prst="rect">
             <a:avLst/>
@@ -2685,7 +2687,7 @@
                 <a:tab algn="l" pos="0"/>
               </a:tabLst>
             </a:pPr>
-            <a:fld id="{40057E27-FBD0-4620-B211-B81080C4A4E0}" type="slidenum">
+            <a:fld id="{D25E2AD7-D9CC-49E6-98F6-F56BD05C6041}" type="slidenum">
               <a:rPr b="0" lang="en-US" sz="1200" spc="-1" strike="noStrike">
                 <a:solidFill>
                   <a:srgbClr val="8b8b8b"/>
@@ -2716,7 +2718,7 @@
         <p:spPr>
           <a:xfrm>
             <a:off x="502920" y="7005240"/>
-            <a:ext cx="2346120" cy="396000"/>
+            <a:ext cx="2345760" cy="395640"/>
           </a:xfrm>
           <a:prstGeom prst="rect">
             <a:avLst/>
@@ -3083,7 +3085,7 @@
         <p:spPr>
           <a:xfrm>
             <a:off x="1440" y="1800"/>
-            <a:ext cx="13430520" cy="7553880"/>
+            <a:ext cx="13430160" cy="7553520"/>
           </a:xfrm>
           <a:prstGeom prst="rect">
             <a:avLst/>
@@ -3143,7 +3145,7 @@
         <p:spPr>
           <a:xfrm>
             <a:off x="1440" y="1800"/>
-            <a:ext cx="14760" cy="7553880"/>
+            <a:ext cx="14400" cy="7553520"/>
           </a:xfrm>
           <a:prstGeom prst="rect">
             <a:avLst/>
@@ -3203,7 +3205,7 @@
         <p:spPr>
           <a:xfrm>
             <a:off x="1005480" y="1800"/>
-            <a:ext cx="14760" cy="7553880"/>
+            <a:ext cx="14400" cy="7553520"/>
           </a:xfrm>
           <a:prstGeom prst="rect">
             <a:avLst/>
@@ -3263,7 +3265,7 @@
         <p:spPr>
           <a:xfrm>
             <a:off x="2013480" y="1800"/>
-            <a:ext cx="14760" cy="7553880"/>
+            <a:ext cx="14400" cy="7553520"/>
           </a:xfrm>
           <a:prstGeom prst="rect">
             <a:avLst/>
@@ -3323,7 +3325,7 @@
         <p:spPr>
           <a:xfrm>
             <a:off x="3021480" y="1800"/>
-            <a:ext cx="14760" cy="7553880"/>
+            <a:ext cx="14400" cy="7553520"/>
           </a:xfrm>
           <a:prstGeom prst="rect">
             <a:avLst/>
@@ -3383,7 +3385,7 @@
         <p:spPr>
           <a:xfrm>
             <a:off x="4029480" y="1800"/>
-            <a:ext cx="14760" cy="7553880"/>
+            <a:ext cx="14400" cy="7553520"/>
           </a:xfrm>
           <a:prstGeom prst="rect">
             <a:avLst/>
@@ -3443,7 +3445,7 @@
         <p:spPr>
           <a:xfrm>
             <a:off x="5037480" y="1800"/>
-            <a:ext cx="14760" cy="7553880"/>
+            <a:ext cx="14400" cy="7553520"/>
           </a:xfrm>
           <a:prstGeom prst="rect">
             <a:avLst/>
@@ -3503,7 +3505,7 @@
         <p:spPr>
           <a:xfrm>
             <a:off x="6045480" y="1800"/>
-            <a:ext cx="14760" cy="7553880"/>
+            <a:ext cx="14400" cy="7553520"/>
           </a:xfrm>
           <a:prstGeom prst="rect">
             <a:avLst/>
@@ -3563,7 +3565,7 @@
         <p:spPr>
           <a:xfrm>
             <a:off x="7053480" y="1800"/>
-            <a:ext cx="14760" cy="7553880"/>
+            <a:ext cx="14400" cy="7553520"/>
           </a:xfrm>
           <a:prstGeom prst="rect">
             <a:avLst/>
@@ -3623,7 +3625,7 @@
         <p:spPr>
           <a:xfrm>
             <a:off x="8061480" y="1800"/>
-            <a:ext cx="14760" cy="7553880"/>
+            <a:ext cx="14400" cy="7553520"/>
           </a:xfrm>
           <a:prstGeom prst="rect">
             <a:avLst/>
@@ -3683,7 +3685,7 @@
         <p:spPr>
           <a:xfrm>
             <a:off x="9069480" y="1800"/>
-            <a:ext cx="14760" cy="7553880"/>
+            <a:ext cx="14400" cy="7553520"/>
           </a:xfrm>
           <a:prstGeom prst="rect">
             <a:avLst/>
@@ -3743,7 +3745,7 @@
         <p:spPr>
           <a:xfrm>
             <a:off x="10077480" y="1800"/>
-            <a:ext cx="14760" cy="7553880"/>
+            <a:ext cx="14400" cy="7553520"/>
           </a:xfrm>
           <a:prstGeom prst="rect">
             <a:avLst/>
@@ -3803,7 +3805,7 @@
         <p:spPr>
           <a:xfrm>
             <a:off x="11085480" y="1800"/>
-            <a:ext cx="14760" cy="7553880"/>
+            <a:ext cx="14400" cy="7553520"/>
           </a:xfrm>
           <a:prstGeom prst="rect">
             <a:avLst/>
@@ -3863,7 +3865,7 @@
         <p:spPr>
           <a:xfrm>
             <a:off x="12093480" y="1800"/>
-            <a:ext cx="14760" cy="7553880"/>
+            <a:ext cx="14400" cy="7553520"/>
           </a:xfrm>
           <a:prstGeom prst="rect">
             <a:avLst/>
@@ -3923,7 +3925,7 @@
         <p:spPr>
           <a:xfrm>
             <a:off x="13101480" y="1800"/>
-            <a:ext cx="14760" cy="7553880"/>
+            <a:ext cx="14400" cy="7553520"/>
           </a:xfrm>
           <a:prstGeom prst="rect">
             <a:avLst/>
@@ -3983,7 +3985,7 @@
         <p:spPr>
           <a:xfrm>
             <a:off x="1440" y="1800"/>
-            <a:ext cx="346680" cy="7553880"/>
+            <a:ext cx="346320" cy="7553520"/>
           </a:xfrm>
           <a:prstGeom prst="rect">
             <a:avLst/>
@@ -4043,7 +4045,7 @@
         <p:spPr>
           <a:xfrm>
             <a:off x="10884960" y="401400"/>
-            <a:ext cx="2211120" cy="547200"/>
+            <a:ext cx="2210760" cy="546840"/>
           </a:xfrm>
           <a:prstGeom prst="roundRect">
             <a:avLst>
@@ -4238,7 +4240,7 @@
         <p:spPr>
           <a:xfrm>
             <a:off x="1086840" y="3506040"/>
-            <a:ext cx="3622680" cy="3017880"/>
+            <a:ext cx="3622320" cy="3017520"/>
           </a:xfrm>
           <a:prstGeom prst="roundRect">
             <a:avLst>
@@ -4300,7 +4302,7 @@
         <p:spPr>
           <a:xfrm>
             <a:off x="1006560" y="3425760"/>
-            <a:ext cx="3623040" cy="3018240"/>
+            <a:ext cx="3622680" cy="3017880"/>
           </a:xfrm>
           <a:prstGeom prst="roundRect">
             <a:avLst>
@@ -4450,7 +4452,7 @@
         <p:spPr>
           <a:xfrm>
             <a:off x="4968360" y="3506040"/>
-            <a:ext cx="3622680" cy="3017880"/>
+            <a:ext cx="3622320" cy="3017520"/>
           </a:xfrm>
           <a:prstGeom prst="roundRect">
             <a:avLst>
@@ -4512,7 +4514,7 @@
         <p:spPr>
           <a:xfrm>
             <a:off x="4886640" y="3425760"/>
-            <a:ext cx="3623040" cy="3018240"/>
+            <a:ext cx="3622680" cy="3017880"/>
           </a:xfrm>
           <a:prstGeom prst="roundRect">
             <a:avLst>
@@ -4787,7 +4789,7 @@
         <p:spPr>
           <a:xfrm>
             <a:off x="8849160" y="3506040"/>
-            <a:ext cx="3622680" cy="3017880"/>
+            <a:ext cx="3622320" cy="3017520"/>
           </a:xfrm>
           <a:prstGeom prst="roundRect">
             <a:avLst>
@@ -4849,7 +4851,7 @@
         <p:spPr>
           <a:xfrm>
             <a:off x="8767440" y="3425760"/>
-            <a:ext cx="3623040" cy="3018240"/>
+            <a:ext cx="3622680" cy="3017880"/>
           </a:xfrm>
           <a:prstGeom prst="roundRect">
             <a:avLst>
@@ -5007,7 +5009,7 @@
         <p:spPr>
           <a:xfrm>
             <a:off x="16920" y="1800"/>
-            <a:ext cx="13430520" cy="7553880"/>
+            <a:ext cx="13430160" cy="7553520"/>
           </a:xfrm>
           <a:prstGeom prst="rect">
             <a:avLst/>
@@ -5067,7 +5069,7 @@
         <p:spPr>
           <a:xfrm>
             <a:off x="1440" y="1800"/>
-            <a:ext cx="14760" cy="7553880"/>
+            <a:ext cx="14400" cy="7553520"/>
           </a:xfrm>
           <a:prstGeom prst="rect">
             <a:avLst/>
@@ -5127,7 +5129,7 @@
         <p:spPr>
           <a:xfrm>
             <a:off x="1005480" y="1800"/>
-            <a:ext cx="14760" cy="7553880"/>
+            <a:ext cx="14400" cy="7553520"/>
           </a:xfrm>
           <a:prstGeom prst="rect">
             <a:avLst/>
@@ -5187,7 +5189,7 @@
         <p:spPr>
           <a:xfrm>
             <a:off x="2013480" y="1800"/>
-            <a:ext cx="14760" cy="7553880"/>
+            <a:ext cx="14400" cy="7553520"/>
           </a:xfrm>
           <a:prstGeom prst="rect">
             <a:avLst/>
@@ -5247,7 +5249,7 @@
         <p:spPr>
           <a:xfrm>
             <a:off x="3021480" y="1800"/>
-            <a:ext cx="14760" cy="7553880"/>
+            <a:ext cx="14400" cy="7553520"/>
           </a:xfrm>
           <a:prstGeom prst="rect">
             <a:avLst/>
@@ -5307,7 +5309,7 @@
         <p:spPr>
           <a:xfrm>
             <a:off x="4029480" y="1800"/>
-            <a:ext cx="14760" cy="7553880"/>
+            <a:ext cx="14400" cy="7553520"/>
           </a:xfrm>
           <a:prstGeom prst="rect">
             <a:avLst/>
@@ -5367,7 +5369,7 @@
         <p:spPr>
           <a:xfrm>
             <a:off x="5037480" y="1800"/>
-            <a:ext cx="14760" cy="7553880"/>
+            <a:ext cx="14400" cy="7553520"/>
           </a:xfrm>
           <a:prstGeom prst="rect">
             <a:avLst/>
@@ -5427,7 +5429,7 @@
         <p:spPr>
           <a:xfrm>
             <a:off x="6045480" y="1800"/>
-            <a:ext cx="14760" cy="7553880"/>
+            <a:ext cx="14400" cy="7553520"/>
           </a:xfrm>
           <a:prstGeom prst="rect">
             <a:avLst/>
@@ -5487,7 +5489,7 @@
         <p:spPr>
           <a:xfrm>
             <a:off x="7053480" y="1800"/>
-            <a:ext cx="14760" cy="7553880"/>
+            <a:ext cx="14400" cy="7553520"/>
           </a:xfrm>
           <a:prstGeom prst="rect">
             <a:avLst/>
@@ -5547,7 +5549,7 @@
         <p:spPr>
           <a:xfrm>
             <a:off x="8061480" y="1800"/>
-            <a:ext cx="14760" cy="7553880"/>
+            <a:ext cx="14400" cy="7553520"/>
           </a:xfrm>
           <a:prstGeom prst="rect">
             <a:avLst/>
@@ -5607,7 +5609,7 @@
         <p:spPr>
           <a:xfrm>
             <a:off x="9069480" y="1800"/>
-            <a:ext cx="14760" cy="7553880"/>
+            <a:ext cx="14400" cy="7553520"/>
           </a:xfrm>
           <a:prstGeom prst="rect">
             <a:avLst/>
@@ -5667,7 +5669,7 @@
         <p:spPr>
           <a:xfrm>
             <a:off x="10077480" y="1800"/>
-            <a:ext cx="14760" cy="7553880"/>
+            <a:ext cx="14400" cy="7553520"/>
           </a:xfrm>
           <a:prstGeom prst="rect">
             <a:avLst/>
@@ -5727,7 +5729,7 @@
         <p:spPr>
           <a:xfrm>
             <a:off x="11085480" y="1800"/>
-            <a:ext cx="14760" cy="7553880"/>
+            <a:ext cx="14400" cy="7553520"/>
           </a:xfrm>
           <a:prstGeom prst="rect">
             <a:avLst/>
@@ -5787,7 +5789,7 @@
         <p:spPr>
           <a:xfrm>
             <a:off x="12093480" y="1800"/>
-            <a:ext cx="14760" cy="7553880"/>
+            <a:ext cx="14400" cy="7553520"/>
           </a:xfrm>
           <a:prstGeom prst="rect">
             <a:avLst/>
@@ -5847,7 +5849,7 @@
         <p:spPr>
           <a:xfrm>
             <a:off x="13101480" y="1800"/>
-            <a:ext cx="14760" cy="7553880"/>
+            <a:ext cx="14400" cy="7553520"/>
           </a:xfrm>
           <a:prstGeom prst="rect">
             <a:avLst/>
@@ -5907,7 +5909,7 @@
         <p:spPr>
           <a:xfrm>
             <a:off x="1440" y="1800"/>
-            <a:ext cx="346680" cy="7553880"/>
+            <a:ext cx="346320" cy="7553520"/>
           </a:xfrm>
           <a:prstGeom prst="rect">
             <a:avLst/>
@@ -5967,7 +5969,7 @@
         <p:spPr>
           <a:xfrm>
             <a:off x="10884960" y="401400"/>
-            <a:ext cx="2211120" cy="547200"/>
+            <a:ext cx="2210760" cy="546840"/>
           </a:xfrm>
           <a:prstGeom prst="roundRect">
             <a:avLst>
@@ -6159,7 +6161,7 @@
         <p:spPr>
           <a:xfrm>
             <a:off x="1086840" y="3506040"/>
-            <a:ext cx="3622680" cy="3017880"/>
+            <a:ext cx="3622320" cy="3017520"/>
           </a:xfrm>
           <a:prstGeom prst="roundRect">
             <a:avLst>
@@ -6221,7 +6223,7 @@
         <p:spPr>
           <a:xfrm>
             <a:off x="1006560" y="3424320"/>
-            <a:ext cx="3623040" cy="3018240"/>
+            <a:ext cx="3622680" cy="3017880"/>
           </a:xfrm>
           <a:prstGeom prst="roundRect">
             <a:avLst>
@@ -6459,7 +6461,7 @@
         <p:spPr>
           <a:xfrm>
             <a:off x="4968360" y="3506040"/>
-            <a:ext cx="3622680" cy="3017880"/>
+            <a:ext cx="3622320" cy="3017520"/>
           </a:xfrm>
           <a:prstGeom prst="roundRect">
             <a:avLst>
@@ -6521,7 +6523,7 @@
         <p:spPr>
           <a:xfrm>
             <a:off x="8849160" y="3506040"/>
-            <a:ext cx="3622680" cy="3017880"/>
+            <a:ext cx="3622320" cy="3017520"/>
           </a:xfrm>
           <a:prstGeom prst="roundRect">
             <a:avLst>
@@ -6583,7 +6585,7 @@
         <p:spPr>
           <a:xfrm>
             <a:off x="8767440" y="3425040"/>
-            <a:ext cx="3623040" cy="3018240"/>
+            <a:ext cx="3622680" cy="3017880"/>
           </a:xfrm>
           <a:prstGeom prst="roundRect">
             <a:avLst>
@@ -6937,7 +6939,7 @@
         <p:spPr>
           <a:xfrm>
             <a:off x="4941000" y="3450960"/>
-            <a:ext cx="3623040" cy="3018240"/>
+            <a:ext cx="3622680" cy="3017880"/>
           </a:xfrm>
           <a:prstGeom prst="roundRect">
             <a:avLst>
@@ -7192,7 +7194,7 @@
         <p:spPr>
           <a:xfrm>
             <a:off x="16920" y="1800"/>
-            <a:ext cx="13430520" cy="7553880"/>
+            <a:ext cx="13430160" cy="7553520"/>
           </a:xfrm>
           <a:prstGeom prst="rect">
             <a:avLst/>
@@ -7252,7 +7254,7 @@
         <p:spPr>
           <a:xfrm>
             <a:off x="1440" y="1800"/>
-            <a:ext cx="14760" cy="7553880"/>
+            <a:ext cx="14400" cy="7553520"/>
           </a:xfrm>
           <a:prstGeom prst="rect">
             <a:avLst/>
@@ -7312,7 +7314,7 @@
         <p:spPr>
           <a:xfrm>
             <a:off x="1005480" y="1800"/>
-            <a:ext cx="14760" cy="7553880"/>
+            <a:ext cx="14400" cy="7553520"/>
           </a:xfrm>
           <a:prstGeom prst="rect">
             <a:avLst/>
@@ -7372,7 +7374,7 @@
         <p:spPr>
           <a:xfrm>
             <a:off x="2013480" y="1800"/>
-            <a:ext cx="14760" cy="7553880"/>
+            <a:ext cx="14400" cy="7553520"/>
           </a:xfrm>
           <a:prstGeom prst="rect">
             <a:avLst/>
@@ -7432,7 +7434,7 @@
         <p:spPr>
           <a:xfrm>
             <a:off x="3021480" y="1800"/>
-            <a:ext cx="14760" cy="7553880"/>
+            <a:ext cx="14400" cy="7553520"/>
           </a:xfrm>
           <a:prstGeom prst="rect">
             <a:avLst/>
@@ -7492,7 +7494,7 @@
         <p:spPr>
           <a:xfrm>
             <a:off x="4029480" y="1800"/>
-            <a:ext cx="14760" cy="7553880"/>
+            <a:ext cx="14400" cy="7553520"/>
           </a:xfrm>
           <a:prstGeom prst="rect">
             <a:avLst/>
@@ -7552,7 +7554,7 @@
         <p:spPr>
           <a:xfrm>
             <a:off x="5037480" y="1800"/>
-            <a:ext cx="14760" cy="7553880"/>
+            <a:ext cx="14400" cy="7553520"/>
           </a:xfrm>
           <a:prstGeom prst="rect">
             <a:avLst/>
@@ -7612,7 +7614,7 @@
         <p:spPr>
           <a:xfrm>
             <a:off x="6045480" y="1800"/>
-            <a:ext cx="14760" cy="7553880"/>
+            <a:ext cx="14400" cy="7553520"/>
           </a:xfrm>
           <a:prstGeom prst="rect">
             <a:avLst/>
@@ -7672,7 +7674,7 @@
         <p:spPr>
           <a:xfrm>
             <a:off x="7053480" y="1800"/>
-            <a:ext cx="14760" cy="7553880"/>
+            <a:ext cx="14400" cy="7553520"/>
           </a:xfrm>
           <a:prstGeom prst="rect">
             <a:avLst/>
@@ -7732,7 +7734,7 @@
         <p:spPr>
           <a:xfrm>
             <a:off x="8061480" y="1800"/>
-            <a:ext cx="14760" cy="7553880"/>
+            <a:ext cx="14400" cy="7553520"/>
           </a:xfrm>
           <a:prstGeom prst="rect">
             <a:avLst/>
@@ -7792,7 +7794,7 @@
         <p:spPr>
           <a:xfrm>
             <a:off x="9069480" y="1800"/>
-            <a:ext cx="14760" cy="7553880"/>
+            <a:ext cx="14400" cy="7553520"/>
           </a:xfrm>
           <a:prstGeom prst="rect">
             <a:avLst/>
@@ -7852,7 +7854,7 @@
         <p:spPr>
           <a:xfrm>
             <a:off x="10077480" y="1800"/>
-            <a:ext cx="14760" cy="7553880"/>
+            <a:ext cx="14400" cy="7553520"/>
           </a:xfrm>
           <a:prstGeom prst="rect">
             <a:avLst/>
@@ -7912,7 +7914,7 @@
         <p:spPr>
           <a:xfrm>
             <a:off x="11085480" y="1800"/>
-            <a:ext cx="14760" cy="7553880"/>
+            <a:ext cx="14400" cy="7553520"/>
           </a:xfrm>
           <a:prstGeom prst="rect">
             <a:avLst/>
@@ -7972,7 +7974,7 @@
         <p:spPr>
           <a:xfrm>
             <a:off x="12093480" y="1800"/>
-            <a:ext cx="14760" cy="7553880"/>
+            <a:ext cx="14400" cy="7553520"/>
           </a:xfrm>
           <a:prstGeom prst="rect">
             <a:avLst/>
@@ -8032,7 +8034,7 @@
         <p:spPr>
           <a:xfrm>
             <a:off x="13101480" y="1800"/>
-            <a:ext cx="14760" cy="7553880"/>
+            <a:ext cx="14400" cy="7553520"/>
           </a:xfrm>
           <a:prstGeom prst="rect">
             <a:avLst/>
@@ -8092,7 +8094,7 @@
         <p:spPr>
           <a:xfrm>
             <a:off x="1440" y="1800"/>
-            <a:ext cx="346680" cy="7553880"/>
+            <a:ext cx="346320" cy="7553520"/>
           </a:xfrm>
           <a:prstGeom prst="rect">
             <a:avLst/>
@@ -8152,7 +8154,7 @@
         <p:spPr>
           <a:xfrm>
             <a:off x="10884960" y="401400"/>
-            <a:ext cx="2211120" cy="547200"/>
+            <a:ext cx="2210760" cy="546840"/>
           </a:xfrm>
           <a:prstGeom prst="roundRect">
             <a:avLst>
@@ -8344,7 +8346,7 @@
         <p:spPr>
           <a:xfrm>
             <a:off x="1086840" y="3506040"/>
-            <a:ext cx="3622680" cy="3017880"/>
+            <a:ext cx="3622320" cy="3017520"/>
           </a:xfrm>
           <a:prstGeom prst="roundRect">
             <a:avLst>
@@ -8406,7 +8408,7 @@
         <p:spPr>
           <a:xfrm>
             <a:off x="1006560" y="3424320"/>
-            <a:ext cx="3623040" cy="3018240"/>
+            <a:ext cx="3622680" cy="3017880"/>
           </a:xfrm>
           <a:prstGeom prst="roundRect">
             <a:avLst>
@@ -8724,7 +8726,7 @@
         <p:spPr>
           <a:xfrm>
             <a:off x="4968360" y="3506040"/>
-            <a:ext cx="3622680" cy="3017880"/>
+            <a:ext cx="3622320" cy="3017520"/>
           </a:xfrm>
           <a:prstGeom prst="roundRect">
             <a:avLst>
@@ -8786,7 +8788,7 @@
         <p:spPr>
           <a:xfrm>
             <a:off x="8849160" y="3506040"/>
-            <a:ext cx="3622680" cy="3017880"/>
+            <a:ext cx="3622320" cy="3017520"/>
           </a:xfrm>
           <a:prstGeom prst="roundRect">
             <a:avLst>
@@ -8848,7 +8850,7 @@
         <p:spPr>
           <a:xfrm>
             <a:off x="8767440" y="3425040"/>
-            <a:ext cx="3623040" cy="3018240"/>
+            <a:ext cx="3622680" cy="3017880"/>
           </a:xfrm>
           <a:prstGeom prst="roundRect">
             <a:avLst>
@@ -9432,7 +9434,7 @@
         <p:spPr>
           <a:xfrm>
             <a:off x="4941000" y="3450960"/>
-            <a:ext cx="3623040" cy="3018240"/>
+            <a:ext cx="3622680" cy="3017880"/>
           </a:xfrm>
           <a:prstGeom prst="roundRect">
             <a:avLst>
@@ -9714,7 +9716,7 @@
         <p:spPr>
           <a:xfrm>
             <a:off x="16920" y="1800"/>
-            <a:ext cx="13430520" cy="7553880"/>
+            <a:ext cx="13430160" cy="7553520"/>
           </a:xfrm>
           <a:prstGeom prst="rect">
             <a:avLst/>
@@ -9774,7 +9776,7 @@
         <p:spPr>
           <a:xfrm>
             <a:off x="1440" y="1800"/>
-            <a:ext cx="14760" cy="7553880"/>
+            <a:ext cx="14400" cy="7553520"/>
           </a:xfrm>
           <a:prstGeom prst="rect">
             <a:avLst/>
@@ -9834,7 +9836,7 @@
         <p:spPr>
           <a:xfrm>
             <a:off x="1005480" y="1800"/>
-            <a:ext cx="14760" cy="7553880"/>
+            <a:ext cx="14400" cy="7553520"/>
           </a:xfrm>
           <a:prstGeom prst="rect">
             <a:avLst/>
@@ -9894,7 +9896,7 @@
         <p:spPr>
           <a:xfrm>
             <a:off x="2013480" y="1800"/>
-            <a:ext cx="14760" cy="7553880"/>
+            <a:ext cx="14400" cy="7553520"/>
           </a:xfrm>
           <a:prstGeom prst="rect">
             <a:avLst/>
@@ -9954,7 +9956,7 @@
         <p:spPr>
           <a:xfrm>
             <a:off x="3021480" y="1800"/>
-            <a:ext cx="14760" cy="7553880"/>
+            <a:ext cx="14400" cy="7553520"/>
           </a:xfrm>
           <a:prstGeom prst="rect">
             <a:avLst/>
@@ -10014,7 +10016,7 @@
         <p:spPr>
           <a:xfrm>
             <a:off x="4029480" y="1800"/>
-            <a:ext cx="14760" cy="7553880"/>
+            <a:ext cx="14400" cy="7553520"/>
           </a:xfrm>
           <a:prstGeom prst="rect">
             <a:avLst/>
@@ -10074,7 +10076,7 @@
         <p:spPr>
           <a:xfrm>
             <a:off x="5037480" y="1800"/>
-            <a:ext cx="14760" cy="7553880"/>
+            <a:ext cx="14400" cy="7553520"/>
           </a:xfrm>
           <a:prstGeom prst="rect">
             <a:avLst/>
@@ -10134,7 +10136,7 @@
         <p:spPr>
           <a:xfrm>
             <a:off x="6045480" y="1800"/>
-            <a:ext cx="14760" cy="7553880"/>
+            <a:ext cx="14400" cy="7553520"/>
           </a:xfrm>
           <a:prstGeom prst="rect">
             <a:avLst/>
@@ -10194,7 +10196,7 @@
         <p:spPr>
           <a:xfrm>
             <a:off x="7053480" y="1800"/>
-            <a:ext cx="14760" cy="7553880"/>
+            <a:ext cx="14400" cy="7553520"/>
           </a:xfrm>
           <a:prstGeom prst="rect">
             <a:avLst/>
@@ -10254,7 +10256,7 @@
         <p:spPr>
           <a:xfrm>
             <a:off x="8061480" y="1800"/>
-            <a:ext cx="14760" cy="7553880"/>
+            <a:ext cx="14400" cy="7553520"/>
           </a:xfrm>
           <a:prstGeom prst="rect">
             <a:avLst/>
@@ -10314,7 +10316,7 @@
         <p:spPr>
           <a:xfrm>
             <a:off x="9069480" y="1800"/>
-            <a:ext cx="14760" cy="7553880"/>
+            <a:ext cx="14400" cy="7553520"/>
           </a:xfrm>
           <a:prstGeom prst="rect">
             <a:avLst/>
@@ -10374,7 +10376,7 @@
         <p:spPr>
           <a:xfrm>
             <a:off x="10077480" y="1800"/>
-            <a:ext cx="14760" cy="7553880"/>
+            <a:ext cx="14400" cy="7553520"/>
           </a:xfrm>
           <a:prstGeom prst="rect">
             <a:avLst/>
@@ -10434,7 +10436,7 @@
         <p:spPr>
           <a:xfrm>
             <a:off x="11085480" y="1800"/>
-            <a:ext cx="14760" cy="7553880"/>
+            <a:ext cx="14400" cy="7553520"/>
           </a:xfrm>
           <a:prstGeom prst="rect">
             <a:avLst/>
@@ -10494,7 +10496,7 @@
         <p:spPr>
           <a:xfrm>
             <a:off x="12093480" y="1800"/>
-            <a:ext cx="14760" cy="7553880"/>
+            <a:ext cx="14400" cy="7553520"/>
           </a:xfrm>
           <a:prstGeom prst="rect">
             <a:avLst/>
@@ -10554,7 +10556,7 @@
         <p:spPr>
           <a:xfrm>
             <a:off x="13101480" y="1800"/>
-            <a:ext cx="14760" cy="7553880"/>
+            <a:ext cx="14400" cy="7553520"/>
           </a:xfrm>
           <a:prstGeom prst="rect">
             <a:avLst/>
@@ -10614,7 +10616,7 @@
         <p:spPr>
           <a:xfrm>
             <a:off x="1440" y="1800"/>
-            <a:ext cx="346680" cy="7553880"/>
+            <a:ext cx="346320" cy="7553520"/>
           </a:xfrm>
           <a:prstGeom prst="rect">
             <a:avLst/>
@@ -10674,7 +10676,7 @@
         <p:spPr>
           <a:xfrm>
             <a:off x="10884960" y="401400"/>
-            <a:ext cx="2211120" cy="547200"/>
+            <a:ext cx="2210760" cy="546840"/>
           </a:xfrm>
           <a:prstGeom prst="roundRect">
             <a:avLst>
@@ -10812,7 +10814,7 @@
         <p:spPr>
           <a:xfrm>
             <a:off x="4301280" y="2266200"/>
-            <a:ext cx="4137840" cy="363960"/>
+            <a:ext cx="4137480" cy="363960"/>
           </a:xfrm>
           <a:prstGeom prst="rect">
             <a:avLst/>
@@ -10866,7 +10868,7 @@
         <p:spPr>
           <a:xfrm>
             <a:off x="1086840" y="3506040"/>
-            <a:ext cx="3622680" cy="3017880"/>
+            <a:ext cx="3622320" cy="3017520"/>
           </a:xfrm>
           <a:prstGeom prst="roundRect">
             <a:avLst>
@@ -10928,7 +10930,7 @@
         <p:spPr>
           <a:xfrm>
             <a:off x="1006560" y="3424320"/>
-            <a:ext cx="3623040" cy="3018240"/>
+            <a:ext cx="3622680" cy="3017880"/>
           </a:xfrm>
           <a:prstGeom prst="roundRect">
             <a:avLst>
@@ -11193,7 +11195,7 @@
         <p:spPr>
           <a:xfrm>
             <a:off x="4968360" y="3506040"/>
-            <a:ext cx="3622680" cy="3017880"/>
+            <a:ext cx="3622320" cy="3017520"/>
           </a:xfrm>
           <a:prstGeom prst="roundRect">
             <a:avLst>
@@ -11255,7 +11257,7 @@
         <p:spPr>
           <a:xfrm>
             <a:off x="8849160" y="3506040"/>
-            <a:ext cx="3622680" cy="3017880"/>
+            <a:ext cx="3622320" cy="3017520"/>
           </a:xfrm>
           <a:prstGeom prst="roundRect">
             <a:avLst>
@@ -11317,7 +11319,7 @@
         <p:spPr>
           <a:xfrm>
             <a:off x="8767440" y="3425040"/>
-            <a:ext cx="3623040" cy="3018240"/>
+            <a:ext cx="3622680" cy="3017880"/>
           </a:xfrm>
           <a:prstGeom prst="roundRect">
             <a:avLst>
@@ -11716,7 +11718,7 @@
         <p:spPr>
           <a:xfrm>
             <a:off x="4941000" y="3450960"/>
-            <a:ext cx="3623040" cy="3018240"/>
+            <a:ext cx="3622680" cy="3017880"/>
           </a:xfrm>
           <a:prstGeom prst="roundRect">
             <a:avLst>
@@ -12011,7 +12013,7 @@
         <p:spPr>
           <a:xfrm>
             <a:off x="16920" y="1800"/>
-            <a:ext cx="13430520" cy="7553880"/>
+            <a:ext cx="13430160" cy="7553520"/>
           </a:xfrm>
           <a:prstGeom prst="rect">
             <a:avLst/>
@@ -12071,7 +12073,7 @@
         <p:spPr>
           <a:xfrm>
             <a:off x="1440" y="1800"/>
-            <a:ext cx="14760" cy="7553880"/>
+            <a:ext cx="14400" cy="7553520"/>
           </a:xfrm>
           <a:prstGeom prst="rect">
             <a:avLst/>
@@ -12131,7 +12133,7 @@
         <p:spPr>
           <a:xfrm>
             <a:off x="1005480" y="1800"/>
-            <a:ext cx="14760" cy="7553880"/>
+            <a:ext cx="14400" cy="7553520"/>
           </a:xfrm>
           <a:prstGeom prst="rect">
             <a:avLst/>
@@ -12191,7 +12193,7 @@
         <p:spPr>
           <a:xfrm>
             <a:off x="2013480" y="1800"/>
-            <a:ext cx="14760" cy="7553880"/>
+            <a:ext cx="14400" cy="7553520"/>
           </a:xfrm>
           <a:prstGeom prst="rect">
             <a:avLst/>
@@ -12251,7 +12253,7 @@
         <p:spPr>
           <a:xfrm>
             <a:off x="3021480" y="1800"/>
-            <a:ext cx="14760" cy="7553880"/>
+            <a:ext cx="14400" cy="7553520"/>
           </a:xfrm>
           <a:prstGeom prst="rect">
             <a:avLst/>
@@ -12311,7 +12313,7 @@
         <p:spPr>
           <a:xfrm>
             <a:off x="4029480" y="1800"/>
-            <a:ext cx="14760" cy="7553880"/>
+            <a:ext cx="14400" cy="7553520"/>
           </a:xfrm>
           <a:prstGeom prst="rect">
             <a:avLst/>
@@ -12371,7 +12373,7 @@
         <p:spPr>
           <a:xfrm>
             <a:off x="5037480" y="1800"/>
-            <a:ext cx="14760" cy="7553880"/>
+            <a:ext cx="14400" cy="7553520"/>
           </a:xfrm>
           <a:prstGeom prst="rect">
             <a:avLst/>
@@ -12431,7 +12433,7 @@
         <p:spPr>
           <a:xfrm>
             <a:off x="6045480" y="1800"/>
-            <a:ext cx="14760" cy="7553880"/>
+            <a:ext cx="14400" cy="7553520"/>
           </a:xfrm>
           <a:prstGeom prst="rect">
             <a:avLst/>
@@ -12491,7 +12493,7 @@
         <p:spPr>
           <a:xfrm>
             <a:off x="7053480" y="1800"/>
-            <a:ext cx="14760" cy="7553880"/>
+            <a:ext cx="14400" cy="7553520"/>
           </a:xfrm>
           <a:prstGeom prst="rect">
             <a:avLst/>
@@ -12551,7 +12553,7 @@
         <p:spPr>
           <a:xfrm>
             <a:off x="8061480" y="1800"/>
-            <a:ext cx="14760" cy="7553880"/>
+            <a:ext cx="14400" cy="7553520"/>
           </a:xfrm>
           <a:prstGeom prst="rect">
             <a:avLst/>
@@ -12611,7 +12613,7 @@
         <p:spPr>
           <a:xfrm>
             <a:off x="9069480" y="1800"/>
-            <a:ext cx="14760" cy="7553880"/>
+            <a:ext cx="14400" cy="7553520"/>
           </a:xfrm>
           <a:prstGeom prst="rect">
             <a:avLst/>
@@ -12671,7 +12673,7 @@
         <p:spPr>
           <a:xfrm>
             <a:off x="10077480" y="1800"/>
-            <a:ext cx="14760" cy="7553880"/>
+            <a:ext cx="14400" cy="7553520"/>
           </a:xfrm>
           <a:prstGeom prst="rect">
             <a:avLst/>
@@ -12731,7 +12733,7 @@
         <p:spPr>
           <a:xfrm>
             <a:off x="11085480" y="1800"/>
-            <a:ext cx="14760" cy="7553880"/>
+            <a:ext cx="14400" cy="7553520"/>
           </a:xfrm>
           <a:prstGeom prst="rect">
             <a:avLst/>
@@ -12791,7 +12793,7 @@
         <p:spPr>
           <a:xfrm>
             <a:off x="12093480" y="1800"/>
-            <a:ext cx="14760" cy="7553880"/>
+            <a:ext cx="14400" cy="7553520"/>
           </a:xfrm>
           <a:prstGeom prst="rect">
             <a:avLst/>
@@ -12851,7 +12853,7 @@
         <p:spPr>
           <a:xfrm>
             <a:off x="13101480" y="1800"/>
-            <a:ext cx="14760" cy="7553880"/>
+            <a:ext cx="14400" cy="7553520"/>
           </a:xfrm>
           <a:prstGeom prst="rect">
             <a:avLst/>
@@ -12911,7 +12913,7 @@
         <p:spPr>
           <a:xfrm>
             <a:off x="1440" y="1800"/>
-            <a:ext cx="346680" cy="7553880"/>
+            <a:ext cx="346320" cy="7553520"/>
           </a:xfrm>
           <a:prstGeom prst="rect">
             <a:avLst/>
@@ -12971,7 +12973,7 @@
         <p:spPr>
           <a:xfrm>
             <a:off x="10884960" y="401400"/>
-            <a:ext cx="2211120" cy="547200"/>
+            <a:ext cx="2210760" cy="546840"/>
           </a:xfrm>
           <a:prstGeom prst="roundRect">
             <a:avLst>
@@ -13109,7 +13111,7 @@
         <p:spPr>
           <a:xfrm>
             <a:off x="5032440" y="2266200"/>
-            <a:ext cx="2675160" cy="363960"/>
+            <a:ext cx="2674800" cy="363960"/>
           </a:xfrm>
           <a:prstGeom prst="rect">
             <a:avLst/>
@@ -13163,7 +13165,7 @@
         <p:spPr>
           <a:xfrm>
             <a:off x="1086840" y="3506040"/>
-            <a:ext cx="3622680" cy="3017880"/>
+            <a:ext cx="3622320" cy="3017520"/>
           </a:xfrm>
           <a:prstGeom prst="roundRect">
             <a:avLst>
@@ -13225,7 +13227,7 @@
         <p:spPr>
           <a:xfrm>
             <a:off x="1006560" y="3424320"/>
-            <a:ext cx="3623040" cy="3018240"/>
+            <a:ext cx="3622680" cy="3017880"/>
           </a:xfrm>
           <a:prstGeom prst="roundRect">
             <a:avLst>
@@ -13554,7 +13556,7 @@
         <p:spPr>
           <a:xfrm>
             <a:off x="4968360" y="3506040"/>
-            <a:ext cx="3622680" cy="3017880"/>
+            <a:ext cx="3622320" cy="3017520"/>
           </a:xfrm>
           <a:prstGeom prst="roundRect">
             <a:avLst>
@@ -13616,7 +13618,7 @@
         <p:spPr>
           <a:xfrm>
             <a:off x="8849160" y="3506040"/>
-            <a:ext cx="3622680" cy="3017880"/>
+            <a:ext cx="3622320" cy="3017520"/>
           </a:xfrm>
           <a:prstGeom prst="roundRect">
             <a:avLst>
@@ -13678,7 +13680,7 @@
         <p:spPr>
           <a:xfrm>
             <a:off x="8767440" y="3425040"/>
-            <a:ext cx="3623040" cy="3018240"/>
+            <a:ext cx="3622680" cy="3017880"/>
           </a:xfrm>
           <a:prstGeom prst="roundRect">
             <a:avLst>
@@ -14225,7 +14227,7 @@
         <p:spPr>
           <a:xfrm>
             <a:off x="4941000" y="3450960"/>
-            <a:ext cx="3623040" cy="3018240"/>
+            <a:ext cx="3622680" cy="3017880"/>
           </a:xfrm>
           <a:prstGeom prst="roundRect">
             <a:avLst>
@@ -14612,7 +14614,7 @@
         <p:spPr>
           <a:xfrm>
             <a:off x="16920" y="1800"/>
-            <a:ext cx="13430520" cy="7553880"/>
+            <a:ext cx="13430160" cy="7553520"/>
           </a:xfrm>
           <a:prstGeom prst="rect">
             <a:avLst/>
@@ -14672,7 +14674,7 @@
         <p:spPr>
           <a:xfrm>
             <a:off x="1440" y="1800"/>
-            <a:ext cx="14760" cy="7553880"/>
+            <a:ext cx="14400" cy="7553520"/>
           </a:xfrm>
           <a:prstGeom prst="rect">
             <a:avLst/>
@@ -14732,7 +14734,7 @@
         <p:spPr>
           <a:xfrm>
             <a:off x="1005480" y="1800"/>
-            <a:ext cx="14760" cy="7553880"/>
+            <a:ext cx="14400" cy="7553520"/>
           </a:xfrm>
           <a:prstGeom prst="rect">
             <a:avLst/>
@@ -14792,7 +14794,7 @@
         <p:spPr>
           <a:xfrm>
             <a:off x="2013480" y="1800"/>
-            <a:ext cx="14760" cy="7553880"/>
+            <a:ext cx="14400" cy="7553520"/>
           </a:xfrm>
           <a:prstGeom prst="rect">
             <a:avLst/>
@@ -14852,7 +14854,7 @@
         <p:spPr>
           <a:xfrm>
             <a:off x="3021480" y="1800"/>
-            <a:ext cx="14760" cy="7553880"/>
+            <a:ext cx="14400" cy="7553520"/>
           </a:xfrm>
           <a:prstGeom prst="rect">
             <a:avLst/>
@@ -14912,7 +14914,7 @@
         <p:spPr>
           <a:xfrm>
             <a:off x="4029480" y="1800"/>
-            <a:ext cx="14760" cy="7553880"/>
+            <a:ext cx="14400" cy="7553520"/>
           </a:xfrm>
           <a:prstGeom prst="rect">
             <a:avLst/>
@@ -14972,7 +14974,7 @@
         <p:spPr>
           <a:xfrm>
             <a:off x="5037480" y="1800"/>
-            <a:ext cx="14760" cy="7553880"/>
+            <a:ext cx="14400" cy="7553520"/>
           </a:xfrm>
           <a:prstGeom prst="rect">
             <a:avLst/>
@@ -15032,7 +15034,7 @@
         <p:spPr>
           <a:xfrm>
             <a:off x="6045480" y="1800"/>
-            <a:ext cx="14760" cy="7553880"/>
+            <a:ext cx="14400" cy="7553520"/>
           </a:xfrm>
           <a:prstGeom prst="rect">
             <a:avLst/>
@@ -15092,7 +15094,7 @@
         <p:spPr>
           <a:xfrm>
             <a:off x="7053480" y="1800"/>
-            <a:ext cx="14760" cy="7553880"/>
+            <a:ext cx="14400" cy="7553520"/>
           </a:xfrm>
           <a:prstGeom prst="rect">
             <a:avLst/>
@@ -15152,7 +15154,7 @@
         <p:spPr>
           <a:xfrm>
             <a:off x="8061480" y="1800"/>
-            <a:ext cx="14760" cy="7553880"/>
+            <a:ext cx="14400" cy="7553520"/>
           </a:xfrm>
           <a:prstGeom prst="rect">
             <a:avLst/>
@@ -15212,7 +15214,7 @@
         <p:spPr>
           <a:xfrm>
             <a:off x="9069480" y="1800"/>
-            <a:ext cx="14760" cy="7553880"/>
+            <a:ext cx="14400" cy="7553520"/>
           </a:xfrm>
           <a:prstGeom prst="rect">
             <a:avLst/>
@@ -15272,7 +15274,7 @@
         <p:spPr>
           <a:xfrm>
             <a:off x="10077480" y="1800"/>
-            <a:ext cx="14760" cy="7553880"/>
+            <a:ext cx="14400" cy="7553520"/>
           </a:xfrm>
           <a:prstGeom prst="rect">
             <a:avLst/>
@@ -15332,7 +15334,7 @@
         <p:spPr>
           <a:xfrm>
             <a:off x="11085480" y="1800"/>
-            <a:ext cx="14760" cy="7553880"/>
+            <a:ext cx="14400" cy="7553520"/>
           </a:xfrm>
           <a:prstGeom prst="rect">
             <a:avLst/>
@@ -15392,7 +15394,7 @@
         <p:spPr>
           <a:xfrm>
             <a:off x="12093480" y="1800"/>
-            <a:ext cx="14760" cy="7553880"/>
+            <a:ext cx="14400" cy="7553520"/>
           </a:xfrm>
           <a:prstGeom prst="rect">
             <a:avLst/>
@@ -15452,7 +15454,7 @@
         <p:spPr>
           <a:xfrm>
             <a:off x="13101480" y="1800"/>
-            <a:ext cx="14760" cy="7553880"/>
+            <a:ext cx="14400" cy="7553520"/>
           </a:xfrm>
           <a:prstGeom prst="rect">
             <a:avLst/>
@@ -15512,7 +15514,7 @@
         <p:spPr>
           <a:xfrm>
             <a:off x="1440" y="1800"/>
-            <a:ext cx="346680" cy="7553880"/>
+            <a:ext cx="346320" cy="7553520"/>
           </a:xfrm>
           <a:prstGeom prst="rect">
             <a:avLst/>
@@ -15572,7 +15574,7 @@
         <p:spPr>
           <a:xfrm>
             <a:off x="10884960" y="401400"/>
-            <a:ext cx="2211120" cy="547200"/>
+            <a:ext cx="2210760" cy="546840"/>
           </a:xfrm>
           <a:prstGeom prst="roundRect">
             <a:avLst>
@@ -15710,7 +15712,7 @@
         <p:spPr>
           <a:xfrm>
             <a:off x="5032440" y="2266200"/>
-            <a:ext cx="2675160" cy="363960"/>
+            <a:ext cx="2674800" cy="363960"/>
           </a:xfrm>
           <a:prstGeom prst="rect">
             <a:avLst/>
@@ -15764,7 +15766,7 @@
         <p:spPr>
           <a:xfrm>
             <a:off x="1086840" y="3506040"/>
-            <a:ext cx="3622680" cy="3017880"/>
+            <a:ext cx="3622320" cy="3017520"/>
           </a:xfrm>
           <a:prstGeom prst="roundRect">
             <a:avLst>
@@ -15826,7 +15828,7 @@
         <p:spPr>
           <a:xfrm>
             <a:off x="1020960" y="3424320"/>
-            <a:ext cx="3623040" cy="3018240"/>
+            <a:ext cx="3622680" cy="3017880"/>
           </a:xfrm>
           <a:prstGeom prst="roundRect">
             <a:avLst>
@@ -16040,7 +16042,7 @@
         <p:spPr>
           <a:xfrm>
             <a:off x="4968360" y="3506040"/>
-            <a:ext cx="3622680" cy="3017880"/>
+            <a:ext cx="3622320" cy="3017520"/>
           </a:xfrm>
           <a:prstGeom prst="roundRect">
             <a:avLst>
@@ -16102,7 +16104,7 @@
         <p:spPr>
           <a:xfrm>
             <a:off x="8849160" y="3506040"/>
-            <a:ext cx="3622680" cy="3017880"/>
+            <a:ext cx="3622320" cy="3017520"/>
           </a:xfrm>
           <a:prstGeom prst="roundRect">
             <a:avLst>
@@ -16164,7 +16166,7 @@
         <p:spPr>
           <a:xfrm>
             <a:off x="8767440" y="3425040"/>
-            <a:ext cx="3623040" cy="3018240"/>
+            <a:ext cx="3622680" cy="3017880"/>
           </a:xfrm>
           <a:prstGeom prst="roundRect">
             <a:avLst>
@@ -16566,7 +16568,7 @@
         <p:spPr>
           <a:xfrm>
             <a:off x="4941000" y="3450960"/>
-            <a:ext cx="3623040" cy="3018240"/>
+            <a:ext cx="3622680" cy="3017880"/>
           </a:xfrm>
           <a:prstGeom prst="roundRect">
             <a:avLst>
@@ -16812,7 +16814,7 @@
         <p:spPr>
           <a:xfrm>
             <a:off x="16920" y="1800"/>
-            <a:ext cx="13430520" cy="7553880"/>
+            <a:ext cx="13430160" cy="7553520"/>
           </a:xfrm>
           <a:prstGeom prst="rect">
             <a:avLst/>
@@ -16872,7 +16874,7 @@
         <p:spPr>
           <a:xfrm>
             <a:off x="1440" y="1800"/>
-            <a:ext cx="14760" cy="7553880"/>
+            <a:ext cx="14400" cy="7553520"/>
           </a:xfrm>
           <a:prstGeom prst="rect">
             <a:avLst/>
@@ -16932,7 +16934,7 @@
         <p:spPr>
           <a:xfrm>
             <a:off x="1005480" y="1800"/>
-            <a:ext cx="14760" cy="7553880"/>
+            <a:ext cx="14400" cy="7553520"/>
           </a:xfrm>
           <a:prstGeom prst="rect">
             <a:avLst/>
@@ -16992,7 +16994,7 @@
         <p:spPr>
           <a:xfrm>
             <a:off x="2013480" y="1800"/>
-            <a:ext cx="14760" cy="7553880"/>
+            <a:ext cx="14400" cy="7553520"/>
           </a:xfrm>
           <a:prstGeom prst="rect">
             <a:avLst/>
@@ -17052,7 +17054,7 @@
         <p:spPr>
           <a:xfrm>
             <a:off x="3021480" y="1800"/>
-            <a:ext cx="14760" cy="7553880"/>
+            <a:ext cx="14400" cy="7553520"/>
           </a:xfrm>
           <a:prstGeom prst="rect">
             <a:avLst/>
@@ -17112,7 +17114,7 @@
         <p:spPr>
           <a:xfrm>
             <a:off x="4029480" y="1800"/>
-            <a:ext cx="14760" cy="7553880"/>
+            <a:ext cx="14400" cy="7553520"/>
           </a:xfrm>
           <a:prstGeom prst="rect">
             <a:avLst/>
@@ -17172,7 +17174,7 @@
         <p:spPr>
           <a:xfrm>
             <a:off x="5037480" y="1800"/>
-            <a:ext cx="14760" cy="7553880"/>
+            <a:ext cx="14400" cy="7553520"/>
           </a:xfrm>
           <a:prstGeom prst="rect">
             <a:avLst/>
@@ -17232,7 +17234,7 @@
         <p:spPr>
           <a:xfrm>
             <a:off x="6045480" y="1800"/>
-            <a:ext cx="14760" cy="7553880"/>
+            <a:ext cx="14400" cy="7553520"/>
           </a:xfrm>
           <a:prstGeom prst="rect">
             <a:avLst/>
@@ -17292,7 +17294,7 @@
         <p:spPr>
           <a:xfrm>
             <a:off x="7053480" y="1800"/>
-            <a:ext cx="14760" cy="7553880"/>
+            <a:ext cx="14400" cy="7553520"/>
           </a:xfrm>
           <a:prstGeom prst="rect">
             <a:avLst/>
@@ -17352,7 +17354,7 @@
         <p:spPr>
           <a:xfrm>
             <a:off x="8061480" y="1800"/>
-            <a:ext cx="14760" cy="7553880"/>
+            <a:ext cx="14400" cy="7553520"/>
           </a:xfrm>
           <a:prstGeom prst="rect">
             <a:avLst/>
@@ -17412,7 +17414,7 @@
         <p:spPr>
           <a:xfrm>
             <a:off x="9069480" y="1800"/>
-            <a:ext cx="14760" cy="7553880"/>
+            <a:ext cx="14400" cy="7553520"/>
           </a:xfrm>
           <a:prstGeom prst="rect">
             <a:avLst/>
@@ -17472,7 +17474,7 @@
         <p:spPr>
           <a:xfrm>
             <a:off x="10077480" y="1800"/>
-            <a:ext cx="14760" cy="7553880"/>
+            <a:ext cx="14400" cy="7553520"/>
           </a:xfrm>
           <a:prstGeom prst="rect">
             <a:avLst/>
@@ -17532,7 +17534,7 @@
         <p:spPr>
           <a:xfrm>
             <a:off x="11085480" y="1800"/>
-            <a:ext cx="14760" cy="7553880"/>
+            <a:ext cx="14400" cy="7553520"/>
           </a:xfrm>
           <a:prstGeom prst="rect">
             <a:avLst/>
@@ -17592,7 +17594,7 @@
         <p:spPr>
           <a:xfrm>
             <a:off x="12093480" y="1800"/>
-            <a:ext cx="14760" cy="7553880"/>
+            <a:ext cx="14400" cy="7553520"/>
           </a:xfrm>
           <a:prstGeom prst="rect">
             <a:avLst/>
@@ -17652,7 +17654,7 @@
         <p:spPr>
           <a:xfrm>
             <a:off x="13101480" y="1800"/>
-            <a:ext cx="14760" cy="7553880"/>
+            <a:ext cx="14400" cy="7553520"/>
           </a:xfrm>
           <a:prstGeom prst="rect">
             <a:avLst/>
@@ -17712,7 +17714,7 @@
         <p:spPr>
           <a:xfrm>
             <a:off x="1440" y="1800"/>
-            <a:ext cx="346680" cy="7553880"/>
+            <a:ext cx="346320" cy="7553520"/>
           </a:xfrm>
           <a:prstGeom prst="rect">
             <a:avLst/>
@@ -17772,7 +17774,7 @@
         <p:spPr>
           <a:xfrm>
             <a:off x="10884960" y="401400"/>
-            <a:ext cx="2211120" cy="547200"/>
+            <a:ext cx="2210760" cy="546840"/>
           </a:xfrm>
           <a:prstGeom prst="roundRect">
             <a:avLst>
@@ -17846,7 +17848,7 @@
         <p:spPr>
           <a:xfrm>
             <a:off x="3785400" y="1107360"/>
-            <a:ext cx="4543920" cy="729720"/>
+            <a:ext cx="4543560" cy="729720"/>
           </a:xfrm>
           <a:prstGeom prst="rect">
             <a:avLst/>
@@ -17964,7 +17966,7 @@
         <p:spPr>
           <a:xfrm>
             <a:off x="1086840" y="3506040"/>
-            <a:ext cx="3622680" cy="3017880"/>
+            <a:ext cx="3622320" cy="3017520"/>
           </a:xfrm>
           <a:prstGeom prst="roundRect">
             <a:avLst>
@@ -18026,7 +18028,7 @@
         <p:spPr>
           <a:xfrm>
             <a:off x="1020960" y="3424320"/>
-            <a:ext cx="3623040" cy="3018240"/>
+            <a:ext cx="3622680" cy="3017880"/>
           </a:xfrm>
           <a:prstGeom prst="roundRect">
             <a:avLst>
@@ -18245,7 +18247,7 @@
         <p:spPr>
           <a:xfrm>
             <a:off x="4968360" y="3506040"/>
-            <a:ext cx="3622680" cy="3017880"/>
+            <a:ext cx="3622320" cy="3017520"/>
           </a:xfrm>
           <a:prstGeom prst="roundRect">
             <a:avLst>
@@ -18307,7 +18309,7 @@
         <p:spPr>
           <a:xfrm>
             <a:off x="8849160" y="3506040"/>
-            <a:ext cx="3622680" cy="3017880"/>
+            <a:ext cx="3622320" cy="3017520"/>
           </a:xfrm>
           <a:prstGeom prst="roundRect">
             <a:avLst>
@@ -18369,7 +18371,7 @@
         <p:spPr>
           <a:xfrm>
             <a:off x="8767440" y="3425040"/>
-            <a:ext cx="3623040" cy="3018240"/>
+            <a:ext cx="3622680" cy="3017880"/>
           </a:xfrm>
           <a:prstGeom prst="roundRect">
             <a:avLst>
@@ -18850,7 +18852,7 @@
         <p:spPr>
           <a:xfrm>
             <a:off x="4941000" y="3450960"/>
-            <a:ext cx="3623040" cy="3018240"/>
+            <a:ext cx="3622680" cy="3017880"/>
           </a:xfrm>
           <a:prstGeom prst="roundRect">
             <a:avLst>
@@ -19247,7 +19249,7 @@
         <p:spPr>
           <a:xfrm>
             <a:off x="16920" y="1800"/>
-            <a:ext cx="13430520" cy="7553880"/>
+            <a:ext cx="13430160" cy="7553520"/>
           </a:xfrm>
           <a:prstGeom prst="rect">
             <a:avLst/>
@@ -19307,7 +19309,7 @@
         <p:spPr>
           <a:xfrm>
             <a:off x="1440" y="1800"/>
-            <a:ext cx="14760" cy="7553880"/>
+            <a:ext cx="14400" cy="7553520"/>
           </a:xfrm>
           <a:prstGeom prst="rect">
             <a:avLst/>
@@ -19367,7 +19369,7 @@
         <p:spPr>
           <a:xfrm>
             <a:off x="1005480" y="1800"/>
-            <a:ext cx="14760" cy="7553880"/>
+            <a:ext cx="14400" cy="7553520"/>
           </a:xfrm>
           <a:prstGeom prst="rect">
             <a:avLst/>
@@ -19427,7 +19429,7 @@
         <p:spPr>
           <a:xfrm>
             <a:off x="2013480" y="1800"/>
-            <a:ext cx="14760" cy="7553880"/>
+            <a:ext cx="14400" cy="7553520"/>
           </a:xfrm>
           <a:prstGeom prst="rect">
             <a:avLst/>
@@ -19487,7 +19489,7 @@
         <p:spPr>
           <a:xfrm>
             <a:off x="3021480" y="1800"/>
-            <a:ext cx="14760" cy="7553880"/>
+            <a:ext cx="14400" cy="7553520"/>
           </a:xfrm>
           <a:prstGeom prst="rect">
             <a:avLst/>
@@ -19547,7 +19549,7 @@
         <p:spPr>
           <a:xfrm>
             <a:off x="4029480" y="1800"/>
-            <a:ext cx="14760" cy="7553880"/>
+            <a:ext cx="14400" cy="7553520"/>
           </a:xfrm>
           <a:prstGeom prst="rect">
             <a:avLst/>
@@ -19607,7 +19609,7 @@
         <p:spPr>
           <a:xfrm>
             <a:off x="5037480" y="1800"/>
-            <a:ext cx="14760" cy="7553880"/>
+            <a:ext cx="14400" cy="7553520"/>
           </a:xfrm>
           <a:prstGeom prst="rect">
             <a:avLst/>
@@ -19667,7 +19669,7 @@
         <p:spPr>
           <a:xfrm>
             <a:off x="6045480" y="1800"/>
-            <a:ext cx="14760" cy="7553880"/>
+            <a:ext cx="14400" cy="7553520"/>
           </a:xfrm>
           <a:prstGeom prst="rect">
             <a:avLst/>
@@ -19727,7 +19729,7 @@
         <p:spPr>
           <a:xfrm>
             <a:off x="7053480" y="1800"/>
-            <a:ext cx="14760" cy="7553880"/>
+            <a:ext cx="14400" cy="7553520"/>
           </a:xfrm>
           <a:prstGeom prst="rect">
             <a:avLst/>
@@ -19787,7 +19789,7 @@
         <p:spPr>
           <a:xfrm>
             <a:off x="8061480" y="1800"/>
-            <a:ext cx="14760" cy="7553880"/>
+            <a:ext cx="14400" cy="7553520"/>
           </a:xfrm>
           <a:prstGeom prst="rect">
             <a:avLst/>
@@ -19847,7 +19849,7 @@
         <p:spPr>
           <a:xfrm>
             <a:off x="9069480" y="1800"/>
-            <a:ext cx="14760" cy="7553880"/>
+            <a:ext cx="14400" cy="7553520"/>
           </a:xfrm>
           <a:prstGeom prst="rect">
             <a:avLst/>
@@ -19907,7 +19909,7 @@
         <p:spPr>
           <a:xfrm>
             <a:off x="10077480" y="1800"/>
-            <a:ext cx="14760" cy="7553880"/>
+            <a:ext cx="14400" cy="7553520"/>
           </a:xfrm>
           <a:prstGeom prst="rect">
             <a:avLst/>
@@ -19967,7 +19969,7 @@
         <p:spPr>
           <a:xfrm>
             <a:off x="11085480" y="1800"/>
-            <a:ext cx="14760" cy="7553880"/>
+            <a:ext cx="14400" cy="7553520"/>
           </a:xfrm>
           <a:prstGeom prst="rect">
             <a:avLst/>
@@ -20027,7 +20029,7 @@
         <p:spPr>
           <a:xfrm>
             <a:off x="12093480" y="1800"/>
-            <a:ext cx="14760" cy="7553880"/>
+            <a:ext cx="14400" cy="7553520"/>
           </a:xfrm>
           <a:prstGeom prst="rect">
             <a:avLst/>
@@ -20087,7 +20089,7 @@
         <p:spPr>
           <a:xfrm>
             <a:off x="13101480" y="1800"/>
-            <a:ext cx="14760" cy="7553880"/>
+            <a:ext cx="14400" cy="7553520"/>
           </a:xfrm>
           <a:prstGeom prst="rect">
             <a:avLst/>
@@ -20147,7 +20149,7 @@
         <p:spPr>
           <a:xfrm>
             <a:off x="1440" y="1800"/>
-            <a:ext cx="346680" cy="7553880"/>
+            <a:ext cx="346320" cy="7553520"/>
           </a:xfrm>
           <a:prstGeom prst="rect">
             <a:avLst/>
@@ -20207,7 +20209,7 @@
         <p:spPr>
           <a:xfrm>
             <a:off x="10884960" y="401400"/>
-            <a:ext cx="2211120" cy="547200"/>
+            <a:ext cx="2210760" cy="546840"/>
           </a:xfrm>
           <a:prstGeom prst="roundRect">
             <a:avLst>
@@ -20399,7 +20401,7 @@
         <p:spPr>
           <a:xfrm>
             <a:off x="1086840" y="3506040"/>
-            <a:ext cx="3622680" cy="3017880"/>
+            <a:ext cx="3622320" cy="3017520"/>
           </a:xfrm>
           <a:prstGeom prst="roundRect">
             <a:avLst>
@@ -20461,7 +20463,7 @@
         <p:spPr>
           <a:xfrm>
             <a:off x="1020960" y="3424320"/>
-            <a:ext cx="3623040" cy="3018240"/>
+            <a:ext cx="3622680" cy="3017880"/>
           </a:xfrm>
           <a:prstGeom prst="roundRect">
             <a:avLst>
@@ -20680,7 +20682,7 @@
         <p:spPr>
           <a:xfrm>
             <a:off x="4968360" y="3506040"/>
-            <a:ext cx="3622680" cy="3017880"/>
+            <a:ext cx="3622320" cy="3017520"/>
           </a:xfrm>
           <a:prstGeom prst="roundRect">
             <a:avLst>
@@ -20742,7 +20744,7 @@
         <p:spPr>
           <a:xfrm>
             <a:off x="8849160" y="3506040"/>
-            <a:ext cx="3622680" cy="3017880"/>
+            <a:ext cx="3622320" cy="3017520"/>
           </a:xfrm>
           <a:prstGeom prst="roundRect">
             <a:avLst>
@@ -20804,7 +20806,7 @@
         <p:spPr>
           <a:xfrm>
             <a:off x="8767440" y="3425040"/>
-            <a:ext cx="3623040" cy="3018240"/>
+            <a:ext cx="3622680" cy="3017880"/>
           </a:xfrm>
           <a:prstGeom prst="roundRect">
             <a:avLst>
@@ -21258,7 +21260,7 @@
         <p:spPr>
           <a:xfrm>
             <a:off x="4941000" y="3450960"/>
-            <a:ext cx="3623040" cy="3018240"/>
+            <a:ext cx="3622680" cy="3017880"/>
           </a:xfrm>
           <a:prstGeom prst="roundRect">
             <a:avLst>
@@ -21537,7 +21539,7 @@
         <p:spPr>
           <a:xfrm>
             <a:off x="16920" y="1800"/>
-            <a:ext cx="13430520" cy="7553880"/>
+            <a:ext cx="13430160" cy="7553520"/>
           </a:xfrm>
           <a:prstGeom prst="rect">
             <a:avLst/>
@@ -21573,6 +21575,11 @@
             <a:noAutofit/>
           </a:bodyPr>
           <a:p>
+            <a:pPr>
+              <a:lnSpc>
+                <a:spcPct val="100000"/>
+              </a:lnSpc>
+            </a:pPr>
             <a:endParaRPr b="0" lang="en-US" sz="1800" spc="-1" strike="noStrike">
               <a:solidFill>
                 <a:schemeClr val="lt1"/>
@@ -21592,7 +21599,7 @@
         <p:spPr>
           <a:xfrm>
             <a:off x="1440" y="1800"/>
-            <a:ext cx="14760" cy="7553880"/>
+            <a:ext cx="14400" cy="7553520"/>
           </a:xfrm>
           <a:prstGeom prst="rect">
             <a:avLst/>
@@ -21628,6 +21635,11 @@
             <a:noAutofit/>
           </a:bodyPr>
           <a:p>
+            <a:pPr>
+              <a:lnSpc>
+                <a:spcPct val="100000"/>
+              </a:lnSpc>
+            </a:pPr>
             <a:endParaRPr b="0" lang="en-US" sz="1800" spc="-1" strike="noStrike">
               <a:solidFill>
                 <a:schemeClr val="lt1"/>
@@ -21647,7 +21659,7 @@
         <p:spPr>
           <a:xfrm>
             <a:off x="1005480" y="1800"/>
-            <a:ext cx="14760" cy="7553880"/>
+            <a:ext cx="14400" cy="7553520"/>
           </a:xfrm>
           <a:prstGeom prst="rect">
             <a:avLst/>
@@ -21683,6 +21695,11 @@
             <a:noAutofit/>
           </a:bodyPr>
           <a:p>
+            <a:pPr>
+              <a:lnSpc>
+                <a:spcPct val="100000"/>
+              </a:lnSpc>
+            </a:pPr>
             <a:endParaRPr b="0" lang="en-US" sz="1800" spc="-1" strike="noStrike">
               <a:solidFill>
                 <a:schemeClr val="lt1"/>
@@ -21702,7 +21719,7 @@
         <p:spPr>
           <a:xfrm>
             <a:off x="2013480" y="1800"/>
-            <a:ext cx="14760" cy="7553880"/>
+            <a:ext cx="14400" cy="7553520"/>
           </a:xfrm>
           <a:prstGeom prst="rect">
             <a:avLst/>
@@ -21738,6 +21755,11 @@
             <a:noAutofit/>
           </a:bodyPr>
           <a:p>
+            <a:pPr>
+              <a:lnSpc>
+                <a:spcPct val="100000"/>
+              </a:lnSpc>
+            </a:pPr>
             <a:endParaRPr b="0" lang="en-US" sz="1800" spc="-1" strike="noStrike">
               <a:solidFill>
                 <a:schemeClr val="lt1"/>
@@ -21757,7 +21779,7 @@
         <p:spPr>
           <a:xfrm>
             <a:off x="3021480" y="1800"/>
-            <a:ext cx="14760" cy="7553880"/>
+            <a:ext cx="14400" cy="7553520"/>
           </a:xfrm>
           <a:prstGeom prst="rect">
             <a:avLst/>
@@ -21793,6 +21815,11 @@
             <a:noAutofit/>
           </a:bodyPr>
           <a:p>
+            <a:pPr>
+              <a:lnSpc>
+                <a:spcPct val="100000"/>
+              </a:lnSpc>
+            </a:pPr>
             <a:endParaRPr b="0" lang="en-US" sz="1800" spc="-1" strike="noStrike">
               <a:solidFill>
                 <a:schemeClr val="lt1"/>
@@ -21812,7 +21839,7 @@
         <p:spPr>
           <a:xfrm>
             <a:off x="4029480" y="1800"/>
-            <a:ext cx="14760" cy="7553880"/>
+            <a:ext cx="14400" cy="7553520"/>
           </a:xfrm>
           <a:prstGeom prst="rect">
             <a:avLst/>
@@ -21848,6 +21875,11 @@
             <a:noAutofit/>
           </a:bodyPr>
           <a:p>
+            <a:pPr>
+              <a:lnSpc>
+                <a:spcPct val="100000"/>
+              </a:lnSpc>
+            </a:pPr>
             <a:endParaRPr b="0" lang="en-US" sz="1800" spc="-1" strike="noStrike">
               <a:solidFill>
                 <a:schemeClr val="lt1"/>
@@ -21867,7 +21899,7 @@
         <p:spPr>
           <a:xfrm>
             <a:off x="5037480" y="1800"/>
-            <a:ext cx="14760" cy="7553880"/>
+            <a:ext cx="14400" cy="7553520"/>
           </a:xfrm>
           <a:prstGeom prst="rect">
             <a:avLst/>
@@ -21903,6 +21935,11 @@
             <a:noAutofit/>
           </a:bodyPr>
           <a:p>
+            <a:pPr>
+              <a:lnSpc>
+                <a:spcPct val="100000"/>
+              </a:lnSpc>
+            </a:pPr>
             <a:endParaRPr b="0" lang="en-US" sz="1800" spc="-1" strike="noStrike">
               <a:solidFill>
                 <a:schemeClr val="lt1"/>
@@ -21922,7 +21959,7 @@
         <p:spPr>
           <a:xfrm>
             <a:off x="6045480" y="1800"/>
-            <a:ext cx="14760" cy="7553880"/>
+            <a:ext cx="14400" cy="7553520"/>
           </a:xfrm>
           <a:prstGeom prst="rect">
             <a:avLst/>
@@ -21958,6 +21995,11 @@
             <a:noAutofit/>
           </a:bodyPr>
           <a:p>
+            <a:pPr>
+              <a:lnSpc>
+                <a:spcPct val="100000"/>
+              </a:lnSpc>
+            </a:pPr>
             <a:endParaRPr b="0" lang="en-US" sz="1800" spc="-1" strike="noStrike">
               <a:solidFill>
                 <a:schemeClr val="lt1"/>
@@ -21977,7 +22019,7 @@
         <p:spPr>
           <a:xfrm>
             <a:off x="7053480" y="1800"/>
-            <a:ext cx="14760" cy="7553880"/>
+            <a:ext cx="14400" cy="7553520"/>
           </a:xfrm>
           <a:prstGeom prst="rect">
             <a:avLst/>
@@ -22013,6 +22055,11 @@
             <a:noAutofit/>
           </a:bodyPr>
           <a:p>
+            <a:pPr>
+              <a:lnSpc>
+                <a:spcPct val="100000"/>
+              </a:lnSpc>
+            </a:pPr>
             <a:endParaRPr b="0" lang="en-US" sz="1800" spc="-1" strike="noStrike">
               <a:solidFill>
                 <a:schemeClr val="lt1"/>
@@ -22032,7 +22079,7 @@
         <p:spPr>
           <a:xfrm>
             <a:off x="8061480" y="1800"/>
-            <a:ext cx="14760" cy="7553880"/>
+            <a:ext cx="14400" cy="7553520"/>
           </a:xfrm>
           <a:prstGeom prst="rect">
             <a:avLst/>
@@ -22068,6 +22115,11 @@
             <a:noAutofit/>
           </a:bodyPr>
           <a:p>
+            <a:pPr>
+              <a:lnSpc>
+                <a:spcPct val="100000"/>
+              </a:lnSpc>
+            </a:pPr>
             <a:endParaRPr b="0" lang="en-US" sz="1800" spc="-1" strike="noStrike">
               <a:solidFill>
                 <a:schemeClr val="lt1"/>
@@ -22087,7 +22139,7 @@
         <p:spPr>
           <a:xfrm>
             <a:off x="9069480" y="1800"/>
-            <a:ext cx="14760" cy="7553880"/>
+            <a:ext cx="14400" cy="7553520"/>
           </a:xfrm>
           <a:prstGeom prst="rect">
             <a:avLst/>
@@ -22123,6 +22175,11 @@
             <a:noAutofit/>
           </a:bodyPr>
           <a:p>
+            <a:pPr>
+              <a:lnSpc>
+                <a:spcPct val="100000"/>
+              </a:lnSpc>
+            </a:pPr>
             <a:endParaRPr b="0" lang="en-US" sz="1800" spc="-1" strike="noStrike">
               <a:solidFill>
                 <a:schemeClr val="lt1"/>
@@ -22142,7 +22199,7 @@
         <p:spPr>
           <a:xfrm>
             <a:off x="10077480" y="1800"/>
-            <a:ext cx="14760" cy="7553880"/>
+            <a:ext cx="14400" cy="7553520"/>
           </a:xfrm>
           <a:prstGeom prst="rect">
             <a:avLst/>
@@ -22178,6 +22235,11 @@
             <a:noAutofit/>
           </a:bodyPr>
           <a:p>
+            <a:pPr>
+              <a:lnSpc>
+                <a:spcPct val="100000"/>
+              </a:lnSpc>
+            </a:pPr>
             <a:endParaRPr b="0" lang="en-US" sz="1800" spc="-1" strike="noStrike">
               <a:solidFill>
                 <a:schemeClr val="lt1"/>
@@ -22197,7 +22259,7 @@
         <p:spPr>
           <a:xfrm>
             <a:off x="11085480" y="1800"/>
-            <a:ext cx="14760" cy="7553880"/>
+            <a:ext cx="14400" cy="7553520"/>
           </a:xfrm>
           <a:prstGeom prst="rect">
             <a:avLst/>
@@ -22233,6 +22295,11 @@
             <a:noAutofit/>
           </a:bodyPr>
           <a:p>
+            <a:pPr>
+              <a:lnSpc>
+                <a:spcPct val="100000"/>
+              </a:lnSpc>
+            </a:pPr>
             <a:endParaRPr b="0" lang="en-US" sz="1800" spc="-1" strike="noStrike">
               <a:solidFill>
                 <a:schemeClr val="lt1"/>
@@ -22252,7 +22319,7 @@
         <p:spPr>
           <a:xfrm>
             <a:off x="12093480" y="1800"/>
-            <a:ext cx="14760" cy="7553880"/>
+            <a:ext cx="14400" cy="7553520"/>
           </a:xfrm>
           <a:prstGeom prst="rect">
             <a:avLst/>
@@ -22288,6 +22355,11 @@
             <a:noAutofit/>
           </a:bodyPr>
           <a:p>
+            <a:pPr>
+              <a:lnSpc>
+                <a:spcPct val="100000"/>
+              </a:lnSpc>
+            </a:pPr>
             <a:endParaRPr b="0" lang="en-US" sz="1800" spc="-1" strike="noStrike">
               <a:solidFill>
                 <a:schemeClr val="lt1"/>
@@ -22307,7 +22379,7 @@
         <p:spPr>
           <a:xfrm>
             <a:off x="13101480" y="1800"/>
-            <a:ext cx="14760" cy="7553880"/>
+            <a:ext cx="14400" cy="7553520"/>
           </a:xfrm>
           <a:prstGeom prst="rect">
             <a:avLst/>
@@ -22343,6 +22415,11 @@
             <a:noAutofit/>
           </a:bodyPr>
           <a:p>
+            <a:pPr>
+              <a:lnSpc>
+                <a:spcPct val="100000"/>
+              </a:lnSpc>
+            </a:pPr>
             <a:endParaRPr b="0" lang="en-US" sz="1800" spc="-1" strike="noStrike">
               <a:solidFill>
                 <a:schemeClr val="lt1"/>
@@ -22362,7 +22439,7 @@
         <p:spPr>
           <a:xfrm>
             <a:off x="1440" y="1800"/>
-            <a:ext cx="346680" cy="7553880"/>
+            <a:ext cx="346320" cy="7553520"/>
           </a:xfrm>
           <a:prstGeom prst="rect">
             <a:avLst/>
@@ -22398,6 +22475,11 @@
             <a:noAutofit/>
           </a:bodyPr>
           <a:p>
+            <a:pPr>
+              <a:lnSpc>
+                <a:spcPct val="100000"/>
+              </a:lnSpc>
+            </a:pPr>
             <a:endParaRPr b="0" lang="en-US" sz="1800" spc="-1" strike="noStrike">
               <a:solidFill>
                 <a:schemeClr val="lt1"/>
@@ -22417,7 +22499,7 @@
         <p:spPr>
           <a:xfrm>
             <a:off x="10884960" y="401400"/>
-            <a:ext cx="2211120" cy="547200"/>
+            <a:ext cx="2210760" cy="546840"/>
           </a:xfrm>
           <a:prstGeom prst="roundRect">
             <a:avLst>
@@ -22545,7 +22627,7 @@
         <p:spPr>
           <a:xfrm>
             <a:off x="2773080" y="2266200"/>
-            <a:ext cx="7194600" cy="363960"/>
+            <a:ext cx="7194240" cy="363960"/>
           </a:xfrm>
           <a:prstGeom prst="rect">
             <a:avLst/>
@@ -22599,7 +22681,7 @@
         <p:spPr>
           <a:xfrm>
             <a:off x="1086840" y="3506040"/>
-            <a:ext cx="3622680" cy="3017880"/>
+            <a:ext cx="3622320" cy="3017520"/>
           </a:xfrm>
           <a:prstGeom prst="roundRect">
             <a:avLst>
@@ -22637,6 +22719,11 @@
             <a:noAutofit/>
           </a:bodyPr>
           <a:p>
+            <a:pPr>
+              <a:lnSpc>
+                <a:spcPct val="100000"/>
+              </a:lnSpc>
+            </a:pPr>
             <a:endParaRPr b="0" lang="en-US" sz="1800" spc="-1" strike="noStrike">
               <a:solidFill>
                 <a:schemeClr val="lt1"/>
@@ -22656,7 +22743,7 @@
         <p:spPr>
           <a:xfrm>
             <a:off x="1020960" y="3424320"/>
-            <a:ext cx="3623040" cy="3018240"/>
+            <a:ext cx="3622680" cy="3017880"/>
           </a:xfrm>
           <a:prstGeom prst="roundRect">
             <a:avLst>
@@ -22819,7 +22906,7 @@
         <p:spPr>
           <a:xfrm>
             <a:off x="4968360" y="3506040"/>
-            <a:ext cx="3622680" cy="3017880"/>
+            <a:ext cx="3622320" cy="3017520"/>
           </a:xfrm>
           <a:prstGeom prst="roundRect">
             <a:avLst>
@@ -22857,6 +22944,11 @@
             <a:noAutofit/>
           </a:bodyPr>
           <a:p>
+            <a:pPr>
+              <a:lnSpc>
+                <a:spcPct val="100000"/>
+              </a:lnSpc>
+            </a:pPr>
             <a:endParaRPr b="0" lang="en-US" sz="1800" spc="-1" strike="noStrike">
               <a:solidFill>
                 <a:schemeClr val="lt1"/>
@@ -22876,7 +22968,7 @@
         <p:spPr>
           <a:xfrm>
             <a:off x="8849160" y="3506040"/>
-            <a:ext cx="3622680" cy="3017880"/>
+            <a:ext cx="3622320" cy="3017520"/>
           </a:xfrm>
           <a:prstGeom prst="roundRect">
             <a:avLst>
@@ -22914,6 +23006,11 @@
             <a:noAutofit/>
           </a:bodyPr>
           <a:p>
+            <a:pPr>
+              <a:lnSpc>
+                <a:spcPct val="100000"/>
+              </a:lnSpc>
+            </a:pPr>
             <a:endParaRPr b="0" lang="en-US" sz="1800" spc="-1" strike="noStrike">
               <a:solidFill>
                 <a:schemeClr val="lt1"/>
@@ -22933,7 +23030,7 @@
         <p:spPr>
           <a:xfrm>
             <a:off x="8767440" y="3425040"/>
-            <a:ext cx="3623040" cy="3018240"/>
+            <a:ext cx="3622680" cy="3017880"/>
           </a:xfrm>
           <a:prstGeom prst="roundRect">
             <a:avLst>
@@ -23601,7 +23698,7 @@
         <p:spPr>
           <a:xfrm>
             <a:off x="4941000" y="3450960"/>
-            <a:ext cx="3623040" cy="3018240"/>
+            <a:ext cx="3622680" cy="3017880"/>
           </a:xfrm>
           <a:prstGeom prst="roundRect">
             <a:avLst>
@@ -23961,7 +24058,7 @@
         <p:spPr>
           <a:xfrm>
             <a:off x="16920" y="1800"/>
-            <a:ext cx="13430520" cy="7553880"/>
+            <a:ext cx="13430160" cy="7553520"/>
           </a:xfrm>
           <a:prstGeom prst="rect">
             <a:avLst/>
@@ -23997,6 +24094,11 @@
             <a:noAutofit/>
           </a:bodyPr>
           <a:p>
+            <a:pPr>
+              <a:lnSpc>
+                <a:spcPct val="100000"/>
+              </a:lnSpc>
+            </a:pPr>
             <a:endParaRPr b="0" lang="en-US" sz="1800" spc="-1" strike="noStrike">
               <a:solidFill>
                 <a:schemeClr val="lt1"/>
@@ -24016,7 +24118,7 @@
         <p:spPr>
           <a:xfrm>
             <a:off x="1440" y="1800"/>
-            <a:ext cx="14760" cy="7553880"/>
+            <a:ext cx="14400" cy="7553520"/>
           </a:xfrm>
           <a:prstGeom prst="rect">
             <a:avLst/>
@@ -24052,6 +24154,11 @@
             <a:noAutofit/>
           </a:bodyPr>
           <a:p>
+            <a:pPr>
+              <a:lnSpc>
+                <a:spcPct val="100000"/>
+              </a:lnSpc>
+            </a:pPr>
             <a:endParaRPr b="0" lang="en-US" sz="1800" spc="-1" strike="noStrike">
               <a:solidFill>
                 <a:schemeClr val="lt1"/>
@@ -24071,7 +24178,7 @@
         <p:spPr>
           <a:xfrm>
             <a:off x="1005480" y="1800"/>
-            <a:ext cx="14760" cy="7553880"/>
+            <a:ext cx="14400" cy="7553520"/>
           </a:xfrm>
           <a:prstGeom prst="rect">
             <a:avLst/>
@@ -24107,6 +24214,11 @@
             <a:noAutofit/>
           </a:bodyPr>
           <a:p>
+            <a:pPr>
+              <a:lnSpc>
+                <a:spcPct val="100000"/>
+              </a:lnSpc>
+            </a:pPr>
             <a:endParaRPr b="0" lang="en-US" sz="1800" spc="-1" strike="noStrike">
               <a:solidFill>
                 <a:schemeClr val="lt1"/>
@@ -24126,7 +24238,7 @@
         <p:spPr>
           <a:xfrm>
             <a:off x="2013480" y="1800"/>
-            <a:ext cx="14760" cy="7553880"/>
+            <a:ext cx="14400" cy="7553520"/>
           </a:xfrm>
           <a:prstGeom prst="rect">
             <a:avLst/>
@@ -24162,6 +24274,11 @@
             <a:noAutofit/>
           </a:bodyPr>
           <a:p>
+            <a:pPr>
+              <a:lnSpc>
+                <a:spcPct val="100000"/>
+              </a:lnSpc>
+            </a:pPr>
             <a:endParaRPr b="0" lang="en-US" sz="1800" spc="-1" strike="noStrike">
               <a:solidFill>
                 <a:schemeClr val="lt1"/>
@@ -24181,7 +24298,7 @@
         <p:spPr>
           <a:xfrm>
             <a:off x="3021480" y="1800"/>
-            <a:ext cx="14760" cy="7553880"/>
+            <a:ext cx="14400" cy="7553520"/>
           </a:xfrm>
           <a:prstGeom prst="rect">
             <a:avLst/>
@@ -24217,6 +24334,11 @@
             <a:noAutofit/>
           </a:bodyPr>
           <a:p>
+            <a:pPr>
+              <a:lnSpc>
+                <a:spcPct val="100000"/>
+              </a:lnSpc>
+            </a:pPr>
             <a:endParaRPr b="0" lang="en-US" sz="1800" spc="-1" strike="noStrike">
               <a:solidFill>
                 <a:schemeClr val="lt1"/>
@@ -24236,7 +24358,7 @@
         <p:spPr>
           <a:xfrm>
             <a:off x="4029480" y="1800"/>
-            <a:ext cx="14760" cy="7553880"/>
+            <a:ext cx="14400" cy="7553520"/>
           </a:xfrm>
           <a:prstGeom prst="rect">
             <a:avLst/>
@@ -24272,6 +24394,11 @@
             <a:noAutofit/>
           </a:bodyPr>
           <a:p>
+            <a:pPr>
+              <a:lnSpc>
+                <a:spcPct val="100000"/>
+              </a:lnSpc>
+            </a:pPr>
             <a:endParaRPr b="0" lang="en-US" sz="1800" spc="-1" strike="noStrike">
               <a:solidFill>
                 <a:schemeClr val="lt1"/>
@@ -24291,7 +24418,7 @@
         <p:spPr>
           <a:xfrm>
             <a:off x="5037480" y="1800"/>
-            <a:ext cx="14760" cy="7553880"/>
+            <a:ext cx="14400" cy="7553520"/>
           </a:xfrm>
           <a:prstGeom prst="rect">
             <a:avLst/>
@@ -24327,6 +24454,11 @@
             <a:noAutofit/>
           </a:bodyPr>
           <a:p>
+            <a:pPr>
+              <a:lnSpc>
+                <a:spcPct val="100000"/>
+              </a:lnSpc>
+            </a:pPr>
             <a:endParaRPr b="0" lang="en-US" sz="1800" spc="-1" strike="noStrike">
               <a:solidFill>
                 <a:schemeClr val="lt1"/>
@@ -24346,7 +24478,7 @@
         <p:spPr>
           <a:xfrm>
             <a:off x="6045480" y="1800"/>
-            <a:ext cx="14760" cy="7553880"/>
+            <a:ext cx="14400" cy="7553520"/>
           </a:xfrm>
           <a:prstGeom prst="rect">
             <a:avLst/>
@@ -24382,6 +24514,11 @@
             <a:noAutofit/>
           </a:bodyPr>
           <a:p>
+            <a:pPr>
+              <a:lnSpc>
+                <a:spcPct val="100000"/>
+              </a:lnSpc>
+            </a:pPr>
             <a:endParaRPr b="0" lang="en-US" sz="1800" spc="-1" strike="noStrike">
               <a:solidFill>
                 <a:schemeClr val="lt1"/>
@@ -24401,7 +24538,7 @@
         <p:spPr>
           <a:xfrm>
             <a:off x="7053480" y="1800"/>
-            <a:ext cx="14760" cy="7553880"/>
+            <a:ext cx="14400" cy="7553520"/>
           </a:xfrm>
           <a:prstGeom prst="rect">
             <a:avLst/>
@@ -24437,6 +24574,11 @@
             <a:noAutofit/>
           </a:bodyPr>
           <a:p>
+            <a:pPr>
+              <a:lnSpc>
+                <a:spcPct val="100000"/>
+              </a:lnSpc>
+            </a:pPr>
             <a:endParaRPr b="0" lang="en-US" sz="1800" spc="-1" strike="noStrike">
               <a:solidFill>
                 <a:schemeClr val="lt1"/>
@@ -24456,7 +24598,7 @@
         <p:spPr>
           <a:xfrm>
             <a:off x="8061480" y="1800"/>
-            <a:ext cx="14760" cy="7553880"/>
+            <a:ext cx="14400" cy="7553520"/>
           </a:xfrm>
           <a:prstGeom prst="rect">
             <a:avLst/>
@@ -24492,6 +24634,11 @@
             <a:noAutofit/>
           </a:bodyPr>
           <a:p>
+            <a:pPr>
+              <a:lnSpc>
+                <a:spcPct val="100000"/>
+              </a:lnSpc>
+            </a:pPr>
             <a:endParaRPr b="0" lang="en-US" sz="1800" spc="-1" strike="noStrike">
               <a:solidFill>
                 <a:schemeClr val="lt1"/>
@@ -24511,7 +24658,7 @@
         <p:spPr>
           <a:xfrm>
             <a:off x="9069480" y="1800"/>
-            <a:ext cx="14760" cy="7553880"/>
+            <a:ext cx="14400" cy="7553520"/>
           </a:xfrm>
           <a:prstGeom prst="rect">
             <a:avLst/>
@@ -24547,6 +24694,11 @@
             <a:noAutofit/>
           </a:bodyPr>
           <a:p>
+            <a:pPr>
+              <a:lnSpc>
+                <a:spcPct val="100000"/>
+              </a:lnSpc>
+            </a:pPr>
             <a:endParaRPr b="0" lang="en-US" sz="1800" spc="-1" strike="noStrike">
               <a:solidFill>
                 <a:schemeClr val="lt1"/>
@@ -24566,7 +24718,7 @@
         <p:spPr>
           <a:xfrm>
             <a:off x="10077480" y="1800"/>
-            <a:ext cx="14760" cy="7553880"/>
+            <a:ext cx="14400" cy="7553520"/>
           </a:xfrm>
           <a:prstGeom prst="rect">
             <a:avLst/>
@@ -24602,6 +24754,11 @@
             <a:noAutofit/>
           </a:bodyPr>
           <a:p>
+            <a:pPr>
+              <a:lnSpc>
+                <a:spcPct val="100000"/>
+              </a:lnSpc>
+            </a:pPr>
             <a:endParaRPr b="0" lang="en-US" sz="1800" spc="-1" strike="noStrike">
               <a:solidFill>
                 <a:schemeClr val="lt1"/>
@@ -24621,7 +24778,7 @@
         <p:spPr>
           <a:xfrm>
             <a:off x="11085480" y="1800"/>
-            <a:ext cx="14760" cy="7553880"/>
+            <a:ext cx="14400" cy="7553520"/>
           </a:xfrm>
           <a:prstGeom prst="rect">
             <a:avLst/>
@@ -24657,6 +24814,11 @@
             <a:noAutofit/>
           </a:bodyPr>
           <a:p>
+            <a:pPr>
+              <a:lnSpc>
+                <a:spcPct val="100000"/>
+              </a:lnSpc>
+            </a:pPr>
             <a:endParaRPr b="0" lang="en-US" sz="1800" spc="-1" strike="noStrike">
               <a:solidFill>
                 <a:schemeClr val="lt1"/>
@@ -24676,7 +24838,7 @@
         <p:spPr>
           <a:xfrm>
             <a:off x="12093480" y="1800"/>
-            <a:ext cx="14760" cy="7553880"/>
+            <a:ext cx="14400" cy="7553520"/>
           </a:xfrm>
           <a:prstGeom prst="rect">
             <a:avLst/>
@@ -24712,6 +24874,11 @@
             <a:noAutofit/>
           </a:bodyPr>
           <a:p>
+            <a:pPr>
+              <a:lnSpc>
+                <a:spcPct val="100000"/>
+              </a:lnSpc>
+            </a:pPr>
             <a:endParaRPr b="0" lang="en-US" sz="1800" spc="-1" strike="noStrike">
               <a:solidFill>
                 <a:schemeClr val="lt1"/>
@@ -24731,7 +24898,7 @@
         <p:spPr>
           <a:xfrm>
             <a:off x="13101480" y="1800"/>
-            <a:ext cx="14760" cy="7553880"/>
+            <a:ext cx="14400" cy="7553520"/>
           </a:xfrm>
           <a:prstGeom prst="rect">
             <a:avLst/>
@@ -24767,6 +24934,11 @@
             <a:noAutofit/>
           </a:bodyPr>
           <a:p>
+            <a:pPr>
+              <a:lnSpc>
+                <a:spcPct val="100000"/>
+              </a:lnSpc>
+            </a:pPr>
             <a:endParaRPr b="0" lang="en-US" sz="1800" spc="-1" strike="noStrike">
               <a:solidFill>
                 <a:schemeClr val="lt1"/>
@@ -24786,7 +24958,7 @@
         <p:spPr>
           <a:xfrm>
             <a:off x="1440" y="1800"/>
-            <a:ext cx="346680" cy="7553880"/>
+            <a:ext cx="346320" cy="7553520"/>
           </a:xfrm>
           <a:prstGeom prst="rect">
             <a:avLst/>
@@ -24822,6 +24994,11 @@
             <a:noAutofit/>
           </a:bodyPr>
           <a:p>
+            <a:pPr>
+              <a:lnSpc>
+                <a:spcPct val="100000"/>
+              </a:lnSpc>
+            </a:pPr>
             <a:endParaRPr b="0" lang="en-US" sz="1800" spc="-1" strike="noStrike">
               <a:solidFill>
                 <a:schemeClr val="lt1"/>
@@ -24841,7 +25018,7 @@
         <p:spPr>
           <a:xfrm>
             <a:off x="10884960" y="401400"/>
-            <a:ext cx="2211120" cy="547200"/>
+            <a:ext cx="2210760" cy="546840"/>
           </a:xfrm>
           <a:prstGeom prst="roundRect">
             <a:avLst>
@@ -24915,7 +25092,7 @@
         <p:spPr>
           <a:xfrm>
             <a:off x="2240640" y="1107360"/>
-            <a:ext cx="7634880" cy="729720"/>
+            <a:ext cx="7634520" cy="729720"/>
           </a:xfrm>
           <a:prstGeom prst="rect">
             <a:avLst/>
@@ -24969,7 +25146,7 @@
         <p:spPr>
           <a:xfrm>
             <a:off x="3222000" y="2266200"/>
-            <a:ext cx="6296760" cy="363960"/>
+            <a:ext cx="6296400" cy="363960"/>
           </a:xfrm>
           <a:prstGeom prst="rect">
             <a:avLst/>
@@ -25023,7 +25200,7 @@
         <p:spPr>
           <a:xfrm>
             <a:off x="1086840" y="3506040"/>
-            <a:ext cx="3622680" cy="3017880"/>
+            <a:ext cx="3622320" cy="3017520"/>
           </a:xfrm>
           <a:prstGeom prst="roundRect">
             <a:avLst>
@@ -25061,6 +25238,11 @@
             <a:noAutofit/>
           </a:bodyPr>
           <a:p>
+            <a:pPr>
+              <a:lnSpc>
+                <a:spcPct val="100000"/>
+              </a:lnSpc>
+            </a:pPr>
             <a:endParaRPr b="0" lang="en-US" sz="1800" spc="-1" strike="noStrike">
               <a:solidFill>
                 <a:schemeClr val="lt1"/>
@@ -25080,7 +25262,7 @@
         <p:spPr>
           <a:xfrm>
             <a:off x="1020960" y="3424320"/>
-            <a:ext cx="3623040" cy="3018240"/>
+            <a:ext cx="3622680" cy="3017880"/>
           </a:xfrm>
           <a:prstGeom prst="roundRect">
             <a:avLst>
@@ -25226,7 +25408,7 @@
         <p:spPr>
           <a:xfrm>
             <a:off x="4968360" y="3506040"/>
-            <a:ext cx="3622680" cy="3017880"/>
+            <a:ext cx="3622320" cy="3017520"/>
           </a:xfrm>
           <a:prstGeom prst="roundRect">
             <a:avLst>
@@ -25264,6 +25446,11 @@
             <a:noAutofit/>
           </a:bodyPr>
           <a:p>
+            <a:pPr>
+              <a:lnSpc>
+                <a:spcPct val="100000"/>
+              </a:lnSpc>
+            </a:pPr>
             <a:endParaRPr b="0" lang="en-US" sz="1800" spc="-1" strike="noStrike">
               <a:solidFill>
                 <a:schemeClr val="lt1"/>
@@ -25283,7 +25470,7 @@
         <p:spPr>
           <a:xfrm>
             <a:off x="8849160" y="3506040"/>
-            <a:ext cx="3622680" cy="3017880"/>
+            <a:ext cx="3622320" cy="3017520"/>
           </a:xfrm>
           <a:prstGeom prst="roundRect">
             <a:avLst>
@@ -25321,6 +25508,11 @@
             <a:noAutofit/>
           </a:bodyPr>
           <a:p>
+            <a:pPr>
+              <a:lnSpc>
+                <a:spcPct val="100000"/>
+              </a:lnSpc>
+            </a:pPr>
             <a:endParaRPr b="0" lang="en-US" sz="1800" spc="-1" strike="noStrike">
               <a:solidFill>
                 <a:schemeClr val="lt1"/>
@@ -25340,7 +25532,7 @@
         <p:spPr>
           <a:xfrm>
             <a:off x="8767440" y="3425040"/>
-            <a:ext cx="3623040" cy="3018240"/>
+            <a:ext cx="3622680" cy="3017880"/>
           </a:xfrm>
           <a:prstGeom prst="roundRect">
             <a:avLst>
@@ -25846,7 +26038,7 @@
         <p:spPr>
           <a:xfrm>
             <a:off x="4941000" y="3450960"/>
-            <a:ext cx="3623040" cy="3018240"/>
+            <a:ext cx="3622680" cy="3017880"/>
           </a:xfrm>
           <a:prstGeom prst="roundRect">
             <a:avLst>
@@ -26008,6 +26200,2568 @@
               </a:lnSpc>
             </a:pPr>
             <a:endParaRPr b="0" lang="en-US" sz="2400" spc="-1" strike="noStrike">
+              <a:solidFill>
+                <a:srgbClr val="ffffff"/>
+              </a:solidFill>
+              <a:latin typeface="Arial"/>
+            </a:endParaRPr>
+          </a:p>
+        </p:txBody>
+      </p:sp>
+    </p:spTree>
+  </p:cSld>
+  <mc:AlternateContent>
+    <mc:Choice Requires="p14">
+      <p:transition spd="slow" p14:dur="2000"/>
+    </mc:Choice>
+    <mc:Fallback>
+      <p:transition spd="slow"/>
+    </mc:Fallback>
+  </mc:AlternateContent>
+</p:sld>
+</file>
+
+<file path=ppt/slides/slide19.xml><?xml version="1.0" encoding="utf-8"?>
+<p:sld xmlns:a="http://schemas.openxmlformats.org/drawingml/2006/main" xmlns:p="http://schemas.openxmlformats.org/presentationml/2006/main" xmlns:r="http://schemas.openxmlformats.org/officeDocument/2006/relationships" xmlns:p14="http://schemas.microsoft.com/office/powerpoint/2010/main" xmlns:p15="http://schemas.microsoft.com/office/powerpoint/2012/main" xmlns:mc="http://schemas.openxmlformats.org/markup-compatibility/2006">
+  <p:cSld>
+    <p:spTree>
+      <p:nvGrpSpPr>
+        <p:cNvPr id="1" name=""/>
+        <p:cNvGrpSpPr/>
+        <p:nvPr/>
+      </p:nvGrpSpPr>
+      <p:grpSpPr>
+        <a:xfrm>
+          <a:off x="0" y="0"/>
+          <a:ext cx="0" cy="0"/>
+          <a:chOff x="0" y="0"/>
+          <a:chExt cx="0" cy="0"/>
+        </a:xfrm>
+      </p:grpSpPr>
+      <p:sp>
+        <p:nvSpPr>
+          <p:cNvPr id="509" name="Rectangle 289"/>
+          <p:cNvSpPr/>
+          <p:nvPr/>
+        </p:nvSpPr>
+        <p:spPr>
+          <a:xfrm>
+            <a:off x="16920" y="1800"/>
+            <a:ext cx="13430160" cy="7553520"/>
+          </a:xfrm>
+          <a:prstGeom prst="rect">
+            <a:avLst/>
+          </a:prstGeom>
+          <a:solidFill>
+            <a:srgbClr val="0b0b0d"/>
+          </a:solidFill>
+          <a:ln>
+            <a:noFill/>
+          </a:ln>
+          <a:effectLst>
+            <a:outerShdw blurRad="39960" dir="5400000" dist="23040" rotWithShape="0">
+              <a:srgbClr val="000000">
+                <a:alpha val="35000"/>
+              </a:srgbClr>
+            </a:outerShdw>
+          </a:effectLst>
+        </p:spPr>
+        <p:style>
+          <a:lnRef idx="1">
+            <a:schemeClr val="accent1"/>
+          </a:lnRef>
+          <a:fillRef idx="3">
+            <a:schemeClr val="accent1"/>
+          </a:fillRef>
+          <a:effectRef idx="2">
+            <a:schemeClr val="accent1"/>
+          </a:effectRef>
+          <a:fontRef idx="minor"/>
+        </p:style>
+        <p:txBody>
+          <a:bodyPr lIns="90000" rIns="90000" tIns="45000" bIns="45000" anchor="ctr">
+            <a:noAutofit/>
+          </a:bodyPr>
+          <a:p>
+            <a:endParaRPr b="0" lang="en-US" sz="1800" spc="-1" strike="noStrike">
+              <a:solidFill>
+                <a:schemeClr val="lt1"/>
+              </a:solidFill>
+              <a:latin typeface="Calibri"/>
+              <a:ea typeface="DejaVu Sans"/>
+            </a:endParaRPr>
+          </a:p>
+        </p:txBody>
+      </p:sp>
+      <p:sp>
+        <p:nvSpPr>
+          <p:cNvPr id="510" name="Rectangle 290"/>
+          <p:cNvSpPr/>
+          <p:nvPr/>
+        </p:nvSpPr>
+        <p:spPr>
+          <a:xfrm>
+            <a:off x="1440" y="1800"/>
+            <a:ext cx="14400" cy="7553520"/>
+          </a:xfrm>
+          <a:prstGeom prst="rect">
+            <a:avLst/>
+          </a:prstGeom>
+          <a:solidFill>
+            <a:srgbClr val="121216"/>
+          </a:solidFill>
+          <a:ln>
+            <a:noFill/>
+          </a:ln>
+          <a:effectLst>
+            <a:outerShdw blurRad="39960" dir="5400000" dist="23040" rotWithShape="0">
+              <a:srgbClr val="000000">
+                <a:alpha val="35000"/>
+              </a:srgbClr>
+            </a:outerShdw>
+          </a:effectLst>
+        </p:spPr>
+        <p:style>
+          <a:lnRef idx="1">
+            <a:schemeClr val="accent1"/>
+          </a:lnRef>
+          <a:fillRef idx="3">
+            <a:schemeClr val="accent1"/>
+          </a:fillRef>
+          <a:effectRef idx="2">
+            <a:schemeClr val="accent1"/>
+          </a:effectRef>
+          <a:fontRef idx="minor"/>
+        </p:style>
+        <p:txBody>
+          <a:bodyPr lIns="90000" rIns="90000" tIns="45000" bIns="45000" anchor="ctr">
+            <a:noAutofit/>
+          </a:bodyPr>
+          <a:p>
+            <a:endParaRPr b="0" lang="en-US" sz="1800" spc="-1" strike="noStrike">
+              <a:solidFill>
+                <a:schemeClr val="lt1"/>
+              </a:solidFill>
+              <a:latin typeface="Calibri"/>
+              <a:ea typeface="DejaVu Sans"/>
+            </a:endParaRPr>
+          </a:p>
+        </p:txBody>
+      </p:sp>
+      <p:sp>
+        <p:nvSpPr>
+     